--- a/Documents/Lessons Learned From Agile Quality Assurance In Scrum.pptx
+++ b/Documents/Lessons Learned From Agile Quality Assurance In Scrum.pptx
@@ -5,13 +5,14 @@
     <p:sldMasterId id="2147483648" r:id="rId1"/>
   </p:sldMasterIdLst>
   <p:notesMasterIdLst>
-    <p:notesMasterId r:id="rId6"/>
+    <p:notesMasterId r:id="rId7"/>
   </p:notesMasterIdLst>
   <p:sldIdLst>
     <p:sldId id="256" r:id="rId2"/>
-    <p:sldId id="257" r:id="rId3"/>
-    <p:sldId id="259" r:id="rId4"/>
-    <p:sldId id="258" r:id="rId5"/>
+    <p:sldId id="260" r:id="rId3"/>
+    <p:sldId id="257" r:id="rId4"/>
+    <p:sldId id="259" r:id="rId5"/>
+    <p:sldId id="258" r:id="rId6"/>
   </p:sldIdLst>
   <p:sldSz cx="12192000" cy="6858000"/>
   <p:notesSz cx="6858000" cy="9144000"/>
@@ -212,7 +213,7 @@
           <a:p>
             <a:fld id="{DDC08AD7-58B5-48BE-B808-02C5C825B5D9}" type="datetimeFigureOut">
               <a:rPr lang="en-US" smtClean="0"/>
-              <a:t>6/3/2015</a:t>
+              <a:t>6/10/2015</a:t>
             </a:fld>
             <a:endParaRPr lang="en-US"/>
           </a:p>
@@ -545,7 +546,7 @@
           <a:p>
             <a:fld id="{77CEC4F4-A931-4EDC-A8DD-700DC7739227}" type="slidenum">
               <a:rPr lang="en-US" smtClean="0"/>
-              <a:t>2</a:t>
+              <a:t>3</a:t>
             </a:fld>
             <a:endParaRPr lang="en-US"/>
           </a:p>
@@ -695,7 +696,7 @@
           <a:p>
             <a:fld id="{E08FC013-CE91-4A54-A5E2-829320F33C83}" type="datetimeFigureOut">
               <a:rPr lang="en-US" smtClean="0"/>
-              <a:t>6/3/2015</a:t>
+              <a:t>6/10/2015</a:t>
             </a:fld>
             <a:endParaRPr lang="en-US"/>
           </a:p>
@@ -865,7 +866,7 @@
           <a:p>
             <a:fld id="{E08FC013-CE91-4A54-A5E2-829320F33C83}" type="datetimeFigureOut">
               <a:rPr lang="en-US" smtClean="0"/>
-              <a:t>6/3/2015</a:t>
+              <a:t>6/10/2015</a:t>
             </a:fld>
             <a:endParaRPr lang="en-US"/>
           </a:p>
@@ -1045,7 +1046,7 @@
           <a:p>
             <a:fld id="{E08FC013-CE91-4A54-A5E2-829320F33C83}" type="datetimeFigureOut">
               <a:rPr lang="en-US" smtClean="0"/>
-              <a:t>6/3/2015</a:t>
+              <a:t>6/10/2015</a:t>
             </a:fld>
             <a:endParaRPr lang="en-US"/>
           </a:p>
@@ -1215,7 +1216,7 @@
           <a:p>
             <a:fld id="{E08FC013-CE91-4A54-A5E2-829320F33C83}" type="datetimeFigureOut">
               <a:rPr lang="en-US" smtClean="0"/>
-              <a:t>6/3/2015</a:t>
+              <a:t>6/10/2015</a:t>
             </a:fld>
             <a:endParaRPr lang="en-US"/>
           </a:p>
@@ -1461,7 +1462,7 @@
           <a:p>
             <a:fld id="{E08FC013-CE91-4A54-A5E2-829320F33C83}" type="datetimeFigureOut">
               <a:rPr lang="en-US" smtClean="0"/>
-              <a:t>6/3/2015</a:t>
+              <a:t>6/10/2015</a:t>
             </a:fld>
             <a:endParaRPr lang="en-US"/>
           </a:p>
@@ -1693,7 +1694,7 @@
           <a:p>
             <a:fld id="{E08FC013-CE91-4A54-A5E2-829320F33C83}" type="datetimeFigureOut">
               <a:rPr lang="en-US" smtClean="0"/>
-              <a:t>6/3/2015</a:t>
+              <a:t>6/10/2015</a:t>
             </a:fld>
             <a:endParaRPr lang="en-US"/>
           </a:p>
@@ -2060,7 +2061,7 @@
           <a:p>
             <a:fld id="{E08FC013-CE91-4A54-A5E2-829320F33C83}" type="datetimeFigureOut">
               <a:rPr lang="en-US" smtClean="0"/>
-              <a:t>6/3/2015</a:t>
+              <a:t>6/10/2015</a:t>
             </a:fld>
             <a:endParaRPr lang="en-US"/>
           </a:p>
@@ -2178,7 +2179,7 @@
           <a:p>
             <a:fld id="{E08FC013-CE91-4A54-A5E2-829320F33C83}" type="datetimeFigureOut">
               <a:rPr lang="en-US" smtClean="0"/>
-              <a:t>6/3/2015</a:t>
+              <a:t>6/10/2015</a:t>
             </a:fld>
             <a:endParaRPr lang="en-US"/>
           </a:p>
@@ -2273,7 +2274,7 @@
           <a:p>
             <a:fld id="{E08FC013-CE91-4A54-A5E2-829320F33C83}" type="datetimeFigureOut">
               <a:rPr lang="en-US" smtClean="0"/>
-              <a:t>6/3/2015</a:t>
+              <a:t>6/10/2015</a:t>
             </a:fld>
             <a:endParaRPr lang="en-US"/>
           </a:p>
@@ -2550,7 +2551,7 @@
           <a:p>
             <a:fld id="{E08FC013-CE91-4A54-A5E2-829320F33C83}" type="datetimeFigureOut">
               <a:rPr lang="en-US" smtClean="0"/>
-              <a:t>6/3/2015</a:t>
+              <a:t>6/10/2015</a:t>
             </a:fld>
             <a:endParaRPr lang="en-US"/>
           </a:p>
@@ -2803,7 +2804,7 @@
           <a:p>
             <a:fld id="{E08FC013-CE91-4A54-A5E2-829320F33C83}" type="datetimeFigureOut">
               <a:rPr lang="en-US" smtClean="0"/>
-              <a:t>6/3/2015</a:t>
+              <a:t>6/10/2015</a:t>
             </a:fld>
             <a:endParaRPr lang="en-US"/>
           </a:p>
@@ -3016,7 +3017,7 @@
           <a:p>
             <a:fld id="{E08FC013-CE91-4A54-A5E2-829320F33C83}" type="datetimeFigureOut">
               <a:rPr lang="en-US" smtClean="0"/>
-              <a:t>6/3/2015</a:t>
+              <a:t>6/10/2015</a:t>
             </a:fld>
             <a:endParaRPr lang="en-US"/>
           </a:p>
@@ -3467,7 +3468,10 @@
           <a:bodyPr/>
           <a:lstStyle/>
           <a:p>
-            <a:endParaRPr lang="en-US" dirty="0"/>
+            <a:endParaRPr lang="en-US" dirty="0">
+              <a:latin typeface="Segoe UI" panose="020B0502040204020203" pitchFamily="34" charset="0"/>
+              <a:cs typeface="Segoe UI" panose="020B0502040204020203" pitchFamily="34" charset="0"/>
+            </a:endParaRPr>
           </a:p>
         </p:txBody>
       </p:sp>
@@ -3492,6 +3496,307 @@
 </file>
 
 <file path=ppt/slides/slide2.xml><?xml version="1.0" encoding="utf-8"?>
+<p:sld xmlns:a="http://schemas.openxmlformats.org/drawingml/2006/main" xmlns:r="http://schemas.openxmlformats.org/officeDocument/2006/relationships" xmlns:p="http://schemas.openxmlformats.org/presentationml/2006/main">
+  <p:cSld>
+    <p:spTree>
+      <p:nvGrpSpPr>
+        <p:cNvPr id="1" name=""/>
+        <p:cNvGrpSpPr/>
+        <p:nvPr/>
+      </p:nvGrpSpPr>
+      <p:grpSpPr>
+        <a:xfrm>
+          <a:off x="0" y="0"/>
+          <a:ext cx="0" cy="0"/>
+          <a:chOff x="0" y="0"/>
+          <a:chExt cx="0" cy="0"/>
+        </a:xfrm>
+      </p:grpSpPr>
+      <p:sp>
+        <p:nvSpPr>
+          <p:cNvPr id="2" name="Title 1"/>
+          <p:cNvSpPr>
+            <a:spLocks noGrp="1"/>
+          </p:cNvSpPr>
+          <p:nvPr>
+            <p:ph type="title"/>
+          </p:nvPr>
+        </p:nvSpPr>
+        <p:spPr/>
+        <p:txBody>
+          <a:bodyPr/>
+          <a:lstStyle/>
+          <a:p>
+            <a:endParaRPr lang="en-US"/>
+          </a:p>
+        </p:txBody>
+      </p:sp>
+      <p:sp>
+        <p:nvSpPr>
+          <p:cNvPr id="3" name="Content Placeholder 2"/>
+          <p:cNvSpPr>
+            <a:spLocks noGrp="1"/>
+          </p:cNvSpPr>
+          <p:nvPr>
+            <p:ph idx="1"/>
+          </p:nvPr>
+        </p:nvSpPr>
+        <p:spPr/>
+        <p:txBody>
+          <a:bodyPr>
+            <a:normAutofit fontScale="32500" lnSpcReduction="20000"/>
+          </a:bodyPr>
+          <a:lstStyle/>
+          <a:p>
+            <a:pPr marL="0" indent="0">
+              <a:buNone/>
+            </a:pPr>
+            <a:r>
+              <a:rPr lang="en-US" dirty="0" smtClean="0"/>
+              <a:t>The conceptual structure of an application to software testing</a:t>
+            </a:r>
+          </a:p>
+          <a:p>
+            <a:pPr marL="457200" lvl="1" indent="0">
+              <a:buNone/>
+            </a:pPr>
+            <a:r>
+              <a:rPr lang="en-US" dirty="0" smtClean="0"/>
+              <a:t>What types of test need to have to cover entire application?</a:t>
+            </a:r>
+          </a:p>
+          <a:p>
+            <a:pPr marL="457200" lvl="1" indent="0">
+              <a:buNone/>
+            </a:pPr>
+            <a:r>
+              <a:rPr lang="en-US" dirty="0" smtClean="0"/>
+              <a:t>What’re aspects of application those types of test cover?</a:t>
+            </a:r>
+          </a:p>
+          <a:p>
+            <a:pPr marL="0" indent="0">
+              <a:buNone/>
+            </a:pPr>
+            <a:r>
+              <a:rPr lang="en-US" dirty="0" smtClean="0"/>
+              <a:t>What types of test need to have in a project?</a:t>
+            </a:r>
+          </a:p>
+          <a:p>
+            <a:pPr marL="457200" lvl="1" indent="0">
+              <a:buNone/>
+            </a:pPr>
+            <a:r>
+              <a:rPr lang="en-US" dirty="0" smtClean="0"/>
+              <a:t>GUI Unit Tests</a:t>
+            </a:r>
+          </a:p>
+          <a:p>
+            <a:pPr marL="457200" lvl="1" indent="0">
+              <a:buNone/>
+            </a:pPr>
+            <a:r>
+              <a:rPr lang="en-US" dirty="0" smtClean="0"/>
+              <a:t>Automated System Tests</a:t>
+            </a:r>
+          </a:p>
+          <a:p>
+            <a:pPr marL="457200" lvl="1" indent="0">
+              <a:buNone/>
+            </a:pPr>
+            <a:r>
+              <a:rPr lang="en-US" dirty="0" smtClean="0"/>
+              <a:t>Manual System Tests</a:t>
+            </a:r>
+          </a:p>
+          <a:p>
+            <a:pPr marL="457200" lvl="1" indent="0">
+              <a:buNone/>
+            </a:pPr>
+            <a:r>
+              <a:rPr lang="en-US" dirty="0" smtClean="0"/>
+              <a:t>Unit Tests</a:t>
+            </a:r>
+          </a:p>
+          <a:p>
+            <a:pPr marL="457200" lvl="1" indent="0">
+              <a:buNone/>
+            </a:pPr>
+            <a:r>
+              <a:rPr lang="en-US" dirty="0" smtClean="0"/>
+              <a:t>Integration Tests</a:t>
+            </a:r>
+          </a:p>
+          <a:p>
+            <a:pPr marL="0" indent="0">
+              <a:buNone/>
+            </a:pPr>
+            <a:r>
+              <a:rPr lang="en-US" dirty="0" smtClean="0"/>
+              <a:t>Who creates system tests?</a:t>
+            </a:r>
+          </a:p>
+          <a:p>
+            <a:pPr marL="457200" lvl="1" indent="0">
+              <a:buNone/>
+            </a:pPr>
+            <a:r>
+              <a:rPr lang="en-US" dirty="0" smtClean="0"/>
+              <a:t>FA</a:t>
+            </a:r>
+          </a:p>
+          <a:p>
+            <a:pPr marL="914400" lvl="2" indent="0">
+              <a:buNone/>
+            </a:pPr>
+            <a:r>
+              <a:rPr lang="en-US" dirty="0" smtClean="0"/>
+              <a:t>What’s FA?</a:t>
+            </a:r>
+          </a:p>
+          <a:p>
+            <a:pPr marL="914400" lvl="2" indent="0">
+              <a:buNone/>
+            </a:pPr>
+            <a:r>
+              <a:rPr lang="en-US" dirty="0" smtClean="0"/>
+              <a:t>What does FA do?</a:t>
+            </a:r>
+          </a:p>
+          <a:p>
+            <a:pPr marL="914400" lvl="2" indent="0">
+              <a:buNone/>
+            </a:pPr>
+            <a:r>
+              <a:rPr lang="en-US" dirty="0" smtClean="0"/>
+              <a:t>Why FA?</a:t>
+            </a:r>
+          </a:p>
+          <a:p>
+            <a:pPr marL="457200" lvl="1" indent="0">
+              <a:buNone/>
+            </a:pPr>
+            <a:r>
+              <a:rPr lang="en-US" dirty="0" smtClean="0"/>
+              <a:t>SET</a:t>
+            </a:r>
+          </a:p>
+          <a:p>
+            <a:pPr marL="914400" lvl="2" indent="0">
+              <a:buNone/>
+            </a:pPr>
+            <a:r>
+              <a:rPr lang="en-US" dirty="0" smtClean="0"/>
+              <a:t>What’s SET?</a:t>
+            </a:r>
+          </a:p>
+          <a:p>
+            <a:pPr marL="914400" lvl="2" indent="0">
+              <a:buNone/>
+            </a:pPr>
+            <a:r>
+              <a:rPr lang="en-US" dirty="0" smtClean="0"/>
+              <a:t>What does SET do?</a:t>
+            </a:r>
+          </a:p>
+          <a:p>
+            <a:pPr marL="914400" lvl="2" indent="0">
+              <a:buNone/>
+            </a:pPr>
+            <a:r>
+              <a:rPr lang="en-US" dirty="0" smtClean="0"/>
+              <a:t>Why SET?</a:t>
+            </a:r>
+          </a:p>
+          <a:p>
+            <a:pPr marL="0" indent="0">
+              <a:buNone/>
+            </a:pPr>
+            <a:r>
+              <a:rPr lang="en-US" dirty="0" smtClean="0"/>
+              <a:t>Introduce about ‘acceptance </a:t>
+            </a:r>
+            <a:r>
+              <a:rPr lang="en-US" dirty="0"/>
+              <a:t>test-driven </a:t>
+            </a:r>
+            <a:r>
+              <a:rPr lang="en-US" dirty="0" smtClean="0"/>
+              <a:t>development’</a:t>
+            </a:r>
+          </a:p>
+          <a:p>
+            <a:pPr marL="457200" lvl="1" indent="0">
+              <a:buNone/>
+            </a:pPr>
+            <a:r>
+              <a:rPr lang="en-US" dirty="0" smtClean="0"/>
+              <a:t>Overview</a:t>
+            </a:r>
+          </a:p>
+          <a:p>
+            <a:pPr marL="457200" lvl="1" indent="0">
+              <a:buNone/>
+            </a:pPr>
+            <a:r>
+              <a:rPr lang="en-US" dirty="0" smtClean="0"/>
+              <a:t>Acceptance criteria &amp; tests</a:t>
+            </a:r>
+            <a:endParaRPr lang="en-US" dirty="0"/>
+          </a:p>
+          <a:p>
+            <a:pPr marL="0" indent="0">
+              <a:buNone/>
+            </a:pPr>
+            <a:r>
+              <a:rPr lang="en-US" dirty="0" smtClean="0"/>
+              <a:t>Introduce about ‘code review’ and its benefit</a:t>
+            </a:r>
+          </a:p>
+          <a:p>
+            <a:pPr marL="457200" lvl="1" indent="0">
+              <a:buNone/>
+            </a:pPr>
+            <a:r>
+              <a:rPr lang="en-US" dirty="0" smtClean="0"/>
+              <a:t>Introduction</a:t>
+            </a:r>
+          </a:p>
+          <a:p>
+            <a:pPr marL="457200" lvl="1" indent="0">
+              <a:buNone/>
+            </a:pPr>
+            <a:r>
+              <a:rPr lang="en-US" dirty="0" smtClean="0"/>
+              <a:t>Benefit</a:t>
+            </a:r>
+          </a:p>
+          <a:p>
+            <a:pPr marL="0" indent="0">
+              <a:buNone/>
+            </a:pPr>
+            <a:r>
+              <a:rPr lang="en-US" dirty="0" smtClean="0"/>
+              <a:t>Practices in testing software work with cloud-based APIs</a:t>
+            </a:r>
+          </a:p>
+        </p:txBody>
+      </p:sp>
+    </p:spTree>
+    <p:extLst>
+      <p:ext uri="{BB962C8B-B14F-4D97-AF65-F5344CB8AC3E}">
+        <p14:creationId xmlns:p14="http://schemas.microsoft.com/office/powerpoint/2010/main" val="201835201"/>
+      </p:ext>
+    </p:extLst>
+  </p:cSld>
+  <p:clrMapOvr>
+    <a:masterClrMapping/>
+  </p:clrMapOvr>
+</p:sld>
+</file>
+
+<file path=ppt/slides/slide3.xml><?xml version="1.0" encoding="utf-8"?>
 <p:sld xmlns:a="http://schemas.openxmlformats.org/drawingml/2006/main" xmlns:r="http://schemas.openxmlformats.org/officeDocument/2006/relationships" xmlns:p="http://schemas.openxmlformats.org/presentationml/2006/main">
   <p:cSld>
     <p:spTree>
@@ -4449,7 +4754,7 @@
 </p:sld>
 </file>
 
-<file path=ppt/slides/slide3.xml><?xml version="1.0" encoding="utf-8"?>
+<file path=ppt/slides/slide4.xml><?xml version="1.0" encoding="utf-8"?>
 <p:sld xmlns:a="http://schemas.openxmlformats.org/drawingml/2006/main" xmlns:r="http://schemas.openxmlformats.org/officeDocument/2006/relationships" xmlns:p="http://schemas.openxmlformats.org/presentationml/2006/main">
   <p:cSld>
     <p:spTree>
@@ -5548,7 +5853,7 @@
 </p:sld>
 </file>
 
-<file path=ppt/slides/slide4.xml><?xml version="1.0" encoding="utf-8"?>
+<file path=ppt/slides/slide5.xml><?xml version="1.0" encoding="utf-8"?>
 <p:sld xmlns:a="http://schemas.openxmlformats.org/drawingml/2006/main" xmlns:r="http://schemas.openxmlformats.org/officeDocument/2006/relationships" xmlns:p="http://schemas.openxmlformats.org/presentationml/2006/main">
   <p:cSld>
     <p:spTree>

--- a/Documents/Lessons Learned From Agile Quality Assurance In Scrum.pptx
+++ b/Documents/Lessons Learned From Agile Quality Assurance In Scrum.pptx
@@ -213,7 +213,7 @@
           <a:p>
             <a:fld id="{DDC08AD7-58B5-48BE-B808-02C5C825B5D9}" type="datetimeFigureOut">
               <a:rPr lang="en-US" smtClean="0"/>
-              <a:t>6/10/2015</a:t>
+              <a:t>6/14/2015</a:t>
             </a:fld>
             <a:endParaRPr lang="en-US"/>
           </a:p>
@@ -696,7 +696,7 @@
           <a:p>
             <a:fld id="{E08FC013-CE91-4A54-A5E2-829320F33C83}" type="datetimeFigureOut">
               <a:rPr lang="en-US" smtClean="0"/>
-              <a:t>6/10/2015</a:t>
+              <a:t>6/14/2015</a:t>
             </a:fld>
             <a:endParaRPr lang="en-US"/>
           </a:p>
@@ -866,7 +866,7 @@
           <a:p>
             <a:fld id="{E08FC013-CE91-4A54-A5E2-829320F33C83}" type="datetimeFigureOut">
               <a:rPr lang="en-US" smtClean="0"/>
-              <a:t>6/10/2015</a:t>
+              <a:t>6/14/2015</a:t>
             </a:fld>
             <a:endParaRPr lang="en-US"/>
           </a:p>
@@ -1046,7 +1046,7 @@
           <a:p>
             <a:fld id="{E08FC013-CE91-4A54-A5E2-829320F33C83}" type="datetimeFigureOut">
               <a:rPr lang="en-US" smtClean="0"/>
-              <a:t>6/10/2015</a:t>
+              <a:t>6/14/2015</a:t>
             </a:fld>
             <a:endParaRPr lang="en-US"/>
           </a:p>
@@ -1216,7 +1216,7 @@
           <a:p>
             <a:fld id="{E08FC013-CE91-4A54-A5E2-829320F33C83}" type="datetimeFigureOut">
               <a:rPr lang="en-US" smtClean="0"/>
-              <a:t>6/10/2015</a:t>
+              <a:t>6/14/2015</a:t>
             </a:fld>
             <a:endParaRPr lang="en-US"/>
           </a:p>
@@ -1462,7 +1462,7 @@
           <a:p>
             <a:fld id="{E08FC013-CE91-4A54-A5E2-829320F33C83}" type="datetimeFigureOut">
               <a:rPr lang="en-US" smtClean="0"/>
-              <a:t>6/10/2015</a:t>
+              <a:t>6/14/2015</a:t>
             </a:fld>
             <a:endParaRPr lang="en-US"/>
           </a:p>
@@ -1694,7 +1694,7 @@
           <a:p>
             <a:fld id="{E08FC013-CE91-4A54-A5E2-829320F33C83}" type="datetimeFigureOut">
               <a:rPr lang="en-US" smtClean="0"/>
-              <a:t>6/10/2015</a:t>
+              <a:t>6/14/2015</a:t>
             </a:fld>
             <a:endParaRPr lang="en-US"/>
           </a:p>
@@ -2061,7 +2061,7 @@
           <a:p>
             <a:fld id="{E08FC013-CE91-4A54-A5E2-829320F33C83}" type="datetimeFigureOut">
               <a:rPr lang="en-US" smtClean="0"/>
-              <a:t>6/10/2015</a:t>
+              <a:t>6/14/2015</a:t>
             </a:fld>
             <a:endParaRPr lang="en-US"/>
           </a:p>
@@ -2179,7 +2179,7 @@
           <a:p>
             <a:fld id="{E08FC013-CE91-4A54-A5E2-829320F33C83}" type="datetimeFigureOut">
               <a:rPr lang="en-US" smtClean="0"/>
-              <a:t>6/10/2015</a:t>
+              <a:t>6/14/2015</a:t>
             </a:fld>
             <a:endParaRPr lang="en-US"/>
           </a:p>
@@ -2274,7 +2274,7 @@
           <a:p>
             <a:fld id="{E08FC013-CE91-4A54-A5E2-829320F33C83}" type="datetimeFigureOut">
               <a:rPr lang="en-US" smtClean="0"/>
-              <a:t>6/10/2015</a:t>
+              <a:t>6/14/2015</a:t>
             </a:fld>
             <a:endParaRPr lang="en-US"/>
           </a:p>
@@ -2551,7 +2551,7 @@
           <a:p>
             <a:fld id="{E08FC013-CE91-4A54-A5E2-829320F33C83}" type="datetimeFigureOut">
               <a:rPr lang="en-US" smtClean="0"/>
-              <a:t>6/10/2015</a:t>
+              <a:t>6/14/2015</a:t>
             </a:fld>
             <a:endParaRPr lang="en-US"/>
           </a:p>
@@ -2804,7 +2804,7 @@
           <a:p>
             <a:fld id="{E08FC013-CE91-4A54-A5E2-829320F33C83}" type="datetimeFigureOut">
               <a:rPr lang="en-US" smtClean="0"/>
-              <a:t>6/10/2015</a:t>
+              <a:t>6/14/2015</a:t>
             </a:fld>
             <a:endParaRPr lang="en-US"/>
           </a:p>
@@ -3017,7 +3017,7 @@
           <a:p>
             <a:fld id="{E08FC013-CE91-4A54-A5E2-829320F33C83}" type="datetimeFigureOut">
               <a:rPr lang="en-US" smtClean="0"/>
-              <a:t>6/10/2015</a:t>
+              <a:t>6/14/2015</a:t>
             </a:fld>
             <a:endParaRPr lang="en-US"/>
           </a:p>
@@ -3527,7 +3527,11 @@
           <a:bodyPr/>
           <a:lstStyle/>
           <a:p>
-            <a:endParaRPr lang="en-US"/>
+            <a:r>
+              <a:rPr lang="en-US" dirty="0" smtClean="0"/>
+              <a:t>The conceptual structure of an application to software testing</a:t>
+            </a:r>
+            <a:endParaRPr lang="en-US" dirty="0"/>
           </a:p>
         </p:txBody>
       </p:sp>
@@ -3544,242 +3548,14 @@
         <p:spPr/>
         <p:txBody>
           <a:bodyPr>
-            <a:normAutofit fontScale="32500" lnSpcReduction="20000"/>
+            <a:normAutofit/>
           </a:bodyPr>
           <a:lstStyle/>
           <a:p>
             <a:pPr marL="0" indent="0">
               <a:buNone/>
             </a:pPr>
-            <a:r>
-              <a:rPr lang="en-US" dirty="0" smtClean="0"/>
-              <a:t>The conceptual structure of an application to software testing</a:t>
-            </a:r>
-          </a:p>
-          <a:p>
-            <a:pPr marL="457200" lvl="1" indent="0">
-              <a:buNone/>
-            </a:pPr>
-            <a:r>
-              <a:rPr lang="en-US" dirty="0" smtClean="0"/>
-              <a:t>What types of test need to have to cover entire application?</a:t>
-            </a:r>
-          </a:p>
-          <a:p>
-            <a:pPr marL="457200" lvl="1" indent="0">
-              <a:buNone/>
-            </a:pPr>
-            <a:r>
-              <a:rPr lang="en-US" dirty="0" smtClean="0"/>
-              <a:t>What’re aspects of application those types of test cover?</a:t>
-            </a:r>
-          </a:p>
-          <a:p>
-            <a:pPr marL="0" indent="0">
-              <a:buNone/>
-            </a:pPr>
-            <a:r>
-              <a:rPr lang="en-US" dirty="0" smtClean="0"/>
-              <a:t>What types of test need to have in a project?</a:t>
-            </a:r>
-          </a:p>
-          <a:p>
-            <a:pPr marL="457200" lvl="1" indent="0">
-              <a:buNone/>
-            </a:pPr>
-            <a:r>
-              <a:rPr lang="en-US" dirty="0" smtClean="0"/>
-              <a:t>GUI Unit Tests</a:t>
-            </a:r>
-          </a:p>
-          <a:p>
-            <a:pPr marL="457200" lvl="1" indent="0">
-              <a:buNone/>
-            </a:pPr>
-            <a:r>
-              <a:rPr lang="en-US" dirty="0" smtClean="0"/>
-              <a:t>Automated System Tests</a:t>
-            </a:r>
-          </a:p>
-          <a:p>
-            <a:pPr marL="457200" lvl="1" indent="0">
-              <a:buNone/>
-            </a:pPr>
-            <a:r>
-              <a:rPr lang="en-US" dirty="0" smtClean="0"/>
-              <a:t>Manual System Tests</a:t>
-            </a:r>
-          </a:p>
-          <a:p>
-            <a:pPr marL="457200" lvl="1" indent="0">
-              <a:buNone/>
-            </a:pPr>
-            <a:r>
-              <a:rPr lang="en-US" dirty="0" smtClean="0"/>
-              <a:t>Unit Tests</a:t>
-            </a:r>
-          </a:p>
-          <a:p>
-            <a:pPr marL="457200" lvl="1" indent="0">
-              <a:buNone/>
-            </a:pPr>
-            <a:r>
-              <a:rPr lang="en-US" dirty="0" smtClean="0"/>
-              <a:t>Integration Tests</a:t>
-            </a:r>
-          </a:p>
-          <a:p>
-            <a:pPr marL="0" indent="0">
-              <a:buNone/>
-            </a:pPr>
-            <a:r>
-              <a:rPr lang="en-US" dirty="0" smtClean="0"/>
-              <a:t>Who creates system tests?</a:t>
-            </a:r>
-          </a:p>
-          <a:p>
-            <a:pPr marL="457200" lvl="1" indent="0">
-              <a:buNone/>
-            </a:pPr>
-            <a:r>
-              <a:rPr lang="en-US" dirty="0" smtClean="0"/>
-              <a:t>FA</a:t>
-            </a:r>
-          </a:p>
-          <a:p>
-            <a:pPr marL="914400" lvl="2" indent="0">
-              <a:buNone/>
-            </a:pPr>
-            <a:r>
-              <a:rPr lang="en-US" dirty="0" smtClean="0"/>
-              <a:t>What’s FA?</a:t>
-            </a:r>
-          </a:p>
-          <a:p>
-            <a:pPr marL="914400" lvl="2" indent="0">
-              <a:buNone/>
-            </a:pPr>
-            <a:r>
-              <a:rPr lang="en-US" dirty="0" smtClean="0"/>
-              <a:t>What does FA do?</a:t>
-            </a:r>
-          </a:p>
-          <a:p>
-            <a:pPr marL="914400" lvl="2" indent="0">
-              <a:buNone/>
-            </a:pPr>
-            <a:r>
-              <a:rPr lang="en-US" dirty="0" smtClean="0"/>
-              <a:t>Why FA?</a:t>
-            </a:r>
-          </a:p>
-          <a:p>
-            <a:pPr marL="457200" lvl="1" indent="0">
-              <a:buNone/>
-            </a:pPr>
-            <a:r>
-              <a:rPr lang="en-US" dirty="0" smtClean="0"/>
-              <a:t>SET</a:t>
-            </a:r>
-          </a:p>
-          <a:p>
-            <a:pPr marL="914400" lvl="2" indent="0">
-              <a:buNone/>
-            </a:pPr>
-            <a:r>
-              <a:rPr lang="en-US" dirty="0" smtClean="0"/>
-              <a:t>What’s SET?</a:t>
-            </a:r>
-          </a:p>
-          <a:p>
-            <a:pPr marL="914400" lvl="2" indent="0">
-              <a:buNone/>
-            </a:pPr>
-            <a:r>
-              <a:rPr lang="en-US" dirty="0" smtClean="0"/>
-              <a:t>What does SET do?</a:t>
-            </a:r>
-          </a:p>
-          <a:p>
-            <a:pPr marL="914400" lvl="2" indent="0">
-              <a:buNone/>
-            </a:pPr>
-            <a:r>
-              <a:rPr lang="en-US" dirty="0" smtClean="0"/>
-              <a:t>Why SET?</a:t>
-            </a:r>
-          </a:p>
-          <a:p>
-            <a:pPr marL="0" indent="0">
-              <a:buNone/>
-            </a:pPr>
-            <a:r>
-              <a:rPr lang="en-US" dirty="0" smtClean="0"/>
-              <a:t>Introduce about ‘acceptance </a:t>
-            </a:r>
-            <a:r>
-              <a:rPr lang="en-US" dirty="0"/>
-              <a:t>test-driven </a:t>
-            </a:r>
-            <a:r>
-              <a:rPr lang="en-US" dirty="0" smtClean="0"/>
-              <a:t>development’</a:t>
-            </a:r>
-          </a:p>
-          <a:p>
-            <a:pPr marL="457200" lvl="1" indent="0">
-              <a:buNone/>
-            </a:pPr>
-            <a:r>
-              <a:rPr lang="en-US" dirty="0" smtClean="0"/>
-              <a:t>Overview</a:t>
-            </a:r>
-          </a:p>
-          <a:p>
-            <a:pPr marL="457200" lvl="1" indent="0">
-              <a:buNone/>
-            </a:pPr>
-            <a:r>
-              <a:rPr lang="en-US" dirty="0" smtClean="0"/>
-              <a:t>Acceptance criteria &amp; tests</a:t>
-            </a:r>
-            <a:endParaRPr lang="en-US" dirty="0"/>
-          </a:p>
-          <a:p>
-            <a:pPr marL="0" indent="0">
-              <a:buNone/>
-            </a:pPr>
-            <a:r>
-              <a:rPr lang="en-US" dirty="0" smtClean="0"/>
-              <a:t>Introduce about ‘code review’ and its benefit</a:t>
-            </a:r>
-          </a:p>
-          <a:p>
-            <a:pPr marL="457200" lvl="1" indent="0">
-              <a:buNone/>
-            </a:pPr>
-            <a:r>
-              <a:rPr lang="en-US" dirty="0" smtClean="0"/>
-              <a:t>Introduction</a:t>
-            </a:r>
-          </a:p>
-          <a:p>
-            <a:pPr marL="457200" lvl="1" indent="0">
-              <a:buNone/>
-            </a:pPr>
-            <a:r>
-              <a:rPr lang="en-US" dirty="0" smtClean="0"/>
-              <a:t>Benefit</a:t>
-            </a:r>
-          </a:p>
-          <a:p>
-            <a:pPr marL="0" indent="0">
-              <a:buNone/>
-            </a:pPr>
-            <a:r>
-              <a:rPr lang="en-US" dirty="0" smtClean="0"/>
-              <a:t>Practices in testing software work with cloud-based APIs</a:t>
-            </a:r>
+            <a:endParaRPr lang="en-US" dirty="0" smtClean="0"/>
           </a:p>
         </p:txBody>
       </p:sp>
@@ -3829,17 +3605,19 @@
           </a:prstGeom>
         </p:spPr>
         <p:style>
-          <a:lnRef idx="1">
-            <a:schemeClr val="accent2"/>
+          <a:lnRef idx="2">
+            <a:schemeClr val="accent1">
+              <a:shade val="50000"/>
+            </a:schemeClr>
           </a:lnRef>
-          <a:fillRef idx="2">
-            <a:schemeClr val="accent2"/>
+          <a:fillRef idx="1">
+            <a:schemeClr val="accent1"/>
           </a:fillRef>
-          <a:effectRef idx="1">
-            <a:schemeClr val="accent2"/>
+          <a:effectRef idx="0">
+            <a:schemeClr val="accent1"/>
           </a:effectRef>
           <a:fontRef idx="minor">
-            <a:schemeClr val="dk1"/>
+            <a:schemeClr val="lt1"/>
           </a:fontRef>
         </p:style>
         <p:txBody>
@@ -3852,8 +3630,19 @@
                 <a:latin typeface="Segoe UI" panose="020B0502040204020203" pitchFamily="34" charset="0"/>
                 <a:cs typeface="Segoe UI" panose="020B0502040204020203" pitchFamily="34" charset="0"/>
               </a:rPr>
-              <a:t>User Interface</a:t>
-            </a:r>
+              <a:t>User </a:t>
+            </a:r>
+            <a:r>
+              <a:rPr lang="en-US" dirty="0" smtClean="0">
+                <a:latin typeface="Segoe UI" panose="020B0502040204020203" pitchFamily="34" charset="0"/>
+                <a:cs typeface="Segoe UI" panose="020B0502040204020203" pitchFamily="34" charset="0"/>
+              </a:rPr>
+              <a:t>Interface (HTML, Window Form, REST API, …)</a:t>
+            </a:r>
+            <a:endParaRPr lang="en-US" dirty="0" smtClean="0">
+              <a:latin typeface="Segoe UI" panose="020B0502040204020203" pitchFamily="34" charset="0"/>
+              <a:cs typeface="Segoe UI" panose="020B0502040204020203" pitchFamily="34" charset="0"/>
+            </a:endParaRPr>
           </a:p>
         </p:txBody>
       </p:sp>
@@ -3873,17 +3662,19 @@
           </a:prstGeom>
         </p:spPr>
         <p:style>
-          <a:lnRef idx="1">
-            <a:schemeClr val="accent4"/>
+          <a:lnRef idx="2">
+            <a:schemeClr val="accent6">
+              <a:shade val="50000"/>
+            </a:schemeClr>
           </a:lnRef>
-          <a:fillRef idx="2">
-            <a:schemeClr val="accent4"/>
+          <a:fillRef idx="1">
+            <a:schemeClr val="accent6"/>
           </a:fillRef>
-          <a:effectRef idx="1">
-            <a:schemeClr val="accent4"/>
+          <a:effectRef idx="0">
+            <a:schemeClr val="accent6"/>
           </a:effectRef>
           <a:fontRef idx="minor">
-            <a:schemeClr val="dk1"/>
+            <a:schemeClr val="lt1"/>
           </a:fontRef>
         </p:style>
         <p:txBody>
@@ -3921,17 +3712,19 @@
           </a:prstGeom>
         </p:spPr>
         <p:style>
-          <a:lnRef idx="1">
-            <a:schemeClr val="accent4"/>
+          <a:lnRef idx="2">
+            <a:schemeClr val="accent6">
+              <a:shade val="50000"/>
+            </a:schemeClr>
           </a:lnRef>
-          <a:fillRef idx="2">
-            <a:schemeClr val="accent4"/>
+          <a:fillRef idx="1">
+            <a:schemeClr val="accent6"/>
           </a:fillRef>
-          <a:effectRef idx="1">
-            <a:schemeClr val="accent4"/>
+          <a:effectRef idx="0">
+            <a:schemeClr val="accent6"/>
           </a:effectRef>
           <a:fontRef idx="minor">
-            <a:schemeClr val="dk1"/>
+            <a:schemeClr val="lt1"/>
           </a:fontRef>
         </p:style>
         <p:txBody>
@@ -3944,7 +3737,14 @@
                 <a:latin typeface="Segoe UI" panose="020B0502040204020203" pitchFamily="34" charset="0"/>
                 <a:cs typeface="Segoe UI" panose="020B0502040204020203" pitchFamily="34" charset="0"/>
               </a:rPr>
-              <a:t>Service Gateways</a:t>
+              <a:t>Service </a:t>
+            </a:r>
+            <a:r>
+              <a:rPr lang="en-US" dirty="0" smtClean="0">
+                <a:latin typeface="Segoe UI" panose="020B0502040204020203" pitchFamily="34" charset="0"/>
+                <a:cs typeface="Segoe UI" panose="020B0502040204020203" pitchFamily="34" charset="0"/>
+              </a:rPr>
+              <a:t>Gateways</a:t>
             </a:r>
             <a:endParaRPr lang="en-US" dirty="0">
               <a:latin typeface="Segoe UI" panose="020B0502040204020203" pitchFamily="34" charset="0"/>
@@ -3969,17 +3769,19 @@
           </a:prstGeom>
         </p:spPr>
         <p:style>
-          <a:lnRef idx="1">
-            <a:schemeClr val="accent3"/>
+          <a:lnRef idx="2">
+            <a:schemeClr val="accent3">
+              <a:shade val="50000"/>
+            </a:schemeClr>
           </a:lnRef>
-          <a:fillRef idx="2">
+          <a:fillRef idx="1">
             <a:schemeClr val="accent3"/>
           </a:fillRef>
-          <a:effectRef idx="1">
+          <a:effectRef idx="0">
             <a:schemeClr val="accent3"/>
           </a:effectRef>
           <a:fontRef idx="minor">
-            <a:schemeClr val="dk1"/>
+            <a:schemeClr val="lt1"/>
           </a:fontRef>
         </p:style>
         <p:txBody>
@@ -4013,17 +3815,19 @@
           </a:prstGeom>
         </p:spPr>
         <p:style>
-          <a:lnRef idx="1">
-            <a:schemeClr val="accent1"/>
+          <a:lnRef idx="2">
+            <a:schemeClr val="accent3">
+              <a:shade val="50000"/>
+            </a:schemeClr>
           </a:lnRef>
-          <a:fillRef idx="2">
-            <a:schemeClr val="accent1"/>
+          <a:fillRef idx="1">
+            <a:schemeClr val="accent3"/>
           </a:fillRef>
-          <a:effectRef idx="1">
-            <a:schemeClr val="accent1"/>
+          <a:effectRef idx="0">
+            <a:schemeClr val="accent3"/>
           </a:effectRef>
           <a:fontRef idx="minor">
-            <a:schemeClr val="dk1"/>
+            <a:schemeClr val="lt1"/>
           </a:fontRef>
         </p:style>
         <p:txBody>
@@ -4102,17 +3906,19 @@
           </a:prstGeom>
         </p:spPr>
         <p:style>
-          <a:lnRef idx="1">
-            <a:schemeClr val="accent4"/>
+          <a:lnRef idx="2">
+            <a:schemeClr val="accent2">
+              <a:shade val="50000"/>
+            </a:schemeClr>
           </a:lnRef>
-          <a:fillRef idx="2">
-            <a:schemeClr val="accent4"/>
+          <a:fillRef idx="1">
+            <a:schemeClr val="accent2"/>
           </a:fillRef>
-          <a:effectRef idx="1">
-            <a:schemeClr val="accent4"/>
+          <a:effectRef idx="0">
+            <a:schemeClr val="accent2"/>
           </a:effectRef>
           <a:fontRef idx="minor">
-            <a:schemeClr val="dk1"/>
+            <a:schemeClr val="lt1"/>
           </a:fontRef>
         </p:style>
         <p:txBody>
@@ -4239,17 +4045,19 @@
           </a:prstGeom>
         </p:spPr>
         <p:style>
-          <a:lnRef idx="1">
-            <a:schemeClr val="accent1"/>
+          <a:lnRef idx="2">
+            <a:schemeClr val="accent4">
+              <a:shade val="50000"/>
+            </a:schemeClr>
           </a:lnRef>
-          <a:fillRef idx="2">
-            <a:schemeClr val="accent1"/>
+          <a:fillRef idx="1">
+            <a:schemeClr val="accent4"/>
           </a:fillRef>
-          <a:effectRef idx="1">
-            <a:schemeClr val="accent1"/>
+          <a:effectRef idx="0">
+            <a:schemeClr val="accent4"/>
           </a:effectRef>
           <a:fontRef idx="minor">
-            <a:schemeClr val="dk1"/>
+            <a:schemeClr val="lt1"/>
           </a:fontRef>
         </p:style>
         <p:txBody>

--- a/Documents/Lessons Learned From Agile Quality Assurance In Scrum.pptx
+++ b/Documents/Lessons Learned From Agile Quality Assurance In Scrum.pptx
@@ -7,7 +7,7 @@
     <p:sldMasterId id="2147483900" r:id="rId3"/>
   </p:sldMasterIdLst>
   <p:notesMasterIdLst>
-    <p:notesMasterId r:id="rId10"/>
+    <p:notesMasterId r:id="rId11"/>
   </p:notesMasterIdLst>
   <p:sldIdLst>
     <p:sldId id="256" r:id="rId4"/>
@@ -15,7 +15,8 @@
     <p:sldId id="261" r:id="rId6"/>
     <p:sldId id="257" r:id="rId7"/>
     <p:sldId id="259" r:id="rId8"/>
-    <p:sldId id="258" r:id="rId9"/>
+    <p:sldId id="262" r:id="rId9"/>
+    <p:sldId id="258" r:id="rId10"/>
   </p:sldIdLst>
   <p:sldSz cx="12192000" cy="6858000"/>
   <p:notesSz cx="6858000" cy="9144000"/>
@@ -216,7 +217,7 @@
           <a:p>
             <a:fld id="{DDC08AD7-58B5-48BE-B808-02C5C825B5D9}" type="datetimeFigureOut">
               <a:rPr lang="en-US" smtClean="0"/>
-              <a:t>6/14/2015</a:t>
+              <a:t>6/15/2015</a:t>
             </a:fld>
             <a:endParaRPr lang="en-US"/>
           </a:p>
@@ -882,6 +883,10 @@
           <a:bodyPr/>
           <a:lstStyle/>
           <a:p>
+            <a:r>
+              <a:rPr lang="en-US" dirty="0" smtClean="0"/>
+              <a:t>http://blogs.msdn.com/b/jmeier/archive/2008/11/24/application-architecture-diagrams-added-to-codeplex.aspx</a:t>
+            </a:r>
             <a:endParaRPr lang="en-US" dirty="0"/>
           </a:p>
         </p:txBody>
@@ -913,6 +918,94 @@
     <p:extLst>
       <p:ext uri="{BB962C8B-B14F-4D97-AF65-F5344CB8AC3E}">
         <p14:creationId xmlns:p14="http://schemas.microsoft.com/office/powerpoint/2010/main" val="3451000644"/>
+      </p:ext>
+    </p:extLst>
+  </p:cSld>
+  <p:clrMapOvr>
+    <a:masterClrMapping/>
+  </p:clrMapOvr>
+</p:notes>
+</file>
+
+<file path=ppt/notesSlides/notesSlide6.xml><?xml version="1.0" encoding="utf-8"?>
+<p:notes xmlns:a="http://schemas.openxmlformats.org/drawingml/2006/main" xmlns:r="http://schemas.openxmlformats.org/officeDocument/2006/relationships" xmlns:p="http://schemas.openxmlformats.org/presentationml/2006/main">
+  <p:cSld>
+    <p:spTree>
+      <p:nvGrpSpPr>
+        <p:cNvPr id="1" name=""/>
+        <p:cNvGrpSpPr/>
+        <p:nvPr/>
+      </p:nvGrpSpPr>
+      <p:grpSpPr>
+        <a:xfrm>
+          <a:off x="0" y="0"/>
+          <a:ext cx="0" cy="0"/>
+          <a:chOff x="0" y="0"/>
+          <a:chExt cx="0" cy="0"/>
+        </a:xfrm>
+      </p:grpSpPr>
+      <p:sp>
+        <p:nvSpPr>
+          <p:cNvPr id="2" name="Slide Image Placeholder 1"/>
+          <p:cNvSpPr>
+            <a:spLocks noGrp="1" noRot="1" noChangeAspect="1"/>
+          </p:cNvSpPr>
+          <p:nvPr>
+            <p:ph type="sldImg"/>
+          </p:nvPr>
+        </p:nvSpPr>
+        <p:spPr/>
+      </p:sp>
+      <p:sp>
+        <p:nvSpPr>
+          <p:cNvPr id="3" name="Notes Placeholder 2"/>
+          <p:cNvSpPr>
+            <a:spLocks noGrp="1"/>
+          </p:cNvSpPr>
+          <p:nvPr>
+            <p:ph type="body" idx="1"/>
+          </p:nvPr>
+        </p:nvSpPr>
+        <p:spPr/>
+        <p:txBody>
+          <a:bodyPr/>
+          <a:lstStyle/>
+          <a:p>
+            <a:r>
+              <a:rPr lang="en-US" dirty="0" smtClean="0"/>
+              <a:t>http://blogs.msdn.com/b/jmeier/archive/2008/11/24/application-architecture-diagrams-added-to-codeplex.aspx</a:t>
+            </a:r>
+            <a:endParaRPr lang="en-US" dirty="0"/>
+          </a:p>
+        </p:txBody>
+      </p:sp>
+      <p:sp>
+        <p:nvSpPr>
+          <p:cNvPr id="4" name="Slide Number Placeholder 3"/>
+          <p:cNvSpPr>
+            <a:spLocks noGrp="1"/>
+          </p:cNvSpPr>
+          <p:nvPr>
+            <p:ph type="sldNum" sz="quarter" idx="10"/>
+          </p:nvPr>
+        </p:nvSpPr>
+        <p:spPr/>
+        <p:txBody>
+          <a:bodyPr/>
+          <a:lstStyle/>
+          <a:p>
+            <a:fld id="{77CEC4F4-A931-4EDC-A8DD-700DC7739227}" type="slidenum">
+              <a:rPr lang="en-US" smtClean="0"/>
+              <a:t>6</a:t>
+            </a:fld>
+            <a:endParaRPr lang="en-US"/>
+          </a:p>
+        </p:txBody>
+      </p:sp>
+    </p:spTree>
+    <p:extLst>
+      <p:ext uri="{BB962C8B-B14F-4D97-AF65-F5344CB8AC3E}">
+        <p14:creationId xmlns:p14="http://schemas.microsoft.com/office/powerpoint/2010/main" val="875968116"/>
       </p:ext>
     </p:extLst>
   </p:cSld>
@@ -1064,7 +1157,7 @@
           <a:p>
             <a:fld id="{1A260A04-0D30-4F6D-881B-6C5304669D2D}" type="datetime1">
               <a:rPr lang="en-US" smtClean="0"/>
-              <a:t>6/14/2015</a:t>
+              <a:t>6/15/2015</a:t>
             </a:fld>
             <a:endParaRPr lang="en-US"/>
           </a:p>
@@ -1234,7 +1327,7 @@
           <a:p>
             <a:fld id="{E6E53668-B7C0-4790-AB12-5D3BFE47BE8B}" type="datetime1">
               <a:rPr lang="en-US" smtClean="0"/>
-              <a:t>6/14/2015</a:t>
+              <a:t>6/15/2015</a:t>
             </a:fld>
             <a:endParaRPr lang="en-US"/>
           </a:p>
@@ -1414,7 +1507,7 @@
           <a:p>
             <a:fld id="{AD012240-970E-40CC-8CD7-B4B37FE77D86}" type="datetime1">
               <a:rPr lang="en-US" smtClean="0"/>
-              <a:t>6/14/2015</a:t>
+              <a:t>6/15/2015</a:t>
             </a:fld>
             <a:endParaRPr lang="en-US"/>
           </a:p>
@@ -1617,7 +1710,7 @@
           <a:p>
             <a:fld id="{50DBB39F-26FB-4A03-A315-BBB0380AC164}" type="datetime1">
               <a:rPr lang="en-US" smtClean="0"/>
-              <a:t>6/14/2015</a:t>
+              <a:t>6/15/2015</a:t>
             </a:fld>
             <a:endParaRPr lang="en-US"/>
           </a:p>
@@ -1787,7 +1880,7 @@
           <a:p>
             <a:fld id="{5FF1C112-DB57-4E9E-8ABD-FC949F9AD8AE}" type="datetime1">
               <a:rPr lang="en-US" smtClean="0"/>
-              <a:t>6/14/2015</a:t>
+              <a:t>6/15/2015</a:t>
             </a:fld>
             <a:endParaRPr lang="en-US"/>
           </a:p>
@@ -2038,7 +2131,7 @@
           <a:p>
             <a:fld id="{96531E8E-3773-4208-9310-6439EC241707}" type="datetime1">
               <a:rPr lang="en-US" smtClean="0"/>
-              <a:t>6/14/2015</a:t>
+              <a:t>6/15/2015</a:t>
             </a:fld>
             <a:endParaRPr lang="en-US"/>
           </a:p>
@@ -2270,7 +2363,7 @@
           <a:p>
             <a:fld id="{BEF86C87-CF81-4F33-AA09-070D5CBC9F24}" type="datetime1">
               <a:rPr lang="en-US" smtClean="0"/>
-              <a:t>6/14/2015</a:t>
+              <a:t>6/15/2015</a:t>
             </a:fld>
             <a:endParaRPr lang="en-US"/>
           </a:p>
@@ -2617,7 +2710,7 @@
           <a:p>
             <a:fld id="{AAA17232-2A7D-4E7D-B22E-039FC0C07C9C}" type="datetime1">
               <a:rPr lang="en-US" smtClean="0"/>
-              <a:t>6/14/2015</a:t>
+              <a:t>6/15/2015</a:t>
             </a:fld>
             <a:endParaRPr lang="en-US"/>
           </a:p>
@@ -2735,7 +2828,7 @@
           <a:p>
             <a:fld id="{3E222FA5-7C7C-4C35-BB65-BA1A0CE6FD68}" type="datetime1">
               <a:rPr lang="en-US" smtClean="0"/>
-              <a:t>6/14/2015</a:t>
+              <a:t>6/15/2015</a:t>
             </a:fld>
             <a:endParaRPr lang="en-US"/>
           </a:p>
@@ -2853,7 +2946,7 @@
           <a:p>
             <a:fld id="{CA147D11-A985-49F3-A082-06E1C829C109}" type="datetime1">
               <a:rPr lang="en-US" smtClean="0"/>
-              <a:t>6/14/2015</a:t>
+              <a:t>6/15/2015</a:t>
             </a:fld>
             <a:endParaRPr lang="en-US"/>
           </a:p>
@@ -3137,7 +3230,7 @@
           <a:p>
             <a:fld id="{98A7513B-AB8C-4CFB-B713-B080B16C734C}" type="datetime1">
               <a:rPr lang="en-US" smtClean="0"/>
-              <a:t>6/14/2015</a:t>
+              <a:t>6/15/2015</a:t>
             </a:fld>
             <a:endParaRPr lang="en-US"/>
           </a:p>
@@ -3307,7 +3400,7 @@
           <a:p>
             <a:fld id="{AB91A3AC-9D5E-4044-879F-B01C3563F8E8}" type="datetime1">
               <a:rPr lang="en-US" smtClean="0"/>
-              <a:t>6/14/2015</a:t>
+              <a:t>6/15/2015</a:t>
             </a:fld>
             <a:endParaRPr lang="en-US"/>
           </a:p>
@@ -3571,7 +3664,7 @@
           <a:p>
             <a:fld id="{A7CCA7B5-B293-45D2-956C-DE2CDFB7B933}" type="datetime1">
               <a:rPr lang="en-US" smtClean="0"/>
-              <a:t>6/14/2015</a:t>
+              <a:t>6/15/2015</a:t>
             </a:fld>
             <a:endParaRPr lang="en-US"/>
           </a:p>
@@ -3741,7 +3834,7 @@
           <a:p>
             <a:fld id="{17D76E9C-E220-47EB-849C-8B82B2A30550}" type="datetime1">
               <a:rPr lang="en-US" smtClean="0"/>
-              <a:t>6/14/2015</a:t>
+              <a:t>6/15/2015</a:t>
             </a:fld>
             <a:endParaRPr lang="en-US"/>
           </a:p>
@@ -3921,7 +4014,7 @@
           <a:p>
             <a:fld id="{E21C0911-D971-404D-81D6-5C6E3EA30CF8}" type="datetime1">
               <a:rPr lang="en-US" smtClean="0"/>
-              <a:t>6/14/2015</a:t>
+              <a:t>6/15/2015</a:t>
             </a:fld>
             <a:endParaRPr lang="en-US"/>
           </a:p>
@@ -4124,7 +4217,7 @@
           <a:p>
             <a:fld id="{00A11C92-07B9-46B4-BA9B-A9F8DEDDD065}" type="datetime1">
               <a:rPr lang="en-US" smtClean="0"/>
-              <a:t>6/14/2015</a:t>
+              <a:t>6/15/2015</a:t>
             </a:fld>
             <a:endParaRPr lang="en-US"/>
           </a:p>
@@ -4294,7 +4387,7 @@
           <a:p>
             <a:fld id="{DBFDFE0C-1862-4D32-B353-473485FC5B8C}" type="datetime1">
               <a:rPr lang="en-US" smtClean="0"/>
-              <a:t>6/14/2015</a:t>
+              <a:t>6/15/2015</a:t>
             </a:fld>
             <a:endParaRPr lang="en-US"/>
           </a:p>
@@ -4545,7 +4638,7 @@
           <a:p>
             <a:fld id="{BE19EF60-149A-4C77-9B4D-6B2738EE1A60}" type="datetime1">
               <a:rPr lang="en-US" smtClean="0"/>
-              <a:t>6/14/2015</a:t>
+              <a:t>6/15/2015</a:t>
             </a:fld>
             <a:endParaRPr lang="en-US"/>
           </a:p>
@@ -4777,7 +4870,7 @@
           <a:p>
             <a:fld id="{99EA8280-61AF-4C1C-9E86-CB6F68529EB7}" type="datetime1">
               <a:rPr lang="en-US" smtClean="0"/>
-              <a:t>6/14/2015</a:t>
+              <a:t>6/15/2015</a:t>
             </a:fld>
             <a:endParaRPr lang="en-US"/>
           </a:p>
@@ -5124,7 +5217,7 @@
           <a:p>
             <a:fld id="{71578FFB-D7B0-4E90-BEDB-1D7E153C4824}" type="datetime1">
               <a:rPr lang="en-US" smtClean="0"/>
-              <a:t>6/14/2015</a:t>
+              <a:t>6/15/2015</a:t>
             </a:fld>
             <a:endParaRPr lang="en-US"/>
           </a:p>
@@ -5242,7 +5335,7 @@
           <a:p>
             <a:fld id="{4C4D8C16-585C-4AE9-8479-FDE6A8B38DEE}" type="datetime1">
               <a:rPr lang="en-US" smtClean="0"/>
-              <a:t>6/14/2015</a:t>
+              <a:t>6/15/2015</a:t>
             </a:fld>
             <a:endParaRPr lang="en-US"/>
           </a:p>
@@ -5360,7 +5453,7 @@
           <a:p>
             <a:fld id="{A3E1E9D2-4942-414F-A3F4-EBED35448B8F}" type="datetime1">
               <a:rPr lang="en-US" smtClean="0"/>
-              <a:t>6/14/2015</a:t>
+              <a:t>6/15/2015</a:t>
             </a:fld>
             <a:endParaRPr lang="en-US"/>
           </a:p>
@@ -5611,7 +5704,7 @@
           <a:p>
             <a:fld id="{1C11B133-5474-465F-A785-F314434DFD23}" type="datetime1">
               <a:rPr lang="en-US" smtClean="0"/>
-              <a:t>6/14/2015</a:t>
+              <a:t>6/15/2015</a:t>
             </a:fld>
             <a:endParaRPr lang="en-US"/>
           </a:p>
@@ -5895,7 +5988,7 @@
           <a:p>
             <a:fld id="{3553D1B6-D0FE-4204-8A01-54B687E5DD26}" type="datetime1">
               <a:rPr lang="en-US" smtClean="0"/>
-              <a:t>6/14/2015</a:t>
+              <a:t>6/15/2015</a:t>
             </a:fld>
             <a:endParaRPr lang="en-US"/>
           </a:p>
@@ -6159,7 +6252,7 @@
           <a:p>
             <a:fld id="{19FCDD6E-AC17-4ACA-A92D-E10490C522DB}" type="datetime1">
               <a:rPr lang="en-US" smtClean="0"/>
-              <a:t>6/14/2015</a:t>
+              <a:t>6/15/2015</a:t>
             </a:fld>
             <a:endParaRPr lang="en-US"/>
           </a:p>
@@ -6329,7 +6422,7 @@
           <a:p>
             <a:fld id="{8BB8CF3A-3DC3-46E1-9DA1-BE258D67F966}" type="datetime1">
               <a:rPr lang="en-US" smtClean="0"/>
-              <a:t>6/14/2015</a:t>
+              <a:t>6/15/2015</a:t>
             </a:fld>
             <a:endParaRPr lang="en-US"/>
           </a:p>
@@ -6509,7 +6602,7 @@
           <a:p>
             <a:fld id="{AD9DD4F7-2579-4CF8-BDFF-9A21010A8A2E}" type="datetime1">
               <a:rPr lang="en-US" smtClean="0"/>
-              <a:t>6/14/2015</a:t>
+              <a:t>6/15/2015</a:t>
             </a:fld>
             <a:endParaRPr lang="en-US"/>
           </a:p>
@@ -6741,7 +6834,7 @@
           <a:p>
             <a:fld id="{1AF9A467-BFE2-41BE-A0FC-0030BE2626DD}" type="datetime1">
               <a:rPr lang="en-US" smtClean="0"/>
-              <a:t>6/14/2015</a:t>
+              <a:t>6/15/2015</a:t>
             </a:fld>
             <a:endParaRPr lang="en-US"/>
           </a:p>
@@ -7088,7 +7181,7 @@
           <a:p>
             <a:fld id="{43E3EAFD-F696-47C2-9253-8A163E9F976A}" type="datetime1">
               <a:rPr lang="en-US" smtClean="0"/>
-              <a:t>6/14/2015</a:t>
+              <a:t>6/15/2015</a:t>
             </a:fld>
             <a:endParaRPr lang="en-US"/>
           </a:p>
@@ -7206,7 +7299,7 @@
           <a:p>
             <a:fld id="{3359A0CF-9B53-46A5-8307-04A4889D9F93}" type="datetime1">
               <a:rPr lang="en-US" smtClean="0"/>
-              <a:t>6/14/2015</a:t>
+              <a:t>6/15/2015</a:t>
             </a:fld>
             <a:endParaRPr lang="en-US"/>
           </a:p>
@@ -7324,7 +7417,7 @@
           <a:p>
             <a:fld id="{A4379B3A-E313-4F12-9C2E-80CDD6D57577}" type="datetime1">
               <a:rPr lang="en-US" smtClean="0"/>
-              <a:t>6/14/2015</a:t>
+              <a:t>6/15/2015</a:t>
             </a:fld>
             <a:endParaRPr lang="en-US"/>
           </a:p>
@@ -7608,7 +7701,7 @@
           <a:p>
             <a:fld id="{C10E1925-197E-4055-87BD-DC23A5578938}" type="datetime1">
               <a:rPr lang="en-US" smtClean="0"/>
-              <a:t>6/14/2015</a:t>
+              <a:t>6/15/2015</a:t>
             </a:fld>
             <a:endParaRPr lang="en-US"/>
           </a:p>
@@ -7872,7 +7965,7 @@
           <a:p>
             <a:fld id="{898E4E15-8956-4935-9C3F-CF1C62A234AF}" type="datetime1">
               <a:rPr lang="en-US" smtClean="0"/>
-              <a:t>6/14/2015</a:t>
+              <a:t>6/15/2015</a:t>
             </a:fld>
             <a:endParaRPr lang="en-US"/>
           </a:p>
@@ -8086,7 +8179,7 @@
           <a:p>
             <a:fld id="{8A8E5BE4-9DA4-4FAD-9FF2-25E33DA7A2DE}" type="datetime1">
               <a:rPr lang="en-US" smtClean="0"/>
-              <a:t>6/14/2015</a:t>
+              <a:t>6/15/2015</a:t>
             </a:fld>
             <a:endParaRPr lang="en-US"/>
           </a:p>
@@ -8617,7 +8710,7 @@
           <a:p>
             <a:fld id="{FC3B0C6D-E3BB-429A-AB5D-08885DC9FDF2}" type="datetime1">
               <a:rPr lang="en-US" smtClean="0"/>
-              <a:t>6/14/2015</a:t>
+              <a:t>6/15/2015</a:t>
             </a:fld>
             <a:endParaRPr lang="en-US"/>
           </a:p>
@@ -9148,7 +9241,7 @@
           <a:p>
             <a:fld id="{B0E3F87A-01F1-4F3F-8BAF-BABC1CBFDFDD}" type="datetime1">
               <a:rPr lang="en-US" smtClean="0"/>
-              <a:t>6/14/2015</a:t>
+              <a:t>6/15/2015</a:t>
             </a:fld>
             <a:endParaRPr lang="en-US"/>
           </a:p>
@@ -12958,6 +13051,677 @@
           <a:chExt cx="0" cy="0"/>
         </a:xfrm>
       </p:grpSpPr>
+      <p:grpSp>
+        <p:nvGrpSpPr>
+          <p:cNvPr id="2" name="Group 1"/>
+          <p:cNvGrpSpPr/>
+          <p:nvPr/>
+        </p:nvGrpSpPr>
+        <p:grpSpPr>
+          <a:xfrm>
+            <a:off x="138372" y="1813411"/>
+            <a:ext cx="1962808" cy="3523621"/>
+            <a:chOff x="1237592" y="1379455"/>
+            <a:chExt cx="1805153" cy="3523621"/>
+          </a:xfrm>
+        </p:grpSpPr>
+        <p:grpSp>
+          <p:nvGrpSpPr>
+            <p:cNvPr id="7" name="Group 6"/>
+            <p:cNvGrpSpPr/>
+            <p:nvPr/>
+          </p:nvGrpSpPr>
+          <p:grpSpPr>
+            <a:xfrm>
+              <a:off x="1237592" y="1379455"/>
+              <a:ext cx="1805153" cy="3523621"/>
+              <a:chOff x="3026979" y="1939159"/>
+              <a:chExt cx="1749973" cy="3594538"/>
+            </a:xfrm>
+          </p:grpSpPr>
+          <p:sp>
+            <p:nvSpPr>
+              <p:cNvPr id="5" name="Rounded Rectangle 4"/>
+              <p:cNvSpPr/>
+              <p:nvPr/>
+            </p:nvSpPr>
+            <p:spPr>
+              <a:xfrm>
+                <a:off x="3058510" y="1939159"/>
+                <a:ext cx="1718442" cy="3594538"/>
+              </a:xfrm>
+              <a:prstGeom prst="roundRect">
+                <a:avLst>
+                  <a:gd name="adj" fmla="val 9305"/>
+                </a:avLst>
+              </a:prstGeom>
+            </p:spPr>
+            <p:style>
+              <a:lnRef idx="1">
+                <a:schemeClr val="accent4"/>
+              </a:lnRef>
+              <a:fillRef idx="2">
+                <a:schemeClr val="accent4"/>
+              </a:fillRef>
+              <a:effectRef idx="1">
+                <a:schemeClr val="accent4"/>
+              </a:effectRef>
+              <a:fontRef idx="minor">
+                <a:schemeClr val="dk1"/>
+              </a:fontRef>
+            </p:style>
+            <p:txBody>
+              <a:bodyPr rtlCol="0" anchor="ctr"/>
+              <a:lstStyle/>
+              <a:p>
+                <a:pPr algn="ctr"/>
+                <a:endParaRPr lang="en-US" sz="1600" dirty="0">
+                  <a:latin typeface="Segoe UI" panose="020B0502040204020203" pitchFamily="34" charset="0"/>
+                  <a:cs typeface="Segoe UI" panose="020B0502040204020203" pitchFamily="34" charset="0"/>
+                </a:endParaRPr>
+              </a:p>
+            </p:txBody>
+          </p:sp>
+          <p:sp>
+            <p:nvSpPr>
+              <p:cNvPr id="6" name="TextBox 5"/>
+              <p:cNvSpPr txBox="1"/>
+              <p:nvPr/>
+            </p:nvSpPr>
+            <p:spPr>
+              <a:xfrm>
+                <a:off x="3026979" y="1953650"/>
+                <a:ext cx="1749973" cy="591253"/>
+              </a:xfrm>
+              <a:prstGeom prst="rect">
+                <a:avLst/>
+              </a:prstGeom>
+              <a:noFill/>
+            </p:spPr>
+            <p:txBody>
+              <a:bodyPr wrap="square" rtlCol="0">
+                <a:spAutoFit/>
+              </a:bodyPr>
+              <a:lstStyle/>
+              <a:p>
+                <a:pPr algn="ctr"/>
+                <a:r>
+                  <a:rPr lang="en-US" sz="1600" dirty="0">
+                    <a:latin typeface="Segoe UI" panose="020B0502040204020203" pitchFamily="34" charset="0"/>
+                    <a:cs typeface="Segoe UI" panose="020B0502040204020203" pitchFamily="34" charset="0"/>
+                  </a:rPr>
+                  <a:t>Cross-cutting </a:t>
+                </a:r>
+                <a:r>
+                  <a:rPr lang="en-US" sz="1600" dirty="0" smtClean="0">
+                    <a:latin typeface="Segoe UI" panose="020B0502040204020203" pitchFamily="34" charset="0"/>
+                    <a:cs typeface="Segoe UI" panose="020B0502040204020203" pitchFamily="34" charset="0"/>
+                  </a:rPr>
+                  <a:t>Infrastructure</a:t>
+                </a:r>
+                <a:endParaRPr lang="en-US" sz="1600" dirty="0">
+                  <a:latin typeface="Segoe UI" panose="020B0502040204020203" pitchFamily="34" charset="0"/>
+                  <a:cs typeface="Segoe UI" panose="020B0502040204020203" pitchFamily="34" charset="0"/>
+                </a:endParaRPr>
+              </a:p>
+            </p:txBody>
+          </p:sp>
+        </p:grpSp>
+        <p:sp>
+          <p:nvSpPr>
+            <p:cNvPr id="9" name="Rounded Rectangle 8"/>
+            <p:cNvSpPr/>
+            <p:nvPr/>
+          </p:nvSpPr>
+          <p:spPr>
+            <a:xfrm>
+              <a:off x="1383424" y="3143247"/>
+              <a:ext cx="1548962" cy="504441"/>
+            </a:xfrm>
+            <a:prstGeom prst="roundRect">
+              <a:avLst/>
+            </a:prstGeom>
+          </p:spPr>
+          <p:style>
+            <a:lnRef idx="1">
+              <a:schemeClr val="accent4"/>
+            </a:lnRef>
+            <a:fillRef idx="2">
+              <a:schemeClr val="accent4"/>
+            </a:fillRef>
+            <a:effectRef idx="1">
+              <a:schemeClr val="accent4"/>
+            </a:effectRef>
+            <a:fontRef idx="minor">
+              <a:schemeClr val="dk1"/>
+            </a:fontRef>
+          </p:style>
+          <p:txBody>
+            <a:bodyPr rtlCol="0" anchor="ctr"/>
+            <a:lstStyle/>
+            <a:p>
+              <a:pPr algn="ctr"/>
+              <a:r>
+                <a:rPr lang="en-US" sz="1600" dirty="0" smtClean="0">
+                  <a:latin typeface="Segoe UI" panose="020B0502040204020203" pitchFamily="34" charset="0"/>
+                  <a:cs typeface="Segoe UI" panose="020B0502040204020203" pitchFamily="34" charset="0"/>
+                </a:rPr>
+                <a:t>Logging</a:t>
+              </a:r>
+              <a:endParaRPr lang="en-US" sz="1600" dirty="0">
+                <a:latin typeface="Segoe UI" panose="020B0502040204020203" pitchFamily="34" charset="0"/>
+                <a:cs typeface="Segoe UI" panose="020B0502040204020203" pitchFamily="34" charset="0"/>
+              </a:endParaRPr>
+            </a:p>
+          </p:txBody>
+        </p:sp>
+        <p:sp>
+          <p:nvSpPr>
+            <p:cNvPr id="10" name="Rounded Rectangle 9"/>
+            <p:cNvSpPr/>
+            <p:nvPr/>
+          </p:nvSpPr>
+          <p:spPr>
+            <a:xfrm>
+              <a:off x="1403129" y="3698939"/>
+              <a:ext cx="1529257" cy="500540"/>
+            </a:xfrm>
+            <a:prstGeom prst="roundRect">
+              <a:avLst/>
+            </a:prstGeom>
+          </p:spPr>
+          <p:style>
+            <a:lnRef idx="1">
+              <a:schemeClr val="accent4"/>
+            </a:lnRef>
+            <a:fillRef idx="2">
+              <a:schemeClr val="accent4"/>
+            </a:fillRef>
+            <a:effectRef idx="1">
+              <a:schemeClr val="accent4"/>
+            </a:effectRef>
+            <a:fontRef idx="minor">
+              <a:schemeClr val="dk1"/>
+            </a:fontRef>
+          </p:style>
+          <p:txBody>
+            <a:bodyPr rtlCol="0" anchor="ctr"/>
+            <a:lstStyle/>
+            <a:p>
+              <a:pPr algn="ctr"/>
+              <a:r>
+                <a:rPr lang="en-US" sz="1600" dirty="0" smtClean="0">
+                  <a:latin typeface="Segoe UI" panose="020B0502040204020203" pitchFamily="34" charset="0"/>
+                  <a:cs typeface="Segoe UI" panose="020B0502040204020203" pitchFamily="34" charset="0"/>
+                </a:rPr>
+                <a:t>Utilities</a:t>
+              </a:r>
+              <a:endParaRPr lang="en-US" sz="1600" dirty="0">
+                <a:latin typeface="Segoe UI" panose="020B0502040204020203" pitchFamily="34" charset="0"/>
+                <a:cs typeface="Segoe UI" panose="020B0502040204020203" pitchFamily="34" charset="0"/>
+              </a:endParaRPr>
+            </a:p>
+          </p:txBody>
+        </p:sp>
+        <p:sp>
+          <p:nvSpPr>
+            <p:cNvPr id="8" name="Rounded Rectangle 7"/>
+            <p:cNvSpPr/>
+            <p:nvPr/>
+          </p:nvSpPr>
+          <p:spPr>
+            <a:xfrm>
+              <a:off x="1383424" y="2583654"/>
+              <a:ext cx="1548962" cy="504441"/>
+            </a:xfrm>
+            <a:prstGeom prst="roundRect">
+              <a:avLst/>
+            </a:prstGeom>
+          </p:spPr>
+          <p:style>
+            <a:lnRef idx="1">
+              <a:schemeClr val="accent4"/>
+            </a:lnRef>
+            <a:fillRef idx="2">
+              <a:schemeClr val="accent4"/>
+            </a:fillRef>
+            <a:effectRef idx="1">
+              <a:schemeClr val="accent4"/>
+            </a:effectRef>
+            <a:fontRef idx="minor">
+              <a:schemeClr val="dk1"/>
+            </a:fontRef>
+          </p:style>
+          <p:txBody>
+            <a:bodyPr rtlCol="0" anchor="ctr"/>
+            <a:lstStyle/>
+            <a:p>
+              <a:pPr algn="ctr"/>
+              <a:r>
+                <a:rPr lang="en-US" sz="1600" dirty="0" smtClean="0">
+                  <a:latin typeface="Segoe UI" panose="020B0502040204020203" pitchFamily="34" charset="0"/>
+                  <a:cs typeface="Segoe UI" panose="020B0502040204020203" pitchFamily="34" charset="0"/>
+                </a:rPr>
+                <a:t>Configuration</a:t>
+              </a:r>
+              <a:endParaRPr lang="en-US" sz="1600" dirty="0">
+                <a:latin typeface="Segoe UI" panose="020B0502040204020203" pitchFamily="34" charset="0"/>
+                <a:cs typeface="Segoe UI" panose="020B0502040204020203" pitchFamily="34" charset="0"/>
+              </a:endParaRPr>
+            </a:p>
+          </p:txBody>
+        </p:sp>
+        <p:sp>
+          <p:nvSpPr>
+            <p:cNvPr id="11" name="Rounded Rectangle 10"/>
+            <p:cNvSpPr/>
+            <p:nvPr/>
+          </p:nvSpPr>
+          <p:spPr>
+            <a:xfrm>
+              <a:off x="1403129" y="4258532"/>
+              <a:ext cx="1529257" cy="500540"/>
+            </a:xfrm>
+            <a:prstGeom prst="roundRect">
+              <a:avLst/>
+            </a:prstGeom>
+          </p:spPr>
+          <p:style>
+            <a:lnRef idx="1">
+              <a:schemeClr val="accent4"/>
+            </a:lnRef>
+            <a:fillRef idx="2">
+              <a:schemeClr val="accent4"/>
+            </a:fillRef>
+            <a:effectRef idx="1">
+              <a:schemeClr val="accent4"/>
+            </a:effectRef>
+            <a:fontRef idx="minor">
+              <a:schemeClr val="dk1"/>
+            </a:fontRef>
+          </p:style>
+          <p:txBody>
+            <a:bodyPr rtlCol="0" anchor="ctr"/>
+            <a:lstStyle/>
+            <a:p>
+              <a:pPr algn="ctr"/>
+              <a:r>
+                <a:rPr lang="en-US" sz="1600" dirty="0" smtClean="0">
+                  <a:latin typeface="Segoe UI" panose="020B0502040204020203" pitchFamily="34" charset="0"/>
+                  <a:cs typeface="Segoe UI" panose="020B0502040204020203" pitchFamily="34" charset="0"/>
+                </a:rPr>
+                <a:t>Other Common Blocks</a:t>
+              </a:r>
+              <a:endParaRPr lang="en-US" sz="1600" dirty="0">
+                <a:latin typeface="Segoe UI" panose="020B0502040204020203" pitchFamily="34" charset="0"/>
+                <a:cs typeface="Segoe UI" panose="020B0502040204020203" pitchFamily="34" charset="0"/>
+              </a:endParaRPr>
+            </a:p>
+          </p:txBody>
+        </p:sp>
+      </p:grpSp>
+      <p:sp>
+        <p:nvSpPr>
+          <p:cNvPr id="4" name="Rounded Rectangle 3"/>
+          <p:cNvSpPr/>
+          <p:nvPr/>
+        </p:nvSpPr>
+        <p:spPr>
+          <a:xfrm>
+            <a:off x="2333385" y="4811803"/>
+            <a:ext cx="1695463" cy="525230"/>
+          </a:xfrm>
+          <a:prstGeom prst="roundRect">
+            <a:avLst/>
+          </a:prstGeom>
+        </p:spPr>
+        <p:style>
+          <a:lnRef idx="2">
+            <a:schemeClr val="accent1">
+              <a:shade val="50000"/>
+            </a:schemeClr>
+          </a:lnRef>
+          <a:fillRef idx="1">
+            <a:schemeClr val="accent1"/>
+          </a:fillRef>
+          <a:effectRef idx="0">
+            <a:schemeClr val="accent1"/>
+          </a:effectRef>
+          <a:fontRef idx="minor">
+            <a:schemeClr val="lt1"/>
+          </a:fontRef>
+        </p:style>
+        <p:txBody>
+          <a:bodyPr rtlCol="0" anchor="ctr"/>
+          <a:lstStyle/>
+          <a:p>
+            <a:pPr algn="ctr"/>
+            <a:r>
+              <a:rPr lang="en-US" sz="1600" dirty="0" smtClean="0"/>
+              <a:t>Data Access</a:t>
+            </a:r>
+            <a:endParaRPr lang="en-US" sz="1600" dirty="0"/>
+          </a:p>
+        </p:txBody>
+      </p:sp>
+      <p:sp>
+        <p:nvSpPr>
+          <p:cNvPr id="13" name="Rounded Rectangle 12"/>
+          <p:cNvSpPr/>
+          <p:nvPr/>
+        </p:nvSpPr>
+        <p:spPr>
+          <a:xfrm>
+            <a:off x="4139221" y="4811803"/>
+            <a:ext cx="2464893" cy="525230"/>
+          </a:xfrm>
+          <a:prstGeom prst="roundRect">
+            <a:avLst/>
+          </a:prstGeom>
+        </p:spPr>
+        <p:style>
+          <a:lnRef idx="2">
+            <a:schemeClr val="accent1">
+              <a:shade val="50000"/>
+            </a:schemeClr>
+          </a:lnRef>
+          <a:fillRef idx="1">
+            <a:schemeClr val="accent1"/>
+          </a:fillRef>
+          <a:effectRef idx="0">
+            <a:schemeClr val="accent1"/>
+          </a:effectRef>
+          <a:fontRef idx="minor">
+            <a:schemeClr val="lt1"/>
+          </a:fontRef>
+        </p:style>
+        <p:txBody>
+          <a:bodyPr rtlCol="0" anchor="ctr"/>
+          <a:lstStyle/>
+          <a:p>
+            <a:pPr algn="ctr"/>
+            <a:r>
+              <a:rPr lang="en-US" sz="1600" dirty="0" smtClean="0"/>
+              <a:t>External Services</a:t>
+            </a:r>
+            <a:endParaRPr lang="en-US" sz="1600" dirty="0"/>
+          </a:p>
+        </p:txBody>
+      </p:sp>
+      <p:grpSp>
+        <p:nvGrpSpPr>
+          <p:cNvPr id="14" name="Group 13"/>
+          <p:cNvGrpSpPr/>
+          <p:nvPr/>
+        </p:nvGrpSpPr>
+        <p:grpSpPr>
+          <a:xfrm>
+            <a:off x="2701465" y="6011795"/>
+            <a:ext cx="959301" cy="846205"/>
+            <a:chOff x="4305182" y="5120639"/>
+            <a:chExt cx="959301" cy="846205"/>
+          </a:xfrm>
+        </p:grpSpPr>
+        <p:sp>
+          <p:nvSpPr>
+            <p:cNvPr id="3" name="Flowchart: Magnetic Disk 2"/>
+            <p:cNvSpPr/>
+            <p:nvPr/>
+          </p:nvSpPr>
+          <p:spPr>
+            <a:xfrm>
+              <a:off x="4526520" y="5120639"/>
+              <a:ext cx="516624" cy="507650"/>
+            </a:xfrm>
+            <a:prstGeom prst="flowChartMagneticDisk">
+              <a:avLst/>
+            </a:prstGeom>
+          </p:spPr>
+          <p:style>
+            <a:lnRef idx="3">
+              <a:schemeClr val="lt1"/>
+            </a:lnRef>
+            <a:fillRef idx="1">
+              <a:schemeClr val="accent5"/>
+            </a:fillRef>
+            <a:effectRef idx="1">
+              <a:schemeClr val="accent5"/>
+            </a:effectRef>
+            <a:fontRef idx="minor">
+              <a:schemeClr val="lt1"/>
+            </a:fontRef>
+          </p:style>
+          <p:txBody>
+            <a:bodyPr rtlCol="0" anchor="ctr"/>
+            <a:lstStyle/>
+            <a:p>
+              <a:pPr algn="ctr"/>
+              <a:endParaRPr lang="en-US" sz="1600"/>
+            </a:p>
+          </p:txBody>
+        </p:sp>
+        <p:sp>
+          <p:nvSpPr>
+            <p:cNvPr id="12" name="TextBox 11"/>
+            <p:cNvSpPr txBox="1"/>
+            <p:nvPr/>
+          </p:nvSpPr>
+          <p:spPr>
+            <a:xfrm>
+              <a:off x="4305182" y="5628290"/>
+              <a:ext cx="959301" cy="338554"/>
+            </a:xfrm>
+            <a:prstGeom prst="rect">
+              <a:avLst/>
+            </a:prstGeom>
+            <a:noFill/>
+          </p:spPr>
+          <p:txBody>
+            <a:bodyPr wrap="none" rtlCol="0">
+              <a:spAutoFit/>
+            </a:bodyPr>
+            <a:lstStyle/>
+            <a:p>
+              <a:pPr algn="ctr"/>
+              <a:r>
+                <a:rPr lang="en-US" sz="1600" dirty="0" smtClean="0"/>
+                <a:t>Database</a:t>
+              </a:r>
+              <a:endParaRPr lang="en-US" sz="1600" dirty="0"/>
+            </a:p>
+          </p:txBody>
+        </p:sp>
+      </p:grpSp>
+      <p:sp>
+        <p:nvSpPr>
+          <p:cNvPr id="15" name="TextBox 14"/>
+          <p:cNvSpPr txBox="1"/>
+          <p:nvPr/>
+        </p:nvSpPr>
+        <p:spPr>
+          <a:xfrm>
+            <a:off x="4318049" y="6519446"/>
+            <a:ext cx="742511" cy="338554"/>
+          </a:xfrm>
+          <a:prstGeom prst="rect">
+            <a:avLst/>
+          </a:prstGeom>
+          <a:noFill/>
+        </p:spPr>
+        <p:txBody>
+          <a:bodyPr wrap="none" rtlCol="0">
+            <a:spAutoFit/>
+          </a:bodyPr>
+          <a:lstStyle/>
+          <a:p>
+            <a:pPr algn="ctr"/>
+            <a:r>
+              <a:rPr lang="en-US" sz="1600" dirty="0" smtClean="0"/>
+              <a:t>Queue</a:t>
+            </a:r>
+            <a:endParaRPr lang="en-US" sz="1600" dirty="0"/>
+          </a:p>
+        </p:txBody>
+      </p:sp>
+      <p:pic>
+        <p:nvPicPr>
+          <p:cNvPr id="1028" name="Picture 4" descr="http://images.clipartpanda.com/cloud-icon-png-CloudIcon.png"/>
+          <p:cNvPicPr>
+            <a:picLocks noChangeAspect="1" noChangeArrowheads="1"/>
+          </p:cNvPicPr>
+          <p:nvPr/>
+        </p:nvPicPr>
+        <p:blipFill>
+          <a:blip r:embed="rId3" cstate="print">
+            <a:extLst>
+              <a:ext uri="{28A0092B-C50C-407E-A947-70E740481C1C}">
+                <a14:useLocalDpi xmlns:a14="http://schemas.microsoft.com/office/drawing/2010/main" val="0"/>
+              </a:ext>
+            </a:extLst>
+          </a:blip>
+          <a:srcRect/>
+          <a:stretch>
+            <a:fillRect/>
+          </a:stretch>
+        </p:blipFill>
+        <p:spPr bwMode="auto">
+          <a:xfrm>
+            <a:off x="5681171" y="6011795"/>
+            <a:ext cx="859714" cy="507650"/>
+          </a:xfrm>
+          <a:prstGeom prst="rect">
+            <a:avLst/>
+          </a:prstGeom>
+          <a:noFill/>
+          <a:extLst>
+            <a:ext uri="{909E8E84-426E-40DD-AFC4-6F175D3DCCD1}">
+              <a14:hiddenFill xmlns:a14="http://schemas.microsoft.com/office/drawing/2010/main">
+                <a:solidFill>
+                  <a:srgbClr val="FFFFFF"/>
+                </a:solidFill>
+              </a14:hiddenFill>
+            </a:ext>
+          </a:extLst>
+        </p:spPr>
+      </p:pic>
+      <p:pic>
+        <p:nvPicPr>
+          <p:cNvPr id="1032" name="Picture 8" descr="http://colby.id.au/files/sqs.png"/>
+          <p:cNvPicPr>
+            <a:picLocks noChangeAspect="1" noChangeArrowheads="1"/>
+          </p:cNvPicPr>
+          <p:nvPr/>
+        </p:nvPicPr>
+        <p:blipFill>
+          <a:blip r:embed="rId4">
+            <a:extLst>
+              <a:ext uri="{BEBA8EAE-BF5A-486C-A8C5-ECC9F3942E4B}">
+                <a14:imgProps xmlns:a14="http://schemas.microsoft.com/office/drawing/2010/main">
+                  <a14:imgLayer r:embed="rId5">
+                    <a14:imgEffect>
+                      <a14:colorTemperature colorTemp="4700"/>
+                    </a14:imgEffect>
+                  </a14:imgLayer>
+                </a14:imgProps>
+              </a:ext>
+              <a:ext uri="{28A0092B-C50C-407E-A947-70E740481C1C}">
+                <a14:useLocalDpi xmlns:a14="http://schemas.microsoft.com/office/drawing/2010/main" val="0"/>
+              </a:ext>
+            </a:extLst>
+          </a:blip>
+          <a:srcRect/>
+          <a:stretch>
+            <a:fillRect/>
+          </a:stretch>
+        </p:blipFill>
+        <p:spPr bwMode="auto">
+          <a:xfrm>
+            <a:off x="4281377" y="6011795"/>
+            <a:ext cx="779183" cy="507650"/>
+          </a:xfrm>
+          <a:prstGeom prst="rect">
+            <a:avLst/>
+          </a:prstGeom>
+          <a:noFill/>
+          <a:extLst>
+            <a:ext uri="{909E8E84-426E-40DD-AFC4-6F175D3DCCD1}">
+              <a14:hiddenFill xmlns:a14="http://schemas.microsoft.com/office/drawing/2010/main">
+                <a:solidFill>
+                  <a:srgbClr val="FFFFFF"/>
+                </a:solidFill>
+              </a14:hiddenFill>
+            </a:ext>
+          </a:extLst>
+        </p:spPr>
+      </p:pic>
+      <p:sp>
+        <p:nvSpPr>
+          <p:cNvPr id="21" name="TextBox 20"/>
+          <p:cNvSpPr txBox="1"/>
+          <p:nvPr/>
+        </p:nvSpPr>
+        <p:spPr>
+          <a:xfrm>
+            <a:off x="5617946" y="6519445"/>
+            <a:ext cx="986168" cy="338554"/>
+          </a:xfrm>
+          <a:prstGeom prst="rect">
+            <a:avLst/>
+          </a:prstGeom>
+          <a:noFill/>
+        </p:spPr>
+        <p:txBody>
+          <a:bodyPr wrap="none" rtlCol="0">
+            <a:spAutoFit/>
+          </a:bodyPr>
+          <a:lstStyle/>
+          <a:p>
+            <a:pPr algn="ctr"/>
+            <a:r>
+              <a:rPr lang="en-US" sz="1600" dirty="0" smtClean="0"/>
+              <a:t>Cloud API</a:t>
+            </a:r>
+            <a:endParaRPr lang="en-US" sz="1600" dirty="0"/>
+          </a:p>
+        </p:txBody>
+      </p:sp>
+    </p:spTree>
+    <p:extLst>
+      <p:ext uri="{BB962C8B-B14F-4D97-AF65-F5344CB8AC3E}">
+        <p14:creationId xmlns:p14="http://schemas.microsoft.com/office/powerpoint/2010/main" val="4046725866"/>
+      </p:ext>
+    </p:extLst>
+  </p:cSld>
+  <p:clrMapOvr>
+    <a:masterClrMapping/>
+  </p:clrMapOvr>
+  <p:timing>
+    <p:tnLst>
+      <p:par>
+        <p:cTn id="1" dur="indefinite" restart="never" nodeType="tmRoot"/>
+      </p:par>
+    </p:tnLst>
+  </p:timing>
+</p:sld>
+</file>
+
+<file path=ppt/slides/slide7.xml><?xml version="1.0" encoding="utf-8"?>
+<p:sld xmlns:a="http://schemas.openxmlformats.org/drawingml/2006/main" xmlns:r="http://schemas.openxmlformats.org/officeDocument/2006/relationships" xmlns:p="http://schemas.openxmlformats.org/presentationml/2006/main">
+  <p:cSld>
+    <p:spTree>
+      <p:nvGrpSpPr>
+        <p:cNvPr id="1" name=""/>
+        <p:cNvGrpSpPr/>
+        <p:nvPr/>
+      </p:nvGrpSpPr>
+      <p:grpSpPr>
+        <a:xfrm>
+          <a:off x="0" y="0"/>
+          <a:ext cx="0" cy="0"/>
+          <a:chOff x="0" y="0"/>
+          <a:chExt cx="0" cy="0"/>
+        </a:xfrm>
+      </p:grpSpPr>
       <p:pic>
         <p:nvPicPr>
           <p:cNvPr id="2050" name="Picture 2" descr="http://orlando2014.zonta.org/portals/0/images2014/Golden%20Z/iconmonstr-laptop-4-icon-256.png"/>
@@ -13235,7 +13999,7 @@
           <a:p>
             <a:fld id="{BCD7396F-CAFE-47FC-9775-745DE743DF33}" type="slidenum">
               <a:rPr lang="en-US" smtClean="0"/>
-              <a:t>6</a:t>
+              <a:t>7</a:t>
             </a:fld>
             <a:endParaRPr lang="en-US"/>
           </a:p>

--- a/Documents/Lessons Learned From Agile Quality Assurance In Scrum.pptx
+++ b/Documents/Lessons Learned From Agile Quality Assurance In Scrum.pptx
@@ -7,7 +7,7 @@
     <p:sldMasterId id="2147483900" r:id="rId3"/>
   </p:sldMasterIdLst>
   <p:notesMasterIdLst>
-    <p:notesMasterId r:id="rId11"/>
+    <p:notesMasterId r:id="rId12"/>
   </p:notesMasterIdLst>
   <p:sldIdLst>
     <p:sldId id="256" r:id="rId4"/>
@@ -17,6 +17,7 @@
     <p:sldId id="259" r:id="rId8"/>
     <p:sldId id="262" r:id="rId9"/>
     <p:sldId id="258" r:id="rId10"/>
+    <p:sldId id="263" r:id="rId11"/>
   </p:sldIdLst>
   <p:sldSz cx="12192000" cy="6858000"/>
   <p:notesSz cx="6858000" cy="9144000"/>
@@ -217,7 +218,7 @@
           <a:p>
             <a:fld id="{DDC08AD7-58B5-48BE-B808-02C5C825B5D9}" type="datetimeFigureOut">
               <a:rPr lang="en-US" smtClean="0"/>
-              <a:t>6/15/2015</a:t>
+              <a:t>6/16/2015</a:t>
             </a:fld>
             <a:endParaRPr lang="en-US"/>
           </a:p>
@@ -1157,7 +1158,7 @@
           <a:p>
             <a:fld id="{1A260A04-0D30-4F6D-881B-6C5304669D2D}" type="datetime1">
               <a:rPr lang="en-US" smtClean="0"/>
-              <a:t>6/15/2015</a:t>
+              <a:t>6/16/2015</a:t>
             </a:fld>
             <a:endParaRPr lang="en-US"/>
           </a:p>
@@ -1327,7 +1328,7 @@
           <a:p>
             <a:fld id="{E6E53668-B7C0-4790-AB12-5D3BFE47BE8B}" type="datetime1">
               <a:rPr lang="en-US" smtClean="0"/>
-              <a:t>6/15/2015</a:t>
+              <a:t>6/16/2015</a:t>
             </a:fld>
             <a:endParaRPr lang="en-US"/>
           </a:p>
@@ -1507,7 +1508,7 @@
           <a:p>
             <a:fld id="{AD012240-970E-40CC-8CD7-B4B37FE77D86}" type="datetime1">
               <a:rPr lang="en-US" smtClean="0"/>
-              <a:t>6/15/2015</a:t>
+              <a:t>6/16/2015</a:t>
             </a:fld>
             <a:endParaRPr lang="en-US"/>
           </a:p>
@@ -1710,7 +1711,7 @@
           <a:p>
             <a:fld id="{50DBB39F-26FB-4A03-A315-BBB0380AC164}" type="datetime1">
               <a:rPr lang="en-US" smtClean="0"/>
-              <a:t>6/15/2015</a:t>
+              <a:t>6/16/2015</a:t>
             </a:fld>
             <a:endParaRPr lang="en-US"/>
           </a:p>
@@ -1880,7 +1881,7 @@
           <a:p>
             <a:fld id="{5FF1C112-DB57-4E9E-8ABD-FC949F9AD8AE}" type="datetime1">
               <a:rPr lang="en-US" smtClean="0"/>
-              <a:t>6/15/2015</a:t>
+              <a:t>6/16/2015</a:t>
             </a:fld>
             <a:endParaRPr lang="en-US"/>
           </a:p>
@@ -2131,7 +2132,7 @@
           <a:p>
             <a:fld id="{96531E8E-3773-4208-9310-6439EC241707}" type="datetime1">
               <a:rPr lang="en-US" smtClean="0"/>
-              <a:t>6/15/2015</a:t>
+              <a:t>6/16/2015</a:t>
             </a:fld>
             <a:endParaRPr lang="en-US"/>
           </a:p>
@@ -2363,7 +2364,7 @@
           <a:p>
             <a:fld id="{BEF86C87-CF81-4F33-AA09-070D5CBC9F24}" type="datetime1">
               <a:rPr lang="en-US" smtClean="0"/>
-              <a:t>6/15/2015</a:t>
+              <a:t>6/16/2015</a:t>
             </a:fld>
             <a:endParaRPr lang="en-US"/>
           </a:p>
@@ -2710,7 +2711,7 @@
           <a:p>
             <a:fld id="{AAA17232-2A7D-4E7D-B22E-039FC0C07C9C}" type="datetime1">
               <a:rPr lang="en-US" smtClean="0"/>
-              <a:t>6/15/2015</a:t>
+              <a:t>6/16/2015</a:t>
             </a:fld>
             <a:endParaRPr lang="en-US"/>
           </a:p>
@@ -2828,7 +2829,7 @@
           <a:p>
             <a:fld id="{3E222FA5-7C7C-4C35-BB65-BA1A0CE6FD68}" type="datetime1">
               <a:rPr lang="en-US" smtClean="0"/>
-              <a:t>6/15/2015</a:t>
+              <a:t>6/16/2015</a:t>
             </a:fld>
             <a:endParaRPr lang="en-US"/>
           </a:p>
@@ -2946,7 +2947,7 @@
           <a:p>
             <a:fld id="{CA147D11-A985-49F3-A082-06E1C829C109}" type="datetime1">
               <a:rPr lang="en-US" smtClean="0"/>
-              <a:t>6/15/2015</a:t>
+              <a:t>6/16/2015</a:t>
             </a:fld>
             <a:endParaRPr lang="en-US"/>
           </a:p>
@@ -3230,7 +3231,7 @@
           <a:p>
             <a:fld id="{98A7513B-AB8C-4CFB-B713-B080B16C734C}" type="datetime1">
               <a:rPr lang="en-US" smtClean="0"/>
-              <a:t>6/15/2015</a:t>
+              <a:t>6/16/2015</a:t>
             </a:fld>
             <a:endParaRPr lang="en-US"/>
           </a:p>
@@ -3400,7 +3401,7 @@
           <a:p>
             <a:fld id="{AB91A3AC-9D5E-4044-879F-B01C3563F8E8}" type="datetime1">
               <a:rPr lang="en-US" smtClean="0"/>
-              <a:t>6/15/2015</a:t>
+              <a:t>6/16/2015</a:t>
             </a:fld>
             <a:endParaRPr lang="en-US"/>
           </a:p>
@@ -3664,7 +3665,7 @@
           <a:p>
             <a:fld id="{A7CCA7B5-B293-45D2-956C-DE2CDFB7B933}" type="datetime1">
               <a:rPr lang="en-US" smtClean="0"/>
-              <a:t>6/15/2015</a:t>
+              <a:t>6/16/2015</a:t>
             </a:fld>
             <a:endParaRPr lang="en-US"/>
           </a:p>
@@ -3834,7 +3835,7 @@
           <a:p>
             <a:fld id="{17D76E9C-E220-47EB-849C-8B82B2A30550}" type="datetime1">
               <a:rPr lang="en-US" smtClean="0"/>
-              <a:t>6/15/2015</a:t>
+              <a:t>6/16/2015</a:t>
             </a:fld>
             <a:endParaRPr lang="en-US"/>
           </a:p>
@@ -4014,7 +4015,7 @@
           <a:p>
             <a:fld id="{E21C0911-D971-404D-81D6-5C6E3EA30CF8}" type="datetime1">
               <a:rPr lang="en-US" smtClean="0"/>
-              <a:t>6/15/2015</a:t>
+              <a:t>6/16/2015</a:t>
             </a:fld>
             <a:endParaRPr lang="en-US"/>
           </a:p>
@@ -4217,7 +4218,7 @@
           <a:p>
             <a:fld id="{00A11C92-07B9-46B4-BA9B-A9F8DEDDD065}" type="datetime1">
               <a:rPr lang="en-US" smtClean="0"/>
-              <a:t>6/15/2015</a:t>
+              <a:t>6/16/2015</a:t>
             </a:fld>
             <a:endParaRPr lang="en-US"/>
           </a:p>
@@ -4387,7 +4388,7 @@
           <a:p>
             <a:fld id="{DBFDFE0C-1862-4D32-B353-473485FC5B8C}" type="datetime1">
               <a:rPr lang="en-US" smtClean="0"/>
-              <a:t>6/15/2015</a:t>
+              <a:t>6/16/2015</a:t>
             </a:fld>
             <a:endParaRPr lang="en-US"/>
           </a:p>
@@ -4638,7 +4639,7 @@
           <a:p>
             <a:fld id="{BE19EF60-149A-4C77-9B4D-6B2738EE1A60}" type="datetime1">
               <a:rPr lang="en-US" smtClean="0"/>
-              <a:t>6/15/2015</a:t>
+              <a:t>6/16/2015</a:t>
             </a:fld>
             <a:endParaRPr lang="en-US"/>
           </a:p>
@@ -4870,7 +4871,7 @@
           <a:p>
             <a:fld id="{99EA8280-61AF-4C1C-9E86-CB6F68529EB7}" type="datetime1">
               <a:rPr lang="en-US" smtClean="0"/>
-              <a:t>6/15/2015</a:t>
+              <a:t>6/16/2015</a:t>
             </a:fld>
             <a:endParaRPr lang="en-US"/>
           </a:p>
@@ -5217,7 +5218,7 @@
           <a:p>
             <a:fld id="{71578FFB-D7B0-4E90-BEDB-1D7E153C4824}" type="datetime1">
               <a:rPr lang="en-US" smtClean="0"/>
-              <a:t>6/15/2015</a:t>
+              <a:t>6/16/2015</a:t>
             </a:fld>
             <a:endParaRPr lang="en-US"/>
           </a:p>
@@ -5335,7 +5336,7 @@
           <a:p>
             <a:fld id="{4C4D8C16-585C-4AE9-8479-FDE6A8B38DEE}" type="datetime1">
               <a:rPr lang="en-US" smtClean="0"/>
-              <a:t>6/15/2015</a:t>
+              <a:t>6/16/2015</a:t>
             </a:fld>
             <a:endParaRPr lang="en-US"/>
           </a:p>
@@ -5453,7 +5454,7 @@
           <a:p>
             <a:fld id="{A3E1E9D2-4942-414F-A3F4-EBED35448B8F}" type="datetime1">
               <a:rPr lang="en-US" smtClean="0"/>
-              <a:t>6/15/2015</a:t>
+              <a:t>6/16/2015</a:t>
             </a:fld>
             <a:endParaRPr lang="en-US"/>
           </a:p>
@@ -5704,7 +5705,7 @@
           <a:p>
             <a:fld id="{1C11B133-5474-465F-A785-F314434DFD23}" type="datetime1">
               <a:rPr lang="en-US" smtClean="0"/>
-              <a:t>6/15/2015</a:t>
+              <a:t>6/16/2015</a:t>
             </a:fld>
             <a:endParaRPr lang="en-US"/>
           </a:p>
@@ -5988,7 +5989,7 @@
           <a:p>
             <a:fld id="{3553D1B6-D0FE-4204-8A01-54B687E5DD26}" type="datetime1">
               <a:rPr lang="en-US" smtClean="0"/>
-              <a:t>6/15/2015</a:t>
+              <a:t>6/16/2015</a:t>
             </a:fld>
             <a:endParaRPr lang="en-US"/>
           </a:p>
@@ -6252,7 +6253,7 @@
           <a:p>
             <a:fld id="{19FCDD6E-AC17-4ACA-A92D-E10490C522DB}" type="datetime1">
               <a:rPr lang="en-US" smtClean="0"/>
-              <a:t>6/15/2015</a:t>
+              <a:t>6/16/2015</a:t>
             </a:fld>
             <a:endParaRPr lang="en-US"/>
           </a:p>
@@ -6422,7 +6423,7 @@
           <a:p>
             <a:fld id="{8BB8CF3A-3DC3-46E1-9DA1-BE258D67F966}" type="datetime1">
               <a:rPr lang="en-US" smtClean="0"/>
-              <a:t>6/15/2015</a:t>
+              <a:t>6/16/2015</a:t>
             </a:fld>
             <a:endParaRPr lang="en-US"/>
           </a:p>
@@ -6602,7 +6603,7 @@
           <a:p>
             <a:fld id="{AD9DD4F7-2579-4CF8-BDFF-9A21010A8A2E}" type="datetime1">
               <a:rPr lang="en-US" smtClean="0"/>
-              <a:t>6/15/2015</a:t>
+              <a:t>6/16/2015</a:t>
             </a:fld>
             <a:endParaRPr lang="en-US"/>
           </a:p>
@@ -6834,7 +6835,7 @@
           <a:p>
             <a:fld id="{1AF9A467-BFE2-41BE-A0FC-0030BE2626DD}" type="datetime1">
               <a:rPr lang="en-US" smtClean="0"/>
-              <a:t>6/15/2015</a:t>
+              <a:t>6/16/2015</a:t>
             </a:fld>
             <a:endParaRPr lang="en-US"/>
           </a:p>
@@ -7181,7 +7182,7 @@
           <a:p>
             <a:fld id="{43E3EAFD-F696-47C2-9253-8A163E9F976A}" type="datetime1">
               <a:rPr lang="en-US" smtClean="0"/>
-              <a:t>6/15/2015</a:t>
+              <a:t>6/16/2015</a:t>
             </a:fld>
             <a:endParaRPr lang="en-US"/>
           </a:p>
@@ -7299,7 +7300,7 @@
           <a:p>
             <a:fld id="{3359A0CF-9B53-46A5-8307-04A4889D9F93}" type="datetime1">
               <a:rPr lang="en-US" smtClean="0"/>
-              <a:t>6/15/2015</a:t>
+              <a:t>6/16/2015</a:t>
             </a:fld>
             <a:endParaRPr lang="en-US"/>
           </a:p>
@@ -7417,7 +7418,7 @@
           <a:p>
             <a:fld id="{A4379B3A-E313-4F12-9C2E-80CDD6D57577}" type="datetime1">
               <a:rPr lang="en-US" smtClean="0"/>
-              <a:t>6/15/2015</a:t>
+              <a:t>6/16/2015</a:t>
             </a:fld>
             <a:endParaRPr lang="en-US"/>
           </a:p>
@@ -7701,7 +7702,7 @@
           <a:p>
             <a:fld id="{C10E1925-197E-4055-87BD-DC23A5578938}" type="datetime1">
               <a:rPr lang="en-US" smtClean="0"/>
-              <a:t>6/15/2015</a:t>
+              <a:t>6/16/2015</a:t>
             </a:fld>
             <a:endParaRPr lang="en-US"/>
           </a:p>
@@ -7965,7 +7966,7 @@
           <a:p>
             <a:fld id="{898E4E15-8956-4935-9C3F-CF1C62A234AF}" type="datetime1">
               <a:rPr lang="en-US" smtClean="0"/>
-              <a:t>6/15/2015</a:t>
+              <a:t>6/16/2015</a:t>
             </a:fld>
             <a:endParaRPr lang="en-US"/>
           </a:p>
@@ -8179,7 +8180,7 @@
           <a:p>
             <a:fld id="{8A8E5BE4-9DA4-4FAD-9FF2-25E33DA7A2DE}" type="datetime1">
               <a:rPr lang="en-US" smtClean="0"/>
-              <a:t>6/15/2015</a:t>
+              <a:t>6/16/2015</a:t>
             </a:fld>
             <a:endParaRPr lang="en-US"/>
           </a:p>
@@ -8710,7 +8711,7 @@
           <a:p>
             <a:fld id="{FC3B0C6D-E3BB-429A-AB5D-08885DC9FDF2}" type="datetime1">
               <a:rPr lang="en-US" smtClean="0"/>
-              <a:t>6/15/2015</a:t>
+              <a:t>6/16/2015</a:t>
             </a:fld>
             <a:endParaRPr lang="en-US"/>
           </a:p>
@@ -9241,7 +9242,7 @@
           <a:p>
             <a:fld id="{B0E3F87A-01F1-4F3F-8BAF-BABC1CBFDFDD}" type="datetime1">
               <a:rPr lang="en-US" smtClean="0"/>
-              <a:t>6/15/2015</a:t>
+              <a:t>6/16/2015</a:t>
             </a:fld>
             <a:endParaRPr lang="en-US"/>
           </a:p>
@@ -13059,8 +13060,8 @@
         </p:nvGrpSpPr>
         <p:grpSpPr>
           <a:xfrm>
-            <a:off x="138372" y="1813411"/>
-            <a:ext cx="1962808" cy="3523621"/>
+            <a:off x="9148801" y="2044405"/>
+            <a:ext cx="1962808" cy="3457030"/>
             <a:chOff x="1237592" y="1379455"/>
             <a:chExt cx="1805153" cy="3523621"/>
           </a:xfrm>
@@ -13098,13 +13099,13 @@
             </p:spPr>
             <p:style>
               <a:lnRef idx="1">
-                <a:schemeClr val="accent4"/>
+                <a:schemeClr val="accent3"/>
               </a:lnRef>
               <a:fillRef idx="2">
-                <a:schemeClr val="accent4"/>
+                <a:schemeClr val="accent3"/>
               </a:fillRef>
               <a:effectRef idx="1">
-                <a:schemeClr val="accent4"/>
+                <a:schemeClr val="accent3"/>
               </a:effectRef>
               <a:fontRef idx="minor">
                 <a:schemeClr val="dk1"/>
@@ -13131,7 +13132,7 @@
             <p:spPr>
               <a:xfrm>
                 <a:off x="3026979" y="1953650"/>
-                <a:ext cx="1749973" cy="591253"/>
+                <a:ext cx="1749973" cy="523095"/>
               </a:xfrm>
               <a:prstGeom prst="rect">
                 <a:avLst/>
@@ -13184,13 +13185,13 @@
           </p:spPr>
           <p:style>
             <a:lnRef idx="1">
-              <a:schemeClr val="accent4"/>
+              <a:schemeClr val="accent3"/>
             </a:lnRef>
             <a:fillRef idx="2">
-              <a:schemeClr val="accent4"/>
+              <a:schemeClr val="accent3"/>
             </a:fillRef>
             <a:effectRef idx="1">
-              <a:schemeClr val="accent4"/>
+              <a:schemeClr val="accent3"/>
             </a:effectRef>
             <a:fontRef idx="minor">
               <a:schemeClr val="dk1"/>
@@ -13232,13 +13233,13 @@
           </p:spPr>
           <p:style>
             <a:lnRef idx="1">
-              <a:schemeClr val="accent4"/>
+              <a:schemeClr val="accent3"/>
             </a:lnRef>
             <a:fillRef idx="2">
-              <a:schemeClr val="accent4"/>
+              <a:schemeClr val="accent3"/>
             </a:fillRef>
             <a:effectRef idx="1">
-              <a:schemeClr val="accent4"/>
+              <a:schemeClr val="accent3"/>
             </a:effectRef>
             <a:fontRef idx="minor">
               <a:schemeClr val="dk1"/>
@@ -13280,13 +13281,13 @@
           </p:spPr>
           <p:style>
             <a:lnRef idx="1">
-              <a:schemeClr val="accent4"/>
+              <a:schemeClr val="accent3"/>
             </a:lnRef>
             <a:fillRef idx="2">
-              <a:schemeClr val="accent4"/>
+              <a:schemeClr val="accent3"/>
             </a:fillRef>
             <a:effectRef idx="1">
-              <a:schemeClr val="accent4"/>
+              <a:schemeClr val="accent3"/>
             </a:effectRef>
             <a:fontRef idx="minor">
               <a:schemeClr val="dk1"/>
@@ -13328,13 +13329,13 @@
           </p:spPr>
           <p:style>
             <a:lnRef idx="1">
-              <a:schemeClr val="accent4"/>
+              <a:schemeClr val="accent3"/>
             </a:lnRef>
             <a:fillRef idx="2">
-              <a:schemeClr val="accent4"/>
+              <a:schemeClr val="accent3"/>
             </a:fillRef>
             <a:effectRef idx="1">
-              <a:schemeClr val="accent4"/>
+              <a:schemeClr val="accent3"/>
             </a:effectRef>
             <a:fontRef idx="minor">
               <a:schemeClr val="dk1"/>
@@ -13362,18 +13363,944 @@
       </p:grpSp>
       <p:sp>
         <p:nvSpPr>
-          <p:cNvPr id="4" name="Rounded Rectangle 3"/>
+          <p:cNvPr id="13" name="Rounded Rectangle 12"/>
           <p:cNvSpPr/>
           <p:nvPr/>
         </p:nvSpPr>
         <p:spPr>
           <a:xfrm>
-            <a:off x="2333385" y="4811803"/>
-            <a:ext cx="1695463" cy="525230"/>
+            <a:off x="2221007" y="4770428"/>
+            <a:ext cx="6807698" cy="731009"/>
           </a:xfrm>
           <a:prstGeom prst="roundRect">
             <a:avLst/>
           </a:prstGeom>
+        </p:spPr>
+        <p:style>
+          <a:lnRef idx="1">
+            <a:schemeClr val="accent3"/>
+          </a:lnRef>
+          <a:fillRef idx="2">
+            <a:schemeClr val="accent3"/>
+          </a:fillRef>
+          <a:effectRef idx="1">
+            <a:schemeClr val="accent3"/>
+          </a:effectRef>
+          <a:fontRef idx="minor">
+            <a:schemeClr val="dk1"/>
+          </a:fontRef>
+        </p:style>
+        <p:txBody>
+          <a:bodyPr rtlCol="0" anchor="ctr"/>
+          <a:lstStyle/>
+          <a:p>
+            <a:pPr algn="ctr"/>
+            <a:r>
+              <a:rPr lang="en-US" sz="1600" dirty="0" smtClean="0">
+                <a:latin typeface="Segoe UI" panose="020B0502040204020203" pitchFamily="34" charset="0"/>
+                <a:cs typeface="Segoe UI" panose="020B0502040204020203" pitchFamily="34" charset="0"/>
+              </a:rPr>
+              <a:t>Service Gateways</a:t>
+            </a:r>
+            <a:endParaRPr lang="en-US" sz="1600" dirty="0">
+              <a:latin typeface="Segoe UI" panose="020B0502040204020203" pitchFamily="34" charset="0"/>
+              <a:cs typeface="Segoe UI" panose="020B0502040204020203" pitchFamily="34" charset="0"/>
+            </a:endParaRPr>
+          </a:p>
+        </p:txBody>
+      </p:sp>
+      <p:sp>
+        <p:nvSpPr>
+          <p:cNvPr id="18" name="Rounded Rectangle 17"/>
+          <p:cNvSpPr/>
+          <p:nvPr/>
+        </p:nvSpPr>
+        <p:spPr>
+          <a:xfrm>
+            <a:off x="2221007" y="3373875"/>
+            <a:ext cx="6807697" cy="1176532"/>
+          </a:xfrm>
+          <a:prstGeom prst="roundRect">
+            <a:avLst/>
+          </a:prstGeom>
+        </p:spPr>
+        <p:style>
+          <a:lnRef idx="1">
+            <a:schemeClr val="accent3"/>
+          </a:lnRef>
+          <a:fillRef idx="2">
+            <a:schemeClr val="accent3"/>
+          </a:fillRef>
+          <a:effectRef idx="1">
+            <a:schemeClr val="accent3"/>
+          </a:effectRef>
+          <a:fontRef idx="minor">
+            <a:schemeClr val="dk1"/>
+          </a:fontRef>
+        </p:style>
+        <p:txBody>
+          <a:bodyPr rtlCol="0" anchor="ctr"/>
+          <a:lstStyle/>
+          <a:p>
+            <a:pPr algn="ctr"/>
+            <a:r>
+              <a:rPr lang="en-US" sz="1600" dirty="0" smtClean="0">
+                <a:latin typeface="Segoe UI" panose="020B0502040204020203" pitchFamily="34" charset="0"/>
+                <a:cs typeface="Segoe UI" panose="020B0502040204020203" pitchFamily="34" charset="0"/>
+              </a:rPr>
+              <a:t>Business Logic</a:t>
+            </a:r>
+            <a:endParaRPr lang="en-US" sz="1600" dirty="0">
+              <a:latin typeface="Segoe UI" panose="020B0502040204020203" pitchFamily="34" charset="0"/>
+              <a:cs typeface="Segoe UI" panose="020B0502040204020203" pitchFamily="34" charset="0"/>
+            </a:endParaRPr>
+          </a:p>
+        </p:txBody>
+      </p:sp>
+      <p:sp>
+        <p:nvSpPr>
+          <p:cNvPr id="23" name="Rounded Rectangle 22"/>
+          <p:cNvSpPr/>
+          <p:nvPr/>
+        </p:nvSpPr>
+        <p:spPr>
+          <a:xfrm>
+            <a:off x="969600" y="2044405"/>
+            <a:ext cx="1095942" cy="3457030"/>
+          </a:xfrm>
+          <a:prstGeom prst="roundRect">
+            <a:avLst/>
+          </a:prstGeom>
+        </p:spPr>
+        <p:style>
+          <a:lnRef idx="1">
+            <a:schemeClr val="accent3"/>
+          </a:lnRef>
+          <a:fillRef idx="2">
+            <a:schemeClr val="accent3"/>
+          </a:fillRef>
+          <a:effectRef idx="1">
+            <a:schemeClr val="accent3"/>
+          </a:effectRef>
+          <a:fontRef idx="minor">
+            <a:schemeClr val="dk1"/>
+          </a:fontRef>
+        </p:style>
+        <p:txBody>
+          <a:bodyPr rtlCol="0" anchor="ctr"/>
+          <a:lstStyle/>
+          <a:p>
+            <a:pPr algn="ctr"/>
+            <a:r>
+              <a:rPr lang="en-US" sz="1600" dirty="0" smtClean="0">
+                <a:latin typeface="Segoe UI" panose="020B0502040204020203" pitchFamily="34" charset="0"/>
+                <a:cs typeface="Segoe UI" panose="020B0502040204020203" pitchFamily="34" charset="0"/>
+              </a:rPr>
+              <a:t>Business Entity</a:t>
+            </a:r>
+            <a:endParaRPr lang="en-US" sz="1600" dirty="0">
+              <a:latin typeface="Segoe UI" panose="020B0502040204020203" pitchFamily="34" charset="0"/>
+              <a:cs typeface="Segoe UI" panose="020B0502040204020203" pitchFamily="34" charset="0"/>
+            </a:endParaRPr>
+          </a:p>
+        </p:txBody>
+      </p:sp>
+      <p:grpSp>
+        <p:nvGrpSpPr>
+          <p:cNvPr id="27" name="Group 26"/>
+          <p:cNvGrpSpPr/>
+          <p:nvPr/>
+        </p:nvGrpSpPr>
+        <p:grpSpPr>
+          <a:xfrm>
+            <a:off x="2196626" y="5462767"/>
+            <a:ext cx="7026175" cy="1273035"/>
+            <a:chOff x="995549" y="5463463"/>
+            <a:chExt cx="7166741" cy="1273035"/>
+          </a:xfrm>
+        </p:grpSpPr>
+        <p:grpSp>
+          <p:nvGrpSpPr>
+            <p:cNvPr id="14" name="Group 13"/>
+            <p:cNvGrpSpPr/>
+            <p:nvPr/>
+          </p:nvGrpSpPr>
+          <p:grpSpPr>
+            <a:xfrm>
+              <a:off x="995549" y="5680576"/>
+              <a:ext cx="1964050" cy="969316"/>
+              <a:chOff x="3802813" y="5120639"/>
+              <a:chExt cx="1964050" cy="969316"/>
+            </a:xfrm>
+          </p:grpSpPr>
+          <p:sp>
+            <p:nvSpPr>
+              <p:cNvPr id="3" name="Flowchart: Magnetic Disk 2"/>
+              <p:cNvSpPr/>
+              <p:nvPr/>
+            </p:nvSpPr>
+            <p:spPr>
+              <a:xfrm>
+                <a:off x="4526520" y="5120639"/>
+                <a:ext cx="483582" cy="507649"/>
+              </a:xfrm>
+              <a:prstGeom prst="flowChartMagneticDisk">
+                <a:avLst/>
+              </a:prstGeom>
+            </p:spPr>
+            <p:style>
+              <a:lnRef idx="1">
+                <a:schemeClr val="accent4"/>
+              </a:lnRef>
+              <a:fillRef idx="2">
+                <a:schemeClr val="accent4"/>
+              </a:fillRef>
+              <a:effectRef idx="1">
+                <a:schemeClr val="accent4"/>
+              </a:effectRef>
+              <a:fontRef idx="minor">
+                <a:schemeClr val="dk1"/>
+              </a:fontRef>
+            </p:style>
+            <p:txBody>
+              <a:bodyPr rtlCol="0" anchor="ctr"/>
+              <a:lstStyle/>
+              <a:p>
+                <a:pPr algn="ctr"/>
+                <a:endParaRPr lang="en-US" sz="1200">
+                  <a:latin typeface="Segoe UI" panose="020B0502040204020203" pitchFamily="34" charset="0"/>
+                  <a:cs typeface="Segoe UI" panose="020B0502040204020203" pitchFamily="34" charset="0"/>
+                </a:endParaRPr>
+              </a:p>
+            </p:txBody>
+          </p:sp>
+          <p:sp>
+            <p:nvSpPr>
+              <p:cNvPr id="12" name="TextBox 11"/>
+              <p:cNvSpPr txBox="1"/>
+              <p:nvPr/>
+            </p:nvSpPr>
+            <p:spPr>
+              <a:xfrm>
+                <a:off x="3802813" y="5628290"/>
+                <a:ext cx="1964050" cy="461665"/>
+              </a:xfrm>
+              <a:prstGeom prst="rect">
+                <a:avLst/>
+              </a:prstGeom>
+              <a:noFill/>
+            </p:spPr>
+            <p:txBody>
+              <a:bodyPr wrap="none" rtlCol="0">
+                <a:spAutoFit/>
+              </a:bodyPr>
+              <a:lstStyle/>
+              <a:p>
+                <a:pPr algn="ctr"/>
+                <a:r>
+                  <a:rPr lang="en-US" sz="1200" dirty="0" smtClean="0">
+                    <a:latin typeface="Segoe UI" panose="020B0502040204020203" pitchFamily="34" charset="0"/>
+                    <a:cs typeface="Segoe UI" panose="020B0502040204020203" pitchFamily="34" charset="0"/>
+                  </a:rPr>
+                  <a:t>Database</a:t>
+                </a:r>
+              </a:p>
+              <a:p>
+                <a:pPr algn="ctr"/>
+                <a:r>
+                  <a:rPr lang="en-US" sz="1200" dirty="0" smtClean="0">
+                    <a:latin typeface="Segoe UI" panose="020B0502040204020203" pitchFamily="34" charset="0"/>
+                    <a:cs typeface="Segoe UI" panose="020B0502040204020203" pitchFamily="34" charset="0"/>
+                  </a:rPr>
+                  <a:t>(Cassandra, </a:t>
+                </a:r>
+                <a:r>
+                  <a:rPr lang="en-US" sz="1200" dirty="0" err="1" smtClean="0">
+                    <a:latin typeface="Segoe UI" panose="020B0502040204020203" pitchFamily="34" charset="0"/>
+                    <a:cs typeface="Segoe UI" panose="020B0502040204020203" pitchFamily="34" charset="0"/>
+                  </a:rPr>
+                  <a:t>MongoDb</a:t>
+                </a:r>
+                <a:r>
+                  <a:rPr lang="en-US" sz="1200" dirty="0" smtClean="0">
+                    <a:latin typeface="Segoe UI" panose="020B0502040204020203" pitchFamily="34" charset="0"/>
+                    <a:cs typeface="Segoe UI" panose="020B0502040204020203" pitchFamily="34" charset="0"/>
+                  </a:rPr>
+                  <a:t>, …)</a:t>
+                </a:r>
+                <a:endParaRPr lang="en-US" sz="1200" dirty="0">
+                  <a:latin typeface="Segoe UI" panose="020B0502040204020203" pitchFamily="34" charset="0"/>
+                  <a:cs typeface="Segoe UI" panose="020B0502040204020203" pitchFamily="34" charset="0"/>
+                </a:endParaRPr>
+              </a:p>
+            </p:txBody>
+          </p:sp>
+        </p:grpSp>
+        <p:grpSp>
+          <p:nvGrpSpPr>
+            <p:cNvPr id="16" name="Group 15"/>
+            <p:cNvGrpSpPr/>
+            <p:nvPr/>
+          </p:nvGrpSpPr>
+          <p:grpSpPr>
+            <a:xfrm>
+              <a:off x="2799926" y="5741661"/>
+              <a:ext cx="2018859" cy="908232"/>
+              <a:chOff x="3707722" y="6072879"/>
+              <a:chExt cx="2018859" cy="908232"/>
+            </a:xfrm>
+          </p:grpSpPr>
+          <p:sp>
+            <p:nvSpPr>
+              <p:cNvPr id="15" name="TextBox 14"/>
+              <p:cNvSpPr txBox="1"/>
+              <p:nvPr/>
+            </p:nvSpPr>
+            <p:spPr>
+              <a:xfrm>
+                <a:off x="3707722" y="6519446"/>
+                <a:ext cx="2018859" cy="461665"/>
+              </a:xfrm>
+              <a:prstGeom prst="rect">
+                <a:avLst/>
+              </a:prstGeom>
+              <a:noFill/>
+            </p:spPr>
+            <p:txBody>
+              <a:bodyPr wrap="none" rtlCol="0">
+                <a:spAutoFit/>
+              </a:bodyPr>
+              <a:lstStyle/>
+              <a:p>
+                <a:pPr algn="ctr"/>
+                <a:r>
+                  <a:rPr lang="en-US" sz="1200" dirty="0" smtClean="0">
+                    <a:latin typeface="Segoe UI" panose="020B0502040204020203" pitchFamily="34" charset="0"/>
+                    <a:cs typeface="Segoe UI" panose="020B0502040204020203" pitchFamily="34" charset="0"/>
+                  </a:rPr>
+                  <a:t>Queue </a:t>
+                </a:r>
+              </a:p>
+              <a:p>
+                <a:pPr algn="ctr"/>
+                <a:r>
+                  <a:rPr lang="en-US" sz="1200" dirty="0" smtClean="0">
+                    <a:latin typeface="Segoe UI" panose="020B0502040204020203" pitchFamily="34" charset="0"/>
+                    <a:cs typeface="Segoe UI" panose="020B0502040204020203" pitchFamily="34" charset="0"/>
+                  </a:rPr>
+                  <a:t>(Service Bus, </a:t>
+                </a:r>
+                <a:r>
+                  <a:rPr lang="en-US" sz="1200" dirty="0" err="1" smtClean="0">
+                    <a:latin typeface="Segoe UI" panose="020B0502040204020203" pitchFamily="34" charset="0"/>
+                    <a:cs typeface="Segoe UI" panose="020B0502040204020203" pitchFamily="34" charset="0"/>
+                  </a:rPr>
+                  <a:t>RabbitMQ</a:t>
+                </a:r>
+                <a:r>
+                  <a:rPr lang="en-US" sz="1200" dirty="0" smtClean="0">
+                    <a:latin typeface="Segoe UI" panose="020B0502040204020203" pitchFamily="34" charset="0"/>
+                    <a:cs typeface="Segoe UI" panose="020B0502040204020203" pitchFamily="34" charset="0"/>
+                  </a:rPr>
+                  <a:t>, …)</a:t>
+                </a:r>
+                <a:endParaRPr lang="en-US" sz="1200" dirty="0">
+                  <a:latin typeface="Segoe UI" panose="020B0502040204020203" pitchFamily="34" charset="0"/>
+                  <a:cs typeface="Segoe UI" panose="020B0502040204020203" pitchFamily="34" charset="0"/>
+                </a:endParaRPr>
+              </a:p>
+            </p:txBody>
+          </p:sp>
+          <p:pic>
+            <p:nvPicPr>
+              <p:cNvPr id="1032" name="Picture 8" descr="http://colby.id.au/files/sqs.png"/>
+              <p:cNvPicPr>
+                <a:picLocks noChangeAspect="1" noChangeArrowheads="1"/>
+              </p:cNvPicPr>
+              <p:nvPr/>
+            </p:nvPicPr>
+            <p:blipFill>
+              <a:blip r:embed="rId3">
+                <a:duotone>
+                  <a:schemeClr val="accent2">
+                    <a:shade val="45000"/>
+                    <a:satMod val="135000"/>
+                  </a:schemeClr>
+                  <a:prstClr val="white"/>
+                </a:duotone>
+                <a:extLst>
+                  <a:ext uri="{BEBA8EAE-BF5A-486C-A8C5-ECC9F3942E4B}">
+                    <a14:imgProps xmlns:a14="http://schemas.microsoft.com/office/drawing/2010/main">
+                      <a14:imgLayer r:embed="rId4">
+                        <a14:imgEffect>
+                          <a14:colorTemperature colorTemp="4700"/>
+                        </a14:imgEffect>
+                      </a14:imgLayer>
+                    </a14:imgProps>
+                  </a:ext>
+                  <a:ext uri="{28A0092B-C50C-407E-A947-70E740481C1C}">
+                    <a14:useLocalDpi xmlns:a14="http://schemas.microsoft.com/office/drawing/2010/main" val="0"/>
+                  </a:ext>
+                </a:extLst>
+              </a:blip>
+              <a:srcRect/>
+              <a:stretch>
+                <a:fillRect/>
+              </a:stretch>
+            </p:blipFill>
+            <p:spPr bwMode="auto">
+              <a:xfrm>
+                <a:off x="4370567" y="6072879"/>
+                <a:ext cx="685423" cy="446564"/>
+              </a:xfrm>
+              <a:prstGeom prst="rect">
+                <a:avLst/>
+              </a:prstGeom>
+              <a:noFill/>
+              <a:extLst>
+                <a:ext uri="{909E8E84-426E-40DD-AFC4-6F175D3DCCD1}">
+                  <a14:hiddenFill xmlns:a14="http://schemas.microsoft.com/office/drawing/2010/main">
+                    <a:solidFill>
+                      <a:srgbClr val="FFFFFF"/>
+                    </a:solidFill>
+                  </a14:hiddenFill>
+                </a:ext>
+              </a:extLst>
+            </p:spPr>
+          </p:pic>
+        </p:grpSp>
+        <p:grpSp>
+          <p:nvGrpSpPr>
+            <p:cNvPr id="17" name="Group 16"/>
+            <p:cNvGrpSpPr/>
+            <p:nvPr/>
+          </p:nvGrpSpPr>
+          <p:grpSpPr>
+            <a:xfrm>
+              <a:off x="4677319" y="5717979"/>
+              <a:ext cx="1944522" cy="931913"/>
+              <a:chOff x="5129736" y="6049197"/>
+              <a:chExt cx="1944522" cy="931913"/>
+            </a:xfrm>
+          </p:grpSpPr>
+          <p:pic>
+            <p:nvPicPr>
+              <p:cNvPr id="1028" name="Picture 4" descr="http://images.clipartpanda.com/cloud-icon-png-CloudIcon.png"/>
+              <p:cNvPicPr>
+                <a:picLocks noChangeAspect="1" noChangeArrowheads="1"/>
+              </p:cNvPicPr>
+              <p:nvPr/>
+            </p:nvPicPr>
+            <p:blipFill>
+              <a:blip r:embed="rId5" cstate="print">
+                <a:extLst>
+                  <a:ext uri="{28A0092B-C50C-407E-A947-70E740481C1C}">
+                    <a14:useLocalDpi xmlns:a14="http://schemas.microsoft.com/office/drawing/2010/main" val="0"/>
+                  </a:ext>
+                </a:extLst>
+              </a:blip>
+              <a:srcRect/>
+              <a:stretch>
+                <a:fillRect/>
+              </a:stretch>
+            </p:blipFill>
+            <p:spPr bwMode="auto">
+              <a:xfrm>
+                <a:off x="5750776" y="6049197"/>
+                <a:ext cx="796371" cy="470247"/>
+              </a:xfrm>
+              <a:prstGeom prst="rect">
+                <a:avLst/>
+              </a:prstGeom>
+              <a:noFill/>
+              <a:extLst>
+                <a:ext uri="{909E8E84-426E-40DD-AFC4-6F175D3DCCD1}">
+                  <a14:hiddenFill xmlns:a14="http://schemas.microsoft.com/office/drawing/2010/main">
+                    <a:solidFill>
+                      <a:srgbClr val="FFFFFF"/>
+                    </a:solidFill>
+                  </a14:hiddenFill>
+                </a:ext>
+              </a:extLst>
+            </p:spPr>
+          </p:pic>
+          <p:sp>
+            <p:nvSpPr>
+              <p:cNvPr id="21" name="TextBox 20"/>
+              <p:cNvSpPr txBox="1"/>
+              <p:nvPr/>
+            </p:nvSpPr>
+            <p:spPr>
+              <a:xfrm>
+                <a:off x="5129736" y="6519445"/>
+                <a:ext cx="1944522" cy="461665"/>
+              </a:xfrm>
+              <a:prstGeom prst="rect">
+                <a:avLst/>
+              </a:prstGeom>
+              <a:noFill/>
+            </p:spPr>
+            <p:txBody>
+              <a:bodyPr wrap="square" rtlCol="0">
+                <a:spAutoFit/>
+              </a:bodyPr>
+              <a:lstStyle/>
+              <a:p>
+                <a:pPr algn="ctr"/>
+                <a:r>
+                  <a:rPr lang="en-US" sz="1200" dirty="0" smtClean="0">
+                    <a:latin typeface="Segoe UI" panose="020B0502040204020203" pitchFamily="34" charset="0"/>
+                    <a:cs typeface="Segoe UI" panose="020B0502040204020203" pitchFamily="34" charset="0"/>
+                  </a:rPr>
+                  <a:t>Cloud </a:t>
+                </a:r>
+                <a:r>
+                  <a:rPr lang="en-US" sz="1200" dirty="0" smtClean="0">
+                    <a:latin typeface="Segoe UI" panose="020B0502040204020203" pitchFamily="34" charset="0"/>
+                    <a:cs typeface="Segoe UI" panose="020B0502040204020203" pitchFamily="34" charset="0"/>
+                  </a:rPr>
+                  <a:t>API (Facebook Graph API, Twitter API, …)</a:t>
+                </a:r>
+                <a:endParaRPr lang="en-US" sz="1200" dirty="0">
+                  <a:latin typeface="Segoe UI" panose="020B0502040204020203" pitchFamily="34" charset="0"/>
+                  <a:cs typeface="Segoe UI" panose="020B0502040204020203" pitchFamily="34" charset="0"/>
+                </a:endParaRPr>
+              </a:p>
+            </p:txBody>
+          </p:sp>
+        </p:grpSp>
+        <p:grpSp>
+          <p:nvGrpSpPr>
+            <p:cNvPr id="24" name="Group 23"/>
+            <p:cNvGrpSpPr/>
+            <p:nvPr/>
+          </p:nvGrpSpPr>
+          <p:grpSpPr>
+            <a:xfrm>
+              <a:off x="6308363" y="5463463"/>
+              <a:ext cx="1853927" cy="1187971"/>
+              <a:chOff x="7737615" y="5498103"/>
+              <a:chExt cx="1853927" cy="1187971"/>
+            </a:xfrm>
+          </p:grpSpPr>
+          <p:pic>
+            <p:nvPicPr>
+              <p:cNvPr id="1026" name="Picture 2" descr="https://cdn4.iconfinder.com/data/icons/refresh_cl/256/System/Memory.png"/>
+              <p:cNvPicPr>
+                <a:picLocks noChangeAspect="1" noChangeArrowheads="1"/>
+              </p:cNvPicPr>
+              <p:nvPr/>
+            </p:nvPicPr>
+            <p:blipFill>
+              <a:blip r:embed="rId6" cstate="print">
+                <a:duotone>
+                  <a:schemeClr val="accent3">
+                    <a:shade val="45000"/>
+                    <a:satMod val="135000"/>
+                  </a:schemeClr>
+                  <a:prstClr val="white"/>
+                </a:duotone>
+                <a:extLst>
+                  <a:ext uri="{28A0092B-C50C-407E-A947-70E740481C1C}">
+                    <a14:useLocalDpi xmlns:a14="http://schemas.microsoft.com/office/drawing/2010/main" val="0"/>
+                  </a:ext>
+                </a:extLst>
+              </a:blip>
+              <a:srcRect/>
+              <a:stretch>
+                <a:fillRect/>
+              </a:stretch>
+            </p:blipFill>
+            <p:spPr bwMode="auto">
+              <a:xfrm>
+                <a:off x="8180603" y="5498103"/>
+                <a:ext cx="967950" cy="967950"/>
+              </a:xfrm>
+              <a:prstGeom prst="rect">
+                <a:avLst/>
+              </a:prstGeom>
+              <a:noFill/>
+              <a:extLst>
+                <a:ext uri="{909E8E84-426E-40DD-AFC4-6F175D3DCCD1}">
+                  <a14:hiddenFill xmlns:a14="http://schemas.microsoft.com/office/drawing/2010/main">
+                    <a:solidFill>
+                      <a:srgbClr val="FFFFFF"/>
+                    </a:solidFill>
+                  </a14:hiddenFill>
+                </a:ext>
+              </a:extLst>
+            </p:spPr>
+          </p:pic>
+          <p:sp>
+            <p:nvSpPr>
+              <p:cNvPr id="28" name="TextBox 27"/>
+              <p:cNvSpPr txBox="1"/>
+              <p:nvPr/>
+            </p:nvSpPr>
+            <p:spPr>
+              <a:xfrm>
+                <a:off x="7737615" y="6224409"/>
+                <a:ext cx="1853927" cy="461665"/>
+              </a:xfrm>
+              <a:prstGeom prst="rect">
+                <a:avLst/>
+              </a:prstGeom>
+              <a:noFill/>
+            </p:spPr>
+            <p:txBody>
+              <a:bodyPr wrap="square" rtlCol="0">
+                <a:spAutoFit/>
+              </a:bodyPr>
+              <a:lstStyle/>
+              <a:p>
+                <a:pPr algn="ctr"/>
+                <a:r>
+                  <a:rPr lang="en-US" sz="1200" dirty="0" err="1" smtClean="0">
+                    <a:latin typeface="Segoe UI" panose="020B0502040204020203" pitchFamily="34" charset="0"/>
+                    <a:cs typeface="Segoe UI" panose="020B0502040204020203" pitchFamily="34" charset="0"/>
+                  </a:rPr>
+                  <a:t>Memcache</a:t>
+                </a:r>
+                <a:r>
+                  <a:rPr lang="en-US" sz="1200" dirty="0" smtClean="0">
+                    <a:latin typeface="Segoe UI" panose="020B0502040204020203" pitchFamily="34" charset="0"/>
+                    <a:cs typeface="Segoe UI" panose="020B0502040204020203" pitchFamily="34" charset="0"/>
+                  </a:rPr>
+                  <a:t> (</a:t>
+                </a:r>
+                <a:r>
+                  <a:rPr lang="en-US" sz="1200" dirty="0" err="1" smtClean="0">
+                    <a:latin typeface="Segoe UI" panose="020B0502040204020203" pitchFamily="34" charset="0"/>
+                    <a:cs typeface="Segoe UI" panose="020B0502040204020203" pitchFamily="34" charset="0"/>
+                  </a:rPr>
+                  <a:t>Redis</a:t>
+                </a:r>
+                <a:r>
+                  <a:rPr lang="en-US" sz="1200" dirty="0" smtClean="0">
+                    <a:latin typeface="Segoe UI" panose="020B0502040204020203" pitchFamily="34" charset="0"/>
+                    <a:cs typeface="Segoe UI" panose="020B0502040204020203" pitchFamily="34" charset="0"/>
+                  </a:rPr>
+                  <a:t>, </a:t>
+                </a:r>
+                <a:r>
+                  <a:rPr lang="en-US" sz="1200" dirty="0" err="1" smtClean="0">
+                    <a:latin typeface="Segoe UI" panose="020B0502040204020203" pitchFamily="34" charset="0"/>
+                    <a:cs typeface="Segoe UI" panose="020B0502040204020203" pitchFamily="34" charset="0"/>
+                  </a:rPr>
+                  <a:t>MemcacheDB</a:t>
+                </a:r>
+                <a:r>
+                  <a:rPr lang="en-US" sz="1200" dirty="0" smtClean="0">
+                    <a:latin typeface="Segoe UI" panose="020B0502040204020203" pitchFamily="34" charset="0"/>
+                    <a:cs typeface="Segoe UI" panose="020B0502040204020203" pitchFamily="34" charset="0"/>
+                  </a:rPr>
+                  <a:t>, …)</a:t>
+                </a:r>
+                <a:endParaRPr lang="en-US" sz="1200" dirty="0">
+                  <a:latin typeface="Segoe UI" panose="020B0502040204020203" pitchFamily="34" charset="0"/>
+                  <a:cs typeface="Segoe UI" panose="020B0502040204020203" pitchFamily="34" charset="0"/>
+                </a:endParaRPr>
+              </a:p>
+            </p:txBody>
+          </p:sp>
+        </p:grpSp>
+        <p:sp>
+          <p:nvSpPr>
+            <p:cNvPr id="25" name="Rounded Rectangle 24"/>
+            <p:cNvSpPr/>
+            <p:nvPr/>
+          </p:nvSpPr>
+          <p:spPr>
+            <a:xfrm>
+              <a:off x="1020416" y="5620553"/>
+              <a:ext cx="6943894" cy="1115945"/>
+            </a:xfrm>
+            <a:prstGeom prst="roundRect">
+              <a:avLst/>
+            </a:prstGeom>
+            <a:noFill/>
+            <a:ln>
+              <a:prstDash val="dash"/>
+            </a:ln>
+          </p:spPr>
+          <p:style>
+            <a:lnRef idx="2">
+              <a:schemeClr val="accent6"/>
+            </a:lnRef>
+            <a:fillRef idx="1">
+              <a:schemeClr val="lt1"/>
+            </a:fillRef>
+            <a:effectRef idx="0">
+              <a:schemeClr val="accent6"/>
+            </a:effectRef>
+            <a:fontRef idx="minor">
+              <a:schemeClr val="dk1"/>
+            </a:fontRef>
+          </p:style>
+          <p:txBody>
+            <a:bodyPr rtlCol="0" anchor="ctr"/>
+            <a:lstStyle/>
+            <a:p>
+              <a:pPr algn="ctr"/>
+              <a:endParaRPr lang="en-US">
+                <a:latin typeface="Segoe UI" panose="020B0502040204020203" pitchFamily="34" charset="0"/>
+                <a:cs typeface="Segoe UI" panose="020B0502040204020203" pitchFamily="34" charset="0"/>
+              </a:endParaRPr>
+            </a:p>
+          </p:txBody>
+        </p:sp>
+      </p:grpSp>
+      <p:grpSp>
+        <p:nvGrpSpPr>
+          <p:cNvPr id="36" name="Group 35"/>
+          <p:cNvGrpSpPr/>
+          <p:nvPr/>
+        </p:nvGrpSpPr>
+        <p:grpSpPr>
+          <a:xfrm>
+            <a:off x="2187990" y="2044405"/>
+            <a:ext cx="6838362" cy="1126190"/>
+            <a:chOff x="2063346" y="1151859"/>
+            <a:chExt cx="6838362" cy="1126190"/>
+          </a:xfrm>
+        </p:grpSpPr>
+        <p:grpSp>
+          <p:nvGrpSpPr>
+            <p:cNvPr id="31" name="Group 30"/>
+            <p:cNvGrpSpPr/>
+            <p:nvPr/>
+          </p:nvGrpSpPr>
+          <p:grpSpPr>
+            <a:xfrm>
+              <a:off x="2063346" y="1151859"/>
+              <a:ext cx="6838362" cy="1126190"/>
+              <a:chOff x="2076994" y="742424"/>
+              <a:chExt cx="6838362" cy="1126190"/>
+            </a:xfrm>
+          </p:grpSpPr>
+          <p:sp>
+            <p:nvSpPr>
+              <p:cNvPr id="33" name="Rounded Rectangle 32"/>
+              <p:cNvSpPr/>
+              <p:nvPr/>
+            </p:nvSpPr>
+            <p:spPr>
+              <a:xfrm>
+                <a:off x="2076994" y="742424"/>
+                <a:ext cx="6838362" cy="1126190"/>
+              </a:xfrm>
+              <a:prstGeom prst="roundRect">
+                <a:avLst/>
+              </a:prstGeom>
+            </p:spPr>
+            <p:style>
+              <a:lnRef idx="1">
+                <a:schemeClr val="accent3"/>
+              </a:lnRef>
+              <a:fillRef idx="2">
+                <a:schemeClr val="accent3"/>
+              </a:fillRef>
+              <a:effectRef idx="1">
+                <a:schemeClr val="accent3"/>
+              </a:effectRef>
+              <a:fontRef idx="minor">
+                <a:schemeClr val="dk1"/>
+              </a:fontRef>
+            </p:style>
+            <p:txBody>
+              <a:bodyPr rtlCol="0" anchor="ctr"/>
+              <a:lstStyle/>
+              <a:p>
+                <a:pPr algn="ctr"/>
+                <a:endParaRPr lang="en-US" sz="1600" dirty="0">
+                  <a:latin typeface="Segoe UI" panose="020B0502040204020203" pitchFamily="34" charset="0"/>
+                  <a:cs typeface="Segoe UI" panose="020B0502040204020203" pitchFamily="34" charset="0"/>
+                </a:endParaRPr>
+              </a:p>
+            </p:txBody>
+          </p:sp>
+          <p:sp>
+            <p:nvSpPr>
+              <p:cNvPr id="34" name="Rounded Rectangle 33"/>
+              <p:cNvSpPr/>
+              <p:nvPr/>
+            </p:nvSpPr>
+            <p:spPr>
+              <a:xfrm>
+                <a:off x="2156111" y="1133864"/>
+                <a:ext cx="3289346" cy="643683"/>
+              </a:xfrm>
+              <a:prstGeom prst="roundRect">
+                <a:avLst/>
+              </a:prstGeom>
+            </p:spPr>
+            <p:style>
+              <a:lnRef idx="1">
+                <a:schemeClr val="accent3"/>
+              </a:lnRef>
+              <a:fillRef idx="2">
+                <a:schemeClr val="accent3"/>
+              </a:fillRef>
+              <a:effectRef idx="1">
+                <a:schemeClr val="accent3"/>
+              </a:effectRef>
+              <a:fontRef idx="minor">
+                <a:schemeClr val="dk1"/>
+              </a:fontRef>
+            </p:style>
+            <p:txBody>
+              <a:bodyPr rtlCol="0" anchor="ctr"/>
+              <a:lstStyle/>
+              <a:p>
+                <a:pPr algn="ctr"/>
+                <a:r>
+                  <a:rPr lang="en-US" sz="1600" dirty="0" smtClean="0">
+                    <a:latin typeface="Segoe UI" panose="020B0502040204020203" pitchFamily="34" charset="0"/>
+                    <a:cs typeface="Segoe UI" panose="020B0502040204020203" pitchFamily="34" charset="0"/>
+                  </a:rPr>
+                  <a:t>UI </a:t>
+                </a:r>
+                <a:r>
+                  <a:rPr lang="en-US" sz="1600" dirty="0" smtClean="0">
+                    <a:latin typeface="Segoe UI" panose="020B0502040204020203" pitchFamily="34" charset="0"/>
+                    <a:cs typeface="Segoe UI" panose="020B0502040204020203" pitchFamily="34" charset="0"/>
+                  </a:rPr>
+                  <a:t>(MVC, </a:t>
+                </a:r>
+                <a:r>
+                  <a:rPr lang="en-US" sz="1600" dirty="0" smtClean="0">
+                    <a:latin typeface="Segoe UI" panose="020B0502040204020203" pitchFamily="34" charset="0"/>
+                    <a:cs typeface="Segoe UI" panose="020B0502040204020203" pitchFamily="34" charset="0"/>
+                  </a:rPr>
+                  <a:t>Window Form, …)</a:t>
+                </a:r>
+                <a:endParaRPr lang="en-US" sz="1600" dirty="0">
+                  <a:latin typeface="Segoe UI" panose="020B0502040204020203" pitchFamily="34" charset="0"/>
+                  <a:cs typeface="Segoe UI" panose="020B0502040204020203" pitchFamily="34" charset="0"/>
+                </a:endParaRPr>
+              </a:p>
+            </p:txBody>
+          </p:sp>
+          <p:sp>
+            <p:nvSpPr>
+              <p:cNvPr id="35" name="Rounded Rectangle 34"/>
+              <p:cNvSpPr/>
+              <p:nvPr/>
+            </p:nvSpPr>
+            <p:spPr>
+              <a:xfrm>
+                <a:off x="5534891" y="1133864"/>
+                <a:ext cx="3289346" cy="643683"/>
+              </a:xfrm>
+              <a:prstGeom prst="roundRect">
+                <a:avLst/>
+              </a:prstGeom>
+            </p:spPr>
+            <p:style>
+              <a:lnRef idx="1">
+                <a:schemeClr val="accent3"/>
+              </a:lnRef>
+              <a:fillRef idx="2">
+                <a:schemeClr val="accent3"/>
+              </a:fillRef>
+              <a:effectRef idx="1">
+                <a:schemeClr val="accent3"/>
+              </a:effectRef>
+              <a:fontRef idx="minor">
+                <a:schemeClr val="dk1"/>
+              </a:fontRef>
+            </p:style>
+            <p:txBody>
+              <a:bodyPr rtlCol="0" anchor="ctr"/>
+              <a:lstStyle/>
+              <a:p>
+                <a:pPr algn="ctr"/>
+                <a:r>
+                  <a:rPr lang="en-US" sz="1600" dirty="0" smtClean="0">
+                    <a:latin typeface="Segoe UI" panose="020B0502040204020203" pitchFamily="34" charset="0"/>
+                    <a:cs typeface="Segoe UI" panose="020B0502040204020203" pitchFamily="34" charset="0"/>
+                  </a:rPr>
+                  <a:t>API (</a:t>
+                </a:r>
+                <a:r>
+                  <a:rPr lang="en-US" sz="1600" dirty="0" err="1" smtClean="0">
+                    <a:latin typeface="Segoe UI" panose="020B0502040204020203" pitchFamily="34" charset="0"/>
+                    <a:cs typeface="Segoe UI" panose="020B0502040204020203" pitchFamily="34" charset="0"/>
+                  </a:rPr>
+                  <a:t>RESTful</a:t>
+                </a:r>
+                <a:r>
+                  <a:rPr lang="en-US" sz="1600" dirty="0" smtClean="0">
+                    <a:latin typeface="Segoe UI" panose="020B0502040204020203" pitchFamily="34" charset="0"/>
+                    <a:cs typeface="Segoe UI" panose="020B0502040204020203" pitchFamily="34" charset="0"/>
+                  </a:rPr>
+                  <a:t> API, WCF, …)</a:t>
+                </a:r>
+                <a:endParaRPr lang="en-US" sz="1600" dirty="0">
+                  <a:latin typeface="Segoe UI" panose="020B0502040204020203" pitchFamily="34" charset="0"/>
+                  <a:cs typeface="Segoe UI" panose="020B0502040204020203" pitchFamily="34" charset="0"/>
+                </a:endParaRPr>
+              </a:p>
+            </p:txBody>
+          </p:sp>
+        </p:grpSp>
+        <p:sp>
+          <p:nvSpPr>
+            <p:cNvPr id="32" name="TextBox 31"/>
+            <p:cNvSpPr txBox="1"/>
+            <p:nvPr/>
+          </p:nvSpPr>
+          <p:spPr>
+            <a:xfrm>
+              <a:off x="4807435" y="1151859"/>
+              <a:ext cx="1306763" cy="338554"/>
+            </a:xfrm>
+            <a:prstGeom prst="rect">
+              <a:avLst/>
+            </a:prstGeom>
+            <a:noFill/>
+          </p:spPr>
+          <p:txBody>
+            <a:bodyPr wrap="square" rtlCol="0">
+              <a:spAutoFit/>
+            </a:bodyPr>
+            <a:lstStyle/>
+            <a:p>
+              <a:r>
+                <a:rPr lang="en-US" sz="1600" dirty="0" smtClean="0">
+                  <a:latin typeface="Segoe UI" panose="020B0502040204020203" pitchFamily="34" charset="0"/>
+                  <a:cs typeface="Segoe UI" panose="020B0502040204020203" pitchFamily="34" charset="0"/>
+                </a:rPr>
+                <a:t>Presentation</a:t>
+              </a:r>
+              <a:endParaRPr lang="en-US" sz="1600" dirty="0">
+                <a:latin typeface="Segoe UI" panose="020B0502040204020203" pitchFamily="34" charset="0"/>
+                <a:cs typeface="Segoe UI" panose="020B0502040204020203" pitchFamily="34" charset="0"/>
+              </a:endParaRPr>
+            </a:p>
+          </p:txBody>
+        </p:sp>
+      </p:grpSp>
+      <p:sp>
+        <p:nvSpPr>
+          <p:cNvPr id="37" name="Rounded Rectangle 36"/>
+          <p:cNvSpPr/>
+          <p:nvPr/>
+        </p:nvSpPr>
+        <p:spPr>
+          <a:xfrm>
+            <a:off x="835572" y="1718440"/>
+            <a:ext cx="10421008" cy="5108028"/>
+          </a:xfrm>
+          <a:prstGeom prst="roundRect">
+            <a:avLst>
+              <a:gd name="adj" fmla="val 3395"/>
+            </a:avLst>
+          </a:prstGeom>
+          <a:noFill/>
+          <a:ln>
+            <a:prstDash val="dash"/>
+          </a:ln>
         </p:spPr>
         <p:style>
           <a:lnRef idx="2">
@@ -13396,28 +14323,30 @@
           <a:lstStyle/>
           <a:p>
             <a:pPr algn="ctr"/>
-            <a:r>
-              <a:rPr lang="en-US" sz="1600" dirty="0" smtClean="0"/>
-              <a:t>Data Access</a:t>
-            </a:r>
-            <a:endParaRPr lang="en-US" sz="1600" dirty="0"/>
-          </a:p>
-        </p:txBody>
-      </p:sp>
-      <p:sp>
-        <p:nvSpPr>
-          <p:cNvPr id="13" name="Rounded Rectangle 12"/>
+            <a:endParaRPr lang="en-US"/>
+          </a:p>
+        </p:txBody>
+      </p:sp>
+      <p:sp>
+        <p:nvSpPr>
+          <p:cNvPr id="46" name="Rounded Rectangle 45"/>
           <p:cNvSpPr/>
           <p:nvPr/>
         </p:nvSpPr>
         <p:spPr>
           <a:xfrm>
-            <a:off x="4139221" y="4811803"/>
-            <a:ext cx="2464893" cy="525230"/>
+            <a:off x="835572" y="72639"/>
+            <a:ext cx="10421008" cy="1554734"/>
           </a:xfrm>
           <a:prstGeom prst="roundRect">
-            <a:avLst/>
+            <a:avLst>
+              <a:gd name="adj" fmla="val 3395"/>
+            </a:avLst>
           </a:prstGeom>
+          <a:noFill/>
+          <a:ln>
+            <a:prstDash val="dash"/>
+          </a:ln>
         </p:spPr>
         <p:style>
           <a:lnRef idx="2">
@@ -13440,76 +14369,75 @@
           <a:lstStyle/>
           <a:p>
             <a:pPr algn="ctr"/>
-            <a:r>
-              <a:rPr lang="en-US" sz="1600" dirty="0" smtClean="0"/>
-              <a:t>External Services</a:t>
-            </a:r>
-            <a:endParaRPr lang="en-US" sz="1600" dirty="0"/>
+            <a:endParaRPr lang="en-US"/>
           </a:p>
         </p:txBody>
       </p:sp>
       <p:grpSp>
         <p:nvGrpSpPr>
-          <p:cNvPr id="14" name="Group 13"/>
+          <p:cNvPr id="43" name="Group 42"/>
           <p:cNvGrpSpPr/>
           <p:nvPr/>
         </p:nvGrpSpPr>
         <p:grpSpPr>
           <a:xfrm>
-            <a:off x="2701465" y="6011795"/>
-            <a:ext cx="959301" cy="846205"/>
-            <a:chOff x="4305182" y="5120639"/>
-            <a:chExt cx="959301" cy="846205"/>
+            <a:off x="3252163" y="72636"/>
+            <a:ext cx="1426899" cy="1426900"/>
+            <a:chOff x="1732491" y="103878"/>
+            <a:chExt cx="1426899" cy="1426900"/>
           </a:xfrm>
         </p:grpSpPr>
+        <p:pic>
+          <p:nvPicPr>
+            <p:cNvPr id="45" name="Picture 4" descr="http://iconshow.me/media/images/ui/Streamline-Icon/png/512/37-browser-streamline-window.png"/>
+            <p:cNvPicPr>
+              <a:picLocks noChangeAspect="1" noChangeArrowheads="1"/>
+            </p:cNvPicPr>
+            <p:nvPr/>
+          </p:nvPicPr>
+          <p:blipFill>
+            <a:blip r:embed="rId7" cstate="print">
+              <a:extLst>
+                <a:ext uri="{28A0092B-C50C-407E-A947-70E740481C1C}">
+                  <a14:useLocalDpi xmlns:a14="http://schemas.microsoft.com/office/drawing/2010/main" val="0"/>
+                </a:ext>
+              </a:extLst>
+            </a:blip>
+            <a:srcRect/>
+            <a:stretch>
+              <a:fillRect/>
+            </a:stretch>
+          </p:blipFill>
+          <p:spPr bwMode="auto">
+            <a:xfrm>
+              <a:off x="1732491" y="103878"/>
+              <a:ext cx="1426899" cy="1426900"/>
+            </a:xfrm>
+            <a:prstGeom prst="rect">
+              <a:avLst/>
+            </a:prstGeom>
+            <a:noFill/>
+            <a:extLst>
+              <a:ext uri="{909E8E84-426E-40DD-AFC4-6F175D3DCCD1}">
+                <a14:hiddenFill xmlns:a14="http://schemas.microsoft.com/office/drawing/2010/main">
+                  <a:solidFill>
+                    <a:srgbClr val="FFFFFF"/>
+                  </a:solidFill>
+                </a14:hiddenFill>
+              </a:ext>
+            </a:extLst>
+          </p:spPr>
+        </p:pic>
         <p:sp>
           <p:nvSpPr>
-            <p:cNvPr id="3" name="Flowchart: Magnetic Disk 2"/>
-            <p:cNvSpPr/>
-            <p:nvPr/>
-          </p:nvSpPr>
-          <p:spPr>
-            <a:xfrm>
-              <a:off x="4526520" y="5120639"/>
-              <a:ext cx="516624" cy="507650"/>
-            </a:xfrm>
-            <a:prstGeom prst="flowChartMagneticDisk">
-              <a:avLst/>
-            </a:prstGeom>
-          </p:spPr>
-          <p:style>
-            <a:lnRef idx="3">
-              <a:schemeClr val="lt1"/>
-            </a:lnRef>
-            <a:fillRef idx="1">
-              <a:schemeClr val="accent5"/>
-            </a:fillRef>
-            <a:effectRef idx="1">
-              <a:schemeClr val="accent5"/>
-            </a:effectRef>
-            <a:fontRef idx="minor">
-              <a:schemeClr val="lt1"/>
-            </a:fontRef>
-          </p:style>
-          <p:txBody>
-            <a:bodyPr rtlCol="0" anchor="ctr"/>
-            <a:lstStyle/>
-            <a:p>
-              <a:pPr algn="ctr"/>
-              <a:endParaRPr lang="en-US" sz="1600"/>
-            </a:p>
-          </p:txBody>
-        </p:sp>
-        <p:sp>
-          <p:nvSpPr>
-            <p:cNvPr id="12" name="TextBox 11"/>
+            <p:cNvPr id="42" name="TextBox 41"/>
             <p:cNvSpPr txBox="1"/>
             <p:nvPr/>
           </p:nvSpPr>
           <p:spPr>
             <a:xfrm>
-              <a:off x="4305182" y="5628290"/>
-              <a:ext cx="959301" cy="338554"/>
+              <a:off x="1915386" y="785012"/>
+              <a:ext cx="1061107" cy="338554"/>
             </a:xfrm>
             <a:prstGeom prst="rect">
               <a:avLst/>
@@ -13517,31 +14445,37 @@
             <a:noFill/>
           </p:spPr>
           <p:txBody>
-            <a:bodyPr wrap="none" rtlCol="0">
+            <a:bodyPr wrap="square" rtlCol="0">
               <a:spAutoFit/>
             </a:bodyPr>
             <a:lstStyle/>
             <a:p>
               <a:pPr algn="ctr"/>
               <a:r>
-                <a:rPr lang="en-US" sz="1600" dirty="0" smtClean="0"/>
-                <a:t>Database</a:t>
+                <a:rPr lang="en-US" sz="1600" dirty="0" smtClean="0">
+                  <a:latin typeface="Segoe UI" panose="020B0502040204020203" pitchFamily="34" charset="0"/>
+                  <a:cs typeface="Segoe UI" panose="020B0502040204020203" pitchFamily="34" charset="0"/>
+                </a:rPr>
+                <a:t>Browser</a:t>
               </a:r>
-              <a:endParaRPr lang="en-US" sz="1600" dirty="0"/>
+              <a:endParaRPr lang="en-US" sz="1600" dirty="0">
+                <a:latin typeface="Segoe UI" panose="020B0502040204020203" pitchFamily="34" charset="0"/>
+                <a:cs typeface="Segoe UI" panose="020B0502040204020203" pitchFamily="34" charset="0"/>
+              </a:endParaRPr>
             </a:p>
           </p:txBody>
         </p:sp>
       </p:grpSp>
       <p:sp>
         <p:nvSpPr>
-          <p:cNvPr id="15" name="TextBox 14"/>
+          <p:cNvPr id="44" name="TextBox 43"/>
           <p:cNvSpPr txBox="1"/>
           <p:nvPr/>
         </p:nvSpPr>
         <p:spPr>
           <a:xfrm>
-            <a:off x="4318049" y="6519446"/>
-            <a:ext cx="742511" cy="338554"/>
+            <a:off x="835572" y="47236"/>
+            <a:ext cx="1095942" cy="338554"/>
           </a:xfrm>
           <a:prstGeom prst="rect">
             <a:avLst/>
@@ -13549,121 +14483,29 @@
           <a:noFill/>
         </p:spPr>
         <p:txBody>
-          <a:bodyPr wrap="none" rtlCol="0">
+          <a:bodyPr wrap="square" rtlCol="0">
             <a:spAutoFit/>
           </a:bodyPr>
           <a:lstStyle/>
           <a:p>
-            <a:pPr algn="ctr"/>
             <a:r>
               <a:rPr lang="en-US" sz="1600" dirty="0" smtClean="0"/>
-              <a:t>Queue</a:t>
+              <a:t>Client</a:t>
             </a:r>
             <a:endParaRPr lang="en-US" sz="1600" dirty="0"/>
           </a:p>
         </p:txBody>
       </p:sp>
-      <p:pic>
-        <p:nvPicPr>
-          <p:cNvPr id="1028" name="Picture 4" descr="http://images.clipartpanda.com/cloud-icon-png-CloudIcon.png"/>
-          <p:cNvPicPr>
-            <a:picLocks noChangeAspect="1" noChangeArrowheads="1"/>
-          </p:cNvPicPr>
-          <p:nvPr/>
-        </p:nvPicPr>
-        <p:blipFill>
-          <a:blip r:embed="rId3" cstate="print">
-            <a:extLst>
-              <a:ext uri="{28A0092B-C50C-407E-A947-70E740481C1C}">
-                <a14:useLocalDpi xmlns:a14="http://schemas.microsoft.com/office/drawing/2010/main" val="0"/>
-              </a:ext>
-            </a:extLst>
-          </a:blip>
-          <a:srcRect/>
-          <a:stretch>
-            <a:fillRect/>
-          </a:stretch>
-        </p:blipFill>
-        <p:spPr bwMode="auto">
-          <a:xfrm>
-            <a:off x="5681171" y="6011795"/>
-            <a:ext cx="859714" cy="507650"/>
-          </a:xfrm>
-          <a:prstGeom prst="rect">
-            <a:avLst/>
-          </a:prstGeom>
-          <a:noFill/>
-          <a:extLst>
-            <a:ext uri="{909E8E84-426E-40DD-AFC4-6F175D3DCCD1}">
-              <a14:hiddenFill xmlns:a14="http://schemas.microsoft.com/office/drawing/2010/main">
-                <a:solidFill>
-                  <a:srgbClr val="FFFFFF"/>
-                </a:solidFill>
-              </a14:hiddenFill>
-            </a:ext>
-          </a:extLst>
-        </p:spPr>
-      </p:pic>
-      <p:pic>
-        <p:nvPicPr>
-          <p:cNvPr id="1032" name="Picture 8" descr="http://colby.id.au/files/sqs.png"/>
-          <p:cNvPicPr>
-            <a:picLocks noChangeAspect="1" noChangeArrowheads="1"/>
-          </p:cNvPicPr>
-          <p:nvPr/>
-        </p:nvPicPr>
-        <p:blipFill>
-          <a:blip r:embed="rId4">
-            <a:extLst>
-              <a:ext uri="{BEBA8EAE-BF5A-486C-A8C5-ECC9F3942E4B}">
-                <a14:imgProps xmlns:a14="http://schemas.microsoft.com/office/drawing/2010/main">
-                  <a14:imgLayer r:embed="rId5">
-                    <a14:imgEffect>
-                      <a14:colorTemperature colorTemp="4700"/>
-                    </a14:imgEffect>
-                  </a14:imgLayer>
-                </a14:imgProps>
-              </a:ext>
-              <a:ext uri="{28A0092B-C50C-407E-A947-70E740481C1C}">
-                <a14:useLocalDpi xmlns:a14="http://schemas.microsoft.com/office/drawing/2010/main" val="0"/>
-              </a:ext>
-            </a:extLst>
-          </a:blip>
-          <a:srcRect/>
-          <a:stretch>
-            <a:fillRect/>
-          </a:stretch>
-        </p:blipFill>
-        <p:spPr bwMode="auto">
-          <a:xfrm>
-            <a:off x="4281377" y="6011795"/>
-            <a:ext cx="779183" cy="507650"/>
-          </a:xfrm>
-          <a:prstGeom prst="rect">
-            <a:avLst/>
-          </a:prstGeom>
-          <a:noFill/>
-          <a:extLst>
-            <a:ext uri="{909E8E84-426E-40DD-AFC4-6F175D3DCCD1}">
-              <a14:hiddenFill xmlns:a14="http://schemas.microsoft.com/office/drawing/2010/main">
-                <a:solidFill>
-                  <a:srgbClr val="FFFFFF"/>
-                </a:solidFill>
-              </a14:hiddenFill>
-            </a:ext>
-          </a:extLst>
-        </p:spPr>
-      </p:pic>
-      <p:sp>
-        <p:nvSpPr>
-          <p:cNvPr id="21" name="TextBox 20"/>
+      <p:sp>
+        <p:nvSpPr>
+          <p:cNvPr id="50" name="TextBox 49"/>
           <p:cNvSpPr txBox="1"/>
           <p:nvPr/>
         </p:nvSpPr>
         <p:spPr>
           <a:xfrm>
-            <a:off x="5617946" y="6519445"/>
-            <a:ext cx="986168" cy="338554"/>
+            <a:off x="862585" y="1673778"/>
+            <a:ext cx="1409220" cy="338554"/>
           </a:xfrm>
           <a:prstGeom prst="rect">
             <a:avLst/>
@@ -13671,15 +14513,14 @@
           <a:noFill/>
         </p:spPr>
         <p:txBody>
-          <a:bodyPr wrap="none" rtlCol="0">
+          <a:bodyPr wrap="square" rtlCol="0">
             <a:spAutoFit/>
           </a:bodyPr>
           <a:lstStyle/>
           <a:p>
-            <a:pPr algn="ctr"/>
             <a:r>
               <a:rPr lang="en-US" sz="1600" dirty="0" smtClean="0"/>
-              <a:t>Cloud API</a:t>
+              <a:t>Web Server</a:t>
             </a:r>
             <a:endParaRPr lang="en-US" sz="1600" dirty="0"/>
           </a:p>
@@ -14022,6 +14863,36 @@
       </p:par>
     </p:tnLst>
   </p:timing>
+</p:sld>
+</file>
+
+<file path=ppt/slides/slide8.xml><?xml version="1.0" encoding="utf-8"?>
+<p:sld xmlns:a="http://schemas.openxmlformats.org/drawingml/2006/main" xmlns:r="http://schemas.openxmlformats.org/officeDocument/2006/relationships" xmlns:p="http://schemas.openxmlformats.org/presentationml/2006/main">
+  <p:cSld>
+    <p:spTree>
+      <p:nvGrpSpPr>
+        <p:cNvPr id="1" name=""/>
+        <p:cNvGrpSpPr/>
+        <p:nvPr/>
+      </p:nvGrpSpPr>
+      <p:grpSpPr>
+        <a:xfrm>
+          <a:off x="0" y="0"/>
+          <a:ext cx="0" cy="0"/>
+          <a:chOff x="0" y="0"/>
+          <a:chExt cx="0" cy="0"/>
+        </a:xfrm>
+      </p:grpSpPr>
+    </p:spTree>
+    <p:extLst>
+      <p:ext uri="{BB962C8B-B14F-4D97-AF65-F5344CB8AC3E}">
+        <p14:creationId xmlns:p14="http://schemas.microsoft.com/office/powerpoint/2010/main" val="2227553736"/>
+      </p:ext>
+    </p:extLst>
+  </p:cSld>
+  <p:clrMapOvr>
+    <a:masterClrMapping/>
+  </p:clrMapOvr>
 </p:sld>
 </file>
 
@@ -14572,76 +15443,16 @@
         <a:srgbClr val="954F72"/>
       </a:folHlink>
     </a:clrScheme>
-    <a:fontScheme name="Office">
+    <a:fontScheme name="Segoe">
       <a:majorFont>
-        <a:latin typeface="Calibri Light"/>
+        <a:latin typeface="Segoe UI"/>
         <a:ea typeface=""/>
         <a:cs typeface=""/>
-        <a:font script="Jpan" typeface="ＭＳ Ｐゴシック"/>
-        <a:font script="Hang" typeface="맑은 고딕"/>
-        <a:font script="Hans" typeface="宋体"/>
-        <a:font script="Hant" typeface="新細明體"/>
-        <a:font script="Arab" typeface="Times New Roman"/>
-        <a:font script="Hebr" typeface="Times New Roman"/>
-        <a:font script="Thai" typeface="Angsana New"/>
-        <a:font script="Ethi" typeface="Nyala"/>
-        <a:font script="Beng" typeface="Vrinda"/>
-        <a:font script="Gujr" typeface="Shruti"/>
-        <a:font script="Khmr" typeface="MoolBoran"/>
-        <a:font script="Knda" typeface="Tunga"/>
-        <a:font script="Guru" typeface="Raavi"/>
-        <a:font script="Cans" typeface="Euphemia"/>
-        <a:font script="Cher" typeface="Plantagenet Cherokee"/>
-        <a:font script="Yiii" typeface="Microsoft Yi Baiti"/>
-        <a:font script="Tibt" typeface="Microsoft Himalaya"/>
-        <a:font script="Thaa" typeface="MV Boli"/>
-        <a:font script="Deva" typeface="Mangal"/>
-        <a:font script="Telu" typeface="Gautami"/>
-        <a:font script="Taml" typeface="Latha"/>
-        <a:font script="Syrc" typeface="Estrangelo Edessa"/>
-        <a:font script="Orya" typeface="Kalinga"/>
-        <a:font script="Mlym" typeface="Kartika"/>
-        <a:font script="Laoo" typeface="DokChampa"/>
-        <a:font script="Sinh" typeface="Iskoola Pota"/>
-        <a:font script="Mong" typeface="Mongolian Baiti"/>
-        <a:font script="Viet" typeface="Times New Roman"/>
-        <a:font script="Uigh" typeface="Microsoft Uighur"/>
-        <a:font script="Geor" typeface="Sylfaen"/>
       </a:majorFont>
       <a:minorFont>
-        <a:latin typeface="Calibri"/>
+        <a:latin typeface="Segoe UI"/>
         <a:ea typeface=""/>
         <a:cs typeface=""/>
-        <a:font script="Jpan" typeface="ＭＳ Ｐゴシック"/>
-        <a:font script="Hang" typeface="맑은 고딕"/>
-        <a:font script="Hans" typeface="宋体"/>
-        <a:font script="Hant" typeface="新細明體"/>
-        <a:font script="Arab" typeface="Arial"/>
-        <a:font script="Hebr" typeface="Arial"/>
-        <a:font script="Thai" typeface="Cordia New"/>
-        <a:font script="Ethi" typeface="Nyala"/>
-        <a:font script="Beng" typeface="Vrinda"/>
-        <a:font script="Gujr" typeface="Shruti"/>
-        <a:font script="Khmr" typeface="DaunPenh"/>
-        <a:font script="Knda" typeface="Tunga"/>
-        <a:font script="Guru" typeface="Raavi"/>
-        <a:font script="Cans" typeface="Euphemia"/>
-        <a:font script="Cher" typeface="Plantagenet Cherokee"/>
-        <a:font script="Yiii" typeface="Microsoft Yi Baiti"/>
-        <a:font script="Tibt" typeface="Microsoft Himalaya"/>
-        <a:font script="Thaa" typeface="MV Boli"/>
-        <a:font script="Deva" typeface="Mangal"/>
-        <a:font script="Telu" typeface="Gautami"/>
-        <a:font script="Taml" typeface="Latha"/>
-        <a:font script="Syrc" typeface="Estrangelo Edessa"/>
-        <a:font script="Orya" typeface="Kalinga"/>
-        <a:font script="Mlym" typeface="Kartika"/>
-        <a:font script="Laoo" typeface="DokChampa"/>
-        <a:font script="Sinh" typeface="Iskoola Pota"/>
-        <a:font script="Mong" typeface="Mongolian Baiti"/>
-        <a:font script="Viet" typeface="Arial"/>
-        <a:font script="Uigh" typeface="Microsoft Uighur"/>
-        <a:font script="Geor" typeface="Sylfaen"/>
       </a:minorFont>
     </a:fontScheme>
     <a:fmtScheme name="Office">

--- a/Documents/Lessons Learned From Agile Quality Assurance In Scrum.pptx
+++ b/Documents/Lessons Learned From Agile Quality Assurance In Scrum.pptx
@@ -7,7 +7,7 @@
     <p:sldMasterId id="2147483900" r:id="rId3"/>
   </p:sldMasterIdLst>
   <p:notesMasterIdLst>
-    <p:notesMasterId r:id="rId12"/>
+    <p:notesMasterId r:id="rId13"/>
   </p:notesMasterIdLst>
   <p:sldIdLst>
     <p:sldId id="256" r:id="rId4"/>
@@ -16,8 +16,9 @@
     <p:sldId id="257" r:id="rId7"/>
     <p:sldId id="259" r:id="rId8"/>
     <p:sldId id="262" r:id="rId9"/>
-    <p:sldId id="258" r:id="rId10"/>
-    <p:sldId id="263" r:id="rId11"/>
+    <p:sldId id="264" r:id="rId10"/>
+    <p:sldId id="258" r:id="rId11"/>
+    <p:sldId id="263" r:id="rId12"/>
   </p:sldIdLst>
   <p:sldSz cx="12192000" cy="6858000"/>
   <p:notesSz cx="6858000" cy="9144000"/>
@@ -218,7 +219,7 @@
           <a:p>
             <a:fld id="{DDC08AD7-58B5-48BE-B808-02C5C825B5D9}" type="datetimeFigureOut">
               <a:rPr lang="en-US" smtClean="0"/>
-              <a:t>6/16/2015</a:t>
+              <a:t>6/18/2015</a:t>
             </a:fld>
             <a:endParaRPr lang="en-US"/>
           </a:p>
@@ -1016,6 +1017,90 @@
 </p:notes>
 </file>
 
+<file path=ppt/notesSlides/notesSlide7.xml><?xml version="1.0" encoding="utf-8"?>
+<p:notes xmlns:a="http://schemas.openxmlformats.org/drawingml/2006/main" xmlns:r="http://schemas.openxmlformats.org/officeDocument/2006/relationships" xmlns:p="http://schemas.openxmlformats.org/presentationml/2006/main">
+  <p:cSld>
+    <p:spTree>
+      <p:nvGrpSpPr>
+        <p:cNvPr id="1" name=""/>
+        <p:cNvGrpSpPr/>
+        <p:nvPr/>
+      </p:nvGrpSpPr>
+      <p:grpSpPr>
+        <a:xfrm>
+          <a:off x="0" y="0"/>
+          <a:ext cx="0" cy="0"/>
+          <a:chOff x="0" y="0"/>
+          <a:chExt cx="0" cy="0"/>
+        </a:xfrm>
+      </p:grpSpPr>
+      <p:sp>
+        <p:nvSpPr>
+          <p:cNvPr id="2" name="Slide Image Placeholder 1"/>
+          <p:cNvSpPr>
+            <a:spLocks noGrp="1" noRot="1" noChangeAspect="1"/>
+          </p:cNvSpPr>
+          <p:nvPr>
+            <p:ph type="sldImg"/>
+          </p:nvPr>
+        </p:nvSpPr>
+        <p:spPr/>
+      </p:sp>
+      <p:sp>
+        <p:nvSpPr>
+          <p:cNvPr id="3" name="Notes Placeholder 2"/>
+          <p:cNvSpPr>
+            <a:spLocks noGrp="1"/>
+          </p:cNvSpPr>
+          <p:nvPr>
+            <p:ph type="body" idx="1"/>
+          </p:nvPr>
+        </p:nvSpPr>
+        <p:spPr/>
+        <p:txBody>
+          <a:bodyPr/>
+          <a:lstStyle/>
+          <a:p>
+            <a:endParaRPr lang="en-US" dirty="0"/>
+          </a:p>
+        </p:txBody>
+      </p:sp>
+      <p:sp>
+        <p:nvSpPr>
+          <p:cNvPr id="4" name="Slide Number Placeholder 3"/>
+          <p:cNvSpPr>
+            <a:spLocks noGrp="1"/>
+          </p:cNvSpPr>
+          <p:nvPr>
+            <p:ph type="sldNum" sz="quarter" idx="10"/>
+          </p:nvPr>
+        </p:nvSpPr>
+        <p:spPr/>
+        <p:txBody>
+          <a:bodyPr/>
+          <a:lstStyle/>
+          <a:p>
+            <a:fld id="{77CEC4F4-A931-4EDC-A8DD-700DC7739227}" type="slidenum">
+              <a:rPr lang="en-US" smtClean="0"/>
+              <a:t>7</a:t>
+            </a:fld>
+            <a:endParaRPr lang="en-US"/>
+          </a:p>
+        </p:txBody>
+      </p:sp>
+    </p:spTree>
+    <p:extLst>
+      <p:ext uri="{BB962C8B-B14F-4D97-AF65-F5344CB8AC3E}">
+        <p14:creationId xmlns:p14="http://schemas.microsoft.com/office/powerpoint/2010/main" val="3625626098"/>
+      </p:ext>
+    </p:extLst>
+  </p:cSld>
+  <p:clrMapOvr>
+    <a:masterClrMapping/>
+  </p:clrMapOvr>
+</p:notes>
+</file>
+
 <file path=ppt/slideLayouts/slideLayout1.xml><?xml version="1.0" encoding="utf-8"?>
 <p:sldLayout xmlns:a="http://schemas.openxmlformats.org/drawingml/2006/main" xmlns:r="http://schemas.openxmlformats.org/officeDocument/2006/relationships" xmlns:p="http://schemas.openxmlformats.org/presentationml/2006/main" type="title" preserve="1">
   <p:cSld name="Title Slide">
@@ -1158,7 +1243,7 @@
           <a:p>
             <a:fld id="{1A260A04-0D30-4F6D-881B-6C5304669D2D}" type="datetime1">
               <a:rPr lang="en-US" smtClean="0"/>
-              <a:t>6/16/2015</a:t>
+              <a:t>6/18/2015</a:t>
             </a:fld>
             <a:endParaRPr lang="en-US"/>
           </a:p>
@@ -1328,7 +1413,7 @@
           <a:p>
             <a:fld id="{E6E53668-B7C0-4790-AB12-5D3BFE47BE8B}" type="datetime1">
               <a:rPr lang="en-US" smtClean="0"/>
-              <a:t>6/16/2015</a:t>
+              <a:t>6/18/2015</a:t>
             </a:fld>
             <a:endParaRPr lang="en-US"/>
           </a:p>
@@ -1508,7 +1593,7 @@
           <a:p>
             <a:fld id="{AD012240-970E-40CC-8CD7-B4B37FE77D86}" type="datetime1">
               <a:rPr lang="en-US" smtClean="0"/>
-              <a:t>6/16/2015</a:t>
+              <a:t>6/18/2015</a:t>
             </a:fld>
             <a:endParaRPr lang="en-US"/>
           </a:p>
@@ -1711,7 +1796,7 @@
           <a:p>
             <a:fld id="{50DBB39F-26FB-4A03-A315-BBB0380AC164}" type="datetime1">
               <a:rPr lang="en-US" smtClean="0"/>
-              <a:t>6/16/2015</a:t>
+              <a:t>6/18/2015</a:t>
             </a:fld>
             <a:endParaRPr lang="en-US"/>
           </a:p>
@@ -1881,7 +1966,7 @@
           <a:p>
             <a:fld id="{5FF1C112-DB57-4E9E-8ABD-FC949F9AD8AE}" type="datetime1">
               <a:rPr lang="en-US" smtClean="0"/>
-              <a:t>6/16/2015</a:t>
+              <a:t>6/18/2015</a:t>
             </a:fld>
             <a:endParaRPr lang="en-US"/>
           </a:p>
@@ -2132,7 +2217,7 @@
           <a:p>
             <a:fld id="{96531E8E-3773-4208-9310-6439EC241707}" type="datetime1">
               <a:rPr lang="en-US" smtClean="0"/>
-              <a:t>6/16/2015</a:t>
+              <a:t>6/18/2015</a:t>
             </a:fld>
             <a:endParaRPr lang="en-US"/>
           </a:p>
@@ -2364,7 +2449,7 @@
           <a:p>
             <a:fld id="{BEF86C87-CF81-4F33-AA09-070D5CBC9F24}" type="datetime1">
               <a:rPr lang="en-US" smtClean="0"/>
-              <a:t>6/16/2015</a:t>
+              <a:t>6/18/2015</a:t>
             </a:fld>
             <a:endParaRPr lang="en-US"/>
           </a:p>
@@ -2711,7 +2796,7 @@
           <a:p>
             <a:fld id="{AAA17232-2A7D-4E7D-B22E-039FC0C07C9C}" type="datetime1">
               <a:rPr lang="en-US" smtClean="0"/>
-              <a:t>6/16/2015</a:t>
+              <a:t>6/18/2015</a:t>
             </a:fld>
             <a:endParaRPr lang="en-US"/>
           </a:p>
@@ -2829,7 +2914,7 @@
           <a:p>
             <a:fld id="{3E222FA5-7C7C-4C35-BB65-BA1A0CE6FD68}" type="datetime1">
               <a:rPr lang="en-US" smtClean="0"/>
-              <a:t>6/16/2015</a:t>
+              <a:t>6/18/2015</a:t>
             </a:fld>
             <a:endParaRPr lang="en-US"/>
           </a:p>
@@ -2947,7 +3032,7 @@
           <a:p>
             <a:fld id="{CA147D11-A985-49F3-A082-06E1C829C109}" type="datetime1">
               <a:rPr lang="en-US" smtClean="0"/>
-              <a:t>6/16/2015</a:t>
+              <a:t>6/18/2015</a:t>
             </a:fld>
             <a:endParaRPr lang="en-US"/>
           </a:p>
@@ -3231,7 +3316,7 @@
           <a:p>
             <a:fld id="{98A7513B-AB8C-4CFB-B713-B080B16C734C}" type="datetime1">
               <a:rPr lang="en-US" smtClean="0"/>
-              <a:t>6/16/2015</a:t>
+              <a:t>6/18/2015</a:t>
             </a:fld>
             <a:endParaRPr lang="en-US"/>
           </a:p>
@@ -3401,7 +3486,7 @@
           <a:p>
             <a:fld id="{AB91A3AC-9D5E-4044-879F-B01C3563F8E8}" type="datetime1">
               <a:rPr lang="en-US" smtClean="0"/>
-              <a:t>6/16/2015</a:t>
+              <a:t>6/18/2015</a:t>
             </a:fld>
             <a:endParaRPr lang="en-US"/>
           </a:p>
@@ -3665,7 +3750,7 @@
           <a:p>
             <a:fld id="{A7CCA7B5-B293-45D2-956C-DE2CDFB7B933}" type="datetime1">
               <a:rPr lang="en-US" smtClean="0"/>
-              <a:t>6/16/2015</a:t>
+              <a:t>6/18/2015</a:t>
             </a:fld>
             <a:endParaRPr lang="en-US"/>
           </a:p>
@@ -3835,7 +3920,7 @@
           <a:p>
             <a:fld id="{17D76E9C-E220-47EB-849C-8B82B2A30550}" type="datetime1">
               <a:rPr lang="en-US" smtClean="0"/>
-              <a:t>6/16/2015</a:t>
+              <a:t>6/18/2015</a:t>
             </a:fld>
             <a:endParaRPr lang="en-US"/>
           </a:p>
@@ -4015,7 +4100,7 @@
           <a:p>
             <a:fld id="{E21C0911-D971-404D-81D6-5C6E3EA30CF8}" type="datetime1">
               <a:rPr lang="en-US" smtClean="0"/>
-              <a:t>6/16/2015</a:t>
+              <a:t>6/18/2015</a:t>
             </a:fld>
             <a:endParaRPr lang="en-US"/>
           </a:p>
@@ -4218,7 +4303,7 @@
           <a:p>
             <a:fld id="{00A11C92-07B9-46B4-BA9B-A9F8DEDDD065}" type="datetime1">
               <a:rPr lang="en-US" smtClean="0"/>
-              <a:t>6/16/2015</a:t>
+              <a:t>6/18/2015</a:t>
             </a:fld>
             <a:endParaRPr lang="en-US"/>
           </a:p>
@@ -4388,7 +4473,7 @@
           <a:p>
             <a:fld id="{DBFDFE0C-1862-4D32-B353-473485FC5B8C}" type="datetime1">
               <a:rPr lang="en-US" smtClean="0"/>
-              <a:t>6/16/2015</a:t>
+              <a:t>6/18/2015</a:t>
             </a:fld>
             <a:endParaRPr lang="en-US"/>
           </a:p>
@@ -4639,7 +4724,7 @@
           <a:p>
             <a:fld id="{BE19EF60-149A-4C77-9B4D-6B2738EE1A60}" type="datetime1">
               <a:rPr lang="en-US" smtClean="0"/>
-              <a:t>6/16/2015</a:t>
+              <a:t>6/18/2015</a:t>
             </a:fld>
             <a:endParaRPr lang="en-US"/>
           </a:p>
@@ -4871,7 +4956,7 @@
           <a:p>
             <a:fld id="{99EA8280-61AF-4C1C-9E86-CB6F68529EB7}" type="datetime1">
               <a:rPr lang="en-US" smtClean="0"/>
-              <a:t>6/16/2015</a:t>
+              <a:t>6/18/2015</a:t>
             </a:fld>
             <a:endParaRPr lang="en-US"/>
           </a:p>
@@ -5218,7 +5303,7 @@
           <a:p>
             <a:fld id="{71578FFB-D7B0-4E90-BEDB-1D7E153C4824}" type="datetime1">
               <a:rPr lang="en-US" smtClean="0"/>
-              <a:t>6/16/2015</a:t>
+              <a:t>6/18/2015</a:t>
             </a:fld>
             <a:endParaRPr lang="en-US"/>
           </a:p>
@@ -5336,7 +5421,7 @@
           <a:p>
             <a:fld id="{4C4D8C16-585C-4AE9-8479-FDE6A8B38DEE}" type="datetime1">
               <a:rPr lang="en-US" smtClean="0"/>
-              <a:t>6/16/2015</a:t>
+              <a:t>6/18/2015</a:t>
             </a:fld>
             <a:endParaRPr lang="en-US"/>
           </a:p>
@@ -5454,7 +5539,7 @@
           <a:p>
             <a:fld id="{A3E1E9D2-4942-414F-A3F4-EBED35448B8F}" type="datetime1">
               <a:rPr lang="en-US" smtClean="0"/>
-              <a:t>6/16/2015</a:t>
+              <a:t>6/18/2015</a:t>
             </a:fld>
             <a:endParaRPr lang="en-US"/>
           </a:p>
@@ -5705,7 +5790,7 @@
           <a:p>
             <a:fld id="{1C11B133-5474-465F-A785-F314434DFD23}" type="datetime1">
               <a:rPr lang="en-US" smtClean="0"/>
-              <a:t>6/16/2015</a:t>
+              <a:t>6/18/2015</a:t>
             </a:fld>
             <a:endParaRPr lang="en-US"/>
           </a:p>
@@ -5989,7 +6074,7 @@
           <a:p>
             <a:fld id="{3553D1B6-D0FE-4204-8A01-54B687E5DD26}" type="datetime1">
               <a:rPr lang="en-US" smtClean="0"/>
-              <a:t>6/16/2015</a:t>
+              <a:t>6/18/2015</a:t>
             </a:fld>
             <a:endParaRPr lang="en-US"/>
           </a:p>
@@ -6253,7 +6338,7 @@
           <a:p>
             <a:fld id="{19FCDD6E-AC17-4ACA-A92D-E10490C522DB}" type="datetime1">
               <a:rPr lang="en-US" smtClean="0"/>
-              <a:t>6/16/2015</a:t>
+              <a:t>6/18/2015</a:t>
             </a:fld>
             <a:endParaRPr lang="en-US"/>
           </a:p>
@@ -6423,7 +6508,7 @@
           <a:p>
             <a:fld id="{8BB8CF3A-3DC3-46E1-9DA1-BE258D67F966}" type="datetime1">
               <a:rPr lang="en-US" smtClean="0"/>
-              <a:t>6/16/2015</a:t>
+              <a:t>6/18/2015</a:t>
             </a:fld>
             <a:endParaRPr lang="en-US"/>
           </a:p>
@@ -6603,7 +6688,7 @@
           <a:p>
             <a:fld id="{AD9DD4F7-2579-4CF8-BDFF-9A21010A8A2E}" type="datetime1">
               <a:rPr lang="en-US" smtClean="0"/>
-              <a:t>6/16/2015</a:t>
+              <a:t>6/18/2015</a:t>
             </a:fld>
             <a:endParaRPr lang="en-US"/>
           </a:p>
@@ -6835,7 +6920,7 @@
           <a:p>
             <a:fld id="{1AF9A467-BFE2-41BE-A0FC-0030BE2626DD}" type="datetime1">
               <a:rPr lang="en-US" smtClean="0"/>
-              <a:t>6/16/2015</a:t>
+              <a:t>6/18/2015</a:t>
             </a:fld>
             <a:endParaRPr lang="en-US"/>
           </a:p>
@@ -7182,7 +7267,7 @@
           <a:p>
             <a:fld id="{43E3EAFD-F696-47C2-9253-8A163E9F976A}" type="datetime1">
               <a:rPr lang="en-US" smtClean="0"/>
-              <a:t>6/16/2015</a:t>
+              <a:t>6/18/2015</a:t>
             </a:fld>
             <a:endParaRPr lang="en-US"/>
           </a:p>
@@ -7300,7 +7385,7 @@
           <a:p>
             <a:fld id="{3359A0CF-9B53-46A5-8307-04A4889D9F93}" type="datetime1">
               <a:rPr lang="en-US" smtClean="0"/>
-              <a:t>6/16/2015</a:t>
+              <a:t>6/18/2015</a:t>
             </a:fld>
             <a:endParaRPr lang="en-US"/>
           </a:p>
@@ -7418,7 +7503,7 @@
           <a:p>
             <a:fld id="{A4379B3A-E313-4F12-9C2E-80CDD6D57577}" type="datetime1">
               <a:rPr lang="en-US" smtClean="0"/>
-              <a:t>6/16/2015</a:t>
+              <a:t>6/18/2015</a:t>
             </a:fld>
             <a:endParaRPr lang="en-US"/>
           </a:p>
@@ -7702,7 +7787,7 @@
           <a:p>
             <a:fld id="{C10E1925-197E-4055-87BD-DC23A5578938}" type="datetime1">
               <a:rPr lang="en-US" smtClean="0"/>
-              <a:t>6/16/2015</a:t>
+              <a:t>6/18/2015</a:t>
             </a:fld>
             <a:endParaRPr lang="en-US"/>
           </a:p>
@@ -7966,7 +8051,7 @@
           <a:p>
             <a:fld id="{898E4E15-8956-4935-9C3F-CF1C62A234AF}" type="datetime1">
               <a:rPr lang="en-US" smtClean="0"/>
-              <a:t>6/16/2015</a:t>
+              <a:t>6/18/2015</a:t>
             </a:fld>
             <a:endParaRPr lang="en-US"/>
           </a:p>
@@ -8180,7 +8265,7 @@
           <a:p>
             <a:fld id="{8A8E5BE4-9DA4-4FAD-9FF2-25E33DA7A2DE}" type="datetime1">
               <a:rPr lang="en-US" smtClean="0"/>
-              <a:t>6/16/2015</a:t>
+              <a:t>6/18/2015</a:t>
             </a:fld>
             <a:endParaRPr lang="en-US"/>
           </a:p>
@@ -8711,7 +8796,7 @@
           <a:p>
             <a:fld id="{FC3B0C6D-E3BB-429A-AB5D-08885DC9FDF2}" type="datetime1">
               <a:rPr lang="en-US" smtClean="0"/>
-              <a:t>6/16/2015</a:t>
+              <a:t>6/18/2015</a:t>
             </a:fld>
             <a:endParaRPr lang="en-US"/>
           </a:p>
@@ -9242,7 +9327,7 @@
           <a:p>
             <a:fld id="{B0E3F87A-01F1-4F3F-8BAF-BABC1CBFDFDD}" type="datetime1">
               <a:rPr lang="en-US" smtClean="0"/>
-              <a:t>6/16/2015</a:t>
+              <a:t>6/18/2015</a:t>
             </a:fld>
             <a:endParaRPr lang="en-US"/>
           </a:p>
@@ -13852,14 +13937,7 @@
                     <a:latin typeface="Segoe UI" panose="020B0502040204020203" pitchFamily="34" charset="0"/>
                     <a:cs typeface="Segoe UI" panose="020B0502040204020203" pitchFamily="34" charset="0"/>
                   </a:rPr>
-                  <a:t>Cloud </a:t>
-                </a:r>
-                <a:r>
-                  <a:rPr lang="en-US" sz="1200" dirty="0" smtClean="0">
-                    <a:latin typeface="Segoe UI" panose="020B0502040204020203" pitchFamily="34" charset="0"/>
-                    <a:cs typeface="Segoe UI" panose="020B0502040204020203" pitchFamily="34" charset="0"/>
-                  </a:rPr>
-                  <a:t>API (Facebook Graph API, Twitter API, …)</a:t>
+                  <a:t>Cloud API (Facebook Graph API, Twitter API, …)</a:t>
                 </a:r>
                 <a:endParaRPr lang="en-US" sz="1200" dirty="0">
                   <a:latin typeface="Segoe UI" panose="020B0502040204020203" pitchFamily="34" charset="0"/>
@@ -14158,21 +14236,7 @@
                     <a:latin typeface="Segoe UI" panose="020B0502040204020203" pitchFamily="34" charset="0"/>
                     <a:cs typeface="Segoe UI" panose="020B0502040204020203" pitchFamily="34" charset="0"/>
                   </a:rPr>
-                  <a:t>UI </a:t>
-                </a:r>
-                <a:r>
-                  <a:rPr lang="en-US" sz="1600" dirty="0" smtClean="0">
-                    <a:latin typeface="Segoe UI" panose="020B0502040204020203" pitchFamily="34" charset="0"/>
-                    <a:cs typeface="Segoe UI" panose="020B0502040204020203" pitchFamily="34" charset="0"/>
-                  </a:rPr>
-                  <a:t>(MVC, </a:t>
-                </a:r>
-                <a:r>
-                  <a:rPr lang="en-US" sz="1600" dirty="0" smtClean="0">
-                    <a:latin typeface="Segoe UI" panose="020B0502040204020203" pitchFamily="34" charset="0"/>
-                    <a:cs typeface="Segoe UI" panose="020B0502040204020203" pitchFamily="34" charset="0"/>
-                  </a:rPr>
-                  <a:t>Window Form, …)</a:t>
+                  <a:t>UI (MVC, Window Form, …)</a:t>
                 </a:r>
                 <a:endParaRPr lang="en-US" sz="1600" dirty="0">
                   <a:latin typeface="Segoe UI" panose="020B0502040204020203" pitchFamily="34" charset="0"/>
@@ -14547,6 +14611,2149 @@
 </file>
 
 <file path=ppt/slides/slide7.xml><?xml version="1.0" encoding="utf-8"?>
+<p:sld xmlns:a="http://schemas.openxmlformats.org/drawingml/2006/main" xmlns:r="http://schemas.openxmlformats.org/officeDocument/2006/relationships" xmlns:p="http://schemas.openxmlformats.org/presentationml/2006/main">
+  <p:cSld>
+    <p:spTree>
+      <p:nvGrpSpPr>
+        <p:cNvPr id="1" name=""/>
+        <p:cNvGrpSpPr/>
+        <p:nvPr/>
+      </p:nvGrpSpPr>
+      <p:grpSpPr>
+        <a:xfrm>
+          <a:off x="0" y="0"/>
+          <a:ext cx="0" cy="0"/>
+          <a:chOff x="0" y="0"/>
+          <a:chExt cx="0" cy="0"/>
+        </a:xfrm>
+      </p:grpSpPr>
+      <p:sp>
+        <p:nvSpPr>
+          <p:cNvPr id="13" name="Rounded Rectangle 12"/>
+          <p:cNvSpPr/>
+          <p:nvPr/>
+        </p:nvSpPr>
+        <p:spPr>
+          <a:xfrm>
+            <a:off x="2631077" y="4770428"/>
+            <a:ext cx="6131923" cy="731009"/>
+          </a:xfrm>
+          <a:prstGeom prst="roundRect">
+            <a:avLst/>
+          </a:prstGeom>
+        </p:spPr>
+        <p:style>
+          <a:lnRef idx="1">
+            <a:schemeClr val="accent3"/>
+          </a:lnRef>
+          <a:fillRef idx="2">
+            <a:schemeClr val="accent3"/>
+          </a:fillRef>
+          <a:effectRef idx="1">
+            <a:schemeClr val="accent3"/>
+          </a:effectRef>
+          <a:fontRef idx="minor">
+            <a:schemeClr val="dk1"/>
+          </a:fontRef>
+        </p:style>
+        <p:txBody>
+          <a:bodyPr rtlCol="0" anchor="ctr"/>
+          <a:lstStyle/>
+          <a:p>
+            <a:pPr algn="ctr"/>
+            <a:r>
+              <a:rPr lang="en-US" sz="1600" dirty="0" smtClean="0">
+                <a:latin typeface="Segoe UI" panose="020B0502040204020203" pitchFamily="34" charset="0"/>
+                <a:cs typeface="Segoe UI" panose="020B0502040204020203" pitchFamily="34" charset="0"/>
+              </a:rPr>
+              <a:t>Service Gateways</a:t>
+            </a:r>
+            <a:endParaRPr lang="en-US" sz="1600" dirty="0">
+              <a:latin typeface="Segoe UI" panose="020B0502040204020203" pitchFamily="34" charset="0"/>
+              <a:cs typeface="Segoe UI" panose="020B0502040204020203" pitchFamily="34" charset="0"/>
+            </a:endParaRPr>
+          </a:p>
+        </p:txBody>
+      </p:sp>
+      <p:grpSp>
+        <p:nvGrpSpPr>
+          <p:cNvPr id="16" name="Group 15"/>
+          <p:cNvGrpSpPr/>
+          <p:nvPr/>
+        </p:nvGrpSpPr>
+        <p:grpSpPr>
+          <a:xfrm>
+            <a:off x="2643777" y="5731373"/>
+            <a:ext cx="6330951" cy="1077573"/>
+            <a:chOff x="1190637" y="5463463"/>
+            <a:chExt cx="6971653" cy="1194722"/>
+          </a:xfrm>
+        </p:grpSpPr>
+        <p:grpSp>
+          <p:nvGrpSpPr>
+            <p:cNvPr id="17" name="Group 16"/>
+            <p:cNvGrpSpPr/>
+            <p:nvPr/>
+          </p:nvGrpSpPr>
+          <p:grpSpPr>
+            <a:xfrm>
+              <a:off x="1190637" y="5680576"/>
+              <a:ext cx="1741701" cy="938538"/>
+              <a:chOff x="3997901" y="5120639"/>
+              <a:chExt cx="1741701" cy="938538"/>
+            </a:xfrm>
+          </p:grpSpPr>
+          <p:sp>
+            <p:nvSpPr>
+              <p:cNvPr id="28" name="Flowchart: Magnetic Disk 27"/>
+              <p:cNvSpPr/>
+              <p:nvPr/>
+            </p:nvSpPr>
+            <p:spPr>
+              <a:xfrm>
+                <a:off x="4610432" y="5120639"/>
+                <a:ext cx="483582" cy="507649"/>
+              </a:xfrm>
+              <a:prstGeom prst="flowChartMagneticDisk">
+                <a:avLst/>
+              </a:prstGeom>
+            </p:spPr>
+            <p:style>
+              <a:lnRef idx="1">
+                <a:schemeClr val="accent4"/>
+              </a:lnRef>
+              <a:fillRef idx="2">
+                <a:schemeClr val="accent4"/>
+              </a:fillRef>
+              <a:effectRef idx="1">
+                <a:schemeClr val="accent4"/>
+              </a:effectRef>
+              <a:fontRef idx="minor">
+                <a:schemeClr val="dk1"/>
+              </a:fontRef>
+            </p:style>
+            <p:txBody>
+              <a:bodyPr rtlCol="0" anchor="ctr"/>
+              <a:lstStyle/>
+              <a:p>
+                <a:pPr algn="ctr"/>
+                <a:endParaRPr lang="en-US" sz="1100">
+                  <a:latin typeface="Segoe UI" panose="020B0502040204020203" pitchFamily="34" charset="0"/>
+                  <a:cs typeface="Segoe UI" panose="020B0502040204020203" pitchFamily="34" charset="0"/>
+                </a:endParaRPr>
+              </a:p>
+            </p:txBody>
+          </p:sp>
+          <p:sp>
+            <p:nvSpPr>
+              <p:cNvPr id="29" name="TextBox 28"/>
+              <p:cNvSpPr txBox="1"/>
+              <p:nvPr/>
+            </p:nvSpPr>
+            <p:spPr>
+              <a:xfrm>
+                <a:off x="3997901" y="5628290"/>
+                <a:ext cx="1741701" cy="430887"/>
+              </a:xfrm>
+              <a:prstGeom prst="rect">
+                <a:avLst/>
+              </a:prstGeom>
+              <a:noFill/>
+            </p:spPr>
+            <p:txBody>
+              <a:bodyPr wrap="none" rtlCol="0">
+                <a:spAutoFit/>
+              </a:bodyPr>
+              <a:lstStyle/>
+              <a:p>
+                <a:pPr algn="ctr"/>
+                <a:r>
+                  <a:rPr lang="en-US" sz="1100" dirty="0" smtClean="0">
+                    <a:latin typeface="Segoe UI" panose="020B0502040204020203" pitchFamily="34" charset="0"/>
+                    <a:cs typeface="Segoe UI" panose="020B0502040204020203" pitchFamily="34" charset="0"/>
+                  </a:rPr>
+                  <a:t>Database</a:t>
+                </a:r>
+              </a:p>
+              <a:p>
+                <a:pPr algn="ctr"/>
+                <a:r>
+                  <a:rPr lang="en-US" sz="1100" dirty="0" smtClean="0">
+                    <a:latin typeface="Segoe UI" panose="020B0502040204020203" pitchFamily="34" charset="0"/>
+                    <a:cs typeface="Segoe UI" panose="020B0502040204020203" pitchFamily="34" charset="0"/>
+                  </a:rPr>
+                  <a:t>(MySQL, SQL Server, </a:t>
+                </a:r>
+                <a:r>
+                  <a:rPr lang="en-US" sz="1100" dirty="0" smtClean="0">
+                    <a:latin typeface="Segoe UI" panose="020B0502040204020203" pitchFamily="34" charset="0"/>
+                    <a:cs typeface="Segoe UI" panose="020B0502040204020203" pitchFamily="34" charset="0"/>
+                  </a:rPr>
+                  <a:t>…)</a:t>
+                </a:r>
+                <a:endParaRPr lang="en-US" sz="1100" dirty="0">
+                  <a:latin typeface="Segoe UI" panose="020B0502040204020203" pitchFamily="34" charset="0"/>
+                  <a:cs typeface="Segoe UI" panose="020B0502040204020203" pitchFamily="34" charset="0"/>
+                </a:endParaRPr>
+              </a:p>
+            </p:txBody>
+          </p:sp>
+        </p:grpSp>
+        <p:grpSp>
+          <p:nvGrpSpPr>
+            <p:cNvPr id="18" name="Group 17"/>
+            <p:cNvGrpSpPr/>
+            <p:nvPr/>
+          </p:nvGrpSpPr>
+          <p:grpSpPr>
+            <a:xfrm>
+              <a:off x="2821957" y="5741661"/>
+              <a:ext cx="1974796" cy="877454"/>
+              <a:chOff x="3729753" y="6072879"/>
+              <a:chExt cx="1974796" cy="877454"/>
+            </a:xfrm>
+          </p:grpSpPr>
+          <p:sp>
+            <p:nvSpPr>
+              <p:cNvPr id="26" name="TextBox 25"/>
+              <p:cNvSpPr txBox="1"/>
+              <p:nvPr/>
+            </p:nvSpPr>
+            <p:spPr>
+              <a:xfrm>
+                <a:off x="3729753" y="6519446"/>
+                <a:ext cx="1974796" cy="430887"/>
+              </a:xfrm>
+              <a:prstGeom prst="rect">
+                <a:avLst/>
+              </a:prstGeom>
+              <a:noFill/>
+            </p:spPr>
+            <p:txBody>
+              <a:bodyPr wrap="none" rtlCol="0">
+                <a:spAutoFit/>
+              </a:bodyPr>
+              <a:lstStyle/>
+              <a:p>
+                <a:pPr algn="ctr"/>
+                <a:r>
+                  <a:rPr lang="en-US" sz="1100" dirty="0" smtClean="0">
+                    <a:latin typeface="Segoe UI" panose="020B0502040204020203" pitchFamily="34" charset="0"/>
+                    <a:cs typeface="Segoe UI" panose="020B0502040204020203" pitchFamily="34" charset="0"/>
+                  </a:rPr>
+                  <a:t>Queue </a:t>
+                </a:r>
+              </a:p>
+              <a:p>
+                <a:pPr algn="ctr"/>
+                <a:r>
+                  <a:rPr lang="en-US" sz="1100" dirty="0" smtClean="0">
+                    <a:latin typeface="Segoe UI" panose="020B0502040204020203" pitchFamily="34" charset="0"/>
+                    <a:cs typeface="Segoe UI" panose="020B0502040204020203" pitchFamily="34" charset="0"/>
+                  </a:rPr>
+                  <a:t>(Service Bus, </a:t>
+                </a:r>
+                <a:r>
+                  <a:rPr lang="en-US" sz="1100" dirty="0" err="1" smtClean="0">
+                    <a:latin typeface="Segoe UI" panose="020B0502040204020203" pitchFamily="34" charset="0"/>
+                    <a:cs typeface="Segoe UI" panose="020B0502040204020203" pitchFamily="34" charset="0"/>
+                  </a:rPr>
+                  <a:t>RabbitMQ</a:t>
+                </a:r>
+                <a:r>
+                  <a:rPr lang="en-US" sz="1100" dirty="0" smtClean="0">
+                    <a:latin typeface="Segoe UI" panose="020B0502040204020203" pitchFamily="34" charset="0"/>
+                    <a:cs typeface="Segoe UI" panose="020B0502040204020203" pitchFamily="34" charset="0"/>
+                  </a:rPr>
+                  <a:t>, …)</a:t>
+                </a:r>
+                <a:endParaRPr lang="en-US" sz="1100" dirty="0">
+                  <a:latin typeface="Segoe UI" panose="020B0502040204020203" pitchFamily="34" charset="0"/>
+                  <a:cs typeface="Segoe UI" panose="020B0502040204020203" pitchFamily="34" charset="0"/>
+                </a:endParaRPr>
+              </a:p>
+            </p:txBody>
+          </p:sp>
+          <p:pic>
+            <p:nvPicPr>
+              <p:cNvPr id="27" name="Picture 8" descr="http://colby.id.au/files/sqs.png"/>
+              <p:cNvPicPr>
+                <a:picLocks noChangeAspect="1" noChangeArrowheads="1"/>
+              </p:cNvPicPr>
+              <p:nvPr/>
+            </p:nvPicPr>
+            <p:blipFill>
+              <a:blip r:embed="rId3">
+                <a:duotone>
+                  <a:schemeClr val="accent2">
+                    <a:shade val="45000"/>
+                    <a:satMod val="135000"/>
+                  </a:schemeClr>
+                  <a:prstClr val="white"/>
+                </a:duotone>
+                <a:extLst>
+                  <a:ext uri="{BEBA8EAE-BF5A-486C-A8C5-ECC9F3942E4B}">
+                    <a14:imgProps xmlns:a14="http://schemas.microsoft.com/office/drawing/2010/main">
+                      <a14:imgLayer r:embed="rId4">
+                        <a14:imgEffect>
+                          <a14:colorTemperature colorTemp="4700"/>
+                        </a14:imgEffect>
+                      </a14:imgLayer>
+                    </a14:imgProps>
+                  </a:ext>
+                  <a:ext uri="{28A0092B-C50C-407E-A947-70E740481C1C}">
+                    <a14:useLocalDpi xmlns:a14="http://schemas.microsoft.com/office/drawing/2010/main" val="0"/>
+                  </a:ext>
+                </a:extLst>
+              </a:blip>
+              <a:srcRect/>
+              <a:stretch>
+                <a:fillRect/>
+              </a:stretch>
+            </p:blipFill>
+            <p:spPr bwMode="auto">
+              <a:xfrm>
+                <a:off x="4370567" y="6072879"/>
+                <a:ext cx="685423" cy="446564"/>
+              </a:xfrm>
+              <a:prstGeom prst="rect">
+                <a:avLst/>
+              </a:prstGeom>
+              <a:noFill/>
+              <a:extLst>
+                <a:ext uri="{909E8E84-426E-40DD-AFC4-6F175D3DCCD1}">
+                  <a14:hiddenFill xmlns:a14="http://schemas.microsoft.com/office/drawing/2010/main">
+                    <a:solidFill>
+                      <a:srgbClr val="FFFFFF"/>
+                    </a:solidFill>
+                  </a14:hiddenFill>
+                </a:ext>
+              </a:extLst>
+            </p:spPr>
+          </p:pic>
+        </p:grpSp>
+        <p:grpSp>
+          <p:nvGrpSpPr>
+            <p:cNvPr id="19" name="Group 18"/>
+            <p:cNvGrpSpPr/>
+            <p:nvPr/>
+          </p:nvGrpSpPr>
+          <p:grpSpPr>
+            <a:xfrm>
+              <a:off x="4677319" y="5717979"/>
+              <a:ext cx="1944522" cy="901135"/>
+              <a:chOff x="5129736" y="6049197"/>
+              <a:chExt cx="1944522" cy="901135"/>
+            </a:xfrm>
+          </p:grpSpPr>
+          <p:pic>
+            <p:nvPicPr>
+              <p:cNvPr id="24" name="Picture 4" descr="http://images.clipartpanda.com/cloud-icon-png-CloudIcon.png"/>
+              <p:cNvPicPr>
+                <a:picLocks noChangeAspect="1" noChangeArrowheads="1"/>
+              </p:cNvPicPr>
+              <p:nvPr/>
+            </p:nvPicPr>
+            <p:blipFill>
+              <a:blip r:embed="rId5" cstate="print">
+                <a:extLst>
+                  <a:ext uri="{28A0092B-C50C-407E-A947-70E740481C1C}">
+                    <a14:useLocalDpi xmlns:a14="http://schemas.microsoft.com/office/drawing/2010/main" val="0"/>
+                  </a:ext>
+                </a:extLst>
+              </a:blip>
+              <a:srcRect/>
+              <a:stretch>
+                <a:fillRect/>
+              </a:stretch>
+            </p:blipFill>
+            <p:spPr bwMode="auto">
+              <a:xfrm>
+                <a:off x="5750776" y="6049197"/>
+                <a:ext cx="796371" cy="470247"/>
+              </a:xfrm>
+              <a:prstGeom prst="rect">
+                <a:avLst/>
+              </a:prstGeom>
+              <a:noFill/>
+              <a:extLst>
+                <a:ext uri="{909E8E84-426E-40DD-AFC4-6F175D3DCCD1}">
+                  <a14:hiddenFill xmlns:a14="http://schemas.microsoft.com/office/drawing/2010/main">
+                    <a:solidFill>
+                      <a:srgbClr val="FFFFFF"/>
+                    </a:solidFill>
+                  </a14:hiddenFill>
+                </a:ext>
+              </a:extLst>
+            </p:spPr>
+          </p:pic>
+          <p:sp>
+            <p:nvSpPr>
+              <p:cNvPr id="25" name="TextBox 24"/>
+              <p:cNvSpPr txBox="1"/>
+              <p:nvPr/>
+            </p:nvSpPr>
+            <p:spPr>
+              <a:xfrm>
+                <a:off x="5129736" y="6519445"/>
+                <a:ext cx="1944522" cy="430887"/>
+              </a:xfrm>
+              <a:prstGeom prst="rect">
+                <a:avLst/>
+              </a:prstGeom>
+              <a:noFill/>
+            </p:spPr>
+            <p:txBody>
+              <a:bodyPr wrap="square" rtlCol="0">
+                <a:spAutoFit/>
+              </a:bodyPr>
+              <a:lstStyle/>
+              <a:p>
+                <a:pPr algn="ctr"/>
+                <a:r>
+                  <a:rPr lang="en-US" sz="1100" dirty="0" smtClean="0">
+                    <a:latin typeface="Segoe UI" panose="020B0502040204020203" pitchFamily="34" charset="0"/>
+                    <a:cs typeface="Segoe UI" panose="020B0502040204020203" pitchFamily="34" charset="0"/>
+                  </a:rPr>
+                  <a:t>Cloud API (Facebook Graph API, Twitter API, …)</a:t>
+                </a:r>
+                <a:endParaRPr lang="en-US" sz="1100" dirty="0">
+                  <a:latin typeface="Segoe UI" panose="020B0502040204020203" pitchFamily="34" charset="0"/>
+                  <a:cs typeface="Segoe UI" panose="020B0502040204020203" pitchFamily="34" charset="0"/>
+                </a:endParaRPr>
+              </a:p>
+            </p:txBody>
+          </p:sp>
+        </p:grpSp>
+        <p:grpSp>
+          <p:nvGrpSpPr>
+            <p:cNvPr id="20" name="Group 19"/>
+            <p:cNvGrpSpPr/>
+            <p:nvPr/>
+          </p:nvGrpSpPr>
+          <p:grpSpPr>
+            <a:xfrm>
+              <a:off x="6308363" y="5463463"/>
+              <a:ext cx="1853927" cy="1157193"/>
+              <a:chOff x="7737615" y="5498103"/>
+              <a:chExt cx="1853927" cy="1157193"/>
+            </a:xfrm>
+          </p:grpSpPr>
+          <p:pic>
+            <p:nvPicPr>
+              <p:cNvPr id="22" name="Picture 2" descr="https://cdn4.iconfinder.com/data/icons/refresh_cl/256/System/Memory.png"/>
+              <p:cNvPicPr>
+                <a:picLocks noChangeAspect="1" noChangeArrowheads="1"/>
+              </p:cNvPicPr>
+              <p:nvPr/>
+            </p:nvPicPr>
+            <p:blipFill>
+              <a:blip r:embed="rId6" cstate="print">
+                <a:duotone>
+                  <a:schemeClr val="accent3">
+                    <a:shade val="45000"/>
+                    <a:satMod val="135000"/>
+                  </a:schemeClr>
+                  <a:prstClr val="white"/>
+                </a:duotone>
+                <a:extLst>
+                  <a:ext uri="{28A0092B-C50C-407E-A947-70E740481C1C}">
+                    <a14:useLocalDpi xmlns:a14="http://schemas.microsoft.com/office/drawing/2010/main" val="0"/>
+                  </a:ext>
+                </a:extLst>
+              </a:blip>
+              <a:srcRect/>
+              <a:stretch>
+                <a:fillRect/>
+              </a:stretch>
+            </p:blipFill>
+            <p:spPr bwMode="auto">
+              <a:xfrm>
+                <a:off x="8180603" y="5498103"/>
+                <a:ext cx="967950" cy="967950"/>
+              </a:xfrm>
+              <a:prstGeom prst="rect">
+                <a:avLst/>
+              </a:prstGeom>
+              <a:noFill/>
+              <a:extLst>
+                <a:ext uri="{909E8E84-426E-40DD-AFC4-6F175D3DCCD1}">
+                  <a14:hiddenFill xmlns:a14="http://schemas.microsoft.com/office/drawing/2010/main">
+                    <a:solidFill>
+                      <a:srgbClr val="FFFFFF"/>
+                    </a:solidFill>
+                  </a14:hiddenFill>
+                </a:ext>
+              </a:extLst>
+            </p:spPr>
+          </p:pic>
+          <p:sp>
+            <p:nvSpPr>
+              <p:cNvPr id="23" name="TextBox 22"/>
+              <p:cNvSpPr txBox="1"/>
+              <p:nvPr/>
+            </p:nvSpPr>
+            <p:spPr>
+              <a:xfrm>
+                <a:off x="7737615" y="6224409"/>
+                <a:ext cx="1853927" cy="430887"/>
+              </a:xfrm>
+              <a:prstGeom prst="rect">
+                <a:avLst/>
+              </a:prstGeom>
+              <a:noFill/>
+            </p:spPr>
+            <p:txBody>
+              <a:bodyPr wrap="square" rtlCol="0">
+                <a:spAutoFit/>
+              </a:bodyPr>
+              <a:lstStyle/>
+              <a:p>
+                <a:pPr algn="ctr"/>
+                <a:r>
+                  <a:rPr lang="en-US" sz="1100" dirty="0" smtClean="0">
+                    <a:latin typeface="Segoe UI" panose="020B0502040204020203" pitchFamily="34" charset="0"/>
+                    <a:cs typeface="Segoe UI" panose="020B0502040204020203" pitchFamily="34" charset="0"/>
+                  </a:rPr>
+                  <a:t>Cache </a:t>
+                </a:r>
+                <a:r>
+                  <a:rPr lang="en-US" sz="1100" dirty="0" smtClean="0">
+                    <a:latin typeface="Segoe UI" panose="020B0502040204020203" pitchFamily="34" charset="0"/>
+                    <a:cs typeface="Segoe UI" panose="020B0502040204020203" pitchFamily="34" charset="0"/>
+                  </a:rPr>
+                  <a:t>(</a:t>
+                </a:r>
+                <a:r>
+                  <a:rPr lang="en-US" sz="1100" dirty="0" err="1" smtClean="0">
+                    <a:latin typeface="Segoe UI" panose="020B0502040204020203" pitchFamily="34" charset="0"/>
+                    <a:cs typeface="Segoe UI" panose="020B0502040204020203" pitchFamily="34" charset="0"/>
+                  </a:rPr>
+                  <a:t>Redis</a:t>
+                </a:r>
+                <a:r>
+                  <a:rPr lang="en-US" sz="1100" dirty="0" smtClean="0">
+                    <a:latin typeface="Segoe UI" panose="020B0502040204020203" pitchFamily="34" charset="0"/>
+                    <a:cs typeface="Segoe UI" panose="020B0502040204020203" pitchFamily="34" charset="0"/>
+                  </a:rPr>
+                  <a:t>, </a:t>
+                </a:r>
+                <a:r>
+                  <a:rPr lang="en-US" sz="1100" dirty="0" err="1" smtClean="0">
+                    <a:latin typeface="Segoe UI" panose="020B0502040204020203" pitchFamily="34" charset="0"/>
+                    <a:cs typeface="Segoe UI" panose="020B0502040204020203" pitchFamily="34" charset="0"/>
+                  </a:rPr>
+                  <a:t>MemcacheDB</a:t>
+                </a:r>
+                <a:r>
+                  <a:rPr lang="en-US" sz="1100" dirty="0" smtClean="0">
+                    <a:latin typeface="Segoe UI" panose="020B0502040204020203" pitchFamily="34" charset="0"/>
+                    <a:cs typeface="Segoe UI" panose="020B0502040204020203" pitchFamily="34" charset="0"/>
+                  </a:rPr>
+                  <a:t>, …)</a:t>
+                </a:r>
+                <a:endParaRPr lang="en-US" sz="1100" dirty="0">
+                  <a:latin typeface="Segoe UI" panose="020B0502040204020203" pitchFamily="34" charset="0"/>
+                  <a:cs typeface="Segoe UI" panose="020B0502040204020203" pitchFamily="34" charset="0"/>
+                </a:endParaRPr>
+              </a:p>
+            </p:txBody>
+          </p:sp>
+        </p:grpSp>
+        <p:sp>
+          <p:nvSpPr>
+            <p:cNvPr id="21" name="Rounded Rectangle 20"/>
+            <p:cNvSpPr/>
+            <p:nvPr/>
+          </p:nvSpPr>
+          <p:spPr>
+            <a:xfrm>
+              <a:off x="1190638" y="5605009"/>
+              <a:ext cx="6752482" cy="1053176"/>
+            </a:xfrm>
+            <a:prstGeom prst="roundRect">
+              <a:avLst/>
+            </a:prstGeom>
+            <a:noFill/>
+            <a:ln>
+              <a:prstDash val="dash"/>
+            </a:ln>
+          </p:spPr>
+          <p:style>
+            <a:lnRef idx="2">
+              <a:schemeClr val="accent6"/>
+            </a:lnRef>
+            <a:fillRef idx="1">
+              <a:schemeClr val="lt1"/>
+            </a:fillRef>
+            <a:effectRef idx="0">
+              <a:schemeClr val="accent6"/>
+            </a:effectRef>
+            <a:fontRef idx="minor">
+              <a:schemeClr val="dk1"/>
+            </a:fontRef>
+          </p:style>
+          <p:txBody>
+            <a:bodyPr rtlCol="0" anchor="ctr"/>
+            <a:lstStyle/>
+            <a:p>
+              <a:pPr algn="ctr"/>
+              <a:endParaRPr lang="en-US" sz="1100">
+                <a:latin typeface="Segoe UI" panose="020B0502040204020203" pitchFamily="34" charset="0"/>
+                <a:cs typeface="Segoe UI" panose="020B0502040204020203" pitchFamily="34" charset="0"/>
+              </a:endParaRPr>
+            </a:p>
+          </p:txBody>
+        </p:sp>
+      </p:grpSp>
+      <p:sp>
+        <p:nvSpPr>
+          <p:cNvPr id="36" name="Rounded Rectangle 35"/>
+          <p:cNvSpPr/>
+          <p:nvPr/>
+        </p:nvSpPr>
+        <p:spPr>
+          <a:xfrm>
+            <a:off x="835572" y="1952624"/>
+            <a:ext cx="10421008" cy="4873843"/>
+          </a:xfrm>
+          <a:prstGeom prst="roundRect">
+            <a:avLst>
+              <a:gd name="adj" fmla="val 3395"/>
+            </a:avLst>
+          </a:prstGeom>
+          <a:noFill/>
+          <a:ln>
+            <a:prstDash val="dash"/>
+          </a:ln>
+        </p:spPr>
+        <p:style>
+          <a:lnRef idx="2">
+            <a:schemeClr val="accent1">
+              <a:shade val="50000"/>
+            </a:schemeClr>
+          </a:lnRef>
+          <a:fillRef idx="1">
+            <a:schemeClr val="accent1"/>
+          </a:fillRef>
+          <a:effectRef idx="0">
+            <a:schemeClr val="accent1"/>
+          </a:effectRef>
+          <a:fontRef idx="minor">
+            <a:schemeClr val="lt1"/>
+          </a:fontRef>
+        </p:style>
+        <p:txBody>
+          <a:bodyPr rtlCol="0" anchor="ctr"/>
+          <a:lstStyle/>
+          <a:p>
+            <a:pPr algn="ctr"/>
+            <a:endParaRPr lang="en-US"/>
+          </a:p>
+        </p:txBody>
+      </p:sp>
+      <p:sp>
+        <p:nvSpPr>
+          <p:cNvPr id="37" name="Rounded Rectangle 36"/>
+          <p:cNvSpPr/>
+          <p:nvPr/>
+        </p:nvSpPr>
+        <p:spPr>
+          <a:xfrm>
+            <a:off x="835572" y="72639"/>
+            <a:ext cx="10421008" cy="1788918"/>
+          </a:xfrm>
+          <a:prstGeom prst="roundRect">
+            <a:avLst>
+              <a:gd name="adj" fmla="val 3395"/>
+            </a:avLst>
+          </a:prstGeom>
+          <a:noFill/>
+          <a:ln>
+            <a:prstDash val="dash"/>
+          </a:ln>
+        </p:spPr>
+        <p:style>
+          <a:lnRef idx="2">
+            <a:schemeClr val="accent1">
+              <a:shade val="50000"/>
+            </a:schemeClr>
+          </a:lnRef>
+          <a:fillRef idx="1">
+            <a:schemeClr val="accent1"/>
+          </a:fillRef>
+          <a:effectRef idx="0">
+            <a:schemeClr val="accent1"/>
+          </a:effectRef>
+          <a:fontRef idx="minor">
+            <a:schemeClr val="lt1"/>
+          </a:fontRef>
+        </p:style>
+        <p:txBody>
+          <a:bodyPr rtlCol="0" anchor="ctr"/>
+          <a:lstStyle/>
+          <a:p>
+            <a:pPr algn="ctr"/>
+            <a:endParaRPr lang="en-US"/>
+          </a:p>
+        </p:txBody>
+      </p:sp>
+      <p:sp>
+        <p:nvSpPr>
+          <p:cNvPr id="41" name="TextBox 40"/>
+          <p:cNvSpPr txBox="1"/>
+          <p:nvPr/>
+        </p:nvSpPr>
+        <p:spPr>
+          <a:xfrm>
+            <a:off x="835572" y="47236"/>
+            <a:ext cx="1095942" cy="338554"/>
+          </a:xfrm>
+          <a:prstGeom prst="rect">
+            <a:avLst/>
+          </a:prstGeom>
+          <a:noFill/>
+        </p:spPr>
+        <p:txBody>
+          <a:bodyPr wrap="square" rtlCol="0">
+            <a:spAutoFit/>
+          </a:bodyPr>
+          <a:lstStyle/>
+          <a:p>
+            <a:r>
+              <a:rPr lang="en-US" sz="1600" dirty="0" smtClean="0"/>
+              <a:t>Client</a:t>
+            </a:r>
+            <a:endParaRPr lang="en-US" sz="1600" dirty="0"/>
+          </a:p>
+        </p:txBody>
+      </p:sp>
+      <p:sp>
+        <p:nvSpPr>
+          <p:cNvPr id="43" name="Rounded Rectangle 42"/>
+          <p:cNvSpPr/>
+          <p:nvPr/>
+        </p:nvSpPr>
+        <p:spPr>
+          <a:xfrm>
+            <a:off x="2631078" y="2088575"/>
+            <a:ext cx="4094129" cy="643683"/>
+          </a:xfrm>
+          <a:prstGeom prst="roundRect">
+            <a:avLst>
+              <a:gd name="adj" fmla="val 24844"/>
+            </a:avLst>
+          </a:prstGeom>
+          <a:effectLst>
+            <a:glow>
+              <a:schemeClr val="accent1"/>
+            </a:glow>
+          </a:effectLst>
+        </p:spPr>
+        <p:style>
+          <a:lnRef idx="1">
+            <a:schemeClr val="accent3"/>
+          </a:lnRef>
+          <a:fillRef idx="2">
+            <a:schemeClr val="accent3"/>
+          </a:fillRef>
+          <a:effectRef idx="1">
+            <a:schemeClr val="accent3"/>
+          </a:effectRef>
+          <a:fontRef idx="minor">
+            <a:schemeClr val="dk1"/>
+          </a:fontRef>
+        </p:style>
+        <p:txBody>
+          <a:bodyPr rtlCol="0" anchor="ctr"/>
+          <a:lstStyle/>
+          <a:p>
+            <a:pPr algn="ctr"/>
+            <a:r>
+              <a:rPr lang="en-US" sz="1600" dirty="0" smtClean="0">
+                <a:latin typeface="Segoe UI" panose="020B0502040204020203" pitchFamily="34" charset="0"/>
+                <a:cs typeface="Segoe UI" panose="020B0502040204020203" pitchFamily="34" charset="0"/>
+              </a:rPr>
+              <a:t>Web </a:t>
+            </a:r>
+            <a:r>
+              <a:rPr lang="en-US" sz="1600" dirty="0" smtClean="0">
+                <a:latin typeface="Segoe UI" panose="020B0502040204020203" pitchFamily="34" charset="0"/>
+                <a:cs typeface="Segoe UI" panose="020B0502040204020203" pitchFamily="34" charset="0"/>
+              </a:rPr>
+              <a:t>(MVC, Web API, </a:t>
+            </a:r>
+            <a:r>
+              <a:rPr lang="en-US" sz="1600" dirty="0" smtClean="0">
+                <a:latin typeface="Segoe UI" panose="020B0502040204020203" pitchFamily="34" charset="0"/>
+                <a:cs typeface="Segoe UI" panose="020B0502040204020203" pitchFamily="34" charset="0"/>
+              </a:rPr>
+              <a:t>…)</a:t>
+            </a:r>
+            <a:endParaRPr lang="en-US" sz="1600" dirty="0">
+              <a:latin typeface="Segoe UI" panose="020B0502040204020203" pitchFamily="34" charset="0"/>
+              <a:cs typeface="Segoe UI" panose="020B0502040204020203" pitchFamily="34" charset="0"/>
+            </a:endParaRPr>
+          </a:p>
+        </p:txBody>
+      </p:sp>
+      <p:sp>
+        <p:nvSpPr>
+          <p:cNvPr id="44" name="Rounded Rectangle 43"/>
+          <p:cNvSpPr/>
+          <p:nvPr/>
+        </p:nvSpPr>
+        <p:spPr>
+          <a:xfrm>
+            <a:off x="6858000" y="2085079"/>
+            <a:ext cx="1905000" cy="643683"/>
+          </a:xfrm>
+          <a:prstGeom prst="roundRect">
+            <a:avLst/>
+          </a:prstGeom>
+        </p:spPr>
+        <p:style>
+          <a:lnRef idx="1">
+            <a:schemeClr val="accent3"/>
+          </a:lnRef>
+          <a:fillRef idx="2">
+            <a:schemeClr val="accent3"/>
+          </a:fillRef>
+          <a:effectRef idx="1">
+            <a:schemeClr val="accent3"/>
+          </a:effectRef>
+          <a:fontRef idx="minor">
+            <a:schemeClr val="dk1"/>
+          </a:fontRef>
+        </p:style>
+        <p:txBody>
+          <a:bodyPr rtlCol="0" anchor="ctr"/>
+          <a:lstStyle/>
+          <a:p>
+            <a:pPr algn="ctr"/>
+            <a:r>
+              <a:rPr lang="en-US" sz="1600" dirty="0" smtClean="0">
+                <a:latin typeface="Segoe UI" panose="020B0502040204020203" pitchFamily="34" charset="0"/>
+                <a:cs typeface="Segoe UI" panose="020B0502040204020203" pitchFamily="34" charset="0"/>
+              </a:rPr>
+              <a:t>Window Form</a:t>
+            </a:r>
+            <a:endParaRPr lang="en-US" sz="1600" dirty="0">
+              <a:latin typeface="Segoe UI" panose="020B0502040204020203" pitchFamily="34" charset="0"/>
+              <a:cs typeface="Segoe UI" panose="020B0502040204020203" pitchFamily="34" charset="0"/>
+            </a:endParaRPr>
+          </a:p>
+        </p:txBody>
+      </p:sp>
+      <p:grpSp>
+        <p:nvGrpSpPr>
+          <p:cNvPr id="55" name="Group 54"/>
+          <p:cNvGrpSpPr/>
+          <p:nvPr/>
+        </p:nvGrpSpPr>
+        <p:grpSpPr>
+          <a:xfrm>
+            <a:off x="8860427" y="2064738"/>
+            <a:ext cx="1962808" cy="3457030"/>
+            <a:chOff x="8860427" y="2064738"/>
+            <a:chExt cx="1962808" cy="3457030"/>
+          </a:xfrm>
+        </p:grpSpPr>
+        <p:grpSp>
+          <p:nvGrpSpPr>
+            <p:cNvPr id="5" name="Group 4"/>
+            <p:cNvGrpSpPr/>
+            <p:nvPr/>
+          </p:nvGrpSpPr>
+          <p:grpSpPr>
+            <a:xfrm>
+              <a:off x="8860427" y="2064738"/>
+              <a:ext cx="1962808" cy="3457030"/>
+              <a:chOff x="1237592" y="1379455"/>
+              <a:chExt cx="1805153" cy="3523621"/>
+            </a:xfrm>
+          </p:grpSpPr>
+          <p:grpSp>
+            <p:nvGrpSpPr>
+              <p:cNvPr id="6" name="Group 5"/>
+              <p:cNvGrpSpPr/>
+              <p:nvPr/>
+            </p:nvGrpSpPr>
+            <p:grpSpPr>
+              <a:xfrm>
+                <a:off x="1237592" y="1379455"/>
+                <a:ext cx="1805153" cy="3523621"/>
+                <a:chOff x="3026979" y="1939159"/>
+                <a:chExt cx="1749973" cy="3594538"/>
+              </a:xfrm>
+            </p:grpSpPr>
+            <p:sp>
+              <p:nvSpPr>
+                <p:cNvPr id="11" name="Rounded Rectangle 10"/>
+                <p:cNvSpPr/>
+                <p:nvPr/>
+              </p:nvSpPr>
+              <p:spPr>
+                <a:xfrm>
+                  <a:off x="3058510" y="1939159"/>
+                  <a:ext cx="1718442" cy="3594538"/>
+                </a:xfrm>
+                <a:prstGeom prst="roundRect">
+                  <a:avLst>
+                    <a:gd name="adj" fmla="val 9305"/>
+                  </a:avLst>
+                </a:prstGeom>
+              </p:spPr>
+              <p:style>
+                <a:lnRef idx="1">
+                  <a:schemeClr val="accent3"/>
+                </a:lnRef>
+                <a:fillRef idx="2">
+                  <a:schemeClr val="accent3"/>
+                </a:fillRef>
+                <a:effectRef idx="1">
+                  <a:schemeClr val="accent3"/>
+                </a:effectRef>
+                <a:fontRef idx="minor">
+                  <a:schemeClr val="dk1"/>
+                </a:fontRef>
+              </p:style>
+              <p:txBody>
+                <a:bodyPr rtlCol="0" anchor="ctr"/>
+                <a:lstStyle/>
+                <a:p>
+                  <a:pPr algn="ctr"/>
+                  <a:endParaRPr lang="en-US" sz="1600" dirty="0">
+                    <a:latin typeface="Segoe UI" panose="020B0502040204020203" pitchFamily="34" charset="0"/>
+                    <a:cs typeface="Segoe UI" panose="020B0502040204020203" pitchFamily="34" charset="0"/>
+                  </a:endParaRPr>
+                </a:p>
+              </p:txBody>
+            </p:sp>
+            <p:sp>
+              <p:nvSpPr>
+                <p:cNvPr id="12" name="TextBox 11"/>
+                <p:cNvSpPr txBox="1"/>
+                <p:nvPr/>
+              </p:nvSpPr>
+              <p:spPr>
+                <a:xfrm>
+                  <a:off x="3026979" y="1953650"/>
+                  <a:ext cx="1749973" cy="523095"/>
+                </a:xfrm>
+                <a:prstGeom prst="rect">
+                  <a:avLst/>
+                </a:prstGeom>
+                <a:noFill/>
+              </p:spPr>
+              <p:txBody>
+                <a:bodyPr wrap="square" rtlCol="0">
+                  <a:spAutoFit/>
+                </a:bodyPr>
+                <a:lstStyle/>
+                <a:p>
+                  <a:pPr algn="ctr"/>
+                  <a:r>
+                    <a:rPr lang="en-US" sz="1600" dirty="0">
+                      <a:latin typeface="Segoe UI" panose="020B0502040204020203" pitchFamily="34" charset="0"/>
+                      <a:cs typeface="Segoe UI" panose="020B0502040204020203" pitchFamily="34" charset="0"/>
+                    </a:rPr>
+                    <a:t>Cross-cutting </a:t>
+                  </a:r>
+                  <a:r>
+                    <a:rPr lang="en-US" sz="1600" dirty="0" smtClean="0">
+                      <a:latin typeface="Segoe UI" panose="020B0502040204020203" pitchFamily="34" charset="0"/>
+                      <a:cs typeface="Segoe UI" panose="020B0502040204020203" pitchFamily="34" charset="0"/>
+                    </a:rPr>
+                    <a:t>Infrastructure</a:t>
+                  </a:r>
+                  <a:endParaRPr lang="en-US" sz="1600" dirty="0">
+                    <a:latin typeface="Segoe UI" panose="020B0502040204020203" pitchFamily="34" charset="0"/>
+                    <a:cs typeface="Segoe UI" panose="020B0502040204020203" pitchFamily="34" charset="0"/>
+                  </a:endParaRPr>
+                </a:p>
+              </p:txBody>
+            </p:sp>
+          </p:grpSp>
+          <p:sp>
+            <p:nvSpPr>
+              <p:cNvPr id="7" name="Rounded Rectangle 6"/>
+              <p:cNvSpPr/>
+              <p:nvPr/>
+            </p:nvSpPr>
+            <p:spPr>
+              <a:xfrm>
+                <a:off x="1383424" y="3143247"/>
+                <a:ext cx="1548962" cy="504441"/>
+              </a:xfrm>
+              <a:prstGeom prst="roundRect">
+                <a:avLst/>
+              </a:prstGeom>
+            </p:spPr>
+            <p:style>
+              <a:lnRef idx="1">
+                <a:schemeClr val="accent3"/>
+              </a:lnRef>
+              <a:fillRef idx="2">
+                <a:schemeClr val="accent3"/>
+              </a:fillRef>
+              <a:effectRef idx="1">
+                <a:schemeClr val="accent3"/>
+              </a:effectRef>
+              <a:fontRef idx="minor">
+                <a:schemeClr val="dk1"/>
+              </a:fontRef>
+            </p:style>
+            <p:txBody>
+              <a:bodyPr rtlCol="0" anchor="ctr"/>
+              <a:lstStyle/>
+              <a:p>
+                <a:pPr algn="ctr"/>
+                <a:r>
+                  <a:rPr lang="en-US" sz="1600" dirty="0" smtClean="0">
+                    <a:latin typeface="Segoe UI" panose="020B0502040204020203" pitchFamily="34" charset="0"/>
+                    <a:cs typeface="Segoe UI" panose="020B0502040204020203" pitchFamily="34" charset="0"/>
+                  </a:rPr>
+                  <a:t>Logging</a:t>
+                </a:r>
+                <a:endParaRPr lang="en-US" sz="1600" dirty="0">
+                  <a:latin typeface="Segoe UI" panose="020B0502040204020203" pitchFamily="34" charset="0"/>
+                  <a:cs typeface="Segoe UI" panose="020B0502040204020203" pitchFamily="34" charset="0"/>
+                </a:endParaRPr>
+              </a:p>
+            </p:txBody>
+          </p:sp>
+          <p:sp>
+            <p:nvSpPr>
+              <p:cNvPr id="8" name="Rounded Rectangle 7"/>
+              <p:cNvSpPr/>
+              <p:nvPr/>
+            </p:nvSpPr>
+            <p:spPr>
+              <a:xfrm>
+                <a:off x="1403129" y="3698939"/>
+                <a:ext cx="1529257" cy="500540"/>
+              </a:xfrm>
+              <a:prstGeom prst="roundRect">
+                <a:avLst/>
+              </a:prstGeom>
+            </p:spPr>
+            <p:style>
+              <a:lnRef idx="1">
+                <a:schemeClr val="accent3"/>
+              </a:lnRef>
+              <a:fillRef idx="2">
+                <a:schemeClr val="accent3"/>
+              </a:fillRef>
+              <a:effectRef idx="1">
+                <a:schemeClr val="accent3"/>
+              </a:effectRef>
+              <a:fontRef idx="minor">
+                <a:schemeClr val="dk1"/>
+              </a:fontRef>
+            </p:style>
+            <p:txBody>
+              <a:bodyPr rtlCol="0" anchor="ctr"/>
+              <a:lstStyle/>
+              <a:p>
+                <a:pPr algn="ctr"/>
+                <a:r>
+                  <a:rPr lang="en-US" sz="1600" dirty="0" smtClean="0">
+                    <a:latin typeface="Segoe UI" panose="020B0502040204020203" pitchFamily="34" charset="0"/>
+                    <a:cs typeface="Segoe UI" panose="020B0502040204020203" pitchFamily="34" charset="0"/>
+                  </a:rPr>
+                  <a:t>Utilities</a:t>
+                </a:r>
+                <a:endParaRPr lang="en-US" sz="1600" dirty="0">
+                  <a:latin typeface="Segoe UI" panose="020B0502040204020203" pitchFamily="34" charset="0"/>
+                  <a:cs typeface="Segoe UI" panose="020B0502040204020203" pitchFamily="34" charset="0"/>
+                </a:endParaRPr>
+              </a:p>
+            </p:txBody>
+          </p:sp>
+          <p:sp>
+            <p:nvSpPr>
+              <p:cNvPr id="9" name="Rounded Rectangle 8"/>
+              <p:cNvSpPr/>
+              <p:nvPr/>
+            </p:nvSpPr>
+            <p:spPr>
+              <a:xfrm>
+                <a:off x="1383424" y="2583654"/>
+                <a:ext cx="1548962" cy="504441"/>
+              </a:xfrm>
+              <a:prstGeom prst="roundRect">
+                <a:avLst/>
+              </a:prstGeom>
+            </p:spPr>
+            <p:style>
+              <a:lnRef idx="1">
+                <a:schemeClr val="accent3"/>
+              </a:lnRef>
+              <a:fillRef idx="2">
+                <a:schemeClr val="accent3"/>
+              </a:fillRef>
+              <a:effectRef idx="1">
+                <a:schemeClr val="accent3"/>
+              </a:effectRef>
+              <a:fontRef idx="minor">
+                <a:schemeClr val="dk1"/>
+              </a:fontRef>
+            </p:style>
+            <p:txBody>
+              <a:bodyPr rtlCol="0" anchor="ctr"/>
+              <a:lstStyle/>
+              <a:p>
+                <a:pPr algn="ctr"/>
+                <a:r>
+                  <a:rPr lang="en-US" sz="1600" dirty="0" smtClean="0">
+                    <a:latin typeface="Segoe UI" panose="020B0502040204020203" pitchFamily="34" charset="0"/>
+                    <a:cs typeface="Segoe UI" panose="020B0502040204020203" pitchFamily="34" charset="0"/>
+                  </a:rPr>
+                  <a:t>Adapter</a:t>
+                </a:r>
+                <a:endParaRPr lang="en-US" sz="1600" dirty="0">
+                  <a:latin typeface="Segoe UI" panose="020B0502040204020203" pitchFamily="34" charset="0"/>
+                  <a:cs typeface="Segoe UI" panose="020B0502040204020203" pitchFamily="34" charset="0"/>
+                </a:endParaRPr>
+              </a:p>
+            </p:txBody>
+          </p:sp>
+          <p:sp>
+            <p:nvSpPr>
+              <p:cNvPr id="10" name="Rounded Rectangle 9"/>
+              <p:cNvSpPr/>
+              <p:nvPr/>
+            </p:nvSpPr>
+            <p:spPr>
+              <a:xfrm>
+                <a:off x="1403129" y="4258532"/>
+                <a:ext cx="1529257" cy="500540"/>
+              </a:xfrm>
+              <a:prstGeom prst="roundRect">
+                <a:avLst/>
+              </a:prstGeom>
+            </p:spPr>
+            <p:style>
+              <a:lnRef idx="1">
+                <a:schemeClr val="accent3"/>
+              </a:lnRef>
+              <a:fillRef idx="2">
+                <a:schemeClr val="accent3"/>
+              </a:fillRef>
+              <a:effectRef idx="1">
+                <a:schemeClr val="accent3"/>
+              </a:effectRef>
+              <a:fontRef idx="minor">
+                <a:schemeClr val="dk1"/>
+              </a:fontRef>
+            </p:style>
+            <p:txBody>
+              <a:bodyPr rtlCol="0" anchor="ctr"/>
+              <a:lstStyle/>
+              <a:p>
+                <a:pPr algn="ctr"/>
+                <a:r>
+                  <a:rPr lang="en-US" sz="1600" dirty="0" smtClean="0">
+                    <a:latin typeface="Segoe UI" panose="020B0502040204020203" pitchFamily="34" charset="0"/>
+                    <a:cs typeface="Segoe UI" panose="020B0502040204020203" pitchFamily="34" charset="0"/>
+                  </a:rPr>
+                  <a:t>Other Common Blocks</a:t>
+                </a:r>
+                <a:endParaRPr lang="en-US" sz="1600" dirty="0">
+                  <a:latin typeface="Segoe UI" panose="020B0502040204020203" pitchFamily="34" charset="0"/>
+                  <a:cs typeface="Segoe UI" panose="020B0502040204020203" pitchFamily="34" charset="0"/>
+                </a:endParaRPr>
+              </a:p>
+            </p:txBody>
+          </p:sp>
+        </p:grpSp>
+        <p:sp>
+          <p:nvSpPr>
+            <p:cNvPr id="48" name="Rounded Rectangle 47"/>
+            <p:cNvSpPr/>
+            <p:nvPr/>
+          </p:nvSpPr>
+          <p:spPr>
+            <a:xfrm>
+              <a:off x="9018995" y="2700989"/>
+              <a:ext cx="1684242" cy="494908"/>
+            </a:xfrm>
+            <a:prstGeom prst="roundRect">
+              <a:avLst/>
+            </a:prstGeom>
+          </p:spPr>
+          <p:style>
+            <a:lnRef idx="1">
+              <a:schemeClr val="accent3"/>
+            </a:lnRef>
+            <a:fillRef idx="2">
+              <a:schemeClr val="accent3"/>
+            </a:fillRef>
+            <a:effectRef idx="1">
+              <a:schemeClr val="accent3"/>
+            </a:effectRef>
+            <a:fontRef idx="minor">
+              <a:schemeClr val="dk1"/>
+            </a:fontRef>
+          </p:style>
+          <p:txBody>
+            <a:bodyPr rtlCol="0" anchor="ctr"/>
+            <a:lstStyle/>
+            <a:p>
+              <a:pPr algn="ctr"/>
+              <a:r>
+                <a:rPr lang="en-US" sz="1600" smtClean="0">
+                  <a:latin typeface="Segoe UI" panose="020B0502040204020203" pitchFamily="34" charset="0"/>
+                  <a:cs typeface="Segoe UI" panose="020B0502040204020203" pitchFamily="34" charset="0"/>
+                </a:rPr>
+                <a:t>IoC</a:t>
+              </a:r>
+              <a:endParaRPr lang="en-US" sz="1600" dirty="0">
+                <a:latin typeface="Segoe UI" panose="020B0502040204020203" pitchFamily="34" charset="0"/>
+                <a:cs typeface="Segoe UI" panose="020B0502040204020203" pitchFamily="34" charset="0"/>
+              </a:endParaRPr>
+            </a:p>
+          </p:txBody>
+        </p:sp>
+      </p:grpSp>
+      <p:grpSp>
+        <p:nvGrpSpPr>
+          <p:cNvPr id="54" name="Group 53"/>
+          <p:cNvGrpSpPr/>
+          <p:nvPr/>
+        </p:nvGrpSpPr>
+        <p:grpSpPr>
+          <a:xfrm>
+            <a:off x="1074089" y="2085078"/>
+            <a:ext cx="1402602" cy="3416351"/>
+            <a:chOff x="737959" y="2071951"/>
+            <a:chExt cx="1402602" cy="3457030"/>
+          </a:xfrm>
+        </p:grpSpPr>
+        <p:grpSp>
+          <p:nvGrpSpPr>
+            <p:cNvPr id="53" name="Group 52"/>
+            <p:cNvGrpSpPr/>
+            <p:nvPr/>
+          </p:nvGrpSpPr>
+          <p:grpSpPr>
+            <a:xfrm>
+              <a:off x="737959" y="2071951"/>
+              <a:ext cx="1402602" cy="3457030"/>
+              <a:chOff x="728449" y="2020688"/>
+              <a:chExt cx="1402602" cy="3457030"/>
+            </a:xfrm>
+          </p:grpSpPr>
+          <p:sp>
+            <p:nvSpPr>
+              <p:cNvPr id="15" name="Rounded Rectangle 14"/>
+              <p:cNvSpPr/>
+              <p:nvPr/>
+            </p:nvSpPr>
+            <p:spPr>
+              <a:xfrm>
+                <a:off x="728449" y="2020688"/>
+                <a:ext cx="1402602" cy="3457030"/>
+              </a:xfrm>
+              <a:prstGeom prst="roundRect">
+                <a:avLst/>
+              </a:prstGeom>
+            </p:spPr>
+            <p:style>
+              <a:lnRef idx="1">
+                <a:schemeClr val="accent3"/>
+              </a:lnRef>
+              <a:fillRef idx="2">
+                <a:schemeClr val="accent3"/>
+              </a:fillRef>
+              <a:effectRef idx="1">
+                <a:schemeClr val="accent3"/>
+              </a:effectRef>
+              <a:fontRef idx="minor">
+                <a:schemeClr val="dk1"/>
+              </a:fontRef>
+            </p:style>
+            <p:txBody>
+              <a:bodyPr rtlCol="0" anchor="ctr"/>
+              <a:lstStyle/>
+              <a:p>
+                <a:pPr algn="ctr"/>
+                <a:endParaRPr lang="en-US" sz="1600" dirty="0">
+                  <a:latin typeface="Segoe UI" panose="020B0502040204020203" pitchFamily="34" charset="0"/>
+                  <a:cs typeface="Segoe UI" panose="020B0502040204020203" pitchFamily="34" charset="0"/>
+                </a:endParaRPr>
+              </a:p>
+            </p:txBody>
+          </p:sp>
+          <p:sp>
+            <p:nvSpPr>
+              <p:cNvPr id="49" name="TextBox 48"/>
+              <p:cNvSpPr txBox="1"/>
+              <p:nvPr/>
+            </p:nvSpPr>
+            <p:spPr>
+              <a:xfrm>
+                <a:off x="800599" y="2103399"/>
+                <a:ext cx="1279683" cy="338554"/>
+              </a:xfrm>
+              <a:prstGeom prst="rect">
+                <a:avLst/>
+              </a:prstGeom>
+              <a:noFill/>
+            </p:spPr>
+            <p:txBody>
+              <a:bodyPr wrap="square" rtlCol="0">
+                <a:spAutoFit/>
+              </a:bodyPr>
+              <a:lstStyle/>
+              <a:p>
+                <a:pPr algn="ctr"/>
+                <a:r>
+                  <a:rPr lang="en-US" sz="1600" dirty="0" smtClean="0"/>
+                  <a:t>Share Types</a:t>
+                </a:r>
+                <a:endParaRPr lang="en-US" sz="1600" dirty="0"/>
+              </a:p>
+            </p:txBody>
+          </p:sp>
+        </p:grpSp>
+        <p:sp>
+          <p:nvSpPr>
+            <p:cNvPr id="51" name="Rounded Rectangle 50"/>
+            <p:cNvSpPr/>
+            <p:nvPr/>
+          </p:nvSpPr>
+          <p:spPr>
+            <a:xfrm>
+              <a:off x="812976" y="4865245"/>
+              <a:ext cx="1252568" cy="494908"/>
+            </a:xfrm>
+            <a:prstGeom prst="roundRect">
+              <a:avLst/>
+            </a:prstGeom>
+          </p:spPr>
+          <p:style>
+            <a:lnRef idx="1">
+              <a:schemeClr val="accent3"/>
+            </a:lnRef>
+            <a:fillRef idx="2">
+              <a:schemeClr val="accent3"/>
+            </a:fillRef>
+            <a:effectRef idx="1">
+              <a:schemeClr val="accent3"/>
+            </a:effectRef>
+            <a:fontRef idx="minor">
+              <a:schemeClr val="dk1"/>
+            </a:fontRef>
+          </p:style>
+          <p:txBody>
+            <a:bodyPr rtlCol="0" anchor="ctr"/>
+            <a:lstStyle/>
+            <a:p>
+              <a:pPr algn="ctr"/>
+              <a:r>
+                <a:rPr lang="en-US" sz="1600" dirty="0" smtClean="0">
+                  <a:latin typeface="Segoe UI" panose="020B0502040204020203" pitchFamily="34" charset="0"/>
+                  <a:cs typeface="Segoe UI" panose="020B0502040204020203" pitchFamily="34" charset="0"/>
+                </a:rPr>
+                <a:t>Business Entity</a:t>
+              </a:r>
+              <a:endParaRPr lang="en-US" sz="1600" dirty="0">
+                <a:latin typeface="Segoe UI" panose="020B0502040204020203" pitchFamily="34" charset="0"/>
+                <a:cs typeface="Segoe UI" panose="020B0502040204020203" pitchFamily="34" charset="0"/>
+              </a:endParaRPr>
+            </a:p>
+          </p:txBody>
+        </p:sp>
+        <p:sp>
+          <p:nvSpPr>
+            <p:cNvPr id="52" name="Rounded Rectangle 51"/>
+            <p:cNvSpPr/>
+            <p:nvPr/>
+          </p:nvSpPr>
+          <p:spPr>
+            <a:xfrm>
+              <a:off x="812976" y="4316227"/>
+              <a:ext cx="1252568" cy="494908"/>
+            </a:xfrm>
+            <a:prstGeom prst="roundRect">
+              <a:avLst/>
+            </a:prstGeom>
+          </p:spPr>
+          <p:style>
+            <a:lnRef idx="1">
+              <a:schemeClr val="accent3"/>
+            </a:lnRef>
+            <a:fillRef idx="2">
+              <a:schemeClr val="accent3"/>
+            </a:fillRef>
+            <a:effectRef idx="1">
+              <a:schemeClr val="accent3"/>
+            </a:effectRef>
+            <a:fontRef idx="minor">
+              <a:schemeClr val="dk1"/>
+            </a:fontRef>
+          </p:style>
+          <p:txBody>
+            <a:bodyPr rtlCol="0" anchor="ctr"/>
+            <a:lstStyle/>
+            <a:p>
+              <a:pPr algn="ctr"/>
+              <a:r>
+                <a:rPr lang="en-US" sz="1600" dirty="0" err="1" smtClean="0">
+                  <a:latin typeface="Segoe UI" panose="020B0502040204020203" pitchFamily="34" charset="0"/>
+                  <a:cs typeface="Segoe UI" panose="020B0502040204020203" pitchFamily="34" charset="0"/>
+                </a:rPr>
+                <a:t>Enum</a:t>
+              </a:r>
+              <a:endParaRPr lang="en-US" sz="1600" dirty="0">
+                <a:latin typeface="Segoe UI" panose="020B0502040204020203" pitchFamily="34" charset="0"/>
+                <a:cs typeface="Segoe UI" panose="020B0502040204020203" pitchFamily="34" charset="0"/>
+              </a:endParaRPr>
+            </a:p>
+          </p:txBody>
+        </p:sp>
+      </p:grpSp>
+      <p:sp>
+        <p:nvSpPr>
+          <p:cNvPr id="86" name="Rounded Rectangle 85"/>
+          <p:cNvSpPr/>
+          <p:nvPr/>
+        </p:nvSpPr>
+        <p:spPr>
+          <a:xfrm>
+            <a:off x="2631077" y="2830654"/>
+            <a:ext cx="6131923" cy="1855646"/>
+          </a:xfrm>
+          <a:prstGeom prst="roundRect">
+            <a:avLst/>
+          </a:prstGeom>
+        </p:spPr>
+        <p:style>
+          <a:lnRef idx="1">
+            <a:schemeClr val="accent3"/>
+          </a:lnRef>
+          <a:fillRef idx="2">
+            <a:schemeClr val="accent3"/>
+          </a:fillRef>
+          <a:effectRef idx="1">
+            <a:schemeClr val="accent3"/>
+          </a:effectRef>
+          <a:fontRef idx="minor">
+            <a:schemeClr val="dk1"/>
+          </a:fontRef>
+        </p:style>
+        <p:txBody>
+          <a:bodyPr rtlCol="0" anchor="ctr"/>
+          <a:lstStyle/>
+          <a:p>
+            <a:pPr algn="ctr"/>
+            <a:endParaRPr lang="en-US" sz="1600">
+              <a:solidFill>
+                <a:schemeClr val="dk1"/>
+              </a:solidFill>
+              <a:latin typeface="Segoe UI" panose="020B0502040204020203" pitchFamily="34" charset="0"/>
+              <a:cs typeface="Segoe UI" panose="020B0502040204020203" pitchFamily="34" charset="0"/>
+            </a:endParaRPr>
+          </a:p>
+        </p:txBody>
+      </p:sp>
+      <p:grpSp>
+        <p:nvGrpSpPr>
+          <p:cNvPr id="89" name="Group 88"/>
+          <p:cNvGrpSpPr/>
+          <p:nvPr/>
+        </p:nvGrpSpPr>
+        <p:grpSpPr>
+          <a:xfrm>
+            <a:off x="3408047" y="562835"/>
+            <a:ext cx="1061107" cy="1029053"/>
+            <a:chOff x="3503297" y="562835"/>
+            <a:chExt cx="1061107" cy="1029053"/>
+          </a:xfrm>
+        </p:grpSpPr>
+        <p:sp>
+          <p:nvSpPr>
+            <p:cNvPr id="94" name="TextBox 93"/>
+            <p:cNvSpPr txBox="1"/>
+            <p:nvPr/>
+          </p:nvSpPr>
+          <p:spPr>
+            <a:xfrm>
+              <a:off x="3503297" y="1253334"/>
+              <a:ext cx="1061107" cy="338554"/>
+            </a:xfrm>
+            <a:prstGeom prst="rect">
+              <a:avLst/>
+            </a:prstGeom>
+            <a:noFill/>
+          </p:spPr>
+          <p:txBody>
+            <a:bodyPr wrap="square" rtlCol="0">
+              <a:spAutoFit/>
+            </a:bodyPr>
+            <a:lstStyle/>
+            <a:p>
+              <a:pPr algn="ctr"/>
+              <a:r>
+                <a:rPr lang="en-US" sz="1600" dirty="0" smtClean="0">
+                  <a:latin typeface="Segoe UI" panose="020B0502040204020203" pitchFamily="34" charset="0"/>
+                  <a:cs typeface="Segoe UI" panose="020B0502040204020203" pitchFamily="34" charset="0"/>
+                </a:rPr>
+                <a:t>Browsers</a:t>
+              </a:r>
+              <a:endParaRPr lang="en-US" sz="1600" dirty="0">
+                <a:latin typeface="Segoe UI" panose="020B0502040204020203" pitchFamily="34" charset="0"/>
+                <a:cs typeface="Segoe UI" panose="020B0502040204020203" pitchFamily="34" charset="0"/>
+              </a:endParaRPr>
+            </a:p>
+          </p:txBody>
+        </p:sp>
+        <p:pic>
+          <p:nvPicPr>
+            <p:cNvPr id="1040" name="Picture 16" descr="http://www.iconsplace.com/download/black-open-in-browser-256.png"/>
+            <p:cNvPicPr>
+              <a:picLocks noChangeAspect="1" noChangeArrowheads="1"/>
+            </p:cNvPicPr>
+            <p:nvPr/>
+          </p:nvPicPr>
+          <p:blipFill>
+            <a:blip r:embed="rId7" cstate="print">
+              <a:extLst>
+                <a:ext uri="{28A0092B-C50C-407E-A947-70E740481C1C}">
+                  <a14:useLocalDpi xmlns:a14="http://schemas.microsoft.com/office/drawing/2010/main" val="0"/>
+                </a:ext>
+              </a:extLst>
+            </a:blip>
+            <a:srcRect/>
+            <a:stretch>
+              <a:fillRect/>
+            </a:stretch>
+          </p:blipFill>
+          <p:spPr bwMode="auto">
+            <a:xfrm>
+              <a:off x="3680968" y="562835"/>
+              <a:ext cx="690497" cy="690497"/>
+            </a:xfrm>
+            <a:prstGeom prst="rect">
+              <a:avLst/>
+            </a:prstGeom>
+            <a:noFill/>
+            <a:extLst>
+              <a:ext uri="{909E8E84-426E-40DD-AFC4-6F175D3DCCD1}">
+                <a14:hiddenFill xmlns:a14="http://schemas.microsoft.com/office/drawing/2010/main">
+                  <a:solidFill>
+                    <a:srgbClr val="FFFFFF"/>
+                  </a:solidFill>
+                </a14:hiddenFill>
+              </a:ext>
+            </a:extLst>
+          </p:spPr>
+        </p:pic>
+      </p:grpSp>
+      <p:grpSp>
+        <p:nvGrpSpPr>
+          <p:cNvPr id="90" name="Group 89"/>
+          <p:cNvGrpSpPr/>
+          <p:nvPr/>
+        </p:nvGrpSpPr>
+        <p:grpSpPr>
+          <a:xfrm>
+            <a:off x="4941534" y="562836"/>
+            <a:ext cx="1821216" cy="1029052"/>
+            <a:chOff x="5036784" y="562836"/>
+            <a:chExt cx="1821216" cy="1029052"/>
+          </a:xfrm>
+        </p:grpSpPr>
+        <p:sp>
+          <p:nvSpPr>
+            <p:cNvPr id="87" name="TextBox 86"/>
+            <p:cNvSpPr txBox="1"/>
+            <p:nvPr/>
+          </p:nvSpPr>
+          <p:spPr>
+            <a:xfrm>
+              <a:off x="5036784" y="1284111"/>
+              <a:ext cx="1821216" cy="307777"/>
+            </a:xfrm>
+            <a:prstGeom prst="rect">
+              <a:avLst/>
+            </a:prstGeom>
+            <a:noFill/>
+          </p:spPr>
+          <p:txBody>
+            <a:bodyPr wrap="square" rtlCol="0">
+              <a:spAutoFit/>
+            </a:bodyPr>
+            <a:lstStyle/>
+            <a:p>
+              <a:pPr algn="ctr"/>
+              <a:r>
+                <a:rPr lang="en-US" sz="1400" dirty="0" smtClean="0"/>
+                <a:t>Service Consumers</a:t>
+              </a:r>
+              <a:endParaRPr lang="en-US" sz="1400" dirty="0"/>
+            </a:p>
+          </p:txBody>
+        </p:sp>
+        <p:pic>
+          <p:nvPicPr>
+            <p:cNvPr id="1042" name="Picture 18" descr="http://megaicons.net/static/img/icons_sizes/8/178/256/system-settings-icon.png"/>
+            <p:cNvPicPr>
+              <a:picLocks noChangeAspect="1" noChangeArrowheads="1"/>
+            </p:cNvPicPr>
+            <p:nvPr/>
+          </p:nvPicPr>
+          <p:blipFill>
+            <a:blip r:embed="rId8" cstate="print">
+              <a:extLst>
+                <a:ext uri="{28A0092B-C50C-407E-A947-70E740481C1C}">
+                  <a14:useLocalDpi xmlns:a14="http://schemas.microsoft.com/office/drawing/2010/main" val="0"/>
+                </a:ext>
+              </a:extLst>
+            </a:blip>
+            <a:srcRect/>
+            <a:stretch>
+              <a:fillRect/>
+            </a:stretch>
+          </p:blipFill>
+          <p:spPr bwMode="auto">
+            <a:xfrm>
+              <a:off x="5552318" y="562836"/>
+              <a:ext cx="693203" cy="693203"/>
+            </a:xfrm>
+            <a:prstGeom prst="rect">
+              <a:avLst/>
+            </a:prstGeom>
+            <a:noFill/>
+            <a:extLst>
+              <a:ext uri="{909E8E84-426E-40DD-AFC4-6F175D3DCCD1}">
+                <a14:hiddenFill xmlns:a14="http://schemas.microsoft.com/office/drawing/2010/main">
+                  <a:solidFill>
+                    <a:srgbClr val="FFFFFF"/>
+                  </a:solidFill>
+                </a14:hiddenFill>
+              </a:ext>
+            </a:extLst>
+          </p:spPr>
+        </p:pic>
+      </p:grpSp>
+      <p:grpSp>
+        <p:nvGrpSpPr>
+          <p:cNvPr id="91" name="Group 90"/>
+          <p:cNvGrpSpPr/>
+          <p:nvPr/>
+        </p:nvGrpSpPr>
+        <p:grpSpPr>
+          <a:xfrm>
+            <a:off x="6762750" y="614893"/>
+            <a:ext cx="1821216" cy="961937"/>
+            <a:chOff x="6858000" y="627593"/>
+            <a:chExt cx="1821216" cy="961937"/>
+          </a:xfrm>
+        </p:grpSpPr>
+        <p:sp>
+          <p:nvSpPr>
+            <p:cNvPr id="98" name="TextBox 97"/>
+            <p:cNvSpPr txBox="1"/>
+            <p:nvPr/>
+          </p:nvSpPr>
+          <p:spPr>
+            <a:xfrm>
+              <a:off x="6858000" y="1281753"/>
+              <a:ext cx="1821216" cy="307777"/>
+            </a:xfrm>
+            <a:prstGeom prst="rect">
+              <a:avLst/>
+            </a:prstGeom>
+            <a:noFill/>
+          </p:spPr>
+          <p:txBody>
+            <a:bodyPr wrap="square" rtlCol="0">
+              <a:spAutoFit/>
+            </a:bodyPr>
+            <a:lstStyle/>
+            <a:p>
+              <a:pPr algn="ctr"/>
+              <a:r>
+                <a:rPr lang="en-US" sz="1400" dirty="0" smtClean="0"/>
+                <a:t>Users</a:t>
+              </a:r>
+              <a:endParaRPr lang="en-US" sz="1400" dirty="0"/>
+            </a:p>
+          </p:txBody>
+        </p:sp>
+        <p:pic>
+          <p:nvPicPr>
+            <p:cNvPr id="100" name="Picture 2" descr="http://upload.wikimedia.org/wikipedia/commons/7/70/User_icon_BLACK-01.png"/>
+            <p:cNvPicPr>
+              <a:picLocks noChangeAspect="1" noChangeArrowheads="1"/>
+            </p:cNvPicPr>
+            <p:nvPr/>
+          </p:nvPicPr>
+          <p:blipFill>
+            <a:blip r:embed="rId9" cstate="print">
+              <a:duotone>
+                <a:schemeClr val="accent3">
+                  <a:shade val="45000"/>
+                  <a:satMod val="135000"/>
+                </a:schemeClr>
+                <a:prstClr val="white"/>
+              </a:duotone>
+              <a:extLst>
+                <a:ext uri="{28A0092B-C50C-407E-A947-70E740481C1C}">
+                  <a14:useLocalDpi xmlns:a14="http://schemas.microsoft.com/office/drawing/2010/main" val="0"/>
+                </a:ext>
+              </a:extLst>
+            </a:blip>
+            <a:srcRect/>
+            <a:stretch>
+              <a:fillRect/>
+            </a:stretch>
+          </p:blipFill>
+          <p:spPr bwMode="auto">
+            <a:xfrm>
+              <a:off x="7337377" y="627593"/>
+              <a:ext cx="777519" cy="690017"/>
+            </a:xfrm>
+            <a:prstGeom prst="rect">
+              <a:avLst/>
+            </a:prstGeom>
+            <a:noFill/>
+            <a:extLst>
+              <a:ext uri="{909E8E84-426E-40DD-AFC4-6F175D3DCCD1}">
+                <a14:hiddenFill xmlns:a14="http://schemas.microsoft.com/office/drawing/2010/main">
+                  <a:solidFill>
+                    <a:srgbClr val="FFFFFF"/>
+                  </a:solidFill>
+                </a14:hiddenFill>
+              </a:ext>
+            </a:extLst>
+          </p:spPr>
+        </p:pic>
+      </p:grpSp>
+      <p:sp>
+        <p:nvSpPr>
+          <p:cNvPr id="95" name="Up-Down Arrow 94"/>
+          <p:cNvSpPr/>
+          <p:nvPr/>
+        </p:nvSpPr>
+        <p:spPr>
+          <a:xfrm>
+            <a:off x="3790950" y="1589530"/>
+            <a:ext cx="226277" cy="363094"/>
+          </a:xfrm>
+          <a:prstGeom prst="upDownArrow">
+            <a:avLst/>
+          </a:prstGeom>
+        </p:spPr>
+        <p:style>
+          <a:lnRef idx="2">
+            <a:schemeClr val="accent3"/>
+          </a:lnRef>
+          <a:fillRef idx="1">
+            <a:schemeClr val="lt1"/>
+          </a:fillRef>
+          <a:effectRef idx="0">
+            <a:schemeClr val="accent3"/>
+          </a:effectRef>
+          <a:fontRef idx="minor">
+            <a:schemeClr val="dk1"/>
+          </a:fontRef>
+        </p:style>
+        <p:txBody>
+          <a:bodyPr rtlCol="0" anchor="ctr"/>
+          <a:lstStyle/>
+          <a:p>
+            <a:pPr algn="ctr"/>
+            <a:endParaRPr lang="en-US"/>
+          </a:p>
+        </p:txBody>
+      </p:sp>
+      <p:sp>
+        <p:nvSpPr>
+          <p:cNvPr id="105" name="Up-Down Arrow 104"/>
+          <p:cNvSpPr/>
+          <p:nvPr/>
+        </p:nvSpPr>
+        <p:spPr>
+          <a:xfrm>
+            <a:off x="5697398" y="1582591"/>
+            <a:ext cx="226277" cy="363094"/>
+          </a:xfrm>
+          <a:prstGeom prst="upDownArrow">
+            <a:avLst/>
+          </a:prstGeom>
+        </p:spPr>
+        <p:style>
+          <a:lnRef idx="2">
+            <a:schemeClr val="accent3"/>
+          </a:lnRef>
+          <a:fillRef idx="1">
+            <a:schemeClr val="lt1"/>
+          </a:fillRef>
+          <a:effectRef idx="0">
+            <a:schemeClr val="accent3"/>
+          </a:effectRef>
+          <a:fontRef idx="minor">
+            <a:schemeClr val="dk1"/>
+          </a:fontRef>
+        </p:style>
+        <p:txBody>
+          <a:bodyPr rtlCol="0" anchor="ctr"/>
+          <a:lstStyle/>
+          <a:p>
+            <a:pPr algn="ctr"/>
+            <a:endParaRPr lang="en-US"/>
+          </a:p>
+        </p:txBody>
+      </p:sp>
+      <p:sp>
+        <p:nvSpPr>
+          <p:cNvPr id="106" name="Up-Down Arrow 105"/>
+          <p:cNvSpPr/>
+          <p:nvPr/>
+        </p:nvSpPr>
+        <p:spPr>
+          <a:xfrm>
+            <a:off x="7560219" y="1582591"/>
+            <a:ext cx="226277" cy="363094"/>
+          </a:xfrm>
+          <a:prstGeom prst="upDownArrow">
+            <a:avLst/>
+          </a:prstGeom>
+        </p:spPr>
+        <p:style>
+          <a:lnRef idx="2">
+            <a:schemeClr val="accent3"/>
+          </a:lnRef>
+          <a:fillRef idx="1">
+            <a:schemeClr val="lt1"/>
+          </a:fillRef>
+          <a:effectRef idx="0">
+            <a:schemeClr val="accent3"/>
+          </a:effectRef>
+          <a:fontRef idx="minor">
+            <a:schemeClr val="dk1"/>
+          </a:fontRef>
+        </p:style>
+        <p:txBody>
+          <a:bodyPr rtlCol="0" anchor="ctr"/>
+          <a:lstStyle/>
+          <a:p>
+            <a:pPr algn="ctr"/>
+            <a:endParaRPr lang="en-US"/>
+          </a:p>
+        </p:txBody>
+      </p:sp>
+      <p:sp>
+        <p:nvSpPr>
+          <p:cNvPr id="107" name="Up-Down Arrow 106"/>
+          <p:cNvSpPr/>
+          <p:nvPr/>
+        </p:nvSpPr>
+        <p:spPr>
+          <a:xfrm>
+            <a:off x="3332879" y="5524426"/>
+            <a:ext cx="226277" cy="363094"/>
+          </a:xfrm>
+          <a:prstGeom prst="upDownArrow">
+            <a:avLst/>
+          </a:prstGeom>
+        </p:spPr>
+        <p:style>
+          <a:lnRef idx="2">
+            <a:schemeClr val="accent3"/>
+          </a:lnRef>
+          <a:fillRef idx="1">
+            <a:schemeClr val="lt1"/>
+          </a:fillRef>
+          <a:effectRef idx="0">
+            <a:schemeClr val="accent3"/>
+          </a:effectRef>
+          <a:fontRef idx="minor">
+            <a:schemeClr val="dk1"/>
+          </a:fontRef>
+        </p:style>
+        <p:txBody>
+          <a:bodyPr rtlCol="0" anchor="ctr"/>
+          <a:lstStyle/>
+          <a:p>
+            <a:pPr algn="ctr"/>
+            <a:endParaRPr lang="en-US"/>
+          </a:p>
+        </p:txBody>
+      </p:sp>
+      <p:sp>
+        <p:nvSpPr>
+          <p:cNvPr id="108" name="Up-Down Arrow 107"/>
+          <p:cNvSpPr/>
+          <p:nvPr/>
+        </p:nvSpPr>
+        <p:spPr>
+          <a:xfrm>
+            <a:off x="4915517" y="5536645"/>
+            <a:ext cx="226277" cy="363094"/>
+          </a:xfrm>
+          <a:prstGeom prst="upDownArrow">
+            <a:avLst/>
+          </a:prstGeom>
+        </p:spPr>
+        <p:style>
+          <a:lnRef idx="2">
+            <a:schemeClr val="accent3"/>
+          </a:lnRef>
+          <a:fillRef idx="1">
+            <a:schemeClr val="lt1"/>
+          </a:fillRef>
+          <a:effectRef idx="0">
+            <a:schemeClr val="accent3"/>
+          </a:effectRef>
+          <a:fontRef idx="minor">
+            <a:schemeClr val="dk1"/>
+          </a:fontRef>
+        </p:style>
+        <p:txBody>
+          <a:bodyPr rtlCol="0" anchor="ctr"/>
+          <a:lstStyle/>
+          <a:p>
+            <a:pPr algn="ctr"/>
+            <a:endParaRPr lang="en-US"/>
+          </a:p>
+        </p:txBody>
+      </p:sp>
+      <p:sp>
+        <p:nvSpPr>
+          <p:cNvPr id="109" name="Up-Down Arrow 108"/>
+          <p:cNvSpPr/>
+          <p:nvPr/>
+        </p:nvSpPr>
+        <p:spPr>
+          <a:xfrm>
+            <a:off x="6561268" y="5536580"/>
+            <a:ext cx="226277" cy="363094"/>
+          </a:xfrm>
+          <a:prstGeom prst="upDownArrow">
+            <a:avLst/>
+          </a:prstGeom>
+        </p:spPr>
+        <p:style>
+          <a:lnRef idx="2">
+            <a:schemeClr val="accent3"/>
+          </a:lnRef>
+          <a:fillRef idx="1">
+            <a:schemeClr val="lt1"/>
+          </a:fillRef>
+          <a:effectRef idx="0">
+            <a:schemeClr val="accent3"/>
+          </a:effectRef>
+          <a:fontRef idx="minor">
+            <a:schemeClr val="dk1"/>
+          </a:fontRef>
+        </p:style>
+        <p:txBody>
+          <a:bodyPr rtlCol="0" anchor="ctr"/>
+          <a:lstStyle/>
+          <a:p>
+            <a:pPr algn="ctr"/>
+            <a:endParaRPr lang="en-US"/>
+          </a:p>
+        </p:txBody>
+      </p:sp>
+      <p:sp>
+        <p:nvSpPr>
+          <p:cNvPr id="110" name="Up-Down Arrow 109"/>
+          <p:cNvSpPr/>
+          <p:nvPr/>
+        </p:nvSpPr>
+        <p:spPr>
+          <a:xfrm>
+            <a:off x="8003771" y="5537126"/>
+            <a:ext cx="226277" cy="363094"/>
+          </a:xfrm>
+          <a:prstGeom prst="upDownArrow">
+            <a:avLst/>
+          </a:prstGeom>
+        </p:spPr>
+        <p:style>
+          <a:lnRef idx="2">
+            <a:schemeClr val="accent3"/>
+          </a:lnRef>
+          <a:fillRef idx="1">
+            <a:schemeClr val="lt1"/>
+          </a:fillRef>
+          <a:effectRef idx="0">
+            <a:schemeClr val="accent3"/>
+          </a:effectRef>
+          <a:fontRef idx="minor">
+            <a:schemeClr val="dk1"/>
+          </a:fontRef>
+        </p:style>
+        <p:txBody>
+          <a:bodyPr rtlCol="0" anchor="ctr"/>
+          <a:lstStyle/>
+          <a:p>
+            <a:pPr algn="ctr"/>
+            <a:endParaRPr lang="en-US"/>
+          </a:p>
+        </p:txBody>
+      </p:sp>
+      <p:sp>
+        <p:nvSpPr>
+          <p:cNvPr id="97" name="Rounded Rectangle 96"/>
+          <p:cNvSpPr/>
+          <p:nvPr/>
+        </p:nvSpPr>
+        <p:spPr>
+          <a:xfrm>
+            <a:off x="2895600" y="2958699"/>
+            <a:ext cx="5566848" cy="486700"/>
+          </a:xfrm>
+          <a:prstGeom prst="roundRect">
+            <a:avLst/>
+          </a:prstGeom>
+          <a:noFill/>
+          <a:ln>
+            <a:prstDash val="dash"/>
+          </a:ln>
+        </p:spPr>
+        <p:style>
+          <a:lnRef idx="2">
+            <a:schemeClr val="dk1"/>
+          </a:lnRef>
+          <a:fillRef idx="1">
+            <a:schemeClr val="lt1"/>
+          </a:fillRef>
+          <a:effectRef idx="0">
+            <a:schemeClr val="dk1"/>
+          </a:effectRef>
+          <a:fontRef idx="minor">
+            <a:schemeClr val="dk1"/>
+          </a:fontRef>
+        </p:style>
+        <p:txBody>
+          <a:bodyPr rtlCol="0" anchor="ctr"/>
+          <a:lstStyle/>
+          <a:p>
+            <a:pPr algn="ctr"/>
+            <a:r>
+              <a:rPr lang="en-US" sz="1600" dirty="0" smtClean="0"/>
+              <a:t>Application Services</a:t>
+            </a:r>
+            <a:endParaRPr lang="en-US" sz="1600" dirty="0"/>
+          </a:p>
+        </p:txBody>
+      </p:sp>
+      <p:sp>
+        <p:nvSpPr>
+          <p:cNvPr id="99" name="Rounded Rectangle 98"/>
+          <p:cNvSpPr/>
+          <p:nvPr/>
+        </p:nvSpPr>
+        <p:spPr>
+          <a:xfrm>
+            <a:off x="2895600" y="3610288"/>
+            <a:ext cx="2019917" cy="860112"/>
+          </a:xfrm>
+          <a:prstGeom prst="roundRect">
+            <a:avLst/>
+          </a:prstGeom>
+        </p:spPr>
+        <p:style>
+          <a:lnRef idx="2">
+            <a:schemeClr val="accent1">
+              <a:shade val="50000"/>
+            </a:schemeClr>
+          </a:lnRef>
+          <a:fillRef idx="1">
+            <a:schemeClr val="accent1"/>
+          </a:fillRef>
+          <a:effectRef idx="0">
+            <a:schemeClr val="accent1"/>
+          </a:effectRef>
+          <a:fontRef idx="minor">
+            <a:schemeClr val="lt1"/>
+          </a:fontRef>
+        </p:style>
+        <p:txBody>
+          <a:bodyPr rtlCol="0" anchor="ctr"/>
+          <a:lstStyle/>
+          <a:p>
+            <a:pPr algn="ctr"/>
+            <a:r>
+              <a:rPr lang="en-US" dirty="0" smtClean="0"/>
+              <a:t>Business Level 1</a:t>
+            </a:r>
+            <a:endParaRPr lang="en-US" dirty="0"/>
+          </a:p>
+        </p:txBody>
+      </p:sp>
+      <p:sp>
+        <p:nvSpPr>
+          <p:cNvPr id="113" name="Rounded Rectangle 112"/>
+          <p:cNvSpPr/>
+          <p:nvPr/>
+        </p:nvSpPr>
+        <p:spPr>
+          <a:xfrm>
+            <a:off x="5060145" y="3610288"/>
+            <a:ext cx="2019917" cy="860112"/>
+          </a:xfrm>
+          <a:prstGeom prst="roundRect">
+            <a:avLst/>
+          </a:prstGeom>
+        </p:spPr>
+        <p:style>
+          <a:lnRef idx="2">
+            <a:schemeClr val="accent1">
+              <a:shade val="50000"/>
+            </a:schemeClr>
+          </a:lnRef>
+          <a:fillRef idx="1">
+            <a:schemeClr val="accent1"/>
+          </a:fillRef>
+          <a:effectRef idx="0">
+            <a:schemeClr val="accent1"/>
+          </a:effectRef>
+          <a:fontRef idx="minor">
+            <a:schemeClr val="lt1"/>
+          </a:fontRef>
+        </p:style>
+        <p:txBody>
+          <a:bodyPr rtlCol="0" anchor="ctr"/>
+          <a:lstStyle/>
+          <a:p>
+            <a:pPr algn="ctr"/>
+            <a:r>
+              <a:rPr lang="en-US" dirty="0" smtClean="0"/>
+              <a:t>Business Level 1</a:t>
+            </a:r>
+            <a:endParaRPr lang="en-US" dirty="0"/>
+          </a:p>
+        </p:txBody>
+      </p:sp>
+    </p:spTree>
+    <p:extLst>
+      <p:ext uri="{BB962C8B-B14F-4D97-AF65-F5344CB8AC3E}">
+        <p14:creationId xmlns:p14="http://schemas.microsoft.com/office/powerpoint/2010/main" val="4226403727"/>
+      </p:ext>
+    </p:extLst>
+  </p:cSld>
+  <p:clrMapOvr>
+    <a:masterClrMapping/>
+  </p:clrMapOvr>
+  <p:timing>
+    <p:tnLst>
+      <p:par>
+        <p:cTn id="1" dur="indefinite" restart="never" nodeType="tmRoot"/>
+      </p:par>
+    </p:tnLst>
+  </p:timing>
+</p:sld>
+</file>
+
+<file path=ppt/slides/slide8.xml><?xml version="1.0" encoding="utf-8"?>
 <p:sld xmlns:a="http://schemas.openxmlformats.org/drawingml/2006/main" xmlns:r="http://schemas.openxmlformats.org/officeDocument/2006/relationships" xmlns:p="http://schemas.openxmlformats.org/presentationml/2006/main">
   <p:cSld>
     <p:spTree>
@@ -14840,12 +17047,187 @@
           <a:p>
             <a:fld id="{BCD7396F-CAFE-47FC-9775-745DE743DF33}" type="slidenum">
               <a:rPr lang="en-US" smtClean="0"/>
-              <a:t>7</a:t>
+              <a:t>8</a:t>
             </a:fld>
             <a:endParaRPr lang="en-US"/>
           </a:p>
         </p:txBody>
       </p:sp>
+      <p:grpSp>
+        <p:nvGrpSpPr>
+          <p:cNvPr id="3" name="Group 2"/>
+          <p:cNvGrpSpPr/>
+          <p:nvPr/>
+        </p:nvGrpSpPr>
+        <p:grpSpPr>
+          <a:xfrm>
+            <a:off x="467189" y="5197791"/>
+            <a:ext cx="684426" cy="1307839"/>
+            <a:chOff x="467189" y="5197791"/>
+            <a:chExt cx="684426" cy="1307839"/>
+          </a:xfrm>
+        </p:grpSpPr>
+        <p:sp>
+          <p:nvSpPr>
+            <p:cNvPr id="11" name="Oval 10"/>
+            <p:cNvSpPr/>
+            <p:nvPr/>
+          </p:nvSpPr>
+          <p:spPr>
+            <a:xfrm>
+              <a:off x="542206" y="5197791"/>
+              <a:ext cx="542734" cy="516912"/>
+            </a:xfrm>
+            <a:prstGeom prst="ellipse">
+              <a:avLst/>
+            </a:prstGeom>
+          </p:spPr>
+          <p:style>
+            <a:lnRef idx="3">
+              <a:schemeClr val="dk1"/>
+            </a:lnRef>
+            <a:fillRef idx="0">
+              <a:schemeClr val="dk1"/>
+            </a:fillRef>
+            <a:effectRef idx="2">
+              <a:schemeClr val="dk1"/>
+            </a:effectRef>
+            <a:fontRef idx="minor">
+              <a:schemeClr val="tx1"/>
+            </a:fontRef>
+          </p:style>
+          <p:txBody>
+            <a:bodyPr rtlCol="0" anchor="ctr"/>
+            <a:lstStyle/>
+            <a:p>
+              <a:pPr algn="ctr"/>
+              <a:endParaRPr lang="en-US"/>
+            </a:p>
+          </p:txBody>
+        </p:sp>
+        <p:cxnSp>
+          <p:nvCxnSpPr>
+            <p:cNvPr id="12" name="Straight Connector 11"/>
+            <p:cNvCxnSpPr>
+              <a:stCxn id="11" idx="4"/>
+            </p:cNvCxnSpPr>
+            <p:nvPr/>
+          </p:nvCxnSpPr>
+          <p:spPr>
+            <a:xfrm flipH="1">
+              <a:off x="808715" y="5714703"/>
+              <a:ext cx="4858" cy="442722"/>
+            </a:xfrm>
+            <a:prstGeom prst="line">
+              <a:avLst/>
+            </a:prstGeom>
+          </p:spPr>
+          <p:style>
+            <a:lnRef idx="3">
+              <a:schemeClr val="dk1"/>
+            </a:lnRef>
+            <a:fillRef idx="0">
+              <a:schemeClr val="dk1"/>
+            </a:fillRef>
+            <a:effectRef idx="2">
+              <a:schemeClr val="dk1"/>
+            </a:effectRef>
+            <a:fontRef idx="minor">
+              <a:schemeClr val="tx1"/>
+            </a:fontRef>
+          </p:style>
+        </p:cxnSp>
+        <p:cxnSp>
+          <p:nvCxnSpPr>
+            <p:cNvPr id="13" name="Straight Connector 12"/>
+            <p:cNvCxnSpPr/>
+            <p:nvPr/>
+          </p:nvCxnSpPr>
+          <p:spPr>
+            <a:xfrm flipH="1">
+              <a:off x="467189" y="6157425"/>
+              <a:ext cx="341528" cy="348205"/>
+            </a:xfrm>
+            <a:prstGeom prst="line">
+              <a:avLst/>
+            </a:prstGeom>
+          </p:spPr>
+          <p:style>
+            <a:lnRef idx="3">
+              <a:schemeClr val="dk1"/>
+            </a:lnRef>
+            <a:fillRef idx="0">
+              <a:schemeClr val="dk1"/>
+            </a:fillRef>
+            <a:effectRef idx="2">
+              <a:schemeClr val="dk1"/>
+            </a:effectRef>
+            <a:fontRef idx="minor">
+              <a:schemeClr val="tx1"/>
+            </a:fontRef>
+          </p:style>
+        </p:cxnSp>
+        <p:cxnSp>
+          <p:nvCxnSpPr>
+            <p:cNvPr id="14" name="Straight Connector 13"/>
+            <p:cNvCxnSpPr/>
+            <p:nvPr/>
+          </p:nvCxnSpPr>
+          <p:spPr>
+            <a:xfrm>
+              <a:off x="808715" y="6157425"/>
+              <a:ext cx="342900" cy="335936"/>
+            </a:xfrm>
+            <a:prstGeom prst="line">
+              <a:avLst/>
+            </a:prstGeom>
+          </p:spPr>
+          <p:style>
+            <a:lnRef idx="3">
+              <a:schemeClr val="dk1"/>
+            </a:lnRef>
+            <a:fillRef idx="0">
+              <a:schemeClr val="dk1"/>
+            </a:fillRef>
+            <a:effectRef idx="2">
+              <a:schemeClr val="dk1"/>
+            </a:effectRef>
+            <a:fontRef idx="minor">
+              <a:schemeClr val="tx1"/>
+            </a:fontRef>
+          </p:style>
+        </p:cxnSp>
+        <p:cxnSp>
+          <p:nvCxnSpPr>
+            <p:cNvPr id="15" name="Straight Connector 14"/>
+            <p:cNvCxnSpPr/>
+            <p:nvPr/>
+          </p:nvCxnSpPr>
+          <p:spPr>
+            <a:xfrm>
+              <a:off x="467189" y="5943304"/>
+              <a:ext cx="684426" cy="2825"/>
+            </a:xfrm>
+            <a:prstGeom prst="line">
+              <a:avLst/>
+            </a:prstGeom>
+          </p:spPr>
+          <p:style>
+            <a:lnRef idx="3">
+              <a:schemeClr val="dk1"/>
+            </a:lnRef>
+            <a:fillRef idx="0">
+              <a:schemeClr val="dk1"/>
+            </a:fillRef>
+            <a:effectRef idx="2">
+              <a:schemeClr val="dk1"/>
+            </a:effectRef>
+            <a:fontRef idx="minor">
+              <a:schemeClr val="tx1"/>
+            </a:fontRef>
+          </p:style>
+        </p:cxnSp>
+      </p:grpSp>
     </p:spTree>
     <p:extLst>
       <p:ext uri="{BB962C8B-B14F-4D97-AF65-F5344CB8AC3E}">
@@ -14866,7 +17248,7 @@
 </p:sld>
 </file>
 
-<file path=ppt/slides/slide8.xml><?xml version="1.0" encoding="utf-8"?>
+<file path=ppt/slides/slide9.xml><?xml version="1.0" encoding="utf-8"?>
 <p:sld xmlns:a="http://schemas.openxmlformats.org/drawingml/2006/main" xmlns:r="http://schemas.openxmlformats.org/officeDocument/2006/relationships" xmlns:p="http://schemas.openxmlformats.org/presentationml/2006/main">
   <p:cSld>
     <p:spTree>

--- a/Documents/Lessons Learned From Agile Quality Assurance In Scrum.pptx
+++ b/Documents/Lessons Learned From Agile Quality Assurance In Scrum.pptx
@@ -219,7 +219,7 @@
           <a:p>
             <a:fld id="{DDC08AD7-58B5-48BE-B808-02C5C825B5D9}" type="datetimeFigureOut">
               <a:rPr lang="en-US" smtClean="0"/>
-              <a:t>6/18/2015</a:t>
+              <a:t>6/19/2015</a:t>
             </a:fld>
             <a:endParaRPr lang="en-US"/>
           </a:p>
@@ -1243,7 +1243,7 @@
           <a:p>
             <a:fld id="{1A260A04-0D30-4F6D-881B-6C5304669D2D}" type="datetime1">
               <a:rPr lang="en-US" smtClean="0"/>
-              <a:t>6/18/2015</a:t>
+              <a:t>6/19/2015</a:t>
             </a:fld>
             <a:endParaRPr lang="en-US"/>
           </a:p>
@@ -1413,7 +1413,7 @@
           <a:p>
             <a:fld id="{E6E53668-B7C0-4790-AB12-5D3BFE47BE8B}" type="datetime1">
               <a:rPr lang="en-US" smtClean="0"/>
-              <a:t>6/18/2015</a:t>
+              <a:t>6/19/2015</a:t>
             </a:fld>
             <a:endParaRPr lang="en-US"/>
           </a:p>
@@ -1593,7 +1593,7 @@
           <a:p>
             <a:fld id="{AD012240-970E-40CC-8CD7-B4B37FE77D86}" type="datetime1">
               <a:rPr lang="en-US" smtClean="0"/>
-              <a:t>6/18/2015</a:t>
+              <a:t>6/19/2015</a:t>
             </a:fld>
             <a:endParaRPr lang="en-US"/>
           </a:p>
@@ -1796,7 +1796,7 @@
           <a:p>
             <a:fld id="{50DBB39F-26FB-4A03-A315-BBB0380AC164}" type="datetime1">
               <a:rPr lang="en-US" smtClean="0"/>
-              <a:t>6/18/2015</a:t>
+              <a:t>6/19/2015</a:t>
             </a:fld>
             <a:endParaRPr lang="en-US"/>
           </a:p>
@@ -1966,7 +1966,7 @@
           <a:p>
             <a:fld id="{5FF1C112-DB57-4E9E-8ABD-FC949F9AD8AE}" type="datetime1">
               <a:rPr lang="en-US" smtClean="0"/>
-              <a:t>6/18/2015</a:t>
+              <a:t>6/19/2015</a:t>
             </a:fld>
             <a:endParaRPr lang="en-US"/>
           </a:p>
@@ -2217,7 +2217,7 @@
           <a:p>
             <a:fld id="{96531E8E-3773-4208-9310-6439EC241707}" type="datetime1">
               <a:rPr lang="en-US" smtClean="0"/>
-              <a:t>6/18/2015</a:t>
+              <a:t>6/19/2015</a:t>
             </a:fld>
             <a:endParaRPr lang="en-US"/>
           </a:p>
@@ -2449,7 +2449,7 @@
           <a:p>
             <a:fld id="{BEF86C87-CF81-4F33-AA09-070D5CBC9F24}" type="datetime1">
               <a:rPr lang="en-US" smtClean="0"/>
-              <a:t>6/18/2015</a:t>
+              <a:t>6/19/2015</a:t>
             </a:fld>
             <a:endParaRPr lang="en-US"/>
           </a:p>
@@ -2796,7 +2796,7 @@
           <a:p>
             <a:fld id="{AAA17232-2A7D-4E7D-B22E-039FC0C07C9C}" type="datetime1">
               <a:rPr lang="en-US" smtClean="0"/>
-              <a:t>6/18/2015</a:t>
+              <a:t>6/19/2015</a:t>
             </a:fld>
             <a:endParaRPr lang="en-US"/>
           </a:p>
@@ -2914,7 +2914,7 @@
           <a:p>
             <a:fld id="{3E222FA5-7C7C-4C35-BB65-BA1A0CE6FD68}" type="datetime1">
               <a:rPr lang="en-US" smtClean="0"/>
-              <a:t>6/18/2015</a:t>
+              <a:t>6/19/2015</a:t>
             </a:fld>
             <a:endParaRPr lang="en-US"/>
           </a:p>
@@ -3032,7 +3032,7 @@
           <a:p>
             <a:fld id="{CA147D11-A985-49F3-A082-06E1C829C109}" type="datetime1">
               <a:rPr lang="en-US" smtClean="0"/>
-              <a:t>6/18/2015</a:t>
+              <a:t>6/19/2015</a:t>
             </a:fld>
             <a:endParaRPr lang="en-US"/>
           </a:p>
@@ -3316,7 +3316,7 @@
           <a:p>
             <a:fld id="{98A7513B-AB8C-4CFB-B713-B080B16C734C}" type="datetime1">
               <a:rPr lang="en-US" smtClean="0"/>
-              <a:t>6/18/2015</a:t>
+              <a:t>6/19/2015</a:t>
             </a:fld>
             <a:endParaRPr lang="en-US"/>
           </a:p>
@@ -3486,7 +3486,7 @@
           <a:p>
             <a:fld id="{AB91A3AC-9D5E-4044-879F-B01C3563F8E8}" type="datetime1">
               <a:rPr lang="en-US" smtClean="0"/>
-              <a:t>6/18/2015</a:t>
+              <a:t>6/19/2015</a:t>
             </a:fld>
             <a:endParaRPr lang="en-US"/>
           </a:p>
@@ -3750,7 +3750,7 @@
           <a:p>
             <a:fld id="{A7CCA7B5-B293-45D2-956C-DE2CDFB7B933}" type="datetime1">
               <a:rPr lang="en-US" smtClean="0"/>
-              <a:t>6/18/2015</a:t>
+              <a:t>6/19/2015</a:t>
             </a:fld>
             <a:endParaRPr lang="en-US"/>
           </a:p>
@@ -3920,7 +3920,7 @@
           <a:p>
             <a:fld id="{17D76E9C-E220-47EB-849C-8B82B2A30550}" type="datetime1">
               <a:rPr lang="en-US" smtClean="0"/>
-              <a:t>6/18/2015</a:t>
+              <a:t>6/19/2015</a:t>
             </a:fld>
             <a:endParaRPr lang="en-US"/>
           </a:p>
@@ -4100,7 +4100,7 @@
           <a:p>
             <a:fld id="{E21C0911-D971-404D-81D6-5C6E3EA30CF8}" type="datetime1">
               <a:rPr lang="en-US" smtClean="0"/>
-              <a:t>6/18/2015</a:t>
+              <a:t>6/19/2015</a:t>
             </a:fld>
             <a:endParaRPr lang="en-US"/>
           </a:p>
@@ -4303,7 +4303,7 @@
           <a:p>
             <a:fld id="{00A11C92-07B9-46B4-BA9B-A9F8DEDDD065}" type="datetime1">
               <a:rPr lang="en-US" smtClean="0"/>
-              <a:t>6/18/2015</a:t>
+              <a:t>6/19/2015</a:t>
             </a:fld>
             <a:endParaRPr lang="en-US"/>
           </a:p>
@@ -4473,7 +4473,7 @@
           <a:p>
             <a:fld id="{DBFDFE0C-1862-4D32-B353-473485FC5B8C}" type="datetime1">
               <a:rPr lang="en-US" smtClean="0"/>
-              <a:t>6/18/2015</a:t>
+              <a:t>6/19/2015</a:t>
             </a:fld>
             <a:endParaRPr lang="en-US"/>
           </a:p>
@@ -4724,7 +4724,7 @@
           <a:p>
             <a:fld id="{BE19EF60-149A-4C77-9B4D-6B2738EE1A60}" type="datetime1">
               <a:rPr lang="en-US" smtClean="0"/>
-              <a:t>6/18/2015</a:t>
+              <a:t>6/19/2015</a:t>
             </a:fld>
             <a:endParaRPr lang="en-US"/>
           </a:p>
@@ -4956,7 +4956,7 @@
           <a:p>
             <a:fld id="{99EA8280-61AF-4C1C-9E86-CB6F68529EB7}" type="datetime1">
               <a:rPr lang="en-US" smtClean="0"/>
-              <a:t>6/18/2015</a:t>
+              <a:t>6/19/2015</a:t>
             </a:fld>
             <a:endParaRPr lang="en-US"/>
           </a:p>
@@ -5303,7 +5303,7 @@
           <a:p>
             <a:fld id="{71578FFB-D7B0-4E90-BEDB-1D7E153C4824}" type="datetime1">
               <a:rPr lang="en-US" smtClean="0"/>
-              <a:t>6/18/2015</a:t>
+              <a:t>6/19/2015</a:t>
             </a:fld>
             <a:endParaRPr lang="en-US"/>
           </a:p>
@@ -5421,7 +5421,7 @@
           <a:p>
             <a:fld id="{4C4D8C16-585C-4AE9-8479-FDE6A8B38DEE}" type="datetime1">
               <a:rPr lang="en-US" smtClean="0"/>
-              <a:t>6/18/2015</a:t>
+              <a:t>6/19/2015</a:t>
             </a:fld>
             <a:endParaRPr lang="en-US"/>
           </a:p>
@@ -5539,7 +5539,7 @@
           <a:p>
             <a:fld id="{A3E1E9D2-4942-414F-A3F4-EBED35448B8F}" type="datetime1">
               <a:rPr lang="en-US" smtClean="0"/>
-              <a:t>6/18/2015</a:t>
+              <a:t>6/19/2015</a:t>
             </a:fld>
             <a:endParaRPr lang="en-US"/>
           </a:p>
@@ -5790,7 +5790,7 @@
           <a:p>
             <a:fld id="{1C11B133-5474-465F-A785-F314434DFD23}" type="datetime1">
               <a:rPr lang="en-US" smtClean="0"/>
-              <a:t>6/18/2015</a:t>
+              <a:t>6/19/2015</a:t>
             </a:fld>
             <a:endParaRPr lang="en-US"/>
           </a:p>
@@ -6074,7 +6074,7 @@
           <a:p>
             <a:fld id="{3553D1B6-D0FE-4204-8A01-54B687E5DD26}" type="datetime1">
               <a:rPr lang="en-US" smtClean="0"/>
-              <a:t>6/18/2015</a:t>
+              <a:t>6/19/2015</a:t>
             </a:fld>
             <a:endParaRPr lang="en-US"/>
           </a:p>
@@ -6338,7 +6338,7 @@
           <a:p>
             <a:fld id="{19FCDD6E-AC17-4ACA-A92D-E10490C522DB}" type="datetime1">
               <a:rPr lang="en-US" smtClean="0"/>
-              <a:t>6/18/2015</a:t>
+              <a:t>6/19/2015</a:t>
             </a:fld>
             <a:endParaRPr lang="en-US"/>
           </a:p>
@@ -6508,7 +6508,7 @@
           <a:p>
             <a:fld id="{8BB8CF3A-3DC3-46E1-9DA1-BE258D67F966}" type="datetime1">
               <a:rPr lang="en-US" smtClean="0"/>
-              <a:t>6/18/2015</a:t>
+              <a:t>6/19/2015</a:t>
             </a:fld>
             <a:endParaRPr lang="en-US"/>
           </a:p>
@@ -6688,7 +6688,7 @@
           <a:p>
             <a:fld id="{AD9DD4F7-2579-4CF8-BDFF-9A21010A8A2E}" type="datetime1">
               <a:rPr lang="en-US" smtClean="0"/>
-              <a:t>6/18/2015</a:t>
+              <a:t>6/19/2015</a:t>
             </a:fld>
             <a:endParaRPr lang="en-US"/>
           </a:p>
@@ -6920,7 +6920,7 @@
           <a:p>
             <a:fld id="{1AF9A467-BFE2-41BE-A0FC-0030BE2626DD}" type="datetime1">
               <a:rPr lang="en-US" smtClean="0"/>
-              <a:t>6/18/2015</a:t>
+              <a:t>6/19/2015</a:t>
             </a:fld>
             <a:endParaRPr lang="en-US"/>
           </a:p>
@@ -7267,7 +7267,7 @@
           <a:p>
             <a:fld id="{43E3EAFD-F696-47C2-9253-8A163E9F976A}" type="datetime1">
               <a:rPr lang="en-US" smtClean="0"/>
-              <a:t>6/18/2015</a:t>
+              <a:t>6/19/2015</a:t>
             </a:fld>
             <a:endParaRPr lang="en-US"/>
           </a:p>
@@ -7385,7 +7385,7 @@
           <a:p>
             <a:fld id="{3359A0CF-9B53-46A5-8307-04A4889D9F93}" type="datetime1">
               <a:rPr lang="en-US" smtClean="0"/>
-              <a:t>6/18/2015</a:t>
+              <a:t>6/19/2015</a:t>
             </a:fld>
             <a:endParaRPr lang="en-US"/>
           </a:p>
@@ -7503,7 +7503,7 @@
           <a:p>
             <a:fld id="{A4379B3A-E313-4F12-9C2E-80CDD6D57577}" type="datetime1">
               <a:rPr lang="en-US" smtClean="0"/>
-              <a:t>6/18/2015</a:t>
+              <a:t>6/19/2015</a:t>
             </a:fld>
             <a:endParaRPr lang="en-US"/>
           </a:p>
@@ -7787,7 +7787,7 @@
           <a:p>
             <a:fld id="{C10E1925-197E-4055-87BD-DC23A5578938}" type="datetime1">
               <a:rPr lang="en-US" smtClean="0"/>
-              <a:t>6/18/2015</a:t>
+              <a:t>6/19/2015</a:t>
             </a:fld>
             <a:endParaRPr lang="en-US"/>
           </a:p>
@@ -8051,7 +8051,7 @@
           <a:p>
             <a:fld id="{898E4E15-8956-4935-9C3F-CF1C62A234AF}" type="datetime1">
               <a:rPr lang="en-US" smtClean="0"/>
-              <a:t>6/18/2015</a:t>
+              <a:t>6/19/2015</a:t>
             </a:fld>
             <a:endParaRPr lang="en-US"/>
           </a:p>
@@ -8265,7 +8265,7 @@
           <a:p>
             <a:fld id="{8A8E5BE4-9DA4-4FAD-9FF2-25E33DA7A2DE}" type="datetime1">
               <a:rPr lang="en-US" smtClean="0"/>
-              <a:t>6/18/2015</a:t>
+              <a:t>6/19/2015</a:t>
             </a:fld>
             <a:endParaRPr lang="en-US"/>
           </a:p>
@@ -8796,7 +8796,7 @@
           <a:p>
             <a:fld id="{FC3B0C6D-E3BB-429A-AB5D-08885DC9FDF2}" type="datetime1">
               <a:rPr lang="en-US" smtClean="0"/>
-              <a:t>6/18/2015</a:t>
+              <a:t>6/19/2015</a:t>
             </a:fld>
             <a:endParaRPr lang="en-US"/>
           </a:p>
@@ -9327,7 +9327,7 @@
           <a:p>
             <a:fld id="{B0E3F87A-01F1-4F3F-8BAF-BABC1CBFDFDD}" type="datetime1">
               <a:rPr lang="en-US" smtClean="0"/>
-              <a:t>6/18/2015</a:t>
+              <a:t>6/19/2015</a:t>
             </a:fld>
             <a:endParaRPr lang="en-US"/>
           </a:p>
@@ -14635,7 +14635,7 @@
         </p:nvSpPr>
         <p:spPr>
           <a:xfrm>
-            <a:off x="2631077" y="4770428"/>
+            <a:off x="2631077" y="4567228"/>
             <a:ext cx="6131923" cy="731009"/>
           </a:xfrm>
           <a:prstGeom prst="roundRect">
@@ -14666,7 +14666,7 @@
                 <a:latin typeface="Segoe UI" panose="020B0502040204020203" pitchFamily="34" charset="0"/>
                 <a:cs typeface="Segoe UI" panose="020B0502040204020203" pitchFamily="34" charset="0"/>
               </a:rPr>
-              <a:t>Service Gateways</a:t>
+              <a:t>External Services Layer</a:t>
             </a:r>
             <a:endParaRPr lang="en-US" sz="1600" dirty="0">
               <a:latin typeface="Segoe UI" panose="020B0502040204020203" pitchFamily="34" charset="0"/>
@@ -14683,10 +14683,10 @@
         </p:nvGrpSpPr>
         <p:grpSpPr>
           <a:xfrm>
-            <a:off x="2643777" y="5731373"/>
-            <a:ext cx="6330951" cy="1077573"/>
-            <a:chOff x="1190637" y="5463463"/>
-            <a:chExt cx="6971653" cy="1194722"/>
+            <a:off x="835572" y="5664698"/>
+            <a:ext cx="10421008" cy="1077573"/>
+            <a:chOff x="-800561" y="5463463"/>
+            <a:chExt cx="11475630" cy="1194722"/>
           </a:xfrm>
         </p:grpSpPr>
         <p:grpSp>
@@ -14782,14 +14782,7 @@
                     <a:latin typeface="Segoe UI" panose="020B0502040204020203" pitchFamily="34" charset="0"/>
                     <a:cs typeface="Segoe UI" panose="020B0502040204020203" pitchFamily="34" charset="0"/>
                   </a:rPr>
-                  <a:t>(MySQL, SQL Server, </a:t>
-                </a:r>
-                <a:r>
-                  <a:rPr lang="en-US" sz="1100" dirty="0" smtClean="0">
-                    <a:latin typeface="Segoe UI" panose="020B0502040204020203" pitchFamily="34" charset="0"/>
-                    <a:cs typeface="Segoe UI" panose="020B0502040204020203" pitchFamily="34" charset="0"/>
-                  </a:rPr>
-                  <a:t>…)</a:t>
+                  <a:t>(MySQL, SQL Server, …)</a:t>
                 </a:r>
                 <a:endParaRPr lang="en-US" sz="1100" dirty="0">
                   <a:latin typeface="Segoe UI" panose="020B0502040204020203" pitchFamily="34" charset="0"/>
@@ -15115,14 +15108,7 @@
                     <a:latin typeface="Segoe UI" panose="020B0502040204020203" pitchFamily="34" charset="0"/>
                     <a:cs typeface="Segoe UI" panose="020B0502040204020203" pitchFamily="34" charset="0"/>
                   </a:rPr>
-                  <a:t>Cache </a:t>
-                </a:r>
-                <a:r>
-                  <a:rPr lang="en-US" sz="1100" dirty="0" smtClean="0">
-                    <a:latin typeface="Segoe UI" panose="020B0502040204020203" pitchFamily="34" charset="0"/>
-                    <a:cs typeface="Segoe UI" panose="020B0502040204020203" pitchFamily="34" charset="0"/>
-                  </a:rPr>
-                  <a:t>(</a:t>
+                  <a:t>Cache (</a:t>
                 </a:r>
                 <a:r>
                   <a:rPr lang="en-US" sz="1100" dirty="0" err="1" smtClean="0">
@@ -15168,8 +15154,8 @@
           </p:nvSpPr>
           <p:spPr>
             <a:xfrm>
-              <a:off x="1190638" y="5605009"/>
-              <a:ext cx="6752482" cy="1053176"/>
+              <a:off x="-800561" y="5605009"/>
+              <a:ext cx="11475630" cy="1053176"/>
             </a:xfrm>
             <a:prstGeom prst="roundRect">
               <a:avLst/>
@@ -15214,8 +15200,8 @@
         </p:nvSpPr>
         <p:spPr>
           <a:xfrm>
-            <a:off x="835572" y="1952624"/>
-            <a:ext cx="10421008" cy="4873843"/>
+            <a:off x="835572" y="1538485"/>
+            <a:ext cx="10421008" cy="3850641"/>
           </a:xfrm>
           <a:prstGeom prst="roundRect">
             <a:avLst>
@@ -15260,8 +15246,8 @@
         </p:nvSpPr>
         <p:spPr>
           <a:xfrm>
-            <a:off x="835572" y="72639"/>
-            <a:ext cx="10421008" cy="1788918"/>
+            <a:off x="835572" y="46128"/>
+            <a:ext cx="10421008" cy="1119341"/>
           </a:xfrm>
           <a:prstGeom prst="roundRect">
             <a:avLst>
@@ -15306,7 +15292,7 @@
         </p:nvSpPr>
         <p:spPr>
           <a:xfrm>
-            <a:off x="835572" y="47236"/>
+            <a:off x="835572" y="25865"/>
             <a:ext cx="1095942" cy="338554"/>
           </a:xfrm>
           <a:prstGeom prst="rect">
@@ -15336,7 +15322,7 @@
         </p:nvSpPr>
         <p:spPr>
           <a:xfrm>
-            <a:off x="2631078" y="2088575"/>
+            <a:off x="2631078" y="1885375"/>
             <a:ext cx="4094129" cy="643683"/>
           </a:xfrm>
           <a:prstGeom prst="roundRect">
@@ -15374,21 +15360,21 @@
                 <a:latin typeface="Segoe UI" panose="020B0502040204020203" pitchFamily="34" charset="0"/>
                 <a:cs typeface="Segoe UI" panose="020B0502040204020203" pitchFamily="34" charset="0"/>
               </a:rPr>
-              <a:t>Web </a:t>
+              <a:t>Web (MVC, </a:t>
             </a:r>
             <a:r>
               <a:rPr lang="en-US" sz="1600" dirty="0" smtClean="0">
                 <a:latin typeface="Segoe UI" panose="020B0502040204020203" pitchFamily="34" charset="0"/>
                 <a:cs typeface="Segoe UI" panose="020B0502040204020203" pitchFamily="34" charset="0"/>
               </a:rPr>
-              <a:t>(MVC, Web API, </a:t>
+              <a:t>RESTful API</a:t>
             </a:r>
             <a:r>
               <a:rPr lang="en-US" sz="1600" dirty="0" smtClean="0">
                 <a:latin typeface="Segoe UI" panose="020B0502040204020203" pitchFamily="34" charset="0"/>
                 <a:cs typeface="Segoe UI" panose="020B0502040204020203" pitchFamily="34" charset="0"/>
               </a:rPr>
-              <a:t>…)</a:t>
+              <a:t>, …)</a:t>
             </a:r>
             <a:endParaRPr lang="en-US" sz="1600" dirty="0">
               <a:latin typeface="Segoe UI" panose="020B0502040204020203" pitchFamily="34" charset="0"/>
@@ -15405,7 +15391,7 @@
         </p:nvSpPr>
         <p:spPr>
           <a:xfrm>
-            <a:off x="6858000" y="2085079"/>
+            <a:off x="6858000" y="1881879"/>
             <a:ext cx="1905000" cy="643683"/>
           </a:xfrm>
           <a:prstGeom prst="roundRect">
@@ -15453,7 +15439,7 @@
         </p:nvGrpSpPr>
         <p:grpSpPr>
           <a:xfrm>
-            <a:off x="8860427" y="2064738"/>
+            <a:off x="8860427" y="1861538"/>
             <a:ext cx="1962808" cy="3457030"/>
             <a:chOff x="8860427" y="2064738"/>
             <a:chExt cx="1962808" cy="3457030"/>
@@ -15673,54 +15659,6 @@
           </p:sp>
           <p:sp>
             <p:nvSpPr>
-              <p:cNvPr id="9" name="Rounded Rectangle 8"/>
-              <p:cNvSpPr/>
-              <p:nvPr/>
-            </p:nvSpPr>
-            <p:spPr>
-              <a:xfrm>
-                <a:off x="1383424" y="2583654"/>
-                <a:ext cx="1548962" cy="504441"/>
-              </a:xfrm>
-              <a:prstGeom prst="roundRect">
-                <a:avLst/>
-              </a:prstGeom>
-            </p:spPr>
-            <p:style>
-              <a:lnRef idx="1">
-                <a:schemeClr val="accent3"/>
-              </a:lnRef>
-              <a:fillRef idx="2">
-                <a:schemeClr val="accent3"/>
-              </a:fillRef>
-              <a:effectRef idx="1">
-                <a:schemeClr val="accent3"/>
-              </a:effectRef>
-              <a:fontRef idx="minor">
-                <a:schemeClr val="dk1"/>
-              </a:fontRef>
-            </p:style>
-            <p:txBody>
-              <a:bodyPr rtlCol="0" anchor="ctr"/>
-              <a:lstStyle/>
-              <a:p>
-                <a:pPr algn="ctr"/>
-                <a:r>
-                  <a:rPr lang="en-US" sz="1600" dirty="0" smtClean="0">
-                    <a:latin typeface="Segoe UI" panose="020B0502040204020203" pitchFamily="34" charset="0"/>
-                    <a:cs typeface="Segoe UI" panose="020B0502040204020203" pitchFamily="34" charset="0"/>
-                  </a:rPr>
-                  <a:t>Adapter</a:t>
-                </a:r>
-                <a:endParaRPr lang="en-US" sz="1600" dirty="0">
-                  <a:latin typeface="Segoe UI" panose="020B0502040204020203" pitchFamily="34" charset="0"/>
-                  <a:cs typeface="Segoe UI" panose="020B0502040204020203" pitchFamily="34" charset="0"/>
-                </a:endParaRPr>
-              </a:p>
-            </p:txBody>
-          </p:sp>
-          <p:sp>
-            <p:nvSpPr>
               <p:cNvPr id="10" name="Rounded Rectangle 9"/>
               <p:cNvSpPr/>
               <p:nvPr/>
@@ -15817,204 +15755,54 @@
           </p:txBody>
         </p:sp>
       </p:grpSp>
-      <p:grpSp>
-        <p:nvGrpSpPr>
-          <p:cNvPr id="54" name="Group 53"/>
-          <p:cNvGrpSpPr/>
+      <p:sp>
+        <p:nvSpPr>
+          <p:cNvPr id="51" name="Rounded Rectangle 50"/>
+          <p:cNvSpPr/>
           <p:nvPr/>
-        </p:nvGrpSpPr>
-        <p:grpSpPr>
+        </p:nvSpPr>
+        <p:spPr>
           <a:xfrm>
-            <a:off x="1074089" y="2085078"/>
-            <a:ext cx="1402602" cy="3416351"/>
-            <a:chOff x="737959" y="2071951"/>
-            <a:chExt cx="1402602" cy="3457030"/>
+            <a:off x="9161056" y="3030700"/>
+            <a:ext cx="1252568" cy="489084"/>
           </a:xfrm>
-        </p:grpSpPr>
-        <p:grpSp>
-          <p:nvGrpSpPr>
-            <p:cNvPr id="53" name="Group 52"/>
-            <p:cNvGrpSpPr/>
-            <p:nvPr/>
-          </p:nvGrpSpPr>
-          <p:grpSpPr>
-            <a:xfrm>
-              <a:off x="737959" y="2071951"/>
-              <a:ext cx="1402602" cy="3457030"/>
-              <a:chOff x="728449" y="2020688"/>
-              <a:chExt cx="1402602" cy="3457030"/>
-            </a:xfrm>
-          </p:grpSpPr>
-          <p:sp>
-            <p:nvSpPr>
-              <p:cNvPr id="15" name="Rounded Rectangle 14"/>
-              <p:cNvSpPr/>
-              <p:nvPr/>
-            </p:nvSpPr>
-            <p:spPr>
-              <a:xfrm>
-                <a:off x="728449" y="2020688"/>
-                <a:ext cx="1402602" cy="3457030"/>
-              </a:xfrm>
-              <a:prstGeom prst="roundRect">
-                <a:avLst/>
-              </a:prstGeom>
-            </p:spPr>
-            <p:style>
-              <a:lnRef idx="1">
-                <a:schemeClr val="accent3"/>
-              </a:lnRef>
-              <a:fillRef idx="2">
-                <a:schemeClr val="accent3"/>
-              </a:fillRef>
-              <a:effectRef idx="1">
-                <a:schemeClr val="accent3"/>
-              </a:effectRef>
-              <a:fontRef idx="minor">
-                <a:schemeClr val="dk1"/>
-              </a:fontRef>
-            </p:style>
-            <p:txBody>
-              <a:bodyPr rtlCol="0" anchor="ctr"/>
-              <a:lstStyle/>
-              <a:p>
-                <a:pPr algn="ctr"/>
-                <a:endParaRPr lang="en-US" sz="1600" dirty="0">
-                  <a:latin typeface="Segoe UI" panose="020B0502040204020203" pitchFamily="34" charset="0"/>
-                  <a:cs typeface="Segoe UI" panose="020B0502040204020203" pitchFamily="34" charset="0"/>
-                </a:endParaRPr>
-              </a:p>
-            </p:txBody>
-          </p:sp>
-          <p:sp>
-            <p:nvSpPr>
-              <p:cNvPr id="49" name="TextBox 48"/>
-              <p:cNvSpPr txBox="1"/>
-              <p:nvPr/>
-            </p:nvSpPr>
-            <p:spPr>
-              <a:xfrm>
-                <a:off x="800599" y="2103399"/>
-                <a:ext cx="1279683" cy="338554"/>
-              </a:xfrm>
-              <a:prstGeom prst="rect">
-                <a:avLst/>
-              </a:prstGeom>
-              <a:noFill/>
-            </p:spPr>
-            <p:txBody>
-              <a:bodyPr wrap="square" rtlCol="0">
-                <a:spAutoFit/>
-              </a:bodyPr>
-              <a:lstStyle/>
-              <a:p>
-                <a:pPr algn="ctr"/>
-                <a:r>
-                  <a:rPr lang="en-US" sz="1600" dirty="0" smtClean="0"/>
-                  <a:t>Share Types</a:t>
-                </a:r>
-                <a:endParaRPr lang="en-US" sz="1600" dirty="0"/>
-              </a:p>
-            </p:txBody>
-          </p:sp>
-        </p:grpSp>
-        <p:sp>
-          <p:nvSpPr>
-            <p:cNvPr id="51" name="Rounded Rectangle 50"/>
-            <p:cNvSpPr/>
-            <p:nvPr/>
-          </p:nvSpPr>
-          <p:spPr>
-            <a:xfrm>
-              <a:off x="812976" y="4865245"/>
-              <a:ext cx="1252568" cy="494908"/>
-            </a:xfrm>
-            <a:prstGeom prst="roundRect">
-              <a:avLst/>
-            </a:prstGeom>
-          </p:spPr>
-          <p:style>
-            <a:lnRef idx="1">
-              <a:schemeClr val="accent3"/>
-            </a:lnRef>
-            <a:fillRef idx="2">
-              <a:schemeClr val="accent3"/>
-            </a:fillRef>
-            <a:effectRef idx="1">
-              <a:schemeClr val="accent3"/>
-            </a:effectRef>
-            <a:fontRef idx="minor">
-              <a:schemeClr val="dk1"/>
-            </a:fontRef>
-          </p:style>
-          <p:txBody>
-            <a:bodyPr rtlCol="0" anchor="ctr"/>
-            <a:lstStyle/>
-            <a:p>
-              <a:pPr algn="ctr"/>
-              <a:r>
-                <a:rPr lang="en-US" sz="1600" dirty="0" smtClean="0">
-                  <a:latin typeface="Segoe UI" panose="020B0502040204020203" pitchFamily="34" charset="0"/>
-                  <a:cs typeface="Segoe UI" panose="020B0502040204020203" pitchFamily="34" charset="0"/>
-                </a:rPr>
-                <a:t>Business Entity</a:t>
-              </a:r>
-              <a:endParaRPr lang="en-US" sz="1600" dirty="0">
+          <a:prstGeom prst="roundRect">
+            <a:avLst/>
+          </a:prstGeom>
+        </p:spPr>
+        <p:style>
+          <a:lnRef idx="1">
+            <a:schemeClr val="accent3"/>
+          </a:lnRef>
+          <a:fillRef idx="2">
+            <a:schemeClr val="accent3"/>
+          </a:fillRef>
+          <a:effectRef idx="1">
+            <a:schemeClr val="accent3"/>
+          </a:effectRef>
+          <a:fontRef idx="minor">
+            <a:schemeClr val="dk1"/>
+          </a:fontRef>
+        </p:style>
+        <p:txBody>
+          <a:bodyPr rtlCol="0" anchor="ctr"/>
+          <a:lstStyle/>
+          <a:p>
+            <a:pPr algn="ctr"/>
+            <a:r>
+              <a:rPr lang="en-US" sz="1600" dirty="0" smtClean="0">
                 <a:latin typeface="Segoe UI" panose="020B0502040204020203" pitchFamily="34" charset="0"/>
                 <a:cs typeface="Segoe UI" panose="020B0502040204020203" pitchFamily="34" charset="0"/>
-              </a:endParaRPr>
-            </a:p>
-          </p:txBody>
-        </p:sp>
-        <p:sp>
-          <p:nvSpPr>
-            <p:cNvPr id="52" name="Rounded Rectangle 51"/>
-            <p:cNvSpPr/>
-            <p:nvPr/>
-          </p:nvSpPr>
-          <p:spPr>
-            <a:xfrm>
-              <a:off x="812976" y="4316227"/>
-              <a:ext cx="1252568" cy="494908"/>
-            </a:xfrm>
-            <a:prstGeom prst="roundRect">
-              <a:avLst/>
-            </a:prstGeom>
-          </p:spPr>
-          <p:style>
-            <a:lnRef idx="1">
-              <a:schemeClr val="accent3"/>
-            </a:lnRef>
-            <a:fillRef idx="2">
-              <a:schemeClr val="accent3"/>
-            </a:fillRef>
-            <a:effectRef idx="1">
-              <a:schemeClr val="accent3"/>
-            </a:effectRef>
-            <a:fontRef idx="minor">
-              <a:schemeClr val="dk1"/>
-            </a:fontRef>
-          </p:style>
-          <p:txBody>
-            <a:bodyPr rtlCol="0" anchor="ctr"/>
-            <a:lstStyle/>
-            <a:p>
-              <a:pPr algn="ctr"/>
-              <a:r>
-                <a:rPr lang="en-US" sz="1600" dirty="0" err="1" smtClean="0">
-                  <a:latin typeface="Segoe UI" panose="020B0502040204020203" pitchFamily="34" charset="0"/>
-                  <a:cs typeface="Segoe UI" panose="020B0502040204020203" pitchFamily="34" charset="0"/>
-                </a:rPr>
-                <a:t>Enum</a:t>
-              </a:r>
-              <a:endParaRPr lang="en-US" sz="1600" dirty="0">
-                <a:latin typeface="Segoe UI" panose="020B0502040204020203" pitchFamily="34" charset="0"/>
-                <a:cs typeface="Segoe UI" panose="020B0502040204020203" pitchFamily="34" charset="0"/>
-              </a:endParaRPr>
-            </a:p>
-          </p:txBody>
-        </p:sp>
-      </p:grpSp>
+              </a:rPr>
+              <a:t>Business Entity</a:t>
+            </a:r>
+            <a:endParaRPr lang="en-US" sz="1600" dirty="0">
+              <a:latin typeface="Segoe UI" panose="020B0502040204020203" pitchFamily="34" charset="0"/>
+              <a:cs typeface="Segoe UI" panose="020B0502040204020203" pitchFamily="34" charset="0"/>
+            </a:endParaRPr>
+          </a:p>
+        </p:txBody>
+      </p:sp>
       <p:sp>
         <p:nvSpPr>
           <p:cNvPr id="86" name="Rounded Rectangle 85"/>
@@ -16023,7 +15811,7 @@
         </p:nvSpPr>
         <p:spPr>
           <a:xfrm>
-            <a:off x="2631077" y="2830654"/>
+            <a:off x="2631077" y="2627454"/>
             <a:ext cx="6131923" cy="1855646"/>
           </a:xfrm>
           <a:prstGeom prst="roundRect">
@@ -16067,7 +15855,7 @@
         </p:nvGrpSpPr>
         <p:grpSpPr>
           <a:xfrm>
-            <a:off x="3408047" y="562835"/>
+            <a:off x="3408047" y="105635"/>
             <a:ext cx="1061107" cy="1029053"/>
             <a:chOff x="3503297" y="562835"/>
             <a:chExt cx="1061107" cy="1029053"/>
@@ -16160,7 +15948,7 @@
         </p:nvGrpSpPr>
         <p:grpSpPr>
           <a:xfrm>
-            <a:off x="4941534" y="562836"/>
+            <a:off x="4941534" y="105636"/>
             <a:ext cx="1821216" cy="1029052"/>
             <a:chOff x="5036784" y="562836"/>
             <a:chExt cx="1821216" cy="1029052"/>
@@ -16247,7 +16035,7 @@
         </p:nvGrpSpPr>
         <p:grpSpPr>
           <a:xfrm>
-            <a:off x="6762750" y="614893"/>
+            <a:off x="6762750" y="157693"/>
             <a:ext cx="1821216" cy="961937"/>
             <a:chOff x="6858000" y="627593"/>
             <a:chExt cx="1821216" cy="961937"/>
@@ -16341,7 +16129,7 @@
         </p:nvSpPr>
         <p:spPr>
           <a:xfrm>
-            <a:off x="3790950" y="1589530"/>
+            <a:off x="3790950" y="1170430"/>
             <a:ext cx="226277" cy="363094"/>
           </a:xfrm>
           <a:prstGeom prst="upDownArrow">
@@ -16379,7 +16167,7 @@
         </p:nvSpPr>
         <p:spPr>
           <a:xfrm>
-            <a:off x="5697398" y="1582591"/>
+            <a:off x="5697398" y="1176191"/>
             <a:ext cx="226277" cy="363094"/>
           </a:xfrm>
           <a:prstGeom prst="upDownArrow">
@@ -16417,7 +16205,7 @@
         </p:nvSpPr>
         <p:spPr>
           <a:xfrm>
-            <a:off x="7560219" y="1582591"/>
+            <a:off x="7560219" y="1176191"/>
             <a:ext cx="226277" cy="363094"/>
           </a:xfrm>
           <a:prstGeom prst="upDownArrow">
@@ -16455,7 +16243,7 @@
         </p:nvSpPr>
         <p:spPr>
           <a:xfrm>
-            <a:off x="3332879" y="5524426"/>
+            <a:off x="3332879" y="5400601"/>
             <a:ext cx="226277" cy="363094"/>
           </a:xfrm>
           <a:prstGeom prst="upDownArrow">
@@ -16493,7 +16281,7 @@
         </p:nvSpPr>
         <p:spPr>
           <a:xfrm>
-            <a:off x="4915517" y="5536645"/>
+            <a:off x="4915517" y="5412820"/>
             <a:ext cx="226277" cy="363094"/>
           </a:xfrm>
           <a:prstGeom prst="upDownArrow">
@@ -16531,7 +16319,7 @@
         </p:nvSpPr>
         <p:spPr>
           <a:xfrm>
-            <a:off x="6561268" y="5536580"/>
+            <a:off x="6561268" y="5412755"/>
             <a:ext cx="226277" cy="363094"/>
           </a:xfrm>
           <a:prstGeom prst="upDownArrow">
@@ -16569,7 +16357,7 @@
         </p:nvSpPr>
         <p:spPr>
           <a:xfrm>
-            <a:off x="8003771" y="5537126"/>
+            <a:off x="8003771" y="5413301"/>
             <a:ext cx="226277" cy="363094"/>
           </a:xfrm>
           <a:prstGeom prst="upDownArrow">
@@ -16601,32 +16389,28 @@
       </p:sp>
       <p:sp>
         <p:nvSpPr>
-          <p:cNvPr id="97" name="Rounded Rectangle 96"/>
+          <p:cNvPr id="99" name="Rounded Rectangle 98"/>
           <p:cNvSpPr/>
           <p:nvPr/>
         </p:nvSpPr>
         <p:spPr>
           <a:xfrm>
-            <a:off x="2895600" y="2958699"/>
-            <a:ext cx="5566848" cy="486700"/>
+            <a:off x="-152347" y="-992723"/>
+            <a:ext cx="5566848" cy="544646"/>
           </a:xfrm>
           <a:prstGeom prst="roundRect">
             <a:avLst/>
           </a:prstGeom>
-          <a:noFill/>
-          <a:ln>
-            <a:prstDash val="dash"/>
-          </a:ln>
         </p:spPr>
         <p:style>
-          <a:lnRef idx="2">
-            <a:schemeClr val="dk1"/>
+          <a:lnRef idx="1">
+            <a:schemeClr val="accent3"/>
           </a:lnRef>
-          <a:fillRef idx="1">
-            <a:schemeClr val="lt1"/>
+          <a:fillRef idx="2">
+            <a:schemeClr val="accent3"/>
           </a:fillRef>
-          <a:effectRef idx="0">
-            <a:schemeClr val="dk1"/>
+          <a:effectRef idx="1">
+            <a:schemeClr val="accent3"/>
           </a:effectRef>
           <a:fontRef idx="minor">
             <a:schemeClr val="dk1"/>
@@ -16638,26 +16422,236 @@
           <a:p>
             <a:pPr algn="ctr"/>
             <a:r>
-              <a:rPr lang="en-US" sz="1600" dirty="0" smtClean="0"/>
-              <a:t>Application Services</a:t>
-            </a:r>
-            <a:endParaRPr lang="en-US" sz="1600" dirty="0"/>
-          </a:p>
-        </p:txBody>
-      </p:sp>
-      <p:sp>
-        <p:nvSpPr>
-          <p:cNvPr id="99" name="Rounded Rectangle 98"/>
+              <a:rPr lang="en-US" sz="1600" dirty="0" smtClean="0">
+                <a:solidFill>
+                  <a:schemeClr val="dk1"/>
+                </a:solidFill>
+                <a:latin typeface="Segoe UI" panose="020B0502040204020203" pitchFamily="34" charset="0"/>
+                <a:cs typeface="Segoe UI" panose="020B0502040204020203" pitchFamily="34" charset="0"/>
+              </a:rPr>
+              <a:t>Top Business Level</a:t>
+            </a:r>
+            <a:endParaRPr lang="en-US" sz="1600" dirty="0">
+              <a:solidFill>
+                <a:schemeClr val="dk1"/>
+              </a:solidFill>
+              <a:latin typeface="Segoe UI" panose="020B0502040204020203" pitchFamily="34" charset="0"/>
+              <a:cs typeface="Segoe UI" panose="020B0502040204020203" pitchFamily="34" charset="0"/>
+            </a:endParaRPr>
+          </a:p>
+        </p:txBody>
+      </p:sp>
+      <p:sp>
+        <p:nvSpPr>
+          <p:cNvPr id="58" name="Rounded Rectangle 57"/>
           <p:cNvSpPr/>
           <p:nvPr/>
         </p:nvSpPr>
         <p:spPr>
           <a:xfrm>
-            <a:off x="2895600" y="3610288"/>
-            <a:ext cx="2019917" cy="860112"/>
+            <a:off x="4037984" y="3233507"/>
+            <a:ext cx="4442477" cy="548696"/>
           </a:xfrm>
           <a:prstGeom prst="roundRect">
             <a:avLst/>
+          </a:prstGeom>
+        </p:spPr>
+        <p:style>
+          <a:lnRef idx="1">
+            <a:schemeClr val="accent3"/>
+          </a:lnRef>
+          <a:fillRef idx="2">
+            <a:schemeClr val="accent3"/>
+          </a:fillRef>
+          <a:effectRef idx="1">
+            <a:schemeClr val="accent3"/>
+          </a:effectRef>
+          <a:fontRef idx="minor">
+            <a:schemeClr val="dk1"/>
+          </a:fontRef>
+        </p:style>
+        <p:txBody>
+          <a:bodyPr rtlCol="0" anchor="ctr"/>
+          <a:lstStyle/>
+          <a:p>
+            <a:pPr algn="ctr"/>
+            <a:r>
+              <a:rPr lang="en-US" sz="1600" dirty="0">
+                <a:solidFill>
+                  <a:schemeClr val="dk1"/>
+                </a:solidFill>
+                <a:latin typeface="Segoe UI" panose="020B0502040204020203" pitchFamily="34" charset="0"/>
+                <a:cs typeface="Segoe UI" panose="020B0502040204020203" pitchFamily="34" charset="0"/>
+              </a:rPr>
+              <a:t>Business </a:t>
+            </a:r>
+            <a:r>
+              <a:rPr lang="en-US" sz="1600" dirty="0" smtClean="0">
+                <a:solidFill>
+                  <a:schemeClr val="dk1"/>
+                </a:solidFill>
+                <a:latin typeface="Segoe UI" panose="020B0502040204020203" pitchFamily="34" charset="0"/>
+                <a:cs typeface="Segoe UI" panose="020B0502040204020203" pitchFamily="34" charset="0"/>
+              </a:rPr>
+              <a:t>Layer level N</a:t>
+            </a:r>
+            <a:endParaRPr lang="en-US" sz="1600" dirty="0">
+              <a:solidFill>
+                <a:schemeClr val="dk1"/>
+              </a:solidFill>
+              <a:latin typeface="Segoe UI" panose="020B0502040204020203" pitchFamily="34" charset="0"/>
+              <a:cs typeface="Segoe UI" panose="020B0502040204020203" pitchFamily="34" charset="0"/>
+            </a:endParaRPr>
+          </a:p>
+        </p:txBody>
+      </p:sp>
+      <p:sp>
+        <p:nvSpPr>
+          <p:cNvPr id="59" name="TextBox 58"/>
+          <p:cNvSpPr txBox="1"/>
+          <p:nvPr/>
+        </p:nvSpPr>
+        <p:spPr>
+          <a:xfrm>
+            <a:off x="835572" y="5759040"/>
+            <a:ext cx="1690596" cy="338554"/>
+          </a:xfrm>
+          <a:prstGeom prst="rect">
+            <a:avLst/>
+          </a:prstGeom>
+          <a:noFill/>
+        </p:spPr>
+        <p:txBody>
+          <a:bodyPr wrap="square" rtlCol="0">
+            <a:spAutoFit/>
+          </a:bodyPr>
+          <a:lstStyle/>
+          <a:p>
+            <a:r>
+              <a:rPr lang="en-US" sz="1600" dirty="0" smtClean="0"/>
+              <a:t>External Services</a:t>
+            </a:r>
+            <a:endParaRPr lang="en-US" sz="1600" dirty="0"/>
+          </a:p>
+        </p:txBody>
+      </p:sp>
+      <p:sp>
+        <p:nvSpPr>
+          <p:cNvPr id="60" name="TextBox 59"/>
+          <p:cNvSpPr txBox="1"/>
+          <p:nvPr/>
+        </p:nvSpPr>
+        <p:spPr>
+          <a:xfrm>
+            <a:off x="835571" y="1497584"/>
+            <a:ext cx="1275207" cy="338554"/>
+          </a:xfrm>
+          <a:prstGeom prst="rect">
+            <a:avLst/>
+          </a:prstGeom>
+          <a:noFill/>
+        </p:spPr>
+        <p:txBody>
+          <a:bodyPr wrap="square" rtlCol="0">
+            <a:spAutoFit/>
+          </a:bodyPr>
+          <a:lstStyle/>
+          <a:p>
+            <a:r>
+              <a:rPr lang="en-US" sz="1600" dirty="0" smtClean="0"/>
+              <a:t>Application</a:t>
+            </a:r>
+            <a:endParaRPr lang="en-US" sz="1600" dirty="0"/>
+          </a:p>
+        </p:txBody>
+      </p:sp>
+      <p:sp>
+        <p:nvSpPr>
+          <p:cNvPr id="61" name="Rounded Rectangle 60"/>
+          <p:cNvSpPr/>
+          <p:nvPr/>
+        </p:nvSpPr>
+        <p:spPr>
+          <a:xfrm>
+            <a:off x="4125176" y="3957013"/>
+            <a:ext cx="4355285" cy="548696"/>
+          </a:xfrm>
+          <a:prstGeom prst="roundRect">
+            <a:avLst/>
+          </a:prstGeom>
+        </p:spPr>
+        <p:style>
+          <a:lnRef idx="1">
+            <a:schemeClr val="accent3"/>
+          </a:lnRef>
+          <a:fillRef idx="2">
+            <a:schemeClr val="accent3"/>
+          </a:fillRef>
+          <a:effectRef idx="1">
+            <a:schemeClr val="accent3"/>
+          </a:effectRef>
+          <a:fontRef idx="minor">
+            <a:schemeClr val="dk1"/>
+          </a:fontRef>
+        </p:style>
+        <p:txBody>
+          <a:bodyPr rtlCol="0" anchor="ctr"/>
+          <a:lstStyle/>
+          <a:p>
+            <a:pPr algn="ctr"/>
+            <a:r>
+              <a:rPr lang="en-US" sz="1600" dirty="0" smtClean="0">
+                <a:solidFill>
+                  <a:schemeClr val="dk1"/>
+                </a:solidFill>
+                <a:latin typeface="Segoe UI" panose="020B0502040204020203" pitchFamily="34" charset="0"/>
+                <a:cs typeface="Segoe UI" panose="020B0502040204020203" pitchFamily="34" charset="0"/>
+              </a:rPr>
+              <a:t>Business Layer </a:t>
+            </a:r>
+            <a:r>
+              <a:rPr lang="en-US" sz="1600" dirty="0" smtClean="0">
+                <a:latin typeface="Segoe UI" panose="020B0502040204020203" pitchFamily="34" charset="0"/>
+                <a:cs typeface="Segoe UI" panose="020B0502040204020203" pitchFamily="34" charset="0"/>
+              </a:rPr>
+              <a:t>l</a:t>
+            </a:r>
+            <a:r>
+              <a:rPr lang="en-US" sz="1600" dirty="0" smtClean="0">
+                <a:solidFill>
+                  <a:schemeClr val="dk1"/>
+                </a:solidFill>
+                <a:latin typeface="Segoe UI" panose="020B0502040204020203" pitchFamily="34" charset="0"/>
+                <a:cs typeface="Segoe UI" panose="020B0502040204020203" pitchFamily="34" charset="0"/>
+              </a:rPr>
+              <a:t>evel N</a:t>
+            </a:r>
+            <a:endParaRPr lang="en-US" sz="1600" dirty="0">
+              <a:solidFill>
+                <a:schemeClr val="dk1"/>
+              </a:solidFill>
+              <a:latin typeface="Segoe UI" panose="020B0502040204020203" pitchFamily="34" charset="0"/>
+              <a:cs typeface="Segoe UI" panose="020B0502040204020203" pitchFamily="34" charset="0"/>
+            </a:endParaRPr>
+          </a:p>
+        </p:txBody>
+      </p:sp>
+      <p:sp>
+        <p:nvSpPr>
+          <p:cNvPr id="2" name="L-Shape 1"/>
+          <p:cNvSpPr/>
+          <p:nvPr/>
+        </p:nvSpPr>
+        <p:spPr>
+          <a:xfrm rot="10800000" flipH="1">
+            <a:off x="3086100" y="2514288"/>
+            <a:ext cx="4661046" cy="1882252"/>
+          </a:xfrm>
+          <a:prstGeom prst="corner">
+            <a:avLst>
+              <a:gd name="adj1" fmla="val 35156"/>
+              <a:gd name="adj2" fmla="val 50000"/>
+            </a:avLst>
           </a:prstGeom>
         </p:spPr>
         <p:style>
@@ -16681,55 +16675,7 @@
           <a:lstStyle/>
           <a:p>
             <a:pPr algn="ctr"/>
-            <a:r>
-              <a:rPr lang="en-US" dirty="0" smtClean="0"/>
-              <a:t>Business Level 1</a:t>
-            </a:r>
-            <a:endParaRPr lang="en-US" dirty="0"/>
-          </a:p>
-        </p:txBody>
-      </p:sp>
-      <p:sp>
-        <p:nvSpPr>
-          <p:cNvPr id="113" name="Rounded Rectangle 112"/>
-          <p:cNvSpPr/>
-          <p:nvPr/>
-        </p:nvSpPr>
-        <p:spPr>
-          <a:xfrm>
-            <a:off x="5060145" y="3610288"/>
-            <a:ext cx="2019917" cy="860112"/>
-          </a:xfrm>
-          <a:prstGeom prst="roundRect">
-            <a:avLst/>
-          </a:prstGeom>
-        </p:spPr>
-        <p:style>
-          <a:lnRef idx="2">
-            <a:schemeClr val="accent1">
-              <a:shade val="50000"/>
-            </a:schemeClr>
-          </a:lnRef>
-          <a:fillRef idx="1">
-            <a:schemeClr val="accent1"/>
-          </a:fillRef>
-          <a:effectRef idx="0">
-            <a:schemeClr val="accent1"/>
-          </a:effectRef>
-          <a:fontRef idx="minor">
-            <a:schemeClr val="lt1"/>
-          </a:fontRef>
-        </p:style>
-        <p:txBody>
-          <a:bodyPr rtlCol="0" anchor="ctr"/>
-          <a:lstStyle/>
-          <a:p>
-            <a:pPr algn="ctr"/>
-            <a:r>
-              <a:rPr lang="en-US" dirty="0" smtClean="0"/>
-              <a:t>Business Level 1</a:t>
-            </a:r>
-            <a:endParaRPr lang="en-US" dirty="0"/>
+            <a:endParaRPr lang="en-US"/>
           </a:p>
         </p:txBody>
       </p:sp>

--- a/Documents/Lessons Learned From Agile Quality Assurance In Scrum.pptx
+++ b/Documents/Lessons Learned From Agile Quality Assurance In Scrum.pptx
@@ -23314,9 +23314,9 @@
         <p:grpSpPr>
           <a:xfrm>
             <a:off x="342292" y="2897634"/>
-            <a:ext cx="5262046" cy="2956875"/>
+            <a:ext cx="5512109" cy="2956875"/>
             <a:chOff x="715755" y="3417497"/>
-            <a:chExt cx="5262046" cy="2956875"/>
+            <a:chExt cx="5512109" cy="2956875"/>
           </a:xfrm>
         </p:grpSpPr>
         <p:pic>
@@ -23358,7 +23358,7 @@
           <p:spPr>
             <a:xfrm>
               <a:off x="4034238" y="3417497"/>
-              <a:ext cx="1943563" cy="666514"/>
+              <a:ext cx="2193626" cy="666514"/>
             </a:xfrm>
             <a:prstGeom prst="wedgeRoundRectCallout">
               <a:avLst>
@@ -23392,6 +23392,7 @@
                   <a:solidFill>
                     <a:schemeClr val="tx1"/>
                   </a:solidFill>
+                  <a:latin typeface="Comic Sans MS" panose="030F0702030302020204" pitchFamily="66" charset="0"/>
                 </a:rPr>
                 <a:t>Simulate real user scenarios to test the entire application.</a:t>
               </a:r>
@@ -23399,6 +23400,7 @@
                 <a:solidFill>
                   <a:schemeClr val="tx1"/>
                 </a:solidFill>
+                <a:latin typeface="Comic Sans MS" panose="030F0702030302020204" pitchFamily="66" charset="0"/>
               </a:endParaRPr>
             </a:p>
           </p:txBody>
@@ -23413,7 +23415,7 @@
         <p:spPr>
           <a:xfrm>
             <a:off x="8004072" y="3263148"/>
-            <a:ext cx="1988065" cy="656158"/>
+            <a:ext cx="2054328" cy="656158"/>
           </a:xfrm>
           <a:prstGeom prst="wedgeRoundRectCallout">
             <a:avLst/>
@@ -23443,6 +23445,7 @@
                 <a:solidFill>
                   <a:schemeClr val="tx1"/>
                 </a:solidFill>
+                <a:latin typeface="Comic Sans MS" panose="030F0702030302020204" pitchFamily="66" charset="0"/>
               </a:rPr>
               <a:t>Call the top business level to test the application.</a:t>
             </a:r>
@@ -23531,18 +23534,10 @@
           <a:lstStyle/>
           <a:p>
             <a:r>
-              <a:rPr lang="en-US" sz="1600" b="1" dirty="0" smtClean="0">
-                <a:solidFill>
-                  <a:srgbClr val="FF0000"/>
-                </a:solidFill>
-              </a:rPr>
+              <a:rPr lang="en-US" sz="1600" b="1" dirty="0" smtClean="0"/>
               <a:t>The entire application is tested for critical functionalities</a:t>
             </a:r>
-            <a:endParaRPr lang="en-US" sz="1600" b="1" dirty="0">
-              <a:solidFill>
-                <a:srgbClr val="FF0000"/>
-              </a:solidFill>
-            </a:endParaRPr>
+            <a:endParaRPr lang="en-US" sz="1600" b="1" dirty="0"/>
           </a:p>
         </p:txBody>
       </p:sp>
@@ -23569,18 +23564,10 @@
           <a:lstStyle/>
           <a:p>
             <a:r>
-              <a:rPr lang="en-US" sz="1600" b="1" dirty="0" smtClean="0">
-                <a:solidFill>
-                  <a:srgbClr val="FF0000"/>
-                </a:solidFill>
-              </a:rPr>
+              <a:rPr lang="en-US" sz="1600" b="1" dirty="0" smtClean="0"/>
               <a:t>The business logic is tested for critical functionalities</a:t>
             </a:r>
-            <a:endParaRPr lang="en-US" sz="1600" b="1" dirty="0">
-              <a:solidFill>
-                <a:srgbClr val="FF0000"/>
-              </a:solidFill>
-            </a:endParaRPr>
+            <a:endParaRPr lang="en-US" sz="1600" b="1" dirty="0"/>
           </a:p>
         </p:txBody>
       </p:sp>
@@ -23592,7 +23579,7 @@
         </p:nvSpPr>
         <p:spPr>
           <a:xfrm>
-            <a:off x="1913986" y="1852053"/>
+            <a:off x="2012428" y="1852053"/>
             <a:ext cx="2313457" cy="369332"/>
           </a:xfrm>
           <a:prstGeom prst="rect">
@@ -23626,7 +23613,7 @@
         </p:nvSpPr>
         <p:spPr>
           <a:xfrm>
-            <a:off x="7544749" y="1852053"/>
+            <a:off x="7703775" y="1852053"/>
             <a:ext cx="3085075" cy="369332"/>
           </a:xfrm>
           <a:prstGeom prst="rect">

--- a/Documents/Lessons Learned From Agile Quality Assurance In Scrum.pptx
+++ b/Documents/Lessons Learned From Agile Quality Assurance In Scrum.pptx
@@ -7,7 +7,7 @@
     <p:sldMasterId id="2147483900" r:id="rId3"/>
   </p:sldMasterIdLst>
   <p:notesMasterIdLst>
-    <p:notesMasterId r:id="rId20"/>
+    <p:notesMasterId r:id="rId22"/>
   </p:notesMasterIdLst>
   <p:sldIdLst>
     <p:sldId id="256" r:id="rId4"/>
@@ -15,17 +15,19 @@
     <p:sldId id="267" r:id="rId6"/>
     <p:sldId id="272" r:id="rId7"/>
     <p:sldId id="270" r:id="rId8"/>
-    <p:sldId id="260" r:id="rId9"/>
-    <p:sldId id="261" r:id="rId10"/>
-    <p:sldId id="257" r:id="rId11"/>
-    <p:sldId id="259" r:id="rId12"/>
-    <p:sldId id="262" r:id="rId13"/>
-    <p:sldId id="264" r:id="rId14"/>
-    <p:sldId id="266" r:id="rId15"/>
-    <p:sldId id="268" r:id="rId16"/>
-    <p:sldId id="269" r:id="rId17"/>
-    <p:sldId id="271" r:id="rId18"/>
-    <p:sldId id="258" r:id="rId19"/>
+    <p:sldId id="274" r:id="rId9"/>
+    <p:sldId id="273" r:id="rId10"/>
+    <p:sldId id="260" r:id="rId11"/>
+    <p:sldId id="261" r:id="rId12"/>
+    <p:sldId id="257" r:id="rId13"/>
+    <p:sldId id="259" r:id="rId14"/>
+    <p:sldId id="262" r:id="rId15"/>
+    <p:sldId id="264" r:id="rId16"/>
+    <p:sldId id="266" r:id="rId17"/>
+    <p:sldId id="268" r:id="rId18"/>
+    <p:sldId id="269" r:id="rId19"/>
+    <p:sldId id="271" r:id="rId20"/>
+    <p:sldId id="258" r:id="rId21"/>
   </p:sldIdLst>
   <p:sldSz cx="12192000" cy="6858000"/>
   <p:notesSz cx="6858000" cy="9144000"/>
@@ -226,7 +228,7 @@
           <a:p>
             <a:fld id="{DDC08AD7-58B5-48BE-B808-02C5C825B5D9}" type="datetimeFigureOut">
               <a:rPr lang="en-US" smtClean="0"/>
-              <a:t>6/21/2015</a:t>
+              <a:t>6/22/2015</a:t>
             </a:fld>
             <a:endParaRPr lang="en-US"/>
           </a:p>
@@ -654,7 +656,7 @@
           <a:p>
             <a:fld id="{77CEC4F4-A931-4EDC-A8DD-700DC7739227}" type="slidenum">
               <a:rPr lang="en-US" smtClean="0"/>
-              <a:t>6</a:t>
+              <a:t>8</a:t>
             </a:fld>
             <a:endParaRPr lang="en-US"/>
           </a:p>
@@ -745,7 +747,7 @@
           <a:p>
             <a:fld id="{77CEC4F4-A931-4EDC-A8DD-700DC7739227}" type="slidenum">
               <a:rPr lang="en-US" smtClean="0"/>
-              <a:t>7</a:t>
+              <a:t>9</a:t>
             </a:fld>
             <a:endParaRPr lang="en-US"/>
           </a:p>
@@ -829,7 +831,7 @@
           <a:p>
             <a:fld id="{77CEC4F4-A931-4EDC-A8DD-700DC7739227}" type="slidenum">
               <a:rPr lang="en-US" smtClean="0"/>
-              <a:t>8</a:t>
+              <a:t>10</a:t>
             </a:fld>
             <a:endParaRPr lang="en-US"/>
           </a:p>
@@ -917,7 +919,7 @@
           <a:p>
             <a:fld id="{77CEC4F4-A931-4EDC-A8DD-700DC7739227}" type="slidenum">
               <a:rPr lang="en-US" smtClean="0"/>
-              <a:t>9</a:t>
+              <a:t>11</a:t>
             </a:fld>
             <a:endParaRPr lang="en-US"/>
           </a:p>
@@ -1005,7 +1007,7 @@
           <a:p>
             <a:fld id="{77CEC4F4-A931-4EDC-A8DD-700DC7739227}" type="slidenum">
               <a:rPr lang="en-US" smtClean="0"/>
-              <a:t>10</a:t>
+              <a:t>12</a:t>
             </a:fld>
             <a:endParaRPr lang="en-US"/>
           </a:p>
@@ -1089,7 +1091,7 @@
           <a:p>
             <a:fld id="{77CEC4F4-A931-4EDC-A8DD-700DC7739227}" type="slidenum">
               <a:rPr lang="en-US" smtClean="0"/>
-              <a:t>11</a:t>
+              <a:t>13</a:t>
             </a:fld>
             <a:endParaRPr lang="en-US"/>
           </a:p>
@@ -1173,7 +1175,7 @@
           <a:p>
             <a:fld id="{77CEC4F4-A931-4EDC-A8DD-700DC7739227}" type="slidenum">
               <a:rPr lang="en-US" smtClean="0"/>
-              <a:t>12</a:t>
+              <a:t>14</a:t>
             </a:fld>
             <a:endParaRPr lang="en-US"/>
           </a:p>
@@ -1334,7 +1336,7 @@
           <a:p>
             <a:fld id="{1A260A04-0D30-4F6D-881B-6C5304669D2D}" type="datetime1">
               <a:rPr lang="en-US" smtClean="0"/>
-              <a:t>6/21/2015</a:t>
+              <a:t>6/22/2015</a:t>
             </a:fld>
             <a:endParaRPr lang="en-US"/>
           </a:p>
@@ -1504,7 +1506,7 @@
           <a:p>
             <a:fld id="{E6E53668-B7C0-4790-AB12-5D3BFE47BE8B}" type="datetime1">
               <a:rPr lang="en-US" smtClean="0"/>
-              <a:t>6/21/2015</a:t>
+              <a:t>6/22/2015</a:t>
             </a:fld>
             <a:endParaRPr lang="en-US"/>
           </a:p>
@@ -1684,7 +1686,7 @@
           <a:p>
             <a:fld id="{AD012240-970E-40CC-8CD7-B4B37FE77D86}" type="datetime1">
               <a:rPr lang="en-US" smtClean="0"/>
-              <a:t>6/21/2015</a:t>
+              <a:t>6/22/2015</a:t>
             </a:fld>
             <a:endParaRPr lang="en-US"/>
           </a:p>
@@ -1887,7 +1889,7 @@
           <a:p>
             <a:fld id="{50DBB39F-26FB-4A03-A315-BBB0380AC164}" type="datetime1">
               <a:rPr lang="en-US" smtClean="0"/>
-              <a:t>6/21/2015</a:t>
+              <a:t>6/22/2015</a:t>
             </a:fld>
             <a:endParaRPr lang="en-US"/>
           </a:p>
@@ -2057,7 +2059,7 @@
           <a:p>
             <a:fld id="{5FF1C112-DB57-4E9E-8ABD-FC949F9AD8AE}" type="datetime1">
               <a:rPr lang="en-US" smtClean="0"/>
-              <a:t>6/21/2015</a:t>
+              <a:t>6/22/2015</a:t>
             </a:fld>
             <a:endParaRPr lang="en-US"/>
           </a:p>
@@ -2308,7 +2310,7 @@
           <a:p>
             <a:fld id="{96531E8E-3773-4208-9310-6439EC241707}" type="datetime1">
               <a:rPr lang="en-US" smtClean="0"/>
-              <a:t>6/21/2015</a:t>
+              <a:t>6/22/2015</a:t>
             </a:fld>
             <a:endParaRPr lang="en-US"/>
           </a:p>
@@ -2540,7 +2542,7 @@
           <a:p>
             <a:fld id="{BEF86C87-CF81-4F33-AA09-070D5CBC9F24}" type="datetime1">
               <a:rPr lang="en-US" smtClean="0"/>
-              <a:t>6/21/2015</a:t>
+              <a:t>6/22/2015</a:t>
             </a:fld>
             <a:endParaRPr lang="en-US"/>
           </a:p>
@@ -2887,7 +2889,7 @@
           <a:p>
             <a:fld id="{AAA17232-2A7D-4E7D-B22E-039FC0C07C9C}" type="datetime1">
               <a:rPr lang="en-US" smtClean="0"/>
-              <a:t>6/21/2015</a:t>
+              <a:t>6/22/2015</a:t>
             </a:fld>
             <a:endParaRPr lang="en-US"/>
           </a:p>
@@ -3005,7 +3007,7 @@
           <a:p>
             <a:fld id="{3E222FA5-7C7C-4C35-BB65-BA1A0CE6FD68}" type="datetime1">
               <a:rPr lang="en-US" smtClean="0"/>
-              <a:t>6/21/2015</a:t>
+              <a:t>6/22/2015</a:t>
             </a:fld>
             <a:endParaRPr lang="en-US"/>
           </a:p>
@@ -3123,7 +3125,7 @@
           <a:p>
             <a:fld id="{CA147D11-A985-49F3-A082-06E1C829C109}" type="datetime1">
               <a:rPr lang="en-US" smtClean="0"/>
-              <a:t>6/21/2015</a:t>
+              <a:t>6/22/2015</a:t>
             </a:fld>
             <a:endParaRPr lang="en-US"/>
           </a:p>
@@ -3407,7 +3409,7 @@
           <a:p>
             <a:fld id="{98A7513B-AB8C-4CFB-B713-B080B16C734C}" type="datetime1">
               <a:rPr lang="en-US" smtClean="0"/>
-              <a:t>6/21/2015</a:t>
+              <a:t>6/22/2015</a:t>
             </a:fld>
             <a:endParaRPr lang="en-US"/>
           </a:p>
@@ -3577,7 +3579,7 @@
           <a:p>
             <a:fld id="{AB91A3AC-9D5E-4044-879F-B01C3563F8E8}" type="datetime1">
               <a:rPr lang="en-US" smtClean="0"/>
-              <a:t>6/21/2015</a:t>
+              <a:t>6/22/2015</a:t>
             </a:fld>
             <a:endParaRPr lang="en-US"/>
           </a:p>
@@ -3841,7 +3843,7 @@
           <a:p>
             <a:fld id="{A7CCA7B5-B293-45D2-956C-DE2CDFB7B933}" type="datetime1">
               <a:rPr lang="en-US" smtClean="0"/>
-              <a:t>6/21/2015</a:t>
+              <a:t>6/22/2015</a:t>
             </a:fld>
             <a:endParaRPr lang="en-US"/>
           </a:p>
@@ -4011,7 +4013,7 @@
           <a:p>
             <a:fld id="{17D76E9C-E220-47EB-849C-8B82B2A30550}" type="datetime1">
               <a:rPr lang="en-US" smtClean="0"/>
-              <a:t>6/21/2015</a:t>
+              <a:t>6/22/2015</a:t>
             </a:fld>
             <a:endParaRPr lang="en-US"/>
           </a:p>
@@ -4191,7 +4193,7 @@
           <a:p>
             <a:fld id="{E21C0911-D971-404D-81D6-5C6E3EA30CF8}" type="datetime1">
               <a:rPr lang="en-US" smtClean="0"/>
-              <a:t>6/21/2015</a:t>
+              <a:t>6/22/2015</a:t>
             </a:fld>
             <a:endParaRPr lang="en-US"/>
           </a:p>
@@ -4394,7 +4396,7 @@
           <a:p>
             <a:fld id="{00A11C92-07B9-46B4-BA9B-A9F8DEDDD065}" type="datetime1">
               <a:rPr lang="en-US" smtClean="0"/>
-              <a:t>6/21/2015</a:t>
+              <a:t>6/22/2015</a:t>
             </a:fld>
             <a:endParaRPr lang="en-US"/>
           </a:p>
@@ -4564,7 +4566,7 @@
           <a:p>
             <a:fld id="{DBFDFE0C-1862-4D32-B353-473485FC5B8C}" type="datetime1">
               <a:rPr lang="en-US" smtClean="0"/>
-              <a:t>6/21/2015</a:t>
+              <a:t>6/22/2015</a:t>
             </a:fld>
             <a:endParaRPr lang="en-US"/>
           </a:p>
@@ -4815,7 +4817,7 @@
           <a:p>
             <a:fld id="{BE19EF60-149A-4C77-9B4D-6B2738EE1A60}" type="datetime1">
               <a:rPr lang="en-US" smtClean="0"/>
-              <a:t>6/21/2015</a:t>
+              <a:t>6/22/2015</a:t>
             </a:fld>
             <a:endParaRPr lang="en-US"/>
           </a:p>
@@ -5047,7 +5049,7 @@
           <a:p>
             <a:fld id="{99EA8280-61AF-4C1C-9E86-CB6F68529EB7}" type="datetime1">
               <a:rPr lang="en-US" smtClean="0"/>
-              <a:t>6/21/2015</a:t>
+              <a:t>6/22/2015</a:t>
             </a:fld>
             <a:endParaRPr lang="en-US"/>
           </a:p>
@@ -5394,7 +5396,7 @@
           <a:p>
             <a:fld id="{71578FFB-D7B0-4E90-BEDB-1D7E153C4824}" type="datetime1">
               <a:rPr lang="en-US" smtClean="0"/>
-              <a:t>6/21/2015</a:t>
+              <a:t>6/22/2015</a:t>
             </a:fld>
             <a:endParaRPr lang="en-US"/>
           </a:p>
@@ -5512,7 +5514,7 @@
           <a:p>
             <a:fld id="{4C4D8C16-585C-4AE9-8479-FDE6A8B38DEE}" type="datetime1">
               <a:rPr lang="en-US" smtClean="0"/>
-              <a:t>6/21/2015</a:t>
+              <a:t>6/22/2015</a:t>
             </a:fld>
             <a:endParaRPr lang="en-US"/>
           </a:p>
@@ -5630,7 +5632,7 @@
           <a:p>
             <a:fld id="{A3E1E9D2-4942-414F-A3F4-EBED35448B8F}" type="datetime1">
               <a:rPr lang="en-US" smtClean="0"/>
-              <a:t>6/21/2015</a:t>
+              <a:t>6/22/2015</a:t>
             </a:fld>
             <a:endParaRPr lang="en-US"/>
           </a:p>
@@ -5881,7 +5883,7 @@
           <a:p>
             <a:fld id="{1C11B133-5474-465F-A785-F314434DFD23}" type="datetime1">
               <a:rPr lang="en-US" smtClean="0"/>
-              <a:t>6/21/2015</a:t>
+              <a:t>6/22/2015</a:t>
             </a:fld>
             <a:endParaRPr lang="en-US"/>
           </a:p>
@@ -6165,7 +6167,7 @@
           <a:p>
             <a:fld id="{3553D1B6-D0FE-4204-8A01-54B687E5DD26}" type="datetime1">
               <a:rPr lang="en-US" smtClean="0"/>
-              <a:t>6/21/2015</a:t>
+              <a:t>6/22/2015</a:t>
             </a:fld>
             <a:endParaRPr lang="en-US"/>
           </a:p>
@@ -6429,7 +6431,7 @@
           <a:p>
             <a:fld id="{19FCDD6E-AC17-4ACA-A92D-E10490C522DB}" type="datetime1">
               <a:rPr lang="en-US" smtClean="0"/>
-              <a:t>6/21/2015</a:t>
+              <a:t>6/22/2015</a:t>
             </a:fld>
             <a:endParaRPr lang="en-US"/>
           </a:p>
@@ -6599,7 +6601,7 @@
           <a:p>
             <a:fld id="{8BB8CF3A-3DC3-46E1-9DA1-BE258D67F966}" type="datetime1">
               <a:rPr lang="en-US" smtClean="0"/>
-              <a:t>6/21/2015</a:t>
+              <a:t>6/22/2015</a:t>
             </a:fld>
             <a:endParaRPr lang="en-US"/>
           </a:p>
@@ -6779,7 +6781,7 @@
           <a:p>
             <a:fld id="{AD9DD4F7-2579-4CF8-BDFF-9A21010A8A2E}" type="datetime1">
               <a:rPr lang="en-US" smtClean="0"/>
-              <a:t>6/21/2015</a:t>
+              <a:t>6/22/2015</a:t>
             </a:fld>
             <a:endParaRPr lang="en-US"/>
           </a:p>
@@ -7011,7 +7013,7 @@
           <a:p>
             <a:fld id="{1AF9A467-BFE2-41BE-A0FC-0030BE2626DD}" type="datetime1">
               <a:rPr lang="en-US" smtClean="0"/>
-              <a:t>6/21/2015</a:t>
+              <a:t>6/22/2015</a:t>
             </a:fld>
             <a:endParaRPr lang="en-US"/>
           </a:p>
@@ -7358,7 +7360,7 @@
           <a:p>
             <a:fld id="{43E3EAFD-F696-47C2-9253-8A163E9F976A}" type="datetime1">
               <a:rPr lang="en-US" smtClean="0"/>
-              <a:t>6/21/2015</a:t>
+              <a:t>6/22/2015</a:t>
             </a:fld>
             <a:endParaRPr lang="en-US"/>
           </a:p>
@@ -7476,7 +7478,7 @@
           <a:p>
             <a:fld id="{3359A0CF-9B53-46A5-8307-04A4889D9F93}" type="datetime1">
               <a:rPr lang="en-US" smtClean="0"/>
-              <a:t>6/21/2015</a:t>
+              <a:t>6/22/2015</a:t>
             </a:fld>
             <a:endParaRPr lang="en-US"/>
           </a:p>
@@ -7594,7 +7596,7 @@
           <a:p>
             <a:fld id="{A4379B3A-E313-4F12-9C2E-80CDD6D57577}" type="datetime1">
               <a:rPr lang="en-US" smtClean="0"/>
-              <a:t>6/21/2015</a:t>
+              <a:t>6/22/2015</a:t>
             </a:fld>
             <a:endParaRPr lang="en-US"/>
           </a:p>
@@ -7878,7 +7880,7 @@
           <a:p>
             <a:fld id="{C10E1925-197E-4055-87BD-DC23A5578938}" type="datetime1">
               <a:rPr lang="en-US" smtClean="0"/>
-              <a:t>6/21/2015</a:t>
+              <a:t>6/22/2015</a:t>
             </a:fld>
             <a:endParaRPr lang="en-US"/>
           </a:p>
@@ -8142,7 +8144,7 @@
           <a:p>
             <a:fld id="{898E4E15-8956-4935-9C3F-CF1C62A234AF}" type="datetime1">
               <a:rPr lang="en-US" smtClean="0"/>
-              <a:t>6/21/2015</a:t>
+              <a:t>6/22/2015</a:t>
             </a:fld>
             <a:endParaRPr lang="en-US"/>
           </a:p>
@@ -8356,7 +8358,7 @@
           <a:p>
             <a:fld id="{8A8E5BE4-9DA4-4FAD-9FF2-25E33DA7A2DE}" type="datetime1">
               <a:rPr lang="en-US" smtClean="0"/>
-              <a:t>6/21/2015</a:t>
+              <a:t>6/22/2015</a:t>
             </a:fld>
             <a:endParaRPr lang="en-US"/>
           </a:p>
@@ -8887,7 +8889,7 @@
           <a:p>
             <a:fld id="{FC3B0C6D-E3BB-429A-AB5D-08885DC9FDF2}" type="datetime1">
               <a:rPr lang="en-US" smtClean="0"/>
-              <a:t>6/21/2015</a:t>
+              <a:t>6/22/2015</a:t>
             </a:fld>
             <a:endParaRPr lang="en-US"/>
           </a:p>
@@ -9418,7 +9420,7 @@
           <a:p>
             <a:fld id="{B0E3F87A-01F1-4F3F-8BAF-BABC1CBFDFDD}" type="datetime1">
               <a:rPr lang="en-US" smtClean="0"/>
-              <a:t>6/21/2015</a:t>
+              <a:t>6/22/2015</a:t>
             </a:fld>
             <a:endParaRPr lang="en-US"/>
           </a:p>
@@ -9825,28 +9827,20 @@
         </p:nvSpPr>
         <p:spPr/>
         <p:txBody>
-          <a:bodyPr>
-            <a:normAutofit/>
-          </a:bodyPr>
-          <a:lstStyle/>
-          <a:p>
-            <a:r>
-              <a:rPr lang="en-US" dirty="0" smtClean="0">
-                <a:latin typeface="Segoe UI Light" panose="020B0502040204020203" pitchFamily="34" charset="0"/>
-                <a:cs typeface="Segoe UI Light" panose="020B0502040204020203" pitchFamily="34" charset="0"/>
-              </a:rPr>
+          <a:bodyPr/>
+          <a:lstStyle/>
+          <a:p>
+            <a:r>
+              <a:rPr lang="en-US" smtClean="0"/>
               <a:t>Lessons Learned From Agile Quality Assurance In Scrum</a:t>
             </a:r>
-            <a:endParaRPr lang="en-US" dirty="0">
-              <a:latin typeface="Segoe UI Light" panose="020B0502040204020203" pitchFamily="34" charset="0"/>
-              <a:cs typeface="Segoe UI Light" panose="020B0502040204020203" pitchFamily="34" charset="0"/>
-            </a:endParaRPr>
-          </a:p>
-        </p:txBody>
-      </p:sp>
-      <p:sp>
-        <p:nvSpPr>
-          <p:cNvPr id="3" name="Subtitle 2"/>
+            <a:endParaRPr lang="en-US" dirty="0"/>
+          </a:p>
+        </p:txBody>
+      </p:sp>
+      <p:sp>
+        <p:nvSpPr>
+          <p:cNvPr id="7" name="Subtitle 6"/>
           <p:cNvSpPr>
             <a:spLocks noGrp="1"/>
           </p:cNvSpPr>
@@ -9859,10 +9853,7 @@
           <a:bodyPr/>
           <a:lstStyle/>
           <a:p>
-            <a:endParaRPr lang="en-US" dirty="0">
-              <a:latin typeface="Segoe UI" panose="020B0502040204020203" pitchFamily="34" charset="0"/>
-              <a:cs typeface="Segoe UI" panose="020B0502040204020203" pitchFamily="34" charset="0"/>
-            </a:endParaRPr>
+            <a:endParaRPr lang="en-US"/>
           </a:p>
         </p:txBody>
       </p:sp>
@@ -9883,6 +9874,7 @@
           <a:p>
             <a:fld id="{BCD7396F-CAFE-47FC-9775-745DE743DF33}" type="slidenum">
               <a:rPr lang="en-US" smtClean="0"/>
+              <a:pPr/>
               <a:t>1</a:t>
             </a:fld>
             <a:endParaRPr lang="en-US"/>
@@ -9910,6 +9902,3070 @@
 </file>
 
 <file path=ppt/slides/slide10.xml><?xml version="1.0" encoding="utf-8"?>
+<p:sld xmlns:a="http://schemas.openxmlformats.org/drawingml/2006/main" xmlns:r="http://schemas.openxmlformats.org/officeDocument/2006/relationships" xmlns:p="http://schemas.openxmlformats.org/presentationml/2006/main">
+  <p:cSld>
+    <p:spTree>
+      <p:nvGrpSpPr>
+        <p:cNvPr id="1" name=""/>
+        <p:cNvGrpSpPr/>
+        <p:nvPr/>
+      </p:nvGrpSpPr>
+      <p:grpSpPr>
+        <a:xfrm>
+          <a:off x="0" y="0"/>
+          <a:ext cx="0" cy="0"/>
+          <a:chOff x="0" y="0"/>
+          <a:chExt cx="0" cy="0"/>
+        </a:xfrm>
+      </p:grpSpPr>
+      <p:sp>
+        <p:nvSpPr>
+          <p:cNvPr id="8" name="Flowchart: Magnetic Disk 7"/>
+          <p:cNvSpPr/>
+          <p:nvPr/>
+        </p:nvSpPr>
+        <p:spPr>
+          <a:xfrm>
+            <a:off x="4289406" y="5490909"/>
+            <a:ext cx="1452804" cy="1243268"/>
+          </a:xfrm>
+          <a:prstGeom prst="flowChartMagneticDisk">
+            <a:avLst/>
+          </a:prstGeom>
+        </p:spPr>
+        <p:style>
+          <a:lnRef idx="1">
+            <a:schemeClr val="accent3"/>
+          </a:lnRef>
+          <a:fillRef idx="2">
+            <a:schemeClr val="accent3"/>
+          </a:fillRef>
+          <a:effectRef idx="1">
+            <a:schemeClr val="accent3"/>
+          </a:effectRef>
+          <a:fontRef idx="minor">
+            <a:schemeClr val="dk1"/>
+          </a:fontRef>
+        </p:style>
+        <p:txBody>
+          <a:bodyPr rtlCol="0" anchor="ctr"/>
+          <a:lstStyle/>
+          <a:p>
+            <a:pPr algn="ctr"/>
+            <a:r>
+              <a:rPr lang="en-US" sz="1600" dirty="0" smtClean="0">
+                <a:solidFill>
+                  <a:schemeClr val="tx1"/>
+                </a:solidFill>
+                <a:latin typeface="Segoe UI" panose="020B0502040204020203" pitchFamily="34" charset="0"/>
+                <a:cs typeface="Segoe UI" panose="020B0502040204020203" pitchFamily="34" charset="0"/>
+              </a:rPr>
+              <a:t>Data Source (Files, Databases, …)</a:t>
+            </a:r>
+          </a:p>
+        </p:txBody>
+      </p:sp>
+      <p:sp>
+        <p:nvSpPr>
+          <p:cNvPr id="9" name="Cloud 8"/>
+          <p:cNvSpPr/>
+          <p:nvPr/>
+        </p:nvSpPr>
+        <p:spPr>
+          <a:xfrm>
+            <a:off x="6217605" y="5500856"/>
+            <a:ext cx="1984227" cy="1244599"/>
+          </a:xfrm>
+          <a:prstGeom prst="cloud">
+            <a:avLst/>
+          </a:prstGeom>
+        </p:spPr>
+        <p:style>
+          <a:lnRef idx="1">
+            <a:schemeClr val="accent3"/>
+          </a:lnRef>
+          <a:fillRef idx="2">
+            <a:schemeClr val="accent3"/>
+          </a:fillRef>
+          <a:effectRef idx="1">
+            <a:schemeClr val="accent3"/>
+          </a:effectRef>
+          <a:fontRef idx="minor">
+            <a:schemeClr val="dk1"/>
+          </a:fontRef>
+        </p:style>
+        <p:txBody>
+          <a:bodyPr rtlCol="0" anchor="ctr"/>
+          <a:lstStyle/>
+          <a:p>
+            <a:pPr algn="ctr"/>
+            <a:r>
+              <a:rPr lang="en-US" sz="1600" dirty="0" smtClean="0">
+                <a:solidFill>
+                  <a:schemeClr val="tx1"/>
+                </a:solidFill>
+                <a:latin typeface="Segoe UI" panose="020B0502040204020203" pitchFamily="34" charset="0"/>
+                <a:cs typeface="Segoe UI" panose="020B0502040204020203" pitchFamily="34" charset="0"/>
+              </a:rPr>
+              <a:t>External Services (Graph API, O365, …)</a:t>
+            </a:r>
+            <a:endParaRPr lang="en-US" sz="1600" dirty="0">
+              <a:solidFill>
+                <a:schemeClr val="tx1"/>
+              </a:solidFill>
+              <a:latin typeface="Segoe UI" panose="020B0502040204020203" pitchFamily="34" charset="0"/>
+              <a:cs typeface="Segoe UI" panose="020B0502040204020203" pitchFamily="34" charset="0"/>
+            </a:endParaRPr>
+          </a:p>
+        </p:txBody>
+      </p:sp>
+      <p:pic>
+        <p:nvPicPr>
+          <p:cNvPr id="1026" name="Picture 2" descr="http://upload.wikimedia.org/wikipedia/commons/7/70/User_icon_BLACK-01.png"/>
+          <p:cNvPicPr>
+            <a:picLocks noChangeAspect="1" noChangeArrowheads="1"/>
+          </p:cNvPicPr>
+          <p:nvPr/>
+        </p:nvPicPr>
+        <p:blipFill>
+          <a:blip r:embed="rId3" cstate="print">
+            <a:duotone>
+              <a:schemeClr val="bg2">
+                <a:shade val="45000"/>
+                <a:satMod val="135000"/>
+              </a:schemeClr>
+              <a:prstClr val="white"/>
+            </a:duotone>
+            <a:extLst>
+              <a:ext uri="{28A0092B-C50C-407E-A947-70E740481C1C}">
+                <a14:useLocalDpi xmlns:a14="http://schemas.microsoft.com/office/drawing/2010/main" val="0"/>
+              </a:ext>
+            </a:extLst>
+          </a:blip>
+          <a:srcRect/>
+          <a:stretch>
+            <a:fillRect/>
+          </a:stretch>
+        </p:blipFill>
+        <p:spPr bwMode="auto">
+          <a:xfrm>
+            <a:off x="8720634" y="1694313"/>
+            <a:ext cx="992149" cy="880492"/>
+          </a:xfrm>
+          <a:prstGeom prst="rect">
+            <a:avLst/>
+          </a:prstGeom>
+          <a:noFill/>
+          <a:extLst>
+            <a:ext uri="{909E8E84-426E-40DD-AFC4-6F175D3DCCD1}">
+              <a14:hiddenFill xmlns:a14="http://schemas.microsoft.com/office/drawing/2010/main">
+                <a:solidFill>
+                  <a:srgbClr val="FFFFFF"/>
+                </a:solidFill>
+              </a14:hiddenFill>
+            </a:ext>
+          </a:extLst>
+        </p:spPr>
+      </p:pic>
+      <p:sp>
+        <p:nvSpPr>
+          <p:cNvPr id="22" name="Left-Right Arrow 21"/>
+          <p:cNvSpPr/>
+          <p:nvPr/>
+        </p:nvSpPr>
+        <p:spPr>
+          <a:xfrm>
+            <a:off x="8349119" y="2179265"/>
+            <a:ext cx="422933" cy="203326"/>
+          </a:xfrm>
+          <a:prstGeom prst="leftRightArrow">
+            <a:avLst/>
+          </a:prstGeom>
+        </p:spPr>
+        <p:style>
+          <a:lnRef idx="1">
+            <a:schemeClr val="accent3"/>
+          </a:lnRef>
+          <a:fillRef idx="3">
+            <a:schemeClr val="accent3"/>
+          </a:fillRef>
+          <a:effectRef idx="2">
+            <a:schemeClr val="accent3"/>
+          </a:effectRef>
+          <a:fontRef idx="minor">
+            <a:schemeClr val="lt1"/>
+          </a:fontRef>
+        </p:style>
+        <p:txBody>
+          <a:bodyPr rtlCol="0" anchor="ctr"/>
+          <a:lstStyle/>
+          <a:p>
+            <a:pPr algn="ctr"/>
+            <a:endParaRPr lang="en-US" sz="1600">
+              <a:solidFill>
+                <a:schemeClr val="tx1"/>
+              </a:solidFill>
+              <a:latin typeface="Segoe UI" panose="020B0502040204020203" pitchFamily="34" charset="0"/>
+              <a:cs typeface="Segoe UI" panose="020B0502040204020203" pitchFamily="34" charset="0"/>
+            </a:endParaRPr>
+          </a:p>
+        </p:txBody>
+      </p:sp>
+      <p:sp>
+        <p:nvSpPr>
+          <p:cNvPr id="24" name="TextBox 23"/>
+          <p:cNvSpPr txBox="1"/>
+          <p:nvPr/>
+        </p:nvSpPr>
+        <p:spPr>
+          <a:xfrm>
+            <a:off x="8720634" y="2508261"/>
+            <a:ext cx="1083212" cy="338554"/>
+          </a:xfrm>
+          <a:prstGeom prst="rect">
+            <a:avLst/>
+          </a:prstGeom>
+          <a:noFill/>
+        </p:spPr>
+        <p:txBody>
+          <a:bodyPr wrap="square" rtlCol="0">
+            <a:spAutoFit/>
+          </a:bodyPr>
+          <a:lstStyle/>
+          <a:p>
+            <a:pPr algn="ctr"/>
+            <a:r>
+              <a:rPr lang="en-US" sz="1600" dirty="0" smtClean="0">
+                <a:latin typeface="Segoe UI" panose="020B0502040204020203" pitchFamily="34" charset="0"/>
+                <a:cs typeface="Segoe UI" panose="020B0502040204020203" pitchFamily="34" charset="0"/>
+              </a:rPr>
+              <a:t>End-User</a:t>
+            </a:r>
+            <a:endParaRPr lang="en-US" sz="1600" dirty="0">
+              <a:latin typeface="Segoe UI" panose="020B0502040204020203" pitchFamily="34" charset="0"/>
+              <a:cs typeface="Segoe UI" panose="020B0502040204020203" pitchFamily="34" charset="0"/>
+            </a:endParaRPr>
+          </a:p>
+        </p:txBody>
+      </p:sp>
+      <p:sp>
+        <p:nvSpPr>
+          <p:cNvPr id="18" name="Up-Down Arrow 17"/>
+          <p:cNvSpPr/>
+          <p:nvPr/>
+        </p:nvSpPr>
+        <p:spPr>
+          <a:xfrm>
+            <a:off x="4917822" y="5110237"/>
+            <a:ext cx="199348" cy="353402"/>
+          </a:xfrm>
+          <a:prstGeom prst="upDownArrow">
+            <a:avLst/>
+          </a:prstGeom>
+        </p:spPr>
+        <p:style>
+          <a:lnRef idx="1">
+            <a:schemeClr val="accent3"/>
+          </a:lnRef>
+          <a:fillRef idx="3">
+            <a:schemeClr val="accent3"/>
+          </a:fillRef>
+          <a:effectRef idx="2">
+            <a:schemeClr val="accent3"/>
+          </a:effectRef>
+          <a:fontRef idx="minor">
+            <a:schemeClr val="lt1"/>
+          </a:fontRef>
+        </p:style>
+        <p:txBody>
+          <a:bodyPr rtlCol="0" anchor="ctr"/>
+          <a:lstStyle/>
+          <a:p>
+            <a:pPr algn="ctr"/>
+            <a:endParaRPr lang="en-US" sz="1600">
+              <a:solidFill>
+                <a:schemeClr val="tx1"/>
+              </a:solidFill>
+              <a:latin typeface="Segoe UI" panose="020B0502040204020203" pitchFamily="34" charset="0"/>
+              <a:cs typeface="Segoe UI" panose="020B0502040204020203" pitchFamily="34" charset="0"/>
+            </a:endParaRPr>
+          </a:p>
+        </p:txBody>
+      </p:sp>
+      <p:sp>
+        <p:nvSpPr>
+          <p:cNvPr id="36" name="Up-Down Arrow 35"/>
+          <p:cNvSpPr/>
+          <p:nvPr/>
+        </p:nvSpPr>
+        <p:spPr>
+          <a:xfrm>
+            <a:off x="7110045" y="5110237"/>
+            <a:ext cx="199348" cy="353402"/>
+          </a:xfrm>
+          <a:prstGeom prst="upDownArrow">
+            <a:avLst/>
+          </a:prstGeom>
+        </p:spPr>
+        <p:style>
+          <a:lnRef idx="1">
+            <a:schemeClr val="accent3"/>
+          </a:lnRef>
+          <a:fillRef idx="3">
+            <a:schemeClr val="accent3"/>
+          </a:fillRef>
+          <a:effectRef idx="2">
+            <a:schemeClr val="accent3"/>
+          </a:effectRef>
+          <a:fontRef idx="minor">
+            <a:schemeClr val="lt1"/>
+          </a:fontRef>
+        </p:style>
+        <p:txBody>
+          <a:bodyPr rtlCol="0" anchor="ctr"/>
+          <a:lstStyle/>
+          <a:p>
+            <a:pPr algn="ctr"/>
+            <a:endParaRPr lang="en-US" sz="1600">
+              <a:solidFill>
+                <a:schemeClr val="tx1"/>
+              </a:solidFill>
+              <a:latin typeface="Segoe UI" panose="020B0502040204020203" pitchFamily="34" charset="0"/>
+              <a:cs typeface="Segoe UI" panose="020B0502040204020203" pitchFamily="34" charset="0"/>
+            </a:endParaRPr>
+          </a:p>
+        </p:txBody>
+      </p:sp>
+      <p:sp>
+        <p:nvSpPr>
+          <p:cNvPr id="25" name="TextBox 24"/>
+          <p:cNvSpPr txBox="1"/>
+          <p:nvPr/>
+        </p:nvSpPr>
+        <p:spPr>
+          <a:xfrm>
+            <a:off x="2705100" y="1216418"/>
+            <a:ext cx="1377394" cy="369332"/>
+          </a:xfrm>
+          <a:prstGeom prst="rect">
+            <a:avLst/>
+          </a:prstGeom>
+          <a:noFill/>
+        </p:spPr>
+        <p:txBody>
+          <a:bodyPr wrap="square" rtlCol="0">
+            <a:spAutoFit/>
+          </a:bodyPr>
+          <a:lstStyle/>
+          <a:p>
+            <a:r>
+              <a:rPr lang="en-US" dirty="0" smtClean="0">
+                <a:latin typeface="Segoe UI" panose="020B0502040204020203" pitchFamily="34" charset="0"/>
+                <a:cs typeface="Segoe UI" panose="020B0502040204020203" pitchFamily="34" charset="0"/>
+              </a:rPr>
+              <a:t>Application</a:t>
+            </a:r>
+          </a:p>
+        </p:txBody>
+      </p:sp>
+      <p:sp>
+        <p:nvSpPr>
+          <p:cNvPr id="34" name="Slide Number Placeholder 33"/>
+          <p:cNvSpPr>
+            <a:spLocks noGrp="1"/>
+          </p:cNvSpPr>
+          <p:nvPr>
+            <p:ph type="sldNum" sz="quarter" idx="12"/>
+          </p:nvPr>
+        </p:nvSpPr>
+        <p:spPr/>
+        <p:txBody>
+          <a:bodyPr/>
+          <a:lstStyle/>
+          <a:p>
+            <a:fld id="{BCD7396F-CAFE-47FC-9775-745DE743DF33}" type="slidenum">
+              <a:rPr lang="en-US" smtClean="0"/>
+              <a:t>10</a:t>
+            </a:fld>
+            <a:endParaRPr lang="en-US"/>
+          </a:p>
+        </p:txBody>
+      </p:sp>
+      <p:sp>
+        <p:nvSpPr>
+          <p:cNvPr id="40" name="Rounded Rectangle 39"/>
+          <p:cNvSpPr/>
+          <p:nvPr/>
+        </p:nvSpPr>
+        <p:spPr>
+          <a:xfrm>
+            <a:off x="4069060" y="1698459"/>
+            <a:ext cx="4123980" cy="991630"/>
+          </a:xfrm>
+          <a:prstGeom prst="roundRect">
+            <a:avLst/>
+          </a:prstGeom>
+        </p:spPr>
+        <p:style>
+          <a:lnRef idx="1">
+            <a:schemeClr val="accent5"/>
+          </a:lnRef>
+          <a:fillRef idx="2">
+            <a:schemeClr val="accent5"/>
+          </a:fillRef>
+          <a:effectRef idx="1">
+            <a:schemeClr val="accent5"/>
+          </a:effectRef>
+          <a:fontRef idx="minor">
+            <a:schemeClr val="dk1"/>
+          </a:fontRef>
+        </p:style>
+        <p:txBody>
+          <a:bodyPr rtlCol="0" anchor="ctr"/>
+          <a:lstStyle/>
+          <a:p>
+            <a:pPr algn="ctr"/>
+            <a:endParaRPr lang="en-US" sz="1600" dirty="0" smtClean="0">
+              <a:solidFill>
+                <a:schemeClr val="tx1"/>
+              </a:solidFill>
+              <a:latin typeface="Segoe UI" panose="020B0502040204020203" pitchFamily="34" charset="0"/>
+              <a:cs typeface="Segoe UI" panose="020B0502040204020203" pitchFamily="34" charset="0"/>
+            </a:endParaRPr>
+          </a:p>
+        </p:txBody>
+      </p:sp>
+      <p:sp>
+        <p:nvSpPr>
+          <p:cNvPr id="41" name="Rounded Rectangle 40"/>
+          <p:cNvSpPr/>
+          <p:nvPr/>
+        </p:nvSpPr>
+        <p:spPr>
+          <a:xfrm>
+            <a:off x="4069060" y="4429337"/>
+            <a:ext cx="2030934" cy="629017"/>
+          </a:xfrm>
+          <a:prstGeom prst="roundRect">
+            <a:avLst/>
+          </a:prstGeom>
+        </p:spPr>
+        <p:style>
+          <a:lnRef idx="1">
+            <a:schemeClr val="accent6"/>
+          </a:lnRef>
+          <a:fillRef idx="2">
+            <a:schemeClr val="accent6"/>
+          </a:fillRef>
+          <a:effectRef idx="1">
+            <a:schemeClr val="accent6"/>
+          </a:effectRef>
+          <a:fontRef idx="minor">
+            <a:schemeClr val="dk1"/>
+          </a:fontRef>
+        </p:style>
+        <p:txBody>
+          <a:bodyPr rtlCol="0" anchor="ctr"/>
+          <a:lstStyle/>
+          <a:p>
+            <a:pPr algn="ctr"/>
+            <a:r>
+              <a:rPr lang="en-US" sz="1600" dirty="0" smtClean="0">
+                <a:solidFill>
+                  <a:schemeClr val="tx1"/>
+                </a:solidFill>
+                <a:latin typeface="Segoe UI" panose="020B0502040204020203" pitchFamily="34" charset="0"/>
+                <a:cs typeface="Segoe UI" panose="020B0502040204020203" pitchFamily="34" charset="0"/>
+              </a:rPr>
+              <a:t>Data Access</a:t>
+            </a:r>
+            <a:endParaRPr lang="en-US" sz="1600" dirty="0">
+              <a:solidFill>
+                <a:schemeClr val="tx1"/>
+              </a:solidFill>
+              <a:latin typeface="Segoe UI" panose="020B0502040204020203" pitchFamily="34" charset="0"/>
+              <a:cs typeface="Segoe UI" panose="020B0502040204020203" pitchFamily="34" charset="0"/>
+            </a:endParaRPr>
+          </a:p>
+        </p:txBody>
+      </p:sp>
+      <p:sp>
+        <p:nvSpPr>
+          <p:cNvPr id="42" name="Rounded Rectangle 41"/>
+          <p:cNvSpPr/>
+          <p:nvPr/>
+        </p:nvSpPr>
+        <p:spPr>
+          <a:xfrm>
+            <a:off x="6227698" y="4429336"/>
+            <a:ext cx="1965342" cy="629017"/>
+          </a:xfrm>
+          <a:prstGeom prst="roundRect">
+            <a:avLst/>
+          </a:prstGeom>
+        </p:spPr>
+        <p:style>
+          <a:lnRef idx="1">
+            <a:schemeClr val="accent6"/>
+          </a:lnRef>
+          <a:fillRef idx="2">
+            <a:schemeClr val="accent6"/>
+          </a:fillRef>
+          <a:effectRef idx="1">
+            <a:schemeClr val="accent6"/>
+          </a:effectRef>
+          <a:fontRef idx="minor">
+            <a:schemeClr val="dk1"/>
+          </a:fontRef>
+        </p:style>
+        <p:txBody>
+          <a:bodyPr rtlCol="0" anchor="ctr"/>
+          <a:lstStyle/>
+          <a:p>
+            <a:pPr algn="ctr"/>
+            <a:r>
+              <a:rPr lang="en-US" sz="1600" dirty="0" smtClean="0">
+                <a:solidFill>
+                  <a:schemeClr val="tx1"/>
+                </a:solidFill>
+                <a:latin typeface="Segoe UI" panose="020B0502040204020203" pitchFamily="34" charset="0"/>
+                <a:cs typeface="Segoe UI" panose="020B0502040204020203" pitchFamily="34" charset="0"/>
+              </a:rPr>
+              <a:t>Service Gateways</a:t>
+            </a:r>
+            <a:endParaRPr lang="en-US" sz="1600" dirty="0">
+              <a:solidFill>
+                <a:schemeClr val="tx1"/>
+              </a:solidFill>
+              <a:latin typeface="Segoe UI" panose="020B0502040204020203" pitchFamily="34" charset="0"/>
+              <a:cs typeface="Segoe UI" panose="020B0502040204020203" pitchFamily="34" charset="0"/>
+            </a:endParaRPr>
+          </a:p>
+        </p:txBody>
+      </p:sp>
+      <p:sp>
+        <p:nvSpPr>
+          <p:cNvPr id="44" name="Rounded Rectangle 43"/>
+          <p:cNvSpPr/>
+          <p:nvPr/>
+        </p:nvSpPr>
+        <p:spPr>
+          <a:xfrm>
+            <a:off x="2869922" y="1698458"/>
+            <a:ext cx="803489" cy="3426324"/>
+          </a:xfrm>
+          <a:prstGeom prst="roundRect">
+            <a:avLst/>
+          </a:prstGeom>
+        </p:spPr>
+        <p:style>
+          <a:lnRef idx="1">
+            <a:schemeClr val="accent4"/>
+          </a:lnRef>
+          <a:fillRef idx="2">
+            <a:schemeClr val="accent4"/>
+          </a:fillRef>
+          <a:effectRef idx="1">
+            <a:schemeClr val="accent4"/>
+          </a:effectRef>
+          <a:fontRef idx="minor">
+            <a:schemeClr val="dk1"/>
+          </a:fontRef>
+        </p:style>
+        <p:txBody>
+          <a:bodyPr vert="vert" rtlCol="0" anchor="ctr"/>
+          <a:lstStyle/>
+          <a:p>
+            <a:pPr algn="ctr"/>
+            <a:r>
+              <a:rPr lang="en-US" sz="1600" dirty="0" smtClean="0">
+                <a:solidFill>
+                  <a:schemeClr val="tx1"/>
+                </a:solidFill>
+                <a:latin typeface="Segoe UI" panose="020B0502040204020203" pitchFamily="34" charset="0"/>
+                <a:cs typeface="Segoe UI" panose="020B0502040204020203" pitchFamily="34" charset="0"/>
+              </a:rPr>
+              <a:t>Cross-cutting</a:t>
+            </a:r>
+            <a:r>
+              <a:rPr lang="vi-VN" sz="1600" dirty="0" smtClean="0">
+                <a:solidFill>
+                  <a:schemeClr val="tx1"/>
+                </a:solidFill>
+                <a:latin typeface="Segoe UI" panose="020B0502040204020203" pitchFamily="34" charset="0"/>
+                <a:cs typeface="Segoe UI" panose="020B0502040204020203" pitchFamily="34" charset="0"/>
+              </a:rPr>
+              <a:t> Infrastructure</a:t>
+            </a:r>
+            <a:r>
+              <a:rPr lang="en-US" sz="1600" dirty="0" smtClean="0">
+                <a:solidFill>
+                  <a:schemeClr val="tx1"/>
+                </a:solidFill>
+                <a:latin typeface="Segoe UI" panose="020B0502040204020203" pitchFamily="34" charset="0"/>
+                <a:cs typeface="Segoe UI" panose="020B0502040204020203" pitchFamily="34" charset="0"/>
+              </a:rPr>
+              <a:t> </a:t>
+            </a:r>
+          </a:p>
+          <a:p>
+            <a:pPr algn="ctr"/>
+            <a:r>
+              <a:rPr lang="en-US" sz="1400" dirty="0" smtClean="0">
+                <a:solidFill>
+                  <a:schemeClr val="tx1"/>
+                </a:solidFill>
+                <a:latin typeface="Segoe UI" panose="020B0502040204020203" pitchFamily="34" charset="0"/>
+                <a:cs typeface="Segoe UI" panose="020B0502040204020203" pitchFamily="34" charset="0"/>
+              </a:rPr>
+              <a:t>(Caching, Logger, Security, …)</a:t>
+            </a:r>
+            <a:endParaRPr lang="en-US" sz="1400" dirty="0">
+              <a:solidFill>
+                <a:schemeClr val="tx1"/>
+              </a:solidFill>
+              <a:latin typeface="Segoe UI" panose="020B0502040204020203" pitchFamily="34" charset="0"/>
+              <a:cs typeface="Segoe UI" panose="020B0502040204020203" pitchFamily="34" charset="0"/>
+            </a:endParaRPr>
+          </a:p>
+        </p:txBody>
+      </p:sp>
+      <p:sp>
+        <p:nvSpPr>
+          <p:cNvPr id="45" name="Rounded Rectangle 44"/>
+          <p:cNvSpPr/>
+          <p:nvPr/>
+        </p:nvSpPr>
+        <p:spPr>
+          <a:xfrm>
+            <a:off x="4069060" y="3180816"/>
+            <a:ext cx="4123980" cy="754821"/>
+          </a:xfrm>
+          <a:prstGeom prst="roundRect">
+            <a:avLst/>
+          </a:prstGeom>
+        </p:spPr>
+        <p:style>
+          <a:lnRef idx="1">
+            <a:schemeClr val="accent2"/>
+          </a:lnRef>
+          <a:fillRef idx="2">
+            <a:schemeClr val="accent2"/>
+          </a:fillRef>
+          <a:effectRef idx="1">
+            <a:schemeClr val="accent2"/>
+          </a:effectRef>
+          <a:fontRef idx="minor">
+            <a:schemeClr val="dk1"/>
+          </a:fontRef>
+        </p:style>
+        <p:txBody>
+          <a:bodyPr rtlCol="0" anchor="ctr"/>
+          <a:lstStyle/>
+          <a:p>
+            <a:pPr algn="ctr"/>
+            <a:r>
+              <a:rPr lang="en-US" sz="1600" dirty="0" smtClean="0">
+                <a:solidFill>
+                  <a:schemeClr val="tx1"/>
+                </a:solidFill>
+                <a:latin typeface="Segoe UI" panose="020B0502040204020203" pitchFamily="34" charset="0"/>
+                <a:cs typeface="Segoe UI" panose="020B0502040204020203" pitchFamily="34" charset="0"/>
+              </a:rPr>
+              <a:t>Business Logic</a:t>
+            </a:r>
+          </a:p>
+        </p:txBody>
+      </p:sp>
+      <p:cxnSp>
+        <p:nvCxnSpPr>
+          <p:cNvPr id="46" name="Straight Arrow Connector 45"/>
+          <p:cNvCxnSpPr/>
+          <p:nvPr/>
+        </p:nvCxnSpPr>
+        <p:spPr>
+          <a:xfrm flipV="1">
+            <a:off x="5086223" y="4244557"/>
+            <a:ext cx="0" cy="184780"/>
+          </a:xfrm>
+          <a:prstGeom prst="straightConnector1">
+            <a:avLst/>
+          </a:prstGeom>
+          <a:ln w="44450">
+            <a:solidFill>
+              <a:srgbClr val="00B0F0"/>
+            </a:solidFill>
+            <a:headEnd type="none"/>
+            <a:tailEnd type="oval"/>
+          </a:ln>
+        </p:spPr>
+        <p:style>
+          <a:lnRef idx="3">
+            <a:schemeClr val="dk1"/>
+          </a:lnRef>
+          <a:fillRef idx="0">
+            <a:schemeClr val="dk1"/>
+          </a:fillRef>
+          <a:effectRef idx="2">
+            <a:schemeClr val="dk1"/>
+          </a:effectRef>
+          <a:fontRef idx="minor">
+            <a:schemeClr val="tx1"/>
+          </a:fontRef>
+        </p:style>
+      </p:cxnSp>
+      <p:grpSp>
+        <p:nvGrpSpPr>
+          <p:cNvPr id="47" name="Group 46"/>
+          <p:cNvGrpSpPr/>
+          <p:nvPr/>
+        </p:nvGrpSpPr>
+        <p:grpSpPr>
+          <a:xfrm>
+            <a:off x="5973605" y="2689931"/>
+            <a:ext cx="199348" cy="342404"/>
+            <a:chOff x="3205611" y="2674208"/>
+            <a:chExt cx="199348" cy="326236"/>
+          </a:xfrm>
+        </p:grpSpPr>
+        <p:cxnSp>
+          <p:nvCxnSpPr>
+            <p:cNvPr id="48" name="Straight Arrow Connector 47"/>
+            <p:cNvCxnSpPr/>
+            <p:nvPr/>
+          </p:nvCxnSpPr>
+          <p:spPr>
+            <a:xfrm>
+              <a:off x="3305285" y="2674208"/>
+              <a:ext cx="0" cy="150675"/>
+            </a:xfrm>
+            <a:prstGeom prst="straightConnector1">
+              <a:avLst/>
+            </a:prstGeom>
+            <a:ln w="44450">
+              <a:solidFill>
+                <a:srgbClr val="00B0F0"/>
+              </a:solidFill>
+              <a:tailEnd type="none"/>
+            </a:ln>
+          </p:spPr>
+          <p:style>
+            <a:lnRef idx="3">
+              <a:schemeClr val="dk1"/>
+            </a:lnRef>
+            <a:fillRef idx="0">
+              <a:schemeClr val="dk1"/>
+            </a:fillRef>
+            <a:effectRef idx="2">
+              <a:schemeClr val="dk1"/>
+            </a:effectRef>
+            <a:fontRef idx="minor">
+              <a:schemeClr val="tx1"/>
+            </a:fontRef>
+          </p:style>
+        </p:cxnSp>
+        <p:sp>
+          <p:nvSpPr>
+            <p:cNvPr id="49" name="Block Arc 48"/>
+            <p:cNvSpPr/>
+            <p:nvPr/>
+          </p:nvSpPr>
+          <p:spPr>
+            <a:xfrm>
+              <a:off x="3205611" y="2817086"/>
+              <a:ext cx="199348" cy="183358"/>
+            </a:xfrm>
+            <a:prstGeom prst="blockArc">
+              <a:avLst>
+                <a:gd name="adj1" fmla="val 10800000"/>
+                <a:gd name="adj2" fmla="val 29560"/>
+                <a:gd name="adj3" fmla="val 22329"/>
+              </a:avLst>
+            </a:prstGeom>
+            <a:solidFill>
+              <a:srgbClr val="00B0F0"/>
+            </a:solidFill>
+            <a:ln w="0">
+              <a:noFill/>
+            </a:ln>
+          </p:spPr>
+          <p:style>
+            <a:lnRef idx="2">
+              <a:schemeClr val="accent1">
+                <a:shade val="50000"/>
+              </a:schemeClr>
+            </a:lnRef>
+            <a:fillRef idx="1">
+              <a:schemeClr val="accent1"/>
+            </a:fillRef>
+            <a:effectRef idx="0">
+              <a:schemeClr val="accent1"/>
+            </a:effectRef>
+            <a:fontRef idx="minor">
+              <a:schemeClr val="lt1"/>
+            </a:fontRef>
+          </p:style>
+          <p:txBody>
+            <a:bodyPr rtlCol="0" anchor="ctr"/>
+            <a:lstStyle/>
+            <a:p>
+              <a:pPr algn="ctr"/>
+              <a:endParaRPr lang="en-US" sz="1600">
+                <a:solidFill>
+                  <a:schemeClr val="tx1"/>
+                </a:solidFill>
+                <a:latin typeface="Segoe UI" panose="020B0502040204020203" pitchFamily="34" charset="0"/>
+                <a:cs typeface="Segoe UI" panose="020B0502040204020203" pitchFamily="34" charset="0"/>
+              </a:endParaRPr>
+            </a:p>
+          </p:txBody>
+        </p:sp>
+      </p:grpSp>
+      <p:cxnSp>
+        <p:nvCxnSpPr>
+          <p:cNvPr id="50" name="Straight Arrow Connector 49"/>
+          <p:cNvCxnSpPr/>
+          <p:nvPr/>
+        </p:nvCxnSpPr>
+        <p:spPr>
+          <a:xfrm flipV="1">
+            <a:off x="6073279" y="2996036"/>
+            <a:ext cx="0" cy="184780"/>
+          </a:xfrm>
+          <a:prstGeom prst="straightConnector1">
+            <a:avLst/>
+          </a:prstGeom>
+          <a:ln w="44450">
+            <a:solidFill>
+              <a:srgbClr val="00B0F0"/>
+            </a:solidFill>
+            <a:headEnd type="none"/>
+            <a:tailEnd type="oval"/>
+          </a:ln>
+        </p:spPr>
+        <p:style>
+          <a:lnRef idx="3">
+            <a:schemeClr val="dk1"/>
+          </a:lnRef>
+          <a:fillRef idx="0">
+            <a:schemeClr val="dk1"/>
+          </a:fillRef>
+          <a:effectRef idx="2">
+            <a:schemeClr val="dk1"/>
+          </a:effectRef>
+          <a:fontRef idx="minor">
+            <a:schemeClr val="tx1"/>
+          </a:fontRef>
+        </p:style>
+      </p:cxnSp>
+      <p:grpSp>
+        <p:nvGrpSpPr>
+          <p:cNvPr id="51" name="Group 50"/>
+          <p:cNvGrpSpPr/>
+          <p:nvPr/>
+        </p:nvGrpSpPr>
+        <p:grpSpPr>
+          <a:xfrm>
+            <a:off x="4983583" y="3935635"/>
+            <a:ext cx="199348" cy="348831"/>
+            <a:chOff x="3205611" y="2668086"/>
+            <a:chExt cx="199348" cy="332358"/>
+          </a:xfrm>
+        </p:grpSpPr>
+        <p:cxnSp>
+          <p:nvCxnSpPr>
+            <p:cNvPr id="52" name="Straight Arrow Connector 51"/>
+            <p:cNvCxnSpPr/>
+            <p:nvPr/>
+          </p:nvCxnSpPr>
+          <p:spPr>
+            <a:xfrm>
+              <a:off x="3305285" y="2668086"/>
+              <a:ext cx="0" cy="156793"/>
+            </a:xfrm>
+            <a:prstGeom prst="straightConnector1">
+              <a:avLst/>
+            </a:prstGeom>
+            <a:ln w="44450">
+              <a:solidFill>
+                <a:srgbClr val="00B0F0"/>
+              </a:solidFill>
+              <a:tailEnd type="none"/>
+            </a:ln>
+          </p:spPr>
+          <p:style>
+            <a:lnRef idx="3">
+              <a:schemeClr val="dk1"/>
+            </a:lnRef>
+            <a:fillRef idx="0">
+              <a:schemeClr val="dk1"/>
+            </a:fillRef>
+            <a:effectRef idx="2">
+              <a:schemeClr val="dk1"/>
+            </a:effectRef>
+            <a:fontRef idx="minor">
+              <a:schemeClr val="tx1"/>
+            </a:fontRef>
+          </p:style>
+        </p:cxnSp>
+        <p:sp>
+          <p:nvSpPr>
+            <p:cNvPr id="53" name="Block Arc 52"/>
+            <p:cNvSpPr/>
+            <p:nvPr/>
+          </p:nvSpPr>
+          <p:spPr>
+            <a:xfrm>
+              <a:off x="3205611" y="2817086"/>
+              <a:ext cx="199348" cy="183358"/>
+            </a:xfrm>
+            <a:prstGeom prst="blockArc">
+              <a:avLst>
+                <a:gd name="adj1" fmla="val 10800000"/>
+                <a:gd name="adj2" fmla="val 29560"/>
+                <a:gd name="adj3" fmla="val 22329"/>
+              </a:avLst>
+            </a:prstGeom>
+            <a:solidFill>
+              <a:srgbClr val="00B0F0"/>
+            </a:solidFill>
+            <a:ln w="0">
+              <a:noFill/>
+            </a:ln>
+          </p:spPr>
+          <p:style>
+            <a:lnRef idx="2">
+              <a:schemeClr val="accent1">
+                <a:shade val="50000"/>
+              </a:schemeClr>
+            </a:lnRef>
+            <a:fillRef idx="1">
+              <a:schemeClr val="accent1"/>
+            </a:fillRef>
+            <a:effectRef idx="0">
+              <a:schemeClr val="accent1"/>
+            </a:effectRef>
+            <a:fontRef idx="minor">
+              <a:schemeClr val="lt1"/>
+            </a:fontRef>
+          </p:style>
+          <p:txBody>
+            <a:bodyPr rtlCol="0" anchor="ctr"/>
+            <a:lstStyle/>
+            <a:p>
+              <a:pPr algn="ctr"/>
+              <a:endParaRPr lang="en-US" sz="1600">
+                <a:solidFill>
+                  <a:schemeClr val="tx1"/>
+                </a:solidFill>
+                <a:latin typeface="Segoe UI" panose="020B0502040204020203" pitchFamily="34" charset="0"/>
+                <a:cs typeface="Segoe UI" panose="020B0502040204020203" pitchFamily="34" charset="0"/>
+              </a:endParaRPr>
+            </a:p>
+          </p:txBody>
+        </p:sp>
+      </p:grpSp>
+      <p:cxnSp>
+        <p:nvCxnSpPr>
+          <p:cNvPr id="54" name="Straight Arrow Connector 53"/>
+          <p:cNvCxnSpPr/>
+          <p:nvPr/>
+        </p:nvCxnSpPr>
+        <p:spPr>
+          <a:xfrm flipV="1">
+            <a:off x="7269951" y="4241150"/>
+            <a:ext cx="0" cy="184780"/>
+          </a:xfrm>
+          <a:prstGeom prst="straightConnector1">
+            <a:avLst/>
+          </a:prstGeom>
+          <a:ln w="44450">
+            <a:solidFill>
+              <a:srgbClr val="00B0F0"/>
+            </a:solidFill>
+            <a:headEnd type="none"/>
+            <a:tailEnd type="oval"/>
+          </a:ln>
+        </p:spPr>
+        <p:style>
+          <a:lnRef idx="3">
+            <a:schemeClr val="dk1"/>
+          </a:lnRef>
+          <a:fillRef idx="0">
+            <a:schemeClr val="dk1"/>
+          </a:fillRef>
+          <a:effectRef idx="2">
+            <a:schemeClr val="dk1"/>
+          </a:effectRef>
+          <a:fontRef idx="minor">
+            <a:schemeClr val="tx1"/>
+          </a:fontRef>
+        </p:style>
+      </p:cxnSp>
+      <p:grpSp>
+        <p:nvGrpSpPr>
+          <p:cNvPr id="55" name="Group 54"/>
+          <p:cNvGrpSpPr/>
+          <p:nvPr/>
+        </p:nvGrpSpPr>
+        <p:grpSpPr>
+          <a:xfrm>
+            <a:off x="7167311" y="3935631"/>
+            <a:ext cx="199348" cy="345426"/>
+            <a:chOff x="3205611" y="2671330"/>
+            <a:chExt cx="199348" cy="329114"/>
+          </a:xfrm>
+        </p:grpSpPr>
+        <p:cxnSp>
+          <p:nvCxnSpPr>
+            <p:cNvPr id="56" name="Straight Arrow Connector 55"/>
+            <p:cNvCxnSpPr/>
+            <p:nvPr/>
+          </p:nvCxnSpPr>
+          <p:spPr>
+            <a:xfrm>
+              <a:off x="3305285" y="2671330"/>
+              <a:ext cx="0" cy="153548"/>
+            </a:xfrm>
+            <a:prstGeom prst="straightConnector1">
+              <a:avLst/>
+            </a:prstGeom>
+            <a:ln w="44450">
+              <a:solidFill>
+                <a:srgbClr val="00B0F0"/>
+              </a:solidFill>
+              <a:tailEnd type="none"/>
+            </a:ln>
+          </p:spPr>
+          <p:style>
+            <a:lnRef idx="3">
+              <a:schemeClr val="dk1"/>
+            </a:lnRef>
+            <a:fillRef idx="0">
+              <a:schemeClr val="dk1"/>
+            </a:fillRef>
+            <a:effectRef idx="2">
+              <a:schemeClr val="dk1"/>
+            </a:effectRef>
+            <a:fontRef idx="minor">
+              <a:schemeClr val="tx1"/>
+            </a:fontRef>
+          </p:style>
+        </p:cxnSp>
+        <p:sp>
+          <p:nvSpPr>
+            <p:cNvPr id="57" name="Block Arc 56"/>
+            <p:cNvSpPr/>
+            <p:nvPr/>
+          </p:nvSpPr>
+          <p:spPr>
+            <a:xfrm>
+              <a:off x="3205611" y="2817086"/>
+              <a:ext cx="199348" cy="183358"/>
+            </a:xfrm>
+            <a:prstGeom prst="blockArc">
+              <a:avLst>
+                <a:gd name="adj1" fmla="val 10800000"/>
+                <a:gd name="adj2" fmla="val 29560"/>
+                <a:gd name="adj3" fmla="val 22329"/>
+              </a:avLst>
+            </a:prstGeom>
+            <a:solidFill>
+              <a:srgbClr val="00B0F0"/>
+            </a:solidFill>
+            <a:ln w="0">
+              <a:noFill/>
+            </a:ln>
+          </p:spPr>
+          <p:style>
+            <a:lnRef idx="2">
+              <a:schemeClr val="accent1">
+                <a:shade val="50000"/>
+              </a:schemeClr>
+            </a:lnRef>
+            <a:fillRef idx="1">
+              <a:schemeClr val="accent1"/>
+            </a:fillRef>
+            <a:effectRef idx="0">
+              <a:schemeClr val="accent1"/>
+            </a:effectRef>
+            <a:fontRef idx="minor">
+              <a:schemeClr val="lt1"/>
+            </a:fontRef>
+          </p:style>
+          <p:txBody>
+            <a:bodyPr rtlCol="0" anchor="ctr"/>
+            <a:lstStyle/>
+            <a:p>
+              <a:pPr algn="ctr"/>
+              <a:endParaRPr lang="en-US" sz="1600">
+                <a:solidFill>
+                  <a:schemeClr val="tx1"/>
+                </a:solidFill>
+                <a:latin typeface="Segoe UI" panose="020B0502040204020203" pitchFamily="34" charset="0"/>
+                <a:cs typeface="Segoe UI" panose="020B0502040204020203" pitchFamily="34" charset="0"/>
+              </a:endParaRPr>
+            </a:p>
+          </p:txBody>
+        </p:sp>
+      </p:grpSp>
+      <p:cxnSp>
+        <p:nvCxnSpPr>
+          <p:cNvPr id="58" name="Straight Arrow Connector 57"/>
+          <p:cNvCxnSpPr>
+            <a:stCxn id="40" idx="1"/>
+          </p:cNvCxnSpPr>
+          <p:nvPr/>
+        </p:nvCxnSpPr>
+        <p:spPr>
+          <a:xfrm flipH="1">
+            <a:off x="3679022" y="2194274"/>
+            <a:ext cx="390038" cy="1278"/>
+          </a:xfrm>
+          <a:prstGeom prst="straightConnector1">
+            <a:avLst/>
+          </a:prstGeom>
+          <a:ln w="38100">
+            <a:prstDash val="sysDot"/>
+            <a:tailEnd type="triangle"/>
+          </a:ln>
+        </p:spPr>
+        <p:style>
+          <a:lnRef idx="3">
+            <a:schemeClr val="accent1"/>
+          </a:lnRef>
+          <a:fillRef idx="0">
+            <a:schemeClr val="accent1"/>
+          </a:fillRef>
+          <a:effectRef idx="2">
+            <a:schemeClr val="accent1"/>
+          </a:effectRef>
+          <a:fontRef idx="minor">
+            <a:schemeClr val="tx1"/>
+          </a:fontRef>
+        </p:style>
+      </p:cxnSp>
+      <p:cxnSp>
+        <p:nvCxnSpPr>
+          <p:cNvPr id="59" name="Straight Arrow Connector 58"/>
+          <p:cNvCxnSpPr>
+            <a:stCxn id="45" idx="1"/>
+          </p:cNvCxnSpPr>
+          <p:nvPr/>
+        </p:nvCxnSpPr>
+        <p:spPr>
+          <a:xfrm flipH="1" flipV="1">
+            <a:off x="3698183" y="3557409"/>
+            <a:ext cx="370877" cy="818"/>
+          </a:xfrm>
+          <a:prstGeom prst="straightConnector1">
+            <a:avLst/>
+          </a:prstGeom>
+          <a:ln w="38100">
+            <a:prstDash val="sysDot"/>
+            <a:tailEnd type="triangle"/>
+          </a:ln>
+        </p:spPr>
+        <p:style>
+          <a:lnRef idx="3">
+            <a:schemeClr val="accent1"/>
+          </a:lnRef>
+          <a:fillRef idx="0">
+            <a:schemeClr val="accent1"/>
+          </a:fillRef>
+          <a:effectRef idx="2">
+            <a:schemeClr val="accent1"/>
+          </a:effectRef>
+          <a:fontRef idx="minor">
+            <a:schemeClr val="tx1"/>
+          </a:fontRef>
+        </p:style>
+      </p:cxnSp>
+      <p:cxnSp>
+        <p:nvCxnSpPr>
+          <p:cNvPr id="60" name="Straight Arrow Connector 59"/>
+          <p:cNvCxnSpPr>
+            <a:stCxn id="61" idx="1"/>
+          </p:cNvCxnSpPr>
+          <p:nvPr/>
+        </p:nvCxnSpPr>
+        <p:spPr>
+          <a:xfrm flipH="1">
+            <a:off x="3670048" y="4743229"/>
+            <a:ext cx="323557" cy="1728"/>
+          </a:xfrm>
+          <a:prstGeom prst="straightConnector1">
+            <a:avLst/>
+          </a:prstGeom>
+          <a:ln w="38100">
+            <a:prstDash val="sysDot"/>
+            <a:tailEnd type="triangle"/>
+          </a:ln>
+        </p:spPr>
+        <p:style>
+          <a:lnRef idx="3">
+            <a:schemeClr val="accent1"/>
+          </a:lnRef>
+          <a:fillRef idx="0">
+            <a:schemeClr val="accent1"/>
+          </a:fillRef>
+          <a:effectRef idx="2">
+            <a:schemeClr val="accent1"/>
+          </a:effectRef>
+          <a:fontRef idx="minor">
+            <a:schemeClr val="tx1"/>
+          </a:fontRef>
+        </p:style>
+      </p:cxnSp>
+      <p:sp>
+        <p:nvSpPr>
+          <p:cNvPr id="61" name="Rounded Rectangle 60"/>
+          <p:cNvSpPr/>
+          <p:nvPr/>
+        </p:nvSpPr>
+        <p:spPr>
+          <a:xfrm>
+            <a:off x="3993605" y="4361676"/>
+            <a:ext cx="4276578" cy="763106"/>
+          </a:xfrm>
+          <a:prstGeom prst="roundRect">
+            <a:avLst/>
+          </a:prstGeom>
+          <a:noFill/>
+          <a:ln>
+            <a:prstDash val="dash"/>
+          </a:ln>
+        </p:spPr>
+        <p:style>
+          <a:lnRef idx="2">
+            <a:schemeClr val="accent6"/>
+          </a:lnRef>
+          <a:fillRef idx="1">
+            <a:schemeClr val="lt1"/>
+          </a:fillRef>
+          <a:effectRef idx="0">
+            <a:schemeClr val="accent6"/>
+          </a:effectRef>
+          <a:fontRef idx="minor">
+            <a:schemeClr val="dk1"/>
+          </a:fontRef>
+        </p:style>
+        <p:txBody>
+          <a:bodyPr rtlCol="0" anchor="ctr"/>
+          <a:lstStyle/>
+          <a:p>
+            <a:pPr algn="ctr"/>
+            <a:endParaRPr lang="en-US">
+              <a:latin typeface="Segoe UI" panose="020B0502040204020203" pitchFamily="34" charset="0"/>
+              <a:cs typeface="Segoe UI" panose="020B0502040204020203" pitchFamily="34" charset="0"/>
+            </a:endParaRPr>
+          </a:p>
+        </p:txBody>
+      </p:sp>
+      <p:sp>
+        <p:nvSpPr>
+          <p:cNvPr id="62" name="Rounded Rectangle 61"/>
+          <p:cNvSpPr/>
+          <p:nvPr/>
+        </p:nvSpPr>
+        <p:spPr>
+          <a:xfrm>
+            <a:off x="2773819" y="1549166"/>
+            <a:ext cx="5575300" cy="3652823"/>
+          </a:xfrm>
+          <a:prstGeom prst="roundRect">
+            <a:avLst>
+              <a:gd name="adj" fmla="val 3659"/>
+            </a:avLst>
+          </a:prstGeom>
+          <a:noFill/>
+          <a:ln>
+            <a:prstDash val="dash"/>
+          </a:ln>
+        </p:spPr>
+        <p:style>
+          <a:lnRef idx="2">
+            <a:schemeClr val="accent6"/>
+          </a:lnRef>
+          <a:fillRef idx="1">
+            <a:schemeClr val="lt1"/>
+          </a:fillRef>
+          <a:effectRef idx="0">
+            <a:schemeClr val="accent6"/>
+          </a:effectRef>
+          <a:fontRef idx="minor">
+            <a:schemeClr val="dk1"/>
+          </a:fontRef>
+        </p:style>
+        <p:txBody>
+          <a:bodyPr rtlCol="0" anchor="ctr"/>
+          <a:lstStyle/>
+          <a:p>
+            <a:pPr algn="ctr"/>
+            <a:endParaRPr lang="en-US">
+              <a:latin typeface="Segoe UI" panose="020B0502040204020203" pitchFamily="34" charset="0"/>
+              <a:cs typeface="Segoe UI" panose="020B0502040204020203" pitchFamily="34" charset="0"/>
+            </a:endParaRPr>
+          </a:p>
+        </p:txBody>
+      </p:sp>
+      <p:sp>
+        <p:nvSpPr>
+          <p:cNvPr id="63" name="Rounded Rectangle 62"/>
+          <p:cNvSpPr/>
+          <p:nvPr/>
+        </p:nvSpPr>
+        <p:spPr>
+          <a:xfrm>
+            <a:off x="4189605" y="1987061"/>
+            <a:ext cx="1784000" cy="643683"/>
+          </a:xfrm>
+          <a:prstGeom prst="roundRect">
+            <a:avLst/>
+          </a:prstGeom>
+        </p:spPr>
+        <p:style>
+          <a:lnRef idx="1">
+            <a:schemeClr val="accent1"/>
+          </a:lnRef>
+          <a:fillRef idx="2">
+            <a:schemeClr val="accent1"/>
+          </a:fillRef>
+          <a:effectRef idx="1">
+            <a:schemeClr val="accent1"/>
+          </a:effectRef>
+          <a:fontRef idx="minor">
+            <a:schemeClr val="dk1"/>
+          </a:fontRef>
+        </p:style>
+        <p:txBody>
+          <a:bodyPr rtlCol="0" anchor="ctr"/>
+          <a:lstStyle/>
+          <a:p>
+            <a:pPr algn="ctr"/>
+            <a:r>
+              <a:rPr lang="en-US" sz="1400" dirty="0" smtClean="0">
+                <a:latin typeface="Segoe UI" panose="020B0502040204020203" pitchFamily="34" charset="0"/>
+                <a:cs typeface="Segoe UI" panose="020B0502040204020203" pitchFamily="34" charset="0"/>
+              </a:rPr>
+              <a:t>UI (HTML, Window Form, …)</a:t>
+            </a:r>
+            <a:endParaRPr lang="en-US" sz="1400" dirty="0">
+              <a:latin typeface="Segoe UI" panose="020B0502040204020203" pitchFamily="34" charset="0"/>
+              <a:cs typeface="Segoe UI" panose="020B0502040204020203" pitchFamily="34" charset="0"/>
+            </a:endParaRPr>
+          </a:p>
+        </p:txBody>
+      </p:sp>
+      <p:sp>
+        <p:nvSpPr>
+          <p:cNvPr id="64" name="Rounded Rectangle 63"/>
+          <p:cNvSpPr/>
+          <p:nvPr/>
+        </p:nvSpPr>
+        <p:spPr>
+          <a:xfrm>
+            <a:off x="6172952" y="1986506"/>
+            <a:ext cx="1903739" cy="643683"/>
+          </a:xfrm>
+          <a:prstGeom prst="roundRect">
+            <a:avLst/>
+          </a:prstGeom>
+        </p:spPr>
+        <p:style>
+          <a:lnRef idx="1">
+            <a:schemeClr val="accent1"/>
+          </a:lnRef>
+          <a:fillRef idx="2">
+            <a:schemeClr val="accent1"/>
+          </a:fillRef>
+          <a:effectRef idx="1">
+            <a:schemeClr val="accent1"/>
+          </a:effectRef>
+          <a:fontRef idx="minor">
+            <a:schemeClr val="dk1"/>
+          </a:fontRef>
+        </p:style>
+        <p:txBody>
+          <a:bodyPr rtlCol="0" anchor="ctr"/>
+          <a:lstStyle/>
+          <a:p>
+            <a:pPr algn="ctr"/>
+            <a:r>
+              <a:rPr lang="en-US" sz="1400" dirty="0" smtClean="0">
+                <a:latin typeface="Segoe UI" panose="020B0502040204020203" pitchFamily="34" charset="0"/>
+                <a:cs typeface="Segoe UI" panose="020B0502040204020203" pitchFamily="34" charset="0"/>
+              </a:rPr>
+              <a:t>API (</a:t>
+            </a:r>
+            <a:r>
+              <a:rPr lang="en-US" sz="1400" dirty="0" err="1" smtClean="0">
+                <a:latin typeface="Segoe UI" panose="020B0502040204020203" pitchFamily="34" charset="0"/>
+                <a:cs typeface="Segoe UI" panose="020B0502040204020203" pitchFamily="34" charset="0"/>
+              </a:rPr>
+              <a:t>RESTful</a:t>
+            </a:r>
+            <a:r>
+              <a:rPr lang="en-US" sz="1400" dirty="0" smtClean="0">
+                <a:latin typeface="Segoe UI" panose="020B0502040204020203" pitchFamily="34" charset="0"/>
+                <a:cs typeface="Segoe UI" panose="020B0502040204020203" pitchFamily="34" charset="0"/>
+              </a:rPr>
+              <a:t> API, WCF, …)</a:t>
+            </a:r>
+            <a:endParaRPr lang="en-US" sz="1400" dirty="0">
+              <a:latin typeface="Segoe UI" panose="020B0502040204020203" pitchFamily="34" charset="0"/>
+              <a:cs typeface="Segoe UI" panose="020B0502040204020203" pitchFamily="34" charset="0"/>
+            </a:endParaRPr>
+          </a:p>
+        </p:txBody>
+      </p:sp>
+      <p:sp>
+        <p:nvSpPr>
+          <p:cNvPr id="65" name="TextBox 64"/>
+          <p:cNvSpPr txBox="1"/>
+          <p:nvPr/>
+        </p:nvSpPr>
+        <p:spPr>
+          <a:xfrm>
+            <a:off x="5390070" y="1649006"/>
+            <a:ext cx="1481959" cy="338554"/>
+          </a:xfrm>
+          <a:prstGeom prst="rect">
+            <a:avLst/>
+          </a:prstGeom>
+          <a:noFill/>
+        </p:spPr>
+        <p:txBody>
+          <a:bodyPr wrap="square" rtlCol="0">
+            <a:spAutoFit/>
+          </a:bodyPr>
+          <a:lstStyle/>
+          <a:p>
+            <a:pPr algn="ctr"/>
+            <a:r>
+              <a:rPr lang="en-US" sz="1600" dirty="0" smtClean="0">
+                <a:latin typeface="Segoe UI" panose="020B0502040204020203" pitchFamily="34" charset="0"/>
+                <a:cs typeface="Segoe UI" panose="020B0502040204020203" pitchFamily="34" charset="0"/>
+              </a:rPr>
+              <a:t>Presentation</a:t>
+            </a:r>
+            <a:endParaRPr lang="en-US" sz="1600" dirty="0">
+              <a:latin typeface="Segoe UI" panose="020B0502040204020203" pitchFamily="34" charset="0"/>
+              <a:cs typeface="Segoe UI" panose="020B0502040204020203" pitchFamily="34" charset="0"/>
+            </a:endParaRPr>
+          </a:p>
+        </p:txBody>
+      </p:sp>
+    </p:spTree>
+    <p:extLst>
+      <p:ext uri="{BB962C8B-B14F-4D97-AF65-F5344CB8AC3E}">
+        <p14:creationId xmlns:p14="http://schemas.microsoft.com/office/powerpoint/2010/main" val="3510681827"/>
+      </p:ext>
+    </p:extLst>
+  </p:cSld>
+  <p:clrMapOvr>
+    <a:masterClrMapping/>
+  </p:clrMapOvr>
+  <p:timing>
+    <p:tnLst>
+      <p:par>
+        <p:cTn id="1" dur="indefinite" restart="never" nodeType="tmRoot"/>
+      </p:par>
+    </p:tnLst>
+  </p:timing>
+</p:sld>
+</file>
+
+<file path=ppt/slides/slide11.xml><?xml version="1.0" encoding="utf-8"?>
+<p:sld xmlns:a="http://schemas.openxmlformats.org/drawingml/2006/main" xmlns:r="http://schemas.openxmlformats.org/officeDocument/2006/relationships" xmlns:p="http://schemas.openxmlformats.org/presentationml/2006/main">
+  <p:cSld>
+    <p:spTree>
+      <p:nvGrpSpPr>
+        <p:cNvPr id="1" name=""/>
+        <p:cNvGrpSpPr/>
+        <p:nvPr/>
+      </p:nvGrpSpPr>
+      <p:grpSpPr>
+        <a:xfrm>
+          <a:off x="0" y="0"/>
+          <a:ext cx="0" cy="0"/>
+          <a:chOff x="0" y="0"/>
+          <a:chExt cx="0" cy="0"/>
+        </a:xfrm>
+      </p:grpSpPr>
+      <p:sp>
+        <p:nvSpPr>
+          <p:cNvPr id="2" name="Slide Number Placeholder 1"/>
+          <p:cNvSpPr>
+            <a:spLocks noGrp="1"/>
+          </p:cNvSpPr>
+          <p:nvPr>
+            <p:ph type="sldNum" sz="quarter" idx="12"/>
+          </p:nvPr>
+        </p:nvSpPr>
+        <p:spPr/>
+        <p:txBody>
+          <a:bodyPr/>
+          <a:lstStyle/>
+          <a:p>
+            <a:fld id="{BCD7396F-CAFE-47FC-9775-745DE743DF33}" type="slidenum">
+              <a:rPr lang="en-US" smtClean="0"/>
+              <a:t>11</a:t>
+            </a:fld>
+            <a:endParaRPr lang="en-US"/>
+          </a:p>
+        </p:txBody>
+      </p:sp>
+      <p:sp>
+        <p:nvSpPr>
+          <p:cNvPr id="76" name="Right Brace 75"/>
+          <p:cNvSpPr/>
+          <p:nvPr/>
+        </p:nvSpPr>
+        <p:spPr>
+          <a:xfrm>
+            <a:off x="8869775" y="2803367"/>
+            <a:ext cx="195397" cy="981183"/>
+          </a:xfrm>
+          <a:prstGeom prst="rightBrace">
+            <a:avLst/>
+          </a:prstGeom>
+          <a:ln w="25400" cap="flat">
+            <a:prstDash val="solid"/>
+          </a:ln>
+        </p:spPr>
+        <p:style>
+          <a:lnRef idx="1">
+            <a:schemeClr val="accent1"/>
+          </a:lnRef>
+          <a:fillRef idx="0">
+            <a:schemeClr val="accent1"/>
+          </a:fillRef>
+          <a:effectRef idx="0">
+            <a:schemeClr val="accent1"/>
+          </a:effectRef>
+          <a:fontRef idx="minor">
+            <a:schemeClr val="tx1"/>
+          </a:fontRef>
+        </p:style>
+        <p:txBody>
+          <a:bodyPr rtlCol="0" anchor="ctr"/>
+          <a:lstStyle/>
+          <a:p>
+            <a:pPr algn="ctr"/>
+            <a:endParaRPr lang="en-US"/>
+          </a:p>
+        </p:txBody>
+      </p:sp>
+      <p:sp>
+        <p:nvSpPr>
+          <p:cNvPr id="78" name="Right Brace 77"/>
+          <p:cNvSpPr/>
+          <p:nvPr/>
+        </p:nvSpPr>
+        <p:spPr>
+          <a:xfrm>
+            <a:off x="8865791" y="4396823"/>
+            <a:ext cx="199382" cy="693169"/>
+          </a:xfrm>
+          <a:prstGeom prst="rightBrace">
+            <a:avLst/>
+          </a:prstGeom>
+          <a:ln w="25400" cap="flat">
+            <a:prstDash val="solid"/>
+          </a:ln>
+        </p:spPr>
+        <p:style>
+          <a:lnRef idx="1">
+            <a:schemeClr val="accent1"/>
+          </a:lnRef>
+          <a:fillRef idx="0">
+            <a:schemeClr val="accent1"/>
+          </a:fillRef>
+          <a:effectRef idx="0">
+            <a:schemeClr val="accent1"/>
+          </a:effectRef>
+          <a:fontRef idx="minor">
+            <a:schemeClr val="tx1"/>
+          </a:fontRef>
+        </p:style>
+        <p:txBody>
+          <a:bodyPr rtlCol="0" anchor="ctr"/>
+          <a:lstStyle/>
+          <a:p>
+            <a:pPr algn="ctr"/>
+            <a:endParaRPr lang="en-US"/>
+          </a:p>
+        </p:txBody>
+      </p:sp>
+      <p:sp>
+        <p:nvSpPr>
+          <p:cNvPr id="79" name="Right Brace 78"/>
+          <p:cNvSpPr/>
+          <p:nvPr/>
+        </p:nvSpPr>
+        <p:spPr>
+          <a:xfrm>
+            <a:off x="8865790" y="5578498"/>
+            <a:ext cx="214725" cy="629894"/>
+          </a:xfrm>
+          <a:prstGeom prst="rightBrace">
+            <a:avLst/>
+          </a:prstGeom>
+          <a:ln w="25400" cap="flat">
+            <a:prstDash val="solid"/>
+          </a:ln>
+        </p:spPr>
+        <p:style>
+          <a:lnRef idx="1">
+            <a:schemeClr val="accent1"/>
+          </a:lnRef>
+          <a:fillRef idx="0">
+            <a:schemeClr val="accent1"/>
+          </a:fillRef>
+          <a:effectRef idx="0">
+            <a:schemeClr val="accent1"/>
+          </a:effectRef>
+          <a:fontRef idx="minor">
+            <a:schemeClr val="tx1"/>
+          </a:fontRef>
+        </p:style>
+        <p:txBody>
+          <a:bodyPr rtlCol="0" anchor="ctr"/>
+          <a:lstStyle/>
+          <a:p>
+            <a:pPr algn="ctr"/>
+            <a:endParaRPr lang="en-US"/>
+          </a:p>
+        </p:txBody>
+      </p:sp>
+      <p:sp>
+        <p:nvSpPr>
+          <p:cNvPr id="80" name="Flowchart: Alternate Process 79"/>
+          <p:cNvSpPr/>
+          <p:nvPr/>
+        </p:nvSpPr>
+        <p:spPr>
+          <a:xfrm>
+            <a:off x="9159451" y="3117831"/>
+            <a:ext cx="1750286" cy="373972"/>
+          </a:xfrm>
+          <a:prstGeom prst="flowChartAlternateProcess">
+            <a:avLst/>
+          </a:prstGeom>
+        </p:spPr>
+        <p:style>
+          <a:lnRef idx="1">
+            <a:schemeClr val="accent1"/>
+          </a:lnRef>
+          <a:fillRef idx="3">
+            <a:schemeClr val="accent1"/>
+          </a:fillRef>
+          <a:effectRef idx="2">
+            <a:schemeClr val="accent1"/>
+          </a:effectRef>
+          <a:fontRef idx="minor">
+            <a:schemeClr val="lt1"/>
+          </a:fontRef>
+        </p:style>
+        <p:txBody>
+          <a:bodyPr rtlCol="0" anchor="ctr"/>
+          <a:lstStyle/>
+          <a:p>
+            <a:pPr algn="ctr"/>
+            <a:r>
+              <a:rPr lang="en-US" dirty="0" smtClean="0">
+                <a:solidFill>
+                  <a:schemeClr val="lt1"/>
+                </a:solidFill>
+              </a:rPr>
+              <a:t>GUI Unit </a:t>
+            </a:r>
+            <a:r>
+              <a:rPr lang="en-US" dirty="0">
+                <a:solidFill>
+                  <a:schemeClr val="lt1"/>
+                </a:solidFill>
+              </a:rPr>
+              <a:t>Tests</a:t>
+            </a:r>
+          </a:p>
+        </p:txBody>
+      </p:sp>
+      <p:sp>
+        <p:nvSpPr>
+          <p:cNvPr id="81" name="Flowchart: Alternate Process 80"/>
+          <p:cNvSpPr/>
+          <p:nvPr/>
+        </p:nvSpPr>
+        <p:spPr>
+          <a:xfrm>
+            <a:off x="9159450" y="4518573"/>
+            <a:ext cx="1750286" cy="374715"/>
+          </a:xfrm>
+          <a:prstGeom prst="flowChartAlternateProcess">
+            <a:avLst/>
+          </a:prstGeom>
+        </p:spPr>
+        <p:style>
+          <a:lnRef idx="1">
+            <a:schemeClr val="accent1"/>
+          </a:lnRef>
+          <a:fillRef idx="3">
+            <a:schemeClr val="accent1"/>
+          </a:fillRef>
+          <a:effectRef idx="2">
+            <a:schemeClr val="accent1"/>
+          </a:effectRef>
+          <a:fontRef idx="minor">
+            <a:schemeClr val="lt1"/>
+          </a:fontRef>
+        </p:style>
+        <p:txBody>
+          <a:bodyPr rtlCol="0" anchor="ctr"/>
+          <a:lstStyle/>
+          <a:p>
+            <a:pPr algn="ctr"/>
+            <a:r>
+              <a:rPr lang="en-US" dirty="0" smtClean="0"/>
+              <a:t>Unit Tests</a:t>
+            </a:r>
+            <a:endParaRPr lang="en-US" dirty="0"/>
+          </a:p>
+        </p:txBody>
+      </p:sp>
+      <p:sp>
+        <p:nvSpPr>
+          <p:cNvPr id="82" name="Flowchart: Alternate Process 81"/>
+          <p:cNvSpPr/>
+          <p:nvPr/>
+        </p:nvSpPr>
+        <p:spPr>
+          <a:xfrm>
+            <a:off x="9159450" y="5704328"/>
+            <a:ext cx="1750287" cy="378233"/>
+          </a:xfrm>
+          <a:prstGeom prst="flowChartAlternateProcess">
+            <a:avLst/>
+          </a:prstGeom>
+        </p:spPr>
+        <p:style>
+          <a:lnRef idx="1">
+            <a:schemeClr val="accent1"/>
+          </a:lnRef>
+          <a:fillRef idx="3">
+            <a:schemeClr val="accent1"/>
+          </a:fillRef>
+          <a:effectRef idx="2">
+            <a:schemeClr val="accent1"/>
+          </a:effectRef>
+          <a:fontRef idx="minor">
+            <a:schemeClr val="lt1"/>
+          </a:fontRef>
+        </p:style>
+        <p:txBody>
+          <a:bodyPr rtlCol="0" anchor="ctr"/>
+          <a:lstStyle/>
+          <a:p>
+            <a:pPr algn="ctr"/>
+            <a:r>
+              <a:rPr lang="en-US" dirty="0">
+                <a:solidFill>
+                  <a:schemeClr val="lt1"/>
+                </a:solidFill>
+              </a:rPr>
+              <a:t>Integration Test</a:t>
+            </a:r>
+          </a:p>
+        </p:txBody>
+      </p:sp>
+      <p:sp>
+        <p:nvSpPr>
+          <p:cNvPr id="83" name="Left Brace 82"/>
+          <p:cNvSpPr/>
+          <p:nvPr/>
+        </p:nvSpPr>
+        <p:spPr>
+          <a:xfrm>
+            <a:off x="2680671" y="2852819"/>
+            <a:ext cx="233520" cy="3426324"/>
+          </a:xfrm>
+          <a:prstGeom prst="leftBrace">
+            <a:avLst/>
+          </a:prstGeom>
+          <a:ln w="25400" cap="flat">
+            <a:prstDash val="solid"/>
+          </a:ln>
+        </p:spPr>
+        <p:style>
+          <a:lnRef idx="1">
+            <a:schemeClr val="accent1"/>
+          </a:lnRef>
+          <a:fillRef idx="0">
+            <a:schemeClr val="accent1"/>
+          </a:fillRef>
+          <a:effectRef idx="0">
+            <a:schemeClr val="accent1"/>
+          </a:effectRef>
+          <a:fontRef idx="minor">
+            <a:schemeClr val="tx1"/>
+          </a:fontRef>
+        </p:style>
+        <p:txBody>
+          <a:bodyPr rtlCol="0" anchor="ctr"/>
+          <a:lstStyle/>
+          <a:p>
+            <a:pPr algn="ctr"/>
+            <a:endParaRPr lang="en-US"/>
+          </a:p>
+        </p:txBody>
+      </p:sp>
+      <p:sp>
+        <p:nvSpPr>
+          <p:cNvPr id="84" name="Flowchart: Alternate Process 83"/>
+          <p:cNvSpPr/>
+          <p:nvPr/>
+        </p:nvSpPr>
+        <p:spPr>
+          <a:xfrm>
+            <a:off x="836108" y="4368352"/>
+            <a:ext cx="1750286" cy="374715"/>
+          </a:xfrm>
+          <a:prstGeom prst="flowChartAlternateProcess">
+            <a:avLst/>
+          </a:prstGeom>
+        </p:spPr>
+        <p:style>
+          <a:lnRef idx="1">
+            <a:schemeClr val="accent1"/>
+          </a:lnRef>
+          <a:fillRef idx="3">
+            <a:schemeClr val="accent1"/>
+          </a:fillRef>
+          <a:effectRef idx="2">
+            <a:schemeClr val="accent1"/>
+          </a:effectRef>
+          <a:fontRef idx="minor">
+            <a:schemeClr val="lt1"/>
+          </a:fontRef>
+        </p:style>
+        <p:txBody>
+          <a:bodyPr rtlCol="0" anchor="ctr"/>
+          <a:lstStyle/>
+          <a:p>
+            <a:pPr algn="ctr"/>
+            <a:r>
+              <a:rPr lang="en-US" dirty="0" smtClean="0"/>
+              <a:t>Unit Tests</a:t>
+            </a:r>
+            <a:endParaRPr lang="en-US" dirty="0"/>
+          </a:p>
+        </p:txBody>
+      </p:sp>
+      <p:sp>
+        <p:nvSpPr>
+          <p:cNvPr id="86" name="Right Brace 85"/>
+          <p:cNvSpPr/>
+          <p:nvPr/>
+        </p:nvSpPr>
+        <p:spPr>
+          <a:xfrm rot="16200000">
+            <a:off x="5516483" y="-670568"/>
+            <a:ext cx="457032" cy="5575299"/>
+          </a:xfrm>
+          <a:prstGeom prst="rightBrace">
+            <a:avLst>
+              <a:gd name="adj1" fmla="val 8333"/>
+              <a:gd name="adj2" fmla="val 49717"/>
+            </a:avLst>
+          </a:prstGeom>
+          <a:ln w="25400" cap="flat">
+            <a:prstDash val="solid"/>
+          </a:ln>
+        </p:spPr>
+        <p:style>
+          <a:lnRef idx="1">
+            <a:schemeClr val="accent1"/>
+          </a:lnRef>
+          <a:fillRef idx="0">
+            <a:schemeClr val="accent1"/>
+          </a:fillRef>
+          <a:effectRef idx="0">
+            <a:schemeClr val="accent1"/>
+          </a:effectRef>
+          <a:fontRef idx="minor">
+            <a:schemeClr val="tx1"/>
+          </a:fontRef>
+        </p:style>
+        <p:txBody>
+          <a:bodyPr rtlCol="0" anchor="ctr"/>
+          <a:lstStyle/>
+          <a:p>
+            <a:pPr algn="ctr"/>
+            <a:endParaRPr lang="en-US"/>
+          </a:p>
+        </p:txBody>
+      </p:sp>
+      <p:sp>
+        <p:nvSpPr>
+          <p:cNvPr id="87" name="Flowchart: Alternate Process 86"/>
+          <p:cNvSpPr/>
+          <p:nvPr/>
+        </p:nvSpPr>
+        <p:spPr>
+          <a:xfrm>
+            <a:off x="4869855" y="1369550"/>
+            <a:ext cx="1750286" cy="374715"/>
+          </a:xfrm>
+          <a:prstGeom prst="flowChartAlternateProcess">
+            <a:avLst/>
+          </a:prstGeom>
+        </p:spPr>
+        <p:style>
+          <a:lnRef idx="1">
+            <a:schemeClr val="accent1"/>
+          </a:lnRef>
+          <a:fillRef idx="3">
+            <a:schemeClr val="accent1"/>
+          </a:fillRef>
+          <a:effectRef idx="2">
+            <a:schemeClr val="accent1"/>
+          </a:effectRef>
+          <a:fontRef idx="minor">
+            <a:schemeClr val="lt1"/>
+          </a:fontRef>
+        </p:style>
+        <p:txBody>
+          <a:bodyPr rtlCol="0" anchor="ctr"/>
+          <a:lstStyle/>
+          <a:p>
+            <a:pPr algn="ctr"/>
+            <a:r>
+              <a:rPr lang="en-US" dirty="0" smtClean="0"/>
+              <a:t>System Tests</a:t>
+            </a:r>
+            <a:endParaRPr lang="en-US" dirty="0"/>
+          </a:p>
+        </p:txBody>
+      </p:sp>
+      <p:sp>
+        <p:nvSpPr>
+          <p:cNvPr id="88" name="TextBox 87"/>
+          <p:cNvSpPr txBox="1"/>
+          <p:nvPr/>
+        </p:nvSpPr>
+        <p:spPr>
+          <a:xfrm>
+            <a:off x="2957349" y="2325103"/>
+            <a:ext cx="1377394" cy="369332"/>
+          </a:xfrm>
+          <a:prstGeom prst="rect">
+            <a:avLst/>
+          </a:prstGeom>
+          <a:noFill/>
+        </p:spPr>
+        <p:txBody>
+          <a:bodyPr wrap="square" rtlCol="0">
+            <a:spAutoFit/>
+          </a:bodyPr>
+          <a:lstStyle/>
+          <a:p>
+            <a:r>
+              <a:rPr lang="en-US" dirty="0" smtClean="0">
+                <a:latin typeface="Segoe UI" panose="020B0502040204020203" pitchFamily="34" charset="0"/>
+                <a:cs typeface="Segoe UI" panose="020B0502040204020203" pitchFamily="34" charset="0"/>
+              </a:rPr>
+              <a:t>Application</a:t>
+            </a:r>
+          </a:p>
+        </p:txBody>
+      </p:sp>
+      <p:sp>
+        <p:nvSpPr>
+          <p:cNvPr id="89" name="Rounded Rectangle 88"/>
+          <p:cNvSpPr/>
+          <p:nvPr/>
+        </p:nvSpPr>
+        <p:spPr>
+          <a:xfrm>
+            <a:off x="4321309" y="2807144"/>
+            <a:ext cx="4123980" cy="991630"/>
+          </a:xfrm>
+          <a:prstGeom prst="roundRect">
+            <a:avLst/>
+          </a:prstGeom>
+        </p:spPr>
+        <p:style>
+          <a:lnRef idx="1">
+            <a:schemeClr val="accent5"/>
+          </a:lnRef>
+          <a:fillRef idx="2">
+            <a:schemeClr val="accent5"/>
+          </a:fillRef>
+          <a:effectRef idx="1">
+            <a:schemeClr val="accent5"/>
+          </a:effectRef>
+          <a:fontRef idx="minor">
+            <a:schemeClr val="dk1"/>
+          </a:fontRef>
+        </p:style>
+        <p:txBody>
+          <a:bodyPr rtlCol="0" anchor="ctr"/>
+          <a:lstStyle/>
+          <a:p>
+            <a:pPr algn="ctr"/>
+            <a:endParaRPr lang="en-US" sz="1600" dirty="0" smtClean="0">
+              <a:solidFill>
+                <a:schemeClr val="tx1"/>
+              </a:solidFill>
+              <a:latin typeface="Segoe UI" panose="020B0502040204020203" pitchFamily="34" charset="0"/>
+              <a:cs typeface="Segoe UI" panose="020B0502040204020203" pitchFamily="34" charset="0"/>
+            </a:endParaRPr>
+          </a:p>
+        </p:txBody>
+      </p:sp>
+      <p:sp>
+        <p:nvSpPr>
+          <p:cNvPr id="90" name="Rounded Rectangle 89"/>
+          <p:cNvSpPr/>
+          <p:nvPr/>
+        </p:nvSpPr>
+        <p:spPr>
+          <a:xfrm>
+            <a:off x="4321309" y="5538022"/>
+            <a:ext cx="2030934" cy="629017"/>
+          </a:xfrm>
+          <a:prstGeom prst="roundRect">
+            <a:avLst/>
+          </a:prstGeom>
+        </p:spPr>
+        <p:style>
+          <a:lnRef idx="1">
+            <a:schemeClr val="accent6"/>
+          </a:lnRef>
+          <a:fillRef idx="2">
+            <a:schemeClr val="accent6"/>
+          </a:fillRef>
+          <a:effectRef idx="1">
+            <a:schemeClr val="accent6"/>
+          </a:effectRef>
+          <a:fontRef idx="minor">
+            <a:schemeClr val="dk1"/>
+          </a:fontRef>
+        </p:style>
+        <p:txBody>
+          <a:bodyPr rtlCol="0" anchor="ctr"/>
+          <a:lstStyle/>
+          <a:p>
+            <a:pPr algn="ctr"/>
+            <a:r>
+              <a:rPr lang="en-US" sz="1600" dirty="0" smtClean="0">
+                <a:solidFill>
+                  <a:schemeClr val="tx1"/>
+                </a:solidFill>
+                <a:latin typeface="Segoe UI" panose="020B0502040204020203" pitchFamily="34" charset="0"/>
+                <a:cs typeface="Segoe UI" panose="020B0502040204020203" pitchFamily="34" charset="0"/>
+              </a:rPr>
+              <a:t>Data Access</a:t>
+            </a:r>
+            <a:endParaRPr lang="en-US" sz="1600" dirty="0">
+              <a:solidFill>
+                <a:schemeClr val="tx1"/>
+              </a:solidFill>
+              <a:latin typeface="Segoe UI" panose="020B0502040204020203" pitchFamily="34" charset="0"/>
+              <a:cs typeface="Segoe UI" panose="020B0502040204020203" pitchFamily="34" charset="0"/>
+            </a:endParaRPr>
+          </a:p>
+        </p:txBody>
+      </p:sp>
+      <p:sp>
+        <p:nvSpPr>
+          <p:cNvPr id="91" name="Rounded Rectangle 90"/>
+          <p:cNvSpPr/>
+          <p:nvPr/>
+        </p:nvSpPr>
+        <p:spPr>
+          <a:xfrm>
+            <a:off x="6479947" y="5538021"/>
+            <a:ext cx="1965342" cy="629017"/>
+          </a:xfrm>
+          <a:prstGeom prst="roundRect">
+            <a:avLst/>
+          </a:prstGeom>
+        </p:spPr>
+        <p:style>
+          <a:lnRef idx="1">
+            <a:schemeClr val="accent6"/>
+          </a:lnRef>
+          <a:fillRef idx="2">
+            <a:schemeClr val="accent6"/>
+          </a:fillRef>
+          <a:effectRef idx="1">
+            <a:schemeClr val="accent6"/>
+          </a:effectRef>
+          <a:fontRef idx="minor">
+            <a:schemeClr val="dk1"/>
+          </a:fontRef>
+        </p:style>
+        <p:txBody>
+          <a:bodyPr rtlCol="0" anchor="ctr"/>
+          <a:lstStyle/>
+          <a:p>
+            <a:pPr algn="ctr"/>
+            <a:r>
+              <a:rPr lang="en-US" sz="1600" dirty="0" smtClean="0">
+                <a:solidFill>
+                  <a:schemeClr val="tx1"/>
+                </a:solidFill>
+                <a:latin typeface="Segoe UI" panose="020B0502040204020203" pitchFamily="34" charset="0"/>
+                <a:cs typeface="Segoe UI" panose="020B0502040204020203" pitchFamily="34" charset="0"/>
+              </a:rPr>
+              <a:t>Service Gateways</a:t>
+            </a:r>
+            <a:endParaRPr lang="en-US" sz="1600" dirty="0">
+              <a:solidFill>
+                <a:schemeClr val="tx1"/>
+              </a:solidFill>
+              <a:latin typeface="Segoe UI" panose="020B0502040204020203" pitchFamily="34" charset="0"/>
+              <a:cs typeface="Segoe UI" panose="020B0502040204020203" pitchFamily="34" charset="0"/>
+            </a:endParaRPr>
+          </a:p>
+        </p:txBody>
+      </p:sp>
+      <p:sp>
+        <p:nvSpPr>
+          <p:cNvPr id="92" name="Rounded Rectangle 91"/>
+          <p:cNvSpPr/>
+          <p:nvPr/>
+        </p:nvSpPr>
+        <p:spPr>
+          <a:xfrm>
+            <a:off x="3122171" y="2807143"/>
+            <a:ext cx="803489" cy="3426324"/>
+          </a:xfrm>
+          <a:prstGeom prst="roundRect">
+            <a:avLst/>
+          </a:prstGeom>
+        </p:spPr>
+        <p:style>
+          <a:lnRef idx="1">
+            <a:schemeClr val="accent4"/>
+          </a:lnRef>
+          <a:fillRef idx="2">
+            <a:schemeClr val="accent4"/>
+          </a:fillRef>
+          <a:effectRef idx="1">
+            <a:schemeClr val="accent4"/>
+          </a:effectRef>
+          <a:fontRef idx="minor">
+            <a:schemeClr val="dk1"/>
+          </a:fontRef>
+        </p:style>
+        <p:txBody>
+          <a:bodyPr vert="vert" rtlCol="0" anchor="ctr"/>
+          <a:lstStyle/>
+          <a:p>
+            <a:pPr algn="ctr"/>
+            <a:r>
+              <a:rPr lang="en-US" sz="1600" dirty="0" smtClean="0">
+                <a:solidFill>
+                  <a:schemeClr val="tx1"/>
+                </a:solidFill>
+                <a:latin typeface="Segoe UI" panose="020B0502040204020203" pitchFamily="34" charset="0"/>
+                <a:cs typeface="Segoe UI" panose="020B0502040204020203" pitchFamily="34" charset="0"/>
+              </a:rPr>
+              <a:t>Cross-cutting</a:t>
+            </a:r>
+            <a:r>
+              <a:rPr lang="vi-VN" sz="1600" dirty="0" smtClean="0">
+                <a:solidFill>
+                  <a:schemeClr val="tx1"/>
+                </a:solidFill>
+                <a:latin typeface="Segoe UI" panose="020B0502040204020203" pitchFamily="34" charset="0"/>
+                <a:cs typeface="Segoe UI" panose="020B0502040204020203" pitchFamily="34" charset="0"/>
+              </a:rPr>
+              <a:t> Infrastructure</a:t>
+            </a:r>
+            <a:r>
+              <a:rPr lang="en-US" sz="1600" dirty="0" smtClean="0">
+                <a:solidFill>
+                  <a:schemeClr val="tx1"/>
+                </a:solidFill>
+                <a:latin typeface="Segoe UI" panose="020B0502040204020203" pitchFamily="34" charset="0"/>
+                <a:cs typeface="Segoe UI" panose="020B0502040204020203" pitchFamily="34" charset="0"/>
+              </a:rPr>
+              <a:t> </a:t>
+            </a:r>
+          </a:p>
+          <a:p>
+            <a:pPr algn="ctr"/>
+            <a:r>
+              <a:rPr lang="en-US" sz="1400" dirty="0" smtClean="0">
+                <a:solidFill>
+                  <a:schemeClr val="tx1"/>
+                </a:solidFill>
+                <a:latin typeface="Segoe UI" panose="020B0502040204020203" pitchFamily="34" charset="0"/>
+                <a:cs typeface="Segoe UI" panose="020B0502040204020203" pitchFamily="34" charset="0"/>
+              </a:rPr>
+              <a:t>(Caching, Logger, Security, …)</a:t>
+            </a:r>
+            <a:endParaRPr lang="en-US" sz="1400" dirty="0">
+              <a:solidFill>
+                <a:schemeClr val="tx1"/>
+              </a:solidFill>
+              <a:latin typeface="Segoe UI" panose="020B0502040204020203" pitchFamily="34" charset="0"/>
+              <a:cs typeface="Segoe UI" panose="020B0502040204020203" pitchFamily="34" charset="0"/>
+            </a:endParaRPr>
+          </a:p>
+        </p:txBody>
+      </p:sp>
+      <p:sp>
+        <p:nvSpPr>
+          <p:cNvPr id="93" name="Rounded Rectangle 92"/>
+          <p:cNvSpPr/>
+          <p:nvPr/>
+        </p:nvSpPr>
+        <p:spPr>
+          <a:xfrm>
+            <a:off x="4321309" y="4289501"/>
+            <a:ext cx="4123980" cy="754821"/>
+          </a:xfrm>
+          <a:prstGeom prst="roundRect">
+            <a:avLst/>
+          </a:prstGeom>
+        </p:spPr>
+        <p:style>
+          <a:lnRef idx="1">
+            <a:schemeClr val="accent2"/>
+          </a:lnRef>
+          <a:fillRef idx="2">
+            <a:schemeClr val="accent2"/>
+          </a:fillRef>
+          <a:effectRef idx="1">
+            <a:schemeClr val="accent2"/>
+          </a:effectRef>
+          <a:fontRef idx="minor">
+            <a:schemeClr val="dk1"/>
+          </a:fontRef>
+        </p:style>
+        <p:txBody>
+          <a:bodyPr rtlCol="0" anchor="ctr"/>
+          <a:lstStyle/>
+          <a:p>
+            <a:pPr algn="ctr"/>
+            <a:r>
+              <a:rPr lang="en-US" sz="1600" dirty="0" smtClean="0">
+                <a:solidFill>
+                  <a:schemeClr val="tx1"/>
+                </a:solidFill>
+                <a:latin typeface="Segoe UI" panose="020B0502040204020203" pitchFamily="34" charset="0"/>
+                <a:cs typeface="Segoe UI" panose="020B0502040204020203" pitchFamily="34" charset="0"/>
+              </a:rPr>
+              <a:t>Business Logic</a:t>
+            </a:r>
+          </a:p>
+        </p:txBody>
+      </p:sp>
+      <p:cxnSp>
+        <p:nvCxnSpPr>
+          <p:cNvPr id="94" name="Straight Arrow Connector 93"/>
+          <p:cNvCxnSpPr/>
+          <p:nvPr/>
+        </p:nvCxnSpPr>
+        <p:spPr>
+          <a:xfrm flipV="1">
+            <a:off x="5338472" y="5353242"/>
+            <a:ext cx="0" cy="184780"/>
+          </a:xfrm>
+          <a:prstGeom prst="straightConnector1">
+            <a:avLst/>
+          </a:prstGeom>
+          <a:ln w="44450">
+            <a:solidFill>
+              <a:srgbClr val="00B0F0"/>
+            </a:solidFill>
+            <a:headEnd type="none"/>
+            <a:tailEnd type="oval"/>
+          </a:ln>
+        </p:spPr>
+        <p:style>
+          <a:lnRef idx="3">
+            <a:schemeClr val="dk1"/>
+          </a:lnRef>
+          <a:fillRef idx="0">
+            <a:schemeClr val="dk1"/>
+          </a:fillRef>
+          <a:effectRef idx="2">
+            <a:schemeClr val="dk1"/>
+          </a:effectRef>
+          <a:fontRef idx="minor">
+            <a:schemeClr val="tx1"/>
+          </a:fontRef>
+        </p:style>
+      </p:cxnSp>
+      <p:grpSp>
+        <p:nvGrpSpPr>
+          <p:cNvPr id="95" name="Group 94"/>
+          <p:cNvGrpSpPr/>
+          <p:nvPr/>
+        </p:nvGrpSpPr>
+        <p:grpSpPr>
+          <a:xfrm>
+            <a:off x="6225854" y="3798616"/>
+            <a:ext cx="199348" cy="342404"/>
+            <a:chOff x="3205611" y="2674208"/>
+            <a:chExt cx="199348" cy="326236"/>
+          </a:xfrm>
+        </p:grpSpPr>
+        <p:cxnSp>
+          <p:nvCxnSpPr>
+            <p:cNvPr id="96" name="Straight Arrow Connector 95"/>
+            <p:cNvCxnSpPr/>
+            <p:nvPr/>
+          </p:nvCxnSpPr>
+          <p:spPr>
+            <a:xfrm>
+              <a:off x="3305285" y="2674208"/>
+              <a:ext cx="0" cy="150675"/>
+            </a:xfrm>
+            <a:prstGeom prst="straightConnector1">
+              <a:avLst/>
+            </a:prstGeom>
+            <a:ln w="44450">
+              <a:solidFill>
+                <a:srgbClr val="00B0F0"/>
+              </a:solidFill>
+              <a:tailEnd type="none"/>
+            </a:ln>
+          </p:spPr>
+          <p:style>
+            <a:lnRef idx="3">
+              <a:schemeClr val="dk1"/>
+            </a:lnRef>
+            <a:fillRef idx="0">
+              <a:schemeClr val="dk1"/>
+            </a:fillRef>
+            <a:effectRef idx="2">
+              <a:schemeClr val="dk1"/>
+            </a:effectRef>
+            <a:fontRef idx="minor">
+              <a:schemeClr val="tx1"/>
+            </a:fontRef>
+          </p:style>
+        </p:cxnSp>
+        <p:sp>
+          <p:nvSpPr>
+            <p:cNvPr id="97" name="Block Arc 96"/>
+            <p:cNvSpPr/>
+            <p:nvPr/>
+          </p:nvSpPr>
+          <p:spPr>
+            <a:xfrm>
+              <a:off x="3205611" y="2817086"/>
+              <a:ext cx="199348" cy="183358"/>
+            </a:xfrm>
+            <a:prstGeom prst="blockArc">
+              <a:avLst>
+                <a:gd name="adj1" fmla="val 10800000"/>
+                <a:gd name="adj2" fmla="val 29560"/>
+                <a:gd name="adj3" fmla="val 22329"/>
+              </a:avLst>
+            </a:prstGeom>
+            <a:solidFill>
+              <a:srgbClr val="00B0F0"/>
+            </a:solidFill>
+            <a:ln w="0">
+              <a:noFill/>
+            </a:ln>
+          </p:spPr>
+          <p:style>
+            <a:lnRef idx="2">
+              <a:schemeClr val="accent1">
+                <a:shade val="50000"/>
+              </a:schemeClr>
+            </a:lnRef>
+            <a:fillRef idx="1">
+              <a:schemeClr val="accent1"/>
+            </a:fillRef>
+            <a:effectRef idx="0">
+              <a:schemeClr val="accent1"/>
+            </a:effectRef>
+            <a:fontRef idx="minor">
+              <a:schemeClr val="lt1"/>
+            </a:fontRef>
+          </p:style>
+          <p:txBody>
+            <a:bodyPr rtlCol="0" anchor="ctr"/>
+            <a:lstStyle/>
+            <a:p>
+              <a:pPr algn="ctr"/>
+              <a:endParaRPr lang="en-US" sz="1600">
+                <a:solidFill>
+                  <a:schemeClr val="tx1"/>
+                </a:solidFill>
+                <a:latin typeface="Segoe UI" panose="020B0502040204020203" pitchFamily="34" charset="0"/>
+                <a:cs typeface="Segoe UI" panose="020B0502040204020203" pitchFamily="34" charset="0"/>
+              </a:endParaRPr>
+            </a:p>
+          </p:txBody>
+        </p:sp>
+      </p:grpSp>
+      <p:cxnSp>
+        <p:nvCxnSpPr>
+          <p:cNvPr id="98" name="Straight Arrow Connector 97"/>
+          <p:cNvCxnSpPr/>
+          <p:nvPr/>
+        </p:nvCxnSpPr>
+        <p:spPr>
+          <a:xfrm flipV="1">
+            <a:off x="6325528" y="4104721"/>
+            <a:ext cx="0" cy="184780"/>
+          </a:xfrm>
+          <a:prstGeom prst="straightConnector1">
+            <a:avLst/>
+          </a:prstGeom>
+          <a:ln w="44450">
+            <a:solidFill>
+              <a:srgbClr val="00B0F0"/>
+            </a:solidFill>
+            <a:headEnd type="none"/>
+            <a:tailEnd type="oval"/>
+          </a:ln>
+        </p:spPr>
+        <p:style>
+          <a:lnRef idx="3">
+            <a:schemeClr val="dk1"/>
+          </a:lnRef>
+          <a:fillRef idx="0">
+            <a:schemeClr val="dk1"/>
+          </a:fillRef>
+          <a:effectRef idx="2">
+            <a:schemeClr val="dk1"/>
+          </a:effectRef>
+          <a:fontRef idx="minor">
+            <a:schemeClr val="tx1"/>
+          </a:fontRef>
+        </p:style>
+      </p:cxnSp>
+      <p:grpSp>
+        <p:nvGrpSpPr>
+          <p:cNvPr id="99" name="Group 98"/>
+          <p:cNvGrpSpPr/>
+          <p:nvPr/>
+        </p:nvGrpSpPr>
+        <p:grpSpPr>
+          <a:xfrm>
+            <a:off x="5235832" y="5044320"/>
+            <a:ext cx="199348" cy="348831"/>
+            <a:chOff x="3205611" y="2668086"/>
+            <a:chExt cx="199348" cy="332358"/>
+          </a:xfrm>
+        </p:grpSpPr>
+        <p:cxnSp>
+          <p:nvCxnSpPr>
+            <p:cNvPr id="100" name="Straight Arrow Connector 99"/>
+            <p:cNvCxnSpPr/>
+            <p:nvPr/>
+          </p:nvCxnSpPr>
+          <p:spPr>
+            <a:xfrm>
+              <a:off x="3305285" y="2668086"/>
+              <a:ext cx="0" cy="156793"/>
+            </a:xfrm>
+            <a:prstGeom prst="straightConnector1">
+              <a:avLst/>
+            </a:prstGeom>
+            <a:ln w="44450">
+              <a:solidFill>
+                <a:srgbClr val="00B0F0"/>
+              </a:solidFill>
+              <a:tailEnd type="none"/>
+            </a:ln>
+          </p:spPr>
+          <p:style>
+            <a:lnRef idx="3">
+              <a:schemeClr val="dk1"/>
+            </a:lnRef>
+            <a:fillRef idx="0">
+              <a:schemeClr val="dk1"/>
+            </a:fillRef>
+            <a:effectRef idx="2">
+              <a:schemeClr val="dk1"/>
+            </a:effectRef>
+            <a:fontRef idx="minor">
+              <a:schemeClr val="tx1"/>
+            </a:fontRef>
+          </p:style>
+        </p:cxnSp>
+        <p:sp>
+          <p:nvSpPr>
+            <p:cNvPr id="101" name="Block Arc 100"/>
+            <p:cNvSpPr/>
+            <p:nvPr/>
+          </p:nvSpPr>
+          <p:spPr>
+            <a:xfrm>
+              <a:off x="3205611" y="2817086"/>
+              <a:ext cx="199348" cy="183358"/>
+            </a:xfrm>
+            <a:prstGeom prst="blockArc">
+              <a:avLst>
+                <a:gd name="adj1" fmla="val 10800000"/>
+                <a:gd name="adj2" fmla="val 29560"/>
+                <a:gd name="adj3" fmla="val 22329"/>
+              </a:avLst>
+            </a:prstGeom>
+            <a:solidFill>
+              <a:srgbClr val="00B0F0"/>
+            </a:solidFill>
+            <a:ln w="0">
+              <a:noFill/>
+            </a:ln>
+          </p:spPr>
+          <p:style>
+            <a:lnRef idx="2">
+              <a:schemeClr val="accent1">
+                <a:shade val="50000"/>
+              </a:schemeClr>
+            </a:lnRef>
+            <a:fillRef idx="1">
+              <a:schemeClr val="accent1"/>
+            </a:fillRef>
+            <a:effectRef idx="0">
+              <a:schemeClr val="accent1"/>
+            </a:effectRef>
+            <a:fontRef idx="minor">
+              <a:schemeClr val="lt1"/>
+            </a:fontRef>
+          </p:style>
+          <p:txBody>
+            <a:bodyPr rtlCol="0" anchor="ctr"/>
+            <a:lstStyle/>
+            <a:p>
+              <a:pPr algn="ctr"/>
+              <a:endParaRPr lang="en-US" sz="1600">
+                <a:solidFill>
+                  <a:schemeClr val="tx1"/>
+                </a:solidFill>
+                <a:latin typeface="Segoe UI" panose="020B0502040204020203" pitchFamily="34" charset="0"/>
+                <a:cs typeface="Segoe UI" panose="020B0502040204020203" pitchFamily="34" charset="0"/>
+              </a:endParaRPr>
+            </a:p>
+          </p:txBody>
+        </p:sp>
+      </p:grpSp>
+      <p:cxnSp>
+        <p:nvCxnSpPr>
+          <p:cNvPr id="102" name="Straight Arrow Connector 101"/>
+          <p:cNvCxnSpPr/>
+          <p:nvPr/>
+        </p:nvCxnSpPr>
+        <p:spPr>
+          <a:xfrm flipV="1">
+            <a:off x="7522200" y="5349835"/>
+            <a:ext cx="0" cy="184780"/>
+          </a:xfrm>
+          <a:prstGeom prst="straightConnector1">
+            <a:avLst/>
+          </a:prstGeom>
+          <a:ln w="44450">
+            <a:solidFill>
+              <a:srgbClr val="00B0F0"/>
+            </a:solidFill>
+            <a:headEnd type="none"/>
+            <a:tailEnd type="oval"/>
+          </a:ln>
+        </p:spPr>
+        <p:style>
+          <a:lnRef idx="3">
+            <a:schemeClr val="dk1"/>
+          </a:lnRef>
+          <a:fillRef idx="0">
+            <a:schemeClr val="dk1"/>
+          </a:fillRef>
+          <a:effectRef idx="2">
+            <a:schemeClr val="dk1"/>
+          </a:effectRef>
+          <a:fontRef idx="minor">
+            <a:schemeClr val="tx1"/>
+          </a:fontRef>
+        </p:style>
+      </p:cxnSp>
+      <p:grpSp>
+        <p:nvGrpSpPr>
+          <p:cNvPr id="103" name="Group 102"/>
+          <p:cNvGrpSpPr/>
+          <p:nvPr/>
+        </p:nvGrpSpPr>
+        <p:grpSpPr>
+          <a:xfrm>
+            <a:off x="7419560" y="5044316"/>
+            <a:ext cx="199348" cy="345426"/>
+            <a:chOff x="3205611" y="2671330"/>
+            <a:chExt cx="199348" cy="329114"/>
+          </a:xfrm>
+        </p:grpSpPr>
+        <p:cxnSp>
+          <p:nvCxnSpPr>
+            <p:cNvPr id="104" name="Straight Arrow Connector 103"/>
+            <p:cNvCxnSpPr/>
+            <p:nvPr/>
+          </p:nvCxnSpPr>
+          <p:spPr>
+            <a:xfrm>
+              <a:off x="3305285" y="2671330"/>
+              <a:ext cx="0" cy="153548"/>
+            </a:xfrm>
+            <a:prstGeom prst="straightConnector1">
+              <a:avLst/>
+            </a:prstGeom>
+            <a:ln w="44450">
+              <a:solidFill>
+                <a:srgbClr val="00B0F0"/>
+              </a:solidFill>
+              <a:tailEnd type="none"/>
+            </a:ln>
+          </p:spPr>
+          <p:style>
+            <a:lnRef idx="3">
+              <a:schemeClr val="dk1"/>
+            </a:lnRef>
+            <a:fillRef idx="0">
+              <a:schemeClr val="dk1"/>
+            </a:fillRef>
+            <a:effectRef idx="2">
+              <a:schemeClr val="dk1"/>
+            </a:effectRef>
+            <a:fontRef idx="minor">
+              <a:schemeClr val="tx1"/>
+            </a:fontRef>
+          </p:style>
+        </p:cxnSp>
+        <p:sp>
+          <p:nvSpPr>
+            <p:cNvPr id="105" name="Block Arc 104"/>
+            <p:cNvSpPr/>
+            <p:nvPr/>
+          </p:nvSpPr>
+          <p:spPr>
+            <a:xfrm>
+              <a:off x="3205611" y="2817086"/>
+              <a:ext cx="199348" cy="183358"/>
+            </a:xfrm>
+            <a:prstGeom prst="blockArc">
+              <a:avLst>
+                <a:gd name="adj1" fmla="val 10800000"/>
+                <a:gd name="adj2" fmla="val 29560"/>
+                <a:gd name="adj3" fmla="val 22329"/>
+              </a:avLst>
+            </a:prstGeom>
+            <a:solidFill>
+              <a:srgbClr val="00B0F0"/>
+            </a:solidFill>
+            <a:ln w="0">
+              <a:noFill/>
+            </a:ln>
+          </p:spPr>
+          <p:style>
+            <a:lnRef idx="2">
+              <a:schemeClr val="accent1">
+                <a:shade val="50000"/>
+              </a:schemeClr>
+            </a:lnRef>
+            <a:fillRef idx="1">
+              <a:schemeClr val="accent1"/>
+            </a:fillRef>
+            <a:effectRef idx="0">
+              <a:schemeClr val="accent1"/>
+            </a:effectRef>
+            <a:fontRef idx="minor">
+              <a:schemeClr val="lt1"/>
+            </a:fontRef>
+          </p:style>
+          <p:txBody>
+            <a:bodyPr rtlCol="0" anchor="ctr"/>
+            <a:lstStyle/>
+            <a:p>
+              <a:pPr algn="ctr"/>
+              <a:endParaRPr lang="en-US" sz="1600">
+                <a:solidFill>
+                  <a:schemeClr val="tx1"/>
+                </a:solidFill>
+                <a:latin typeface="Segoe UI" panose="020B0502040204020203" pitchFamily="34" charset="0"/>
+                <a:cs typeface="Segoe UI" panose="020B0502040204020203" pitchFamily="34" charset="0"/>
+              </a:endParaRPr>
+            </a:p>
+          </p:txBody>
+        </p:sp>
+      </p:grpSp>
+      <p:cxnSp>
+        <p:nvCxnSpPr>
+          <p:cNvPr id="106" name="Straight Arrow Connector 105"/>
+          <p:cNvCxnSpPr>
+            <a:stCxn id="89" idx="1"/>
+          </p:cNvCxnSpPr>
+          <p:nvPr/>
+        </p:nvCxnSpPr>
+        <p:spPr>
+          <a:xfrm flipH="1">
+            <a:off x="3931271" y="3302959"/>
+            <a:ext cx="390038" cy="1278"/>
+          </a:xfrm>
+          <a:prstGeom prst="straightConnector1">
+            <a:avLst/>
+          </a:prstGeom>
+          <a:ln w="38100">
+            <a:prstDash val="sysDot"/>
+            <a:tailEnd type="triangle"/>
+          </a:ln>
+        </p:spPr>
+        <p:style>
+          <a:lnRef idx="3">
+            <a:schemeClr val="accent1"/>
+          </a:lnRef>
+          <a:fillRef idx="0">
+            <a:schemeClr val="accent1"/>
+          </a:fillRef>
+          <a:effectRef idx="2">
+            <a:schemeClr val="accent1"/>
+          </a:effectRef>
+          <a:fontRef idx="minor">
+            <a:schemeClr val="tx1"/>
+          </a:fontRef>
+        </p:style>
+      </p:cxnSp>
+      <p:cxnSp>
+        <p:nvCxnSpPr>
+          <p:cNvPr id="107" name="Straight Arrow Connector 106"/>
+          <p:cNvCxnSpPr>
+            <a:stCxn id="93" idx="1"/>
+          </p:cNvCxnSpPr>
+          <p:nvPr/>
+        </p:nvCxnSpPr>
+        <p:spPr>
+          <a:xfrm flipH="1" flipV="1">
+            <a:off x="3950432" y="4666094"/>
+            <a:ext cx="370877" cy="818"/>
+          </a:xfrm>
+          <a:prstGeom prst="straightConnector1">
+            <a:avLst/>
+          </a:prstGeom>
+          <a:ln w="38100">
+            <a:prstDash val="sysDot"/>
+            <a:tailEnd type="triangle"/>
+          </a:ln>
+        </p:spPr>
+        <p:style>
+          <a:lnRef idx="3">
+            <a:schemeClr val="accent1"/>
+          </a:lnRef>
+          <a:fillRef idx="0">
+            <a:schemeClr val="accent1"/>
+          </a:fillRef>
+          <a:effectRef idx="2">
+            <a:schemeClr val="accent1"/>
+          </a:effectRef>
+          <a:fontRef idx="minor">
+            <a:schemeClr val="tx1"/>
+          </a:fontRef>
+        </p:style>
+      </p:cxnSp>
+      <p:cxnSp>
+        <p:nvCxnSpPr>
+          <p:cNvPr id="108" name="Straight Arrow Connector 107"/>
+          <p:cNvCxnSpPr>
+            <a:stCxn id="109" idx="1"/>
+          </p:cNvCxnSpPr>
+          <p:nvPr/>
+        </p:nvCxnSpPr>
+        <p:spPr>
+          <a:xfrm flipH="1">
+            <a:off x="3922297" y="5851914"/>
+            <a:ext cx="323557" cy="1728"/>
+          </a:xfrm>
+          <a:prstGeom prst="straightConnector1">
+            <a:avLst/>
+          </a:prstGeom>
+          <a:ln w="38100">
+            <a:prstDash val="sysDot"/>
+            <a:tailEnd type="triangle"/>
+          </a:ln>
+        </p:spPr>
+        <p:style>
+          <a:lnRef idx="3">
+            <a:schemeClr val="accent1"/>
+          </a:lnRef>
+          <a:fillRef idx="0">
+            <a:schemeClr val="accent1"/>
+          </a:fillRef>
+          <a:effectRef idx="2">
+            <a:schemeClr val="accent1"/>
+          </a:effectRef>
+          <a:fontRef idx="minor">
+            <a:schemeClr val="tx1"/>
+          </a:fontRef>
+        </p:style>
+      </p:cxnSp>
+      <p:sp>
+        <p:nvSpPr>
+          <p:cNvPr id="109" name="Rounded Rectangle 108"/>
+          <p:cNvSpPr/>
+          <p:nvPr/>
+        </p:nvSpPr>
+        <p:spPr>
+          <a:xfrm>
+            <a:off x="4245854" y="5470361"/>
+            <a:ext cx="4276578" cy="763106"/>
+          </a:xfrm>
+          <a:prstGeom prst="roundRect">
+            <a:avLst/>
+          </a:prstGeom>
+          <a:noFill/>
+          <a:ln>
+            <a:prstDash val="dash"/>
+          </a:ln>
+        </p:spPr>
+        <p:style>
+          <a:lnRef idx="2">
+            <a:schemeClr val="accent6"/>
+          </a:lnRef>
+          <a:fillRef idx="1">
+            <a:schemeClr val="lt1"/>
+          </a:fillRef>
+          <a:effectRef idx="0">
+            <a:schemeClr val="accent6"/>
+          </a:effectRef>
+          <a:fontRef idx="minor">
+            <a:schemeClr val="dk1"/>
+          </a:fontRef>
+        </p:style>
+        <p:txBody>
+          <a:bodyPr rtlCol="0" anchor="ctr"/>
+          <a:lstStyle/>
+          <a:p>
+            <a:pPr algn="ctr"/>
+            <a:endParaRPr lang="en-US">
+              <a:latin typeface="Segoe UI" panose="020B0502040204020203" pitchFamily="34" charset="0"/>
+              <a:cs typeface="Segoe UI" panose="020B0502040204020203" pitchFamily="34" charset="0"/>
+            </a:endParaRPr>
+          </a:p>
+        </p:txBody>
+      </p:sp>
+      <p:sp>
+        <p:nvSpPr>
+          <p:cNvPr id="110" name="Rounded Rectangle 109"/>
+          <p:cNvSpPr/>
+          <p:nvPr/>
+        </p:nvSpPr>
+        <p:spPr>
+          <a:xfrm>
+            <a:off x="3026068" y="2657851"/>
+            <a:ext cx="5575300" cy="3652823"/>
+          </a:xfrm>
+          <a:prstGeom prst="roundRect">
+            <a:avLst>
+              <a:gd name="adj" fmla="val 3659"/>
+            </a:avLst>
+          </a:prstGeom>
+          <a:noFill/>
+          <a:ln>
+            <a:prstDash val="dash"/>
+          </a:ln>
+        </p:spPr>
+        <p:style>
+          <a:lnRef idx="2">
+            <a:schemeClr val="accent6"/>
+          </a:lnRef>
+          <a:fillRef idx="1">
+            <a:schemeClr val="lt1"/>
+          </a:fillRef>
+          <a:effectRef idx="0">
+            <a:schemeClr val="accent6"/>
+          </a:effectRef>
+          <a:fontRef idx="minor">
+            <a:schemeClr val="dk1"/>
+          </a:fontRef>
+        </p:style>
+        <p:txBody>
+          <a:bodyPr rtlCol="0" anchor="ctr"/>
+          <a:lstStyle/>
+          <a:p>
+            <a:pPr algn="ctr"/>
+            <a:endParaRPr lang="en-US">
+              <a:latin typeface="Segoe UI" panose="020B0502040204020203" pitchFamily="34" charset="0"/>
+              <a:cs typeface="Segoe UI" panose="020B0502040204020203" pitchFamily="34" charset="0"/>
+            </a:endParaRPr>
+          </a:p>
+        </p:txBody>
+      </p:sp>
+      <p:sp>
+        <p:nvSpPr>
+          <p:cNvPr id="111" name="Rounded Rectangle 110"/>
+          <p:cNvSpPr/>
+          <p:nvPr/>
+        </p:nvSpPr>
+        <p:spPr>
+          <a:xfrm>
+            <a:off x="4441854" y="3095746"/>
+            <a:ext cx="1784000" cy="643683"/>
+          </a:xfrm>
+          <a:prstGeom prst="roundRect">
+            <a:avLst/>
+          </a:prstGeom>
+        </p:spPr>
+        <p:style>
+          <a:lnRef idx="1">
+            <a:schemeClr val="accent1"/>
+          </a:lnRef>
+          <a:fillRef idx="2">
+            <a:schemeClr val="accent1"/>
+          </a:fillRef>
+          <a:effectRef idx="1">
+            <a:schemeClr val="accent1"/>
+          </a:effectRef>
+          <a:fontRef idx="minor">
+            <a:schemeClr val="dk1"/>
+          </a:fontRef>
+        </p:style>
+        <p:txBody>
+          <a:bodyPr rtlCol="0" anchor="ctr"/>
+          <a:lstStyle/>
+          <a:p>
+            <a:pPr algn="ctr"/>
+            <a:r>
+              <a:rPr lang="en-US" sz="1400" dirty="0" smtClean="0">
+                <a:latin typeface="Segoe UI" panose="020B0502040204020203" pitchFamily="34" charset="0"/>
+                <a:cs typeface="Segoe UI" panose="020B0502040204020203" pitchFamily="34" charset="0"/>
+              </a:rPr>
+              <a:t>UI (HTML, Window Form, …)</a:t>
+            </a:r>
+            <a:endParaRPr lang="en-US" sz="1400" dirty="0">
+              <a:latin typeface="Segoe UI" panose="020B0502040204020203" pitchFamily="34" charset="0"/>
+              <a:cs typeface="Segoe UI" panose="020B0502040204020203" pitchFamily="34" charset="0"/>
+            </a:endParaRPr>
+          </a:p>
+        </p:txBody>
+      </p:sp>
+      <p:sp>
+        <p:nvSpPr>
+          <p:cNvPr id="112" name="Rounded Rectangle 111"/>
+          <p:cNvSpPr/>
+          <p:nvPr/>
+        </p:nvSpPr>
+        <p:spPr>
+          <a:xfrm>
+            <a:off x="6425201" y="3095191"/>
+            <a:ext cx="1903739" cy="643683"/>
+          </a:xfrm>
+          <a:prstGeom prst="roundRect">
+            <a:avLst/>
+          </a:prstGeom>
+        </p:spPr>
+        <p:style>
+          <a:lnRef idx="1">
+            <a:schemeClr val="accent1"/>
+          </a:lnRef>
+          <a:fillRef idx="2">
+            <a:schemeClr val="accent1"/>
+          </a:fillRef>
+          <a:effectRef idx="1">
+            <a:schemeClr val="accent1"/>
+          </a:effectRef>
+          <a:fontRef idx="minor">
+            <a:schemeClr val="dk1"/>
+          </a:fontRef>
+        </p:style>
+        <p:txBody>
+          <a:bodyPr rtlCol="0" anchor="ctr"/>
+          <a:lstStyle/>
+          <a:p>
+            <a:pPr algn="ctr"/>
+            <a:r>
+              <a:rPr lang="en-US" sz="1400" dirty="0" smtClean="0">
+                <a:latin typeface="Segoe UI" panose="020B0502040204020203" pitchFamily="34" charset="0"/>
+                <a:cs typeface="Segoe UI" panose="020B0502040204020203" pitchFamily="34" charset="0"/>
+              </a:rPr>
+              <a:t>API (</a:t>
+            </a:r>
+            <a:r>
+              <a:rPr lang="en-US" sz="1400" dirty="0" err="1" smtClean="0">
+                <a:latin typeface="Segoe UI" panose="020B0502040204020203" pitchFamily="34" charset="0"/>
+                <a:cs typeface="Segoe UI" panose="020B0502040204020203" pitchFamily="34" charset="0"/>
+              </a:rPr>
+              <a:t>RESTful</a:t>
+            </a:r>
+            <a:r>
+              <a:rPr lang="en-US" sz="1400" dirty="0" smtClean="0">
+                <a:latin typeface="Segoe UI" panose="020B0502040204020203" pitchFamily="34" charset="0"/>
+                <a:cs typeface="Segoe UI" panose="020B0502040204020203" pitchFamily="34" charset="0"/>
+              </a:rPr>
+              <a:t> API, WCF, …)</a:t>
+            </a:r>
+            <a:endParaRPr lang="en-US" sz="1400" dirty="0">
+              <a:latin typeface="Segoe UI" panose="020B0502040204020203" pitchFamily="34" charset="0"/>
+              <a:cs typeface="Segoe UI" panose="020B0502040204020203" pitchFamily="34" charset="0"/>
+            </a:endParaRPr>
+          </a:p>
+        </p:txBody>
+      </p:sp>
+      <p:sp>
+        <p:nvSpPr>
+          <p:cNvPr id="113" name="TextBox 112"/>
+          <p:cNvSpPr txBox="1"/>
+          <p:nvPr/>
+        </p:nvSpPr>
+        <p:spPr>
+          <a:xfrm>
+            <a:off x="5642319" y="2757691"/>
+            <a:ext cx="1481959" cy="338554"/>
+          </a:xfrm>
+          <a:prstGeom prst="rect">
+            <a:avLst/>
+          </a:prstGeom>
+          <a:noFill/>
+        </p:spPr>
+        <p:txBody>
+          <a:bodyPr wrap="square" rtlCol="0">
+            <a:spAutoFit/>
+          </a:bodyPr>
+          <a:lstStyle/>
+          <a:p>
+            <a:pPr algn="ctr"/>
+            <a:r>
+              <a:rPr lang="en-US" sz="1600" dirty="0" smtClean="0">
+                <a:latin typeface="Segoe UI" panose="020B0502040204020203" pitchFamily="34" charset="0"/>
+                <a:cs typeface="Segoe UI" panose="020B0502040204020203" pitchFamily="34" charset="0"/>
+              </a:rPr>
+              <a:t>Presentation</a:t>
+            </a:r>
+            <a:endParaRPr lang="en-US" sz="1600" dirty="0">
+              <a:latin typeface="Segoe UI" panose="020B0502040204020203" pitchFamily="34" charset="0"/>
+              <a:cs typeface="Segoe UI" panose="020B0502040204020203" pitchFamily="34" charset="0"/>
+            </a:endParaRPr>
+          </a:p>
+        </p:txBody>
+      </p:sp>
+    </p:spTree>
+    <p:extLst>
+      <p:ext uri="{BB962C8B-B14F-4D97-AF65-F5344CB8AC3E}">
+        <p14:creationId xmlns:p14="http://schemas.microsoft.com/office/powerpoint/2010/main" val="143255081"/>
+      </p:ext>
+    </p:extLst>
+  </p:cSld>
+  <p:clrMapOvr>
+    <a:masterClrMapping/>
+  </p:clrMapOvr>
+  <p:timing>
+    <p:tnLst>
+      <p:par>
+        <p:cTn id="1" dur="indefinite" restart="never" nodeType="tmRoot"/>
+      </p:par>
+    </p:tnLst>
+  </p:timing>
+</p:sld>
+</file>
+
+<file path=ppt/slides/slide12.xml><?xml version="1.0" encoding="utf-8"?>
 <p:sld xmlns:a="http://schemas.openxmlformats.org/drawingml/2006/main" xmlns:r="http://schemas.openxmlformats.org/officeDocument/2006/relationships" xmlns:p="http://schemas.openxmlformats.org/presentationml/2006/main">
   <p:cSld>
     <p:spTree>
@@ -11399,7 +14455,7 @@
 </p:sld>
 </file>
 
-<file path=ppt/slides/slide11.xml><?xml version="1.0" encoding="utf-8"?>
+<file path=ppt/slides/slide13.xml><?xml version="1.0" encoding="utf-8"?>
 <p:sld xmlns:a="http://schemas.openxmlformats.org/drawingml/2006/main" xmlns:r="http://schemas.openxmlformats.org/officeDocument/2006/relationships" xmlns:p="http://schemas.openxmlformats.org/presentationml/2006/main">
   <p:cSld>
     <p:spTree>
@@ -13820,7 +16876,7 @@
 </p:sld>
 </file>
 
-<file path=ppt/slides/slide12.xml><?xml version="1.0" encoding="utf-8"?>
+<file path=ppt/slides/slide14.xml><?xml version="1.0" encoding="utf-8"?>
 <p:sld xmlns:a="http://schemas.openxmlformats.org/drawingml/2006/main" xmlns:r="http://schemas.openxmlformats.org/officeDocument/2006/relationships" xmlns:p="http://schemas.openxmlformats.org/presentationml/2006/main">
   <p:cSld>
     <p:spTree>
@@ -16251,7 +19307,7 @@
 </p:sld>
 </file>
 
-<file path=ppt/slides/slide13.xml><?xml version="1.0" encoding="utf-8"?>
+<file path=ppt/slides/slide15.xml><?xml version="1.0" encoding="utf-8"?>
 <p:sld xmlns:a="http://schemas.openxmlformats.org/drawingml/2006/main" xmlns:r="http://schemas.openxmlformats.org/officeDocument/2006/relationships" xmlns:p="http://schemas.openxmlformats.org/presentationml/2006/main">
   <p:cSld>
     <p:spTree>
@@ -16678,7 +19734,7 @@
 </p:sld>
 </file>
 
-<file path=ppt/slides/slide14.xml><?xml version="1.0" encoding="utf-8"?>
+<file path=ppt/slides/slide16.xml><?xml version="1.0" encoding="utf-8"?>
 <p:sld xmlns:a="http://schemas.openxmlformats.org/drawingml/2006/main" xmlns:r="http://schemas.openxmlformats.org/officeDocument/2006/relationships" xmlns:p="http://schemas.openxmlformats.org/presentationml/2006/main">
   <p:cSld>
     <p:spTree>
@@ -19150,7 +22206,7 @@
 </p:sld>
 </file>
 
-<file path=ppt/slides/slide15.xml><?xml version="1.0" encoding="utf-8"?>
+<file path=ppt/slides/slide17.xml><?xml version="1.0" encoding="utf-8"?>
 <p:sld xmlns:a="http://schemas.openxmlformats.org/drawingml/2006/main" xmlns:r="http://schemas.openxmlformats.org/officeDocument/2006/relationships" xmlns:p="http://schemas.openxmlformats.org/presentationml/2006/main">
   <p:cSld>
     <p:spTree>
@@ -21611,7 +24667,7 @@
 </p:sld>
 </file>
 
-<file path=ppt/slides/slide16.xml><?xml version="1.0" encoding="utf-8"?>
+<file path=ppt/slides/slide18.xml><?xml version="1.0" encoding="utf-8"?>
 <p:sld xmlns:a="http://schemas.openxmlformats.org/drawingml/2006/main" xmlns:r="http://schemas.openxmlformats.org/officeDocument/2006/relationships" xmlns:p="http://schemas.openxmlformats.org/presentationml/2006/main">
   <p:cSld>
     <p:spTree>
@@ -21905,7 +24961,7 @@
           <a:p>
             <a:fld id="{BCD7396F-CAFE-47FC-9775-745DE743DF33}" type="slidenum">
               <a:rPr lang="en-US" smtClean="0"/>
-              <a:t>16</a:t>
+              <a:t>18</a:t>
             </a:fld>
             <a:endParaRPr lang="en-US"/>
           </a:p>
@@ -22499,10 +25555,7 @@
           <a:lstStyle/>
           <a:p>
             <a:r>
-              <a:rPr lang="en-US" dirty="0">
-                <a:latin typeface="Segoe UI Light" panose="020B0502040204020203" pitchFamily="34" charset="0"/>
-                <a:cs typeface="Segoe UI Light" panose="020B0502040204020203" pitchFamily="34" charset="0"/>
-              </a:rPr>
+              <a:rPr lang="en-US" smtClean="0"/>
               <a:t>The conceptual structure of an application to software testing</a:t>
             </a:r>
             <a:endParaRPr lang="en-US" dirty="0"/>
@@ -22526,6 +25579,7 @@
           <a:p>
             <a:fld id="{BCD7396F-CAFE-47FC-9775-745DE743DF33}" type="slidenum">
               <a:rPr lang="en-US" smtClean="0"/>
+              <a:pPr/>
               <a:t>2</a:t>
             </a:fld>
             <a:endParaRPr lang="en-US"/>
@@ -22554,8 +25608,8 @@
         </p:blipFill>
         <p:spPr>
           <a:xfrm>
-            <a:off x="2783742" y="2039090"/>
-            <a:ext cx="6638369" cy="4317260"/>
+            <a:off x="2948923" y="1972631"/>
+            <a:ext cx="6308007" cy="4102409"/>
           </a:xfrm>
           <a:prstGeom prst="rect">
             <a:avLst/>
@@ -22615,10 +25669,7 @@
           <a:lstStyle/>
           <a:p>
             <a:r>
-              <a:rPr lang="en-US" dirty="0">
-                <a:latin typeface="Segoe UI Light" panose="020B0502040204020203" pitchFamily="34" charset="0"/>
-                <a:cs typeface="Segoe UI Light" panose="020B0502040204020203" pitchFamily="34" charset="0"/>
-              </a:rPr>
+              <a:rPr lang="en-US" smtClean="0"/>
               <a:t>The conceptual structure of an application to software testing</a:t>
             </a:r>
             <a:endParaRPr lang="en-US" dirty="0"/>
@@ -22642,6 +25693,7 @@
           <a:p>
             <a:fld id="{BCD7396F-CAFE-47FC-9775-745DE743DF33}" type="slidenum">
               <a:rPr lang="en-US" smtClean="0"/>
+              <a:pPr/>
               <a:t>3</a:t>
             </a:fld>
             <a:endParaRPr lang="en-US" dirty="0"/>
@@ -22792,13 +25844,29 @@
           <a:lstStyle/>
           <a:p>
             <a:r>
-              <a:rPr lang="en-US" dirty="0">
-                <a:latin typeface="Segoe UI Light" panose="020B0502040204020203" pitchFamily="34" charset="0"/>
-                <a:cs typeface="Segoe UI Light" panose="020B0502040204020203" pitchFamily="34" charset="0"/>
-              </a:rPr>
+              <a:rPr lang="en-US" smtClean="0"/>
               <a:t>The conceptual structure of an application to software testing</a:t>
             </a:r>
             <a:endParaRPr lang="en-US" dirty="0"/>
+          </a:p>
+        </p:txBody>
+      </p:sp>
+      <p:sp>
+        <p:nvSpPr>
+          <p:cNvPr id="6" name="Content Placeholder 5"/>
+          <p:cNvSpPr>
+            <a:spLocks noGrp="1"/>
+          </p:cNvSpPr>
+          <p:nvPr>
+            <p:ph idx="1"/>
+          </p:nvPr>
+        </p:nvSpPr>
+        <p:spPr/>
+        <p:txBody>
+          <a:bodyPr/>
+          <a:lstStyle/>
+          <a:p>
+            <a:endParaRPr lang="en-US"/>
           </a:p>
         </p:txBody>
       </p:sp>
@@ -22819,6 +25887,7 @@
           <a:p>
             <a:fld id="{BCD7396F-CAFE-47FC-9775-745DE743DF33}" type="slidenum">
               <a:rPr lang="en-US" smtClean="0"/>
+              <a:pPr/>
               <a:t>4</a:t>
             </a:fld>
             <a:endParaRPr lang="en-US" dirty="0"/>
@@ -23226,36 +26295,6 @@
           <a:chExt cx="0" cy="0"/>
         </a:xfrm>
       </p:grpSpPr>
-      <p:pic>
-        <p:nvPicPr>
-          <p:cNvPr id="15" name="Picture 14"/>
-          <p:cNvPicPr>
-            <a:picLocks noChangeAspect="1"/>
-          </p:cNvPicPr>
-          <p:nvPr/>
-        </p:nvPicPr>
-        <p:blipFill>
-          <a:blip r:embed="rId2" cstate="print">
-            <a:extLst>
-              <a:ext uri="{28A0092B-C50C-407E-A947-70E740481C1C}">
-                <a14:useLocalDpi xmlns:a14="http://schemas.microsoft.com/office/drawing/2010/main" val="0"/>
-              </a:ext>
-            </a:extLst>
-          </a:blip>
-          <a:stretch>
-            <a:fillRect/>
-          </a:stretch>
-        </p:blipFill>
-        <p:spPr>
-          <a:xfrm>
-            <a:off x="6929237" y="3163535"/>
-            <a:ext cx="4137736" cy="2690974"/>
-          </a:xfrm>
-          <a:prstGeom prst="rect">
-            <a:avLst/>
-          </a:prstGeom>
-        </p:spPr>
-      </p:pic>
       <p:sp>
         <p:nvSpPr>
           <p:cNvPr id="2" name="Title 1"/>
@@ -23272,10 +26311,7 @@
           <a:lstStyle/>
           <a:p>
             <a:r>
-              <a:rPr lang="en-US" dirty="0">
-                <a:latin typeface="Segoe UI Light" panose="020B0502040204020203" pitchFamily="34" charset="0"/>
-                <a:cs typeface="Segoe UI Light" panose="020B0502040204020203" pitchFamily="34" charset="0"/>
-              </a:rPr>
+              <a:rPr lang="en-US" smtClean="0"/>
               <a:t>The conceptual structure of an application to software testing</a:t>
             </a:r>
             <a:endParaRPr lang="en-US" dirty="0"/>
@@ -23299,6 +26335,7 @@
           <a:p>
             <a:fld id="{BCD7396F-CAFE-47FC-9775-745DE743DF33}" type="slidenum">
               <a:rPr lang="en-US" smtClean="0"/>
+              <a:pPr/>
               <a:t>5</a:t>
             </a:fld>
             <a:endParaRPr lang="en-US" dirty="0"/>
@@ -23313,10 +26350,10 @@
         </p:nvGrpSpPr>
         <p:grpSpPr>
           <a:xfrm>
-            <a:off x="342292" y="2897634"/>
-            <a:ext cx="5512109" cy="2956875"/>
-            <a:chOff x="715755" y="3417497"/>
-            <a:chExt cx="5512109" cy="2956875"/>
+            <a:off x="413101" y="2576679"/>
+            <a:ext cx="5491330" cy="2710771"/>
+            <a:chOff x="715755" y="3663601"/>
+            <a:chExt cx="5491330" cy="2710771"/>
           </a:xfrm>
         </p:grpSpPr>
         <p:pic>
@@ -23357,13 +26394,13 @@
           </p:nvSpPr>
           <p:spPr>
             <a:xfrm>
-              <a:off x="4034238" y="3417497"/>
+              <a:off x="4013459" y="3663601"/>
               <a:ext cx="2193626" cy="666514"/>
             </a:xfrm>
             <a:prstGeom prst="wedgeRoundRectCallout">
               <a:avLst>
-                <a:gd name="adj1" fmla="val -53202"/>
-                <a:gd name="adj2" fmla="val 25494"/>
+                <a:gd name="adj1" fmla="val -52409"/>
+                <a:gd name="adj2" fmla="val -21543"/>
                 <a:gd name="adj3" fmla="val 16667"/>
               </a:avLst>
             </a:prstGeom>
@@ -23406,52 +26443,97 @@
           </p:txBody>
         </p:sp>
       </p:grpSp>
-      <p:sp>
-        <p:nvSpPr>
-          <p:cNvPr id="66" name="Rounded Rectangular Callout 65"/>
-          <p:cNvSpPr/>
+      <p:grpSp>
+        <p:nvGrpSpPr>
+          <p:cNvPr id="6" name="Group 5"/>
+          <p:cNvGrpSpPr/>
           <p:nvPr/>
-        </p:nvSpPr>
-        <p:spPr>
-          <a:xfrm>
-            <a:off x="8004072" y="3263148"/>
-            <a:ext cx="2054328" cy="656158"/>
-          </a:xfrm>
-          <a:prstGeom prst="wedgeRoundRectCallout">
-            <a:avLst/>
-          </a:prstGeom>
-        </p:spPr>
-        <p:style>
-          <a:lnRef idx="2">
-            <a:schemeClr val="dk1"/>
-          </a:lnRef>
-          <a:fillRef idx="1">
-            <a:schemeClr val="lt1"/>
-          </a:fillRef>
-          <a:effectRef idx="0">
-            <a:schemeClr val="dk1"/>
-          </a:effectRef>
-          <a:fontRef idx="minor">
-            <a:schemeClr val="dk1"/>
-          </a:fontRef>
-        </p:style>
-        <p:txBody>
-          <a:bodyPr rtlCol="0" anchor="ctr"/>
-          <a:lstStyle/>
-          <a:p>
-            <a:pPr algn="just"/>
-            <a:r>
-              <a:rPr lang="en-US" sz="1400" b="1" dirty="0">
-                <a:solidFill>
-                  <a:schemeClr val="tx1"/>
-                </a:solidFill>
-                <a:latin typeface="Comic Sans MS" panose="030F0702030302020204" pitchFamily="66" charset="0"/>
-              </a:rPr>
-              <a:t>Call the top business level to test the application.</a:t>
-            </a:r>
-          </a:p>
-        </p:txBody>
-      </p:sp>
+        </p:nvGrpSpPr>
+        <p:grpSpPr>
+          <a:xfrm>
+            <a:off x="6860139" y="2576679"/>
+            <a:ext cx="4137736" cy="2690974"/>
+            <a:chOff x="6860139" y="3157545"/>
+            <a:chExt cx="4137736" cy="2690974"/>
+          </a:xfrm>
+        </p:grpSpPr>
+        <p:pic>
+          <p:nvPicPr>
+            <p:cNvPr id="15" name="Picture 14"/>
+            <p:cNvPicPr>
+              <a:picLocks noChangeAspect="1"/>
+            </p:cNvPicPr>
+            <p:nvPr/>
+          </p:nvPicPr>
+          <p:blipFill>
+            <a:blip r:embed="rId2" cstate="print">
+              <a:extLst>
+                <a:ext uri="{28A0092B-C50C-407E-A947-70E740481C1C}">
+                  <a14:useLocalDpi xmlns:a14="http://schemas.microsoft.com/office/drawing/2010/main" val="0"/>
+                </a:ext>
+              </a:extLst>
+            </a:blip>
+            <a:stretch>
+              <a:fillRect/>
+            </a:stretch>
+          </p:blipFill>
+          <p:spPr>
+            <a:xfrm>
+              <a:off x="6860139" y="3157545"/>
+              <a:ext cx="4137736" cy="2690974"/>
+            </a:xfrm>
+            <a:prstGeom prst="rect">
+              <a:avLst/>
+            </a:prstGeom>
+          </p:spPr>
+        </p:pic>
+        <p:sp>
+          <p:nvSpPr>
+            <p:cNvPr id="66" name="Rounded Rectangular Callout 65"/>
+            <p:cNvSpPr/>
+            <p:nvPr/>
+          </p:nvSpPr>
+          <p:spPr>
+            <a:xfrm>
+              <a:off x="8004072" y="3263148"/>
+              <a:ext cx="2054328" cy="656158"/>
+            </a:xfrm>
+            <a:prstGeom prst="wedgeRoundRectCallout">
+              <a:avLst/>
+            </a:prstGeom>
+          </p:spPr>
+          <p:style>
+            <a:lnRef idx="2">
+              <a:schemeClr val="dk1"/>
+            </a:lnRef>
+            <a:fillRef idx="1">
+              <a:schemeClr val="lt1"/>
+            </a:fillRef>
+            <a:effectRef idx="0">
+              <a:schemeClr val="dk1"/>
+            </a:effectRef>
+            <a:fontRef idx="minor">
+              <a:schemeClr val="dk1"/>
+            </a:fontRef>
+          </p:style>
+          <p:txBody>
+            <a:bodyPr rtlCol="0" anchor="ctr"/>
+            <a:lstStyle/>
+            <a:p>
+              <a:pPr algn="just"/>
+              <a:r>
+                <a:rPr lang="en-US" sz="1400" b="1" dirty="0">
+                  <a:solidFill>
+                    <a:schemeClr val="tx1"/>
+                  </a:solidFill>
+                  <a:latin typeface="Comic Sans MS" panose="030F0702030302020204" pitchFamily="66" charset="0"/>
+                </a:rPr>
+                <a:t>Call the top business level to test the application.</a:t>
+              </a:r>
+            </a:p>
+          </p:txBody>
+        </p:sp>
+      </p:grpSp>
       <p:sp>
         <p:nvSpPr>
           <p:cNvPr id="67" name="TextBox 66"/>
@@ -23487,7 +26569,7 @@
         <p:spPr>
           <a:xfrm>
             <a:off x="6223000" y="1913440"/>
-            <a:ext cx="0" cy="4442910"/>
+            <a:ext cx="0" cy="4074937"/>
           </a:xfrm>
           <a:prstGeom prst="line">
             <a:avLst/>
@@ -23519,8 +26601,8 @@
         </p:nvSpPr>
         <p:spPr>
           <a:xfrm>
-            <a:off x="488954" y="6017796"/>
-            <a:ext cx="5613973" cy="338554"/>
+            <a:off x="413101" y="5461579"/>
+            <a:ext cx="5809899" cy="369332"/>
           </a:xfrm>
           <a:prstGeom prst="rect">
             <a:avLst/>
@@ -23528,16 +26610,25 @@
           <a:noFill/>
         </p:spPr>
         <p:txBody>
-          <a:bodyPr wrap="none" rtlCol="0">
+          <a:bodyPr wrap="square" rtlCol="0">
             <a:spAutoFit/>
           </a:bodyPr>
           <a:lstStyle/>
           <a:p>
-            <a:r>
-              <a:rPr lang="en-US" sz="1600" b="1" dirty="0" smtClean="0"/>
-              <a:t>The entire application is tested for critical functionalities</a:t>
-            </a:r>
-            <a:endParaRPr lang="en-US" sz="1600" b="1" dirty="0"/>
+            <a:pPr algn="just"/>
+            <a:r>
+              <a:rPr lang="en-US" dirty="0" smtClean="0"/>
+              <a:t>The </a:t>
+            </a:r>
+            <a:r>
+              <a:rPr lang="en-US" b="1" dirty="0" smtClean="0"/>
+              <a:t>entire</a:t>
+            </a:r>
+            <a:r>
+              <a:rPr lang="en-US" dirty="0" smtClean="0"/>
+              <a:t> application is tested for critical functionalities.</a:t>
+            </a:r>
+            <a:endParaRPr lang="en-US" dirty="0"/>
           </a:p>
         </p:txBody>
       </p:sp>
@@ -23549,8 +26640,8 @@
         </p:nvSpPr>
         <p:spPr>
           <a:xfrm>
-            <a:off x="6432971" y="6017796"/>
-            <a:ext cx="5308633" cy="338554"/>
+            <a:off x="6860139" y="5461579"/>
+            <a:ext cx="5172760" cy="369332"/>
           </a:xfrm>
           <a:prstGeom prst="rect">
             <a:avLst/>
@@ -23558,16 +26649,25 @@
           <a:noFill/>
         </p:spPr>
         <p:txBody>
-          <a:bodyPr wrap="none" rtlCol="0">
+          <a:bodyPr wrap="square" rtlCol="0">
             <a:spAutoFit/>
           </a:bodyPr>
           <a:lstStyle/>
           <a:p>
-            <a:r>
-              <a:rPr lang="en-US" sz="1600" b="1" dirty="0" smtClean="0"/>
-              <a:t>The business logic is tested for critical functionalities</a:t>
-            </a:r>
-            <a:endParaRPr lang="en-US" sz="1600" b="1" dirty="0"/>
+            <a:pPr algn="just"/>
+            <a:r>
+              <a:rPr lang="en-US" dirty="0" smtClean="0"/>
+              <a:t>Only business </a:t>
+            </a:r>
+            <a:r>
+              <a:rPr lang="en-US" dirty="0" smtClean="0"/>
+              <a:t>logic is tested for critical </a:t>
+            </a:r>
+            <a:r>
+              <a:rPr lang="en-US" dirty="0" smtClean="0"/>
+              <a:t>functionalities.</a:t>
+            </a:r>
+            <a:endParaRPr lang="en-US" dirty="0"/>
           </a:p>
         </p:txBody>
       </p:sp>
@@ -23639,6 +26739,47 @@
           </a:p>
         </p:txBody>
       </p:sp>
+      <p:pic>
+        <p:nvPicPr>
+          <p:cNvPr id="1026" name="Picture 2" descr="http://icons.iconarchive.com/icons/custom-icon-design/mono-business-2/512/thumbs-up-icon.png"/>
+          <p:cNvPicPr>
+            <a:picLocks noChangeAspect="1" noChangeArrowheads="1"/>
+          </p:cNvPicPr>
+          <p:nvPr/>
+        </p:nvPicPr>
+        <p:blipFill>
+          <a:blip r:embed="rId3" cstate="print">
+            <a:extLst>
+              <a:ext uri="{28A0092B-C50C-407E-A947-70E740481C1C}">
+                <a14:useLocalDpi xmlns:a14="http://schemas.microsoft.com/office/drawing/2010/main" val="0"/>
+              </a:ext>
+            </a:extLst>
+          </a:blip>
+          <a:srcRect/>
+          <a:stretch>
+            <a:fillRect/>
+          </a:stretch>
+        </p:blipFill>
+        <p:spPr bwMode="auto">
+          <a:xfrm>
+            <a:off x="1710877" y="1879970"/>
+            <a:ext cx="284533" cy="284533"/>
+          </a:xfrm>
+          <a:prstGeom prst="rect">
+            <a:avLst/>
+          </a:prstGeom>
+          <a:noFill/>
+          <a:extLst>
+            <a:ext uri="{909E8E84-426E-40DD-AFC4-6F175D3DCCD1}">
+              <a14:hiddenFill xmlns:a14="http://schemas.microsoft.com/office/drawing/2010/main">
+                <a:solidFill>
+                  <a:srgbClr val="FFFFFF"/>
+                </a:solidFill>
+              </a14:hiddenFill>
+            </a:ext>
+          </a:extLst>
+        </p:spPr>
+      </p:pic>
     </p:spTree>
     <p:extLst>
       <p:ext uri="{BB962C8B-B14F-4D97-AF65-F5344CB8AC3E}">
@@ -23692,22 +26833,35 @@
           <a:lstStyle/>
           <a:p>
             <a:r>
-              <a:rPr lang="en-US" dirty="0" smtClean="0">
-                <a:latin typeface="Segoe UI Light" panose="020B0502040204020203" pitchFamily="34" charset="0"/>
-                <a:cs typeface="Segoe UI Light" panose="020B0502040204020203" pitchFamily="34" charset="0"/>
-              </a:rPr>
-              <a:t>The conceptual structure of an application to software testing</a:t>
-            </a:r>
-            <a:endParaRPr lang="en-US" dirty="0">
-              <a:latin typeface="Segoe UI Light" panose="020B0502040204020203" pitchFamily="34" charset="0"/>
-              <a:cs typeface="Segoe UI Light" panose="020B0502040204020203" pitchFamily="34" charset="0"/>
-            </a:endParaRPr>
-          </a:p>
-        </p:txBody>
-      </p:sp>
-      <p:sp>
-        <p:nvSpPr>
-          <p:cNvPr id="66" name="Slide Number Placeholder 65"/>
+              <a:rPr lang="en-US" dirty="0" smtClean="0"/>
+              <a:t>DEMO</a:t>
+            </a:r>
+            <a:endParaRPr lang="en-US" dirty="0"/>
+          </a:p>
+        </p:txBody>
+      </p:sp>
+      <p:sp>
+        <p:nvSpPr>
+          <p:cNvPr id="3" name="Content Placeholder 2"/>
+          <p:cNvSpPr>
+            <a:spLocks noGrp="1"/>
+          </p:cNvSpPr>
+          <p:nvPr>
+            <p:ph idx="1"/>
+          </p:nvPr>
+        </p:nvSpPr>
+        <p:spPr/>
+        <p:txBody>
+          <a:bodyPr/>
+          <a:lstStyle/>
+          <a:p>
+            <a:endParaRPr lang="en-US" dirty="0"/>
+          </a:p>
+        </p:txBody>
+      </p:sp>
+      <p:sp>
+        <p:nvSpPr>
+          <p:cNvPr id="4" name="Slide Number Placeholder 3"/>
           <p:cNvSpPr>
             <a:spLocks noGrp="1"/>
           </p:cNvSpPr>
@@ -23728,40 +26882,10 @@
           </a:p>
         </p:txBody>
       </p:sp>
-      <p:pic>
-        <p:nvPicPr>
-          <p:cNvPr id="3" name="Picture 2"/>
-          <p:cNvPicPr>
-            <a:picLocks noChangeAspect="1"/>
-          </p:cNvPicPr>
-          <p:nvPr/>
-        </p:nvPicPr>
-        <p:blipFill>
-          <a:blip r:embed="rId3">
-            <a:extLst>
-              <a:ext uri="{28A0092B-C50C-407E-A947-70E740481C1C}">
-                <a14:useLocalDpi xmlns:a14="http://schemas.microsoft.com/office/drawing/2010/main" val="0"/>
-              </a:ext>
-            </a:extLst>
-          </a:blip>
-          <a:stretch>
-            <a:fillRect/>
-          </a:stretch>
-        </p:blipFill>
-        <p:spPr>
-          <a:xfrm>
-            <a:off x="3248650" y="1823475"/>
-            <a:ext cx="6273722" cy="4898000"/>
-          </a:xfrm>
-          <a:prstGeom prst="rect">
-            <a:avLst/>
-          </a:prstGeom>
-        </p:spPr>
-      </p:pic>
     </p:spTree>
     <p:extLst>
       <p:ext uri="{BB962C8B-B14F-4D97-AF65-F5344CB8AC3E}">
-        <p14:creationId xmlns:p14="http://schemas.microsoft.com/office/powerpoint/2010/main" val="201835201"/>
+        <p14:creationId xmlns:p14="http://schemas.microsoft.com/office/powerpoint/2010/main" val="198412639"/>
       </p:ext>
     </p:extLst>
   </p:cSld>
@@ -23811,22 +26935,63 @@
           <a:lstStyle/>
           <a:p>
             <a:r>
-              <a:rPr lang="en-US" dirty="0" smtClean="0">
-                <a:latin typeface="Segoe UI Light" panose="020B0502040204020203" pitchFamily="34" charset="0"/>
-                <a:cs typeface="Segoe UI Light" panose="020B0502040204020203" pitchFamily="34" charset="0"/>
-              </a:rPr>
-              <a:t>The conceptual structure of an application to software testing</a:t>
-            </a:r>
-            <a:endParaRPr lang="en-US" dirty="0">
-              <a:latin typeface="Segoe UI Light" panose="020B0502040204020203" pitchFamily="34" charset="0"/>
-              <a:cs typeface="Segoe UI Light" panose="020B0502040204020203" pitchFamily="34" charset="0"/>
-            </a:endParaRPr>
-          </a:p>
-        </p:txBody>
-      </p:sp>
-      <p:sp>
-        <p:nvSpPr>
-          <p:cNvPr id="3" name="Slide Number Placeholder 2"/>
+              <a:rPr lang="en-US" dirty="0" smtClean="0"/>
+              <a:t>What types of testing should be applied to a project in Scrum?</a:t>
+            </a:r>
+            <a:endParaRPr lang="en-US" dirty="0"/>
+          </a:p>
+        </p:txBody>
+      </p:sp>
+      <p:sp>
+        <p:nvSpPr>
+          <p:cNvPr id="3" name="Content Placeholder 2"/>
+          <p:cNvSpPr>
+            <a:spLocks noGrp="1"/>
+          </p:cNvSpPr>
+          <p:nvPr>
+            <p:ph idx="1"/>
+          </p:nvPr>
+        </p:nvSpPr>
+        <p:spPr/>
+        <p:txBody>
+          <a:bodyPr/>
+          <a:lstStyle/>
+          <a:p>
+            <a:r>
+              <a:rPr lang="en-US" dirty="0" smtClean="0"/>
+              <a:t>Unit Testing</a:t>
+            </a:r>
+          </a:p>
+          <a:p>
+            <a:r>
+              <a:rPr lang="en-US" dirty="0"/>
+              <a:t>GUI Unit </a:t>
+            </a:r>
+            <a:r>
+              <a:rPr lang="en-US" dirty="0" smtClean="0"/>
+              <a:t>Testing</a:t>
+            </a:r>
+          </a:p>
+          <a:p>
+            <a:r>
+              <a:rPr lang="en-US" dirty="0" smtClean="0"/>
+              <a:t>Integration Testing</a:t>
+            </a:r>
+          </a:p>
+          <a:p>
+            <a:r>
+              <a:rPr lang="en-US" dirty="0" smtClean="0"/>
+              <a:t>System Testing (Manual System Testing, Automated System Testing)</a:t>
+            </a:r>
+          </a:p>
+          <a:p>
+            <a:endParaRPr lang="en-US" dirty="0"/>
+          </a:p>
+        </p:txBody>
+      </p:sp>
+      <p:sp>
+        <p:nvSpPr>
+          <p:cNvPr id="4" name="Slide Number Placeholder 3"/>
           <p:cNvSpPr>
             <a:spLocks noGrp="1"/>
           </p:cNvSpPr>
@@ -23847,53 +27012,16 @@
           </a:p>
         </p:txBody>
       </p:sp>
-      <p:pic>
-        <p:nvPicPr>
-          <p:cNvPr id="5" name="Picture 4"/>
-          <p:cNvPicPr>
-            <a:picLocks noChangeAspect="1"/>
-          </p:cNvPicPr>
-          <p:nvPr/>
-        </p:nvPicPr>
-        <p:blipFill>
-          <a:blip r:embed="rId3">
-            <a:extLst>
-              <a:ext uri="{28A0092B-C50C-407E-A947-70E740481C1C}">
-                <a14:useLocalDpi xmlns:a14="http://schemas.microsoft.com/office/drawing/2010/main" val="0"/>
-              </a:ext>
-            </a:extLst>
-          </a:blip>
-          <a:stretch>
-            <a:fillRect/>
-          </a:stretch>
-        </p:blipFill>
-        <p:spPr>
-          <a:xfrm>
-            <a:off x="1592929" y="1906341"/>
-            <a:ext cx="9019995" cy="4450009"/>
-          </a:xfrm>
-          <a:prstGeom prst="rect">
-            <a:avLst/>
-          </a:prstGeom>
-        </p:spPr>
-      </p:pic>
     </p:spTree>
     <p:extLst>
       <p:ext uri="{BB962C8B-B14F-4D97-AF65-F5344CB8AC3E}">
-        <p14:creationId xmlns:p14="http://schemas.microsoft.com/office/powerpoint/2010/main" val="3266816375"/>
+        <p14:creationId xmlns:p14="http://schemas.microsoft.com/office/powerpoint/2010/main" val="1593599548"/>
       </p:ext>
     </p:extLst>
   </p:cSld>
   <p:clrMapOvr>
     <a:masterClrMapping/>
   </p:clrMapOvr>
-  <p:timing>
-    <p:tnLst>
-      <p:par>
-        <p:cTn id="1" dur="indefinite" restart="never" nodeType="tmRoot"/>
-      </p:par>
-    </p:tnLst>
-  </p:timing>
 </p:sld>
 </file>
 
@@ -23916,1446 +27044,90 @@
       </p:grpSpPr>
       <p:sp>
         <p:nvSpPr>
-          <p:cNvPr id="8" name="Flowchart: Magnetic Disk 7"/>
-          <p:cNvSpPr/>
-          <p:nvPr/>
-        </p:nvSpPr>
-        <p:spPr>
-          <a:xfrm>
-            <a:off x="4289406" y="5490909"/>
-            <a:ext cx="1452804" cy="1243268"/>
-          </a:xfrm>
-          <a:prstGeom prst="flowChartMagneticDisk">
-            <a:avLst/>
-          </a:prstGeom>
-        </p:spPr>
-        <p:style>
-          <a:lnRef idx="1">
-            <a:schemeClr val="accent3"/>
-          </a:lnRef>
-          <a:fillRef idx="2">
-            <a:schemeClr val="accent3"/>
-          </a:fillRef>
-          <a:effectRef idx="1">
-            <a:schemeClr val="accent3"/>
-          </a:effectRef>
-          <a:fontRef idx="minor">
-            <a:schemeClr val="dk1"/>
-          </a:fontRef>
-        </p:style>
-        <p:txBody>
-          <a:bodyPr rtlCol="0" anchor="ctr"/>
-          <a:lstStyle/>
-          <a:p>
-            <a:pPr algn="ctr"/>
-            <a:r>
-              <a:rPr lang="en-US" sz="1600" dirty="0" smtClean="0">
-                <a:solidFill>
-                  <a:schemeClr val="tx1"/>
-                </a:solidFill>
-                <a:latin typeface="Segoe UI" panose="020B0502040204020203" pitchFamily="34" charset="0"/>
-                <a:cs typeface="Segoe UI" panose="020B0502040204020203" pitchFamily="34" charset="0"/>
+          <p:cNvPr id="2" name="Title 1"/>
+          <p:cNvSpPr>
+            <a:spLocks noGrp="1"/>
+          </p:cNvSpPr>
+          <p:nvPr>
+            <p:ph type="title"/>
+          </p:nvPr>
+        </p:nvSpPr>
+        <p:spPr/>
+        <p:txBody>
+          <a:bodyPr/>
+          <a:lstStyle/>
+          <a:p>
+            <a:r>
+              <a:rPr lang="en-US" dirty="0" smtClean="0">
+                <a:latin typeface="Segoe UI Light" panose="020B0502040204020203" pitchFamily="34" charset="0"/>
+                <a:cs typeface="Segoe UI Light" panose="020B0502040204020203" pitchFamily="34" charset="0"/>
               </a:rPr>
-              <a:t>Data Source (Files, Databases, …)</a:t>
-            </a:r>
-          </a:p>
-        </p:txBody>
-      </p:sp>
-      <p:sp>
-        <p:nvSpPr>
-          <p:cNvPr id="9" name="Cloud 8"/>
-          <p:cNvSpPr/>
-          <p:nvPr/>
-        </p:nvSpPr>
-        <p:spPr>
-          <a:xfrm>
-            <a:off x="6217605" y="5500856"/>
-            <a:ext cx="1984227" cy="1244599"/>
-          </a:xfrm>
-          <a:prstGeom prst="cloud">
-            <a:avLst/>
-          </a:prstGeom>
-        </p:spPr>
-        <p:style>
-          <a:lnRef idx="1">
-            <a:schemeClr val="accent3"/>
-          </a:lnRef>
-          <a:fillRef idx="2">
-            <a:schemeClr val="accent3"/>
-          </a:fillRef>
-          <a:effectRef idx="1">
-            <a:schemeClr val="accent3"/>
-          </a:effectRef>
-          <a:fontRef idx="minor">
-            <a:schemeClr val="dk1"/>
-          </a:fontRef>
-        </p:style>
-        <p:txBody>
-          <a:bodyPr rtlCol="0" anchor="ctr"/>
-          <a:lstStyle/>
-          <a:p>
-            <a:pPr algn="ctr"/>
-            <a:r>
-              <a:rPr lang="en-US" sz="1600" dirty="0" smtClean="0">
-                <a:solidFill>
-                  <a:schemeClr val="tx1"/>
-                </a:solidFill>
-                <a:latin typeface="Segoe UI" panose="020B0502040204020203" pitchFamily="34" charset="0"/>
-                <a:cs typeface="Segoe UI" panose="020B0502040204020203" pitchFamily="34" charset="0"/>
-              </a:rPr>
-              <a:t>External Services (Graph API, O365, …)</a:t>
-            </a:r>
-            <a:endParaRPr lang="en-US" sz="1600" dirty="0">
-              <a:solidFill>
-                <a:schemeClr val="tx1"/>
-              </a:solidFill>
-              <a:latin typeface="Segoe UI" panose="020B0502040204020203" pitchFamily="34" charset="0"/>
-              <a:cs typeface="Segoe UI" panose="020B0502040204020203" pitchFamily="34" charset="0"/>
+              <a:t>The conceptual structure of an application to software testing</a:t>
+            </a:r>
+            <a:endParaRPr lang="en-US" dirty="0">
+              <a:latin typeface="Segoe UI Light" panose="020B0502040204020203" pitchFamily="34" charset="0"/>
+              <a:cs typeface="Segoe UI Light" panose="020B0502040204020203" pitchFamily="34" charset="0"/>
             </a:endParaRPr>
+          </a:p>
+        </p:txBody>
+      </p:sp>
+      <p:sp>
+        <p:nvSpPr>
+          <p:cNvPr id="66" name="Slide Number Placeholder 65"/>
+          <p:cNvSpPr>
+            <a:spLocks noGrp="1"/>
+          </p:cNvSpPr>
+          <p:nvPr>
+            <p:ph type="sldNum" sz="quarter" idx="12"/>
+          </p:nvPr>
+        </p:nvSpPr>
+        <p:spPr/>
+        <p:txBody>
+          <a:bodyPr/>
+          <a:lstStyle/>
+          <a:p>
+            <a:fld id="{BCD7396F-CAFE-47FC-9775-745DE743DF33}" type="slidenum">
+              <a:rPr lang="en-US" smtClean="0"/>
+              <a:t>8</a:t>
+            </a:fld>
+            <a:endParaRPr lang="en-US"/>
           </a:p>
         </p:txBody>
       </p:sp>
       <p:pic>
         <p:nvPicPr>
-          <p:cNvPr id="1026" name="Picture 2" descr="http://upload.wikimedia.org/wikipedia/commons/7/70/User_icon_BLACK-01.png"/>
+          <p:cNvPr id="3" name="Picture 2"/>
           <p:cNvPicPr>
-            <a:picLocks noChangeAspect="1" noChangeArrowheads="1"/>
+            <a:picLocks noChangeAspect="1"/>
           </p:cNvPicPr>
           <p:nvPr/>
         </p:nvPicPr>
         <p:blipFill>
-          <a:blip r:embed="rId3" cstate="print">
-            <a:duotone>
-              <a:schemeClr val="bg2">
-                <a:shade val="45000"/>
-                <a:satMod val="135000"/>
-              </a:schemeClr>
-              <a:prstClr val="white"/>
-            </a:duotone>
+          <a:blip r:embed="rId3">
             <a:extLst>
               <a:ext uri="{28A0092B-C50C-407E-A947-70E740481C1C}">
                 <a14:useLocalDpi xmlns:a14="http://schemas.microsoft.com/office/drawing/2010/main" val="0"/>
               </a:ext>
             </a:extLst>
           </a:blip>
-          <a:srcRect/>
           <a:stretch>
             <a:fillRect/>
           </a:stretch>
         </p:blipFill>
-        <p:spPr bwMode="auto">
-          <a:xfrm>
-            <a:off x="8720634" y="1694313"/>
-            <a:ext cx="992149" cy="880492"/>
+        <p:spPr>
+          <a:xfrm>
+            <a:off x="3248650" y="1823475"/>
+            <a:ext cx="6273722" cy="4898000"/>
           </a:xfrm>
           <a:prstGeom prst="rect">
             <a:avLst/>
           </a:prstGeom>
-          <a:noFill/>
-          <a:extLst>
-            <a:ext uri="{909E8E84-426E-40DD-AFC4-6F175D3DCCD1}">
-              <a14:hiddenFill xmlns:a14="http://schemas.microsoft.com/office/drawing/2010/main">
-                <a:solidFill>
-                  <a:srgbClr val="FFFFFF"/>
-                </a:solidFill>
-              </a14:hiddenFill>
-            </a:ext>
-          </a:extLst>
         </p:spPr>
       </p:pic>
-      <p:sp>
-        <p:nvSpPr>
-          <p:cNvPr id="22" name="Left-Right Arrow 21"/>
-          <p:cNvSpPr/>
-          <p:nvPr/>
-        </p:nvSpPr>
-        <p:spPr>
-          <a:xfrm>
-            <a:off x="8349119" y="2179265"/>
-            <a:ext cx="422933" cy="203326"/>
-          </a:xfrm>
-          <a:prstGeom prst="leftRightArrow">
-            <a:avLst/>
-          </a:prstGeom>
-        </p:spPr>
-        <p:style>
-          <a:lnRef idx="1">
-            <a:schemeClr val="accent3"/>
-          </a:lnRef>
-          <a:fillRef idx="3">
-            <a:schemeClr val="accent3"/>
-          </a:fillRef>
-          <a:effectRef idx="2">
-            <a:schemeClr val="accent3"/>
-          </a:effectRef>
-          <a:fontRef idx="minor">
-            <a:schemeClr val="lt1"/>
-          </a:fontRef>
-        </p:style>
-        <p:txBody>
-          <a:bodyPr rtlCol="0" anchor="ctr"/>
-          <a:lstStyle/>
-          <a:p>
-            <a:pPr algn="ctr"/>
-            <a:endParaRPr lang="en-US" sz="1600">
-              <a:solidFill>
-                <a:schemeClr val="tx1"/>
-              </a:solidFill>
-              <a:latin typeface="Segoe UI" panose="020B0502040204020203" pitchFamily="34" charset="0"/>
-              <a:cs typeface="Segoe UI" panose="020B0502040204020203" pitchFamily="34" charset="0"/>
-            </a:endParaRPr>
-          </a:p>
-        </p:txBody>
-      </p:sp>
-      <p:sp>
-        <p:nvSpPr>
-          <p:cNvPr id="24" name="TextBox 23"/>
-          <p:cNvSpPr txBox="1"/>
-          <p:nvPr/>
-        </p:nvSpPr>
-        <p:spPr>
-          <a:xfrm>
-            <a:off x="8720634" y="2508261"/>
-            <a:ext cx="1083212" cy="338554"/>
-          </a:xfrm>
-          <a:prstGeom prst="rect">
-            <a:avLst/>
-          </a:prstGeom>
-          <a:noFill/>
-        </p:spPr>
-        <p:txBody>
-          <a:bodyPr wrap="square" rtlCol="0">
-            <a:spAutoFit/>
-          </a:bodyPr>
-          <a:lstStyle/>
-          <a:p>
-            <a:pPr algn="ctr"/>
-            <a:r>
-              <a:rPr lang="en-US" sz="1600" dirty="0" smtClean="0">
-                <a:latin typeface="Segoe UI" panose="020B0502040204020203" pitchFamily="34" charset="0"/>
-                <a:cs typeface="Segoe UI" panose="020B0502040204020203" pitchFamily="34" charset="0"/>
-              </a:rPr>
-              <a:t>End-User</a:t>
-            </a:r>
-            <a:endParaRPr lang="en-US" sz="1600" dirty="0">
-              <a:latin typeface="Segoe UI" panose="020B0502040204020203" pitchFamily="34" charset="0"/>
-              <a:cs typeface="Segoe UI" panose="020B0502040204020203" pitchFamily="34" charset="0"/>
-            </a:endParaRPr>
-          </a:p>
-        </p:txBody>
-      </p:sp>
-      <p:sp>
-        <p:nvSpPr>
-          <p:cNvPr id="18" name="Up-Down Arrow 17"/>
-          <p:cNvSpPr/>
-          <p:nvPr/>
-        </p:nvSpPr>
-        <p:spPr>
-          <a:xfrm>
-            <a:off x="4917822" y="5110237"/>
-            <a:ext cx="199348" cy="353402"/>
-          </a:xfrm>
-          <a:prstGeom prst="upDownArrow">
-            <a:avLst/>
-          </a:prstGeom>
-        </p:spPr>
-        <p:style>
-          <a:lnRef idx="1">
-            <a:schemeClr val="accent3"/>
-          </a:lnRef>
-          <a:fillRef idx="3">
-            <a:schemeClr val="accent3"/>
-          </a:fillRef>
-          <a:effectRef idx="2">
-            <a:schemeClr val="accent3"/>
-          </a:effectRef>
-          <a:fontRef idx="minor">
-            <a:schemeClr val="lt1"/>
-          </a:fontRef>
-        </p:style>
-        <p:txBody>
-          <a:bodyPr rtlCol="0" anchor="ctr"/>
-          <a:lstStyle/>
-          <a:p>
-            <a:pPr algn="ctr"/>
-            <a:endParaRPr lang="en-US" sz="1600">
-              <a:solidFill>
-                <a:schemeClr val="tx1"/>
-              </a:solidFill>
-              <a:latin typeface="Segoe UI" panose="020B0502040204020203" pitchFamily="34" charset="0"/>
-              <a:cs typeface="Segoe UI" panose="020B0502040204020203" pitchFamily="34" charset="0"/>
-            </a:endParaRPr>
-          </a:p>
-        </p:txBody>
-      </p:sp>
-      <p:sp>
-        <p:nvSpPr>
-          <p:cNvPr id="36" name="Up-Down Arrow 35"/>
-          <p:cNvSpPr/>
-          <p:nvPr/>
-        </p:nvSpPr>
-        <p:spPr>
-          <a:xfrm>
-            <a:off x="7110045" y="5110237"/>
-            <a:ext cx="199348" cy="353402"/>
-          </a:xfrm>
-          <a:prstGeom prst="upDownArrow">
-            <a:avLst/>
-          </a:prstGeom>
-        </p:spPr>
-        <p:style>
-          <a:lnRef idx="1">
-            <a:schemeClr val="accent3"/>
-          </a:lnRef>
-          <a:fillRef idx="3">
-            <a:schemeClr val="accent3"/>
-          </a:fillRef>
-          <a:effectRef idx="2">
-            <a:schemeClr val="accent3"/>
-          </a:effectRef>
-          <a:fontRef idx="minor">
-            <a:schemeClr val="lt1"/>
-          </a:fontRef>
-        </p:style>
-        <p:txBody>
-          <a:bodyPr rtlCol="0" anchor="ctr"/>
-          <a:lstStyle/>
-          <a:p>
-            <a:pPr algn="ctr"/>
-            <a:endParaRPr lang="en-US" sz="1600">
-              <a:solidFill>
-                <a:schemeClr val="tx1"/>
-              </a:solidFill>
-              <a:latin typeface="Segoe UI" panose="020B0502040204020203" pitchFamily="34" charset="0"/>
-              <a:cs typeface="Segoe UI" panose="020B0502040204020203" pitchFamily="34" charset="0"/>
-            </a:endParaRPr>
-          </a:p>
-        </p:txBody>
-      </p:sp>
-      <p:sp>
-        <p:nvSpPr>
-          <p:cNvPr id="25" name="TextBox 24"/>
-          <p:cNvSpPr txBox="1"/>
-          <p:nvPr/>
-        </p:nvSpPr>
-        <p:spPr>
-          <a:xfrm>
-            <a:off x="2705100" y="1216418"/>
-            <a:ext cx="1377394" cy="369332"/>
-          </a:xfrm>
-          <a:prstGeom prst="rect">
-            <a:avLst/>
-          </a:prstGeom>
-          <a:noFill/>
-        </p:spPr>
-        <p:txBody>
-          <a:bodyPr wrap="square" rtlCol="0">
-            <a:spAutoFit/>
-          </a:bodyPr>
-          <a:lstStyle/>
-          <a:p>
-            <a:r>
-              <a:rPr lang="en-US" dirty="0" smtClean="0">
-                <a:latin typeface="Segoe UI" panose="020B0502040204020203" pitchFamily="34" charset="0"/>
-                <a:cs typeface="Segoe UI" panose="020B0502040204020203" pitchFamily="34" charset="0"/>
-              </a:rPr>
-              <a:t>Application</a:t>
-            </a:r>
-          </a:p>
-        </p:txBody>
-      </p:sp>
-      <p:sp>
-        <p:nvSpPr>
-          <p:cNvPr id="34" name="Slide Number Placeholder 33"/>
-          <p:cNvSpPr>
-            <a:spLocks noGrp="1"/>
-          </p:cNvSpPr>
-          <p:nvPr>
-            <p:ph type="sldNum" sz="quarter" idx="12"/>
-          </p:nvPr>
-        </p:nvSpPr>
-        <p:spPr/>
-        <p:txBody>
-          <a:bodyPr/>
-          <a:lstStyle/>
-          <a:p>
-            <a:fld id="{BCD7396F-CAFE-47FC-9775-745DE743DF33}" type="slidenum">
-              <a:rPr lang="en-US" smtClean="0"/>
-              <a:t>8</a:t>
-            </a:fld>
-            <a:endParaRPr lang="en-US"/>
-          </a:p>
-        </p:txBody>
-      </p:sp>
-      <p:sp>
-        <p:nvSpPr>
-          <p:cNvPr id="40" name="Rounded Rectangle 39"/>
-          <p:cNvSpPr/>
-          <p:nvPr/>
-        </p:nvSpPr>
-        <p:spPr>
-          <a:xfrm>
-            <a:off x="4069060" y="1698459"/>
-            <a:ext cx="4123980" cy="991630"/>
-          </a:xfrm>
-          <a:prstGeom prst="roundRect">
-            <a:avLst/>
-          </a:prstGeom>
-        </p:spPr>
-        <p:style>
-          <a:lnRef idx="1">
-            <a:schemeClr val="accent5"/>
-          </a:lnRef>
-          <a:fillRef idx="2">
-            <a:schemeClr val="accent5"/>
-          </a:fillRef>
-          <a:effectRef idx="1">
-            <a:schemeClr val="accent5"/>
-          </a:effectRef>
-          <a:fontRef idx="minor">
-            <a:schemeClr val="dk1"/>
-          </a:fontRef>
-        </p:style>
-        <p:txBody>
-          <a:bodyPr rtlCol="0" anchor="ctr"/>
-          <a:lstStyle/>
-          <a:p>
-            <a:pPr algn="ctr"/>
-            <a:endParaRPr lang="en-US" sz="1600" dirty="0" smtClean="0">
-              <a:solidFill>
-                <a:schemeClr val="tx1"/>
-              </a:solidFill>
-              <a:latin typeface="Segoe UI" panose="020B0502040204020203" pitchFamily="34" charset="0"/>
-              <a:cs typeface="Segoe UI" panose="020B0502040204020203" pitchFamily="34" charset="0"/>
-            </a:endParaRPr>
-          </a:p>
-        </p:txBody>
-      </p:sp>
-      <p:sp>
-        <p:nvSpPr>
-          <p:cNvPr id="41" name="Rounded Rectangle 40"/>
-          <p:cNvSpPr/>
-          <p:nvPr/>
-        </p:nvSpPr>
-        <p:spPr>
-          <a:xfrm>
-            <a:off x="4069060" y="4429337"/>
-            <a:ext cx="2030934" cy="629017"/>
-          </a:xfrm>
-          <a:prstGeom prst="roundRect">
-            <a:avLst/>
-          </a:prstGeom>
-        </p:spPr>
-        <p:style>
-          <a:lnRef idx="1">
-            <a:schemeClr val="accent6"/>
-          </a:lnRef>
-          <a:fillRef idx="2">
-            <a:schemeClr val="accent6"/>
-          </a:fillRef>
-          <a:effectRef idx="1">
-            <a:schemeClr val="accent6"/>
-          </a:effectRef>
-          <a:fontRef idx="minor">
-            <a:schemeClr val="dk1"/>
-          </a:fontRef>
-        </p:style>
-        <p:txBody>
-          <a:bodyPr rtlCol="0" anchor="ctr"/>
-          <a:lstStyle/>
-          <a:p>
-            <a:pPr algn="ctr"/>
-            <a:r>
-              <a:rPr lang="en-US" sz="1600" dirty="0" smtClean="0">
-                <a:solidFill>
-                  <a:schemeClr val="tx1"/>
-                </a:solidFill>
-                <a:latin typeface="Segoe UI" panose="020B0502040204020203" pitchFamily="34" charset="0"/>
-                <a:cs typeface="Segoe UI" panose="020B0502040204020203" pitchFamily="34" charset="0"/>
-              </a:rPr>
-              <a:t>Data Access</a:t>
-            </a:r>
-            <a:endParaRPr lang="en-US" sz="1600" dirty="0">
-              <a:solidFill>
-                <a:schemeClr val="tx1"/>
-              </a:solidFill>
-              <a:latin typeface="Segoe UI" panose="020B0502040204020203" pitchFamily="34" charset="0"/>
-              <a:cs typeface="Segoe UI" panose="020B0502040204020203" pitchFamily="34" charset="0"/>
-            </a:endParaRPr>
-          </a:p>
-        </p:txBody>
-      </p:sp>
-      <p:sp>
-        <p:nvSpPr>
-          <p:cNvPr id="42" name="Rounded Rectangle 41"/>
-          <p:cNvSpPr/>
-          <p:nvPr/>
-        </p:nvSpPr>
-        <p:spPr>
-          <a:xfrm>
-            <a:off x="6227698" y="4429336"/>
-            <a:ext cx="1965342" cy="629017"/>
-          </a:xfrm>
-          <a:prstGeom prst="roundRect">
-            <a:avLst/>
-          </a:prstGeom>
-        </p:spPr>
-        <p:style>
-          <a:lnRef idx="1">
-            <a:schemeClr val="accent6"/>
-          </a:lnRef>
-          <a:fillRef idx="2">
-            <a:schemeClr val="accent6"/>
-          </a:fillRef>
-          <a:effectRef idx="1">
-            <a:schemeClr val="accent6"/>
-          </a:effectRef>
-          <a:fontRef idx="minor">
-            <a:schemeClr val="dk1"/>
-          </a:fontRef>
-        </p:style>
-        <p:txBody>
-          <a:bodyPr rtlCol="0" anchor="ctr"/>
-          <a:lstStyle/>
-          <a:p>
-            <a:pPr algn="ctr"/>
-            <a:r>
-              <a:rPr lang="en-US" sz="1600" dirty="0" smtClean="0">
-                <a:solidFill>
-                  <a:schemeClr val="tx1"/>
-                </a:solidFill>
-                <a:latin typeface="Segoe UI" panose="020B0502040204020203" pitchFamily="34" charset="0"/>
-                <a:cs typeface="Segoe UI" panose="020B0502040204020203" pitchFamily="34" charset="0"/>
-              </a:rPr>
-              <a:t>Service Gateways</a:t>
-            </a:r>
-            <a:endParaRPr lang="en-US" sz="1600" dirty="0">
-              <a:solidFill>
-                <a:schemeClr val="tx1"/>
-              </a:solidFill>
-              <a:latin typeface="Segoe UI" panose="020B0502040204020203" pitchFamily="34" charset="0"/>
-              <a:cs typeface="Segoe UI" panose="020B0502040204020203" pitchFamily="34" charset="0"/>
-            </a:endParaRPr>
-          </a:p>
-        </p:txBody>
-      </p:sp>
-      <p:sp>
-        <p:nvSpPr>
-          <p:cNvPr id="44" name="Rounded Rectangle 43"/>
-          <p:cNvSpPr/>
-          <p:nvPr/>
-        </p:nvSpPr>
-        <p:spPr>
-          <a:xfrm>
-            <a:off x="2869922" y="1698458"/>
-            <a:ext cx="803489" cy="3426324"/>
-          </a:xfrm>
-          <a:prstGeom prst="roundRect">
-            <a:avLst/>
-          </a:prstGeom>
-        </p:spPr>
-        <p:style>
-          <a:lnRef idx="1">
-            <a:schemeClr val="accent4"/>
-          </a:lnRef>
-          <a:fillRef idx="2">
-            <a:schemeClr val="accent4"/>
-          </a:fillRef>
-          <a:effectRef idx="1">
-            <a:schemeClr val="accent4"/>
-          </a:effectRef>
-          <a:fontRef idx="minor">
-            <a:schemeClr val="dk1"/>
-          </a:fontRef>
-        </p:style>
-        <p:txBody>
-          <a:bodyPr vert="vert" rtlCol="0" anchor="ctr"/>
-          <a:lstStyle/>
-          <a:p>
-            <a:pPr algn="ctr"/>
-            <a:r>
-              <a:rPr lang="en-US" sz="1600" dirty="0" smtClean="0">
-                <a:solidFill>
-                  <a:schemeClr val="tx1"/>
-                </a:solidFill>
-                <a:latin typeface="Segoe UI" panose="020B0502040204020203" pitchFamily="34" charset="0"/>
-                <a:cs typeface="Segoe UI" panose="020B0502040204020203" pitchFamily="34" charset="0"/>
-              </a:rPr>
-              <a:t>Cross-cutting</a:t>
-            </a:r>
-            <a:r>
-              <a:rPr lang="vi-VN" sz="1600" dirty="0" smtClean="0">
-                <a:solidFill>
-                  <a:schemeClr val="tx1"/>
-                </a:solidFill>
-                <a:latin typeface="Segoe UI" panose="020B0502040204020203" pitchFamily="34" charset="0"/>
-                <a:cs typeface="Segoe UI" panose="020B0502040204020203" pitchFamily="34" charset="0"/>
-              </a:rPr>
-              <a:t> Infrastructure</a:t>
-            </a:r>
-            <a:r>
-              <a:rPr lang="en-US" sz="1600" dirty="0" smtClean="0">
-                <a:solidFill>
-                  <a:schemeClr val="tx1"/>
-                </a:solidFill>
-                <a:latin typeface="Segoe UI" panose="020B0502040204020203" pitchFamily="34" charset="0"/>
-                <a:cs typeface="Segoe UI" panose="020B0502040204020203" pitchFamily="34" charset="0"/>
-              </a:rPr>
-              <a:t> </a:t>
-            </a:r>
-          </a:p>
-          <a:p>
-            <a:pPr algn="ctr"/>
-            <a:r>
-              <a:rPr lang="en-US" sz="1400" dirty="0" smtClean="0">
-                <a:solidFill>
-                  <a:schemeClr val="tx1"/>
-                </a:solidFill>
-                <a:latin typeface="Segoe UI" panose="020B0502040204020203" pitchFamily="34" charset="0"/>
-                <a:cs typeface="Segoe UI" panose="020B0502040204020203" pitchFamily="34" charset="0"/>
-              </a:rPr>
-              <a:t>(Caching, Logger, Security, …)</a:t>
-            </a:r>
-            <a:endParaRPr lang="en-US" sz="1400" dirty="0">
-              <a:solidFill>
-                <a:schemeClr val="tx1"/>
-              </a:solidFill>
-              <a:latin typeface="Segoe UI" panose="020B0502040204020203" pitchFamily="34" charset="0"/>
-              <a:cs typeface="Segoe UI" panose="020B0502040204020203" pitchFamily="34" charset="0"/>
-            </a:endParaRPr>
-          </a:p>
-        </p:txBody>
-      </p:sp>
-      <p:sp>
-        <p:nvSpPr>
-          <p:cNvPr id="45" name="Rounded Rectangle 44"/>
-          <p:cNvSpPr/>
-          <p:nvPr/>
-        </p:nvSpPr>
-        <p:spPr>
-          <a:xfrm>
-            <a:off x="4069060" y="3180816"/>
-            <a:ext cx="4123980" cy="754821"/>
-          </a:xfrm>
-          <a:prstGeom prst="roundRect">
-            <a:avLst/>
-          </a:prstGeom>
-        </p:spPr>
-        <p:style>
-          <a:lnRef idx="1">
-            <a:schemeClr val="accent2"/>
-          </a:lnRef>
-          <a:fillRef idx="2">
-            <a:schemeClr val="accent2"/>
-          </a:fillRef>
-          <a:effectRef idx="1">
-            <a:schemeClr val="accent2"/>
-          </a:effectRef>
-          <a:fontRef idx="minor">
-            <a:schemeClr val="dk1"/>
-          </a:fontRef>
-        </p:style>
-        <p:txBody>
-          <a:bodyPr rtlCol="0" anchor="ctr"/>
-          <a:lstStyle/>
-          <a:p>
-            <a:pPr algn="ctr"/>
-            <a:r>
-              <a:rPr lang="en-US" sz="1600" dirty="0" smtClean="0">
-                <a:solidFill>
-                  <a:schemeClr val="tx1"/>
-                </a:solidFill>
-                <a:latin typeface="Segoe UI" panose="020B0502040204020203" pitchFamily="34" charset="0"/>
-                <a:cs typeface="Segoe UI" panose="020B0502040204020203" pitchFamily="34" charset="0"/>
-              </a:rPr>
-              <a:t>Business Logic</a:t>
-            </a:r>
-          </a:p>
-        </p:txBody>
-      </p:sp>
-      <p:cxnSp>
-        <p:nvCxnSpPr>
-          <p:cNvPr id="46" name="Straight Arrow Connector 45"/>
-          <p:cNvCxnSpPr/>
-          <p:nvPr/>
-        </p:nvCxnSpPr>
-        <p:spPr>
-          <a:xfrm flipV="1">
-            <a:off x="5086223" y="4244557"/>
-            <a:ext cx="0" cy="184780"/>
-          </a:xfrm>
-          <a:prstGeom prst="straightConnector1">
-            <a:avLst/>
-          </a:prstGeom>
-          <a:ln w="44450">
-            <a:solidFill>
-              <a:srgbClr val="00B0F0"/>
-            </a:solidFill>
-            <a:headEnd type="none"/>
-            <a:tailEnd type="oval"/>
-          </a:ln>
-        </p:spPr>
-        <p:style>
-          <a:lnRef idx="3">
-            <a:schemeClr val="dk1"/>
-          </a:lnRef>
-          <a:fillRef idx="0">
-            <a:schemeClr val="dk1"/>
-          </a:fillRef>
-          <a:effectRef idx="2">
-            <a:schemeClr val="dk1"/>
-          </a:effectRef>
-          <a:fontRef idx="minor">
-            <a:schemeClr val="tx1"/>
-          </a:fontRef>
-        </p:style>
-      </p:cxnSp>
-      <p:grpSp>
-        <p:nvGrpSpPr>
-          <p:cNvPr id="47" name="Group 46"/>
-          <p:cNvGrpSpPr/>
-          <p:nvPr/>
-        </p:nvGrpSpPr>
-        <p:grpSpPr>
-          <a:xfrm>
-            <a:off x="5973605" y="2689931"/>
-            <a:ext cx="199348" cy="342404"/>
-            <a:chOff x="3205611" y="2674208"/>
-            <a:chExt cx="199348" cy="326236"/>
-          </a:xfrm>
-        </p:grpSpPr>
-        <p:cxnSp>
-          <p:nvCxnSpPr>
-            <p:cNvPr id="48" name="Straight Arrow Connector 47"/>
-            <p:cNvCxnSpPr/>
-            <p:nvPr/>
-          </p:nvCxnSpPr>
-          <p:spPr>
-            <a:xfrm>
-              <a:off x="3305285" y="2674208"/>
-              <a:ext cx="0" cy="150675"/>
-            </a:xfrm>
-            <a:prstGeom prst="straightConnector1">
-              <a:avLst/>
-            </a:prstGeom>
-            <a:ln w="44450">
-              <a:solidFill>
-                <a:srgbClr val="00B0F0"/>
-              </a:solidFill>
-              <a:tailEnd type="none"/>
-            </a:ln>
-          </p:spPr>
-          <p:style>
-            <a:lnRef idx="3">
-              <a:schemeClr val="dk1"/>
-            </a:lnRef>
-            <a:fillRef idx="0">
-              <a:schemeClr val="dk1"/>
-            </a:fillRef>
-            <a:effectRef idx="2">
-              <a:schemeClr val="dk1"/>
-            </a:effectRef>
-            <a:fontRef idx="minor">
-              <a:schemeClr val="tx1"/>
-            </a:fontRef>
-          </p:style>
-        </p:cxnSp>
-        <p:sp>
-          <p:nvSpPr>
-            <p:cNvPr id="49" name="Block Arc 48"/>
-            <p:cNvSpPr/>
-            <p:nvPr/>
-          </p:nvSpPr>
-          <p:spPr>
-            <a:xfrm>
-              <a:off x="3205611" y="2817086"/>
-              <a:ext cx="199348" cy="183358"/>
-            </a:xfrm>
-            <a:prstGeom prst="blockArc">
-              <a:avLst>
-                <a:gd name="adj1" fmla="val 10800000"/>
-                <a:gd name="adj2" fmla="val 29560"/>
-                <a:gd name="adj3" fmla="val 22329"/>
-              </a:avLst>
-            </a:prstGeom>
-            <a:solidFill>
-              <a:srgbClr val="00B0F0"/>
-            </a:solidFill>
-            <a:ln w="0">
-              <a:noFill/>
-            </a:ln>
-          </p:spPr>
-          <p:style>
-            <a:lnRef idx="2">
-              <a:schemeClr val="accent1">
-                <a:shade val="50000"/>
-              </a:schemeClr>
-            </a:lnRef>
-            <a:fillRef idx="1">
-              <a:schemeClr val="accent1"/>
-            </a:fillRef>
-            <a:effectRef idx="0">
-              <a:schemeClr val="accent1"/>
-            </a:effectRef>
-            <a:fontRef idx="minor">
-              <a:schemeClr val="lt1"/>
-            </a:fontRef>
-          </p:style>
-          <p:txBody>
-            <a:bodyPr rtlCol="0" anchor="ctr"/>
-            <a:lstStyle/>
-            <a:p>
-              <a:pPr algn="ctr"/>
-              <a:endParaRPr lang="en-US" sz="1600">
-                <a:solidFill>
-                  <a:schemeClr val="tx1"/>
-                </a:solidFill>
-                <a:latin typeface="Segoe UI" panose="020B0502040204020203" pitchFamily="34" charset="0"/>
-                <a:cs typeface="Segoe UI" panose="020B0502040204020203" pitchFamily="34" charset="0"/>
-              </a:endParaRPr>
-            </a:p>
-          </p:txBody>
-        </p:sp>
-      </p:grpSp>
-      <p:cxnSp>
-        <p:nvCxnSpPr>
-          <p:cNvPr id="50" name="Straight Arrow Connector 49"/>
-          <p:cNvCxnSpPr/>
-          <p:nvPr/>
-        </p:nvCxnSpPr>
-        <p:spPr>
-          <a:xfrm flipV="1">
-            <a:off x="6073279" y="2996036"/>
-            <a:ext cx="0" cy="184780"/>
-          </a:xfrm>
-          <a:prstGeom prst="straightConnector1">
-            <a:avLst/>
-          </a:prstGeom>
-          <a:ln w="44450">
-            <a:solidFill>
-              <a:srgbClr val="00B0F0"/>
-            </a:solidFill>
-            <a:headEnd type="none"/>
-            <a:tailEnd type="oval"/>
-          </a:ln>
-        </p:spPr>
-        <p:style>
-          <a:lnRef idx="3">
-            <a:schemeClr val="dk1"/>
-          </a:lnRef>
-          <a:fillRef idx="0">
-            <a:schemeClr val="dk1"/>
-          </a:fillRef>
-          <a:effectRef idx="2">
-            <a:schemeClr val="dk1"/>
-          </a:effectRef>
-          <a:fontRef idx="minor">
-            <a:schemeClr val="tx1"/>
-          </a:fontRef>
-        </p:style>
-      </p:cxnSp>
-      <p:grpSp>
-        <p:nvGrpSpPr>
-          <p:cNvPr id="51" name="Group 50"/>
-          <p:cNvGrpSpPr/>
-          <p:nvPr/>
-        </p:nvGrpSpPr>
-        <p:grpSpPr>
-          <a:xfrm>
-            <a:off x="4983583" y="3935635"/>
-            <a:ext cx="199348" cy="348831"/>
-            <a:chOff x="3205611" y="2668086"/>
-            <a:chExt cx="199348" cy="332358"/>
-          </a:xfrm>
-        </p:grpSpPr>
-        <p:cxnSp>
-          <p:nvCxnSpPr>
-            <p:cNvPr id="52" name="Straight Arrow Connector 51"/>
-            <p:cNvCxnSpPr/>
-            <p:nvPr/>
-          </p:nvCxnSpPr>
-          <p:spPr>
-            <a:xfrm>
-              <a:off x="3305285" y="2668086"/>
-              <a:ext cx="0" cy="156793"/>
-            </a:xfrm>
-            <a:prstGeom prst="straightConnector1">
-              <a:avLst/>
-            </a:prstGeom>
-            <a:ln w="44450">
-              <a:solidFill>
-                <a:srgbClr val="00B0F0"/>
-              </a:solidFill>
-              <a:tailEnd type="none"/>
-            </a:ln>
-          </p:spPr>
-          <p:style>
-            <a:lnRef idx="3">
-              <a:schemeClr val="dk1"/>
-            </a:lnRef>
-            <a:fillRef idx="0">
-              <a:schemeClr val="dk1"/>
-            </a:fillRef>
-            <a:effectRef idx="2">
-              <a:schemeClr val="dk1"/>
-            </a:effectRef>
-            <a:fontRef idx="minor">
-              <a:schemeClr val="tx1"/>
-            </a:fontRef>
-          </p:style>
-        </p:cxnSp>
-        <p:sp>
-          <p:nvSpPr>
-            <p:cNvPr id="53" name="Block Arc 52"/>
-            <p:cNvSpPr/>
-            <p:nvPr/>
-          </p:nvSpPr>
-          <p:spPr>
-            <a:xfrm>
-              <a:off x="3205611" y="2817086"/>
-              <a:ext cx="199348" cy="183358"/>
-            </a:xfrm>
-            <a:prstGeom prst="blockArc">
-              <a:avLst>
-                <a:gd name="adj1" fmla="val 10800000"/>
-                <a:gd name="adj2" fmla="val 29560"/>
-                <a:gd name="adj3" fmla="val 22329"/>
-              </a:avLst>
-            </a:prstGeom>
-            <a:solidFill>
-              <a:srgbClr val="00B0F0"/>
-            </a:solidFill>
-            <a:ln w="0">
-              <a:noFill/>
-            </a:ln>
-          </p:spPr>
-          <p:style>
-            <a:lnRef idx="2">
-              <a:schemeClr val="accent1">
-                <a:shade val="50000"/>
-              </a:schemeClr>
-            </a:lnRef>
-            <a:fillRef idx="1">
-              <a:schemeClr val="accent1"/>
-            </a:fillRef>
-            <a:effectRef idx="0">
-              <a:schemeClr val="accent1"/>
-            </a:effectRef>
-            <a:fontRef idx="minor">
-              <a:schemeClr val="lt1"/>
-            </a:fontRef>
-          </p:style>
-          <p:txBody>
-            <a:bodyPr rtlCol="0" anchor="ctr"/>
-            <a:lstStyle/>
-            <a:p>
-              <a:pPr algn="ctr"/>
-              <a:endParaRPr lang="en-US" sz="1600">
-                <a:solidFill>
-                  <a:schemeClr val="tx1"/>
-                </a:solidFill>
-                <a:latin typeface="Segoe UI" panose="020B0502040204020203" pitchFamily="34" charset="0"/>
-                <a:cs typeface="Segoe UI" panose="020B0502040204020203" pitchFamily="34" charset="0"/>
-              </a:endParaRPr>
-            </a:p>
-          </p:txBody>
-        </p:sp>
-      </p:grpSp>
-      <p:cxnSp>
-        <p:nvCxnSpPr>
-          <p:cNvPr id="54" name="Straight Arrow Connector 53"/>
-          <p:cNvCxnSpPr/>
-          <p:nvPr/>
-        </p:nvCxnSpPr>
-        <p:spPr>
-          <a:xfrm flipV="1">
-            <a:off x="7269951" y="4241150"/>
-            <a:ext cx="0" cy="184780"/>
-          </a:xfrm>
-          <a:prstGeom prst="straightConnector1">
-            <a:avLst/>
-          </a:prstGeom>
-          <a:ln w="44450">
-            <a:solidFill>
-              <a:srgbClr val="00B0F0"/>
-            </a:solidFill>
-            <a:headEnd type="none"/>
-            <a:tailEnd type="oval"/>
-          </a:ln>
-        </p:spPr>
-        <p:style>
-          <a:lnRef idx="3">
-            <a:schemeClr val="dk1"/>
-          </a:lnRef>
-          <a:fillRef idx="0">
-            <a:schemeClr val="dk1"/>
-          </a:fillRef>
-          <a:effectRef idx="2">
-            <a:schemeClr val="dk1"/>
-          </a:effectRef>
-          <a:fontRef idx="minor">
-            <a:schemeClr val="tx1"/>
-          </a:fontRef>
-        </p:style>
-      </p:cxnSp>
-      <p:grpSp>
-        <p:nvGrpSpPr>
-          <p:cNvPr id="55" name="Group 54"/>
-          <p:cNvGrpSpPr/>
-          <p:nvPr/>
-        </p:nvGrpSpPr>
-        <p:grpSpPr>
-          <a:xfrm>
-            <a:off x="7167311" y="3935631"/>
-            <a:ext cx="199348" cy="345426"/>
-            <a:chOff x="3205611" y="2671330"/>
-            <a:chExt cx="199348" cy="329114"/>
-          </a:xfrm>
-        </p:grpSpPr>
-        <p:cxnSp>
-          <p:nvCxnSpPr>
-            <p:cNvPr id="56" name="Straight Arrow Connector 55"/>
-            <p:cNvCxnSpPr/>
-            <p:nvPr/>
-          </p:nvCxnSpPr>
-          <p:spPr>
-            <a:xfrm>
-              <a:off x="3305285" y="2671330"/>
-              <a:ext cx="0" cy="153548"/>
-            </a:xfrm>
-            <a:prstGeom prst="straightConnector1">
-              <a:avLst/>
-            </a:prstGeom>
-            <a:ln w="44450">
-              <a:solidFill>
-                <a:srgbClr val="00B0F0"/>
-              </a:solidFill>
-              <a:tailEnd type="none"/>
-            </a:ln>
-          </p:spPr>
-          <p:style>
-            <a:lnRef idx="3">
-              <a:schemeClr val="dk1"/>
-            </a:lnRef>
-            <a:fillRef idx="0">
-              <a:schemeClr val="dk1"/>
-            </a:fillRef>
-            <a:effectRef idx="2">
-              <a:schemeClr val="dk1"/>
-            </a:effectRef>
-            <a:fontRef idx="minor">
-              <a:schemeClr val="tx1"/>
-            </a:fontRef>
-          </p:style>
-        </p:cxnSp>
-        <p:sp>
-          <p:nvSpPr>
-            <p:cNvPr id="57" name="Block Arc 56"/>
-            <p:cNvSpPr/>
-            <p:nvPr/>
-          </p:nvSpPr>
-          <p:spPr>
-            <a:xfrm>
-              <a:off x="3205611" y="2817086"/>
-              <a:ext cx="199348" cy="183358"/>
-            </a:xfrm>
-            <a:prstGeom prst="blockArc">
-              <a:avLst>
-                <a:gd name="adj1" fmla="val 10800000"/>
-                <a:gd name="adj2" fmla="val 29560"/>
-                <a:gd name="adj3" fmla="val 22329"/>
-              </a:avLst>
-            </a:prstGeom>
-            <a:solidFill>
-              <a:srgbClr val="00B0F0"/>
-            </a:solidFill>
-            <a:ln w="0">
-              <a:noFill/>
-            </a:ln>
-          </p:spPr>
-          <p:style>
-            <a:lnRef idx="2">
-              <a:schemeClr val="accent1">
-                <a:shade val="50000"/>
-              </a:schemeClr>
-            </a:lnRef>
-            <a:fillRef idx="1">
-              <a:schemeClr val="accent1"/>
-            </a:fillRef>
-            <a:effectRef idx="0">
-              <a:schemeClr val="accent1"/>
-            </a:effectRef>
-            <a:fontRef idx="minor">
-              <a:schemeClr val="lt1"/>
-            </a:fontRef>
-          </p:style>
-          <p:txBody>
-            <a:bodyPr rtlCol="0" anchor="ctr"/>
-            <a:lstStyle/>
-            <a:p>
-              <a:pPr algn="ctr"/>
-              <a:endParaRPr lang="en-US" sz="1600">
-                <a:solidFill>
-                  <a:schemeClr val="tx1"/>
-                </a:solidFill>
-                <a:latin typeface="Segoe UI" panose="020B0502040204020203" pitchFamily="34" charset="0"/>
-                <a:cs typeface="Segoe UI" panose="020B0502040204020203" pitchFamily="34" charset="0"/>
-              </a:endParaRPr>
-            </a:p>
-          </p:txBody>
-        </p:sp>
-      </p:grpSp>
-      <p:cxnSp>
-        <p:nvCxnSpPr>
-          <p:cNvPr id="58" name="Straight Arrow Connector 57"/>
-          <p:cNvCxnSpPr>
-            <a:stCxn id="40" idx="1"/>
-          </p:cNvCxnSpPr>
-          <p:nvPr/>
-        </p:nvCxnSpPr>
-        <p:spPr>
-          <a:xfrm flipH="1">
-            <a:off x="3679022" y="2194274"/>
-            <a:ext cx="390038" cy="1278"/>
-          </a:xfrm>
-          <a:prstGeom prst="straightConnector1">
-            <a:avLst/>
-          </a:prstGeom>
-          <a:ln w="38100">
-            <a:prstDash val="sysDot"/>
-            <a:tailEnd type="triangle"/>
-          </a:ln>
-        </p:spPr>
-        <p:style>
-          <a:lnRef idx="3">
-            <a:schemeClr val="accent1"/>
-          </a:lnRef>
-          <a:fillRef idx="0">
-            <a:schemeClr val="accent1"/>
-          </a:fillRef>
-          <a:effectRef idx="2">
-            <a:schemeClr val="accent1"/>
-          </a:effectRef>
-          <a:fontRef idx="minor">
-            <a:schemeClr val="tx1"/>
-          </a:fontRef>
-        </p:style>
-      </p:cxnSp>
-      <p:cxnSp>
-        <p:nvCxnSpPr>
-          <p:cNvPr id="59" name="Straight Arrow Connector 58"/>
-          <p:cNvCxnSpPr>
-            <a:stCxn id="45" idx="1"/>
-          </p:cNvCxnSpPr>
-          <p:nvPr/>
-        </p:nvCxnSpPr>
-        <p:spPr>
-          <a:xfrm flipH="1" flipV="1">
-            <a:off x="3698183" y="3557409"/>
-            <a:ext cx="370877" cy="818"/>
-          </a:xfrm>
-          <a:prstGeom prst="straightConnector1">
-            <a:avLst/>
-          </a:prstGeom>
-          <a:ln w="38100">
-            <a:prstDash val="sysDot"/>
-            <a:tailEnd type="triangle"/>
-          </a:ln>
-        </p:spPr>
-        <p:style>
-          <a:lnRef idx="3">
-            <a:schemeClr val="accent1"/>
-          </a:lnRef>
-          <a:fillRef idx="0">
-            <a:schemeClr val="accent1"/>
-          </a:fillRef>
-          <a:effectRef idx="2">
-            <a:schemeClr val="accent1"/>
-          </a:effectRef>
-          <a:fontRef idx="minor">
-            <a:schemeClr val="tx1"/>
-          </a:fontRef>
-        </p:style>
-      </p:cxnSp>
-      <p:cxnSp>
-        <p:nvCxnSpPr>
-          <p:cNvPr id="60" name="Straight Arrow Connector 59"/>
-          <p:cNvCxnSpPr>
-            <a:stCxn id="61" idx="1"/>
-          </p:cNvCxnSpPr>
-          <p:nvPr/>
-        </p:nvCxnSpPr>
-        <p:spPr>
-          <a:xfrm flipH="1">
-            <a:off x="3670048" y="4743229"/>
-            <a:ext cx="323557" cy="1728"/>
-          </a:xfrm>
-          <a:prstGeom prst="straightConnector1">
-            <a:avLst/>
-          </a:prstGeom>
-          <a:ln w="38100">
-            <a:prstDash val="sysDot"/>
-            <a:tailEnd type="triangle"/>
-          </a:ln>
-        </p:spPr>
-        <p:style>
-          <a:lnRef idx="3">
-            <a:schemeClr val="accent1"/>
-          </a:lnRef>
-          <a:fillRef idx="0">
-            <a:schemeClr val="accent1"/>
-          </a:fillRef>
-          <a:effectRef idx="2">
-            <a:schemeClr val="accent1"/>
-          </a:effectRef>
-          <a:fontRef idx="minor">
-            <a:schemeClr val="tx1"/>
-          </a:fontRef>
-        </p:style>
-      </p:cxnSp>
-      <p:sp>
-        <p:nvSpPr>
-          <p:cNvPr id="61" name="Rounded Rectangle 60"/>
-          <p:cNvSpPr/>
-          <p:nvPr/>
-        </p:nvSpPr>
-        <p:spPr>
-          <a:xfrm>
-            <a:off x="3993605" y="4361676"/>
-            <a:ext cx="4276578" cy="763106"/>
-          </a:xfrm>
-          <a:prstGeom prst="roundRect">
-            <a:avLst/>
-          </a:prstGeom>
-          <a:noFill/>
-          <a:ln>
-            <a:prstDash val="dash"/>
-          </a:ln>
-        </p:spPr>
-        <p:style>
-          <a:lnRef idx="2">
-            <a:schemeClr val="accent6"/>
-          </a:lnRef>
-          <a:fillRef idx="1">
-            <a:schemeClr val="lt1"/>
-          </a:fillRef>
-          <a:effectRef idx="0">
-            <a:schemeClr val="accent6"/>
-          </a:effectRef>
-          <a:fontRef idx="minor">
-            <a:schemeClr val="dk1"/>
-          </a:fontRef>
-        </p:style>
-        <p:txBody>
-          <a:bodyPr rtlCol="0" anchor="ctr"/>
-          <a:lstStyle/>
-          <a:p>
-            <a:pPr algn="ctr"/>
-            <a:endParaRPr lang="en-US">
-              <a:latin typeface="Segoe UI" panose="020B0502040204020203" pitchFamily="34" charset="0"/>
-              <a:cs typeface="Segoe UI" panose="020B0502040204020203" pitchFamily="34" charset="0"/>
-            </a:endParaRPr>
-          </a:p>
-        </p:txBody>
-      </p:sp>
-      <p:sp>
-        <p:nvSpPr>
-          <p:cNvPr id="62" name="Rounded Rectangle 61"/>
-          <p:cNvSpPr/>
-          <p:nvPr/>
-        </p:nvSpPr>
-        <p:spPr>
-          <a:xfrm>
-            <a:off x="2773819" y="1549166"/>
-            <a:ext cx="5575300" cy="3652823"/>
-          </a:xfrm>
-          <a:prstGeom prst="roundRect">
-            <a:avLst>
-              <a:gd name="adj" fmla="val 3659"/>
-            </a:avLst>
-          </a:prstGeom>
-          <a:noFill/>
-          <a:ln>
-            <a:prstDash val="dash"/>
-          </a:ln>
-        </p:spPr>
-        <p:style>
-          <a:lnRef idx="2">
-            <a:schemeClr val="accent6"/>
-          </a:lnRef>
-          <a:fillRef idx="1">
-            <a:schemeClr val="lt1"/>
-          </a:fillRef>
-          <a:effectRef idx="0">
-            <a:schemeClr val="accent6"/>
-          </a:effectRef>
-          <a:fontRef idx="minor">
-            <a:schemeClr val="dk1"/>
-          </a:fontRef>
-        </p:style>
-        <p:txBody>
-          <a:bodyPr rtlCol="0" anchor="ctr"/>
-          <a:lstStyle/>
-          <a:p>
-            <a:pPr algn="ctr"/>
-            <a:endParaRPr lang="en-US">
-              <a:latin typeface="Segoe UI" panose="020B0502040204020203" pitchFamily="34" charset="0"/>
-              <a:cs typeface="Segoe UI" panose="020B0502040204020203" pitchFamily="34" charset="0"/>
-            </a:endParaRPr>
-          </a:p>
-        </p:txBody>
-      </p:sp>
-      <p:sp>
-        <p:nvSpPr>
-          <p:cNvPr id="63" name="Rounded Rectangle 62"/>
-          <p:cNvSpPr/>
-          <p:nvPr/>
-        </p:nvSpPr>
-        <p:spPr>
-          <a:xfrm>
-            <a:off x="4189605" y="1987061"/>
-            <a:ext cx="1784000" cy="643683"/>
-          </a:xfrm>
-          <a:prstGeom prst="roundRect">
-            <a:avLst/>
-          </a:prstGeom>
-        </p:spPr>
-        <p:style>
-          <a:lnRef idx="1">
-            <a:schemeClr val="accent1"/>
-          </a:lnRef>
-          <a:fillRef idx="2">
-            <a:schemeClr val="accent1"/>
-          </a:fillRef>
-          <a:effectRef idx="1">
-            <a:schemeClr val="accent1"/>
-          </a:effectRef>
-          <a:fontRef idx="minor">
-            <a:schemeClr val="dk1"/>
-          </a:fontRef>
-        </p:style>
-        <p:txBody>
-          <a:bodyPr rtlCol="0" anchor="ctr"/>
-          <a:lstStyle/>
-          <a:p>
-            <a:pPr algn="ctr"/>
-            <a:r>
-              <a:rPr lang="en-US" sz="1400" dirty="0" smtClean="0">
-                <a:latin typeface="Segoe UI" panose="020B0502040204020203" pitchFamily="34" charset="0"/>
-                <a:cs typeface="Segoe UI" panose="020B0502040204020203" pitchFamily="34" charset="0"/>
-              </a:rPr>
-              <a:t>UI (HTML, Window Form, …)</a:t>
-            </a:r>
-            <a:endParaRPr lang="en-US" sz="1400" dirty="0">
-              <a:latin typeface="Segoe UI" panose="020B0502040204020203" pitchFamily="34" charset="0"/>
-              <a:cs typeface="Segoe UI" panose="020B0502040204020203" pitchFamily="34" charset="0"/>
-            </a:endParaRPr>
-          </a:p>
-        </p:txBody>
-      </p:sp>
-      <p:sp>
-        <p:nvSpPr>
-          <p:cNvPr id="64" name="Rounded Rectangle 63"/>
-          <p:cNvSpPr/>
-          <p:nvPr/>
-        </p:nvSpPr>
-        <p:spPr>
-          <a:xfrm>
-            <a:off x="6172952" y="1986506"/>
-            <a:ext cx="1903739" cy="643683"/>
-          </a:xfrm>
-          <a:prstGeom prst="roundRect">
-            <a:avLst/>
-          </a:prstGeom>
-        </p:spPr>
-        <p:style>
-          <a:lnRef idx="1">
-            <a:schemeClr val="accent1"/>
-          </a:lnRef>
-          <a:fillRef idx="2">
-            <a:schemeClr val="accent1"/>
-          </a:fillRef>
-          <a:effectRef idx="1">
-            <a:schemeClr val="accent1"/>
-          </a:effectRef>
-          <a:fontRef idx="minor">
-            <a:schemeClr val="dk1"/>
-          </a:fontRef>
-        </p:style>
-        <p:txBody>
-          <a:bodyPr rtlCol="0" anchor="ctr"/>
-          <a:lstStyle/>
-          <a:p>
-            <a:pPr algn="ctr"/>
-            <a:r>
-              <a:rPr lang="en-US" sz="1400" dirty="0" smtClean="0">
-                <a:latin typeface="Segoe UI" panose="020B0502040204020203" pitchFamily="34" charset="0"/>
-                <a:cs typeface="Segoe UI" panose="020B0502040204020203" pitchFamily="34" charset="0"/>
-              </a:rPr>
-              <a:t>API (</a:t>
-            </a:r>
-            <a:r>
-              <a:rPr lang="en-US" sz="1400" dirty="0" err="1" smtClean="0">
-                <a:latin typeface="Segoe UI" panose="020B0502040204020203" pitchFamily="34" charset="0"/>
-                <a:cs typeface="Segoe UI" panose="020B0502040204020203" pitchFamily="34" charset="0"/>
-              </a:rPr>
-              <a:t>RESTful</a:t>
-            </a:r>
-            <a:r>
-              <a:rPr lang="en-US" sz="1400" dirty="0" smtClean="0">
-                <a:latin typeface="Segoe UI" panose="020B0502040204020203" pitchFamily="34" charset="0"/>
-                <a:cs typeface="Segoe UI" panose="020B0502040204020203" pitchFamily="34" charset="0"/>
-              </a:rPr>
-              <a:t> API, WCF, …)</a:t>
-            </a:r>
-            <a:endParaRPr lang="en-US" sz="1400" dirty="0">
-              <a:latin typeface="Segoe UI" panose="020B0502040204020203" pitchFamily="34" charset="0"/>
-              <a:cs typeface="Segoe UI" panose="020B0502040204020203" pitchFamily="34" charset="0"/>
-            </a:endParaRPr>
-          </a:p>
-        </p:txBody>
-      </p:sp>
-      <p:sp>
-        <p:nvSpPr>
-          <p:cNvPr id="65" name="TextBox 64"/>
-          <p:cNvSpPr txBox="1"/>
-          <p:nvPr/>
-        </p:nvSpPr>
-        <p:spPr>
-          <a:xfrm>
-            <a:off x="5390070" y="1649006"/>
-            <a:ext cx="1481959" cy="338554"/>
-          </a:xfrm>
-          <a:prstGeom prst="rect">
-            <a:avLst/>
-          </a:prstGeom>
-          <a:noFill/>
-        </p:spPr>
-        <p:txBody>
-          <a:bodyPr wrap="square" rtlCol="0">
-            <a:spAutoFit/>
-          </a:bodyPr>
-          <a:lstStyle/>
-          <a:p>
-            <a:pPr algn="ctr"/>
-            <a:r>
-              <a:rPr lang="en-US" sz="1600" dirty="0" smtClean="0">
-                <a:latin typeface="Segoe UI" panose="020B0502040204020203" pitchFamily="34" charset="0"/>
-                <a:cs typeface="Segoe UI" panose="020B0502040204020203" pitchFamily="34" charset="0"/>
-              </a:rPr>
-              <a:t>Presentation</a:t>
-            </a:r>
-            <a:endParaRPr lang="en-US" sz="1600" dirty="0">
-              <a:latin typeface="Segoe UI" panose="020B0502040204020203" pitchFamily="34" charset="0"/>
-              <a:cs typeface="Segoe UI" panose="020B0502040204020203" pitchFamily="34" charset="0"/>
-            </a:endParaRPr>
-          </a:p>
-        </p:txBody>
-      </p:sp>
     </p:spTree>
     <p:extLst>
       <p:ext uri="{BB962C8B-B14F-4D97-AF65-F5344CB8AC3E}">
-        <p14:creationId xmlns:p14="http://schemas.microsoft.com/office/powerpoint/2010/main" val="3510681827"/>
+        <p14:creationId xmlns:p14="http://schemas.microsoft.com/office/powerpoint/2010/main" val="201835201"/>
       </p:ext>
     </p:extLst>
   </p:cSld>
@@ -25391,7 +27163,36 @@
       </p:grpSpPr>
       <p:sp>
         <p:nvSpPr>
-          <p:cNvPr id="2" name="Slide Number Placeholder 1"/>
+          <p:cNvPr id="2" name="Title 1"/>
+          <p:cNvSpPr>
+            <a:spLocks noGrp="1"/>
+          </p:cNvSpPr>
+          <p:nvPr>
+            <p:ph type="title"/>
+          </p:nvPr>
+        </p:nvSpPr>
+        <p:spPr/>
+        <p:txBody>
+          <a:bodyPr/>
+          <a:lstStyle/>
+          <a:p>
+            <a:r>
+              <a:rPr lang="en-US" dirty="0" smtClean="0">
+                <a:latin typeface="Segoe UI Light" panose="020B0502040204020203" pitchFamily="34" charset="0"/>
+                <a:cs typeface="Segoe UI Light" panose="020B0502040204020203" pitchFamily="34" charset="0"/>
+              </a:rPr>
+              <a:t>The conceptual structure of an application to software testing</a:t>
+            </a:r>
+            <a:endParaRPr lang="en-US" dirty="0">
+              <a:latin typeface="Segoe UI Light" panose="020B0502040204020203" pitchFamily="34" charset="0"/>
+              <a:cs typeface="Segoe UI Light" panose="020B0502040204020203" pitchFamily="34" charset="0"/>
+            </a:endParaRPr>
+          </a:p>
+        </p:txBody>
+      </p:sp>
+      <p:sp>
+        <p:nvSpPr>
+          <p:cNvPr id="3" name="Slide Number Placeholder 2"/>
           <p:cNvSpPr>
             <a:spLocks noGrp="1"/>
           </p:cNvSpPr>
@@ -25412,1539 +27213,40 @@
           </a:p>
         </p:txBody>
       </p:sp>
-      <p:sp>
-        <p:nvSpPr>
-          <p:cNvPr id="76" name="Right Brace 75"/>
-          <p:cNvSpPr/>
+      <p:pic>
+        <p:nvPicPr>
+          <p:cNvPr id="5" name="Picture 4"/>
+          <p:cNvPicPr>
+            <a:picLocks noChangeAspect="1"/>
+          </p:cNvPicPr>
           <p:nvPr/>
-        </p:nvSpPr>
+        </p:nvPicPr>
+        <p:blipFill>
+          <a:blip r:embed="rId3">
+            <a:extLst>
+              <a:ext uri="{28A0092B-C50C-407E-A947-70E740481C1C}">
+                <a14:useLocalDpi xmlns:a14="http://schemas.microsoft.com/office/drawing/2010/main" val="0"/>
+              </a:ext>
+            </a:extLst>
+          </a:blip>
+          <a:stretch>
+            <a:fillRect/>
+          </a:stretch>
+        </p:blipFill>
         <p:spPr>
           <a:xfrm>
-            <a:off x="8869775" y="2803367"/>
-            <a:ext cx="195397" cy="981183"/>
-          </a:xfrm>
-          <a:prstGeom prst="rightBrace">
-            <a:avLst/>
-          </a:prstGeom>
-          <a:ln w="25400" cap="flat">
-            <a:prstDash val="solid"/>
-          </a:ln>
-        </p:spPr>
-        <p:style>
-          <a:lnRef idx="1">
-            <a:schemeClr val="accent1"/>
-          </a:lnRef>
-          <a:fillRef idx="0">
-            <a:schemeClr val="accent1"/>
-          </a:fillRef>
-          <a:effectRef idx="0">
-            <a:schemeClr val="accent1"/>
-          </a:effectRef>
-          <a:fontRef idx="minor">
-            <a:schemeClr val="tx1"/>
-          </a:fontRef>
-        </p:style>
-        <p:txBody>
-          <a:bodyPr rtlCol="0" anchor="ctr"/>
-          <a:lstStyle/>
-          <a:p>
-            <a:pPr algn="ctr"/>
-            <a:endParaRPr lang="en-US"/>
-          </a:p>
-        </p:txBody>
-      </p:sp>
-      <p:sp>
-        <p:nvSpPr>
-          <p:cNvPr id="78" name="Right Brace 77"/>
-          <p:cNvSpPr/>
-          <p:nvPr/>
-        </p:nvSpPr>
-        <p:spPr>
-          <a:xfrm>
-            <a:off x="8865791" y="4396823"/>
-            <a:ext cx="199382" cy="693169"/>
-          </a:xfrm>
-          <a:prstGeom prst="rightBrace">
-            <a:avLst/>
-          </a:prstGeom>
-          <a:ln w="25400" cap="flat">
-            <a:prstDash val="solid"/>
-          </a:ln>
-        </p:spPr>
-        <p:style>
-          <a:lnRef idx="1">
-            <a:schemeClr val="accent1"/>
-          </a:lnRef>
-          <a:fillRef idx="0">
-            <a:schemeClr val="accent1"/>
-          </a:fillRef>
-          <a:effectRef idx="0">
-            <a:schemeClr val="accent1"/>
-          </a:effectRef>
-          <a:fontRef idx="minor">
-            <a:schemeClr val="tx1"/>
-          </a:fontRef>
-        </p:style>
-        <p:txBody>
-          <a:bodyPr rtlCol="0" anchor="ctr"/>
-          <a:lstStyle/>
-          <a:p>
-            <a:pPr algn="ctr"/>
-            <a:endParaRPr lang="en-US"/>
-          </a:p>
-        </p:txBody>
-      </p:sp>
-      <p:sp>
-        <p:nvSpPr>
-          <p:cNvPr id="79" name="Right Brace 78"/>
-          <p:cNvSpPr/>
-          <p:nvPr/>
-        </p:nvSpPr>
-        <p:spPr>
-          <a:xfrm>
-            <a:off x="8865790" y="5578498"/>
-            <a:ext cx="214725" cy="629894"/>
-          </a:xfrm>
-          <a:prstGeom prst="rightBrace">
-            <a:avLst/>
-          </a:prstGeom>
-          <a:ln w="25400" cap="flat">
-            <a:prstDash val="solid"/>
-          </a:ln>
-        </p:spPr>
-        <p:style>
-          <a:lnRef idx="1">
-            <a:schemeClr val="accent1"/>
-          </a:lnRef>
-          <a:fillRef idx="0">
-            <a:schemeClr val="accent1"/>
-          </a:fillRef>
-          <a:effectRef idx="0">
-            <a:schemeClr val="accent1"/>
-          </a:effectRef>
-          <a:fontRef idx="minor">
-            <a:schemeClr val="tx1"/>
-          </a:fontRef>
-        </p:style>
-        <p:txBody>
-          <a:bodyPr rtlCol="0" anchor="ctr"/>
-          <a:lstStyle/>
-          <a:p>
-            <a:pPr algn="ctr"/>
-            <a:endParaRPr lang="en-US"/>
-          </a:p>
-        </p:txBody>
-      </p:sp>
-      <p:sp>
-        <p:nvSpPr>
-          <p:cNvPr id="80" name="Flowchart: Alternate Process 79"/>
-          <p:cNvSpPr/>
-          <p:nvPr/>
-        </p:nvSpPr>
-        <p:spPr>
-          <a:xfrm>
-            <a:off x="9159451" y="3117831"/>
-            <a:ext cx="1750286" cy="373972"/>
-          </a:xfrm>
-          <a:prstGeom prst="flowChartAlternateProcess">
+            <a:off x="1592929" y="1906341"/>
+            <a:ext cx="9019995" cy="4450009"/>
+          </a:xfrm>
+          <a:prstGeom prst="rect">
             <a:avLst/>
           </a:prstGeom>
         </p:spPr>
-        <p:style>
-          <a:lnRef idx="1">
-            <a:schemeClr val="accent1"/>
-          </a:lnRef>
-          <a:fillRef idx="3">
-            <a:schemeClr val="accent1"/>
-          </a:fillRef>
-          <a:effectRef idx="2">
-            <a:schemeClr val="accent1"/>
-          </a:effectRef>
-          <a:fontRef idx="minor">
-            <a:schemeClr val="lt1"/>
-          </a:fontRef>
-        </p:style>
-        <p:txBody>
-          <a:bodyPr rtlCol="0" anchor="ctr"/>
-          <a:lstStyle/>
-          <a:p>
-            <a:pPr algn="ctr"/>
-            <a:r>
-              <a:rPr lang="en-US" dirty="0" smtClean="0">
-                <a:solidFill>
-                  <a:schemeClr val="lt1"/>
-                </a:solidFill>
-              </a:rPr>
-              <a:t>GUI Unit </a:t>
-            </a:r>
-            <a:r>
-              <a:rPr lang="en-US" dirty="0">
-                <a:solidFill>
-                  <a:schemeClr val="lt1"/>
-                </a:solidFill>
-              </a:rPr>
-              <a:t>Tests</a:t>
-            </a:r>
-          </a:p>
-        </p:txBody>
-      </p:sp>
-      <p:sp>
-        <p:nvSpPr>
-          <p:cNvPr id="81" name="Flowchart: Alternate Process 80"/>
-          <p:cNvSpPr/>
-          <p:nvPr/>
-        </p:nvSpPr>
-        <p:spPr>
-          <a:xfrm>
-            <a:off x="9159450" y="4518573"/>
-            <a:ext cx="1750286" cy="374715"/>
-          </a:xfrm>
-          <a:prstGeom prst="flowChartAlternateProcess">
-            <a:avLst/>
-          </a:prstGeom>
-        </p:spPr>
-        <p:style>
-          <a:lnRef idx="1">
-            <a:schemeClr val="accent1"/>
-          </a:lnRef>
-          <a:fillRef idx="3">
-            <a:schemeClr val="accent1"/>
-          </a:fillRef>
-          <a:effectRef idx="2">
-            <a:schemeClr val="accent1"/>
-          </a:effectRef>
-          <a:fontRef idx="minor">
-            <a:schemeClr val="lt1"/>
-          </a:fontRef>
-        </p:style>
-        <p:txBody>
-          <a:bodyPr rtlCol="0" anchor="ctr"/>
-          <a:lstStyle/>
-          <a:p>
-            <a:pPr algn="ctr"/>
-            <a:r>
-              <a:rPr lang="en-US" dirty="0" smtClean="0"/>
-              <a:t>Unit Tests</a:t>
-            </a:r>
-            <a:endParaRPr lang="en-US" dirty="0"/>
-          </a:p>
-        </p:txBody>
-      </p:sp>
-      <p:sp>
-        <p:nvSpPr>
-          <p:cNvPr id="82" name="Flowchart: Alternate Process 81"/>
-          <p:cNvSpPr/>
-          <p:nvPr/>
-        </p:nvSpPr>
-        <p:spPr>
-          <a:xfrm>
-            <a:off x="9159450" y="5704328"/>
-            <a:ext cx="1750287" cy="378233"/>
-          </a:xfrm>
-          <a:prstGeom prst="flowChartAlternateProcess">
-            <a:avLst/>
-          </a:prstGeom>
-        </p:spPr>
-        <p:style>
-          <a:lnRef idx="1">
-            <a:schemeClr val="accent1"/>
-          </a:lnRef>
-          <a:fillRef idx="3">
-            <a:schemeClr val="accent1"/>
-          </a:fillRef>
-          <a:effectRef idx="2">
-            <a:schemeClr val="accent1"/>
-          </a:effectRef>
-          <a:fontRef idx="minor">
-            <a:schemeClr val="lt1"/>
-          </a:fontRef>
-        </p:style>
-        <p:txBody>
-          <a:bodyPr rtlCol="0" anchor="ctr"/>
-          <a:lstStyle/>
-          <a:p>
-            <a:pPr algn="ctr"/>
-            <a:r>
-              <a:rPr lang="en-US" dirty="0">
-                <a:solidFill>
-                  <a:schemeClr val="lt1"/>
-                </a:solidFill>
-              </a:rPr>
-              <a:t>Integration Test</a:t>
-            </a:r>
-          </a:p>
-        </p:txBody>
-      </p:sp>
-      <p:sp>
-        <p:nvSpPr>
-          <p:cNvPr id="83" name="Left Brace 82"/>
-          <p:cNvSpPr/>
-          <p:nvPr/>
-        </p:nvSpPr>
-        <p:spPr>
-          <a:xfrm>
-            <a:off x="2680671" y="2852819"/>
-            <a:ext cx="233520" cy="3426324"/>
-          </a:xfrm>
-          <a:prstGeom prst="leftBrace">
-            <a:avLst/>
-          </a:prstGeom>
-          <a:ln w="25400" cap="flat">
-            <a:prstDash val="solid"/>
-          </a:ln>
-        </p:spPr>
-        <p:style>
-          <a:lnRef idx="1">
-            <a:schemeClr val="accent1"/>
-          </a:lnRef>
-          <a:fillRef idx="0">
-            <a:schemeClr val="accent1"/>
-          </a:fillRef>
-          <a:effectRef idx="0">
-            <a:schemeClr val="accent1"/>
-          </a:effectRef>
-          <a:fontRef idx="minor">
-            <a:schemeClr val="tx1"/>
-          </a:fontRef>
-        </p:style>
-        <p:txBody>
-          <a:bodyPr rtlCol="0" anchor="ctr"/>
-          <a:lstStyle/>
-          <a:p>
-            <a:pPr algn="ctr"/>
-            <a:endParaRPr lang="en-US"/>
-          </a:p>
-        </p:txBody>
-      </p:sp>
-      <p:sp>
-        <p:nvSpPr>
-          <p:cNvPr id="84" name="Flowchart: Alternate Process 83"/>
-          <p:cNvSpPr/>
-          <p:nvPr/>
-        </p:nvSpPr>
-        <p:spPr>
-          <a:xfrm>
-            <a:off x="836108" y="4368352"/>
-            <a:ext cx="1750286" cy="374715"/>
-          </a:xfrm>
-          <a:prstGeom prst="flowChartAlternateProcess">
-            <a:avLst/>
-          </a:prstGeom>
-        </p:spPr>
-        <p:style>
-          <a:lnRef idx="1">
-            <a:schemeClr val="accent1"/>
-          </a:lnRef>
-          <a:fillRef idx="3">
-            <a:schemeClr val="accent1"/>
-          </a:fillRef>
-          <a:effectRef idx="2">
-            <a:schemeClr val="accent1"/>
-          </a:effectRef>
-          <a:fontRef idx="minor">
-            <a:schemeClr val="lt1"/>
-          </a:fontRef>
-        </p:style>
-        <p:txBody>
-          <a:bodyPr rtlCol="0" anchor="ctr"/>
-          <a:lstStyle/>
-          <a:p>
-            <a:pPr algn="ctr"/>
-            <a:r>
-              <a:rPr lang="en-US" dirty="0" smtClean="0"/>
-              <a:t>Unit Tests</a:t>
-            </a:r>
-            <a:endParaRPr lang="en-US" dirty="0"/>
-          </a:p>
-        </p:txBody>
-      </p:sp>
-      <p:sp>
-        <p:nvSpPr>
-          <p:cNvPr id="86" name="Right Brace 85"/>
-          <p:cNvSpPr/>
-          <p:nvPr/>
-        </p:nvSpPr>
-        <p:spPr>
-          <a:xfrm rot="16200000">
-            <a:off x="5516483" y="-670568"/>
-            <a:ext cx="457032" cy="5575299"/>
-          </a:xfrm>
-          <a:prstGeom prst="rightBrace">
-            <a:avLst>
-              <a:gd name="adj1" fmla="val 8333"/>
-              <a:gd name="adj2" fmla="val 49717"/>
-            </a:avLst>
-          </a:prstGeom>
-          <a:ln w="25400" cap="flat">
-            <a:prstDash val="solid"/>
-          </a:ln>
-        </p:spPr>
-        <p:style>
-          <a:lnRef idx="1">
-            <a:schemeClr val="accent1"/>
-          </a:lnRef>
-          <a:fillRef idx="0">
-            <a:schemeClr val="accent1"/>
-          </a:fillRef>
-          <a:effectRef idx="0">
-            <a:schemeClr val="accent1"/>
-          </a:effectRef>
-          <a:fontRef idx="minor">
-            <a:schemeClr val="tx1"/>
-          </a:fontRef>
-        </p:style>
-        <p:txBody>
-          <a:bodyPr rtlCol="0" anchor="ctr"/>
-          <a:lstStyle/>
-          <a:p>
-            <a:pPr algn="ctr"/>
-            <a:endParaRPr lang="en-US"/>
-          </a:p>
-        </p:txBody>
-      </p:sp>
-      <p:sp>
-        <p:nvSpPr>
-          <p:cNvPr id="87" name="Flowchart: Alternate Process 86"/>
-          <p:cNvSpPr/>
-          <p:nvPr/>
-        </p:nvSpPr>
-        <p:spPr>
-          <a:xfrm>
-            <a:off x="4869855" y="1369550"/>
-            <a:ext cx="1750286" cy="374715"/>
-          </a:xfrm>
-          <a:prstGeom prst="flowChartAlternateProcess">
-            <a:avLst/>
-          </a:prstGeom>
-        </p:spPr>
-        <p:style>
-          <a:lnRef idx="1">
-            <a:schemeClr val="accent1"/>
-          </a:lnRef>
-          <a:fillRef idx="3">
-            <a:schemeClr val="accent1"/>
-          </a:fillRef>
-          <a:effectRef idx="2">
-            <a:schemeClr val="accent1"/>
-          </a:effectRef>
-          <a:fontRef idx="minor">
-            <a:schemeClr val="lt1"/>
-          </a:fontRef>
-        </p:style>
-        <p:txBody>
-          <a:bodyPr rtlCol="0" anchor="ctr"/>
-          <a:lstStyle/>
-          <a:p>
-            <a:pPr algn="ctr"/>
-            <a:r>
-              <a:rPr lang="en-US" dirty="0" smtClean="0"/>
-              <a:t>System Tests</a:t>
-            </a:r>
-            <a:endParaRPr lang="en-US" dirty="0"/>
-          </a:p>
-        </p:txBody>
-      </p:sp>
-      <p:sp>
-        <p:nvSpPr>
-          <p:cNvPr id="88" name="TextBox 87"/>
-          <p:cNvSpPr txBox="1"/>
-          <p:nvPr/>
-        </p:nvSpPr>
-        <p:spPr>
-          <a:xfrm>
-            <a:off x="2957349" y="2325103"/>
-            <a:ext cx="1377394" cy="369332"/>
-          </a:xfrm>
-          <a:prstGeom prst="rect">
-            <a:avLst/>
-          </a:prstGeom>
-          <a:noFill/>
-        </p:spPr>
-        <p:txBody>
-          <a:bodyPr wrap="square" rtlCol="0">
-            <a:spAutoFit/>
-          </a:bodyPr>
-          <a:lstStyle/>
-          <a:p>
-            <a:r>
-              <a:rPr lang="en-US" dirty="0" smtClean="0">
-                <a:latin typeface="Segoe UI" panose="020B0502040204020203" pitchFamily="34" charset="0"/>
-                <a:cs typeface="Segoe UI" panose="020B0502040204020203" pitchFamily="34" charset="0"/>
-              </a:rPr>
-              <a:t>Application</a:t>
-            </a:r>
-          </a:p>
-        </p:txBody>
-      </p:sp>
-      <p:sp>
-        <p:nvSpPr>
-          <p:cNvPr id="89" name="Rounded Rectangle 88"/>
-          <p:cNvSpPr/>
-          <p:nvPr/>
-        </p:nvSpPr>
-        <p:spPr>
-          <a:xfrm>
-            <a:off x="4321309" y="2807144"/>
-            <a:ext cx="4123980" cy="991630"/>
-          </a:xfrm>
-          <a:prstGeom prst="roundRect">
-            <a:avLst/>
-          </a:prstGeom>
-        </p:spPr>
-        <p:style>
-          <a:lnRef idx="1">
-            <a:schemeClr val="accent5"/>
-          </a:lnRef>
-          <a:fillRef idx="2">
-            <a:schemeClr val="accent5"/>
-          </a:fillRef>
-          <a:effectRef idx="1">
-            <a:schemeClr val="accent5"/>
-          </a:effectRef>
-          <a:fontRef idx="minor">
-            <a:schemeClr val="dk1"/>
-          </a:fontRef>
-        </p:style>
-        <p:txBody>
-          <a:bodyPr rtlCol="0" anchor="ctr"/>
-          <a:lstStyle/>
-          <a:p>
-            <a:pPr algn="ctr"/>
-            <a:endParaRPr lang="en-US" sz="1600" dirty="0" smtClean="0">
-              <a:solidFill>
-                <a:schemeClr val="tx1"/>
-              </a:solidFill>
-              <a:latin typeface="Segoe UI" panose="020B0502040204020203" pitchFamily="34" charset="0"/>
-              <a:cs typeface="Segoe UI" panose="020B0502040204020203" pitchFamily="34" charset="0"/>
-            </a:endParaRPr>
-          </a:p>
-        </p:txBody>
-      </p:sp>
-      <p:sp>
-        <p:nvSpPr>
-          <p:cNvPr id="90" name="Rounded Rectangle 89"/>
-          <p:cNvSpPr/>
-          <p:nvPr/>
-        </p:nvSpPr>
-        <p:spPr>
-          <a:xfrm>
-            <a:off x="4321309" y="5538022"/>
-            <a:ext cx="2030934" cy="629017"/>
-          </a:xfrm>
-          <a:prstGeom prst="roundRect">
-            <a:avLst/>
-          </a:prstGeom>
-        </p:spPr>
-        <p:style>
-          <a:lnRef idx="1">
-            <a:schemeClr val="accent6"/>
-          </a:lnRef>
-          <a:fillRef idx="2">
-            <a:schemeClr val="accent6"/>
-          </a:fillRef>
-          <a:effectRef idx="1">
-            <a:schemeClr val="accent6"/>
-          </a:effectRef>
-          <a:fontRef idx="minor">
-            <a:schemeClr val="dk1"/>
-          </a:fontRef>
-        </p:style>
-        <p:txBody>
-          <a:bodyPr rtlCol="0" anchor="ctr"/>
-          <a:lstStyle/>
-          <a:p>
-            <a:pPr algn="ctr"/>
-            <a:r>
-              <a:rPr lang="en-US" sz="1600" dirty="0" smtClean="0">
-                <a:solidFill>
-                  <a:schemeClr val="tx1"/>
-                </a:solidFill>
-                <a:latin typeface="Segoe UI" panose="020B0502040204020203" pitchFamily="34" charset="0"/>
-                <a:cs typeface="Segoe UI" panose="020B0502040204020203" pitchFamily="34" charset="0"/>
-              </a:rPr>
-              <a:t>Data Access</a:t>
-            </a:r>
-            <a:endParaRPr lang="en-US" sz="1600" dirty="0">
-              <a:solidFill>
-                <a:schemeClr val="tx1"/>
-              </a:solidFill>
-              <a:latin typeface="Segoe UI" panose="020B0502040204020203" pitchFamily="34" charset="0"/>
-              <a:cs typeface="Segoe UI" panose="020B0502040204020203" pitchFamily="34" charset="0"/>
-            </a:endParaRPr>
-          </a:p>
-        </p:txBody>
-      </p:sp>
-      <p:sp>
-        <p:nvSpPr>
-          <p:cNvPr id="91" name="Rounded Rectangle 90"/>
-          <p:cNvSpPr/>
-          <p:nvPr/>
-        </p:nvSpPr>
-        <p:spPr>
-          <a:xfrm>
-            <a:off x="6479947" y="5538021"/>
-            <a:ext cx="1965342" cy="629017"/>
-          </a:xfrm>
-          <a:prstGeom prst="roundRect">
-            <a:avLst/>
-          </a:prstGeom>
-        </p:spPr>
-        <p:style>
-          <a:lnRef idx="1">
-            <a:schemeClr val="accent6"/>
-          </a:lnRef>
-          <a:fillRef idx="2">
-            <a:schemeClr val="accent6"/>
-          </a:fillRef>
-          <a:effectRef idx="1">
-            <a:schemeClr val="accent6"/>
-          </a:effectRef>
-          <a:fontRef idx="minor">
-            <a:schemeClr val="dk1"/>
-          </a:fontRef>
-        </p:style>
-        <p:txBody>
-          <a:bodyPr rtlCol="0" anchor="ctr"/>
-          <a:lstStyle/>
-          <a:p>
-            <a:pPr algn="ctr"/>
-            <a:r>
-              <a:rPr lang="en-US" sz="1600" dirty="0" smtClean="0">
-                <a:solidFill>
-                  <a:schemeClr val="tx1"/>
-                </a:solidFill>
-                <a:latin typeface="Segoe UI" panose="020B0502040204020203" pitchFamily="34" charset="0"/>
-                <a:cs typeface="Segoe UI" panose="020B0502040204020203" pitchFamily="34" charset="0"/>
-              </a:rPr>
-              <a:t>Service Gateways</a:t>
-            </a:r>
-            <a:endParaRPr lang="en-US" sz="1600" dirty="0">
-              <a:solidFill>
-                <a:schemeClr val="tx1"/>
-              </a:solidFill>
-              <a:latin typeface="Segoe UI" panose="020B0502040204020203" pitchFamily="34" charset="0"/>
-              <a:cs typeface="Segoe UI" panose="020B0502040204020203" pitchFamily="34" charset="0"/>
-            </a:endParaRPr>
-          </a:p>
-        </p:txBody>
-      </p:sp>
-      <p:sp>
-        <p:nvSpPr>
-          <p:cNvPr id="92" name="Rounded Rectangle 91"/>
-          <p:cNvSpPr/>
-          <p:nvPr/>
-        </p:nvSpPr>
-        <p:spPr>
-          <a:xfrm>
-            <a:off x="3122171" y="2807143"/>
-            <a:ext cx="803489" cy="3426324"/>
-          </a:xfrm>
-          <a:prstGeom prst="roundRect">
-            <a:avLst/>
-          </a:prstGeom>
-        </p:spPr>
-        <p:style>
-          <a:lnRef idx="1">
-            <a:schemeClr val="accent4"/>
-          </a:lnRef>
-          <a:fillRef idx="2">
-            <a:schemeClr val="accent4"/>
-          </a:fillRef>
-          <a:effectRef idx="1">
-            <a:schemeClr val="accent4"/>
-          </a:effectRef>
-          <a:fontRef idx="minor">
-            <a:schemeClr val="dk1"/>
-          </a:fontRef>
-        </p:style>
-        <p:txBody>
-          <a:bodyPr vert="vert" rtlCol="0" anchor="ctr"/>
-          <a:lstStyle/>
-          <a:p>
-            <a:pPr algn="ctr"/>
-            <a:r>
-              <a:rPr lang="en-US" sz="1600" dirty="0" smtClean="0">
-                <a:solidFill>
-                  <a:schemeClr val="tx1"/>
-                </a:solidFill>
-                <a:latin typeface="Segoe UI" panose="020B0502040204020203" pitchFamily="34" charset="0"/>
-                <a:cs typeface="Segoe UI" panose="020B0502040204020203" pitchFamily="34" charset="0"/>
-              </a:rPr>
-              <a:t>Cross-cutting</a:t>
-            </a:r>
-            <a:r>
-              <a:rPr lang="vi-VN" sz="1600" dirty="0" smtClean="0">
-                <a:solidFill>
-                  <a:schemeClr val="tx1"/>
-                </a:solidFill>
-                <a:latin typeface="Segoe UI" panose="020B0502040204020203" pitchFamily="34" charset="0"/>
-                <a:cs typeface="Segoe UI" panose="020B0502040204020203" pitchFamily="34" charset="0"/>
-              </a:rPr>
-              <a:t> Infrastructure</a:t>
-            </a:r>
-            <a:r>
-              <a:rPr lang="en-US" sz="1600" dirty="0" smtClean="0">
-                <a:solidFill>
-                  <a:schemeClr val="tx1"/>
-                </a:solidFill>
-                <a:latin typeface="Segoe UI" panose="020B0502040204020203" pitchFamily="34" charset="0"/>
-                <a:cs typeface="Segoe UI" panose="020B0502040204020203" pitchFamily="34" charset="0"/>
-              </a:rPr>
-              <a:t> </a:t>
-            </a:r>
-          </a:p>
-          <a:p>
-            <a:pPr algn="ctr"/>
-            <a:r>
-              <a:rPr lang="en-US" sz="1400" dirty="0" smtClean="0">
-                <a:solidFill>
-                  <a:schemeClr val="tx1"/>
-                </a:solidFill>
-                <a:latin typeface="Segoe UI" panose="020B0502040204020203" pitchFamily="34" charset="0"/>
-                <a:cs typeface="Segoe UI" panose="020B0502040204020203" pitchFamily="34" charset="0"/>
-              </a:rPr>
-              <a:t>(Caching, Logger, Security, …)</a:t>
-            </a:r>
-            <a:endParaRPr lang="en-US" sz="1400" dirty="0">
-              <a:solidFill>
-                <a:schemeClr val="tx1"/>
-              </a:solidFill>
-              <a:latin typeface="Segoe UI" panose="020B0502040204020203" pitchFamily="34" charset="0"/>
-              <a:cs typeface="Segoe UI" panose="020B0502040204020203" pitchFamily="34" charset="0"/>
-            </a:endParaRPr>
-          </a:p>
-        </p:txBody>
-      </p:sp>
-      <p:sp>
-        <p:nvSpPr>
-          <p:cNvPr id="93" name="Rounded Rectangle 92"/>
-          <p:cNvSpPr/>
-          <p:nvPr/>
-        </p:nvSpPr>
-        <p:spPr>
-          <a:xfrm>
-            <a:off x="4321309" y="4289501"/>
-            <a:ext cx="4123980" cy="754821"/>
-          </a:xfrm>
-          <a:prstGeom prst="roundRect">
-            <a:avLst/>
-          </a:prstGeom>
-        </p:spPr>
-        <p:style>
-          <a:lnRef idx="1">
-            <a:schemeClr val="accent2"/>
-          </a:lnRef>
-          <a:fillRef idx="2">
-            <a:schemeClr val="accent2"/>
-          </a:fillRef>
-          <a:effectRef idx="1">
-            <a:schemeClr val="accent2"/>
-          </a:effectRef>
-          <a:fontRef idx="minor">
-            <a:schemeClr val="dk1"/>
-          </a:fontRef>
-        </p:style>
-        <p:txBody>
-          <a:bodyPr rtlCol="0" anchor="ctr"/>
-          <a:lstStyle/>
-          <a:p>
-            <a:pPr algn="ctr"/>
-            <a:r>
-              <a:rPr lang="en-US" sz="1600" dirty="0" smtClean="0">
-                <a:solidFill>
-                  <a:schemeClr val="tx1"/>
-                </a:solidFill>
-                <a:latin typeface="Segoe UI" panose="020B0502040204020203" pitchFamily="34" charset="0"/>
-                <a:cs typeface="Segoe UI" panose="020B0502040204020203" pitchFamily="34" charset="0"/>
-              </a:rPr>
-              <a:t>Business Logic</a:t>
-            </a:r>
-          </a:p>
-        </p:txBody>
-      </p:sp>
-      <p:cxnSp>
-        <p:nvCxnSpPr>
-          <p:cNvPr id="94" name="Straight Arrow Connector 93"/>
-          <p:cNvCxnSpPr/>
-          <p:nvPr/>
-        </p:nvCxnSpPr>
-        <p:spPr>
-          <a:xfrm flipV="1">
-            <a:off x="5338472" y="5353242"/>
-            <a:ext cx="0" cy="184780"/>
-          </a:xfrm>
-          <a:prstGeom prst="straightConnector1">
-            <a:avLst/>
-          </a:prstGeom>
-          <a:ln w="44450">
-            <a:solidFill>
-              <a:srgbClr val="00B0F0"/>
-            </a:solidFill>
-            <a:headEnd type="none"/>
-            <a:tailEnd type="oval"/>
-          </a:ln>
-        </p:spPr>
-        <p:style>
-          <a:lnRef idx="3">
-            <a:schemeClr val="dk1"/>
-          </a:lnRef>
-          <a:fillRef idx="0">
-            <a:schemeClr val="dk1"/>
-          </a:fillRef>
-          <a:effectRef idx="2">
-            <a:schemeClr val="dk1"/>
-          </a:effectRef>
-          <a:fontRef idx="minor">
-            <a:schemeClr val="tx1"/>
-          </a:fontRef>
-        </p:style>
-      </p:cxnSp>
-      <p:grpSp>
-        <p:nvGrpSpPr>
-          <p:cNvPr id="95" name="Group 94"/>
-          <p:cNvGrpSpPr/>
-          <p:nvPr/>
-        </p:nvGrpSpPr>
-        <p:grpSpPr>
-          <a:xfrm>
-            <a:off x="6225854" y="3798616"/>
-            <a:ext cx="199348" cy="342404"/>
-            <a:chOff x="3205611" y="2674208"/>
-            <a:chExt cx="199348" cy="326236"/>
-          </a:xfrm>
-        </p:grpSpPr>
-        <p:cxnSp>
-          <p:nvCxnSpPr>
-            <p:cNvPr id="96" name="Straight Arrow Connector 95"/>
-            <p:cNvCxnSpPr/>
-            <p:nvPr/>
-          </p:nvCxnSpPr>
-          <p:spPr>
-            <a:xfrm>
-              <a:off x="3305285" y="2674208"/>
-              <a:ext cx="0" cy="150675"/>
-            </a:xfrm>
-            <a:prstGeom prst="straightConnector1">
-              <a:avLst/>
-            </a:prstGeom>
-            <a:ln w="44450">
-              <a:solidFill>
-                <a:srgbClr val="00B0F0"/>
-              </a:solidFill>
-              <a:tailEnd type="none"/>
-            </a:ln>
-          </p:spPr>
-          <p:style>
-            <a:lnRef idx="3">
-              <a:schemeClr val="dk1"/>
-            </a:lnRef>
-            <a:fillRef idx="0">
-              <a:schemeClr val="dk1"/>
-            </a:fillRef>
-            <a:effectRef idx="2">
-              <a:schemeClr val="dk1"/>
-            </a:effectRef>
-            <a:fontRef idx="minor">
-              <a:schemeClr val="tx1"/>
-            </a:fontRef>
-          </p:style>
-        </p:cxnSp>
-        <p:sp>
-          <p:nvSpPr>
-            <p:cNvPr id="97" name="Block Arc 96"/>
-            <p:cNvSpPr/>
-            <p:nvPr/>
-          </p:nvSpPr>
-          <p:spPr>
-            <a:xfrm>
-              <a:off x="3205611" y="2817086"/>
-              <a:ext cx="199348" cy="183358"/>
-            </a:xfrm>
-            <a:prstGeom prst="blockArc">
-              <a:avLst>
-                <a:gd name="adj1" fmla="val 10800000"/>
-                <a:gd name="adj2" fmla="val 29560"/>
-                <a:gd name="adj3" fmla="val 22329"/>
-              </a:avLst>
-            </a:prstGeom>
-            <a:solidFill>
-              <a:srgbClr val="00B0F0"/>
-            </a:solidFill>
-            <a:ln w="0">
-              <a:noFill/>
-            </a:ln>
-          </p:spPr>
-          <p:style>
-            <a:lnRef idx="2">
-              <a:schemeClr val="accent1">
-                <a:shade val="50000"/>
-              </a:schemeClr>
-            </a:lnRef>
-            <a:fillRef idx="1">
-              <a:schemeClr val="accent1"/>
-            </a:fillRef>
-            <a:effectRef idx="0">
-              <a:schemeClr val="accent1"/>
-            </a:effectRef>
-            <a:fontRef idx="minor">
-              <a:schemeClr val="lt1"/>
-            </a:fontRef>
-          </p:style>
-          <p:txBody>
-            <a:bodyPr rtlCol="0" anchor="ctr"/>
-            <a:lstStyle/>
-            <a:p>
-              <a:pPr algn="ctr"/>
-              <a:endParaRPr lang="en-US" sz="1600">
-                <a:solidFill>
-                  <a:schemeClr val="tx1"/>
-                </a:solidFill>
-                <a:latin typeface="Segoe UI" panose="020B0502040204020203" pitchFamily="34" charset="0"/>
-                <a:cs typeface="Segoe UI" panose="020B0502040204020203" pitchFamily="34" charset="0"/>
-              </a:endParaRPr>
-            </a:p>
-          </p:txBody>
-        </p:sp>
-      </p:grpSp>
-      <p:cxnSp>
-        <p:nvCxnSpPr>
-          <p:cNvPr id="98" name="Straight Arrow Connector 97"/>
-          <p:cNvCxnSpPr/>
-          <p:nvPr/>
-        </p:nvCxnSpPr>
-        <p:spPr>
-          <a:xfrm flipV="1">
-            <a:off x="6325528" y="4104721"/>
-            <a:ext cx="0" cy="184780"/>
-          </a:xfrm>
-          <a:prstGeom prst="straightConnector1">
-            <a:avLst/>
-          </a:prstGeom>
-          <a:ln w="44450">
-            <a:solidFill>
-              <a:srgbClr val="00B0F0"/>
-            </a:solidFill>
-            <a:headEnd type="none"/>
-            <a:tailEnd type="oval"/>
-          </a:ln>
-        </p:spPr>
-        <p:style>
-          <a:lnRef idx="3">
-            <a:schemeClr val="dk1"/>
-          </a:lnRef>
-          <a:fillRef idx="0">
-            <a:schemeClr val="dk1"/>
-          </a:fillRef>
-          <a:effectRef idx="2">
-            <a:schemeClr val="dk1"/>
-          </a:effectRef>
-          <a:fontRef idx="minor">
-            <a:schemeClr val="tx1"/>
-          </a:fontRef>
-        </p:style>
-      </p:cxnSp>
-      <p:grpSp>
-        <p:nvGrpSpPr>
-          <p:cNvPr id="99" name="Group 98"/>
-          <p:cNvGrpSpPr/>
-          <p:nvPr/>
-        </p:nvGrpSpPr>
-        <p:grpSpPr>
-          <a:xfrm>
-            <a:off x="5235832" y="5044320"/>
-            <a:ext cx="199348" cy="348831"/>
-            <a:chOff x="3205611" y="2668086"/>
-            <a:chExt cx="199348" cy="332358"/>
-          </a:xfrm>
-        </p:grpSpPr>
-        <p:cxnSp>
-          <p:nvCxnSpPr>
-            <p:cNvPr id="100" name="Straight Arrow Connector 99"/>
-            <p:cNvCxnSpPr/>
-            <p:nvPr/>
-          </p:nvCxnSpPr>
-          <p:spPr>
-            <a:xfrm>
-              <a:off x="3305285" y="2668086"/>
-              <a:ext cx="0" cy="156793"/>
-            </a:xfrm>
-            <a:prstGeom prst="straightConnector1">
-              <a:avLst/>
-            </a:prstGeom>
-            <a:ln w="44450">
-              <a:solidFill>
-                <a:srgbClr val="00B0F0"/>
-              </a:solidFill>
-              <a:tailEnd type="none"/>
-            </a:ln>
-          </p:spPr>
-          <p:style>
-            <a:lnRef idx="3">
-              <a:schemeClr val="dk1"/>
-            </a:lnRef>
-            <a:fillRef idx="0">
-              <a:schemeClr val="dk1"/>
-            </a:fillRef>
-            <a:effectRef idx="2">
-              <a:schemeClr val="dk1"/>
-            </a:effectRef>
-            <a:fontRef idx="minor">
-              <a:schemeClr val="tx1"/>
-            </a:fontRef>
-          </p:style>
-        </p:cxnSp>
-        <p:sp>
-          <p:nvSpPr>
-            <p:cNvPr id="101" name="Block Arc 100"/>
-            <p:cNvSpPr/>
-            <p:nvPr/>
-          </p:nvSpPr>
-          <p:spPr>
-            <a:xfrm>
-              <a:off x="3205611" y="2817086"/>
-              <a:ext cx="199348" cy="183358"/>
-            </a:xfrm>
-            <a:prstGeom prst="blockArc">
-              <a:avLst>
-                <a:gd name="adj1" fmla="val 10800000"/>
-                <a:gd name="adj2" fmla="val 29560"/>
-                <a:gd name="adj3" fmla="val 22329"/>
-              </a:avLst>
-            </a:prstGeom>
-            <a:solidFill>
-              <a:srgbClr val="00B0F0"/>
-            </a:solidFill>
-            <a:ln w="0">
-              <a:noFill/>
-            </a:ln>
-          </p:spPr>
-          <p:style>
-            <a:lnRef idx="2">
-              <a:schemeClr val="accent1">
-                <a:shade val="50000"/>
-              </a:schemeClr>
-            </a:lnRef>
-            <a:fillRef idx="1">
-              <a:schemeClr val="accent1"/>
-            </a:fillRef>
-            <a:effectRef idx="0">
-              <a:schemeClr val="accent1"/>
-            </a:effectRef>
-            <a:fontRef idx="minor">
-              <a:schemeClr val="lt1"/>
-            </a:fontRef>
-          </p:style>
-          <p:txBody>
-            <a:bodyPr rtlCol="0" anchor="ctr"/>
-            <a:lstStyle/>
-            <a:p>
-              <a:pPr algn="ctr"/>
-              <a:endParaRPr lang="en-US" sz="1600">
-                <a:solidFill>
-                  <a:schemeClr val="tx1"/>
-                </a:solidFill>
-                <a:latin typeface="Segoe UI" panose="020B0502040204020203" pitchFamily="34" charset="0"/>
-                <a:cs typeface="Segoe UI" panose="020B0502040204020203" pitchFamily="34" charset="0"/>
-              </a:endParaRPr>
-            </a:p>
-          </p:txBody>
-        </p:sp>
-      </p:grpSp>
-      <p:cxnSp>
-        <p:nvCxnSpPr>
-          <p:cNvPr id="102" name="Straight Arrow Connector 101"/>
-          <p:cNvCxnSpPr/>
-          <p:nvPr/>
-        </p:nvCxnSpPr>
-        <p:spPr>
-          <a:xfrm flipV="1">
-            <a:off x="7522200" y="5349835"/>
-            <a:ext cx="0" cy="184780"/>
-          </a:xfrm>
-          <a:prstGeom prst="straightConnector1">
-            <a:avLst/>
-          </a:prstGeom>
-          <a:ln w="44450">
-            <a:solidFill>
-              <a:srgbClr val="00B0F0"/>
-            </a:solidFill>
-            <a:headEnd type="none"/>
-            <a:tailEnd type="oval"/>
-          </a:ln>
-        </p:spPr>
-        <p:style>
-          <a:lnRef idx="3">
-            <a:schemeClr val="dk1"/>
-          </a:lnRef>
-          <a:fillRef idx="0">
-            <a:schemeClr val="dk1"/>
-          </a:fillRef>
-          <a:effectRef idx="2">
-            <a:schemeClr val="dk1"/>
-          </a:effectRef>
-          <a:fontRef idx="minor">
-            <a:schemeClr val="tx1"/>
-          </a:fontRef>
-        </p:style>
-      </p:cxnSp>
-      <p:grpSp>
-        <p:nvGrpSpPr>
-          <p:cNvPr id="103" name="Group 102"/>
-          <p:cNvGrpSpPr/>
-          <p:nvPr/>
-        </p:nvGrpSpPr>
-        <p:grpSpPr>
-          <a:xfrm>
-            <a:off x="7419560" y="5044316"/>
-            <a:ext cx="199348" cy="345426"/>
-            <a:chOff x="3205611" y="2671330"/>
-            <a:chExt cx="199348" cy="329114"/>
-          </a:xfrm>
-        </p:grpSpPr>
-        <p:cxnSp>
-          <p:nvCxnSpPr>
-            <p:cNvPr id="104" name="Straight Arrow Connector 103"/>
-            <p:cNvCxnSpPr/>
-            <p:nvPr/>
-          </p:nvCxnSpPr>
-          <p:spPr>
-            <a:xfrm>
-              <a:off x="3305285" y="2671330"/>
-              <a:ext cx="0" cy="153548"/>
-            </a:xfrm>
-            <a:prstGeom prst="straightConnector1">
-              <a:avLst/>
-            </a:prstGeom>
-            <a:ln w="44450">
-              <a:solidFill>
-                <a:srgbClr val="00B0F0"/>
-              </a:solidFill>
-              <a:tailEnd type="none"/>
-            </a:ln>
-          </p:spPr>
-          <p:style>
-            <a:lnRef idx="3">
-              <a:schemeClr val="dk1"/>
-            </a:lnRef>
-            <a:fillRef idx="0">
-              <a:schemeClr val="dk1"/>
-            </a:fillRef>
-            <a:effectRef idx="2">
-              <a:schemeClr val="dk1"/>
-            </a:effectRef>
-            <a:fontRef idx="minor">
-              <a:schemeClr val="tx1"/>
-            </a:fontRef>
-          </p:style>
-        </p:cxnSp>
-        <p:sp>
-          <p:nvSpPr>
-            <p:cNvPr id="105" name="Block Arc 104"/>
-            <p:cNvSpPr/>
-            <p:nvPr/>
-          </p:nvSpPr>
-          <p:spPr>
-            <a:xfrm>
-              <a:off x="3205611" y="2817086"/>
-              <a:ext cx="199348" cy="183358"/>
-            </a:xfrm>
-            <a:prstGeom prst="blockArc">
-              <a:avLst>
-                <a:gd name="adj1" fmla="val 10800000"/>
-                <a:gd name="adj2" fmla="val 29560"/>
-                <a:gd name="adj3" fmla="val 22329"/>
-              </a:avLst>
-            </a:prstGeom>
-            <a:solidFill>
-              <a:srgbClr val="00B0F0"/>
-            </a:solidFill>
-            <a:ln w="0">
-              <a:noFill/>
-            </a:ln>
-          </p:spPr>
-          <p:style>
-            <a:lnRef idx="2">
-              <a:schemeClr val="accent1">
-                <a:shade val="50000"/>
-              </a:schemeClr>
-            </a:lnRef>
-            <a:fillRef idx="1">
-              <a:schemeClr val="accent1"/>
-            </a:fillRef>
-            <a:effectRef idx="0">
-              <a:schemeClr val="accent1"/>
-            </a:effectRef>
-            <a:fontRef idx="minor">
-              <a:schemeClr val="lt1"/>
-            </a:fontRef>
-          </p:style>
-          <p:txBody>
-            <a:bodyPr rtlCol="0" anchor="ctr"/>
-            <a:lstStyle/>
-            <a:p>
-              <a:pPr algn="ctr"/>
-              <a:endParaRPr lang="en-US" sz="1600">
-                <a:solidFill>
-                  <a:schemeClr val="tx1"/>
-                </a:solidFill>
-                <a:latin typeface="Segoe UI" panose="020B0502040204020203" pitchFamily="34" charset="0"/>
-                <a:cs typeface="Segoe UI" panose="020B0502040204020203" pitchFamily="34" charset="0"/>
-              </a:endParaRPr>
-            </a:p>
-          </p:txBody>
-        </p:sp>
-      </p:grpSp>
-      <p:cxnSp>
-        <p:nvCxnSpPr>
-          <p:cNvPr id="106" name="Straight Arrow Connector 105"/>
-          <p:cNvCxnSpPr>
-            <a:stCxn id="89" idx="1"/>
-          </p:cNvCxnSpPr>
-          <p:nvPr/>
-        </p:nvCxnSpPr>
-        <p:spPr>
-          <a:xfrm flipH="1">
-            <a:off x="3931271" y="3302959"/>
-            <a:ext cx="390038" cy="1278"/>
-          </a:xfrm>
-          <a:prstGeom prst="straightConnector1">
-            <a:avLst/>
-          </a:prstGeom>
-          <a:ln w="38100">
-            <a:prstDash val="sysDot"/>
-            <a:tailEnd type="triangle"/>
-          </a:ln>
-        </p:spPr>
-        <p:style>
-          <a:lnRef idx="3">
-            <a:schemeClr val="accent1"/>
-          </a:lnRef>
-          <a:fillRef idx="0">
-            <a:schemeClr val="accent1"/>
-          </a:fillRef>
-          <a:effectRef idx="2">
-            <a:schemeClr val="accent1"/>
-          </a:effectRef>
-          <a:fontRef idx="minor">
-            <a:schemeClr val="tx1"/>
-          </a:fontRef>
-        </p:style>
-      </p:cxnSp>
-      <p:cxnSp>
-        <p:nvCxnSpPr>
-          <p:cNvPr id="107" name="Straight Arrow Connector 106"/>
-          <p:cNvCxnSpPr>
-            <a:stCxn id="93" idx="1"/>
-          </p:cNvCxnSpPr>
-          <p:nvPr/>
-        </p:nvCxnSpPr>
-        <p:spPr>
-          <a:xfrm flipH="1" flipV="1">
-            <a:off x="3950432" y="4666094"/>
-            <a:ext cx="370877" cy="818"/>
-          </a:xfrm>
-          <a:prstGeom prst="straightConnector1">
-            <a:avLst/>
-          </a:prstGeom>
-          <a:ln w="38100">
-            <a:prstDash val="sysDot"/>
-            <a:tailEnd type="triangle"/>
-          </a:ln>
-        </p:spPr>
-        <p:style>
-          <a:lnRef idx="3">
-            <a:schemeClr val="accent1"/>
-          </a:lnRef>
-          <a:fillRef idx="0">
-            <a:schemeClr val="accent1"/>
-          </a:fillRef>
-          <a:effectRef idx="2">
-            <a:schemeClr val="accent1"/>
-          </a:effectRef>
-          <a:fontRef idx="minor">
-            <a:schemeClr val="tx1"/>
-          </a:fontRef>
-        </p:style>
-      </p:cxnSp>
-      <p:cxnSp>
-        <p:nvCxnSpPr>
-          <p:cNvPr id="108" name="Straight Arrow Connector 107"/>
-          <p:cNvCxnSpPr>
-            <a:stCxn id="109" idx="1"/>
-          </p:cNvCxnSpPr>
-          <p:nvPr/>
-        </p:nvCxnSpPr>
-        <p:spPr>
-          <a:xfrm flipH="1">
-            <a:off x="3922297" y="5851914"/>
-            <a:ext cx="323557" cy="1728"/>
-          </a:xfrm>
-          <a:prstGeom prst="straightConnector1">
-            <a:avLst/>
-          </a:prstGeom>
-          <a:ln w="38100">
-            <a:prstDash val="sysDot"/>
-            <a:tailEnd type="triangle"/>
-          </a:ln>
-        </p:spPr>
-        <p:style>
-          <a:lnRef idx="3">
-            <a:schemeClr val="accent1"/>
-          </a:lnRef>
-          <a:fillRef idx="0">
-            <a:schemeClr val="accent1"/>
-          </a:fillRef>
-          <a:effectRef idx="2">
-            <a:schemeClr val="accent1"/>
-          </a:effectRef>
-          <a:fontRef idx="minor">
-            <a:schemeClr val="tx1"/>
-          </a:fontRef>
-        </p:style>
-      </p:cxnSp>
-      <p:sp>
-        <p:nvSpPr>
-          <p:cNvPr id="109" name="Rounded Rectangle 108"/>
-          <p:cNvSpPr/>
-          <p:nvPr/>
-        </p:nvSpPr>
-        <p:spPr>
-          <a:xfrm>
-            <a:off x="4245854" y="5470361"/>
-            <a:ext cx="4276578" cy="763106"/>
-          </a:xfrm>
-          <a:prstGeom prst="roundRect">
-            <a:avLst/>
-          </a:prstGeom>
-          <a:noFill/>
-          <a:ln>
-            <a:prstDash val="dash"/>
-          </a:ln>
-        </p:spPr>
-        <p:style>
-          <a:lnRef idx="2">
-            <a:schemeClr val="accent6"/>
-          </a:lnRef>
-          <a:fillRef idx="1">
-            <a:schemeClr val="lt1"/>
-          </a:fillRef>
-          <a:effectRef idx="0">
-            <a:schemeClr val="accent6"/>
-          </a:effectRef>
-          <a:fontRef idx="minor">
-            <a:schemeClr val="dk1"/>
-          </a:fontRef>
-        </p:style>
-        <p:txBody>
-          <a:bodyPr rtlCol="0" anchor="ctr"/>
-          <a:lstStyle/>
-          <a:p>
-            <a:pPr algn="ctr"/>
-            <a:endParaRPr lang="en-US">
-              <a:latin typeface="Segoe UI" panose="020B0502040204020203" pitchFamily="34" charset="0"/>
-              <a:cs typeface="Segoe UI" panose="020B0502040204020203" pitchFamily="34" charset="0"/>
-            </a:endParaRPr>
-          </a:p>
-        </p:txBody>
-      </p:sp>
-      <p:sp>
-        <p:nvSpPr>
-          <p:cNvPr id="110" name="Rounded Rectangle 109"/>
-          <p:cNvSpPr/>
-          <p:nvPr/>
-        </p:nvSpPr>
-        <p:spPr>
-          <a:xfrm>
-            <a:off x="3026068" y="2657851"/>
-            <a:ext cx="5575300" cy="3652823"/>
-          </a:xfrm>
-          <a:prstGeom prst="roundRect">
-            <a:avLst>
-              <a:gd name="adj" fmla="val 3659"/>
-            </a:avLst>
-          </a:prstGeom>
-          <a:noFill/>
-          <a:ln>
-            <a:prstDash val="dash"/>
-          </a:ln>
-        </p:spPr>
-        <p:style>
-          <a:lnRef idx="2">
-            <a:schemeClr val="accent6"/>
-          </a:lnRef>
-          <a:fillRef idx="1">
-            <a:schemeClr val="lt1"/>
-          </a:fillRef>
-          <a:effectRef idx="0">
-            <a:schemeClr val="accent6"/>
-          </a:effectRef>
-          <a:fontRef idx="minor">
-            <a:schemeClr val="dk1"/>
-          </a:fontRef>
-        </p:style>
-        <p:txBody>
-          <a:bodyPr rtlCol="0" anchor="ctr"/>
-          <a:lstStyle/>
-          <a:p>
-            <a:pPr algn="ctr"/>
-            <a:endParaRPr lang="en-US">
-              <a:latin typeface="Segoe UI" panose="020B0502040204020203" pitchFamily="34" charset="0"/>
-              <a:cs typeface="Segoe UI" panose="020B0502040204020203" pitchFamily="34" charset="0"/>
-            </a:endParaRPr>
-          </a:p>
-        </p:txBody>
-      </p:sp>
-      <p:sp>
-        <p:nvSpPr>
-          <p:cNvPr id="111" name="Rounded Rectangle 110"/>
-          <p:cNvSpPr/>
-          <p:nvPr/>
-        </p:nvSpPr>
-        <p:spPr>
-          <a:xfrm>
-            <a:off x="4441854" y="3095746"/>
-            <a:ext cx="1784000" cy="643683"/>
-          </a:xfrm>
-          <a:prstGeom prst="roundRect">
-            <a:avLst/>
-          </a:prstGeom>
-        </p:spPr>
-        <p:style>
-          <a:lnRef idx="1">
-            <a:schemeClr val="accent1"/>
-          </a:lnRef>
-          <a:fillRef idx="2">
-            <a:schemeClr val="accent1"/>
-          </a:fillRef>
-          <a:effectRef idx="1">
-            <a:schemeClr val="accent1"/>
-          </a:effectRef>
-          <a:fontRef idx="minor">
-            <a:schemeClr val="dk1"/>
-          </a:fontRef>
-        </p:style>
-        <p:txBody>
-          <a:bodyPr rtlCol="0" anchor="ctr"/>
-          <a:lstStyle/>
-          <a:p>
-            <a:pPr algn="ctr"/>
-            <a:r>
-              <a:rPr lang="en-US" sz="1400" dirty="0" smtClean="0">
-                <a:latin typeface="Segoe UI" panose="020B0502040204020203" pitchFamily="34" charset="0"/>
-                <a:cs typeface="Segoe UI" panose="020B0502040204020203" pitchFamily="34" charset="0"/>
-              </a:rPr>
-              <a:t>UI (HTML, Window Form, …)</a:t>
-            </a:r>
-            <a:endParaRPr lang="en-US" sz="1400" dirty="0">
-              <a:latin typeface="Segoe UI" panose="020B0502040204020203" pitchFamily="34" charset="0"/>
-              <a:cs typeface="Segoe UI" panose="020B0502040204020203" pitchFamily="34" charset="0"/>
-            </a:endParaRPr>
-          </a:p>
-        </p:txBody>
-      </p:sp>
-      <p:sp>
-        <p:nvSpPr>
-          <p:cNvPr id="112" name="Rounded Rectangle 111"/>
-          <p:cNvSpPr/>
-          <p:nvPr/>
-        </p:nvSpPr>
-        <p:spPr>
-          <a:xfrm>
-            <a:off x="6425201" y="3095191"/>
-            <a:ext cx="1903739" cy="643683"/>
-          </a:xfrm>
-          <a:prstGeom prst="roundRect">
-            <a:avLst/>
-          </a:prstGeom>
-        </p:spPr>
-        <p:style>
-          <a:lnRef idx="1">
-            <a:schemeClr val="accent1"/>
-          </a:lnRef>
-          <a:fillRef idx="2">
-            <a:schemeClr val="accent1"/>
-          </a:fillRef>
-          <a:effectRef idx="1">
-            <a:schemeClr val="accent1"/>
-          </a:effectRef>
-          <a:fontRef idx="minor">
-            <a:schemeClr val="dk1"/>
-          </a:fontRef>
-        </p:style>
-        <p:txBody>
-          <a:bodyPr rtlCol="0" anchor="ctr"/>
-          <a:lstStyle/>
-          <a:p>
-            <a:pPr algn="ctr"/>
-            <a:r>
-              <a:rPr lang="en-US" sz="1400" dirty="0" smtClean="0">
-                <a:latin typeface="Segoe UI" panose="020B0502040204020203" pitchFamily="34" charset="0"/>
-                <a:cs typeface="Segoe UI" panose="020B0502040204020203" pitchFamily="34" charset="0"/>
-              </a:rPr>
-              <a:t>API (</a:t>
-            </a:r>
-            <a:r>
-              <a:rPr lang="en-US" sz="1400" dirty="0" err="1" smtClean="0">
-                <a:latin typeface="Segoe UI" panose="020B0502040204020203" pitchFamily="34" charset="0"/>
-                <a:cs typeface="Segoe UI" panose="020B0502040204020203" pitchFamily="34" charset="0"/>
-              </a:rPr>
-              <a:t>RESTful</a:t>
-            </a:r>
-            <a:r>
-              <a:rPr lang="en-US" sz="1400" dirty="0" smtClean="0">
-                <a:latin typeface="Segoe UI" panose="020B0502040204020203" pitchFamily="34" charset="0"/>
-                <a:cs typeface="Segoe UI" panose="020B0502040204020203" pitchFamily="34" charset="0"/>
-              </a:rPr>
-              <a:t> API, WCF, …)</a:t>
-            </a:r>
-            <a:endParaRPr lang="en-US" sz="1400" dirty="0">
-              <a:latin typeface="Segoe UI" panose="020B0502040204020203" pitchFamily="34" charset="0"/>
-              <a:cs typeface="Segoe UI" panose="020B0502040204020203" pitchFamily="34" charset="0"/>
-            </a:endParaRPr>
-          </a:p>
-        </p:txBody>
-      </p:sp>
-      <p:sp>
-        <p:nvSpPr>
-          <p:cNvPr id="113" name="TextBox 112"/>
-          <p:cNvSpPr txBox="1"/>
-          <p:nvPr/>
-        </p:nvSpPr>
-        <p:spPr>
-          <a:xfrm>
-            <a:off x="5642319" y="2757691"/>
-            <a:ext cx="1481959" cy="338554"/>
-          </a:xfrm>
-          <a:prstGeom prst="rect">
-            <a:avLst/>
-          </a:prstGeom>
-          <a:noFill/>
-        </p:spPr>
-        <p:txBody>
-          <a:bodyPr wrap="square" rtlCol="0">
-            <a:spAutoFit/>
-          </a:bodyPr>
-          <a:lstStyle/>
-          <a:p>
-            <a:pPr algn="ctr"/>
-            <a:r>
-              <a:rPr lang="en-US" sz="1600" dirty="0" smtClean="0">
-                <a:latin typeface="Segoe UI" panose="020B0502040204020203" pitchFamily="34" charset="0"/>
-                <a:cs typeface="Segoe UI" panose="020B0502040204020203" pitchFamily="34" charset="0"/>
-              </a:rPr>
-              <a:t>Presentation</a:t>
-            </a:r>
-            <a:endParaRPr lang="en-US" sz="1600" dirty="0">
-              <a:latin typeface="Segoe UI" panose="020B0502040204020203" pitchFamily="34" charset="0"/>
-              <a:cs typeface="Segoe UI" panose="020B0502040204020203" pitchFamily="34" charset="0"/>
-            </a:endParaRPr>
-          </a:p>
-        </p:txBody>
-      </p:sp>
+      </p:pic>
     </p:spTree>
     <p:extLst>
       <p:ext uri="{BB962C8B-B14F-4D97-AF65-F5344CB8AC3E}">
-        <p14:creationId xmlns:p14="http://schemas.microsoft.com/office/powerpoint/2010/main" val="143255081"/>
+        <p14:creationId xmlns:p14="http://schemas.microsoft.com/office/powerpoint/2010/main" val="3266816375"/>
       </p:ext>
     </p:extLst>
   </p:cSld>
@@ -27002,53 +27304,20 @@
         <a:srgbClr val="954F72"/>
       </a:folHlink>
     </a:clrScheme>
-    <a:fontScheme name="Office">
+    <a:fontScheme name="Tw Cen MT">
       <a:majorFont>
-        <a:latin typeface="Calibri Light"/>
+        <a:latin typeface="Tw Cen MT" panose="020B0602020104020603"/>
         <a:ea typeface=""/>
         <a:cs typeface=""/>
-        <a:font script="Jpan" typeface="ＭＳ Ｐゴシック"/>
-        <a:font script="Hang" typeface="맑은 고딕"/>
-        <a:font script="Hans" typeface="宋体"/>
-        <a:font script="Hant" typeface="新細明體"/>
-        <a:font script="Arab" typeface="Times New Roman"/>
-        <a:font script="Hebr" typeface="Times New Roman"/>
-        <a:font script="Thai" typeface="Angsana New"/>
-        <a:font script="Ethi" typeface="Nyala"/>
-        <a:font script="Beng" typeface="Vrinda"/>
-        <a:font script="Gujr" typeface="Shruti"/>
-        <a:font script="Khmr" typeface="MoolBoran"/>
-        <a:font script="Knda" typeface="Tunga"/>
-        <a:font script="Guru" typeface="Raavi"/>
-        <a:font script="Cans" typeface="Euphemia"/>
-        <a:font script="Cher" typeface="Plantagenet Cherokee"/>
-        <a:font script="Yiii" typeface="Microsoft Yi Baiti"/>
-        <a:font script="Tibt" typeface="Microsoft Himalaya"/>
-        <a:font script="Thaa" typeface="MV Boli"/>
-        <a:font script="Deva" typeface="Mangal"/>
-        <a:font script="Telu" typeface="Gautami"/>
-        <a:font script="Taml" typeface="Latha"/>
-        <a:font script="Syrc" typeface="Estrangelo Edessa"/>
-        <a:font script="Orya" typeface="Kalinga"/>
-        <a:font script="Mlym" typeface="Kartika"/>
-        <a:font script="Laoo" typeface="DokChampa"/>
-        <a:font script="Sinh" typeface="Iskoola Pota"/>
-        <a:font script="Mong" typeface="Mongolian Baiti"/>
-        <a:font script="Viet" typeface="Times New Roman"/>
-        <a:font script="Uigh" typeface="Microsoft Uighur"/>
-        <a:font script="Geor" typeface="Sylfaen"/>
-      </a:majorFont>
-      <a:minorFont>
-        <a:latin typeface="Calibri"/>
-        <a:ea typeface=""/>
-        <a:cs typeface=""/>
-        <a:font script="Jpan" typeface="ＭＳ Ｐゴシック"/>
-        <a:font script="Hang" typeface="맑은 고딕"/>
-        <a:font script="Hans" typeface="宋体"/>
-        <a:font script="Hant" typeface="新細明體"/>
+        <a:font script="Grek" typeface="Calibri"/>
+        <a:font script="Cyrl" typeface="Calibri"/>
+        <a:font script="Jpan" typeface="HGPｺﾞｼｯｸE"/>
+        <a:font script="Hang" typeface="HY얕은샘물M"/>
+        <a:font script="Hans" typeface="华文仿宋"/>
+        <a:font script="Hant" typeface="微軟正黑體"/>
         <a:font script="Arab" typeface="Arial"/>
-        <a:font script="Hebr" typeface="Arial"/>
-        <a:font script="Thai" typeface="Cordia New"/>
+        <a:font script="Hebr" typeface="Levenim MT"/>
+        <a:font script="Thai" typeface="FreesiaUPC"/>
         <a:font script="Ethi" typeface="Nyala"/>
         <a:font script="Beng" typeface="Vrinda"/>
         <a:font script="Gujr" typeface="Shruti"/>
@@ -27069,7 +27338,44 @@
         <a:font script="Laoo" typeface="DokChampa"/>
         <a:font script="Sinh" typeface="Iskoola Pota"/>
         <a:font script="Mong" typeface="Mongolian Baiti"/>
-        <a:font script="Viet" typeface="Arial"/>
+        <a:font script="Viet" typeface="Tahoma"/>
+        <a:font script="Uigh" typeface="Microsoft Uighur"/>
+        <a:font script="Geor" typeface="Sylfaen"/>
+      </a:majorFont>
+      <a:minorFont>
+        <a:latin typeface="Tw Cen MT" panose="020B0602020104020603"/>
+        <a:ea typeface=""/>
+        <a:cs typeface=""/>
+        <a:font script="Grek" typeface="Calibri"/>
+        <a:font script="Cyrl" typeface="Calibri"/>
+        <a:font script="Jpan" typeface="HGPｺﾞｼｯｸE"/>
+        <a:font script="Hang" typeface="HY얕은샘물M"/>
+        <a:font script="Hans" typeface="华文仿宋"/>
+        <a:font script="Hant" typeface="微軟正黑體"/>
+        <a:font script="Arab" typeface="Arial"/>
+        <a:font script="Hebr" typeface="Levenim MT"/>
+        <a:font script="Thai" typeface="FreesiaUPC"/>
+        <a:font script="Ethi" typeface="Nyala"/>
+        <a:font script="Beng" typeface="Vrinda"/>
+        <a:font script="Gujr" typeface="Shruti"/>
+        <a:font script="Khmr" typeface="DaunPenh"/>
+        <a:font script="Knda" typeface="Tunga"/>
+        <a:font script="Guru" typeface="Raavi"/>
+        <a:font script="Cans" typeface="Euphemia"/>
+        <a:font script="Cher" typeface="Plantagenet Cherokee"/>
+        <a:font script="Yiii" typeface="Microsoft Yi Baiti"/>
+        <a:font script="Tibt" typeface="Microsoft Himalaya"/>
+        <a:font script="Thaa" typeface="MV Boli"/>
+        <a:font script="Deva" typeface="Mangal"/>
+        <a:font script="Telu" typeface="Gautami"/>
+        <a:font script="Taml" typeface="Latha"/>
+        <a:font script="Syrc" typeface="Estrangelo Edessa"/>
+        <a:font script="Orya" typeface="Kalinga"/>
+        <a:font script="Mlym" typeface="Kartika"/>
+        <a:font script="Laoo" typeface="DokChampa"/>
+        <a:font script="Sinh" typeface="Iskoola Pota"/>
+        <a:font script="Mong" typeface="Mongolian Baiti"/>
+        <a:font script="Viet" typeface="Tahoma"/>
         <a:font script="Uigh" typeface="Microsoft Uighur"/>
         <a:font script="Geor" typeface="Sylfaen"/>
       </a:minorFont>

--- a/Documents/Lessons Learned From Agile Quality Assurance In Scrum.pptx
+++ b/Documents/Lessons Learned From Agile Quality Assurance In Scrum.pptx
@@ -5,29 +5,31 @@
     <p:sldMasterId id="2147483689" r:id="rId1"/>
     <p:sldMasterId id="2147483835" r:id="rId2"/>
     <p:sldMasterId id="2147483900" r:id="rId3"/>
+    <p:sldMasterId id="2147483980" r:id="rId4"/>
   </p:sldMasterIdLst>
   <p:notesMasterIdLst>
-    <p:notesMasterId r:id="rId22"/>
+    <p:notesMasterId r:id="rId24"/>
   </p:notesMasterIdLst>
   <p:sldIdLst>
-    <p:sldId id="256" r:id="rId4"/>
-    <p:sldId id="265" r:id="rId5"/>
-    <p:sldId id="267" r:id="rId6"/>
-    <p:sldId id="272" r:id="rId7"/>
-    <p:sldId id="270" r:id="rId8"/>
-    <p:sldId id="274" r:id="rId9"/>
-    <p:sldId id="273" r:id="rId10"/>
-    <p:sldId id="260" r:id="rId11"/>
-    <p:sldId id="261" r:id="rId12"/>
-    <p:sldId id="257" r:id="rId13"/>
-    <p:sldId id="259" r:id="rId14"/>
-    <p:sldId id="262" r:id="rId15"/>
-    <p:sldId id="264" r:id="rId16"/>
-    <p:sldId id="266" r:id="rId17"/>
-    <p:sldId id="268" r:id="rId18"/>
-    <p:sldId id="269" r:id="rId19"/>
-    <p:sldId id="271" r:id="rId20"/>
-    <p:sldId id="258" r:id="rId21"/>
+    <p:sldId id="256" r:id="rId5"/>
+    <p:sldId id="265" r:id="rId6"/>
+    <p:sldId id="267" r:id="rId7"/>
+    <p:sldId id="275" r:id="rId8"/>
+    <p:sldId id="272" r:id="rId9"/>
+    <p:sldId id="270" r:id="rId10"/>
+    <p:sldId id="274" r:id="rId11"/>
+    <p:sldId id="273" r:id="rId12"/>
+    <p:sldId id="260" r:id="rId13"/>
+    <p:sldId id="261" r:id="rId14"/>
+    <p:sldId id="257" r:id="rId15"/>
+    <p:sldId id="259" r:id="rId16"/>
+    <p:sldId id="262" r:id="rId17"/>
+    <p:sldId id="264" r:id="rId18"/>
+    <p:sldId id="266" r:id="rId19"/>
+    <p:sldId id="268" r:id="rId20"/>
+    <p:sldId id="269" r:id="rId21"/>
+    <p:sldId id="271" r:id="rId22"/>
+    <p:sldId id="258" r:id="rId23"/>
   </p:sldIdLst>
   <p:sldSz cx="12192000" cy="6858000"/>
   <p:notesSz cx="6858000" cy="9144000"/>
@@ -656,7 +658,7 @@
           <a:p>
             <a:fld id="{77CEC4F4-A931-4EDC-A8DD-700DC7739227}" type="slidenum">
               <a:rPr lang="en-US" smtClean="0"/>
-              <a:t>8</a:t>
+              <a:t>9</a:t>
             </a:fld>
             <a:endParaRPr lang="en-US"/>
           </a:p>
@@ -747,7 +749,7 @@
           <a:p>
             <a:fld id="{77CEC4F4-A931-4EDC-A8DD-700DC7739227}" type="slidenum">
               <a:rPr lang="en-US" smtClean="0"/>
-              <a:t>9</a:t>
+              <a:t>10</a:t>
             </a:fld>
             <a:endParaRPr lang="en-US"/>
           </a:p>
@@ -831,7 +833,7 @@
           <a:p>
             <a:fld id="{77CEC4F4-A931-4EDC-A8DD-700DC7739227}" type="slidenum">
               <a:rPr lang="en-US" smtClean="0"/>
-              <a:t>10</a:t>
+              <a:t>11</a:t>
             </a:fld>
             <a:endParaRPr lang="en-US"/>
           </a:p>
@@ -919,7 +921,7 @@
           <a:p>
             <a:fld id="{77CEC4F4-A931-4EDC-A8DD-700DC7739227}" type="slidenum">
               <a:rPr lang="en-US" smtClean="0"/>
-              <a:t>11</a:t>
+              <a:t>12</a:t>
             </a:fld>
             <a:endParaRPr lang="en-US"/>
           </a:p>
@@ -1007,7 +1009,7 @@
           <a:p>
             <a:fld id="{77CEC4F4-A931-4EDC-A8DD-700DC7739227}" type="slidenum">
               <a:rPr lang="en-US" smtClean="0"/>
-              <a:t>12</a:t>
+              <a:t>13</a:t>
             </a:fld>
             <a:endParaRPr lang="en-US"/>
           </a:p>
@@ -1091,7 +1093,7 @@
           <a:p>
             <a:fld id="{77CEC4F4-A931-4EDC-A8DD-700DC7739227}" type="slidenum">
               <a:rPr lang="en-US" smtClean="0"/>
-              <a:t>13</a:t>
+              <a:t>14</a:t>
             </a:fld>
             <a:endParaRPr lang="en-US"/>
           </a:p>
@@ -1175,7 +1177,7 @@
           <a:p>
             <a:fld id="{77CEC4F4-A931-4EDC-A8DD-700DC7739227}" type="slidenum">
               <a:rPr lang="en-US" smtClean="0"/>
-              <a:t>14</a:t>
+              <a:t>15</a:t>
             </a:fld>
             <a:endParaRPr lang="en-US"/>
           </a:p>
@@ -6842,6 +6844,1331 @@
 </p:sldLayout>
 </file>
 
+<file path=ppt/slideLayouts/slideLayout34.xml><?xml version="1.0" encoding="utf-8"?>
+<p:sldLayout xmlns:a="http://schemas.openxmlformats.org/drawingml/2006/main" xmlns:r="http://schemas.openxmlformats.org/officeDocument/2006/relationships" xmlns:p="http://schemas.openxmlformats.org/presentationml/2006/main" type="title" preserve="1">
+  <p:cSld name="Title Slide">
+    <p:spTree>
+      <p:nvGrpSpPr>
+        <p:cNvPr id="1" name=""/>
+        <p:cNvGrpSpPr/>
+        <p:nvPr/>
+      </p:nvGrpSpPr>
+      <p:grpSpPr>
+        <a:xfrm>
+          <a:off x="0" y="0"/>
+          <a:ext cx="0" cy="0"/>
+          <a:chOff x="0" y="0"/>
+          <a:chExt cx="0" cy="0"/>
+        </a:xfrm>
+      </p:grpSpPr>
+      <p:sp>
+        <p:nvSpPr>
+          <p:cNvPr id="2" name="Title 1"/>
+          <p:cNvSpPr>
+            <a:spLocks noGrp="1"/>
+          </p:cNvSpPr>
+          <p:nvPr>
+            <p:ph type="ctrTitle"/>
+          </p:nvPr>
+        </p:nvSpPr>
+        <p:spPr>
+          <a:xfrm>
+            <a:off x="1524000" y="1122363"/>
+            <a:ext cx="9144000" cy="2387600"/>
+          </a:xfrm>
+        </p:spPr>
+        <p:txBody>
+          <a:bodyPr anchor="b"/>
+          <a:lstStyle>
+            <a:lvl1pPr algn="ctr">
+              <a:defRPr sz="6000"/>
+            </a:lvl1pPr>
+          </a:lstStyle>
+          <a:p>
+            <a:r>
+              <a:rPr lang="en-US" smtClean="0"/>
+              <a:t>Click to edit Master title style</a:t>
+            </a:r>
+            <a:endParaRPr lang="en-US"/>
+          </a:p>
+        </p:txBody>
+      </p:sp>
+      <p:sp>
+        <p:nvSpPr>
+          <p:cNvPr id="3" name="Subtitle 2"/>
+          <p:cNvSpPr>
+            <a:spLocks noGrp="1"/>
+          </p:cNvSpPr>
+          <p:nvPr>
+            <p:ph type="subTitle" idx="1"/>
+          </p:nvPr>
+        </p:nvSpPr>
+        <p:spPr>
+          <a:xfrm>
+            <a:off x="1524000" y="3602038"/>
+            <a:ext cx="9144000" cy="1655762"/>
+          </a:xfrm>
+        </p:spPr>
+        <p:txBody>
+          <a:bodyPr/>
+          <a:lstStyle>
+            <a:lvl1pPr marL="0" indent="0" algn="ctr">
+              <a:buNone/>
+              <a:defRPr sz="2400"/>
+            </a:lvl1pPr>
+            <a:lvl2pPr marL="457200" indent="0" algn="ctr">
+              <a:buNone/>
+              <a:defRPr sz="2000"/>
+            </a:lvl2pPr>
+            <a:lvl3pPr marL="914400" indent="0" algn="ctr">
+              <a:buNone/>
+              <a:defRPr sz="1800"/>
+            </a:lvl3pPr>
+            <a:lvl4pPr marL="1371600" indent="0" algn="ctr">
+              <a:buNone/>
+              <a:defRPr sz="1600"/>
+            </a:lvl4pPr>
+            <a:lvl5pPr marL="1828800" indent="0" algn="ctr">
+              <a:buNone/>
+              <a:defRPr sz="1600"/>
+            </a:lvl5pPr>
+            <a:lvl6pPr marL="2286000" indent="0" algn="ctr">
+              <a:buNone/>
+              <a:defRPr sz="1600"/>
+            </a:lvl6pPr>
+            <a:lvl7pPr marL="2743200" indent="0" algn="ctr">
+              <a:buNone/>
+              <a:defRPr sz="1600"/>
+            </a:lvl7pPr>
+            <a:lvl8pPr marL="3200400" indent="0" algn="ctr">
+              <a:buNone/>
+              <a:defRPr sz="1600"/>
+            </a:lvl8pPr>
+            <a:lvl9pPr marL="3657600" indent="0" algn="ctr">
+              <a:buNone/>
+              <a:defRPr sz="1600"/>
+            </a:lvl9pPr>
+          </a:lstStyle>
+          <a:p>
+            <a:r>
+              <a:rPr lang="en-US" smtClean="0"/>
+              <a:t>Click to edit Master subtitle style</a:t>
+            </a:r>
+            <a:endParaRPr lang="en-US"/>
+          </a:p>
+        </p:txBody>
+      </p:sp>
+      <p:sp>
+        <p:nvSpPr>
+          <p:cNvPr id="4" name="Date Placeholder 3"/>
+          <p:cNvSpPr>
+            <a:spLocks noGrp="1"/>
+          </p:cNvSpPr>
+          <p:nvPr>
+            <p:ph type="dt" sz="half" idx="10"/>
+          </p:nvPr>
+        </p:nvSpPr>
+        <p:spPr/>
+        <p:txBody>
+          <a:bodyPr/>
+          <a:lstStyle/>
+          <a:p>
+            <a:fld id="{1A260A04-0D30-4F6D-881B-6C5304669D2D}" type="datetime1">
+              <a:rPr lang="en-US" smtClean="0"/>
+              <a:t>6/22/2015</a:t>
+            </a:fld>
+            <a:endParaRPr lang="en-US"/>
+          </a:p>
+        </p:txBody>
+      </p:sp>
+      <p:sp>
+        <p:nvSpPr>
+          <p:cNvPr id="5" name="Footer Placeholder 4"/>
+          <p:cNvSpPr>
+            <a:spLocks noGrp="1"/>
+          </p:cNvSpPr>
+          <p:nvPr>
+            <p:ph type="ftr" sz="quarter" idx="11"/>
+          </p:nvPr>
+        </p:nvSpPr>
+        <p:spPr/>
+        <p:txBody>
+          <a:bodyPr/>
+          <a:lstStyle/>
+          <a:p>
+            <a:endParaRPr lang="en-US"/>
+          </a:p>
+        </p:txBody>
+      </p:sp>
+      <p:sp>
+        <p:nvSpPr>
+          <p:cNvPr id="6" name="Slide Number Placeholder 5"/>
+          <p:cNvSpPr>
+            <a:spLocks noGrp="1"/>
+          </p:cNvSpPr>
+          <p:nvPr>
+            <p:ph type="sldNum" sz="quarter" idx="12"/>
+          </p:nvPr>
+        </p:nvSpPr>
+        <p:spPr/>
+        <p:txBody>
+          <a:bodyPr/>
+          <a:lstStyle/>
+          <a:p>
+            <a:fld id="{BCD7396F-CAFE-47FC-9775-745DE743DF33}" type="slidenum">
+              <a:rPr lang="en-US" smtClean="0"/>
+              <a:t>‹#›</a:t>
+            </a:fld>
+            <a:endParaRPr lang="en-US"/>
+          </a:p>
+        </p:txBody>
+      </p:sp>
+    </p:spTree>
+    <p:extLst>
+      <p:ext uri="{BB962C8B-B14F-4D97-AF65-F5344CB8AC3E}">
+        <p14:creationId xmlns:p14="http://schemas.microsoft.com/office/powerpoint/2010/main" val="2468189770"/>
+      </p:ext>
+    </p:extLst>
+  </p:cSld>
+  <p:clrMapOvr>
+    <a:masterClrMapping/>
+  </p:clrMapOvr>
+</p:sldLayout>
+</file>
+
+<file path=ppt/slideLayouts/slideLayout35.xml><?xml version="1.0" encoding="utf-8"?>
+<p:sldLayout xmlns:a="http://schemas.openxmlformats.org/drawingml/2006/main" xmlns:r="http://schemas.openxmlformats.org/officeDocument/2006/relationships" xmlns:p="http://schemas.openxmlformats.org/presentationml/2006/main" type="obj" preserve="1">
+  <p:cSld name="Title and Content">
+    <p:spTree>
+      <p:nvGrpSpPr>
+        <p:cNvPr id="1" name=""/>
+        <p:cNvGrpSpPr/>
+        <p:nvPr/>
+      </p:nvGrpSpPr>
+      <p:grpSpPr>
+        <a:xfrm>
+          <a:off x="0" y="0"/>
+          <a:ext cx="0" cy="0"/>
+          <a:chOff x="0" y="0"/>
+          <a:chExt cx="0" cy="0"/>
+        </a:xfrm>
+      </p:grpSpPr>
+      <p:sp>
+        <p:nvSpPr>
+          <p:cNvPr id="2" name="Title 1"/>
+          <p:cNvSpPr>
+            <a:spLocks noGrp="1"/>
+          </p:cNvSpPr>
+          <p:nvPr>
+            <p:ph type="title"/>
+          </p:nvPr>
+        </p:nvSpPr>
+        <p:spPr/>
+        <p:txBody>
+          <a:bodyPr/>
+          <a:lstStyle/>
+          <a:p>
+            <a:r>
+              <a:rPr lang="en-US" smtClean="0"/>
+              <a:t>Click to edit Master title style</a:t>
+            </a:r>
+            <a:endParaRPr lang="en-US"/>
+          </a:p>
+        </p:txBody>
+      </p:sp>
+      <p:sp>
+        <p:nvSpPr>
+          <p:cNvPr id="3" name="Content Placeholder 2"/>
+          <p:cNvSpPr>
+            <a:spLocks noGrp="1"/>
+          </p:cNvSpPr>
+          <p:nvPr>
+            <p:ph idx="1"/>
+          </p:nvPr>
+        </p:nvSpPr>
+        <p:spPr/>
+        <p:txBody>
+          <a:bodyPr/>
+          <a:lstStyle/>
+          <a:p>
+            <a:pPr lvl="0"/>
+            <a:r>
+              <a:rPr lang="en-US" smtClean="0"/>
+              <a:t>Click to edit Master text styles</a:t>
+            </a:r>
+          </a:p>
+          <a:p>
+            <a:pPr lvl="1"/>
+            <a:r>
+              <a:rPr lang="en-US" smtClean="0"/>
+              <a:t>Second level</a:t>
+            </a:r>
+          </a:p>
+          <a:p>
+            <a:pPr lvl="2"/>
+            <a:r>
+              <a:rPr lang="en-US" smtClean="0"/>
+              <a:t>Third level</a:t>
+            </a:r>
+          </a:p>
+          <a:p>
+            <a:pPr lvl="3"/>
+            <a:r>
+              <a:rPr lang="en-US" smtClean="0"/>
+              <a:t>Fourth level</a:t>
+            </a:r>
+          </a:p>
+          <a:p>
+            <a:pPr lvl="4"/>
+            <a:r>
+              <a:rPr lang="en-US" smtClean="0"/>
+              <a:t>Fifth level</a:t>
+            </a:r>
+            <a:endParaRPr lang="en-US"/>
+          </a:p>
+        </p:txBody>
+      </p:sp>
+      <p:sp>
+        <p:nvSpPr>
+          <p:cNvPr id="4" name="Date Placeholder 3"/>
+          <p:cNvSpPr>
+            <a:spLocks noGrp="1"/>
+          </p:cNvSpPr>
+          <p:nvPr>
+            <p:ph type="dt" sz="half" idx="10"/>
+          </p:nvPr>
+        </p:nvSpPr>
+        <p:spPr/>
+        <p:txBody>
+          <a:bodyPr/>
+          <a:lstStyle/>
+          <a:p>
+            <a:fld id="{AB91A3AC-9D5E-4044-879F-B01C3563F8E8}" type="datetime1">
+              <a:rPr lang="en-US" smtClean="0"/>
+              <a:t>6/22/2015</a:t>
+            </a:fld>
+            <a:endParaRPr lang="en-US"/>
+          </a:p>
+        </p:txBody>
+      </p:sp>
+      <p:sp>
+        <p:nvSpPr>
+          <p:cNvPr id="5" name="Footer Placeholder 4"/>
+          <p:cNvSpPr>
+            <a:spLocks noGrp="1"/>
+          </p:cNvSpPr>
+          <p:nvPr>
+            <p:ph type="ftr" sz="quarter" idx="11"/>
+          </p:nvPr>
+        </p:nvSpPr>
+        <p:spPr/>
+        <p:txBody>
+          <a:bodyPr/>
+          <a:lstStyle/>
+          <a:p>
+            <a:endParaRPr lang="en-US"/>
+          </a:p>
+        </p:txBody>
+      </p:sp>
+      <p:sp>
+        <p:nvSpPr>
+          <p:cNvPr id="6" name="Slide Number Placeholder 5"/>
+          <p:cNvSpPr>
+            <a:spLocks noGrp="1"/>
+          </p:cNvSpPr>
+          <p:nvPr>
+            <p:ph type="sldNum" sz="quarter" idx="12"/>
+          </p:nvPr>
+        </p:nvSpPr>
+        <p:spPr/>
+        <p:txBody>
+          <a:bodyPr/>
+          <a:lstStyle/>
+          <a:p>
+            <a:fld id="{BCD7396F-CAFE-47FC-9775-745DE743DF33}" type="slidenum">
+              <a:rPr lang="en-US" smtClean="0"/>
+              <a:t>‹#›</a:t>
+            </a:fld>
+            <a:endParaRPr lang="en-US"/>
+          </a:p>
+        </p:txBody>
+      </p:sp>
+    </p:spTree>
+    <p:extLst>
+      <p:ext uri="{BB962C8B-B14F-4D97-AF65-F5344CB8AC3E}">
+        <p14:creationId xmlns:p14="http://schemas.microsoft.com/office/powerpoint/2010/main" val="3272930838"/>
+      </p:ext>
+    </p:extLst>
+  </p:cSld>
+  <p:clrMapOvr>
+    <a:masterClrMapping/>
+  </p:clrMapOvr>
+</p:sldLayout>
+</file>
+
+<file path=ppt/slideLayouts/slideLayout36.xml><?xml version="1.0" encoding="utf-8"?>
+<p:sldLayout xmlns:a="http://schemas.openxmlformats.org/drawingml/2006/main" xmlns:r="http://schemas.openxmlformats.org/officeDocument/2006/relationships" xmlns:p="http://schemas.openxmlformats.org/presentationml/2006/main" type="secHead" preserve="1">
+  <p:cSld name="Section Header">
+    <p:spTree>
+      <p:nvGrpSpPr>
+        <p:cNvPr id="1" name=""/>
+        <p:cNvGrpSpPr/>
+        <p:nvPr/>
+      </p:nvGrpSpPr>
+      <p:grpSpPr>
+        <a:xfrm>
+          <a:off x="0" y="0"/>
+          <a:ext cx="0" cy="0"/>
+          <a:chOff x="0" y="0"/>
+          <a:chExt cx="0" cy="0"/>
+        </a:xfrm>
+      </p:grpSpPr>
+      <p:sp>
+        <p:nvSpPr>
+          <p:cNvPr id="2" name="Title 1"/>
+          <p:cNvSpPr>
+            <a:spLocks noGrp="1"/>
+          </p:cNvSpPr>
+          <p:nvPr>
+            <p:ph type="title"/>
+          </p:nvPr>
+        </p:nvSpPr>
+        <p:spPr>
+          <a:xfrm>
+            <a:off x="831850" y="1709738"/>
+            <a:ext cx="10515600" cy="2852737"/>
+          </a:xfrm>
+        </p:spPr>
+        <p:txBody>
+          <a:bodyPr anchor="b"/>
+          <a:lstStyle>
+            <a:lvl1pPr>
+              <a:defRPr sz="6000"/>
+            </a:lvl1pPr>
+          </a:lstStyle>
+          <a:p>
+            <a:r>
+              <a:rPr lang="en-US" smtClean="0"/>
+              <a:t>Click to edit Master title style</a:t>
+            </a:r>
+            <a:endParaRPr lang="en-US"/>
+          </a:p>
+        </p:txBody>
+      </p:sp>
+      <p:sp>
+        <p:nvSpPr>
+          <p:cNvPr id="3" name="Text Placeholder 2"/>
+          <p:cNvSpPr>
+            <a:spLocks noGrp="1"/>
+          </p:cNvSpPr>
+          <p:nvPr>
+            <p:ph type="body" idx="1"/>
+          </p:nvPr>
+        </p:nvSpPr>
+        <p:spPr>
+          <a:xfrm>
+            <a:off x="831850" y="4589463"/>
+            <a:ext cx="10515600" cy="1500187"/>
+          </a:xfrm>
+        </p:spPr>
+        <p:txBody>
+          <a:bodyPr/>
+          <a:lstStyle>
+            <a:lvl1pPr marL="0" indent="0">
+              <a:buNone/>
+              <a:defRPr sz="2400">
+                <a:solidFill>
+                  <a:schemeClr val="tx1">
+                    <a:tint val="75000"/>
+                  </a:schemeClr>
+                </a:solidFill>
+              </a:defRPr>
+            </a:lvl1pPr>
+            <a:lvl2pPr marL="457200" indent="0">
+              <a:buNone/>
+              <a:defRPr sz="2000">
+                <a:solidFill>
+                  <a:schemeClr val="tx1">
+                    <a:tint val="75000"/>
+                  </a:schemeClr>
+                </a:solidFill>
+              </a:defRPr>
+            </a:lvl2pPr>
+            <a:lvl3pPr marL="914400" indent="0">
+              <a:buNone/>
+              <a:defRPr sz="1800">
+                <a:solidFill>
+                  <a:schemeClr val="tx1">
+                    <a:tint val="75000"/>
+                  </a:schemeClr>
+                </a:solidFill>
+              </a:defRPr>
+            </a:lvl3pPr>
+            <a:lvl4pPr marL="1371600" indent="0">
+              <a:buNone/>
+              <a:defRPr sz="1600">
+                <a:solidFill>
+                  <a:schemeClr val="tx1">
+                    <a:tint val="75000"/>
+                  </a:schemeClr>
+                </a:solidFill>
+              </a:defRPr>
+            </a:lvl4pPr>
+            <a:lvl5pPr marL="1828800" indent="0">
+              <a:buNone/>
+              <a:defRPr sz="1600">
+                <a:solidFill>
+                  <a:schemeClr val="tx1">
+                    <a:tint val="75000"/>
+                  </a:schemeClr>
+                </a:solidFill>
+              </a:defRPr>
+            </a:lvl5pPr>
+            <a:lvl6pPr marL="2286000" indent="0">
+              <a:buNone/>
+              <a:defRPr sz="1600">
+                <a:solidFill>
+                  <a:schemeClr val="tx1">
+                    <a:tint val="75000"/>
+                  </a:schemeClr>
+                </a:solidFill>
+              </a:defRPr>
+            </a:lvl6pPr>
+            <a:lvl7pPr marL="2743200" indent="0">
+              <a:buNone/>
+              <a:defRPr sz="1600">
+                <a:solidFill>
+                  <a:schemeClr val="tx1">
+                    <a:tint val="75000"/>
+                  </a:schemeClr>
+                </a:solidFill>
+              </a:defRPr>
+            </a:lvl7pPr>
+            <a:lvl8pPr marL="3200400" indent="0">
+              <a:buNone/>
+              <a:defRPr sz="1600">
+                <a:solidFill>
+                  <a:schemeClr val="tx1">
+                    <a:tint val="75000"/>
+                  </a:schemeClr>
+                </a:solidFill>
+              </a:defRPr>
+            </a:lvl8pPr>
+            <a:lvl9pPr marL="3657600" indent="0">
+              <a:buNone/>
+              <a:defRPr sz="1600">
+                <a:solidFill>
+                  <a:schemeClr val="tx1">
+                    <a:tint val="75000"/>
+                  </a:schemeClr>
+                </a:solidFill>
+              </a:defRPr>
+            </a:lvl9pPr>
+          </a:lstStyle>
+          <a:p>
+            <a:pPr lvl="0"/>
+            <a:r>
+              <a:rPr lang="en-US" smtClean="0"/>
+              <a:t>Click to edit Master text styles</a:t>
+            </a:r>
+          </a:p>
+        </p:txBody>
+      </p:sp>
+      <p:sp>
+        <p:nvSpPr>
+          <p:cNvPr id="4" name="Date Placeholder 3"/>
+          <p:cNvSpPr>
+            <a:spLocks noGrp="1"/>
+          </p:cNvSpPr>
+          <p:nvPr>
+            <p:ph type="dt" sz="half" idx="10"/>
+          </p:nvPr>
+        </p:nvSpPr>
+        <p:spPr/>
+        <p:txBody>
+          <a:bodyPr/>
+          <a:lstStyle/>
+          <a:p>
+            <a:fld id="{1C11B133-5474-465F-A785-F314434DFD23}" type="datetime1">
+              <a:rPr lang="en-US" smtClean="0"/>
+              <a:t>6/22/2015</a:t>
+            </a:fld>
+            <a:endParaRPr lang="en-US"/>
+          </a:p>
+        </p:txBody>
+      </p:sp>
+      <p:sp>
+        <p:nvSpPr>
+          <p:cNvPr id="5" name="Footer Placeholder 4"/>
+          <p:cNvSpPr>
+            <a:spLocks noGrp="1"/>
+          </p:cNvSpPr>
+          <p:nvPr>
+            <p:ph type="ftr" sz="quarter" idx="11"/>
+          </p:nvPr>
+        </p:nvSpPr>
+        <p:spPr/>
+        <p:txBody>
+          <a:bodyPr/>
+          <a:lstStyle/>
+          <a:p>
+            <a:endParaRPr lang="en-US"/>
+          </a:p>
+        </p:txBody>
+      </p:sp>
+      <p:sp>
+        <p:nvSpPr>
+          <p:cNvPr id="6" name="Slide Number Placeholder 5"/>
+          <p:cNvSpPr>
+            <a:spLocks noGrp="1"/>
+          </p:cNvSpPr>
+          <p:nvPr>
+            <p:ph type="sldNum" sz="quarter" idx="12"/>
+          </p:nvPr>
+        </p:nvSpPr>
+        <p:spPr/>
+        <p:txBody>
+          <a:bodyPr/>
+          <a:lstStyle/>
+          <a:p>
+            <a:fld id="{BCD7396F-CAFE-47FC-9775-745DE743DF33}" type="slidenum">
+              <a:rPr lang="en-US" smtClean="0"/>
+              <a:t>‹#›</a:t>
+            </a:fld>
+            <a:endParaRPr lang="en-US"/>
+          </a:p>
+        </p:txBody>
+      </p:sp>
+    </p:spTree>
+    <p:extLst>
+      <p:ext uri="{BB962C8B-B14F-4D97-AF65-F5344CB8AC3E}">
+        <p14:creationId xmlns:p14="http://schemas.microsoft.com/office/powerpoint/2010/main" val="4248965075"/>
+      </p:ext>
+    </p:extLst>
+  </p:cSld>
+  <p:clrMapOvr>
+    <a:masterClrMapping/>
+  </p:clrMapOvr>
+</p:sldLayout>
+</file>
+
+<file path=ppt/slideLayouts/slideLayout37.xml><?xml version="1.0" encoding="utf-8"?>
+<p:sldLayout xmlns:a="http://schemas.openxmlformats.org/drawingml/2006/main" xmlns:r="http://schemas.openxmlformats.org/officeDocument/2006/relationships" xmlns:p="http://schemas.openxmlformats.org/presentationml/2006/main" type="twoObj" preserve="1">
+  <p:cSld name="Two Content">
+    <p:spTree>
+      <p:nvGrpSpPr>
+        <p:cNvPr id="1" name=""/>
+        <p:cNvGrpSpPr/>
+        <p:nvPr/>
+      </p:nvGrpSpPr>
+      <p:grpSpPr>
+        <a:xfrm>
+          <a:off x="0" y="0"/>
+          <a:ext cx="0" cy="0"/>
+          <a:chOff x="0" y="0"/>
+          <a:chExt cx="0" cy="0"/>
+        </a:xfrm>
+      </p:grpSpPr>
+      <p:sp>
+        <p:nvSpPr>
+          <p:cNvPr id="2" name="Title 1"/>
+          <p:cNvSpPr>
+            <a:spLocks noGrp="1"/>
+          </p:cNvSpPr>
+          <p:nvPr>
+            <p:ph type="title"/>
+          </p:nvPr>
+        </p:nvSpPr>
+        <p:spPr/>
+        <p:txBody>
+          <a:bodyPr/>
+          <a:lstStyle/>
+          <a:p>
+            <a:r>
+              <a:rPr lang="en-US" smtClean="0"/>
+              <a:t>Click to edit Master title style</a:t>
+            </a:r>
+            <a:endParaRPr lang="en-US"/>
+          </a:p>
+        </p:txBody>
+      </p:sp>
+      <p:sp>
+        <p:nvSpPr>
+          <p:cNvPr id="3" name="Content Placeholder 2"/>
+          <p:cNvSpPr>
+            <a:spLocks noGrp="1"/>
+          </p:cNvSpPr>
+          <p:nvPr>
+            <p:ph sz="half" idx="1"/>
+          </p:nvPr>
+        </p:nvSpPr>
+        <p:spPr>
+          <a:xfrm>
+            <a:off x="838200" y="1825625"/>
+            <a:ext cx="5181600" cy="4351338"/>
+          </a:xfrm>
+        </p:spPr>
+        <p:txBody>
+          <a:bodyPr/>
+          <a:lstStyle/>
+          <a:p>
+            <a:pPr lvl="0"/>
+            <a:r>
+              <a:rPr lang="en-US" smtClean="0"/>
+              <a:t>Click to edit Master text styles</a:t>
+            </a:r>
+          </a:p>
+          <a:p>
+            <a:pPr lvl="1"/>
+            <a:r>
+              <a:rPr lang="en-US" smtClean="0"/>
+              <a:t>Second level</a:t>
+            </a:r>
+          </a:p>
+          <a:p>
+            <a:pPr lvl="2"/>
+            <a:r>
+              <a:rPr lang="en-US" smtClean="0"/>
+              <a:t>Third level</a:t>
+            </a:r>
+          </a:p>
+          <a:p>
+            <a:pPr lvl="3"/>
+            <a:r>
+              <a:rPr lang="en-US" smtClean="0"/>
+              <a:t>Fourth level</a:t>
+            </a:r>
+          </a:p>
+          <a:p>
+            <a:pPr lvl="4"/>
+            <a:r>
+              <a:rPr lang="en-US" smtClean="0"/>
+              <a:t>Fifth level</a:t>
+            </a:r>
+            <a:endParaRPr lang="en-US"/>
+          </a:p>
+        </p:txBody>
+      </p:sp>
+      <p:sp>
+        <p:nvSpPr>
+          <p:cNvPr id="4" name="Content Placeholder 3"/>
+          <p:cNvSpPr>
+            <a:spLocks noGrp="1"/>
+          </p:cNvSpPr>
+          <p:nvPr>
+            <p:ph sz="half" idx="2"/>
+          </p:nvPr>
+        </p:nvSpPr>
+        <p:spPr>
+          <a:xfrm>
+            <a:off x="6172200" y="1825625"/>
+            <a:ext cx="5181600" cy="4351338"/>
+          </a:xfrm>
+        </p:spPr>
+        <p:txBody>
+          <a:bodyPr/>
+          <a:lstStyle/>
+          <a:p>
+            <a:pPr lvl="0"/>
+            <a:r>
+              <a:rPr lang="en-US" smtClean="0"/>
+              <a:t>Click to edit Master text styles</a:t>
+            </a:r>
+          </a:p>
+          <a:p>
+            <a:pPr lvl="1"/>
+            <a:r>
+              <a:rPr lang="en-US" smtClean="0"/>
+              <a:t>Second level</a:t>
+            </a:r>
+          </a:p>
+          <a:p>
+            <a:pPr lvl="2"/>
+            <a:r>
+              <a:rPr lang="en-US" smtClean="0"/>
+              <a:t>Third level</a:t>
+            </a:r>
+          </a:p>
+          <a:p>
+            <a:pPr lvl="3"/>
+            <a:r>
+              <a:rPr lang="en-US" smtClean="0"/>
+              <a:t>Fourth level</a:t>
+            </a:r>
+          </a:p>
+          <a:p>
+            <a:pPr lvl="4"/>
+            <a:r>
+              <a:rPr lang="en-US" smtClean="0"/>
+              <a:t>Fifth level</a:t>
+            </a:r>
+            <a:endParaRPr lang="en-US"/>
+          </a:p>
+        </p:txBody>
+      </p:sp>
+      <p:sp>
+        <p:nvSpPr>
+          <p:cNvPr id="5" name="Date Placeholder 4"/>
+          <p:cNvSpPr>
+            <a:spLocks noGrp="1"/>
+          </p:cNvSpPr>
+          <p:nvPr>
+            <p:ph type="dt" sz="half" idx="10"/>
+          </p:nvPr>
+        </p:nvSpPr>
+        <p:spPr/>
+        <p:txBody>
+          <a:bodyPr/>
+          <a:lstStyle/>
+          <a:p>
+            <a:fld id="{1AF9A467-BFE2-41BE-A0FC-0030BE2626DD}" type="datetime1">
+              <a:rPr lang="en-US" smtClean="0"/>
+              <a:t>6/22/2015</a:t>
+            </a:fld>
+            <a:endParaRPr lang="en-US"/>
+          </a:p>
+        </p:txBody>
+      </p:sp>
+      <p:sp>
+        <p:nvSpPr>
+          <p:cNvPr id="6" name="Footer Placeholder 5"/>
+          <p:cNvSpPr>
+            <a:spLocks noGrp="1"/>
+          </p:cNvSpPr>
+          <p:nvPr>
+            <p:ph type="ftr" sz="quarter" idx="11"/>
+          </p:nvPr>
+        </p:nvSpPr>
+        <p:spPr/>
+        <p:txBody>
+          <a:bodyPr/>
+          <a:lstStyle/>
+          <a:p>
+            <a:endParaRPr lang="en-US"/>
+          </a:p>
+        </p:txBody>
+      </p:sp>
+      <p:sp>
+        <p:nvSpPr>
+          <p:cNvPr id="7" name="Slide Number Placeholder 6"/>
+          <p:cNvSpPr>
+            <a:spLocks noGrp="1"/>
+          </p:cNvSpPr>
+          <p:nvPr>
+            <p:ph type="sldNum" sz="quarter" idx="12"/>
+          </p:nvPr>
+        </p:nvSpPr>
+        <p:spPr/>
+        <p:txBody>
+          <a:bodyPr/>
+          <a:lstStyle/>
+          <a:p>
+            <a:fld id="{BCD7396F-CAFE-47FC-9775-745DE743DF33}" type="slidenum">
+              <a:rPr lang="en-US" smtClean="0"/>
+              <a:t>‹#›</a:t>
+            </a:fld>
+            <a:endParaRPr lang="en-US"/>
+          </a:p>
+        </p:txBody>
+      </p:sp>
+    </p:spTree>
+    <p:extLst>
+      <p:ext uri="{BB962C8B-B14F-4D97-AF65-F5344CB8AC3E}">
+        <p14:creationId xmlns:p14="http://schemas.microsoft.com/office/powerpoint/2010/main" val="3719926279"/>
+      </p:ext>
+    </p:extLst>
+  </p:cSld>
+  <p:clrMapOvr>
+    <a:masterClrMapping/>
+  </p:clrMapOvr>
+</p:sldLayout>
+</file>
+
+<file path=ppt/slideLayouts/slideLayout38.xml><?xml version="1.0" encoding="utf-8"?>
+<p:sldLayout xmlns:a="http://schemas.openxmlformats.org/drawingml/2006/main" xmlns:r="http://schemas.openxmlformats.org/officeDocument/2006/relationships" xmlns:p="http://schemas.openxmlformats.org/presentationml/2006/main" type="twoTxTwoObj" preserve="1">
+  <p:cSld name="Comparison">
+    <p:spTree>
+      <p:nvGrpSpPr>
+        <p:cNvPr id="1" name=""/>
+        <p:cNvGrpSpPr/>
+        <p:nvPr/>
+      </p:nvGrpSpPr>
+      <p:grpSpPr>
+        <a:xfrm>
+          <a:off x="0" y="0"/>
+          <a:ext cx="0" cy="0"/>
+          <a:chOff x="0" y="0"/>
+          <a:chExt cx="0" cy="0"/>
+        </a:xfrm>
+      </p:grpSpPr>
+      <p:sp>
+        <p:nvSpPr>
+          <p:cNvPr id="2" name="Title 1"/>
+          <p:cNvSpPr>
+            <a:spLocks noGrp="1"/>
+          </p:cNvSpPr>
+          <p:nvPr>
+            <p:ph type="title"/>
+          </p:nvPr>
+        </p:nvSpPr>
+        <p:spPr>
+          <a:xfrm>
+            <a:off x="839788" y="365125"/>
+            <a:ext cx="10515600" cy="1325563"/>
+          </a:xfrm>
+        </p:spPr>
+        <p:txBody>
+          <a:bodyPr/>
+          <a:lstStyle/>
+          <a:p>
+            <a:r>
+              <a:rPr lang="en-US" smtClean="0"/>
+              <a:t>Click to edit Master title style</a:t>
+            </a:r>
+            <a:endParaRPr lang="en-US"/>
+          </a:p>
+        </p:txBody>
+      </p:sp>
+      <p:sp>
+        <p:nvSpPr>
+          <p:cNvPr id="3" name="Text Placeholder 2"/>
+          <p:cNvSpPr>
+            <a:spLocks noGrp="1"/>
+          </p:cNvSpPr>
+          <p:nvPr>
+            <p:ph type="body" idx="1"/>
+          </p:nvPr>
+        </p:nvSpPr>
+        <p:spPr>
+          <a:xfrm>
+            <a:off x="839788" y="1681163"/>
+            <a:ext cx="5157787" cy="823912"/>
+          </a:xfrm>
+        </p:spPr>
+        <p:txBody>
+          <a:bodyPr anchor="b"/>
+          <a:lstStyle>
+            <a:lvl1pPr marL="0" indent="0">
+              <a:buNone/>
+              <a:defRPr sz="2400" b="1"/>
+            </a:lvl1pPr>
+            <a:lvl2pPr marL="457200" indent="0">
+              <a:buNone/>
+              <a:defRPr sz="2000" b="1"/>
+            </a:lvl2pPr>
+            <a:lvl3pPr marL="914400" indent="0">
+              <a:buNone/>
+              <a:defRPr sz="1800" b="1"/>
+            </a:lvl3pPr>
+            <a:lvl4pPr marL="1371600" indent="0">
+              <a:buNone/>
+              <a:defRPr sz="1600" b="1"/>
+            </a:lvl4pPr>
+            <a:lvl5pPr marL="1828800" indent="0">
+              <a:buNone/>
+              <a:defRPr sz="1600" b="1"/>
+            </a:lvl5pPr>
+            <a:lvl6pPr marL="2286000" indent="0">
+              <a:buNone/>
+              <a:defRPr sz="1600" b="1"/>
+            </a:lvl6pPr>
+            <a:lvl7pPr marL="2743200" indent="0">
+              <a:buNone/>
+              <a:defRPr sz="1600" b="1"/>
+            </a:lvl7pPr>
+            <a:lvl8pPr marL="3200400" indent="0">
+              <a:buNone/>
+              <a:defRPr sz="1600" b="1"/>
+            </a:lvl8pPr>
+            <a:lvl9pPr marL="3657600" indent="0">
+              <a:buNone/>
+              <a:defRPr sz="1600" b="1"/>
+            </a:lvl9pPr>
+          </a:lstStyle>
+          <a:p>
+            <a:pPr lvl="0"/>
+            <a:r>
+              <a:rPr lang="en-US" smtClean="0"/>
+              <a:t>Click to edit Master text styles</a:t>
+            </a:r>
+          </a:p>
+        </p:txBody>
+      </p:sp>
+      <p:sp>
+        <p:nvSpPr>
+          <p:cNvPr id="4" name="Content Placeholder 3"/>
+          <p:cNvSpPr>
+            <a:spLocks noGrp="1"/>
+          </p:cNvSpPr>
+          <p:nvPr>
+            <p:ph sz="half" idx="2"/>
+          </p:nvPr>
+        </p:nvSpPr>
+        <p:spPr>
+          <a:xfrm>
+            <a:off x="839788" y="2505075"/>
+            <a:ext cx="5157787" cy="3684588"/>
+          </a:xfrm>
+        </p:spPr>
+        <p:txBody>
+          <a:bodyPr/>
+          <a:lstStyle/>
+          <a:p>
+            <a:pPr lvl="0"/>
+            <a:r>
+              <a:rPr lang="en-US" smtClean="0"/>
+              <a:t>Click to edit Master text styles</a:t>
+            </a:r>
+          </a:p>
+          <a:p>
+            <a:pPr lvl="1"/>
+            <a:r>
+              <a:rPr lang="en-US" smtClean="0"/>
+              <a:t>Second level</a:t>
+            </a:r>
+          </a:p>
+          <a:p>
+            <a:pPr lvl="2"/>
+            <a:r>
+              <a:rPr lang="en-US" smtClean="0"/>
+              <a:t>Third level</a:t>
+            </a:r>
+          </a:p>
+          <a:p>
+            <a:pPr lvl="3"/>
+            <a:r>
+              <a:rPr lang="en-US" smtClean="0"/>
+              <a:t>Fourth level</a:t>
+            </a:r>
+          </a:p>
+          <a:p>
+            <a:pPr lvl="4"/>
+            <a:r>
+              <a:rPr lang="en-US" smtClean="0"/>
+              <a:t>Fifth level</a:t>
+            </a:r>
+            <a:endParaRPr lang="en-US"/>
+          </a:p>
+        </p:txBody>
+      </p:sp>
+      <p:sp>
+        <p:nvSpPr>
+          <p:cNvPr id="5" name="Text Placeholder 4"/>
+          <p:cNvSpPr>
+            <a:spLocks noGrp="1"/>
+          </p:cNvSpPr>
+          <p:nvPr>
+            <p:ph type="body" sz="quarter" idx="3"/>
+          </p:nvPr>
+        </p:nvSpPr>
+        <p:spPr>
+          <a:xfrm>
+            <a:off x="6172200" y="1681163"/>
+            <a:ext cx="5183188" cy="823912"/>
+          </a:xfrm>
+        </p:spPr>
+        <p:txBody>
+          <a:bodyPr anchor="b"/>
+          <a:lstStyle>
+            <a:lvl1pPr marL="0" indent="0">
+              <a:buNone/>
+              <a:defRPr sz="2400" b="1"/>
+            </a:lvl1pPr>
+            <a:lvl2pPr marL="457200" indent="0">
+              <a:buNone/>
+              <a:defRPr sz="2000" b="1"/>
+            </a:lvl2pPr>
+            <a:lvl3pPr marL="914400" indent="0">
+              <a:buNone/>
+              <a:defRPr sz="1800" b="1"/>
+            </a:lvl3pPr>
+            <a:lvl4pPr marL="1371600" indent="0">
+              <a:buNone/>
+              <a:defRPr sz="1600" b="1"/>
+            </a:lvl4pPr>
+            <a:lvl5pPr marL="1828800" indent="0">
+              <a:buNone/>
+              <a:defRPr sz="1600" b="1"/>
+            </a:lvl5pPr>
+            <a:lvl6pPr marL="2286000" indent="0">
+              <a:buNone/>
+              <a:defRPr sz="1600" b="1"/>
+            </a:lvl6pPr>
+            <a:lvl7pPr marL="2743200" indent="0">
+              <a:buNone/>
+              <a:defRPr sz="1600" b="1"/>
+            </a:lvl7pPr>
+            <a:lvl8pPr marL="3200400" indent="0">
+              <a:buNone/>
+              <a:defRPr sz="1600" b="1"/>
+            </a:lvl8pPr>
+            <a:lvl9pPr marL="3657600" indent="0">
+              <a:buNone/>
+              <a:defRPr sz="1600" b="1"/>
+            </a:lvl9pPr>
+          </a:lstStyle>
+          <a:p>
+            <a:pPr lvl="0"/>
+            <a:r>
+              <a:rPr lang="en-US" smtClean="0"/>
+              <a:t>Click to edit Master text styles</a:t>
+            </a:r>
+          </a:p>
+        </p:txBody>
+      </p:sp>
+      <p:sp>
+        <p:nvSpPr>
+          <p:cNvPr id="6" name="Content Placeholder 5"/>
+          <p:cNvSpPr>
+            <a:spLocks noGrp="1"/>
+          </p:cNvSpPr>
+          <p:nvPr>
+            <p:ph sz="quarter" idx="4"/>
+          </p:nvPr>
+        </p:nvSpPr>
+        <p:spPr>
+          <a:xfrm>
+            <a:off x="6172200" y="2505075"/>
+            <a:ext cx="5183188" cy="3684588"/>
+          </a:xfrm>
+        </p:spPr>
+        <p:txBody>
+          <a:bodyPr/>
+          <a:lstStyle/>
+          <a:p>
+            <a:pPr lvl="0"/>
+            <a:r>
+              <a:rPr lang="en-US" smtClean="0"/>
+              <a:t>Click to edit Master text styles</a:t>
+            </a:r>
+          </a:p>
+          <a:p>
+            <a:pPr lvl="1"/>
+            <a:r>
+              <a:rPr lang="en-US" smtClean="0"/>
+              <a:t>Second level</a:t>
+            </a:r>
+          </a:p>
+          <a:p>
+            <a:pPr lvl="2"/>
+            <a:r>
+              <a:rPr lang="en-US" smtClean="0"/>
+              <a:t>Third level</a:t>
+            </a:r>
+          </a:p>
+          <a:p>
+            <a:pPr lvl="3"/>
+            <a:r>
+              <a:rPr lang="en-US" smtClean="0"/>
+              <a:t>Fourth level</a:t>
+            </a:r>
+          </a:p>
+          <a:p>
+            <a:pPr lvl="4"/>
+            <a:r>
+              <a:rPr lang="en-US" smtClean="0"/>
+              <a:t>Fifth level</a:t>
+            </a:r>
+            <a:endParaRPr lang="en-US"/>
+          </a:p>
+        </p:txBody>
+      </p:sp>
+      <p:sp>
+        <p:nvSpPr>
+          <p:cNvPr id="7" name="Date Placeholder 6"/>
+          <p:cNvSpPr>
+            <a:spLocks noGrp="1"/>
+          </p:cNvSpPr>
+          <p:nvPr>
+            <p:ph type="dt" sz="half" idx="10"/>
+          </p:nvPr>
+        </p:nvSpPr>
+        <p:spPr/>
+        <p:txBody>
+          <a:bodyPr/>
+          <a:lstStyle/>
+          <a:p>
+            <a:fld id="{43E3EAFD-F696-47C2-9253-8A163E9F976A}" type="datetime1">
+              <a:rPr lang="en-US" smtClean="0"/>
+              <a:t>6/22/2015</a:t>
+            </a:fld>
+            <a:endParaRPr lang="en-US"/>
+          </a:p>
+        </p:txBody>
+      </p:sp>
+      <p:sp>
+        <p:nvSpPr>
+          <p:cNvPr id="8" name="Footer Placeholder 7"/>
+          <p:cNvSpPr>
+            <a:spLocks noGrp="1"/>
+          </p:cNvSpPr>
+          <p:nvPr>
+            <p:ph type="ftr" sz="quarter" idx="11"/>
+          </p:nvPr>
+        </p:nvSpPr>
+        <p:spPr/>
+        <p:txBody>
+          <a:bodyPr/>
+          <a:lstStyle/>
+          <a:p>
+            <a:endParaRPr lang="en-US"/>
+          </a:p>
+        </p:txBody>
+      </p:sp>
+      <p:sp>
+        <p:nvSpPr>
+          <p:cNvPr id="9" name="Slide Number Placeholder 8"/>
+          <p:cNvSpPr>
+            <a:spLocks noGrp="1"/>
+          </p:cNvSpPr>
+          <p:nvPr>
+            <p:ph type="sldNum" sz="quarter" idx="12"/>
+          </p:nvPr>
+        </p:nvSpPr>
+        <p:spPr/>
+        <p:txBody>
+          <a:bodyPr/>
+          <a:lstStyle/>
+          <a:p>
+            <a:fld id="{BCD7396F-CAFE-47FC-9775-745DE743DF33}" type="slidenum">
+              <a:rPr lang="en-US" smtClean="0"/>
+              <a:t>‹#›</a:t>
+            </a:fld>
+            <a:endParaRPr lang="en-US"/>
+          </a:p>
+        </p:txBody>
+      </p:sp>
+    </p:spTree>
+    <p:extLst>
+      <p:ext uri="{BB962C8B-B14F-4D97-AF65-F5344CB8AC3E}">
+        <p14:creationId xmlns:p14="http://schemas.microsoft.com/office/powerpoint/2010/main" val="4114490918"/>
+      </p:ext>
+    </p:extLst>
+  </p:cSld>
+  <p:clrMapOvr>
+    <a:masterClrMapping/>
+  </p:clrMapOvr>
+</p:sldLayout>
+</file>
+
+<file path=ppt/slideLayouts/slideLayout39.xml><?xml version="1.0" encoding="utf-8"?>
+<p:sldLayout xmlns:a="http://schemas.openxmlformats.org/drawingml/2006/main" xmlns:r="http://schemas.openxmlformats.org/officeDocument/2006/relationships" xmlns:p="http://schemas.openxmlformats.org/presentationml/2006/main" type="titleOnly" preserve="1">
+  <p:cSld name="Title Only">
+    <p:spTree>
+      <p:nvGrpSpPr>
+        <p:cNvPr id="1" name=""/>
+        <p:cNvGrpSpPr/>
+        <p:nvPr/>
+      </p:nvGrpSpPr>
+      <p:grpSpPr>
+        <a:xfrm>
+          <a:off x="0" y="0"/>
+          <a:ext cx="0" cy="0"/>
+          <a:chOff x="0" y="0"/>
+          <a:chExt cx="0" cy="0"/>
+        </a:xfrm>
+      </p:grpSpPr>
+      <p:sp>
+        <p:nvSpPr>
+          <p:cNvPr id="2" name="Title 1"/>
+          <p:cNvSpPr>
+            <a:spLocks noGrp="1"/>
+          </p:cNvSpPr>
+          <p:nvPr>
+            <p:ph type="title"/>
+          </p:nvPr>
+        </p:nvSpPr>
+        <p:spPr/>
+        <p:txBody>
+          <a:bodyPr/>
+          <a:lstStyle/>
+          <a:p>
+            <a:r>
+              <a:rPr lang="en-US" smtClean="0"/>
+              <a:t>Click to edit Master title style</a:t>
+            </a:r>
+            <a:endParaRPr lang="en-US"/>
+          </a:p>
+        </p:txBody>
+      </p:sp>
+      <p:sp>
+        <p:nvSpPr>
+          <p:cNvPr id="3" name="Date Placeholder 2"/>
+          <p:cNvSpPr>
+            <a:spLocks noGrp="1"/>
+          </p:cNvSpPr>
+          <p:nvPr>
+            <p:ph type="dt" sz="half" idx="10"/>
+          </p:nvPr>
+        </p:nvSpPr>
+        <p:spPr/>
+        <p:txBody>
+          <a:bodyPr/>
+          <a:lstStyle/>
+          <a:p>
+            <a:fld id="{3359A0CF-9B53-46A5-8307-04A4889D9F93}" type="datetime1">
+              <a:rPr lang="en-US" smtClean="0"/>
+              <a:t>6/22/2015</a:t>
+            </a:fld>
+            <a:endParaRPr lang="en-US"/>
+          </a:p>
+        </p:txBody>
+      </p:sp>
+      <p:sp>
+        <p:nvSpPr>
+          <p:cNvPr id="4" name="Footer Placeholder 3"/>
+          <p:cNvSpPr>
+            <a:spLocks noGrp="1"/>
+          </p:cNvSpPr>
+          <p:nvPr>
+            <p:ph type="ftr" sz="quarter" idx="11"/>
+          </p:nvPr>
+        </p:nvSpPr>
+        <p:spPr/>
+        <p:txBody>
+          <a:bodyPr/>
+          <a:lstStyle/>
+          <a:p>
+            <a:endParaRPr lang="en-US"/>
+          </a:p>
+        </p:txBody>
+      </p:sp>
+      <p:sp>
+        <p:nvSpPr>
+          <p:cNvPr id="5" name="Slide Number Placeholder 4"/>
+          <p:cNvSpPr>
+            <a:spLocks noGrp="1"/>
+          </p:cNvSpPr>
+          <p:nvPr>
+            <p:ph type="sldNum" sz="quarter" idx="12"/>
+          </p:nvPr>
+        </p:nvSpPr>
+        <p:spPr/>
+        <p:txBody>
+          <a:bodyPr/>
+          <a:lstStyle/>
+          <a:p>
+            <a:fld id="{BCD7396F-CAFE-47FC-9775-745DE743DF33}" type="slidenum">
+              <a:rPr lang="en-US" smtClean="0"/>
+              <a:t>‹#›</a:t>
+            </a:fld>
+            <a:endParaRPr lang="en-US"/>
+          </a:p>
+        </p:txBody>
+      </p:sp>
+    </p:spTree>
+    <p:extLst>
+      <p:ext uri="{BB962C8B-B14F-4D97-AF65-F5344CB8AC3E}">
+        <p14:creationId xmlns:p14="http://schemas.microsoft.com/office/powerpoint/2010/main" val="1393380076"/>
+      </p:ext>
+    </p:extLst>
+  </p:cSld>
+  <p:clrMapOvr>
+    <a:masterClrMapping/>
+  </p:clrMapOvr>
+</p:sldLayout>
+</file>
+
 <file path=ppt/slideLayouts/slideLayout4.xml><?xml version="1.0" encoding="utf-8"?>
 <p:sldLayout xmlns:a="http://schemas.openxmlformats.org/drawingml/2006/main" xmlns:r="http://schemas.openxmlformats.org/officeDocument/2006/relationships" xmlns:p="http://schemas.openxmlformats.org/presentationml/2006/main" type="twoObj" preserve="1">
   <p:cSld name="Two Content">
@@ -7065,6 +8392,981 @@
     <p:extLst>
       <p:ext uri="{BB962C8B-B14F-4D97-AF65-F5344CB8AC3E}">
         <p14:creationId xmlns:p14="http://schemas.microsoft.com/office/powerpoint/2010/main" val="2487187659"/>
+      </p:ext>
+    </p:extLst>
+  </p:cSld>
+  <p:clrMapOvr>
+    <a:masterClrMapping/>
+  </p:clrMapOvr>
+</p:sldLayout>
+</file>
+
+<file path=ppt/slideLayouts/slideLayout40.xml><?xml version="1.0" encoding="utf-8"?>
+<p:sldLayout xmlns:a="http://schemas.openxmlformats.org/drawingml/2006/main" xmlns:r="http://schemas.openxmlformats.org/officeDocument/2006/relationships" xmlns:p="http://schemas.openxmlformats.org/presentationml/2006/main" type="blank" preserve="1">
+  <p:cSld name="Blank">
+    <p:spTree>
+      <p:nvGrpSpPr>
+        <p:cNvPr id="1" name=""/>
+        <p:cNvGrpSpPr/>
+        <p:nvPr/>
+      </p:nvGrpSpPr>
+      <p:grpSpPr>
+        <a:xfrm>
+          <a:off x="0" y="0"/>
+          <a:ext cx="0" cy="0"/>
+          <a:chOff x="0" y="0"/>
+          <a:chExt cx="0" cy="0"/>
+        </a:xfrm>
+      </p:grpSpPr>
+      <p:sp>
+        <p:nvSpPr>
+          <p:cNvPr id="2" name="Date Placeholder 1"/>
+          <p:cNvSpPr>
+            <a:spLocks noGrp="1"/>
+          </p:cNvSpPr>
+          <p:nvPr>
+            <p:ph type="dt" sz="half" idx="10"/>
+          </p:nvPr>
+        </p:nvSpPr>
+        <p:spPr/>
+        <p:txBody>
+          <a:bodyPr/>
+          <a:lstStyle/>
+          <a:p>
+            <a:fld id="{A4379B3A-E313-4F12-9C2E-80CDD6D57577}" type="datetime1">
+              <a:rPr lang="en-US" smtClean="0"/>
+              <a:t>6/22/2015</a:t>
+            </a:fld>
+            <a:endParaRPr lang="en-US"/>
+          </a:p>
+        </p:txBody>
+      </p:sp>
+      <p:sp>
+        <p:nvSpPr>
+          <p:cNvPr id="3" name="Footer Placeholder 2"/>
+          <p:cNvSpPr>
+            <a:spLocks noGrp="1"/>
+          </p:cNvSpPr>
+          <p:nvPr>
+            <p:ph type="ftr" sz="quarter" idx="11"/>
+          </p:nvPr>
+        </p:nvSpPr>
+        <p:spPr/>
+        <p:txBody>
+          <a:bodyPr/>
+          <a:lstStyle/>
+          <a:p>
+            <a:endParaRPr lang="en-US"/>
+          </a:p>
+        </p:txBody>
+      </p:sp>
+      <p:sp>
+        <p:nvSpPr>
+          <p:cNvPr id="4" name="Slide Number Placeholder 3"/>
+          <p:cNvSpPr>
+            <a:spLocks noGrp="1"/>
+          </p:cNvSpPr>
+          <p:nvPr>
+            <p:ph type="sldNum" sz="quarter" idx="12"/>
+          </p:nvPr>
+        </p:nvSpPr>
+        <p:spPr/>
+        <p:txBody>
+          <a:bodyPr/>
+          <a:lstStyle/>
+          <a:p>
+            <a:fld id="{BCD7396F-CAFE-47FC-9775-745DE743DF33}" type="slidenum">
+              <a:rPr lang="en-US" smtClean="0"/>
+              <a:t>‹#›</a:t>
+            </a:fld>
+            <a:endParaRPr lang="en-US"/>
+          </a:p>
+        </p:txBody>
+      </p:sp>
+    </p:spTree>
+    <p:extLst>
+      <p:ext uri="{BB962C8B-B14F-4D97-AF65-F5344CB8AC3E}">
+        <p14:creationId xmlns:p14="http://schemas.microsoft.com/office/powerpoint/2010/main" val="2847509748"/>
+      </p:ext>
+    </p:extLst>
+  </p:cSld>
+  <p:clrMapOvr>
+    <a:masterClrMapping/>
+  </p:clrMapOvr>
+</p:sldLayout>
+</file>
+
+<file path=ppt/slideLayouts/slideLayout41.xml><?xml version="1.0" encoding="utf-8"?>
+<p:sldLayout xmlns:a="http://schemas.openxmlformats.org/drawingml/2006/main" xmlns:r="http://schemas.openxmlformats.org/officeDocument/2006/relationships" xmlns:p="http://schemas.openxmlformats.org/presentationml/2006/main" type="objTx" preserve="1">
+  <p:cSld name="Content with Caption">
+    <p:spTree>
+      <p:nvGrpSpPr>
+        <p:cNvPr id="1" name=""/>
+        <p:cNvGrpSpPr/>
+        <p:nvPr/>
+      </p:nvGrpSpPr>
+      <p:grpSpPr>
+        <a:xfrm>
+          <a:off x="0" y="0"/>
+          <a:ext cx="0" cy="0"/>
+          <a:chOff x="0" y="0"/>
+          <a:chExt cx="0" cy="0"/>
+        </a:xfrm>
+      </p:grpSpPr>
+      <p:sp>
+        <p:nvSpPr>
+          <p:cNvPr id="2" name="Title 1"/>
+          <p:cNvSpPr>
+            <a:spLocks noGrp="1"/>
+          </p:cNvSpPr>
+          <p:nvPr>
+            <p:ph type="title"/>
+          </p:nvPr>
+        </p:nvSpPr>
+        <p:spPr>
+          <a:xfrm>
+            <a:off x="839788" y="457200"/>
+            <a:ext cx="3932237" cy="1600200"/>
+          </a:xfrm>
+        </p:spPr>
+        <p:txBody>
+          <a:bodyPr anchor="b"/>
+          <a:lstStyle>
+            <a:lvl1pPr>
+              <a:defRPr sz="3200"/>
+            </a:lvl1pPr>
+          </a:lstStyle>
+          <a:p>
+            <a:r>
+              <a:rPr lang="en-US" smtClean="0"/>
+              <a:t>Click to edit Master title style</a:t>
+            </a:r>
+            <a:endParaRPr lang="en-US"/>
+          </a:p>
+        </p:txBody>
+      </p:sp>
+      <p:sp>
+        <p:nvSpPr>
+          <p:cNvPr id="3" name="Content Placeholder 2"/>
+          <p:cNvSpPr>
+            <a:spLocks noGrp="1"/>
+          </p:cNvSpPr>
+          <p:nvPr>
+            <p:ph idx="1"/>
+          </p:nvPr>
+        </p:nvSpPr>
+        <p:spPr>
+          <a:xfrm>
+            <a:off x="5183188" y="987425"/>
+            <a:ext cx="6172200" cy="4873625"/>
+          </a:xfrm>
+        </p:spPr>
+        <p:txBody>
+          <a:bodyPr/>
+          <a:lstStyle>
+            <a:lvl1pPr>
+              <a:defRPr sz="3200"/>
+            </a:lvl1pPr>
+            <a:lvl2pPr>
+              <a:defRPr sz="2800"/>
+            </a:lvl2pPr>
+            <a:lvl3pPr>
+              <a:defRPr sz="2400"/>
+            </a:lvl3pPr>
+            <a:lvl4pPr>
+              <a:defRPr sz="2000"/>
+            </a:lvl4pPr>
+            <a:lvl5pPr>
+              <a:defRPr sz="2000"/>
+            </a:lvl5pPr>
+            <a:lvl6pPr>
+              <a:defRPr sz="2000"/>
+            </a:lvl6pPr>
+            <a:lvl7pPr>
+              <a:defRPr sz="2000"/>
+            </a:lvl7pPr>
+            <a:lvl8pPr>
+              <a:defRPr sz="2000"/>
+            </a:lvl8pPr>
+            <a:lvl9pPr>
+              <a:defRPr sz="2000"/>
+            </a:lvl9pPr>
+          </a:lstStyle>
+          <a:p>
+            <a:pPr lvl="0"/>
+            <a:r>
+              <a:rPr lang="en-US" smtClean="0"/>
+              <a:t>Click to edit Master text styles</a:t>
+            </a:r>
+          </a:p>
+          <a:p>
+            <a:pPr lvl="1"/>
+            <a:r>
+              <a:rPr lang="en-US" smtClean="0"/>
+              <a:t>Second level</a:t>
+            </a:r>
+          </a:p>
+          <a:p>
+            <a:pPr lvl="2"/>
+            <a:r>
+              <a:rPr lang="en-US" smtClean="0"/>
+              <a:t>Third level</a:t>
+            </a:r>
+          </a:p>
+          <a:p>
+            <a:pPr lvl="3"/>
+            <a:r>
+              <a:rPr lang="en-US" smtClean="0"/>
+              <a:t>Fourth level</a:t>
+            </a:r>
+          </a:p>
+          <a:p>
+            <a:pPr lvl="4"/>
+            <a:r>
+              <a:rPr lang="en-US" smtClean="0"/>
+              <a:t>Fifth level</a:t>
+            </a:r>
+            <a:endParaRPr lang="en-US"/>
+          </a:p>
+        </p:txBody>
+      </p:sp>
+      <p:sp>
+        <p:nvSpPr>
+          <p:cNvPr id="4" name="Text Placeholder 3"/>
+          <p:cNvSpPr>
+            <a:spLocks noGrp="1"/>
+          </p:cNvSpPr>
+          <p:nvPr>
+            <p:ph type="body" sz="half" idx="2"/>
+          </p:nvPr>
+        </p:nvSpPr>
+        <p:spPr>
+          <a:xfrm>
+            <a:off x="839788" y="2057400"/>
+            <a:ext cx="3932237" cy="3811588"/>
+          </a:xfrm>
+        </p:spPr>
+        <p:txBody>
+          <a:bodyPr/>
+          <a:lstStyle>
+            <a:lvl1pPr marL="0" indent="0">
+              <a:buNone/>
+              <a:defRPr sz="1600"/>
+            </a:lvl1pPr>
+            <a:lvl2pPr marL="457200" indent="0">
+              <a:buNone/>
+              <a:defRPr sz="1400"/>
+            </a:lvl2pPr>
+            <a:lvl3pPr marL="914400" indent="0">
+              <a:buNone/>
+              <a:defRPr sz="1200"/>
+            </a:lvl3pPr>
+            <a:lvl4pPr marL="1371600" indent="0">
+              <a:buNone/>
+              <a:defRPr sz="1000"/>
+            </a:lvl4pPr>
+            <a:lvl5pPr marL="1828800" indent="0">
+              <a:buNone/>
+              <a:defRPr sz="1000"/>
+            </a:lvl5pPr>
+            <a:lvl6pPr marL="2286000" indent="0">
+              <a:buNone/>
+              <a:defRPr sz="1000"/>
+            </a:lvl6pPr>
+            <a:lvl7pPr marL="2743200" indent="0">
+              <a:buNone/>
+              <a:defRPr sz="1000"/>
+            </a:lvl7pPr>
+            <a:lvl8pPr marL="3200400" indent="0">
+              <a:buNone/>
+              <a:defRPr sz="1000"/>
+            </a:lvl8pPr>
+            <a:lvl9pPr marL="3657600" indent="0">
+              <a:buNone/>
+              <a:defRPr sz="1000"/>
+            </a:lvl9pPr>
+          </a:lstStyle>
+          <a:p>
+            <a:pPr lvl="0"/>
+            <a:r>
+              <a:rPr lang="en-US" smtClean="0"/>
+              <a:t>Click to edit Master text styles</a:t>
+            </a:r>
+          </a:p>
+        </p:txBody>
+      </p:sp>
+      <p:sp>
+        <p:nvSpPr>
+          <p:cNvPr id="5" name="Date Placeholder 4"/>
+          <p:cNvSpPr>
+            <a:spLocks noGrp="1"/>
+          </p:cNvSpPr>
+          <p:nvPr>
+            <p:ph type="dt" sz="half" idx="10"/>
+          </p:nvPr>
+        </p:nvSpPr>
+        <p:spPr/>
+        <p:txBody>
+          <a:bodyPr/>
+          <a:lstStyle/>
+          <a:p>
+            <a:fld id="{C10E1925-197E-4055-87BD-DC23A5578938}" type="datetime1">
+              <a:rPr lang="en-US" smtClean="0"/>
+              <a:t>6/22/2015</a:t>
+            </a:fld>
+            <a:endParaRPr lang="en-US"/>
+          </a:p>
+        </p:txBody>
+      </p:sp>
+      <p:sp>
+        <p:nvSpPr>
+          <p:cNvPr id="6" name="Footer Placeholder 5"/>
+          <p:cNvSpPr>
+            <a:spLocks noGrp="1"/>
+          </p:cNvSpPr>
+          <p:nvPr>
+            <p:ph type="ftr" sz="quarter" idx="11"/>
+          </p:nvPr>
+        </p:nvSpPr>
+        <p:spPr/>
+        <p:txBody>
+          <a:bodyPr/>
+          <a:lstStyle/>
+          <a:p>
+            <a:endParaRPr lang="en-US"/>
+          </a:p>
+        </p:txBody>
+      </p:sp>
+      <p:sp>
+        <p:nvSpPr>
+          <p:cNvPr id="7" name="Slide Number Placeholder 6"/>
+          <p:cNvSpPr>
+            <a:spLocks noGrp="1"/>
+          </p:cNvSpPr>
+          <p:nvPr>
+            <p:ph type="sldNum" sz="quarter" idx="12"/>
+          </p:nvPr>
+        </p:nvSpPr>
+        <p:spPr/>
+        <p:txBody>
+          <a:bodyPr/>
+          <a:lstStyle/>
+          <a:p>
+            <a:fld id="{BCD7396F-CAFE-47FC-9775-745DE743DF33}" type="slidenum">
+              <a:rPr lang="en-US" smtClean="0"/>
+              <a:t>‹#›</a:t>
+            </a:fld>
+            <a:endParaRPr lang="en-US"/>
+          </a:p>
+        </p:txBody>
+      </p:sp>
+    </p:spTree>
+    <p:extLst>
+      <p:ext uri="{BB962C8B-B14F-4D97-AF65-F5344CB8AC3E}">
+        <p14:creationId xmlns:p14="http://schemas.microsoft.com/office/powerpoint/2010/main" val="756446143"/>
+      </p:ext>
+    </p:extLst>
+  </p:cSld>
+  <p:clrMapOvr>
+    <a:masterClrMapping/>
+  </p:clrMapOvr>
+</p:sldLayout>
+</file>
+
+<file path=ppt/slideLayouts/slideLayout42.xml><?xml version="1.0" encoding="utf-8"?>
+<p:sldLayout xmlns:a="http://schemas.openxmlformats.org/drawingml/2006/main" xmlns:r="http://schemas.openxmlformats.org/officeDocument/2006/relationships" xmlns:p="http://schemas.openxmlformats.org/presentationml/2006/main" type="picTx" preserve="1">
+  <p:cSld name="Picture with Caption">
+    <p:spTree>
+      <p:nvGrpSpPr>
+        <p:cNvPr id="1" name=""/>
+        <p:cNvGrpSpPr/>
+        <p:nvPr/>
+      </p:nvGrpSpPr>
+      <p:grpSpPr>
+        <a:xfrm>
+          <a:off x="0" y="0"/>
+          <a:ext cx="0" cy="0"/>
+          <a:chOff x="0" y="0"/>
+          <a:chExt cx="0" cy="0"/>
+        </a:xfrm>
+      </p:grpSpPr>
+      <p:sp>
+        <p:nvSpPr>
+          <p:cNvPr id="2" name="Title 1"/>
+          <p:cNvSpPr>
+            <a:spLocks noGrp="1"/>
+          </p:cNvSpPr>
+          <p:nvPr>
+            <p:ph type="title"/>
+          </p:nvPr>
+        </p:nvSpPr>
+        <p:spPr>
+          <a:xfrm>
+            <a:off x="839788" y="457200"/>
+            <a:ext cx="3932237" cy="1600200"/>
+          </a:xfrm>
+        </p:spPr>
+        <p:txBody>
+          <a:bodyPr anchor="b"/>
+          <a:lstStyle>
+            <a:lvl1pPr>
+              <a:defRPr sz="3200"/>
+            </a:lvl1pPr>
+          </a:lstStyle>
+          <a:p>
+            <a:r>
+              <a:rPr lang="en-US" smtClean="0"/>
+              <a:t>Click to edit Master title style</a:t>
+            </a:r>
+            <a:endParaRPr lang="en-US"/>
+          </a:p>
+        </p:txBody>
+      </p:sp>
+      <p:sp>
+        <p:nvSpPr>
+          <p:cNvPr id="3" name="Picture Placeholder 2"/>
+          <p:cNvSpPr>
+            <a:spLocks noGrp="1"/>
+          </p:cNvSpPr>
+          <p:nvPr>
+            <p:ph type="pic" idx="1"/>
+          </p:nvPr>
+        </p:nvSpPr>
+        <p:spPr>
+          <a:xfrm>
+            <a:off x="5183188" y="987425"/>
+            <a:ext cx="6172200" cy="4873625"/>
+          </a:xfrm>
+        </p:spPr>
+        <p:txBody>
+          <a:bodyPr/>
+          <a:lstStyle>
+            <a:lvl1pPr marL="0" indent="0">
+              <a:buNone/>
+              <a:defRPr sz="3200"/>
+            </a:lvl1pPr>
+            <a:lvl2pPr marL="457200" indent="0">
+              <a:buNone/>
+              <a:defRPr sz="2800"/>
+            </a:lvl2pPr>
+            <a:lvl3pPr marL="914400" indent="0">
+              <a:buNone/>
+              <a:defRPr sz="2400"/>
+            </a:lvl3pPr>
+            <a:lvl4pPr marL="1371600" indent="0">
+              <a:buNone/>
+              <a:defRPr sz="2000"/>
+            </a:lvl4pPr>
+            <a:lvl5pPr marL="1828800" indent="0">
+              <a:buNone/>
+              <a:defRPr sz="2000"/>
+            </a:lvl5pPr>
+            <a:lvl6pPr marL="2286000" indent="0">
+              <a:buNone/>
+              <a:defRPr sz="2000"/>
+            </a:lvl6pPr>
+            <a:lvl7pPr marL="2743200" indent="0">
+              <a:buNone/>
+              <a:defRPr sz="2000"/>
+            </a:lvl7pPr>
+            <a:lvl8pPr marL="3200400" indent="0">
+              <a:buNone/>
+              <a:defRPr sz="2000"/>
+            </a:lvl8pPr>
+            <a:lvl9pPr marL="3657600" indent="0">
+              <a:buNone/>
+              <a:defRPr sz="2000"/>
+            </a:lvl9pPr>
+          </a:lstStyle>
+          <a:p>
+            <a:endParaRPr lang="en-US"/>
+          </a:p>
+        </p:txBody>
+      </p:sp>
+      <p:sp>
+        <p:nvSpPr>
+          <p:cNvPr id="4" name="Text Placeholder 3"/>
+          <p:cNvSpPr>
+            <a:spLocks noGrp="1"/>
+          </p:cNvSpPr>
+          <p:nvPr>
+            <p:ph type="body" sz="half" idx="2"/>
+          </p:nvPr>
+        </p:nvSpPr>
+        <p:spPr>
+          <a:xfrm>
+            <a:off x="839788" y="2057400"/>
+            <a:ext cx="3932237" cy="3811588"/>
+          </a:xfrm>
+        </p:spPr>
+        <p:txBody>
+          <a:bodyPr/>
+          <a:lstStyle>
+            <a:lvl1pPr marL="0" indent="0">
+              <a:buNone/>
+              <a:defRPr sz="1600"/>
+            </a:lvl1pPr>
+            <a:lvl2pPr marL="457200" indent="0">
+              <a:buNone/>
+              <a:defRPr sz="1400"/>
+            </a:lvl2pPr>
+            <a:lvl3pPr marL="914400" indent="0">
+              <a:buNone/>
+              <a:defRPr sz="1200"/>
+            </a:lvl3pPr>
+            <a:lvl4pPr marL="1371600" indent="0">
+              <a:buNone/>
+              <a:defRPr sz="1000"/>
+            </a:lvl4pPr>
+            <a:lvl5pPr marL="1828800" indent="0">
+              <a:buNone/>
+              <a:defRPr sz="1000"/>
+            </a:lvl5pPr>
+            <a:lvl6pPr marL="2286000" indent="0">
+              <a:buNone/>
+              <a:defRPr sz="1000"/>
+            </a:lvl6pPr>
+            <a:lvl7pPr marL="2743200" indent="0">
+              <a:buNone/>
+              <a:defRPr sz="1000"/>
+            </a:lvl7pPr>
+            <a:lvl8pPr marL="3200400" indent="0">
+              <a:buNone/>
+              <a:defRPr sz="1000"/>
+            </a:lvl8pPr>
+            <a:lvl9pPr marL="3657600" indent="0">
+              <a:buNone/>
+              <a:defRPr sz="1000"/>
+            </a:lvl9pPr>
+          </a:lstStyle>
+          <a:p>
+            <a:pPr lvl="0"/>
+            <a:r>
+              <a:rPr lang="en-US" smtClean="0"/>
+              <a:t>Click to edit Master text styles</a:t>
+            </a:r>
+          </a:p>
+        </p:txBody>
+      </p:sp>
+      <p:sp>
+        <p:nvSpPr>
+          <p:cNvPr id="5" name="Date Placeholder 4"/>
+          <p:cNvSpPr>
+            <a:spLocks noGrp="1"/>
+          </p:cNvSpPr>
+          <p:nvPr>
+            <p:ph type="dt" sz="half" idx="10"/>
+          </p:nvPr>
+        </p:nvSpPr>
+        <p:spPr/>
+        <p:txBody>
+          <a:bodyPr/>
+          <a:lstStyle/>
+          <a:p>
+            <a:fld id="{898E4E15-8956-4935-9C3F-CF1C62A234AF}" type="datetime1">
+              <a:rPr lang="en-US" smtClean="0"/>
+              <a:t>6/22/2015</a:t>
+            </a:fld>
+            <a:endParaRPr lang="en-US"/>
+          </a:p>
+        </p:txBody>
+      </p:sp>
+      <p:sp>
+        <p:nvSpPr>
+          <p:cNvPr id="6" name="Footer Placeholder 5"/>
+          <p:cNvSpPr>
+            <a:spLocks noGrp="1"/>
+          </p:cNvSpPr>
+          <p:nvPr>
+            <p:ph type="ftr" sz="quarter" idx="11"/>
+          </p:nvPr>
+        </p:nvSpPr>
+        <p:spPr/>
+        <p:txBody>
+          <a:bodyPr/>
+          <a:lstStyle/>
+          <a:p>
+            <a:endParaRPr lang="en-US"/>
+          </a:p>
+        </p:txBody>
+      </p:sp>
+      <p:sp>
+        <p:nvSpPr>
+          <p:cNvPr id="7" name="Slide Number Placeholder 6"/>
+          <p:cNvSpPr>
+            <a:spLocks noGrp="1"/>
+          </p:cNvSpPr>
+          <p:nvPr>
+            <p:ph type="sldNum" sz="quarter" idx="12"/>
+          </p:nvPr>
+        </p:nvSpPr>
+        <p:spPr/>
+        <p:txBody>
+          <a:bodyPr/>
+          <a:lstStyle/>
+          <a:p>
+            <a:fld id="{BCD7396F-CAFE-47FC-9775-745DE743DF33}" type="slidenum">
+              <a:rPr lang="en-US" smtClean="0"/>
+              <a:t>‹#›</a:t>
+            </a:fld>
+            <a:endParaRPr lang="en-US"/>
+          </a:p>
+        </p:txBody>
+      </p:sp>
+    </p:spTree>
+    <p:extLst>
+      <p:ext uri="{BB962C8B-B14F-4D97-AF65-F5344CB8AC3E}">
+        <p14:creationId xmlns:p14="http://schemas.microsoft.com/office/powerpoint/2010/main" val="4192610562"/>
+      </p:ext>
+    </p:extLst>
+  </p:cSld>
+  <p:clrMapOvr>
+    <a:masterClrMapping/>
+  </p:clrMapOvr>
+</p:sldLayout>
+</file>
+
+<file path=ppt/slideLayouts/slideLayout43.xml><?xml version="1.0" encoding="utf-8"?>
+<p:sldLayout xmlns:a="http://schemas.openxmlformats.org/drawingml/2006/main" xmlns:r="http://schemas.openxmlformats.org/officeDocument/2006/relationships" xmlns:p="http://schemas.openxmlformats.org/presentationml/2006/main" type="vertTx" preserve="1">
+  <p:cSld name="Title and Vertical Text">
+    <p:spTree>
+      <p:nvGrpSpPr>
+        <p:cNvPr id="1" name=""/>
+        <p:cNvGrpSpPr/>
+        <p:nvPr/>
+      </p:nvGrpSpPr>
+      <p:grpSpPr>
+        <a:xfrm>
+          <a:off x="0" y="0"/>
+          <a:ext cx="0" cy="0"/>
+          <a:chOff x="0" y="0"/>
+          <a:chExt cx="0" cy="0"/>
+        </a:xfrm>
+      </p:grpSpPr>
+      <p:sp>
+        <p:nvSpPr>
+          <p:cNvPr id="2" name="Title 1"/>
+          <p:cNvSpPr>
+            <a:spLocks noGrp="1"/>
+          </p:cNvSpPr>
+          <p:nvPr>
+            <p:ph type="title"/>
+          </p:nvPr>
+        </p:nvSpPr>
+        <p:spPr/>
+        <p:txBody>
+          <a:bodyPr/>
+          <a:lstStyle/>
+          <a:p>
+            <a:r>
+              <a:rPr lang="en-US" smtClean="0"/>
+              <a:t>Click to edit Master title style</a:t>
+            </a:r>
+            <a:endParaRPr lang="en-US"/>
+          </a:p>
+        </p:txBody>
+      </p:sp>
+      <p:sp>
+        <p:nvSpPr>
+          <p:cNvPr id="3" name="Vertical Text Placeholder 2"/>
+          <p:cNvSpPr>
+            <a:spLocks noGrp="1"/>
+          </p:cNvSpPr>
+          <p:nvPr>
+            <p:ph type="body" orient="vert" idx="1"/>
+          </p:nvPr>
+        </p:nvSpPr>
+        <p:spPr/>
+        <p:txBody>
+          <a:bodyPr vert="eaVert"/>
+          <a:lstStyle/>
+          <a:p>
+            <a:pPr lvl="0"/>
+            <a:r>
+              <a:rPr lang="en-US" smtClean="0"/>
+              <a:t>Click to edit Master text styles</a:t>
+            </a:r>
+          </a:p>
+          <a:p>
+            <a:pPr lvl="1"/>
+            <a:r>
+              <a:rPr lang="en-US" smtClean="0"/>
+              <a:t>Second level</a:t>
+            </a:r>
+          </a:p>
+          <a:p>
+            <a:pPr lvl="2"/>
+            <a:r>
+              <a:rPr lang="en-US" smtClean="0"/>
+              <a:t>Third level</a:t>
+            </a:r>
+          </a:p>
+          <a:p>
+            <a:pPr lvl="3"/>
+            <a:r>
+              <a:rPr lang="en-US" smtClean="0"/>
+              <a:t>Fourth level</a:t>
+            </a:r>
+          </a:p>
+          <a:p>
+            <a:pPr lvl="4"/>
+            <a:r>
+              <a:rPr lang="en-US" smtClean="0"/>
+              <a:t>Fifth level</a:t>
+            </a:r>
+            <a:endParaRPr lang="en-US"/>
+          </a:p>
+        </p:txBody>
+      </p:sp>
+      <p:sp>
+        <p:nvSpPr>
+          <p:cNvPr id="4" name="Date Placeholder 3"/>
+          <p:cNvSpPr>
+            <a:spLocks noGrp="1"/>
+          </p:cNvSpPr>
+          <p:nvPr>
+            <p:ph type="dt" sz="half" idx="10"/>
+          </p:nvPr>
+        </p:nvSpPr>
+        <p:spPr/>
+        <p:txBody>
+          <a:bodyPr/>
+          <a:lstStyle/>
+          <a:p>
+            <a:fld id="{E6E53668-B7C0-4790-AB12-5D3BFE47BE8B}" type="datetime1">
+              <a:rPr lang="en-US" smtClean="0"/>
+              <a:t>6/22/2015</a:t>
+            </a:fld>
+            <a:endParaRPr lang="en-US"/>
+          </a:p>
+        </p:txBody>
+      </p:sp>
+      <p:sp>
+        <p:nvSpPr>
+          <p:cNvPr id="5" name="Footer Placeholder 4"/>
+          <p:cNvSpPr>
+            <a:spLocks noGrp="1"/>
+          </p:cNvSpPr>
+          <p:nvPr>
+            <p:ph type="ftr" sz="quarter" idx="11"/>
+          </p:nvPr>
+        </p:nvSpPr>
+        <p:spPr/>
+        <p:txBody>
+          <a:bodyPr/>
+          <a:lstStyle/>
+          <a:p>
+            <a:endParaRPr lang="en-US"/>
+          </a:p>
+        </p:txBody>
+      </p:sp>
+      <p:sp>
+        <p:nvSpPr>
+          <p:cNvPr id="6" name="Slide Number Placeholder 5"/>
+          <p:cNvSpPr>
+            <a:spLocks noGrp="1"/>
+          </p:cNvSpPr>
+          <p:nvPr>
+            <p:ph type="sldNum" sz="quarter" idx="12"/>
+          </p:nvPr>
+        </p:nvSpPr>
+        <p:spPr/>
+        <p:txBody>
+          <a:bodyPr/>
+          <a:lstStyle/>
+          <a:p>
+            <a:fld id="{BCD7396F-CAFE-47FC-9775-745DE743DF33}" type="slidenum">
+              <a:rPr lang="en-US" smtClean="0"/>
+              <a:t>‹#›</a:t>
+            </a:fld>
+            <a:endParaRPr lang="en-US"/>
+          </a:p>
+        </p:txBody>
+      </p:sp>
+    </p:spTree>
+    <p:extLst>
+      <p:ext uri="{BB962C8B-B14F-4D97-AF65-F5344CB8AC3E}">
+        <p14:creationId xmlns:p14="http://schemas.microsoft.com/office/powerpoint/2010/main" val="3126986284"/>
+      </p:ext>
+    </p:extLst>
+  </p:cSld>
+  <p:clrMapOvr>
+    <a:masterClrMapping/>
+  </p:clrMapOvr>
+</p:sldLayout>
+</file>
+
+<file path=ppt/slideLayouts/slideLayout44.xml><?xml version="1.0" encoding="utf-8"?>
+<p:sldLayout xmlns:a="http://schemas.openxmlformats.org/drawingml/2006/main" xmlns:r="http://schemas.openxmlformats.org/officeDocument/2006/relationships" xmlns:p="http://schemas.openxmlformats.org/presentationml/2006/main" type="vertTitleAndTx" preserve="1">
+  <p:cSld name="Vertical Title and Text">
+    <p:spTree>
+      <p:nvGrpSpPr>
+        <p:cNvPr id="1" name=""/>
+        <p:cNvGrpSpPr/>
+        <p:nvPr/>
+      </p:nvGrpSpPr>
+      <p:grpSpPr>
+        <a:xfrm>
+          <a:off x="0" y="0"/>
+          <a:ext cx="0" cy="0"/>
+          <a:chOff x="0" y="0"/>
+          <a:chExt cx="0" cy="0"/>
+        </a:xfrm>
+      </p:grpSpPr>
+      <p:sp>
+        <p:nvSpPr>
+          <p:cNvPr id="2" name="Vertical Title 1"/>
+          <p:cNvSpPr>
+            <a:spLocks noGrp="1"/>
+          </p:cNvSpPr>
+          <p:nvPr>
+            <p:ph type="title" orient="vert"/>
+          </p:nvPr>
+        </p:nvSpPr>
+        <p:spPr>
+          <a:xfrm>
+            <a:off x="8724900" y="365125"/>
+            <a:ext cx="2628900" cy="5811838"/>
+          </a:xfrm>
+        </p:spPr>
+        <p:txBody>
+          <a:bodyPr vert="eaVert"/>
+          <a:lstStyle/>
+          <a:p>
+            <a:r>
+              <a:rPr lang="en-US" smtClean="0"/>
+              <a:t>Click to edit Master title style</a:t>
+            </a:r>
+            <a:endParaRPr lang="en-US"/>
+          </a:p>
+        </p:txBody>
+      </p:sp>
+      <p:sp>
+        <p:nvSpPr>
+          <p:cNvPr id="3" name="Vertical Text Placeholder 2"/>
+          <p:cNvSpPr>
+            <a:spLocks noGrp="1"/>
+          </p:cNvSpPr>
+          <p:nvPr>
+            <p:ph type="body" orient="vert" idx="1"/>
+          </p:nvPr>
+        </p:nvSpPr>
+        <p:spPr>
+          <a:xfrm>
+            <a:off x="838200" y="365125"/>
+            <a:ext cx="7734300" cy="5811838"/>
+          </a:xfrm>
+        </p:spPr>
+        <p:txBody>
+          <a:bodyPr vert="eaVert"/>
+          <a:lstStyle/>
+          <a:p>
+            <a:pPr lvl="0"/>
+            <a:r>
+              <a:rPr lang="en-US" smtClean="0"/>
+              <a:t>Click to edit Master text styles</a:t>
+            </a:r>
+          </a:p>
+          <a:p>
+            <a:pPr lvl="1"/>
+            <a:r>
+              <a:rPr lang="en-US" smtClean="0"/>
+              <a:t>Second level</a:t>
+            </a:r>
+          </a:p>
+          <a:p>
+            <a:pPr lvl="2"/>
+            <a:r>
+              <a:rPr lang="en-US" smtClean="0"/>
+              <a:t>Third level</a:t>
+            </a:r>
+          </a:p>
+          <a:p>
+            <a:pPr lvl="3"/>
+            <a:r>
+              <a:rPr lang="en-US" smtClean="0"/>
+              <a:t>Fourth level</a:t>
+            </a:r>
+          </a:p>
+          <a:p>
+            <a:pPr lvl="4"/>
+            <a:r>
+              <a:rPr lang="en-US" smtClean="0"/>
+              <a:t>Fifth level</a:t>
+            </a:r>
+            <a:endParaRPr lang="en-US"/>
+          </a:p>
+        </p:txBody>
+      </p:sp>
+      <p:sp>
+        <p:nvSpPr>
+          <p:cNvPr id="4" name="Date Placeholder 3"/>
+          <p:cNvSpPr>
+            <a:spLocks noGrp="1"/>
+          </p:cNvSpPr>
+          <p:nvPr>
+            <p:ph type="dt" sz="half" idx="10"/>
+          </p:nvPr>
+        </p:nvSpPr>
+        <p:spPr/>
+        <p:txBody>
+          <a:bodyPr/>
+          <a:lstStyle/>
+          <a:p>
+            <a:fld id="{AD012240-970E-40CC-8CD7-B4B37FE77D86}" type="datetime1">
+              <a:rPr lang="en-US" smtClean="0"/>
+              <a:t>6/22/2015</a:t>
+            </a:fld>
+            <a:endParaRPr lang="en-US"/>
+          </a:p>
+        </p:txBody>
+      </p:sp>
+      <p:sp>
+        <p:nvSpPr>
+          <p:cNvPr id="5" name="Footer Placeholder 4"/>
+          <p:cNvSpPr>
+            <a:spLocks noGrp="1"/>
+          </p:cNvSpPr>
+          <p:nvPr>
+            <p:ph type="ftr" sz="quarter" idx="11"/>
+          </p:nvPr>
+        </p:nvSpPr>
+        <p:spPr/>
+        <p:txBody>
+          <a:bodyPr/>
+          <a:lstStyle/>
+          <a:p>
+            <a:endParaRPr lang="en-US"/>
+          </a:p>
+        </p:txBody>
+      </p:sp>
+      <p:sp>
+        <p:nvSpPr>
+          <p:cNvPr id="6" name="Slide Number Placeholder 5"/>
+          <p:cNvSpPr>
+            <a:spLocks noGrp="1"/>
+          </p:cNvSpPr>
+          <p:nvPr>
+            <p:ph type="sldNum" sz="quarter" idx="12"/>
+          </p:nvPr>
+        </p:nvSpPr>
+        <p:spPr/>
+        <p:txBody>
+          <a:bodyPr/>
+          <a:lstStyle/>
+          <a:p>
+            <a:fld id="{BCD7396F-CAFE-47FC-9775-745DE743DF33}" type="slidenum">
+              <a:rPr lang="en-US" smtClean="0"/>
+              <a:t>‹#›</a:t>
+            </a:fld>
+            <a:endParaRPr lang="en-US"/>
+          </a:p>
+        </p:txBody>
+      </p:sp>
+    </p:spTree>
+    <p:extLst>
+      <p:ext uri="{BB962C8B-B14F-4D97-AF65-F5344CB8AC3E}">
+        <p14:creationId xmlns:p14="http://schemas.microsoft.com/office/powerpoint/2010/main" val="1247548090"/>
       </p:ext>
     </p:extLst>
   </p:cSld>
@@ -9798,6 +12100,547 @@
 </p:sldMaster>
 </file>
 
+<file path=ppt/slideMasters/slideMaster4.xml><?xml version="1.0" encoding="utf-8"?>
+<p:sldMaster xmlns:a="http://schemas.openxmlformats.org/drawingml/2006/main" xmlns:r="http://schemas.openxmlformats.org/officeDocument/2006/relationships" xmlns:p="http://schemas.openxmlformats.org/presentationml/2006/main">
+  <p:cSld>
+    <p:bg>
+      <p:bgRef idx="1001">
+        <a:schemeClr val="bg1"/>
+      </p:bgRef>
+    </p:bg>
+    <p:spTree>
+      <p:nvGrpSpPr>
+        <p:cNvPr id="1" name=""/>
+        <p:cNvGrpSpPr/>
+        <p:nvPr/>
+      </p:nvGrpSpPr>
+      <p:grpSpPr>
+        <a:xfrm>
+          <a:off x="0" y="0"/>
+          <a:ext cx="0" cy="0"/>
+          <a:chOff x="0" y="0"/>
+          <a:chExt cx="0" cy="0"/>
+        </a:xfrm>
+      </p:grpSpPr>
+      <p:sp>
+        <p:nvSpPr>
+          <p:cNvPr id="2" name="Title Placeholder 1"/>
+          <p:cNvSpPr>
+            <a:spLocks noGrp="1"/>
+          </p:cNvSpPr>
+          <p:nvPr>
+            <p:ph type="title"/>
+          </p:nvPr>
+        </p:nvSpPr>
+        <p:spPr>
+          <a:xfrm>
+            <a:off x="838200" y="365125"/>
+            <a:ext cx="10515600" cy="1325563"/>
+          </a:xfrm>
+          <a:prstGeom prst="rect">
+            <a:avLst/>
+          </a:prstGeom>
+        </p:spPr>
+        <p:txBody>
+          <a:bodyPr vert="horz" lIns="91440" tIns="45720" rIns="91440" bIns="45720" rtlCol="0" anchor="ctr">
+            <a:normAutofit/>
+          </a:bodyPr>
+          <a:lstStyle/>
+          <a:p>
+            <a:r>
+              <a:rPr lang="en-US" smtClean="0"/>
+              <a:t>Click to edit Master title style</a:t>
+            </a:r>
+            <a:endParaRPr lang="en-US"/>
+          </a:p>
+        </p:txBody>
+      </p:sp>
+      <p:sp>
+        <p:nvSpPr>
+          <p:cNvPr id="3" name="Text Placeholder 2"/>
+          <p:cNvSpPr>
+            <a:spLocks noGrp="1"/>
+          </p:cNvSpPr>
+          <p:nvPr>
+            <p:ph type="body" idx="1"/>
+          </p:nvPr>
+        </p:nvSpPr>
+        <p:spPr>
+          <a:xfrm>
+            <a:off x="838200" y="1825625"/>
+            <a:ext cx="10515600" cy="4351338"/>
+          </a:xfrm>
+          <a:prstGeom prst="rect">
+            <a:avLst/>
+          </a:prstGeom>
+        </p:spPr>
+        <p:txBody>
+          <a:bodyPr vert="horz" lIns="91440" tIns="45720" rIns="91440" bIns="45720" rtlCol="0">
+            <a:normAutofit/>
+          </a:bodyPr>
+          <a:lstStyle/>
+          <a:p>
+            <a:pPr lvl="0"/>
+            <a:r>
+              <a:rPr lang="en-US" smtClean="0"/>
+              <a:t>Click to edit Master text styles</a:t>
+            </a:r>
+          </a:p>
+          <a:p>
+            <a:pPr lvl="1"/>
+            <a:r>
+              <a:rPr lang="en-US" smtClean="0"/>
+              <a:t>Second level</a:t>
+            </a:r>
+          </a:p>
+          <a:p>
+            <a:pPr lvl="2"/>
+            <a:r>
+              <a:rPr lang="en-US" smtClean="0"/>
+              <a:t>Third level</a:t>
+            </a:r>
+          </a:p>
+          <a:p>
+            <a:pPr lvl="3"/>
+            <a:r>
+              <a:rPr lang="en-US" smtClean="0"/>
+              <a:t>Fourth level</a:t>
+            </a:r>
+          </a:p>
+          <a:p>
+            <a:pPr lvl="4"/>
+            <a:r>
+              <a:rPr lang="en-US" smtClean="0"/>
+              <a:t>Fifth level</a:t>
+            </a:r>
+            <a:endParaRPr lang="en-US"/>
+          </a:p>
+        </p:txBody>
+      </p:sp>
+      <p:sp>
+        <p:nvSpPr>
+          <p:cNvPr id="4" name="Date Placeholder 3"/>
+          <p:cNvSpPr>
+            <a:spLocks noGrp="1"/>
+          </p:cNvSpPr>
+          <p:nvPr>
+            <p:ph type="dt" sz="half" idx="2"/>
+          </p:nvPr>
+        </p:nvSpPr>
+        <p:spPr>
+          <a:xfrm>
+            <a:off x="838200" y="6356350"/>
+            <a:ext cx="2743200" cy="365125"/>
+          </a:xfrm>
+          <a:prstGeom prst="rect">
+            <a:avLst/>
+          </a:prstGeom>
+        </p:spPr>
+        <p:txBody>
+          <a:bodyPr vert="horz" lIns="91440" tIns="45720" rIns="91440" bIns="45720" rtlCol="0" anchor="ctr"/>
+          <a:lstStyle>
+            <a:lvl1pPr algn="l">
+              <a:defRPr sz="1200">
+                <a:solidFill>
+                  <a:schemeClr val="tx1">
+                    <a:tint val="75000"/>
+                  </a:schemeClr>
+                </a:solidFill>
+              </a:defRPr>
+            </a:lvl1pPr>
+          </a:lstStyle>
+          <a:p>
+            <a:fld id="{8A8E5BE4-9DA4-4FAD-9FF2-25E33DA7A2DE}" type="datetime1">
+              <a:rPr lang="en-US" smtClean="0"/>
+              <a:t>6/22/2015</a:t>
+            </a:fld>
+            <a:endParaRPr lang="en-US"/>
+          </a:p>
+        </p:txBody>
+      </p:sp>
+      <p:sp>
+        <p:nvSpPr>
+          <p:cNvPr id="5" name="Footer Placeholder 4"/>
+          <p:cNvSpPr>
+            <a:spLocks noGrp="1"/>
+          </p:cNvSpPr>
+          <p:nvPr>
+            <p:ph type="ftr" sz="quarter" idx="3"/>
+          </p:nvPr>
+        </p:nvSpPr>
+        <p:spPr>
+          <a:xfrm>
+            <a:off x="4038600" y="6356350"/>
+            <a:ext cx="4114800" cy="365125"/>
+          </a:xfrm>
+          <a:prstGeom prst="rect">
+            <a:avLst/>
+          </a:prstGeom>
+        </p:spPr>
+        <p:txBody>
+          <a:bodyPr vert="horz" lIns="91440" tIns="45720" rIns="91440" bIns="45720" rtlCol="0" anchor="ctr"/>
+          <a:lstStyle>
+            <a:lvl1pPr algn="ctr">
+              <a:defRPr sz="1200">
+                <a:solidFill>
+                  <a:schemeClr val="tx1">
+                    <a:tint val="75000"/>
+                  </a:schemeClr>
+                </a:solidFill>
+              </a:defRPr>
+            </a:lvl1pPr>
+          </a:lstStyle>
+          <a:p>
+            <a:endParaRPr lang="en-US"/>
+          </a:p>
+        </p:txBody>
+      </p:sp>
+      <p:sp>
+        <p:nvSpPr>
+          <p:cNvPr id="6" name="Slide Number Placeholder 5"/>
+          <p:cNvSpPr>
+            <a:spLocks noGrp="1"/>
+          </p:cNvSpPr>
+          <p:nvPr>
+            <p:ph type="sldNum" sz="quarter" idx="4"/>
+          </p:nvPr>
+        </p:nvSpPr>
+        <p:spPr>
+          <a:xfrm>
+            <a:off x="8610600" y="6356350"/>
+            <a:ext cx="2743200" cy="365125"/>
+          </a:xfrm>
+          <a:prstGeom prst="rect">
+            <a:avLst/>
+          </a:prstGeom>
+        </p:spPr>
+        <p:txBody>
+          <a:bodyPr vert="horz" lIns="91440" tIns="45720" rIns="91440" bIns="45720" rtlCol="0" anchor="ctr"/>
+          <a:lstStyle>
+            <a:lvl1pPr algn="r">
+              <a:defRPr sz="1200">
+                <a:solidFill>
+                  <a:schemeClr val="tx1">
+                    <a:tint val="75000"/>
+                  </a:schemeClr>
+                </a:solidFill>
+              </a:defRPr>
+            </a:lvl1pPr>
+          </a:lstStyle>
+          <a:p>
+            <a:fld id="{BCD7396F-CAFE-47FC-9775-745DE743DF33}" type="slidenum">
+              <a:rPr lang="en-US" smtClean="0"/>
+              <a:t>‹#›</a:t>
+            </a:fld>
+            <a:endParaRPr lang="en-US"/>
+          </a:p>
+        </p:txBody>
+      </p:sp>
+    </p:spTree>
+    <p:extLst>
+      <p:ext uri="{BB962C8B-B14F-4D97-AF65-F5344CB8AC3E}">
+        <p14:creationId xmlns:p14="http://schemas.microsoft.com/office/powerpoint/2010/main" val="4164342982"/>
+      </p:ext>
+    </p:extLst>
+  </p:cSld>
+  <p:clrMap bg1="lt1" tx1="dk1" bg2="lt2" tx2="dk2" accent1="accent1" accent2="accent2" accent3="accent3" accent4="accent4" accent5="accent5" accent6="accent6" hlink="hlink" folHlink="folHlink"/>
+  <p:sldLayoutIdLst>
+    <p:sldLayoutId id="2147483981" r:id="rId1"/>
+    <p:sldLayoutId id="2147483982" r:id="rId2"/>
+    <p:sldLayoutId id="2147483983" r:id="rId3"/>
+    <p:sldLayoutId id="2147483984" r:id="rId4"/>
+    <p:sldLayoutId id="2147483985" r:id="rId5"/>
+    <p:sldLayoutId id="2147483986" r:id="rId6"/>
+    <p:sldLayoutId id="2147483987" r:id="rId7"/>
+    <p:sldLayoutId id="2147483988" r:id="rId8"/>
+    <p:sldLayoutId id="2147483989" r:id="rId9"/>
+    <p:sldLayoutId id="2147483990" r:id="rId10"/>
+    <p:sldLayoutId id="2147483991" r:id="rId11"/>
+  </p:sldLayoutIdLst>
+  <p:hf hdr="0" ftr="0" dt="0"/>
+  <p:txStyles>
+    <p:titleStyle>
+      <a:lvl1pPr algn="l" defTabSz="914400" rtl="0" eaLnBrk="1" latinLnBrk="0" hangingPunct="1">
+        <a:lnSpc>
+          <a:spcPct val="90000"/>
+        </a:lnSpc>
+        <a:spcBef>
+          <a:spcPct val="0"/>
+        </a:spcBef>
+        <a:buNone/>
+        <a:defRPr sz="4400" kern="1200">
+          <a:solidFill>
+            <a:schemeClr val="tx1"/>
+          </a:solidFill>
+          <a:latin typeface="+mj-lt"/>
+          <a:ea typeface="+mj-ea"/>
+          <a:cs typeface="+mj-cs"/>
+        </a:defRPr>
+      </a:lvl1pPr>
+    </p:titleStyle>
+    <p:bodyStyle>
+      <a:lvl1pPr marL="228600" indent="-228600" algn="l" defTabSz="914400" rtl="0" eaLnBrk="1" latinLnBrk="0" hangingPunct="1">
+        <a:lnSpc>
+          <a:spcPct val="90000"/>
+        </a:lnSpc>
+        <a:spcBef>
+          <a:spcPts val="1000"/>
+        </a:spcBef>
+        <a:buFont typeface="Arial" panose="020B0604020202020204" pitchFamily="34" charset="0"/>
+        <a:buChar char="•"/>
+        <a:defRPr sz="2800" kern="1200">
+          <a:solidFill>
+            <a:schemeClr val="tx1"/>
+          </a:solidFill>
+          <a:latin typeface="+mn-lt"/>
+          <a:ea typeface="+mn-ea"/>
+          <a:cs typeface="+mn-cs"/>
+        </a:defRPr>
+      </a:lvl1pPr>
+      <a:lvl2pPr marL="685800" indent="-228600" algn="l" defTabSz="914400" rtl="0" eaLnBrk="1" latinLnBrk="0" hangingPunct="1">
+        <a:lnSpc>
+          <a:spcPct val="90000"/>
+        </a:lnSpc>
+        <a:spcBef>
+          <a:spcPts val="500"/>
+        </a:spcBef>
+        <a:buFont typeface="Arial" panose="020B0604020202020204" pitchFamily="34" charset="0"/>
+        <a:buChar char="•"/>
+        <a:defRPr sz="2400" kern="1200">
+          <a:solidFill>
+            <a:schemeClr val="tx1"/>
+          </a:solidFill>
+          <a:latin typeface="+mn-lt"/>
+          <a:ea typeface="+mn-ea"/>
+          <a:cs typeface="+mn-cs"/>
+        </a:defRPr>
+      </a:lvl2pPr>
+      <a:lvl3pPr marL="1143000" indent="-228600" algn="l" defTabSz="914400" rtl="0" eaLnBrk="1" latinLnBrk="0" hangingPunct="1">
+        <a:lnSpc>
+          <a:spcPct val="90000"/>
+        </a:lnSpc>
+        <a:spcBef>
+          <a:spcPts val="500"/>
+        </a:spcBef>
+        <a:buFont typeface="Arial" panose="020B0604020202020204" pitchFamily="34" charset="0"/>
+        <a:buChar char="•"/>
+        <a:defRPr sz="2000" kern="1200">
+          <a:solidFill>
+            <a:schemeClr val="tx1"/>
+          </a:solidFill>
+          <a:latin typeface="+mn-lt"/>
+          <a:ea typeface="+mn-ea"/>
+          <a:cs typeface="+mn-cs"/>
+        </a:defRPr>
+      </a:lvl3pPr>
+      <a:lvl4pPr marL="1600200" indent="-228600" algn="l" defTabSz="914400" rtl="0" eaLnBrk="1" latinLnBrk="0" hangingPunct="1">
+        <a:lnSpc>
+          <a:spcPct val="90000"/>
+        </a:lnSpc>
+        <a:spcBef>
+          <a:spcPts val="500"/>
+        </a:spcBef>
+        <a:buFont typeface="Arial" panose="020B0604020202020204" pitchFamily="34" charset="0"/>
+        <a:buChar char="•"/>
+        <a:defRPr sz="1800" kern="1200">
+          <a:solidFill>
+            <a:schemeClr val="tx1"/>
+          </a:solidFill>
+          <a:latin typeface="+mn-lt"/>
+          <a:ea typeface="+mn-ea"/>
+          <a:cs typeface="+mn-cs"/>
+        </a:defRPr>
+      </a:lvl4pPr>
+      <a:lvl5pPr marL="2057400" indent="-228600" algn="l" defTabSz="914400" rtl="0" eaLnBrk="1" latinLnBrk="0" hangingPunct="1">
+        <a:lnSpc>
+          <a:spcPct val="90000"/>
+        </a:lnSpc>
+        <a:spcBef>
+          <a:spcPts val="500"/>
+        </a:spcBef>
+        <a:buFont typeface="Arial" panose="020B0604020202020204" pitchFamily="34" charset="0"/>
+        <a:buChar char="•"/>
+        <a:defRPr sz="1800" kern="1200">
+          <a:solidFill>
+            <a:schemeClr val="tx1"/>
+          </a:solidFill>
+          <a:latin typeface="+mn-lt"/>
+          <a:ea typeface="+mn-ea"/>
+          <a:cs typeface="+mn-cs"/>
+        </a:defRPr>
+      </a:lvl5pPr>
+      <a:lvl6pPr marL="2514600" indent="-228600" algn="l" defTabSz="914400" rtl="0" eaLnBrk="1" latinLnBrk="0" hangingPunct="1">
+        <a:lnSpc>
+          <a:spcPct val="90000"/>
+        </a:lnSpc>
+        <a:spcBef>
+          <a:spcPts val="500"/>
+        </a:spcBef>
+        <a:buFont typeface="Arial" panose="020B0604020202020204" pitchFamily="34" charset="0"/>
+        <a:buChar char="•"/>
+        <a:defRPr sz="1800" kern="1200">
+          <a:solidFill>
+            <a:schemeClr val="tx1"/>
+          </a:solidFill>
+          <a:latin typeface="+mn-lt"/>
+          <a:ea typeface="+mn-ea"/>
+          <a:cs typeface="+mn-cs"/>
+        </a:defRPr>
+      </a:lvl6pPr>
+      <a:lvl7pPr marL="2971800" indent="-228600" algn="l" defTabSz="914400" rtl="0" eaLnBrk="1" latinLnBrk="0" hangingPunct="1">
+        <a:lnSpc>
+          <a:spcPct val="90000"/>
+        </a:lnSpc>
+        <a:spcBef>
+          <a:spcPts val="500"/>
+        </a:spcBef>
+        <a:buFont typeface="Arial" panose="020B0604020202020204" pitchFamily="34" charset="0"/>
+        <a:buChar char="•"/>
+        <a:defRPr sz="1800" kern="1200">
+          <a:solidFill>
+            <a:schemeClr val="tx1"/>
+          </a:solidFill>
+          <a:latin typeface="+mn-lt"/>
+          <a:ea typeface="+mn-ea"/>
+          <a:cs typeface="+mn-cs"/>
+        </a:defRPr>
+      </a:lvl7pPr>
+      <a:lvl8pPr marL="3429000" indent="-228600" algn="l" defTabSz="914400" rtl="0" eaLnBrk="1" latinLnBrk="0" hangingPunct="1">
+        <a:lnSpc>
+          <a:spcPct val="90000"/>
+        </a:lnSpc>
+        <a:spcBef>
+          <a:spcPts val="500"/>
+        </a:spcBef>
+        <a:buFont typeface="Arial" panose="020B0604020202020204" pitchFamily="34" charset="0"/>
+        <a:buChar char="•"/>
+        <a:defRPr sz="1800" kern="1200">
+          <a:solidFill>
+            <a:schemeClr val="tx1"/>
+          </a:solidFill>
+          <a:latin typeface="+mn-lt"/>
+          <a:ea typeface="+mn-ea"/>
+          <a:cs typeface="+mn-cs"/>
+        </a:defRPr>
+      </a:lvl8pPr>
+      <a:lvl9pPr marL="3886200" indent="-228600" algn="l" defTabSz="914400" rtl="0" eaLnBrk="1" latinLnBrk="0" hangingPunct="1">
+        <a:lnSpc>
+          <a:spcPct val="90000"/>
+        </a:lnSpc>
+        <a:spcBef>
+          <a:spcPts val="500"/>
+        </a:spcBef>
+        <a:buFont typeface="Arial" panose="020B0604020202020204" pitchFamily="34" charset="0"/>
+        <a:buChar char="•"/>
+        <a:defRPr sz="1800" kern="1200">
+          <a:solidFill>
+            <a:schemeClr val="tx1"/>
+          </a:solidFill>
+          <a:latin typeface="+mn-lt"/>
+          <a:ea typeface="+mn-ea"/>
+          <a:cs typeface="+mn-cs"/>
+        </a:defRPr>
+      </a:lvl9pPr>
+    </p:bodyStyle>
+    <p:otherStyle>
+      <a:defPPr>
+        <a:defRPr lang="en-US"/>
+      </a:defPPr>
+      <a:lvl1pPr marL="0" algn="l" defTabSz="914400" rtl="0" eaLnBrk="1" latinLnBrk="0" hangingPunct="1">
+        <a:defRPr sz="1800" kern="1200">
+          <a:solidFill>
+            <a:schemeClr val="tx1"/>
+          </a:solidFill>
+          <a:latin typeface="+mn-lt"/>
+          <a:ea typeface="+mn-ea"/>
+          <a:cs typeface="+mn-cs"/>
+        </a:defRPr>
+      </a:lvl1pPr>
+      <a:lvl2pPr marL="457200" algn="l" defTabSz="914400" rtl="0" eaLnBrk="1" latinLnBrk="0" hangingPunct="1">
+        <a:defRPr sz="1800" kern="1200">
+          <a:solidFill>
+            <a:schemeClr val="tx1"/>
+          </a:solidFill>
+          <a:latin typeface="+mn-lt"/>
+          <a:ea typeface="+mn-ea"/>
+          <a:cs typeface="+mn-cs"/>
+        </a:defRPr>
+      </a:lvl2pPr>
+      <a:lvl3pPr marL="914400" algn="l" defTabSz="914400" rtl="0" eaLnBrk="1" latinLnBrk="0" hangingPunct="1">
+        <a:defRPr sz="1800" kern="1200">
+          <a:solidFill>
+            <a:schemeClr val="tx1"/>
+          </a:solidFill>
+          <a:latin typeface="+mn-lt"/>
+          <a:ea typeface="+mn-ea"/>
+          <a:cs typeface="+mn-cs"/>
+        </a:defRPr>
+      </a:lvl3pPr>
+      <a:lvl4pPr marL="1371600" algn="l" defTabSz="914400" rtl="0" eaLnBrk="1" latinLnBrk="0" hangingPunct="1">
+        <a:defRPr sz="1800" kern="1200">
+          <a:solidFill>
+            <a:schemeClr val="tx1"/>
+          </a:solidFill>
+          <a:latin typeface="+mn-lt"/>
+          <a:ea typeface="+mn-ea"/>
+          <a:cs typeface="+mn-cs"/>
+        </a:defRPr>
+      </a:lvl4pPr>
+      <a:lvl5pPr marL="1828800" algn="l" defTabSz="914400" rtl="0" eaLnBrk="1" latinLnBrk="0" hangingPunct="1">
+        <a:defRPr sz="1800" kern="1200">
+          <a:solidFill>
+            <a:schemeClr val="tx1"/>
+          </a:solidFill>
+          <a:latin typeface="+mn-lt"/>
+          <a:ea typeface="+mn-ea"/>
+          <a:cs typeface="+mn-cs"/>
+        </a:defRPr>
+      </a:lvl5pPr>
+      <a:lvl6pPr marL="2286000" algn="l" defTabSz="914400" rtl="0" eaLnBrk="1" latinLnBrk="0" hangingPunct="1">
+        <a:defRPr sz="1800" kern="1200">
+          <a:solidFill>
+            <a:schemeClr val="tx1"/>
+          </a:solidFill>
+          <a:latin typeface="+mn-lt"/>
+          <a:ea typeface="+mn-ea"/>
+          <a:cs typeface="+mn-cs"/>
+        </a:defRPr>
+      </a:lvl6pPr>
+      <a:lvl7pPr marL="2743200" algn="l" defTabSz="914400" rtl="0" eaLnBrk="1" latinLnBrk="0" hangingPunct="1">
+        <a:defRPr sz="1800" kern="1200">
+          <a:solidFill>
+            <a:schemeClr val="tx1"/>
+          </a:solidFill>
+          <a:latin typeface="+mn-lt"/>
+          <a:ea typeface="+mn-ea"/>
+          <a:cs typeface="+mn-cs"/>
+        </a:defRPr>
+      </a:lvl7pPr>
+      <a:lvl8pPr marL="3200400" algn="l" defTabSz="914400" rtl="0" eaLnBrk="1" latinLnBrk="0" hangingPunct="1">
+        <a:defRPr sz="1800" kern="1200">
+          <a:solidFill>
+            <a:schemeClr val="tx1"/>
+          </a:solidFill>
+          <a:latin typeface="+mn-lt"/>
+          <a:ea typeface="+mn-ea"/>
+          <a:cs typeface="+mn-cs"/>
+        </a:defRPr>
+      </a:lvl8pPr>
+      <a:lvl9pPr marL="3657600" algn="l" defTabSz="914400" rtl="0" eaLnBrk="1" latinLnBrk="0" hangingPunct="1">
+        <a:defRPr sz="1800" kern="1200">
+          <a:solidFill>
+            <a:schemeClr val="tx1"/>
+          </a:solidFill>
+          <a:latin typeface="+mn-lt"/>
+          <a:ea typeface="+mn-ea"/>
+          <a:cs typeface="+mn-cs"/>
+        </a:defRPr>
+      </a:lvl9pPr>
+    </p:otherStyle>
+  </p:txStyles>
+</p:sldMaster>
+</file>
+
 <file path=ppt/slides/slide1.xml><?xml version="1.0" encoding="utf-8"?>
 <p:sld xmlns:a="http://schemas.openxmlformats.org/drawingml/2006/main" xmlns:r="http://schemas.openxmlformats.org/officeDocument/2006/relationships" xmlns:p="http://schemas.openxmlformats.org/presentationml/2006/main">
   <p:cSld>
@@ -9827,7 +12670,9 @@
         </p:nvSpPr>
         <p:spPr/>
         <p:txBody>
-          <a:bodyPr/>
+          <a:bodyPr>
+            <a:normAutofit/>
+          </a:bodyPr>
           <a:lstStyle/>
           <a:p>
             <a:r>
@@ -9853,7 +12698,7 @@
           <a:bodyPr/>
           <a:lstStyle/>
           <a:p>
-            <a:endParaRPr lang="en-US"/>
+            <a:endParaRPr lang="en-US" dirty="0"/>
           </a:p>
         </p:txBody>
       </p:sp>
@@ -9920,6 +12765,125 @@
       </p:grpSpPr>
       <p:sp>
         <p:nvSpPr>
+          <p:cNvPr id="2" name="Title 1"/>
+          <p:cNvSpPr>
+            <a:spLocks noGrp="1"/>
+          </p:cNvSpPr>
+          <p:nvPr>
+            <p:ph type="title"/>
+          </p:nvPr>
+        </p:nvSpPr>
+        <p:spPr/>
+        <p:txBody>
+          <a:bodyPr/>
+          <a:lstStyle/>
+          <a:p>
+            <a:r>
+              <a:rPr lang="en-US" dirty="0" smtClean="0">
+                <a:latin typeface="Segoe UI Light" panose="020B0502040204020203" pitchFamily="34" charset="0"/>
+                <a:cs typeface="Segoe UI Light" panose="020B0502040204020203" pitchFamily="34" charset="0"/>
+              </a:rPr>
+              <a:t>The conceptual structure of an application to software testing</a:t>
+            </a:r>
+            <a:endParaRPr lang="en-US" dirty="0">
+              <a:latin typeface="Segoe UI Light" panose="020B0502040204020203" pitchFamily="34" charset="0"/>
+              <a:cs typeface="Segoe UI Light" panose="020B0502040204020203" pitchFamily="34" charset="0"/>
+            </a:endParaRPr>
+          </a:p>
+        </p:txBody>
+      </p:sp>
+      <p:sp>
+        <p:nvSpPr>
+          <p:cNvPr id="3" name="Slide Number Placeholder 2"/>
+          <p:cNvSpPr>
+            <a:spLocks noGrp="1"/>
+          </p:cNvSpPr>
+          <p:nvPr>
+            <p:ph type="sldNum" sz="quarter" idx="12"/>
+          </p:nvPr>
+        </p:nvSpPr>
+        <p:spPr/>
+        <p:txBody>
+          <a:bodyPr/>
+          <a:lstStyle/>
+          <a:p>
+            <a:fld id="{BCD7396F-CAFE-47FC-9775-745DE743DF33}" type="slidenum">
+              <a:rPr lang="en-US" smtClean="0"/>
+              <a:t>10</a:t>
+            </a:fld>
+            <a:endParaRPr lang="en-US"/>
+          </a:p>
+        </p:txBody>
+      </p:sp>
+      <p:pic>
+        <p:nvPicPr>
+          <p:cNvPr id="5" name="Picture 4"/>
+          <p:cNvPicPr>
+            <a:picLocks noChangeAspect="1"/>
+          </p:cNvPicPr>
+          <p:nvPr/>
+        </p:nvPicPr>
+        <p:blipFill>
+          <a:blip r:embed="rId3">
+            <a:extLst>
+              <a:ext uri="{28A0092B-C50C-407E-A947-70E740481C1C}">
+                <a14:useLocalDpi xmlns:a14="http://schemas.microsoft.com/office/drawing/2010/main" val="0"/>
+              </a:ext>
+            </a:extLst>
+          </a:blip>
+          <a:stretch>
+            <a:fillRect/>
+          </a:stretch>
+        </p:blipFill>
+        <p:spPr>
+          <a:xfrm>
+            <a:off x="1592929" y="1906341"/>
+            <a:ext cx="9019995" cy="4450009"/>
+          </a:xfrm>
+          <a:prstGeom prst="rect">
+            <a:avLst/>
+          </a:prstGeom>
+        </p:spPr>
+      </p:pic>
+    </p:spTree>
+    <p:extLst>
+      <p:ext uri="{BB962C8B-B14F-4D97-AF65-F5344CB8AC3E}">
+        <p14:creationId xmlns:p14="http://schemas.microsoft.com/office/powerpoint/2010/main" val="3266816375"/>
+      </p:ext>
+    </p:extLst>
+  </p:cSld>
+  <p:clrMapOvr>
+    <a:masterClrMapping/>
+  </p:clrMapOvr>
+  <p:timing>
+    <p:tnLst>
+      <p:par>
+        <p:cTn id="1" dur="indefinite" restart="never" nodeType="tmRoot"/>
+      </p:par>
+    </p:tnLst>
+  </p:timing>
+</p:sld>
+</file>
+
+<file path=ppt/slides/slide11.xml><?xml version="1.0" encoding="utf-8"?>
+<p:sld xmlns:a="http://schemas.openxmlformats.org/drawingml/2006/main" xmlns:r="http://schemas.openxmlformats.org/officeDocument/2006/relationships" xmlns:p="http://schemas.openxmlformats.org/presentationml/2006/main">
+  <p:cSld>
+    <p:spTree>
+      <p:nvGrpSpPr>
+        <p:cNvPr id="1" name=""/>
+        <p:cNvGrpSpPr/>
+        <p:nvPr/>
+      </p:nvGrpSpPr>
+      <p:grpSpPr>
+        <a:xfrm>
+          <a:off x="0" y="0"/>
+          <a:ext cx="0" cy="0"/>
+          <a:chOff x="0" y="0"/>
+          <a:chExt cx="0" cy="0"/>
+        </a:xfrm>
+      </p:grpSpPr>
+      <p:sp>
+        <p:nvSpPr>
           <p:cNvPr id="8" name="Flowchart: Magnetic Disk 7"/>
           <p:cNvSpPr/>
           <p:nvPr/>
@@ -10285,7 +13249,7 @@
           <a:p>
             <a:fld id="{BCD7396F-CAFE-47FC-9775-745DE743DF33}" type="slidenum">
               <a:rPr lang="en-US" smtClean="0"/>
-              <a:t>10</a:t>
+              <a:t>11</a:t>
             </a:fld>
             <a:endParaRPr lang="en-US"/>
           </a:p>
@@ -11376,7 +14340,7 @@
 </p:sld>
 </file>
 
-<file path=ppt/slides/slide11.xml><?xml version="1.0" encoding="utf-8"?>
+<file path=ppt/slides/slide12.xml><?xml version="1.0" encoding="utf-8"?>
 <p:sld xmlns:a="http://schemas.openxmlformats.org/drawingml/2006/main" xmlns:r="http://schemas.openxmlformats.org/officeDocument/2006/relationships" xmlns:p="http://schemas.openxmlformats.org/presentationml/2006/main">
   <p:cSld>
     <p:spTree>
@@ -11410,7 +14374,7 @@
           <a:p>
             <a:fld id="{BCD7396F-CAFE-47FC-9775-745DE743DF33}" type="slidenum">
               <a:rPr lang="en-US" smtClean="0"/>
-              <a:t>11</a:t>
+              <a:t>12</a:t>
             </a:fld>
             <a:endParaRPr lang="en-US"/>
           </a:p>
@@ -12965,7 +15929,7 @@
 </p:sld>
 </file>
 
-<file path=ppt/slides/slide12.xml><?xml version="1.0" encoding="utf-8"?>
+<file path=ppt/slides/slide13.xml><?xml version="1.0" encoding="utf-8"?>
 <p:sld xmlns:a="http://schemas.openxmlformats.org/drawingml/2006/main" xmlns:r="http://schemas.openxmlformats.org/officeDocument/2006/relationships" xmlns:p="http://schemas.openxmlformats.org/presentationml/2006/main">
   <p:cSld>
     <p:spTree>
@@ -14455,7 +17419,7 @@
 </p:sld>
 </file>
 
-<file path=ppt/slides/slide13.xml><?xml version="1.0" encoding="utf-8"?>
+<file path=ppt/slides/slide14.xml><?xml version="1.0" encoding="utf-8"?>
 <p:sld xmlns:a="http://schemas.openxmlformats.org/drawingml/2006/main" xmlns:r="http://schemas.openxmlformats.org/officeDocument/2006/relationships" xmlns:p="http://schemas.openxmlformats.org/presentationml/2006/main">
   <p:cSld>
     <p:spTree>
@@ -16876,7 +19840,7 @@
 </p:sld>
 </file>
 
-<file path=ppt/slides/slide14.xml><?xml version="1.0" encoding="utf-8"?>
+<file path=ppt/slides/slide15.xml><?xml version="1.0" encoding="utf-8"?>
 <p:sld xmlns:a="http://schemas.openxmlformats.org/drawingml/2006/main" xmlns:r="http://schemas.openxmlformats.org/officeDocument/2006/relationships" xmlns:p="http://schemas.openxmlformats.org/presentationml/2006/main">
   <p:cSld>
     <p:spTree>
@@ -19307,7 +22271,7 @@
 </p:sld>
 </file>
 
-<file path=ppt/slides/slide15.xml><?xml version="1.0" encoding="utf-8"?>
+<file path=ppt/slides/slide16.xml><?xml version="1.0" encoding="utf-8"?>
 <p:sld xmlns:a="http://schemas.openxmlformats.org/drawingml/2006/main" xmlns:r="http://schemas.openxmlformats.org/officeDocument/2006/relationships" xmlns:p="http://schemas.openxmlformats.org/presentationml/2006/main">
   <p:cSld>
     <p:spTree>
@@ -19734,7 +22698,7 @@
 </p:sld>
 </file>
 
-<file path=ppt/slides/slide16.xml><?xml version="1.0" encoding="utf-8"?>
+<file path=ppt/slides/slide17.xml><?xml version="1.0" encoding="utf-8"?>
 <p:sld xmlns:a="http://schemas.openxmlformats.org/drawingml/2006/main" xmlns:r="http://schemas.openxmlformats.org/officeDocument/2006/relationships" xmlns:p="http://schemas.openxmlformats.org/presentationml/2006/main">
   <p:cSld>
     <p:spTree>
@@ -22206,7 +25170,7 @@
 </p:sld>
 </file>
 
-<file path=ppt/slides/slide17.xml><?xml version="1.0" encoding="utf-8"?>
+<file path=ppt/slides/slide18.xml><?xml version="1.0" encoding="utf-8"?>
 <p:sld xmlns:a="http://schemas.openxmlformats.org/drawingml/2006/main" xmlns:r="http://schemas.openxmlformats.org/officeDocument/2006/relationships" xmlns:p="http://schemas.openxmlformats.org/presentationml/2006/main">
   <p:cSld>
     <p:spTree>
@@ -24667,7 +27631,7 @@
 </p:sld>
 </file>
 
-<file path=ppt/slides/slide18.xml><?xml version="1.0" encoding="utf-8"?>
+<file path=ppt/slides/slide19.xml><?xml version="1.0" encoding="utf-8"?>
 <p:sld xmlns:a="http://schemas.openxmlformats.org/drawingml/2006/main" xmlns:r="http://schemas.openxmlformats.org/officeDocument/2006/relationships" xmlns:p="http://schemas.openxmlformats.org/presentationml/2006/main">
   <p:cSld>
     <p:spTree>
@@ -24961,7 +27925,7 @@
           <a:p>
             <a:fld id="{BCD7396F-CAFE-47FC-9775-745DE743DF33}" type="slidenum">
               <a:rPr lang="en-US" smtClean="0"/>
-              <a:t>18</a:t>
+              <a:t>19</a:t>
             </a:fld>
             <a:endParaRPr lang="en-US"/>
           </a:p>
@@ -25555,7 +28519,7 @@
           <a:lstStyle/>
           <a:p>
             <a:r>
-              <a:rPr lang="en-US" smtClean="0"/>
+              <a:rPr lang="en-US" dirty="0" smtClean="0"/>
               <a:t>The conceptual structure of an application to software testing</a:t>
             </a:r>
             <a:endParaRPr lang="en-US" dirty="0"/>
@@ -25669,7 +28633,7 @@
           <a:lstStyle/>
           <a:p>
             <a:r>
-              <a:rPr lang="en-US" smtClean="0"/>
+              <a:rPr lang="en-US" dirty="0" smtClean="0"/>
               <a:t>The conceptual structure of an application to software testing</a:t>
             </a:r>
             <a:endParaRPr lang="en-US" dirty="0"/>
@@ -25722,7 +28686,7 @@
         </p:blipFill>
         <p:spPr>
           <a:xfrm>
-            <a:off x="845127" y="2110783"/>
+            <a:off x="845127" y="1885650"/>
             <a:ext cx="5860473" cy="3811357"/>
           </a:xfrm>
           <a:prstGeom prst="rect">
@@ -25730,16 +28694,143 @@
           </a:prstGeom>
         </p:spPr>
       </p:pic>
+      <p:grpSp>
+        <p:nvGrpSpPr>
+          <p:cNvPr id="10" name="Group 9"/>
+          <p:cNvGrpSpPr/>
+          <p:nvPr/>
+        </p:nvGrpSpPr>
+        <p:grpSpPr>
+          <a:xfrm>
+            <a:off x="7139914" y="2714934"/>
+            <a:ext cx="4763738" cy="2229093"/>
+            <a:chOff x="7260590" y="2924678"/>
+            <a:chExt cx="4763738" cy="2229093"/>
+          </a:xfrm>
+        </p:grpSpPr>
+        <p:pic>
+          <p:nvPicPr>
+            <p:cNvPr id="3" name="Picture 2"/>
+            <p:cNvPicPr>
+              <a:picLocks noChangeAspect="1"/>
+            </p:cNvPicPr>
+            <p:nvPr/>
+          </p:nvPicPr>
+          <p:blipFill>
+            <a:blip r:embed="rId3">
+              <a:extLst>
+                <a:ext uri="{28A0092B-C50C-407E-A947-70E740481C1C}">
+                  <a14:useLocalDpi xmlns:a14="http://schemas.microsoft.com/office/drawing/2010/main" val="0"/>
+                </a:ext>
+              </a:extLst>
+            </a:blip>
+            <a:stretch>
+              <a:fillRect/>
+            </a:stretch>
+          </p:blipFill>
+          <p:spPr>
+            <a:xfrm>
+              <a:off x="8522936" y="2924678"/>
+              <a:ext cx="2239047" cy="1890539"/>
+            </a:xfrm>
+            <a:prstGeom prst="rect">
+              <a:avLst/>
+            </a:prstGeom>
+          </p:spPr>
+        </p:pic>
+        <p:sp>
+          <p:nvSpPr>
+            <p:cNvPr id="21" name="TextBox 20"/>
+            <p:cNvSpPr txBox="1"/>
+            <p:nvPr/>
+          </p:nvSpPr>
+          <p:spPr>
+            <a:xfrm>
+              <a:off x="7260590" y="4815217"/>
+              <a:ext cx="4763738" cy="338554"/>
+            </a:xfrm>
+            <a:prstGeom prst="rect">
+              <a:avLst/>
+            </a:prstGeom>
+            <a:noFill/>
+          </p:spPr>
+          <p:txBody>
+            <a:bodyPr wrap="square" rtlCol="0">
+              <a:spAutoFit/>
+            </a:bodyPr>
+            <a:lstStyle/>
+            <a:p>
+              <a:pPr algn="ctr"/>
+              <a:r>
+                <a:rPr lang="en-US" sz="1600" i="1" dirty="0" smtClean="0"/>
+                <a:t>Software </a:t>
+              </a:r>
+              <a:r>
+                <a:rPr lang="en-US" sz="1600" i="1" dirty="0" smtClean="0"/>
+                <a:t>components are covered by types of testing</a:t>
+              </a:r>
+              <a:endParaRPr lang="en-US" sz="1600" i="1" dirty="0"/>
+            </a:p>
+          </p:txBody>
+        </p:sp>
+      </p:grpSp>
+      <p:sp>
+        <p:nvSpPr>
+          <p:cNvPr id="11" name="TextBox 10"/>
+          <p:cNvSpPr txBox="1"/>
+          <p:nvPr/>
+        </p:nvSpPr>
+        <p:spPr>
+          <a:xfrm>
+            <a:off x="1174193" y="5968273"/>
+            <a:ext cx="9778639" cy="461665"/>
+          </a:xfrm>
+          <a:prstGeom prst="rect">
+            <a:avLst/>
+          </a:prstGeom>
+          <a:noFill/>
+        </p:spPr>
+        <p:txBody>
+          <a:bodyPr wrap="none" rtlCol="0">
+            <a:spAutoFit/>
+          </a:bodyPr>
+          <a:lstStyle/>
+          <a:p>
+            <a:r>
+              <a:rPr lang="en-US" sz="2400" dirty="0" smtClean="0">
+                <a:solidFill>
+                  <a:srgbClr val="FF0000"/>
+                </a:solidFill>
+                <a:latin typeface="Segoe Print" panose="02000600000000000000" pitchFamily="2" charset="0"/>
+              </a:rPr>
+              <a:t>Each component is covered by a type of testing individually</a:t>
+            </a:r>
+            <a:endParaRPr lang="en-US" sz="2400" dirty="0">
+              <a:solidFill>
+                <a:srgbClr val="FF0000"/>
+              </a:solidFill>
+              <a:latin typeface="Segoe Print" panose="02000600000000000000" pitchFamily="2" charset="0"/>
+            </a:endParaRPr>
+          </a:p>
+        </p:txBody>
+      </p:sp>
       <p:pic>
         <p:nvPicPr>
-          <p:cNvPr id="3" name="Picture 2"/>
+          <p:cNvPr id="16" name="Picture 15"/>
           <p:cNvPicPr>
             <a:picLocks noChangeAspect="1"/>
           </p:cNvPicPr>
           <p:nvPr/>
         </p:nvPicPr>
         <p:blipFill>
-          <a:blip r:embed="rId3">
+          <a:blip r:embed="rId4" cstate="print">
+            <a:duotone>
+              <a:schemeClr val="accent2">
+                <a:shade val="45000"/>
+                <a:satMod val="135000"/>
+              </a:schemeClr>
+              <a:prstClr val="white"/>
+            </a:duotone>
             <a:extLst>
               <a:ext uri="{28A0092B-C50C-407E-A947-70E740481C1C}">
                 <a14:useLocalDpi xmlns:a14="http://schemas.microsoft.com/office/drawing/2010/main" val="0"/>
@@ -25752,45 +28843,14 @@
         </p:blipFill>
         <p:spPr>
           <a:xfrm>
-            <a:off x="8496432" y="2844799"/>
-            <a:ext cx="2239047" cy="1890539"/>
+            <a:off x="838200" y="5992061"/>
+            <a:ext cx="335993" cy="336553"/>
           </a:xfrm>
           <a:prstGeom prst="rect">
             <a:avLst/>
           </a:prstGeom>
         </p:spPr>
       </p:pic>
-      <p:sp>
-        <p:nvSpPr>
-          <p:cNvPr id="21" name="TextBox 20"/>
-          <p:cNvSpPr txBox="1"/>
-          <p:nvPr/>
-        </p:nvSpPr>
-        <p:spPr>
-          <a:xfrm>
-            <a:off x="7234086" y="4735338"/>
-            <a:ext cx="4763738" cy="307777"/>
-          </a:xfrm>
-          <a:prstGeom prst="rect">
-            <a:avLst/>
-          </a:prstGeom>
-          <a:noFill/>
-        </p:spPr>
-        <p:txBody>
-          <a:bodyPr wrap="square" rtlCol="0">
-            <a:spAutoFit/>
-          </a:bodyPr>
-          <a:lstStyle/>
-          <a:p>
-            <a:pPr algn="ctr"/>
-            <a:r>
-              <a:rPr lang="en-US" sz="1400" dirty="0" smtClean="0"/>
-              <a:t>Software components are covered by types of testing</a:t>
-            </a:r>
-            <a:endParaRPr lang="en-US" sz="1400" dirty="0"/>
-          </a:p>
-        </p:txBody>
-      </p:sp>
     </p:spTree>
     <p:extLst>
       <p:ext uri="{BB962C8B-B14F-4D97-AF65-F5344CB8AC3E}">
@@ -25844,29 +28904,9 @@
           <a:lstStyle/>
           <a:p>
             <a:r>
-              <a:rPr lang="en-US" smtClean="0"/>
+              <a:rPr lang="en-US" dirty="0"/>
               <a:t>The conceptual structure of an application to software testing</a:t>
             </a:r>
-            <a:endParaRPr lang="en-US" dirty="0"/>
-          </a:p>
-        </p:txBody>
-      </p:sp>
-      <p:sp>
-        <p:nvSpPr>
-          <p:cNvPr id="6" name="Content Placeholder 5"/>
-          <p:cNvSpPr>
-            <a:spLocks noGrp="1"/>
-          </p:cNvSpPr>
-          <p:nvPr>
-            <p:ph idx="1"/>
-          </p:nvPr>
-        </p:nvSpPr>
-        <p:spPr/>
-        <p:txBody>
-          <a:bodyPr/>
-          <a:lstStyle/>
-          <a:p>
-            <a:endParaRPr lang="en-US"/>
           </a:p>
         </p:txBody>
       </p:sp>
@@ -25887,381 +28927,113 @@
           <a:p>
             <a:fld id="{BCD7396F-CAFE-47FC-9775-745DE743DF33}" type="slidenum">
               <a:rPr lang="en-US" smtClean="0"/>
-              <a:pPr/>
               <a:t>4</a:t>
             </a:fld>
-            <a:endParaRPr lang="en-US" dirty="0"/>
-          </a:p>
-        </p:txBody>
-      </p:sp>
-      <p:cxnSp>
-        <p:nvCxnSpPr>
-          <p:cNvPr id="7" name="Elbow Connector 6"/>
-          <p:cNvCxnSpPr>
-            <a:stCxn id="9" idx="2"/>
-            <a:endCxn id="10" idx="0"/>
-          </p:cNvCxnSpPr>
+            <a:endParaRPr lang="en-US"/>
+          </a:p>
+        </p:txBody>
+      </p:sp>
+      <p:sp>
+        <p:nvSpPr>
+          <p:cNvPr id="5" name="TextBox 4"/>
+          <p:cNvSpPr txBox="1"/>
           <p:nvPr/>
-        </p:nvCxnSpPr>
+        </p:nvSpPr>
         <p:spPr>
-          <a:xfrm rot="5400000">
-            <a:off x="2953400" y="3825853"/>
-            <a:ext cx="682118" cy="1734708"/>
-          </a:xfrm>
-          <a:prstGeom prst="bentConnector3">
-            <a:avLst>
-              <a:gd name="adj1" fmla="val 50000"/>
-            </a:avLst>
-          </a:prstGeom>
-          <a:ln>
-            <a:tailEnd type="triangle"/>
-          </a:ln>
-        </p:spPr>
-        <p:style>
-          <a:lnRef idx="1">
-            <a:schemeClr val="accent3"/>
-          </a:lnRef>
-          <a:fillRef idx="2">
-            <a:schemeClr val="accent3"/>
-          </a:fillRef>
-          <a:effectRef idx="1">
-            <a:schemeClr val="accent3"/>
-          </a:effectRef>
-          <a:fontRef idx="minor">
-            <a:schemeClr val="dk1"/>
-          </a:fontRef>
-        </p:style>
-      </p:cxnSp>
-      <p:cxnSp>
-        <p:nvCxnSpPr>
-          <p:cNvPr id="8" name="Elbow Connector 7"/>
-          <p:cNvCxnSpPr>
-            <a:stCxn id="9" idx="2"/>
-            <a:endCxn id="11" idx="0"/>
-          </p:cNvCxnSpPr>
-          <p:nvPr/>
-        </p:nvCxnSpPr>
-        <p:spPr>
-          <a:xfrm rot="16200000" flipH="1">
-            <a:off x="4727289" y="3786671"/>
-            <a:ext cx="682118" cy="1813071"/>
-          </a:xfrm>
-          <a:prstGeom prst="bentConnector3">
-            <a:avLst>
-              <a:gd name="adj1" fmla="val 50000"/>
-            </a:avLst>
-          </a:prstGeom>
-          <a:ln>
-            <a:tailEnd type="triangle"/>
-          </a:ln>
-        </p:spPr>
-        <p:style>
-          <a:lnRef idx="1">
-            <a:schemeClr val="accent3"/>
-          </a:lnRef>
-          <a:fillRef idx="2">
-            <a:schemeClr val="accent3"/>
-          </a:fillRef>
-          <a:effectRef idx="1">
-            <a:schemeClr val="accent3"/>
-          </a:effectRef>
-          <a:fontRef idx="minor">
-            <a:schemeClr val="dk1"/>
-          </a:fontRef>
-        </p:style>
-      </p:cxnSp>
-      <p:sp>
-        <p:nvSpPr>
-          <p:cNvPr id="9" name="Rounded Rectangle 8"/>
-          <p:cNvSpPr/>
-          <p:nvPr/>
-        </p:nvSpPr>
-        <p:spPr>
-          <a:xfrm>
-            <a:off x="2598686" y="3818495"/>
-            <a:ext cx="3126254" cy="533653"/>
-          </a:xfrm>
-          <a:prstGeom prst="roundRect">
+          <a:xfrm>
+            <a:off x="2664402" y="3518155"/>
+            <a:ext cx="8287846" cy="584775"/>
+          </a:xfrm>
+          <a:prstGeom prst="rect">
             <a:avLst/>
           </a:prstGeom>
+          <a:noFill/>
         </p:spPr>
-        <p:style>
-          <a:lnRef idx="1">
-            <a:schemeClr val="accent3"/>
-          </a:lnRef>
-          <a:fillRef idx="2">
-            <a:schemeClr val="accent3"/>
-          </a:fillRef>
-          <a:effectRef idx="1">
-            <a:schemeClr val="accent3"/>
-          </a:effectRef>
-          <a:fontRef idx="minor">
-            <a:schemeClr val="dk1"/>
-          </a:fontRef>
-        </p:style>
-        <p:txBody>
-          <a:bodyPr rtlCol="0" anchor="ctr"/>
-          <a:lstStyle/>
-          <a:p>
-            <a:pPr algn="ctr"/>
-            <a:r>
-              <a:rPr lang="en-US" b="1" dirty="0" smtClean="0"/>
-              <a:t>Automated System Testing</a:t>
-            </a:r>
-            <a:endParaRPr lang="en-US" b="1" dirty="0"/>
-          </a:p>
-        </p:txBody>
-      </p:sp>
-      <p:sp>
-        <p:nvSpPr>
-          <p:cNvPr id="10" name="Rounded Rectangle 9"/>
-          <p:cNvSpPr/>
+        <p:txBody>
+          <a:bodyPr wrap="none" rtlCol="0">
+            <a:spAutoFit/>
+          </a:bodyPr>
+          <a:lstStyle/>
+          <a:p>
+            <a:r>
+              <a:rPr lang="en-US" sz="3200" b="1" dirty="0">
+                <a:solidFill>
+                  <a:srgbClr val="FF0000"/>
+                </a:solidFill>
+                <a:latin typeface="Segoe Print" panose="02000600000000000000" pitchFamily="2" charset="0"/>
+              </a:rPr>
+              <a:t>H</a:t>
+            </a:r>
+            <a:r>
+              <a:rPr lang="en-US" sz="3200" b="1" dirty="0" smtClean="0">
+                <a:solidFill>
+                  <a:srgbClr val="FF0000"/>
+                </a:solidFill>
+                <a:latin typeface="Segoe Print" panose="02000600000000000000" pitchFamily="2" charset="0"/>
+              </a:rPr>
+              <a:t>ow do we test the entire application?</a:t>
+            </a:r>
+            <a:endParaRPr lang="en-US" sz="3200" b="1" dirty="0">
+              <a:solidFill>
+                <a:srgbClr val="FF0000"/>
+              </a:solidFill>
+              <a:latin typeface="Segoe Print" panose="02000600000000000000" pitchFamily="2" charset="0"/>
+            </a:endParaRPr>
+          </a:p>
+        </p:txBody>
+      </p:sp>
+      <p:pic>
+        <p:nvPicPr>
+          <p:cNvPr id="1028" name="Picture 4" descr="http://images.clipartpanda.com/question-mark-icon-8235.png"/>
+          <p:cNvPicPr>
+            <a:picLocks noChangeAspect="1" noChangeArrowheads="1"/>
+          </p:cNvPicPr>
           <p:nvPr/>
-        </p:nvSpPr>
-        <p:spPr>
-          <a:xfrm>
-            <a:off x="1035627" y="5034266"/>
-            <a:ext cx="2782956" cy="533653"/>
-          </a:xfrm>
-          <a:prstGeom prst="roundRect">
+        </p:nvPicPr>
+        <p:blipFill>
+          <a:blip r:embed="rId2">
+            <a:duotone>
+              <a:schemeClr val="accent2">
+                <a:shade val="45000"/>
+                <a:satMod val="135000"/>
+              </a:schemeClr>
+              <a:prstClr val="white"/>
+            </a:duotone>
+            <a:extLst>
+              <a:ext uri="{28A0092B-C50C-407E-A947-70E740481C1C}">
+                <a14:useLocalDpi xmlns:a14="http://schemas.microsoft.com/office/drawing/2010/main" val="0"/>
+              </a:ext>
+            </a:extLst>
+          </a:blip>
+          <a:srcRect/>
+          <a:stretch>
+            <a:fillRect/>
+          </a:stretch>
+        </p:blipFill>
+        <p:spPr bwMode="auto">
+          <a:xfrm>
+            <a:off x="845127" y="2900904"/>
+            <a:ext cx="1819275" cy="1819275"/>
+          </a:xfrm>
+          <a:prstGeom prst="rect">
             <a:avLst/>
           </a:prstGeom>
+          <a:noFill/>
+          <a:extLst>
+            <a:ext uri="{909E8E84-426E-40DD-AFC4-6F175D3DCCD1}">
+              <a14:hiddenFill xmlns:a14="http://schemas.microsoft.com/office/drawing/2010/main">
+                <a:solidFill>
+                  <a:srgbClr val="FFFFFF"/>
+                </a:solidFill>
+              </a14:hiddenFill>
+            </a:ext>
+          </a:extLst>
         </p:spPr>
-        <p:style>
-          <a:lnRef idx="1">
-            <a:schemeClr val="accent3"/>
-          </a:lnRef>
-          <a:fillRef idx="2">
-            <a:schemeClr val="accent3"/>
-          </a:fillRef>
-          <a:effectRef idx="1">
-            <a:schemeClr val="accent3"/>
-          </a:effectRef>
-          <a:fontRef idx="minor">
-            <a:schemeClr val="dk1"/>
-          </a:fontRef>
-        </p:style>
-        <p:txBody>
-          <a:bodyPr rtlCol="0" anchor="ctr"/>
-          <a:lstStyle/>
-          <a:p>
-            <a:pPr algn="ctr"/>
-            <a:r>
-              <a:rPr lang="en-US" b="1" dirty="0"/>
-              <a:t>End-To-End Testing</a:t>
-            </a:r>
-          </a:p>
-        </p:txBody>
-      </p:sp>
-      <p:sp>
-        <p:nvSpPr>
-          <p:cNvPr id="11" name="Rounded Rectangle 10"/>
-          <p:cNvSpPr/>
-          <p:nvPr/>
-        </p:nvSpPr>
-        <p:spPr>
-          <a:xfrm>
-            <a:off x="4510398" y="5034266"/>
-            <a:ext cx="2928971" cy="533653"/>
-          </a:xfrm>
-          <a:prstGeom prst="roundRect">
-            <a:avLst/>
-          </a:prstGeom>
-        </p:spPr>
-        <p:style>
-          <a:lnRef idx="1">
-            <a:schemeClr val="accent3"/>
-          </a:lnRef>
-          <a:fillRef idx="2">
-            <a:schemeClr val="accent3"/>
-          </a:fillRef>
-          <a:effectRef idx="1">
-            <a:schemeClr val="accent3"/>
-          </a:effectRef>
-          <a:fontRef idx="minor">
-            <a:schemeClr val="dk1"/>
-          </a:fontRef>
-        </p:style>
-        <p:txBody>
-          <a:bodyPr rtlCol="0" anchor="ctr"/>
-          <a:lstStyle/>
-          <a:p>
-            <a:pPr algn="ctr"/>
-            <a:r>
-              <a:rPr lang="en-US" b="1" dirty="0" smtClean="0"/>
-              <a:t>Integration </a:t>
-            </a:r>
-            <a:r>
-              <a:rPr lang="en-US" b="1" dirty="0"/>
-              <a:t>Testing</a:t>
-            </a:r>
-          </a:p>
-        </p:txBody>
-      </p:sp>
-      <p:sp>
-        <p:nvSpPr>
-          <p:cNvPr id="12" name="Rounded Rectangle 11"/>
-          <p:cNvSpPr/>
-          <p:nvPr/>
-        </p:nvSpPr>
-        <p:spPr>
-          <a:xfrm>
-            <a:off x="5056047" y="2479752"/>
-            <a:ext cx="2124540" cy="533653"/>
-          </a:xfrm>
-          <a:prstGeom prst="roundRect">
-            <a:avLst/>
-          </a:prstGeom>
-        </p:spPr>
-        <p:style>
-          <a:lnRef idx="1">
-            <a:schemeClr val="accent3"/>
-          </a:lnRef>
-          <a:fillRef idx="2">
-            <a:schemeClr val="accent3"/>
-          </a:fillRef>
-          <a:effectRef idx="1">
-            <a:schemeClr val="accent3"/>
-          </a:effectRef>
-          <a:fontRef idx="minor">
-            <a:schemeClr val="dk1"/>
-          </a:fontRef>
-        </p:style>
-        <p:txBody>
-          <a:bodyPr rtlCol="0" anchor="ctr"/>
-          <a:lstStyle/>
-          <a:p>
-            <a:pPr algn="ctr"/>
-            <a:r>
-              <a:rPr lang="en-US" b="1" dirty="0" smtClean="0"/>
-              <a:t>System Testing</a:t>
-            </a:r>
-            <a:endParaRPr lang="en-US" b="1" dirty="0"/>
-          </a:p>
-        </p:txBody>
-      </p:sp>
-      <p:sp>
-        <p:nvSpPr>
-          <p:cNvPr id="13" name="Rounded Rectangle 12"/>
-          <p:cNvSpPr/>
-          <p:nvPr/>
-        </p:nvSpPr>
-        <p:spPr>
-          <a:xfrm>
-            <a:off x="6663107" y="3818494"/>
-            <a:ext cx="3025219" cy="533653"/>
-          </a:xfrm>
-          <a:prstGeom prst="roundRect">
-            <a:avLst/>
-          </a:prstGeom>
-        </p:spPr>
-        <p:style>
-          <a:lnRef idx="1">
-            <a:schemeClr val="accent3"/>
-          </a:lnRef>
-          <a:fillRef idx="2">
-            <a:schemeClr val="accent3"/>
-          </a:fillRef>
-          <a:effectRef idx="1">
-            <a:schemeClr val="accent3"/>
-          </a:effectRef>
-          <a:fontRef idx="minor">
-            <a:schemeClr val="dk1"/>
-          </a:fontRef>
-        </p:style>
-        <p:txBody>
-          <a:bodyPr rtlCol="0" anchor="ctr"/>
-          <a:lstStyle/>
-          <a:p>
-            <a:pPr algn="ctr"/>
-            <a:r>
-              <a:rPr lang="en-US" b="1" dirty="0" smtClean="0"/>
-              <a:t>Manual System Testing</a:t>
-            </a:r>
-            <a:endParaRPr lang="en-US" b="1" dirty="0"/>
-          </a:p>
-        </p:txBody>
-      </p:sp>
-      <p:cxnSp>
-        <p:nvCxnSpPr>
-          <p:cNvPr id="18" name="Elbow Connector 17"/>
-          <p:cNvCxnSpPr>
-            <a:stCxn id="12" idx="2"/>
-            <a:endCxn id="9" idx="0"/>
-          </p:cNvCxnSpPr>
-          <p:nvPr/>
-        </p:nvCxnSpPr>
-        <p:spPr>
-          <a:xfrm rot="5400000">
-            <a:off x="4737520" y="2437698"/>
-            <a:ext cx="805090" cy="1956504"/>
-          </a:xfrm>
-          <a:prstGeom prst="bentConnector3">
-            <a:avLst>
-              <a:gd name="adj1" fmla="val 50000"/>
-            </a:avLst>
-          </a:prstGeom>
-          <a:ln>
-            <a:tailEnd type="triangle"/>
-          </a:ln>
-        </p:spPr>
-        <p:style>
-          <a:lnRef idx="1">
-            <a:schemeClr val="accent3"/>
-          </a:lnRef>
-          <a:fillRef idx="2">
-            <a:schemeClr val="accent3"/>
-          </a:fillRef>
-          <a:effectRef idx="1">
-            <a:schemeClr val="accent3"/>
-          </a:effectRef>
-          <a:fontRef idx="minor">
-            <a:schemeClr val="dk1"/>
-          </a:fontRef>
-        </p:style>
-      </p:cxnSp>
-      <p:cxnSp>
-        <p:nvCxnSpPr>
-          <p:cNvPr id="22" name="Elbow Connector 21"/>
-          <p:cNvCxnSpPr>
-            <a:stCxn id="12" idx="2"/>
-            <a:endCxn id="13" idx="0"/>
-          </p:cNvCxnSpPr>
-          <p:nvPr/>
-        </p:nvCxnSpPr>
-        <p:spPr>
-          <a:xfrm rot="16200000" flipH="1">
-            <a:off x="6744473" y="2387249"/>
-            <a:ext cx="805089" cy="2057400"/>
-          </a:xfrm>
-          <a:prstGeom prst="bentConnector3">
-            <a:avLst>
-              <a:gd name="adj1" fmla="val 50000"/>
-            </a:avLst>
-          </a:prstGeom>
-          <a:ln>
-            <a:tailEnd type="triangle"/>
-          </a:ln>
-        </p:spPr>
-        <p:style>
-          <a:lnRef idx="1">
-            <a:schemeClr val="accent3"/>
-          </a:lnRef>
-          <a:fillRef idx="2">
-            <a:schemeClr val="accent3"/>
-          </a:fillRef>
-          <a:effectRef idx="1">
-            <a:schemeClr val="accent3"/>
-          </a:effectRef>
-          <a:fontRef idx="minor">
-            <a:schemeClr val="dk1"/>
-          </a:fontRef>
-        </p:style>
-      </p:cxnSp>
+      </p:pic>
     </p:spTree>
     <p:extLst>
       <p:ext uri="{BB962C8B-B14F-4D97-AF65-F5344CB8AC3E}">
-        <p14:creationId xmlns:p14="http://schemas.microsoft.com/office/powerpoint/2010/main" val="3432804648"/>
+        <p14:creationId xmlns:p14="http://schemas.microsoft.com/office/powerpoint/2010/main" val="4163025405"/>
       </p:ext>
     </p:extLst>
   </p:cSld>
@@ -26342,6 +29114,454 @@
           </a:p>
         </p:txBody>
       </p:sp>
+      <p:cxnSp>
+        <p:nvCxnSpPr>
+          <p:cNvPr id="7" name="Elbow Connector 6"/>
+          <p:cNvCxnSpPr>
+            <a:stCxn id="9" idx="2"/>
+            <a:endCxn id="10" idx="0"/>
+          </p:cNvCxnSpPr>
+          <p:nvPr/>
+        </p:nvCxnSpPr>
+        <p:spPr>
+          <a:xfrm rot="5400000">
+            <a:off x="3063311" y="2972661"/>
+            <a:ext cx="381465" cy="1797541"/>
+          </a:xfrm>
+          <a:prstGeom prst="bentConnector3">
+            <a:avLst>
+              <a:gd name="adj1" fmla="val 50000"/>
+            </a:avLst>
+          </a:prstGeom>
+          <a:ln>
+            <a:tailEnd type="triangle"/>
+          </a:ln>
+        </p:spPr>
+        <p:style>
+          <a:lnRef idx="1">
+            <a:schemeClr val="accent4"/>
+          </a:lnRef>
+          <a:fillRef idx="2">
+            <a:schemeClr val="accent4"/>
+          </a:fillRef>
+          <a:effectRef idx="1">
+            <a:schemeClr val="accent4"/>
+          </a:effectRef>
+          <a:fontRef idx="minor">
+            <a:schemeClr val="dk1"/>
+          </a:fontRef>
+        </p:style>
+      </p:cxnSp>
+      <p:cxnSp>
+        <p:nvCxnSpPr>
+          <p:cNvPr id="8" name="Elbow Connector 7"/>
+          <p:cNvCxnSpPr>
+            <a:stCxn id="9" idx="2"/>
+            <a:endCxn id="11" idx="0"/>
+          </p:cNvCxnSpPr>
+          <p:nvPr/>
+        </p:nvCxnSpPr>
+        <p:spPr>
+          <a:xfrm rot="16200000" flipH="1">
+            <a:off x="4829872" y="3003640"/>
+            <a:ext cx="381465" cy="1735582"/>
+          </a:xfrm>
+          <a:prstGeom prst="bentConnector3">
+            <a:avLst>
+              <a:gd name="adj1" fmla="val 50000"/>
+            </a:avLst>
+          </a:prstGeom>
+          <a:ln>
+            <a:tailEnd type="triangle"/>
+          </a:ln>
+        </p:spPr>
+        <p:style>
+          <a:lnRef idx="1">
+            <a:schemeClr val="accent4"/>
+          </a:lnRef>
+          <a:fillRef idx="2">
+            <a:schemeClr val="accent4"/>
+          </a:fillRef>
+          <a:effectRef idx="1">
+            <a:schemeClr val="accent4"/>
+          </a:effectRef>
+          <a:fontRef idx="minor">
+            <a:schemeClr val="dk1"/>
+          </a:fontRef>
+        </p:style>
+      </p:cxnSp>
+      <p:sp>
+        <p:nvSpPr>
+          <p:cNvPr id="9" name="Rounded Rectangle 8"/>
+          <p:cNvSpPr/>
+          <p:nvPr/>
+        </p:nvSpPr>
+        <p:spPr>
+          <a:xfrm>
+            <a:off x="2903486" y="3202061"/>
+            <a:ext cx="2498654" cy="478638"/>
+          </a:xfrm>
+          <a:prstGeom prst="roundRect">
+            <a:avLst/>
+          </a:prstGeom>
+        </p:spPr>
+        <p:style>
+          <a:lnRef idx="1">
+            <a:schemeClr val="accent4"/>
+          </a:lnRef>
+          <a:fillRef idx="2">
+            <a:schemeClr val="accent4"/>
+          </a:fillRef>
+          <a:effectRef idx="1">
+            <a:schemeClr val="accent4"/>
+          </a:effectRef>
+          <a:fontRef idx="minor">
+            <a:schemeClr val="dk1"/>
+          </a:fontRef>
+        </p:style>
+        <p:txBody>
+          <a:bodyPr rtlCol="0" anchor="ctr"/>
+          <a:lstStyle/>
+          <a:p>
+            <a:pPr algn="ctr"/>
+            <a:r>
+              <a:rPr lang="en-US" sz="1600" b="1" dirty="0" smtClean="0"/>
+              <a:t>Automated System Testing</a:t>
+            </a:r>
+            <a:endParaRPr lang="en-US" sz="1600" b="1" dirty="0"/>
+          </a:p>
+        </p:txBody>
+      </p:sp>
+      <p:sp>
+        <p:nvSpPr>
+          <p:cNvPr id="10" name="Rounded Rectangle 9"/>
+          <p:cNvSpPr/>
+          <p:nvPr/>
+        </p:nvSpPr>
+        <p:spPr>
+          <a:xfrm>
+            <a:off x="1243135" y="4062164"/>
+            <a:ext cx="2224274" cy="478638"/>
+          </a:xfrm>
+          <a:prstGeom prst="roundRect">
+            <a:avLst/>
+          </a:prstGeom>
+        </p:spPr>
+        <p:style>
+          <a:lnRef idx="1">
+            <a:schemeClr val="accent4"/>
+          </a:lnRef>
+          <a:fillRef idx="2">
+            <a:schemeClr val="accent4"/>
+          </a:fillRef>
+          <a:effectRef idx="1">
+            <a:schemeClr val="accent4"/>
+          </a:effectRef>
+          <a:fontRef idx="minor">
+            <a:schemeClr val="dk1"/>
+          </a:fontRef>
+        </p:style>
+        <p:txBody>
+          <a:bodyPr rtlCol="0" anchor="ctr"/>
+          <a:lstStyle/>
+          <a:p>
+            <a:pPr algn="ctr"/>
+            <a:r>
+              <a:rPr lang="en-US" sz="1600" b="1" dirty="0"/>
+              <a:t>End-To-End Testing</a:t>
+            </a:r>
+          </a:p>
+        </p:txBody>
+      </p:sp>
+      <p:sp>
+        <p:nvSpPr>
+          <p:cNvPr id="11" name="Rounded Rectangle 10"/>
+          <p:cNvSpPr/>
+          <p:nvPr/>
+        </p:nvSpPr>
+        <p:spPr>
+          <a:xfrm>
+            <a:off x="4717907" y="4062164"/>
+            <a:ext cx="2340976" cy="478638"/>
+          </a:xfrm>
+          <a:prstGeom prst="roundRect">
+            <a:avLst/>
+          </a:prstGeom>
+        </p:spPr>
+        <p:style>
+          <a:lnRef idx="1">
+            <a:schemeClr val="accent4"/>
+          </a:lnRef>
+          <a:fillRef idx="2">
+            <a:schemeClr val="accent4"/>
+          </a:fillRef>
+          <a:effectRef idx="1">
+            <a:schemeClr val="accent4"/>
+          </a:effectRef>
+          <a:fontRef idx="minor">
+            <a:schemeClr val="dk1"/>
+          </a:fontRef>
+        </p:style>
+        <p:txBody>
+          <a:bodyPr rtlCol="0" anchor="ctr"/>
+          <a:lstStyle/>
+          <a:p>
+            <a:pPr algn="ctr"/>
+            <a:r>
+              <a:rPr lang="en-US" sz="1600" b="1" dirty="0" smtClean="0"/>
+              <a:t>Integration </a:t>
+            </a:r>
+            <a:r>
+              <a:rPr lang="en-US" sz="1600" b="1" dirty="0"/>
+              <a:t>Testing</a:t>
+            </a:r>
+          </a:p>
+        </p:txBody>
+      </p:sp>
+      <p:sp>
+        <p:nvSpPr>
+          <p:cNvPr id="12" name="Rounded Rectangle 11"/>
+          <p:cNvSpPr/>
+          <p:nvPr/>
+        </p:nvSpPr>
+        <p:spPr>
+          <a:xfrm>
+            <a:off x="5360847" y="2327665"/>
+            <a:ext cx="1698036" cy="478638"/>
+          </a:xfrm>
+          <a:prstGeom prst="roundRect">
+            <a:avLst/>
+          </a:prstGeom>
+        </p:spPr>
+        <p:style>
+          <a:lnRef idx="1">
+            <a:schemeClr val="accent4"/>
+          </a:lnRef>
+          <a:fillRef idx="2">
+            <a:schemeClr val="accent4"/>
+          </a:fillRef>
+          <a:effectRef idx="1">
+            <a:schemeClr val="accent4"/>
+          </a:effectRef>
+          <a:fontRef idx="minor">
+            <a:schemeClr val="dk1"/>
+          </a:fontRef>
+        </p:style>
+        <p:txBody>
+          <a:bodyPr rtlCol="0" anchor="ctr"/>
+          <a:lstStyle/>
+          <a:p>
+            <a:pPr algn="ctr"/>
+            <a:r>
+              <a:rPr lang="en-US" sz="1600" b="1" dirty="0" smtClean="0"/>
+              <a:t>System Testing</a:t>
+            </a:r>
+            <a:endParaRPr lang="en-US" sz="1600" b="1" dirty="0"/>
+          </a:p>
+        </p:txBody>
+      </p:sp>
+      <p:sp>
+        <p:nvSpPr>
+          <p:cNvPr id="13" name="Rounded Rectangle 12"/>
+          <p:cNvSpPr/>
+          <p:nvPr/>
+        </p:nvSpPr>
+        <p:spPr>
+          <a:xfrm>
+            <a:off x="6967908" y="3202060"/>
+            <a:ext cx="2417902" cy="478638"/>
+          </a:xfrm>
+          <a:prstGeom prst="roundRect">
+            <a:avLst/>
+          </a:prstGeom>
+        </p:spPr>
+        <p:style>
+          <a:lnRef idx="1">
+            <a:schemeClr val="accent4"/>
+          </a:lnRef>
+          <a:fillRef idx="2">
+            <a:schemeClr val="accent4"/>
+          </a:fillRef>
+          <a:effectRef idx="1">
+            <a:schemeClr val="accent4"/>
+          </a:effectRef>
+          <a:fontRef idx="minor">
+            <a:schemeClr val="dk1"/>
+          </a:fontRef>
+        </p:style>
+        <p:txBody>
+          <a:bodyPr rtlCol="0" anchor="ctr"/>
+          <a:lstStyle/>
+          <a:p>
+            <a:pPr algn="ctr"/>
+            <a:r>
+              <a:rPr lang="en-US" sz="1600" b="1" dirty="0" smtClean="0"/>
+              <a:t>Manual System Testing</a:t>
+            </a:r>
+            <a:endParaRPr lang="en-US" sz="1600" b="1" dirty="0"/>
+          </a:p>
+        </p:txBody>
+      </p:sp>
+      <p:cxnSp>
+        <p:nvCxnSpPr>
+          <p:cNvPr id="18" name="Elbow Connector 17"/>
+          <p:cNvCxnSpPr>
+            <a:stCxn id="12" idx="2"/>
+            <a:endCxn id="9" idx="0"/>
+          </p:cNvCxnSpPr>
+          <p:nvPr/>
+        </p:nvCxnSpPr>
+        <p:spPr>
+          <a:xfrm rot="5400000">
+            <a:off x="4983460" y="1975656"/>
+            <a:ext cx="395758" cy="2057052"/>
+          </a:xfrm>
+          <a:prstGeom prst="bentConnector3">
+            <a:avLst>
+              <a:gd name="adj1" fmla="val 50000"/>
+            </a:avLst>
+          </a:prstGeom>
+          <a:ln>
+            <a:tailEnd type="triangle"/>
+          </a:ln>
+        </p:spPr>
+        <p:style>
+          <a:lnRef idx="1">
+            <a:schemeClr val="accent4"/>
+          </a:lnRef>
+          <a:fillRef idx="2">
+            <a:schemeClr val="accent4"/>
+          </a:fillRef>
+          <a:effectRef idx="1">
+            <a:schemeClr val="accent4"/>
+          </a:effectRef>
+          <a:fontRef idx="minor">
+            <a:schemeClr val="dk1"/>
+          </a:fontRef>
+        </p:style>
+      </p:cxnSp>
+      <p:cxnSp>
+        <p:nvCxnSpPr>
+          <p:cNvPr id="22" name="Elbow Connector 21"/>
+          <p:cNvCxnSpPr>
+            <a:stCxn id="12" idx="2"/>
+            <a:endCxn id="13" idx="0"/>
+          </p:cNvCxnSpPr>
+          <p:nvPr/>
+        </p:nvCxnSpPr>
+        <p:spPr>
+          <a:xfrm rot="16200000" flipH="1">
+            <a:off x="6995484" y="2020684"/>
+            <a:ext cx="395757" cy="1966994"/>
+          </a:xfrm>
+          <a:prstGeom prst="bentConnector3">
+            <a:avLst>
+              <a:gd name="adj1" fmla="val 50000"/>
+            </a:avLst>
+          </a:prstGeom>
+          <a:ln>
+            <a:tailEnd type="triangle"/>
+          </a:ln>
+        </p:spPr>
+        <p:style>
+          <a:lnRef idx="1">
+            <a:schemeClr val="accent4"/>
+          </a:lnRef>
+          <a:fillRef idx="2">
+            <a:schemeClr val="accent4"/>
+          </a:fillRef>
+          <a:effectRef idx="1">
+            <a:schemeClr val="accent4"/>
+          </a:effectRef>
+          <a:fontRef idx="minor">
+            <a:schemeClr val="dk1"/>
+          </a:fontRef>
+        </p:style>
+      </p:cxnSp>
+    </p:spTree>
+    <p:extLst>
+      <p:ext uri="{BB962C8B-B14F-4D97-AF65-F5344CB8AC3E}">
+        <p14:creationId xmlns:p14="http://schemas.microsoft.com/office/powerpoint/2010/main" val="3432804648"/>
+      </p:ext>
+    </p:extLst>
+  </p:cSld>
+  <p:clrMapOvr>
+    <a:masterClrMapping/>
+  </p:clrMapOvr>
+  <p:timing>
+    <p:tnLst>
+      <p:par>
+        <p:cTn id="1" dur="indefinite" restart="never" nodeType="tmRoot"/>
+      </p:par>
+    </p:tnLst>
+  </p:timing>
+</p:sld>
+</file>
+
+<file path=ppt/slides/slide6.xml><?xml version="1.0" encoding="utf-8"?>
+<p:sld xmlns:a="http://schemas.openxmlformats.org/drawingml/2006/main" xmlns:r="http://schemas.openxmlformats.org/officeDocument/2006/relationships" xmlns:p="http://schemas.openxmlformats.org/presentationml/2006/main">
+  <p:cSld>
+    <p:spTree>
+      <p:nvGrpSpPr>
+        <p:cNvPr id="1" name=""/>
+        <p:cNvGrpSpPr/>
+        <p:nvPr/>
+      </p:nvGrpSpPr>
+      <p:grpSpPr>
+        <a:xfrm>
+          <a:off x="0" y="0"/>
+          <a:ext cx="0" cy="0"/>
+          <a:chOff x="0" y="0"/>
+          <a:chExt cx="0" cy="0"/>
+        </a:xfrm>
+      </p:grpSpPr>
+      <p:sp>
+        <p:nvSpPr>
+          <p:cNvPr id="2" name="Title 1"/>
+          <p:cNvSpPr>
+            <a:spLocks noGrp="1"/>
+          </p:cNvSpPr>
+          <p:nvPr>
+            <p:ph type="title"/>
+          </p:nvPr>
+        </p:nvSpPr>
+        <p:spPr/>
+        <p:txBody>
+          <a:bodyPr/>
+          <a:lstStyle/>
+          <a:p>
+            <a:r>
+              <a:rPr lang="en-US" dirty="0" smtClean="0"/>
+              <a:t>The conceptual structure of an application to software testing</a:t>
+            </a:r>
+            <a:endParaRPr lang="en-US" dirty="0"/>
+          </a:p>
+        </p:txBody>
+      </p:sp>
+      <p:sp>
+        <p:nvSpPr>
+          <p:cNvPr id="4" name="Slide Number Placeholder 3"/>
+          <p:cNvSpPr>
+            <a:spLocks noGrp="1"/>
+          </p:cNvSpPr>
+          <p:nvPr>
+            <p:ph type="sldNum" sz="quarter" idx="12"/>
+          </p:nvPr>
+        </p:nvSpPr>
+        <p:spPr/>
+        <p:txBody>
+          <a:bodyPr/>
+          <a:lstStyle/>
+          <a:p>
+            <a:fld id="{BCD7396F-CAFE-47FC-9775-745DE743DF33}" type="slidenum">
+              <a:rPr lang="en-US" smtClean="0"/>
+              <a:pPr/>
+              <a:t>6</a:t>
+            </a:fld>
+            <a:endParaRPr lang="en-US" dirty="0"/>
+          </a:p>
+        </p:txBody>
+      </p:sp>
       <p:grpSp>
         <p:nvGrpSpPr>
           <p:cNvPr id="3" name="Group 2"/>
@@ -26350,10 +29570,10 @@
         </p:nvGrpSpPr>
         <p:grpSpPr>
           <a:xfrm>
-            <a:off x="413101" y="2576679"/>
-            <a:ext cx="5491330" cy="2710771"/>
-            <a:chOff x="715755" y="3663601"/>
-            <a:chExt cx="5491330" cy="2710771"/>
+            <a:off x="278086" y="2398728"/>
+            <a:ext cx="5629890" cy="2850078"/>
+            <a:chOff x="715755" y="3524294"/>
+            <a:chExt cx="5629890" cy="2850078"/>
           </a:xfrm>
         </p:grpSpPr>
         <p:pic>
@@ -26394,8 +29614,8 @@
           </p:nvSpPr>
           <p:spPr>
             <a:xfrm>
-              <a:off x="4013459" y="3663601"/>
-              <a:ext cx="2193626" cy="666514"/>
+              <a:off x="4013459" y="3524294"/>
+              <a:ext cx="2332186" cy="805821"/>
             </a:xfrm>
             <a:prstGeom prst="wedgeRoundRectCallout">
               <a:avLst>
@@ -26425,19 +29645,19 @@
             <a:p>
               <a:pPr algn="just"/>
               <a:r>
-                <a:rPr lang="en-US" sz="1400" b="1" dirty="0" smtClean="0">
+                <a:rPr lang="en-US" sz="1600" b="1" dirty="0" smtClean="0">
                   <a:solidFill>
                     <a:schemeClr val="tx1"/>
                   </a:solidFill>
-                  <a:latin typeface="Comic Sans MS" panose="030F0702030302020204" pitchFamily="66" charset="0"/>
+                  <a:latin typeface="Segoe Print" panose="02000600000000000000" pitchFamily="2" charset="0"/>
                 </a:rPr>
                 <a:t>Simulate real user scenarios to test the entire application.</a:t>
               </a:r>
-              <a:endParaRPr lang="en-US" sz="1400" b="1" dirty="0">
+              <a:endParaRPr lang="en-US" sz="1600" b="1" dirty="0">
                 <a:solidFill>
                   <a:schemeClr val="tx1"/>
                 </a:solidFill>
-                <a:latin typeface="Comic Sans MS" panose="030F0702030302020204" pitchFamily="66" charset="0"/>
+                <a:latin typeface="Segoe Print" panose="02000600000000000000" pitchFamily="2" charset="0"/>
               </a:endParaRPr>
             </a:p>
           </p:txBody>
@@ -26451,7 +29671,7 @@
         </p:nvGrpSpPr>
         <p:grpSpPr>
           <a:xfrm>
-            <a:off x="6860139" y="2576679"/>
+            <a:off x="6725124" y="2538035"/>
             <a:ext cx="4137736" cy="2690974"/>
             <a:chOff x="6860139" y="3157545"/>
             <a:chExt cx="4137736" cy="2690974"/>
@@ -26495,8 +29715,8 @@
           </p:nvSpPr>
           <p:spPr>
             <a:xfrm>
-              <a:off x="8004072" y="3263148"/>
-              <a:ext cx="2054328" cy="656158"/>
+              <a:off x="7172919" y="3210598"/>
+              <a:ext cx="2889215" cy="634990"/>
             </a:xfrm>
             <a:prstGeom prst="wedgeRoundRectCallout">
               <a:avLst/>
@@ -26522,11 +29742,11 @@
             <a:p>
               <a:pPr algn="just"/>
               <a:r>
-                <a:rPr lang="en-US" sz="1400" b="1" dirty="0">
+                <a:rPr lang="en-US" sz="1600" b="1" dirty="0">
                   <a:solidFill>
                     <a:schemeClr val="tx1"/>
                   </a:solidFill>
-                  <a:latin typeface="Comic Sans MS" panose="030F0702030302020204" pitchFamily="66" charset="0"/>
+                  <a:latin typeface="Segoe Print" panose="02000600000000000000" pitchFamily="2" charset="0"/>
                 </a:rPr>
                 <a:t>Call the top business level to test the application.</a:t>
               </a:r>
@@ -26568,8 +29788,8 @@
         </p:nvCxnSpPr>
         <p:spPr>
           <a:xfrm>
-            <a:off x="6223000" y="1913440"/>
-            <a:ext cx="0" cy="4074937"/>
+            <a:off x="6223000" y="2430268"/>
+            <a:ext cx="0" cy="3331221"/>
           </a:xfrm>
           <a:prstGeom prst="line">
             <a:avLst/>
@@ -26601,8 +29821,8 @@
         </p:nvSpPr>
         <p:spPr>
           <a:xfrm>
-            <a:off x="413101" y="5461579"/>
-            <a:ext cx="5809899" cy="369332"/>
+            <a:off x="278086" y="5422935"/>
+            <a:ext cx="5809899" cy="338554"/>
           </a:xfrm>
           <a:prstGeom prst="rect">
             <a:avLst/>
@@ -26617,18 +29837,18 @@
           <a:p>
             <a:pPr algn="just"/>
             <a:r>
-              <a:rPr lang="en-US" dirty="0" smtClean="0"/>
+              <a:rPr lang="en-US" sz="1600" dirty="0" smtClean="0"/>
               <a:t>The </a:t>
             </a:r>
             <a:r>
-              <a:rPr lang="en-US" b="1" dirty="0" smtClean="0"/>
+              <a:rPr lang="en-US" sz="1600" b="1" dirty="0" smtClean="0"/>
               <a:t>entire</a:t>
             </a:r>
             <a:r>
-              <a:rPr lang="en-US" dirty="0" smtClean="0"/>
+              <a:rPr lang="en-US" sz="1600" dirty="0" smtClean="0"/>
               <a:t> application is tested for critical functionalities.</a:t>
             </a:r>
-            <a:endParaRPr lang="en-US" dirty="0"/>
+            <a:endParaRPr lang="en-US" sz="1600" dirty="0"/>
           </a:p>
         </p:txBody>
       </p:sp>
@@ -26640,8 +29860,8 @@
         </p:nvSpPr>
         <p:spPr>
           <a:xfrm>
-            <a:off x="6860139" y="5461579"/>
-            <a:ext cx="5172760" cy="369332"/>
+            <a:off x="6725124" y="5422935"/>
+            <a:ext cx="5172760" cy="338554"/>
           </a:xfrm>
           <a:prstGeom prst="rect">
             <a:avLst/>
@@ -26656,18 +29876,10 @@
           <a:p>
             <a:pPr algn="just"/>
             <a:r>
-              <a:rPr lang="en-US" dirty="0" smtClean="0"/>
-              <a:t>Only business </a:t>
-            </a:r>
-            <a:r>
-              <a:rPr lang="en-US" dirty="0" smtClean="0"/>
-              <a:t>logic is tested for critical </a:t>
-            </a:r>
-            <a:r>
-              <a:rPr lang="en-US" dirty="0" smtClean="0"/>
-              <a:t>functionalities.</a:t>
-            </a:r>
-            <a:endParaRPr lang="en-US" dirty="0"/>
+              <a:rPr lang="en-US" sz="1600" dirty="0" smtClean="0"/>
+              <a:t>Only business logic is tested for critical functionalities.</a:t>
+            </a:r>
+            <a:endParaRPr lang="en-US" sz="1600" dirty="0"/>
           </a:p>
         </p:txBody>
       </p:sp>
@@ -26679,7 +29891,7 @@
         </p:nvSpPr>
         <p:spPr>
           <a:xfrm>
-            <a:off x="2012428" y="1852053"/>
+            <a:off x="1877413" y="1813409"/>
             <a:ext cx="2313457" cy="369332"/>
           </a:xfrm>
           <a:prstGeom prst="rect">
@@ -26713,7 +29925,7 @@
         </p:nvSpPr>
         <p:spPr>
           <a:xfrm>
-            <a:off x="7703775" y="1852053"/>
+            <a:off x="7568760" y="1813409"/>
             <a:ext cx="3085075" cy="369332"/>
           </a:xfrm>
           <a:prstGeom prst="rect">
@@ -26739,9 +29951,49 @@
           </a:p>
         </p:txBody>
       </p:sp>
+      <p:sp>
+        <p:nvSpPr>
+          <p:cNvPr id="13" name="TextBox 12"/>
+          <p:cNvSpPr txBox="1"/>
+          <p:nvPr/>
+        </p:nvSpPr>
+        <p:spPr>
+          <a:xfrm>
+            <a:off x="1595507" y="6003428"/>
+            <a:ext cx="9761005" cy="400110"/>
+          </a:xfrm>
+          <a:prstGeom prst="rect">
+            <a:avLst/>
+          </a:prstGeom>
+          <a:noFill/>
+        </p:spPr>
+        <p:txBody>
+          <a:bodyPr wrap="none" rtlCol="0">
+            <a:spAutoFit/>
+          </a:bodyPr>
+          <a:lstStyle/>
+          <a:p>
+            <a:r>
+              <a:rPr lang="en-US" sz="2000" b="1" dirty="0" smtClean="0">
+                <a:solidFill>
+                  <a:srgbClr val="FF0000"/>
+                </a:solidFill>
+                <a:latin typeface="Segoe Print" panose="02000600000000000000" pitchFamily="2" charset="0"/>
+              </a:rPr>
+              <a:t>we prefer “end-to-end testing” rather than “system integration testing”</a:t>
+            </a:r>
+            <a:endParaRPr lang="en-US" sz="2000" b="1" dirty="0">
+              <a:solidFill>
+                <a:srgbClr val="FF0000"/>
+              </a:solidFill>
+              <a:latin typeface="Segoe Print" panose="02000600000000000000" pitchFamily="2" charset="0"/>
+            </a:endParaRPr>
+          </a:p>
+        </p:txBody>
+      </p:sp>
       <p:pic>
         <p:nvPicPr>
-          <p:cNvPr id="1026" name="Picture 2" descr="http://icons.iconarchive.com/icons/custom-icon-design/mono-business-2/512/thumbs-up-icon.png"/>
+          <p:cNvPr id="2054" name="Picture 6" descr="http://static.wixstatic.com/media/5dfcbe_a58180bbc0a64134ae076f30ea81309c.png"/>
           <p:cNvPicPr>
             <a:picLocks noChangeAspect="1" noChangeArrowheads="1"/>
           </p:cNvPicPr>
@@ -26749,6 +30001,13 @@
         </p:nvPicPr>
         <p:blipFill>
           <a:blip r:embed="rId3" cstate="print">
+            <a:duotone>
+              <a:schemeClr val="accent2">
+                <a:shade val="45000"/>
+                <a:satMod val="135000"/>
+              </a:schemeClr>
+              <a:prstClr val="white"/>
+            </a:duotone>
             <a:extLst>
               <a:ext uri="{28A0092B-C50C-407E-A947-70E740481C1C}">
                 <a14:useLocalDpi xmlns:a14="http://schemas.microsoft.com/office/drawing/2010/main" val="0"/>
@@ -26762,8 +30021,8 @@
         </p:blipFill>
         <p:spPr bwMode="auto">
           <a:xfrm>
-            <a:off x="1710877" y="1879970"/>
-            <a:ext cx="284533" cy="284533"/>
+            <a:off x="1095237" y="5831505"/>
+            <a:ext cx="500270" cy="524845"/>
           </a:xfrm>
           <a:prstGeom prst="rect">
             <a:avLst/>
@@ -26800,7 +30059,7 @@
 </p:sld>
 </file>
 
-<file path=ppt/slides/slide6.xml><?xml version="1.0" encoding="utf-8"?>
+<file path=ppt/slides/slide7.xml><?xml version="1.0" encoding="utf-8"?>
 <p:sld xmlns:a="http://schemas.openxmlformats.org/drawingml/2006/main" xmlns:r="http://schemas.openxmlformats.org/officeDocument/2006/relationships" xmlns:p="http://schemas.openxmlformats.org/presentationml/2006/main">
   <p:cSld>
     <p:spTree>
@@ -26876,7 +30135,7 @@
           <a:p>
             <a:fld id="{BCD7396F-CAFE-47FC-9775-745DE743DF33}" type="slidenum">
               <a:rPr lang="en-US" smtClean="0"/>
-              <a:t>6</a:t>
+              <a:t>7</a:t>
             </a:fld>
             <a:endParaRPr lang="en-US"/>
           </a:p>
@@ -26902,129 +30161,6 @@
 </p:sld>
 </file>
 
-<file path=ppt/slides/slide7.xml><?xml version="1.0" encoding="utf-8"?>
-<p:sld xmlns:a="http://schemas.openxmlformats.org/drawingml/2006/main" xmlns:r="http://schemas.openxmlformats.org/officeDocument/2006/relationships" xmlns:p="http://schemas.openxmlformats.org/presentationml/2006/main">
-  <p:cSld>
-    <p:spTree>
-      <p:nvGrpSpPr>
-        <p:cNvPr id="1" name=""/>
-        <p:cNvGrpSpPr/>
-        <p:nvPr/>
-      </p:nvGrpSpPr>
-      <p:grpSpPr>
-        <a:xfrm>
-          <a:off x="0" y="0"/>
-          <a:ext cx="0" cy="0"/>
-          <a:chOff x="0" y="0"/>
-          <a:chExt cx="0" cy="0"/>
-        </a:xfrm>
-      </p:grpSpPr>
-      <p:sp>
-        <p:nvSpPr>
-          <p:cNvPr id="2" name="Title 1"/>
-          <p:cNvSpPr>
-            <a:spLocks noGrp="1"/>
-          </p:cNvSpPr>
-          <p:nvPr>
-            <p:ph type="title"/>
-          </p:nvPr>
-        </p:nvSpPr>
-        <p:spPr/>
-        <p:txBody>
-          <a:bodyPr/>
-          <a:lstStyle/>
-          <a:p>
-            <a:r>
-              <a:rPr lang="en-US" dirty="0" smtClean="0"/>
-              <a:t>What types of testing should be applied to a project in Scrum?</a:t>
-            </a:r>
-            <a:endParaRPr lang="en-US" dirty="0"/>
-          </a:p>
-        </p:txBody>
-      </p:sp>
-      <p:sp>
-        <p:nvSpPr>
-          <p:cNvPr id="3" name="Content Placeholder 2"/>
-          <p:cNvSpPr>
-            <a:spLocks noGrp="1"/>
-          </p:cNvSpPr>
-          <p:nvPr>
-            <p:ph idx="1"/>
-          </p:nvPr>
-        </p:nvSpPr>
-        <p:spPr/>
-        <p:txBody>
-          <a:bodyPr/>
-          <a:lstStyle/>
-          <a:p>
-            <a:r>
-              <a:rPr lang="en-US" dirty="0" smtClean="0"/>
-              <a:t>Unit Testing</a:t>
-            </a:r>
-          </a:p>
-          <a:p>
-            <a:r>
-              <a:rPr lang="en-US" dirty="0"/>
-              <a:t>GUI Unit </a:t>
-            </a:r>
-            <a:r>
-              <a:rPr lang="en-US" dirty="0" smtClean="0"/>
-              <a:t>Testing</a:t>
-            </a:r>
-          </a:p>
-          <a:p>
-            <a:r>
-              <a:rPr lang="en-US" dirty="0" smtClean="0"/>
-              <a:t>Integration Testing</a:t>
-            </a:r>
-          </a:p>
-          <a:p>
-            <a:r>
-              <a:rPr lang="en-US" dirty="0" smtClean="0"/>
-              <a:t>System Testing (Manual System Testing, Automated System Testing)</a:t>
-            </a:r>
-          </a:p>
-          <a:p>
-            <a:endParaRPr lang="en-US" dirty="0"/>
-          </a:p>
-        </p:txBody>
-      </p:sp>
-      <p:sp>
-        <p:nvSpPr>
-          <p:cNvPr id="4" name="Slide Number Placeholder 3"/>
-          <p:cNvSpPr>
-            <a:spLocks noGrp="1"/>
-          </p:cNvSpPr>
-          <p:nvPr>
-            <p:ph type="sldNum" sz="quarter" idx="12"/>
-          </p:nvPr>
-        </p:nvSpPr>
-        <p:spPr/>
-        <p:txBody>
-          <a:bodyPr/>
-          <a:lstStyle/>
-          <a:p>
-            <a:fld id="{BCD7396F-CAFE-47FC-9775-745DE743DF33}" type="slidenum">
-              <a:rPr lang="en-US" smtClean="0"/>
-              <a:t>7</a:t>
-            </a:fld>
-            <a:endParaRPr lang="en-US"/>
-          </a:p>
-        </p:txBody>
-      </p:sp>
-    </p:spTree>
-    <p:extLst>
-      <p:ext uri="{BB962C8B-B14F-4D97-AF65-F5344CB8AC3E}">
-        <p14:creationId xmlns:p14="http://schemas.microsoft.com/office/powerpoint/2010/main" val="1593599548"/>
-      </p:ext>
-    </p:extLst>
-  </p:cSld>
-  <p:clrMapOvr>
-    <a:masterClrMapping/>
-  </p:clrMapOvr>
-</p:sld>
-</file>
-
 <file path=ppt/slides/slide8.xml><?xml version="1.0" encoding="utf-8"?>
 <p:sld xmlns:a="http://schemas.openxmlformats.org/drawingml/2006/main" xmlns:r="http://schemas.openxmlformats.org/officeDocument/2006/relationships" xmlns:p="http://schemas.openxmlformats.org/presentationml/2006/main">
   <p:cSld>
@@ -27058,22 +30194,67 @@
           <a:lstStyle/>
           <a:p>
             <a:r>
-              <a:rPr lang="en-US" dirty="0" smtClean="0">
-                <a:latin typeface="Segoe UI Light" panose="020B0502040204020203" pitchFamily="34" charset="0"/>
-                <a:cs typeface="Segoe UI Light" panose="020B0502040204020203" pitchFamily="34" charset="0"/>
-              </a:rPr>
-              <a:t>The conceptual structure of an application to software testing</a:t>
-            </a:r>
-            <a:endParaRPr lang="en-US" dirty="0">
-              <a:latin typeface="Segoe UI Light" panose="020B0502040204020203" pitchFamily="34" charset="0"/>
-              <a:cs typeface="Segoe UI Light" panose="020B0502040204020203" pitchFamily="34" charset="0"/>
-            </a:endParaRPr>
-          </a:p>
-        </p:txBody>
-      </p:sp>
-      <p:sp>
-        <p:nvSpPr>
-          <p:cNvPr id="66" name="Slide Number Placeholder 65"/>
+              <a:rPr lang="en-US" dirty="0" smtClean="0"/>
+              <a:t>What types of </a:t>
+            </a:r>
+            <a:r>
+              <a:rPr lang="en-US" dirty="0" smtClean="0"/>
+              <a:t>testing should be performed to ensure software quality?</a:t>
+            </a:r>
+            <a:endParaRPr lang="en-US" dirty="0"/>
+          </a:p>
+        </p:txBody>
+      </p:sp>
+      <p:sp>
+        <p:nvSpPr>
+          <p:cNvPr id="3" name="Content Placeholder 2"/>
+          <p:cNvSpPr>
+            <a:spLocks noGrp="1"/>
+          </p:cNvSpPr>
+          <p:nvPr>
+            <p:ph idx="1"/>
+          </p:nvPr>
+        </p:nvSpPr>
+        <p:spPr/>
+        <p:txBody>
+          <a:bodyPr/>
+          <a:lstStyle/>
+          <a:p>
+            <a:r>
+              <a:rPr lang="en-US" dirty="0" smtClean="0"/>
+              <a:t>Unit Testing</a:t>
+            </a:r>
+          </a:p>
+          <a:p>
+            <a:r>
+              <a:rPr lang="en-US" dirty="0"/>
+              <a:t>GUI Unit </a:t>
+            </a:r>
+            <a:r>
+              <a:rPr lang="en-US" dirty="0" smtClean="0"/>
+              <a:t>Testing</a:t>
+            </a:r>
+          </a:p>
+          <a:p>
+            <a:r>
+              <a:rPr lang="en-US" dirty="0" smtClean="0"/>
+              <a:t>Integration Testing</a:t>
+            </a:r>
+          </a:p>
+          <a:p>
+            <a:r>
+              <a:rPr lang="en-US" dirty="0" smtClean="0"/>
+              <a:t>System Testing (Manual System Testing, Automated System Testing)</a:t>
+            </a:r>
+          </a:p>
+          <a:p>
+            <a:endParaRPr lang="en-US" dirty="0"/>
+          </a:p>
+        </p:txBody>
+      </p:sp>
+      <p:sp>
+        <p:nvSpPr>
+          <p:cNvPr id="4" name="Slide Number Placeholder 3"/>
           <p:cNvSpPr>
             <a:spLocks noGrp="1"/>
           </p:cNvSpPr>
@@ -27094,40 +30275,10 @@
           </a:p>
         </p:txBody>
       </p:sp>
-      <p:pic>
-        <p:nvPicPr>
-          <p:cNvPr id="3" name="Picture 2"/>
-          <p:cNvPicPr>
-            <a:picLocks noChangeAspect="1"/>
-          </p:cNvPicPr>
-          <p:nvPr/>
-        </p:nvPicPr>
-        <p:blipFill>
-          <a:blip r:embed="rId3">
-            <a:extLst>
-              <a:ext uri="{28A0092B-C50C-407E-A947-70E740481C1C}">
-                <a14:useLocalDpi xmlns:a14="http://schemas.microsoft.com/office/drawing/2010/main" val="0"/>
-              </a:ext>
-            </a:extLst>
-          </a:blip>
-          <a:stretch>
-            <a:fillRect/>
-          </a:stretch>
-        </p:blipFill>
-        <p:spPr>
-          <a:xfrm>
-            <a:off x="3248650" y="1823475"/>
-            <a:ext cx="6273722" cy="4898000"/>
-          </a:xfrm>
-          <a:prstGeom prst="rect">
-            <a:avLst/>
-          </a:prstGeom>
-        </p:spPr>
-      </p:pic>
     </p:spTree>
     <p:extLst>
       <p:ext uri="{BB962C8B-B14F-4D97-AF65-F5344CB8AC3E}">
-        <p14:creationId xmlns:p14="http://schemas.microsoft.com/office/powerpoint/2010/main" val="201835201"/>
+        <p14:creationId xmlns:p14="http://schemas.microsoft.com/office/powerpoint/2010/main" val="1593599548"/>
       </p:ext>
     </p:extLst>
   </p:cSld>
@@ -27192,7 +30343,7 @@
       </p:sp>
       <p:sp>
         <p:nvSpPr>
-          <p:cNvPr id="3" name="Slide Number Placeholder 2"/>
+          <p:cNvPr id="66" name="Slide Number Placeholder 65"/>
           <p:cNvSpPr>
             <a:spLocks noGrp="1"/>
           </p:cNvSpPr>
@@ -27215,7 +30366,7 @@
       </p:sp>
       <p:pic>
         <p:nvPicPr>
-          <p:cNvPr id="5" name="Picture 4"/>
+          <p:cNvPr id="3" name="Picture 2"/>
           <p:cNvPicPr>
             <a:picLocks noChangeAspect="1"/>
           </p:cNvPicPr>
@@ -27235,8 +30386,8 @@
         </p:blipFill>
         <p:spPr>
           <a:xfrm>
-            <a:off x="1592929" y="1906341"/>
-            <a:ext cx="9019995" cy="4450009"/>
+            <a:off x="3248650" y="1823475"/>
+            <a:ext cx="6273722" cy="4898000"/>
           </a:xfrm>
           <a:prstGeom prst="rect">
             <a:avLst/>
@@ -27246,7 +30397,7 @@
     </p:spTree>
     <p:extLst>
       <p:ext uri="{BB962C8B-B14F-4D97-AF65-F5344CB8AC3E}">
-        <p14:creationId xmlns:p14="http://schemas.microsoft.com/office/powerpoint/2010/main" val="3266816375"/>
+        <p14:creationId xmlns:p14="http://schemas.microsoft.com/office/powerpoint/2010/main" val="201835201"/>
       </p:ext>
     </p:extLst>
   </p:cSld>
@@ -27304,80 +30455,16 @@
         <a:srgbClr val="954F72"/>
       </a:folHlink>
     </a:clrScheme>
-    <a:fontScheme name="Tw Cen MT">
+    <a:fontScheme name="Custom 1">
       <a:majorFont>
-        <a:latin typeface="Tw Cen MT" panose="020B0602020104020603"/>
+        <a:latin typeface="Segoe UI Light"/>
         <a:ea typeface=""/>
         <a:cs typeface=""/>
-        <a:font script="Grek" typeface="Calibri"/>
-        <a:font script="Cyrl" typeface="Calibri"/>
-        <a:font script="Jpan" typeface="HGPｺﾞｼｯｸE"/>
-        <a:font script="Hang" typeface="HY얕은샘물M"/>
-        <a:font script="Hans" typeface="华文仿宋"/>
-        <a:font script="Hant" typeface="微軟正黑體"/>
-        <a:font script="Arab" typeface="Arial"/>
-        <a:font script="Hebr" typeface="Levenim MT"/>
-        <a:font script="Thai" typeface="FreesiaUPC"/>
-        <a:font script="Ethi" typeface="Nyala"/>
-        <a:font script="Beng" typeface="Vrinda"/>
-        <a:font script="Gujr" typeface="Shruti"/>
-        <a:font script="Khmr" typeface="DaunPenh"/>
-        <a:font script="Knda" typeface="Tunga"/>
-        <a:font script="Guru" typeface="Raavi"/>
-        <a:font script="Cans" typeface="Euphemia"/>
-        <a:font script="Cher" typeface="Plantagenet Cherokee"/>
-        <a:font script="Yiii" typeface="Microsoft Yi Baiti"/>
-        <a:font script="Tibt" typeface="Microsoft Himalaya"/>
-        <a:font script="Thaa" typeface="MV Boli"/>
-        <a:font script="Deva" typeface="Mangal"/>
-        <a:font script="Telu" typeface="Gautami"/>
-        <a:font script="Taml" typeface="Latha"/>
-        <a:font script="Syrc" typeface="Estrangelo Edessa"/>
-        <a:font script="Orya" typeface="Kalinga"/>
-        <a:font script="Mlym" typeface="Kartika"/>
-        <a:font script="Laoo" typeface="DokChampa"/>
-        <a:font script="Sinh" typeface="Iskoola Pota"/>
-        <a:font script="Mong" typeface="Mongolian Baiti"/>
-        <a:font script="Viet" typeface="Tahoma"/>
-        <a:font script="Uigh" typeface="Microsoft Uighur"/>
-        <a:font script="Geor" typeface="Sylfaen"/>
       </a:majorFont>
       <a:minorFont>
-        <a:latin typeface="Tw Cen MT" panose="020B0602020104020603"/>
+        <a:latin typeface="Segoe UI"/>
         <a:ea typeface=""/>
         <a:cs typeface=""/>
-        <a:font script="Grek" typeface="Calibri"/>
-        <a:font script="Cyrl" typeface="Calibri"/>
-        <a:font script="Jpan" typeface="HGPｺﾞｼｯｸE"/>
-        <a:font script="Hang" typeface="HY얕은샘물M"/>
-        <a:font script="Hans" typeface="华文仿宋"/>
-        <a:font script="Hant" typeface="微軟正黑體"/>
-        <a:font script="Arab" typeface="Arial"/>
-        <a:font script="Hebr" typeface="Levenim MT"/>
-        <a:font script="Thai" typeface="FreesiaUPC"/>
-        <a:font script="Ethi" typeface="Nyala"/>
-        <a:font script="Beng" typeface="Vrinda"/>
-        <a:font script="Gujr" typeface="Shruti"/>
-        <a:font script="Khmr" typeface="DaunPenh"/>
-        <a:font script="Knda" typeface="Tunga"/>
-        <a:font script="Guru" typeface="Raavi"/>
-        <a:font script="Cans" typeface="Euphemia"/>
-        <a:font script="Cher" typeface="Plantagenet Cherokee"/>
-        <a:font script="Yiii" typeface="Microsoft Yi Baiti"/>
-        <a:font script="Tibt" typeface="Microsoft Himalaya"/>
-        <a:font script="Thaa" typeface="MV Boli"/>
-        <a:font script="Deva" typeface="Mangal"/>
-        <a:font script="Telu" typeface="Gautami"/>
-        <a:font script="Taml" typeface="Latha"/>
-        <a:font script="Syrc" typeface="Estrangelo Edessa"/>
-        <a:font script="Orya" typeface="Kalinga"/>
-        <a:font script="Mlym" typeface="Kartika"/>
-        <a:font script="Laoo" typeface="DokChampa"/>
-        <a:font script="Sinh" typeface="Iskoola Pota"/>
-        <a:font script="Mong" typeface="Mongolian Baiti"/>
-        <a:font script="Viet" typeface="Tahoma"/>
-        <a:font script="Uigh" typeface="Microsoft Uighur"/>
-        <a:font script="Geor" typeface="Sylfaen"/>
       </a:minorFont>
     </a:fontScheme>
     <a:fmtScheme name="Office">
@@ -28225,4 +31312,265 @@
     </a:ext>
   </a:extLst>
 </a:theme>
+</file>
+
+<file path=ppt/theme/theme5.xml><?xml version="1.0" encoding="utf-8"?>
+<a:theme xmlns:a="http://schemas.openxmlformats.org/drawingml/2006/main" name="Office Theme">
+  <a:themeElements>
+    <a:clrScheme name="Office">
+      <a:dk1>
+        <a:sysClr val="windowText" lastClr="000000"/>
+      </a:dk1>
+      <a:lt1>
+        <a:sysClr val="window" lastClr="FFFFFF"/>
+      </a:lt1>
+      <a:dk2>
+        <a:srgbClr val="44546A"/>
+      </a:dk2>
+      <a:lt2>
+        <a:srgbClr val="E7E6E6"/>
+      </a:lt2>
+      <a:accent1>
+        <a:srgbClr val="5B9BD5"/>
+      </a:accent1>
+      <a:accent2>
+        <a:srgbClr val="ED7D31"/>
+      </a:accent2>
+      <a:accent3>
+        <a:srgbClr val="A5A5A5"/>
+      </a:accent3>
+      <a:accent4>
+        <a:srgbClr val="FFC000"/>
+      </a:accent4>
+      <a:accent5>
+        <a:srgbClr val="4472C4"/>
+      </a:accent5>
+      <a:accent6>
+        <a:srgbClr val="70AD47"/>
+      </a:accent6>
+      <a:hlink>
+        <a:srgbClr val="0563C1"/>
+      </a:hlink>
+      <a:folHlink>
+        <a:srgbClr val="954F72"/>
+      </a:folHlink>
+    </a:clrScheme>
+    <a:fontScheme name="Office">
+      <a:majorFont>
+        <a:latin typeface="Calibri Light" panose="020F0302020204030204"/>
+        <a:ea typeface=""/>
+        <a:cs typeface=""/>
+        <a:font script="Jpan" typeface="ＭＳ Ｐゴシック"/>
+        <a:font script="Hang" typeface="맑은 고딕"/>
+        <a:font script="Hans" typeface="宋体"/>
+        <a:font script="Hant" typeface="新細明體"/>
+        <a:font script="Arab" typeface="Times New Roman"/>
+        <a:font script="Hebr" typeface="Times New Roman"/>
+        <a:font script="Thai" typeface="Angsana New"/>
+        <a:font script="Ethi" typeface="Nyala"/>
+        <a:font script="Beng" typeface="Vrinda"/>
+        <a:font script="Gujr" typeface="Shruti"/>
+        <a:font script="Khmr" typeface="MoolBoran"/>
+        <a:font script="Knda" typeface="Tunga"/>
+        <a:font script="Guru" typeface="Raavi"/>
+        <a:font script="Cans" typeface="Euphemia"/>
+        <a:font script="Cher" typeface="Plantagenet Cherokee"/>
+        <a:font script="Yiii" typeface="Microsoft Yi Baiti"/>
+        <a:font script="Tibt" typeface="Microsoft Himalaya"/>
+        <a:font script="Thaa" typeface="MV Boli"/>
+        <a:font script="Deva" typeface="Mangal"/>
+        <a:font script="Telu" typeface="Gautami"/>
+        <a:font script="Taml" typeface="Latha"/>
+        <a:font script="Syrc" typeface="Estrangelo Edessa"/>
+        <a:font script="Orya" typeface="Kalinga"/>
+        <a:font script="Mlym" typeface="Kartika"/>
+        <a:font script="Laoo" typeface="DokChampa"/>
+        <a:font script="Sinh" typeface="Iskoola Pota"/>
+        <a:font script="Mong" typeface="Mongolian Baiti"/>
+        <a:font script="Viet" typeface="Times New Roman"/>
+        <a:font script="Uigh" typeface="Microsoft Uighur"/>
+        <a:font script="Geor" typeface="Sylfaen"/>
+      </a:majorFont>
+      <a:minorFont>
+        <a:latin typeface="Calibri" panose="020F0502020204030204"/>
+        <a:ea typeface=""/>
+        <a:cs typeface=""/>
+        <a:font script="Jpan" typeface="ＭＳ Ｐゴシック"/>
+        <a:font script="Hang" typeface="맑은 고딕"/>
+        <a:font script="Hans" typeface="宋体"/>
+        <a:font script="Hant" typeface="新細明體"/>
+        <a:font script="Arab" typeface="Arial"/>
+        <a:font script="Hebr" typeface="Arial"/>
+        <a:font script="Thai" typeface="Cordia New"/>
+        <a:font script="Ethi" typeface="Nyala"/>
+        <a:font script="Beng" typeface="Vrinda"/>
+        <a:font script="Gujr" typeface="Shruti"/>
+        <a:font script="Khmr" typeface="DaunPenh"/>
+        <a:font script="Knda" typeface="Tunga"/>
+        <a:font script="Guru" typeface="Raavi"/>
+        <a:font script="Cans" typeface="Euphemia"/>
+        <a:font script="Cher" typeface="Plantagenet Cherokee"/>
+        <a:font script="Yiii" typeface="Microsoft Yi Baiti"/>
+        <a:font script="Tibt" typeface="Microsoft Himalaya"/>
+        <a:font script="Thaa" typeface="MV Boli"/>
+        <a:font script="Deva" typeface="Mangal"/>
+        <a:font script="Telu" typeface="Gautami"/>
+        <a:font script="Taml" typeface="Latha"/>
+        <a:font script="Syrc" typeface="Estrangelo Edessa"/>
+        <a:font script="Orya" typeface="Kalinga"/>
+        <a:font script="Mlym" typeface="Kartika"/>
+        <a:font script="Laoo" typeface="DokChampa"/>
+        <a:font script="Sinh" typeface="Iskoola Pota"/>
+        <a:font script="Mong" typeface="Mongolian Baiti"/>
+        <a:font script="Viet" typeface="Arial"/>
+        <a:font script="Uigh" typeface="Microsoft Uighur"/>
+        <a:font script="Geor" typeface="Sylfaen"/>
+      </a:minorFont>
+    </a:fontScheme>
+    <a:fmtScheme name="Office">
+      <a:fillStyleLst>
+        <a:solidFill>
+          <a:schemeClr val="phClr"/>
+        </a:solidFill>
+        <a:gradFill rotWithShape="1">
+          <a:gsLst>
+            <a:gs pos="0">
+              <a:schemeClr val="phClr">
+                <a:lumMod val="110000"/>
+                <a:satMod val="105000"/>
+                <a:tint val="67000"/>
+              </a:schemeClr>
+            </a:gs>
+            <a:gs pos="50000">
+              <a:schemeClr val="phClr">
+                <a:lumMod val="105000"/>
+                <a:satMod val="103000"/>
+                <a:tint val="73000"/>
+              </a:schemeClr>
+            </a:gs>
+            <a:gs pos="100000">
+              <a:schemeClr val="phClr">
+                <a:lumMod val="105000"/>
+                <a:satMod val="109000"/>
+                <a:tint val="81000"/>
+              </a:schemeClr>
+            </a:gs>
+          </a:gsLst>
+          <a:lin ang="5400000" scaled="0"/>
+        </a:gradFill>
+        <a:gradFill rotWithShape="1">
+          <a:gsLst>
+            <a:gs pos="0">
+              <a:schemeClr val="phClr">
+                <a:satMod val="103000"/>
+                <a:lumMod val="102000"/>
+                <a:tint val="94000"/>
+              </a:schemeClr>
+            </a:gs>
+            <a:gs pos="50000">
+              <a:schemeClr val="phClr">
+                <a:satMod val="110000"/>
+                <a:lumMod val="100000"/>
+                <a:shade val="100000"/>
+              </a:schemeClr>
+            </a:gs>
+            <a:gs pos="100000">
+              <a:schemeClr val="phClr">
+                <a:lumMod val="99000"/>
+                <a:satMod val="120000"/>
+                <a:shade val="78000"/>
+              </a:schemeClr>
+            </a:gs>
+          </a:gsLst>
+          <a:lin ang="5400000" scaled="0"/>
+        </a:gradFill>
+      </a:fillStyleLst>
+      <a:lnStyleLst>
+        <a:ln w="6350" cap="flat" cmpd="sng" algn="ctr">
+          <a:solidFill>
+            <a:schemeClr val="phClr"/>
+          </a:solidFill>
+          <a:prstDash val="solid"/>
+          <a:miter lim="800000"/>
+        </a:ln>
+        <a:ln w="12700" cap="flat" cmpd="sng" algn="ctr">
+          <a:solidFill>
+            <a:schemeClr val="phClr"/>
+          </a:solidFill>
+          <a:prstDash val="solid"/>
+          <a:miter lim="800000"/>
+        </a:ln>
+        <a:ln w="19050" cap="flat" cmpd="sng" algn="ctr">
+          <a:solidFill>
+            <a:schemeClr val="phClr"/>
+          </a:solidFill>
+          <a:prstDash val="solid"/>
+          <a:miter lim="800000"/>
+        </a:ln>
+      </a:lnStyleLst>
+      <a:effectStyleLst>
+        <a:effectStyle>
+          <a:effectLst/>
+        </a:effectStyle>
+        <a:effectStyle>
+          <a:effectLst/>
+        </a:effectStyle>
+        <a:effectStyle>
+          <a:effectLst>
+            <a:outerShdw blurRad="57150" dist="19050" dir="5400000" algn="ctr" rotWithShape="0">
+              <a:srgbClr val="000000">
+                <a:alpha val="63000"/>
+              </a:srgbClr>
+            </a:outerShdw>
+          </a:effectLst>
+        </a:effectStyle>
+      </a:effectStyleLst>
+      <a:bgFillStyleLst>
+        <a:solidFill>
+          <a:schemeClr val="phClr"/>
+        </a:solidFill>
+        <a:solidFill>
+          <a:schemeClr val="phClr">
+            <a:tint val="95000"/>
+            <a:satMod val="170000"/>
+          </a:schemeClr>
+        </a:solidFill>
+        <a:gradFill rotWithShape="1">
+          <a:gsLst>
+            <a:gs pos="0">
+              <a:schemeClr val="phClr">
+                <a:tint val="93000"/>
+                <a:satMod val="150000"/>
+                <a:shade val="98000"/>
+                <a:lumMod val="102000"/>
+              </a:schemeClr>
+            </a:gs>
+            <a:gs pos="50000">
+              <a:schemeClr val="phClr">
+                <a:tint val="98000"/>
+                <a:satMod val="130000"/>
+                <a:shade val="90000"/>
+                <a:lumMod val="103000"/>
+              </a:schemeClr>
+            </a:gs>
+            <a:gs pos="100000">
+              <a:schemeClr val="phClr">
+                <a:shade val="63000"/>
+                <a:satMod val="120000"/>
+              </a:schemeClr>
+            </a:gs>
+          </a:gsLst>
+          <a:lin ang="5400000" scaled="0"/>
+        </a:gradFill>
+      </a:bgFillStyleLst>
+    </a:fmtScheme>
+  </a:themeElements>
+  <a:objectDefaults/>
+  <a:extraClrSchemeLst/>
+  <a:extLst>
+    <a:ext uri="{05A4C25C-085E-4340-85A3-A5531E510DB2}">
+      <thm15:themeFamily xmlns:thm15="http://schemas.microsoft.com/office/thememl/2012/main" name="Office Theme" id="{62F939B6-93AF-4DB8-9C6B-D6C7DFDC589F}" vid="{4A3C46E8-61CC-4603-A589-7422A47A8E4A}"/>
+    </a:ext>
+  </a:extLst>
+</a:theme>
 </file>
--- a/Documents/Lessons Learned From Agile Quality Assurance In Scrum.pptx
+++ b/Documents/Lessons Learned From Agile Quality Assurance In Scrum.pptx
@@ -29570,10 +29570,10 @@
         </p:nvGrpSpPr>
         <p:grpSpPr>
           <a:xfrm>
-            <a:off x="278086" y="2398728"/>
-            <a:ext cx="5629890" cy="2850078"/>
-            <a:chOff x="715755" y="3524294"/>
-            <a:chExt cx="5629890" cy="2850078"/>
+            <a:off x="838200" y="2178212"/>
+            <a:ext cx="5458977" cy="3093885"/>
+            <a:chOff x="715755" y="3280487"/>
+            <a:chExt cx="5458977" cy="3093885"/>
           </a:xfrm>
         </p:grpSpPr>
         <p:pic>
@@ -29614,13 +29614,13 @@
           </p:nvSpPr>
           <p:spPr>
             <a:xfrm>
-              <a:off x="4013459" y="3524294"/>
+              <a:off x="3842546" y="3280487"/>
               <a:ext cx="2332186" cy="805821"/>
             </a:xfrm>
             <a:prstGeom prst="wedgeRoundRectCallout">
               <a:avLst>
-                <a:gd name="adj1" fmla="val -52409"/>
-                <a:gd name="adj2" fmla="val -21543"/>
+                <a:gd name="adj1" fmla="val -54114"/>
+                <a:gd name="adj2" fmla="val 11348"/>
                 <a:gd name="adj3" fmla="val 16667"/>
               </a:avLst>
             </a:prstGeom>
@@ -29671,7 +29671,7 @@
         </p:nvGrpSpPr>
         <p:grpSpPr>
           <a:xfrm>
-            <a:off x="6725124" y="2538035"/>
+            <a:off x="7042429" y="2581123"/>
             <a:ext cx="4137736" cy="2690974"/>
             <a:chOff x="6860139" y="3157545"/>
             <a:chExt cx="4137736" cy="2690974"/>
@@ -29788,8 +29788,8 @@
         </p:nvCxnSpPr>
         <p:spPr>
           <a:xfrm>
-            <a:off x="6223000" y="2430268"/>
-            <a:ext cx="0" cy="3331221"/>
+            <a:off x="6409349" y="1971290"/>
+            <a:ext cx="0" cy="3767969"/>
           </a:xfrm>
           <a:prstGeom prst="line">
             <a:avLst/>
@@ -29821,8 +29821,8 @@
         </p:nvSpPr>
         <p:spPr>
           <a:xfrm>
-            <a:off x="278086" y="5422935"/>
-            <a:ext cx="5809899" cy="338554"/>
+            <a:off x="838200" y="5422935"/>
+            <a:ext cx="5491637" cy="369332"/>
           </a:xfrm>
           <a:prstGeom prst="rect">
             <a:avLst/>
@@ -29837,18 +29837,18 @@
           <a:p>
             <a:pPr algn="just"/>
             <a:r>
-              <a:rPr lang="en-US" sz="1600" dirty="0" smtClean="0"/>
+              <a:rPr lang="en-US" dirty="0" smtClean="0"/>
               <a:t>The </a:t>
             </a:r>
             <a:r>
-              <a:rPr lang="en-US" sz="1600" b="1" dirty="0" smtClean="0"/>
+              <a:rPr lang="en-US" b="1" dirty="0" smtClean="0"/>
               <a:t>entire</a:t>
             </a:r>
             <a:r>
-              <a:rPr lang="en-US" sz="1600" dirty="0" smtClean="0"/>
+              <a:rPr lang="en-US" dirty="0" smtClean="0"/>
               <a:t> application is tested for critical functionalities.</a:t>
             </a:r>
-            <a:endParaRPr lang="en-US" sz="1600" dirty="0"/>
+            <a:endParaRPr lang="en-US" dirty="0"/>
           </a:p>
         </p:txBody>
       </p:sp>
@@ -29860,8 +29860,8 @@
         </p:nvSpPr>
         <p:spPr>
           <a:xfrm>
-            <a:off x="6725124" y="5422935"/>
-            <a:ext cx="5172760" cy="338554"/>
+            <a:off x="6450746" y="5422935"/>
+            <a:ext cx="5321102" cy="369332"/>
           </a:xfrm>
           <a:prstGeom prst="rect">
             <a:avLst/>
@@ -29876,10 +29876,10 @@
           <a:p>
             <a:pPr algn="just"/>
             <a:r>
-              <a:rPr lang="en-US" sz="1600" dirty="0" smtClean="0"/>
+              <a:rPr lang="en-US" dirty="0" smtClean="0"/>
               <a:t>Only business logic is tested for critical functionalities.</a:t>
             </a:r>
-            <a:endParaRPr lang="en-US" sz="1600" dirty="0"/>
+            <a:endParaRPr lang="en-US" dirty="0"/>
           </a:p>
         </p:txBody>
       </p:sp>
@@ -29891,7 +29891,7 @@
         </p:nvSpPr>
         <p:spPr>
           <a:xfrm>
-            <a:off x="1877413" y="1813409"/>
+            <a:off x="2427289" y="1746868"/>
             <a:ext cx="2313457" cy="369332"/>
           </a:xfrm>
           <a:prstGeom prst="rect">
@@ -29925,7 +29925,7 @@
         </p:nvSpPr>
         <p:spPr>
           <a:xfrm>
-            <a:off x="7568760" y="1813409"/>
+            <a:off x="7688030" y="1743741"/>
             <a:ext cx="3085075" cy="369332"/>
           </a:xfrm>
           <a:prstGeom prst="rect">

--- a/Documents/Lessons Learned From Agile Quality Assurance In Scrum.pptx
+++ b/Documents/Lessons Learned From Agile Quality Assurance In Scrum.pptx
@@ -5,7 +5,7 @@
     <p:sldMasterId id="2147483689" r:id="rId1"/>
     <p:sldMasterId id="2147483835" r:id="rId2"/>
     <p:sldMasterId id="2147483900" r:id="rId3"/>
-    <p:sldMasterId id="2147483980" r:id="rId4"/>
+    <p:sldMasterId id="2147484004" r:id="rId4"/>
   </p:sldMasterIdLst>
   <p:notesMasterIdLst>
     <p:notesMasterId r:id="rId24"/>
@@ -28,7 +28,7 @@
     <p:sldId id="266" r:id="rId19"/>
     <p:sldId id="268" r:id="rId20"/>
     <p:sldId id="269" r:id="rId21"/>
-    <p:sldId id="271" r:id="rId22"/>
+    <p:sldId id="276" r:id="rId22"/>
     <p:sldId id="258" r:id="rId23"/>
   </p:sldIdLst>
   <p:sldSz cx="12192000" cy="6858000"/>
@@ -230,7 +230,7 @@
           <a:p>
             <a:fld id="{DDC08AD7-58B5-48BE-B808-02C5C825B5D9}" type="datetimeFigureOut">
               <a:rPr lang="en-US" smtClean="0"/>
-              <a:t>6/22/2015</a:t>
+              <a:t>6/24/2015</a:t>
             </a:fld>
             <a:endParaRPr lang="en-US"/>
           </a:p>
@@ -1338,7 +1338,7 @@
           <a:p>
             <a:fld id="{1A260A04-0D30-4F6D-881B-6C5304669D2D}" type="datetime1">
               <a:rPr lang="en-US" smtClean="0"/>
-              <a:t>6/22/2015</a:t>
+              <a:t>6/24/2015</a:t>
             </a:fld>
             <a:endParaRPr lang="en-US"/>
           </a:p>
@@ -1508,7 +1508,7 @@
           <a:p>
             <a:fld id="{E6E53668-B7C0-4790-AB12-5D3BFE47BE8B}" type="datetime1">
               <a:rPr lang="en-US" smtClean="0"/>
-              <a:t>6/22/2015</a:t>
+              <a:t>6/24/2015</a:t>
             </a:fld>
             <a:endParaRPr lang="en-US"/>
           </a:p>
@@ -1688,7 +1688,7 @@
           <a:p>
             <a:fld id="{AD012240-970E-40CC-8CD7-B4B37FE77D86}" type="datetime1">
               <a:rPr lang="en-US" smtClean="0"/>
-              <a:t>6/22/2015</a:t>
+              <a:t>6/24/2015</a:t>
             </a:fld>
             <a:endParaRPr lang="en-US"/>
           </a:p>
@@ -1891,7 +1891,7 @@
           <a:p>
             <a:fld id="{50DBB39F-26FB-4A03-A315-BBB0380AC164}" type="datetime1">
               <a:rPr lang="en-US" smtClean="0"/>
-              <a:t>6/22/2015</a:t>
+              <a:t>6/24/2015</a:t>
             </a:fld>
             <a:endParaRPr lang="en-US"/>
           </a:p>
@@ -2061,7 +2061,7 @@
           <a:p>
             <a:fld id="{5FF1C112-DB57-4E9E-8ABD-FC949F9AD8AE}" type="datetime1">
               <a:rPr lang="en-US" smtClean="0"/>
-              <a:t>6/22/2015</a:t>
+              <a:t>6/24/2015</a:t>
             </a:fld>
             <a:endParaRPr lang="en-US"/>
           </a:p>
@@ -2312,7 +2312,7 @@
           <a:p>
             <a:fld id="{96531E8E-3773-4208-9310-6439EC241707}" type="datetime1">
               <a:rPr lang="en-US" smtClean="0"/>
-              <a:t>6/22/2015</a:t>
+              <a:t>6/24/2015</a:t>
             </a:fld>
             <a:endParaRPr lang="en-US"/>
           </a:p>
@@ -2544,7 +2544,7 @@
           <a:p>
             <a:fld id="{BEF86C87-CF81-4F33-AA09-070D5CBC9F24}" type="datetime1">
               <a:rPr lang="en-US" smtClean="0"/>
-              <a:t>6/22/2015</a:t>
+              <a:t>6/24/2015</a:t>
             </a:fld>
             <a:endParaRPr lang="en-US"/>
           </a:p>
@@ -2891,7 +2891,7 @@
           <a:p>
             <a:fld id="{AAA17232-2A7D-4E7D-B22E-039FC0C07C9C}" type="datetime1">
               <a:rPr lang="en-US" smtClean="0"/>
-              <a:t>6/22/2015</a:t>
+              <a:t>6/24/2015</a:t>
             </a:fld>
             <a:endParaRPr lang="en-US"/>
           </a:p>
@@ -3009,7 +3009,7 @@
           <a:p>
             <a:fld id="{3E222FA5-7C7C-4C35-BB65-BA1A0CE6FD68}" type="datetime1">
               <a:rPr lang="en-US" smtClean="0"/>
-              <a:t>6/22/2015</a:t>
+              <a:t>6/24/2015</a:t>
             </a:fld>
             <a:endParaRPr lang="en-US"/>
           </a:p>
@@ -3127,7 +3127,7 @@
           <a:p>
             <a:fld id="{CA147D11-A985-49F3-A082-06E1C829C109}" type="datetime1">
               <a:rPr lang="en-US" smtClean="0"/>
-              <a:t>6/22/2015</a:t>
+              <a:t>6/24/2015</a:t>
             </a:fld>
             <a:endParaRPr lang="en-US"/>
           </a:p>
@@ -3411,7 +3411,7 @@
           <a:p>
             <a:fld id="{98A7513B-AB8C-4CFB-B713-B080B16C734C}" type="datetime1">
               <a:rPr lang="en-US" smtClean="0"/>
-              <a:t>6/22/2015</a:t>
+              <a:t>6/24/2015</a:t>
             </a:fld>
             <a:endParaRPr lang="en-US"/>
           </a:p>
@@ -3581,7 +3581,7 @@
           <a:p>
             <a:fld id="{AB91A3AC-9D5E-4044-879F-B01C3563F8E8}" type="datetime1">
               <a:rPr lang="en-US" smtClean="0"/>
-              <a:t>6/22/2015</a:t>
+              <a:t>6/24/2015</a:t>
             </a:fld>
             <a:endParaRPr lang="en-US"/>
           </a:p>
@@ -3845,7 +3845,7 @@
           <a:p>
             <a:fld id="{A7CCA7B5-B293-45D2-956C-DE2CDFB7B933}" type="datetime1">
               <a:rPr lang="en-US" smtClean="0"/>
-              <a:t>6/22/2015</a:t>
+              <a:t>6/24/2015</a:t>
             </a:fld>
             <a:endParaRPr lang="en-US"/>
           </a:p>
@@ -4015,7 +4015,7 @@
           <a:p>
             <a:fld id="{17D76E9C-E220-47EB-849C-8B82B2A30550}" type="datetime1">
               <a:rPr lang="en-US" smtClean="0"/>
-              <a:t>6/22/2015</a:t>
+              <a:t>6/24/2015</a:t>
             </a:fld>
             <a:endParaRPr lang="en-US"/>
           </a:p>
@@ -4195,7 +4195,7 @@
           <a:p>
             <a:fld id="{E21C0911-D971-404D-81D6-5C6E3EA30CF8}" type="datetime1">
               <a:rPr lang="en-US" smtClean="0"/>
-              <a:t>6/22/2015</a:t>
+              <a:t>6/24/2015</a:t>
             </a:fld>
             <a:endParaRPr lang="en-US"/>
           </a:p>
@@ -4398,7 +4398,7 @@
           <a:p>
             <a:fld id="{00A11C92-07B9-46B4-BA9B-A9F8DEDDD065}" type="datetime1">
               <a:rPr lang="en-US" smtClean="0"/>
-              <a:t>6/22/2015</a:t>
+              <a:t>6/24/2015</a:t>
             </a:fld>
             <a:endParaRPr lang="en-US"/>
           </a:p>
@@ -4568,7 +4568,7 @@
           <a:p>
             <a:fld id="{DBFDFE0C-1862-4D32-B353-473485FC5B8C}" type="datetime1">
               <a:rPr lang="en-US" smtClean="0"/>
-              <a:t>6/22/2015</a:t>
+              <a:t>6/24/2015</a:t>
             </a:fld>
             <a:endParaRPr lang="en-US"/>
           </a:p>
@@ -4819,7 +4819,7 @@
           <a:p>
             <a:fld id="{BE19EF60-149A-4C77-9B4D-6B2738EE1A60}" type="datetime1">
               <a:rPr lang="en-US" smtClean="0"/>
-              <a:t>6/22/2015</a:t>
+              <a:t>6/24/2015</a:t>
             </a:fld>
             <a:endParaRPr lang="en-US"/>
           </a:p>
@@ -5051,7 +5051,7 @@
           <a:p>
             <a:fld id="{99EA8280-61AF-4C1C-9E86-CB6F68529EB7}" type="datetime1">
               <a:rPr lang="en-US" smtClean="0"/>
-              <a:t>6/22/2015</a:t>
+              <a:t>6/24/2015</a:t>
             </a:fld>
             <a:endParaRPr lang="en-US"/>
           </a:p>
@@ -5398,7 +5398,7 @@
           <a:p>
             <a:fld id="{71578FFB-D7B0-4E90-BEDB-1D7E153C4824}" type="datetime1">
               <a:rPr lang="en-US" smtClean="0"/>
-              <a:t>6/22/2015</a:t>
+              <a:t>6/24/2015</a:t>
             </a:fld>
             <a:endParaRPr lang="en-US"/>
           </a:p>
@@ -5516,7 +5516,7 @@
           <a:p>
             <a:fld id="{4C4D8C16-585C-4AE9-8479-FDE6A8B38DEE}" type="datetime1">
               <a:rPr lang="en-US" smtClean="0"/>
-              <a:t>6/22/2015</a:t>
+              <a:t>6/24/2015</a:t>
             </a:fld>
             <a:endParaRPr lang="en-US"/>
           </a:p>
@@ -5634,7 +5634,7 @@
           <a:p>
             <a:fld id="{A3E1E9D2-4942-414F-A3F4-EBED35448B8F}" type="datetime1">
               <a:rPr lang="en-US" smtClean="0"/>
-              <a:t>6/22/2015</a:t>
+              <a:t>6/24/2015</a:t>
             </a:fld>
             <a:endParaRPr lang="en-US"/>
           </a:p>
@@ -5885,7 +5885,7 @@
           <a:p>
             <a:fld id="{1C11B133-5474-465F-A785-F314434DFD23}" type="datetime1">
               <a:rPr lang="en-US" smtClean="0"/>
-              <a:t>6/22/2015</a:t>
+              <a:t>6/24/2015</a:t>
             </a:fld>
             <a:endParaRPr lang="en-US"/>
           </a:p>
@@ -6169,7 +6169,7 @@
           <a:p>
             <a:fld id="{3553D1B6-D0FE-4204-8A01-54B687E5DD26}" type="datetime1">
               <a:rPr lang="en-US" smtClean="0"/>
-              <a:t>6/22/2015</a:t>
+              <a:t>6/24/2015</a:t>
             </a:fld>
             <a:endParaRPr lang="en-US"/>
           </a:p>
@@ -6433,7 +6433,7 @@
           <a:p>
             <a:fld id="{19FCDD6E-AC17-4ACA-A92D-E10490C522DB}" type="datetime1">
               <a:rPr lang="en-US" smtClean="0"/>
-              <a:t>6/22/2015</a:t>
+              <a:t>6/24/2015</a:t>
             </a:fld>
             <a:endParaRPr lang="en-US"/>
           </a:p>
@@ -6603,7 +6603,7 @@
           <a:p>
             <a:fld id="{8BB8CF3A-3DC3-46E1-9DA1-BE258D67F966}" type="datetime1">
               <a:rPr lang="en-US" smtClean="0"/>
-              <a:t>6/22/2015</a:t>
+              <a:t>6/24/2015</a:t>
             </a:fld>
             <a:endParaRPr lang="en-US"/>
           </a:p>
@@ -6783,7 +6783,7 @@
           <a:p>
             <a:fld id="{AD9DD4F7-2579-4CF8-BDFF-9A21010A8A2E}" type="datetime1">
               <a:rPr lang="en-US" smtClean="0"/>
-              <a:t>6/22/2015</a:t>
+              <a:t>6/24/2015</a:t>
             </a:fld>
             <a:endParaRPr lang="en-US"/>
           </a:p>
@@ -6889,7 +6889,7 @@
               <a:rPr lang="en-US" smtClean="0"/>
               <a:t>Click to edit Master title style</a:t>
             </a:r>
-            <a:endParaRPr lang="en-US"/>
+            <a:endParaRPr lang="en-US" dirty="0"/>
           </a:p>
         </p:txBody>
       </p:sp>
@@ -6954,7 +6954,7 @@
               <a:rPr lang="en-US" smtClean="0"/>
               <a:t>Click to edit Master subtitle style</a:t>
             </a:r>
-            <a:endParaRPr lang="en-US"/>
+            <a:endParaRPr lang="en-US" dirty="0"/>
           </a:p>
         </p:txBody>
       </p:sp>
@@ -6975,7 +6975,7 @@
           <a:p>
             <a:fld id="{1A260A04-0D30-4F6D-881B-6C5304669D2D}" type="datetime1">
               <a:rPr lang="en-US" smtClean="0"/>
-              <a:t>6/22/2015</a:t>
+              <a:t>6/24/2015</a:t>
             </a:fld>
             <a:endParaRPr lang="en-US"/>
           </a:p>
@@ -7026,7 +7026,7 @@
     </p:spTree>
     <p:extLst>
       <p:ext uri="{BB962C8B-B14F-4D97-AF65-F5344CB8AC3E}">
-        <p14:creationId xmlns:p14="http://schemas.microsoft.com/office/powerpoint/2010/main" val="2468189770"/>
+        <p14:creationId xmlns:p14="http://schemas.microsoft.com/office/powerpoint/2010/main" val="2412064542"/>
       </p:ext>
     </p:extLst>
   </p:cSld>
@@ -7072,7 +7072,7 @@
               <a:rPr lang="en-US" smtClean="0"/>
               <a:t>Click to edit Master title style</a:t>
             </a:r>
-            <a:endParaRPr lang="en-US"/>
+            <a:endParaRPr lang="en-US" dirty="0"/>
           </a:p>
         </p:txBody>
       </p:sp>
@@ -7124,7 +7124,7 @@
               <a:rPr lang="en-US" smtClean="0"/>
               <a:t>Fifth level</a:t>
             </a:r>
-            <a:endParaRPr lang="en-US"/>
+            <a:endParaRPr lang="en-US" dirty="0"/>
           </a:p>
         </p:txBody>
       </p:sp>
@@ -7145,7 +7145,7 @@
           <a:p>
             <a:fld id="{AB91A3AC-9D5E-4044-879F-B01C3563F8E8}" type="datetime1">
               <a:rPr lang="en-US" smtClean="0"/>
-              <a:t>6/22/2015</a:t>
+              <a:t>6/24/2015</a:t>
             </a:fld>
             <a:endParaRPr lang="en-US"/>
           </a:p>
@@ -7196,7 +7196,7 @@
     </p:spTree>
     <p:extLst>
       <p:ext uri="{BB962C8B-B14F-4D97-AF65-F5344CB8AC3E}">
-        <p14:creationId xmlns:p14="http://schemas.microsoft.com/office/powerpoint/2010/main" val="3272930838"/>
+        <p14:creationId xmlns:p14="http://schemas.microsoft.com/office/powerpoint/2010/main" val="3489791409"/>
       </p:ext>
     </p:extLst>
   </p:cSld>
@@ -7251,7 +7251,7 @@
               <a:rPr lang="en-US" smtClean="0"/>
               <a:t>Click to edit Master title style</a:t>
             </a:r>
-            <a:endParaRPr lang="en-US"/>
+            <a:endParaRPr lang="en-US" dirty="0"/>
           </a:p>
         </p:txBody>
       </p:sp>
@@ -7391,7 +7391,7 @@
           <a:p>
             <a:fld id="{1C11B133-5474-465F-A785-F314434DFD23}" type="datetime1">
               <a:rPr lang="en-US" smtClean="0"/>
-              <a:t>6/22/2015</a:t>
+              <a:t>6/24/2015</a:t>
             </a:fld>
             <a:endParaRPr lang="en-US"/>
           </a:p>
@@ -7442,7 +7442,7 @@
     </p:spTree>
     <p:extLst>
       <p:ext uri="{BB962C8B-B14F-4D97-AF65-F5344CB8AC3E}">
-        <p14:creationId xmlns:p14="http://schemas.microsoft.com/office/powerpoint/2010/main" val="4248965075"/>
+        <p14:creationId xmlns:p14="http://schemas.microsoft.com/office/powerpoint/2010/main" val="3554307519"/>
       </p:ext>
     </p:extLst>
   </p:cSld>
@@ -7488,7 +7488,7 @@
               <a:rPr lang="en-US" smtClean="0"/>
               <a:t>Click to edit Master title style</a:t>
             </a:r>
-            <a:endParaRPr lang="en-US"/>
+            <a:endParaRPr lang="en-US" dirty="0"/>
           </a:p>
         </p:txBody>
       </p:sp>
@@ -7545,7 +7545,7 @@
               <a:rPr lang="en-US" smtClean="0"/>
               <a:t>Fifth level</a:t>
             </a:r>
-            <a:endParaRPr lang="en-US"/>
+            <a:endParaRPr lang="en-US" dirty="0"/>
           </a:p>
         </p:txBody>
       </p:sp>
@@ -7602,7 +7602,7 @@
               <a:rPr lang="en-US" smtClean="0"/>
               <a:t>Fifth level</a:t>
             </a:r>
-            <a:endParaRPr lang="en-US"/>
+            <a:endParaRPr lang="en-US" dirty="0"/>
           </a:p>
         </p:txBody>
       </p:sp>
@@ -7623,7 +7623,7 @@
           <a:p>
             <a:fld id="{1AF9A467-BFE2-41BE-A0FC-0030BE2626DD}" type="datetime1">
               <a:rPr lang="en-US" smtClean="0"/>
-              <a:t>6/22/2015</a:t>
+              <a:t>6/24/2015</a:t>
             </a:fld>
             <a:endParaRPr lang="en-US"/>
           </a:p>
@@ -7674,7 +7674,7 @@
     </p:spTree>
     <p:extLst>
       <p:ext uri="{BB962C8B-B14F-4D97-AF65-F5344CB8AC3E}">
-        <p14:creationId xmlns:p14="http://schemas.microsoft.com/office/powerpoint/2010/main" val="3719926279"/>
+        <p14:creationId xmlns:p14="http://schemas.microsoft.com/office/powerpoint/2010/main" val="3978549053"/>
       </p:ext>
     </p:extLst>
   </p:cSld>
@@ -7725,7 +7725,7 @@
               <a:rPr lang="en-US" smtClean="0"/>
               <a:t>Click to edit Master title style</a:t>
             </a:r>
-            <a:endParaRPr lang="en-US"/>
+            <a:endParaRPr lang="en-US" dirty="0"/>
           </a:p>
         </p:txBody>
       </p:sp>
@@ -7847,7 +7847,7 @@
               <a:rPr lang="en-US" smtClean="0"/>
               <a:t>Fifth level</a:t>
             </a:r>
-            <a:endParaRPr lang="en-US"/>
+            <a:endParaRPr lang="en-US" dirty="0"/>
           </a:p>
         </p:txBody>
       </p:sp>
@@ -7969,7 +7969,7 @@
               <a:rPr lang="en-US" smtClean="0"/>
               <a:t>Fifth level</a:t>
             </a:r>
-            <a:endParaRPr lang="en-US"/>
+            <a:endParaRPr lang="en-US" dirty="0"/>
           </a:p>
         </p:txBody>
       </p:sp>
@@ -7990,7 +7990,7 @@
           <a:p>
             <a:fld id="{43E3EAFD-F696-47C2-9253-8A163E9F976A}" type="datetime1">
               <a:rPr lang="en-US" smtClean="0"/>
-              <a:t>6/22/2015</a:t>
+              <a:t>6/24/2015</a:t>
             </a:fld>
             <a:endParaRPr lang="en-US"/>
           </a:p>
@@ -8041,7 +8041,7 @@
     </p:spTree>
     <p:extLst>
       <p:ext uri="{BB962C8B-B14F-4D97-AF65-F5344CB8AC3E}">
-        <p14:creationId xmlns:p14="http://schemas.microsoft.com/office/powerpoint/2010/main" val="4114490918"/>
+        <p14:creationId xmlns:p14="http://schemas.microsoft.com/office/powerpoint/2010/main" val="3022227654"/>
       </p:ext>
     </p:extLst>
   </p:cSld>
@@ -8087,7 +8087,7 @@
               <a:rPr lang="en-US" smtClean="0"/>
               <a:t>Click to edit Master title style</a:t>
             </a:r>
-            <a:endParaRPr lang="en-US"/>
+            <a:endParaRPr lang="en-US" dirty="0"/>
           </a:p>
         </p:txBody>
       </p:sp>
@@ -8108,7 +8108,7 @@
           <a:p>
             <a:fld id="{3359A0CF-9B53-46A5-8307-04A4889D9F93}" type="datetime1">
               <a:rPr lang="en-US" smtClean="0"/>
-              <a:t>6/22/2015</a:t>
+              <a:t>6/24/2015</a:t>
             </a:fld>
             <a:endParaRPr lang="en-US"/>
           </a:p>
@@ -8159,7 +8159,7 @@
     </p:spTree>
     <p:extLst>
       <p:ext uri="{BB962C8B-B14F-4D97-AF65-F5344CB8AC3E}">
-        <p14:creationId xmlns:p14="http://schemas.microsoft.com/office/powerpoint/2010/main" val="1393380076"/>
+        <p14:creationId xmlns:p14="http://schemas.microsoft.com/office/powerpoint/2010/main" val="3645483197"/>
       </p:ext>
     </p:extLst>
   </p:cSld>
@@ -8340,7 +8340,7 @@
           <a:p>
             <a:fld id="{1AF9A467-BFE2-41BE-A0FC-0030BE2626DD}" type="datetime1">
               <a:rPr lang="en-US" smtClean="0"/>
-              <a:t>6/22/2015</a:t>
+              <a:t>6/24/2015</a:t>
             </a:fld>
             <a:endParaRPr lang="en-US"/>
           </a:p>
@@ -8435,7 +8435,7 @@
           <a:p>
             <a:fld id="{A4379B3A-E313-4F12-9C2E-80CDD6D57577}" type="datetime1">
               <a:rPr lang="en-US" smtClean="0"/>
-              <a:t>6/22/2015</a:t>
+              <a:t>6/24/2015</a:t>
             </a:fld>
             <a:endParaRPr lang="en-US"/>
           </a:p>
@@ -8486,7 +8486,7 @@
     </p:spTree>
     <p:extLst>
       <p:ext uri="{BB962C8B-B14F-4D97-AF65-F5344CB8AC3E}">
-        <p14:creationId xmlns:p14="http://schemas.microsoft.com/office/powerpoint/2010/main" val="2847509748"/>
+        <p14:creationId xmlns:p14="http://schemas.microsoft.com/office/powerpoint/2010/main" val="1671221612"/>
       </p:ext>
     </p:extLst>
   </p:cSld>
@@ -8541,7 +8541,7 @@
               <a:rPr lang="en-US" smtClean="0"/>
               <a:t>Click to edit Master title style</a:t>
             </a:r>
-            <a:endParaRPr lang="en-US"/>
+            <a:endParaRPr lang="en-US" dirty="0"/>
           </a:p>
         </p:txBody>
       </p:sp>
@@ -8626,7 +8626,7 @@
               <a:rPr lang="en-US" smtClean="0"/>
               <a:t>Fifth level</a:t>
             </a:r>
-            <a:endParaRPr lang="en-US"/>
+            <a:endParaRPr lang="en-US" dirty="0"/>
           </a:p>
         </p:txBody>
       </p:sp>
@@ -8712,7 +8712,7 @@
           <a:p>
             <a:fld id="{C10E1925-197E-4055-87BD-DC23A5578938}" type="datetime1">
               <a:rPr lang="en-US" smtClean="0"/>
-              <a:t>6/22/2015</a:t>
+              <a:t>6/24/2015</a:t>
             </a:fld>
             <a:endParaRPr lang="en-US"/>
           </a:p>
@@ -8763,7 +8763,7 @@
     </p:spTree>
     <p:extLst>
       <p:ext uri="{BB962C8B-B14F-4D97-AF65-F5344CB8AC3E}">
-        <p14:creationId xmlns:p14="http://schemas.microsoft.com/office/powerpoint/2010/main" val="756446143"/>
+        <p14:creationId xmlns:p14="http://schemas.microsoft.com/office/powerpoint/2010/main" val="97046480"/>
       </p:ext>
     </p:extLst>
   </p:cSld>
@@ -8818,7 +8818,7 @@
               <a:rPr lang="en-US" smtClean="0"/>
               <a:t>Click to edit Master title style</a:t>
             </a:r>
-            <a:endParaRPr lang="en-US"/>
+            <a:endParaRPr lang="en-US" dirty="0"/>
           </a:p>
         </p:txBody>
       </p:sp>
@@ -8826,7 +8826,7 @@
         <p:nvSpPr>
           <p:cNvPr id="3" name="Picture Placeholder 2"/>
           <p:cNvSpPr>
-            <a:spLocks noGrp="1"/>
+            <a:spLocks noGrp="1" noChangeAspect="1"/>
           </p:cNvSpPr>
           <p:nvPr>
             <p:ph type="pic" idx="1"/>
@@ -8839,7 +8839,7 @@
           </a:xfrm>
         </p:spPr>
         <p:txBody>
-          <a:bodyPr/>
+          <a:bodyPr anchor="t"/>
           <a:lstStyle>
             <a:lvl1pPr marL="0" indent="0">
               <a:buNone/>
@@ -8879,7 +8879,11 @@
             </a:lvl9pPr>
           </a:lstStyle>
           <a:p>
-            <a:endParaRPr lang="en-US"/>
+            <a:r>
+              <a:rPr lang="en-US" smtClean="0"/>
+              <a:t>Click icon to add picture</a:t>
+            </a:r>
+            <a:endParaRPr lang="en-US" dirty="0"/>
           </a:p>
         </p:txBody>
       </p:sp>
@@ -8965,7 +8969,7 @@
           <a:p>
             <a:fld id="{898E4E15-8956-4935-9C3F-CF1C62A234AF}" type="datetime1">
               <a:rPr lang="en-US" smtClean="0"/>
-              <a:t>6/22/2015</a:t>
+              <a:t>6/24/2015</a:t>
             </a:fld>
             <a:endParaRPr lang="en-US"/>
           </a:p>
@@ -9016,7 +9020,7 @@
     </p:spTree>
     <p:extLst>
       <p:ext uri="{BB962C8B-B14F-4D97-AF65-F5344CB8AC3E}">
-        <p14:creationId xmlns:p14="http://schemas.microsoft.com/office/powerpoint/2010/main" val="4192610562"/>
+        <p14:creationId xmlns:p14="http://schemas.microsoft.com/office/powerpoint/2010/main" val="1902584709"/>
       </p:ext>
     </p:extLst>
   </p:cSld>
@@ -9062,7 +9066,7 @@
               <a:rPr lang="en-US" smtClean="0"/>
               <a:t>Click to edit Master title style</a:t>
             </a:r>
-            <a:endParaRPr lang="en-US"/>
+            <a:endParaRPr lang="en-US" dirty="0"/>
           </a:p>
         </p:txBody>
       </p:sp>
@@ -9114,7 +9118,7 @@
               <a:rPr lang="en-US" smtClean="0"/>
               <a:t>Fifth level</a:t>
             </a:r>
-            <a:endParaRPr lang="en-US"/>
+            <a:endParaRPr lang="en-US" dirty="0"/>
           </a:p>
         </p:txBody>
       </p:sp>
@@ -9135,7 +9139,7 @@
           <a:p>
             <a:fld id="{E6E53668-B7C0-4790-AB12-5D3BFE47BE8B}" type="datetime1">
               <a:rPr lang="en-US" smtClean="0"/>
-              <a:t>6/22/2015</a:t>
+              <a:t>6/24/2015</a:t>
             </a:fld>
             <a:endParaRPr lang="en-US"/>
           </a:p>
@@ -9186,7 +9190,7 @@
     </p:spTree>
     <p:extLst>
       <p:ext uri="{BB962C8B-B14F-4D97-AF65-F5344CB8AC3E}">
-        <p14:creationId xmlns:p14="http://schemas.microsoft.com/office/powerpoint/2010/main" val="3126986284"/>
+        <p14:creationId xmlns:p14="http://schemas.microsoft.com/office/powerpoint/2010/main" val="1466999950"/>
       </p:ext>
     </p:extLst>
   </p:cSld>
@@ -9237,7 +9241,7 @@
               <a:rPr lang="en-US" smtClean="0"/>
               <a:t>Click to edit Master title style</a:t>
             </a:r>
-            <a:endParaRPr lang="en-US"/>
+            <a:endParaRPr lang="en-US" dirty="0"/>
           </a:p>
         </p:txBody>
       </p:sp>
@@ -9294,7 +9298,7 @@
               <a:rPr lang="en-US" smtClean="0"/>
               <a:t>Fifth level</a:t>
             </a:r>
-            <a:endParaRPr lang="en-US"/>
+            <a:endParaRPr lang="en-US" dirty="0"/>
           </a:p>
         </p:txBody>
       </p:sp>
@@ -9315,7 +9319,7 @@
           <a:p>
             <a:fld id="{AD012240-970E-40CC-8CD7-B4B37FE77D86}" type="datetime1">
               <a:rPr lang="en-US" smtClean="0"/>
-              <a:t>6/22/2015</a:t>
+              <a:t>6/24/2015</a:t>
             </a:fld>
             <a:endParaRPr lang="en-US"/>
           </a:p>
@@ -9366,7 +9370,7 @@
     </p:spTree>
     <p:extLst>
       <p:ext uri="{BB962C8B-B14F-4D97-AF65-F5344CB8AC3E}">
-        <p14:creationId xmlns:p14="http://schemas.microsoft.com/office/powerpoint/2010/main" val="1247548090"/>
+        <p14:creationId xmlns:p14="http://schemas.microsoft.com/office/powerpoint/2010/main" val="1028242717"/>
       </p:ext>
     </p:extLst>
   </p:cSld>
@@ -9662,7 +9666,7 @@
           <a:p>
             <a:fld id="{43E3EAFD-F696-47C2-9253-8A163E9F976A}" type="datetime1">
               <a:rPr lang="en-US" smtClean="0"/>
-              <a:t>6/22/2015</a:t>
+              <a:t>6/24/2015</a:t>
             </a:fld>
             <a:endParaRPr lang="en-US"/>
           </a:p>
@@ -9780,7 +9784,7 @@
           <a:p>
             <a:fld id="{3359A0CF-9B53-46A5-8307-04A4889D9F93}" type="datetime1">
               <a:rPr lang="en-US" smtClean="0"/>
-              <a:t>6/22/2015</a:t>
+              <a:t>6/24/2015</a:t>
             </a:fld>
             <a:endParaRPr lang="en-US"/>
           </a:p>
@@ -9898,7 +9902,7 @@
           <a:p>
             <a:fld id="{A4379B3A-E313-4F12-9C2E-80CDD6D57577}" type="datetime1">
               <a:rPr lang="en-US" smtClean="0"/>
-              <a:t>6/22/2015</a:t>
+              <a:t>6/24/2015</a:t>
             </a:fld>
             <a:endParaRPr lang="en-US"/>
           </a:p>
@@ -10182,7 +10186,7 @@
           <a:p>
             <a:fld id="{C10E1925-197E-4055-87BD-DC23A5578938}" type="datetime1">
               <a:rPr lang="en-US" smtClean="0"/>
-              <a:t>6/22/2015</a:t>
+              <a:t>6/24/2015</a:t>
             </a:fld>
             <a:endParaRPr lang="en-US"/>
           </a:p>
@@ -10446,7 +10450,7 @@
           <a:p>
             <a:fld id="{898E4E15-8956-4935-9C3F-CF1C62A234AF}" type="datetime1">
               <a:rPr lang="en-US" smtClean="0"/>
-              <a:t>6/22/2015</a:t>
+              <a:t>6/24/2015</a:t>
             </a:fld>
             <a:endParaRPr lang="en-US"/>
           </a:p>
@@ -10660,7 +10664,7 @@
           <a:p>
             <a:fld id="{8A8E5BE4-9DA4-4FAD-9FF2-25E33DA7A2DE}" type="datetime1">
               <a:rPr lang="en-US" smtClean="0"/>
-              <a:t>6/22/2015</a:t>
+              <a:t>6/24/2015</a:t>
             </a:fld>
             <a:endParaRPr lang="en-US"/>
           </a:p>
@@ -11191,7 +11195,7 @@
           <a:p>
             <a:fld id="{FC3B0C6D-E3BB-429A-AB5D-08885DC9FDF2}" type="datetime1">
               <a:rPr lang="en-US" smtClean="0"/>
-              <a:t>6/22/2015</a:t>
+              <a:t>6/24/2015</a:t>
             </a:fld>
             <a:endParaRPr lang="en-US"/>
           </a:p>
@@ -11722,7 +11726,7 @@
           <a:p>
             <a:fld id="{B0E3F87A-01F1-4F3F-8BAF-BABC1CBFDFDD}" type="datetime1">
               <a:rPr lang="en-US" smtClean="0"/>
-              <a:t>6/22/2015</a:t>
+              <a:t>6/24/2015</a:t>
             </a:fld>
             <a:endParaRPr lang="en-US"/>
           </a:p>
@@ -12151,7 +12155,7 @@
               <a:rPr lang="en-US" smtClean="0"/>
               <a:t>Click to edit Master title style</a:t>
             </a:r>
-            <a:endParaRPr lang="en-US"/>
+            <a:endParaRPr lang="en-US" dirty="0"/>
           </a:p>
         </p:txBody>
       </p:sp>
@@ -12213,7 +12217,7 @@
               <a:rPr lang="en-US" smtClean="0"/>
               <a:t>Fifth level</a:t>
             </a:r>
-            <a:endParaRPr lang="en-US"/>
+            <a:endParaRPr lang="en-US" dirty="0"/>
           </a:p>
         </p:txBody>
       </p:sp>
@@ -12252,7 +12256,7 @@
           <a:p>
             <a:fld id="{8A8E5BE4-9DA4-4FAD-9FF2-25E33DA7A2DE}" type="datetime1">
               <a:rPr lang="en-US" smtClean="0"/>
-              <a:t>6/22/2015</a:t>
+              <a:t>6/24/2015</a:t>
             </a:fld>
             <a:endParaRPr lang="en-US"/>
           </a:p>
@@ -12339,23 +12343,23 @@
     </p:spTree>
     <p:extLst>
       <p:ext uri="{BB962C8B-B14F-4D97-AF65-F5344CB8AC3E}">
-        <p14:creationId xmlns:p14="http://schemas.microsoft.com/office/powerpoint/2010/main" val="4164342982"/>
+        <p14:creationId xmlns:p14="http://schemas.microsoft.com/office/powerpoint/2010/main" val="3881491780"/>
       </p:ext>
     </p:extLst>
   </p:cSld>
   <p:clrMap bg1="lt1" tx1="dk1" bg2="lt2" tx2="dk2" accent1="accent1" accent2="accent2" accent3="accent3" accent4="accent4" accent5="accent5" accent6="accent6" hlink="hlink" folHlink="folHlink"/>
   <p:sldLayoutIdLst>
-    <p:sldLayoutId id="2147483981" r:id="rId1"/>
-    <p:sldLayoutId id="2147483982" r:id="rId2"/>
-    <p:sldLayoutId id="2147483983" r:id="rId3"/>
-    <p:sldLayoutId id="2147483984" r:id="rId4"/>
-    <p:sldLayoutId id="2147483985" r:id="rId5"/>
-    <p:sldLayoutId id="2147483986" r:id="rId6"/>
-    <p:sldLayoutId id="2147483987" r:id="rId7"/>
-    <p:sldLayoutId id="2147483988" r:id="rId8"/>
-    <p:sldLayoutId id="2147483989" r:id="rId9"/>
-    <p:sldLayoutId id="2147483990" r:id="rId10"/>
-    <p:sldLayoutId id="2147483991" r:id="rId11"/>
+    <p:sldLayoutId id="2147484005" r:id="rId1"/>
+    <p:sldLayoutId id="2147484006" r:id="rId2"/>
+    <p:sldLayoutId id="2147484007" r:id="rId3"/>
+    <p:sldLayoutId id="2147484008" r:id="rId4"/>
+    <p:sldLayoutId id="2147484009" r:id="rId5"/>
+    <p:sldLayoutId id="2147484010" r:id="rId6"/>
+    <p:sldLayoutId id="2147484011" r:id="rId7"/>
+    <p:sldLayoutId id="2147484012" r:id="rId8"/>
+    <p:sldLayoutId id="2147484013" r:id="rId9"/>
+    <p:sldLayoutId id="2147484014" r:id="rId10"/>
+    <p:sldLayoutId id="2147484015" r:id="rId11"/>
   </p:sldLayoutIdLst>
   <p:hf hdr="0" ftr="0" dt="0"/>
   <p:txStyles>
@@ -22296,10 +22300,10 @@
         </p:nvGrpSpPr>
         <p:grpSpPr>
           <a:xfrm>
-            <a:off x="4504788" y="1704912"/>
-            <a:ext cx="2849996" cy="2400300"/>
-            <a:chOff x="885371" y="1397000"/>
-            <a:chExt cx="2849996" cy="2400300"/>
+            <a:off x="4638674" y="2371724"/>
+            <a:ext cx="3790950" cy="1609725"/>
+            <a:chOff x="1019257" y="2063812"/>
+            <a:chExt cx="3790950" cy="1609725"/>
           </a:xfrm>
         </p:grpSpPr>
         <p:sp>
@@ -22310,8 +22314,8 @@
           </p:nvSpPr>
           <p:spPr>
             <a:xfrm>
-              <a:off x="885371" y="1397000"/>
-              <a:ext cx="2849996" cy="2400300"/>
+              <a:off x="1019257" y="2063812"/>
+              <a:ext cx="3790949" cy="1609725"/>
             </a:xfrm>
             <a:prstGeom prst="roundRect">
               <a:avLst>
@@ -22347,89 +22351,6 @@
         </p:sp>
         <p:grpSp>
           <p:nvGrpSpPr>
-            <p:cNvPr id="21" name="Group 20"/>
-            <p:cNvGrpSpPr/>
-            <p:nvPr/>
-          </p:nvGrpSpPr>
-          <p:grpSpPr>
-            <a:xfrm>
-              <a:off x="1161142" y="1657974"/>
-              <a:ext cx="1823441" cy="387866"/>
-              <a:chOff x="1161142" y="1657974"/>
-              <a:chExt cx="1823441" cy="387866"/>
-            </a:xfrm>
-          </p:grpSpPr>
-          <p:sp>
-            <p:nvSpPr>
-              <p:cNvPr id="31" name="Rounded Rectangle 30"/>
-              <p:cNvSpPr/>
-              <p:nvPr/>
-            </p:nvSpPr>
-            <p:spPr>
-              <a:xfrm>
-                <a:off x="1161142" y="1657974"/>
-                <a:ext cx="370412" cy="387866"/>
-              </a:xfrm>
-              <a:prstGeom prst="roundRect">
-                <a:avLst/>
-              </a:prstGeom>
-            </p:spPr>
-            <p:style>
-              <a:lnRef idx="1">
-                <a:schemeClr val="accent2"/>
-              </a:lnRef>
-              <a:fillRef idx="2">
-                <a:schemeClr val="accent2"/>
-              </a:fillRef>
-              <a:effectRef idx="1">
-                <a:schemeClr val="accent2"/>
-              </a:effectRef>
-              <a:fontRef idx="minor">
-                <a:schemeClr val="dk1"/>
-              </a:fontRef>
-            </p:style>
-            <p:txBody>
-              <a:bodyPr rtlCol="0" anchor="ctr"/>
-              <a:lstStyle/>
-              <a:p>
-                <a:pPr algn="ctr"/>
-                <a:endParaRPr lang="en-US"/>
-              </a:p>
-            </p:txBody>
-          </p:sp>
-          <p:sp>
-            <p:nvSpPr>
-              <p:cNvPr id="32" name="TextBox 31"/>
-              <p:cNvSpPr txBox="1"/>
-              <p:nvPr/>
-            </p:nvSpPr>
-            <p:spPr>
-              <a:xfrm>
-                <a:off x="1531553" y="1661602"/>
-                <a:ext cx="1453030" cy="369332"/>
-              </a:xfrm>
-              <a:prstGeom prst="rect">
-                <a:avLst/>
-              </a:prstGeom>
-              <a:noFill/>
-            </p:spPr>
-            <p:txBody>
-              <a:bodyPr wrap="square" rtlCol="0">
-                <a:spAutoFit/>
-              </a:bodyPr>
-              <a:lstStyle/>
-              <a:p>
-                <a:r>
-                  <a:rPr lang="en-US" dirty="0" smtClean="0"/>
-                  <a:t>Unit Testing</a:t>
-                </a:r>
-                <a:endParaRPr lang="en-US" dirty="0"/>
-              </a:p>
-            </p:txBody>
-          </p:sp>
-        </p:grpSp>
-        <p:grpSp>
-          <p:nvGrpSpPr>
             <p:cNvPr id="22" name="Group 21"/>
             <p:cNvGrpSpPr/>
             <p:nvPr/>
@@ -22437,9 +22358,9 @@
           <p:grpSpPr>
             <a:xfrm>
               <a:off x="1161144" y="2668814"/>
-              <a:ext cx="2300813" cy="387866"/>
+              <a:ext cx="3449039" cy="387866"/>
               <a:chOff x="1161144" y="1393371"/>
-              <a:chExt cx="2300813" cy="387866"/>
+              <a:chExt cx="3449039" cy="387866"/>
             </a:xfrm>
           </p:grpSpPr>
           <p:sp>
@@ -22489,7 +22410,7 @@
             <p:spPr>
               <a:xfrm>
                 <a:off x="1531555" y="1411905"/>
-                <a:ext cx="1930402" cy="369332"/>
+                <a:ext cx="3078628" cy="369332"/>
               </a:xfrm>
               <a:prstGeom prst="rect">
                 <a:avLst/>
@@ -22503,8 +22424,12 @@
               <a:lstStyle/>
               <a:p>
                 <a:r>
+                  <a:rPr lang="en-US" dirty="0"/>
+                  <a:t>Covered by GUI </a:t>
+                </a:r>
+                <a:r>
                   <a:rPr lang="en-US" dirty="0" smtClean="0"/>
-                  <a:t>GUI Unit Testing</a:t>
+                  <a:t>Unit Testing</a:t>
                 </a:r>
                 <a:endParaRPr lang="en-US" dirty="0"/>
               </a:p>
@@ -22520,9 +22445,9 @@
           <p:grpSpPr>
             <a:xfrm>
               <a:off x="1161142" y="3189772"/>
-              <a:ext cx="2574225" cy="387866"/>
+              <a:ext cx="3649065" cy="387866"/>
               <a:chOff x="1161143" y="1253928"/>
-              <a:chExt cx="2574225" cy="387866"/>
+              <a:chExt cx="3649065" cy="387866"/>
             </a:xfrm>
           </p:grpSpPr>
           <p:sp>
@@ -22571,8 +22496,8 @@
             </p:nvSpPr>
             <p:spPr>
               <a:xfrm>
-                <a:off x="1531556" y="1272462"/>
-                <a:ext cx="2203812" cy="369332"/>
+                <a:off x="1531555" y="1272462"/>
+                <a:ext cx="3278653" cy="369332"/>
               </a:xfrm>
               <a:prstGeom prst="rect">
                 <a:avLst/>
@@ -22586,8 +22511,12 @@
               <a:lstStyle/>
               <a:p>
                 <a:r>
+                  <a:rPr lang="en-US" dirty="0"/>
+                  <a:t>Covered by Integration </a:t>
+                </a:r>
+                <a:r>
                   <a:rPr lang="en-US" dirty="0" smtClean="0"/>
-                  <a:t>Integration Testing</a:t>
+                  <a:t>Testing</a:t>
                 </a:r>
                 <a:endParaRPr lang="en-US" dirty="0"/>
               </a:p>
@@ -22603,9 +22532,9 @@
           <p:grpSpPr>
             <a:xfrm>
               <a:off x="1161144" y="2170992"/>
-              <a:ext cx="1823438" cy="387866"/>
+              <a:ext cx="3039464" cy="387866"/>
               <a:chOff x="1161144" y="1531581"/>
-              <a:chExt cx="1823438" cy="387866"/>
+              <a:chExt cx="3039464" cy="387866"/>
             </a:xfrm>
           </p:grpSpPr>
           <p:sp>
@@ -22655,7 +22584,7 @@
             <p:spPr>
               <a:xfrm>
                 <a:off x="1531555" y="1550115"/>
-                <a:ext cx="1453027" cy="369332"/>
+                <a:ext cx="2669053" cy="369332"/>
               </a:xfrm>
               <a:prstGeom prst="rect">
                 <a:avLst/>
@@ -22670,7 +22599,11 @@
               <a:p>
                 <a:r>
                   <a:rPr lang="en-US" dirty="0" smtClean="0"/>
-                  <a:t>Unit Testing</a:t>
+                  <a:t>Covered by Unit </a:t>
+                </a:r>
+                <a:r>
+                  <a:rPr lang="en-US" dirty="0" smtClean="0"/>
+                  <a:t>Testing</a:t>
                 </a:r>
                 <a:endParaRPr lang="en-US" dirty="0"/>
               </a:p>
@@ -22723,24 +22656,31 @@
         </p:nvSpPr>
         <p:spPr>
           <a:xfrm>
-            <a:off x="2631077" y="1258929"/>
-            <a:ext cx="6130382" cy="767277"/>
+            <a:off x="2631077" y="1389245"/>
+            <a:ext cx="6130382" cy="636961"/>
           </a:xfrm>
           <a:prstGeom prst="roundRect">
             <a:avLst>
               <a:gd name="adj" fmla="val 25632"/>
             </a:avLst>
           </a:prstGeom>
-          <a:ln/>
+          <a:ln w="28575">
+            <a:solidFill>
+              <a:schemeClr val="tx1">
+                <a:lumMod val="65000"/>
+                <a:lumOff val="35000"/>
+              </a:schemeClr>
+            </a:solidFill>
+          </a:ln>
         </p:spPr>
         <p:style>
-          <a:lnRef idx="1">
+          <a:lnRef idx="2">
             <a:schemeClr val="accent3"/>
           </a:lnRef>
-          <a:fillRef idx="2">
-            <a:schemeClr val="accent3"/>
+          <a:fillRef idx="1">
+            <a:schemeClr val="lt1"/>
           </a:fillRef>
-          <a:effectRef idx="1">
+          <a:effectRef idx="0">
             <a:schemeClr val="accent3"/>
           </a:effectRef>
           <a:fontRef idx="minor">
@@ -22752,7 +22692,42 @@
           <a:lstStyle/>
           <a:p>
             <a:pPr algn="ctr"/>
-            <a:endParaRPr lang="en-US"/>
+            <a:r>
+              <a:rPr lang="en-US" dirty="0" smtClean="0">
+                <a:latin typeface="Segoe UI" panose="020B0502040204020203" pitchFamily="34" charset="0"/>
+                <a:cs typeface="Segoe UI" panose="020B0502040204020203" pitchFamily="34" charset="0"/>
+              </a:rPr>
+              <a:t>Web </a:t>
+            </a:r>
+            <a:r>
+              <a:rPr lang="en-US" dirty="0">
+                <a:latin typeface="Segoe UI" panose="020B0502040204020203" pitchFamily="34" charset="0"/>
+                <a:cs typeface="Segoe UI" panose="020B0502040204020203" pitchFamily="34" charset="0"/>
+              </a:rPr>
+              <a:t>(MVC, </a:t>
+            </a:r>
+            <a:r>
+              <a:rPr lang="en-US" dirty="0" err="1">
+                <a:latin typeface="Segoe UI" panose="020B0502040204020203" pitchFamily="34" charset="0"/>
+                <a:cs typeface="Segoe UI" panose="020B0502040204020203" pitchFamily="34" charset="0"/>
+              </a:rPr>
+              <a:t>RESTful</a:t>
+            </a:r>
+            <a:r>
+              <a:rPr lang="en-US" dirty="0">
+                <a:latin typeface="Segoe UI" panose="020B0502040204020203" pitchFamily="34" charset="0"/>
+                <a:cs typeface="Segoe UI" panose="020B0502040204020203" pitchFamily="34" charset="0"/>
+              </a:rPr>
+              <a:t> API, </a:t>
+            </a:r>
+            <a:r>
+              <a:rPr lang="en-US" dirty="0" smtClean="0">
+                <a:latin typeface="Segoe UI" panose="020B0502040204020203" pitchFamily="34" charset="0"/>
+                <a:cs typeface="Segoe UI" panose="020B0502040204020203" pitchFamily="34" charset="0"/>
+              </a:rPr>
+              <a:t>…)		      Window Form	</a:t>
+            </a:r>
+            <a:endParaRPr lang="en-US" dirty="0"/>
           </a:p>
         </p:txBody>
       </p:sp>
@@ -22770,15 +22745,23 @@
           <a:prstGeom prst="roundRect">
             <a:avLst/>
           </a:prstGeom>
+          <a:ln w="28575">
+            <a:solidFill>
+              <a:schemeClr val="tx1">
+                <a:lumMod val="65000"/>
+                <a:lumOff val="35000"/>
+              </a:schemeClr>
+            </a:solidFill>
+          </a:ln>
         </p:spPr>
         <p:style>
-          <a:lnRef idx="1">
+          <a:lnRef idx="2">
             <a:schemeClr val="accent3"/>
           </a:lnRef>
-          <a:fillRef idx="2">
-            <a:schemeClr val="accent3"/>
+          <a:fillRef idx="1">
+            <a:schemeClr val="lt1"/>
           </a:fillRef>
-          <a:effectRef idx="1">
+          <a:effectRef idx="0">
             <a:schemeClr val="accent3"/>
           </a:effectRef>
           <a:fontRef idx="minor">
@@ -23347,8 +23330,8 @@
         </p:nvSpPr>
         <p:spPr>
           <a:xfrm>
-            <a:off x="2431876" y="1197686"/>
-            <a:ext cx="8731424" cy="4271586"/>
+            <a:off x="2431876" y="1253350"/>
+            <a:ext cx="8731424" cy="4215921"/>
           </a:xfrm>
           <a:prstGeom prst="roundRect">
             <a:avLst>
@@ -23464,29 +23447,37 @@
       </p:sp>
       <p:sp>
         <p:nvSpPr>
-          <p:cNvPr id="152" name="Rounded Rectangle 151"/>
+          <p:cNvPr id="163" name="Rounded Rectangle 162"/>
           <p:cNvSpPr/>
           <p:nvPr/>
         </p:nvSpPr>
         <p:spPr>
           <a:xfrm>
-            <a:off x="2717800" y="1330865"/>
-            <a:ext cx="4017787" cy="643683"/>
+            <a:off x="8844357" y="1362274"/>
+            <a:ext cx="1927442" cy="3989232"/>
           </a:xfrm>
           <a:prstGeom prst="roundRect">
             <a:avLst>
-              <a:gd name="adj" fmla="val 24844"/>
+              <a:gd name="adj" fmla="val 9305"/>
             </a:avLst>
           </a:prstGeom>
+          <a:ln w="28575">
+            <a:solidFill>
+              <a:schemeClr val="tx1">
+                <a:lumMod val="65000"/>
+                <a:lumOff val="35000"/>
+              </a:schemeClr>
+            </a:solidFill>
+          </a:ln>
         </p:spPr>
         <p:style>
-          <a:lnRef idx="1">
+          <a:lnRef idx="2">
             <a:schemeClr val="accent3"/>
           </a:lnRef>
-          <a:fillRef idx="2">
-            <a:schemeClr val="accent3"/>
+          <a:fillRef idx="1">
+            <a:schemeClr val="lt1"/>
           </a:fillRef>
-          <a:effectRef idx="1">
+          <a:effectRef idx="0">
             <a:schemeClr val="accent3"/>
           </a:effectRef>
           <a:fontRef idx="minor">
@@ -23498,550 +23489,7 @@
           <a:lstStyle/>
           <a:p>
             <a:pPr algn="ctr"/>
-            <a:r>
-              <a:rPr lang="en-US" sz="1600" dirty="0" smtClean="0">
-                <a:latin typeface="Segoe UI" panose="020B0502040204020203" pitchFamily="34" charset="0"/>
-                <a:cs typeface="Segoe UI" panose="020B0502040204020203" pitchFamily="34" charset="0"/>
-              </a:rPr>
-              <a:t>Web (MVC, RESTful API, …)</a:t>
-            </a:r>
             <a:endParaRPr lang="en-US" sz="1600" dirty="0">
-              <a:latin typeface="Segoe UI" panose="020B0502040204020203" pitchFamily="34" charset="0"/>
-              <a:cs typeface="Segoe UI" panose="020B0502040204020203" pitchFamily="34" charset="0"/>
-            </a:endParaRPr>
-          </a:p>
-        </p:txBody>
-      </p:sp>
-      <p:sp>
-        <p:nvSpPr>
-          <p:cNvPr id="153" name="Rounded Rectangle 152"/>
-          <p:cNvSpPr/>
-          <p:nvPr/>
-        </p:nvSpPr>
-        <p:spPr>
-          <a:xfrm>
-            <a:off x="6856459" y="1326704"/>
-            <a:ext cx="1827259" cy="643683"/>
-          </a:xfrm>
-          <a:prstGeom prst="roundRect">
-            <a:avLst/>
-          </a:prstGeom>
-        </p:spPr>
-        <p:style>
-          <a:lnRef idx="1">
-            <a:schemeClr val="accent3"/>
-          </a:lnRef>
-          <a:fillRef idx="2">
-            <a:schemeClr val="accent3"/>
-          </a:fillRef>
-          <a:effectRef idx="1">
-            <a:schemeClr val="accent3"/>
-          </a:effectRef>
-          <a:fontRef idx="minor">
-            <a:schemeClr val="dk1"/>
-          </a:fontRef>
-        </p:style>
-        <p:txBody>
-          <a:bodyPr rtlCol="0" anchor="ctr"/>
-          <a:lstStyle/>
-          <a:p>
-            <a:pPr algn="ctr"/>
-            <a:r>
-              <a:rPr lang="en-US" sz="1600" dirty="0" smtClean="0">
-                <a:latin typeface="Segoe UI" panose="020B0502040204020203" pitchFamily="34" charset="0"/>
-                <a:cs typeface="Segoe UI" panose="020B0502040204020203" pitchFamily="34" charset="0"/>
-              </a:rPr>
-              <a:t>Window Form</a:t>
-            </a:r>
-            <a:endParaRPr lang="en-US" sz="1600" dirty="0">
-              <a:latin typeface="Segoe UI" panose="020B0502040204020203" pitchFamily="34" charset="0"/>
-              <a:cs typeface="Segoe UI" panose="020B0502040204020203" pitchFamily="34" charset="0"/>
-            </a:endParaRPr>
-          </a:p>
-        </p:txBody>
-      </p:sp>
-      <p:grpSp>
-        <p:nvGrpSpPr>
-          <p:cNvPr id="154" name="Group 153"/>
-          <p:cNvGrpSpPr/>
-          <p:nvPr/>
-        </p:nvGrpSpPr>
-        <p:grpSpPr>
-          <a:xfrm>
-            <a:off x="8983642" y="1270000"/>
-            <a:ext cx="2065366" cy="4087035"/>
-            <a:chOff x="8848912" y="1270000"/>
-            <a:chExt cx="2065366" cy="4087035"/>
-          </a:xfrm>
-        </p:grpSpPr>
-        <p:grpSp>
-          <p:nvGrpSpPr>
-            <p:cNvPr id="155" name="Group 154"/>
-            <p:cNvGrpSpPr/>
-            <p:nvPr/>
-          </p:nvGrpSpPr>
-          <p:grpSpPr>
-            <a:xfrm>
-              <a:off x="8848912" y="1270000"/>
-              <a:ext cx="2065366" cy="4087035"/>
-              <a:chOff x="8835611" y="1440262"/>
-              <a:chExt cx="2065366" cy="4087035"/>
-            </a:xfrm>
-          </p:grpSpPr>
-          <p:grpSp>
-            <p:nvGrpSpPr>
-              <p:cNvPr id="157" name="Group 156"/>
-              <p:cNvGrpSpPr/>
-              <p:nvPr/>
-            </p:nvGrpSpPr>
-            <p:grpSpPr>
-              <a:xfrm>
-                <a:off x="8835611" y="1440262"/>
-                <a:ext cx="2065366" cy="4087035"/>
-                <a:chOff x="1214771" y="742951"/>
-                <a:chExt cx="1899473" cy="4165761"/>
-              </a:xfrm>
-            </p:grpSpPr>
-            <p:grpSp>
-              <p:nvGrpSpPr>
-                <p:cNvPr id="159" name="Group 158"/>
-                <p:cNvGrpSpPr/>
-                <p:nvPr/>
-              </p:nvGrpSpPr>
-              <p:grpSpPr>
-                <a:xfrm>
-                  <a:off x="1214771" y="742951"/>
-                  <a:ext cx="1899473" cy="4165761"/>
-                  <a:chOff x="3004853" y="1289845"/>
-                  <a:chExt cx="1841410" cy="4249601"/>
-                </a:xfrm>
-              </p:grpSpPr>
-              <p:sp>
-                <p:nvSpPr>
-                  <p:cNvPr id="163" name="Rounded Rectangle 162"/>
-                  <p:cNvSpPr/>
-                  <p:nvPr/>
-                </p:nvSpPr>
-                <p:spPr>
-                  <a:xfrm>
-                    <a:off x="3047586" y="1289845"/>
-                    <a:ext cx="1718442" cy="4249601"/>
-                  </a:xfrm>
-                  <a:prstGeom prst="roundRect">
-                    <a:avLst>
-                      <a:gd name="adj" fmla="val 9305"/>
-                    </a:avLst>
-                  </a:prstGeom>
-                </p:spPr>
-                <p:style>
-                  <a:lnRef idx="1">
-                    <a:schemeClr val="accent3"/>
-                  </a:lnRef>
-                  <a:fillRef idx="2">
-                    <a:schemeClr val="accent3"/>
-                  </a:fillRef>
-                  <a:effectRef idx="1">
-                    <a:schemeClr val="accent3"/>
-                  </a:effectRef>
-                  <a:fontRef idx="minor">
-                    <a:schemeClr val="dk1"/>
-                  </a:fontRef>
-                </p:style>
-                <p:txBody>
-                  <a:bodyPr rtlCol="0" anchor="ctr"/>
-                  <a:lstStyle/>
-                  <a:p>
-                    <a:pPr algn="ctr"/>
-                    <a:endParaRPr lang="en-US" sz="1600" dirty="0">
-                      <a:solidFill>
-                        <a:schemeClr val="lt1"/>
-                      </a:solidFill>
-                      <a:latin typeface="Segoe UI" panose="020B0502040204020203" pitchFamily="34" charset="0"/>
-                      <a:cs typeface="Segoe UI" panose="020B0502040204020203" pitchFamily="34" charset="0"/>
-                    </a:endParaRPr>
-                  </a:p>
-                </p:txBody>
-              </p:sp>
-              <p:sp>
-                <p:nvSpPr>
-                  <p:cNvPr id="164" name="TextBox 163"/>
-                  <p:cNvSpPr txBox="1"/>
-                  <p:nvPr/>
-                </p:nvSpPr>
-                <p:spPr>
-                  <a:xfrm>
-                    <a:off x="3004853" y="1322892"/>
-                    <a:ext cx="1841410" cy="608035"/>
-                  </a:xfrm>
-                  <a:prstGeom prst="rect">
-                    <a:avLst/>
-                  </a:prstGeom>
-                  <a:noFill/>
-                  <a:ln>
-                    <a:noFill/>
-                  </a:ln>
-                </p:spPr>
-                <p:style>
-                  <a:lnRef idx="1">
-                    <a:schemeClr val="accent3"/>
-                  </a:lnRef>
-                  <a:fillRef idx="2">
-                    <a:schemeClr val="accent3"/>
-                  </a:fillRef>
-                  <a:effectRef idx="1">
-                    <a:schemeClr val="accent3"/>
-                  </a:effectRef>
-                  <a:fontRef idx="minor">
-                    <a:schemeClr val="dk1"/>
-                  </a:fontRef>
-                </p:style>
-                <p:txBody>
-                  <a:bodyPr rtlCol="0" anchor="ctr"/>
-                  <a:lstStyle>
-                    <a:defPPr>
-                      <a:defRPr lang="en-US"/>
-                    </a:defPPr>
-                    <a:lvl1pPr algn="ctr">
-                      <a:defRPr sz="1600">
-                        <a:solidFill>
-                          <a:schemeClr val="lt1"/>
-                        </a:solidFill>
-                        <a:latin typeface="Segoe UI" panose="020B0502040204020203" pitchFamily="34" charset="0"/>
-                        <a:cs typeface="Segoe UI" panose="020B0502040204020203" pitchFamily="34" charset="0"/>
-                      </a:defRPr>
-                    </a:lvl1pPr>
-                    <a:lvl2pPr>
-                      <a:defRPr>
-                        <a:solidFill>
-                          <a:schemeClr val="lt1"/>
-                        </a:solidFill>
-                      </a:defRPr>
-                    </a:lvl2pPr>
-                    <a:lvl3pPr>
-                      <a:defRPr>
-                        <a:solidFill>
-                          <a:schemeClr val="lt1"/>
-                        </a:solidFill>
-                      </a:defRPr>
-                    </a:lvl3pPr>
-                    <a:lvl4pPr>
-                      <a:defRPr>
-                        <a:solidFill>
-                          <a:schemeClr val="lt1"/>
-                        </a:solidFill>
-                      </a:defRPr>
-                    </a:lvl4pPr>
-                    <a:lvl5pPr>
-                      <a:defRPr>
-                        <a:solidFill>
-                          <a:schemeClr val="lt1"/>
-                        </a:solidFill>
-                      </a:defRPr>
-                    </a:lvl5pPr>
-                    <a:lvl6pPr>
-                      <a:defRPr>
-                        <a:solidFill>
-                          <a:schemeClr val="lt1"/>
-                        </a:solidFill>
-                      </a:defRPr>
-                    </a:lvl6pPr>
-                    <a:lvl7pPr>
-                      <a:defRPr>
-                        <a:solidFill>
-                          <a:schemeClr val="lt1"/>
-                        </a:solidFill>
-                      </a:defRPr>
-                    </a:lvl7pPr>
-                    <a:lvl8pPr>
-                      <a:defRPr>
-                        <a:solidFill>
-                          <a:schemeClr val="lt1"/>
-                        </a:solidFill>
-                      </a:defRPr>
-                    </a:lvl8pPr>
-                    <a:lvl9pPr>
-                      <a:defRPr>
-                        <a:solidFill>
-                          <a:schemeClr val="lt1"/>
-                        </a:solidFill>
-                      </a:defRPr>
-                    </a:lvl9pPr>
-                  </a:lstStyle>
-                  <a:p>
-                    <a:r>
-                      <a:rPr lang="en-US" dirty="0">
-                        <a:solidFill>
-                          <a:schemeClr val="tx1"/>
-                        </a:solidFill>
-                      </a:rPr>
-                      <a:t>Cross-cutting Infrastructure Layers</a:t>
-                    </a:r>
-                  </a:p>
-                </p:txBody>
-              </p:sp>
-            </p:grpSp>
-            <p:sp>
-              <p:nvSpPr>
-                <p:cNvPr id="160" name="Rounded Rectangle 159"/>
-                <p:cNvSpPr/>
-                <p:nvPr/>
-              </p:nvSpPr>
-              <p:spPr>
-                <a:xfrm>
-                  <a:off x="1383424" y="3143247"/>
-                  <a:ext cx="1548962" cy="504441"/>
-                </a:xfrm>
-                <a:prstGeom prst="roundRect">
-                  <a:avLst/>
-                </a:prstGeom>
-              </p:spPr>
-              <p:style>
-                <a:lnRef idx="1">
-                  <a:schemeClr val="accent3"/>
-                </a:lnRef>
-                <a:fillRef idx="2">
-                  <a:schemeClr val="accent3"/>
-                </a:fillRef>
-                <a:effectRef idx="1">
-                  <a:schemeClr val="accent3"/>
-                </a:effectRef>
-                <a:fontRef idx="minor">
-                  <a:schemeClr val="dk1"/>
-                </a:fontRef>
-              </p:style>
-              <p:txBody>
-                <a:bodyPr rtlCol="0" anchor="ctr"/>
-                <a:lstStyle/>
-                <a:p>
-                  <a:pPr algn="ctr"/>
-                  <a:r>
-                    <a:rPr lang="en-US" sz="1600" dirty="0">
-                      <a:latin typeface="Segoe UI" panose="020B0502040204020203" pitchFamily="34" charset="0"/>
-                      <a:cs typeface="Segoe UI" panose="020B0502040204020203" pitchFamily="34" charset="0"/>
-                    </a:rPr>
-                    <a:t>Logging</a:t>
-                  </a:r>
-                </a:p>
-              </p:txBody>
-            </p:sp>
-            <p:sp>
-              <p:nvSpPr>
-                <p:cNvPr id="161" name="Rounded Rectangle 160"/>
-                <p:cNvSpPr/>
-                <p:nvPr/>
-              </p:nvSpPr>
-              <p:spPr>
-                <a:xfrm>
-                  <a:off x="1403129" y="3698939"/>
-                  <a:ext cx="1529257" cy="500540"/>
-                </a:xfrm>
-                <a:prstGeom prst="roundRect">
-                  <a:avLst/>
-                </a:prstGeom>
-              </p:spPr>
-              <p:style>
-                <a:lnRef idx="1">
-                  <a:schemeClr val="accent3"/>
-                </a:lnRef>
-                <a:fillRef idx="2">
-                  <a:schemeClr val="accent3"/>
-                </a:fillRef>
-                <a:effectRef idx="1">
-                  <a:schemeClr val="accent3"/>
-                </a:effectRef>
-                <a:fontRef idx="minor">
-                  <a:schemeClr val="dk1"/>
-                </a:fontRef>
-              </p:style>
-              <p:txBody>
-                <a:bodyPr rtlCol="0" anchor="ctr"/>
-                <a:lstStyle/>
-                <a:p>
-                  <a:pPr algn="ctr"/>
-                  <a:r>
-                    <a:rPr lang="en-US" sz="1600" dirty="0">
-                      <a:latin typeface="Segoe UI" panose="020B0502040204020203" pitchFamily="34" charset="0"/>
-                      <a:cs typeface="Segoe UI" panose="020B0502040204020203" pitchFamily="34" charset="0"/>
-                    </a:rPr>
-                    <a:t>Utilities</a:t>
-                  </a:r>
-                </a:p>
-              </p:txBody>
-            </p:sp>
-            <p:sp>
-              <p:nvSpPr>
-                <p:cNvPr id="162" name="Rounded Rectangle 161"/>
-                <p:cNvSpPr/>
-                <p:nvPr/>
-              </p:nvSpPr>
-              <p:spPr>
-                <a:xfrm>
-                  <a:off x="1403129" y="4258532"/>
-                  <a:ext cx="1529257" cy="500540"/>
-                </a:xfrm>
-                <a:prstGeom prst="roundRect">
-                  <a:avLst/>
-                </a:prstGeom>
-              </p:spPr>
-              <p:style>
-                <a:lnRef idx="1">
-                  <a:schemeClr val="accent3"/>
-                </a:lnRef>
-                <a:fillRef idx="2">
-                  <a:schemeClr val="accent3"/>
-                </a:fillRef>
-                <a:effectRef idx="1">
-                  <a:schemeClr val="accent3"/>
-                </a:effectRef>
-                <a:fontRef idx="minor">
-                  <a:schemeClr val="dk1"/>
-                </a:fontRef>
-              </p:style>
-              <p:txBody>
-                <a:bodyPr rtlCol="0" anchor="ctr"/>
-                <a:lstStyle/>
-                <a:p>
-                  <a:pPr algn="ctr"/>
-                  <a:r>
-                    <a:rPr lang="en-US" sz="1600" dirty="0">
-                      <a:latin typeface="Segoe UI" panose="020B0502040204020203" pitchFamily="34" charset="0"/>
-                      <a:cs typeface="Segoe UI" panose="020B0502040204020203" pitchFamily="34" charset="0"/>
-                    </a:rPr>
-                    <a:t>Other Common Blocks</a:t>
-                  </a:r>
-                </a:p>
-              </p:txBody>
-            </p:sp>
-          </p:grpSp>
-          <p:sp>
-            <p:nvSpPr>
-              <p:cNvPr id="158" name="Rounded Rectangle 157"/>
-              <p:cNvSpPr/>
-              <p:nvPr/>
-            </p:nvSpPr>
-            <p:spPr>
-              <a:xfrm>
-                <a:off x="9024492" y="3243008"/>
-                <a:ext cx="1684242" cy="494908"/>
-              </a:xfrm>
-              <a:prstGeom prst="roundRect">
-                <a:avLst/>
-              </a:prstGeom>
-            </p:spPr>
-            <p:style>
-              <a:lnRef idx="1">
-                <a:schemeClr val="accent3"/>
-              </a:lnRef>
-              <a:fillRef idx="2">
-                <a:schemeClr val="accent3"/>
-              </a:fillRef>
-              <a:effectRef idx="1">
-                <a:schemeClr val="accent3"/>
-              </a:effectRef>
-              <a:fontRef idx="minor">
-                <a:schemeClr val="dk1"/>
-              </a:fontRef>
-            </p:style>
-            <p:txBody>
-              <a:bodyPr rtlCol="0" anchor="ctr"/>
-              <a:lstStyle/>
-              <a:p>
-                <a:pPr algn="ctr"/>
-                <a:r>
-                  <a:rPr lang="en-US" sz="1600" dirty="0" err="1">
-                    <a:latin typeface="Segoe UI" panose="020B0502040204020203" pitchFamily="34" charset="0"/>
-                    <a:cs typeface="Segoe UI" panose="020B0502040204020203" pitchFamily="34" charset="0"/>
-                  </a:rPr>
-                  <a:t>IoC</a:t>
-                </a:r>
-                <a:endParaRPr lang="en-US" sz="1600" dirty="0">
-                  <a:latin typeface="Segoe UI" panose="020B0502040204020203" pitchFamily="34" charset="0"/>
-                  <a:cs typeface="Segoe UI" panose="020B0502040204020203" pitchFamily="34" charset="0"/>
-                </a:endParaRPr>
-              </a:p>
-            </p:txBody>
-          </p:sp>
-        </p:grpSp>
-        <p:sp>
-          <p:nvSpPr>
-            <p:cNvPr id="156" name="Rounded Rectangle 155"/>
-            <p:cNvSpPr/>
-            <p:nvPr/>
-          </p:nvSpPr>
-          <p:spPr>
-            <a:xfrm>
-              <a:off x="9035721" y="2519291"/>
-              <a:ext cx="1661784" cy="489084"/>
-            </a:xfrm>
-            <a:prstGeom prst="roundRect">
-              <a:avLst/>
-            </a:prstGeom>
-          </p:spPr>
-          <p:style>
-            <a:lnRef idx="1">
-              <a:schemeClr val="accent3"/>
-            </a:lnRef>
-            <a:fillRef idx="2">
-              <a:schemeClr val="accent3"/>
-            </a:fillRef>
-            <a:effectRef idx="1">
-              <a:schemeClr val="accent3"/>
-            </a:effectRef>
-            <a:fontRef idx="minor">
-              <a:schemeClr val="dk1"/>
-            </a:fontRef>
-          </p:style>
-          <p:txBody>
-            <a:bodyPr rtlCol="0" anchor="ctr"/>
-            <a:lstStyle/>
-            <a:p>
-              <a:pPr algn="ctr"/>
-              <a:r>
-                <a:rPr lang="en-US" sz="1600" dirty="0">
-                  <a:latin typeface="Segoe UI" panose="020B0502040204020203" pitchFamily="34" charset="0"/>
-                  <a:cs typeface="Segoe UI" panose="020B0502040204020203" pitchFamily="34" charset="0"/>
-                </a:rPr>
-                <a:t>Business Entity</a:t>
-              </a:r>
-            </a:p>
-          </p:txBody>
-        </p:sp>
-      </p:grpSp>
-      <p:sp>
-        <p:nvSpPr>
-          <p:cNvPr id="165" name="Rounded Rectangle 164"/>
-          <p:cNvSpPr/>
-          <p:nvPr/>
-        </p:nvSpPr>
-        <p:spPr>
-          <a:xfrm>
-            <a:off x="2631077" y="2225279"/>
-            <a:ext cx="6131923" cy="2290239"/>
-          </a:xfrm>
-          <a:prstGeom prst="roundRect">
-            <a:avLst/>
-          </a:prstGeom>
-        </p:spPr>
-        <p:style>
-          <a:lnRef idx="1">
-            <a:schemeClr val="accent3"/>
-          </a:lnRef>
-          <a:fillRef idx="2">
-            <a:schemeClr val="accent3"/>
-          </a:fillRef>
-          <a:effectRef idx="1">
-            <a:schemeClr val="accent3"/>
-          </a:effectRef>
-          <a:fontRef idx="minor">
-            <a:schemeClr val="dk1"/>
-          </a:fontRef>
-        </p:style>
-        <p:txBody>
-          <a:bodyPr rtlCol="0" anchor="ctr"/>
-          <a:lstStyle/>
-          <a:p>
-            <a:pPr algn="ctr"/>
-            <a:endParaRPr lang="en-US" sz="1600">
               <a:solidFill>
                 <a:schemeClr val="lt1"/>
               </a:solidFill>
@@ -24053,382 +23501,21 @@
       </p:sp>
       <p:sp>
         <p:nvSpPr>
-          <p:cNvPr id="166" name="Up-Down Arrow 165"/>
-          <p:cNvSpPr/>
-          <p:nvPr/>
-        </p:nvSpPr>
-        <p:spPr>
-          <a:xfrm>
-            <a:off x="3214031" y="5481632"/>
-            <a:ext cx="226277" cy="363094"/>
-          </a:xfrm>
-          <a:prstGeom prst="upDownArrow">
-            <a:avLst/>
-          </a:prstGeom>
-        </p:spPr>
-        <p:style>
-          <a:lnRef idx="1">
-            <a:schemeClr val="accent3"/>
-          </a:lnRef>
-          <a:fillRef idx="3">
-            <a:schemeClr val="accent3"/>
-          </a:fillRef>
-          <a:effectRef idx="2">
-            <a:schemeClr val="accent3"/>
-          </a:effectRef>
-          <a:fontRef idx="minor">
-            <a:schemeClr val="lt1"/>
-          </a:fontRef>
-        </p:style>
-        <p:txBody>
-          <a:bodyPr rtlCol="0" anchor="ctr"/>
-          <a:lstStyle/>
-          <a:p>
-            <a:pPr algn="ctr"/>
-            <a:endParaRPr lang="en-US"/>
-          </a:p>
-        </p:txBody>
-      </p:sp>
-      <p:sp>
-        <p:nvSpPr>
-          <p:cNvPr id="167" name="Up-Down Arrow 166"/>
-          <p:cNvSpPr/>
-          <p:nvPr/>
-        </p:nvSpPr>
-        <p:spPr>
-          <a:xfrm>
-            <a:off x="4800268" y="5481439"/>
-            <a:ext cx="226277" cy="363094"/>
-          </a:xfrm>
-          <a:prstGeom prst="upDownArrow">
-            <a:avLst/>
-          </a:prstGeom>
-        </p:spPr>
-        <p:style>
-          <a:lnRef idx="1">
-            <a:schemeClr val="accent3"/>
-          </a:lnRef>
-          <a:fillRef idx="3">
-            <a:schemeClr val="accent3"/>
-          </a:fillRef>
-          <a:effectRef idx="2">
-            <a:schemeClr val="accent3"/>
-          </a:effectRef>
-          <a:fontRef idx="minor">
-            <a:schemeClr val="lt1"/>
-          </a:fontRef>
-        </p:style>
-        <p:txBody>
-          <a:bodyPr rtlCol="0" anchor="ctr"/>
-          <a:lstStyle/>
-          <a:p>
-            <a:pPr algn="ctr"/>
-            <a:endParaRPr lang="en-US">
-              <a:solidFill>
-                <a:schemeClr val="lt1"/>
-              </a:solidFill>
-            </a:endParaRPr>
-          </a:p>
-        </p:txBody>
-      </p:sp>
-      <p:sp>
-        <p:nvSpPr>
-          <p:cNvPr id="168" name="Up-Down Arrow 167"/>
-          <p:cNvSpPr/>
-          <p:nvPr/>
-        </p:nvSpPr>
-        <p:spPr>
-          <a:xfrm>
-            <a:off x="6474786" y="5492060"/>
-            <a:ext cx="226277" cy="363094"/>
-          </a:xfrm>
-          <a:prstGeom prst="upDownArrow">
-            <a:avLst/>
-          </a:prstGeom>
-        </p:spPr>
-        <p:style>
-          <a:lnRef idx="1">
-            <a:schemeClr val="accent3"/>
-          </a:lnRef>
-          <a:fillRef idx="3">
-            <a:schemeClr val="accent3"/>
-          </a:fillRef>
-          <a:effectRef idx="2">
-            <a:schemeClr val="accent3"/>
-          </a:effectRef>
-          <a:fontRef idx="minor">
-            <a:schemeClr val="lt1"/>
-          </a:fontRef>
-        </p:style>
-        <p:txBody>
-          <a:bodyPr rtlCol="0" anchor="ctr"/>
-          <a:lstStyle/>
-          <a:p>
-            <a:pPr algn="ctr"/>
-            <a:endParaRPr lang="en-US">
-              <a:solidFill>
-                <a:schemeClr val="lt1"/>
-              </a:solidFill>
-            </a:endParaRPr>
-          </a:p>
-        </p:txBody>
-      </p:sp>
-      <p:sp>
-        <p:nvSpPr>
-          <p:cNvPr id="169" name="Up-Down Arrow 168"/>
-          <p:cNvSpPr/>
-          <p:nvPr/>
-        </p:nvSpPr>
-        <p:spPr>
-          <a:xfrm>
-            <a:off x="7914905" y="5481439"/>
-            <a:ext cx="226277" cy="363094"/>
-          </a:xfrm>
-          <a:prstGeom prst="upDownArrow">
-            <a:avLst/>
-          </a:prstGeom>
-        </p:spPr>
-        <p:style>
-          <a:lnRef idx="1">
-            <a:schemeClr val="accent3"/>
-          </a:lnRef>
-          <a:fillRef idx="3">
-            <a:schemeClr val="accent3"/>
-          </a:fillRef>
-          <a:effectRef idx="2">
-            <a:schemeClr val="accent3"/>
-          </a:effectRef>
-          <a:fontRef idx="minor">
-            <a:schemeClr val="lt1"/>
-          </a:fontRef>
-        </p:style>
-        <p:txBody>
-          <a:bodyPr rtlCol="0" anchor="ctr"/>
-          <a:lstStyle/>
-          <a:p>
-            <a:pPr algn="ctr"/>
-            <a:endParaRPr lang="en-US">
-              <a:solidFill>
-                <a:schemeClr val="lt1"/>
-              </a:solidFill>
-            </a:endParaRPr>
-          </a:p>
-        </p:txBody>
-      </p:sp>
-      <p:sp>
-        <p:nvSpPr>
-          <p:cNvPr id="170" name="Rounded Rectangle 169"/>
-          <p:cNvSpPr/>
-          <p:nvPr/>
-        </p:nvSpPr>
-        <p:spPr>
-          <a:xfrm>
-            <a:off x="3764446" y="3111194"/>
-            <a:ext cx="4730674" cy="548696"/>
-          </a:xfrm>
-          <a:prstGeom prst="roundRect">
-            <a:avLst/>
-          </a:prstGeom>
-        </p:spPr>
-        <p:style>
-          <a:lnRef idx="1">
-            <a:schemeClr val="accent3"/>
-          </a:lnRef>
-          <a:fillRef idx="2">
-            <a:schemeClr val="accent3"/>
-          </a:fillRef>
-          <a:effectRef idx="1">
-            <a:schemeClr val="accent3"/>
-          </a:effectRef>
-          <a:fontRef idx="minor">
-            <a:schemeClr val="dk1"/>
-          </a:fontRef>
-        </p:style>
-        <p:txBody>
-          <a:bodyPr rtlCol="0" anchor="ctr"/>
-          <a:lstStyle/>
-          <a:p>
-            <a:pPr algn="ctr"/>
-            <a:r>
-              <a:rPr lang="en-US" sz="1600" dirty="0">
-                <a:latin typeface="Segoe UI" panose="020B0502040204020203" pitchFamily="34" charset="0"/>
-                <a:cs typeface="Segoe UI" panose="020B0502040204020203" pitchFamily="34" charset="0"/>
-              </a:rPr>
-              <a:t>Business Layer level N</a:t>
-            </a:r>
-          </a:p>
-        </p:txBody>
-      </p:sp>
-      <p:sp>
-        <p:nvSpPr>
-          <p:cNvPr id="171" name="TextBox 170"/>
+          <p:cNvPr id="164" name="TextBox 163"/>
           <p:cNvSpPr txBox="1"/>
           <p:nvPr/>
         </p:nvSpPr>
         <p:spPr>
           <a:xfrm>
-            <a:off x="741280" y="6145712"/>
-            <a:ext cx="1690596" cy="338554"/>
+            <a:off x="8796427" y="1362274"/>
+            <a:ext cx="2065366" cy="518755"/>
           </a:xfrm>
           <a:prstGeom prst="rect">
             <a:avLst/>
           </a:prstGeom>
           <a:noFill/>
-        </p:spPr>
-        <p:txBody>
-          <a:bodyPr wrap="square" rtlCol="0">
-            <a:spAutoFit/>
-          </a:bodyPr>
-          <a:lstStyle/>
-          <a:p>
-            <a:r>
-              <a:rPr lang="en-US" sz="1600" dirty="0" smtClean="0"/>
-              <a:t>External Services</a:t>
-            </a:r>
-            <a:endParaRPr lang="en-US" sz="1600" dirty="0"/>
-          </a:p>
-        </p:txBody>
-      </p:sp>
-      <p:sp>
-        <p:nvSpPr>
-          <p:cNvPr id="172" name="TextBox 171"/>
-          <p:cNvSpPr txBox="1"/>
-          <p:nvPr/>
-        </p:nvSpPr>
-        <p:spPr>
-          <a:xfrm>
-            <a:off x="1156669" y="3201121"/>
-            <a:ext cx="1233235" cy="338554"/>
-          </a:xfrm>
-          <a:prstGeom prst="rect">
-            <a:avLst/>
-          </a:prstGeom>
-          <a:noFill/>
-        </p:spPr>
-        <p:txBody>
-          <a:bodyPr wrap="square" rtlCol="0">
-            <a:spAutoFit/>
-          </a:bodyPr>
-          <a:lstStyle/>
-          <a:p>
-            <a:r>
-              <a:rPr lang="en-US" sz="1600" dirty="0" smtClean="0"/>
-              <a:t>Application</a:t>
-            </a:r>
-            <a:endParaRPr lang="en-US" sz="1600" dirty="0"/>
-          </a:p>
-        </p:txBody>
-      </p:sp>
-      <p:sp>
-        <p:nvSpPr>
-          <p:cNvPr id="173" name="Rounded Rectangle 172"/>
-          <p:cNvSpPr/>
-          <p:nvPr/>
-        </p:nvSpPr>
-        <p:spPr>
-          <a:xfrm>
-            <a:off x="2901191" y="3864225"/>
-            <a:ext cx="5590898" cy="548696"/>
-          </a:xfrm>
-          <a:prstGeom prst="roundRect">
-            <a:avLst/>
-          </a:prstGeom>
-        </p:spPr>
-        <p:style>
-          <a:lnRef idx="1">
-            <a:schemeClr val="accent3"/>
-          </a:lnRef>
-          <a:fillRef idx="2">
-            <a:schemeClr val="accent3"/>
-          </a:fillRef>
-          <a:effectRef idx="1">
-            <a:schemeClr val="accent3"/>
-          </a:effectRef>
-          <a:fontRef idx="minor">
-            <a:schemeClr val="dk1"/>
-          </a:fontRef>
-        </p:style>
-        <p:txBody>
-          <a:bodyPr rtlCol="0" anchor="ctr"/>
-          <a:lstStyle/>
-          <a:p>
-            <a:pPr algn="ctr"/>
-            <a:r>
-              <a:rPr lang="en-US" sz="1600" dirty="0">
-                <a:latin typeface="Segoe UI" panose="020B0502040204020203" pitchFamily="34" charset="0"/>
-                <a:cs typeface="Segoe UI" panose="020B0502040204020203" pitchFamily="34" charset="0"/>
-              </a:rPr>
-              <a:t>Business Layer level N - 1</a:t>
-            </a:r>
-          </a:p>
-        </p:txBody>
-      </p:sp>
-      <p:sp>
-        <p:nvSpPr>
-          <p:cNvPr id="174" name="Rounded Rectangle 173"/>
-          <p:cNvSpPr/>
-          <p:nvPr/>
-        </p:nvSpPr>
-        <p:spPr>
-          <a:xfrm>
-            <a:off x="2901190" y="2361616"/>
-            <a:ext cx="5589636" cy="548696"/>
-          </a:xfrm>
-          <a:prstGeom prst="roundRect">
-            <a:avLst/>
-          </a:prstGeom>
-        </p:spPr>
-        <p:style>
-          <a:lnRef idx="1">
-            <a:schemeClr val="accent3"/>
-          </a:lnRef>
-          <a:fillRef idx="2">
-            <a:schemeClr val="accent3"/>
-          </a:fillRef>
-          <a:effectRef idx="1">
-            <a:schemeClr val="accent3"/>
-          </a:effectRef>
-          <a:fontRef idx="minor">
-            <a:schemeClr val="dk1"/>
-          </a:fontRef>
-        </p:style>
-        <p:txBody>
-          <a:bodyPr rtlCol="0" anchor="ctr"/>
-          <a:lstStyle/>
-          <a:p>
-            <a:pPr algn="ctr"/>
-            <a:r>
-              <a:rPr lang="en-US" sz="1600" dirty="0">
-                <a:latin typeface="Segoe UI" panose="020B0502040204020203" pitchFamily="34" charset="0"/>
-                <a:cs typeface="Segoe UI" panose="020B0502040204020203" pitchFamily="34" charset="0"/>
-              </a:rPr>
-              <a:t>Top Business Level</a:t>
-            </a:r>
-          </a:p>
-        </p:txBody>
-      </p:sp>
-      <p:cxnSp>
-        <p:nvCxnSpPr>
-          <p:cNvPr id="175" name="Straight Arrow Connector 174"/>
-          <p:cNvCxnSpPr/>
-          <p:nvPr/>
-        </p:nvCxnSpPr>
-        <p:spPr>
-          <a:xfrm>
-            <a:off x="5696294" y="2910312"/>
-            <a:ext cx="0" cy="200882"/>
-          </a:xfrm>
-          <a:prstGeom prst="straightConnector1">
-            <a:avLst/>
-          </a:prstGeom>
-          <a:ln w="28575">
-            <a:solidFill>
-              <a:schemeClr val="bg1">
-                <a:lumMod val="50000"/>
-              </a:schemeClr>
-            </a:solidFill>
-            <a:prstDash val="sysDash"/>
-            <a:tailEnd type="triangle"/>
+          <a:ln>
+            <a:noFill/>
           </a:ln>
         </p:spPr>
         <p:style>
@@ -24445,6 +23532,621 @@
             <a:schemeClr val="dk1"/>
           </a:fontRef>
         </p:style>
+        <p:txBody>
+          <a:bodyPr rtlCol="0" anchor="ctr"/>
+          <a:lstStyle>
+            <a:defPPr>
+              <a:defRPr lang="en-US"/>
+            </a:defPPr>
+            <a:lvl1pPr algn="ctr">
+              <a:defRPr sz="1600">
+                <a:solidFill>
+                  <a:schemeClr val="lt1"/>
+                </a:solidFill>
+                <a:latin typeface="Segoe UI" panose="020B0502040204020203" pitchFamily="34" charset="0"/>
+                <a:cs typeface="Segoe UI" panose="020B0502040204020203" pitchFamily="34" charset="0"/>
+              </a:defRPr>
+            </a:lvl1pPr>
+            <a:lvl2pPr>
+              <a:defRPr>
+                <a:solidFill>
+                  <a:schemeClr val="lt1"/>
+                </a:solidFill>
+              </a:defRPr>
+            </a:lvl2pPr>
+            <a:lvl3pPr>
+              <a:defRPr>
+                <a:solidFill>
+                  <a:schemeClr val="lt1"/>
+                </a:solidFill>
+              </a:defRPr>
+            </a:lvl3pPr>
+            <a:lvl4pPr>
+              <a:defRPr>
+                <a:solidFill>
+                  <a:schemeClr val="lt1"/>
+                </a:solidFill>
+              </a:defRPr>
+            </a:lvl4pPr>
+            <a:lvl5pPr>
+              <a:defRPr>
+                <a:solidFill>
+                  <a:schemeClr val="lt1"/>
+                </a:solidFill>
+              </a:defRPr>
+            </a:lvl5pPr>
+            <a:lvl6pPr>
+              <a:defRPr>
+                <a:solidFill>
+                  <a:schemeClr val="lt1"/>
+                </a:solidFill>
+              </a:defRPr>
+            </a:lvl6pPr>
+            <a:lvl7pPr>
+              <a:defRPr>
+                <a:solidFill>
+                  <a:schemeClr val="lt1"/>
+                </a:solidFill>
+              </a:defRPr>
+            </a:lvl7pPr>
+            <a:lvl8pPr>
+              <a:defRPr>
+                <a:solidFill>
+                  <a:schemeClr val="lt1"/>
+                </a:solidFill>
+              </a:defRPr>
+            </a:lvl8pPr>
+            <a:lvl9pPr>
+              <a:defRPr>
+                <a:solidFill>
+                  <a:schemeClr val="lt1"/>
+                </a:solidFill>
+              </a:defRPr>
+            </a:lvl9pPr>
+          </a:lstStyle>
+          <a:p>
+            <a:r>
+              <a:rPr lang="en-US" dirty="0">
+                <a:solidFill>
+                  <a:schemeClr val="tx1"/>
+                </a:solidFill>
+              </a:rPr>
+              <a:t>Cross-cutting Infrastructure </a:t>
+            </a:r>
+            <a:r>
+              <a:rPr lang="en-US" dirty="0" smtClean="0">
+                <a:solidFill>
+                  <a:schemeClr val="tx1"/>
+                </a:solidFill>
+              </a:rPr>
+              <a:t>Layer</a:t>
+            </a:r>
+            <a:endParaRPr lang="en-US" dirty="0">
+              <a:solidFill>
+                <a:schemeClr val="tx1"/>
+              </a:solidFill>
+            </a:endParaRPr>
+          </a:p>
+        </p:txBody>
+      </p:sp>
+      <p:sp>
+        <p:nvSpPr>
+          <p:cNvPr id="160" name="Rounded Rectangle 159"/>
+          <p:cNvSpPr/>
+          <p:nvPr/>
+        </p:nvSpPr>
+        <p:spPr>
+          <a:xfrm>
+            <a:off x="8979810" y="3619405"/>
+            <a:ext cx="1684243" cy="494908"/>
+          </a:xfrm>
+          <a:prstGeom prst="roundRect">
+            <a:avLst/>
+          </a:prstGeom>
+          <a:ln w="28575">
+            <a:solidFill>
+              <a:schemeClr val="tx1">
+                <a:lumMod val="65000"/>
+                <a:lumOff val="35000"/>
+              </a:schemeClr>
+            </a:solidFill>
+          </a:ln>
+        </p:spPr>
+        <p:style>
+          <a:lnRef idx="2">
+            <a:schemeClr val="accent3"/>
+          </a:lnRef>
+          <a:fillRef idx="1">
+            <a:schemeClr val="lt1"/>
+          </a:fillRef>
+          <a:effectRef idx="0">
+            <a:schemeClr val="accent3"/>
+          </a:effectRef>
+          <a:fontRef idx="minor">
+            <a:schemeClr val="dk1"/>
+          </a:fontRef>
+        </p:style>
+        <p:txBody>
+          <a:bodyPr rtlCol="0" anchor="ctr"/>
+          <a:lstStyle/>
+          <a:p>
+            <a:pPr algn="ctr"/>
+            <a:r>
+              <a:rPr lang="en-US" sz="1600" dirty="0">
+                <a:latin typeface="Segoe UI" panose="020B0502040204020203" pitchFamily="34" charset="0"/>
+                <a:cs typeface="Segoe UI" panose="020B0502040204020203" pitchFamily="34" charset="0"/>
+              </a:rPr>
+              <a:t>Logging</a:t>
+            </a:r>
+          </a:p>
+        </p:txBody>
+      </p:sp>
+      <p:sp>
+        <p:nvSpPr>
+          <p:cNvPr id="161" name="Rounded Rectangle 160"/>
+          <p:cNvSpPr/>
+          <p:nvPr/>
+        </p:nvSpPr>
+        <p:spPr>
+          <a:xfrm>
+            <a:off x="9001235" y="4164596"/>
+            <a:ext cx="1662817" cy="491081"/>
+          </a:xfrm>
+          <a:prstGeom prst="roundRect">
+            <a:avLst/>
+          </a:prstGeom>
+          <a:ln w="28575">
+            <a:solidFill>
+              <a:schemeClr val="tx1">
+                <a:lumMod val="65000"/>
+                <a:lumOff val="35000"/>
+              </a:schemeClr>
+            </a:solidFill>
+          </a:ln>
+        </p:spPr>
+        <p:style>
+          <a:lnRef idx="2">
+            <a:schemeClr val="accent3"/>
+          </a:lnRef>
+          <a:fillRef idx="1">
+            <a:schemeClr val="lt1"/>
+          </a:fillRef>
+          <a:effectRef idx="0">
+            <a:schemeClr val="accent3"/>
+          </a:effectRef>
+          <a:fontRef idx="minor">
+            <a:schemeClr val="dk1"/>
+          </a:fontRef>
+        </p:style>
+        <p:txBody>
+          <a:bodyPr rtlCol="0" anchor="ctr"/>
+          <a:lstStyle/>
+          <a:p>
+            <a:pPr algn="ctr"/>
+            <a:r>
+              <a:rPr lang="en-US" sz="1600" dirty="0">
+                <a:latin typeface="Segoe UI" panose="020B0502040204020203" pitchFamily="34" charset="0"/>
+                <a:cs typeface="Segoe UI" panose="020B0502040204020203" pitchFamily="34" charset="0"/>
+              </a:rPr>
+              <a:t>Utilities</a:t>
+            </a:r>
+          </a:p>
+        </p:txBody>
+      </p:sp>
+      <p:sp>
+        <p:nvSpPr>
+          <p:cNvPr id="162" name="Rounded Rectangle 161"/>
+          <p:cNvSpPr/>
+          <p:nvPr/>
+        </p:nvSpPr>
+        <p:spPr>
+          <a:xfrm>
+            <a:off x="9001235" y="4713613"/>
+            <a:ext cx="1662817" cy="491081"/>
+          </a:xfrm>
+          <a:prstGeom prst="roundRect">
+            <a:avLst/>
+          </a:prstGeom>
+          <a:ln w="28575">
+            <a:solidFill>
+              <a:schemeClr val="tx1">
+                <a:lumMod val="65000"/>
+                <a:lumOff val="35000"/>
+              </a:schemeClr>
+            </a:solidFill>
+          </a:ln>
+        </p:spPr>
+        <p:style>
+          <a:lnRef idx="2">
+            <a:schemeClr val="accent3"/>
+          </a:lnRef>
+          <a:fillRef idx="1">
+            <a:schemeClr val="lt1"/>
+          </a:fillRef>
+          <a:effectRef idx="0">
+            <a:schemeClr val="accent3"/>
+          </a:effectRef>
+          <a:fontRef idx="minor">
+            <a:schemeClr val="dk1"/>
+          </a:fontRef>
+        </p:style>
+        <p:txBody>
+          <a:bodyPr rtlCol="0" anchor="ctr"/>
+          <a:lstStyle/>
+          <a:p>
+            <a:pPr algn="ctr"/>
+            <a:r>
+              <a:rPr lang="en-US" sz="1600" dirty="0">
+                <a:latin typeface="Segoe UI" panose="020B0502040204020203" pitchFamily="34" charset="0"/>
+                <a:cs typeface="Segoe UI" panose="020B0502040204020203" pitchFamily="34" charset="0"/>
+              </a:rPr>
+              <a:t>Other Common Blocks</a:t>
+            </a:r>
+          </a:p>
+        </p:txBody>
+      </p:sp>
+      <p:sp>
+        <p:nvSpPr>
+          <p:cNvPr id="158" name="Rounded Rectangle 157"/>
+          <p:cNvSpPr/>
+          <p:nvPr/>
+        </p:nvSpPr>
+        <p:spPr>
+          <a:xfrm>
+            <a:off x="8985308" y="3067217"/>
+            <a:ext cx="1684242" cy="494908"/>
+          </a:xfrm>
+          <a:prstGeom prst="roundRect">
+            <a:avLst/>
+          </a:prstGeom>
+          <a:ln w="28575">
+            <a:solidFill>
+              <a:schemeClr val="tx1">
+                <a:lumMod val="65000"/>
+                <a:lumOff val="35000"/>
+              </a:schemeClr>
+            </a:solidFill>
+          </a:ln>
+        </p:spPr>
+        <p:style>
+          <a:lnRef idx="2">
+            <a:schemeClr val="accent3"/>
+          </a:lnRef>
+          <a:fillRef idx="1">
+            <a:schemeClr val="lt1"/>
+          </a:fillRef>
+          <a:effectRef idx="0">
+            <a:schemeClr val="accent3"/>
+          </a:effectRef>
+          <a:fontRef idx="minor">
+            <a:schemeClr val="dk1"/>
+          </a:fontRef>
+        </p:style>
+        <p:txBody>
+          <a:bodyPr rtlCol="0" anchor="ctr"/>
+          <a:lstStyle/>
+          <a:p>
+            <a:pPr algn="ctr"/>
+            <a:r>
+              <a:rPr lang="en-US" sz="1600" dirty="0" err="1">
+                <a:latin typeface="Segoe UI" panose="020B0502040204020203" pitchFamily="34" charset="0"/>
+                <a:cs typeface="Segoe UI" panose="020B0502040204020203" pitchFamily="34" charset="0"/>
+              </a:rPr>
+              <a:t>IoC</a:t>
+            </a:r>
+            <a:endParaRPr lang="en-US" sz="1600" dirty="0">
+              <a:latin typeface="Segoe UI" panose="020B0502040204020203" pitchFamily="34" charset="0"/>
+              <a:cs typeface="Segoe UI" panose="020B0502040204020203" pitchFamily="34" charset="0"/>
+            </a:endParaRPr>
+          </a:p>
+        </p:txBody>
+      </p:sp>
+      <p:sp>
+        <p:nvSpPr>
+          <p:cNvPr id="156" name="Rounded Rectangle 155"/>
+          <p:cNvSpPr/>
+          <p:nvPr/>
+        </p:nvSpPr>
+        <p:spPr>
+          <a:xfrm>
+            <a:off x="8983236" y="2513762"/>
+            <a:ext cx="1661784" cy="489084"/>
+          </a:xfrm>
+          <a:prstGeom prst="roundRect">
+            <a:avLst/>
+          </a:prstGeom>
+          <a:ln w="28575">
+            <a:solidFill>
+              <a:schemeClr val="tx1">
+                <a:lumMod val="65000"/>
+                <a:lumOff val="35000"/>
+              </a:schemeClr>
+            </a:solidFill>
+          </a:ln>
+        </p:spPr>
+        <p:style>
+          <a:lnRef idx="2">
+            <a:schemeClr val="accent3"/>
+          </a:lnRef>
+          <a:fillRef idx="1">
+            <a:schemeClr val="lt1"/>
+          </a:fillRef>
+          <a:effectRef idx="0">
+            <a:schemeClr val="accent3"/>
+          </a:effectRef>
+          <a:fontRef idx="minor">
+            <a:schemeClr val="dk1"/>
+          </a:fontRef>
+        </p:style>
+        <p:txBody>
+          <a:bodyPr rtlCol="0" anchor="ctr"/>
+          <a:lstStyle/>
+          <a:p>
+            <a:pPr algn="ctr"/>
+            <a:r>
+              <a:rPr lang="en-US" sz="1600" dirty="0">
+                <a:latin typeface="Segoe UI" panose="020B0502040204020203" pitchFamily="34" charset="0"/>
+                <a:cs typeface="Segoe UI" panose="020B0502040204020203" pitchFamily="34" charset="0"/>
+              </a:rPr>
+              <a:t>Business Entity</a:t>
+            </a:r>
+          </a:p>
+        </p:txBody>
+      </p:sp>
+      <p:sp>
+        <p:nvSpPr>
+          <p:cNvPr id="170" name="Rounded Rectangle 169"/>
+          <p:cNvSpPr/>
+          <p:nvPr/>
+        </p:nvSpPr>
+        <p:spPr>
+          <a:xfrm>
+            <a:off x="3764446" y="3111194"/>
+            <a:ext cx="4730674" cy="548696"/>
+          </a:xfrm>
+          <a:prstGeom prst="roundRect">
+            <a:avLst/>
+          </a:prstGeom>
+          <a:ln w="28575">
+            <a:solidFill>
+              <a:schemeClr val="tx1">
+                <a:lumMod val="65000"/>
+                <a:lumOff val="35000"/>
+              </a:schemeClr>
+            </a:solidFill>
+          </a:ln>
+        </p:spPr>
+        <p:style>
+          <a:lnRef idx="2">
+            <a:schemeClr val="accent3"/>
+          </a:lnRef>
+          <a:fillRef idx="1">
+            <a:schemeClr val="lt1"/>
+          </a:fillRef>
+          <a:effectRef idx="0">
+            <a:schemeClr val="accent3"/>
+          </a:effectRef>
+          <a:fontRef idx="minor">
+            <a:schemeClr val="dk1"/>
+          </a:fontRef>
+        </p:style>
+        <p:txBody>
+          <a:bodyPr rtlCol="0" anchor="ctr"/>
+          <a:lstStyle/>
+          <a:p>
+            <a:pPr algn="ctr"/>
+            <a:r>
+              <a:rPr lang="en-US" sz="1600" dirty="0">
+                <a:latin typeface="Segoe UI" panose="020B0502040204020203" pitchFamily="34" charset="0"/>
+                <a:cs typeface="Segoe UI" panose="020B0502040204020203" pitchFamily="34" charset="0"/>
+              </a:rPr>
+              <a:t>Business Layer level N</a:t>
+            </a:r>
+          </a:p>
+        </p:txBody>
+      </p:sp>
+      <p:sp>
+        <p:nvSpPr>
+          <p:cNvPr id="171" name="TextBox 170"/>
+          <p:cNvSpPr txBox="1"/>
+          <p:nvPr/>
+        </p:nvSpPr>
+        <p:spPr>
+          <a:xfrm>
+            <a:off x="741280" y="6145712"/>
+            <a:ext cx="1690596" cy="338554"/>
+          </a:xfrm>
+          <a:prstGeom prst="rect">
+            <a:avLst/>
+          </a:prstGeom>
+          <a:noFill/>
+        </p:spPr>
+        <p:txBody>
+          <a:bodyPr wrap="square" rtlCol="0">
+            <a:spAutoFit/>
+          </a:bodyPr>
+          <a:lstStyle/>
+          <a:p>
+            <a:r>
+              <a:rPr lang="en-US" sz="1600" dirty="0" smtClean="0"/>
+              <a:t>External Services</a:t>
+            </a:r>
+            <a:endParaRPr lang="en-US" sz="1600" dirty="0"/>
+          </a:p>
+        </p:txBody>
+      </p:sp>
+      <p:sp>
+        <p:nvSpPr>
+          <p:cNvPr id="172" name="TextBox 171"/>
+          <p:cNvSpPr txBox="1"/>
+          <p:nvPr/>
+        </p:nvSpPr>
+        <p:spPr>
+          <a:xfrm>
+            <a:off x="1156669" y="3201121"/>
+            <a:ext cx="1233235" cy="338554"/>
+          </a:xfrm>
+          <a:prstGeom prst="rect">
+            <a:avLst/>
+          </a:prstGeom>
+          <a:noFill/>
+        </p:spPr>
+        <p:txBody>
+          <a:bodyPr wrap="square" rtlCol="0">
+            <a:spAutoFit/>
+          </a:bodyPr>
+          <a:lstStyle/>
+          <a:p>
+            <a:r>
+              <a:rPr lang="en-US" sz="1600" dirty="0" smtClean="0"/>
+              <a:t>Application</a:t>
+            </a:r>
+            <a:endParaRPr lang="en-US" sz="1600" dirty="0"/>
+          </a:p>
+        </p:txBody>
+      </p:sp>
+      <p:sp>
+        <p:nvSpPr>
+          <p:cNvPr id="173" name="Rounded Rectangle 172"/>
+          <p:cNvSpPr/>
+          <p:nvPr/>
+        </p:nvSpPr>
+        <p:spPr>
+          <a:xfrm>
+            <a:off x="2901191" y="3864225"/>
+            <a:ext cx="4687357" cy="548696"/>
+          </a:xfrm>
+          <a:prstGeom prst="roundRect">
+            <a:avLst/>
+          </a:prstGeom>
+          <a:ln w="28575">
+            <a:solidFill>
+              <a:schemeClr val="tx1">
+                <a:lumMod val="65000"/>
+                <a:lumOff val="35000"/>
+              </a:schemeClr>
+            </a:solidFill>
+          </a:ln>
+        </p:spPr>
+        <p:style>
+          <a:lnRef idx="2">
+            <a:schemeClr val="accent3"/>
+          </a:lnRef>
+          <a:fillRef idx="1">
+            <a:schemeClr val="lt1"/>
+          </a:fillRef>
+          <a:effectRef idx="0">
+            <a:schemeClr val="accent3"/>
+          </a:effectRef>
+          <a:fontRef idx="minor">
+            <a:schemeClr val="dk1"/>
+          </a:fontRef>
+        </p:style>
+        <p:txBody>
+          <a:bodyPr rtlCol="0" anchor="ctr"/>
+          <a:lstStyle/>
+          <a:p>
+            <a:pPr algn="ctr"/>
+            <a:r>
+              <a:rPr lang="en-US" sz="1600" dirty="0">
+                <a:latin typeface="Segoe UI" panose="020B0502040204020203" pitchFamily="34" charset="0"/>
+                <a:cs typeface="Segoe UI" panose="020B0502040204020203" pitchFamily="34" charset="0"/>
+              </a:rPr>
+              <a:t>Business Layer level N - 1</a:t>
+            </a:r>
+          </a:p>
+        </p:txBody>
+      </p:sp>
+      <p:sp>
+        <p:nvSpPr>
+          <p:cNvPr id="174" name="Rounded Rectangle 173"/>
+          <p:cNvSpPr/>
+          <p:nvPr/>
+        </p:nvSpPr>
+        <p:spPr>
+          <a:xfrm>
+            <a:off x="2901190" y="2361616"/>
+            <a:ext cx="5589636" cy="548696"/>
+          </a:xfrm>
+          <a:prstGeom prst="roundRect">
+            <a:avLst/>
+          </a:prstGeom>
+          <a:ln w="28575">
+            <a:solidFill>
+              <a:schemeClr val="tx1">
+                <a:lumMod val="65000"/>
+                <a:lumOff val="35000"/>
+              </a:schemeClr>
+            </a:solidFill>
+          </a:ln>
+        </p:spPr>
+        <p:style>
+          <a:lnRef idx="2">
+            <a:schemeClr val="accent3"/>
+          </a:lnRef>
+          <a:fillRef idx="1">
+            <a:schemeClr val="lt1"/>
+          </a:fillRef>
+          <a:effectRef idx="0">
+            <a:schemeClr val="accent3"/>
+          </a:effectRef>
+          <a:fontRef idx="minor">
+            <a:schemeClr val="dk1"/>
+          </a:fontRef>
+        </p:style>
+        <p:txBody>
+          <a:bodyPr rtlCol="0" anchor="ctr"/>
+          <a:lstStyle/>
+          <a:p>
+            <a:pPr algn="ctr"/>
+            <a:r>
+              <a:rPr lang="en-US" sz="1600" dirty="0">
+                <a:latin typeface="Segoe UI" panose="020B0502040204020203" pitchFamily="34" charset="0"/>
+                <a:cs typeface="Segoe UI" panose="020B0502040204020203" pitchFamily="34" charset="0"/>
+              </a:rPr>
+              <a:t>Top Business Level</a:t>
+            </a:r>
+          </a:p>
+        </p:txBody>
+      </p:sp>
+      <p:cxnSp>
+        <p:nvCxnSpPr>
+          <p:cNvPr id="175" name="Straight Arrow Connector 174"/>
+          <p:cNvCxnSpPr/>
+          <p:nvPr/>
+        </p:nvCxnSpPr>
+        <p:spPr>
+          <a:xfrm>
+            <a:off x="5696294" y="2910312"/>
+            <a:ext cx="0" cy="200882"/>
+          </a:xfrm>
+          <a:prstGeom prst="straightConnector1">
+            <a:avLst/>
+          </a:prstGeom>
+          <a:ln w="28575">
+            <a:solidFill>
+              <a:schemeClr val="tx1">
+                <a:lumMod val="65000"/>
+                <a:lumOff val="35000"/>
+              </a:schemeClr>
+            </a:solidFill>
+            <a:tailEnd type="triangle"/>
+          </a:ln>
+        </p:spPr>
+        <p:style>
+          <a:lnRef idx="2">
+            <a:schemeClr val="accent3"/>
+          </a:lnRef>
+          <a:fillRef idx="1">
+            <a:schemeClr val="lt1"/>
+          </a:fillRef>
+          <a:effectRef idx="0">
+            <a:schemeClr val="accent3"/>
+          </a:effectRef>
+          <a:fontRef idx="minor">
+            <a:schemeClr val="dk1"/>
+          </a:fontRef>
+        </p:style>
       </p:cxnSp>
       <p:cxnSp>
         <p:nvCxnSpPr>
@@ -24462,22 +24164,22 @@
           </a:prstGeom>
           <a:ln w="28575">
             <a:solidFill>
-              <a:schemeClr val="bg1">
-                <a:lumMod val="50000"/>
+              <a:schemeClr val="tx1">
+                <a:lumMod val="65000"/>
+                <a:lumOff val="35000"/>
               </a:schemeClr>
             </a:solidFill>
-            <a:prstDash val="sysDash"/>
             <a:tailEnd type="triangle"/>
           </a:ln>
         </p:spPr>
         <p:style>
-          <a:lnRef idx="1">
+          <a:lnRef idx="2">
             <a:schemeClr val="accent3"/>
           </a:lnRef>
-          <a:fillRef idx="2">
-            <a:schemeClr val="accent3"/>
+          <a:fillRef idx="1">
+            <a:schemeClr val="lt1"/>
           </a:fillRef>
-          <a:effectRef idx="1">
+          <a:effectRef idx="0">
             <a:schemeClr val="accent3"/>
           </a:effectRef>
           <a:fontRef idx="minor">
@@ -24501,22 +24203,22 @@
           </a:prstGeom>
           <a:ln w="28575">
             <a:solidFill>
-              <a:schemeClr val="bg1">
-                <a:lumMod val="50000"/>
+              <a:schemeClr val="tx1">
+                <a:lumMod val="65000"/>
+                <a:lumOff val="35000"/>
               </a:schemeClr>
             </a:solidFill>
-            <a:prstDash val="sysDash"/>
             <a:tailEnd type="triangle"/>
           </a:ln>
         </p:spPr>
         <p:style>
-          <a:lnRef idx="1">
+          <a:lnRef idx="2">
             <a:schemeClr val="accent3"/>
           </a:lnRef>
-          <a:fillRef idx="2">
-            <a:schemeClr val="accent3"/>
+          <a:fillRef idx="1">
+            <a:schemeClr val="lt1"/>
           </a:fillRef>
-          <a:effectRef idx="1">
+          <a:effectRef idx="0">
             <a:schemeClr val="accent3"/>
           </a:effectRef>
           <a:fontRef idx="minor">
@@ -24528,37 +24230,36 @@
         <p:nvCxnSpPr>
           <p:cNvPr id="178" name="Straight Arrow Connector 177"/>
           <p:cNvCxnSpPr>
-            <a:stCxn id="165" idx="2"/>
             <a:endCxn id="134" idx="0"/>
           </p:cNvCxnSpPr>
           <p:nvPr/>
         </p:nvCxnSpPr>
         <p:spPr>
           <a:xfrm>
-            <a:off x="5697039" y="4515518"/>
-            <a:ext cx="0" cy="223956"/>
+            <a:off x="5697039" y="4412921"/>
+            <a:ext cx="0" cy="326553"/>
           </a:xfrm>
           <a:prstGeom prst="straightConnector1">
             <a:avLst/>
           </a:prstGeom>
           <a:ln w="28575">
             <a:solidFill>
-              <a:schemeClr val="bg1">
-                <a:lumMod val="50000"/>
+              <a:schemeClr val="tx1">
+                <a:lumMod val="65000"/>
+                <a:lumOff val="35000"/>
               </a:schemeClr>
             </a:solidFill>
-            <a:prstDash val="sysDash"/>
             <a:tailEnd type="triangle"/>
           </a:ln>
         </p:spPr>
         <p:style>
-          <a:lnRef idx="1">
+          <a:lnRef idx="2">
             <a:schemeClr val="accent3"/>
           </a:lnRef>
-          <a:fillRef idx="2">
-            <a:schemeClr val="accent3"/>
+          <a:fillRef idx="1">
+            <a:schemeClr val="lt1"/>
           </a:fillRef>
-          <a:effectRef idx="1">
+          <a:effectRef idx="0">
             <a:schemeClr val="accent3"/>
           </a:effectRef>
           <a:fontRef idx="minor">
@@ -24571,36 +24272,36 @@
           <p:cNvPr id="179" name="Straight Arrow Connector 178"/>
           <p:cNvCxnSpPr>
             <a:stCxn id="133" idx="2"/>
-            <a:endCxn id="165" idx="0"/>
+            <a:endCxn id="174" idx="0"/>
           </p:cNvCxnSpPr>
           <p:nvPr/>
         </p:nvCxnSpPr>
         <p:spPr>
-          <a:xfrm>
-            <a:off x="5696268" y="2026206"/>
-            <a:ext cx="771" cy="199073"/>
+          <a:xfrm flipH="1">
+            <a:off x="5696008" y="2026206"/>
+            <a:ext cx="260" cy="335410"/>
           </a:xfrm>
           <a:prstGeom prst="straightConnector1">
             <a:avLst/>
           </a:prstGeom>
           <a:ln w="28575">
             <a:solidFill>
-              <a:schemeClr val="bg1">
-                <a:lumMod val="50000"/>
+              <a:schemeClr val="tx1">
+                <a:lumMod val="65000"/>
+                <a:lumOff val="35000"/>
               </a:schemeClr>
             </a:solidFill>
-            <a:prstDash val="sysDash"/>
             <a:tailEnd type="triangle"/>
           </a:ln>
         </p:spPr>
         <p:style>
-          <a:lnRef idx="1">
+          <a:lnRef idx="2">
             <a:schemeClr val="accent3"/>
           </a:lnRef>
-          <a:fillRef idx="2">
-            <a:schemeClr val="accent3"/>
+          <a:fillRef idx="1">
+            <a:schemeClr val="lt1"/>
           </a:fillRef>
-          <a:effectRef idx="1">
+          <a:effectRef idx="0">
             <a:schemeClr val="accent3"/>
           </a:effectRef>
           <a:fontRef idx="minor">
@@ -24681,8 +24382,8 @@
           </p:blipFill>
           <p:spPr>
             <a:xfrm>
-              <a:off x="3753196" y="122639"/>
-              <a:ext cx="310966" cy="691860"/>
+              <a:off x="3753900" y="122639"/>
+              <a:ext cx="309558" cy="691860"/>
             </a:xfrm>
             <a:prstGeom prst="rect">
               <a:avLst/>
@@ -24763,8 +24464,8 @@
           </p:blipFill>
           <p:spPr>
             <a:xfrm>
-              <a:off x="4196406" y="165885"/>
-              <a:ext cx="302837" cy="673776"/>
+              <a:off x="4197091" y="165885"/>
+              <a:ext cx="301466" cy="673776"/>
             </a:xfrm>
             <a:prstGeom prst="rect">
               <a:avLst/>
@@ -24845,8 +24546,8 @@
           </p:blipFill>
           <p:spPr>
             <a:xfrm>
-              <a:off x="3753196" y="131238"/>
-              <a:ext cx="303237" cy="674664"/>
+              <a:off x="3753882" y="131238"/>
+              <a:ext cx="301864" cy="674664"/>
             </a:xfrm>
             <a:prstGeom prst="rect">
               <a:avLst/>
@@ -24854,270 +24555,29 @@
           </p:spPr>
         </p:pic>
       </p:grpSp>
-      <p:sp>
-        <p:nvSpPr>
-          <p:cNvPr id="189" name="Down Arrow 188"/>
-          <p:cNvSpPr/>
-          <p:nvPr/>
-        </p:nvSpPr>
-        <p:spPr>
-          <a:xfrm>
-            <a:off x="3480988" y="1001062"/>
-            <a:ext cx="252812" cy="239910"/>
-          </a:xfrm>
-          <a:prstGeom prst="downArrow">
-            <a:avLst/>
-          </a:prstGeom>
-        </p:spPr>
-        <p:style>
-          <a:lnRef idx="1">
-            <a:schemeClr val="accent3"/>
-          </a:lnRef>
-          <a:fillRef idx="3">
-            <a:schemeClr val="accent3"/>
-          </a:fillRef>
-          <a:effectRef idx="2">
-            <a:schemeClr val="accent3"/>
-          </a:effectRef>
-          <a:fontRef idx="minor">
-            <a:schemeClr val="lt1"/>
-          </a:fontRef>
-        </p:style>
-        <p:txBody>
-          <a:bodyPr rtlCol="0" anchor="ctr"/>
-          <a:lstStyle/>
-          <a:p>
-            <a:pPr algn="ctr"/>
-            <a:endParaRPr lang="en-US">
-              <a:solidFill>
-                <a:schemeClr val="dk1"/>
-              </a:solidFill>
-            </a:endParaRPr>
-          </a:p>
-        </p:txBody>
-      </p:sp>
       <p:cxnSp>
         <p:nvCxnSpPr>
-          <p:cNvPr id="190" name="Straight Arrow Connector 189"/>
-          <p:cNvCxnSpPr>
-            <a:stCxn id="133" idx="3"/>
-          </p:cNvCxnSpPr>
+          <p:cNvPr id="65" name="Straight Arrow Connector 64"/>
+          <p:cNvCxnSpPr/>
           <p:nvPr/>
         </p:nvCxnSpPr>
         <p:spPr>
           <a:xfrm>
-            <a:off x="8761459" y="1642568"/>
-            <a:ext cx="268241" cy="0"/>
+            <a:off x="7960167" y="3659890"/>
+            <a:ext cx="0" cy="1059252"/>
           </a:xfrm>
           <a:prstGeom prst="straightConnector1">
             <a:avLst/>
           </a:prstGeom>
           <a:ln w="28575">
             <a:solidFill>
-              <a:schemeClr val="bg1">
-                <a:lumMod val="50000"/>
+              <a:schemeClr val="tx1">
+                <a:lumMod val="65000"/>
+                <a:lumOff val="35000"/>
               </a:schemeClr>
             </a:solidFill>
-            <a:prstDash val="sysDash"/>
             <a:tailEnd type="triangle"/>
           </a:ln>
-        </p:spPr>
-        <p:style>
-          <a:lnRef idx="1">
-            <a:schemeClr val="accent3"/>
-          </a:lnRef>
-          <a:fillRef idx="2">
-            <a:schemeClr val="accent3"/>
-          </a:fillRef>
-          <a:effectRef idx="1">
-            <a:schemeClr val="accent3"/>
-          </a:effectRef>
-          <a:fontRef idx="minor">
-            <a:schemeClr val="dk1"/>
-          </a:fontRef>
-        </p:style>
-      </p:cxnSp>
-      <p:cxnSp>
-        <p:nvCxnSpPr>
-          <p:cNvPr id="191" name="Straight Arrow Connector 190"/>
-          <p:cNvCxnSpPr>
-            <a:stCxn id="165" idx="3"/>
-          </p:cNvCxnSpPr>
-          <p:nvPr/>
-        </p:nvCxnSpPr>
-        <p:spPr>
-          <a:xfrm>
-            <a:off x="8763000" y="3370399"/>
-            <a:ext cx="266700" cy="0"/>
-          </a:xfrm>
-          <a:prstGeom prst="straightConnector1">
-            <a:avLst/>
-          </a:prstGeom>
-          <a:ln w="28575">
-            <a:solidFill>
-              <a:schemeClr val="bg1">
-                <a:lumMod val="50000"/>
-              </a:schemeClr>
-            </a:solidFill>
-            <a:prstDash val="sysDash"/>
-            <a:tailEnd type="triangle"/>
-          </a:ln>
-        </p:spPr>
-        <p:style>
-          <a:lnRef idx="1">
-            <a:schemeClr val="accent3"/>
-          </a:lnRef>
-          <a:fillRef idx="2">
-            <a:schemeClr val="accent3"/>
-          </a:fillRef>
-          <a:effectRef idx="1">
-            <a:schemeClr val="accent3"/>
-          </a:effectRef>
-          <a:fontRef idx="minor">
-            <a:schemeClr val="dk1"/>
-          </a:fontRef>
-        </p:style>
-      </p:cxnSp>
-      <p:cxnSp>
-        <p:nvCxnSpPr>
-          <p:cNvPr id="192" name="Straight Arrow Connector 191"/>
-          <p:cNvCxnSpPr>
-            <a:stCxn id="134" idx="3"/>
-          </p:cNvCxnSpPr>
-          <p:nvPr/>
-        </p:nvCxnSpPr>
-        <p:spPr>
-          <a:xfrm>
-            <a:off x="8763000" y="5045490"/>
-            <a:ext cx="266700" cy="0"/>
-          </a:xfrm>
-          <a:prstGeom prst="straightConnector1">
-            <a:avLst/>
-          </a:prstGeom>
-          <a:ln w="28575">
-            <a:solidFill>
-              <a:schemeClr val="bg1">
-                <a:lumMod val="50000"/>
-              </a:schemeClr>
-            </a:solidFill>
-            <a:prstDash val="sysDash"/>
-            <a:tailEnd type="triangle"/>
-          </a:ln>
-        </p:spPr>
-        <p:style>
-          <a:lnRef idx="1">
-            <a:schemeClr val="accent3"/>
-          </a:lnRef>
-          <a:fillRef idx="2">
-            <a:schemeClr val="accent3"/>
-          </a:fillRef>
-          <a:effectRef idx="1">
-            <a:schemeClr val="accent3"/>
-          </a:effectRef>
-          <a:fontRef idx="minor">
-            <a:schemeClr val="dk1"/>
-          </a:fontRef>
-        </p:style>
-      </p:cxnSp>
-      <p:sp>
-        <p:nvSpPr>
-          <p:cNvPr id="193" name="Down Arrow 192"/>
-          <p:cNvSpPr/>
-          <p:nvPr/>
-        </p:nvSpPr>
-        <p:spPr>
-          <a:xfrm>
-            <a:off x="5513825" y="1001062"/>
-            <a:ext cx="252812" cy="239910"/>
-          </a:xfrm>
-          <a:prstGeom prst="downArrow">
-            <a:avLst/>
-          </a:prstGeom>
-        </p:spPr>
-        <p:style>
-          <a:lnRef idx="1">
-            <a:schemeClr val="accent3"/>
-          </a:lnRef>
-          <a:fillRef idx="3">
-            <a:schemeClr val="accent3"/>
-          </a:fillRef>
-          <a:effectRef idx="2">
-            <a:schemeClr val="accent3"/>
-          </a:effectRef>
-          <a:fontRef idx="minor">
-            <a:schemeClr val="lt1"/>
-          </a:fontRef>
-        </p:style>
-        <p:txBody>
-          <a:bodyPr rtlCol="0" anchor="ctr"/>
-          <a:lstStyle/>
-          <a:p>
-            <a:pPr algn="ctr"/>
-            <a:endParaRPr lang="en-US"/>
-          </a:p>
-        </p:txBody>
-      </p:sp>
-      <p:sp>
-        <p:nvSpPr>
-          <p:cNvPr id="194" name="Down Arrow 193"/>
-          <p:cNvSpPr/>
-          <p:nvPr/>
-        </p:nvSpPr>
-        <p:spPr>
-          <a:xfrm>
-            <a:off x="7701833" y="1001064"/>
-            <a:ext cx="252812" cy="239910"/>
-          </a:xfrm>
-          <a:prstGeom prst="downArrow">
-            <a:avLst/>
-          </a:prstGeom>
-        </p:spPr>
-        <p:style>
-          <a:lnRef idx="1">
-            <a:schemeClr val="accent3"/>
-          </a:lnRef>
-          <a:fillRef idx="3">
-            <a:schemeClr val="accent3"/>
-          </a:fillRef>
-          <a:effectRef idx="2">
-            <a:schemeClr val="accent3"/>
-          </a:effectRef>
-          <a:fontRef idx="minor">
-            <a:schemeClr val="lt1"/>
-          </a:fontRef>
-        </p:style>
-        <p:txBody>
-          <a:bodyPr rtlCol="0" anchor="ctr"/>
-          <a:lstStyle/>
-          <a:p>
-            <a:pPr algn="ctr"/>
-            <a:endParaRPr lang="en-US">
-              <a:solidFill>
-                <a:schemeClr val="lt1"/>
-              </a:solidFill>
-            </a:endParaRPr>
-          </a:p>
-        </p:txBody>
-      </p:sp>
-      <p:sp>
-        <p:nvSpPr>
-          <p:cNvPr id="195" name="Rounded Rectangular Callout 194"/>
-          <p:cNvSpPr/>
-          <p:nvPr/>
-        </p:nvSpPr>
-        <p:spPr>
-          <a:xfrm>
-            <a:off x="9029700" y="-67291"/>
-            <a:ext cx="3273245" cy="1033175"/>
-          </a:xfrm>
-          <a:prstGeom prst="wedgeRoundRectCallout">
-            <a:avLst>
-              <a:gd name="adj1" fmla="val -54154"/>
-              <a:gd name="adj2" fmla="val 18206"/>
-              <a:gd name="adj3" fmla="val 16667"/>
-            </a:avLst>
-          </a:prstGeom>
-          <a:noFill/>
         </p:spPr>
         <p:style>
           <a:lnRef idx="2">
@@ -25133,23 +24593,280 @@
             <a:schemeClr val="dk1"/>
           </a:fontRef>
         </p:style>
-        <p:txBody>
-          <a:bodyPr rtlCol="0" anchor="ctr"/>
-          <a:lstStyle/>
-          <a:p>
-            <a:pPr algn="just"/>
-            <a:r>
-              <a:rPr lang="en-US" sz="2400" dirty="0" smtClean="0">
-                <a:latin typeface="Comic Sans MS" panose="030F0702030302020204" pitchFamily="66" charset="0"/>
-              </a:rPr>
-              <a:t>Simulate real user scenarios to test the entire application.</a:t>
-            </a:r>
-            <a:endParaRPr lang="en-US" sz="2400" dirty="0">
-              <a:latin typeface="Comic Sans MS" panose="030F0702030302020204" pitchFamily="66" charset="0"/>
-            </a:endParaRPr>
-          </a:p>
-        </p:txBody>
-      </p:sp>
+      </p:cxnSp>
+      <p:cxnSp>
+        <p:nvCxnSpPr>
+          <p:cNvPr id="71" name="Straight Arrow Connector 70"/>
+          <p:cNvCxnSpPr/>
+          <p:nvPr/>
+        </p:nvCxnSpPr>
+        <p:spPr>
+          <a:xfrm>
+            <a:off x="3632219" y="1001714"/>
+            <a:ext cx="0" cy="379349"/>
+          </a:xfrm>
+          <a:prstGeom prst="straightConnector1">
+            <a:avLst/>
+          </a:prstGeom>
+          <a:ln w="28575">
+            <a:solidFill>
+              <a:schemeClr val="tx1">
+                <a:lumMod val="65000"/>
+                <a:lumOff val="35000"/>
+              </a:schemeClr>
+            </a:solidFill>
+            <a:tailEnd type="triangle"/>
+          </a:ln>
+        </p:spPr>
+        <p:style>
+          <a:lnRef idx="2">
+            <a:schemeClr val="accent3"/>
+          </a:lnRef>
+          <a:fillRef idx="1">
+            <a:schemeClr val="lt1"/>
+          </a:fillRef>
+          <a:effectRef idx="0">
+            <a:schemeClr val="accent3"/>
+          </a:effectRef>
+          <a:fontRef idx="minor">
+            <a:schemeClr val="dk1"/>
+          </a:fontRef>
+        </p:style>
+      </p:cxnSp>
+      <p:cxnSp>
+        <p:nvCxnSpPr>
+          <p:cNvPr id="81" name="Straight Arrow Connector 80"/>
+          <p:cNvCxnSpPr/>
+          <p:nvPr/>
+        </p:nvCxnSpPr>
+        <p:spPr>
+          <a:xfrm>
+            <a:off x="5697590" y="995382"/>
+            <a:ext cx="0" cy="379349"/>
+          </a:xfrm>
+          <a:prstGeom prst="straightConnector1">
+            <a:avLst/>
+          </a:prstGeom>
+          <a:ln w="28575">
+            <a:solidFill>
+              <a:schemeClr val="tx1">
+                <a:lumMod val="65000"/>
+                <a:lumOff val="35000"/>
+              </a:schemeClr>
+            </a:solidFill>
+            <a:tailEnd type="triangle"/>
+          </a:ln>
+        </p:spPr>
+        <p:style>
+          <a:lnRef idx="2">
+            <a:schemeClr val="accent3"/>
+          </a:lnRef>
+          <a:fillRef idx="1">
+            <a:schemeClr val="lt1"/>
+          </a:fillRef>
+          <a:effectRef idx="0">
+            <a:schemeClr val="accent3"/>
+          </a:effectRef>
+          <a:fontRef idx="minor">
+            <a:schemeClr val="dk1"/>
+          </a:fontRef>
+        </p:style>
+      </p:cxnSp>
+      <p:cxnSp>
+        <p:nvCxnSpPr>
+          <p:cNvPr id="82" name="Straight Arrow Connector 81"/>
+          <p:cNvCxnSpPr/>
+          <p:nvPr/>
+        </p:nvCxnSpPr>
+        <p:spPr>
+          <a:xfrm>
+            <a:off x="7820364" y="995382"/>
+            <a:ext cx="0" cy="379349"/>
+          </a:xfrm>
+          <a:prstGeom prst="straightConnector1">
+            <a:avLst/>
+          </a:prstGeom>
+          <a:ln w="28575">
+            <a:solidFill>
+              <a:schemeClr val="tx1">
+                <a:lumMod val="65000"/>
+                <a:lumOff val="35000"/>
+              </a:schemeClr>
+            </a:solidFill>
+            <a:tailEnd type="triangle"/>
+          </a:ln>
+        </p:spPr>
+        <p:style>
+          <a:lnRef idx="2">
+            <a:schemeClr val="accent3"/>
+          </a:lnRef>
+          <a:fillRef idx="1">
+            <a:schemeClr val="lt1"/>
+          </a:fillRef>
+          <a:effectRef idx="0">
+            <a:schemeClr val="accent3"/>
+          </a:effectRef>
+          <a:fontRef idx="minor">
+            <a:schemeClr val="dk1"/>
+          </a:fontRef>
+        </p:style>
+      </p:cxnSp>
+      <p:cxnSp>
+        <p:nvCxnSpPr>
+          <p:cNvPr id="84" name="Straight Arrow Connector 83"/>
+          <p:cNvCxnSpPr/>
+          <p:nvPr/>
+        </p:nvCxnSpPr>
+        <p:spPr>
+          <a:xfrm>
+            <a:off x="4916715" y="5469271"/>
+            <a:ext cx="0" cy="379349"/>
+          </a:xfrm>
+          <a:prstGeom prst="straightConnector1">
+            <a:avLst/>
+          </a:prstGeom>
+          <a:ln w="28575">
+            <a:solidFill>
+              <a:schemeClr val="tx1">
+                <a:lumMod val="65000"/>
+                <a:lumOff val="35000"/>
+              </a:schemeClr>
+            </a:solidFill>
+            <a:tailEnd type="triangle"/>
+          </a:ln>
+        </p:spPr>
+        <p:style>
+          <a:lnRef idx="2">
+            <a:schemeClr val="accent3"/>
+          </a:lnRef>
+          <a:fillRef idx="1">
+            <a:schemeClr val="lt1"/>
+          </a:fillRef>
+          <a:effectRef idx="0">
+            <a:schemeClr val="accent3"/>
+          </a:effectRef>
+          <a:fontRef idx="minor">
+            <a:schemeClr val="dk1"/>
+          </a:fontRef>
+        </p:style>
+      </p:cxnSp>
+      <p:cxnSp>
+        <p:nvCxnSpPr>
+          <p:cNvPr id="85" name="Straight Arrow Connector 84"/>
+          <p:cNvCxnSpPr/>
+          <p:nvPr/>
+        </p:nvCxnSpPr>
+        <p:spPr>
+          <a:xfrm>
+            <a:off x="6539738" y="5469271"/>
+            <a:ext cx="0" cy="379349"/>
+          </a:xfrm>
+          <a:prstGeom prst="straightConnector1">
+            <a:avLst/>
+          </a:prstGeom>
+          <a:ln w="28575">
+            <a:solidFill>
+              <a:schemeClr val="tx1">
+                <a:lumMod val="65000"/>
+                <a:lumOff val="35000"/>
+              </a:schemeClr>
+            </a:solidFill>
+            <a:tailEnd type="triangle"/>
+          </a:ln>
+        </p:spPr>
+        <p:style>
+          <a:lnRef idx="2">
+            <a:schemeClr val="accent3"/>
+          </a:lnRef>
+          <a:fillRef idx="1">
+            <a:schemeClr val="lt1"/>
+          </a:fillRef>
+          <a:effectRef idx="0">
+            <a:schemeClr val="accent3"/>
+          </a:effectRef>
+          <a:fontRef idx="minor">
+            <a:schemeClr val="dk1"/>
+          </a:fontRef>
+        </p:style>
+      </p:cxnSp>
+      <p:cxnSp>
+        <p:nvCxnSpPr>
+          <p:cNvPr id="86" name="Straight Arrow Connector 85"/>
+          <p:cNvCxnSpPr/>
+          <p:nvPr/>
+        </p:nvCxnSpPr>
+        <p:spPr>
+          <a:xfrm>
+            <a:off x="7968476" y="5469271"/>
+            <a:ext cx="0" cy="379349"/>
+          </a:xfrm>
+          <a:prstGeom prst="straightConnector1">
+            <a:avLst/>
+          </a:prstGeom>
+          <a:ln w="28575">
+            <a:solidFill>
+              <a:schemeClr val="tx1">
+                <a:lumMod val="65000"/>
+                <a:lumOff val="35000"/>
+              </a:schemeClr>
+            </a:solidFill>
+            <a:tailEnd type="triangle"/>
+          </a:ln>
+        </p:spPr>
+        <p:style>
+          <a:lnRef idx="2">
+            <a:schemeClr val="accent3"/>
+          </a:lnRef>
+          <a:fillRef idx="1">
+            <a:schemeClr val="lt1"/>
+          </a:fillRef>
+          <a:effectRef idx="0">
+            <a:schemeClr val="accent3"/>
+          </a:effectRef>
+          <a:fontRef idx="minor">
+            <a:schemeClr val="dk1"/>
+          </a:fontRef>
+        </p:style>
+      </p:cxnSp>
+      <p:cxnSp>
+        <p:nvCxnSpPr>
+          <p:cNvPr id="89" name="Straight Arrow Connector 88"/>
+          <p:cNvCxnSpPr/>
+          <p:nvPr/>
+        </p:nvCxnSpPr>
+        <p:spPr>
+          <a:xfrm>
+            <a:off x="3349172" y="5469271"/>
+            <a:ext cx="0" cy="379349"/>
+          </a:xfrm>
+          <a:prstGeom prst="straightConnector1">
+            <a:avLst/>
+          </a:prstGeom>
+          <a:ln w="28575">
+            <a:solidFill>
+              <a:schemeClr val="tx1">
+                <a:lumMod val="65000"/>
+                <a:lumOff val="35000"/>
+              </a:schemeClr>
+            </a:solidFill>
+            <a:tailEnd type="triangle"/>
+          </a:ln>
+        </p:spPr>
+        <p:style>
+          <a:lnRef idx="2">
+            <a:schemeClr val="accent3"/>
+          </a:lnRef>
+          <a:fillRef idx="1">
+            <a:schemeClr val="lt1"/>
+          </a:fillRef>
+          <a:effectRef idx="0">
+            <a:schemeClr val="accent3"/>
+          </a:effectRef>
+          <a:fontRef idx="minor">
+            <a:schemeClr val="dk1"/>
+          </a:fontRef>
+        </p:style>
+      </p:cxnSp>
     </p:spTree>
     <p:extLst>
       <p:ext uri="{BB962C8B-B14F-4D97-AF65-F5344CB8AC3E}">
@@ -25189,30 +24906,37 @@
       </p:grpSpPr>
       <p:sp>
         <p:nvSpPr>
-          <p:cNvPr id="46" name="Rounded Rectangle 45"/>
+          <p:cNvPr id="133" name="Rounded Rectangle 132"/>
           <p:cNvSpPr/>
           <p:nvPr/>
         </p:nvSpPr>
         <p:spPr>
           <a:xfrm>
-            <a:off x="2631077" y="1258929"/>
-            <a:ext cx="6130382" cy="767277"/>
+            <a:off x="2631077" y="1389245"/>
+            <a:ext cx="6130382" cy="636961"/>
           </a:xfrm>
           <a:prstGeom prst="roundRect">
             <a:avLst>
               <a:gd name="adj" fmla="val 25632"/>
             </a:avLst>
           </a:prstGeom>
-          <a:ln/>
+          <a:ln w="28575">
+            <a:solidFill>
+              <a:schemeClr val="tx1">
+                <a:lumMod val="65000"/>
+                <a:lumOff val="35000"/>
+              </a:schemeClr>
+            </a:solidFill>
+          </a:ln>
         </p:spPr>
         <p:style>
-          <a:lnRef idx="1">
+          <a:lnRef idx="2">
             <a:schemeClr val="accent3"/>
           </a:lnRef>
-          <a:fillRef idx="2">
-            <a:schemeClr val="accent3"/>
+          <a:fillRef idx="1">
+            <a:schemeClr val="lt1"/>
           </a:fillRef>
-          <a:effectRef idx="1">
+          <a:effectRef idx="0">
             <a:schemeClr val="accent3"/>
           </a:effectRef>
           <a:fontRef idx="minor">
@@ -25224,13 +24948,48 @@
           <a:lstStyle/>
           <a:p>
             <a:pPr algn="ctr"/>
-            <a:endParaRPr lang="en-US"/>
-          </a:p>
-        </p:txBody>
-      </p:sp>
-      <p:sp>
-        <p:nvSpPr>
-          <p:cNvPr id="47" name="Rounded Rectangle 46"/>
+            <a:r>
+              <a:rPr lang="en-US" dirty="0" smtClean="0">
+                <a:latin typeface="Segoe UI" panose="020B0502040204020203" pitchFamily="34" charset="0"/>
+                <a:cs typeface="Segoe UI" panose="020B0502040204020203" pitchFamily="34" charset="0"/>
+              </a:rPr>
+              <a:t>Web </a:t>
+            </a:r>
+            <a:r>
+              <a:rPr lang="en-US" dirty="0">
+                <a:latin typeface="Segoe UI" panose="020B0502040204020203" pitchFamily="34" charset="0"/>
+                <a:cs typeface="Segoe UI" panose="020B0502040204020203" pitchFamily="34" charset="0"/>
+              </a:rPr>
+              <a:t>(MVC, </a:t>
+            </a:r>
+            <a:r>
+              <a:rPr lang="en-US" dirty="0" err="1">
+                <a:latin typeface="Segoe UI" panose="020B0502040204020203" pitchFamily="34" charset="0"/>
+                <a:cs typeface="Segoe UI" panose="020B0502040204020203" pitchFamily="34" charset="0"/>
+              </a:rPr>
+              <a:t>RESTful</a:t>
+            </a:r>
+            <a:r>
+              <a:rPr lang="en-US" dirty="0">
+                <a:latin typeface="Segoe UI" panose="020B0502040204020203" pitchFamily="34" charset="0"/>
+                <a:cs typeface="Segoe UI" panose="020B0502040204020203" pitchFamily="34" charset="0"/>
+              </a:rPr>
+              <a:t> API, </a:t>
+            </a:r>
+            <a:r>
+              <a:rPr lang="en-US" dirty="0" smtClean="0">
+                <a:latin typeface="Segoe UI" panose="020B0502040204020203" pitchFamily="34" charset="0"/>
+                <a:cs typeface="Segoe UI" panose="020B0502040204020203" pitchFamily="34" charset="0"/>
+              </a:rPr>
+              <a:t>…)		      Window Form	</a:t>
+            </a:r>
+            <a:endParaRPr lang="en-US" dirty="0"/>
+          </a:p>
+        </p:txBody>
+      </p:sp>
+      <p:sp>
+        <p:nvSpPr>
+          <p:cNvPr id="134" name="Rounded Rectangle 133"/>
           <p:cNvSpPr/>
           <p:nvPr/>
         </p:nvSpPr>
@@ -25242,19 +25001,22 @@
           <a:prstGeom prst="roundRect">
             <a:avLst/>
           </a:prstGeom>
+          <a:ln/>
         </p:spPr>
         <p:style>
-          <a:lnRef idx="1">
-            <a:schemeClr val="accent3"/>
+          <a:lnRef idx="2">
+            <a:schemeClr val="accent6">
+              <a:shade val="50000"/>
+            </a:schemeClr>
           </a:lnRef>
-          <a:fillRef idx="2">
-            <a:schemeClr val="accent3"/>
+          <a:fillRef idx="1">
+            <a:schemeClr val="accent6"/>
           </a:fillRef>
-          <a:effectRef idx="1">
-            <a:schemeClr val="accent3"/>
+          <a:effectRef idx="0">
+            <a:schemeClr val="accent6"/>
           </a:effectRef>
           <a:fontRef idx="minor">
-            <a:schemeClr val="dk1"/>
+            <a:schemeClr val="lt1"/>
           </a:fontRef>
         </p:style>
         <p:txBody>
@@ -25274,7 +25036,7 @@
       </p:sp>
       <p:grpSp>
         <p:nvGrpSpPr>
-          <p:cNvPr id="48" name="Group 47"/>
+          <p:cNvPr id="135" name="Group 134"/>
           <p:cNvGrpSpPr/>
           <p:nvPr/>
         </p:nvGrpSpPr>
@@ -25288,7 +25050,7 @@
         </p:grpSpPr>
         <p:grpSp>
           <p:nvGrpSpPr>
-            <p:cNvPr id="49" name="Group 48"/>
+            <p:cNvPr id="136" name="Group 135"/>
             <p:cNvGrpSpPr/>
             <p:nvPr/>
           </p:nvGrpSpPr>
@@ -25302,7 +25064,7 @@
           </p:grpSpPr>
           <p:sp>
             <p:nvSpPr>
-              <p:cNvPr id="60" name="Flowchart: Magnetic Disk 59"/>
+              <p:cNvPr id="147" name="Flowchart: Magnetic Disk 146"/>
               <p:cNvSpPr/>
               <p:nvPr/>
             </p:nvSpPr>
@@ -25355,7 +25117,7 @@
           </p:sp>
           <p:sp>
             <p:nvSpPr>
-              <p:cNvPr id="61" name="TextBox 60"/>
+              <p:cNvPr id="148" name="TextBox 147"/>
               <p:cNvSpPr txBox="1"/>
               <p:nvPr/>
             </p:nvSpPr>
@@ -25403,7 +25165,7 @@
         </p:grpSp>
         <p:grpSp>
           <p:nvGrpSpPr>
-            <p:cNvPr id="50" name="Group 49"/>
+            <p:cNvPr id="137" name="Group 136"/>
             <p:cNvGrpSpPr/>
             <p:nvPr/>
           </p:nvGrpSpPr>
@@ -25417,7 +25179,7 @@
           </p:grpSpPr>
           <p:sp>
             <p:nvSpPr>
-              <p:cNvPr id="58" name="TextBox 57"/>
+              <p:cNvPr id="145" name="TextBox 144"/>
               <p:cNvSpPr txBox="1"/>
               <p:nvPr/>
             </p:nvSpPr>
@@ -25478,7 +25240,7 @@
           </p:sp>
           <p:pic>
             <p:nvPicPr>
-              <p:cNvPr id="59" name="Picture 8" descr="http://colby.id.au/files/sqs.png"/>
+              <p:cNvPr id="146" name="Picture 8" descr="http://colby.id.au/files/sqs.png"/>
               <p:cNvPicPr>
                 <a:picLocks noChangeAspect="1" noChangeArrowheads="1"/>
               </p:cNvPicPr>
@@ -25536,7 +25298,7 @@
         </p:grpSp>
         <p:grpSp>
           <p:nvGrpSpPr>
-            <p:cNvPr id="51" name="Group 50"/>
+            <p:cNvPr id="138" name="Group 137"/>
             <p:cNvGrpSpPr/>
             <p:nvPr/>
           </p:nvGrpSpPr>
@@ -25550,7 +25312,7 @@
           </p:grpSpPr>
           <p:pic>
             <p:nvPicPr>
-              <p:cNvPr id="56" name="Picture 4" descr="http://images.clipartpanda.com/cloud-icon-png-CloudIcon.png"/>
+              <p:cNvPr id="143" name="Picture 4" descr="http://images.clipartpanda.com/cloud-icon-png-CloudIcon.png"/>
               <p:cNvPicPr>
                 <a:picLocks noChangeAspect="1" noChangeArrowheads="1"/>
               </p:cNvPicPr>
@@ -25598,7 +25360,7 @@
           </p:pic>
           <p:sp>
             <p:nvSpPr>
-              <p:cNvPr id="57" name="TextBox 56"/>
+              <p:cNvPr id="144" name="TextBox 143"/>
               <p:cNvSpPr txBox="1"/>
               <p:nvPr/>
             </p:nvSpPr>
@@ -25636,7 +25398,7 @@
         </p:grpSp>
         <p:grpSp>
           <p:nvGrpSpPr>
-            <p:cNvPr id="52" name="Group 51"/>
+            <p:cNvPr id="139" name="Group 138"/>
             <p:cNvGrpSpPr/>
             <p:nvPr/>
           </p:nvGrpSpPr>
@@ -25650,7 +25412,7 @@
           </p:grpSpPr>
           <p:pic>
             <p:nvPicPr>
-              <p:cNvPr id="54" name="Picture 2" descr="https://cdn4.iconfinder.com/data/icons/refresh_cl/256/System/Memory.png"/>
+              <p:cNvPr id="141" name="Picture 2" descr="https://cdn4.iconfinder.com/data/icons/refresh_cl/256/System/Memory.png"/>
               <p:cNvPicPr>
                 <a:picLocks noChangeAspect="1" noChangeArrowheads="1"/>
               </p:cNvPicPr>
@@ -25698,7 +25460,7 @@
           </p:pic>
           <p:sp>
             <p:nvSpPr>
-              <p:cNvPr id="55" name="TextBox 54"/>
+              <p:cNvPr id="142" name="TextBox 141"/>
               <p:cNvSpPr txBox="1"/>
               <p:nvPr/>
             </p:nvSpPr>
@@ -25764,7 +25526,7 @@
         </p:grpSp>
         <p:sp>
           <p:nvSpPr>
-            <p:cNvPr id="53" name="Rounded Rectangle 52"/>
+            <p:cNvPr id="140" name="Rounded Rectangle 139"/>
             <p:cNvSpPr/>
             <p:nvPr/>
           </p:nvSpPr>
@@ -25813,14 +25575,14 @@
       </p:grpSp>
       <p:sp>
         <p:nvSpPr>
-          <p:cNvPr id="62" name="Rounded Rectangle 61"/>
+          <p:cNvPr id="149" name="Rounded Rectangle 148"/>
           <p:cNvSpPr/>
           <p:nvPr/>
         </p:nvSpPr>
         <p:spPr>
           <a:xfrm>
-            <a:off x="2431876" y="1197686"/>
-            <a:ext cx="8731424" cy="4271586"/>
+            <a:off x="2431876" y="1253350"/>
+            <a:ext cx="8731424" cy="4215921"/>
           </a:xfrm>
           <a:prstGeom prst="roundRect">
             <a:avLst>
@@ -25857,7 +25619,7 @@
       </p:sp>
       <p:sp>
         <p:nvSpPr>
-          <p:cNvPr id="63" name="Rounded Rectangle 62"/>
+          <p:cNvPr id="150" name="Rounded Rectangle 149"/>
           <p:cNvSpPr/>
           <p:nvPr/>
         </p:nvSpPr>
@@ -25906,7 +25668,7 @@
       </p:sp>
       <p:sp>
         <p:nvSpPr>
-          <p:cNvPr id="64" name="TextBox 63"/>
+          <p:cNvPr id="151" name="TextBox 150"/>
           <p:cNvSpPr txBox="1"/>
           <p:nvPr/>
         </p:nvSpPr>
@@ -25936,33 +25698,36 @@
       </p:sp>
       <p:sp>
         <p:nvSpPr>
-          <p:cNvPr id="65" name="Rounded Rectangle 64"/>
+          <p:cNvPr id="163" name="Rounded Rectangle 162"/>
           <p:cNvSpPr/>
           <p:nvPr/>
         </p:nvSpPr>
         <p:spPr>
           <a:xfrm>
-            <a:off x="2717800" y="1330865"/>
-            <a:ext cx="4017787" cy="643683"/>
+            <a:off x="8844357" y="1362274"/>
+            <a:ext cx="1927442" cy="3989232"/>
           </a:xfrm>
           <a:prstGeom prst="roundRect">
             <a:avLst>
-              <a:gd name="adj" fmla="val 24844"/>
+              <a:gd name="adj" fmla="val 9305"/>
             </a:avLst>
           </a:prstGeom>
+          <a:ln/>
         </p:spPr>
         <p:style>
-          <a:lnRef idx="1">
-            <a:schemeClr val="accent3"/>
+          <a:lnRef idx="2">
+            <a:schemeClr val="accent1">
+              <a:shade val="50000"/>
+            </a:schemeClr>
           </a:lnRef>
-          <a:fillRef idx="2">
-            <a:schemeClr val="accent3"/>
+          <a:fillRef idx="1">
+            <a:schemeClr val="accent1"/>
           </a:fillRef>
-          <a:effectRef idx="1">
-            <a:schemeClr val="accent3"/>
+          <a:effectRef idx="0">
+            <a:schemeClr val="accent1"/>
           </a:effectRef>
           <a:fontRef idx="minor">
-            <a:schemeClr val="dk1"/>
+            <a:schemeClr val="lt1"/>
           </a:fontRef>
         </p:style>
         <p:txBody>
@@ -25970,550 +25735,7 @@
           <a:lstStyle/>
           <a:p>
             <a:pPr algn="ctr"/>
-            <a:r>
-              <a:rPr lang="en-US" sz="1600" dirty="0" smtClean="0">
-                <a:latin typeface="Segoe UI" panose="020B0502040204020203" pitchFamily="34" charset="0"/>
-                <a:cs typeface="Segoe UI" panose="020B0502040204020203" pitchFamily="34" charset="0"/>
-              </a:rPr>
-              <a:t>Web (MVC, RESTful API, …)</a:t>
-            </a:r>
             <a:endParaRPr lang="en-US" sz="1600" dirty="0">
-              <a:latin typeface="Segoe UI" panose="020B0502040204020203" pitchFamily="34" charset="0"/>
-              <a:cs typeface="Segoe UI" panose="020B0502040204020203" pitchFamily="34" charset="0"/>
-            </a:endParaRPr>
-          </a:p>
-        </p:txBody>
-      </p:sp>
-      <p:sp>
-        <p:nvSpPr>
-          <p:cNvPr id="66" name="Rounded Rectangle 65"/>
-          <p:cNvSpPr/>
-          <p:nvPr/>
-        </p:nvSpPr>
-        <p:spPr>
-          <a:xfrm>
-            <a:off x="6856459" y="1326704"/>
-            <a:ext cx="1827259" cy="643683"/>
-          </a:xfrm>
-          <a:prstGeom prst="roundRect">
-            <a:avLst/>
-          </a:prstGeom>
-        </p:spPr>
-        <p:style>
-          <a:lnRef idx="1">
-            <a:schemeClr val="accent3"/>
-          </a:lnRef>
-          <a:fillRef idx="2">
-            <a:schemeClr val="accent3"/>
-          </a:fillRef>
-          <a:effectRef idx="1">
-            <a:schemeClr val="accent3"/>
-          </a:effectRef>
-          <a:fontRef idx="minor">
-            <a:schemeClr val="dk1"/>
-          </a:fontRef>
-        </p:style>
-        <p:txBody>
-          <a:bodyPr rtlCol="0" anchor="ctr"/>
-          <a:lstStyle/>
-          <a:p>
-            <a:pPr algn="ctr"/>
-            <a:r>
-              <a:rPr lang="en-US" sz="1600" dirty="0" smtClean="0">
-                <a:latin typeface="Segoe UI" panose="020B0502040204020203" pitchFamily="34" charset="0"/>
-                <a:cs typeface="Segoe UI" panose="020B0502040204020203" pitchFamily="34" charset="0"/>
-              </a:rPr>
-              <a:t>Window Form</a:t>
-            </a:r>
-            <a:endParaRPr lang="en-US" sz="1600" dirty="0">
-              <a:latin typeface="Segoe UI" panose="020B0502040204020203" pitchFamily="34" charset="0"/>
-              <a:cs typeface="Segoe UI" panose="020B0502040204020203" pitchFamily="34" charset="0"/>
-            </a:endParaRPr>
-          </a:p>
-        </p:txBody>
-      </p:sp>
-      <p:grpSp>
-        <p:nvGrpSpPr>
-          <p:cNvPr id="67" name="Group 66"/>
-          <p:cNvGrpSpPr/>
-          <p:nvPr/>
-        </p:nvGrpSpPr>
-        <p:grpSpPr>
-          <a:xfrm>
-            <a:off x="8983642" y="1270000"/>
-            <a:ext cx="2065366" cy="4087035"/>
-            <a:chOff x="8848912" y="1270000"/>
-            <a:chExt cx="2065366" cy="4087035"/>
-          </a:xfrm>
-        </p:grpSpPr>
-        <p:grpSp>
-          <p:nvGrpSpPr>
-            <p:cNvPr id="68" name="Group 67"/>
-            <p:cNvGrpSpPr/>
-            <p:nvPr/>
-          </p:nvGrpSpPr>
-          <p:grpSpPr>
-            <a:xfrm>
-              <a:off x="8848912" y="1270000"/>
-              <a:ext cx="2065366" cy="4087035"/>
-              <a:chOff x="8835611" y="1440262"/>
-              <a:chExt cx="2065366" cy="4087035"/>
-            </a:xfrm>
-          </p:grpSpPr>
-          <p:grpSp>
-            <p:nvGrpSpPr>
-              <p:cNvPr id="70" name="Group 69"/>
-              <p:cNvGrpSpPr/>
-              <p:nvPr/>
-            </p:nvGrpSpPr>
-            <p:grpSpPr>
-              <a:xfrm>
-                <a:off x="8835611" y="1440262"/>
-                <a:ext cx="2065366" cy="4087035"/>
-                <a:chOff x="1214771" y="742951"/>
-                <a:chExt cx="1899473" cy="4165761"/>
-              </a:xfrm>
-            </p:grpSpPr>
-            <p:grpSp>
-              <p:nvGrpSpPr>
-                <p:cNvPr id="72" name="Group 71"/>
-                <p:cNvGrpSpPr/>
-                <p:nvPr/>
-              </p:nvGrpSpPr>
-              <p:grpSpPr>
-                <a:xfrm>
-                  <a:off x="1214771" y="742951"/>
-                  <a:ext cx="1899473" cy="4165761"/>
-                  <a:chOff x="3004853" y="1289845"/>
-                  <a:chExt cx="1841410" cy="4249601"/>
-                </a:xfrm>
-              </p:grpSpPr>
-              <p:sp>
-                <p:nvSpPr>
-                  <p:cNvPr id="76" name="Rounded Rectangle 75"/>
-                  <p:cNvSpPr/>
-                  <p:nvPr/>
-                </p:nvSpPr>
-                <p:spPr>
-                  <a:xfrm>
-                    <a:off x="3047586" y="1289845"/>
-                    <a:ext cx="1718442" cy="4249601"/>
-                  </a:xfrm>
-                  <a:prstGeom prst="roundRect">
-                    <a:avLst>
-                      <a:gd name="adj" fmla="val 9305"/>
-                    </a:avLst>
-                  </a:prstGeom>
-                </p:spPr>
-                <p:style>
-                  <a:lnRef idx="1">
-                    <a:schemeClr val="accent3"/>
-                  </a:lnRef>
-                  <a:fillRef idx="2">
-                    <a:schemeClr val="accent3"/>
-                  </a:fillRef>
-                  <a:effectRef idx="1">
-                    <a:schemeClr val="accent3"/>
-                  </a:effectRef>
-                  <a:fontRef idx="minor">
-                    <a:schemeClr val="dk1"/>
-                  </a:fontRef>
-                </p:style>
-                <p:txBody>
-                  <a:bodyPr rtlCol="0" anchor="ctr"/>
-                  <a:lstStyle/>
-                  <a:p>
-                    <a:pPr algn="ctr"/>
-                    <a:endParaRPr lang="en-US" sz="1600" dirty="0">
-                      <a:solidFill>
-                        <a:schemeClr val="lt1"/>
-                      </a:solidFill>
-                      <a:latin typeface="Segoe UI" panose="020B0502040204020203" pitchFamily="34" charset="0"/>
-                      <a:cs typeface="Segoe UI" panose="020B0502040204020203" pitchFamily="34" charset="0"/>
-                    </a:endParaRPr>
-                  </a:p>
-                </p:txBody>
-              </p:sp>
-              <p:sp>
-                <p:nvSpPr>
-                  <p:cNvPr id="77" name="TextBox 76"/>
-                  <p:cNvSpPr txBox="1"/>
-                  <p:nvPr/>
-                </p:nvSpPr>
-                <p:spPr>
-                  <a:xfrm>
-                    <a:off x="3004853" y="1322892"/>
-                    <a:ext cx="1841410" cy="608035"/>
-                  </a:xfrm>
-                  <a:prstGeom prst="rect">
-                    <a:avLst/>
-                  </a:prstGeom>
-                  <a:noFill/>
-                  <a:ln>
-                    <a:noFill/>
-                  </a:ln>
-                </p:spPr>
-                <p:style>
-                  <a:lnRef idx="1">
-                    <a:schemeClr val="accent3"/>
-                  </a:lnRef>
-                  <a:fillRef idx="2">
-                    <a:schemeClr val="accent3"/>
-                  </a:fillRef>
-                  <a:effectRef idx="1">
-                    <a:schemeClr val="accent3"/>
-                  </a:effectRef>
-                  <a:fontRef idx="minor">
-                    <a:schemeClr val="dk1"/>
-                  </a:fontRef>
-                </p:style>
-                <p:txBody>
-                  <a:bodyPr rtlCol="0" anchor="ctr"/>
-                  <a:lstStyle>
-                    <a:defPPr>
-                      <a:defRPr lang="en-US"/>
-                    </a:defPPr>
-                    <a:lvl1pPr algn="ctr">
-                      <a:defRPr sz="1600">
-                        <a:solidFill>
-                          <a:schemeClr val="lt1"/>
-                        </a:solidFill>
-                        <a:latin typeface="Segoe UI" panose="020B0502040204020203" pitchFamily="34" charset="0"/>
-                        <a:cs typeface="Segoe UI" panose="020B0502040204020203" pitchFamily="34" charset="0"/>
-                      </a:defRPr>
-                    </a:lvl1pPr>
-                    <a:lvl2pPr>
-                      <a:defRPr>
-                        <a:solidFill>
-                          <a:schemeClr val="lt1"/>
-                        </a:solidFill>
-                      </a:defRPr>
-                    </a:lvl2pPr>
-                    <a:lvl3pPr>
-                      <a:defRPr>
-                        <a:solidFill>
-                          <a:schemeClr val="lt1"/>
-                        </a:solidFill>
-                      </a:defRPr>
-                    </a:lvl3pPr>
-                    <a:lvl4pPr>
-                      <a:defRPr>
-                        <a:solidFill>
-                          <a:schemeClr val="lt1"/>
-                        </a:solidFill>
-                      </a:defRPr>
-                    </a:lvl4pPr>
-                    <a:lvl5pPr>
-                      <a:defRPr>
-                        <a:solidFill>
-                          <a:schemeClr val="lt1"/>
-                        </a:solidFill>
-                      </a:defRPr>
-                    </a:lvl5pPr>
-                    <a:lvl6pPr>
-                      <a:defRPr>
-                        <a:solidFill>
-                          <a:schemeClr val="lt1"/>
-                        </a:solidFill>
-                      </a:defRPr>
-                    </a:lvl6pPr>
-                    <a:lvl7pPr>
-                      <a:defRPr>
-                        <a:solidFill>
-                          <a:schemeClr val="lt1"/>
-                        </a:solidFill>
-                      </a:defRPr>
-                    </a:lvl7pPr>
-                    <a:lvl8pPr>
-                      <a:defRPr>
-                        <a:solidFill>
-                          <a:schemeClr val="lt1"/>
-                        </a:solidFill>
-                      </a:defRPr>
-                    </a:lvl8pPr>
-                    <a:lvl9pPr>
-                      <a:defRPr>
-                        <a:solidFill>
-                          <a:schemeClr val="lt1"/>
-                        </a:solidFill>
-                      </a:defRPr>
-                    </a:lvl9pPr>
-                  </a:lstStyle>
-                  <a:p>
-                    <a:r>
-                      <a:rPr lang="en-US" dirty="0">
-                        <a:solidFill>
-                          <a:schemeClr val="tx1"/>
-                        </a:solidFill>
-                      </a:rPr>
-                      <a:t>Cross-cutting Infrastructure Layers</a:t>
-                    </a:r>
-                  </a:p>
-                </p:txBody>
-              </p:sp>
-            </p:grpSp>
-            <p:sp>
-              <p:nvSpPr>
-                <p:cNvPr id="73" name="Rounded Rectangle 72"/>
-                <p:cNvSpPr/>
-                <p:nvPr/>
-              </p:nvSpPr>
-              <p:spPr>
-                <a:xfrm>
-                  <a:off x="1383424" y="3143247"/>
-                  <a:ext cx="1548962" cy="504441"/>
-                </a:xfrm>
-                <a:prstGeom prst="roundRect">
-                  <a:avLst/>
-                </a:prstGeom>
-              </p:spPr>
-              <p:style>
-                <a:lnRef idx="1">
-                  <a:schemeClr val="accent3"/>
-                </a:lnRef>
-                <a:fillRef idx="2">
-                  <a:schemeClr val="accent3"/>
-                </a:fillRef>
-                <a:effectRef idx="1">
-                  <a:schemeClr val="accent3"/>
-                </a:effectRef>
-                <a:fontRef idx="minor">
-                  <a:schemeClr val="dk1"/>
-                </a:fontRef>
-              </p:style>
-              <p:txBody>
-                <a:bodyPr rtlCol="0" anchor="ctr"/>
-                <a:lstStyle/>
-                <a:p>
-                  <a:pPr algn="ctr"/>
-                  <a:r>
-                    <a:rPr lang="en-US" sz="1600" dirty="0">
-                      <a:latin typeface="Segoe UI" panose="020B0502040204020203" pitchFamily="34" charset="0"/>
-                      <a:cs typeface="Segoe UI" panose="020B0502040204020203" pitchFamily="34" charset="0"/>
-                    </a:rPr>
-                    <a:t>Logging</a:t>
-                  </a:r>
-                </a:p>
-              </p:txBody>
-            </p:sp>
-            <p:sp>
-              <p:nvSpPr>
-                <p:cNvPr id="74" name="Rounded Rectangle 73"/>
-                <p:cNvSpPr/>
-                <p:nvPr/>
-              </p:nvSpPr>
-              <p:spPr>
-                <a:xfrm>
-                  <a:off x="1403129" y="3698939"/>
-                  <a:ext cx="1529257" cy="500540"/>
-                </a:xfrm>
-                <a:prstGeom prst="roundRect">
-                  <a:avLst/>
-                </a:prstGeom>
-              </p:spPr>
-              <p:style>
-                <a:lnRef idx="1">
-                  <a:schemeClr val="accent3"/>
-                </a:lnRef>
-                <a:fillRef idx="2">
-                  <a:schemeClr val="accent3"/>
-                </a:fillRef>
-                <a:effectRef idx="1">
-                  <a:schemeClr val="accent3"/>
-                </a:effectRef>
-                <a:fontRef idx="minor">
-                  <a:schemeClr val="dk1"/>
-                </a:fontRef>
-              </p:style>
-              <p:txBody>
-                <a:bodyPr rtlCol="0" anchor="ctr"/>
-                <a:lstStyle/>
-                <a:p>
-                  <a:pPr algn="ctr"/>
-                  <a:r>
-                    <a:rPr lang="en-US" sz="1600" dirty="0">
-                      <a:latin typeface="Segoe UI" panose="020B0502040204020203" pitchFamily="34" charset="0"/>
-                      <a:cs typeface="Segoe UI" panose="020B0502040204020203" pitchFamily="34" charset="0"/>
-                    </a:rPr>
-                    <a:t>Utilities</a:t>
-                  </a:r>
-                </a:p>
-              </p:txBody>
-            </p:sp>
-            <p:sp>
-              <p:nvSpPr>
-                <p:cNvPr id="75" name="Rounded Rectangle 74"/>
-                <p:cNvSpPr/>
-                <p:nvPr/>
-              </p:nvSpPr>
-              <p:spPr>
-                <a:xfrm>
-                  <a:off x="1403129" y="4258532"/>
-                  <a:ext cx="1529257" cy="500540"/>
-                </a:xfrm>
-                <a:prstGeom prst="roundRect">
-                  <a:avLst/>
-                </a:prstGeom>
-              </p:spPr>
-              <p:style>
-                <a:lnRef idx="1">
-                  <a:schemeClr val="accent3"/>
-                </a:lnRef>
-                <a:fillRef idx="2">
-                  <a:schemeClr val="accent3"/>
-                </a:fillRef>
-                <a:effectRef idx="1">
-                  <a:schemeClr val="accent3"/>
-                </a:effectRef>
-                <a:fontRef idx="minor">
-                  <a:schemeClr val="dk1"/>
-                </a:fontRef>
-              </p:style>
-              <p:txBody>
-                <a:bodyPr rtlCol="0" anchor="ctr"/>
-                <a:lstStyle/>
-                <a:p>
-                  <a:pPr algn="ctr"/>
-                  <a:r>
-                    <a:rPr lang="en-US" sz="1600" dirty="0">
-                      <a:latin typeface="Segoe UI" panose="020B0502040204020203" pitchFamily="34" charset="0"/>
-                      <a:cs typeface="Segoe UI" panose="020B0502040204020203" pitchFamily="34" charset="0"/>
-                    </a:rPr>
-                    <a:t>Other Common Blocks</a:t>
-                  </a:r>
-                </a:p>
-              </p:txBody>
-            </p:sp>
-          </p:grpSp>
-          <p:sp>
-            <p:nvSpPr>
-              <p:cNvPr id="71" name="Rounded Rectangle 70"/>
-              <p:cNvSpPr/>
-              <p:nvPr/>
-            </p:nvSpPr>
-            <p:spPr>
-              <a:xfrm>
-                <a:off x="9024492" y="3243008"/>
-                <a:ext cx="1684242" cy="494908"/>
-              </a:xfrm>
-              <a:prstGeom prst="roundRect">
-                <a:avLst/>
-              </a:prstGeom>
-            </p:spPr>
-            <p:style>
-              <a:lnRef idx="1">
-                <a:schemeClr val="accent3"/>
-              </a:lnRef>
-              <a:fillRef idx="2">
-                <a:schemeClr val="accent3"/>
-              </a:fillRef>
-              <a:effectRef idx="1">
-                <a:schemeClr val="accent3"/>
-              </a:effectRef>
-              <a:fontRef idx="minor">
-                <a:schemeClr val="dk1"/>
-              </a:fontRef>
-            </p:style>
-            <p:txBody>
-              <a:bodyPr rtlCol="0" anchor="ctr"/>
-              <a:lstStyle/>
-              <a:p>
-                <a:pPr algn="ctr"/>
-                <a:r>
-                  <a:rPr lang="en-US" sz="1600" dirty="0" err="1">
-                    <a:latin typeface="Segoe UI" panose="020B0502040204020203" pitchFamily="34" charset="0"/>
-                    <a:cs typeface="Segoe UI" panose="020B0502040204020203" pitchFamily="34" charset="0"/>
-                  </a:rPr>
-                  <a:t>IoC</a:t>
-                </a:r>
-                <a:endParaRPr lang="en-US" sz="1600" dirty="0">
-                  <a:latin typeface="Segoe UI" panose="020B0502040204020203" pitchFamily="34" charset="0"/>
-                  <a:cs typeface="Segoe UI" panose="020B0502040204020203" pitchFamily="34" charset="0"/>
-                </a:endParaRPr>
-              </a:p>
-            </p:txBody>
-          </p:sp>
-        </p:grpSp>
-        <p:sp>
-          <p:nvSpPr>
-            <p:cNvPr id="69" name="Rounded Rectangle 68"/>
-            <p:cNvSpPr/>
-            <p:nvPr/>
-          </p:nvSpPr>
-          <p:spPr>
-            <a:xfrm>
-              <a:off x="9035721" y="2519291"/>
-              <a:ext cx="1661784" cy="489084"/>
-            </a:xfrm>
-            <a:prstGeom prst="roundRect">
-              <a:avLst/>
-            </a:prstGeom>
-          </p:spPr>
-          <p:style>
-            <a:lnRef idx="1">
-              <a:schemeClr val="accent3"/>
-            </a:lnRef>
-            <a:fillRef idx="2">
-              <a:schemeClr val="accent3"/>
-            </a:fillRef>
-            <a:effectRef idx="1">
-              <a:schemeClr val="accent3"/>
-            </a:effectRef>
-            <a:fontRef idx="minor">
-              <a:schemeClr val="dk1"/>
-            </a:fontRef>
-          </p:style>
-          <p:txBody>
-            <a:bodyPr rtlCol="0" anchor="ctr"/>
-            <a:lstStyle/>
-            <a:p>
-              <a:pPr algn="ctr"/>
-              <a:r>
-                <a:rPr lang="en-US" sz="1600" dirty="0">
-                  <a:latin typeface="Segoe UI" panose="020B0502040204020203" pitchFamily="34" charset="0"/>
-                  <a:cs typeface="Segoe UI" panose="020B0502040204020203" pitchFamily="34" charset="0"/>
-                </a:rPr>
-                <a:t>Business Entity</a:t>
-              </a:r>
-            </a:p>
-          </p:txBody>
-        </p:sp>
-      </p:grpSp>
-      <p:sp>
-        <p:nvSpPr>
-          <p:cNvPr id="78" name="Rounded Rectangle 77"/>
-          <p:cNvSpPr/>
-          <p:nvPr/>
-        </p:nvSpPr>
-        <p:spPr>
-          <a:xfrm>
-            <a:off x="2631077" y="2225279"/>
-            <a:ext cx="6131923" cy="2290239"/>
-          </a:xfrm>
-          <a:prstGeom prst="roundRect">
-            <a:avLst/>
-          </a:prstGeom>
-        </p:spPr>
-        <p:style>
-          <a:lnRef idx="1">
-            <a:schemeClr val="accent3"/>
-          </a:lnRef>
-          <a:fillRef idx="2">
-            <a:schemeClr val="accent3"/>
-          </a:fillRef>
-          <a:effectRef idx="1">
-            <a:schemeClr val="accent3"/>
-          </a:effectRef>
-          <a:fontRef idx="minor">
-            <a:schemeClr val="dk1"/>
-          </a:fontRef>
-        </p:style>
-        <p:txBody>
-          <a:bodyPr rtlCol="0" anchor="ctr"/>
-          <a:lstStyle/>
-          <a:p>
-            <a:pPr algn="ctr"/>
-            <a:endParaRPr lang="en-US" sz="1600">
               <a:solidFill>
                 <a:schemeClr val="lt1"/>
               </a:solidFill>
@@ -26525,382 +25747,21 @@
       </p:sp>
       <p:sp>
         <p:nvSpPr>
-          <p:cNvPr id="79" name="Up-Down Arrow 78"/>
-          <p:cNvSpPr/>
-          <p:nvPr/>
-        </p:nvSpPr>
-        <p:spPr>
-          <a:xfrm>
-            <a:off x="3214031" y="5481632"/>
-            <a:ext cx="226277" cy="363094"/>
-          </a:xfrm>
-          <a:prstGeom prst="upDownArrow">
-            <a:avLst/>
-          </a:prstGeom>
-        </p:spPr>
-        <p:style>
-          <a:lnRef idx="1">
-            <a:schemeClr val="accent3"/>
-          </a:lnRef>
-          <a:fillRef idx="3">
-            <a:schemeClr val="accent3"/>
-          </a:fillRef>
-          <a:effectRef idx="2">
-            <a:schemeClr val="accent3"/>
-          </a:effectRef>
-          <a:fontRef idx="minor">
-            <a:schemeClr val="lt1"/>
-          </a:fontRef>
-        </p:style>
-        <p:txBody>
-          <a:bodyPr rtlCol="0" anchor="ctr"/>
-          <a:lstStyle/>
-          <a:p>
-            <a:pPr algn="ctr"/>
-            <a:endParaRPr lang="en-US"/>
-          </a:p>
-        </p:txBody>
-      </p:sp>
-      <p:sp>
-        <p:nvSpPr>
-          <p:cNvPr id="80" name="Up-Down Arrow 79"/>
-          <p:cNvSpPr/>
-          <p:nvPr/>
-        </p:nvSpPr>
-        <p:spPr>
-          <a:xfrm>
-            <a:off x="4800268" y="5481439"/>
-            <a:ext cx="226277" cy="363094"/>
-          </a:xfrm>
-          <a:prstGeom prst="upDownArrow">
-            <a:avLst/>
-          </a:prstGeom>
-        </p:spPr>
-        <p:style>
-          <a:lnRef idx="1">
-            <a:schemeClr val="accent3"/>
-          </a:lnRef>
-          <a:fillRef idx="3">
-            <a:schemeClr val="accent3"/>
-          </a:fillRef>
-          <a:effectRef idx="2">
-            <a:schemeClr val="accent3"/>
-          </a:effectRef>
-          <a:fontRef idx="minor">
-            <a:schemeClr val="lt1"/>
-          </a:fontRef>
-        </p:style>
-        <p:txBody>
-          <a:bodyPr rtlCol="0" anchor="ctr"/>
-          <a:lstStyle/>
-          <a:p>
-            <a:pPr algn="ctr"/>
-            <a:endParaRPr lang="en-US">
-              <a:solidFill>
-                <a:schemeClr val="lt1"/>
-              </a:solidFill>
-            </a:endParaRPr>
-          </a:p>
-        </p:txBody>
-      </p:sp>
-      <p:sp>
-        <p:nvSpPr>
-          <p:cNvPr id="81" name="Up-Down Arrow 80"/>
-          <p:cNvSpPr/>
-          <p:nvPr/>
-        </p:nvSpPr>
-        <p:spPr>
-          <a:xfrm>
-            <a:off x="6474786" y="5492060"/>
-            <a:ext cx="226277" cy="363094"/>
-          </a:xfrm>
-          <a:prstGeom prst="upDownArrow">
-            <a:avLst/>
-          </a:prstGeom>
-        </p:spPr>
-        <p:style>
-          <a:lnRef idx="1">
-            <a:schemeClr val="accent3"/>
-          </a:lnRef>
-          <a:fillRef idx="3">
-            <a:schemeClr val="accent3"/>
-          </a:fillRef>
-          <a:effectRef idx="2">
-            <a:schemeClr val="accent3"/>
-          </a:effectRef>
-          <a:fontRef idx="minor">
-            <a:schemeClr val="lt1"/>
-          </a:fontRef>
-        </p:style>
-        <p:txBody>
-          <a:bodyPr rtlCol="0" anchor="ctr"/>
-          <a:lstStyle/>
-          <a:p>
-            <a:pPr algn="ctr"/>
-            <a:endParaRPr lang="en-US">
-              <a:solidFill>
-                <a:schemeClr val="lt1"/>
-              </a:solidFill>
-            </a:endParaRPr>
-          </a:p>
-        </p:txBody>
-      </p:sp>
-      <p:sp>
-        <p:nvSpPr>
-          <p:cNvPr id="82" name="Up-Down Arrow 81"/>
-          <p:cNvSpPr/>
-          <p:nvPr/>
-        </p:nvSpPr>
-        <p:spPr>
-          <a:xfrm>
-            <a:off x="7914905" y="5481439"/>
-            <a:ext cx="226277" cy="363094"/>
-          </a:xfrm>
-          <a:prstGeom prst="upDownArrow">
-            <a:avLst/>
-          </a:prstGeom>
-        </p:spPr>
-        <p:style>
-          <a:lnRef idx="1">
-            <a:schemeClr val="accent3"/>
-          </a:lnRef>
-          <a:fillRef idx="3">
-            <a:schemeClr val="accent3"/>
-          </a:fillRef>
-          <a:effectRef idx="2">
-            <a:schemeClr val="accent3"/>
-          </a:effectRef>
-          <a:fontRef idx="minor">
-            <a:schemeClr val="lt1"/>
-          </a:fontRef>
-        </p:style>
-        <p:txBody>
-          <a:bodyPr rtlCol="0" anchor="ctr"/>
-          <a:lstStyle/>
-          <a:p>
-            <a:pPr algn="ctr"/>
-            <a:endParaRPr lang="en-US">
-              <a:solidFill>
-                <a:schemeClr val="lt1"/>
-              </a:solidFill>
-            </a:endParaRPr>
-          </a:p>
-        </p:txBody>
-      </p:sp>
-      <p:sp>
-        <p:nvSpPr>
-          <p:cNvPr id="83" name="Rounded Rectangle 82"/>
-          <p:cNvSpPr/>
-          <p:nvPr/>
-        </p:nvSpPr>
-        <p:spPr>
-          <a:xfrm>
-            <a:off x="3764446" y="3111194"/>
-            <a:ext cx="4730674" cy="548696"/>
-          </a:xfrm>
-          <a:prstGeom prst="roundRect">
-            <a:avLst/>
-          </a:prstGeom>
-        </p:spPr>
-        <p:style>
-          <a:lnRef idx="1">
-            <a:schemeClr val="accent3"/>
-          </a:lnRef>
-          <a:fillRef idx="2">
-            <a:schemeClr val="accent3"/>
-          </a:fillRef>
-          <a:effectRef idx="1">
-            <a:schemeClr val="accent3"/>
-          </a:effectRef>
-          <a:fontRef idx="minor">
-            <a:schemeClr val="dk1"/>
-          </a:fontRef>
-        </p:style>
-        <p:txBody>
-          <a:bodyPr rtlCol="0" anchor="ctr"/>
-          <a:lstStyle/>
-          <a:p>
-            <a:pPr algn="ctr"/>
-            <a:r>
-              <a:rPr lang="en-US" sz="1600" dirty="0">
-                <a:latin typeface="Segoe UI" panose="020B0502040204020203" pitchFamily="34" charset="0"/>
-                <a:cs typeface="Segoe UI" panose="020B0502040204020203" pitchFamily="34" charset="0"/>
-              </a:rPr>
-              <a:t>Business Layer level N</a:t>
-            </a:r>
-          </a:p>
-        </p:txBody>
-      </p:sp>
-      <p:sp>
-        <p:nvSpPr>
-          <p:cNvPr id="84" name="TextBox 83"/>
+          <p:cNvPr id="164" name="TextBox 163"/>
           <p:cNvSpPr txBox="1"/>
           <p:nvPr/>
         </p:nvSpPr>
         <p:spPr>
           <a:xfrm>
-            <a:off x="741280" y="6145712"/>
-            <a:ext cx="1690596" cy="338554"/>
+            <a:off x="8796427" y="1362274"/>
+            <a:ext cx="2065366" cy="518755"/>
           </a:xfrm>
           <a:prstGeom prst="rect">
             <a:avLst/>
           </a:prstGeom>
           <a:noFill/>
-        </p:spPr>
-        <p:txBody>
-          <a:bodyPr wrap="square" rtlCol="0">
-            <a:spAutoFit/>
-          </a:bodyPr>
-          <a:lstStyle/>
-          <a:p>
-            <a:r>
-              <a:rPr lang="en-US" sz="1600" dirty="0" smtClean="0"/>
-              <a:t>External Services</a:t>
-            </a:r>
-            <a:endParaRPr lang="en-US" sz="1600" dirty="0"/>
-          </a:p>
-        </p:txBody>
-      </p:sp>
-      <p:sp>
-        <p:nvSpPr>
-          <p:cNvPr id="85" name="TextBox 84"/>
-          <p:cNvSpPr txBox="1"/>
-          <p:nvPr/>
-        </p:nvSpPr>
-        <p:spPr>
-          <a:xfrm>
-            <a:off x="1156669" y="3201121"/>
-            <a:ext cx="1233235" cy="338554"/>
-          </a:xfrm>
-          <a:prstGeom prst="rect">
-            <a:avLst/>
-          </a:prstGeom>
-          <a:noFill/>
-        </p:spPr>
-        <p:txBody>
-          <a:bodyPr wrap="square" rtlCol="0">
-            <a:spAutoFit/>
-          </a:bodyPr>
-          <a:lstStyle/>
-          <a:p>
-            <a:r>
-              <a:rPr lang="en-US" sz="1600" dirty="0" smtClean="0"/>
-              <a:t>Application</a:t>
-            </a:r>
-            <a:endParaRPr lang="en-US" sz="1600" dirty="0"/>
-          </a:p>
-        </p:txBody>
-      </p:sp>
-      <p:sp>
-        <p:nvSpPr>
-          <p:cNvPr id="86" name="Rounded Rectangle 85"/>
-          <p:cNvSpPr/>
-          <p:nvPr/>
-        </p:nvSpPr>
-        <p:spPr>
-          <a:xfrm>
-            <a:off x="2901191" y="3864225"/>
-            <a:ext cx="5590898" cy="548696"/>
-          </a:xfrm>
-          <a:prstGeom prst="roundRect">
-            <a:avLst/>
-          </a:prstGeom>
-        </p:spPr>
-        <p:style>
-          <a:lnRef idx="1">
-            <a:schemeClr val="accent3"/>
-          </a:lnRef>
-          <a:fillRef idx="2">
-            <a:schemeClr val="accent3"/>
-          </a:fillRef>
-          <a:effectRef idx="1">
-            <a:schemeClr val="accent3"/>
-          </a:effectRef>
-          <a:fontRef idx="minor">
-            <a:schemeClr val="dk1"/>
-          </a:fontRef>
-        </p:style>
-        <p:txBody>
-          <a:bodyPr rtlCol="0" anchor="ctr"/>
-          <a:lstStyle/>
-          <a:p>
-            <a:pPr algn="ctr"/>
-            <a:r>
-              <a:rPr lang="en-US" sz="1600" dirty="0">
-                <a:latin typeface="Segoe UI" panose="020B0502040204020203" pitchFamily="34" charset="0"/>
-                <a:cs typeface="Segoe UI" panose="020B0502040204020203" pitchFamily="34" charset="0"/>
-              </a:rPr>
-              <a:t>Business Layer level N - 1</a:t>
-            </a:r>
-          </a:p>
-        </p:txBody>
-      </p:sp>
-      <p:sp>
-        <p:nvSpPr>
-          <p:cNvPr id="87" name="Rounded Rectangle 86"/>
-          <p:cNvSpPr/>
-          <p:nvPr/>
-        </p:nvSpPr>
-        <p:spPr>
-          <a:xfrm>
-            <a:off x="2901190" y="2361616"/>
-            <a:ext cx="5589636" cy="548696"/>
-          </a:xfrm>
-          <a:prstGeom prst="roundRect">
-            <a:avLst/>
-          </a:prstGeom>
-        </p:spPr>
-        <p:style>
-          <a:lnRef idx="1">
-            <a:schemeClr val="accent3"/>
-          </a:lnRef>
-          <a:fillRef idx="2">
-            <a:schemeClr val="accent3"/>
-          </a:fillRef>
-          <a:effectRef idx="1">
-            <a:schemeClr val="accent3"/>
-          </a:effectRef>
-          <a:fontRef idx="minor">
-            <a:schemeClr val="dk1"/>
-          </a:fontRef>
-        </p:style>
-        <p:txBody>
-          <a:bodyPr rtlCol="0" anchor="ctr"/>
-          <a:lstStyle/>
-          <a:p>
-            <a:pPr algn="ctr"/>
-            <a:r>
-              <a:rPr lang="en-US" sz="1600" dirty="0">
-                <a:latin typeface="Segoe UI" panose="020B0502040204020203" pitchFamily="34" charset="0"/>
-                <a:cs typeface="Segoe UI" panose="020B0502040204020203" pitchFamily="34" charset="0"/>
-              </a:rPr>
-              <a:t>Top Business Level</a:t>
-            </a:r>
-          </a:p>
-        </p:txBody>
-      </p:sp>
-      <p:cxnSp>
-        <p:nvCxnSpPr>
-          <p:cNvPr id="88" name="Straight Arrow Connector 87"/>
-          <p:cNvCxnSpPr/>
-          <p:nvPr/>
-        </p:nvCxnSpPr>
-        <p:spPr>
-          <a:xfrm>
-            <a:off x="5696294" y="2910312"/>
-            <a:ext cx="0" cy="200882"/>
-          </a:xfrm>
-          <a:prstGeom prst="straightConnector1">
-            <a:avLst/>
-          </a:prstGeom>
-          <a:ln w="28575">
-            <a:solidFill>
-              <a:schemeClr val="bg1">
-                <a:lumMod val="50000"/>
-              </a:schemeClr>
-            </a:solidFill>
-            <a:prstDash val="sysDash"/>
-            <a:tailEnd type="triangle"/>
+          <a:ln>
+            <a:noFill/>
           </a:ln>
         </p:spPr>
         <p:style>
@@ -26917,39 +25778,565 @@
             <a:schemeClr val="dk1"/>
           </a:fontRef>
         </p:style>
-      </p:cxnSp>
+        <p:txBody>
+          <a:bodyPr rtlCol="0" anchor="ctr"/>
+          <a:lstStyle>
+            <a:defPPr>
+              <a:defRPr lang="en-US"/>
+            </a:defPPr>
+            <a:lvl1pPr algn="ctr">
+              <a:defRPr sz="1600">
+                <a:solidFill>
+                  <a:schemeClr val="lt1"/>
+                </a:solidFill>
+                <a:latin typeface="Segoe UI" panose="020B0502040204020203" pitchFamily="34" charset="0"/>
+                <a:cs typeface="Segoe UI" panose="020B0502040204020203" pitchFamily="34" charset="0"/>
+              </a:defRPr>
+            </a:lvl1pPr>
+            <a:lvl2pPr>
+              <a:defRPr>
+                <a:solidFill>
+                  <a:schemeClr val="lt1"/>
+                </a:solidFill>
+              </a:defRPr>
+            </a:lvl2pPr>
+            <a:lvl3pPr>
+              <a:defRPr>
+                <a:solidFill>
+                  <a:schemeClr val="lt1"/>
+                </a:solidFill>
+              </a:defRPr>
+            </a:lvl3pPr>
+            <a:lvl4pPr>
+              <a:defRPr>
+                <a:solidFill>
+                  <a:schemeClr val="lt1"/>
+                </a:solidFill>
+              </a:defRPr>
+            </a:lvl4pPr>
+            <a:lvl5pPr>
+              <a:defRPr>
+                <a:solidFill>
+                  <a:schemeClr val="lt1"/>
+                </a:solidFill>
+              </a:defRPr>
+            </a:lvl5pPr>
+            <a:lvl6pPr>
+              <a:defRPr>
+                <a:solidFill>
+                  <a:schemeClr val="lt1"/>
+                </a:solidFill>
+              </a:defRPr>
+            </a:lvl6pPr>
+            <a:lvl7pPr>
+              <a:defRPr>
+                <a:solidFill>
+                  <a:schemeClr val="lt1"/>
+                </a:solidFill>
+              </a:defRPr>
+            </a:lvl7pPr>
+            <a:lvl8pPr>
+              <a:defRPr>
+                <a:solidFill>
+                  <a:schemeClr val="lt1"/>
+                </a:solidFill>
+              </a:defRPr>
+            </a:lvl8pPr>
+            <a:lvl9pPr>
+              <a:defRPr>
+                <a:solidFill>
+                  <a:schemeClr val="lt1"/>
+                </a:solidFill>
+              </a:defRPr>
+            </a:lvl9pPr>
+          </a:lstStyle>
+          <a:p>
+            <a:r>
+              <a:rPr lang="en-US" dirty="0">
+                <a:solidFill>
+                  <a:schemeClr val="bg1"/>
+                </a:solidFill>
+              </a:rPr>
+              <a:t>Cross-cutting Infrastructure </a:t>
+            </a:r>
+            <a:r>
+              <a:rPr lang="en-US" dirty="0" smtClean="0">
+                <a:solidFill>
+                  <a:schemeClr val="bg1"/>
+                </a:solidFill>
+              </a:rPr>
+              <a:t>Layer</a:t>
+            </a:r>
+            <a:endParaRPr lang="en-US" dirty="0">
+              <a:solidFill>
+                <a:schemeClr val="bg1"/>
+              </a:solidFill>
+            </a:endParaRPr>
+          </a:p>
+        </p:txBody>
+      </p:sp>
+      <p:sp>
+        <p:nvSpPr>
+          <p:cNvPr id="160" name="Rounded Rectangle 159"/>
+          <p:cNvSpPr/>
+          <p:nvPr/>
+        </p:nvSpPr>
+        <p:spPr>
+          <a:xfrm>
+            <a:off x="8979810" y="3619405"/>
+            <a:ext cx="1684243" cy="494908"/>
+          </a:xfrm>
+          <a:prstGeom prst="roundRect">
+            <a:avLst/>
+          </a:prstGeom>
+          <a:ln/>
+        </p:spPr>
+        <p:style>
+          <a:lnRef idx="3">
+            <a:schemeClr val="lt1"/>
+          </a:lnRef>
+          <a:fillRef idx="1">
+            <a:schemeClr val="accent1"/>
+          </a:fillRef>
+          <a:effectRef idx="1">
+            <a:schemeClr val="accent1"/>
+          </a:effectRef>
+          <a:fontRef idx="minor">
+            <a:schemeClr val="lt1"/>
+          </a:fontRef>
+        </p:style>
+        <p:txBody>
+          <a:bodyPr rtlCol="0" anchor="ctr"/>
+          <a:lstStyle/>
+          <a:p>
+            <a:pPr algn="ctr"/>
+            <a:r>
+              <a:rPr lang="en-US" sz="1600" dirty="0">
+                <a:latin typeface="Segoe UI" panose="020B0502040204020203" pitchFamily="34" charset="0"/>
+                <a:cs typeface="Segoe UI" panose="020B0502040204020203" pitchFamily="34" charset="0"/>
+              </a:rPr>
+              <a:t>Logging</a:t>
+            </a:r>
+          </a:p>
+        </p:txBody>
+      </p:sp>
+      <p:sp>
+        <p:nvSpPr>
+          <p:cNvPr id="161" name="Rounded Rectangle 160"/>
+          <p:cNvSpPr/>
+          <p:nvPr/>
+        </p:nvSpPr>
+        <p:spPr>
+          <a:xfrm>
+            <a:off x="9001235" y="4164596"/>
+            <a:ext cx="1662817" cy="491081"/>
+          </a:xfrm>
+          <a:prstGeom prst="roundRect">
+            <a:avLst/>
+          </a:prstGeom>
+          <a:ln/>
+        </p:spPr>
+        <p:style>
+          <a:lnRef idx="3">
+            <a:schemeClr val="lt1"/>
+          </a:lnRef>
+          <a:fillRef idx="1">
+            <a:schemeClr val="accent1"/>
+          </a:fillRef>
+          <a:effectRef idx="1">
+            <a:schemeClr val="accent1"/>
+          </a:effectRef>
+          <a:fontRef idx="minor">
+            <a:schemeClr val="lt1"/>
+          </a:fontRef>
+        </p:style>
+        <p:txBody>
+          <a:bodyPr rtlCol="0" anchor="ctr"/>
+          <a:lstStyle/>
+          <a:p>
+            <a:pPr algn="ctr"/>
+            <a:r>
+              <a:rPr lang="en-US" sz="1600" dirty="0">
+                <a:latin typeface="Segoe UI" panose="020B0502040204020203" pitchFamily="34" charset="0"/>
+                <a:cs typeface="Segoe UI" panose="020B0502040204020203" pitchFamily="34" charset="0"/>
+              </a:rPr>
+              <a:t>Utilities</a:t>
+            </a:r>
+          </a:p>
+        </p:txBody>
+      </p:sp>
+      <p:sp>
+        <p:nvSpPr>
+          <p:cNvPr id="162" name="Rounded Rectangle 161"/>
+          <p:cNvSpPr/>
+          <p:nvPr/>
+        </p:nvSpPr>
+        <p:spPr>
+          <a:xfrm>
+            <a:off x="9001235" y="4713613"/>
+            <a:ext cx="1662817" cy="491081"/>
+          </a:xfrm>
+          <a:prstGeom prst="roundRect">
+            <a:avLst/>
+          </a:prstGeom>
+          <a:ln/>
+        </p:spPr>
+        <p:style>
+          <a:lnRef idx="3">
+            <a:schemeClr val="lt1"/>
+          </a:lnRef>
+          <a:fillRef idx="1">
+            <a:schemeClr val="accent1"/>
+          </a:fillRef>
+          <a:effectRef idx="1">
+            <a:schemeClr val="accent1"/>
+          </a:effectRef>
+          <a:fontRef idx="minor">
+            <a:schemeClr val="lt1"/>
+          </a:fontRef>
+        </p:style>
+        <p:txBody>
+          <a:bodyPr rtlCol="0" anchor="ctr"/>
+          <a:lstStyle/>
+          <a:p>
+            <a:pPr algn="ctr"/>
+            <a:r>
+              <a:rPr lang="en-US" sz="1600" dirty="0">
+                <a:latin typeface="Segoe UI" panose="020B0502040204020203" pitchFamily="34" charset="0"/>
+                <a:cs typeface="Segoe UI" panose="020B0502040204020203" pitchFamily="34" charset="0"/>
+              </a:rPr>
+              <a:t>Other Common Blocks</a:t>
+            </a:r>
+          </a:p>
+        </p:txBody>
+      </p:sp>
+      <p:sp>
+        <p:nvSpPr>
+          <p:cNvPr id="158" name="Rounded Rectangle 157"/>
+          <p:cNvSpPr/>
+          <p:nvPr/>
+        </p:nvSpPr>
+        <p:spPr>
+          <a:xfrm>
+            <a:off x="8985308" y="3067217"/>
+            <a:ext cx="1684242" cy="494908"/>
+          </a:xfrm>
+          <a:prstGeom prst="roundRect">
+            <a:avLst/>
+          </a:prstGeom>
+          <a:ln/>
+        </p:spPr>
+        <p:style>
+          <a:lnRef idx="3">
+            <a:schemeClr val="lt1"/>
+          </a:lnRef>
+          <a:fillRef idx="1">
+            <a:schemeClr val="accent1"/>
+          </a:fillRef>
+          <a:effectRef idx="1">
+            <a:schemeClr val="accent1"/>
+          </a:effectRef>
+          <a:fontRef idx="minor">
+            <a:schemeClr val="lt1"/>
+          </a:fontRef>
+        </p:style>
+        <p:txBody>
+          <a:bodyPr rtlCol="0" anchor="ctr"/>
+          <a:lstStyle/>
+          <a:p>
+            <a:pPr algn="ctr"/>
+            <a:r>
+              <a:rPr lang="en-US" sz="1600" dirty="0" err="1">
+                <a:latin typeface="Segoe UI" panose="020B0502040204020203" pitchFamily="34" charset="0"/>
+                <a:cs typeface="Segoe UI" panose="020B0502040204020203" pitchFamily="34" charset="0"/>
+              </a:rPr>
+              <a:t>IoC</a:t>
+            </a:r>
+            <a:endParaRPr lang="en-US" sz="1600" dirty="0">
+              <a:latin typeface="Segoe UI" panose="020B0502040204020203" pitchFamily="34" charset="0"/>
+              <a:cs typeface="Segoe UI" panose="020B0502040204020203" pitchFamily="34" charset="0"/>
+            </a:endParaRPr>
+          </a:p>
+        </p:txBody>
+      </p:sp>
+      <p:sp>
+        <p:nvSpPr>
+          <p:cNvPr id="156" name="Rounded Rectangle 155"/>
+          <p:cNvSpPr/>
+          <p:nvPr/>
+        </p:nvSpPr>
+        <p:spPr>
+          <a:xfrm>
+            <a:off x="8983236" y="2513762"/>
+            <a:ext cx="1661784" cy="489084"/>
+          </a:xfrm>
+          <a:prstGeom prst="roundRect">
+            <a:avLst/>
+          </a:prstGeom>
+          <a:ln/>
+        </p:spPr>
+        <p:style>
+          <a:lnRef idx="3">
+            <a:schemeClr val="lt1"/>
+          </a:lnRef>
+          <a:fillRef idx="1">
+            <a:schemeClr val="accent1"/>
+          </a:fillRef>
+          <a:effectRef idx="1">
+            <a:schemeClr val="accent1"/>
+          </a:effectRef>
+          <a:fontRef idx="minor">
+            <a:schemeClr val="lt1"/>
+          </a:fontRef>
+        </p:style>
+        <p:txBody>
+          <a:bodyPr rtlCol="0" anchor="ctr"/>
+          <a:lstStyle/>
+          <a:p>
+            <a:pPr algn="ctr"/>
+            <a:r>
+              <a:rPr lang="en-US" sz="1600" dirty="0">
+                <a:latin typeface="Segoe UI" panose="020B0502040204020203" pitchFamily="34" charset="0"/>
+                <a:cs typeface="Segoe UI" panose="020B0502040204020203" pitchFamily="34" charset="0"/>
+              </a:rPr>
+              <a:t>Business Entity</a:t>
+            </a:r>
+          </a:p>
+        </p:txBody>
+      </p:sp>
+      <p:sp>
+        <p:nvSpPr>
+          <p:cNvPr id="170" name="Rounded Rectangle 169"/>
+          <p:cNvSpPr/>
+          <p:nvPr/>
+        </p:nvSpPr>
+        <p:spPr>
+          <a:xfrm>
+            <a:off x="3764446" y="3111194"/>
+            <a:ext cx="4730674" cy="548696"/>
+          </a:xfrm>
+          <a:prstGeom prst="roundRect">
+            <a:avLst/>
+          </a:prstGeom>
+          <a:ln/>
+        </p:spPr>
+        <p:style>
+          <a:lnRef idx="2">
+            <a:schemeClr val="accent1">
+              <a:shade val="50000"/>
+            </a:schemeClr>
+          </a:lnRef>
+          <a:fillRef idx="1">
+            <a:schemeClr val="accent1"/>
+          </a:fillRef>
+          <a:effectRef idx="0">
+            <a:schemeClr val="accent1"/>
+          </a:effectRef>
+          <a:fontRef idx="minor">
+            <a:schemeClr val="lt1"/>
+          </a:fontRef>
+        </p:style>
+        <p:txBody>
+          <a:bodyPr rtlCol="0" anchor="ctr"/>
+          <a:lstStyle/>
+          <a:p>
+            <a:pPr algn="ctr"/>
+            <a:r>
+              <a:rPr lang="en-US" sz="1600" dirty="0">
+                <a:latin typeface="Segoe UI" panose="020B0502040204020203" pitchFamily="34" charset="0"/>
+                <a:cs typeface="Segoe UI" panose="020B0502040204020203" pitchFamily="34" charset="0"/>
+              </a:rPr>
+              <a:t>Business Layer level N</a:t>
+            </a:r>
+          </a:p>
+        </p:txBody>
+      </p:sp>
+      <p:sp>
+        <p:nvSpPr>
+          <p:cNvPr id="171" name="TextBox 170"/>
+          <p:cNvSpPr txBox="1"/>
+          <p:nvPr/>
+        </p:nvSpPr>
+        <p:spPr>
+          <a:xfrm>
+            <a:off x="741280" y="6145712"/>
+            <a:ext cx="1690596" cy="338554"/>
+          </a:xfrm>
+          <a:prstGeom prst="rect">
+            <a:avLst/>
+          </a:prstGeom>
+          <a:noFill/>
+        </p:spPr>
+        <p:txBody>
+          <a:bodyPr wrap="square" rtlCol="0">
+            <a:spAutoFit/>
+          </a:bodyPr>
+          <a:lstStyle/>
+          <a:p>
+            <a:r>
+              <a:rPr lang="en-US" sz="1600" dirty="0" smtClean="0"/>
+              <a:t>External Services</a:t>
+            </a:r>
+            <a:endParaRPr lang="en-US" sz="1600" dirty="0"/>
+          </a:p>
+        </p:txBody>
+      </p:sp>
+      <p:sp>
+        <p:nvSpPr>
+          <p:cNvPr id="172" name="TextBox 171"/>
+          <p:cNvSpPr txBox="1"/>
+          <p:nvPr/>
+        </p:nvSpPr>
+        <p:spPr>
+          <a:xfrm>
+            <a:off x="1156669" y="3201121"/>
+            <a:ext cx="1233235" cy="338554"/>
+          </a:xfrm>
+          <a:prstGeom prst="rect">
+            <a:avLst/>
+          </a:prstGeom>
+          <a:noFill/>
+        </p:spPr>
+        <p:txBody>
+          <a:bodyPr wrap="square" rtlCol="0">
+            <a:spAutoFit/>
+          </a:bodyPr>
+          <a:lstStyle/>
+          <a:p>
+            <a:r>
+              <a:rPr lang="en-US" sz="1600" dirty="0" smtClean="0"/>
+              <a:t>Application</a:t>
+            </a:r>
+            <a:endParaRPr lang="en-US" sz="1600" dirty="0"/>
+          </a:p>
+        </p:txBody>
+      </p:sp>
+      <p:sp>
+        <p:nvSpPr>
+          <p:cNvPr id="173" name="Rounded Rectangle 172"/>
+          <p:cNvSpPr/>
+          <p:nvPr/>
+        </p:nvSpPr>
+        <p:spPr>
+          <a:xfrm>
+            <a:off x="2901191" y="3864225"/>
+            <a:ext cx="4687357" cy="548696"/>
+          </a:xfrm>
+          <a:prstGeom prst="roundRect">
+            <a:avLst/>
+          </a:prstGeom>
+          <a:ln/>
+        </p:spPr>
+        <p:style>
+          <a:lnRef idx="2">
+            <a:schemeClr val="accent1">
+              <a:shade val="50000"/>
+            </a:schemeClr>
+          </a:lnRef>
+          <a:fillRef idx="1">
+            <a:schemeClr val="accent1"/>
+          </a:fillRef>
+          <a:effectRef idx="0">
+            <a:schemeClr val="accent1"/>
+          </a:effectRef>
+          <a:fontRef idx="minor">
+            <a:schemeClr val="lt1"/>
+          </a:fontRef>
+        </p:style>
+        <p:txBody>
+          <a:bodyPr rtlCol="0" anchor="ctr"/>
+          <a:lstStyle/>
+          <a:p>
+            <a:pPr algn="ctr"/>
+            <a:r>
+              <a:rPr lang="en-US" sz="1600" dirty="0">
+                <a:latin typeface="Segoe UI" panose="020B0502040204020203" pitchFamily="34" charset="0"/>
+                <a:cs typeface="Segoe UI" panose="020B0502040204020203" pitchFamily="34" charset="0"/>
+              </a:rPr>
+              <a:t>Business Layer level N - 1</a:t>
+            </a:r>
+          </a:p>
+        </p:txBody>
+      </p:sp>
+      <p:sp>
+        <p:nvSpPr>
+          <p:cNvPr id="174" name="Rounded Rectangle 173"/>
+          <p:cNvSpPr/>
+          <p:nvPr/>
+        </p:nvSpPr>
+        <p:spPr>
+          <a:xfrm>
+            <a:off x="2901190" y="2361616"/>
+            <a:ext cx="5589636" cy="548696"/>
+          </a:xfrm>
+          <a:prstGeom prst="roundRect">
+            <a:avLst/>
+          </a:prstGeom>
+          <a:ln/>
+        </p:spPr>
+        <p:style>
+          <a:lnRef idx="2">
+            <a:schemeClr val="accent1">
+              <a:shade val="50000"/>
+            </a:schemeClr>
+          </a:lnRef>
+          <a:fillRef idx="1">
+            <a:schemeClr val="accent1"/>
+          </a:fillRef>
+          <a:effectRef idx="0">
+            <a:schemeClr val="accent1"/>
+          </a:effectRef>
+          <a:fontRef idx="minor">
+            <a:schemeClr val="lt1"/>
+          </a:fontRef>
+        </p:style>
+        <p:txBody>
+          <a:bodyPr rtlCol="0" anchor="ctr"/>
+          <a:lstStyle/>
+          <a:p>
+            <a:pPr algn="ctr"/>
+            <a:r>
+              <a:rPr lang="en-US" sz="1600" dirty="0">
+                <a:latin typeface="Segoe UI" panose="020B0502040204020203" pitchFamily="34" charset="0"/>
+                <a:cs typeface="Segoe UI" panose="020B0502040204020203" pitchFamily="34" charset="0"/>
+              </a:rPr>
+              <a:t>Top Business Level</a:t>
+            </a:r>
+          </a:p>
+        </p:txBody>
+      </p:sp>
       <p:cxnSp>
         <p:nvCxnSpPr>
-          <p:cNvPr id="89" name="Straight Arrow Connector 88"/>
+          <p:cNvPr id="175" name="Straight Arrow Connector 174"/>
           <p:cNvCxnSpPr/>
           <p:nvPr/>
         </p:nvCxnSpPr>
         <p:spPr>
           <a:xfrm>
-            <a:off x="3378200" y="2921000"/>
-            <a:ext cx="0" cy="939800"/>
+            <a:off x="5696294" y="2910312"/>
+            <a:ext cx="0" cy="200882"/>
           </a:xfrm>
           <a:prstGeom prst="straightConnector1">
             <a:avLst/>
           </a:prstGeom>
           <a:ln w="28575">
             <a:solidFill>
-              <a:schemeClr val="bg1">
-                <a:lumMod val="50000"/>
+              <a:schemeClr val="tx1">
+                <a:lumMod val="65000"/>
+                <a:lumOff val="35000"/>
               </a:schemeClr>
             </a:solidFill>
-            <a:prstDash val="sysDash"/>
             <a:tailEnd type="triangle"/>
           </a:ln>
         </p:spPr>
         <p:style>
-          <a:lnRef idx="1">
+          <a:lnRef idx="2">
             <a:schemeClr val="accent3"/>
           </a:lnRef>
-          <a:fillRef idx="2">
-            <a:schemeClr val="accent3"/>
+          <a:fillRef idx="1">
+            <a:schemeClr val="lt1"/>
           </a:fillRef>
-          <a:effectRef idx="1">
+          <a:effectRef idx="0">
             <a:schemeClr val="accent3"/>
           </a:effectRef>
           <a:fontRef idx="minor">
@@ -26959,36 +26346,36 @@
       </p:cxnSp>
       <p:cxnSp>
         <p:nvCxnSpPr>
-          <p:cNvPr id="90" name="Straight Arrow Connector 89"/>
+          <p:cNvPr id="176" name="Straight Arrow Connector 175"/>
           <p:cNvCxnSpPr/>
           <p:nvPr/>
         </p:nvCxnSpPr>
         <p:spPr>
           <a:xfrm>
-            <a:off x="5705121" y="3659890"/>
-            <a:ext cx="0" cy="204335"/>
+            <a:off x="3378200" y="2921000"/>
+            <a:ext cx="0" cy="939800"/>
           </a:xfrm>
           <a:prstGeom prst="straightConnector1">
             <a:avLst/>
           </a:prstGeom>
           <a:ln w="28575">
             <a:solidFill>
-              <a:schemeClr val="bg1">
-                <a:lumMod val="50000"/>
+              <a:schemeClr val="tx1">
+                <a:lumMod val="65000"/>
+                <a:lumOff val="35000"/>
               </a:schemeClr>
             </a:solidFill>
-            <a:prstDash val="sysDash"/>
             <a:tailEnd type="triangle"/>
           </a:ln>
         </p:spPr>
         <p:style>
-          <a:lnRef idx="1">
+          <a:lnRef idx="2">
             <a:schemeClr val="accent3"/>
           </a:lnRef>
-          <a:fillRef idx="2">
-            <a:schemeClr val="accent3"/>
+          <a:fillRef idx="1">
+            <a:schemeClr val="lt1"/>
           </a:fillRef>
-          <a:effectRef idx="1">
+          <a:effectRef idx="0">
             <a:schemeClr val="accent3"/>
           </a:effectRef>
           <a:fontRef idx="minor">
@@ -26998,39 +26385,36 @@
       </p:cxnSp>
       <p:cxnSp>
         <p:nvCxnSpPr>
-          <p:cNvPr id="91" name="Straight Arrow Connector 90"/>
-          <p:cNvCxnSpPr>
-            <a:stCxn id="78" idx="2"/>
-            <a:endCxn id="47" idx="0"/>
-          </p:cNvCxnSpPr>
+          <p:cNvPr id="177" name="Straight Arrow Connector 176"/>
+          <p:cNvCxnSpPr/>
           <p:nvPr/>
         </p:nvCxnSpPr>
         <p:spPr>
           <a:xfrm>
-            <a:off x="5697039" y="4515518"/>
-            <a:ext cx="0" cy="223956"/>
+            <a:off x="5705121" y="3659890"/>
+            <a:ext cx="0" cy="204335"/>
           </a:xfrm>
           <a:prstGeom prst="straightConnector1">
             <a:avLst/>
           </a:prstGeom>
           <a:ln w="28575">
             <a:solidFill>
-              <a:schemeClr val="bg1">
-                <a:lumMod val="50000"/>
+              <a:schemeClr val="tx1">
+                <a:lumMod val="65000"/>
+                <a:lumOff val="35000"/>
               </a:schemeClr>
             </a:solidFill>
-            <a:prstDash val="sysDash"/>
             <a:tailEnd type="triangle"/>
           </a:ln>
         </p:spPr>
         <p:style>
-          <a:lnRef idx="1">
+          <a:lnRef idx="2">
             <a:schemeClr val="accent3"/>
           </a:lnRef>
-          <a:fillRef idx="2">
-            <a:schemeClr val="accent3"/>
+          <a:fillRef idx="1">
+            <a:schemeClr val="lt1"/>
           </a:fillRef>
-          <a:effectRef idx="1">
+          <a:effectRef idx="0">
             <a:schemeClr val="accent3"/>
           </a:effectRef>
           <a:fontRef idx="minor">
@@ -27040,39 +26424,80 @@
       </p:cxnSp>
       <p:cxnSp>
         <p:nvCxnSpPr>
-          <p:cNvPr id="92" name="Straight Arrow Connector 91"/>
+          <p:cNvPr id="178" name="Straight Arrow Connector 177"/>
           <p:cNvCxnSpPr>
-            <a:stCxn id="46" idx="2"/>
-            <a:endCxn id="78" idx="0"/>
+            <a:endCxn id="134" idx="0"/>
           </p:cNvCxnSpPr>
           <p:nvPr/>
         </p:nvCxnSpPr>
         <p:spPr>
           <a:xfrm>
-            <a:off x="5696268" y="2026206"/>
-            <a:ext cx="771" cy="199073"/>
+            <a:off x="5697039" y="4412921"/>
+            <a:ext cx="0" cy="326553"/>
           </a:xfrm>
           <a:prstGeom prst="straightConnector1">
             <a:avLst/>
           </a:prstGeom>
           <a:ln w="28575">
             <a:solidFill>
-              <a:schemeClr val="bg1">
-                <a:lumMod val="50000"/>
+              <a:schemeClr val="tx1">
+                <a:lumMod val="65000"/>
+                <a:lumOff val="35000"/>
               </a:schemeClr>
             </a:solidFill>
-            <a:prstDash val="sysDash"/>
             <a:tailEnd type="triangle"/>
           </a:ln>
         </p:spPr>
         <p:style>
-          <a:lnRef idx="1">
+          <a:lnRef idx="2">
             <a:schemeClr val="accent3"/>
           </a:lnRef>
-          <a:fillRef idx="2">
+          <a:fillRef idx="1">
+            <a:schemeClr val="lt1"/>
+          </a:fillRef>
+          <a:effectRef idx="0">
             <a:schemeClr val="accent3"/>
+          </a:effectRef>
+          <a:fontRef idx="minor">
+            <a:schemeClr val="dk1"/>
+          </a:fontRef>
+        </p:style>
+      </p:cxnSp>
+      <p:cxnSp>
+        <p:nvCxnSpPr>
+          <p:cNvPr id="179" name="Straight Arrow Connector 178"/>
+          <p:cNvCxnSpPr>
+            <a:stCxn id="133" idx="2"/>
+            <a:endCxn id="174" idx="0"/>
+          </p:cNvCxnSpPr>
+          <p:nvPr/>
+        </p:nvCxnSpPr>
+        <p:spPr>
+          <a:xfrm flipH="1">
+            <a:off x="5696008" y="2026206"/>
+            <a:ext cx="260" cy="335410"/>
+          </a:xfrm>
+          <a:prstGeom prst="straightConnector1">
+            <a:avLst/>
+          </a:prstGeom>
+          <a:ln w="28575">
+            <a:solidFill>
+              <a:schemeClr val="tx1">
+                <a:lumMod val="65000"/>
+                <a:lumOff val="35000"/>
+              </a:schemeClr>
+            </a:solidFill>
+            <a:tailEnd type="triangle"/>
+          </a:ln>
+        </p:spPr>
+        <p:style>
+          <a:lnRef idx="2">
+            <a:schemeClr val="accent3"/>
+          </a:lnRef>
+          <a:fillRef idx="1">
+            <a:schemeClr val="lt1"/>
           </a:fillRef>
-          <a:effectRef idx="1">
+          <a:effectRef idx="0">
             <a:schemeClr val="accent3"/>
           </a:effectRef>
           <a:fontRef idx="minor">
@@ -27082,21 +26507,21 @@
       </p:cxnSp>
       <p:grpSp>
         <p:nvGrpSpPr>
-          <p:cNvPr id="93" name="Group 92"/>
+          <p:cNvPr id="180" name="Group 179"/>
           <p:cNvGrpSpPr/>
           <p:nvPr/>
         </p:nvGrpSpPr>
         <p:grpSpPr>
           <a:xfrm>
-            <a:off x="3122717" y="112629"/>
-            <a:ext cx="1057934" cy="845543"/>
-            <a:chOff x="3408047" y="122639"/>
-            <a:chExt cx="1061107" cy="1012049"/>
+            <a:off x="3122717" y="113938"/>
+            <a:ext cx="1057934" cy="844234"/>
+            <a:chOff x="3408047" y="124206"/>
+            <a:chExt cx="1061107" cy="1010482"/>
           </a:xfrm>
         </p:grpSpPr>
         <p:sp>
           <p:nvSpPr>
-            <p:cNvPr id="94" name="TextBox 93"/>
+            <p:cNvPr id="181" name="TextBox 180"/>
             <p:cNvSpPr txBox="1"/>
             <p:nvPr/>
           </p:nvSpPr>
@@ -27133,7 +26558,7 @@
         </p:sp>
         <p:pic>
           <p:nvPicPr>
-            <p:cNvPr id="95" name="Picture 94"/>
+            <p:cNvPr id="182" name="Picture 181"/>
             <p:cNvPicPr>
               <a:picLocks noChangeAspect="1"/>
             </p:cNvPicPr>
@@ -27153,8 +26578,8 @@
           </p:blipFill>
           <p:spPr>
             <a:xfrm>
-              <a:off x="3753196" y="122639"/>
-              <a:ext cx="310966" cy="691860"/>
+              <a:off x="3753900" y="124206"/>
+              <a:ext cx="309558" cy="688727"/>
             </a:xfrm>
             <a:prstGeom prst="rect">
               <a:avLst/>
@@ -27164,7 +26589,7 @@
       </p:grpSp>
       <p:grpSp>
         <p:nvGrpSpPr>
-          <p:cNvPr id="96" name="Group 95"/>
+          <p:cNvPr id="183" name="Group 182"/>
           <p:cNvGrpSpPr/>
           <p:nvPr/>
         </p:nvGrpSpPr>
@@ -27178,7 +26603,7 @@
         </p:grpSpPr>
         <p:sp>
           <p:nvSpPr>
-            <p:cNvPr id="97" name="TextBox 96"/>
+            <p:cNvPr id="184" name="TextBox 183"/>
             <p:cNvSpPr txBox="1"/>
             <p:nvPr/>
           </p:nvSpPr>
@@ -27215,14 +26640,14 @@
         </p:sp>
         <p:pic>
           <p:nvPicPr>
-            <p:cNvPr id="98" name="Picture 97"/>
+            <p:cNvPr id="185" name="Picture 184"/>
             <p:cNvPicPr>
               <a:picLocks noChangeAspect="1"/>
             </p:cNvPicPr>
             <p:nvPr/>
           </p:nvPicPr>
           <p:blipFill>
-            <a:blip r:embed="rId6" cstate="print">
+            <a:blip r:embed="rId7" cstate="print">
               <a:extLst>
                 <a:ext uri="{28A0092B-C50C-407E-A947-70E740481C1C}">
                   <a14:useLocalDpi xmlns:a14="http://schemas.microsoft.com/office/drawing/2010/main" val="0"/>
@@ -27235,8 +26660,8 @@
           </p:blipFill>
           <p:spPr>
             <a:xfrm>
-              <a:off x="4196406" y="165885"/>
-              <a:ext cx="302837" cy="673776"/>
+              <a:off x="4197091" y="165885"/>
+              <a:ext cx="301466" cy="673776"/>
             </a:xfrm>
             <a:prstGeom prst="rect">
               <a:avLst/>
@@ -27246,7 +26671,7 @@
       </p:grpSp>
       <p:grpSp>
         <p:nvGrpSpPr>
-          <p:cNvPr id="99" name="Group 98"/>
+          <p:cNvPr id="186" name="Group 185"/>
           <p:cNvGrpSpPr/>
           <p:nvPr/>
         </p:nvGrpSpPr>
@@ -27260,7 +26685,7 @@
         </p:grpSpPr>
         <p:sp>
           <p:nvSpPr>
-            <p:cNvPr id="100" name="TextBox 99"/>
+            <p:cNvPr id="187" name="TextBox 186"/>
             <p:cNvSpPr txBox="1"/>
             <p:nvPr/>
           </p:nvSpPr>
@@ -27297,14 +26722,14 @@
         </p:sp>
         <p:pic>
           <p:nvPicPr>
-            <p:cNvPr id="101" name="Picture 100"/>
+            <p:cNvPr id="188" name="Picture 187"/>
             <p:cNvPicPr>
               <a:picLocks noChangeAspect="1"/>
             </p:cNvPicPr>
             <p:nvPr/>
           </p:nvPicPr>
           <p:blipFill>
-            <a:blip r:embed="rId6" cstate="print">
+            <a:blip r:embed="rId7" cstate="print">
               <a:extLst>
                 <a:ext uri="{28A0092B-C50C-407E-A947-70E740481C1C}">
                   <a14:useLocalDpi xmlns:a14="http://schemas.microsoft.com/office/drawing/2010/main" val="0"/>
@@ -27317,8 +26742,8 @@
           </p:blipFill>
           <p:spPr>
             <a:xfrm>
-              <a:off x="3753196" y="131238"/>
-              <a:ext cx="303237" cy="674664"/>
+              <a:off x="3753882" y="131238"/>
+              <a:ext cx="301864" cy="674664"/>
             </a:xfrm>
             <a:prstGeom prst="rect">
               <a:avLst/>
@@ -27326,82 +26751,38 @@
           </p:spPr>
         </p:pic>
       </p:grpSp>
-      <p:sp>
-        <p:nvSpPr>
-          <p:cNvPr id="102" name="Down Arrow 101"/>
-          <p:cNvSpPr/>
-          <p:nvPr/>
-        </p:nvSpPr>
-        <p:spPr>
-          <a:xfrm>
-            <a:off x="3480988" y="1001062"/>
-            <a:ext cx="252812" cy="239910"/>
-          </a:xfrm>
-          <a:prstGeom prst="downArrow">
-            <a:avLst/>
-          </a:prstGeom>
-        </p:spPr>
-        <p:style>
-          <a:lnRef idx="1">
-            <a:schemeClr val="accent3"/>
-          </a:lnRef>
-          <a:fillRef idx="3">
-            <a:schemeClr val="accent3"/>
-          </a:fillRef>
-          <a:effectRef idx="2">
-            <a:schemeClr val="accent3"/>
-          </a:effectRef>
-          <a:fontRef idx="minor">
-            <a:schemeClr val="lt1"/>
-          </a:fontRef>
-        </p:style>
-        <p:txBody>
-          <a:bodyPr rtlCol="0" anchor="ctr"/>
-          <a:lstStyle/>
-          <a:p>
-            <a:pPr algn="ctr"/>
-            <a:endParaRPr lang="en-US">
-              <a:solidFill>
-                <a:schemeClr val="dk1"/>
-              </a:solidFill>
-            </a:endParaRPr>
-          </a:p>
-        </p:txBody>
-      </p:sp>
       <p:cxnSp>
         <p:nvCxnSpPr>
-          <p:cNvPr id="103" name="Straight Arrow Connector 102"/>
-          <p:cNvCxnSpPr>
-            <a:stCxn id="46" idx="3"/>
-          </p:cNvCxnSpPr>
+          <p:cNvPr id="65" name="Straight Arrow Connector 64"/>
+          <p:cNvCxnSpPr/>
           <p:nvPr/>
         </p:nvCxnSpPr>
         <p:spPr>
           <a:xfrm>
-            <a:off x="8761459" y="1642568"/>
-            <a:ext cx="268241" cy="0"/>
+            <a:off x="7960167" y="3659890"/>
+            <a:ext cx="0" cy="1059252"/>
           </a:xfrm>
           <a:prstGeom prst="straightConnector1">
             <a:avLst/>
           </a:prstGeom>
           <a:ln w="28575">
             <a:solidFill>
-              <a:schemeClr val="bg1">
-                <a:lumMod val="50000"/>
+              <a:schemeClr val="tx1">
+                <a:lumMod val="65000"/>
+                <a:lumOff val="35000"/>
               </a:schemeClr>
             </a:solidFill>
-            <a:prstDash val="sysDash"/>
             <a:tailEnd type="triangle"/>
           </a:ln>
         </p:spPr>
         <p:style>
-          <a:lnRef idx="1">
+          <a:lnRef idx="2">
             <a:schemeClr val="accent3"/>
           </a:lnRef>
-          <a:fillRef idx="2">
-            <a:schemeClr val="accent3"/>
+          <a:fillRef idx="1">
+            <a:schemeClr val="lt1"/>
           </a:fillRef>
-          <a:effectRef idx="1">
+          <a:effectRef idx="0">
             <a:schemeClr val="accent3"/>
           </a:effectRef>
           <a:fontRef idx="minor">
@@ -27411,38 +26792,36 @@
       </p:cxnSp>
       <p:cxnSp>
         <p:nvCxnSpPr>
-          <p:cNvPr id="104" name="Straight Arrow Connector 103"/>
-          <p:cNvCxnSpPr>
-            <a:stCxn id="78" idx="3"/>
-          </p:cNvCxnSpPr>
+          <p:cNvPr id="71" name="Straight Arrow Connector 70"/>
+          <p:cNvCxnSpPr/>
           <p:nvPr/>
         </p:nvCxnSpPr>
         <p:spPr>
           <a:xfrm>
-            <a:off x="8763000" y="3370399"/>
-            <a:ext cx="266700" cy="0"/>
+            <a:off x="3632219" y="1001714"/>
+            <a:ext cx="0" cy="379349"/>
           </a:xfrm>
           <a:prstGeom prst="straightConnector1">
             <a:avLst/>
           </a:prstGeom>
           <a:ln w="28575">
             <a:solidFill>
-              <a:schemeClr val="bg1">
-                <a:lumMod val="50000"/>
+              <a:schemeClr val="tx1">
+                <a:lumMod val="65000"/>
+                <a:lumOff val="35000"/>
               </a:schemeClr>
             </a:solidFill>
-            <a:prstDash val="sysDash"/>
             <a:tailEnd type="triangle"/>
           </a:ln>
         </p:spPr>
         <p:style>
-          <a:lnRef idx="1">
+          <a:lnRef idx="2">
             <a:schemeClr val="accent3"/>
           </a:lnRef>
-          <a:fillRef idx="2">
-            <a:schemeClr val="accent3"/>
+          <a:fillRef idx="1">
+            <a:schemeClr val="lt1"/>
           </a:fillRef>
-          <a:effectRef idx="1">
+          <a:effectRef idx="0">
             <a:schemeClr val="accent3"/>
           </a:effectRef>
           <a:fontRef idx="minor">
@@ -27452,38 +26831,36 @@
       </p:cxnSp>
       <p:cxnSp>
         <p:nvCxnSpPr>
-          <p:cNvPr id="105" name="Straight Arrow Connector 104"/>
-          <p:cNvCxnSpPr>
-            <a:stCxn id="47" idx="3"/>
-          </p:cNvCxnSpPr>
+          <p:cNvPr id="81" name="Straight Arrow Connector 80"/>
+          <p:cNvCxnSpPr/>
           <p:nvPr/>
         </p:nvCxnSpPr>
         <p:spPr>
           <a:xfrm>
-            <a:off x="8763000" y="5045490"/>
-            <a:ext cx="266700" cy="0"/>
+            <a:off x="5697590" y="995382"/>
+            <a:ext cx="0" cy="379349"/>
           </a:xfrm>
           <a:prstGeom prst="straightConnector1">
             <a:avLst/>
           </a:prstGeom>
           <a:ln w="28575">
             <a:solidFill>
-              <a:schemeClr val="bg1">
-                <a:lumMod val="50000"/>
+              <a:schemeClr val="tx1">
+                <a:lumMod val="65000"/>
+                <a:lumOff val="35000"/>
               </a:schemeClr>
             </a:solidFill>
-            <a:prstDash val="sysDash"/>
             <a:tailEnd type="triangle"/>
           </a:ln>
         </p:spPr>
         <p:style>
-          <a:lnRef idx="1">
+          <a:lnRef idx="2">
             <a:schemeClr val="accent3"/>
           </a:lnRef>
-          <a:fillRef idx="2">
-            <a:schemeClr val="accent3"/>
+          <a:fillRef idx="1">
+            <a:schemeClr val="lt1"/>
           </a:fillRef>
-          <a:effectRef idx="1">
+          <a:effectRef idx="0">
             <a:schemeClr val="accent3"/>
           </a:effectRef>
           <a:fontRef idx="minor">
@@ -27491,130 +26868,205 @@
           </a:fontRef>
         </p:style>
       </p:cxnSp>
-      <p:sp>
-        <p:nvSpPr>
-          <p:cNvPr id="106" name="Down Arrow 105"/>
-          <p:cNvSpPr/>
+      <p:cxnSp>
+        <p:nvCxnSpPr>
+          <p:cNvPr id="82" name="Straight Arrow Connector 81"/>
+          <p:cNvCxnSpPr/>
           <p:nvPr/>
-        </p:nvSpPr>
+        </p:nvCxnSpPr>
         <p:spPr>
           <a:xfrm>
-            <a:off x="5513825" y="1001062"/>
-            <a:ext cx="252812" cy="239910"/>
-          </a:xfrm>
-          <a:prstGeom prst="downArrow">
+            <a:off x="7820364" y="995382"/>
+            <a:ext cx="0" cy="379349"/>
+          </a:xfrm>
+          <a:prstGeom prst="straightConnector1">
             <a:avLst/>
           </a:prstGeom>
+          <a:ln w="28575">
+            <a:solidFill>
+              <a:schemeClr val="tx1">
+                <a:lumMod val="65000"/>
+                <a:lumOff val="35000"/>
+              </a:schemeClr>
+            </a:solidFill>
+            <a:tailEnd type="triangle"/>
+          </a:ln>
         </p:spPr>
         <p:style>
-          <a:lnRef idx="1">
+          <a:lnRef idx="2">
             <a:schemeClr val="accent3"/>
           </a:lnRef>
-          <a:fillRef idx="3">
-            <a:schemeClr val="accent3"/>
+          <a:fillRef idx="1">
+            <a:schemeClr val="lt1"/>
           </a:fillRef>
-          <a:effectRef idx="2">
-            <a:schemeClr val="accent3"/>
-          </a:effectRef>
-          <a:fontRef idx="minor">
-            <a:schemeClr val="lt1"/>
-          </a:fontRef>
-        </p:style>
-        <p:txBody>
-          <a:bodyPr rtlCol="0" anchor="ctr"/>
-          <a:lstStyle/>
-          <a:p>
-            <a:pPr algn="ctr"/>
-            <a:endParaRPr lang="en-US"/>
-          </a:p>
-        </p:txBody>
-      </p:sp>
-      <p:sp>
-        <p:nvSpPr>
-          <p:cNvPr id="107" name="Down Arrow 106"/>
-          <p:cNvSpPr/>
-          <p:nvPr/>
-        </p:nvSpPr>
-        <p:spPr>
-          <a:xfrm>
-            <a:off x="7701833" y="1001064"/>
-            <a:ext cx="252812" cy="239910"/>
-          </a:xfrm>
-          <a:prstGeom prst="downArrow">
-            <a:avLst/>
-          </a:prstGeom>
-        </p:spPr>
-        <p:style>
-          <a:lnRef idx="1">
-            <a:schemeClr val="accent3"/>
-          </a:lnRef>
-          <a:fillRef idx="3">
-            <a:schemeClr val="accent3"/>
-          </a:fillRef>
-          <a:effectRef idx="2">
-            <a:schemeClr val="accent3"/>
-          </a:effectRef>
-          <a:fontRef idx="minor">
-            <a:schemeClr val="lt1"/>
-          </a:fontRef>
-        </p:style>
-        <p:txBody>
-          <a:bodyPr rtlCol="0" anchor="ctr"/>
-          <a:lstStyle/>
-          <a:p>
-            <a:pPr algn="ctr"/>
-            <a:endParaRPr lang="en-US">
-              <a:solidFill>
-                <a:schemeClr val="lt1"/>
-              </a:solidFill>
-            </a:endParaRPr>
-          </a:p>
-        </p:txBody>
-      </p:sp>
-      <p:sp>
-        <p:nvSpPr>
-          <p:cNvPr id="4" name="Multiply 3"/>
-          <p:cNvSpPr/>
-          <p:nvPr/>
-        </p:nvSpPr>
-        <p:spPr>
-          <a:xfrm>
-            <a:off x="-265269" y="-722086"/>
-            <a:ext cx="11811000" cy="3378100"/>
-          </a:xfrm>
-          <a:prstGeom prst="mathMultiply">
-            <a:avLst>
-              <a:gd name="adj1" fmla="val 1826"/>
-            </a:avLst>
-          </a:prstGeom>
-        </p:spPr>
-        <p:style>
-          <a:lnRef idx="1">
-            <a:schemeClr val="accent3"/>
-          </a:lnRef>
-          <a:fillRef idx="2">
-            <a:schemeClr val="accent3"/>
-          </a:fillRef>
-          <a:effectRef idx="1">
+          <a:effectRef idx="0">
             <a:schemeClr val="accent3"/>
           </a:effectRef>
           <a:fontRef idx="minor">
             <a:schemeClr val="dk1"/>
           </a:fontRef>
         </p:style>
-        <p:txBody>
-          <a:bodyPr rtlCol="0" anchor="ctr"/>
-          <a:lstStyle/>
-          <a:p>
-            <a:pPr algn="ctr"/>
-            <a:endParaRPr lang="en-US"/>
-          </a:p>
-        </p:txBody>
-      </p:sp>
+      </p:cxnSp>
+      <p:cxnSp>
+        <p:nvCxnSpPr>
+          <p:cNvPr id="84" name="Straight Arrow Connector 83"/>
+          <p:cNvCxnSpPr/>
+          <p:nvPr/>
+        </p:nvCxnSpPr>
+        <p:spPr>
+          <a:xfrm>
+            <a:off x="4916715" y="5469271"/>
+            <a:ext cx="0" cy="379349"/>
+          </a:xfrm>
+          <a:prstGeom prst="straightConnector1">
+            <a:avLst/>
+          </a:prstGeom>
+          <a:ln w="28575">
+            <a:solidFill>
+              <a:schemeClr val="tx1">
+                <a:lumMod val="65000"/>
+                <a:lumOff val="35000"/>
+              </a:schemeClr>
+            </a:solidFill>
+            <a:tailEnd type="triangle"/>
+          </a:ln>
+        </p:spPr>
+        <p:style>
+          <a:lnRef idx="2">
+            <a:schemeClr val="accent3"/>
+          </a:lnRef>
+          <a:fillRef idx="1">
+            <a:schemeClr val="lt1"/>
+          </a:fillRef>
+          <a:effectRef idx="0">
+            <a:schemeClr val="accent3"/>
+          </a:effectRef>
+          <a:fontRef idx="minor">
+            <a:schemeClr val="dk1"/>
+          </a:fontRef>
+        </p:style>
+      </p:cxnSp>
+      <p:cxnSp>
+        <p:nvCxnSpPr>
+          <p:cNvPr id="85" name="Straight Arrow Connector 84"/>
+          <p:cNvCxnSpPr/>
+          <p:nvPr/>
+        </p:nvCxnSpPr>
+        <p:spPr>
+          <a:xfrm>
+            <a:off x="6539738" y="5469271"/>
+            <a:ext cx="0" cy="379349"/>
+          </a:xfrm>
+          <a:prstGeom prst="straightConnector1">
+            <a:avLst/>
+          </a:prstGeom>
+          <a:ln w="28575">
+            <a:solidFill>
+              <a:schemeClr val="tx1">
+                <a:lumMod val="65000"/>
+                <a:lumOff val="35000"/>
+              </a:schemeClr>
+            </a:solidFill>
+            <a:tailEnd type="triangle"/>
+          </a:ln>
+        </p:spPr>
+        <p:style>
+          <a:lnRef idx="2">
+            <a:schemeClr val="accent3"/>
+          </a:lnRef>
+          <a:fillRef idx="1">
+            <a:schemeClr val="lt1"/>
+          </a:fillRef>
+          <a:effectRef idx="0">
+            <a:schemeClr val="accent3"/>
+          </a:effectRef>
+          <a:fontRef idx="minor">
+            <a:schemeClr val="dk1"/>
+          </a:fontRef>
+        </p:style>
+      </p:cxnSp>
+      <p:cxnSp>
+        <p:nvCxnSpPr>
+          <p:cNvPr id="86" name="Straight Arrow Connector 85"/>
+          <p:cNvCxnSpPr/>
+          <p:nvPr/>
+        </p:nvCxnSpPr>
+        <p:spPr>
+          <a:xfrm>
+            <a:off x="7968476" y="5469271"/>
+            <a:ext cx="0" cy="379349"/>
+          </a:xfrm>
+          <a:prstGeom prst="straightConnector1">
+            <a:avLst/>
+          </a:prstGeom>
+          <a:ln w="28575">
+            <a:solidFill>
+              <a:schemeClr val="tx1">
+                <a:lumMod val="65000"/>
+                <a:lumOff val="35000"/>
+              </a:schemeClr>
+            </a:solidFill>
+            <a:tailEnd type="triangle"/>
+          </a:ln>
+        </p:spPr>
+        <p:style>
+          <a:lnRef idx="2">
+            <a:schemeClr val="accent3"/>
+          </a:lnRef>
+          <a:fillRef idx="1">
+            <a:schemeClr val="lt1"/>
+          </a:fillRef>
+          <a:effectRef idx="0">
+            <a:schemeClr val="accent3"/>
+          </a:effectRef>
+          <a:fontRef idx="minor">
+            <a:schemeClr val="dk1"/>
+          </a:fontRef>
+        </p:style>
+      </p:cxnSp>
+      <p:cxnSp>
+        <p:nvCxnSpPr>
+          <p:cNvPr id="89" name="Straight Arrow Connector 88"/>
+          <p:cNvCxnSpPr/>
+          <p:nvPr/>
+        </p:nvCxnSpPr>
+        <p:spPr>
+          <a:xfrm>
+            <a:off x="3349172" y="5469271"/>
+            <a:ext cx="0" cy="379349"/>
+          </a:xfrm>
+          <a:prstGeom prst="straightConnector1">
+            <a:avLst/>
+          </a:prstGeom>
+          <a:ln w="28575">
+            <a:solidFill>
+              <a:schemeClr val="tx1">
+                <a:lumMod val="65000"/>
+                <a:lumOff val="35000"/>
+              </a:schemeClr>
+            </a:solidFill>
+            <a:tailEnd type="triangle"/>
+          </a:ln>
+        </p:spPr>
+        <p:style>
+          <a:lnRef idx="2">
+            <a:schemeClr val="accent3"/>
+          </a:lnRef>
+          <a:fillRef idx="1">
+            <a:schemeClr val="lt1"/>
+          </a:fillRef>
+          <a:effectRef idx="0">
+            <a:schemeClr val="accent3"/>
+          </a:effectRef>
+          <a:fontRef idx="minor">
+            <a:schemeClr val="dk1"/>
+          </a:fontRef>
+        </p:style>
+      </p:cxnSp>
     </p:spTree>
     <p:extLst>
       <p:ext uri="{BB962C8B-B14F-4D97-AF65-F5344CB8AC3E}">
-        <p14:creationId xmlns:p14="http://schemas.microsoft.com/office/powerpoint/2010/main" val="3919820790"/>
+        <p14:creationId xmlns:p14="http://schemas.microsoft.com/office/powerpoint/2010/main" val="2417652968"/>
       </p:ext>
     </p:extLst>
   </p:cSld>
@@ -28466,6 +27918,196 @@
           </p:style>
         </p:cxnSp>
       </p:grpSp>
+      <p:grpSp>
+        <p:nvGrpSpPr>
+          <p:cNvPr id="30" name="Group 29"/>
+          <p:cNvGrpSpPr/>
+          <p:nvPr/>
+        </p:nvGrpSpPr>
+        <p:grpSpPr>
+          <a:xfrm>
+            <a:off x="9449473" y="4868274"/>
+            <a:ext cx="684426" cy="1307839"/>
+            <a:chOff x="467189" y="5197791"/>
+            <a:chExt cx="684426" cy="1307839"/>
+          </a:xfrm>
+        </p:grpSpPr>
+        <p:sp>
+          <p:nvSpPr>
+            <p:cNvPr id="31" name="Oval 30"/>
+            <p:cNvSpPr/>
+            <p:nvPr/>
+          </p:nvSpPr>
+          <p:spPr>
+            <a:xfrm>
+              <a:off x="542206" y="5197791"/>
+              <a:ext cx="542734" cy="516912"/>
+            </a:xfrm>
+            <a:prstGeom prst="ellipse">
+              <a:avLst/>
+            </a:prstGeom>
+            <a:ln w="28575"/>
+          </p:spPr>
+          <p:style>
+            <a:lnRef idx="2">
+              <a:schemeClr val="accent4">
+                <a:shade val="50000"/>
+              </a:schemeClr>
+            </a:lnRef>
+            <a:fillRef idx="1">
+              <a:schemeClr val="accent4"/>
+            </a:fillRef>
+            <a:effectRef idx="0">
+              <a:schemeClr val="accent4"/>
+            </a:effectRef>
+            <a:fontRef idx="minor">
+              <a:schemeClr val="lt1"/>
+            </a:fontRef>
+          </p:style>
+          <p:txBody>
+            <a:bodyPr rtlCol="0" anchor="ctr"/>
+            <a:lstStyle/>
+            <a:p>
+              <a:pPr algn="ctr"/>
+              <a:endParaRPr lang="en-US"/>
+            </a:p>
+          </p:txBody>
+        </p:sp>
+        <p:cxnSp>
+          <p:nvCxnSpPr>
+            <p:cNvPr id="32" name="Straight Connector 31"/>
+            <p:cNvCxnSpPr>
+              <a:stCxn id="31" idx="4"/>
+            </p:cNvCxnSpPr>
+            <p:nvPr/>
+          </p:nvCxnSpPr>
+          <p:spPr>
+            <a:xfrm flipH="1">
+              <a:off x="808715" y="5714703"/>
+              <a:ext cx="4858" cy="442722"/>
+            </a:xfrm>
+            <a:prstGeom prst="line">
+              <a:avLst/>
+            </a:prstGeom>
+            <a:ln w="28575"/>
+          </p:spPr>
+          <p:style>
+            <a:lnRef idx="2">
+              <a:schemeClr val="accent4">
+                <a:shade val="50000"/>
+              </a:schemeClr>
+            </a:lnRef>
+            <a:fillRef idx="1">
+              <a:schemeClr val="accent4"/>
+            </a:fillRef>
+            <a:effectRef idx="0">
+              <a:schemeClr val="accent4"/>
+            </a:effectRef>
+            <a:fontRef idx="minor">
+              <a:schemeClr val="lt1"/>
+            </a:fontRef>
+          </p:style>
+        </p:cxnSp>
+        <p:cxnSp>
+          <p:nvCxnSpPr>
+            <p:cNvPr id="33" name="Straight Connector 32"/>
+            <p:cNvCxnSpPr/>
+            <p:nvPr/>
+          </p:nvCxnSpPr>
+          <p:spPr>
+            <a:xfrm flipH="1">
+              <a:off x="467189" y="6157425"/>
+              <a:ext cx="341528" cy="348205"/>
+            </a:xfrm>
+            <a:prstGeom prst="line">
+              <a:avLst/>
+            </a:prstGeom>
+            <a:ln w="28575"/>
+          </p:spPr>
+          <p:style>
+            <a:lnRef idx="2">
+              <a:schemeClr val="accent4">
+                <a:shade val="50000"/>
+              </a:schemeClr>
+            </a:lnRef>
+            <a:fillRef idx="1">
+              <a:schemeClr val="accent4"/>
+            </a:fillRef>
+            <a:effectRef idx="0">
+              <a:schemeClr val="accent4"/>
+            </a:effectRef>
+            <a:fontRef idx="minor">
+              <a:schemeClr val="lt1"/>
+            </a:fontRef>
+          </p:style>
+        </p:cxnSp>
+        <p:cxnSp>
+          <p:nvCxnSpPr>
+            <p:cNvPr id="34" name="Straight Connector 33"/>
+            <p:cNvCxnSpPr/>
+            <p:nvPr/>
+          </p:nvCxnSpPr>
+          <p:spPr>
+            <a:xfrm>
+              <a:off x="808715" y="6157425"/>
+              <a:ext cx="342900" cy="335936"/>
+            </a:xfrm>
+            <a:prstGeom prst="line">
+              <a:avLst/>
+            </a:prstGeom>
+            <a:ln w="28575"/>
+          </p:spPr>
+          <p:style>
+            <a:lnRef idx="2">
+              <a:schemeClr val="accent4">
+                <a:shade val="50000"/>
+              </a:schemeClr>
+            </a:lnRef>
+            <a:fillRef idx="1">
+              <a:schemeClr val="accent4"/>
+            </a:fillRef>
+            <a:effectRef idx="0">
+              <a:schemeClr val="accent4"/>
+            </a:effectRef>
+            <a:fontRef idx="minor">
+              <a:schemeClr val="lt1"/>
+            </a:fontRef>
+          </p:style>
+        </p:cxnSp>
+        <p:cxnSp>
+          <p:nvCxnSpPr>
+            <p:cNvPr id="35" name="Straight Connector 34"/>
+            <p:cNvCxnSpPr/>
+            <p:nvPr/>
+          </p:nvCxnSpPr>
+          <p:spPr>
+            <a:xfrm>
+              <a:off x="467189" y="5943304"/>
+              <a:ext cx="684426" cy="2825"/>
+            </a:xfrm>
+            <a:prstGeom prst="line">
+              <a:avLst/>
+            </a:prstGeom>
+            <a:ln w="28575"/>
+          </p:spPr>
+          <p:style>
+            <a:lnRef idx="2">
+              <a:schemeClr val="accent4">
+                <a:shade val="50000"/>
+              </a:schemeClr>
+            </a:lnRef>
+            <a:fillRef idx="1">
+              <a:schemeClr val="accent4"/>
+            </a:fillRef>
+            <a:effectRef idx="0">
+              <a:schemeClr val="accent4"/>
+            </a:effectRef>
+            <a:fontRef idx="minor">
+              <a:schemeClr val="lt1"/>
+            </a:fontRef>
+          </p:style>
+        </p:cxnSp>
+      </p:grpSp>
     </p:spTree>
     <p:extLst>
       <p:ext uri="{BB962C8B-B14F-4D97-AF65-F5344CB8AC3E}">
@@ -28572,8 +28214,8 @@
         </p:blipFill>
         <p:spPr>
           <a:xfrm>
-            <a:off x="2948923" y="1972631"/>
-            <a:ext cx="6308007" cy="4102409"/>
+            <a:off x="2948924" y="1972631"/>
+            <a:ext cx="6308005" cy="4102409"/>
           </a:xfrm>
           <a:prstGeom prst="rect">
             <a:avLst/>
@@ -28629,11 +28271,26 @@
         </p:nvSpPr>
         <p:spPr/>
         <p:txBody>
-          <a:bodyPr/>
+          <a:bodyPr>
+            <a:normAutofit/>
+          </a:bodyPr>
           <a:lstStyle/>
           <a:p>
             <a:r>
               <a:rPr lang="en-US" dirty="0" smtClean="0"/>
+              <a:t>Product Quality</a:t>
+            </a:r>
+            <a:br>
+              <a:rPr lang="en-US" dirty="0" smtClean="0"/>
+            </a:br>
+            <a:r>
+              <a:rPr lang="en-US" sz="3100" dirty="0">
+                <a:sym typeface="Wingdings 3" panose="05040102010807070707" pitchFamily="18" charset="2"/>
+              </a:rPr>
+              <a:t></a:t>
+            </a:r>
+            <a:r>
+              <a:rPr lang="en-US" sz="3100" dirty="0" smtClean="0"/>
               <a:t>The conceptual structure of an application to software testing</a:t>
             </a:r>
             <a:endParaRPr lang="en-US" dirty="0"/>
@@ -28686,8 +28343,8 @@
         </p:blipFill>
         <p:spPr>
           <a:xfrm>
-            <a:off x="845127" y="1885650"/>
-            <a:ext cx="5860473" cy="3811357"/>
+            <a:off x="853018" y="1870183"/>
+            <a:ext cx="6524625" cy="4243288"/>
           </a:xfrm>
           <a:prstGeom prst="rect">
             <a:avLst/>
@@ -28696,161 +28353,337 @@
       </p:pic>
       <p:grpSp>
         <p:nvGrpSpPr>
-          <p:cNvPr id="10" name="Group 9"/>
+          <p:cNvPr id="12" name="Group 11"/>
           <p:cNvGrpSpPr/>
           <p:nvPr/>
         </p:nvGrpSpPr>
         <p:grpSpPr>
           <a:xfrm>
-            <a:off x="7139914" y="2714934"/>
-            <a:ext cx="4763738" cy="2229093"/>
-            <a:chOff x="7260590" y="2924678"/>
-            <a:chExt cx="4763738" cy="2229093"/>
+            <a:off x="7562850" y="3183625"/>
+            <a:ext cx="3790950" cy="1609725"/>
+            <a:chOff x="1019257" y="2063812"/>
+            <a:chExt cx="3790950" cy="1609725"/>
           </a:xfrm>
         </p:grpSpPr>
-        <p:pic>
-          <p:nvPicPr>
-            <p:cNvPr id="3" name="Picture 2"/>
-            <p:cNvPicPr>
-              <a:picLocks noChangeAspect="1"/>
-            </p:cNvPicPr>
-            <p:nvPr/>
-          </p:nvPicPr>
-          <p:blipFill>
-            <a:blip r:embed="rId3">
-              <a:extLst>
-                <a:ext uri="{28A0092B-C50C-407E-A947-70E740481C1C}">
-                  <a14:useLocalDpi xmlns:a14="http://schemas.microsoft.com/office/drawing/2010/main" val="0"/>
-                </a:ext>
-              </a:extLst>
-            </a:blip>
-            <a:stretch>
-              <a:fillRect/>
-            </a:stretch>
-          </p:blipFill>
-          <p:spPr>
-            <a:xfrm>
-              <a:off x="8522936" y="2924678"/>
-              <a:ext cx="2239047" cy="1890539"/>
-            </a:xfrm>
-            <a:prstGeom prst="rect">
-              <a:avLst/>
-            </a:prstGeom>
-          </p:spPr>
-        </p:pic>
         <p:sp>
           <p:nvSpPr>
-            <p:cNvPr id="21" name="TextBox 20"/>
-            <p:cNvSpPr txBox="1"/>
+            <p:cNvPr id="13" name="Rounded Rectangle 12"/>
+            <p:cNvSpPr/>
             <p:nvPr/>
           </p:nvSpPr>
           <p:spPr>
             <a:xfrm>
-              <a:off x="7260590" y="4815217"/>
-              <a:ext cx="4763738" cy="338554"/>
+              <a:off x="1019257" y="2063812"/>
+              <a:ext cx="3790949" cy="1609725"/>
             </a:xfrm>
-            <a:prstGeom prst="rect">
-              <a:avLst/>
+            <a:prstGeom prst="roundRect">
+              <a:avLst>
+                <a:gd name="adj" fmla="val 4384"/>
+              </a:avLst>
             </a:prstGeom>
-            <a:noFill/>
+            <a:ln>
+              <a:prstDash val="dash"/>
+            </a:ln>
           </p:spPr>
+          <p:style>
+            <a:lnRef idx="2">
+              <a:schemeClr val="dk1"/>
+            </a:lnRef>
+            <a:fillRef idx="1">
+              <a:schemeClr val="lt1"/>
+            </a:fillRef>
+            <a:effectRef idx="0">
+              <a:schemeClr val="dk1"/>
+            </a:effectRef>
+            <a:fontRef idx="minor">
+              <a:schemeClr val="dk1"/>
+            </a:fontRef>
+          </p:style>
           <p:txBody>
-            <a:bodyPr wrap="square" rtlCol="0">
-              <a:spAutoFit/>
-            </a:bodyPr>
+            <a:bodyPr rtlCol="0" anchor="ctr"/>
             <a:lstStyle/>
             <a:p>
               <a:pPr algn="ctr"/>
-              <a:r>
-                <a:rPr lang="en-US" sz="1600" i="1" dirty="0" smtClean="0"/>
-                <a:t>Software </a:t>
-              </a:r>
-              <a:r>
-                <a:rPr lang="en-US" sz="1600" i="1" dirty="0" smtClean="0"/>
-                <a:t>components are covered by types of testing</a:t>
-              </a:r>
-              <a:endParaRPr lang="en-US" sz="1600" i="1" dirty="0"/>
+              <a:endParaRPr lang="en-US"/>
             </a:p>
           </p:txBody>
         </p:sp>
+        <p:grpSp>
+          <p:nvGrpSpPr>
+            <p:cNvPr id="14" name="Group 13"/>
+            <p:cNvGrpSpPr/>
+            <p:nvPr/>
+          </p:nvGrpSpPr>
+          <p:grpSpPr>
+            <a:xfrm>
+              <a:off x="1175962" y="2203743"/>
+              <a:ext cx="3634243" cy="387866"/>
+              <a:chOff x="1175962" y="928300"/>
+              <a:chExt cx="3634243" cy="387866"/>
+            </a:xfrm>
+          </p:grpSpPr>
+          <p:sp>
+            <p:nvSpPr>
+              <p:cNvPr id="23" name="Rounded Rectangle 22"/>
+              <p:cNvSpPr/>
+              <p:nvPr/>
+            </p:nvSpPr>
+            <p:spPr>
+              <a:xfrm>
+                <a:off x="1175962" y="928300"/>
+                <a:ext cx="370412" cy="387866"/>
+              </a:xfrm>
+              <a:prstGeom prst="roundRect">
+                <a:avLst/>
+              </a:prstGeom>
+            </p:spPr>
+            <p:style>
+              <a:lnRef idx="2">
+                <a:schemeClr val="accent4">
+                  <a:shade val="50000"/>
+                </a:schemeClr>
+              </a:lnRef>
+              <a:fillRef idx="1">
+                <a:schemeClr val="accent4"/>
+              </a:fillRef>
+              <a:effectRef idx="0">
+                <a:schemeClr val="accent4"/>
+              </a:effectRef>
+              <a:fontRef idx="minor">
+                <a:schemeClr val="lt1"/>
+              </a:fontRef>
+            </p:style>
+            <p:txBody>
+              <a:bodyPr rtlCol="0" anchor="ctr"/>
+              <a:lstStyle/>
+              <a:p>
+                <a:pPr algn="ctr"/>
+                <a:endParaRPr lang="en-US"/>
+              </a:p>
+            </p:txBody>
+          </p:sp>
+          <p:sp>
+            <p:nvSpPr>
+              <p:cNvPr id="24" name="TextBox 23"/>
+              <p:cNvSpPr txBox="1"/>
+              <p:nvPr/>
+            </p:nvSpPr>
+            <p:spPr>
+              <a:xfrm>
+                <a:off x="1546372" y="946834"/>
+                <a:ext cx="3263833" cy="369332"/>
+              </a:xfrm>
+              <a:prstGeom prst="rect">
+                <a:avLst/>
+              </a:prstGeom>
+              <a:noFill/>
+            </p:spPr>
+            <p:txBody>
+              <a:bodyPr wrap="square" rtlCol="0">
+                <a:spAutoFit/>
+              </a:bodyPr>
+              <a:lstStyle/>
+              <a:p>
+                <a:r>
+                  <a:rPr lang="en-US" dirty="0"/>
+                  <a:t>Covered by </a:t>
+                </a:r>
+                <a:r>
+                  <a:rPr lang="en-US" dirty="0" smtClean="0"/>
+                  <a:t>“GUI </a:t>
+                </a:r>
+                <a:r>
+                  <a:rPr lang="en-US" dirty="0" smtClean="0"/>
+                  <a:t>Unit” </a:t>
+                </a:r>
+                <a:r>
+                  <a:rPr lang="en-US" dirty="0" smtClean="0"/>
+                  <a:t>Testing</a:t>
+                </a:r>
+                <a:endParaRPr lang="en-US" dirty="0"/>
+              </a:p>
+            </p:txBody>
+          </p:sp>
+        </p:grpSp>
+        <p:grpSp>
+          <p:nvGrpSpPr>
+            <p:cNvPr id="15" name="Group 14"/>
+            <p:cNvGrpSpPr/>
+            <p:nvPr/>
+          </p:nvGrpSpPr>
+          <p:grpSpPr>
+            <a:xfrm>
+              <a:off x="1161142" y="3189772"/>
+              <a:ext cx="3649065" cy="387866"/>
+              <a:chOff x="1161143" y="1253928"/>
+              <a:chExt cx="3649065" cy="387866"/>
+            </a:xfrm>
+          </p:grpSpPr>
+          <p:sp>
+            <p:nvSpPr>
+              <p:cNvPr id="20" name="Rounded Rectangle 19"/>
+              <p:cNvSpPr/>
+              <p:nvPr/>
+            </p:nvSpPr>
+            <p:spPr>
+              <a:xfrm>
+                <a:off x="1161143" y="1253928"/>
+                <a:ext cx="370412" cy="387866"/>
+              </a:xfrm>
+              <a:prstGeom prst="roundRect">
+                <a:avLst/>
+              </a:prstGeom>
+            </p:spPr>
+            <p:style>
+              <a:lnRef idx="2">
+                <a:schemeClr val="accent6">
+                  <a:shade val="50000"/>
+                </a:schemeClr>
+              </a:lnRef>
+              <a:fillRef idx="1">
+                <a:schemeClr val="accent6"/>
+              </a:fillRef>
+              <a:effectRef idx="0">
+                <a:schemeClr val="accent6"/>
+              </a:effectRef>
+              <a:fontRef idx="minor">
+                <a:schemeClr val="lt1"/>
+              </a:fontRef>
+            </p:style>
+            <p:txBody>
+              <a:bodyPr rtlCol="0" anchor="ctr"/>
+              <a:lstStyle/>
+              <a:p>
+                <a:pPr algn="ctr"/>
+                <a:endParaRPr lang="en-US"/>
+              </a:p>
+            </p:txBody>
+          </p:sp>
+          <p:sp>
+            <p:nvSpPr>
+              <p:cNvPr id="22" name="TextBox 21"/>
+              <p:cNvSpPr txBox="1"/>
+              <p:nvPr/>
+            </p:nvSpPr>
+            <p:spPr>
+              <a:xfrm>
+                <a:off x="1531555" y="1272462"/>
+                <a:ext cx="3278653" cy="369332"/>
+              </a:xfrm>
+              <a:prstGeom prst="rect">
+                <a:avLst/>
+              </a:prstGeom>
+              <a:noFill/>
+            </p:spPr>
+            <p:txBody>
+              <a:bodyPr wrap="square" rtlCol="0">
+                <a:spAutoFit/>
+              </a:bodyPr>
+              <a:lstStyle/>
+              <a:p>
+                <a:r>
+                  <a:rPr lang="en-US" dirty="0"/>
+                  <a:t>Covered by Integration </a:t>
+                </a:r>
+                <a:r>
+                  <a:rPr lang="en-US" dirty="0" smtClean="0"/>
+                  <a:t>Testing</a:t>
+                </a:r>
+                <a:endParaRPr lang="en-US" dirty="0"/>
+              </a:p>
+            </p:txBody>
+          </p:sp>
+        </p:grpSp>
+        <p:grpSp>
+          <p:nvGrpSpPr>
+            <p:cNvPr id="17" name="Group 16"/>
+            <p:cNvGrpSpPr/>
+            <p:nvPr/>
+          </p:nvGrpSpPr>
+          <p:grpSpPr>
+            <a:xfrm>
+              <a:off x="1161142" y="2706007"/>
+              <a:ext cx="3039464" cy="387866"/>
+              <a:chOff x="1161142" y="2066596"/>
+              <a:chExt cx="3039464" cy="387866"/>
+            </a:xfrm>
+          </p:grpSpPr>
+          <p:sp>
+            <p:nvSpPr>
+              <p:cNvPr id="18" name="Rounded Rectangle 17"/>
+              <p:cNvSpPr/>
+              <p:nvPr/>
+            </p:nvSpPr>
+            <p:spPr>
+              <a:xfrm>
+                <a:off x="1161142" y="2066596"/>
+                <a:ext cx="370412" cy="387866"/>
+              </a:xfrm>
+              <a:prstGeom prst="roundRect">
+                <a:avLst/>
+              </a:prstGeom>
+            </p:spPr>
+            <p:style>
+              <a:lnRef idx="2">
+                <a:schemeClr val="accent1">
+                  <a:shade val="50000"/>
+                </a:schemeClr>
+              </a:lnRef>
+              <a:fillRef idx="1">
+                <a:schemeClr val="accent1"/>
+              </a:fillRef>
+              <a:effectRef idx="0">
+                <a:schemeClr val="accent1"/>
+              </a:effectRef>
+              <a:fontRef idx="minor">
+                <a:schemeClr val="lt1"/>
+              </a:fontRef>
+            </p:style>
+            <p:txBody>
+              <a:bodyPr rtlCol="0" anchor="ctr"/>
+              <a:lstStyle/>
+              <a:p>
+                <a:pPr algn="ctr"/>
+                <a:endParaRPr lang="en-US"/>
+              </a:p>
+            </p:txBody>
+          </p:sp>
+          <p:sp>
+            <p:nvSpPr>
+              <p:cNvPr id="19" name="TextBox 18"/>
+              <p:cNvSpPr txBox="1"/>
+              <p:nvPr/>
+            </p:nvSpPr>
+            <p:spPr>
+              <a:xfrm>
+                <a:off x="1531553" y="2085130"/>
+                <a:ext cx="2669053" cy="369332"/>
+              </a:xfrm>
+              <a:prstGeom prst="rect">
+                <a:avLst/>
+              </a:prstGeom>
+              <a:noFill/>
+            </p:spPr>
+            <p:txBody>
+              <a:bodyPr wrap="square" rtlCol="0">
+                <a:spAutoFit/>
+              </a:bodyPr>
+              <a:lstStyle/>
+              <a:p>
+                <a:r>
+                  <a:rPr lang="en-US" dirty="0" smtClean="0"/>
+                  <a:t>Covered by Unit </a:t>
+                </a:r>
+                <a:r>
+                  <a:rPr lang="en-US" dirty="0" smtClean="0"/>
+                  <a:t>Testing</a:t>
+                </a:r>
+                <a:endParaRPr lang="en-US" dirty="0"/>
+              </a:p>
+            </p:txBody>
+          </p:sp>
+        </p:grpSp>
       </p:grpSp>
-      <p:sp>
-        <p:nvSpPr>
-          <p:cNvPr id="11" name="TextBox 10"/>
-          <p:cNvSpPr txBox="1"/>
-          <p:nvPr/>
-        </p:nvSpPr>
-        <p:spPr>
-          <a:xfrm>
-            <a:off x="1174193" y="5968273"/>
-            <a:ext cx="9778639" cy="461665"/>
-          </a:xfrm>
-          <a:prstGeom prst="rect">
-            <a:avLst/>
-          </a:prstGeom>
-          <a:noFill/>
-        </p:spPr>
-        <p:txBody>
-          <a:bodyPr wrap="none" rtlCol="0">
-            <a:spAutoFit/>
-          </a:bodyPr>
-          <a:lstStyle/>
-          <a:p>
-            <a:r>
-              <a:rPr lang="en-US" sz="2400" dirty="0" smtClean="0">
-                <a:solidFill>
-                  <a:srgbClr val="FF0000"/>
-                </a:solidFill>
-                <a:latin typeface="Segoe Print" panose="02000600000000000000" pitchFamily="2" charset="0"/>
-              </a:rPr>
-              <a:t>Each component is covered by a type of testing individually</a:t>
-            </a:r>
-            <a:endParaRPr lang="en-US" sz="2400" dirty="0">
-              <a:solidFill>
-                <a:srgbClr val="FF0000"/>
-              </a:solidFill>
-              <a:latin typeface="Segoe Print" panose="02000600000000000000" pitchFamily="2" charset="0"/>
-            </a:endParaRPr>
-          </a:p>
-        </p:txBody>
-      </p:sp>
-      <p:pic>
-        <p:nvPicPr>
-          <p:cNvPr id="16" name="Picture 15"/>
-          <p:cNvPicPr>
-            <a:picLocks noChangeAspect="1"/>
-          </p:cNvPicPr>
-          <p:nvPr/>
-        </p:nvPicPr>
-        <p:blipFill>
-          <a:blip r:embed="rId4" cstate="print">
-            <a:duotone>
-              <a:schemeClr val="accent2">
-                <a:shade val="45000"/>
-                <a:satMod val="135000"/>
-              </a:schemeClr>
-              <a:prstClr val="white"/>
-            </a:duotone>
-            <a:extLst>
-              <a:ext uri="{28A0092B-C50C-407E-A947-70E740481C1C}">
-                <a14:useLocalDpi xmlns:a14="http://schemas.microsoft.com/office/drawing/2010/main" val="0"/>
-              </a:ext>
-            </a:extLst>
-          </a:blip>
-          <a:stretch>
-            <a:fillRect/>
-          </a:stretch>
-        </p:blipFill>
-        <p:spPr>
-          <a:xfrm>
-            <a:off x="838200" y="5992061"/>
-            <a:ext cx="335993" cy="336553"/>
-          </a:xfrm>
-          <a:prstGeom prst="rect">
-            <a:avLst/>
-          </a:prstGeom>
-        </p:spPr>
-      </p:pic>
     </p:spTree>
     <p:extLst>
       <p:ext uri="{BB962C8B-B14F-4D97-AF65-F5344CB8AC3E}">
@@ -30195,11 +30028,7 @@
           <a:p>
             <a:r>
               <a:rPr lang="en-US" dirty="0" smtClean="0"/>
-              <a:t>What types of </a:t>
-            </a:r>
-            <a:r>
-              <a:rPr lang="en-US" dirty="0" smtClean="0"/>
-              <a:t>testing should be performed to ensure software quality?</a:t>
+              <a:t>What types of testing should be performed to ensure software quality?</a:t>
             </a:r>
             <a:endParaRPr lang="en-US" dirty="0"/>
           </a:p>
@@ -31056,7 +30885,7 @@
 <file path=ppt/theme/theme4.xml><?xml version="1.0" encoding="utf-8"?>
 <a:theme xmlns:a="http://schemas.openxmlformats.org/drawingml/2006/main" name="Office Theme">
   <a:themeElements>
-    <a:clrScheme name="Office">
+    <a:clrScheme name="Office Theme">
       <a:dk1>
         <a:sysClr val="windowText" lastClr="000000"/>
       </a:dk1>
@@ -31094,79 +30923,19 @@
         <a:srgbClr val="954F72"/>
       </a:folHlink>
     </a:clrScheme>
-    <a:fontScheme name="Office">
+    <a:fontScheme name="Custom 1">
       <a:majorFont>
-        <a:latin typeface="Calibri Light" panose="020F0302020204030204"/>
+        <a:latin typeface="Segoe UI Light"/>
         <a:ea typeface=""/>
         <a:cs typeface=""/>
-        <a:font script="Jpan" typeface="ＭＳ Ｐゴシック"/>
-        <a:font script="Hang" typeface="맑은 고딕"/>
-        <a:font script="Hans" typeface="宋体"/>
-        <a:font script="Hant" typeface="新細明體"/>
-        <a:font script="Arab" typeface="Times New Roman"/>
-        <a:font script="Hebr" typeface="Times New Roman"/>
-        <a:font script="Thai" typeface="Angsana New"/>
-        <a:font script="Ethi" typeface="Nyala"/>
-        <a:font script="Beng" typeface="Vrinda"/>
-        <a:font script="Gujr" typeface="Shruti"/>
-        <a:font script="Khmr" typeface="MoolBoran"/>
-        <a:font script="Knda" typeface="Tunga"/>
-        <a:font script="Guru" typeface="Raavi"/>
-        <a:font script="Cans" typeface="Euphemia"/>
-        <a:font script="Cher" typeface="Plantagenet Cherokee"/>
-        <a:font script="Yiii" typeface="Microsoft Yi Baiti"/>
-        <a:font script="Tibt" typeface="Microsoft Himalaya"/>
-        <a:font script="Thaa" typeface="MV Boli"/>
-        <a:font script="Deva" typeface="Mangal"/>
-        <a:font script="Telu" typeface="Gautami"/>
-        <a:font script="Taml" typeface="Latha"/>
-        <a:font script="Syrc" typeface="Estrangelo Edessa"/>
-        <a:font script="Orya" typeface="Kalinga"/>
-        <a:font script="Mlym" typeface="Kartika"/>
-        <a:font script="Laoo" typeface="DokChampa"/>
-        <a:font script="Sinh" typeface="Iskoola Pota"/>
-        <a:font script="Mong" typeface="Mongolian Baiti"/>
-        <a:font script="Viet" typeface="Times New Roman"/>
-        <a:font script="Uigh" typeface="Microsoft Uighur"/>
-        <a:font script="Geor" typeface="Sylfaen"/>
       </a:majorFont>
       <a:minorFont>
-        <a:latin typeface="Calibri" panose="020F0502020204030204"/>
+        <a:latin typeface="Segoe UI"/>
         <a:ea typeface=""/>
         <a:cs typeface=""/>
-        <a:font script="Jpan" typeface="ＭＳ Ｐゴシック"/>
-        <a:font script="Hang" typeface="맑은 고딕"/>
-        <a:font script="Hans" typeface="宋体"/>
-        <a:font script="Hant" typeface="新細明體"/>
-        <a:font script="Arab" typeface="Arial"/>
-        <a:font script="Hebr" typeface="Arial"/>
-        <a:font script="Thai" typeface="Cordia New"/>
-        <a:font script="Ethi" typeface="Nyala"/>
-        <a:font script="Beng" typeface="Vrinda"/>
-        <a:font script="Gujr" typeface="Shruti"/>
-        <a:font script="Khmr" typeface="DaunPenh"/>
-        <a:font script="Knda" typeface="Tunga"/>
-        <a:font script="Guru" typeface="Raavi"/>
-        <a:font script="Cans" typeface="Euphemia"/>
-        <a:font script="Cher" typeface="Plantagenet Cherokee"/>
-        <a:font script="Yiii" typeface="Microsoft Yi Baiti"/>
-        <a:font script="Tibt" typeface="Microsoft Himalaya"/>
-        <a:font script="Thaa" typeface="MV Boli"/>
-        <a:font script="Deva" typeface="Mangal"/>
-        <a:font script="Telu" typeface="Gautami"/>
-        <a:font script="Taml" typeface="Latha"/>
-        <a:font script="Syrc" typeface="Estrangelo Edessa"/>
-        <a:font script="Orya" typeface="Kalinga"/>
-        <a:font script="Mlym" typeface="Kartika"/>
-        <a:font script="Laoo" typeface="DokChampa"/>
-        <a:font script="Sinh" typeface="Iskoola Pota"/>
-        <a:font script="Mong" typeface="Mongolian Baiti"/>
-        <a:font script="Viet" typeface="Arial"/>
-        <a:font script="Uigh" typeface="Microsoft Uighur"/>
-        <a:font script="Geor" typeface="Sylfaen"/>
       </a:minorFont>
     </a:fontScheme>
-    <a:fmtScheme name="Office">
+    <a:fmtScheme name="Office Theme">
       <a:fillStyleLst>
         <a:solidFill>
           <a:schemeClr val="phClr"/>

--- a/Documents/Lessons Learned From Agile Quality Assurance In Scrum.pptx
+++ b/Documents/Lessons Learned From Agile Quality Assurance In Scrum.pptx
@@ -8,28 +8,30 @@
     <p:sldMasterId id="2147484004" r:id="rId4"/>
   </p:sldMasterIdLst>
   <p:notesMasterIdLst>
-    <p:notesMasterId r:id="rId24"/>
+    <p:notesMasterId r:id="rId26"/>
   </p:notesMasterIdLst>
   <p:sldIdLst>
     <p:sldId id="256" r:id="rId5"/>
     <p:sldId id="265" r:id="rId6"/>
     <p:sldId id="267" r:id="rId7"/>
-    <p:sldId id="275" r:id="rId8"/>
+    <p:sldId id="283" r:id="rId8"/>
     <p:sldId id="272" r:id="rId9"/>
-    <p:sldId id="270" r:id="rId10"/>
-    <p:sldId id="274" r:id="rId11"/>
-    <p:sldId id="273" r:id="rId12"/>
-    <p:sldId id="260" r:id="rId13"/>
-    <p:sldId id="261" r:id="rId14"/>
-    <p:sldId id="257" r:id="rId15"/>
-    <p:sldId id="259" r:id="rId16"/>
-    <p:sldId id="262" r:id="rId17"/>
-    <p:sldId id="264" r:id="rId18"/>
-    <p:sldId id="266" r:id="rId19"/>
-    <p:sldId id="268" r:id="rId20"/>
-    <p:sldId id="269" r:id="rId21"/>
-    <p:sldId id="276" r:id="rId22"/>
-    <p:sldId id="258" r:id="rId23"/>
+    <p:sldId id="274" r:id="rId10"/>
+    <p:sldId id="277" r:id="rId11"/>
+    <p:sldId id="281" r:id="rId12"/>
+    <p:sldId id="282" r:id="rId13"/>
+    <p:sldId id="284" r:id="rId14"/>
+    <p:sldId id="260" r:id="rId15"/>
+    <p:sldId id="261" r:id="rId16"/>
+    <p:sldId id="257" r:id="rId17"/>
+    <p:sldId id="259" r:id="rId18"/>
+    <p:sldId id="262" r:id="rId19"/>
+    <p:sldId id="264" r:id="rId20"/>
+    <p:sldId id="266" r:id="rId21"/>
+    <p:sldId id="268" r:id="rId22"/>
+    <p:sldId id="269" r:id="rId23"/>
+    <p:sldId id="276" r:id="rId24"/>
+    <p:sldId id="258" r:id="rId25"/>
   </p:sldIdLst>
   <p:sldSz cx="12192000" cy="6858000"/>
   <p:notesSz cx="6858000" cy="9144000"/>
@@ -148,6 +150,5734 @@
 </p:cmAuthorLst>
 </file>
 
+<file path=ppt/diagrams/colors1.xml><?xml version="1.0" encoding="utf-8"?>
+<dgm:colorsDef xmlns:dgm="http://schemas.openxmlformats.org/drawingml/2006/diagram" xmlns:a="http://schemas.openxmlformats.org/drawingml/2006/main" uniqueId="urn:microsoft.com/office/officeart/2005/8/colors/accent1_2">
+  <dgm:title val=""/>
+  <dgm:desc val=""/>
+  <dgm:catLst>
+    <dgm:cat type="accent1" pri="11200"/>
+  </dgm:catLst>
+  <dgm:styleLbl name="node0">
+    <dgm:fillClrLst meth="repeat">
+      <a:schemeClr val="accent1"/>
+    </dgm:fillClrLst>
+    <dgm:linClrLst meth="repeat">
+      <a:schemeClr val="lt1"/>
+    </dgm:linClrLst>
+    <dgm:effectClrLst/>
+    <dgm:txLinClrLst/>
+    <dgm:txFillClrLst/>
+    <dgm:txEffectClrLst/>
+  </dgm:styleLbl>
+  <dgm:styleLbl name="alignNode1">
+    <dgm:fillClrLst meth="repeat">
+      <a:schemeClr val="accent1"/>
+    </dgm:fillClrLst>
+    <dgm:linClrLst meth="repeat">
+      <a:schemeClr val="accent1"/>
+    </dgm:linClrLst>
+    <dgm:effectClrLst/>
+    <dgm:txLinClrLst/>
+    <dgm:txFillClrLst/>
+    <dgm:txEffectClrLst/>
+  </dgm:styleLbl>
+  <dgm:styleLbl name="node1">
+    <dgm:fillClrLst meth="repeat">
+      <a:schemeClr val="accent1"/>
+    </dgm:fillClrLst>
+    <dgm:linClrLst meth="repeat">
+      <a:schemeClr val="lt1"/>
+    </dgm:linClrLst>
+    <dgm:effectClrLst/>
+    <dgm:txLinClrLst/>
+    <dgm:txFillClrLst/>
+    <dgm:txEffectClrLst/>
+  </dgm:styleLbl>
+  <dgm:styleLbl name="lnNode1">
+    <dgm:fillClrLst meth="repeat">
+      <a:schemeClr val="accent1"/>
+    </dgm:fillClrLst>
+    <dgm:linClrLst meth="repeat">
+      <a:schemeClr val="lt1"/>
+    </dgm:linClrLst>
+    <dgm:effectClrLst/>
+    <dgm:txLinClrLst/>
+    <dgm:txFillClrLst/>
+    <dgm:txEffectClrLst/>
+  </dgm:styleLbl>
+  <dgm:styleLbl name="vennNode1">
+    <dgm:fillClrLst meth="repeat">
+      <a:schemeClr val="accent1">
+        <a:alpha val="50000"/>
+      </a:schemeClr>
+    </dgm:fillClrLst>
+    <dgm:linClrLst meth="repeat">
+      <a:schemeClr val="lt1"/>
+    </dgm:linClrLst>
+    <dgm:effectClrLst/>
+    <dgm:txLinClrLst/>
+    <dgm:txFillClrLst/>
+    <dgm:txEffectClrLst/>
+  </dgm:styleLbl>
+  <dgm:styleLbl name="node2">
+    <dgm:fillClrLst meth="repeat">
+      <a:schemeClr val="accent1"/>
+    </dgm:fillClrLst>
+    <dgm:linClrLst meth="repeat">
+      <a:schemeClr val="lt1"/>
+    </dgm:linClrLst>
+    <dgm:effectClrLst/>
+    <dgm:txLinClrLst/>
+    <dgm:txFillClrLst/>
+    <dgm:txEffectClrLst/>
+  </dgm:styleLbl>
+  <dgm:styleLbl name="node3">
+    <dgm:fillClrLst meth="repeat">
+      <a:schemeClr val="accent1"/>
+    </dgm:fillClrLst>
+    <dgm:linClrLst meth="repeat">
+      <a:schemeClr val="lt1"/>
+    </dgm:linClrLst>
+    <dgm:effectClrLst/>
+    <dgm:txLinClrLst/>
+    <dgm:txFillClrLst/>
+    <dgm:txEffectClrLst/>
+  </dgm:styleLbl>
+  <dgm:styleLbl name="node4">
+    <dgm:fillClrLst meth="repeat">
+      <a:schemeClr val="accent1"/>
+    </dgm:fillClrLst>
+    <dgm:linClrLst meth="repeat">
+      <a:schemeClr val="lt1"/>
+    </dgm:linClrLst>
+    <dgm:effectClrLst/>
+    <dgm:txLinClrLst/>
+    <dgm:txFillClrLst/>
+    <dgm:txEffectClrLst/>
+  </dgm:styleLbl>
+  <dgm:styleLbl name="fgImgPlace1">
+    <dgm:fillClrLst meth="repeat">
+      <a:schemeClr val="accent1">
+        <a:tint val="50000"/>
+      </a:schemeClr>
+    </dgm:fillClrLst>
+    <dgm:linClrLst meth="repeat">
+      <a:schemeClr val="lt1"/>
+    </dgm:linClrLst>
+    <dgm:effectClrLst/>
+    <dgm:txLinClrLst/>
+    <dgm:txFillClrLst meth="repeat">
+      <a:schemeClr val="lt1"/>
+    </dgm:txFillClrLst>
+    <dgm:txEffectClrLst/>
+  </dgm:styleLbl>
+  <dgm:styleLbl name="alignImgPlace1">
+    <dgm:fillClrLst meth="repeat">
+      <a:schemeClr val="accent1">
+        <a:tint val="50000"/>
+      </a:schemeClr>
+    </dgm:fillClrLst>
+    <dgm:linClrLst meth="repeat">
+      <a:schemeClr val="lt1"/>
+    </dgm:linClrLst>
+    <dgm:effectClrLst/>
+    <dgm:txLinClrLst/>
+    <dgm:txFillClrLst meth="repeat">
+      <a:schemeClr val="lt1"/>
+    </dgm:txFillClrLst>
+    <dgm:txEffectClrLst/>
+  </dgm:styleLbl>
+  <dgm:styleLbl name="bgImgPlace1">
+    <dgm:fillClrLst meth="repeat">
+      <a:schemeClr val="accent1">
+        <a:tint val="50000"/>
+      </a:schemeClr>
+    </dgm:fillClrLst>
+    <dgm:linClrLst meth="repeat">
+      <a:schemeClr val="lt1"/>
+    </dgm:linClrLst>
+    <dgm:effectClrLst/>
+    <dgm:txLinClrLst/>
+    <dgm:txFillClrLst meth="repeat">
+      <a:schemeClr val="lt1"/>
+    </dgm:txFillClrLst>
+    <dgm:txEffectClrLst/>
+  </dgm:styleLbl>
+  <dgm:styleLbl name="sibTrans2D1">
+    <dgm:fillClrLst meth="repeat">
+      <a:schemeClr val="accent1">
+        <a:tint val="60000"/>
+      </a:schemeClr>
+    </dgm:fillClrLst>
+    <dgm:linClrLst meth="repeat">
+      <a:schemeClr val="accent1">
+        <a:tint val="60000"/>
+      </a:schemeClr>
+    </dgm:linClrLst>
+    <dgm:effectClrLst/>
+    <dgm:txLinClrLst/>
+    <dgm:txFillClrLst/>
+    <dgm:txEffectClrLst/>
+  </dgm:styleLbl>
+  <dgm:styleLbl name="fgSibTrans2D1">
+    <dgm:fillClrLst meth="repeat">
+      <a:schemeClr val="accent1">
+        <a:tint val="60000"/>
+      </a:schemeClr>
+    </dgm:fillClrLst>
+    <dgm:linClrLst meth="repeat">
+      <a:schemeClr val="accent1">
+        <a:tint val="60000"/>
+      </a:schemeClr>
+    </dgm:linClrLst>
+    <dgm:effectClrLst/>
+    <dgm:txLinClrLst/>
+    <dgm:txFillClrLst/>
+    <dgm:txEffectClrLst/>
+  </dgm:styleLbl>
+  <dgm:styleLbl name="bgSibTrans2D1">
+    <dgm:fillClrLst meth="repeat">
+      <a:schemeClr val="accent1">
+        <a:tint val="60000"/>
+      </a:schemeClr>
+    </dgm:fillClrLst>
+    <dgm:linClrLst meth="repeat">
+      <a:schemeClr val="accent1">
+        <a:tint val="60000"/>
+      </a:schemeClr>
+    </dgm:linClrLst>
+    <dgm:effectClrLst/>
+    <dgm:txLinClrLst/>
+    <dgm:txFillClrLst/>
+    <dgm:txEffectClrLst/>
+  </dgm:styleLbl>
+  <dgm:styleLbl name="sibTrans1D1">
+    <dgm:fillClrLst meth="repeat">
+      <a:schemeClr val="accent1"/>
+    </dgm:fillClrLst>
+    <dgm:linClrLst meth="repeat">
+      <a:schemeClr val="accent1"/>
+    </dgm:linClrLst>
+    <dgm:effectClrLst/>
+    <dgm:txLinClrLst/>
+    <dgm:txFillClrLst meth="repeat">
+      <a:schemeClr val="tx1"/>
+    </dgm:txFillClrLst>
+    <dgm:txEffectClrLst/>
+  </dgm:styleLbl>
+  <dgm:styleLbl name="callout">
+    <dgm:fillClrLst meth="repeat">
+      <a:schemeClr val="accent1"/>
+    </dgm:fillClrLst>
+    <dgm:linClrLst meth="repeat">
+      <a:schemeClr val="accent1">
+        <a:tint val="50000"/>
+      </a:schemeClr>
+    </dgm:linClrLst>
+    <dgm:effectClrLst/>
+    <dgm:txLinClrLst/>
+    <dgm:txFillClrLst meth="repeat">
+      <a:schemeClr val="tx1"/>
+    </dgm:txFillClrLst>
+    <dgm:txEffectClrLst/>
+  </dgm:styleLbl>
+  <dgm:styleLbl name="asst0">
+    <dgm:fillClrLst meth="repeat">
+      <a:schemeClr val="accent1"/>
+    </dgm:fillClrLst>
+    <dgm:linClrLst meth="repeat">
+      <a:schemeClr val="lt1"/>
+    </dgm:linClrLst>
+    <dgm:effectClrLst/>
+    <dgm:txLinClrLst/>
+    <dgm:txFillClrLst/>
+    <dgm:txEffectClrLst/>
+  </dgm:styleLbl>
+  <dgm:styleLbl name="asst1">
+    <dgm:fillClrLst meth="repeat">
+      <a:schemeClr val="accent1"/>
+    </dgm:fillClrLst>
+    <dgm:linClrLst meth="repeat">
+      <a:schemeClr val="lt1"/>
+    </dgm:linClrLst>
+    <dgm:effectClrLst/>
+    <dgm:txLinClrLst/>
+    <dgm:txFillClrLst/>
+    <dgm:txEffectClrLst/>
+  </dgm:styleLbl>
+  <dgm:styleLbl name="asst2">
+    <dgm:fillClrLst meth="repeat">
+      <a:schemeClr val="accent1"/>
+    </dgm:fillClrLst>
+    <dgm:linClrLst meth="repeat">
+      <a:schemeClr val="lt1"/>
+    </dgm:linClrLst>
+    <dgm:effectClrLst/>
+    <dgm:txLinClrLst/>
+    <dgm:txFillClrLst/>
+    <dgm:txEffectClrLst/>
+  </dgm:styleLbl>
+  <dgm:styleLbl name="asst3">
+    <dgm:fillClrLst meth="repeat">
+      <a:schemeClr val="accent1"/>
+    </dgm:fillClrLst>
+    <dgm:linClrLst meth="repeat">
+      <a:schemeClr val="lt1"/>
+    </dgm:linClrLst>
+    <dgm:effectClrLst/>
+    <dgm:txLinClrLst/>
+    <dgm:txFillClrLst/>
+    <dgm:txEffectClrLst/>
+  </dgm:styleLbl>
+  <dgm:styleLbl name="asst4">
+    <dgm:fillClrLst meth="repeat">
+      <a:schemeClr val="accent1"/>
+    </dgm:fillClrLst>
+    <dgm:linClrLst meth="repeat">
+      <a:schemeClr val="lt1"/>
+    </dgm:linClrLst>
+    <dgm:effectClrLst/>
+    <dgm:txLinClrLst/>
+    <dgm:txFillClrLst/>
+    <dgm:txEffectClrLst/>
+  </dgm:styleLbl>
+  <dgm:styleLbl name="parChTrans2D1">
+    <dgm:fillClrLst meth="repeat">
+      <a:schemeClr val="accent1">
+        <a:tint val="60000"/>
+      </a:schemeClr>
+    </dgm:fillClrLst>
+    <dgm:linClrLst meth="repeat">
+      <a:schemeClr val="accent1">
+        <a:tint val="60000"/>
+      </a:schemeClr>
+    </dgm:linClrLst>
+    <dgm:effectClrLst/>
+    <dgm:txLinClrLst/>
+    <dgm:txFillClrLst meth="repeat">
+      <a:schemeClr val="lt1"/>
+    </dgm:txFillClrLst>
+    <dgm:txEffectClrLst/>
+  </dgm:styleLbl>
+  <dgm:styleLbl name="parChTrans2D2">
+    <dgm:fillClrLst meth="repeat">
+      <a:schemeClr val="accent1"/>
+    </dgm:fillClrLst>
+    <dgm:linClrLst meth="repeat">
+      <a:schemeClr val="accent1"/>
+    </dgm:linClrLst>
+    <dgm:effectClrLst/>
+    <dgm:txLinClrLst/>
+    <dgm:txFillClrLst meth="repeat">
+      <a:schemeClr val="lt1"/>
+    </dgm:txFillClrLst>
+    <dgm:txEffectClrLst/>
+  </dgm:styleLbl>
+  <dgm:styleLbl name="parChTrans2D3">
+    <dgm:fillClrLst meth="repeat">
+      <a:schemeClr val="accent1"/>
+    </dgm:fillClrLst>
+    <dgm:linClrLst meth="repeat">
+      <a:schemeClr val="accent1"/>
+    </dgm:linClrLst>
+    <dgm:effectClrLst/>
+    <dgm:txLinClrLst/>
+    <dgm:txFillClrLst meth="repeat">
+      <a:schemeClr val="lt1"/>
+    </dgm:txFillClrLst>
+    <dgm:txEffectClrLst/>
+  </dgm:styleLbl>
+  <dgm:styleLbl name="parChTrans2D4">
+    <dgm:fillClrLst meth="repeat">
+      <a:schemeClr val="accent1"/>
+    </dgm:fillClrLst>
+    <dgm:linClrLst meth="repeat">
+      <a:schemeClr val="accent1"/>
+    </dgm:linClrLst>
+    <dgm:effectClrLst/>
+    <dgm:txLinClrLst/>
+    <dgm:txFillClrLst meth="repeat">
+      <a:schemeClr val="lt1"/>
+    </dgm:txFillClrLst>
+    <dgm:txEffectClrLst/>
+  </dgm:styleLbl>
+  <dgm:styleLbl name="parChTrans1D1">
+    <dgm:fillClrLst meth="repeat">
+      <a:schemeClr val="accent1"/>
+    </dgm:fillClrLst>
+    <dgm:linClrLst meth="repeat">
+      <a:schemeClr val="accent1">
+        <a:shade val="60000"/>
+      </a:schemeClr>
+    </dgm:linClrLst>
+    <dgm:effectClrLst/>
+    <dgm:txLinClrLst/>
+    <dgm:txFillClrLst meth="repeat">
+      <a:schemeClr val="tx1"/>
+    </dgm:txFillClrLst>
+    <dgm:txEffectClrLst/>
+  </dgm:styleLbl>
+  <dgm:styleLbl name="parChTrans1D2">
+    <dgm:fillClrLst meth="repeat">
+      <a:schemeClr val="accent1"/>
+    </dgm:fillClrLst>
+    <dgm:linClrLst meth="repeat">
+      <a:schemeClr val="accent1">
+        <a:shade val="60000"/>
+      </a:schemeClr>
+    </dgm:linClrLst>
+    <dgm:effectClrLst/>
+    <dgm:txLinClrLst/>
+    <dgm:txFillClrLst meth="repeat">
+      <a:schemeClr val="tx1"/>
+    </dgm:txFillClrLst>
+    <dgm:txEffectClrLst/>
+  </dgm:styleLbl>
+  <dgm:styleLbl name="parChTrans1D3">
+    <dgm:fillClrLst meth="repeat">
+      <a:schemeClr val="accent1"/>
+    </dgm:fillClrLst>
+    <dgm:linClrLst meth="repeat">
+      <a:schemeClr val="accent1">
+        <a:shade val="80000"/>
+      </a:schemeClr>
+    </dgm:linClrLst>
+    <dgm:effectClrLst/>
+    <dgm:txLinClrLst/>
+    <dgm:txFillClrLst meth="repeat">
+      <a:schemeClr val="tx1"/>
+    </dgm:txFillClrLst>
+    <dgm:txEffectClrLst/>
+  </dgm:styleLbl>
+  <dgm:styleLbl name="parChTrans1D4">
+    <dgm:fillClrLst meth="repeat">
+      <a:schemeClr val="accent1"/>
+    </dgm:fillClrLst>
+    <dgm:linClrLst meth="repeat">
+      <a:schemeClr val="accent1">
+        <a:shade val="80000"/>
+      </a:schemeClr>
+    </dgm:linClrLst>
+    <dgm:effectClrLst/>
+    <dgm:txLinClrLst/>
+    <dgm:txFillClrLst meth="repeat">
+      <a:schemeClr val="tx1"/>
+    </dgm:txFillClrLst>
+    <dgm:txEffectClrLst/>
+  </dgm:styleLbl>
+  <dgm:styleLbl name="fgAcc1">
+    <dgm:fillClrLst meth="repeat">
+      <a:schemeClr val="lt1">
+        <a:alpha val="90000"/>
+      </a:schemeClr>
+    </dgm:fillClrLst>
+    <dgm:linClrLst meth="repeat">
+      <a:schemeClr val="accent1"/>
+    </dgm:linClrLst>
+    <dgm:effectClrLst/>
+    <dgm:txLinClrLst/>
+    <dgm:txFillClrLst meth="repeat">
+      <a:schemeClr val="dk1"/>
+    </dgm:txFillClrLst>
+    <dgm:txEffectClrLst/>
+  </dgm:styleLbl>
+  <dgm:styleLbl name="conFgAcc1">
+    <dgm:fillClrLst meth="repeat">
+      <a:schemeClr val="lt1">
+        <a:alpha val="90000"/>
+      </a:schemeClr>
+    </dgm:fillClrLst>
+    <dgm:linClrLst meth="repeat">
+      <a:schemeClr val="accent1"/>
+    </dgm:linClrLst>
+    <dgm:effectClrLst/>
+    <dgm:txLinClrLst/>
+    <dgm:txFillClrLst meth="repeat">
+      <a:schemeClr val="dk1"/>
+    </dgm:txFillClrLst>
+    <dgm:txEffectClrLst/>
+  </dgm:styleLbl>
+  <dgm:styleLbl name="alignAcc1">
+    <dgm:fillClrLst meth="repeat">
+      <a:schemeClr val="lt1">
+        <a:alpha val="90000"/>
+      </a:schemeClr>
+    </dgm:fillClrLst>
+    <dgm:linClrLst meth="repeat">
+      <a:schemeClr val="accent1"/>
+    </dgm:linClrLst>
+    <dgm:effectClrLst/>
+    <dgm:txLinClrLst/>
+    <dgm:txFillClrLst meth="repeat">
+      <a:schemeClr val="dk1"/>
+    </dgm:txFillClrLst>
+    <dgm:txEffectClrLst/>
+  </dgm:styleLbl>
+  <dgm:styleLbl name="trAlignAcc1">
+    <dgm:fillClrLst meth="repeat">
+      <a:schemeClr val="lt1">
+        <a:alpha val="40000"/>
+      </a:schemeClr>
+    </dgm:fillClrLst>
+    <dgm:linClrLst meth="repeat">
+      <a:schemeClr val="accent1"/>
+    </dgm:linClrLst>
+    <dgm:effectClrLst/>
+    <dgm:txLinClrLst/>
+    <dgm:txFillClrLst meth="repeat">
+      <a:schemeClr val="dk1"/>
+    </dgm:txFillClrLst>
+    <dgm:txEffectClrLst/>
+  </dgm:styleLbl>
+  <dgm:styleLbl name="bgAcc1">
+    <dgm:fillClrLst meth="repeat">
+      <a:schemeClr val="lt1">
+        <a:alpha val="90000"/>
+      </a:schemeClr>
+    </dgm:fillClrLst>
+    <dgm:linClrLst meth="repeat">
+      <a:schemeClr val="accent1"/>
+    </dgm:linClrLst>
+    <dgm:effectClrLst/>
+    <dgm:txLinClrLst/>
+    <dgm:txFillClrLst meth="repeat">
+      <a:schemeClr val="dk1"/>
+    </dgm:txFillClrLst>
+    <dgm:txEffectClrLst/>
+  </dgm:styleLbl>
+  <dgm:styleLbl name="solidFgAcc1">
+    <dgm:fillClrLst meth="repeat">
+      <a:schemeClr val="lt1"/>
+    </dgm:fillClrLst>
+    <dgm:linClrLst meth="repeat">
+      <a:schemeClr val="accent1"/>
+    </dgm:linClrLst>
+    <dgm:effectClrLst/>
+    <dgm:txLinClrLst/>
+    <dgm:txFillClrLst meth="repeat">
+      <a:schemeClr val="dk1"/>
+    </dgm:txFillClrLst>
+    <dgm:txEffectClrLst/>
+  </dgm:styleLbl>
+  <dgm:styleLbl name="solidAlignAcc1">
+    <dgm:fillClrLst meth="repeat">
+      <a:schemeClr val="lt1"/>
+    </dgm:fillClrLst>
+    <dgm:linClrLst meth="repeat">
+      <a:schemeClr val="accent1"/>
+    </dgm:linClrLst>
+    <dgm:effectClrLst/>
+    <dgm:txLinClrLst/>
+    <dgm:txFillClrLst meth="repeat">
+      <a:schemeClr val="dk1"/>
+    </dgm:txFillClrLst>
+    <dgm:txEffectClrLst/>
+  </dgm:styleLbl>
+  <dgm:styleLbl name="solidBgAcc1">
+    <dgm:fillClrLst meth="repeat">
+      <a:schemeClr val="lt1"/>
+    </dgm:fillClrLst>
+    <dgm:linClrLst meth="repeat">
+      <a:schemeClr val="accent1"/>
+    </dgm:linClrLst>
+    <dgm:effectClrLst/>
+    <dgm:txLinClrLst/>
+    <dgm:txFillClrLst meth="repeat">
+      <a:schemeClr val="dk1"/>
+    </dgm:txFillClrLst>
+    <dgm:txEffectClrLst/>
+  </dgm:styleLbl>
+  <dgm:styleLbl name="fgAccFollowNode1">
+    <dgm:fillClrLst meth="repeat">
+      <a:schemeClr val="accent1">
+        <a:alpha val="90000"/>
+        <a:tint val="40000"/>
+      </a:schemeClr>
+    </dgm:fillClrLst>
+    <dgm:linClrLst meth="repeat">
+      <a:schemeClr val="accent1">
+        <a:alpha val="90000"/>
+        <a:tint val="40000"/>
+      </a:schemeClr>
+    </dgm:linClrLst>
+    <dgm:effectClrLst/>
+    <dgm:txLinClrLst/>
+    <dgm:txFillClrLst meth="repeat">
+      <a:schemeClr val="dk1"/>
+    </dgm:txFillClrLst>
+    <dgm:txEffectClrLst/>
+  </dgm:styleLbl>
+  <dgm:styleLbl name="alignAccFollowNode1">
+    <dgm:fillClrLst meth="repeat">
+      <a:schemeClr val="accent1">
+        <a:alpha val="90000"/>
+        <a:tint val="40000"/>
+      </a:schemeClr>
+    </dgm:fillClrLst>
+    <dgm:linClrLst meth="repeat">
+      <a:schemeClr val="accent1">
+        <a:alpha val="90000"/>
+        <a:tint val="40000"/>
+      </a:schemeClr>
+    </dgm:linClrLst>
+    <dgm:effectClrLst/>
+    <dgm:txLinClrLst/>
+    <dgm:txFillClrLst meth="repeat">
+      <a:schemeClr val="dk1"/>
+    </dgm:txFillClrLst>
+    <dgm:txEffectClrLst/>
+  </dgm:styleLbl>
+  <dgm:styleLbl name="bgAccFollowNode1">
+    <dgm:fillClrLst meth="repeat">
+      <a:schemeClr val="accent1">
+        <a:alpha val="90000"/>
+        <a:tint val="40000"/>
+      </a:schemeClr>
+    </dgm:fillClrLst>
+    <dgm:linClrLst meth="repeat">
+      <a:schemeClr val="accent1">
+        <a:alpha val="90000"/>
+        <a:tint val="40000"/>
+      </a:schemeClr>
+    </dgm:linClrLst>
+    <dgm:effectClrLst/>
+    <dgm:txLinClrLst/>
+    <dgm:txFillClrLst meth="repeat">
+      <a:schemeClr val="dk1"/>
+    </dgm:txFillClrLst>
+    <dgm:txEffectClrLst/>
+  </dgm:styleLbl>
+  <dgm:styleLbl name="fgAcc0">
+    <dgm:fillClrLst meth="repeat">
+      <a:schemeClr val="lt1">
+        <a:alpha val="90000"/>
+      </a:schemeClr>
+    </dgm:fillClrLst>
+    <dgm:linClrLst meth="repeat">
+      <a:schemeClr val="accent1"/>
+    </dgm:linClrLst>
+    <dgm:effectClrLst/>
+    <dgm:txLinClrLst/>
+    <dgm:txFillClrLst meth="repeat">
+      <a:schemeClr val="dk1"/>
+    </dgm:txFillClrLst>
+    <dgm:txEffectClrLst/>
+  </dgm:styleLbl>
+  <dgm:styleLbl name="fgAcc2">
+    <dgm:fillClrLst meth="repeat">
+      <a:schemeClr val="lt1">
+        <a:alpha val="90000"/>
+      </a:schemeClr>
+    </dgm:fillClrLst>
+    <dgm:linClrLst meth="repeat">
+      <a:schemeClr val="accent1"/>
+    </dgm:linClrLst>
+    <dgm:effectClrLst/>
+    <dgm:txLinClrLst/>
+    <dgm:txFillClrLst meth="repeat">
+      <a:schemeClr val="dk1"/>
+    </dgm:txFillClrLst>
+    <dgm:txEffectClrLst/>
+  </dgm:styleLbl>
+  <dgm:styleLbl name="fgAcc3">
+    <dgm:fillClrLst meth="repeat">
+      <a:schemeClr val="lt1">
+        <a:alpha val="90000"/>
+      </a:schemeClr>
+    </dgm:fillClrLst>
+    <dgm:linClrLst meth="repeat">
+      <a:schemeClr val="accent1"/>
+    </dgm:linClrLst>
+    <dgm:effectClrLst/>
+    <dgm:txLinClrLst/>
+    <dgm:txFillClrLst meth="repeat">
+      <a:schemeClr val="dk1"/>
+    </dgm:txFillClrLst>
+    <dgm:txEffectClrLst/>
+  </dgm:styleLbl>
+  <dgm:styleLbl name="fgAcc4">
+    <dgm:fillClrLst meth="repeat">
+      <a:schemeClr val="lt1">
+        <a:alpha val="90000"/>
+      </a:schemeClr>
+    </dgm:fillClrLst>
+    <dgm:linClrLst meth="repeat">
+      <a:schemeClr val="accent1"/>
+    </dgm:linClrLst>
+    <dgm:effectClrLst/>
+    <dgm:txLinClrLst/>
+    <dgm:txFillClrLst meth="repeat">
+      <a:schemeClr val="dk1"/>
+    </dgm:txFillClrLst>
+    <dgm:txEffectClrLst/>
+  </dgm:styleLbl>
+  <dgm:styleLbl name="bgShp">
+    <dgm:fillClrLst meth="repeat">
+      <a:schemeClr val="accent1">
+        <a:tint val="40000"/>
+      </a:schemeClr>
+    </dgm:fillClrLst>
+    <dgm:linClrLst meth="repeat">
+      <a:schemeClr val="accent1"/>
+    </dgm:linClrLst>
+    <dgm:effectClrLst/>
+    <dgm:txLinClrLst/>
+    <dgm:txFillClrLst meth="repeat">
+      <a:schemeClr val="dk1"/>
+    </dgm:txFillClrLst>
+    <dgm:txEffectClrLst/>
+  </dgm:styleLbl>
+  <dgm:styleLbl name="dkBgShp">
+    <dgm:fillClrLst meth="repeat">
+      <a:schemeClr val="accent1">
+        <a:shade val="80000"/>
+      </a:schemeClr>
+    </dgm:fillClrLst>
+    <dgm:linClrLst meth="repeat">
+      <a:schemeClr val="accent1"/>
+    </dgm:linClrLst>
+    <dgm:effectClrLst/>
+    <dgm:txLinClrLst/>
+    <dgm:txFillClrLst meth="repeat">
+      <a:schemeClr val="lt1"/>
+    </dgm:txFillClrLst>
+    <dgm:txEffectClrLst/>
+  </dgm:styleLbl>
+  <dgm:styleLbl name="trBgShp">
+    <dgm:fillClrLst meth="repeat">
+      <a:schemeClr val="accent1">
+        <a:tint val="50000"/>
+        <a:alpha val="40000"/>
+      </a:schemeClr>
+    </dgm:fillClrLst>
+    <dgm:linClrLst meth="repeat">
+      <a:schemeClr val="accent1"/>
+    </dgm:linClrLst>
+    <dgm:effectClrLst/>
+    <dgm:txLinClrLst/>
+    <dgm:txFillClrLst meth="repeat">
+      <a:schemeClr val="lt1"/>
+    </dgm:txFillClrLst>
+    <dgm:txEffectClrLst/>
+  </dgm:styleLbl>
+  <dgm:styleLbl name="fgShp">
+    <dgm:fillClrLst meth="repeat">
+      <a:schemeClr val="accent1">
+        <a:tint val="60000"/>
+      </a:schemeClr>
+    </dgm:fillClrLst>
+    <dgm:linClrLst meth="repeat">
+      <a:schemeClr val="lt1"/>
+    </dgm:linClrLst>
+    <dgm:effectClrLst/>
+    <dgm:txLinClrLst/>
+    <dgm:txFillClrLst meth="repeat">
+      <a:schemeClr val="dk1"/>
+    </dgm:txFillClrLst>
+    <dgm:txEffectClrLst/>
+  </dgm:styleLbl>
+  <dgm:styleLbl name="revTx">
+    <dgm:fillClrLst meth="repeat">
+      <a:schemeClr val="lt1">
+        <a:alpha val="0"/>
+      </a:schemeClr>
+    </dgm:fillClrLst>
+    <dgm:linClrLst meth="repeat">
+      <a:schemeClr val="dk1">
+        <a:alpha val="0"/>
+      </a:schemeClr>
+    </dgm:linClrLst>
+    <dgm:effectClrLst/>
+    <dgm:txLinClrLst/>
+    <dgm:txFillClrLst meth="repeat">
+      <a:schemeClr val="tx1"/>
+    </dgm:txFillClrLst>
+    <dgm:txEffectClrLst/>
+  </dgm:styleLbl>
+</dgm:colorsDef>
+</file>
+
+<file path=ppt/diagrams/colors2.xml><?xml version="1.0" encoding="utf-8"?>
+<dgm:colorsDef xmlns:dgm="http://schemas.openxmlformats.org/drawingml/2006/diagram" xmlns:a="http://schemas.openxmlformats.org/drawingml/2006/main" uniqueId="urn:microsoft.com/office/officeart/2005/8/colors/accent1_2">
+  <dgm:title val=""/>
+  <dgm:desc val=""/>
+  <dgm:catLst>
+    <dgm:cat type="accent1" pri="11200"/>
+  </dgm:catLst>
+  <dgm:styleLbl name="node0">
+    <dgm:fillClrLst meth="repeat">
+      <a:schemeClr val="accent1"/>
+    </dgm:fillClrLst>
+    <dgm:linClrLst meth="repeat">
+      <a:schemeClr val="lt1"/>
+    </dgm:linClrLst>
+    <dgm:effectClrLst/>
+    <dgm:txLinClrLst/>
+    <dgm:txFillClrLst/>
+    <dgm:txEffectClrLst/>
+  </dgm:styleLbl>
+  <dgm:styleLbl name="alignNode1">
+    <dgm:fillClrLst meth="repeat">
+      <a:schemeClr val="accent1"/>
+    </dgm:fillClrLst>
+    <dgm:linClrLst meth="repeat">
+      <a:schemeClr val="accent1"/>
+    </dgm:linClrLst>
+    <dgm:effectClrLst/>
+    <dgm:txLinClrLst/>
+    <dgm:txFillClrLst/>
+    <dgm:txEffectClrLst/>
+  </dgm:styleLbl>
+  <dgm:styleLbl name="node1">
+    <dgm:fillClrLst meth="repeat">
+      <a:schemeClr val="accent1"/>
+    </dgm:fillClrLst>
+    <dgm:linClrLst meth="repeat">
+      <a:schemeClr val="lt1"/>
+    </dgm:linClrLst>
+    <dgm:effectClrLst/>
+    <dgm:txLinClrLst/>
+    <dgm:txFillClrLst/>
+    <dgm:txEffectClrLst/>
+  </dgm:styleLbl>
+  <dgm:styleLbl name="lnNode1">
+    <dgm:fillClrLst meth="repeat">
+      <a:schemeClr val="accent1"/>
+    </dgm:fillClrLst>
+    <dgm:linClrLst meth="repeat">
+      <a:schemeClr val="lt1"/>
+    </dgm:linClrLst>
+    <dgm:effectClrLst/>
+    <dgm:txLinClrLst/>
+    <dgm:txFillClrLst/>
+    <dgm:txEffectClrLst/>
+  </dgm:styleLbl>
+  <dgm:styleLbl name="vennNode1">
+    <dgm:fillClrLst meth="repeat">
+      <a:schemeClr val="accent1">
+        <a:alpha val="50000"/>
+      </a:schemeClr>
+    </dgm:fillClrLst>
+    <dgm:linClrLst meth="repeat">
+      <a:schemeClr val="lt1"/>
+    </dgm:linClrLst>
+    <dgm:effectClrLst/>
+    <dgm:txLinClrLst/>
+    <dgm:txFillClrLst/>
+    <dgm:txEffectClrLst/>
+  </dgm:styleLbl>
+  <dgm:styleLbl name="node2">
+    <dgm:fillClrLst meth="repeat">
+      <a:schemeClr val="accent1"/>
+    </dgm:fillClrLst>
+    <dgm:linClrLst meth="repeat">
+      <a:schemeClr val="lt1"/>
+    </dgm:linClrLst>
+    <dgm:effectClrLst/>
+    <dgm:txLinClrLst/>
+    <dgm:txFillClrLst/>
+    <dgm:txEffectClrLst/>
+  </dgm:styleLbl>
+  <dgm:styleLbl name="node3">
+    <dgm:fillClrLst meth="repeat">
+      <a:schemeClr val="accent1"/>
+    </dgm:fillClrLst>
+    <dgm:linClrLst meth="repeat">
+      <a:schemeClr val="lt1"/>
+    </dgm:linClrLst>
+    <dgm:effectClrLst/>
+    <dgm:txLinClrLst/>
+    <dgm:txFillClrLst/>
+    <dgm:txEffectClrLst/>
+  </dgm:styleLbl>
+  <dgm:styleLbl name="node4">
+    <dgm:fillClrLst meth="repeat">
+      <a:schemeClr val="accent1"/>
+    </dgm:fillClrLst>
+    <dgm:linClrLst meth="repeat">
+      <a:schemeClr val="lt1"/>
+    </dgm:linClrLst>
+    <dgm:effectClrLst/>
+    <dgm:txLinClrLst/>
+    <dgm:txFillClrLst/>
+    <dgm:txEffectClrLst/>
+  </dgm:styleLbl>
+  <dgm:styleLbl name="fgImgPlace1">
+    <dgm:fillClrLst meth="repeat">
+      <a:schemeClr val="accent1">
+        <a:tint val="50000"/>
+      </a:schemeClr>
+    </dgm:fillClrLst>
+    <dgm:linClrLst meth="repeat">
+      <a:schemeClr val="lt1"/>
+    </dgm:linClrLst>
+    <dgm:effectClrLst/>
+    <dgm:txLinClrLst/>
+    <dgm:txFillClrLst meth="repeat">
+      <a:schemeClr val="lt1"/>
+    </dgm:txFillClrLst>
+    <dgm:txEffectClrLst/>
+  </dgm:styleLbl>
+  <dgm:styleLbl name="alignImgPlace1">
+    <dgm:fillClrLst meth="repeat">
+      <a:schemeClr val="accent1">
+        <a:tint val="50000"/>
+      </a:schemeClr>
+    </dgm:fillClrLst>
+    <dgm:linClrLst meth="repeat">
+      <a:schemeClr val="lt1"/>
+    </dgm:linClrLst>
+    <dgm:effectClrLst/>
+    <dgm:txLinClrLst/>
+    <dgm:txFillClrLst meth="repeat">
+      <a:schemeClr val="lt1"/>
+    </dgm:txFillClrLst>
+    <dgm:txEffectClrLst/>
+  </dgm:styleLbl>
+  <dgm:styleLbl name="bgImgPlace1">
+    <dgm:fillClrLst meth="repeat">
+      <a:schemeClr val="accent1">
+        <a:tint val="50000"/>
+      </a:schemeClr>
+    </dgm:fillClrLst>
+    <dgm:linClrLst meth="repeat">
+      <a:schemeClr val="lt1"/>
+    </dgm:linClrLst>
+    <dgm:effectClrLst/>
+    <dgm:txLinClrLst/>
+    <dgm:txFillClrLst meth="repeat">
+      <a:schemeClr val="lt1"/>
+    </dgm:txFillClrLst>
+    <dgm:txEffectClrLst/>
+  </dgm:styleLbl>
+  <dgm:styleLbl name="sibTrans2D1">
+    <dgm:fillClrLst meth="repeat">
+      <a:schemeClr val="accent1">
+        <a:tint val="60000"/>
+      </a:schemeClr>
+    </dgm:fillClrLst>
+    <dgm:linClrLst meth="repeat">
+      <a:schemeClr val="accent1">
+        <a:tint val="60000"/>
+      </a:schemeClr>
+    </dgm:linClrLst>
+    <dgm:effectClrLst/>
+    <dgm:txLinClrLst/>
+    <dgm:txFillClrLst/>
+    <dgm:txEffectClrLst/>
+  </dgm:styleLbl>
+  <dgm:styleLbl name="fgSibTrans2D1">
+    <dgm:fillClrLst meth="repeat">
+      <a:schemeClr val="accent1">
+        <a:tint val="60000"/>
+      </a:schemeClr>
+    </dgm:fillClrLst>
+    <dgm:linClrLst meth="repeat">
+      <a:schemeClr val="accent1">
+        <a:tint val="60000"/>
+      </a:schemeClr>
+    </dgm:linClrLst>
+    <dgm:effectClrLst/>
+    <dgm:txLinClrLst/>
+    <dgm:txFillClrLst/>
+    <dgm:txEffectClrLst/>
+  </dgm:styleLbl>
+  <dgm:styleLbl name="bgSibTrans2D1">
+    <dgm:fillClrLst meth="repeat">
+      <a:schemeClr val="accent1">
+        <a:tint val="60000"/>
+      </a:schemeClr>
+    </dgm:fillClrLst>
+    <dgm:linClrLst meth="repeat">
+      <a:schemeClr val="accent1">
+        <a:tint val="60000"/>
+      </a:schemeClr>
+    </dgm:linClrLst>
+    <dgm:effectClrLst/>
+    <dgm:txLinClrLst/>
+    <dgm:txFillClrLst/>
+    <dgm:txEffectClrLst/>
+  </dgm:styleLbl>
+  <dgm:styleLbl name="sibTrans1D1">
+    <dgm:fillClrLst meth="repeat">
+      <a:schemeClr val="accent1"/>
+    </dgm:fillClrLst>
+    <dgm:linClrLst meth="repeat">
+      <a:schemeClr val="accent1"/>
+    </dgm:linClrLst>
+    <dgm:effectClrLst/>
+    <dgm:txLinClrLst/>
+    <dgm:txFillClrLst meth="repeat">
+      <a:schemeClr val="tx1"/>
+    </dgm:txFillClrLst>
+    <dgm:txEffectClrLst/>
+  </dgm:styleLbl>
+  <dgm:styleLbl name="callout">
+    <dgm:fillClrLst meth="repeat">
+      <a:schemeClr val="accent1"/>
+    </dgm:fillClrLst>
+    <dgm:linClrLst meth="repeat">
+      <a:schemeClr val="accent1">
+        <a:tint val="50000"/>
+      </a:schemeClr>
+    </dgm:linClrLst>
+    <dgm:effectClrLst/>
+    <dgm:txLinClrLst/>
+    <dgm:txFillClrLst meth="repeat">
+      <a:schemeClr val="tx1"/>
+    </dgm:txFillClrLst>
+    <dgm:txEffectClrLst/>
+  </dgm:styleLbl>
+  <dgm:styleLbl name="asst0">
+    <dgm:fillClrLst meth="repeat">
+      <a:schemeClr val="accent1"/>
+    </dgm:fillClrLst>
+    <dgm:linClrLst meth="repeat">
+      <a:schemeClr val="lt1"/>
+    </dgm:linClrLst>
+    <dgm:effectClrLst/>
+    <dgm:txLinClrLst/>
+    <dgm:txFillClrLst/>
+    <dgm:txEffectClrLst/>
+  </dgm:styleLbl>
+  <dgm:styleLbl name="asst1">
+    <dgm:fillClrLst meth="repeat">
+      <a:schemeClr val="accent1"/>
+    </dgm:fillClrLst>
+    <dgm:linClrLst meth="repeat">
+      <a:schemeClr val="lt1"/>
+    </dgm:linClrLst>
+    <dgm:effectClrLst/>
+    <dgm:txLinClrLst/>
+    <dgm:txFillClrLst/>
+    <dgm:txEffectClrLst/>
+  </dgm:styleLbl>
+  <dgm:styleLbl name="asst2">
+    <dgm:fillClrLst meth="repeat">
+      <a:schemeClr val="accent1"/>
+    </dgm:fillClrLst>
+    <dgm:linClrLst meth="repeat">
+      <a:schemeClr val="lt1"/>
+    </dgm:linClrLst>
+    <dgm:effectClrLst/>
+    <dgm:txLinClrLst/>
+    <dgm:txFillClrLst/>
+    <dgm:txEffectClrLst/>
+  </dgm:styleLbl>
+  <dgm:styleLbl name="asst3">
+    <dgm:fillClrLst meth="repeat">
+      <a:schemeClr val="accent1"/>
+    </dgm:fillClrLst>
+    <dgm:linClrLst meth="repeat">
+      <a:schemeClr val="lt1"/>
+    </dgm:linClrLst>
+    <dgm:effectClrLst/>
+    <dgm:txLinClrLst/>
+    <dgm:txFillClrLst/>
+    <dgm:txEffectClrLst/>
+  </dgm:styleLbl>
+  <dgm:styleLbl name="asst4">
+    <dgm:fillClrLst meth="repeat">
+      <a:schemeClr val="accent1"/>
+    </dgm:fillClrLst>
+    <dgm:linClrLst meth="repeat">
+      <a:schemeClr val="lt1"/>
+    </dgm:linClrLst>
+    <dgm:effectClrLst/>
+    <dgm:txLinClrLst/>
+    <dgm:txFillClrLst/>
+    <dgm:txEffectClrLst/>
+  </dgm:styleLbl>
+  <dgm:styleLbl name="parChTrans2D1">
+    <dgm:fillClrLst meth="repeat">
+      <a:schemeClr val="accent1">
+        <a:tint val="60000"/>
+      </a:schemeClr>
+    </dgm:fillClrLst>
+    <dgm:linClrLst meth="repeat">
+      <a:schemeClr val="accent1">
+        <a:tint val="60000"/>
+      </a:schemeClr>
+    </dgm:linClrLst>
+    <dgm:effectClrLst/>
+    <dgm:txLinClrLst/>
+    <dgm:txFillClrLst meth="repeat">
+      <a:schemeClr val="lt1"/>
+    </dgm:txFillClrLst>
+    <dgm:txEffectClrLst/>
+  </dgm:styleLbl>
+  <dgm:styleLbl name="parChTrans2D2">
+    <dgm:fillClrLst meth="repeat">
+      <a:schemeClr val="accent1"/>
+    </dgm:fillClrLst>
+    <dgm:linClrLst meth="repeat">
+      <a:schemeClr val="accent1"/>
+    </dgm:linClrLst>
+    <dgm:effectClrLst/>
+    <dgm:txLinClrLst/>
+    <dgm:txFillClrLst meth="repeat">
+      <a:schemeClr val="lt1"/>
+    </dgm:txFillClrLst>
+    <dgm:txEffectClrLst/>
+  </dgm:styleLbl>
+  <dgm:styleLbl name="parChTrans2D3">
+    <dgm:fillClrLst meth="repeat">
+      <a:schemeClr val="accent1"/>
+    </dgm:fillClrLst>
+    <dgm:linClrLst meth="repeat">
+      <a:schemeClr val="accent1"/>
+    </dgm:linClrLst>
+    <dgm:effectClrLst/>
+    <dgm:txLinClrLst/>
+    <dgm:txFillClrLst meth="repeat">
+      <a:schemeClr val="lt1"/>
+    </dgm:txFillClrLst>
+    <dgm:txEffectClrLst/>
+  </dgm:styleLbl>
+  <dgm:styleLbl name="parChTrans2D4">
+    <dgm:fillClrLst meth="repeat">
+      <a:schemeClr val="accent1"/>
+    </dgm:fillClrLst>
+    <dgm:linClrLst meth="repeat">
+      <a:schemeClr val="accent1"/>
+    </dgm:linClrLst>
+    <dgm:effectClrLst/>
+    <dgm:txLinClrLst/>
+    <dgm:txFillClrLst meth="repeat">
+      <a:schemeClr val="lt1"/>
+    </dgm:txFillClrLst>
+    <dgm:txEffectClrLst/>
+  </dgm:styleLbl>
+  <dgm:styleLbl name="parChTrans1D1">
+    <dgm:fillClrLst meth="repeat">
+      <a:schemeClr val="accent1"/>
+    </dgm:fillClrLst>
+    <dgm:linClrLst meth="repeat">
+      <a:schemeClr val="accent1">
+        <a:shade val="60000"/>
+      </a:schemeClr>
+    </dgm:linClrLst>
+    <dgm:effectClrLst/>
+    <dgm:txLinClrLst/>
+    <dgm:txFillClrLst meth="repeat">
+      <a:schemeClr val="tx1"/>
+    </dgm:txFillClrLst>
+    <dgm:txEffectClrLst/>
+  </dgm:styleLbl>
+  <dgm:styleLbl name="parChTrans1D2">
+    <dgm:fillClrLst meth="repeat">
+      <a:schemeClr val="accent1"/>
+    </dgm:fillClrLst>
+    <dgm:linClrLst meth="repeat">
+      <a:schemeClr val="accent1">
+        <a:shade val="60000"/>
+      </a:schemeClr>
+    </dgm:linClrLst>
+    <dgm:effectClrLst/>
+    <dgm:txLinClrLst/>
+    <dgm:txFillClrLst meth="repeat">
+      <a:schemeClr val="tx1"/>
+    </dgm:txFillClrLst>
+    <dgm:txEffectClrLst/>
+  </dgm:styleLbl>
+  <dgm:styleLbl name="parChTrans1D3">
+    <dgm:fillClrLst meth="repeat">
+      <a:schemeClr val="accent1"/>
+    </dgm:fillClrLst>
+    <dgm:linClrLst meth="repeat">
+      <a:schemeClr val="accent1">
+        <a:shade val="80000"/>
+      </a:schemeClr>
+    </dgm:linClrLst>
+    <dgm:effectClrLst/>
+    <dgm:txLinClrLst/>
+    <dgm:txFillClrLst meth="repeat">
+      <a:schemeClr val="tx1"/>
+    </dgm:txFillClrLst>
+    <dgm:txEffectClrLst/>
+  </dgm:styleLbl>
+  <dgm:styleLbl name="parChTrans1D4">
+    <dgm:fillClrLst meth="repeat">
+      <a:schemeClr val="accent1"/>
+    </dgm:fillClrLst>
+    <dgm:linClrLst meth="repeat">
+      <a:schemeClr val="accent1">
+        <a:shade val="80000"/>
+      </a:schemeClr>
+    </dgm:linClrLst>
+    <dgm:effectClrLst/>
+    <dgm:txLinClrLst/>
+    <dgm:txFillClrLst meth="repeat">
+      <a:schemeClr val="tx1"/>
+    </dgm:txFillClrLst>
+    <dgm:txEffectClrLst/>
+  </dgm:styleLbl>
+  <dgm:styleLbl name="fgAcc1">
+    <dgm:fillClrLst meth="repeat">
+      <a:schemeClr val="lt1">
+        <a:alpha val="90000"/>
+      </a:schemeClr>
+    </dgm:fillClrLst>
+    <dgm:linClrLst meth="repeat">
+      <a:schemeClr val="accent1"/>
+    </dgm:linClrLst>
+    <dgm:effectClrLst/>
+    <dgm:txLinClrLst/>
+    <dgm:txFillClrLst meth="repeat">
+      <a:schemeClr val="dk1"/>
+    </dgm:txFillClrLst>
+    <dgm:txEffectClrLst/>
+  </dgm:styleLbl>
+  <dgm:styleLbl name="conFgAcc1">
+    <dgm:fillClrLst meth="repeat">
+      <a:schemeClr val="lt1">
+        <a:alpha val="90000"/>
+      </a:schemeClr>
+    </dgm:fillClrLst>
+    <dgm:linClrLst meth="repeat">
+      <a:schemeClr val="accent1"/>
+    </dgm:linClrLst>
+    <dgm:effectClrLst/>
+    <dgm:txLinClrLst/>
+    <dgm:txFillClrLst meth="repeat">
+      <a:schemeClr val="dk1"/>
+    </dgm:txFillClrLst>
+    <dgm:txEffectClrLst/>
+  </dgm:styleLbl>
+  <dgm:styleLbl name="alignAcc1">
+    <dgm:fillClrLst meth="repeat">
+      <a:schemeClr val="lt1">
+        <a:alpha val="90000"/>
+      </a:schemeClr>
+    </dgm:fillClrLst>
+    <dgm:linClrLst meth="repeat">
+      <a:schemeClr val="accent1"/>
+    </dgm:linClrLst>
+    <dgm:effectClrLst/>
+    <dgm:txLinClrLst/>
+    <dgm:txFillClrLst meth="repeat">
+      <a:schemeClr val="dk1"/>
+    </dgm:txFillClrLst>
+    <dgm:txEffectClrLst/>
+  </dgm:styleLbl>
+  <dgm:styleLbl name="trAlignAcc1">
+    <dgm:fillClrLst meth="repeat">
+      <a:schemeClr val="lt1">
+        <a:alpha val="40000"/>
+      </a:schemeClr>
+    </dgm:fillClrLst>
+    <dgm:linClrLst meth="repeat">
+      <a:schemeClr val="accent1"/>
+    </dgm:linClrLst>
+    <dgm:effectClrLst/>
+    <dgm:txLinClrLst/>
+    <dgm:txFillClrLst meth="repeat">
+      <a:schemeClr val="dk1"/>
+    </dgm:txFillClrLst>
+    <dgm:txEffectClrLst/>
+  </dgm:styleLbl>
+  <dgm:styleLbl name="bgAcc1">
+    <dgm:fillClrLst meth="repeat">
+      <a:schemeClr val="lt1">
+        <a:alpha val="90000"/>
+      </a:schemeClr>
+    </dgm:fillClrLst>
+    <dgm:linClrLst meth="repeat">
+      <a:schemeClr val="accent1"/>
+    </dgm:linClrLst>
+    <dgm:effectClrLst/>
+    <dgm:txLinClrLst/>
+    <dgm:txFillClrLst meth="repeat">
+      <a:schemeClr val="dk1"/>
+    </dgm:txFillClrLst>
+    <dgm:txEffectClrLst/>
+  </dgm:styleLbl>
+  <dgm:styleLbl name="solidFgAcc1">
+    <dgm:fillClrLst meth="repeat">
+      <a:schemeClr val="lt1"/>
+    </dgm:fillClrLst>
+    <dgm:linClrLst meth="repeat">
+      <a:schemeClr val="accent1"/>
+    </dgm:linClrLst>
+    <dgm:effectClrLst/>
+    <dgm:txLinClrLst/>
+    <dgm:txFillClrLst meth="repeat">
+      <a:schemeClr val="dk1"/>
+    </dgm:txFillClrLst>
+    <dgm:txEffectClrLst/>
+  </dgm:styleLbl>
+  <dgm:styleLbl name="solidAlignAcc1">
+    <dgm:fillClrLst meth="repeat">
+      <a:schemeClr val="lt1"/>
+    </dgm:fillClrLst>
+    <dgm:linClrLst meth="repeat">
+      <a:schemeClr val="accent1"/>
+    </dgm:linClrLst>
+    <dgm:effectClrLst/>
+    <dgm:txLinClrLst/>
+    <dgm:txFillClrLst meth="repeat">
+      <a:schemeClr val="dk1"/>
+    </dgm:txFillClrLst>
+    <dgm:txEffectClrLst/>
+  </dgm:styleLbl>
+  <dgm:styleLbl name="solidBgAcc1">
+    <dgm:fillClrLst meth="repeat">
+      <a:schemeClr val="lt1"/>
+    </dgm:fillClrLst>
+    <dgm:linClrLst meth="repeat">
+      <a:schemeClr val="accent1"/>
+    </dgm:linClrLst>
+    <dgm:effectClrLst/>
+    <dgm:txLinClrLst/>
+    <dgm:txFillClrLst meth="repeat">
+      <a:schemeClr val="dk1"/>
+    </dgm:txFillClrLst>
+    <dgm:txEffectClrLst/>
+  </dgm:styleLbl>
+  <dgm:styleLbl name="fgAccFollowNode1">
+    <dgm:fillClrLst meth="repeat">
+      <a:schemeClr val="accent1">
+        <a:alpha val="90000"/>
+        <a:tint val="40000"/>
+      </a:schemeClr>
+    </dgm:fillClrLst>
+    <dgm:linClrLst meth="repeat">
+      <a:schemeClr val="accent1">
+        <a:alpha val="90000"/>
+        <a:tint val="40000"/>
+      </a:schemeClr>
+    </dgm:linClrLst>
+    <dgm:effectClrLst/>
+    <dgm:txLinClrLst/>
+    <dgm:txFillClrLst meth="repeat">
+      <a:schemeClr val="dk1"/>
+    </dgm:txFillClrLst>
+    <dgm:txEffectClrLst/>
+  </dgm:styleLbl>
+  <dgm:styleLbl name="alignAccFollowNode1">
+    <dgm:fillClrLst meth="repeat">
+      <a:schemeClr val="accent1">
+        <a:alpha val="90000"/>
+        <a:tint val="40000"/>
+      </a:schemeClr>
+    </dgm:fillClrLst>
+    <dgm:linClrLst meth="repeat">
+      <a:schemeClr val="accent1">
+        <a:alpha val="90000"/>
+        <a:tint val="40000"/>
+      </a:schemeClr>
+    </dgm:linClrLst>
+    <dgm:effectClrLst/>
+    <dgm:txLinClrLst/>
+    <dgm:txFillClrLst meth="repeat">
+      <a:schemeClr val="dk1"/>
+    </dgm:txFillClrLst>
+    <dgm:txEffectClrLst/>
+  </dgm:styleLbl>
+  <dgm:styleLbl name="bgAccFollowNode1">
+    <dgm:fillClrLst meth="repeat">
+      <a:schemeClr val="accent1">
+        <a:alpha val="90000"/>
+        <a:tint val="40000"/>
+      </a:schemeClr>
+    </dgm:fillClrLst>
+    <dgm:linClrLst meth="repeat">
+      <a:schemeClr val="accent1">
+        <a:alpha val="90000"/>
+        <a:tint val="40000"/>
+      </a:schemeClr>
+    </dgm:linClrLst>
+    <dgm:effectClrLst/>
+    <dgm:txLinClrLst/>
+    <dgm:txFillClrLst meth="repeat">
+      <a:schemeClr val="dk1"/>
+    </dgm:txFillClrLst>
+    <dgm:txEffectClrLst/>
+  </dgm:styleLbl>
+  <dgm:styleLbl name="fgAcc0">
+    <dgm:fillClrLst meth="repeat">
+      <a:schemeClr val="lt1">
+        <a:alpha val="90000"/>
+      </a:schemeClr>
+    </dgm:fillClrLst>
+    <dgm:linClrLst meth="repeat">
+      <a:schemeClr val="accent1"/>
+    </dgm:linClrLst>
+    <dgm:effectClrLst/>
+    <dgm:txLinClrLst/>
+    <dgm:txFillClrLst meth="repeat">
+      <a:schemeClr val="dk1"/>
+    </dgm:txFillClrLst>
+    <dgm:txEffectClrLst/>
+  </dgm:styleLbl>
+  <dgm:styleLbl name="fgAcc2">
+    <dgm:fillClrLst meth="repeat">
+      <a:schemeClr val="lt1">
+        <a:alpha val="90000"/>
+      </a:schemeClr>
+    </dgm:fillClrLst>
+    <dgm:linClrLst meth="repeat">
+      <a:schemeClr val="accent1"/>
+    </dgm:linClrLst>
+    <dgm:effectClrLst/>
+    <dgm:txLinClrLst/>
+    <dgm:txFillClrLst meth="repeat">
+      <a:schemeClr val="dk1"/>
+    </dgm:txFillClrLst>
+    <dgm:txEffectClrLst/>
+  </dgm:styleLbl>
+  <dgm:styleLbl name="fgAcc3">
+    <dgm:fillClrLst meth="repeat">
+      <a:schemeClr val="lt1">
+        <a:alpha val="90000"/>
+      </a:schemeClr>
+    </dgm:fillClrLst>
+    <dgm:linClrLst meth="repeat">
+      <a:schemeClr val="accent1"/>
+    </dgm:linClrLst>
+    <dgm:effectClrLst/>
+    <dgm:txLinClrLst/>
+    <dgm:txFillClrLst meth="repeat">
+      <a:schemeClr val="dk1"/>
+    </dgm:txFillClrLst>
+    <dgm:txEffectClrLst/>
+  </dgm:styleLbl>
+  <dgm:styleLbl name="fgAcc4">
+    <dgm:fillClrLst meth="repeat">
+      <a:schemeClr val="lt1">
+        <a:alpha val="90000"/>
+      </a:schemeClr>
+    </dgm:fillClrLst>
+    <dgm:linClrLst meth="repeat">
+      <a:schemeClr val="accent1"/>
+    </dgm:linClrLst>
+    <dgm:effectClrLst/>
+    <dgm:txLinClrLst/>
+    <dgm:txFillClrLst meth="repeat">
+      <a:schemeClr val="dk1"/>
+    </dgm:txFillClrLst>
+    <dgm:txEffectClrLst/>
+  </dgm:styleLbl>
+  <dgm:styleLbl name="bgShp">
+    <dgm:fillClrLst meth="repeat">
+      <a:schemeClr val="accent1">
+        <a:tint val="40000"/>
+      </a:schemeClr>
+    </dgm:fillClrLst>
+    <dgm:linClrLst meth="repeat">
+      <a:schemeClr val="accent1"/>
+    </dgm:linClrLst>
+    <dgm:effectClrLst/>
+    <dgm:txLinClrLst/>
+    <dgm:txFillClrLst meth="repeat">
+      <a:schemeClr val="dk1"/>
+    </dgm:txFillClrLst>
+    <dgm:txEffectClrLst/>
+  </dgm:styleLbl>
+  <dgm:styleLbl name="dkBgShp">
+    <dgm:fillClrLst meth="repeat">
+      <a:schemeClr val="accent1">
+        <a:shade val="80000"/>
+      </a:schemeClr>
+    </dgm:fillClrLst>
+    <dgm:linClrLst meth="repeat">
+      <a:schemeClr val="accent1"/>
+    </dgm:linClrLst>
+    <dgm:effectClrLst/>
+    <dgm:txLinClrLst/>
+    <dgm:txFillClrLst meth="repeat">
+      <a:schemeClr val="lt1"/>
+    </dgm:txFillClrLst>
+    <dgm:txEffectClrLst/>
+  </dgm:styleLbl>
+  <dgm:styleLbl name="trBgShp">
+    <dgm:fillClrLst meth="repeat">
+      <a:schemeClr val="accent1">
+        <a:tint val="50000"/>
+        <a:alpha val="40000"/>
+      </a:schemeClr>
+    </dgm:fillClrLst>
+    <dgm:linClrLst meth="repeat">
+      <a:schemeClr val="accent1"/>
+    </dgm:linClrLst>
+    <dgm:effectClrLst/>
+    <dgm:txLinClrLst/>
+    <dgm:txFillClrLst meth="repeat">
+      <a:schemeClr val="lt1"/>
+    </dgm:txFillClrLst>
+    <dgm:txEffectClrLst/>
+  </dgm:styleLbl>
+  <dgm:styleLbl name="fgShp">
+    <dgm:fillClrLst meth="repeat">
+      <a:schemeClr val="accent1">
+        <a:tint val="60000"/>
+      </a:schemeClr>
+    </dgm:fillClrLst>
+    <dgm:linClrLst meth="repeat">
+      <a:schemeClr val="lt1"/>
+    </dgm:linClrLst>
+    <dgm:effectClrLst/>
+    <dgm:txLinClrLst/>
+    <dgm:txFillClrLst meth="repeat">
+      <a:schemeClr val="dk1"/>
+    </dgm:txFillClrLst>
+    <dgm:txEffectClrLst/>
+  </dgm:styleLbl>
+  <dgm:styleLbl name="revTx">
+    <dgm:fillClrLst meth="repeat">
+      <a:schemeClr val="lt1">
+        <a:alpha val="0"/>
+      </a:schemeClr>
+    </dgm:fillClrLst>
+    <dgm:linClrLst meth="repeat">
+      <a:schemeClr val="dk1">
+        <a:alpha val="0"/>
+      </a:schemeClr>
+    </dgm:linClrLst>
+    <dgm:effectClrLst/>
+    <dgm:txLinClrLst/>
+    <dgm:txFillClrLst meth="repeat">
+      <a:schemeClr val="tx1"/>
+    </dgm:txFillClrLst>
+    <dgm:txEffectClrLst/>
+  </dgm:styleLbl>
+</dgm:colorsDef>
+</file>
+
+<file path=ppt/diagrams/data1.xml><?xml version="1.0" encoding="utf-8"?>
+<dgm:dataModel xmlns:dgm="http://schemas.openxmlformats.org/drawingml/2006/diagram" xmlns:a="http://schemas.openxmlformats.org/drawingml/2006/main">
+  <dgm:ptLst>
+    <dgm:pt modelId="{BDF696B7-9D8C-41FE-B1BB-468DD46DCA39}" type="doc">
+      <dgm:prSet loTypeId="urn:microsoft.com/office/officeart/2005/8/layout/chevron1" loCatId="process" qsTypeId="urn:microsoft.com/office/officeart/2005/8/quickstyle/simple1" qsCatId="simple" csTypeId="urn:microsoft.com/office/officeart/2005/8/colors/accent1_2" csCatId="accent1" phldr="1"/>
+      <dgm:spPr/>
+    </dgm:pt>
+    <dgm:pt modelId="{1434F292-9168-437B-AD09-FCA6AA97B7C9}">
+      <dgm:prSet phldrT="[Text]"/>
+      <dgm:spPr/>
+      <dgm:t>
+        <a:bodyPr/>
+        <a:lstStyle/>
+        <a:p>
+          <a:r>
+            <a:rPr lang="en-US" dirty="0" smtClean="0"/>
+            <a:t>GUI Unit Testing</a:t>
+          </a:r>
+          <a:endParaRPr lang="en-US" dirty="0"/>
+        </a:p>
+      </dgm:t>
+    </dgm:pt>
+    <dgm:pt modelId="{2C78D362-95A7-4002-95BC-D53C4EAEA7CD}" type="parTrans" cxnId="{936D2A7F-31CA-4FC0-A2C8-A8C9216F8BCF}">
+      <dgm:prSet/>
+      <dgm:spPr/>
+      <dgm:t>
+        <a:bodyPr/>
+        <a:lstStyle/>
+        <a:p>
+          <a:endParaRPr lang="en-US"/>
+        </a:p>
+      </dgm:t>
+    </dgm:pt>
+    <dgm:pt modelId="{A700544E-8722-4357-AD63-6132858518FC}" type="sibTrans" cxnId="{936D2A7F-31CA-4FC0-A2C8-A8C9216F8BCF}">
+      <dgm:prSet/>
+      <dgm:spPr/>
+      <dgm:t>
+        <a:bodyPr/>
+        <a:lstStyle/>
+        <a:p>
+          <a:endParaRPr lang="en-US"/>
+        </a:p>
+      </dgm:t>
+    </dgm:pt>
+    <dgm:pt modelId="{CEC6BD30-A081-4C11-BE0C-DE059AE30717}">
+      <dgm:prSet phldrT="[Text]"/>
+      <dgm:spPr/>
+      <dgm:t>
+        <a:bodyPr/>
+        <a:lstStyle/>
+        <a:p>
+          <a:r>
+            <a:rPr lang="en-US" dirty="0" smtClean="0"/>
+            <a:t>Integration Testing</a:t>
+          </a:r>
+          <a:endParaRPr lang="en-US" dirty="0"/>
+        </a:p>
+      </dgm:t>
+    </dgm:pt>
+    <dgm:pt modelId="{E441FF23-09BD-4798-89C6-AB68653F42A9}" type="parTrans" cxnId="{643CE276-E620-42CE-ABE1-27ADEFACAA04}">
+      <dgm:prSet/>
+      <dgm:spPr/>
+      <dgm:t>
+        <a:bodyPr/>
+        <a:lstStyle/>
+        <a:p>
+          <a:endParaRPr lang="en-US"/>
+        </a:p>
+      </dgm:t>
+    </dgm:pt>
+    <dgm:pt modelId="{28976F03-7510-4BFA-B8DD-D8308DADA244}" type="sibTrans" cxnId="{643CE276-E620-42CE-ABE1-27ADEFACAA04}">
+      <dgm:prSet/>
+      <dgm:spPr/>
+      <dgm:t>
+        <a:bodyPr/>
+        <a:lstStyle/>
+        <a:p>
+          <a:endParaRPr lang="en-US"/>
+        </a:p>
+      </dgm:t>
+    </dgm:pt>
+    <dgm:pt modelId="{F004C963-07C1-46E7-9202-59B707C3D7D0}">
+      <dgm:prSet phldrT="[Text]"/>
+      <dgm:spPr/>
+      <dgm:t>
+        <a:bodyPr/>
+        <a:lstStyle/>
+        <a:p>
+          <a:r>
+            <a:rPr lang="en-US" smtClean="0"/>
+            <a:t>Unit Testing</a:t>
+          </a:r>
+          <a:endParaRPr lang="en-US" dirty="0"/>
+        </a:p>
+      </dgm:t>
+    </dgm:pt>
+    <dgm:pt modelId="{474A0086-2983-4BDF-B2AB-8709178EEFB8}" type="parTrans" cxnId="{32806AD7-80E4-48BA-B903-2221773A89D6}">
+      <dgm:prSet/>
+      <dgm:spPr/>
+      <dgm:t>
+        <a:bodyPr/>
+        <a:lstStyle/>
+        <a:p>
+          <a:endParaRPr lang="en-US"/>
+        </a:p>
+      </dgm:t>
+    </dgm:pt>
+    <dgm:pt modelId="{AEA3FD7C-43A5-437B-A600-6719F9829CF1}" type="sibTrans" cxnId="{32806AD7-80E4-48BA-B903-2221773A89D6}">
+      <dgm:prSet/>
+      <dgm:spPr/>
+      <dgm:t>
+        <a:bodyPr/>
+        <a:lstStyle/>
+        <a:p>
+          <a:endParaRPr lang="en-US"/>
+        </a:p>
+      </dgm:t>
+    </dgm:pt>
+    <dgm:pt modelId="{019ECF05-E9E1-4B6B-B06F-8B220F65C36E}" type="pres">
+      <dgm:prSet presAssocID="{BDF696B7-9D8C-41FE-B1BB-468DD46DCA39}" presName="Name0" presStyleCnt="0">
+        <dgm:presLayoutVars>
+          <dgm:dir/>
+          <dgm:animLvl val="lvl"/>
+          <dgm:resizeHandles val="exact"/>
+        </dgm:presLayoutVars>
+      </dgm:prSet>
+      <dgm:spPr/>
+    </dgm:pt>
+    <dgm:pt modelId="{07A97A5B-0916-469B-A310-B5BA16587294}" type="pres">
+      <dgm:prSet presAssocID="{1434F292-9168-437B-AD09-FCA6AA97B7C9}" presName="parTxOnly" presStyleLbl="node1" presStyleIdx="0" presStyleCnt="3">
+        <dgm:presLayoutVars>
+          <dgm:chMax val="0"/>
+          <dgm:chPref val="0"/>
+          <dgm:bulletEnabled val="1"/>
+        </dgm:presLayoutVars>
+      </dgm:prSet>
+      <dgm:spPr/>
+    </dgm:pt>
+    <dgm:pt modelId="{D659E86D-BA01-4FC2-B6EA-19CE9EE0237C}" type="pres">
+      <dgm:prSet presAssocID="{A700544E-8722-4357-AD63-6132858518FC}" presName="parTxOnlySpace" presStyleCnt="0"/>
+      <dgm:spPr/>
+    </dgm:pt>
+    <dgm:pt modelId="{70990B95-9C45-4AC8-B379-2287C93DEF89}" type="pres">
+      <dgm:prSet presAssocID="{F004C963-07C1-46E7-9202-59B707C3D7D0}" presName="parTxOnly" presStyleLbl="node1" presStyleIdx="1" presStyleCnt="3">
+        <dgm:presLayoutVars>
+          <dgm:chMax val="0"/>
+          <dgm:chPref val="0"/>
+          <dgm:bulletEnabled val="1"/>
+        </dgm:presLayoutVars>
+      </dgm:prSet>
+      <dgm:spPr/>
+      <dgm:t>
+        <a:bodyPr/>
+        <a:lstStyle/>
+        <a:p>
+          <a:endParaRPr lang="en-US"/>
+        </a:p>
+      </dgm:t>
+    </dgm:pt>
+    <dgm:pt modelId="{E376299F-190F-4337-8195-27768865CAE1}" type="pres">
+      <dgm:prSet presAssocID="{AEA3FD7C-43A5-437B-A600-6719F9829CF1}" presName="parTxOnlySpace" presStyleCnt="0"/>
+      <dgm:spPr/>
+    </dgm:pt>
+    <dgm:pt modelId="{37BEB583-E78E-4F61-A39C-F5BC71E71163}" type="pres">
+      <dgm:prSet presAssocID="{CEC6BD30-A081-4C11-BE0C-DE059AE30717}" presName="parTxOnly" presStyleLbl="node1" presStyleIdx="2" presStyleCnt="3">
+        <dgm:presLayoutVars>
+          <dgm:chMax val="0"/>
+          <dgm:chPref val="0"/>
+          <dgm:bulletEnabled val="1"/>
+        </dgm:presLayoutVars>
+      </dgm:prSet>
+      <dgm:spPr/>
+    </dgm:pt>
+  </dgm:ptLst>
+  <dgm:cxnLst>
+    <dgm:cxn modelId="{936D2A7F-31CA-4FC0-A2C8-A8C9216F8BCF}" srcId="{BDF696B7-9D8C-41FE-B1BB-468DD46DCA39}" destId="{1434F292-9168-437B-AD09-FCA6AA97B7C9}" srcOrd="0" destOrd="0" parTransId="{2C78D362-95A7-4002-95BC-D53C4EAEA7CD}" sibTransId="{A700544E-8722-4357-AD63-6132858518FC}"/>
+    <dgm:cxn modelId="{7C91F0BE-B143-449D-9E5D-87828D94667D}" type="presOf" srcId="{F004C963-07C1-46E7-9202-59B707C3D7D0}" destId="{70990B95-9C45-4AC8-B379-2287C93DEF89}" srcOrd="0" destOrd="0" presId="urn:microsoft.com/office/officeart/2005/8/layout/chevron1"/>
+    <dgm:cxn modelId="{093D6857-CF04-4E45-910C-35D7650B24CC}" type="presOf" srcId="{1434F292-9168-437B-AD09-FCA6AA97B7C9}" destId="{07A97A5B-0916-469B-A310-B5BA16587294}" srcOrd="0" destOrd="0" presId="urn:microsoft.com/office/officeart/2005/8/layout/chevron1"/>
+    <dgm:cxn modelId="{32806AD7-80E4-48BA-B903-2221773A89D6}" srcId="{BDF696B7-9D8C-41FE-B1BB-468DD46DCA39}" destId="{F004C963-07C1-46E7-9202-59B707C3D7D0}" srcOrd="1" destOrd="0" parTransId="{474A0086-2983-4BDF-B2AB-8709178EEFB8}" sibTransId="{AEA3FD7C-43A5-437B-A600-6719F9829CF1}"/>
+    <dgm:cxn modelId="{4BC2C8EA-EB57-4A2A-BDE1-4F4A515CA6DB}" type="presOf" srcId="{BDF696B7-9D8C-41FE-B1BB-468DD46DCA39}" destId="{019ECF05-E9E1-4B6B-B06F-8B220F65C36E}" srcOrd="0" destOrd="0" presId="urn:microsoft.com/office/officeart/2005/8/layout/chevron1"/>
+    <dgm:cxn modelId="{0043D16B-0683-4A22-AA01-FE43250030F8}" type="presOf" srcId="{CEC6BD30-A081-4C11-BE0C-DE059AE30717}" destId="{37BEB583-E78E-4F61-A39C-F5BC71E71163}" srcOrd="0" destOrd="0" presId="urn:microsoft.com/office/officeart/2005/8/layout/chevron1"/>
+    <dgm:cxn modelId="{643CE276-E620-42CE-ABE1-27ADEFACAA04}" srcId="{BDF696B7-9D8C-41FE-B1BB-468DD46DCA39}" destId="{CEC6BD30-A081-4C11-BE0C-DE059AE30717}" srcOrd="2" destOrd="0" parTransId="{E441FF23-09BD-4798-89C6-AB68653F42A9}" sibTransId="{28976F03-7510-4BFA-B8DD-D8308DADA244}"/>
+    <dgm:cxn modelId="{E33E603D-F2D3-4E8A-A773-521E747E77D9}" type="presParOf" srcId="{019ECF05-E9E1-4B6B-B06F-8B220F65C36E}" destId="{07A97A5B-0916-469B-A310-B5BA16587294}" srcOrd="0" destOrd="0" presId="urn:microsoft.com/office/officeart/2005/8/layout/chevron1"/>
+    <dgm:cxn modelId="{194D117C-A3DE-4FEB-B081-F8C2311B2CC8}" type="presParOf" srcId="{019ECF05-E9E1-4B6B-B06F-8B220F65C36E}" destId="{D659E86D-BA01-4FC2-B6EA-19CE9EE0237C}" srcOrd="1" destOrd="0" presId="urn:microsoft.com/office/officeart/2005/8/layout/chevron1"/>
+    <dgm:cxn modelId="{E44AF570-5F18-4057-898D-2C99A587107A}" type="presParOf" srcId="{019ECF05-E9E1-4B6B-B06F-8B220F65C36E}" destId="{70990B95-9C45-4AC8-B379-2287C93DEF89}" srcOrd="2" destOrd="0" presId="urn:microsoft.com/office/officeart/2005/8/layout/chevron1"/>
+    <dgm:cxn modelId="{E12DE4D4-F04C-4383-BCF0-9986270C6E14}" type="presParOf" srcId="{019ECF05-E9E1-4B6B-B06F-8B220F65C36E}" destId="{E376299F-190F-4337-8195-27768865CAE1}" srcOrd="3" destOrd="0" presId="urn:microsoft.com/office/officeart/2005/8/layout/chevron1"/>
+    <dgm:cxn modelId="{DFD436E8-2020-4E7F-93BB-088DA2B4B653}" type="presParOf" srcId="{019ECF05-E9E1-4B6B-B06F-8B220F65C36E}" destId="{37BEB583-E78E-4F61-A39C-F5BC71E71163}" srcOrd="4" destOrd="0" presId="urn:microsoft.com/office/officeart/2005/8/layout/chevron1"/>
+  </dgm:cxnLst>
+  <dgm:bg/>
+  <dgm:whole/>
+  <dgm:extLst>
+    <a:ext uri="http://schemas.microsoft.com/office/drawing/2008/diagram">
+      <dsp:dataModelExt xmlns:dsp="http://schemas.microsoft.com/office/drawing/2008/diagram" relId="rId6" minVer="http://schemas.openxmlformats.org/drawingml/2006/diagram"/>
+    </a:ext>
+  </dgm:extLst>
+</dgm:dataModel>
+</file>
+
+<file path=ppt/diagrams/data2.xml><?xml version="1.0" encoding="utf-8"?>
+<dgm:dataModel xmlns:dgm="http://schemas.openxmlformats.org/drawingml/2006/diagram" xmlns:a="http://schemas.openxmlformats.org/drawingml/2006/main">
+  <dgm:ptLst>
+    <dgm:pt modelId="{DC37A134-94E8-4602-89E8-97EDBFD9DF7D}" type="doc">
+      <dgm:prSet loTypeId="urn:microsoft.com/office/officeart/2005/8/layout/hList6" loCatId="list" qsTypeId="urn:microsoft.com/office/officeart/2005/8/quickstyle/simple1" qsCatId="simple" csTypeId="urn:microsoft.com/office/officeart/2005/8/colors/accent1_2" csCatId="accent1" phldr="1"/>
+      <dgm:spPr/>
+      <dgm:t>
+        <a:bodyPr/>
+        <a:lstStyle/>
+        <a:p>
+          <a:endParaRPr lang="en-US"/>
+        </a:p>
+      </dgm:t>
+    </dgm:pt>
+    <dgm:pt modelId="{F544CABA-5302-4CE1-9D25-93728C1A9F74}">
+      <dgm:prSet/>
+      <dgm:spPr/>
+      <dgm:t>
+        <a:bodyPr/>
+        <a:lstStyle/>
+        <a:p>
+          <a:pPr rtl="0"/>
+          <a:r>
+            <a:rPr lang="en-US" dirty="0" smtClean="0"/>
+            <a:t>When</a:t>
+          </a:r>
+          <a:endParaRPr lang="en-US" dirty="0"/>
+        </a:p>
+      </dgm:t>
+    </dgm:pt>
+    <dgm:pt modelId="{69C1A11E-74D1-4DF6-98F5-9DAE05941EA5}" type="parTrans" cxnId="{3E8955D2-57C7-4E0C-9229-E190052F4994}">
+      <dgm:prSet/>
+      <dgm:spPr/>
+      <dgm:t>
+        <a:bodyPr/>
+        <a:lstStyle/>
+        <a:p>
+          <a:endParaRPr lang="en-US"/>
+        </a:p>
+      </dgm:t>
+    </dgm:pt>
+    <dgm:pt modelId="{1FB57E5B-3092-4CBD-8C69-6688D2BDF085}" type="sibTrans" cxnId="{3E8955D2-57C7-4E0C-9229-E190052F4994}">
+      <dgm:prSet/>
+      <dgm:spPr/>
+      <dgm:t>
+        <a:bodyPr/>
+        <a:lstStyle/>
+        <a:p>
+          <a:endParaRPr lang="en-US"/>
+        </a:p>
+      </dgm:t>
+    </dgm:pt>
+    <dgm:pt modelId="{FAC7DC65-CF10-49B7-8669-E2E5BD356BA1}">
+      <dgm:prSet/>
+      <dgm:spPr/>
+      <dgm:t>
+        <a:bodyPr/>
+        <a:lstStyle/>
+        <a:p>
+          <a:pPr rtl="0"/>
+          <a:r>
+            <a:rPr lang="en-US" smtClean="0"/>
+            <a:t>Who</a:t>
+          </a:r>
+          <a:endParaRPr lang="en-US"/>
+        </a:p>
+      </dgm:t>
+    </dgm:pt>
+    <dgm:pt modelId="{01D7EDE9-9AB2-46E5-A39C-2963709EC82B}" type="parTrans" cxnId="{AC6524E9-346A-4C9E-8279-74A92A5D1D39}">
+      <dgm:prSet/>
+      <dgm:spPr/>
+      <dgm:t>
+        <a:bodyPr/>
+        <a:lstStyle/>
+        <a:p>
+          <a:endParaRPr lang="en-US"/>
+        </a:p>
+      </dgm:t>
+    </dgm:pt>
+    <dgm:pt modelId="{9645E86B-E933-4146-A088-0E508F590709}" type="sibTrans" cxnId="{AC6524E9-346A-4C9E-8279-74A92A5D1D39}">
+      <dgm:prSet/>
+      <dgm:spPr/>
+      <dgm:t>
+        <a:bodyPr/>
+        <a:lstStyle/>
+        <a:p>
+          <a:endParaRPr lang="en-US"/>
+        </a:p>
+      </dgm:t>
+    </dgm:pt>
+    <dgm:pt modelId="{4EBC0902-C001-42C6-8989-B264DF62F1AF}">
+      <dgm:prSet/>
+      <dgm:spPr/>
+      <dgm:t>
+        <a:bodyPr/>
+        <a:lstStyle/>
+        <a:p>
+          <a:pPr rtl="0"/>
+          <a:r>
+            <a:rPr lang="en-US" smtClean="0"/>
+            <a:t>How</a:t>
+          </a:r>
+          <a:endParaRPr lang="en-US"/>
+        </a:p>
+      </dgm:t>
+    </dgm:pt>
+    <dgm:pt modelId="{E4CDC31A-B7A3-41EA-A7A1-12EC5E56EFB2}" type="parTrans" cxnId="{649B01F8-36A1-4248-BB06-90EA466958F4}">
+      <dgm:prSet/>
+      <dgm:spPr/>
+      <dgm:t>
+        <a:bodyPr/>
+        <a:lstStyle/>
+        <a:p>
+          <a:endParaRPr lang="en-US"/>
+        </a:p>
+      </dgm:t>
+    </dgm:pt>
+    <dgm:pt modelId="{DB6E9E2E-35D0-42EC-B335-0501BAC518F0}" type="sibTrans" cxnId="{649B01F8-36A1-4248-BB06-90EA466958F4}">
+      <dgm:prSet/>
+      <dgm:spPr/>
+      <dgm:t>
+        <a:bodyPr/>
+        <a:lstStyle/>
+        <a:p>
+          <a:endParaRPr lang="en-US"/>
+        </a:p>
+      </dgm:t>
+    </dgm:pt>
+    <dgm:pt modelId="{FD959508-F6CD-4EC6-AD9F-4C7E80696572}">
+      <dgm:prSet/>
+      <dgm:spPr/>
+      <dgm:t>
+        <a:bodyPr/>
+        <a:lstStyle/>
+        <a:p>
+          <a:pPr rtl="0"/>
+          <a:r>
+            <a:rPr lang="en-US" smtClean="0"/>
+            <a:t>Benifits</a:t>
+          </a:r>
+          <a:endParaRPr lang="en-US"/>
+        </a:p>
+      </dgm:t>
+    </dgm:pt>
+    <dgm:pt modelId="{469CFA93-D990-494A-A4D7-B8789688C6A5}" type="parTrans" cxnId="{AAA519DC-6A46-4A6A-803A-5D18D2F25C54}">
+      <dgm:prSet/>
+      <dgm:spPr/>
+      <dgm:t>
+        <a:bodyPr/>
+        <a:lstStyle/>
+        <a:p>
+          <a:endParaRPr lang="en-US"/>
+        </a:p>
+      </dgm:t>
+    </dgm:pt>
+    <dgm:pt modelId="{8E7E3D55-443C-46C6-93F3-38C55FD40513}" type="sibTrans" cxnId="{AAA519DC-6A46-4A6A-803A-5D18D2F25C54}">
+      <dgm:prSet/>
+      <dgm:spPr/>
+      <dgm:t>
+        <a:bodyPr/>
+        <a:lstStyle/>
+        <a:p>
+          <a:endParaRPr lang="en-US"/>
+        </a:p>
+      </dgm:t>
+    </dgm:pt>
+    <dgm:pt modelId="{C8A88300-AE06-473C-8898-6721ED26B4B2}">
+      <dgm:prSet custT="1"/>
+      <dgm:spPr/>
+      <dgm:t>
+        <a:bodyPr/>
+        <a:lstStyle/>
+        <a:p>
+          <a:pPr algn="l"/>
+          <a:r>
+            <a:rPr lang="en-US" sz="1600" dirty="0" smtClean="0"/>
+            <a:t>Whenever new code is produced.</a:t>
+          </a:r>
+          <a:endParaRPr lang="en-US" sz="1600" dirty="0"/>
+        </a:p>
+      </dgm:t>
+    </dgm:pt>
+    <dgm:pt modelId="{F83723A2-5FA3-4F15-B39F-25BFA41B15EB}" type="parTrans" cxnId="{1D2F5E52-C0D0-4648-B494-CBB0B2CA9544}">
+      <dgm:prSet/>
+      <dgm:spPr/>
+      <dgm:t>
+        <a:bodyPr/>
+        <a:lstStyle/>
+        <a:p>
+          <a:endParaRPr lang="en-US"/>
+        </a:p>
+      </dgm:t>
+    </dgm:pt>
+    <dgm:pt modelId="{855B6436-2EE8-4EFA-89EE-99D45E60159C}" type="sibTrans" cxnId="{1D2F5E52-C0D0-4648-B494-CBB0B2CA9544}">
+      <dgm:prSet/>
+      <dgm:spPr/>
+      <dgm:t>
+        <a:bodyPr/>
+        <a:lstStyle/>
+        <a:p>
+          <a:endParaRPr lang="en-US"/>
+        </a:p>
+      </dgm:t>
+    </dgm:pt>
+    <dgm:pt modelId="{7546C6DE-836C-4588-A601-6EF01104EB08}">
+      <dgm:prSet custT="1"/>
+      <dgm:spPr/>
+      <dgm:t>
+        <a:bodyPr/>
+        <a:lstStyle/>
+        <a:p>
+          <a:pPr algn="l"/>
+          <a:r>
+            <a:rPr lang="en-US" sz="1600" dirty="0" smtClean="0"/>
+            <a:t>Peer developers</a:t>
+          </a:r>
+          <a:endParaRPr lang="en-US" sz="1600" dirty="0"/>
+        </a:p>
+      </dgm:t>
+    </dgm:pt>
+    <dgm:pt modelId="{8E621233-0325-492B-9A1D-674AE3FAC7AB}" type="parTrans" cxnId="{B6A481EE-D0A1-4D7A-B57B-51D23641C4B6}">
+      <dgm:prSet/>
+      <dgm:spPr/>
+      <dgm:t>
+        <a:bodyPr/>
+        <a:lstStyle/>
+        <a:p>
+          <a:endParaRPr lang="en-US"/>
+        </a:p>
+      </dgm:t>
+    </dgm:pt>
+    <dgm:pt modelId="{CFC688F6-0D18-4B3F-BB03-4347888B4544}" type="sibTrans" cxnId="{B6A481EE-D0A1-4D7A-B57B-51D23641C4B6}">
+      <dgm:prSet/>
+      <dgm:spPr/>
+      <dgm:t>
+        <a:bodyPr/>
+        <a:lstStyle/>
+        <a:p>
+          <a:endParaRPr lang="en-US"/>
+        </a:p>
+      </dgm:t>
+    </dgm:pt>
+    <dgm:pt modelId="{32442FA8-69D5-42A9-8917-D6AB7D394EEB}">
+      <dgm:prSet custT="1"/>
+      <dgm:spPr/>
+      <dgm:t>
+        <a:bodyPr/>
+        <a:lstStyle/>
+        <a:p>
+          <a:pPr algn="l"/>
+          <a:r>
+            <a:rPr lang="en-US" sz="1600" dirty="0" smtClean="0"/>
+            <a:t>Assert coding conventions</a:t>
+          </a:r>
+          <a:endParaRPr lang="en-US" sz="1600" dirty="0"/>
+        </a:p>
+      </dgm:t>
+    </dgm:pt>
+    <dgm:pt modelId="{C6D16332-C237-427E-8C7B-07AB32A6B7F2}" type="parTrans" cxnId="{B8D9955B-3682-4D4D-B24D-859EA4F6A08E}">
+      <dgm:prSet/>
+      <dgm:spPr/>
+      <dgm:t>
+        <a:bodyPr/>
+        <a:lstStyle/>
+        <a:p>
+          <a:endParaRPr lang="en-US"/>
+        </a:p>
+      </dgm:t>
+    </dgm:pt>
+    <dgm:pt modelId="{A6E259F2-2E18-4A71-9FEC-BB599847EB3D}" type="sibTrans" cxnId="{B8D9955B-3682-4D4D-B24D-859EA4F6A08E}">
+      <dgm:prSet/>
+      <dgm:spPr/>
+      <dgm:t>
+        <a:bodyPr/>
+        <a:lstStyle/>
+        <a:p>
+          <a:endParaRPr lang="en-US"/>
+        </a:p>
+      </dgm:t>
+    </dgm:pt>
+    <dgm:pt modelId="{381ACDA6-0888-46EB-973C-64A0DF6887B8}">
+      <dgm:prSet custT="1"/>
+      <dgm:spPr/>
+      <dgm:t>
+        <a:bodyPr/>
+        <a:lstStyle/>
+        <a:p>
+          <a:pPr algn="l"/>
+          <a:r>
+            <a:rPr lang="en-US" sz="1600" dirty="0" smtClean="0"/>
+            <a:t>Assert algorithms</a:t>
+          </a:r>
+          <a:endParaRPr lang="en-US" sz="1600" dirty="0"/>
+        </a:p>
+      </dgm:t>
+    </dgm:pt>
+    <dgm:pt modelId="{51BCC088-852E-4EF6-B2F1-E3893AE8CF95}" type="parTrans" cxnId="{4848DA58-C588-461B-AA81-9EAE1F6ED862}">
+      <dgm:prSet/>
+      <dgm:spPr/>
+      <dgm:t>
+        <a:bodyPr/>
+        <a:lstStyle/>
+        <a:p>
+          <a:endParaRPr lang="en-US"/>
+        </a:p>
+      </dgm:t>
+    </dgm:pt>
+    <dgm:pt modelId="{9534DCD9-0E1E-41DE-9551-805C0D788D9D}" type="sibTrans" cxnId="{4848DA58-C588-461B-AA81-9EAE1F6ED862}">
+      <dgm:prSet/>
+      <dgm:spPr/>
+      <dgm:t>
+        <a:bodyPr/>
+        <a:lstStyle/>
+        <a:p>
+          <a:endParaRPr lang="en-US"/>
+        </a:p>
+      </dgm:t>
+    </dgm:pt>
+    <dgm:pt modelId="{5CAEDCCD-F4F8-4DDF-A8F0-42292F3910CA}">
+      <dgm:prSet custT="1"/>
+      <dgm:spPr/>
+      <dgm:t>
+        <a:bodyPr/>
+        <a:lstStyle/>
+        <a:p>
+          <a:pPr algn="l"/>
+          <a:r>
+            <a:rPr lang="en-US" sz="1600" dirty="0" smtClean="0"/>
+            <a:t>Assert OOP design</a:t>
+          </a:r>
+          <a:endParaRPr lang="en-US" sz="1600" dirty="0"/>
+        </a:p>
+      </dgm:t>
+    </dgm:pt>
+    <dgm:pt modelId="{2781DBB1-4C11-4640-82E6-D8B6EC570828}" type="parTrans" cxnId="{6C79D960-6144-4C2D-A7D5-C37DBE411A81}">
+      <dgm:prSet/>
+      <dgm:spPr/>
+      <dgm:t>
+        <a:bodyPr/>
+        <a:lstStyle/>
+        <a:p>
+          <a:endParaRPr lang="en-US"/>
+        </a:p>
+      </dgm:t>
+    </dgm:pt>
+    <dgm:pt modelId="{CCF7DEAC-7705-435D-ADA0-9148A045CC6B}" type="sibTrans" cxnId="{6C79D960-6144-4C2D-A7D5-C37DBE411A81}">
+      <dgm:prSet/>
+      <dgm:spPr/>
+      <dgm:t>
+        <a:bodyPr/>
+        <a:lstStyle/>
+        <a:p>
+          <a:endParaRPr lang="en-US"/>
+        </a:p>
+      </dgm:t>
+    </dgm:pt>
+    <dgm:pt modelId="{C63D522A-549C-47CA-B7CA-F5971535B506}">
+      <dgm:prSet custT="1"/>
+      <dgm:spPr/>
+      <dgm:t>
+        <a:bodyPr/>
+        <a:lstStyle/>
+        <a:p>
+          <a:pPr algn="l"/>
+          <a:r>
+            <a:rPr lang="en-US" sz="1600" dirty="0" smtClean="0"/>
+            <a:t>Assert project conventions (file location, project name, configuration, etc.)</a:t>
+          </a:r>
+          <a:endParaRPr lang="en-US" sz="1600" dirty="0"/>
+        </a:p>
+      </dgm:t>
+    </dgm:pt>
+    <dgm:pt modelId="{B7E669D5-8D5C-4395-8A8D-CE3BEC0F9AD4}" type="parTrans" cxnId="{D6C777F2-F0E3-4E64-8763-66F366547852}">
+      <dgm:prSet/>
+      <dgm:spPr/>
+      <dgm:t>
+        <a:bodyPr/>
+        <a:lstStyle/>
+        <a:p>
+          <a:endParaRPr lang="en-US"/>
+        </a:p>
+      </dgm:t>
+    </dgm:pt>
+    <dgm:pt modelId="{DB0D0332-29ED-40DB-8E8C-70E58AB4CD3B}" type="sibTrans" cxnId="{D6C777F2-F0E3-4E64-8763-66F366547852}">
+      <dgm:prSet/>
+      <dgm:spPr/>
+      <dgm:t>
+        <a:bodyPr/>
+        <a:lstStyle/>
+        <a:p>
+          <a:endParaRPr lang="en-US"/>
+        </a:p>
+      </dgm:t>
+    </dgm:pt>
+    <dgm:pt modelId="{12882512-3C5B-42AE-A815-89CEE2FEAA13}">
+      <dgm:prSet custT="1"/>
+      <dgm:spPr/>
+      <dgm:t>
+        <a:bodyPr/>
+        <a:lstStyle/>
+        <a:p>
+          <a:pPr algn="l"/>
+          <a:r>
+            <a:rPr lang="en-US" sz="1600" dirty="0" smtClean="0"/>
+            <a:t>Code analysis tools</a:t>
+          </a:r>
+          <a:endParaRPr lang="en-US" sz="1600" dirty="0"/>
+        </a:p>
+      </dgm:t>
+    </dgm:pt>
+    <dgm:pt modelId="{47AB5087-0BC1-47F2-9761-EA2FE8682E93}" type="parTrans" cxnId="{10B8D45E-DC20-4E17-86DF-C8BBCCACF763}">
+      <dgm:prSet/>
+      <dgm:spPr/>
+      <dgm:t>
+        <a:bodyPr/>
+        <a:lstStyle/>
+        <a:p>
+          <a:endParaRPr lang="en-US"/>
+        </a:p>
+      </dgm:t>
+    </dgm:pt>
+    <dgm:pt modelId="{B3FA3553-1BD7-4B8F-A08D-EB3E6E043281}" type="sibTrans" cxnId="{10B8D45E-DC20-4E17-86DF-C8BBCCACF763}">
+      <dgm:prSet/>
+      <dgm:spPr/>
+      <dgm:t>
+        <a:bodyPr/>
+        <a:lstStyle/>
+        <a:p>
+          <a:endParaRPr lang="en-US"/>
+        </a:p>
+      </dgm:t>
+    </dgm:pt>
+    <dgm:pt modelId="{35299010-84F5-428B-A263-1C75194F4FA2}">
+      <dgm:prSet custT="1"/>
+      <dgm:spPr/>
+      <dgm:t>
+        <a:bodyPr/>
+        <a:lstStyle/>
+        <a:p>
+          <a:r>
+            <a:rPr lang="en-US" sz="1600" b="0" i="0" u="none" dirty="0" smtClean="0"/>
+            <a:t>Detect hidden faults / bugs very soon.</a:t>
+          </a:r>
+          <a:endParaRPr lang="en-US" sz="1600" dirty="0"/>
+        </a:p>
+      </dgm:t>
+    </dgm:pt>
+    <dgm:pt modelId="{74811717-6AAB-45E1-BE35-9E03704DB797}" type="parTrans" cxnId="{F5191B89-4A20-42CE-ABAA-DC7A4C1ABD92}">
+      <dgm:prSet/>
+      <dgm:spPr/>
+      <dgm:t>
+        <a:bodyPr/>
+        <a:lstStyle/>
+        <a:p>
+          <a:endParaRPr lang="en-US"/>
+        </a:p>
+      </dgm:t>
+    </dgm:pt>
+    <dgm:pt modelId="{ECFDEF90-D9BA-478B-8561-B10E8E029527}" type="sibTrans" cxnId="{F5191B89-4A20-42CE-ABAA-DC7A4C1ABD92}">
+      <dgm:prSet/>
+      <dgm:spPr/>
+      <dgm:t>
+        <a:bodyPr/>
+        <a:lstStyle/>
+        <a:p>
+          <a:endParaRPr lang="en-US"/>
+        </a:p>
+      </dgm:t>
+    </dgm:pt>
+    <dgm:pt modelId="{5399F966-6CEA-4011-919D-CDBD390F93AF}">
+      <dgm:prSet custT="1"/>
+      <dgm:spPr/>
+      <dgm:t>
+        <a:bodyPr/>
+        <a:lstStyle/>
+        <a:p>
+          <a:r>
+            <a:rPr lang="en-US" sz="1600" dirty="0" smtClean="0"/>
+            <a:t>Refactor code frequently.</a:t>
+          </a:r>
+          <a:endParaRPr lang="en-US" sz="1600" dirty="0"/>
+        </a:p>
+      </dgm:t>
+    </dgm:pt>
+    <dgm:pt modelId="{F17426C0-352B-4972-BEE8-337AFF40461A}" type="parTrans" cxnId="{F3098F8D-5B8D-4821-96F1-16E4C160A32C}">
+      <dgm:prSet/>
+      <dgm:spPr/>
+      <dgm:t>
+        <a:bodyPr/>
+        <a:lstStyle/>
+        <a:p>
+          <a:endParaRPr lang="en-US"/>
+        </a:p>
+      </dgm:t>
+    </dgm:pt>
+    <dgm:pt modelId="{CE71A7AC-0124-443E-B6F2-DE60908B195A}" type="sibTrans" cxnId="{F3098F8D-5B8D-4821-96F1-16E4C160A32C}">
+      <dgm:prSet/>
+      <dgm:spPr/>
+      <dgm:t>
+        <a:bodyPr/>
+        <a:lstStyle/>
+        <a:p>
+          <a:endParaRPr lang="en-US"/>
+        </a:p>
+      </dgm:t>
+    </dgm:pt>
+    <dgm:pt modelId="{92ECB2CD-1F63-49A8-A797-C0BA30535E9A}">
+      <dgm:prSet custT="1"/>
+      <dgm:spPr/>
+      <dgm:t>
+        <a:bodyPr/>
+        <a:lstStyle/>
+        <a:p>
+          <a:endParaRPr lang="en-US" sz="1600" dirty="0"/>
+        </a:p>
+      </dgm:t>
+    </dgm:pt>
+    <dgm:pt modelId="{6FE76910-6759-415A-ADD0-50BD24EBAC01}" type="parTrans" cxnId="{4C7860DC-F539-4FCB-BA87-8854ADBC2D21}">
+      <dgm:prSet/>
+      <dgm:spPr/>
+      <dgm:t>
+        <a:bodyPr/>
+        <a:lstStyle/>
+        <a:p>
+          <a:endParaRPr lang="en-US"/>
+        </a:p>
+      </dgm:t>
+    </dgm:pt>
+    <dgm:pt modelId="{5EFB8A1E-A6B4-4D66-B569-90807290EA44}" type="sibTrans" cxnId="{4C7860DC-F539-4FCB-BA87-8854ADBC2D21}">
+      <dgm:prSet/>
+      <dgm:spPr/>
+      <dgm:t>
+        <a:bodyPr/>
+        <a:lstStyle/>
+        <a:p>
+          <a:endParaRPr lang="en-US"/>
+        </a:p>
+      </dgm:t>
+    </dgm:pt>
+    <dgm:pt modelId="{13DD780F-822D-444A-AE7E-0805240CB886}">
+      <dgm:prSet custT="1"/>
+      <dgm:spPr/>
+      <dgm:t>
+        <a:bodyPr/>
+        <a:lstStyle/>
+        <a:p>
+          <a:r>
+            <a:rPr lang="en-US" sz="1600" dirty="0" smtClean="0"/>
+            <a:t>Ensure coding conventions.</a:t>
+          </a:r>
+          <a:endParaRPr lang="en-US" sz="1600" dirty="0"/>
+        </a:p>
+      </dgm:t>
+    </dgm:pt>
+    <dgm:pt modelId="{C5AF3E96-2D9C-4659-AC1D-19538DE2961D}" type="parTrans" cxnId="{289E0680-C862-4093-B644-495B25F09918}">
+      <dgm:prSet/>
+      <dgm:spPr/>
+      <dgm:t>
+        <a:bodyPr/>
+        <a:lstStyle/>
+        <a:p>
+          <a:endParaRPr lang="en-US"/>
+        </a:p>
+      </dgm:t>
+    </dgm:pt>
+    <dgm:pt modelId="{0E127490-7BCF-4A38-BBD1-47F4F0EBBF0A}" type="sibTrans" cxnId="{289E0680-C862-4093-B644-495B25F09918}">
+      <dgm:prSet/>
+      <dgm:spPr/>
+      <dgm:t>
+        <a:bodyPr/>
+        <a:lstStyle/>
+        <a:p>
+          <a:endParaRPr lang="en-US"/>
+        </a:p>
+      </dgm:t>
+    </dgm:pt>
+    <dgm:pt modelId="{C63B9F8D-BBEB-4B26-B200-C86013681723}">
+      <dgm:prSet custT="1"/>
+      <dgm:spPr/>
+      <dgm:t>
+        <a:bodyPr/>
+        <a:lstStyle/>
+        <a:p>
+          <a:r>
+            <a:rPr lang="en-US" sz="1600" dirty="0" smtClean="0"/>
+            <a:t>Prevent code from getting mess.</a:t>
+          </a:r>
+          <a:endParaRPr lang="en-US" sz="1600" dirty="0"/>
+        </a:p>
+      </dgm:t>
+    </dgm:pt>
+    <dgm:pt modelId="{E949EE15-2597-4659-A5B7-1E4AD2660EE9}" type="parTrans" cxnId="{6EE093CB-EC70-465A-B8E2-9C3E37206163}">
+      <dgm:prSet/>
+      <dgm:spPr/>
+      <dgm:t>
+        <a:bodyPr/>
+        <a:lstStyle/>
+        <a:p>
+          <a:endParaRPr lang="en-US"/>
+        </a:p>
+      </dgm:t>
+    </dgm:pt>
+    <dgm:pt modelId="{3B637012-F8B2-48BF-AD22-E766258C9361}" type="sibTrans" cxnId="{6EE093CB-EC70-465A-B8E2-9C3E37206163}">
+      <dgm:prSet/>
+      <dgm:spPr/>
+      <dgm:t>
+        <a:bodyPr/>
+        <a:lstStyle/>
+        <a:p>
+          <a:endParaRPr lang="en-US"/>
+        </a:p>
+      </dgm:t>
+    </dgm:pt>
+    <dgm:pt modelId="{C0F3360B-F19D-452C-8E54-961FD3DC048B}" type="pres">
+      <dgm:prSet presAssocID="{DC37A134-94E8-4602-89E8-97EDBFD9DF7D}" presName="Name0" presStyleCnt="0">
+        <dgm:presLayoutVars>
+          <dgm:dir/>
+          <dgm:resizeHandles val="exact"/>
+        </dgm:presLayoutVars>
+      </dgm:prSet>
+      <dgm:spPr/>
+    </dgm:pt>
+    <dgm:pt modelId="{91622C23-7671-434F-9A15-50190BE8AFE5}" type="pres">
+      <dgm:prSet presAssocID="{F544CABA-5302-4CE1-9D25-93728C1A9F74}" presName="node" presStyleLbl="node1" presStyleIdx="0" presStyleCnt="4">
+        <dgm:presLayoutVars>
+          <dgm:bulletEnabled val="1"/>
+        </dgm:presLayoutVars>
+      </dgm:prSet>
+      <dgm:spPr/>
+    </dgm:pt>
+    <dgm:pt modelId="{67D07BD8-02BF-416C-97DC-56342E46075B}" type="pres">
+      <dgm:prSet presAssocID="{1FB57E5B-3092-4CBD-8C69-6688D2BDF085}" presName="sibTrans" presStyleCnt="0"/>
+      <dgm:spPr/>
+    </dgm:pt>
+    <dgm:pt modelId="{1C6B8E08-3A74-4615-B65C-24489F5E8BA9}" type="pres">
+      <dgm:prSet presAssocID="{FAC7DC65-CF10-49B7-8669-E2E5BD356BA1}" presName="node" presStyleLbl="node1" presStyleIdx="1" presStyleCnt="4">
+        <dgm:presLayoutVars>
+          <dgm:bulletEnabled val="1"/>
+        </dgm:presLayoutVars>
+      </dgm:prSet>
+      <dgm:spPr/>
+    </dgm:pt>
+    <dgm:pt modelId="{2D4E7F06-6018-425A-8250-1D3241AEF988}" type="pres">
+      <dgm:prSet presAssocID="{9645E86B-E933-4146-A088-0E508F590709}" presName="sibTrans" presStyleCnt="0"/>
+      <dgm:spPr/>
+    </dgm:pt>
+    <dgm:pt modelId="{0FA8F8F8-1739-4F38-B292-E2FDF877F35A}" type="pres">
+      <dgm:prSet presAssocID="{4EBC0902-C001-42C6-8989-B264DF62F1AF}" presName="node" presStyleLbl="node1" presStyleIdx="2" presStyleCnt="4">
+        <dgm:presLayoutVars>
+          <dgm:bulletEnabled val="1"/>
+        </dgm:presLayoutVars>
+      </dgm:prSet>
+      <dgm:spPr/>
+    </dgm:pt>
+    <dgm:pt modelId="{C1F102AC-607A-4EB1-A9D1-B392DC965834}" type="pres">
+      <dgm:prSet presAssocID="{DB6E9E2E-35D0-42EC-B335-0501BAC518F0}" presName="sibTrans" presStyleCnt="0"/>
+      <dgm:spPr/>
+    </dgm:pt>
+    <dgm:pt modelId="{DAC7D038-682D-4F79-9407-543700CD7919}" type="pres">
+      <dgm:prSet presAssocID="{FD959508-F6CD-4EC6-AD9F-4C7E80696572}" presName="node" presStyleLbl="node1" presStyleIdx="3" presStyleCnt="4">
+        <dgm:presLayoutVars>
+          <dgm:bulletEnabled val="1"/>
+        </dgm:presLayoutVars>
+      </dgm:prSet>
+      <dgm:spPr/>
+    </dgm:pt>
+  </dgm:ptLst>
+  <dgm:cxnLst>
+    <dgm:cxn modelId="{34CC95F8-7852-4E83-800E-E40AEFEDDB9F}" type="presOf" srcId="{DC37A134-94E8-4602-89E8-97EDBFD9DF7D}" destId="{C0F3360B-F19D-452C-8E54-961FD3DC048B}" srcOrd="0" destOrd="0" presId="urn:microsoft.com/office/officeart/2005/8/layout/hList6"/>
+    <dgm:cxn modelId="{BC9DF746-308D-44BD-914F-52B653E851DE}" type="presOf" srcId="{FD959508-F6CD-4EC6-AD9F-4C7E80696572}" destId="{DAC7D038-682D-4F79-9407-543700CD7919}" srcOrd="0" destOrd="0" presId="urn:microsoft.com/office/officeart/2005/8/layout/hList6"/>
+    <dgm:cxn modelId="{B6A481EE-D0A1-4D7A-B57B-51D23641C4B6}" srcId="{FAC7DC65-CF10-49B7-8669-E2E5BD356BA1}" destId="{7546C6DE-836C-4588-A601-6EF01104EB08}" srcOrd="0" destOrd="0" parTransId="{8E621233-0325-492B-9A1D-674AE3FAC7AB}" sibTransId="{CFC688F6-0D18-4B3F-BB03-4347888B4544}"/>
+    <dgm:cxn modelId="{6EE093CB-EC70-465A-B8E2-9C3E37206163}" srcId="{FD959508-F6CD-4EC6-AD9F-4C7E80696572}" destId="{C63B9F8D-BBEB-4B26-B200-C86013681723}" srcOrd="2" destOrd="0" parTransId="{E949EE15-2597-4659-A5B7-1E4AD2660EE9}" sibTransId="{3B637012-F8B2-48BF-AD22-E766258C9361}"/>
+    <dgm:cxn modelId="{DDCC2292-1BF2-4105-B01E-DDFF27AFBF73}" type="presOf" srcId="{C63B9F8D-BBEB-4B26-B200-C86013681723}" destId="{DAC7D038-682D-4F79-9407-543700CD7919}" srcOrd="0" destOrd="3" presId="urn:microsoft.com/office/officeart/2005/8/layout/hList6"/>
+    <dgm:cxn modelId="{D260C908-E263-4585-A5FF-A22C21EC8135}" type="presOf" srcId="{F544CABA-5302-4CE1-9D25-93728C1A9F74}" destId="{91622C23-7671-434F-9A15-50190BE8AFE5}" srcOrd="0" destOrd="0" presId="urn:microsoft.com/office/officeart/2005/8/layout/hList6"/>
+    <dgm:cxn modelId="{A0FF36BF-531D-45B0-8A1F-FDD682C90989}" type="presOf" srcId="{32442FA8-69D5-42A9-8917-D6AB7D394EEB}" destId="{0FA8F8F8-1739-4F38-B292-E2FDF877F35A}" srcOrd="0" destOrd="1" presId="urn:microsoft.com/office/officeart/2005/8/layout/hList6"/>
+    <dgm:cxn modelId="{E2779535-B53C-4D50-84C8-C7DF9752EAC4}" type="presOf" srcId="{5399F966-6CEA-4011-919D-CDBD390F93AF}" destId="{DAC7D038-682D-4F79-9407-543700CD7919}" srcOrd="0" destOrd="2" presId="urn:microsoft.com/office/officeart/2005/8/layout/hList6"/>
+    <dgm:cxn modelId="{BFF226AF-021A-4258-A22E-6576CFF3D10F}" type="presOf" srcId="{92ECB2CD-1F63-49A8-A797-C0BA30535E9A}" destId="{DAC7D038-682D-4F79-9407-543700CD7919}" srcOrd="0" destOrd="5" presId="urn:microsoft.com/office/officeart/2005/8/layout/hList6"/>
+    <dgm:cxn modelId="{1D2F5E52-C0D0-4648-B494-CBB0B2CA9544}" srcId="{F544CABA-5302-4CE1-9D25-93728C1A9F74}" destId="{C8A88300-AE06-473C-8898-6721ED26B4B2}" srcOrd="0" destOrd="0" parTransId="{F83723A2-5FA3-4F15-B39F-25BFA41B15EB}" sibTransId="{855B6436-2EE8-4EFA-89EE-99D45E60159C}"/>
+    <dgm:cxn modelId="{D6C777F2-F0E3-4E64-8763-66F366547852}" srcId="{4EBC0902-C001-42C6-8989-B264DF62F1AF}" destId="{C63D522A-549C-47CA-B7CA-F5971535B506}" srcOrd="3" destOrd="0" parTransId="{B7E669D5-8D5C-4395-8A8D-CE3BEC0F9AD4}" sibTransId="{DB0D0332-29ED-40DB-8E8C-70E58AB4CD3B}"/>
+    <dgm:cxn modelId="{6C79D960-6144-4C2D-A7D5-C37DBE411A81}" srcId="{4EBC0902-C001-42C6-8989-B264DF62F1AF}" destId="{5CAEDCCD-F4F8-4DDF-A8F0-42292F3910CA}" srcOrd="2" destOrd="0" parTransId="{2781DBB1-4C11-4640-82E6-D8B6EC570828}" sibTransId="{CCF7DEAC-7705-435D-ADA0-9148A045CC6B}"/>
+    <dgm:cxn modelId="{F3098F8D-5B8D-4821-96F1-16E4C160A32C}" srcId="{FD959508-F6CD-4EC6-AD9F-4C7E80696572}" destId="{5399F966-6CEA-4011-919D-CDBD390F93AF}" srcOrd="1" destOrd="0" parTransId="{F17426C0-352B-4972-BEE8-337AFF40461A}" sibTransId="{CE71A7AC-0124-443E-B6F2-DE60908B195A}"/>
+    <dgm:cxn modelId="{289E0680-C862-4093-B644-495B25F09918}" srcId="{FD959508-F6CD-4EC6-AD9F-4C7E80696572}" destId="{13DD780F-822D-444A-AE7E-0805240CB886}" srcOrd="3" destOrd="0" parTransId="{C5AF3E96-2D9C-4659-AC1D-19538DE2961D}" sibTransId="{0E127490-7BCF-4A38-BBD1-47F4F0EBBF0A}"/>
+    <dgm:cxn modelId="{D552BD31-4EDC-4B42-9060-03FC3297667B}" type="presOf" srcId="{5CAEDCCD-F4F8-4DDF-A8F0-42292F3910CA}" destId="{0FA8F8F8-1739-4F38-B292-E2FDF877F35A}" srcOrd="0" destOrd="3" presId="urn:microsoft.com/office/officeart/2005/8/layout/hList6"/>
+    <dgm:cxn modelId="{B8D9955B-3682-4D4D-B24D-859EA4F6A08E}" srcId="{4EBC0902-C001-42C6-8989-B264DF62F1AF}" destId="{32442FA8-69D5-42A9-8917-D6AB7D394EEB}" srcOrd="0" destOrd="0" parTransId="{C6D16332-C237-427E-8C7B-07AB32A6B7F2}" sibTransId="{A6E259F2-2E18-4A71-9FEC-BB599847EB3D}"/>
+    <dgm:cxn modelId="{99E8A1B3-F5A7-4339-B616-44C213A2ACE2}" type="presOf" srcId="{7546C6DE-836C-4588-A601-6EF01104EB08}" destId="{1C6B8E08-3A74-4615-B65C-24489F5E8BA9}" srcOrd="0" destOrd="1" presId="urn:microsoft.com/office/officeart/2005/8/layout/hList6"/>
+    <dgm:cxn modelId="{8228F049-C3A1-4409-B9D6-5E23D20D4597}" type="presOf" srcId="{13DD780F-822D-444A-AE7E-0805240CB886}" destId="{DAC7D038-682D-4F79-9407-543700CD7919}" srcOrd="0" destOrd="4" presId="urn:microsoft.com/office/officeart/2005/8/layout/hList6"/>
+    <dgm:cxn modelId="{A995587F-B11F-41C2-AED6-9085B6FCDECF}" type="presOf" srcId="{35299010-84F5-428B-A263-1C75194F4FA2}" destId="{DAC7D038-682D-4F79-9407-543700CD7919}" srcOrd="0" destOrd="1" presId="urn:microsoft.com/office/officeart/2005/8/layout/hList6"/>
+    <dgm:cxn modelId="{AEB1D624-9DFB-4A7B-9501-77864085BF1F}" type="presOf" srcId="{381ACDA6-0888-46EB-973C-64A0DF6887B8}" destId="{0FA8F8F8-1739-4F38-B292-E2FDF877F35A}" srcOrd="0" destOrd="2" presId="urn:microsoft.com/office/officeart/2005/8/layout/hList6"/>
+    <dgm:cxn modelId="{46A53881-E842-451C-AB9B-649C766809F4}" type="presOf" srcId="{C8A88300-AE06-473C-8898-6721ED26B4B2}" destId="{91622C23-7671-434F-9A15-50190BE8AFE5}" srcOrd="0" destOrd="1" presId="urn:microsoft.com/office/officeart/2005/8/layout/hList6"/>
+    <dgm:cxn modelId="{05DF74E8-6114-44E0-922C-7359919445B4}" type="presOf" srcId="{12882512-3C5B-42AE-A815-89CEE2FEAA13}" destId="{1C6B8E08-3A74-4615-B65C-24489F5E8BA9}" srcOrd="0" destOrd="2" presId="urn:microsoft.com/office/officeart/2005/8/layout/hList6"/>
+    <dgm:cxn modelId="{4C7860DC-F539-4FCB-BA87-8854ADBC2D21}" srcId="{FD959508-F6CD-4EC6-AD9F-4C7E80696572}" destId="{92ECB2CD-1F63-49A8-A797-C0BA30535E9A}" srcOrd="4" destOrd="0" parTransId="{6FE76910-6759-415A-ADD0-50BD24EBAC01}" sibTransId="{5EFB8A1E-A6B4-4D66-B569-90807290EA44}"/>
+    <dgm:cxn modelId="{AC6524E9-346A-4C9E-8279-74A92A5D1D39}" srcId="{DC37A134-94E8-4602-89E8-97EDBFD9DF7D}" destId="{FAC7DC65-CF10-49B7-8669-E2E5BD356BA1}" srcOrd="1" destOrd="0" parTransId="{01D7EDE9-9AB2-46E5-A39C-2963709EC82B}" sibTransId="{9645E86B-E933-4146-A088-0E508F590709}"/>
+    <dgm:cxn modelId="{C55C61B0-9338-4B4A-8041-0335F82B3BA9}" type="presOf" srcId="{C63D522A-549C-47CA-B7CA-F5971535B506}" destId="{0FA8F8F8-1739-4F38-B292-E2FDF877F35A}" srcOrd="0" destOrd="4" presId="urn:microsoft.com/office/officeart/2005/8/layout/hList6"/>
+    <dgm:cxn modelId="{AAA519DC-6A46-4A6A-803A-5D18D2F25C54}" srcId="{DC37A134-94E8-4602-89E8-97EDBFD9DF7D}" destId="{FD959508-F6CD-4EC6-AD9F-4C7E80696572}" srcOrd="3" destOrd="0" parTransId="{469CFA93-D990-494A-A4D7-B8789688C6A5}" sibTransId="{8E7E3D55-443C-46C6-93F3-38C55FD40513}"/>
+    <dgm:cxn modelId="{10B8D45E-DC20-4E17-86DF-C8BBCCACF763}" srcId="{FAC7DC65-CF10-49B7-8669-E2E5BD356BA1}" destId="{12882512-3C5B-42AE-A815-89CEE2FEAA13}" srcOrd="1" destOrd="0" parTransId="{47AB5087-0BC1-47F2-9761-EA2FE8682E93}" sibTransId="{B3FA3553-1BD7-4B8F-A08D-EB3E6E043281}"/>
+    <dgm:cxn modelId="{3E8955D2-57C7-4E0C-9229-E190052F4994}" srcId="{DC37A134-94E8-4602-89E8-97EDBFD9DF7D}" destId="{F544CABA-5302-4CE1-9D25-93728C1A9F74}" srcOrd="0" destOrd="0" parTransId="{69C1A11E-74D1-4DF6-98F5-9DAE05941EA5}" sibTransId="{1FB57E5B-3092-4CBD-8C69-6688D2BDF085}"/>
+    <dgm:cxn modelId="{F5191B89-4A20-42CE-ABAA-DC7A4C1ABD92}" srcId="{FD959508-F6CD-4EC6-AD9F-4C7E80696572}" destId="{35299010-84F5-428B-A263-1C75194F4FA2}" srcOrd="0" destOrd="0" parTransId="{74811717-6AAB-45E1-BE35-9E03704DB797}" sibTransId="{ECFDEF90-D9BA-478B-8561-B10E8E029527}"/>
+    <dgm:cxn modelId="{4848DA58-C588-461B-AA81-9EAE1F6ED862}" srcId="{4EBC0902-C001-42C6-8989-B264DF62F1AF}" destId="{381ACDA6-0888-46EB-973C-64A0DF6887B8}" srcOrd="1" destOrd="0" parTransId="{51BCC088-852E-4EF6-B2F1-E3893AE8CF95}" sibTransId="{9534DCD9-0E1E-41DE-9551-805C0D788D9D}"/>
+    <dgm:cxn modelId="{649B01F8-36A1-4248-BB06-90EA466958F4}" srcId="{DC37A134-94E8-4602-89E8-97EDBFD9DF7D}" destId="{4EBC0902-C001-42C6-8989-B264DF62F1AF}" srcOrd="2" destOrd="0" parTransId="{E4CDC31A-B7A3-41EA-A7A1-12EC5E56EFB2}" sibTransId="{DB6E9E2E-35D0-42EC-B335-0501BAC518F0}"/>
+    <dgm:cxn modelId="{A3623F2F-A64F-4951-BE0D-91665EDEE0F5}" type="presOf" srcId="{FAC7DC65-CF10-49B7-8669-E2E5BD356BA1}" destId="{1C6B8E08-3A74-4615-B65C-24489F5E8BA9}" srcOrd="0" destOrd="0" presId="urn:microsoft.com/office/officeart/2005/8/layout/hList6"/>
+    <dgm:cxn modelId="{F3A931A4-14BD-447C-A35C-8EC1A979322E}" type="presOf" srcId="{4EBC0902-C001-42C6-8989-B264DF62F1AF}" destId="{0FA8F8F8-1739-4F38-B292-E2FDF877F35A}" srcOrd="0" destOrd="0" presId="urn:microsoft.com/office/officeart/2005/8/layout/hList6"/>
+    <dgm:cxn modelId="{2D24D6AF-13D0-464C-9493-86DDC1C86E8C}" type="presParOf" srcId="{C0F3360B-F19D-452C-8E54-961FD3DC048B}" destId="{91622C23-7671-434F-9A15-50190BE8AFE5}" srcOrd="0" destOrd="0" presId="urn:microsoft.com/office/officeart/2005/8/layout/hList6"/>
+    <dgm:cxn modelId="{8680256D-63D7-4C89-BEAA-AF6FBA07A42B}" type="presParOf" srcId="{C0F3360B-F19D-452C-8E54-961FD3DC048B}" destId="{67D07BD8-02BF-416C-97DC-56342E46075B}" srcOrd="1" destOrd="0" presId="urn:microsoft.com/office/officeart/2005/8/layout/hList6"/>
+    <dgm:cxn modelId="{FEE8D754-3B20-407B-8DF3-00F592D3D91F}" type="presParOf" srcId="{C0F3360B-F19D-452C-8E54-961FD3DC048B}" destId="{1C6B8E08-3A74-4615-B65C-24489F5E8BA9}" srcOrd="2" destOrd="0" presId="urn:microsoft.com/office/officeart/2005/8/layout/hList6"/>
+    <dgm:cxn modelId="{3E819E86-9DC1-4E5A-AC49-6BD3AE6F6FBE}" type="presParOf" srcId="{C0F3360B-F19D-452C-8E54-961FD3DC048B}" destId="{2D4E7F06-6018-425A-8250-1D3241AEF988}" srcOrd="3" destOrd="0" presId="urn:microsoft.com/office/officeart/2005/8/layout/hList6"/>
+    <dgm:cxn modelId="{EA9A0740-2292-486B-8D9E-EAEE55013D16}" type="presParOf" srcId="{C0F3360B-F19D-452C-8E54-961FD3DC048B}" destId="{0FA8F8F8-1739-4F38-B292-E2FDF877F35A}" srcOrd="4" destOrd="0" presId="urn:microsoft.com/office/officeart/2005/8/layout/hList6"/>
+    <dgm:cxn modelId="{7078D495-A470-47F6-A99B-8E2B0FA7C3B1}" type="presParOf" srcId="{C0F3360B-F19D-452C-8E54-961FD3DC048B}" destId="{C1F102AC-607A-4EB1-A9D1-B392DC965834}" srcOrd="5" destOrd="0" presId="urn:microsoft.com/office/officeart/2005/8/layout/hList6"/>
+    <dgm:cxn modelId="{76940665-6AE7-4C43-9915-D2D8E0587A7B}" type="presParOf" srcId="{C0F3360B-F19D-452C-8E54-961FD3DC048B}" destId="{DAC7D038-682D-4F79-9407-543700CD7919}" srcOrd="6" destOrd="0" presId="urn:microsoft.com/office/officeart/2005/8/layout/hList6"/>
+  </dgm:cxnLst>
+  <dgm:bg/>
+  <dgm:whole/>
+  <dgm:extLst>
+    <a:ext uri="http://schemas.microsoft.com/office/drawing/2008/diagram">
+      <dsp:dataModelExt xmlns:dsp="http://schemas.microsoft.com/office/drawing/2008/diagram" relId="rId6" minVer="http://schemas.openxmlformats.org/drawingml/2006/diagram"/>
+    </a:ext>
+  </dgm:extLst>
+</dgm:dataModel>
+</file>
+
+<file path=ppt/diagrams/drawing1.xml><?xml version="1.0" encoding="utf-8"?>
+<dsp:drawing xmlns:dgm="http://schemas.openxmlformats.org/drawingml/2006/diagram" xmlns:dsp="http://schemas.microsoft.com/office/drawing/2008/diagram" xmlns:a="http://schemas.openxmlformats.org/drawingml/2006/main">
+  <dsp:spTree>
+    <dsp:nvGrpSpPr>
+      <dsp:cNvPr id="0" name=""/>
+      <dsp:cNvGrpSpPr/>
+    </dsp:nvGrpSpPr>
+    <dsp:grpSpPr/>
+    <dsp:sp modelId="{07A97A5B-0916-469B-A310-B5BA16587294}">
+      <dsp:nvSpPr>
+        <dsp:cNvPr id="0" name=""/>
+        <dsp:cNvSpPr/>
+      </dsp:nvSpPr>
+      <dsp:spPr>
+        <a:xfrm>
+          <a:off x="3080" y="1424994"/>
+          <a:ext cx="3753370" cy="1501348"/>
+        </a:xfrm>
+        <a:prstGeom prst="chevron">
+          <a:avLst/>
+        </a:prstGeom>
+        <a:solidFill>
+          <a:schemeClr val="accent1">
+            <a:hueOff val="0"/>
+            <a:satOff val="0"/>
+            <a:lumOff val="0"/>
+            <a:alphaOff val="0"/>
+          </a:schemeClr>
+        </a:solidFill>
+        <a:ln w="12700" cap="flat" cmpd="sng" algn="ctr">
+          <a:solidFill>
+            <a:schemeClr val="lt1">
+              <a:hueOff val="0"/>
+              <a:satOff val="0"/>
+              <a:lumOff val="0"/>
+              <a:alphaOff val="0"/>
+            </a:schemeClr>
+          </a:solidFill>
+          <a:prstDash val="solid"/>
+          <a:miter lim="800000"/>
+        </a:ln>
+        <a:effectLst/>
+      </dsp:spPr>
+      <dsp:style>
+        <a:lnRef idx="2">
+          <a:scrgbClr r="0" g="0" b="0"/>
+        </a:lnRef>
+        <a:fillRef idx="1">
+          <a:scrgbClr r="0" g="0" b="0"/>
+        </a:fillRef>
+        <a:effectRef idx="0">
+          <a:scrgbClr r="0" g="0" b="0"/>
+        </a:effectRef>
+        <a:fontRef idx="minor">
+          <a:schemeClr val="lt1"/>
+        </a:fontRef>
+      </dsp:style>
+      <dsp:txBody>
+        <a:bodyPr spcFirstLastPara="0" vert="horz" wrap="square" lIns="132017" tIns="44006" rIns="44006" bIns="44006" numCol="1" spcCol="1270" anchor="ctr" anchorCtr="0">
+          <a:noAutofit/>
+        </a:bodyPr>
+        <a:lstStyle/>
+        <a:p>
+          <a:pPr lvl="0" algn="ctr" defTabSz="1466850">
+            <a:lnSpc>
+              <a:spcPct val="90000"/>
+            </a:lnSpc>
+            <a:spcBef>
+              <a:spcPct val="0"/>
+            </a:spcBef>
+            <a:spcAft>
+              <a:spcPct val="35000"/>
+            </a:spcAft>
+          </a:pPr>
+          <a:r>
+            <a:rPr lang="en-US" sz="3300" kern="1200" dirty="0" smtClean="0"/>
+            <a:t>GUI Unit Testing</a:t>
+          </a:r>
+          <a:endParaRPr lang="en-US" sz="3300" kern="1200" dirty="0"/>
+        </a:p>
+      </dsp:txBody>
+      <dsp:txXfrm>
+        <a:off x="753754" y="1424994"/>
+        <a:ext cx="2252022" cy="1501348"/>
+      </dsp:txXfrm>
+    </dsp:sp>
+    <dsp:sp modelId="{70990B95-9C45-4AC8-B379-2287C93DEF89}">
+      <dsp:nvSpPr>
+        <dsp:cNvPr id="0" name=""/>
+        <dsp:cNvSpPr/>
+      </dsp:nvSpPr>
+      <dsp:spPr>
+        <a:xfrm>
+          <a:off x="3381114" y="1424994"/>
+          <a:ext cx="3753370" cy="1501348"/>
+        </a:xfrm>
+        <a:prstGeom prst="chevron">
+          <a:avLst/>
+        </a:prstGeom>
+        <a:solidFill>
+          <a:schemeClr val="accent1">
+            <a:hueOff val="0"/>
+            <a:satOff val="0"/>
+            <a:lumOff val="0"/>
+            <a:alphaOff val="0"/>
+          </a:schemeClr>
+        </a:solidFill>
+        <a:ln w="12700" cap="flat" cmpd="sng" algn="ctr">
+          <a:solidFill>
+            <a:schemeClr val="lt1">
+              <a:hueOff val="0"/>
+              <a:satOff val="0"/>
+              <a:lumOff val="0"/>
+              <a:alphaOff val="0"/>
+            </a:schemeClr>
+          </a:solidFill>
+          <a:prstDash val="solid"/>
+          <a:miter lim="800000"/>
+        </a:ln>
+        <a:effectLst/>
+      </dsp:spPr>
+      <dsp:style>
+        <a:lnRef idx="2">
+          <a:scrgbClr r="0" g="0" b="0"/>
+        </a:lnRef>
+        <a:fillRef idx="1">
+          <a:scrgbClr r="0" g="0" b="0"/>
+        </a:fillRef>
+        <a:effectRef idx="0">
+          <a:scrgbClr r="0" g="0" b="0"/>
+        </a:effectRef>
+        <a:fontRef idx="minor">
+          <a:schemeClr val="lt1"/>
+        </a:fontRef>
+      </dsp:style>
+      <dsp:txBody>
+        <a:bodyPr spcFirstLastPara="0" vert="horz" wrap="square" lIns="132017" tIns="44006" rIns="44006" bIns="44006" numCol="1" spcCol="1270" anchor="ctr" anchorCtr="0">
+          <a:noAutofit/>
+        </a:bodyPr>
+        <a:lstStyle/>
+        <a:p>
+          <a:pPr lvl="0" algn="ctr" defTabSz="1466850">
+            <a:lnSpc>
+              <a:spcPct val="90000"/>
+            </a:lnSpc>
+            <a:spcBef>
+              <a:spcPct val="0"/>
+            </a:spcBef>
+            <a:spcAft>
+              <a:spcPct val="35000"/>
+            </a:spcAft>
+          </a:pPr>
+          <a:r>
+            <a:rPr lang="en-US" sz="3300" kern="1200" smtClean="0"/>
+            <a:t>Unit Testing</a:t>
+          </a:r>
+          <a:endParaRPr lang="en-US" sz="3300" kern="1200" dirty="0"/>
+        </a:p>
+      </dsp:txBody>
+      <dsp:txXfrm>
+        <a:off x="4131788" y="1424994"/>
+        <a:ext cx="2252022" cy="1501348"/>
+      </dsp:txXfrm>
+    </dsp:sp>
+    <dsp:sp modelId="{37BEB583-E78E-4F61-A39C-F5BC71E71163}">
+      <dsp:nvSpPr>
+        <dsp:cNvPr id="0" name=""/>
+        <dsp:cNvSpPr/>
+      </dsp:nvSpPr>
+      <dsp:spPr>
+        <a:xfrm>
+          <a:off x="6759148" y="1424994"/>
+          <a:ext cx="3753370" cy="1501348"/>
+        </a:xfrm>
+        <a:prstGeom prst="chevron">
+          <a:avLst/>
+        </a:prstGeom>
+        <a:solidFill>
+          <a:schemeClr val="accent1">
+            <a:hueOff val="0"/>
+            <a:satOff val="0"/>
+            <a:lumOff val="0"/>
+            <a:alphaOff val="0"/>
+          </a:schemeClr>
+        </a:solidFill>
+        <a:ln w="12700" cap="flat" cmpd="sng" algn="ctr">
+          <a:solidFill>
+            <a:schemeClr val="lt1">
+              <a:hueOff val="0"/>
+              <a:satOff val="0"/>
+              <a:lumOff val="0"/>
+              <a:alphaOff val="0"/>
+            </a:schemeClr>
+          </a:solidFill>
+          <a:prstDash val="solid"/>
+          <a:miter lim="800000"/>
+        </a:ln>
+        <a:effectLst/>
+      </dsp:spPr>
+      <dsp:style>
+        <a:lnRef idx="2">
+          <a:scrgbClr r="0" g="0" b="0"/>
+        </a:lnRef>
+        <a:fillRef idx="1">
+          <a:scrgbClr r="0" g="0" b="0"/>
+        </a:fillRef>
+        <a:effectRef idx="0">
+          <a:scrgbClr r="0" g="0" b="0"/>
+        </a:effectRef>
+        <a:fontRef idx="minor">
+          <a:schemeClr val="lt1"/>
+        </a:fontRef>
+      </dsp:style>
+      <dsp:txBody>
+        <a:bodyPr spcFirstLastPara="0" vert="horz" wrap="square" lIns="132017" tIns="44006" rIns="44006" bIns="44006" numCol="1" spcCol="1270" anchor="ctr" anchorCtr="0">
+          <a:noAutofit/>
+        </a:bodyPr>
+        <a:lstStyle/>
+        <a:p>
+          <a:pPr lvl="0" algn="ctr" defTabSz="1466850">
+            <a:lnSpc>
+              <a:spcPct val="90000"/>
+            </a:lnSpc>
+            <a:spcBef>
+              <a:spcPct val="0"/>
+            </a:spcBef>
+            <a:spcAft>
+              <a:spcPct val="35000"/>
+            </a:spcAft>
+          </a:pPr>
+          <a:r>
+            <a:rPr lang="en-US" sz="3300" kern="1200" dirty="0" smtClean="0"/>
+            <a:t>Integration Testing</a:t>
+          </a:r>
+          <a:endParaRPr lang="en-US" sz="3300" kern="1200" dirty="0"/>
+        </a:p>
+      </dsp:txBody>
+      <dsp:txXfrm>
+        <a:off x="7509822" y="1424994"/>
+        <a:ext cx="2252022" cy="1501348"/>
+      </dsp:txXfrm>
+    </dsp:sp>
+  </dsp:spTree>
+</dsp:drawing>
+</file>
+
+<file path=ppt/diagrams/drawing2.xml><?xml version="1.0" encoding="utf-8"?>
+<dsp:drawing xmlns:dgm="http://schemas.openxmlformats.org/drawingml/2006/diagram" xmlns:dsp="http://schemas.microsoft.com/office/drawing/2008/diagram" xmlns:a="http://schemas.openxmlformats.org/drawingml/2006/main">
+  <dsp:spTree>
+    <dsp:nvGrpSpPr>
+      <dsp:cNvPr id="0" name=""/>
+      <dsp:cNvGrpSpPr/>
+    </dsp:nvGrpSpPr>
+    <dsp:grpSpPr/>
+    <dsp:sp modelId="{91622C23-7671-434F-9A15-50190BE8AFE5}">
+      <dsp:nvSpPr>
+        <dsp:cNvPr id="0" name=""/>
+        <dsp:cNvSpPr/>
+      </dsp:nvSpPr>
+      <dsp:spPr>
+        <a:xfrm rot="16200000">
+          <a:off x="-929284" y="931819"/>
+          <a:ext cx="4351338" cy="2487699"/>
+        </a:xfrm>
+        <a:prstGeom prst="flowChartManualOperation">
+          <a:avLst/>
+        </a:prstGeom>
+        <a:solidFill>
+          <a:schemeClr val="accent1">
+            <a:hueOff val="0"/>
+            <a:satOff val="0"/>
+            <a:lumOff val="0"/>
+            <a:alphaOff val="0"/>
+          </a:schemeClr>
+        </a:solidFill>
+        <a:ln w="12700" cap="flat" cmpd="sng" algn="ctr">
+          <a:solidFill>
+            <a:schemeClr val="lt1">
+              <a:hueOff val="0"/>
+              <a:satOff val="0"/>
+              <a:lumOff val="0"/>
+              <a:alphaOff val="0"/>
+            </a:schemeClr>
+          </a:solidFill>
+          <a:prstDash val="solid"/>
+          <a:miter lim="800000"/>
+        </a:ln>
+        <a:effectLst/>
+      </dsp:spPr>
+      <dsp:style>
+        <a:lnRef idx="2">
+          <a:scrgbClr r="0" g="0" b="0"/>
+        </a:lnRef>
+        <a:fillRef idx="1">
+          <a:scrgbClr r="0" g="0" b="0"/>
+        </a:fillRef>
+        <a:effectRef idx="0">
+          <a:scrgbClr r="0" g="0" b="0"/>
+        </a:effectRef>
+        <a:fontRef idx="minor">
+          <a:schemeClr val="lt1"/>
+        </a:fontRef>
+      </dsp:style>
+      <dsp:txBody>
+        <a:bodyPr spcFirstLastPara="0" vert="horz" wrap="square" lIns="101600" tIns="0" rIns="101600" bIns="0" numCol="1" spcCol="1270" anchor="t" anchorCtr="0">
+          <a:noAutofit/>
+        </a:bodyPr>
+        <a:lstStyle/>
+        <a:p>
+          <a:pPr lvl="0" algn="l" defTabSz="1600200" rtl="0">
+            <a:lnSpc>
+              <a:spcPct val="90000"/>
+            </a:lnSpc>
+            <a:spcBef>
+              <a:spcPct val="0"/>
+            </a:spcBef>
+            <a:spcAft>
+              <a:spcPct val="35000"/>
+            </a:spcAft>
+          </a:pPr>
+          <a:r>
+            <a:rPr lang="en-US" sz="3600" kern="1200" dirty="0" smtClean="0"/>
+            <a:t>When</a:t>
+          </a:r>
+          <a:endParaRPr lang="en-US" sz="3600" kern="1200" dirty="0"/>
+        </a:p>
+        <a:p>
+          <a:pPr marL="171450" lvl="1" indent="-171450" algn="l" defTabSz="711200">
+            <a:lnSpc>
+              <a:spcPct val="90000"/>
+            </a:lnSpc>
+            <a:spcBef>
+              <a:spcPct val="0"/>
+            </a:spcBef>
+            <a:spcAft>
+              <a:spcPct val="15000"/>
+            </a:spcAft>
+            <a:buChar char="••"/>
+          </a:pPr>
+          <a:r>
+            <a:rPr lang="en-US" sz="1600" kern="1200" dirty="0" smtClean="0"/>
+            <a:t>Whenever new code is produced.</a:t>
+          </a:r>
+          <a:endParaRPr lang="en-US" sz="1600" kern="1200" dirty="0"/>
+        </a:p>
+      </dsp:txBody>
+      <dsp:txXfrm rot="5400000">
+        <a:off x="2535" y="870268"/>
+        <a:ext cx="2487699" cy="2610802"/>
+      </dsp:txXfrm>
+    </dsp:sp>
+    <dsp:sp modelId="{1C6B8E08-3A74-4615-B65C-24489F5E8BA9}">
+      <dsp:nvSpPr>
+        <dsp:cNvPr id="0" name=""/>
+        <dsp:cNvSpPr/>
+      </dsp:nvSpPr>
+      <dsp:spPr>
+        <a:xfrm rot="16200000">
+          <a:off x="1744992" y="931819"/>
+          <a:ext cx="4351338" cy="2487699"/>
+        </a:xfrm>
+        <a:prstGeom prst="flowChartManualOperation">
+          <a:avLst/>
+        </a:prstGeom>
+        <a:solidFill>
+          <a:schemeClr val="accent1">
+            <a:hueOff val="0"/>
+            <a:satOff val="0"/>
+            <a:lumOff val="0"/>
+            <a:alphaOff val="0"/>
+          </a:schemeClr>
+        </a:solidFill>
+        <a:ln w="12700" cap="flat" cmpd="sng" algn="ctr">
+          <a:solidFill>
+            <a:schemeClr val="lt1">
+              <a:hueOff val="0"/>
+              <a:satOff val="0"/>
+              <a:lumOff val="0"/>
+              <a:alphaOff val="0"/>
+            </a:schemeClr>
+          </a:solidFill>
+          <a:prstDash val="solid"/>
+          <a:miter lim="800000"/>
+        </a:ln>
+        <a:effectLst/>
+      </dsp:spPr>
+      <dsp:style>
+        <a:lnRef idx="2">
+          <a:scrgbClr r="0" g="0" b="0"/>
+        </a:lnRef>
+        <a:fillRef idx="1">
+          <a:scrgbClr r="0" g="0" b="0"/>
+        </a:fillRef>
+        <a:effectRef idx="0">
+          <a:scrgbClr r="0" g="0" b="0"/>
+        </a:effectRef>
+        <a:fontRef idx="minor">
+          <a:schemeClr val="lt1"/>
+        </a:fontRef>
+      </dsp:style>
+      <dsp:txBody>
+        <a:bodyPr spcFirstLastPara="0" vert="horz" wrap="square" lIns="101600" tIns="0" rIns="101600" bIns="0" numCol="1" spcCol="1270" anchor="t" anchorCtr="0">
+          <a:noAutofit/>
+        </a:bodyPr>
+        <a:lstStyle/>
+        <a:p>
+          <a:pPr lvl="0" algn="l" defTabSz="1600200" rtl="0">
+            <a:lnSpc>
+              <a:spcPct val="90000"/>
+            </a:lnSpc>
+            <a:spcBef>
+              <a:spcPct val="0"/>
+            </a:spcBef>
+            <a:spcAft>
+              <a:spcPct val="35000"/>
+            </a:spcAft>
+          </a:pPr>
+          <a:r>
+            <a:rPr lang="en-US" sz="3600" kern="1200" smtClean="0"/>
+            <a:t>Who</a:t>
+          </a:r>
+          <a:endParaRPr lang="en-US" sz="3600" kern="1200"/>
+        </a:p>
+        <a:p>
+          <a:pPr marL="171450" lvl="1" indent="-171450" algn="l" defTabSz="711200">
+            <a:lnSpc>
+              <a:spcPct val="90000"/>
+            </a:lnSpc>
+            <a:spcBef>
+              <a:spcPct val="0"/>
+            </a:spcBef>
+            <a:spcAft>
+              <a:spcPct val="15000"/>
+            </a:spcAft>
+            <a:buChar char="••"/>
+          </a:pPr>
+          <a:r>
+            <a:rPr lang="en-US" sz="1600" kern="1200" dirty="0" smtClean="0"/>
+            <a:t>Peer developers</a:t>
+          </a:r>
+          <a:endParaRPr lang="en-US" sz="1600" kern="1200" dirty="0"/>
+        </a:p>
+        <a:p>
+          <a:pPr marL="171450" lvl="1" indent="-171450" algn="l" defTabSz="711200">
+            <a:lnSpc>
+              <a:spcPct val="90000"/>
+            </a:lnSpc>
+            <a:spcBef>
+              <a:spcPct val="0"/>
+            </a:spcBef>
+            <a:spcAft>
+              <a:spcPct val="15000"/>
+            </a:spcAft>
+            <a:buChar char="••"/>
+          </a:pPr>
+          <a:r>
+            <a:rPr lang="en-US" sz="1600" kern="1200" dirty="0" smtClean="0"/>
+            <a:t>Code analysis tools</a:t>
+          </a:r>
+          <a:endParaRPr lang="en-US" sz="1600" kern="1200" dirty="0"/>
+        </a:p>
+      </dsp:txBody>
+      <dsp:txXfrm rot="5400000">
+        <a:off x="2676811" y="870268"/>
+        <a:ext cx="2487699" cy="2610802"/>
+      </dsp:txXfrm>
+    </dsp:sp>
+    <dsp:sp modelId="{0FA8F8F8-1739-4F38-B292-E2FDF877F35A}">
+      <dsp:nvSpPr>
+        <dsp:cNvPr id="0" name=""/>
+        <dsp:cNvSpPr/>
+      </dsp:nvSpPr>
+      <dsp:spPr>
+        <a:xfrm rot="16200000">
+          <a:off x="4419269" y="931819"/>
+          <a:ext cx="4351338" cy="2487699"/>
+        </a:xfrm>
+        <a:prstGeom prst="flowChartManualOperation">
+          <a:avLst/>
+        </a:prstGeom>
+        <a:solidFill>
+          <a:schemeClr val="accent1">
+            <a:hueOff val="0"/>
+            <a:satOff val="0"/>
+            <a:lumOff val="0"/>
+            <a:alphaOff val="0"/>
+          </a:schemeClr>
+        </a:solidFill>
+        <a:ln w="12700" cap="flat" cmpd="sng" algn="ctr">
+          <a:solidFill>
+            <a:schemeClr val="lt1">
+              <a:hueOff val="0"/>
+              <a:satOff val="0"/>
+              <a:lumOff val="0"/>
+              <a:alphaOff val="0"/>
+            </a:schemeClr>
+          </a:solidFill>
+          <a:prstDash val="solid"/>
+          <a:miter lim="800000"/>
+        </a:ln>
+        <a:effectLst/>
+      </dsp:spPr>
+      <dsp:style>
+        <a:lnRef idx="2">
+          <a:scrgbClr r="0" g="0" b="0"/>
+        </a:lnRef>
+        <a:fillRef idx="1">
+          <a:scrgbClr r="0" g="0" b="0"/>
+        </a:fillRef>
+        <a:effectRef idx="0">
+          <a:scrgbClr r="0" g="0" b="0"/>
+        </a:effectRef>
+        <a:fontRef idx="minor">
+          <a:schemeClr val="lt1"/>
+        </a:fontRef>
+      </dsp:style>
+      <dsp:txBody>
+        <a:bodyPr spcFirstLastPara="0" vert="horz" wrap="square" lIns="101600" tIns="0" rIns="101600" bIns="0" numCol="1" spcCol="1270" anchor="t" anchorCtr="0">
+          <a:noAutofit/>
+        </a:bodyPr>
+        <a:lstStyle/>
+        <a:p>
+          <a:pPr lvl="0" algn="l" defTabSz="1600200" rtl="0">
+            <a:lnSpc>
+              <a:spcPct val="90000"/>
+            </a:lnSpc>
+            <a:spcBef>
+              <a:spcPct val="0"/>
+            </a:spcBef>
+            <a:spcAft>
+              <a:spcPct val="35000"/>
+            </a:spcAft>
+          </a:pPr>
+          <a:r>
+            <a:rPr lang="en-US" sz="3600" kern="1200" smtClean="0"/>
+            <a:t>How</a:t>
+          </a:r>
+          <a:endParaRPr lang="en-US" sz="3600" kern="1200"/>
+        </a:p>
+        <a:p>
+          <a:pPr marL="171450" lvl="1" indent="-171450" algn="l" defTabSz="711200">
+            <a:lnSpc>
+              <a:spcPct val="90000"/>
+            </a:lnSpc>
+            <a:spcBef>
+              <a:spcPct val="0"/>
+            </a:spcBef>
+            <a:spcAft>
+              <a:spcPct val="15000"/>
+            </a:spcAft>
+            <a:buChar char="••"/>
+          </a:pPr>
+          <a:r>
+            <a:rPr lang="en-US" sz="1600" kern="1200" dirty="0" smtClean="0"/>
+            <a:t>Assert coding conventions</a:t>
+          </a:r>
+          <a:endParaRPr lang="en-US" sz="1600" kern="1200" dirty="0"/>
+        </a:p>
+        <a:p>
+          <a:pPr marL="171450" lvl="1" indent="-171450" algn="l" defTabSz="711200">
+            <a:lnSpc>
+              <a:spcPct val="90000"/>
+            </a:lnSpc>
+            <a:spcBef>
+              <a:spcPct val="0"/>
+            </a:spcBef>
+            <a:spcAft>
+              <a:spcPct val="15000"/>
+            </a:spcAft>
+            <a:buChar char="••"/>
+          </a:pPr>
+          <a:r>
+            <a:rPr lang="en-US" sz="1600" kern="1200" dirty="0" smtClean="0"/>
+            <a:t>Assert algorithms</a:t>
+          </a:r>
+          <a:endParaRPr lang="en-US" sz="1600" kern="1200" dirty="0"/>
+        </a:p>
+        <a:p>
+          <a:pPr marL="171450" lvl="1" indent="-171450" algn="l" defTabSz="711200">
+            <a:lnSpc>
+              <a:spcPct val="90000"/>
+            </a:lnSpc>
+            <a:spcBef>
+              <a:spcPct val="0"/>
+            </a:spcBef>
+            <a:spcAft>
+              <a:spcPct val="15000"/>
+            </a:spcAft>
+            <a:buChar char="••"/>
+          </a:pPr>
+          <a:r>
+            <a:rPr lang="en-US" sz="1600" kern="1200" dirty="0" smtClean="0"/>
+            <a:t>Assert OOP design</a:t>
+          </a:r>
+          <a:endParaRPr lang="en-US" sz="1600" kern="1200" dirty="0"/>
+        </a:p>
+        <a:p>
+          <a:pPr marL="171450" lvl="1" indent="-171450" algn="l" defTabSz="711200">
+            <a:lnSpc>
+              <a:spcPct val="90000"/>
+            </a:lnSpc>
+            <a:spcBef>
+              <a:spcPct val="0"/>
+            </a:spcBef>
+            <a:spcAft>
+              <a:spcPct val="15000"/>
+            </a:spcAft>
+            <a:buChar char="••"/>
+          </a:pPr>
+          <a:r>
+            <a:rPr lang="en-US" sz="1600" kern="1200" dirty="0" smtClean="0"/>
+            <a:t>Assert project conventions (file location, project name, configuration, etc.)</a:t>
+          </a:r>
+          <a:endParaRPr lang="en-US" sz="1600" kern="1200" dirty="0"/>
+        </a:p>
+      </dsp:txBody>
+      <dsp:txXfrm rot="5400000">
+        <a:off x="5351088" y="870268"/>
+        <a:ext cx="2487699" cy="2610802"/>
+      </dsp:txXfrm>
+    </dsp:sp>
+    <dsp:sp modelId="{DAC7D038-682D-4F79-9407-543700CD7919}">
+      <dsp:nvSpPr>
+        <dsp:cNvPr id="0" name=""/>
+        <dsp:cNvSpPr/>
+      </dsp:nvSpPr>
+      <dsp:spPr>
+        <a:xfrm rot="16200000">
+          <a:off x="7093546" y="931819"/>
+          <a:ext cx="4351338" cy="2487699"/>
+        </a:xfrm>
+        <a:prstGeom prst="flowChartManualOperation">
+          <a:avLst/>
+        </a:prstGeom>
+        <a:solidFill>
+          <a:schemeClr val="accent1">
+            <a:hueOff val="0"/>
+            <a:satOff val="0"/>
+            <a:lumOff val="0"/>
+            <a:alphaOff val="0"/>
+          </a:schemeClr>
+        </a:solidFill>
+        <a:ln w="12700" cap="flat" cmpd="sng" algn="ctr">
+          <a:solidFill>
+            <a:schemeClr val="lt1">
+              <a:hueOff val="0"/>
+              <a:satOff val="0"/>
+              <a:lumOff val="0"/>
+              <a:alphaOff val="0"/>
+            </a:schemeClr>
+          </a:solidFill>
+          <a:prstDash val="solid"/>
+          <a:miter lim="800000"/>
+        </a:ln>
+        <a:effectLst/>
+      </dsp:spPr>
+      <dsp:style>
+        <a:lnRef idx="2">
+          <a:scrgbClr r="0" g="0" b="0"/>
+        </a:lnRef>
+        <a:fillRef idx="1">
+          <a:scrgbClr r="0" g="0" b="0"/>
+        </a:fillRef>
+        <a:effectRef idx="0">
+          <a:scrgbClr r="0" g="0" b="0"/>
+        </a:effectRef>
+        <a:fontRef idx="minor">
+          <a:schemeClr val="lt1"/>
+        </a:fontRef>
+      </dsp:style>
+      <dsp:txBody>
+        <a:bodyPr spcFirstLastPara="0" vert="horz" wrap="square" lIns="101600" tIns="0" rIns="101600" bIns="0" numCol="1" spcCol="1270" anchor="t" anchorCtr="0">
+          <a:noAutofit/>
+        </a:bodyPr>
+        <a:lstStyle/>
+        <a:p>
+          <a:pPr lvl="0" algn="l" defTabSz="1600200" rtl="0">
+            <a:lnSpc>
+              <a:spcPct val="90000"/>
+            </a:lnSpc>
+            <a:spcBef>
+              <a:spcPct val="0"/>
+            </a:spcBef>
+            <a:spcAft>
+              <a:spcPct val="35000"/>
+            </a:spcAft>
+          </a:pPr>
+          <a:r>
+            <a:rPr lang="en-US" sz="3600" kern="1200" smtClean="0"/>
+            <a:t>Benifits</a:t>
+          </a:r>
+          <a:endParaRPr lang="en-US" sz="3600" kern="1200"/>
+        </a:p>
+        <a:p>
+          <a:pPr marL="171450" lvl="1" indent="-171450" algn="l" defTabSz="711200">
+            <a:lnSpc>
+              <a:spcPct val="90000"/>
+            </a:lnSpc>
+            <a:spcBef>
+              <a:spcPct val="0"/>
+            </a:spcBef>
+            <a:spcAft>
+              <a:spcPct val="15000"/>
+            </a:spcAft>
+            <a:buChar char="••"/>
+          </a:pPr>
+          <a:r>
+            <a:rPr lang="en-US" sz="1600" b="0" i="0" u="none" kern="1200" dirty="0" smtClean="0"/>
+            <a:t>Detect hidden faults / bugs very soon.</a:t>
+          </a:r>
+          <a:endParaRPr lang="en-US" sz="1600" kern="1200" dirty="0"/>
+        </a:p>
+        <a:p>
+          <a:pPr marL="171450" lvl="1" indent="-171450" algn="l" defTabSz="711200">
+            <a:lnSpc>
+              <a:spcPct val="90000"/>
+            </a:lnSpc>
+            <a:spcBef>
+              <a:spcPct val="0"/>
+            </a:spcBef>
+            <a:spcAft>
+              <a:spcPct val="15000"/>
+            </a:spcAft>
+            <a:buChar char="••"/>
+          </a:pPr>
+          <a:r>
+            <a:rPr lang="en-US" sz="1600" kern="1200" dirty="0" smtClean="0"/>
+            <a:t>Refactor code frequently.</a:t>
+          </a:r>
+          <a:endParaRPr lang="en-US" sz="1600" kern="1200" dirty="0"/>
+        </a:p>
+        <a:p>
+          <a:pPr marL="171450" lvl="1" indent="-171450" algn="l" defTabSz="711200">
+            <a:lnSpc>
+              <a:spcPct val="90000"/>
+            </a:lnSpc>
+            <a:spcBef>
+              <a:spcPct val="0"/>
+            </a:spcBef>
+            <a:spcAft>
+              <a:spcPct val="15000"/>
+            </a:spcAft>
+            <a:buChar char="••"/>
+          </a:pPr>
+          <a:r>
+            <a:rPr lang="en-US" sz="1600" kern="1200" dirty="0" smtClean="0"/>
+            <a:t>Prevent code from getting mess.</a:t>
+          </a:r>
+          <a:endParaRPr lang="en-US" sz="1600" kern="1200" dirty="0"/>
+        </a:p>
+        <a:p>
+          <a:pPr marL="171450" lvl="1" indent="-171450" algn="l" defTabSz="711200">
+            <a:lnSpc>
+              <a:spcPct val="90000"/>
+            </a:lnSpc>
+            <a:spcBef>
+              <a:spcPct val="0"/>
+            </a:spcBef>
+            <a:spcAft>
+              <a:spcPct val="15000"/>
+            </a:spcAft>
+            <a:buChar char="••"/>
+          </a:pPr>
+          <a:r>
+            <a:rPr lang="en-US" sz="1600" kern="1200" dirty="0" smtClean="0"/>
+            <a:t>Ensure coding conventions.</a:t>
+          </a:r>
+          <a:endParaRPr lang="en-US" sz="1600" kern="1200" dirty="0"/>
+        </a:p>
+        <a:p>
+          <a:pPr marL="171450" lvl="1" indent="-171450" algn="l" defTabSz="711200">
+            <a:lnSpc>
+              <a:spcPct val="90000"/>
+            </a:lnSpc>
+            <a:spcBef>
+              <a:spcPct val="0"/>
+            </a:spcBef>
+            <a:spcAft>
+              <a:spcPct val="15000"/>
+            </a:spcAft>
+            <a:buChar char="••"/>
+          </a:pPr>
+          <a:endParaRPr lang="en-US" sz="1600" kern="1200" dirty="0"/>
+        </a:p>
+      </dsp:txBody>
+      <dsp:txXfrm rot="5400000">
+        <a:off x="8025365" y="870268"/>
+        <a:ext cx="2487699" cy="2610802"/>
+      </dsp:txXfrm>
+    </dsp:sp>
+  </dsp:spTree>
+</dsp:drawing>
+</file>
+
+<file path=ppt/diagrams/layout1.xml><?xml version="1.0" encoding="utf-8"?>
+<dgm:layoutDef xmlns:dgm="http://schemas.openxmlformats.org/drawingml/2006/diagram" xmlns:a="http://schemas.openxmlformats.org/drawingml/2006/main" uniqueId="urn:microsoft.com/office/officeart/2005/8/layout/chevron1">
+  <dgm:title val=""/>
+  <dgm:desc val=""/>
+  <dgm:catLst>
+    <dgm:cat type="process" pri="9000"/>
+  </dgm:catLst>
+  <dgm:sampData useDef="1">
+    <dgm:dataModel>
+      <dgm:ptLst/>
+      <dgm:bg/>
+      <dgm:whole/>
+    </dgm:dataModel>
+  </dgm:sampData>
+  <dgm:styleData>
+    <dgm:dataModel>
+      <dgm:ptLst>
+        <dgm:pt modelId="0" type="doc"/>
+        <dgm:pt modelId="1"/>
+        <dgm:pt modelId="2"/>
+      </dgm:ptLst>
+      <dgm:cxnLst>
+        <dgm:cxn modelId="3" srcId="0" destId="1" srcOrd="0" destOrd="0"/>
+        <dgm:cxn modelId="4" srcId="0" destId="2" srcOrd="1" destOrd="0"/>
+      </dgm:cxnLst>
+      <dgm:bg/>
+      <dgm:whole/>
+    </dgm:dataModel>
+  </dgm:styleData>
+  <dgm:clrData>
+    <dgm:dataModel>
+      <dgm:ptLst>
+        <dgm:pt modelId="0" type="doc"/>
+        <dgm:pt modelId="1"/>
+        <dgm:pt modelId="2"/>
+        <dgm:pt modelId="3"/>
+        <dgm:pt modelId="4"/>
+      </dgm:ptLst>
+      <dgm:cxnLst>
+        <dgm:cxn modelId="5" srcId="0" destId="1" srcOrd="0" destOrd="0"/>
+        <dgm:cxn modelId="6" srcId="0" destId="2" srcOrd="1" destOrd="0"/>
+        <dgm:cxn modelId="7" srcId="0" destId="3" srcOrd="2" destOrd="0"/>
+        <dgm:cxn modelId="8" srcId="0" destId="4" srcOrd="3" destOrd="0"/>
+      </dgm:cxnLst>
+      <dgm:bg/>
+      <dgm:whole/>
+    </dgm:dataModel>
+  </dgm:clrData>
+  <dgm:layoutNode name="Name0">
+    <dgm:varLst>
+      <dgm:dir/>
+      <dgm:animLvl val="lvl"/>
+      <dgm:resizeHandles val="exact"/>
+    </dgm:varLst>
+    <dgm:choose name="Name1">
+      <dgm:if name="Name2" func="var" arg="dir" op="equ" val="norm">
+        <dgm:alg type="lin"/>
+      </dgm:if>
+      <dgm:else name="Name3">
+        <dgm:alg type="lin">
+          <dgm:param type="linDir" val="fromR"/>
+        </dgm:alg>
+      </dgm:else>
+    </dgm:choose>
+    <dgm:shape xmlns:r="http://schemas.openxmlformats.org/officeDocument/2006/relationships" r:blip="">
+      <dgm:adjLst/>
+    </dgm:shape>
+    <dgm:presOf/>
+    <dgm:choose name="Name4">
+      <dgm:if name="Name5" axis="des" func="maxDepth" op="gte" val="2">
+        <dgm:constrLst>
+          <dgm:constr type="h" for="ch" forName="composite" refType="h"/>
+          <dgm:constr type="w" for="ch" forName="composite" refType="w"/>
+          <dgm:constr type="w" for="des" forName="parTx"/>
+          <dgm:constr type="h" for="des" forName="parTx" op="equ"/>
+          <dgm:constr type="w" for="des" forName="desTx"/>
+          <dgm:constr type="h" for="des" forName="desTx" op="equ"/>
+          <dgm:constr type="primFontSz" for="des" forName="parTx" val="65"/>
+          <dgm:constr type="secFontSz" for="des" forName="desTx" refType="primFontSz" refFor="des" refForName="parTx" op="equ"/>
+          <dgm:constr type="h" for="des" forName="parTx" refType="primFontSz" refFor="des" refForName="parTx" fact="1.5"/>
+          <dgm:constr type="h" for="des" forName="desTx" refType="primFontSz" refFor="des" refForName="parTx" fact="0.5"/>
+          <dgm:constr type="w" for="ch" forName="space" op="equ" val="-6"/>
+        </dgm:constrLst>
+        <dgm:ruleLst>
+          <dgm:rule type="w" for="ch" forName="composite" val="0" fact="NaN" max="NaN"/>
+          <dgm:rule type="primFontSz" for="des" forName="parTx" val="5" fact="NaN" max="NaN"/>
+        </dgm:ruleLst>
+        <dgm:forEach name="Name6" axis="ch" ptType="node">
+          <dgm:layoutNode name="composite">
+            <dgm:alg type="composite"/>
+            <dgm:shape xmlns:r="http://schemas.openxmlformats.org/officeDocument/2006/relationships" r:blip="">
+              <dgm:adjLst/>
+            </dgm:shape>
+            <dgm:presOf/>
+            <dgm:choose name="Name7">
+              <dgm:if name="Name8" func="var" arg="dir" op="equ" val="norm">
+                <dgm:constrLst>
+                  <dgm:constr type="l" for="ch" forName="parTx"/>
+                  <dgm:constr type="w" for="ch" forName="parTx" refType="w"/>
+                  <dgm:constr type="t" for="ch" forName="parTx"/>
+                  <dgm:constr type="l" for="ch" forName="desTx"/>
+                  <dgm:constr type="w" for="ch" forName="desTx" refType="w" refFor="ch" refForName="parTx" fact="0.8"/>
+                  <dgm:constr type="t" for="ch" forName="desTx" refType="h" refFor="ch" refForName="parTx" fact="1.125"/>
+                </dgm:constrLst>
+              </dgm:if>
+              <dgm:else name="Name9">
+                <dgm:constrLst>
+                  <dgm:constr type="l" for="ch" forName="parTx"/>
+                  <dgm:constr type="w" for="ch" forName="parTx" refType="w"/>
+                  <dgm:constr type="t" for="ch" forName="parTx"/>
+                  <dgm:constr type="l" for="ch" forName="desTx" refType="w" fact="0.2"/>
+                  <dgm:constr type="w" for="ch" forName="desTx" refType="w" refFor="ch" refForName="parTx" fact="0.8"/>
+                  <dgm:constr type="t" for="ch" forName="desTx" refType="h" refFor="ch" refForName="parTx" fact="1.125"/>
+                </dgm:constrLst>
+              </dgm:else>
+            </dgm:choose>
+            <dgm:ruleLst>
+              <dgm:rule type="h" val="INF" fact="NaN" max="NaN"/>
+            </dgm:ruleLst>
+            <dgm:layoutNode name="parTx">
+              <dgm:varLst>
+                <dgm:chMax val="0"/>
+                <dgm:chPref val="0"/>
+                <dgm:bulletEnabled val="1"/>
+              </dgm:varLst>
+              <dgm:alg type="tx"/>
+              <dgm:choose name="Name10">
+                <dgm:if name="Name11" func="var" arg="dir" op="equ" val="norm">
+                  <dgm:shape xmlns:r="http://schemas.openxmlformats.org/officeDocument/2006/relationships" type="chevron" r:blip="">
+                    <dgm:adjLst/>
+                  </dgm:shape>
+                </dgm:if>
+                <dgm:else name="Name12">
+                  <dgm:shape xmlns:r="http://schemas.openxmlformats.org/officeDocument/2006/relationships" rot="180" type="chevron" r:blip="">
+                    <dgm:adjLst/>
+                  </dgm:shape>
+                </dgm:else>
+              </dgm:choose>
+              <dgm:presOf axis="self" ptType="node"/>
+              <dgm:choose name="Name13">
+                <dgm:if name="Name14" func="var" arg="dir" op="equ" val="norm">
+                  <dgm:constrLst>
+                    <dgm:constr type="h" refType="w" op="lte" fact="0.4"/>
+                    <dgm:constr type="h"/>
+                    <dgm:constr type="tMarg" refType="primFontSz" fact="0.105"/>
+                    <dgm:constr type="bMarg" refType="primFontSz" fact="0.105"/>
+                    <dgm:constr type="lMarg" refType="primFontSz" fact="0.315"/>
+                    <dgm:constr type="rMarg" refType="primFontSz" fact="0.105"/>
+                  </dgm:constrLst>
+                </dgm:if>
+                <dgm:else name="Name15">
+                  <dgm:constrLst>
+                    <dgm:constr type="h" refType="w" op="lte" fact="0.4"/>
+                    <dgm:constr type="h"/>
+                    <dgm:constr type="tMarg" refType="primFontSz" fact="0.105"/>
+                    <dgm:constr type="bMarg" refType="primFontSz" fact="0.105"/>
+                    <dgm:constr type="lMarg" refType="primFontSz" fact="0.105"/>
+                    <dgm:constr type="rMarg" refType="primFontSz" fact="0.315"/>
+                  </dgm:constrLst>
+                </dgm:else>
+              </dgm:choose>
+              <dgm:ruleLst>
+                <dgm:rule type="h" val="INF" fact="NaN" max="NaN"/>
+              </dgm:ruleLst>
+            </dgm:layoutNode>
+            <dgm:layoutNode name="desTx" styleLbl="revTx">
+              <dgm:varLst>
+                <dgm:bulletEnabled val="1"/>
+              </dgm:varLst>
+              <dgm:alg type="tx">
+                <dgm:param type="stBulletLvl" val="1"/>
+              </dgm:alg>
+              <dgm:choose name="Name16">
+                <dgm:if name="Name17" axis="ch" ptType="node" func="cnt" op="gte" val="1">
+                  <dgm:shape xmlns:r="http://schemas.openxmlformats.org/officeDocument/2006/relationships" type="rect" r:blip="">
+                    <dgm:adjLst/>
+                  </dgm:shape>
+                </dgm:if>
+                <dgm:else name="Name18">
+                  <dgm:shape xmlns:r="http://schemas.openxmlformats.org/officeDocument/2006/relationships" type="rect" r:blip="" hideGeom="1">
+                    <dgm:adjLst/>
+                  </dgm:shape>
+                </dgm:else>
+              </dgm:choose>
+              <dgm:presOf axis="des" ptType="node"/>
+              <dgm:constrLst>
+                <dgm:constr type="secFontSz" val="65"/>
+                <dgm:constr type="primFontSz" refType="secFontSz"/>
+                <dgm:constr type="h"/>
+                <dgm:constr type="tMarg"/>
+                <dgm:constr type="bMarg"/>
+                <dgm:constr type="rMarg"/>
+                <dgm:constr type="lMarg"/>
+              </dgm:constrLst>
+              <dgm:ruleLst>
+                <dgm:rule type="h" val="INF" fact="NaN" max="NaN"/>
+              </dgm:ruleLst>
+            </dgm:layoutNode>
+          </dgm:layoutNode>
+          <dgm:forEach name="Name19" axis="followSib" ptType="sibTrans" cnt="1">
+            <dgm:layoutNode name="space">
+              <dgm:alg type="sp"/>
+              <dgm:shape xmlns:r="http://schemas.openxmlformats.org/officeDocument/2006/relationships" r:blip="">
+                <dgm:adjLst/>
+              </dgm:shape>
+              <dgm:presOf/>
+              <dgm:constrLst/>
+              <dgm:ruleLst/>
+            </dgm:layoutNode>
+          </dgm:forEach>
+        </dgm:forEach>
+      </dgm:if>
+      <dgm:else name="Name20">
+        <dgm:constrLst>
+          <dgm:constr type="w" for="ch" forName="parTxOnly" refType="w"/>
+          <dgm:constr type="h" for="des" forName="parTxOnly" op="equ"/>
+          <dgm:constr type="primFontSz" for="des" forName="parTxOnly" op="equ" val="65"/>
+          <dgm:constr type="w" for="ch" forName="parTxOnlySpace" refType="w" refFor="ch" refForName="parTxOnly" fact="-0.1"/>
+        </dgm:constrLst>
+        <dgm:ruleLst/>
+        <dgm:forEach name="Name21" axis="ch" ptType="node">
+          <dgm:layoutNode name="parTxOnly">
+            <dgm:varLst>
+              <dgm:chMax val="0"/>
+              <dgm:chPref val="0"/>
+              <dgm:bulletEnabled val="1"/>
+            </dgm:varLst>
+            <dgm:alg type="tx"/>
+            <dgm:choose name="Name22">
+              <dgm:if name="Name23" func="var" arg="dir" op="equ" val="norm">
+                <dgm:shape xmlns:r="http://schemas.openxmlformats.org/officeDocument/2006/relationships" type="chevron" r:blip="">
+                  <dgm:adjLst/>
+                </dgm:shape>
+              </dgm:if>
+              <dgm:else name="Name24">
+                <dgm:shape xmlns:r="http://schemas.openxmlformats.org/officeDocument/2006/relationships" rot="180" type="chevron" r:blip="">
+                  <dgm:adjLst/>
+                </dgm:shape>
+              </dgm:else>
+            </dgm:choose>
+            <dgm:presOf axis="self" ptType="node"/>
+            <dgm:choose name="Name25">
+              <dgm:if name="Name26" func="var" arg="dir" op="equ" val="norm">
+                <dgm:constrLst>
+                  <dgm:constr type="h" refType="w" op="equ" fact="0.4"/>
+                  <dgm:constr type="tMarg" refType="primFontSz" fact="0.105"/>
+                  <dgm:constr type="bMarg" refType="primFontSz" fact="0.105"/>
+                  <dgm:constr type="lMarg" refType="primFontSz" fact="0.315"/>
+                  <dgm:constr type="rMarg" refType="primFontSz" fact="0.105"/>
+                </dgm:constrLst>
+              </dgm:if>
+              <dgm:else name="Name27">
+                <dgm:constrLst>
+                  <dgm:constr type="h" refType="w" op="equ" fact="0.4"/>
+                  <dgm:constr type="tMarg" refType="primFontSz" fact="0.105"/>
+                  <dgm:constr type="bMarg" refType="primFontSz" fact="0.105"/>
+                  <dgm:constr type="lMarg" refType="primFontSz" fact="0.105"/>
+                  <dgm:constr type="rMarg" refType="primFontSz" fact="0.315"/>
+                </dgm:constrLst>
+              </dgm:else>
+            </dgm:choose>
+            <dgm:ruleLst>
+              <dgm:rule type="primFontSz" val="5" fact="NaN" max="NaN"/>
+            </dgm:ruleLst>
+          </dgm:layoutNode>
+          <dgm:forEach name="Name28" axis="followSib" ptType="sibTrans" cnt="1">
+            <dgm:layoutNode name="parTxOnlySpace">
+              <dgm:alg type="sp"/>
+              <dgm:shape xmlns:r="http://schemas.openxmlformats.org/officeDocument/2006/relationships" r:blip="">
+                <dgm:adjLst/>
+              </dgm:shape>
+              <dgm:presOf/>
+              <dgm:constrLst/>
+              <dgm:ruleLst/>
+            </dgm:layoutNode>
+          </dgm:forEach>
+        </dgm:forEach>
+      </dgm:else>
+    </dgm:choose>
+  </dgm:layoutNode>
+</dgm:layoutDef>
+</file>
+
+<file path=ppt/diagrams/layout2.xml><?xml version="1.0" encoding="utf-8"?>
+<dgm:layoutDef xmlns:dgm="http://schemas.openxmlformats.org/drawingml/2006/diagram" xmlns:a="http://schemas.openxmlformats.org/drawingml/2006/main" uniqueId="urn:microsoft.com/office/officeart/2005/8/layout/hList6">
+  <dgm:title val=""/>
+  <dgm:desc val=""/>
+  <dgm:catLst>
+    <dgm:cat type="list" pri="18000"/>
+  </dgm:catLst>
+  <dgm:sampData>
+    <dgm:dataModel>
+      <dgm:ptLst>
+        <dgm:pt modelId="0" type="doc"/>
+        <dgm:pt modelId="1">
+          <dgm:prSet phldr="1"/>
+        </dgm:pt>
+        <dgm:pt modelId="11">
+          <dgm:prSet phldr="1"/>
+        </dgm:pt>
+        <dgm:pt modelId="12">
+          <dgm:prSet phldr="1"/>
+        </dgm:pt>
+        <dgm:pt modelId="2">
+          <dgm:prSet phldr="1"/>
+        </dgm:pt>
+        <dgm:pt modelId="21">
+          <dgm:prSet phldr="1"/>
+        </dgm:pt>
+        <dgm:pt modelId="22">
+          <dgm:prSet phldr="1"/>
+        </dgm:pt>
+        <dgm:pt modelId="3">
+          <dgm:prSet phldr="1"/>
+        </dgm:pt>
+        <dgm:pt modelId="31">
+          <dgm:prSet phldr="1"/>
+        </dgm:pt>
+        <dgm:pt modelId="32">
+          <dgm:prSet phldr="1"/>
+        </dgm:pt>
+      </dgm:ptLst>
+      <dgm:cxnLst>
+        <dgm:cxn modelId="4" srcId="0" destId="1" srcOrd="0" destOrd="0"/>
+        <dgm:cxn modelId="5" srcId="0" destId="2" srcOrd="1" destOrd="0"/>
+        <dgm:cxn modelId="6" srcId="0" destId="3" srcOrd="2" destOrd="0"/>
+        <dgm:cxn modelId="13" srcId="1" destId="11" srcOrd="0" destOrd="0"/>
+        <dgm:cxn modelId="14" srcId="1" destId="12" srcOrd="1" destOrd="0"/>
+        <dgm:cxn modelId="23" srcId="2" destId="21" srcOrd="0" destOrd="0"/>
+        <dgm:cxn modelId="24" srcId="2" destId="22" srcOrd="1" destOrd="0"/>
+        <dgm:cxn modelId="33" srcId="3" destId="31" srcOrd="0" destOrd="0"/>
+        <dgm:cxn modelId="34" srcId="3" destId="32" srcOrd="1" destOrd="0"/>
+      </dgm:cxnLst>
+      <dgm:bg/>
+      <dgm:whole/>
+    </dgm:dataModel>
+  </dgm:sampData>
+  <dgm:styleData>
+    <dgm:dataModel>
+      <dgm:ptLst>
+        <dgm:pt modelId="0" type="doc"/>
+        <dgm:pt modelId="1"/>
+        <dgm:pt modelId="11"/>
+        <dgm:pt modelId="2"/>
+        <dgm:pt modelId="21"/>
+      </dgm:ptLst>
+      <dgm:cxnLst>
+        <dgm:cxn modelId="4" srcId="0" destId="1" srcOrd="0" destOrd="0"/>
+        <dgm:cxn modelId="5" srcId="0" destId="2" srcOrd="1" destOrd="0"/>
+        <dgm:cxn modelId="13" srcId="1" destId="11" srcOrd="0" destOrd="0"/>
+        <dgm:cxn modelId="23" srcId="2" destId="21" srcOrd="0" destOrd="0"/>
+      </dgm:cxnLst>
+      <dgm:bg/>
+      <dgm:whole/>
+    </dgm:dataModel>
+  </dgm:styleData>
+  <dgm:clrData>
+    <dgm:dataModel>
+      <dgm:ptLst>
+        <dgm:pt modelId="0" type="doc"/>
+        <dgm:pt modelId="1"/>
+        <dgm:pt modelId="11"/>
+        <dgm:pt modelId="2"/>
+        <dgm:pt modelId="21"/>
+        <dgm:pt modelId="3"/>
+        <dgm:pt modelId="31"/>
+        <dgm:pt modelId="4"/>
+        <dgm:pt modelId="41"/>
+      </dgm:ptLst>
+      <dgm:cxnLst>
+        <dgm:cxn modelId="5" srcId="0" destId="1" srcOrd="0" destOrd="0"/>
+        <dgm:cxn modelId="6" srcId="0" destId="2" srcOrd="1" destOrd="0"/>
+        <dgm:cxn modelId="7" srcId="0" destId="3" srcOrd="2" destOrd="0"/>
+        <dgm:cxn modelId="8" srcId="0" destId="4" srcOrd="3" destOrd="0"/>
+        <dgm:cxn modelId="13" srcId="1" destId="11" srcOrd="0" destOrd="0"/>
+        <dgm:cxn modelId="23" srcId="2" destId="21" srcOrd="0" destOrd="0"/>
+        <dgm:cxn modelId="33" srcId="3" destId="31" srcOrd="0" destOrd="0"/>
+        <dgm:cxn modelId="43" srcId="4" destId="41" srcOrd="0" destOrd="0"/>
+      </dgm:cxnLst>
+      <dgm:bg/>
+      <dgm:whole/>
+    </dgm:dataModel>
+  </dgm:clrData>
+  <dgm:layoutNode name="Name0">
+    <dgm:varLst>
+      <dgm:dir/>
+      <dgm:resizeHandles val="exact"/>
+    </dgm:varLst>
+    <dgm:choose name="Name1">
+      <dgm:if name="Name2" func="var" arg="dir" op="equ" val="norm">
+        <dgm:alg type="lin"/>
+      </dgm:if>
+      <dgm:else name="Name3">
+        <dgm:alg type="lin">
+          <dgm:param type="linDir" val="fromR"/>
+        </dgm:alg>
+      </dgm:else>
+    </dgm:choose>
+    <dgm:shape xmlns:r="http://schemas.openxmlformats.org/officeDocument/2006/relationships" r:blip="">
+      <dgm:adjLst/>
+    </dgm:shape>
+    <dgm:presOf/>
+    <dgm:constrLst>
+      <dgm:constr type="h" for="ch" ptType="node" refType="h"/>
+      <dgm:constr type="w" for="ch" ptType="node" refType="w"/>
+      <dgm:constr type="primFontSz" for="ch" ptType="node" op="equ"/>
+      <dgm:constr type="w" for="ch" forName="sibTrans" refType="w" fact="0.075"/>
+    </dgm:constrLst>
+    <dgm:ruleLst/>
+    <dgm:forEach name="nodesForEach" axis="ch" ptType="node">
+      <dgm:layoutNode name="node">
+        <dgm:varLst>
+          <dgm:bulletEnabled val="1"/>
+        </dgm:varLst>
+        <dgm:alg type="tx"/>
+        <dgm:choose name="Name4">
+          <dgm:if name="Name5" func="var" arg="dir" op="equ" val="norm">
+            <dgm:shape xmlns:r="http://schemas.openxmlformats.org/officeDocument/2006/relationships" rot="-90" type="flowChartManualOperation" r:blip="">
+              <dgm:adjLst/>
+            </dgm:shape>
+          </dgm:if>
+          <dgm:else name="Name6">
+            <dgm:shape xmlns:r="http://schemas.openxmlformats.org/officeDocument/2006/relationships" rot="90" type="flowChartManualOperation" r:blip="">
+              <dgm:adjLst/>
+            </dgm:shape>
+          </dgm:else>
+        </dgm:choose>
+        <dgm:presOf axis="desOrSelf" ptType="node"/>
+        <dgm:constrLst>
+          <dgm:constr type="primFontSz" val="65"/>
+          <dgm:constr type="tMarg"/>
+          <dgm:constr type="bMarg"/>
+          <dgm:constr type="lMarg" refType="primFontSz" fact="0.5"/>
+          <dgm:constr type="rMarg" refType="lMarg"/>
+        </dgm:constrLst>
+        <dgm:ruleLst>
+          <dgm:rule type="primFontSz" val="5" fact="NaN" max="NaN"/>
+        </dgm:ruleLst>
+      </dgm:layoutNode>
+      <dgm:forEach name="sibTransForEach" axis="followSib" ptType="sibTrans" cnt="1">
+        <dgm:layoutNode name="sibTrans">
+          <dgm:alg type="sp"/>
+          <dgm:shape xmlns:r="http://schemas.openxmlformats.org/officeDocument/2006/relationships" r:blip="">
+            <dgm:adjLst/>
+          </dgm:shape>
+          <dgm:presOf/>
+          <dgm:constrLst/>
+          <dgm:ruleLst/>
+        </dgm:layoutNode>
+      </dgm:forEach>
+    </dgm:forEach>
+  </dgm:layoutNode>
+</dgm:layoutDef>
+</file>
+
+<file path=ppt/diagrams/quickStyle1.xml><?xml version="1.0" encoding="utf-8"?>
+<dgm:styleDef xmlns:dgm="http://schemas.openxmlformats.org/drawingml/2006/diagram" xmlns:a="http://schemas.openxmlformats.org/drawingml/2006/main" uniqueId="urn:microsoft.com/office/officeart/2005/8/quickstyle/simple1">
+  <dgm:title val=""/>
+  <dgm:desc val=""/>
+  <dgm:catLst>
+    <dgm:cat type="simple" pri="10100"/>
+  </dgm:catLst>
+  <dgm:scene3d>
+    <a:camera prst="orthographicFront"/>
+    <a:lightRig rig="threePt" dir="t"/>
+  </dgm:scene3d>
+  <dgm:styleLbl name="node0">
+    <dgm:scene3d>
+      <a:camera prst="orthographicFront"/>
+      <a:lightRig rig="threePt" dir="t"/>
+    </dgm:scene3d>
+    <dgm:sp3d/>
+    <dgm:txPr/>
+    <dgm:style>
+      <a:lnRef idx="2">
+        <a:scrgbClr r="0" g="0" b="0"/>
+      </a:lnRef>
+      <a:fillRef idx="1">
+        <a:scrgbClr r="0" g="0" b="0"/>
+      </a:fillRef>
+      <a:effectRef idx="0">
+        <a:scrgbClr r="0" g="0" b="0"/>
+      </a:effectRef>
+      <a:fontRef idx="minor">
+        <a:schemeClr val="lt1"/>
+      </a:fontRef>
+    </dgm:style>
+  </dgm:styleLbl>
+  <dgm:styleLbl name="lnNode1">
+    <dgm:scene3d>
+      <a:camera prst="orthographicFront"/>
+      <a:lightRig rig="threePt" dir="t"/>
+    </dgm:scene3d>
+    <dgm:sp3d/>
+    <dgm:txPr/>
+    <dgm:style>
+      <a:lnRef idx="2">
+        <a:scrgbClr r="0" g="0" b="0"/>
+      </a:lnRef>
+      <a:fillRef idx="1">
+        <a:scrgbClr r="0" g="0" b="0"/>
+      </a:fillRef>
+      <a:effectRef idx="0">
+        <a:scrgbClr r="0" g="0" b="0"/>
+      </a:effectRef>
+      <a:fontRef idx="minor">
+        <a:schemeClr val="lt1"/>
+      </a:fontRef>
+    </dgm:style>
+  </dgm:styleLbl>
+  <dgm:styleLbl name="vennNode1">
+    <dgm:scene3d>
+      <a:camera prst="orthographicFront"/>
+      <a:lightRig rig="threePt" dir="t"/>
+    </dgm:scene3d>
+    <dgm:sp3d/>
+    <dgm:txPr/>
+    <dgm:style>
+      <a:lnRef idx="2">
+        <a:scrgbClr r="0" g="0" b="0"/>
+      </a:lnRef>
+      <a:fillRef idx="1">
+        <a:scrgbClr r="0" g="0" b="0"/>
+      </a:fillRef>
+      <a:effectRef idx="0">
+        <a:scrgbClr r="0" g="0" b="0"/>
+      </a:effectRef>
+      <a:fontRef idx="minor">
+        <a:schemeClr val="tx1"/>
+      </a:fontRef>
+    </dgm:style>
+  </dgm:styleLbl>
+  <dgm:styleLbl name="alignNode1">
+    <dgm:scene3d>
+      <a:camera prst="orthographicFront"/>
+      <a:lightRig rig="threePt" dir="t"/>
+    </dgm:scene3d>
+    <dgm:sp3d/>
+    <dgm:txPr/>
+    <dgm:style>
+      <a:lnRef idx="2">
+        <a:scrgbClr r="0" g="0" b="0"/>
+      </a:lnRef>
+      <a:fillRef idx="1">
+        <a:scrgbClr r="0" g="0" b="0"/>
+      </a:fillRef>
+      <a:effectRef idx="0">
+        <a:scrgbClr r="0" g="0" b="0"/>
+      </a:effectRef>
+      <a:fontRef idx="minor">
+        <a:schemeClr val="lt1"/>
+      </a:fontRef>
+    </dgm:style>
+  </dgm:styleLbl>
+  <dgm:styleLbl name="node1">
+    <dgm:scene3d>
+      <a:camera prst="orthographicFront"/>
+      <a:lightRig rig="threePt" dir="t"/>
+    </dgm:scene3d>
+    <dgm:sp3d/>
+    <dgm:txPr/>
+    <dgm:style>
+      <a:lnRef idx="2">
+        <a:scrgbClr r="0" g="0" b="0"/>
+      </a:lnRef>
+      <a:fillRef idx="1">
+        <a:scrgbClr r="0" g="0" b="0"/>
+      </a:fillRef>
+      <a:effectRef idx="0">
+        <a:scrgbClr r="0" g="0" b="0"/>
+      </a:effectRef>
+      <a:fontRef idx="minor">
+        <a:schemeClr val="lt1"/>
+      </a:fontRef>
+    </dgm:style>
+  </dgm:styleLbl>
+  <dgm:styleLbl name="node2">
+    <dgm:scene3d>
+      <a:camera prst="orthographicFront"/>
+      <a:lightRig rig="threePt" dir="t"/>
+    </dgm:scene3d>
+    <dgm:sp3d/>
+    <dgm:txPr/>
+    <dgm:style>
+      <a:lnRef idx="2">
+        <a:scrgbClr r="0" g="0" b="0"/>
+      </a:lnRef>
+      <a:fillRef idx="1">
+        <a:scrgbClr r="0" g="0" b="0"/>
+      </a:fillRef>
+      <a:effectRef idx="0">
+        <a:scrgbClr r="0" g="0" b="0"/>
+      </a:effectRef>
+      <a:fontRef idx="minor">
+        <a:schemeClr val="lt1"/>
+      </a:fontRef>
+    </dgm:style>
+  </dgm:styleLbl>
+  <dgm:styleLbl name="node3">
+    <dgm:scene3d>
+      <a:camera prst="orthographicFront"/>
+      <a:lightRig rig="threePt" dir="t"/>
+    </dgm:scene3d>
+    <dgm:sp3d/>
+    <dgm:txPr/>
+    <dgm:style>
+      <a:lnRef idx="2">
+        <a:scrgbClr r="0" g="0" b="0"/>
+      </a:lnRef>
+      <a:fillRef idx="1">
+        <a:scrgbClr r="0" g="0" b="0"/>
+      </a:fillRef>
+      <a:effectRef idx="0">
+        <a:scrgbClr r="0" g="0" b="0"/>
+      </a:effectRef>
+      <a:fontRef idx="minor">
+        <a:schemeClr val="lt1"/>
+      </a:fontRef>
+    </dgm:style>
+  </dgm:styleLbl>
+  <dgm:styleLbl name="node4">
+    <dgm:scene3d>
+      <a:camera prst="orthographicFront"/>
+      <a:lightRig rig="threePt" dir="t"/>
+    </dgm:scene3d>
+    <dgm:sp3d/>
+    <dgm:txPr/>
+    <dgm:style>
+      <a:lnRef idx="2">
+        <a:scrgbClr r="0" g="0" b="0"/>
+      </a:lnRef>
+      <a:fillRef idx="1">
+        <a:scrgbClr r="0" g="0" b="0"/>
+      </a:fillRef>
+      <a:effectRef idx="0">
+        <a:scrgbClr r="0" g="0" b="0"/>
+      </a:effectRef>
+      <a:fontRef idx="minor">
+        <a:schemeClr val="lt1"/>
+      </a:fontRef>
+    </dgm:style>
+  </dgm:styleLbl>
+  <dgm:styleLbl name="fgImgPlace1">
+    <dgm:scene3d>
+      <a:camera prst="orthographicFront"/>
+      <a:lightRig rig="threePt" dir="t"/>
+    </dgm:scene3d>
+    <dgm:sp3d/>
+    <dgm:txPr/>
+    <dgm:style>
+      <a:lnRef idx="2">
+        <a:scrgbClr r="0" g="0" b="0"/>
+      </a:lnRef>
+      <a:fillRef idx="1">
+        <a:scrgbClr r="0" g="0" b="0"/>
+      </a:fillRef>
+      <a:effectRef idx="0">
+        <a:scrgbClr r="0" g="0" b="0"/>
+      </a:effectRef>
+      <a:fontRef idx="minor"/>
+    </dgm:style>
+  </dgm:styleLbl>
+  <dgm:styleLbl name="alignImgPlace1">
+    <dgm:scene3d>
+      <a:camera prst="orthographicFront"/>
+      <a:lightRig rig="threePt" dir="t"/>
+    </dgm:scene3d>
+    <dgm:sp3d/>
+    <dgm:txPr/>
+    <dgm:style>
+      <a:lnRef idx="2">
+        <a:scrgbClr r="0" g="0" b="0"/>
+      </a:lnRef>
+      <a:fillRef idx="1">
+        <a:scrgbClr r="0" g="0" b="0"/>
+      </a:fillRef>
+      <a:effectRef idx="0">
+        <a:scrgbClr r="0" g="0" b="0"/>
+      </a:effectRef>
+      <a:fontRef idx="minor"/>
+    </dgm:style>
+  </dgm:styleLbl>
+  <dgm:styleLbl name="bgImgPlace1">
+    <dgm:scene3d>
+      <a:camera prst="orthographicFront"/>
+      <a:lightRig rig="threePt" dir="t"/>
+    </dgm:scene3d>
+    <dgm:sp3d/>
+    <dgm:txPr/>
+    <dgm:style>
+      <a:lnRef idx="2">
+        <a:scrgbClr r="0" g="0" b="0"/>
+      </a:lnRef>
+      <a:fillRef idx="1">
+        <a:scrgbClr r="0" g="0" b="0"/>
+      </a:fillRef>
+      <a:effectRef idx="0">
+        <a:scrgbClr r="0" g="0" b="0"/>
+      </a:effectRef>
+      <a:fontRef idx="minor"/>
+    </dgm:style>
+  </dgm:styleLbl>
+  <dgm:styleLbl name="sibTrans2D1">
+    <dgm:scene3d>
+      <a:camera prst="orthographicFront"/>
+      <a:lightRig rig="threePt" dir="t"/>
+    </dgm:scene3d>
+    <dgm:sp3d/>
+    <dgm:txPr/>
+    <dgm:style>
+      <a:lnRef idx="0">
+        <a:scrgbClr r="0" g="0" b="0"/>
+      </a:lnRef>
+      <a:fillRef idx="1">
+        <a:scrgbClr r="0" g="0" b="0"/>
+      </a:fillRef>
+      <a:effectRef idx="0">
+        <a:scrgbClr r="0" g="0" b="0"/>
+      </a:effectRef>
+      <a:fontRef idx="minor">
+        <a:schemeClr val="lt1"/>
+      </a:fontRef>
+    </dgm:style>
+  </dgm:styleLbl>
+  <dgm:styleLbl name="fgSibTrans2D1">
+    <dgm:scene3d>
+      <a:camera prst="orthographicFront"/>
+      <a:lightRig rig="threePt" dir="t"/>
+    </dgm:scene3d>
+    <dgm:sp3d/>
+    <dgm:txPr/>
+    <dgm:style>
+      <a:lnRef idx="0">
+        <a:scrgbClr r="0" g="0" b="0"/>
+      </a:lnRef>
+      <a:fillRef idx="1">
+        <a:scrgbClr r="0" g="0" b="0"/>
+      </a:fillRef>
+      <a:effectRef idx="0">
+        <a:scrgbClr r="0" g="0" b="0"/>
+      </a:effectRef>
+      <a:fontRef idx="minor">
+        <a:schemeClr val="lt1"/>
+      </a:fontRef>
+    </dgm:style>
+  </dgm:styleLbl>
+  <dgm:styleLbl name="bgSibTrans2D1">
+    <dgm:scene3d>
+      <a:camera prst="orthographicFront"/>
+      <a:lightRig rig="threePt" dir="t"/>
+    </dgm:scene3d>
+    <dgm:sp3d/>
+    <dgm:txPr/>
+    <dgm:style>
+      <a:lnRef idx="0">
+        <a:scrgbClr r="0" g="0" b="0"/>
+      </a:lnRef>
+      <a:fillRef idx="1">
+        <a:scrgbClr r="0" g="0" b="0"/>
+      </a:fillRef>
+      <a:effectRef idx="0">
+        <a:scrgbClr r="0" g="0" b="0"/>
+      </a:effectRef>
+      <a:fontRef idx="minor">
+        <a:schemeClr val="lt1"/>
+      </a:fontRef>
+    </dgm:style>
+  </dgm:styleLbl>
+  <dgm:styleLbl name="sibTrans1D1">
+    <dgm:scene3d>
+      <a:camera prst="orthographicFront"/>
+      <a:lightRig rig="threePt" dir="t"/>
+    </dgm:scene3d>
+    <dgm:sp3d/>
+    <dgm:txPr/>
+    <dgm:style>
+      <a:lnRef idx="1">
+        <a:scrgbClr r="0" g="0" b="0"/>
+      </a:lnRef>
+      <a:fillRef idx="0">
+        <a:scrgbClr r="0" g="0" b="0"/>
+      </a:fillRef>
+      <a:effectRef idx="0">
+        <a:scrgbClr r="0" g="0" b="0"/>
+      </a:effectRef>
+      <a:fontRef idx="minor"/>
+    </dgm:style>
+  </dgm:styleLbl>
+  <dgm:styleLbl name="callout">
+    <dgm:scene3d>
+      <a:camera prst="orthographicFront"/>
+      <a:lightRig rig="threePt" dir="t"/>
+    </dgm:scene3d>
+    <dgm:sp3d/>
+    <dgm:txPr/>
+    <dgm:style>
+      <a:lnRef idx="2">
+        <a:scrgbClr r="0" g="0" b="0"/>
+      </a:lnRef>
+      <a:fillRef idx="1">
+        <a:scrgbClr r="0" g="0" b="0"/>
+      </a:fillRef>
+      <a:effectRef idx="0">
+        <a:scrgbClr r="0" g="0" b="0"/>
+      </a:effectRef>
+      <a:fontRef idx="minor"/>
+    </dgm:style>
+  </dgm:styleLbl>
+  <dgm:styleLbl name="asst0">
+    <dgm:scene3d>
+      <a:camera prst="orthographicFront"/>
+      <a:lightRig rig="threePt" dir="t"/>
+    </dgm:scene3d>
+    <dgm:sp3d/>
+    <dgm:txPr/>
+    <dgm:style>
+      <a:lnRef idx="2">
+        <a:scrgbClr r="0" g="0" b="0"/>
+      </a:lnRef>
+      <a:fillRef idx="1">
+        <a:scrgbClr r="0" g="0" b="0"/>
+      </a:fillRef>
+      <a:effectRef idx="0">
+        <a:scrgbClr r="0" g="0" b="0"/>
+      </a:effectRef>
+      <a:fontRef idx="minor">
+        <a:schemeClr val="lt1"/>
+      </a:fontRef>
+    </dgm:style>
+  </dgm:styleLbl>
+  <dgm:styleLbl name="asst1">
+    <dgm:scene3d>
+      <a:camera prst="orthographicFront"/>
+      <a:lightRig rig="threePt" dir="t"/>
+    </dgm:scene3d>
+    <dgm:sp3d/>
+    <dgm:txPr/>
+    <dgm:style>
+      <a:lnRef idx="2">
+        <a:scrgbClr r="0" g="0" b="0"/>
+      </a:lnRef>
+      <a:fillRef idx="1">
+        <a:scrgbClr r="0" g="0" b="0"/>
+      </a:fillRef>
+      <a:effectRef idx="0">
+        <a:scrgbClr r="0" g="0" b="0"/>
+      </a:effectRef>
+      <a:fontRef idx="minor">
+        <a:schemeClr val="lt1"/>
+      </a:fontRef>
+    </dgm:style>
+  </dgm:styleLbl>
+  <dgm:styleLbl name="asst2">
+    <dgm:scene3d>
+      <a:camera prst="orthographicFront"/>
+      <a:lightRig rig="threePt" dir="t"/>
+    </dgm:scene3d>
+    <dgm:sp3d/>
+    <dgm:txPr/>
+    <dgm:style>
+      <a:lnRef idx="2">
+        <a:scrgbClr r="0" g="0" b="0"/>
+      </a:lnRef>
+      <a:fillRef idx="1">
+        <a:scrgbClr r="0" g="0" b="0"/>
+      </a:fillRef>
+      <a:effectRef idx="0">
+        <a:scrgbClr r="0" g="0" b="0"/>
+      </a:effectRef>
+      <a:fontRef idx="minor">
+        <a:schemeClr val="lt1"/>
+      </a:fontRef>
+    </dgm:style>
+  </dgm:styleLbl>
+  <dgm:styleLbl name="asst3">
+    <dgm:scene3d>
+      <a:camera prst="orthographicFront"/>
+      <a:lightRig rig="threePt" dir="t"/>
+    </dgm:scene3d>
+    <dgm:sp3d/>
+    <dgm:txPr/>
+    <dgm:style>
+      <a:lnRef idx="2">
+        <a:scrgbClr r="0" g="0" b="0"/>
+      </a:lnRef>
+      <a:fillRef idx="1">
+        <a:scrgbClr r="0" g="0" b="0"/>
+      </a:fillRef>
+      <a:effectRef idx="0">
+        <a:scrgbClr r="0" g="0" b="0"/>
+      </a:effectRef>
+      <a:fontRef idx="minor">
+        <a:schemeClr val="lt1"/>
+      </a:fontRef>
+    </dgm:style>
+  </dgm:styleLbl>
+  <dgm:styleLbl name="asst4">
+    <dgm:scene3d>
+      <a:camera prst="orthographicFront"/>
+      <a:lightRig rig="threePt" dir="t"/>
+    </dgm:scene3d>
+    <dgm:sp3d/>
+    <dgm:txPr/>
+    <dgm:style>
+      <a:lnRef idx="2">
+        <a:scrgbClr r="0" g="0" b="0"/>
+      </a:lnRef>
+      <a:fillRef idx="1">
+        <a:scrgbClr r="0" g="0" b="0"/>
+      </a:fillRef>
+      <a:effectRef idx="0">
+        <a:scrgbClr r="0" g="0" b="0"/>
+      </a:effectRef>
+      <a:fontRef idx="minor">
+        <a:schemeClr val="lt1"/>
+      </a:fontRef>
+    </dgm:style>
+  </dgm:styleLbl>
+  <dgm:styleLbl name="parChTrans2D1">
+    <dgm:scene3d>
+      <a:camera prst="orthographicFront"/>
+      <a:lightRig rig="threePt" dir="t"/>
+    </dgm:scene3d>
+    <dgm:sp3d/>
+    <dgm:txPr/>
+    <dgm:style>
+      <a:lnRef idx="2">
+        <a:scrgbClr r="0" g="0" b="0"/>
+      </a:lnRef>
+      <a:fillRef idx="1">
+        <a:scrgbClr r="0" g="0" b="0"/>
+      </a:fillRef>
+      <a:effectRef idx="0">
+        <a:scrgbClr r="0" g="0" b="0"/>
+      </a:effectRef>
+      <a:fontRef idx="minor">
+        <a:schemeClr val="lt1"/>
+      </a:fontRef>
+    </dgm:style>
+  </dgm:styleLbl>
+  <dgm:styleLbl name="parChTrans2D2">
+    <dgm:scene3d>
+      <a:camera prst="orthographicFront"/>
+      <a:lightRig rig="threePt" dir="t"/>
+    </dgm:scene3d>
+    <dgm:sp3d/>
+    <dgm:txPr/>
+    <dgm:style>
+      <a:lnRef idx="2">
+        <a:scrgbClr r="0" g="0" b="0"/>
+      </a:lnRef>
+      <a:fillRef idx="1">
+        <a:scrgbClr r="0" g="0" b="0"/>
+      </a:fillRef>
+      <a:effectRef idx="0">
+        <a:scrgbClr r="0" g="0" b="0"/>
+      </a:effectRef>
+      <a:fontRef idx="minor">
+        <a:schemeClr val="lt1"/>
+      </a:fontRef>
+    </dgm:style>
+  </dgm:styleLbl>
+  <dgm:styleLbl name="parChTrans2D3">
+    <dgm:scene3d>
+      <a:camera prst="orthographicFront"/>
+      <a:lightRig rig="threePt" dir="t"/>
+    </dgm:scene3d>
+    <dgm:sp3d/>
+    <dgm:txPr/>
+    <dgm:style>
+      <a:lnRef idx="2">
+        <a:scrgbClr r="0" g="0" b="0"/>
+      </a:lnRef>
+      <a:fillRef idx="1">
+        <a:scrgbClr r="0" g="0" b="0"/>
+      </a:fillRef>
+      <a:effectRef idx="0">
+        <a:scrgbClr r="0" g="0" b="0"/>
+      </a:effectRef>
+      <a:fontRef idx="minor">
+        <a:schemeClr val="lt1"/>
+      </a:fontRef>
+    </dgm:style>
+  </dgm:styleLbl>
+  <dgm:styleLbl name="parChTrans2D4">
+    <dgm:scene3d>
+      <a:camera prst="orthographicFront"/>
+      <a:lightRig rig="threePt" dir="t"/>
+    </dgm:scene3d>
+    <dgm:sp3d/>
+    <dgm:txPr/>
+    <dgm:style>
+      <a:lnRef idx="2">
+        <a:scrgbClr r="0" g="0" b="0"/>
+      </a:lnRef>
+      <a:fillRef idx="1">
+        <a:scrgbClr r="0" g="0" b="0"/>
+      </a:fillRef>
+      <a:effectRef idx="0">
+        <a:scrgbClr r="0" g="0" b="0"/>
+      </a:effectRef>
+      <a:fontRef idx="minor">
+        <a:schemeClr val="lt1"/>
+      </a:fontRef>
+    </dgm:style>
+  </dgm:styleLbl>
+  <dgm:styleLbl name="parChTrans1D1">
+    <dgm:scene3d>
+      <a:camera prst="orthographicFront"/>
+      <a:lightRig rig="threePt" dir="t"/>
+    </dgm:scene3d>
+    <dgm:sp3d/>
+    <dgm:txPr/>
+    <dgm:style>
+      <a:lnRef idx="2">
+        <a:scrgbClr r="0" g="0" b="0"/>
+      </a:lnRef>
+      <a:fillRef idx="0">
+        <a:scrgbClr r="0" g="0" b="0"/>
+      </a:fillRef>
+      <a:effectRef idx="0">
+        <a:scrgbClr r="0" g="0" b="0"/>
+      </a:effectRef>
+      <a:fontRef idx="minor"/>
+    </dgm:style>
+  </dgm:styleLbl>
+  <dgm:styleLbl name="parChTrans1D2">
+    <dgm:scene3d>
+      <a:camera prst="orthographicFront"/>
+      <a:lightRig rig="threePt" dir="t"/>
+    </dgm:scene3d>
+    <dgm:sp3d/>
+    <dgm:txPr/>
+    <dgm:style>
+      <a:lnRef idx="2">
+        <a:scrgbClr r="0" g="0" b="0"/>
+      </a:lnRef>
+      <a:fillRef idx="0">
+        <a:scrgbClr r="0" g="0" b="0"/>
+      </a:fillRef>
+      <a:effectRef idx="0">
+        <a:scrgbClr r="0" g="0" b="0"/>
+      </a:effectRef>
+      <a:fontRef idx="minor"/>
+    </dgm:style>
+  </dgm:styleLbl>
+  <dgm:styleLbl name="parChTrans1D3">
+    <dgm:scene3d>
+      <a:camera prst="orthographicFront"/>
+      <a:lightRig rig="threePt" dir="t"/>
+    </dgm:scene3d>
+    <dgm:sp3d/>
+    <dgm:txPr/>
+    <dgm:style>
+      <a:lnRef idx="2">
+        <a:scrgbClr r="0" g="0" b="0"/>
+      </a:lnRef>
+      <a:fillRef idx="0">
+        <a:scrgbClr r="0" g="0" b="0"/>
+      </a:fillRef>
+      <a:effectRef idx="0">
+        <a:scrgbClr r="0" g="0" b="0"/>
+      </a:effectRef>
+      <a:fontRef idx="minor"/>
+    </dgm:style>
+  </dgm:styleLbl>
+  <dgm:styleLbl name="parChTrans1D4">
+    <dgm:scene3d>
+      <a:camera prst="orthographicFront"/>
+      <a:lightRig rig="threePt" dir="t"/>
+    </dgm:scene3d>
+    <dgm:sp3d/>
+    <dgm:txPr/>
+    <dgm:style>
+      <a:lnRef idx="2">
+        <a:scrgbClr r="0" g="0" b="0"/>
+      </a:lnRef>
+      <a:fillRef idx="0">
+        <a:scrgbClr r="0" g="0" b="0"/>
+      </a:fillRef>
+      <a:effectRef idx="0">
+        <a:scrgbClr r="0" g="0" b="0"/>
+      </a:effectRef>
+      <a:fontRef idx="minor"/>
+    </dgm:style>
+  </dgm:styleLbl>
+  <dgm:styleLbl name="fgAcc1">
+    <dgm:scene3d>
+      <a:camera prst="orthographicFront"/>
+      <a:lightRig rig="threePt" dir="t"/>
+    </dgm:scene3d>
+    <dgm:sp3d/>
+    <dgm:txPr/>
+    <dgm:style>
+      <a:lnRef idx="2">
+        <a:scrgbClr r="0" g="0" b="0"/>
+      </a:lnRef>
+      <a:fillRef idx="1">
+        <a:scrgbClr r="0" g="0" b="0"/>
+      </a:fillRef>
+      <a:effectRef idx="0">
+        <a:scrgbClr r="0" g="0" b="0"/>
+      </a:effectRef>
+      <a:fontRef idx="minor"/>
+    </dgm:style>
+  </dgm:styleLbl>
+  <dgm:styleLbl name="conFgAcc1">
+    <dgm:scene3d>
+      <a:camera prst="orthographicFront"/>
+      <a:lightRig rig="threePt" dir="t"/>
+    </dgm:scene3d>
+    <dgm:sp3d/>
+    <dgm:txPr/>
+    <dgm:style>
+      <a:lnRef idx="2">
+        <a:scrgbClr r="0" g="0" b="0"/>
+      </a:lnRef>
+      <a:fillRef idx="1">
+        <a:scrgbClr r="0" g="0" b="0"/>
+      </a:fillRef>
+      <a:effectRef idx="0">
+        <a:scrgbClr r="0" g="0" b="0"/>
+      </a:effectRef>
+      <a:fontRef idx="minor"/>
+    </dgm:style>
+  </dgm:styleLbl>
+  <dgm:styleLbl name="alignAcc1">
+    <dgm:scene3d>
+      <a:camera prst="orthographicFront"/>
+      <a:lightRig rig="threePt" dir="t"/>
+    </dgm:scene3d>
+    <dgm:sp3d/>
+    <dgm:txPr/>
+    <dgm:style>
+      <a:lnRef idx="2">
+        <a:scrgbClr r="0" g="0" b="0"/>
+      </a:lnRef>
+      <a:fillRef idx="1">
+        <a:scrgbClr r="0" g="0" b="0"/>
+      </a:fillRef>
+      <a:effectRef idx="0">
+        <a:scrgbClr r="0" g="0" b="0"/>
+      </a:effectRef>
+      <a:fontRef idx="minor"/>
+    </dgm:style>
+  </dgm:styleLbl>
+  <dgm:styleLbl name="trAlignAcc1">
+    <dgm:scene3d>
+      <a:camera prst="orthographicFront"/>
+      <a:lightRig rig="threePt" dir="t"/>
+    </dgm:scene3d>
+    <dgm:sp3d/>
+    <dgm:txPr/>
+    <dgm:style>
+      <a:lnRef idx="1">
+        <a:scrgbClr r="0" g="0" b="0"/>
+      </a:lnRef>
+      <a:fillRef idx="1">
+        <a:scrgbClr r="0" g="0" b="0"/>
+      </a:fillRef>
+      <a:effectRef idx="0">
+        <a:scrgbClr r="0" g="0" b="0"/>
+      </a:effectRef>
+      <a:fontRef idx="minor"/>
+    </dgm:style>
+  </dgm:styleLbl>
+  <dgm:styleLbl name="bgAcc1">
+    <dgm:scene3d>
+      <a:camera prst="orthographicFront"/>
+      <a:lightRig rig="threePt" dir="t"/>
+    </dgm:scene3d>
+    <dgm:sp3d/>
+    <dgm:txPr/>
+    <dgm:style>
+      <a:lnRef idx="2">
+        <a:scrgbClr r="0" g="0" b="0"/>
+      </a:lnRef>
+      <a:fillRef idx="1">
+        <a:scrgbClr r="0" g="0" b="0"/>
+      </a:fillRef>
+      <a:effectRef idx="0">
+        <a:scrgbClr r="0" g="0" b="0"/>
+      </a:effectRef>
+      <a:fontRef idx="minor"/>
+    </dgm:style>
+  </dgm:styleLbl>
+  <dgm:styleLbl name="solidFgAcc1">
+    <dgm:scene3d>
+      <a:camera prst="orthographicFront"/>
+      <a:lightRig rig="threePt" dir="t"/>
+    </dgm:scene3d>
+    <dgm:sp3d/>
+    <dgm:txPr/>
+    <dgm:style>
+      <a:lnRef idx="2">
+        <a:scrgbClr r="0" g="0" b="0"/>
+      </a:lnRef>
+      <a:fillRef idx="1">
+        <a:scrgbClr r="0" g="0" b="0"/>
+      </a:fillRef>
+      <a:effectRef idx="0">
+        <a:scrgbClr r="0" g="0" b="0"/>
+      </a:effectRef>
+      <a:fontRef idx="minor"/>
+    </dgm:style>
+  </dgm:styleLbl>
+  <dgm:styleLbl name="solidAlignAcc1">
+    <dgm:scene3d>
+      <a:camera prst="orthographicFront"/>
+      <a:lightRig rig="threePt" dir="t"/>
+    </dgm:scene3d>
+    <dgm:sp3d/>
+    <dgm:txPr/>
+    <dgm:style>
+      <a:lnRef idx="2">
+        <a:scrgbClr r="0" g="0" b="0"/>
+      </a:lnRef>
+      <a:fillRef idx="1">
+        <a:scrgbClr r="0" g="0" b="0"/>
+      </a:fillRef>
+      <a:effectRef idx="0">
+        <a:scrgbClr r="0" g="0" b="0"/>
+      </a:effectRef>
+      <a:fontRef idx="minor"/>
+    </dgm:style>
+  </dgm:styleLbl>
+  <dgm:styleLbl name="solidBgAcc1">
+    <dgm:scene3d>
+      <a:camera prst="orthographicFront"/>
+      <a:lightRig rig="threePt" dir="t"/>
+    </dgm:scene3d>
+    <dgm:sp3d/>
+    <dgm:txPr/>
+    <dgm:style>
+      <a:lnRef idx="2">
+        <a:scrgbClr r="0" g="0" b="0"/>
+      </a:lnRef>
+      <a:fillRef idx="1">
+        <a:scrgbClr r="0" g="0" b="0"/>
+      </a:fillRef>
+      <a:effectRef idx="0">
+        <a:scrgbClr r="0" g="0" b="0"/>
+      </a:effectRef>
+      <a:fontRef idx="minor"/>
+    </dgm:style>
+  </dgm:styleLbl>
+  <dgm:styleLbl name="fgAccFollowNode1">
+    <dgm:scene3d>
+      <a:camera prst="orthographicFront"/>
+      <a:lightRig rig="threePt" dir="t"/>
+    </dgm:scene3d>
+    <dgm:sp3d/>
+    <dgm:txPr/>
+    <dgm:style>
+      <a:lnRef idx="2">
+        <a:scrgbClr r="0" g="0" b="0"/>
+      </a:lnRef>
+      <a:fillRef idx="1">
+        <a:scrgbClr r="0" g="0" b="0"/>
+      </a:fillRef>
+      <a:effectRef idx="0">
+        <a:scrgbClr r="0" g="0" b="0"/>
+      </a:effectRef>
+      <a:fontRef idx="minor"/>
+    </dgm:style>
+  </dgm:styleLbl>
+  <dgm:styleLbl name="alignAccFollowNode1">
+    <dgm:scene3d>
+      <a:camera prst="orthographicFront"/>
+      <a:lightRig rig="threePt" dir="t"/>
+    </dgm:scene3d>
+    <dgm:sp3d/>
+    <dgm:txPr/>
+    <dgm:style>
+      <a:lnRef idx="2">
+        <a:scrgbClr r="0" g="0" b="0"/>
+      </a:lnRef>
+      <a:fillRef idx="1">
+        <a:scrgbClr r="0" g="0" b="0"/>
+      </a:fillRef>
+      <a:effectRef idx="0">
+        <a:scrgbClr r="0" g="0" b="0"/>
+      </a:effectRef>
+      <a:fontRef idx="minor"/>
+    </dgm:style>
+  </dgm:styleLbl>
+  <dgm:styleLbl name="bgAccFollowNode1">
+    <dgm:scene3d>
+      <a:camera prst="orthographicFront"/>
+      <a:lightRig rig="threePt" dir="t"/>
+    </dgm:scene3d>
+    <dgm:sp3d/>
+    <dgm:txPr/>
+    <dgm:style>
+      <a:lnRef idx="2">
+        <a:scrgbClr r="0" g="0" b="0"/>
+      </a:lnRef>
+      <a:fillRef idx="1">
+        <a:scrgbClr r="0" g="0" b="0"/>
+      </a:fillRef>
+      <a:effectRef idx="0">
+        <a:scrgbClr r="0" g="0" b="0"/>
+      </a:effectRef>
+      <a:fontRef idx="minor"/>
+    </dgm:style>
+  </dgm:styleLbl>
+  <dgm:styleLbl name="fgAcc0">
+    <dgm:scene3d>
+      <a:camera prst="orthographicFront"/>
+      <a:lightRig rig="threePt" dir="t"/>
+    </dgm:scene3d>
+    <dgm:sp3d/>
+    <dgm:txPr/>
+    <dgm:style>
+      <a:lnRef idx="2">
+        <a:scrgbClr r="0" g="0" b="0"/>
+      </a:lnRef>
+      <a:fillRef idx="1">
+        <a:scrgbClr r="0" g="0" b="0"/>
+      </a:fillRef>
+      <a:effectRef idx="0">
+        <a:scrgbClr r="0" g="0" b="0"/>
+      </a:effectRef>
+      <a:fontRef idx="minor"/>
+    </dgm:style>
+  </dgm:styleLbl>
+  <dgm:styleLbl name="fgAcc2">
+    <dgm:scene3d>
+      <a:camera prst="orthographicFront"/>
+      <a:lightRig rig="threePt" dir="t"/>
+    </dgm:scene3d>
+    <dgm:sp3d/>
+    <dgm:txPr/>
+    <dgm:style>
+      <a:lnRef idx="2">
+        <a:scrgbClr r="0" g="0" b="0"/>
+      </a:lnRef>
+      <a:fillRef idx="1">
+        <a:scrgbClr r="0" g="0" b="0"/>
+      </a:fillRef>
+      <a:effectRef idx="0">
+        <a:scrgbClr r="0" g="0" b="0"/>
+      </a:effectRef>
+      <a:fontRef idx="minor"/>
+    </dgm:style>
+  </dgm:styleLbl>
+  <dgm:styleLbl name="fgAcc3">
+    <dgm:scene3d>
+      <a:camera prst="orthographicFront"/>
+      <a:lightRig rig="threePt" dir="t"/>
+    </dgm:scene3d>
+    <dgm:sp3d/>
+    <dgm:txPr/>
+    <dgm:style>
+      <a:lnRef idx="2">
+        <a:scrgbClr r="0" g="0" b="0"/>
+      </a:lnRef>
+      <a:fillRef idx="1">
+        <a:scrgbClr r="0" g="0" b="0"/>
+      </a:fillRef>
+      <a:effectRef idx="0">
+        <a:scrgbClr r="0" g="0" b="0"/>
+      </a:effectRef>
+      <a:fontRef idx="minor"/>
+    </dgm:style>
+  </dgm:styleLbl>
+  <dgm:styleLbl name="fgAcc4">
+    <dgm:scene3d>
+      <a:camera prst="orthographicFront"/>
+      <a:lightRig rig="threePt" dir="t"/>
+    </dgm:scene3d>
+    <dgm:sp3d/>
+    <dgm:txPr/>
+    <dgm:style>
+      <a:lnRef idx="2">
+        <a:scrgbClr r="0" g="0" b="0"/>
+      </a:lnRef>
+      <a:fillRef idx="1">
+        <a:scrgbClr r="0" g="0" b="0"/>
+      </a:fillRef>
+      <a:effectRef idx="0">
+        <a:scrgbClr r="0" g="0" b="0"/>
+      </a:effectRef>
+      <a:fontRef idx="minor"/>
+    </dgm:style>
+  </dgm:styleLbl>
+  <dgm:styleLbl name="bgShp">
+    <dgm:scene3d>
+      <a:camera prst="orthographicFront"/>
+      <a:lightRig rig="threePt" dir="t"/>
+    </dgm:scene3d>
+    <dgm:sp3d/>
+    <dgm:txPr/>
+    <dgm:style>
+      <a:lnRef idx="0">
+        <a:scrgbClr r="0" g="0" b="0"/>
+      </a:lnRef>
+      <a:fillRef idx="1">
+        <a:scrgbClr r="0" g="0" b="0"/>
+      </a:fillRef>
+      <a:effectRef idx="0">
+        <a:scrgbClr r="0" g="0" b="0"/>
+      </a:effectRef>
+      <a:fontRef idx="minor"/>
+    </dgm:style>
+  </dgm:styleLbl>
+  <dgm:styleLbl name="dkBgShp">
+    <dgm:scene3d>
+      <a:camera prst="orthographicFront"/>
+      <a:lightRig rig="threePt" dir="t"/>
+    </dgm:scene3d>
+    <dgm:sp3d/>
+    <dgm:txPr/>
+    <dgm:style>
+      <a:lnRef idx="0">
+        <a:scrgbClr r="0" g="0" b="0"/>
+      </a:lnRef>
+      <a:fillRef idx="1">
+        <a:scrgbClr r="0" g="0" b="0"/>
+      </a:fillRef>
+      <a:effectRef idx="0">
+        <a:scrgbClr r="0" g="0" b="0"/>
+      </a:effectRef>
+      <a:fontRef idx="minor"/>
+    </dgm:style>
+  </dgm:styleLbl>
+  <dgm:styleLbl name="trBgShp">
+    <dgm:scene3d>
+      <a:camera prst="orthographicFront"/>
+      <a:lightRig rig="threePt" dir="t"/>
+    </dgm:scene3d>
+    <dgm:sp3d/>
+    <dgm:txPr/>
+    <dgm:style>
+      <a:lnRef idx="0">
+        <a:scrgbClr r="0" g="0" b="0"/>
+      </a:lnRef>
+      <a:fillRef idx="1">
+        <a:scrgbClr r="0" g="0" b="0"/>
+      </a:fillRef>
+      <a:effectRef idx="0">
+        <a:scrgbClr r="0" g="0" b="0"/>
+      </a:effectRef>
+      <a:fontRef idx="minor"/>
+    </dgm:style>
+  </dgm:styleLbl>
+  <dgm:styleLbl name="fgShp">
+    <dgm:scene3d>
+      <a:camera prst="orthographicFront"/>
+      <a:lightRig rig="threePt" dir="t"/>
+    </dgm:scene3d>
+    <dgm:sp3d/>
+    <dgm:txPr/>
+    <dgm:style>
+      <a:lnRef idx="2">
+        <a:scrgbClr r="0" g="0" b="0"/>
+      </a:lnRef>
+      <a:fillRef idx="1">
+        <a:scrgbClr r="0" g="0" b="0"/>
+      </a:fillRef>
+      <a:effectRef idx="0">
+        <a:scrgbClr r="0" g="0" b="0"/>
+      </a:effectRef>
+      <a:fontRef idx="minor"/>
+    </dgm:style>
+  </dgm:styleLbl>
+  <dgm:styleLbl name="revTx">
+    <dgm:scene3d>
+      <a:camera prst="orthographicFront"/>
+      <a:lightRig rig="threePt" dir="t"/>
+    </dgm:scene3d>
+    <dgm:sp3d/>
+    <dgm:txPr/>
+    <dgm:style>
+      <a:lnRef idx="0">
+        <a:scrgbClr r="0" g="0" b="0"/>
+      </a:lnRef>
+      <a:fillRef idx="0">
+        <a:scrgbClr r="0" g="0" b="0"/>
+      </a:fillRef>
+      <a:effectRef idx="0">
+        <a:scrgbClr r="0" g="0" b="0"/>
+      </a:effectRef>
+      <a:fontRef idx="minor"/>
+    </dgm:style>
+  </dgm:styleLbl>
+</dgm:styleDef>
+</file>
+
+<file path=ppt/diagrams/quickStyle2.xml><?xml version="1.0" encoding="utf-8"?>
+<dgm:styleDef xmlns:dgm="http://schemas.openxmlformats.org/drawingml/2006/diagram" xmlns:a="http://schemas.openxmlformats.org/drawingml/2006/main" uniqueId="urn:microsoft.com/office/officeart/2005/8/quickstyle/simple1">
+  <dgm:title val=""/>
+  <dgm:desc val=""/>
+  <dgm:catLst>
+    <dgm:cat type="simple" pri="10100"/>
+  </dgm:catLst>
+  <dgm:scene3d>
+    <a:camera prst="orthographicFront"/>
+    <a:lightRig rig="threePt" dir="t"/>
+  </dgm:scene3d>
+  <dgm:styleLbl name="node0">
+    <dgm:scene3d>
+      <a:camera prst="orthographicFront"/>
+      <a:lightRig rig="threePt" dir="t"/>
+    </dgm:scene3d>
+    <dgm:sp3d/>
+    <dgm:txPr/>
+    <dgm:style>
+      <a:lnRef idx="2">
+        <a:scrgbClr r="0" g="0" b="0"/>
+      </a:lnRef>
+      <a:fillRef idx="1">
+        <a:scrgbClr r="0" g="0" b="0"/>
+      </a:fillRef>
+      <a:effectRef idx="0">
+        <a:scrgbClr r="0" g="0" b="0"/>
+      </a:effectRef>
+      <a:fontRef idx="minor">
+        <a:schemeClr val="lt1"/>
+      </a:fontRef>
+    </dgm:style>
+  </dgm:styleLbl>
+  <dgm:styleLbl name="lnNode1">
+    <dgm:scene3d>
+      <a:camera prst="orthographicFront"/>
+      <a:lightRig rig="threePt" dir="t"/>
+    </dgm:scene3d>
+    <dgm:sp3d/>
+    <dgm:txPr/>
+    <dgm:style>
+      <a:lnRef idx="2">
+        <a:scrgbClr r="0" g="0" b="0"/>
+      </a:lnRef>
+      <a:fillRef idx="1">
+        <a:scrgbClr r="0" g="0" b="0"/>
+      </a:fillRef>
+      <a:effectRef idx="0">
+        <a:scrgbClr r="0" g="0" b="0"/>
+      </a:effectRef>
+      <a:fontRef idx="minor">
+        <a:schemeClr val="lt1"/>
+      </a:fontRef>
+    </dgm:style>
+  </dgm:styleLbl>
+  <dgm:styleLbl name="vennNode1">
+    <dgm:scene3d>
+      <a:camera prst="orthographicFront"/>
+      <a:lightRig rig="threePt" dir="t"/>
+    </dgm:scene3d>
+    <dgm:sp3d/>
+    <dgm:txPr/>
+    <dgm:style>
+      <a:lnRef idx="2">
+        <a:scrgbClr r="0" g="0" b="0"/>
+      </a:lnRef>
+      <a:fillRef idx="1">
+        <a:scrgbClr r="0" g="0" b="0"/>
+      </a:fillRef>
+      <a:effectRef idx="0">
+        <a:scrgbClr r="0" g="0" b="0"/>
+      </a:effectRef>
+      <a:fontRef idx="minor">
+        <a:schemeClr val="tx1"/>
+      </a:fontRef>
+    </dgm:style>
+  </dgm:styleLbl>
+  <dgm:styleLbl name="alignNode1">
+    <dgm:scene3d>
+      <a:camera prst="orthographicFront"/>
+      <a:lightRig rig="threePt" dir="t"/>
+    </dgm:scene3d>
+    <dgm:sp3d/>
+    <dgm:txPr/>
+    <dgm:style>
+      <a:lnRef idx="2">
+        <a:scrgbClr r="0" g="0" b="0"/>
+      </a:lnRef>
+      <a:fillRef idx="1">
+        <a:scrgbClr r="0" g="0" b="0"/>
+      </a:fillRef>
+      <a:effectRef idx="0">
+        <a:scrgbClr r="0" g="0" b="0"/>
+      </a:effectRef>
+      <a:fontRef idx="minor">
+        <a:schemeClr val="lt1"/>
+      </a:fontRef>
+    </dgm:style>
+  </dgm:styleLbl>
+  <dgm:styleLbl name="node1">
+    <dgm:scene3d>
+      <a:camera prst="orthographicFront"/>
+      <a:lightRig rig="threePt" dir="t"/>
+    </dgm:scene3d>
+    <dgm:sp3d/>
+    <dgm:txPr/>
+    <dgm:style>
+      <a:lnRef idx="2">
+        <a:scrgbClr r="0" g="0" b="0"/>
+      </a:lnRef>
+      <a:fillRef idx="1">
+        <a:scrgbClr r="0" g="0" b="0"/>
+      </a:fillRef>
+      <a:effectRef idx="0">
+        <a:scrgbClr r="0" g="0" b="0"/>
+      </a:effectRef>
+      <a:fontRef idx="minor">
+        <a:schemeClr val="lt1"/>
+      </a:fontRef>
+    </dgm:style>
+  </dgm:styleLbl>
+  <dgm:styleLbl name="node2">
+    <dgm:scene3d>
+      <a:camera prst="orthographicFront"/>
+      <a:lightRig rig="threePt" dir="t"/>
+    </dgm:scene3d>
+    <dgm:sp3d/>
+    <dgm:txPr/>
+    <dgm:style>
+      <a:lnRef idx="2">
+        <a:scrgbClr r="0" g="0" b="0"/>
+      </a:lnRef>
+      <a:fillRef idx="1">
+        <a:scrgbClr r="0" g="0" b="0"/>
+      </a:fillRef>
+      <a:effectRef idx="0">
+        <a:scrgbClr r="0" g="0" b="0"/>
+      </a:effectRef>
+      <a:fontRef idx="minor">
+        <a:schemeClr val="lt1"/>
+      </a:fontRef>
+    </dgm:style>
+  </dgm:styleLbl>
+  <dgm:styleLbl name="node3">
+    <dgm:scene3d>
+      <a:camera prst="orthographicFront"/>
+      <a:lightRig rig="threePt" dir="t"/>
+    </dgm:scene3d>
+    <dgm:sp3d/>
+    <dgm:txPr/>
+    <dgm:style>
+      <a:lnRef idx="2">
+        <a:scrgbClr r="0" g="0" b="0"/>
+      </a:lnRef>
+      <a:fillRef idx="1">
+        <a:scrgbClr r="0" g="0" b="0"/>
+      </a:fillRef>
+      <a:effectRef idx="0">
+        <a:scrgbClr r="0" g="0" b="0"/>
+      </a:effectRef>
+      <a:fontRef idx="minor">
+        <a:schemeClr val="lt1"/>
+      </a:fontRef>
+    </dgm:style>
+  </dgm:styleLbl>
+  <dgm:styleLbl name="node4">
+    <dgm:scene3d>
+      <a:camera prst="orthographicFront"/>
+      <a:lightRig rig="threePt" dir="t"/>
+    </dgm:scene3d>
+    <dgm:sp3d/>
+    <dgm:txPr/>
+    <dgm:style>
+      <a:lnRef idx="2">
+        <a:scrgbClr r="0" g="0" b="0"/>
+      </a:lnRef>
+      <a:fillRef idx="1">
+        <a:scrgbClr r="0" g="0" b="0"/>
+      </a:fillRef>
+      <a:effectRef idx="0">
+        <a:scrgbClr r="0" g="0" b="0"/>
+      </a:effectRef>
+      <a:fontRef idx="minor">
+        <a:schemeClr val="lt1"/>
+      </a:fontRef>
+    </dgm:style>
+  </dgm:styleLbl>
+  <dgm:styleLbl name="fgImgPlace1">
+    <dgm:scene3d>
+      <a:camera prst="orthographicFront"/>
+      <a:lightRig rig="threePt" dir="t"/>
+    </dgm:scene3d>
+    <dgm:sp3d/>
+    <dgm:txPr/>
+    <dgm:style>
+      <a:lnRef idx="2">
+        <a:scrgbClr r="0" g="0" b="0"/>
+      </a:lnRef>
+      <a:fillRef idx="1">
+        <a:scrgbClr r="0" g="0" b="0"/>
+      </a:fillRef>
+      <a:effectRef idx="0">
+        <a:scrgbClr r="0" g="0" b="0"/>
+      </a:effectRef>
+      <a:fontRef idx="minor"/>
+    </dgm:style>
+  </dgm:styleLbl>
+  <dgm:styleLbl name="alignImgPlace1">
+    <dgm:scene3d>
+      <a:camera prst="orthographicFront"/>
+      <a:lightRig rig="threePt" dir="t"/>
+    </dgm:scene3d>
+    <dgm:sp3d/>
+    <dgm:txPr/>
+    <dgm:style>
+      <a:lnRef idx="2">
+        <a:scrgbClr r="0" g="0" b="0"/>
+      </a:lnRef>
+      <a:fillRef idx="1">
+        <a:scrgbClr r="0" g="0" b="0"/>
+      </a:fillRef>
+      <a:effectRef idx="0">
+        <a:scrgbClr r="0" g="0" b="0"/>
+      </a:effectRef>
+      <a:fontRef idx="minor"/>
+    </dgm:style>
+  </dgm:styleLbl>
+  <dgm:styleLbl name="bgImgPlace1">
+    <dgm:scene3d>
+      <a:camera prst="orthographicFront"/>
+      <a:lightRig rig="threePt" dir="t"/>
+    </dgm:scene3d>
+    <dgm:sp3d/>
+    <dgm:txPr/>
+    <dgm:style>
+      <a:lnRef idx="2">
+        <a:scrgbClr r="0" g="0" b="0"/>
+      </a:lnRef>
+      <a:fillRef idx="1">
+        <a:scrgbClr r="0" g="0" b="0"/>
+      </a:fillRef>
+      <a:effectRef idx="0">
+        <a:scrgbClr r="0" g="0" b="0"/>
+      </a:effectRef>
+      <a:fontRef idx="minor"/>
+    </dgm:style>
+  </dgm:styleLbl>
+  <dgm:styleLbl name="sibTrans2D1">
+    <dgm:scene3d>
+      <a:camera prst="orthographicFront"/>
+      <a:lightRig rig="threePt" dir="t"/>
+    </dgm:scene3d>
+    <dgm:sp3d/>
+    <dgm:txPr/>
+    <dgm:style>
+      <a:lnRef idx="0">
+        <a:scrgbClr r="0" g="0" b="0"/>
+      </a:lnRef>
+      <a:fillRef idx="1">
+        <a:scrgbClr r="0" g="0" b="0"/>
+      </a:fillRef>
+      <a:effectRef idx="0">
+        <a:scrgbClr r="0" g="0" b="0"/>
+      </a:effectRef>
+      <a:fontRef idx="minor">
+        <a:schemeClr val="lt1"/>
+      </a:fontRef>
+    </dgm:style>
+  </dgm:styleLbl>
+  <dgm:styleLbl name="fgSibTrans2D1">
+    <dgm:scene3d>
+      <a:camera prst="orthographicFront"/>
+      <a:lightRig rig="threePt" dir="t"/>
+    </dgm:scene3d>
+    <dgm:sp3d/>
+    <dgm:txPr/>
+    <dgm:style>
+      <a:lnRef idx="0">
+        <a:scrgbClr r="0" g="0" b="0"/>
+      </a:lnRef>
+      <a:fillRef idx="1">
+        <a:scrgbClr r="0" g="0" b="0"/>
+      </a:fillRef>
+      <a:effectRef idx="0">
+        <a:scrgbClr r="0" g="0" b="0"/>
+      </a:effectRef>
+      <a:fontRef idx="minor">
+        <a:schemeClr val="lt1"/>
+      </a:fontRef>
+    </dgm:style>
+  </dgm:styleLbl>
+  <dgm:styleLbl name="bgSibTrans2D1">
+    <dgm:scene3d>
+      <a:camera prst="orthographicFront"/>
+      <a:lightRig rig="threePt" dir="t"/>
+    </dgm:scene3d>
+    <dgm:sp3d/>
+    <dgm:txPr/>
+    <dgm:style>
+      <a:lnRef idx="0">
+        <a:scrgbClr r="0" g="0" b="0"/>
+      </a:lnRef>
+      <a:fillRef idx="1">
+        <a:scrgbClr r="0" g="0" b="0"/>
+      </a:fillRef>
+      <a:effectRef idx="0">
+        <a:scrgbClr r="0" g="0" b="0"/>
+      </a:effectRef>
+      <a:fontRef idx="minor">
+        <a:schemeClr val="lt1"/>
+      </a:fontRef>
+    </dgm:style>
+  </dgm:styleLbl>
+  <dgm:styleLbl name="sibTrans1D1">
+    <dgm:scene3d>
+      <a:camera prst="orthographicFront"/>
+      <a:lightRig rig="threePt" dir="t"/>
+    </dgm:scene3d>
+    <dgm:sp3d/>
+    <dgm:txPr/>
+    <dgm:style>
+      <a:lnRef idx="1">
+        <a:scrgbClr r="0" g="0" b="0"/>
+      </a:lnRef>
+      <a:fillRef idx="0">
+        <a:scrgbClr r="0" g="0" b="0"/>
+      </a:fillRef>
+      <a:effectRef idx="0">
+        <a:scrgbClr r="0" g="0" b="0"/>
+      </a:effectRef>
+      <a:fontRef idx="minor"/>
+    </dgm:style>
+  </dgm:styleLbl>
+  <dgm:styleLbl name="callout">
+    <dgm:scene3d>
+      <a:camera prst="orthographicFront"/>
+      <a:lightRig rig="threePt" dir="t"/>
+    </dgm:scene3d>
+    <dgm:sp3d/>
+    <dgm:txPr/>
+    <dgm:style>
+      <a:lnRef idx="2">
+        <a:scrgbClr r="0" g="0" b="0"/>
+      </a:lnRef>
+      <a:fillRef idx="1">
+        <a:scrgbClr r="0" g="0" b="0"/>
+      </a:fillRef>
+      <a:effectRef idx="0">
+        <a:scrgbClr r="0" g="0" b="0"/>
+      </a:effectRef>
+      <a:fontRef idx="minor"/>
+    </dgm:style>
+  </dgm:styleLbl>
+  <dgm:styleLbl name="asst0">
+    <dgm:scene3d>
+      <a:camera prst="orthographicFront"/>
+      <a:lightRig rig="threePt" dir="t"/>
+    </dgm:scene3d>
+    <dgm:sp3d/>
+    <dgm:txPr/>
+    <dgm:style>
+      <a:lnRef idx="2">
+        <a:scrgbClr r="0" g="0" b="0"/>
+      </a:lnRef>
+      <a:fillRef idx="1">
+        <a:scrgbClr r="0" g="0" b="0"/>
+      </a:fillRef>
+      <a:effectRef idx="0">
+        <a:scrgbClr r="0" g="0" b="0"/>
+      </a:effectRef>
+      <a:fontRef idx="minor">
+        <a:schemeClr val="lt1"/>
+      </a:fontRef>
+    </dgm:style>
+  </dgm:styleLbl>
+  <dgm:styleLbl name="asst1">
+    <dgm:scene3d>
+      <a:camera prst="orthographicFront"/>
+      <a:lightRig rig="threePt" dir="t"/>
+    </dgm:scene3d>
+    <dgm:sp3d/>
+    <dgm:txPr/>
+    <dgm:style>
+      <a:lnRef idx="2">
+        <a:scrgbClr r="0" g="0" b="0"/>
+      </a:lnRef>
+      <a:fillRef idx="1">
+        <a:scrgbClr r="0" g="0" b="0"/>
+      </a:fillRef>
+      <a:effectRef idx="0">
+        <a:scrgbClr r="0" g="0" b="0"/>
+      </a:effectRef>
+      <a:fontRef idx="minor">
+        <a:schemeClr val="lt1"/>
+      </a:fontRef>
+    </dgm:style>
+  </dgm:styleLbl>
+  <dgm:styleLbl name="asst2">
+    <dgm:scene3d>
+      <a:camera prst="orthographicFront"/>
+      <a:lightRig rig="threePt" dir="t"/>
+    </dgm:scene3d>
+    <dgm:sp3d/>
+    <dgm:txPr/>
+    <dgm:style>
+      <a:lnRef idx="2">
+        <a:scrgbClr r="0" g="0" b="0"/>
+      </a:lnRef>
+      <a:fillRef idx="1">
+        <a:scrgbClr r="0" g="0" b="0"/>
+      </a:fillRef>
+      <a:effectRef idx="0">
+        <a:scrgbClr r="0" g="0" b="0"/>
+      </a:effectRef>
+      <a:fontRef idx="minor">
+        <a:schemeClr val="lt1"/>
+      </a:fontRef>
+    </dgm:style>
+  </dgm:styleLbl>
+  <dgm:styleLbl name="asst3">
+    <dgm:scene3d>
+      <a:camera prst="orthographicFront"/>
+      <a:lightRig rig="threePt" dir="t"/>
+    </dgm:scene3d>
+    <dgm:sp3d/>
+    <dgm:txPr/>
+    <dgm:style>
+      <a:lnRef idx="2">
+        <a:scrgbClr r="0" g="0" b="0"/>
+      </a:lnRef>
+      <a:fillRef idx="1">
+        <a:scrgbClr r="0" g="0" b="0"/>
+      </a:fillRef>
+      <a:effectRef idx="0">
+        <a:scrgbClr r="0" g="0" b="0"/>
+      </a:effectRef>
+      <a:fontRef idx="minor">
+        <a:schemeClr val="lt1"/>
+      </a:fontRef>
+    </dgm:style>
+  </dgm:styleLbl>
+  <dgm:styleLbl name="asst4">
+    <dgm:scene3d>
+      <a:camera prst="orthographicFront"/>
+      <a:lightRig rig="threePt" dir="t"/>
+    </dgm:scene3d>
+    <dgm:sp3d/>
+    <dgm:txPr/>
+    <dgm:style>
+      <a:lnRef idx="2">
+        <a:scrgbClr r="0" g="0" b="0"/>
+      </a:lnRef>
+      <a:fillRef idx="1">
+        <a:scrgbClr r="0" g="0" b="0"/>
+      </a:fillRef>
+      <a:effectRef idx="0">
+        <a:scrgbClr r="0" g="0" b="0"/>
+      </a:effectRef>
+      <a:fontRef idx="minor">
+        <a:schemeClr val="lt1"/>
+      </a:fontRef>
+    </dgm:style>
+  </dgm:styleLbl>
+  <dgm:styleLbl name="parChTrans2D1">
+    <dgm:scene3d>
+      <a:camera prst="orthographicFront"/>
+      <a:lightRig rig="threePt" dir="t"/>
+    </dgm:scene3d>
+    <dgm:sp3d/>
+    <dgm:txPr/>
+    <dgm:style>
+      <a:lnRef idx="2">
+        <a:scrgbClr r="0" g="0" b="0"/>
+      </a:lnRef>
+      <a:fillRef idx="1">
+        <a:scrgbClr r="0" g="0" b="0"/>
+      </a:fillRef>
+      <a:effectRef idx="0">
+        <a:scrgbClr r="0" g="0" b="0"/>
+      </a:effectRef>
+      <a:fontRef idx="minor">
+        <a:schemeClr val="lt1"/>
+      </a:fontRef>
+    </dgm:style>
+  </dgm:styleLbl>
+  <dgm:styleLbl name="parChTrans2D2">
+    <dgm:scene3d>
+      <a:camera prst="orthographicFront"/>
+      <a:lightRig rig="threePt" dir="t"/>
+    </dgm:scene3d>
+    <dgm:sp3d/>
+    <dgm:txPr/>
+    <dgm:style>
+      <a:lnRef idx="2">
+        <a:scrgbClr r="0" g="0" b="0"/>
+      </a:lnRef>
+      <a:fillRef idx="1">
+        <a:scrgbClr r="0" g="0" b="0"/>
+      </a:fillRef>
+      <a:effectRef idx="0">
+        <a:scrgbClr r="0" g="0" b="0"/>
+      </a:effectRef>
+      <a:fontRef idx="minor">
+        <a:schemeClr val="lt1"/>
+      </a:fontRef>
+    </dgm:style>
+  </dgm:styleLbl>
+  <dgm:styleLbl name="parChTrans2D3">
+    <dgm:scene3d>
+      <a:camera prst="orthographicFront"/>
+      <a:lightRig rig="threePt" dir="t"/>
+    </dgm:scene3d>
+    <dgm:sp3d/>
+    <dgm:txPr/>
+    <dgm:style>
+      <a:lnRef idx="2">
+        <a:scrgbClr r="0" g="0" b="0"/>
+      </a:lnRef>
+      <a:fillRef idx="1">
+        <a:scrgbClr r="0" g="0" b="0"/>
+      </a:fillRef>
+      <a:effectRef idx="0">
+        <a:scrgbClr r="0" g="0" b="0"/>
+      </a:effectRef>
+      <a:fontRef idx="minor">
+        <a:schemeClr val="lt1"/>
+      </a:fontRef>
+    </dgm:style>
+  </dgm:styleLbl>
+  <dgm:styleLbl name="parChTrans2D4">
+    <dgm:scene3d>
+      <a:camera prst="orthographicFront"/>
+      <a:lightRig rig="threePt" dir="t"/>
+    </dgm:scene3d>
+    <dgm:sp3d/>
+    <dgm:txPr/>
+    <dgm:style>
+      <a:lnRef idx="2">
+        <a:scrgbClr r="0" g="0" b="0"/>
+      </a:lnRef>
+      <a:fillRef idx="1">
+        <a:scrgbClr r="0" g="0" b="0"/>
+      </a:fillRef>
+      <a:effectRef idx="0">
+        <a:scrgbClr r="0" g="0" b="0"/>
+      </a:effectRef>
+      <a:fontRef idx="minor">
+        <a:schemeClr val="lt1"/>
+      </a:fontRef>
+    </dgm:style>
+  </dgm:styleLbl>
+  <dgm:styleLbl name="parChTrans1D1">
+    <dgm:scene3d>
+      <a:camera prst="orthographicFront"/>
+      <a:lightRig rig="threePt" dir="t"/>
+    </dgm:scene3d>
+    <dgm:sp3d/>
+    <dgm:txPr/>
+    <dgm:style>
+      <a:lnRef idx="2">
+        <a:scrgbClr r="0" g="0" b="0"/>
+      </a:lnRef>
+      <a:fillRef idx="0">
+        <a:scrgbClr r="0" g="0" b="0"/>
+      </a:fillRef>
+      <a:effectRef idx="0">
+        <a:scrgbClr r="0" g="0" b="0"/>
+      </a:effectRef>
+      <a:fontRef idx="minor"/>
+    </dgm:style>
+  </dgm:styleLbl>
+  <dgm:styleLbl name="parChTrans1D2">
+    <dgm:scene3d>
+      <a:camera prst="orthographicFront"/>
+      <a:lightRig rig="threePt" dir="t"/>
+    </dgm:scene3d>
+    <dgm:sp3d/>
+    <dgm:txPr/>
+    <dgm:style>
+      <a:lnRef idx="2">
+        <a:scrgbClr r="0" g="0" b="0"/>
+      </a:lnRef>
+      <a:fillRef idx="0">
+        <a:scrgbClr r="0" g="0" b="0"/>
+      </a:fillRef>
+      <a:effectRef idx="0">
+        <a:scrgbClr r="0" g="0" b="0"/>
+      </a:effectRef>
+      <a:fontRef idx="minor"/>
+    </dgm:style>
+  </dgm:styleLbl>
+  <dgm:styleLbl name="parChTrans1D3">
+    <dgm:scene3d>
+      <a:camera prst="orthographicFront"/>
+      <a:lightRig rig="threePt" dir="t"/>
+    </dgm:scene3d>
+    <dgm:sp3d/>
+    <dgm:txPr/>
+    <dgm:style>
+      <a:lnRef idx="2">
+        <a:scrgbClr r="0" g="0" b="0"/>
+      </a:lnRef>
+      <a:fillRef idx="0">
+        <a:scrgbClr r="0" g="0" b="0"/>
+      </a:fillRef>
+      <a:effectRef idx="0">
+        <a:scrgbClr r="0" g="0" b="0"/>
+      </a:effectRef>
+      <a:fontRef idx="minor"/>
+    </dgm:style>
+  </dgm:styleLbl>
+  <dgm:styleLbl name="parChTrans1D4">
+    <dgm:scene3d>
+      <a:camera prst="orthographicFront"/>
+      <a:lightRig rig="threePt" dir="t"/>
+    </dgm:scene3d>
+    <dgm:sp3d/>
+    <dgm:txPr/>
+    <dgm:style>
+      <a:lnRef idx="2">
+        <a:scrgbClr r="0" g="0" b="0"/>
+      </a:lnRef>
+      <a:fillRef idx="0">
+        <a:scrgbClr r="0" g="0" b="0"/>
+      </a:fillRef>
+      <a:effectRef idx="0">
+        <a:scrgbClr r="0" g="0" b="0"/>
+      </a:effectRef>
+      <a:fontRef idx="minor"/>
+    </dgm:style>
+  </dgm:styleLbl>
+  <dgm:styleLbl name="fgAcc1">
+    <dgm:scene3d>
+      <a:camera prst="orthographicFront"/>
+      <a:lightRig rig="threePt" dir="t"/>
+    </dgm:scene3d>
+    <dgm:sp3d/>
+    <dgm:txPr/>
+    <dgm:style>
+      <a:lnRef idx="2">
+        <a:scrgbClr r="0" g="0" b="0"/>
+      </a:lnRef>
+      <a:fillRef idx="1">
+        <a:scrgbClr r="0" g="0" b="0"/>
+      </a:fillRef>
+      <a:effectRef idx="0">
+        <a:scrgbClr r="0" g="0" b="0"/>
+      </a:effectRef>
+      <a:fontRef idx="minor"/>
+    </dgm:style>
+  </dgm:styleLbl>
+  <dgm:styleLbl name="conFgAcc1">
+    <dgm:scene3d>
+      <a:camera prst="orthographicFront"/>
+      <a:lightRig rig="threePt" dir="t"/>
+    </dgm:scene3d>
+    <dgm:sp3d/>
+    <dgm:txPr/>
+    <dgm:style>
+      <a:lnRef idx="2">
+        <a:scrgbClr r="0" g="0" b="0"/>
+      </a:lnRef>
+      <a:fillRef idx="1">
+        <a:scrgbClr r="0" g="0" b="0"/>
+      </a:fillRef>
+      <a:effectRef idx="0">
+        <a:scrgbClr r="0" g="0" b="0"/>
+      </a:effectRef>
+      <a:fontRef idx="minor"/>
+    </dgm:style>
+  </dgm:styleLbl>
+  <dgm:styleLbl name="alignAcc1">
+    <dgm:scene3d>
+      <a:camera prst="orthographicFront"/>
+      <a:lightRig rig="threePt" dir="t"/>
+    </dgm:scene3d>
+    <dgm:sp3d/>
+    <dgm:txPr/>
+    <dgm:style>
+      <a:lnRef idx="2">
+        <a:scrgbClr r="0" g="0" b="0"/>
+      </a:lnRef>
+      <a:fillRef idx="1">
+        <a:scrgbClr r="0" g="0" b="0"/>
+      </a:fillRef>
+      <a:effectRef idx="0">
+        <a:scrgbClr r="0" g="0" b="0"/>
+      </a:effectRef>
+      <a:fontRef idx="minor"/>
+    </dgm:style>
+  </dgm:styleLbl>
+  <dgm:styleLbl name="trAlignAcc1">
+    <dgm:scene3d>
+      <a:camera prst="orthographicFront"/>
+      <a:lightRig rig="threePt" dir="t"/>
+    </dgm:scene3d>
+    <dgm:sp3d/>
+    <dgm:txPr/>
+    <dgm:style>
+      <a:lnRef idx="1">
+        <a:scrgbClr r="0" g="0" b="0"/>
+      </a:lnRef>
+      <a:fillRef idx="1">
+        <a:scrgbClr r="0" g="0" b="0"/>
+      </a:fillRef>
+      <a:effectRef idx="0">
+        <a:scrgbClr r="0" g="0" b="0"/>
+      </a:effectRef>
+      <a:fontRef idx="minor"/>
+    </dgm:style>
+  </dgm:styleLbl>
+  <dgm:styleLbl name="bgAcc1">
+    <dgm:scene3d>
+      <a:camera prst="orthographicFront"/>
+      <a:lightRig rig="threePt" dir="t"/>
+    </dgm:scene3d>
+    <dgm:sp3d/>
+    <dgm:txPr/>
+    <dgm:style>
+      <a:lnRef idx="2">
+        <a:scrgbClr r="0" g="0" b="0"/>
+      </a:lnRef>
+      <a:fillRef idx="1">
+        <a:scrgbClr r="0" g="0" b="0"/>
+      </a:fillRef>
+      <a:effectRef idx="0">
+        <a:scrgbClr r="0" g="0" b="0"/>
+      </a:effectRef>
+      <a:fontRef idx="minor"/>
+    </dgm:style>
+  </dgm:styleLbl>
+  <dgm:styleLbl name="solidFgAcc1">
+    <dgm:scene3d>
+      <a:camera prst="orthographicFront"/>
+      <a:lightRig rig="threePt" dir="t"/>
+    </dgm:scene3d>
+    <dgm:sp3d/>
+    <dgm:txPr/>
+    <dgm:style>
+      <a:lnRef idx="2">
+        <a:scrgbClr r="0" g="0" b="0"/>
+      </a:lnRef>
+      <a:fillRef idx="1">
+        <a:scrgbClr r="0" g="0" b="0"/>
+      </a:fillRef>
+      <a:effectRef idx="0">
+        <a:scrgbClr r="0" g="0" b="0"/>
+      </a:effectRef>
+      <a:fontRef idx="minor"/>
+    </dgm:style>
+  </dgm:styleLbl>
+  <dgm:styleLbl name="solidAlignAcc1">
+    <dgm:scene3d>
+      <a:camera prst="orthographicFront"/>
+      <a:lightRig rig="threePt" dir="t"/>
+    </dgm:scene3d>
+    <dgm:sp3d/>
+    <dgm:txPr/>
+    <dgm:style>
+      <a:lnRef idx="2">
+        <a:scrgbClr r="0" g="0" b="0"/>
+      </a:lnRef>
+      <a:fillRef idx="1">
+        <a:scrgbClr r="0" g="0" b="0"/>
+      </a:fillRef>
+      <a:effectRef idx="0">
+        <a:scrgbClr r="0" g="0" b="0"/>
+      </a:effectRef>
+      <a:fontRef idx="minor"/>
+    </dgm:style>
+  </dgm:styleLbl>
+  <dgm:styleLbl name="solidBgAcc1">
+    <dgm:scene3d>
+      <a:camera prst="orthographicFront"/>
+      <a:lightRig rig="threePt" dir="t"/>
+    </dgm:scene3d>
+    <dgm:sp3d/>
+    <dgm:txPr/>
+    <dgm:style>
+      <a:lnRef idx="2">
+        <a:scrgbClr r="0" g="0" b="0"/>
+      </a:lnRef>
+      <a:fillRef idx="1">
+        <a:scrgbClr r="0" g="0" b="0"/>
+      </a:fillRef>
+      <a:effectRef idx="0">
+        <a:scrgbClr r="0" g="0" b="0"/>
+      </a:effectRef>
+      <a:fontRef idx="minor"/>
+    </dgm:style>
+  </dgm:styleLbl>
+  <dgm:styleLbl name="fgAccFollowNode1">
+    <dgm:scene3d>
+      <a:camera prst="orthographicFront"/>
+      <a:lightRig rig="threePt" dir="t"/>
+    </dgm:scene3d>
+    <dgm:sp3d/>
+    <dgm:txPr/>
+    <dgm:style>
+      <a:lnRef idx="2">
+        <a:scrgbClr r="0" g="0" b="0"/>
+      </a:lnRef>
+      <a:fillRef idx="1">
+        <a:scrgbClr r="0" g="0" b="0"/>
+      </a:fillRef>
+      <a:effectRef idx="0">
+        <a:scrgbClr r="0" g="0" b="0"/>
+      </a:effectRef>
+      <a:fontRef idx="minor"/>
+    </dgm:style>
+  </dgm:styleLbl>
+  <dgm:styleLbl name="alignAccFollowNode1">
+    <dgm:scene3d>
+      <a:camera prst="orthographicFront"/>
+      <a:lightRig rig="threePt" dir="t"/>
+    </dgm:scene3d>
+    <dgm:sp3d/>
+    <dgm:txPr/>
+    <dgm:style>
+      <a:lnRef idx="2">
+        <a:scrgbClr r="0" g="0" b="0"/>
+      </a:lnRef>
+      <a:fillRef idx="1">
+        <a:scrgbClr r="0" g="0" b="0"/>
+      </a:fillRef>
+      <a:effectRef idx="0">
+        <a:scrgbClr r="0" g="0" b="0"/>
+      </a:effectRef>
+      <a:fontRef idx="minor"/>
+    </dgm:style>
+  </dgm:styleLbl>
+  <dgm:styleLbl name="bgAccFollowNode1">
+    <dgm:scene3d>
+      <a:camera prst="orthographicFront"/>
+      <a:lightRig rig="threePt" dir="t"/>
+    </dgm:scene3d>
+    <dgm:sp3d/>
+    <dgm:txPr/>
+    <dgm:style>
+      <a:lnRef idx="2">
+        <a:scrgbClr r="0" g="0" b="0"/>
+      </a:lnRef>
+      <a:fillRef idx="1">
+        <a:scrgbClr r="0" g="0" b="0"/>
+      </a:fillRef>
+      <a:effectRef idx="0">
+        <a:scrgbClr r="0" g="0" b="0"/>
+      </a:effectRef>
+      <a:fontRef idx="minor"/>
+    </dgm:style>
+  </dgm:styleLbl>
+  <dgm:styleLbl name="fgAcc0">
+    <dgm:scene3d>
+      <a:camera prst="orthographicFront"/>
+      <a:lightRig rig="threePt" dir="t"/>
+    </dgm:scene3d>
+    <dgm:sp3d/>
+    <dgm:txPr/>
+    <dgm:style>
+      <a:lnRef idx="2">
+        <a:scrgbClr r="0" g="0" b="0"/>
+      </a:lnRef>
+      <a:fillRef idx="1">
+        <a:scrgbClr r="0" g="0" b="0"/>
+      </a:fillRef>
+      <a:effectRef idx="0">
+        <a:scrgbClr r="0" g="0" b="0"/>
+      </a:effectRef>
+      <a:fontRef idx="minor"/>
+    </dgm:style>
+  </dgm:styleLbl>
+  <dgm:styleLbl name="fgAcc2">
+    <dgm:scene3d>
+      <a:camera prst="orthographicFront"/>
+      <a:lightRig rig="threePt" dir="t"/>
+    </dgm:scene3d>
+    <dgm:sp3d/>
+    <dgm:txPr/>
+    <dgm:style>
+      <a:lnRef idx="2">
+        <a:scrgbClr r="0" g="0" b="0"/>
+      </a:lnRef>
+      <a:fillRef idx="1">
+        <a:scrgbClr r="0" g="0" b="0"/>
+      </a:fillRef>
+      <a:effectRef idx="0">
+        <a:scrgbClr r="0" g="0" b="0"/>
+      </a:effectRef>
+      <a:fontRef idx="minor"/>
+    </dgm:style>
+  </dgm:styleLbl>
+  <dgm:styleLbl name="fgAcc3">
+    <dgm:scene3d>
+      <a:camera prst="orthographicFront"/>
+      <a:lightRig rig="threePt" dir="t"/>
+    </dgm:scene3d>
+    <dgm:sp3d/>
+    <dgm:txPr/>
+    <dgm:style>
+      <a:lnRef idx="2">
+        <a:scrgbClr r="0" g="0" b="0"/>
+      </a:lnRef>
+      <a:fillRef idx="1">
+        <a:scrgbClr r="0" g="0" b="0"/>
+      </a:fillRef>
+      <a:effectRef idx="0">
+        <a:scrgbClr r="0" g="0" b="0"/>
+      </a:effectRef>
+      <a:fontRef idx="minor"/>
+    </dgm:style>
+  </dgm:styleLbl>
+  <dgm:styleLbl name="fgAcc4">
+    <dgm:scene3d>
+      <a:camera prst="orthographicFront"/>
+      <a:lightRig rig="threePt" dir="t"/>
+    </dgm:scene3d>
+    <dgm:sp3d/>
+    <dgm:txPr/>
+    <dgm:style>
+      <a:lnRef idx="2">
+        <a:scrgbClr r="0" g="0" b="0"/>
+      </a:lnRef>
+      <a:fillRef idx="1">
+        <a:scrgbClr r="0" g="0" b="0"/>
+      </a:fillRef>
+      <a:effectRef idx="0">
+        <a:scrgbClr r="0" g="0" b="0"/>
+      </a:effectRef>
+      <a:fontRef idx="minor"/>
+    </dgm:style>
+  </dgm:styleLbl>
+  <dgm:styleLbl name="bgShp">
+    <dgm:scene3d>
+      <a:camera prst="orthographicFront"/>
+      <a:lightRig rig="threePt" dir="t"/>
+    </dgm:scene3d>
+    <dgm:sp3d/>
+    <dgm:txPr/>
+    <dgm:style>
+      <a:lnRef idx="0">
+        <a:scrgbClr r="0" g="0" b="0"/>
+      </a:lnRef>
+      <a:fillRef idx="1">
+        <a:scrgbClr r="0" g="0" b="0"/>
+      </a:fillRef>
+      <a:effectRef idx="0">
+        <a:scrgbClr r="0" g="0" b="0"/>
+      </a:effectRef>
+      <a:fontRef idx="minor"/>
+    </dgm:style>
+  </dgm:styleLbl>
+  <dgm:styleLbl name="dkBgShp">
+    <dgm:scene3d>
+      <a:camera prst="orthographicFront"/>
+      <a:lightRig rig="threePt" dir="t"/>
+    </dgm:scene3d>
+    <dgm:sp3d/>
+    <dgm:txPr/>
+    <dgm:style>
+      <a:lnRef idx="0">
+        <a:scrgbClr r="0" g="0" b="0"/>
+      </a:lnRef>
+      <a:fillRef idx="1">
+        <a:scrgbClr r="0" g="0" b="0"/>
+      </a:fillRef>
+      <a:effectRef idx="0">
+        <a:scrgbClr r="0" g="0" b="0"/>
+      </a:effectRef>
+      <a:fontRef idx="minor"/>
+    </dgm:style>
+  </dgm:styleLbl>
+  <dgm:styleLbl name="trBgShp">
+    <dgm:scene3d>
+      <a:camera prst="orthographicFront"/>
+      <a:lightRig rig="threePt" dir="t"/>
+    </dgm:scene3d>
+    <dgm:sp3d/>
+    <dgm:txPr/>
+    <dgm:style>
+      <a:lnRef idx="0">
+        <a:scrgbClr r="0" g="0" b="0"/>
+      </a:lnRef>
+      <a:fillRef idx="1">
+        <a:scrgbClr r="0" g="0" b="0"/>
+      </a:fillRef>
+      <a:effectRef idx="0">
+        <a:scrgbClr r="0" g="0" b="0"/>
+      </a:effectRef>
+      <a:fontRef idx="minor"/>
+    </dgm:style>
+  </dgm:styleLbl>
+  <dgm:styleLbl name="fgShp">
+    <dgm:scene3d>
+      <a:camera prst="orthographicFront"/>
+      <a:lightRig rig="threePt" dir="t"/>
+    </dgm:scene3d>
+    <dgm:sp3d/>
+    <dgm:txPr/>
+    <dgm:style>
+      <a:lnRef idx="2">
+        <a:scrgbClr r="0" g="0" b="0"/>
+      </a:lnRef>
+      <a:fillRef idx="1">
+        <a:scrgbClr r="0" g="0" b="0"/>
+      </a:fillRef>
+      <a:effectRef idx="0">
+        <a:scrgbClr r="0" g="0" b="0"/>
+      </a:effectRef>
+      <a:fontRef idx="minor"/>
+    </dgm:style>
+  </dgm:styleLbl>
+  <dgm:styleLbl name="revTx">
+    <dgm:scene3d>
+      <a:camera prst="orthographicFront"/>
+      <a:lightRig rig="threePt" dir="t"/>
+    </dgm:scene3d>
+    <dgm:sp3d/>
+    <dgm:txPr/>
+    <dgm:style>
+      <a:lnRef idx="0">
+        <a:scrgbClr r="0" g="0" b="0"/>
+      </a:lnRef>
+      <a:fillRef idx="0">
+        <a:scrgbClr r="0" g="0" b="0"/>
+      </a:fillRef>
+      <a:effectRef idx="0">
+        <a:scrgbClr r="0" g="0" b="0"/>
+      </a:effectRef>
+      <a:fontRef idx="minor"/>
+    </dgm:style>
+  </dgm:styleLbl>
+</dgm:styleDef>
+</file>
+
 <file path=ppt/notesMasters/notesMaster1.xml><?xml version="1.0" encoding="utf-8"?>
 <p:notesMaster xmlns:a="http://schemas.openxmlformats.org/drawingml/2006/main" xmlns:r="http://schemas.openxmlformats.org/officeDocument/2006/relationships" xmlns:p="http://schemas.openxmlformats.org/presentationml/2006/main">
   <p:cSld>
@@ -230,7 +5960,7 @@
           <a:p>
             <a:fld id="{DDC08AD7-58B5-48BE-B808-02C5C825B5D9}" type="datetimeFigureOut">
               <a:rPr lang="en-US" smtClean="0"/>
-              <a:t>6/24/2015</a:t>
+              <a:t>6/25/2015</a:t>
             </a:fld>
             <a:endParaRPr lang="en-US"/>
           </a:p>
@@ -658,7 +6388,7 @@
           <a:p>
             <a:fld id="{77CEC4F4-A931-4EDC-A8DD-700DC7739227}" type="slidenum">
               <a:rPr lang="en-US" smtClean="0"/>
-              <a:t>9</a:t>
+              <a:t>11</a:t>
             </a:fld>
             <a:endParaRPr lang="en-US"/>
           </a:p>
@@ -749,7 +6479,7 @@
           <a:p>
             <a:fld id="{77CEC4F4-A931-4EDC-A8DD-700DC7739227}" type="slidenum">
               <a:rPr lang="en-US" smtClean="0"/>
-              <a:t>10</a:t>
+              <a:t>12</a:t>
             </a:fld>
             <a:endParaRPr lang="en-US"/>
           </a:p>
@@ -833,7 +6563,7 @@
           <a:p>
             <a:fld id="{77CEC4F4-A931-4EDC-A8DD-700DC7739227}" type="slidenum">
               <a:rPr lang="en-US" smtClean="0"/>
-              <a:t>11</a:t>
+              <a:t>13</a:t>
             </a:fld>
             <a:endParaRPr lang="en-US"/>
           </a:p>
@@ -921,7 +6651,7 @@
           <a:p>
             <a:fld id="{77CEC4F4-A931-4EDC-A8DD-700DC7739227}" type="slidenum">
               <a:rPr lang="en-US" smtClean="0"/>
-              <a:t>12</a:t>
+              <a:t>14</a:t>
             </a:fld>
             <a:endParaRPr lang="en-US"/>
           </a:p>
@@ -1009,7 +6739,7 @@
           <a:p>
             <a:fld id="{77CEC4F4-A931-4EDC-A8DD-700DC7739227}" type="slidenum">
               <a:rPr lang="en-US" smtClean="0"/>
-              <a:t>13</a:t>
+              <a:t>15</a:t>
             </a:fld>
             <a:endParaRPr lang="en-US"/>
           </a:p>
@@ -1093,7 +6823,7 @@
           <a:p>
             <a:fld id="{77CEC4F4-A931-4EDC-A8DD-700DC7739227}" type="slidenum">
               <a:rPr lang="en-US" smtClean="0"/>
-              <a:t>14</a:t>
+              <a:t>16</a:t>
             </a:fld>
             <a:endParaRPr lang="en-US"/>
           </a:p>
@@ -1177,7 +6907,7 @@
           <a:p>
             <a:fld id="{77CEC4F4-A931-4EDC-A8DD-700DC7739227}" type="slidenum">
               <a:rPr lang="en-US" smtClean="0"/>
-              <a:t>15</a:t>
+              <a:t>17</a:t>
             </a:fld>
             <a:endParaRPr lang="en-US"/>
           </a:p>
@@ -1338,7 +7068,7 @@
           <a:p>
             <a:fld id="{1A260A04-0D30-4F6D-881B-6C5304669D2D}" type="datetime1">
               <a:rPr lang="en-US" smtClean="0"/>
-              <a:t>6/24/2015</a:t>
+              <a:t>6/25/2015</a:t>
             </a:fld>
             <a:endParaRPr lang="en-US"/>
           </a:p>
@@ -1508,7 +7238,7 @@
           <a:p>
             <a:fld id="{E6E53668-B7C0-4790-AB12-5D3BFE47BE8B}" type="datetime1">
               <a:rPr lang="en-US" smtClean="0"/>
-              <a:t>6/24/2015</a:t>
+              <a:t>6/25/2015</a:t>
             </a:fld>
             <a:endParaRPr lang="en-US"/>
           </a:p>
@@ -1688,7 +7418,7 @@
           <a:p>
             <a:fld id="{AD012240-970E-40CC-8CD7-B4B37FE77D86}" type="datetime1">
               <a:rPr lang="en-US" smtClean="0"/>
-              <a:t>6/24/2015</a:t>
+              <a:t>6/25/2015</a:t>
             </a:fld>
             <a:endParaRPr lang="en-US"/>
           </a:p>
@@ -1891,7 +7621,7 @@
           <a:p>
             <a:fld id="{50DBB39F-26FB-4A03-A315-BBB0380AC164}" type="datetime1">
               <a:rPr lang="en-US" smtClean="0"/>
-              <a:t>6/24/2015</a:t>
+              <a:t>6/25/2015</a:t>
             </a:fld>
             <a:endParaRPr lang="en-US"/>
           </a:p>
@@ -2061,7 +7791,7 @@
           <a:p>
             <a:fld id="{5FF1C112-DB57-4E9E-8ABD-FC949F9AD8AE}" type="datetime1">
               <a:rPr lang="en-US" smtClean="0"/>
-              <a:t>6/24/2015</a:t>
+              <a:t>6/25/2015</a:t>
             </a:fld>
             <a:endParaRPr lang="en-US"/>
           </a:p>
@@ -2312,7 +8042,7 @@
           <a:p>
             <a:fld id="{96531E8E-3773-4208-9310-6439EC241707}" type="datetime1">
               <a:rPr lang="en-US" smtClean="0"/>
-              <a:t>6/24/2015</a:t>
+              <a:t>6/25/2015</a:t>
             </a:fld>
             <a:endParaRPr lang="en-US"/>
           </a:p>
@@ -2544,7 +8274,7 @@
           <a:p>
             <a:fld id="{BEF86C87-CF81-4F33-AA09-070D5CBC9F24}" type="datetime1">
               <a:rPr lang="en-US" smtClean="0"/>
-              <a:t>6/24/2015</a:t>
+              <a:t>6/25/2015</a:t>
             </a:fld>
             <a:endParaRPr lang="en-US"/>
           </a:p>
@@ -2891,7 +8621,7 @@
           <a:p>
             <a:fld id="{AAA17232-2A7D-4E7D-B22E-039FC0C07C9C}" type="datetime1">
               <a:rPr lang="en-US" smtClean="0"/>
-              <a:t>6/24/2015</a:t>
+              <a:t>6/25/2015</a:t>
             </a:fld>
             <a:endParaRPr lang="en-US"/>
           </a:p>
@@ -3009,7 +8739,7 @@
           <a:p>
             <a:fld id="{3E222FA5-7C7C-4C35-BB65-BA1A0CE6FD68}" type="datetime1">
               <a:rPr lang="en-US" smtClean="0"/>
-              <a:t>6/24/2015</a:t>
+              <a:t>6/25/2015</a:t>
             </a:fld>
             <a:endParaRPr lang="en-US"/>
           </a:p>
@@ -3127,7 +8857,7 @@
           <a:p>
             <a:fld id="{CA147D11-A985-49F3-A082-06E1C829C109}" type="datetime1">
               <a:rPr lang="en-US" smtClean="0"/>
-              <a:t>6/24/2015</a:t>
+              <a:t>6/25/2015</a:t>
             </a:fld>
             <a:endParaRPr lang="en-US"/>
           </a:p>
@@ -3411,7 +9141,7 @@
           <a:p>
             <a:fld id="{98A7513B-AB8C-4CFB-B713-B080B16C734C}" type="datetime1">
               <a:rPr lang="en-US" smtClean="0"/>
-              <a:t>6/24/2015</a:t>
+              <a:t>6/25/2015</a:t>
             </a:fld>
             <a:endParaRPr lang="en-US"/>
           </a:p>
@@ -3581,7 +9311,7 @@
           <a:p>
             <a:fld id="{AB91A3AC-9D5E-4044-879F-B01C3563F8E8}" type="datetime1">
               <a:rPr lang="en-US" smtClean="0"/>
-              <a:t>6/24/2015</a:t>
+              <a:t>6/25/2015</a:t>
             </a:fld>
             <a:endParaRPr lang="en-US"/>
           </a:p>
@@ -3845,7 +9575,7 @@
           <a:p>
             <a:fld id="{A7CCA7B5-B293-45D2-956C-DE2CDFB7B933}" type="datetime1">
               <a:rPr lang="en-US" smtClean="0"/>
-              <a:t>6/24/2015</a:t>
+              <a:t>6/25/2015</a:t>
             </a:fld>
             <a:endParaRPr lang="en-US"/>
           </a:p>
@@ -4015,7 +9745,7 @@
           <a:p>
             <a:fld id="{17D76E9C-E220-47EB-849C-8B82B2A30550}" type="datetime1">
               <a:rPr lang="en-US" smtClean="0"/>
-              <a:t>6/24/2015</a:t>
+              <a:t>6/25/2015</a:t>
             </a:fld>
             <a:endParaRPr lang="en-US"/>
           </a:p>
@@ -4195,7 +9925,7 @@
           <a:p>
             <a:fld id="{E21C0911-D971-404D-81D6-5C6E3EA30CF8}" type="datetime1">
               <a:rPr lang="en-US" smtClean="0"/>
-              <a:t>6/24/2015</a:t>
+              <a:t>6/25/2015</a:t>
             </a:fld>
             <a:endParaRPr lang="en-US"/>
           </a:p>
@@ -4398,7 +10128,7 @@
           <a:p>
             <a:fld id="{00A11C92-07B9-46B4-BA9B-A9F8DEDDD065}" type="datetime1">
               <a:rPr lang="en-US" smtClean="0"/>
-              <a:t>6/24/2015</a:t>
+              <a:t>6/25/2015</a:t>
             </a:fld>
             <a:endParaRPr lang="en-US"/>
           </a:p>
@@ -4568,7 +10298,7 @@
           <a:p>
             <a:fld id="{DBFDFE0C-1862-4D32-B353-473485FC5B8C}" type="datetime1">
               <a:rPr lang="en-US" smtClean="0"/>
-              <a:t>6/24/2015</a:t>
+              <a:t>6/25/2015</a:t>
             </a:fld>
             <a:endParaRPr lang="en-US"/>
           </a:p>
@@ -4819,7 +10549,7 @@
           <a:p>
             <a:fld id="{BE19EF60-149A-4C77-9B4D-6B2738EE1A60}" type="datetime1">
               <a:rPr lang="en-US" smtClean="0"/>
-              <a:t>6/24/2015</a:t>
+              <a:t>6/25/2015</a:t>
             </a:fld>
             <a:endParaRPr lang="en-US"/>
           </a:p>
@@ -5051,7 +10781,7 @@
           <a:p>
             <a:fld id="{99EA8280-61AF-4C1C-9E86-CB6F68529EB7}" type="datetime1">
               <a:rPr lang="en-US" smtClean="0"/>
-              <a:t>6/24/2015</a:t>
+              <a:t>6/25/2015</a:t>
             </a:fld>
             <a:endParaRPr lang="en-US"/>
           </a:p>
@@ -5398,7 +11128,7 @@
           <a:p>
             <a:fld id="{71578FFB-D7B0-4E90-BEDB-1D7E153C4824}" type="datetime1">
               <a:rPr lang="en-US" smtClean="0"/>
-              <a:t>6/24/2015</a:t>
+              <a:t>6/25/2015</a:t>
             </a:fld>
             <a:endParaRPr lang="en-US"/>
           </a:p>
@@ -5516,7 +11246,7 @@
           <a:p>
             <a:fld id="{4C4D8C16-585C-4AE9-8479-FDE6A8B38DEE}" type="datetime1">
               <a:rPr lang="en-US" smtClean="0"/>
-              <a:t>6/24/2015</a:t>
+              <a:t>6/25/2015</a:t>
             </a:fld>
             <a:endParaRPr lang="en-US"/>
           </a:p>
@@ -5634,7 +11364,7 @@
           <a:p>
             <a:fld id="{A3E1E9D2-4942-414F-A3F4-EBED35448B8F}" type="datetime1">
               <a:rPr lang="en-US" smtClean="0"/>
-              <a:t>6/24/2015</a:t>
+              <a:t>6/25/2015</a:t>
             </a:fld>
             <a:endParaRPr lang="en-US"/>
           </a:p>
@@ -5885,7 +11615,7 @@
           <a:p>
             <a:fld id="{1C11B133-5474-465F-A785-F314434DFD23}" type="datetime1">
               <a:rPr lang="en-US" smtClean="0"/>
-              <a:t>6/24/2015</a:t>
+              <a:t>6/25/2015</a:t>
             </a:fld>
             <a:endParaRPr lang="en-US"/>
           </a:p>
@@ -6169,7 +11899,7 @@
           <a:p>
             <a:fld id="{3553D1B6-D0FE-4204-8A01-54B687E5DD26}" type="datetime1">
               <a:rPr lang="en-US" smtClean="0"/>
-              <a:t>6/24/2015</a:t>
+              <a:t>6/25/2015</a:t>
             </a:fld>
             <a:endParaRPr lang="en-US"/>
           </a:p>
@@ -6433,7 +12163,7 @@
           <a:p>
             <a:fld id="{19FCDD6E-AC17-4ACA-A92D-E10490C522DB}" type="datetime1">
               <a:rPr lang="en-US" smtClean="0"/>
-              <a:t>6/24/2015</a:t>
+              <a:t>6/25/2015</a:t>
             </a:fld>
             <a:endParaRPr lang="en-US"/>
           </a:p>
@@ -6603,7 +12333,7 @@
           <a:p>
             <a:fld id="{8BB8CF3A-3DC3-46E1-9DA1-BE258D67F966}" type="datetime1">
               <a:rPr lang="en-US" smtClean="0"/>
-              <a:t>6/24/2015</a:t>
+              <a:t>6/25/2015</a:t>
             </a:fld>
             <a:endParaRPr lang="en-US"/>
           </a:p>
@@ -6783,7 +12513,7 @@
           <a:p>
             <a:fld id="{AD9DD4F7-2579-4CF8-BDFF-9A21010A8A2E}" type="datetime1">
               <a:rPr lang="en-US" smtClean="0"/>
-              <a:t>6/24/2015</a:t>
+              <a:t>6/25/2015</a:t>
             </a:fld>
             <a:endParaRPr lang="en-US"/>
           </a:p>
@@ -6881,7 +12611,11 @@
           <a:bodyPr anchor="b"/>
           <a:lstStyle>
             <a:lvl1pPr algn="ctr">
-              <a:defRPr sz="6000"/>
+              <a:defRPr sz="6000">
+                <a:solidFill>
+                  <a:schemeClr val="accent5"/>
+                </a:solidFill>
+              </a:defRPr>
             </a:lvl1pPr>
           </a:lstStyle>
           <a:p>
@@ -6975,7 +12709,7 @@
           <a:p>
             <a:fld id="{1A260A04-0D30-4F6D-881B-6C5304669D2D}" type="datetime1">
               <a:rPr lang="en-US" smtClean="0"/>
-              <a:t>6/24/2015</a:t>
+              <a:t>6/25/2015</a:t>
             </a:fld>
             <a:endParaRPr lang="en-US"/>
           </a:p>
@@ -7066,7 +12800,15 @@
         <p:spPr/>
         <p:txBody>
           <a:bodyPr/>
-          <a:lstStyle/>
+          <a:lstStyle>
+            <a:lvl1pPr>
+              <a:defRPr>
+                <a:solidFill>
+                  <a:schemeClr val="accent5"/>
+                </a:solidFill>
+              </a:defRPr>
+            </a:lvl1pPr>
+          </a:lstStyle>
           <a:p>
             <a:r>
               <a:rPr lang="en-US" smtClean="0"/>
@@ -7145,7 +12887,7 @@
           <a:p>
             <a:fld id="{AB91A3AC-9D5E-4044-879F-B01C3563F8E8}" type="datetime1">
               <a:rPr lang="en-US" smtClean="0"/>
-              <a:t>6/24/2015</a:t>
+              <a:t>6/25/2015</a:t>
             </a:fld>
             <a:endParaRPr lang="en-US"/>
           </a:p>
@@ -7189,6 +12931,98 @@
               <a:rPr lang="en-US" smtClean="0"/>
               <a:t>‹#›</a:t>
             </a:fld>
+            <a:endParaRPr lang="en-US"/>
+          </a:p>
+        </p:txBody>
+      </p:sp>
+      <p:sp>
+        <p:nvSpPr>
+          <p:cNvPr id="7" name="Rectangle 6"/>
+          <p:cNvSpPr/>
+          <p:nvPr userDrawn="1"/>
+        </p:nvSpPr>
+        <p:spPr>
+          <a:xfrm>
+            <a:off x="0" y="0"/>
+            <a:ext cx="261257" cy="6858000"/>
+          </a:xfrm>
+          <a:prstGeom prst="rect">
+            <a:avLst/>
+          </a:prstGeom>
+          <a:solidFill>
+            <a:schemeClr val="accent5"/>
+          </a:solidFill>
+          <a:ln>
+            <a:noFill/>
+          </a:ln>
+        </p:spPr>
+        <p:style>
+          <a:lnRef idx="2">
+            <a:schemeClr val="accent1">
+              <a:shade val="50000"/>
+            </a:schemeClr>
+          </a:lnRef>
+          <a:fillRef idx="1">
+            <a:schemeClr val="accent1"/>
+          </a:fillRef>
+          <a:effectRef idx="0">
+            <a:schemeClr val="accent1"/>
+          </a:effectRef>
+          <a:fontRef idx="minor">
+            <a:schemeClr val="lt1"/>
+          </a:fontRef>
+        </p:style>
+        <p:txBody>
+          <a:bodyPr rtlCol="0" anchor="ctr"/>
+          <a:lstStyle/>
+          <a:p>
+            <a:pPr algn="ctr"/>
+            <a:endParaRPr lang="en-US"/>
+          </a:p>
+        </p:txBody>
+      </p:sp>
+      <p:sp>
+        <p:nvSpPr>
+          <p:cNvPr id="8" name="Rectangle 7"/>
+          <p:cNvSpPr/>
+          <p:nvPr userDrawn="1"/>
+        </p:nvSpPr>
+        <p:spPr>
+          <a:xfrm>
+            <a:off x="843493" y="365125"/>
+            <a:ext cx="45719" cy="1325563"/>
+          </a:xfrm>
+          <a:prstGeom prst="rect">
+            <a:avLst/>
+          </a:prstGeom>
+          <a:solidFill>
+            <a:schemeClr val="accent4"/>
+          </a:solidFill>
+          <a:ln>
+            <a:noFill/>
+          </a:ln>
+        </p:spPr>
+        <p:style>
+          <a:lnRef idx="2">
+            <a:schemeClr val="accent1">
+              <a:shade val="50000"/>
+            </a:schemeClr>
+          </a:lnRef>
+          <a:fillRef idx="1">
+            <a:schemeClr val="accent1"/>
+          </a:fillRef>
+          <a:effectRef idx="0">
+            <a:schemeClr val="accent1"/>
+          </a:effectRef>
+          <a:fontRef idx="minor">
+            <a:schemeClr val="lt1"/>
+          </a:fontRef>
+        </p:style>
+        <p:txBody>
+          <a:bodyPr rtlCol="0" anchor="ctr"/>
+          <a:lstStyle/>
+          <a:p>
+            <a:pPr algn="ctr"/>
             <a:endParaRPr lang="en-US"/>
           </a:p>
         </p:txBody>
@@ -7391,7 +13225,7 @@
           <a:p>
             <a:fld id="{1C11B133-5474-465F-A785-F314434DFD23}" type="datetime1">
               <a:rPr lang="en-US" smtClean="0"/>
-              <a:t>6/24/2015</a:t>
+              <a:t>6/25/2015</a:t>
             </a:fld>
             <a:endParaRPr lang="en-US"/>
           </a:p>
@@ -7623,7 +13457,7 @@
           <a:p>
             <a:fld id="{1AF9A467-BFE2-41BE-A0FC-0030BE2626DD}" type="datetime1">
               <a:rPr lang="en-US" smtClean="0"/>
-              <a:t>6/24/2015</a:t>
+              <a:t>6/25/2015</a:t>
             </a:fld>
             <a:endParaRPr lang="en-US"/>
           </a:p>
@@ -7990,7 +13824,7 @@
           <a:p>
             <a:fld id="{43E3EAFD-F696-47C2-9253-8A163E9F976A}" type="datetime1">
               <a:rPr lang="en-US" smtClean="0"/>
-              <a:t>6/24/2015</a:t>
+              <a:t>6/25/2015</a:t>
             </a:fld>
             <a:endParaRPr lang="en-US"/>
           </a:p>
@@ -8108,7 +13942,7 @@
           <a:p>
             <a:fld id="{3359A0CF-9B53-46A5-8307-04A4889D9F93}" type="datetime1">
               <a:rPr lang="en-US" smtClean="0"/>
-              <a:t>6/24/2015</a:t>
+              <a:t>6/25/2015</a:t>
             </a:fld>
             <a:endParaRPr lang="en-US"/>
           </a:p>
@@ -8340,7 +14174,7 @@
           <a:p>
             <a:fld id="{1AF9A467-BFE2-41BE-A0FC-0030BE2626DD}" type="datetime1">
               <a:rPr lang="en-US" smtClean="0"/>
-              <a:t>6/24/2015</a:t>
+              <a:t>6/25/2015</a:t>
             </a:fld>
             <a:endParaRPr lang="en-US"/>
           </a:p>
@@ -8435,7 +14269,7 @@
           <a:p>
             <a:fld id="{A4379B3A-E313-4F12-9C2E-80CDD6D57577}" type="datetime1">
               <a:rPr lang="en-US" smtClean="0"/>
-              <a:t>6/24/2015</a:t>
+              <a:t>6/25/2015</a:t>
             </a:fld>
             <a:endParaRPr lang="en-US"/>
           </a:p>
@@ -8712,7 +14546,7 @@
           <a:p>
             <a:fld id="{C10E1925-197E-4055-87BD-DC23A5578938}" type="datetime1">
               <a:rPr lang="en-US" smtClean="0"/>
-              <a:t>6/24/2015</a:t>
+              <a:t>6/25/2015</a:t>
             </a:fld>
             <a:endParaRPr lang="en-US"/>
           </a:p>
@@ -8969,7 +14803,7 @@
           <a:p>
             <a:fld id="{898E4E15-8956-4935-9C3F-CF1C62A234AF}" type="datetime1">
               <a:rPr lang="en-US" smtClean="0"/>
-              <a:t>6/24/2015</a:t>
+              <a:t>6/25/2015</a:t>
             </a:fld>
             <a:endParaRPr lang="en-US"/>
           </a:p>
@@ -9139,7 +14973,7 @@
           <a:p>
             <a:fld id="{E6E53668-B7C0-4790-AB12-5D3BFE47BE8B}" type="datetime1">
               <a:rPr lang="en-US" smtClean="0"/>
-              <a:t>6/24/2015</a:t>
+              <a:t>6/25/2015</a:t>
             </a:fld>
             <a:endParaRPr lang="en-US"/>
           </a:p>
@@ -9319,7 +15153,7 @@
           <a:p>
             <a:fld id="{AD012240-970E-40CC-8CD7-B4B37FE77D86}" type="datetime1">
               <a:rPr lang="en-US" smtClean="0"/>
-              <a:t>6/24/2015</a:t>
+              <a:t>6/25/2015</a:t>
             </a:fld>
             <a:endParaRPr lang="en-US"/>
           </a:p>
@@ -9666,7 +15500,7 @@
           <a:p>
             <a:fld id="{43E3EAFD-F696-47C2-9253-8A163E9F976A}" type="datetime1">
               <a:rPr lang="en-US" smtClean="0"/>
-              <a:t>6/24/2015</a:t>
+              <a:t>6/25/2015</a:t>
             </a:fld>
             <a:endParaRPr lang="en-US"/>
           </a:p>
@@ -9784,7 +15618,7 @@
           <a:p>
             <a:fld id="{3359A0CF-9B53-46A5-8307-04A4889D9F93}" type="datetime1">
               <a:rPr lang="en-US" smtClean="0"/>
-              <a:t>6/24/2015</a:t>
+              <a:t>6/25/2015</a:t>
             </a:fld>
             <a:endParaRPr lang="en-US"/>
           </a:p>
@@ -9902,7 +15736,7 @@
           <a:p>
             <a:fld id="{A4379B3A-E313-4F12-9C2E-80CDD6D57577}" type="datetime1">
               <a:rPr lang="en-US" smtClean="0"/>
-              <a:t>6/24/2015</a:t>
+              <a:t>6/25/2015</a:t>
             </a:fld>
             <a:endParaRPr lang="en-US"/>
           </a:p>
@@ -10186,7 +16020,7 @@
           <a:p>
             <a:fld id="{C10E1925-197E-4055-87BD-DC23A5578938}" type="datetime1">
               <a:rPr lang="en-US" smtClean="0"/>
-              <a:t>6/24/2015</a:t>
+              <a:t>6/25/2015</a:t>
             </a:fld>
             <a:endParaRPr lang="en-US"/>
           </a:p>
@@ -10450,7 +16284,7 @@
           <a:p>
             <a:fld id="{898E4E15-8956-4935-9C3F-CF1C62A234AF}" type="datetime1">
               <a:rPr lang="en-US" smtClean="0"/>
-              <a:t>6/24/2015</a:t>
+              <a:t>6/25/2015</a:t>
             </a:fld>
             <a:endParaRPr lang="en-US"/>
           </a:p>
@@ -10664,7 +16498,7 @@
           <a:p>
             <a:fld id="{8A8E5BE4-9DA4-4FAD-9FF2-25E33DA7A2DE}" type="datetime1">
               <a:rPr lang="en-US" smtClean="0"/>
-              <a:t>6/24/2015</a:t>
+              <a:t>6/25/2015</a:t>
             </a:fld>
             <a:endParaRPr lang="en-US"/>
           </a:p>
@@ -11195,7 +17029,7 @@
           <a:p>
             <a:fld id="{FC3B0C6D-E3BB-429A-AB5D-08885DC9FDF2}" type="datetime1">
               <a:rPr lang="en-US" smtClean="0"/>
-              <a:t>6/24/2015</a:t>
+              <a:t>6/25/2015</a:t>
             </a:fld>
             <a:endParaRPr lang="en-US"/>
           </a:p>
@@ -11726,7 +17560,7 @@
           <a:p>
             <a:fld id="{B0E3F87A-01F1-4F3F-8BAF-BABC1CBFDFDD}" type="datetime1">
               <a:rPr lang="en-US" smtClean="0"/>
-              <a:t>6/24/2015</a:t>
+              <a:t>6/25/2015</a:t>
             </a:fld>
             <a:endParaRPr lang="en-US"/>
           </a:p>
@@ -12256,7 +18090,7 @@
           <a:p>
             <a:fld id="{8A8E5BE4-9DA4-4FAD-9FF2-25E33DA7A2DE}" type="datetime1">
               <a:rPr lang="en-US" smtClean="0"/>
-              <a:t>6/24/2015</a:t>
+              <a:t>6/25/2015</a:t>
             </a:fld>
             <a:endParaRPr lang="en-US"/>
           </a:p>
@@ -12680,7 +18514,7 @@
           <a:lstStyle/>
           <a:p>
             <a:r>
-              <a:rPr lang="en-US" smtClean="0"/>
+              <a:rPr lang="en-US" dirty="0" smtClean="0"/>
               <a:t>Lessons Learned From Agile Quality Assurance In Scrum</a:t>
             </a:r>
             <a:endParaRPr lang="en-US" dirty="0"/>
@@ -12783,6 +18617,242 @@
           <a:lstStyle/>
           <a:p>
             <a:r>
+              <a:rPr lang="en-US" dirty="0" smtClean="0"/>
+              <a:t>Code Quality</a:t>
+            </a:r>
+            <a:br>
+              <a:rPr lang="en-US" dirty="0" smtClean="0"/>
+            </a:br>
+            <a:r>
+              <a:rPr lang="en-US" sz="3100" dirty="0" smtClean="0">
+                <a:sym typeface="Wingdings 3" panose="05040102010807070707" pitchFamily="18" charset="2"/>
+              </a:rPr>
+              <a:t> Code review</a:t>
+            </a:r>
+            <a:endParaRPr lang="en-US" sz="3100" dirty="0"/>
+          </a:p>
+        </p:txBody>
+      </p:sp>
+      <p:graphicFrame>
+        <p:nvGraphicFramePr>
+          <p:cNvPr id="5" name="Content Placeholder 4"/>
+          <p:cNvGraphicFramePr>
+            <a:graphicFrameLocks noGrp="1"/>
+          </p:cNvGraphicFramePr>
+          <p:nvPr>
+            <p:ph idx="1"/>
+            <p:extLst>
+              <p:ext uri="{D42A27DB-BD31-4B8C-83A1-F6EECF244321}">
+                <p14:modId xmlns:p14="http://schemas.microsoft.com/office/powerpoint/2010/main" val="1062387288"/>
+              </p:ext>
+            </p:extLst>
+          </p:nvPr>
+        </p:nvGraphicFramePr>
+        <p:xfrm>
+          <a:off x="838200" y="1825625"/>
+          <a:ext cx="10515600" cy="4351338"/>
+        </p:xfrm>
+        <a:graphic>
+          <a:graphicData uri="http://schemas.openxmlformats.org/drawingml/2006/diagram">
+            <dgm:relIds xmlns:dgm="http://schemas.openxmlformats.org/drawingml/2006/diagram" xmlns:r="http://schemas.openxmlformats.org/officeDocument/2006/relationships" r:dm="rId2" r:lo="rId3" r:qs="rId4" r:cs="rId5"/>
+          </a:graphicData>
+        </a:graphic>
+      </p:graphicFrame>
+      <p:sp>
+        <p:nvSpPr>
+          <p:cNvPr id="4" name="Slide Number Placeholder 3"/>
+          <p:cNvSpPr>
+            <a:spLocks noGrp="1"/>
+          </p:cNvSpPr>
+          <p:nvPr>
+            <p:ph type="sldNum" sz="quarter" idx="12"/>
+          </p:nvPr>
+        </p:nvSpPr>
+        <p:spPr/>
+        <p:txBody>
+          <a:bodyPr/>
+          <a:lstStyle/>
+          <a:p>
+            <a:fld id="{BCD7396F-CAFE-47FC-9775-745DE743DF33}" type="slidenum">
+              <a:rPr lang="en-US" smtClean="0"/>
+              <a:t>10</a:t>
+            </a:fld>
+            <a:endParaRPr lang="en-US"/>
+          </a:p>
+        </p:txBody>
+      </p:sp>
+    </p:spTree>
+    <p:extLst>
+      <p:ext uri="{BB962C8B-B14F-4D97-AF65-F5344CB8AC3E}">
+        <p14:creationId xmlns:p14="http://schemas.microsoft.com/office/powerpoint/2010/main" val="3344434301"/>
+      </p:ext>
+    </p:extLst>
+  </p:cSld>
+  <p:clrMapOvr>
+    <a:masterClrMapping/>
+  </p:clrMapOvr>
+  <p:timing>
+    <p:tnLst>
+      <p:par>
+        <p:cTn id="1" dur="indefinite" restart="never" nodeType="tmRoot"/>
+      </p:par>
+    </p:tnLst>
+  </p:timing>
+</p:sld>
+</file>
+
+<file path=ppt/slides/slide11.xml><?xml version="1.0" encoding="utf-8"?>
+<p:sld xmlns:a="http://schemas.openxmlformats.org/drawingml/2006/main" xmlns:r="http://schemas.openxmlformats.org/officeDocument/2006/relationships" xmlns:p="http://schemas.openxmlformats.org/presentationml/2006/main">
+  <p:cSld>
+    <p:spTree>
+      <p:nvGrpSpPr>
+        <p:cNvPr id="1" name=""/>
+        <p:cNvGrpSpPr/>
+        <p:nvPr/>
+      </p:nvGrpSpPr>
+      <p:grpSpPr>
+        <a:xfrm>
+          <a:off x="0" y="0"/>
+          <a:ext cx="0" cy="0"/>
+          <a:chOff x="0" y="0"/>
+          <a:chExt cx="0" cy="0"/>
+        </a:xfrm>
+      </p:grpSpPr>
+      <p:sp>
+        <p:nvSpPr>
+          <p:cNvPr id="2" name="Title 1"/>
+          <p:cNvSpPr>
+            <a:spLocks noGrp="1"/>
+          </p:cNvSpPr>
+          <p:nvPr>
+            <p:ph type="title"/>
+          </p:nvPr>
+        </p:nvSpPr>
+        <p:spPr/>
+        <p:txBody>
+          <a:bodyPr/>
+          <a:lstStyle/>
+          <a:p>
+            <a:r>
+              <a:rPr lang="en-US" dirty="0" smtClean="0">
+                <a:latin typeface="Segoe UI Light" panose="020B0502040204020203" pitchFamily="34" charset="0"/>
+                <a:cs typeface="Segoe UI Light" panose="020B0502040204020203" pitchFamily="34" charset="0"/>
+              </a:rPr>
+              <a:t>The conceptual structure of an application to software testing</a:t>
+            </a:r>
+            <a:endParaRPr lang="en-US" dirty="0">
+              <a:latin typeface="Segoe UI Light" panose="020B0502040204020203" pitchFamily="34" charset="0"/>
+              <a:cs typeface="Segoe UI Light" panose="020B0502040204020203" pitchFamily="34" charset="0"/>
+            </a:endParaRPr>
+          </a:p>
+        </p:txBody>
+      </p:sp>
+      <p:sp>
+        <p:nvSpPr>
+          <p:cNvPr id="66" name="Slide Number Placeholder 65"/>
+          <p:cNvSpPr>
+            <a:spLocks noGrp="1"/>
+          </p:cNvSpPr>
+          <p:nvPr>
+            <p:ph type="sldNum" sz="quarter" idx="12"/>
+          </p:nvPr>
+        </p:nvSpPr>
+        <p:spPr/>
+        <p:txBody>
+          <a:bodyPr/>
+          <a:lstStyle/>
+          <a:p>
+            <a:fld id="{BCD7396F-CAFE-47FC-9775-745DE743DF33}" type="slidenum">
+              <a:rPr lang="en-US" smtClean="0"/>
+              <a:t>11</a:t>
+            </a:fld>
+            <a:endParaRPr lang="en-US"/>
+          </a:p>
+        </p:txBody>
+      </p:sp>
+      <p:pic>
+        <p:nvPicPr>
+          <p:cNvPr id="3" name="Picture 2"/>
+          <p:cNvPicPr>
+            <a:picLocks noChangeAspect="1"/>
+          </p:cNvPicPr>
+          <p:nvPr/>
+        </p:nvPicPr>
+        <p:blipFill>
+          <a:blip r:embed="rId3">
+            <a:extLst>
+              <a:ext uri="{28A0092B-C50C-407E-A947-70E740481C1C}">
+                <a14:useLocalDpi xmlns:a14="http://schemas.microsoft.com/office/drawing/2010/main" val="0"/>
+              </a:ext>
+            </a:extLst>
+          </a:blip>
+          <a:stretch>
+            <a:fillRect/>
+          </a:stretch>
+        </p:blipFill>
+        <p:spPr>
+          <a:xfrm>
+            <a:off x="3248650" y="1823475"/>
+            <a:ext cx="6273722" cy="4898000"/>
+          </a:xfrm>
+          <a:prstGeom prst="rect">
+            <a:avLst/>
+          </a:prstGeom>
+        </p:spPr>
+      </p:pic>
+    </p:spTree>
+    <p:extLst>
+      <p:ext uri="{BB962C8B-B14F-4D97-AF65-F5344CB8AC3E}">
+        <p14:creationId xmlns:p14="http://schemas.microsoft.com/office/powerpoint/2010/main" val="201835201"/>
+      </p:ext>
+    </p:extLst>
+  </p:cSld>
+  <p:clrMapOvr>
+    <a:masterClrMapping/>
+  </p:clrMapOvr>
+  <p:timing>
+    <p:tnLst>
+      <p:par>
+        <p:cTn id="1" dur="indefinite" restart="never" nodeType="tmRoot"/>
+      </p:par>
+    </p:tnLst>
+  </p:timing>
+</p:sld>
+</file>
+
+<file path=ppt/slides/slide12.xml><?xml version="1.0" encoding="utf-8"?>
+<p:sld xmlns:a="http://schemas.openxmlformats.org/drawingml/2006/main" xmlns:r="http://schemas.openxmlformats.org/officeDocument/2006/relationships" xmlns:p="http://schemas.openxmlformats.org/presentationml/2006/main">
+  <p:cSld>
+    <p:spTree>
+      <p:nvGrpSpPr>
+        <p:cNvPr id="1" name=""/>
+        <p:cNvGrpSpPr/>
+        <p:nvPr/>
+      </p:nvGrpSpPr>
+      <p:grpSpPr>
+        <a:xfrm>
+          <a:off x="0" y="0"/>
+          <a:ext cx="0" cy="0"/>
+          <a:chOff x="0" y="0"/>
+          <a:chExt cx="0" cy="0"/>
+        </a:xfrm>
+      </p:grpSpPr>
+      <p:sp>
+        <p:nvSpPr>
+          <p:cNvPr id="2" name="Title 1"/>
+          <p:cNvSpPr>
+            <a:spLocks noGrp="1"/>
+          </p:cNvSpPr>
+          <p:nvPr>
+            <p:ph type="title"/>
+          </p:nvPr>
+        </p:nvSpPr>
+        <p:spPr/>
+        <p:txBody>
+          <a:bodyPr/>
+          <a:lstStyle/>
+          <a:p>
+            <a:r>
               <a:rPr lang="en-US" dirty="0" smtClean="0">
                 <a:latin typeface="Segoe UI Light" panose="020B0502040204020203" pitchFamily="34" charset="0"/>
                 <a:cs typeface="Segoe UI Light" panose="020B0502040204020203" pitchFamily="34" charset="0"/>
@@ -12813,7 +18883,7 @@
           <a:p>
             <a:fld id="{BCD7396F-CAFE-47FC-9775-745DE743DF33}" type="slidenum">
               <a:rPr lang="en-US" smtClean="0"/>
-              <a:t>10</a:t>
+              <a:t>12</a:t>
             </a:fld>
             <a:endParaRPr lang="en-US"/>
           </a:p>
@@ -12869,7 +18939,7 @@
 </p:sld>
 </file>
 
-<file path=ppt/slides/slide11.xml><?xml version="1.0" encoding="utf-8"?>
+<file path=ppt/slides/slide13.xml><?xml version="1.0" encoding="utf-8"?>
 <p:sld xmlns:a="http://schemas.openxmlformats.org/drawingml/2006/main" xmlns:r="http://schemas.openxmlformats.org/officeDocument/2006/relationships" xmlns:p="http://schemas.openxmlformats.org/presentationml/2006/main">
   <p:cSld>
     <p:spTree>
@@ -13253,7 +19323,7 @@
           <a:p>
             <a:fld id="{BCD7396F-CAFE-47FC-9775-745DE743DF33}" type="slidenum">
               <a:rPr lang="en-US" smtClean="0"/>
-              <a:t>11</a:t>
+              <a:t>13</a:t>
             </a:fld>
             <a:endParaRPr lang="en-US"/>
           </a:p>
@@ -14344,7 +20414,7 @@
 </p:sld>
 </file>
 
-<file path=ppt/slides/slide12.xml><?xml version="1.0" encoding="utf-8"?>
+<file path=ppt/slides/slide14.xml><?xml version="1.0" encoding="utf-8"?>
 <p:sld xmlns:a="http://schemas.openxmlformats.org/drawingml/2006/main" xmlns:r="http://schemas.openxmlformats.org/officeDocument/2006/relationships" xmlns:p="http://schemas.openxmlformats.org/presentationml/2006/main">
   <p:cSld>
     <p:spTree>
@@ -14378,7 +20448,7 @@
           <a:p>
             <a:fld id="{BCD7396F-CAFE-47FC-9775-745DE743DF33}" type="slidenum">
               <a:rPr lang="en-US" smtClean="0"/>
-              <a:t>12</a:t>
+              <a:t>14</a:t>
             </a:fld>
             <a:endParaRPr lang="en-US"/>
           </a:p>
@@ -15933,7 +22003,7 @@
 </p:sld>
 </file>
 
-<file path=ppt/slides/slide13.xml><?xml version="1.0" encoding="utf-8"?>
+<file path=ppt/slides/slide15.xml><?xml version="1.0" encoding="utf-8"?>
 <p:sld xmlns:a="http://schemas.openxmlformats.org/drawingml/2006/main" xmlns:r="http://schemas.openxmlformats.org/officeDocument/2006/relationships" xmlns:p="http://schemas.openxmlformats.org/presentationml/2006/main">
   <p:cSld>
     <p:spTree>
@@ -17423,7 +23493,7 @@
 </p:sld>
 </file>
 
-<file path=ppt/slides/slide14.xml><?xml version="1.0" encoding="utf-8"?>
+<file path=ppt/slides/slide16.xml><?xml version="1.0" encoding="utf-8"?>
 <p:sld xmlns:a="http://schemas.openxmlformats.org/drawingml/2006/main" xmlns:r="http://schemas.openxmlformats.org/officeDocument/2006/relationships" xmlns:p="http://schemas.openxmlformats.org/presentationml/2006/main">
   <p:cSld>
     <p:spTree>
@@ -19844,7 +25914,7 @@
 </p:sld>
 </file>
 
-<file path=ppt/slides/slide15.xml><?xml version="1.0" encoding="utf-8"?>
+<file path=ppt/slides/slide17.xml><?xml version="1.0" encoding="utf-8"?>
 <p:sld xmlns:a="http://schemas.openxmlformats.org/drawingml/2006/main" xmlns:r="http://schemas.openxmlformats.org/officeDocument/2006/relationships" xmlns:p="http://schemas.openxmlformats.org/presentationml/2006/main">
   <p:cSld>
     <p:spTree>
@@ -22275,7 +28345,7 @@
 </p:sld>
 </file>
 
-<file path=ppt/slides/slide16.xml><?xml version="1.0" encoding="utf-8"?>
+<file path=ppt/slides/slide18.xml><?xml version="1.0" encoding="utf-8"?>
 <p:sld xmlns:a="http://schemas.openxmlformats.org/drawingml/2006/main" xmlns:r="http://schemas.openxmlformats.org/officeDocument/2006/relationships" xmlns:p="http://schemas.openxmlformats.org/presentationml/2006/main">
   <p:cSld>
     <p:spTree>
@@ -22599,11 +28669,7 @@
               <a:p>
                 <a:r>
                   <a:rPr lang="en-US" dirty="0" smtClean="0"/>
-                  <a:t>Covered by Unit </a:t>
-                </a:r>
-                <a:r>
-                  <a:rPr lang="en-US" dirty="0" smtClean="0"/>
-                  <a:t>Testing</a:t>
+                  <a:t>Covered by Unit Testing</a:t>
                 </a:r>
                 <a:endParaRPr lang="en-US" dirty="0"/>
               </a:p>
@@ -22631,7 +28697,7 @@
 </p:sld>
 </file>
 
-<file path=ppt/slides/slide17.xml><?xml version="1.0" encoding="utf-8"?>
+<file path=ppt/slides/slide19.xml><?xml version="1.0" encoding="utf-8"?>
 <p:sld xmlns:a="http://schemas.openxmlformats.org/drawingml/2006/main" xmlns:r="http://schemas.openxmlformats.org/officeDocument/2006/relationships" xmlns:p="http://schemas.openxmlformats.org/presentationml/2006/main">
   <p:cSld>
     <p:spTree>
@@ -24887,7 +30953,140 @@
 </p:sld>
 </file>
 
-<file path=ppt/slides/slide18.xml><?xml version="1.0" encoding="utf-8"?>
+<file path=ppt/slides/slide2.xml><?xml version="1.0" encoding="utf-8"?>
+<p:sld xmlns:a="http://schemas.openxmlformats.org/drawingml/2006/main" xmlns:r="http://schemas.openxmlformats.org/officeDocument/2006/relationships" xmlns:p="http://schemas.openxmlformats.org/presentationml/2006/main">
+  <p:cSld>
+    <p:spTree>
+      <p:nvGrpSpPr>
+        <p:cNvPr id="1" name=""/>
+        <p:cNvGrpSpPr/>
+        <p:nvPr/>
+      </p:nvGrpSpPr>
+      <p:grpSpPr>
+        <a:xfrm>
+          <a:off x="0" y="0"/>
+          <a:ext cx="0" cy="0"/>
+          <a:chOff x="0" y="0"/>
+          <a:chExt cx="0" cy="0"/>
+        </a:xfrm>
+      </p:grpSpPr>
+      <p:sp>
+        <p:nvSpPr>
+          <p:cNvPr id="2" name="Title 1"/>
+          <p:cNvSpPr>
+            <a:spLocks noGrp="1"/>
+          </p:cNvSpPr>
+          <p:nvPr>
+            <p:ph type="title"/>
+          </p:nvPr>
+        </p:nvSpPr>
+        <p:spPr/>
+        <p:txBody>
+          <a:bodyPr>
+            <a:normAutofit fontScale="90000"/>
+          </a:bodyPr>
+          <a:lstStyle/>
+          <a:p>
+            <a:r>
+              <a:rPr lang="en-US" sz="4900" dirty="0" smtClean="0"/>
+              <a:t>Product Quality</a:t>
+            </a:r>
+            <a:r>
+              <a:rPr lang="en-US" dirty="0" smtClean="0"/>
+              <a:t/>
+            </a:r>
+            <a:br>
+              <a:rPr lang="en-US" dirty="0" smtClean="0"/>
+            </a:br>
+            <a:r>
+              <a:rPr lang="en-US" sz="3400" dirty="0" smtClean="0">
+                <a:sym typeface="Wingdings 3" panose="05040102010807070707" pitchFamily="18" charset="2"/>
+              </a:rPr>
+              <a:t></a:t>
+            </a:r>
+            <a:r>
+              <a:rPr lang="en-US" sz="3400" dirty="0" smtClean="0"/>
+              <a:t>The conceptual structure of an application to software testing</a:t>
+            </a:r>
+            <a:endParaRPr lang="en-US" sz="3400" dirty="0"/>
+          </a:p>
+        </p:txBody>
+      </p:sp>
+      <p:sp>
+        <p:nvSpPr>
+          <p:cNvPr id="4" name="Slide Number Placeholder 3"/>
+          <p:cNvSpPr>
+            <a:spLocks noGrp="1"/>
+          </p:cNvSpPr>
+          <p:nvPr>
+            <p:ph type="sldNum" sz="quarter" idx="12"/>
+          </p:nvPr>
+        </p:nvSpPr>
+        <p:spPr/>
+        <p:txBody>
+          <a:bodyPr/>
+          <a:lstStyle/>
+          <a:p>
+            <a:fld id="{BCD7396F-CAFE-47FC-9775-745DE743DF33}" type="slidenum">
+              <a:rPr lang="en-US" smtClean="0"/>
+              <a:pPr/>
+              <a:t>2</a:t>
+            </a:fld>
+            <a:endParaRPr lang="en-US"/>
+          </a:p>
+        </p:txBody>
+      </p:sp>
+      <p:pic>
+        <p:nvPicPr>
+          <p:cNvPr id="8" name="Picture 7"/>
+          <p:cNvPicPr>
+            <a:picLocks noChangeAspect="1"/>
+          </p:cNvPicPr>
+          <p:nvPr/>
+        </p:nvPicPr>
+        <p:blipFill>
+          <a:blip r:embed="rId2" cstate="print">
+            <a:extLst>
+              <a:ext uri="{28A0092B-C50C-407E-A947-70E740481C1C}">
+                <a14:useLocalDpi xmlns:a14="http://schemas.microsoft.com/office/drawing/2010/main" val="0"/>
+              </a:ext>
+            </a:extLst>
+          </a:blip>
+          <a:stretch>
+            <a:fillRect/>
+          </a:stretch>
+        </p:blipFill>
+        <p:spPr>
+          <a:xfrm>
+            <a:off x="2948924" y="1972631"/>
+            <a:ext cx="6308005" cy="4102409"/>
+          </a:xfrm>
+          <a:prstGeom prst="rect">
+            <a:avLst/>
+          </a:prstGeom>
+        </p:spPr>
+      </p:pic>
+    </p:spTree>
+    <p:extLst>
+      <p:ext uri="{BB962C8B-B14F-4D97-AF65-F5344CB8AC3E}">
+        <p14:creationId xmlns:p14="http://schemas.microsoft.com/office/powerpoint/2010/main" val="2859926506"/>
+      </p:ext>
+    </p:extLst>
+  </p:cSld>
+  <p:clrMapOvr>
+    <a:masterClrMapping/>
+  </p:clrMapOvr>
+  <p:timing>
+    <p:tnLst>
+      <p:par>
+        <p:cTn id="1" dur="indefinite" restart="never" nodeType="tmRoot"/>
+      </p:par>
+    </p:tnLst>
+  </p:timing>
+</p:sld>
+</file>
+
+<file path=ppt/slides/slide20.xml><?xml version="1.0" encoding="utf-8"?>
 <p:sld xmlns:a="http://schemas.openxmlformats.org/drawingml/2006/main" xmlns:r="http://schemas.openxmlformats.org/officeDocument/2006/relationships" xmlns:p="http://schemas.openxmlformats.org/presentationml/2006/main">
   <p:cSld>
     <p:spTree>
@@ -27083,7 +33282,7 @@
 </p:sld>
 </file>
 
-<file path=ppt/slides/slide19.xml><?xml version="1.0" encoding="utf-8"?>
+<file path=ppt/slides/slide21.xml><?xml version="1.0" encoding="utf-8"?>
 <p:sld xmlns:a="http://schemas.openxmlformats.org/drawingml/2006/main" xmlns:r="http://schemas.openxmlformats.org/officeDocument/2006/relationships" xmlns:p="http://schemas.openxmlformats.org/presentationml/2006/main">
   <p:cSld>
     <p:spTree>
@@ -27377,7 +33576,7 @@
           <a:p>
             <a:fld id="{BCD7396F-CAFE-47FC-9775-745DE743DF33}" type="slidenum">
               <a:rPr lang="en-US" smtClean="0"/>
-              <a:t>19</a:t>
+              <a:t>21</a:t>
             </a:fld>
             <a:endParaRPr lang="en-US"/>
           </a:p>
@@ -28128,120 +34327,6 @@
 </p:sld>
 </file>
 
-<file path=ppt/slides/slide2.xml><?xml version="1.0" encoding="utf-8"?>
-<p:sld xmlns:a="http://schemas.openxmlformats.org/drawingml/2006/main" xmlns:r="http://schemas.openxmlformats.org/officeDocument/2006/relationships" xmlns:p="http://schemas.openxmlformats.org/presentationml/2006/main">
-  <p:cSld>
-    <p:spTree>
-      <p:nvGrpSpPr>
-        <p:cNvPr id="1" name=""/>
-        <p:cNvGrpSpPr/>
-        <p:nvPr/>
-      </p:nvGrpSpPr>
-      <p:grpSpPr>
-        <a:xfrm>
-          <a:off x="0" y="0"/>
-          <a:ext cx="0" cy="0"/>
-          <a:chOff x="0" y="0"/>
-          <a:chExt cx="0" cy="0"/>
-        </a:xfrm>
-      </p:grpSpPr>
-      <p:sp>
-        <p:nvSpPr>
-          <p:cNvPr id="2" name="Title 1"/>
-          <p:cNvSpPr>
-            <a:spLocks noGrp="1"/>
-          </p:cNvSpPr>
-          <p:nvPr>
-            <p:ph type="title"/>
-          </p:nvPr>
-        </p:nvSpPr>
-        <p:spPr/>
-        <p:txBody>
-          <a:bodyPr/>
-          <a:lstStyle/>
-          <a:p>
-            <a:r>
-              <a:rPr lang="en-US" dirty="0" smtClean="0"/>
-              <a:t>The conceptual structure of an application to software testing</a:t>
-            </a:r>
-            <a:endParaRPr lang="en-US" dirty="0"/>
-          </a:p>
-        </p:txBody>
-      </p:sp>
-      <p:sp>
-        <p:nvSpPr>
-          <p:cNvPr id="4" name="Slide Number Placeholder 3"/>
-          <p:cNvSpPr>
-            <a:spLocks noGrp="1"/>
-          </p:cNvSpPr>
-          <p:nvPr>
-            <p:ph type="sldNum" sz="quarter" idx="12"/>
-          </p:nvPr>
-        </p:nvSpPr>
-        <p:spPr/>
-        <p:txBody>
-          <a:bodyPr/>
-          <a:lstStyle/>
-          <a:p>
-            <a:fld id="{BCD7396F-CAFE-47FC-9775-745DE743DF33}" type="slidenum">
-              <a:rPr lang="en-US" smtClean="0"/>
-              <a:pPr/>
-              <a:t>2</a:t>
-            </a:fld>
-            <a:endParaRPr lang="en-US"/>
-          </a:p>
-        </p:txBody>
-      </p:sp>
-      <p:pic>
-        <p:nvPicPr>
-          <p:cNvPr id="8" name="Picture 7"/>
-          <p:cNvPicPr>
-            <a:picLocks noChangeAspect="1"/>
-          </p:cNvPicPr>
-          <p:nvPr/>
-        </p:nvPicPr>
-        <p:blipFill>
-          <a:blip r:embed="rId2" cstate="print">
-            <a:extLst>
-              <a:ext uri="{28A0092B-C50C-407E-A947-70E740481C1C}">
-                <a14:useLocalDpi xmlns:a14="http://schemas.microsoft.com/office/drawing/2010/main" val="0"/>
-              </a:ext>
-            </a:extLst>
-          </a:blip>
-          <a:stretch>
-            <a:fillRect/>
-          </a:stretch>
-        </p:blipFill>
-        <p:spPr>
-          <a:xfrm>
-            <a:off x="2948924" y="1972631"/>
-            <a:ext cx="6308005" cy="4102409"/>
-          </a:xfrm>
-          <a:prstGeom prst="rect">
-            <a:avLst/>
-          </a:prstGeom>
-        </p:spPr>
-      </p:pic>
-    </p:spTree>
-    <p:extLst>
-      <p:ext uri="{BB962C8B-B14F-4D97-AF65-F5344CB8AC3E}">
-        <p14:creationId xmlns:p14="http://schemas.microsoft.com/office/powerpoint/2010/main" val="2859926506"/>
-      </p:ext>
-    </p:extLst>
-  </p:cSld>
-  <p:clrMapOvr>
-    <a:masterClrMapping/>
-  </p:clrMapOvr>
-  <p:timing>
-    <p:tnLst>
-      <p:par>
-        <p:cTn id="1" dur="indefinite" restart="never" nodeType="tmRoot"/>
-      </p:par>
-    </p:tnLst>
-  </p:timing>
-</p:sld>
-</file>
-
 <file path=ppt/slides/slide3.xml><?xml version="1.0" encoding="utf-8"?>
 <p:sld xmlns:a="http://schemas.openxmlformats.org/drawingml/2006/main" xmlns:r="http://schemas.openxmlformats.org/officeDocument/2006/relationships" xmlns:p="http://schemas.openxmlformats.org/presentationml/2006/main">
   <p:cSld>
@@ -28284,16 +34369,12 @@
               <a:rPr lang="en-US" dirty="0" smtClean="0"/>
             </a:br>
             <a:r>
-              <a:rPr lang="en-US" sz="3100" dirty="0">
+              <a:rPr lang="en-US" sz="3100" dirty="0" smtClean="0">
                 <a:sym typeface="Wingdings 3" panose="05040102010807070707" pitchFamily="18" charset="2"/>
               </a:rPr>
-              <a:t></a:t>
-            </a:r>
-            <a:r>
-              <a:rPr lang="en-US" sz="3100" dirty="0" smtClean="0"/>
-              <a:t>The conceptual structure of an application to software testing</a:t>
-            </a:r>
-            <a:endParaRPr lang="en-US" dirty="0"/>
+              <a:t> Software components and their testing</a:t>
+            </a:r>
+            <a:endParaRPr lang="en-US" sz="3100" dirty="0"/>
           </a:p>
         </p:txBody>
       </p:sp>
@@ -28490,15 +34571,7 @@
                 </a:r>
                 <a:r>
                   <a:rPr lang="en-US" dirty="0" smtClean="0"/>
-                  <a:t>“GUI </a:t>
-                </a:r>
-                <a:r>
-                  <a:rPr lang="en-US" dirty="0" smtClean="0"/>
-                  <a:t>Unit” </a:t>
-                </a:r>
-                <a:r>
-                  <a:rPr lang="en-US" dirty="0" smtClean="0"/>
-                  <a:t>Testing</a:t>
+                  <a:t>“GUI Unit” Testing</a:t>
                 </a:r>
                 <a:endParaRPr lang="en-US" dirty="0"/>
               </a:p>
@@ -28672,11 +34745,7 @@
               <a:p>
                 <a:r>
                   <a:rPr lang="en-US" dirty="0" smtClean="0"/>
-                  <a:t>Covered by Unit </a:t>
-                </a:r>
-                <a:r>
-                  <a:rPr lang="en-US" dirty="0" smtClean="0"/>
-                  <a:t>Testing</a:t>
+                  <a:t>Covered by Unit Testing</a:t>
                 </a:r>
                 <a:endParaRPr lang="en-US" dirty="0"/>
               </a:p>
@@ -28684,6 +34753,52 @@
           </p:sp>
         </p:grpSp>
       </p:grpSp>
+      <p:sp>
+        <p:nvSpPr>
+          <p:cNvPr id="3" name="Rectangle 2"/>
+          <p:cNvSpPr/>
+          <p:nvPr/>
+        </p:nvSpPr>
+        <p:spPr>
+          <a:xfrm>
+            <a:off x="0" y="0"/>
+            <a:ext cx="261257" cy="6858000"/>
+          </a:xfrm>
+          <a:prstGeom prst="rect">
+            <a:avLst/>
+          </a:prstGeom>
+          <a:solidFill>
+            <a:schemeClr val="accent5"/>
+          </a:solidFill>
+          <a:ln>
+            <a:noFill/>
+          </a:ln>
+        </p:spPr>
+        <p:style>
+          <a:lnRef idx="2">
+            <a:schemeClr val="accent1">
+              <a:shade val="50000"/>
+            </a:schemeClr>
+          </a:lnRef>
+          <a:fillRef idx="1">
+            <a:schemeClr val="accent1"/>
+          </a:fillRef>
+          <a:effectRef idx="0">
+            <a:schemeClr val="accent1"/>
+          </a:effectRef>
+          <a:fontRef idx="minor">
+            <a:schemeClr val="lt1"/>
+          </a:fontRef>
+        </p:style>
+        <p:txBody>
+          <a:bodyPr rtlCol="0" anchor="ctr"/>
+          <a:lstStyle/>
+          <a:p>
+            <a:pPr algn="ctr"/>
+            <a:endParaRPr lang="en-US"/>
+          </a:p>
+        </p:txBody>
+      </p:sp>
     </p:spTree>
     <p:extLst>
       <p:ext uri="{BB962C8B-B14F-4D97-AF65-F5344CB8AC3E}">
@@ -28738,8 +34853,37 @@
           <a:p>
             <a:r>
               <a:rPr lang="en-US" dirty="0"/>
-              <a:t>The conceptual structure of an application to software testing</a:t>
-            </a:r>
+              <a:t>Product Quality</a:t>
+            </a:r>
+            <a:br>
+              <a:rPr lang="en-US" dirty="0"/>
+            </a:br>
+            <a:r>
+              <a:rPr lang="en-US" sz="3100" dirty="0">
+                <a:sym typeface="Wingdings 3" panose="05040102010807070707" pitchFamily="18" charset="2"/>
+              </a:rPr>
+              <a:t> Software components and their testing</a:t>
+            </a:r>
+            <a:endParaRPr lang="en-US" sz="3100" dirty="0"/>
+          </a:p>
+        </p:txBody>
+      </p:sp>
+      <p:sp>
+        <p:nvSpPr>
+          <p:cNvPr id="3" name="Content Placeholder 2"/>
+          <p:cNvSpPr>
+            <a:spLocks noGrp="1"/>
+          </p:cNvSpPr>
+          <p:nvPr>
+            <p:ph idx="1"/>
+          </p:nvPr>
+        </p:nvSpPr>
+        <p:spPr/>
+        <p:txBody>
+          <a:bodyPr/>
+          <a:lstStyle/>
+          <a:p>
+            <a:endParaRPr lang="en-US" dirty="0"/>
           </a:p>
         </p:txBody>
       </p:sp>
@@ -28766,120 +34910,16 @@
           </a:p>
         </p:txBody>
       </p:sp>
-      <p:sp>
-        <p:nvSpPr>
-          <p:cNvPr id="5" name="TextBox 4"/>
-          <p:cNvSpPr txBox="1"/>
-          <p:nvPr/>
-        </p:nvSpPr>
-        <p:spPr>
-          <a:xfrm>
-            <a:off x="2664402" y="3518155"/>
-            <a:ext cx="8287846" cy="584775"/>
-          </a:xfrm>
-          <a:prstGeom prst="rect">
-            <a:avLst/>
-          </a:prstGeom>
-          <a:noFill/>
-        </p:spPr>
-        <p:txBody>
-          <a:bodyPr wrap="none" rtlCol="0">
-            <a:spAutoFit/>
-          </a:bodyPr>
-          <a:lstStyle/>
-          <a:p>
-            <a:r>
-              <a:rPr lang="en-US" sz="3200" b="1" dirty="0">
-                <a:solidFill>
-                  <a:srgbClr val="FF0000"/>
-                </a:solidFill>
-                <a:latin typeface="Segoe Print" panose="02000600000000000000" pitchFamily="2" charset="0"/>
-              </a:rPr>
-              <a:t>H</a:t>
-            </a:r>
-            <a:r>
-              <a:rPr lang="en-US" sz="3200" b="1" dirty="0" smtClean="0">
-                <a:solidFill>
-                  <a:srgbClr val="FF0000"/>
-                </a:solidFill>
-                <a:latin typeface="Segoe Print" panose="02000600000000000000" pitchFamily="2" charset="0"/>
-              </a:rPr>
-              <a:t>ow do we test the entire application?</a:t>
-            </a:r>
-            <a:endParaRPr lang="en-US" sz="3200" b="1" dirty="0">
-              <a:solidFill>
-                <a:srgbClr val="FF0000"/>
-              </a:solidFill>
-              <a:latin typeface="Segoe Print" panose="02000600000000000000" pitchFamily="2" charset="0"/>
-            </a:endParaRPr>
-          </a:p>
-        </p:txBody>
-      </p:sp>
-      <p:pic>
-        <p:nvPicPr>
-          <p:cNvPr id="1028" name="Picture 4" descr="http://images.clipartpanda.com/question-mark-icon-8235.png"/>
-          <p:cNvPicPr>
-            <a:picLocks noChangeAspect="1" noChangeArrowheads="1"/>
-          </p:cNvPicPr>
-          <p:nvPr/>
-        </p:nvPicPr>
-        <p:blipFill>
-          <a:blip r:embed="rId2">
-            <a:duotone>
-              <a:schemeClr val="accent2">
-                <a:shade val="45000"/>
-                <a:satMod val="135000"/>
-              </a:schemeClr>
-              <a:prstClr val="white"/>
-            </a:duotone>
-            <a:extLst>
-              <a:ext uri="{28A0092B-C50C-407E-A947-70E740481C1C}">
-                <a14:useLocalDpi xmlns:a14="http://schemas.microsoft.com/office/drawing/2010/main" val="0"/>
-              </a:ext>
-            </a:extLst>
-          </a:blip>
-          <a:srcRect/>
-          <a:stretch>
-            <a:fillRect/>
-          </a:stretch>
-        </p:blipFill>
-        <p:spPr bwMode="auto">
-          <a:xfrm>
-            <a:off x="845127" y="2900904"/>
-            <a:ext cx="1819275" cy="1819275"/>
-          </a:xfrm>
-          <a:prstGeom prst="rect">
-            <a:avLst/>
-          </a:prstGeom>
-          <a:noFill/>
-          <a:extLst>
-            <a:ext uri="{909E8E84-426E-40DD-AFC4-6F175D3DCCD1}">
-              <a14:hiddenFill xmlns:a14="http://schemas.microsoft.com/office/drawing/2010/main">
-                <a:solidFill>
-                  <a:srgbClr val="FFFFFF"/>
-                </a:solidFill>
-              </a14:hiddenFill>
-            </a:ext>
-          </a:extLst>
-        </p:spPr>
-      </p:pic>
     </p:spTree>
     <p:extLst>
       <p:ext uri="{BB962C8B-B14F-4D97-AF65-F5344CB8AC3E}">
-        <p14:creationId xmlns:p14="http://schemas.microsoft.com/office/powerpoint/2010/main" val="4163025405"/>
+        <p14:creationId xmlns:p14="http://schemas.microsoft.com/office/powerpoint/2010/main" val="2506924018"/>
       </p:ext>
     </p:extLst>
   </p:cSld>
   <p:clrMapOvr>
     <a:masterClrMapping/>
   </p:clrMapOvr>
-  <p:timing>
-    <p:tnLst>
-      <p:par>
-        <p:cTn id="1" dur="indefinite" restart="never" nodeType="tmRoot"/>
-      </p:par>
-    </p:tnLst>
-  </p:timing>
 </p:sld>
 </file>
 
@@ -28912,14 +34952,31 @@
         </p:nvSpPr>
         <p:spPr/>
         <p:txBody>
-          <a:bodyPr/>
-          <a:lstStyle/>
-          <a:p>
-            <a:r>
-              <a:rPr lang="en-US" smtClean="0"/>
-              <a:t>The conceptual structure of an application to software testing</a:t>
-            </a:r>
-            <a:endParaRPr lang="en-US" dirty="0"/>
+          <a:bodyPr>
+            <a:normAutofit/>
+          </a:bodyPr>
+          <a:lstStyle/>
+          <a:p>
+            <a:r>
+              <a:rPr lang="en-US" dirty="0"/>
+              <a:t>Product Quality</a:t>
+            </a:r>
+            <a:br>
+              <a:rPr lang="en-US" dirty="0"/>
+            </a:br>
+            <a:r>
+              <a:rPr lang="en-US" sz="3100" dirty="0">
+                <a:sym typeface="Wingdings 3" panose="05040102010807070707" pitchFamily="18" charset="2"/>
+              </a:rPr>
+              <a:t> </a:t>
+            </a:r>
+            <a:r>
+              <a:rPr lang="en-US" sz="3100" dirty="0" smtClean="0">
+                <a:sym typeface="Wingdings 3" panose="05040102010807070707" pitchFamily="18" charset="2"/>
+              </a:rPr>
+              <a:t>Perform “System Testing” to test the entire application</a:t>
+            </a:r>
+            <a:endParaRPr lang="en-US" sz="3100" dirty="0"/>
           </a:p>
         </p:txBody>
       </p:sp>
@@ -28958,8 +35015,8 @@
         </p:nvCxnSpPr>
         <p:spPr>
           <a:xfrm rot="5400000">
-            <a:off x="3063311" y="2972661"/>
-            <a:ext cx="381465" cy="1797541"/>
+            <a:off x="4556692" y="1711193"/>
+            <a:ext cx="217578" cy="2497037"/>
           </a:xfrm>
           <a:prstGeom prst="bentConnector3">
             <a:avLst>
@@ -28971,17 +35028,19 @@
           </a:ln>
         </p:spPr>
         <p:style>
-          <a:lnRef idx="1">
-            <a:schemeClr val="accent4"/>
+          <a:lnRef idx="2">
+            <a:schemeClr val="accent6">
+              <a:shade val="50000"/>
+            </a:schemeClr>
           </a:lnRef>
-          <a:fillRef idx="2">
-            <a:schemeClr val="accent4"/>
+          <a:fillRef idx="1">
+            <a:schemeClr val="accent6"/>
           </a:fillRef>
-          <a:effectRef idx="1">
-            <a:schemeClr val="accent4"/>
+          <a:effectRef idx="0">
+            <a:schemeClr val="accent6"/>
           </a:effectRef>
           <a:fontRef idx="minor">
-            <a:schemeClr val="dk1"/>
+            <a:schemeClr val="lt1"/>
           </a:fontRef>
         </p:style>
       </p:cxnSp>
@@ -28996,8 +35055,8 @@
         </p:nvCxnSpPr>
         <p:spPr>
           <a:xfrm rot="16200000" flipH="1">
-            <a:off x="4829872" y="3003640"/>
-            <a:ext cx="381465" cy="1735582"/>
+            <a:off x="7057854" y="1707067"/>
+            <a:ext cx="217118" cy="2504828"/>
           </a:xfrm>
           <a:prstGeom prst="bentConnector3">
             <a:avLst>
@@ -29009,17 +35068,19 @@
           </a:ln>
         </p:spPr>
         <p:style>
-          <a:lnRef idx="1">
-            <a:schemeClr val="accent4"/>
+          <a:lnRef idx="2">
+            <a:schemeClr val="accent6">
+              <a:shade val="50000"/>
+            </a:schemeClr>
           </a:lnRef>
-          <a:fillRef idx="2">
-            <a:schemeClr val="accent4"/>
+          <a:fillRef idx="1">
+            <a:schemeClr val="accent6"/>
           </a:fillRef>
-          <a:effectRef idx="1">
-            <a:schemeClr val="accent4"/>
+          <a:effectRef idx="0">
+            <a:schemeClr val="accent6"/>
           </a:effectRef>
           <a:fontRef idx="minor">
-            <a:schemeClr val="dk1"/>
+            <a:schemeClr val="lt1"/>
           </a:fontRef>
         </p:style>
       </p:cxnSp>
@@ -29031,25 +35092,27 @@
         </p:nvSpPr>
         <p:spPr>
           <a:xfrm>
-            <a:off x="2903486" y="3202061"/>
-            <a:ext cx="2498654" cy="478638"/>
+            <a:off x="4592947" y="2442420"/>
+            <a:ext cx="2642103" cy="408502"/>
           </a:xfrm>
           <a:prstGeom prst="roundRect">
             <a:avLst/>
           </a:prstGeom>
         </p:spPr>
         <p:style>
-          <a:lnRef idx="1">
-            <a:schemeClr val="accent4"/>
+          <a:lnRef idx="2">
+            <a:schemeClr val="accent6">
+              <a:shade val="50000"/>
+            </a:schemeClr>
           </a:lnRef>
-          <a:fillRef idx="2">
-            <a:schemeClr val="accent4"/>
+          <a:fillRef idx="1">
+            <a:schemeClr val="accent6"/>
           </a:fillRef>
-          <a:effectRef idx="1">
-            <a:schemeClr val="accent4"/>
+          <a:effectRef idx="0">
+            <a:schemeClr val="accent6"/>
           </a:effectRef>
           <a:fontRef idx="minor">
-            <a:schemeClr val="dk1"/>
+            <a:schemeClr val="lt1"/>
           </a:fontRef>
         </p:style>
         <p:txBody>
@@ -29058,10 +35121,10 @@
           <a:p>
             <a:pPr algn="ctr"/>
             <a:r>
-              <a:rPr lang="en-US" sz="1600" b="1" dirty="0" smtClean="0"/>
+              <a:rPr lang="en-US" sz="1600" dirty="0" smtClean="0"/>
               <a:t>Automated System Testing</a:t>
             </a:r>
-            <a:endParaRPr lang="en-US" sz="1600" b="1" dirty="0"/>
+            <a:endParaRPr lang="en-US" sz="1600" dirty="0"/>
           </a:p>
         </p:txBody>
       </p:sp>
@@ -29073,25 +35136,27 @@
         </p:nvSpPr>
         <p:spPr>
           <a:xfrm>
-            <a:off x="1243135" y="4062164"/>
-            <a:ext cx="2224274" cy="478638"/>
+            <a:off x="2240976" y="3068500"/>
+            <a:ext cx="2351971" cy="408502"/>
           </a:xfrm>
           <a:prstGeom prst="roundRect">
             <a:avLst/>
           </a:prstGeom>
         </p:spPr>
         <p:style>
-          <a:lnRef idx="1">
-            <a:schemeClr val="accent4"/>
+          <a:lnRef idx="2">
+            <a:schemeClr val="accent6">
+              <a:shade val="50000"/>
+            </a:schemeClr>
           </a:lnRef>
-          <a:fillRef idx="2">
-            <a:schemeClr val="accent4"/>
+          <a:fillRef idx="1">
+            <a:schemeClr val="accent6"/>
           </a:fillRef>
-          <a:effectRef idx="1">
-            <a:schemeClr val="accent4"/>
+          <a:effectRef idx="0">
+            <a:schemeClr val="accent6"/>
           </a:effectRef>
           <a:fontRef idx="minor">
-            <a:schemeClr val="dk1"/>
+            <a:schemeClr val="lt1"/>
           </a:fontRef>
         </p:style>
         <p:txBody>
@@ -29100,7 +35165,7 @@
           <a:p>
             <a:pPr algn="ctr"/>
             <a:r>
-              <a:rPr lang="en-US" sz="1600" b="1" dirty="0"/>
+              <a:rPr lang="en-US" sz="1600" dirty="0"/>
               <a:t>End-To-End Testing</a:t>
             </a:r>
           </a:p>
@@ -29114,25 +35179,27 @@
         </p:nvSpPr>
         <p:spPr>
           <a:xfrm>
-            <a:off x="4717907" y="4062164"/>
-            <a:ext cx="2340976" cy="478638"/>
+            <a:off x="7015474" y="3068040"/>
+            <a:ext cx="2806706" cy="408502"/>
           </a:xfrm>
           <a:prstGeom prst="roundRect">
             <a:avLst/>
           </a:prstGeom>
         </p:spPr>
         <p:style>
-          <a:lnRef idx="1">
-            <a:schemeClr val="accent4"/>
+          <a:lnRef idx="2">
+            <a:schemeClr val="accent6">
+              <a:shade val="50000"/>
+            </a:schemeClr>
           </a:lnRef>
-          <a:fillRef idx="2">
-            <a:schemeClr val="accent4"/>
+          <a:fillRef idx="1">
+            <a:schemeClr val="accent6"/>
           </a:fillRef>
-          <a:effectRef idx="1">
-            <a:schemeClr val="accent4"/>
+          <a:effectRef idx="0">
+            <a:schemeClr val="accent6"/>
           </a:effectRef>
           <a:fontRef idx="minor">
-            <a:schemeClr val="dk1"/>
+            <a:schemeClr val="lt1"/>
           </a:fontRef>
         </p:style>
         <p:txBody>
@@ -29141,13 +35208,10 @@
           <a:p>
             <a:pPr algn="ctr"/>
             <a:r>
-              <a:rPr lang="en-US" sz="1600" b="1" dirty="0" smtClean="0"/>
-              <a:t>Integration </a:t>
-            </a:r>
-            <a:r>
-              <a:rPr lang="en-US" sz="1600" b="1" dirty="0"/>
-              <a:t>Testing</a:t>
-            </a:r>
+              <a:rPr lang="en-US" sz="1600" dirty="0" smtClean="0"/>
+              <a:t>“Behind-The-Scenes” Testing</a:t>
+            </a:r>
+            <a:endParaRPr lang="en-US" sz="1600" dirty="0"/>
           </a:p>
         </p:txBody>
       </p:sp>
@@ -29159,25 +35223,27 @@
         </p:nvSpPr>
         <p:spPr>
           <a:xfrm>
-            <a:off x="5360847" y="2327665"/>
-            <a:ext cx="1698036" cy="478638"/>
+            <a:off x="7015474" y="1810528"/>
+            <a:ext cx="1795521" cy="408502"/>
           </a:xfrm>
           <a:prstGeom prst="roundRect">
             <a:avLst/>
           </a:prstGeom>
         </p:spPr>
         <p:style>
-          <a:lnRef idx="1">
-            <a:schemeClr val="accent4"/>
+          <a:lnRef idx="2">
+            <a:schemeClr val="accent6">
+              <a:shade val="50000"/>
+            </a:schemeClr>
           </a:lnRef>
-          <a:fillRef idx="2">
-            <a:schemeClr val="accent4"/>
+          <a:fillRef idx="1">
+            <a:schemeClr val="accent6"/>
           </a:fillRef>
-          <a:effectRef idx="1">
-            <a:schemeClr val="accent4"/>
+          <a:effectRef idx="0">
+            <a:schemeClr val="accent6"/>
           </a:effectRef>
           <a:fontRef idx="minor">
-            <a:schemeClr val="dk1"/>
+            <a:schemeClr val="lt1"/>
           </a:fontRef>
         </p:style>
         <p:txBody>
@@ -29186,10 +35252,10 @@
           <a:p>
             <a:pPr algn="ctr"/>
             <a:r>
-              <a:rPr lang="en-US" sz="1600" b="1" dirty="0" smtClean="0"/>
+              <a:rPr lang="en-US" sz="1600" dirty="0" smtClean="0"/>
               <a:t>System Testing</a:t>
             </a:r>
-            <a:endParaRPr lang="en-US" sz="1600" b="1" dirty="0"/>
+            <a:endParaRPr lang="en-US" sz="1600" dirty="0"/>
           </a:p>
         </p:txBody>
       </p:sp>
@@ -29201,25 +35267,27 @@
         </p:nvSpPr>
         <p:spPr>
           <a:xfrm>
-            <a:off x="6967908" y="3202060"/>
-            <a:ext cx="2417902" cy="478638"/>
+            <a:off x="8657369" y="2442419"/>
+            <a:ext cx="2556715" cy="408502"/>
           </a:xfrm>
           <a:prstGeom prst="roundRect">
             <a:avLst/>
           </a:prstGeom>
         </p:spPr>
         <p:style>
-          <a:lnRef idx="1">
-            <a:schemeClr val="accent4"/>
+          <a:lnRef idx="2">
+            <a:schemeClr val="accent6">
+              <a:shade val="50000"/>
+            </a:schemeClr>
           </a:lnRef>
-          <a:fillRef idx="2">
-            <a:schemeClr val="accent4"/>
+          <a:fillRef idx="1">
+            <a:schemeClr val="accent6"/>
           </a:fillRef>
-          <a:effectRef idx="1">
-            <a:schemeClr val="accent4"/>
+          <a:effectRef idx="0">
+            <a:schemeClr val="accent6"/>
           </a:effectRef>
           <a:fontRef idx="minor">
-            <a:schemeClr val="dk1"/>
+            <a:schemeClr val="lt1"/>
           </a:fontRef>
         </p:style>
         <p:txBody>
@@ -29228,10 +35296,10 @@
           <a:p>
             <a:pPr algn="ctr"/>
             <a:r>
-              <a:rPr lang="en-US" sz="1600" b="1" dirty="0" smtClean="0"/>
+              <a:rPr lang="en-US" sz="1600" dirty="0" smtClean="0"/>
               <a:t>Manual System Testing</a:t>
             </a:r>
-            <a:endParaRPr lang="en-US" sz="1600" b="1" dirty="0"/>
+            <a:endParaRPr lang="en-US" sz="1600" dirty="0"/>
           </a:p>
         </p:txBody>
       </p:sp>
@@ -29246,8 +35314,8 @@
         </p:nvCxnSpPr>
         <p:spPr>
           <a:xfrm rot="5400000">
-            <a:off x="4983460" y="1975656"/>
-            <a:ext cx="395758" cy="2057052"/>
+            <a:off x="6801922" y="1331107"/>
+            <a:ext cx="223390" cy="1999236"/>
           </a:xfrm>
           <a:prstGeom prst="bentConnector3">
             <a:avLst>
@@ -29259,17 +35327,19 @@
           </a:ln>
         </p:spPr>
         <p:style>
-          <a:lnRef idx="1">
-            <a:schemeClr val="accent4"/>
+          <a:lnRef idx="2">
+            <a:schemeClr val="accent6">
+              <a:shade val="50000"/>
+            </a:schemeClr>
           </a:lnRef>
-          <a:fillRef idx="2">
-            <a:schemeClr val="accent4"/>
+          <a:fillRef idx="1">
+            <a:schemeClr val="accent6"/>
           </a:fillRef>
-          <a:effectRef idx="1">
-            <a:schemeClr val="accent4"/>
+          <a:effectRef idx="0">
+            <a:schemeClr val="accent6"/>
           </a:effectRef>
           <a:fontRef idx="minor">
-            <a:schemeClr val="dk1"/>
+            <a:schemeClr val="lt1"/>
           </a:fontRef>
         </p:style>
       </p:cxnSp>
@@ -29284,8 +35354,8 @@
         </p:nvCxnSpPr>
         <p:spPr>
           <a:xfrm rot="16200000" flipH="1">
-            <a:off x="6995484" y="2020684"/>
-            <a:ext cx="395757" cy="1966994"/>
+            <a:off x="8812787" y="1319478"/>
+            <a:ext cx="223389" cy="2022492"/>
           </a:xfrm>
           <a:prstGeom prst="bentConnector3">
             <a:avLst>
@@ -29297,20 +35367,350 @@
           </a:ln>
         </p:spPr>
         <p:style>
-          <a:lnRef idx="1">
-            <a:schemeClr val="accent4"/>
+          <a:lnRef idx="2">
+            <a:schemeClr val="accent6">
+              <a:shade val="50000"/>
+            </a:schemeClr>
           </a:lnRef>
-          <a:fillRef idx="2">
-            <a:schemeClr val="accent4"/>
+          <a:fillRef idx="1">
+            <a:schemeClr val="accent6"/>
           </a:fillRef>
-          <a:effectRef idx="1">
-            <a:schemeClr val="accent4"/>
+          <a:effectRef idx="0">
+            <a:schemeClr val="accent6"/>
+          </a:effectRef>
+          <a:fontRef idx="minor">
+            <a:schemeClr val="lt1"/>
+          </a:fontRef>
+        </p:style>
+      </p:cxnSp>
+      <p:pic>
+        <p:nvPicPr>
+          <p:cNvPr id="19" name="Picture 18"/>
+          <p:cNvPicPr>
+            <a:picLocks noChangeAspect="1"/>
+          </p:cNvPicPr>
+          <p:nvPr/>
+        </p:nvPicPr>
+        <p:blipFill>
+          <a:blip r:embed="rId2" cstate="print">
+            <a:extLst>
+              <a:ext uri="{28A0092B-C50C-407E-A947-70E740481C1C}">
+                <a14:useLocalDpi xmlns:a14="http://schemas.microsoft.com/office/drawing/2010/main" val="0"/>
+              </a:ext>
+            </a:extLst>
+          </a:blip>
+          <a:stretch>
+            <a:fillRect/>
+          </a:stretch>
+        </p:blipFill>
+        <p:spPr>
+          <a:xfrm>
+            <a:off x="1606314" y="3625868"/>
+            <a:ext cx="3900812" cy="2536892"/>
+          </a:xfrm>
+          <a:prstGeom prst="rect">
+            <a:avLst/>
+          </a:prstGeom>
+        </p:spPr>
+      </p:pic>
+      <p:pic>
+        <p:nvPicPr>
+          <p:cNvPr id="20" name="Picture 19"/>
+          <p:cNvPicPr>
+            <a:picLocks noChangeAspect="1"/>
+          </p:cNvPicPr>
+          <p:nvPr/>
+        </p:nvPicPr>
+        <p:blipFill>
+          <a:blip r:embed="rId2" cstate="print">
+            <a:extLst>
+              <a:ext uri="{28A0092B-C50C-407E-A947-70E740481C1C}">
+                <a14:useLocalDpi xmlns:a14="http://schemas.microsoft.com/office/drawing/2010/main" val="0"/>
+              </a:ext>
+            </a:extLst>
+          </a:blip>
+          <a:stretch>
+            <a:fillRect/>
+          </a:stretch>
+        </p:blipFill>
+        <p:spPr>
+          <a:xfrm>
+            <a:off x="6399565" y="3625866"/>
+            <a:ext cx="3900812" cy="2536892"/>
+          </a:xfrm>
+          <a:prstGeom prst="rect">
+            <a:avLst/>
+          </a:prstGeom>
+        </p:spPr>
+      </p:pic>
+      <p:sp>
+        <p:nvSpPr>
+          <p:cNvPr id="21" name="Rounded Rectangular Callout 20"/>
+          <p:cNvSpPr/>
+          <p:nvPr/>
+        </p:nvSpPr>
+        <p:spPr>
+          <a:xfrm>
+            <a:off x="572073" y="3505315"/>
+            <a:ext cx="1798891" cy="600539"/>
+          </a:xfrm>
+          <a:prstGeom prst="wedgeRoundRectCallout">
+            <a:avLst>
+              <a:gd name="adj1" fmla="val 52786"/>
+              <a:gd name="adj2" fmla="val 19994"/>
+              <a:gd name="adj3" fmla="val 16667"/>
+            </a:avLst>
+          </a:prstGeom>
+        </p:spPr>
+        <p:style>
+          <a:lnRef idx="2">
+            <a:schemeClr val="accent3"/>
+          </a:lnRef>
+          <a:fillRef idx="1">
+            <a:schemeClr val="lt1"/>
+          </a:fillRef>
+          <a:effectRef idx="0">
+            <a:schemeClr val="accent3"/>
           </a:effectRef>
           <a:fontRef idx="minor">
             <a:schemeClr val="dk1"/>
           </a:fontRef>
         </p:style>
-      </p:cxnSp>
+        <p:txBody>
+          <a:bodyPr rtlCol="0" anchor="ctr"/>
+          <a:lstStyle/>
+          <a:p>
+            <a:pPr algn="just"/>
+            <a:r>
+              <a:rPr lang="en-US" sz="1200" b="1" dirty="0" smtClean="0">
+                <a:solidFill>
+                  <a:schemeClr val="tx1">
+                    <a:lumMod val="75000"/>
+                    <a:lumOff val="25000"/>
+                  </a:schemeClr>
+                </a:solidFill>
+                <a:latin typeface="Segoe Print" panose="02000600000000000000" pitchFamily="2" charset="0"/>
+              </a:rPr>
+              <a:t>Simulate real user scenarios to test the entire application.</a:t>
+            </a:r>
+            <a:endParaRPr lang="en-US" sz="1200" b="1" dirty="0">
+              <a:solidFill>
+                <a:schemeClr val="tx1">
+                  <a:lumMod val="75000"/>
+                  <a:lumOff val="25000"/>
+                </a:schemeClr>
+              </a:solidFill>
+              <a:latin typeface="Segoe Print" panose="02000600000000000000" pitchFamily="2" charset="0"/>
+            </a:endParaRPr>
+          </a:p>
+        </p:txBody>
+      </p:sp>
+      <p:sp>
+        <p:nvSpPr>
+          <p:cNvPr id="24" name="Rounded Rectangle 23"/>
+          <p:cNvSpPr/>
+          <p:nvPr/>
+        </p:nvSpPr>
+        <p:spPr>
+          <a:xfrm>
+            <a:off x="3135614" y="3640931"/>
+            <a:ext cx="1457333" cy="329309"/>
+          </a:xfrm>
+          <a:prstGeom prst="roundRect">
+            <a:avLst/>
+          </a:prstGeom>
+          <a:solidFill>
+            <a:srgbClr val="FFFFFF">
+              <a:alpha val="80000"/>
+            </a:srgbClr>
+          </a:solidFill>
+          <a:ln>
+            <a:noFill/>
+          </a:ln>
+        </p:spPr>
+        <p:style>
+          <a:lnRef idx="2">
+            <a:schemeClr val="accent1">
+              <a:shade val="50000"/>
+            </a:schemeClr>
+          </a:lnRef>
+          <a:fillRef idx="1">
+            <a:schemeClr val="accent1"/>
+          </a:fillRef>
+          <a:effectRef idx="0">
+            <a:schemeClr val="accent1"/>
+          </a:effectRef>
+          <a:fontRef idx="minor">
+            <a:schemeClr val="lt1"/>
+          </a:fontRef>
+        </p:style>
+        <p:txBody>
+          <a:bodyPr rtlCol="0" anchor="ctr"/>
+          <a:lstStyle/>
+          <a:p>
+            <a:pPr algn="ctr"/>
+            <a:endParaRPr lang="en-US"/>
+          </a:p>
+        </p:txBody>
+      </p:sp>
+      <p:sp>
+        <p:nvSpPr>
+          <p:cNvPr id="25" name="Rounded Rectangle 24"/>
+          <p:cNvSpPr/>
+          <p:nvPr/>
+        </p:nvSpPr>
+        <p:spPr>
+          <a:xfrm>
+            <a:off x="7058025" y="3640931"/>
+            <a:ext cx="2281241" cy="329309"/>
+          </a:xfrm>
+          <a:prstGeom prst="roundRect">
+            <a:avLst/>
+          </a:prstGeom>
+          <a:solidFill>
+            <a:srgbClr val="FFFFFF">
+              <a:alpha val="80000"/>
+            </a:srgbClr>
+          </a:solidFill>
+          <a:ln>
+            <a:noFill/>
+          </a:ln>
+        </p:spPr>
+        <p:style>
+          <a:lnRef idx="2">
+            <a:schemeClr val="accent1">
+              <a:shade val="50000"/>
+            </a:schemeClr>
+          </a:lnRef>
+          <a:fillRef idx="1">
+            <a:schemeClr val="accent1"/>
+          </a:fillRef>
+          <a:effectRef idx="0">
+            <a:schemeClr val="accent1"/>
+          </a:effectRef>
+          <a:fontRef idx="minor">
+            <a:schemeClr val="lt1"/>
+          </a:fontRef>
+        </p:style>
+        <p:txBody>
+          <a:bodyPr rtlCol="0" anchor="ctr"/>
+          <a:lstStyle/>
+          <a:p>
+            <a:pPr algn="ctr"/>
+            <a:endParaRPr lang="en-US"/>
+          </a:p>
+        </p:txBody>
+      </p:sp>
+      <p:sp>
+        <p:nvSpPr>
+          <p:cNvPr id="26" name="Rounded Rectangle 25"/>
+          <p:cNvSpPr/>
+          <p:nvPr/>
+        </p:nvSpPr>
+        <p:spPr>
+          <a:xfrm>
+            <a:off x="7091363" y="4119564"/>
+            <a:ext cx="2326482" cy="259556"/>
+          </a:xfrm>
+          <a:prstGeom prst="roundRect">
+            <a:avLst/>
+          </a:prstGeom>
+          <a:solidFill>
+            <a:srgbClr val="FFFFFF">
+              <a:alpha val="80000"/>
+            </a:srgbClr>
+          </a:solidFill>
+          <a:ln>
+            <a:noFill/>
+          </a:ln>
+        </p:spPr>
+        <p:style>
+          <a:lnRef idx="2">
+            <a:schemeClr val="accent1">
+              <a:shade val="50000"/>
+            </a:schemeClr>
+          </a:lnRef>
+          <a:fillRef idx="1">
+            <a:schemeClr val="accent1"/>
+          </a:fillRef>
+          <a:effectRef idx="0">
+            <a:schemeClr val="accent1"/>
+          </a:effectRef>
+          <a:fontRef idx="minor">
+            <a:schemeClr val="lt1"/>
+          </a:fontRef>
+        </p:style>
+        <p:txBody>
+          <a:bodyPr rtlCol="0" anchor="ctr"/>
+          <a:lstStyle/>
+          <a:p>
+            <a:pPr algn="ctr"/>
+            <a:endParaRPr lang="en-US"/>
+          </a:p>
+        </p:txBody>
+      </p:sp>
+      <p:sp>
+        <p:nvSpPr>
+          <p:cNvPr id="23" name="Rounded Rectangular Callout 22"/>
+          <p:cNvSpPr/>
+          <p:nvPr/>
+        </p:nvSpPr>
+        <p:spPr>
+          <a:xfrm>
+            <a:off x="6327946" y="3769563"/>
+            <a:ext cx="1814208" cy="653301"/>
+          </a:xfrm>
+          <a:prstGeom prst="wedgeRoundRectCallout">
+            <a:avLst>
+              <a:gd name="adj1" fmla="val 52519"/>
+              <a:gd name="adj2" fmla="val 26076"/>
+              <a:gd name="adj3" fmla="val 16667"/>
+            </a:avLst>
+          </a:prstGeom>
+        </p:spPr>
+        <p:style>
+          <a:lnRef idx="2">
+            <a:schemeClr val="accent3"/>
+          </a:lnRef>
+          <a:fillRef idx="1">
+            <a:schemeClr val="lt1"/>
+          </a:fillRef>
+          <a:effectRef idx="0">
+            <a:schemeClr val="accent3"/>
+          </a:effectRef>
+          <a:fontRef idx="minor">
+            <a:schemeClr val="dk1"/>
+          </a:fontRef>
+        </p:style>
+        <p:txBody>
+          <a:bodyPr rtlCol="0" anchor="ctr"/>
+          <a:lstStyle/>
+          <a:p>
+            <a:pPr algn="just"/>
+            <a:r>
+              <a:rPr lang="en-US" sz="1200" b="1" dirty="0" smtClean="0">
+                <a:solidFill>
+                  <a:schemeClr val="tx1">
+                    <a:lumMod val="75000"/>
+                    <a:lumOff val="25000"/>
+                  </a:schemeClr>
+                </a:solidFill>
+                <a:latin typeface="Segoe Print" panose="02000600000000000000" pitchFamily="2" charset="0"/>
+              </a:rPr>
+              <a:t>Call the top business level to test the application.</a:t>
+            </a:r>
+            <a:endParaRPr lang="en-US" sz="1200" b="1" dirty="0">
+              <a:solidFill>
+                <a:schemeClr val="tx1">
+                  <a:lumMod val="75000"/>
+                  <a:lumOff val="25000"/>
+                </a:schemeClr>
+              </a:solidFill>
+              <a:latin typeface="Segoe Print" panose="02000600000000000000" pitchFamily="2" charset="0"/>
+            </a:endParaRPr>
+          </a:p>
+        </p:txBody>
+      </p:sp>
     </p:spTree>
     <p:extLst>
       <p:ext uri="{BB962C8B-B14F-4D97-AF65-F5344CB8AC3E}">
@@ -29360,17 +35760,59 @@
         </p:nvSpPr>
         <p:spPr/>
         <p:txBody>
-          <a:bodyPr/>
-          <a:lstStyle/>
-          <a:p>
-            <a:r>
-              <a:rPr lang="en-US" dirty="0" smtClean="0"/>
-              <a:t>The conceptual structure of an application to software testing</a:t>
-            </a:r>
-            <a:endParaRPr lang="en-US" dirty="0"/>
-          </a:p>
-        </p:txBody>
-      </p:sp>
+          <a:bodyPr>
+            <a:normAutofit/>
+          </a:bodyPr>
+          <a:lstStyle/>
+          <a:p>
+            <a:r>
+              <a:rPr lang="en-US" dirty="0"/>
+              <a:t>Product Quality</a:t>
+            </a:r>
+            <a:br>
+              <a:rPr lang="en-US" dirty="0"/>
+            </a:br>
+            <a:r>
+              <a:rPr lang="en-US" sz="3100" dirty="0">
+                <a:sym typeface="Wingdings 3" panose="05040102010807070707" pitchFamily="18" charset="2"/>
+              </a:rPr>
+              <a:t> </a:t>
+            </a:r>
+            <a:r>
+              <a:rPr lang="en-US" sz="3100" dirty="0" smtClean="0">
+                <a:sym typeface="Wingdings 3" panose="05040102010807070707" pitchFamily="18" charset="2"/>
+              </a:rPr>
+              <a:t>Demonstrate how we performed those types of testing</a:t>
+            </a:r>
+            <a:endParaRPr lang="en-US" sz="3100" dirty="0"/>
+          </a:p>
+        </p:txBody>
+      </p:sp>
+      <p:graphicFrame>
+        <p:nvGraphicFramePr>
+          <p:cNvPr id="6" name="Content Placeholder 5"/>
+          <p:cNvGraphicFramePr>
+            <a:graphicFrameLocks noGrp="1"/>
+          </p:cNvGraphicFramePr>
+          <p:nvPr>
+            <p:ph idx="1"/>
+            <p:extLst>
+              <p:ext uri="{D42A27DB-BD31-4B8C-83A1-F6EECF244321}">
+                <p14:modId xmlns:p14="http://schemas.microsoft.com/office/powerpoint/2010/main" val="3414158532"/>
+              </p:ext>
+            </p:extLst>
+          </p:nvPr>
+        </p:nvGraphicFramePr>
+        <p:xfrm>
+          <a:off x="838200" y="1825625"/>
+          <a:ext cx="10515600" cy="4351338"/>
+        </p:xfrm>
+        <a:graphic>
+          <a:graphicData uri="http://schemas.openxmlformats.org/drawingml/2006/diagram">
+            <dgm:relIds xmlns:dgm="http://schemas.openxmlformats.org/drawingml/2006/diagram" xmlns:r="http://schemas.openxmlformats.org/officeDocument/2006/relationships" r:dm="rId2" r:lo="rId3" r:qs="rId4" r:cs="rId5"/>
+          </a:graphicData>
+        </a:graphic>
+      </p:graphicFrame>
       <p:sp>
         <p:nvSpPr>
           <p:cNvPr id="4" name="Slide Number Placeholder 3"/>
@@ -29388,494 +35830,16 @@
           <a:p>
             <a:fld id="{BCD7396F-CAFE-47FC-9775-745DE743DF33}" type="slidenum">
               <a:rPr lang="en-US" smtClean="0"/>
-              <a:pPr/>
               <a:t>6</a:t>
             </a:fld>
-            <a:endParaRPr lang="en-US" dirty="0"/>
-          </a:p>
-        </p:txBody>
-      </p:sp>
-      <p:grpSp>
-        <p:nvGrpSpPr>
-          <p:cNvPr id="3" name="Group 2"/>
-          <p:cNvGrpSpPr/>
-          <p:nvPr/>
-        </p:nvGrpSpPr>
-        <p:grpSpPr>
-          <a:xfrm>
-            <a:off x="838200" y="2178212"/>
-            <a:ext cx="5458977" cy="3093885"/>
-            <a:chOff x="715755" y="3280487"/>
-            <a:chExt cx="5458977" cy="3093885"/>
-          </a:xfrm>
-        </p:grpSpPr>
-        <p:pic>
-          <p:nvPicPr>
-            <p:cNvPr id="7" name="Picture 6"/>
-            <p:cNvPicPr>
-              <a:picLocks noChangeAspect="1"/>
-            </p:cNvPicPr>
-            <p:nvPr/>
-          </p:nvPicPr>
-          <p:blipFill>
-            <a:blip r:embed="rId2" cstate="print">
-              <a:extLst>
-                <a:ext uri="{28A0092B-C50C-407E-A947-70E740481C1C}">
-                  <a14:useLocalDpi xmlns:a14="http://schemas.microsoft.com/office/drawing/2010/main" val="0"/>
-                </a:ext>
-              </a:extLst>
-            </a:blip>
-            <a:stretch>
-              <a:fillRect/>
-            </a:stretch>
-          </p:blipFill>
-          <p:spPr>
-            <a:xfrm>
-              <a:off x="715755" y="3683398"/>
-              <a:ext cx="4137736" cy="2690974"/>
-            </a:xfrm>
-            <a:prstGeom prst="rect">
-              <a:avLst/>
-            </a:prstGeom>
-          </p:spPr>
-        </p:pic>
-        <p:sp>
-          <p:nvSpPr>
-            <p:cNvPr id="65" name="Rounded Rectangular Callout 64"/>
-            <p:cNvSpPr/>
-            <p:nvPr/>
-          </p:nvSpPr>
-          <p:spPr>
-            <a:xfrm>
-              <a:off x="3842546" y="3280487"/>
-              <a:ext cx="2332186" cy="805821"/>
-            </a:xfrm>
-            <a:prstGeom prst="wedgeRoundRectCallout">
-              <a:avLst>
-                <a:gd name="adj1" fmla="val -54114"/>
-                <a:gd name="adj2" fmla="val 11348"/>
-                <a:gd name="adj3" fmla="val 16667"/>
-              </a:avLst>
-            </a:prstGeom>
-          </p:spPr>
-          <p:style>
-            <a:lnRef idx="2">
-              <a:schemeClr val="dk1"/>
-            </a:lnRef>
-            <a:fillRef idx="1">
-              <a:schemeClr val="lt1"/>
-            </a:fillRef>
-            <a:effectRef idx="0">
-              <a:schemeClr val="dk1"/>
-            </a:effectRef>
-            <a:fontRef idx="minor">
-              <a:schemeClr val="dk1"/>
-            </a:fontRef>
-          </p:style>
-          <p:txBody>
-            <a:bodyPr rtlCol="0" anchor="ctr"/>
-            <a:lstStyle/>
-            <a:p>
-              <a:pPr algn="just"/>
-              <a:r>
-                <a:rPr lang="en-US" sz="1600" b="1" dirty="0" smtClean="0">
-                  <a:solidFill>
-                    <a:schemeClr val="tx1"/>
-                  </a:solidFill>
-                  <a:latin typeface="Segoe Print" panose="02000600000000000000" pitchFamily="2" charset="0"/>
-                </a:rPr>
-                <a:t>Simulate real user scenarios to test the entire application.</a:t>
-              </a:r>
-              <a:endParaRPr lang="en-US" sz="1600" b="1" dirty="0">
-                <a:solidFill>
-                  <a:schemeClr val="tx1"/>
-                </a:solidFill>
-                <a:latin typeface="Segoe Print" panose="02000600000000000000" pitchFamily="2" charset="0"/>
-              </a:endParaRPr>
-            </a:p>
-          </p:txBody>
-        </p:sp>
-      </p:grpSp>
-      <p:grpSp>
-        <p:nvGrpSpPr>
-          <p:cNvPr id="6" name="Group 5"/>
-          <p:cNvGrpSpPr/>
-          <p:nvPr/>
-        </p:nvGrpSpPr>
-        <p:grpSpPr>
-          <a:xfrm>
-            <a:off x="7042429" y="2581123"/>
-            <a:ext cx="4137736" cy="2690974"/>
-            <a:chOff x="6860139" y="3157545"/>
-            <a:chExt cx="4137736" cy="2690974"/>
-          </a:xfrm>
-        </p:grpSpPr>
-        <p:pic>
-          <p:nvPicPr>
-            <p:cNvPr id="15" name="Picture 14"/>
-            <p:cNvPicPr>
-              <a:picLocks noChangeAspect="1"/>
-            </p:cNvPicPr>
-            <p:nvPr/>
-          </p:nvPicPr>
-          <p:blipFill>
-            <a:blip r:embed="rId2" cstate="print">
-              <a:extLst>
-                <a:ext uri="{28A0092B-C50C-407E-A947-70E740481C1C}">
-                  <a14:useLocalDpi xmlns:a14="http://schemas.microsoft.com/office/drawing/2010/main" val="0"/>
-                </a:ext>
-              </a:extLst>
-            </a:blip>
-            <a:stretch>
-              <a:fillRect/>
-            </a:stretch>
-          </p:blipFill>
-          <p:spPr>
-            <a:xfrm>
-              <a:off x="6860139" y="3157545"/>
-              <a:ext cx="4137736" cy="2690974"/>
-            </a:xfrm>
-            <a:prstGeom prst="rect">
-              <a:avLst/>
-            </a:prstGeom>
-          </p:spPr>
-        </p:pic>
-        <p:sp>
-          <p:nvSpPr>
-            <p:cNvPr id="66" name="Rounded Rectangular Callout 65"/>
-            <p:cNvSpPr/>
-            <p:nvPr/>
-          </p:nvSpPr>
-          <p:spPr>
-            <a:xfrm>
-              <a:off x="7172919" y="3210598"/>
-              <a:ext cx="2889215" cy="634990"/>
-            </a:xfrm>
-            <a:prstGeom prst="wedgeRoundRectCallout">
-              <a:avLst/>
-            </a:prstGeom>
-          </p:spPr>
-          <p:style>
-            <a:lnRef idx="2">
-              <a:schemeClr val="dk1"/>
-            </a:lnRef>
-            <a:fillRef idx="1">
-              <a:schemeClr val="lt1"/>
-            </a:fillRef>
-            <a:effectRef idx="0">
-              <a:schemeClr val="dk1"/>
-            </a:effectRef>
-            <a:fontRef idx="minor">
-              <a:schemeClr val="dk1"/>
-            </a:fontRef>
-          </p:style>
-          <p:txBody>
-            <a:bodyPr rtlCol="0" anchor="ctr"/>
-            <a:lstStyle/>
-            <a:p>
-              <a:pPr algn="just"/>
-              <a:r>
-                <a:rPr lang="en-US" sz="1600" b="1" dirty="0">
-                  <a:solidFill>
-                    <a:schemeClr val="tx1"/>
-                  </a:solidFill>
-                  <a:latin typeface="Segoe Print" panose="02000600000000000000" pitchFamily="2" charset="0"/>
-                </a:rPr>
-                <a:t>Call the top business level to test the application.</a:t>
-              </a:r>
-            </a:p>
-          </p:txBody>
-        </p:sp>
-      </p:grpSp>
-      <p:sp>
-        <p:nvSpPr>
-          <p:cNvPr id="67" name="TextBox 66"/>
-          <p:cNvSpPr txBox="1"/>
-          <p:nvPr/>
-        </p:nvSpPr>
-        <p:spPr>
-          <a:xfrm>
-            <a:off x="2908300" y="6374372"/>
-            <a:ext cx="184731" cy="369332"/>
-          </a:xfrm>
-          <a:prstGeom prst="rect">
-            <a:avLst/>
-          </a:prstGeom>
-          <a:noFill/>
-        </p:spPr>
-        <p:txBody>
-          <a:bodyPr wrap="none" rtlCol="0">
-            <a:spAutoFit/>
-          </a:bodyPr>
-          <a:lstStyle/>
-          <a:p>
-            <a:endParaRPr lang="en-US" dirty="0"/>
-          </a:p>
-        </p:txBody>
-      </p:sp>
-      <p:cxnSp>
-        <p:nvCxnSpPr>
-          <p:cNvPr id="69" name="Straight Connector 68"/>
-          <p:cNvCxnSpPr/>
-          <p:nvPr/>
-        </p:nvCxnSpPr>
-        <p:spPr>
-          <a:xfrm>
-            <a:off x="6409349" y="1971290"/>
-            <a:ext cx="0" cy="3767969"/>
-          </a:xfrm>
-          <a:prstGeom prst="line">
-            <a:avLst/>
-          </a:prstGeom>
-          <a:ln>
-            <a:prstDash val="dash"/>
-          </a:ln>
-        </p:spPr>
-        <p:style>
-          <a:lnRef idx="1">
-            <a:schemeClr val="dk1"/>
-          </a:lnRef>
-          <a:fillRef idx="0">
-            <a:schemeClr val="dk1"/>
-          </a:fillRef>
-          <a:effectRef idx="0">
-            <a:schemeClr val="dk1"/>
-          </a:effectRef>
-          <a:fontRef idx="minor">
-            <a:schemeClr val="tx1"/>
-          </a:fontRef>
-        </p:style>
-      </p:cxnSp>
-      <p:sp>
-        <p:nvSpPr>
-          <p:cNvPr id="5" name="TextBox 4"/>
-          <p:cNvSpPr txBox="1"/>
-          <p:nvPr/>
-        </p:nvSpPr>
-        <p:spPr>
-          <a:xfrm>
-            <a:off x="838200" y="5422935"/>
-            <a:ext cx="5491637" cy="369332"/>
-          </a:xfrm>
-          <a:prstGeom prst="rect">
-            <a:avLst/>
-          </a:prstGeom>
-          <a:noFill/>
-        </p:spPr>
-        <p:txBody>
-          <a:bodyPr wrap="square" rtlCol="0">
-            <a:spAutoFit/>
-          </a:bodyPr>
-          <a:lstStyle/>
-          <a:p>
-            <a:pPr algn="just"/>
-            <a:r>
-              <a:rPr lang="en-US" dirty="0" smtClean="0"/>
-              <a:t>The </a:t>
-            </a:r>
-            <a:r>
-              <a:rPr lang="en-US" b="1" dirty="0" smtClean="0"/>
-              <a:t>entire</a:t>
-            </a:r>
-            <a:r>
-              <a:rPr lang="en-US" dirty="0" smtClean="0"/>
-              <a:t> application is tested for critical functionalities.</a:t>
-            </a:r>
-            <a:endParaRPr lang="en-US" dirty="0"/>
-          </a:p>
-        </p:txBody>
-      </p:sp>
-      <p:sp>
-        <p:nvSpPr>
-          <p:cNvPr id="16" name="TextBox 15"/>
-          <p:cNvSpPr txBox="1"/>
-          <p:nvPr/>
-        </p:nvSpPr>
-        <p:spPr>
-          <a:xfrm>
-            <a:off x="6450746" y="5422935"/>
-            <a:ext cx="5321102" cy="369332"/>
-          </a:xfrm>
-          <a:prstGeom prst="rect">
-            <a:avLst/>
-          </a:prstGeom>
-          <a:noFill/>
-        </p:spPr>
-        <p:txBody>
-          <a:bodyPr wrap="square" rtlCol="0">
-            <a:spAutoFit/>
-          </a:bodyPr>
-          <a:lstStyle/>
-          <a:p>
-            <a:pPr algn="just"/>
-            <a:r>
-              <a:rPr lang="en-US" dirty="0" smtClean="0"/>
-              <a:t>Only business logic is tested for critical functionalities.</a:t>
-            </a:r>
-            <a:endParaRPr lang="en-US" dirty="0"/>
-          </a:p>
-        </p:txBody>
-      </p:sp>
-      <p:sp>
-        <p:nvSpPr>
-          <p:cNvPr id="8" name="TextBox 7"/>
-          <p:cNvSpPr txBox="1"/>
-          <p:nvPr/>
-        </p:nvSpPr>
-        <p:spPr>
-          <a:xfrm>
-            <a:off x="2427289" y="1746868"/>
-            <a:ext cx="2313457" cy="369332"/>
-          </a:xfrm>
-          <a:prstGeom prst="rect">
-            <a:avLst/>
-          </a:prstGeom>
-          <a:noFill/>
-        </p:spPr>
-        <p:txBody>
-          <a:bodyPr wrap="square" rtlCol="0">
-            <a:spAutoFit/>
-          </a:bodyPr>
-          <a:lstStyle/>
-          <a:p>
-            <a:r>
-              <a:rPr lang="en-US" b="1" dirty="0"/>
-              <a:t>End-To-End </a:t>
-            </a:r>
-            <a:r>
-              <a:rPr lang="en-US" b="1" dirty="0" smtClean="0"/>
-              <a:t>Testing</a:t>
-            </a:r>
-            <a:endParaRPr lang="en-US" b="1" dirty="0"/>
-          </a:p>
-        </p:txBody>
-      </p:sp>
-      <p:sp>
-        <p:nvSpPr>
-          <p:cNvPr id="9" name="TextBox 8"/>
-          <p:cNvSpPr txBox="1"/>
-          <p:nvPr/>
-        </p:nvSpPr>
-        <p:spPr>
-          <a:xfrm>
-            <a:off x="7688030" y="1743741"/>
-            <a:ext cx="3085075" cy="369332"/>
-          </a:xfrm>
-          <a:prstGeom prst="rect">
-            <a:avLst/>
-          </a:prstGeom>
-          <a:noFill/>
-        </p:spPr>
-        <p:txBody>
-          <a:bodyPr wrap="none" rtlCol="0">
-            <a:spAutoFit/>
-          </a:bodyPr>
-          <a:lstStyle/>
-          <a:p>
-            <a:r>
-              <a:rPr lang="en-US" b="1" dirty="0"/>
-              <a:t>System Integration </a:t>
-            </a:r>
-            <a:r>
-              <a:rPr lang="en-US" b="1" dirty="0" smtClean="0"/>
-              <a:t>Testing</a:t>
-            </a:r>
-            <a:endParaRPr lang="en-US" b="1" dirty="0"/>
-          </a:p>
-        </p:txBody>
-      </p:sp>
-      <p:sp>
-        <p:nvSpPr>
-          <p:cNvPr id="13" name="TextBox 12"/>
-          <p:cNvSpPr txBox="1"/>
-          <p:nvPr/>
-        </p:nvSpPr>
-        <p:spPr>
-          <a:xfrm>
-            <a:off x="1595507" y="6003428"/>
-            <a:ext cx="9761005" cy="400110"/>
-          </a:xfrm>
-          <a:prstGeom prst="rect">
-            <a:avLst/>
-          </a:prstGeom>
-          <a:noFill/>
-        </p:spPr>
-        <p:txBody>
-          <a:bodyPr wrap="none" rtlCol="0">
-            <a:spAutoFit/>
-          </a:bodyPr>
-          <a:lstStyle/>
-          <a:p>
-            <a:r>
-              <a:rPr lang="en-US" sz="2000" b="1" dirty="0" smtClean="0">
-                <a:solidFill>
-                  <a:srgbClr val="FF0000"/>
-                </a:solidFill>
-                <a:latin typeface="Segoe Print" panose="02000600000000000000" pitchFamily="2" charset="0"/>
-              </a:rPr>
-              <a:t>we prefer “end-to-end testing” rather than “system integration testing”</a:t>
-            </a:r>
-            <a:endParaRPr lang="en-US" sz="2000" b="1" dirty="0">
-              <a:solidFill>
-                <a:srgbClr val="FF0000"/>
-              </a:solidFill>
-              <a:latin typeface="Segoe Print" panose="02000600000000000000" pitchFamily="2" charset="0"/>
-            </a:endParaRPr>
-          </a:p>
-        </p:txBody>
-      </p:sp>
-      <p:pic>
-        <p:nvPicPr>
-          <p:cNvPr id="2054" name="Picture 6" descr="http://static.wixstatic.com/media/5dfcbe_a58180bbc0a64134ae076f30ea81309c.png"/>
-          <p:cNvPicPr>
-            <a:picLocks noChangeAspect="1" noChangeArrowheads="1"/>
-          </p:cNvPicPr>
-          <p:nvPr/>
-        </p:nvPicPr>
-        <p:blipFill>
-          <a:blip r:embed="rId3" cstate="print">
-            <a:duotone>
-              <a:schemeClr val="accent2">
-                <a:shade val="45000"/>
-                <a:satMod val="135000"/>
-              </a:schemeClr>
-              <a:prstClr val="white"/>
-            </a:duotone>
-            <a:extLst>
-              <a:ext uri="{28A0092B-C50C-407E-A947-70E740481C1C}">
-                <a14:useLocalDpi xmlns:a14="http://schemas.microsoft.com/office/drawing/2010/main" val="0"/>
-              </a:ext>
-            </a:extLst>
-          </a:blip>
-          <a:srcRect/>
-          <a:stretch>
-            <a:fillRect/>
-          </a:stretch>
-        </p:blipFill>
-        <p:spPr bwMode="auto">
-          <a:xfrm>
-            <a:off x="1095237" y="5831505"/>
-            <a:ext cx="500270" cy="524845"/>
-          </a:xfrm>
-          <a:prstGeom prst="rect">
-            <a:avLst/>
-          </a:prstGeom>
-          <a:noFill/>
-          <a:extLst>
-            <a:ext uri="{909E8E84-426E-40DD-AFC4-6F175D3DCCD1}">
-              <a14:hiddenFill xmlns:a14="http://schemas.microsoft.com/office/drawing/2010/main">
-                <a:solidFill>
-                  <a:srgbClr val="FFFFFF"/>
-                </a:solidFill>
-              </a14:hiddenFill>
-            </a:ext>
-          </a:extLst>
-        </p:spPr>
-      </p:pic>
+            <a:endParaRPr lang="en-US"/>
+          </a:p>
+        </p:txBody>
+      </p:sp>
     </p:spTree>
     <p:extLst>
       <p:ext uri="{BB962C8B-B14F-4D97-AF65-F5344CB8AC3E}">
-        <p14:creationId xmlns:p14="http://schemas.microsoft.com/office/powerpoint/2010/main" val="474240561"/>
+        <p14:creationId xmlns:p14="http://schemas.microsoft.com/office/powerpoint/2010/main" val="198412639"/>
       </p:ext>
     </p:extLst>
   </p:cSld>
@@ -29921,14 +35885,54 @@
         </p:nvSpPr>
         <p:spPr/>
         <p:txBody>
+          <a:bodyPr>
+            <a:normAutofit/>
+          </a:bodyPr>
+          <a:lstStyle/>
+          <a:p>
+            <a:r>
+              <a:rPr lang="en-US" dirty="0"/>
+              <a:t>Product Quality</a:t>
+            </a:r>
+            <a:br>
+              <a:rPr lang="en-US" dirty="0"/>
+            </a:br>
+            <a:r>
+              <a:rPr lang="en-US" sz="3100" dirty="0">
+                <a:sym typeface="Wingdings 3" panose="05040102010807070707" pitchFamily="18" charset="2"/>
+              </a:rPr>
+              <a:t> </a:t>
+            </a:r>
+            <a:r>
+              <a:rPr lang="en-US" sz="3100" dirty="0" smtClean="0">
+                <a:sym typeface="Wingdings 3" panose="05040102010807070707" pitchFamily="18" charset="2"/>
+              </a:rPr>
+              <a:t>Demonstrate how we performed those types of testing</a:t>
+            </a:r>
+            <a:endParaRPr lang="en-US" sz="3100" dirty="0"/>
+          </a:p>
+        </p:txBody>
+      </p:sp>
+      <p:sp>
+        <p:nvSpPr>
+          <p:cNvPr id="4" name="Slide Number Placeholder 3"/>
+          <p:cNvSpPr>
+            <a:spLocks noGrp="1"/>
+          </p:cNvSpPr>
+          <p:nvPr>
+            <p:ph type="sldNum" sz="quarter" idx="12"/>
+          </p:nvPr>
+        </p:nvSpPr>
+        <p:spPr/>
+        <p:txBody>
           <a:bodyPr/>
           <a:lstStyle/>
           <a:p>
-            <a:r>
-              <a:rPr lang="en-US" dirty="0" smtClean="0"/>
-              <a:t>DEMO</a:t>
-            </a:r>
-            <a:endParaRPr lang="en-US" dirty="0"/>
+            <a:fld id="{BCD7396F-CAFE-47FC-9775-745DE743DF33}" type="slidenum">
+              <a:rPr lang="en-US" smtClean="0"/>
+              <a:t>7</a:t>
+            </a:fld>
+            <a:endParaRPr lang="en-US"/>
           </a:p>
         </p:txBody>
       </p:sp>
@@ -29942,42 +35946,77 @@
             <p:ph idx="1"/>
           </p:nvPr>
         </p:nvSpPr>
-        <p:spPr/>
+        <p:spPr>
+          <a:xfrm>
+            <a:off x="838200" y="2320924"/>
+            <a:ext cx="10515600" cy="3856039"/>
+          </a:xfrm>
+        </p:spPr>
         <p:txBody>
           <a:bodyPr/>
           <a:lstStyle/>
           <a:p>
+            <a:r>
+              <a:rPr lang="en-US" dirty="0" smtClean="0"/>
+              <a:t>TODO: Show sample code and screenshots</a:t>
+            </a:r>
             <a:endParaRPr lang="en-US" dirty="0"/>
           </a:p>
         </p:txBody>
       </p:sp>
       <p:sp>
         <p:nvSpPr>
-          <p:cNvPr id="4" name="Slide Number Placeholder 3"/>
-          <p:cNvSpPr>
-            <a:spLocks noGrp="1"/>
-          </p:cNvSpPr>
-          <p:nvPr>
-            <p:ph type="sldNum" sz="quarter" idx="12"/>
-          </p:nvPr>
-        </p:nvSpPr>
-        <p:spPr/>
-        <p:txBody>
-          <a:bodyPr/>
-          <a:lstStyle/>
-          <a:p>
-            <a:fld id="{BCD7396F-CAFE-47FC-9775-745DE743DF33}" type="slidenum">
-              <a:rPr lang="en-US" smtClean="0"/>
-              <a:t>7</a:t>
-            </a:fld>
-            <a:endParaRPr lang="en-US"/>
+          <p:cNvPr id="5" name="Chevron 4"/>
+          <p:cNvSpPr/>
+          <p:nvPr/>
+        </p:nvSpPr>
+        <p:spPr>
+          <a:xfrm>
+            <a:off x="838200" y="1758156"/>
+            <a:ext cx="3333750" cy="495300"/>
+          </a:xfrm>
+          <a:prstGeom prst="chevron">
+            <a:avLst/>
+          </a:prstGeom>
+          <a:ln/>
+        </p:spPr>
+        <p:style>
+          <a:lnRef idx="2">
+            <a:schemeClr val="accent1">
+              <a:shade val="50000"/>
+            </a:schemeClr>
+          </a:lnRef>
+          <a:fillRef idx="1">
+            <a:schemeClr val="accent1"/>
+          </a:fillRef>
+          <a:effectRef idx="0">
+            <a:schemeClr val="accent1"/>
+          </a:effectRef>
+          <a:fontRef idx="minor">
+            <a:schemeClr val="lt1"/>
+          </a:fontRef>
+        </p:style>
+        <p:txBody>
+          <a:bodyPr rtlCol="0" anchor="ctr"/>
+          <a:lstStyle/>
+          <a:p>
+            <a:pPr algn="ctr"/>
+            <a:r>
+              <a:rPr lang="en-US" dirty="0"/>
+              <a:t>GUI Unit Testing</a:t>
+            </a:r>
+            <a:endParaRPr lang="en-US" dirty="0">
+              <a:solidFill>
+                <a:schemeClr val="tx1"/>
+              </a:solidFill>
+            </a:endParaRPr>
           </a:p>
         </p:txBody>
       </p:sp>
     </p:spTree>
     <p:extLst>
       <p:ext uri="{BB962C8B-B14F-4D97-AF65-F5344CB8AC3E}">
-        <p14:creationId xmlns:p14="http://schemas.microsoft.com/office/powerpoint/2010/main" val="198412639"/>
+        <p14:creationId xmlns:p14="http://schemas.microsoft.com/office/powerpoint/2010/main" val="1554690726"/>
       </p:ext>
     </p:extLst>
   </p:cSld>
@@ -30023,14 +36062,54 @@
         </p:nvSpPr>
         <p:spPr/>
         <p:txBody>
+          <a:bodyPr>
+            <a:normAutofit/>
+          </a:bodyPr>
+          <a:lstStyle/>
+          <a:p>
+            <a:r>
+              <a:rPr lang="en-US" dirty="0"/>
+              <a:t>Product Quality</a:t>
+            </a:r>
+            <a:br>
+              <a:rPr lang="en-US" dirty="0"/>
+            </a:br>
+            <a:r>
+              <a:rPr lang="en-US" sz="3100" dirty="0">
+                <a:sym typeface="Wingdings 3" panose="05040102010807070707" pitchFamily="18" charset="2"/>
+              </a:rPr>
+              <a:t> </a:t>
+            </a:r>
+            <a:r>
+              <a:rPr lang="en-US" sz="3100" dirty="0" smtClean="0">
+                <a:sym typeface="Wingdings 3" panose="05040102010807070707" pitchFamily="18" charset="2"/>
+              </a:rPr>
+              <a:t>Demonstrate how we performed those types of testing</a:t>
+            </a:r>
+            <a:endParaRPr lang="en-US" sz="3100" dirty="0"/>
+          </a:p>
+        </p:txBody>
+      </p:sp>
+      <p:sp>
+        <p:nvSpPr>
+          <p:cNvPr id="4" name="Slide Number Placeholder 3"/>
+          <p:cNvSpPr>
+            <a:spLocks noGrp="1"/>
+          </p:cNvSpPr>
+          <p:nvPr>
+            <p:ph type="sldNum" sz="quarter" idx="12"/>
+          </p:nvPr>
+        </p:nvSpPr>
+        <p:spPr/>
+        <p:txBody>
           <a:bodyPr/>
           <a:lstStyle/>
           <a:p>
-            <a:r>
-              <a:rPr lang="en-US" dirty="0" smtClean="0"/>
-              <a:t>What types of testing should be performed to ensure software quality?</a:t>
-            </a:r>
-            <a:endParaRPr lang="en-US" dirty="0"/>
+            <a:fld id="{BCD7396F-CAFE-47FC-9775-745DE743DF33}" type="slidenum">
+              <a:rPr lang="en-US" smtClean="0"/>
+              <a:t>8</a:t>
+            </a:fld>
+            <a:endParaRPr lang="en-US"/>
           </a:p>
         </p:txBody>
       </p:sp>
@@ -30044,70 +36123,83 @@
             <p:ph idx="1"/>
           </p:nvPr>
         </p:nvSpPr>
-        <p:spPr/>
+        <p:spPr>
+          <a:xfrm>
+            <a:off x="838200" y="2320924"/>
+            <a:ext cx="10515600" cy="3856039"/>
+          </a:xfrm>
+        </p:spPr>
         <p:txBody>
           <a:bodyPr/>
           <a:lstStyle/>
           <a:p>
             <a:r>
+              <a:rPr lang="en-US" dirty="0"/>
+              <a:t>TODO: Show sample code and screenshots</a:t>
+            </a:r>
+          </a:p>
+          <a:p>
+            <a:endParaRPr lang="en-US" dirty="0"/>
+          </a:p>
+        </p:txBody>
+      </p:sp>
+      <p:sp>
+        <p:nvSpPr>
+          <p:cNvPr id="5" name="Chevron 4"/>
+          <p:cNvSpPr/>
+          <p:nvPr/>
+        </p:nvSpPr>
+        <p:spPr>
+          <a:xfrm>
+            <a:off x="838200" y="1758156"/>
+            <a:ext cx="3333750" cy="495300"/>
+          </a:xfrm>
+          <a:prstGeom prst="chevron">
+            <a:avLst/>
+          </a:prstGeom>
+          <a:ln/>
+        </p:spPr>
+        <p:style>
+          <a:lnRef idx="2">
+            <a:schemeClr val="accent1">
+              <a:shade val="50000"/>
+            </a:schemeClr>
+          </a:lnRef>
+          <a:fillRef idx="1">
+            <a:schemeClr val="accent1"/>
+          </a:fillRef>
+          <a:effectRef idx="0">
+            <a:schemeClr val="accent1"/>
+          </a:effectRef>
+          <a:fontRef idx="minor">
+            <a:schemeClr val="lt1"/>
+          </a:fontRef>
+        </p:style>
+        <p:txBody>
+          <a:bodyPr rtlCol="0" anchor="ctr"/>
+          <a:lstStyle/>
+          <a:p>
+            <a:pPr algn="ctr"/>
+            <a:r>
               <a:rPr lang="en-US" dirty="0" smtClean="0"/>
-              <a:t>Unit Testing</a:t>
-            </a:r>
-          </a:p>
-          <a:p>
+              <a:t>Unit </a:t>
+            </a:r>
             <a:r>
               <a:rPr lang="en-US" dirty="0"/>
-              <a:t>GUI Unit </a:t>
-            </a:r>
-            <a:r>
-              <a:rPr lang="en-US" dirty="0" smtClean="0"/>
               <a:t>Testing</a:t>
             </a:r>
-          </a:p>
-          <a:p>
-            <a:r>
-              <a:rPr lang="en-US" dirty="0" smtClean="0"/>
-              <a:t>Integration Testing</a:t>
-            </a:r>
-          </a:p>
-          <a:p>
-            <a:r>
-              <a:rPr lang="en-US" dirty="0" smtClean="0"/>
-              <a:t>System Testing (Manual System Testing, Automated System Testing)</a:t>
-            </a:r>
-          </a:p>
-          <a:p>
-            <a:endParaRPr lang="en-US" dirty="0"/>
-          </a:p>
-        </p:txBody>
-      </p:sp>
-      <p:sp>
-        <p:nvSpPr>
-          <p:cNvPr id="4" name="Slide Number Placeholder 3"/>
-          <p:cNvSpPr>
-            <a:spLocks noGrp="1"/>
-          </p:cNvSpPr>
-          <p:nvPr>
-            <p:ph type="sldNum" sz="quarter" idx="12"/>
-          </p:nvPr>
-        </p:nvSpPr>
-        <p:spPr/>
-        <p:txBody>
-          <a:bodyPr/>
-          <a:lstStyle/>
-          <a:p>
-            <a:fld id="{BCD7396F-CAFE-47FC-9775-745DE743DF33}" type="slidenum">
-              <a:rPr lang="en-US" smtClean="0"/>
-              <a:t>8</a:t>
-            </a:fld>
-            <a:endParaRPr lang="en-US"/>
+            <a:endParaRPr lang="en-US" dirty="0">
+              <a:solidFill>
+                <a:schemeClr val="tx1"/>
+              </a:solidFill>
+            </a:endParaRPr>
           </a:p>
         </p:txBody>
       </p:sp>
     </p:spTree>
     <p:extLst>
       <p:ext uri="{BB962C8B-B14F-4D97-AF65-F5344CB8AC3E}">
-        <p14:creationId xmlns:p14="http://schemas.microsoft.com/office/powerpoint/2010/main" val="1593599548"/>
+        <p14:creationId xmlns:p14="http://schemas.microsoft.com/office/powerpoint/2010/main" val="3943758777"/>
       </p:ext>
     </p:extLst>
   </p:cSld>
@@ -30153,26 +36245,37 @@
         </p:nvSpPr>
         <p:spPr/>
         <p:txBody>
-          <a:bodyPr/>
-          <a:lstStyle/>
-          <a:p>
-            <a:r>
-              <a:rPr lang="en-US" dirty="0" smtClean="0">
-                <a:latin typeface="Segoe UI Light" panose="020B0502040204020203" pitchFamily="34" charset="0"/>
-                <a:cs typeface="Segoe UI Light" panose="020B0502040204020203" pitchFamily="34" charset="0"/>
+          <a:bodyPr>
+            <a:normAutofit/>
+          </a:bodyPr>
+          <a:lstStyle/>
+          <a:p>
+            <a:r>
+              <a:rPr lang="en-US" dirty="0"/>
+              <a:t>Product Quality</a:t>
+            </a:r>
+            <a:br>
+              <a:rPr lang="en-US" dirty="0"/>
+            </a:br>
+            <a:r>
+              <a:rPr lang="en-US" sz="3100" dirty="0">
+                <a:sym typeface="Wingdings 3" panose="05040102010807070707" pitchFamily="18" charset="2"/>
               </a:rPr>
-              <a:t>The conceptual structure of an application to software testing</a:t>
-            </a:r>
-            <a:endParaRPr lang="en-US" dirty="0">
-              <a:latin typeface="Segoe UI Light" panose="020B0502040204020203" pitchFamily="34" charset="0"/>
-              <a:cs typeface="Segoe UI Light" panose="020B0502040204020203" pitchFamily="34" charset="0"/>
-            </a:endParaRPr>
-          </a:p>
-        </p:txBody>
-      </p:sp>
-      <p:sp>
-        <p:nvSpPr>
-          <p:cNvPr id="66" name="Slide Number Placeholder 65"/>
+              <a:t> </a:t>
+            </a:r>
+            <a:r>
+              <a:rPr lang="en-US" sz="3100" dirty="0" smtClean="0">
+                <a:sym typeface="Wingdings 3" panose="05040102010807070707" pitchFamily="18" charset="2"/>
+              </a:rPr>
+              <a:t>Demonstrate how we performed those types of testing</a:t>
+            </a:r>
+            <a:endParaRPr lang="en-US" sz="3100" dirty="0"/>
+          </a:p>
+        </p:txBody>
+      </p:sp>
+      <p:sp>
+        <p:nvSpPr>
+          <p:cNvPr id="4" name="Slide Number Placeholder 3"/>
           <p:cNvSpPr>
             <a:spLocks noGrp="1"/>
           </p:cNvSpPr>
@@ -30193,40 +36296,89 @@
           </a:p>
         </p:txBody>
       </p:sp>
-      <p:pic>
-        <p:nvPicPr>
-          <p:cNvPr id="3" name="Picture 2"/>
-          <p:cNvPicPr>
-            <a:picLocks noChangeAspect="1"/>
-          </p:cNvPicPr>
-          <p:nvPr/>
-        </p:nvPicPr>
-        <p:blipFill>
-          <a:blip r:embed="rId3">
-            <a:extLst>
-              <a:ext uri="{28A0092B-C50C-407E-A947-70E740481C1C}">
-                <a14:useLocalDpi xmlns:a14="http://schemas.microsoft.com/office/drawing/2010/main" val="0"/>
-              </a:ext>
-            </a:extLst>
-          </a:blip>
-          <a:stretch>
-            <a:fillRect/>
-          </a:stretch>
-        </p:blipFill>
+      <p:sp>
+        <p:nvSpPr>
+          <p:cNvPr id="3" name="Content Placeholder 2"/>
+          <p:cNvSpPr>
+            <a:spLocks noGrp="1"/>
+          </p:cNvSpPr>
+          <p:nvPr>
+            <p:ph idx="1"/>
+          </p:nvPr>
+        </p:nvSpPr>
         <p:spPr>
           <a:xfrm>
-            <a:off x="3248650" y="1823475"/>
-            <a:ext cx="6273722" cy="4898000"/>
+            <a:off x="838200" y="2320924"/>
+            <a:ext cx="10515600" cy="3856039"/>
           </a:xfrm>
-          <a:prstGeom prst="rect">
+        </p:spPr>
+        <p:txBody>
+          <a:bodyPr/>
+          <a:lstStyle/>
+          <a:p>
+            <a:r>
+              <a:rPr lang="en-US" dirty="0"/>
+              <a:t>TODO: Show sample code and screenshots</a:t>
+            </a:r>
+          </a:p>
+          <a:p>
+            <a:endParaRPr lang="en-US" dirty="0"/>
+          </a:p>
+        </p:txBody>
+      </p:sp>
+      <p:sp>
+        <p:nvSpPr>
+          <p:cNvPr id="5" name="Chevron 4"/>
+          <p:cNvSpPr/>
+          <p:nvPr/>
+        </p:nvSpPr>
+        <p:spPr>
+          <a:xfrm>
+            <a:off x="838200" y="1758156"/>
+            <a:ext cx="3333750" cy="495300"/>
+          </a:xfrm>
+          <a:prstGeom prst="chevron">
             <a:avLst/>
           </a:prstGeom>
+          <a:ln/>
         </p:spPr>
-      </p:pic>
+        <p:style>
+          <a:lnRef idx="2">
+            <a:schemeClr val="accent1">
+              <a:shade val="50000"/>
+            </a:schemeClr>
+          </a:lnRef>
+          <a:fillRef idx="1">
+            <a:schemeClr val="accent1"/>
+          </a:fillRef>
+          <a:effectRef idx="0">
+            <a:schemeClr val="accent1"/>
+          </a:effectRef>
+          <a:fontRef idx="minor">
+            <a:schemeClr val="lt1"/>
+          </a:fontRef>
+        </p:style>
+        <p:txBody>
+          <a:bodyPr rtlCol="0" anchor="ctr"/>
+          <a:lstStyle/>
+          <a:p>
+            <a:pPr algn="ctr"/>
+            <a:r>
+              <a:rPr lang="en-US" dirty="0" smtClean="0"/>
+              <a:t>Integration Testing</a:t>
+            </a:r>
+            <a:endParaRPr lang="en-US" dirty="0">
+              <a:solidFill>
+                <a:schemeClr val="tx1"/>
+              </a:solidFill>
+            </a:endParaRPr>
+          </a:p>
+        </p:txBody>
+      </p:sp>
     </p:spTree>
     <p:extLst>
       <p:ext uri="{BB962C8B-B14F-4D97-AF65-F5344CB8AC3E}">
-        <p14:creationId xmlns:p14="http://schemas.microsoft.com/office/powerpoint/2010/main" val="201835201"/>
+        <p14:creationId xmlns:p14="http://schemas.microsoft.com/office/powerpoint/2010/main" val="2384773975"/>
       </p:ext>
     </p:extLst>
   </p:cSld>

--- a/Documents/Lessons Learned From Agile Quality Assurance In Scrum.pptx
+++ b/Documents/Lessons Learned From Agile Quality Assurance In Scrum.pptx
@@ -8,30 +8,35 @@
     <p:sldMasterId id="2147484004" r:id="rId4"/>
   </p:sldMasterIdLst>
   <p:notesMasterIdLst>
-    <p:notesMasterId r:id="rId26"/>
+    <p:notesMasterId r:id="rId31"/>
   </p:notesMasterIdLst>
   <p:sldIdLst>
     <p:sldId id="256" r:id="rId5"/>
-    <p:sldId id="265" r:id="rId6"/>
-    <p:sldId id="267" r:id="rId7"/>
-    <p:sldId id="283" r:id="rId8"/>
-    <p:sldId id="272" r:id="rId9"/>
-    <p:sldId id="274" r:id="rId10"/>
-    <p:sldId id="277" r:id="rId11"/>
-    <p:sldId id="281" r:id="rId12"/>
-    <p:sldId id="282" r:id="rId13"/>
-    <p:sldId id="284" r:id="rId14"/>
-    <p:sldId id="260" r:id="rId15"/>
-    <p:sldId id="261" r:id="rId16"/>
-    <p:sldId id="257" r:id="rId17"/>
-    <p:sldId id="259" r:id="rId18"/>
-    <p:sldId id="262" r:id="rId19"/>
-    <p:sldId id="264" r:id="rId20"/>
-    <p:sldId id="266" r:id="rId21"/>
-    <p:sldId id="268" r:id="rId22"/>
-    <p:sldId id="269" r:id="rId23"/>
-    <p:sldId id="276" r:id="rId24"/>
-    <p:sldId id="258" r:id="rId25"/>
+    <p:sldId id="290" r:id="rId6"/>
+    <p:sldId id="265" r:id="rId7"/>
+    <p:sldId id="267" r:id="rId8"/>
+    <p:sldId id="283" r:id="rId9"/>
+    <p:sldId id="272" r:id="rId10"/>
+    <p:sldId id="274" r:id="rId11"/>
+    <p:sldId id="287" r:id="rId12"/>
+    <p:sldId id="281" r:id="rId13"/>
+    <p:sldId id="282" r:id="rId14"/>
+    <p:sldId id="284" r:id="rId15"/>
+    <p:sldId id="285" r:id="rId16"/>
+    <p:sldId id="286" r:id="rId17"/>
+    <p:sldId id="289" r:id="rId18"/>
+    <p:sldId id="288" r:id="rId19"/>
+    <p:sldId id="260" r:id="rId20"/>
+    <p:sldId id="261" r:id="rId21"/>
+    <p:sldId id="257" r:id="rId22"/>
+    <p:sldId id="259" r:id="rId23"/>
+    <p:sldId id="262" r:id="rId24"/>
+    <p:sldId id="264" r:id="rId25"/>
+    <p:sldId id="266" r:id="rId26"/>
+    <p:sldId id="268" r:id="rId27"/>
+    <p:sldId id="269" r:id="rId28"/>
+    <p:sldId id="276" r:id="rId29"/>
+    <p:sldId id="258" r:id="rId30"/>
   </p:sldIdLst>
   <p:sldSz cx="12192000" cy="6858000"/>
   <p:notesSz cx="6858000" cy="9144000"/>
@@ -1644,7 +1649,1103 @@
 </dgm:colorsDef>
 </file>
 
+<file path=ppt/diagrams/colors3.xml><?xml version="1.0" encoding="utf-8"?>
+<dgm:colorsDef xmlns:dgm="http://schemas.openxmlformats.org/drawingml/2006/diagram" xmlns:a="http://schemas.openxmlformats.org/drawingml/2006/main" uniqueId="urn:microsoft.com/office/officeart/2005/8/colors/accent1_2">
+  <dgm:title val=""/>
+  <dgm:desc val=""/>
+  <dgm:catLst>
+    <dgm:cat type="accent1" pri="11200"/>
+  </dgm:catLst>
+  <dgm:styleLbl name="node0">
+    <dgm:fillClrLst meth="repeat">
+      <a:schemeClr val="accent1"/>
+    </dgm:fillClrLst>
+    <dgm:linClrLst meth="repeat">
+      <a:schemeClr val="lt1"/>
+    </dgm:linClrLst>
+    <dgm:effectClrLst/>
+    <dgm:txLinClrLst/>
+    <dgm:txFillClrLst/>
+    <dgm:txEffectClrLst/>
+  </dgm:styleLbl>
+  <dgm:styleLbl name="alignNode1">
+    <dgm:fillClrLst meth="repeat">
+      <a:schemeClr val="accent1"/>
+    </dgm:fillClrLst>
+    <dgm:linClrLst meth="repeat">
+      <a:schemeClr val="accent1"/>
+    </dgm:linClrLst>
+    <dgm:effectClrLst/>
+    <dgm:txLinClrLst/>
+    <dgm:txFillClrLst/>
+    <dgm:txEffectClrLst/>
+  </dgm:styleLbl>
+  <dgm:styleLbl name="node1">
+    <dgm:fillClrLst meth="repeat">
+      <a:schemeClr val="accent1"/>
+    </dgm:fillClrLst>
+    <dgm:linClrLst meth="repeat">
+      <a:schemeClr val="lt1"/>
+    </dgm:linClrLst>
+    <dgm:effectClrLst/>
+    <dgm:txLinClrLst/>
+    <dgm:txFillClrLst/>
+    <dgm:txEffectClrLst/>
+  </dgm:styleLbl>
+  <dgm:styleLbl name="lnNode1">
+    <dgm:fillClrLst meth="repeat">
+      <a:schemeClr val="accent1"/>
+    </dgm:fillClrLst>
+    <dgm:linClrLst meth="repeat">
+      <a:schemeClr val="lt1"/>
+    </dgm:linClrLst>
+    <dgm:effectClrLst/>
+    <dgm:txLinClrLst/>
+    <dgm:txFillClrLst/>
+    <dgm:txEffectClrLst/>
+  </dgm:styleLbl>
+  <dgm:styleLbl name="vennNode1">
+    <dgm:fillClrLst meth="repeat">
+      <a:schemeClr val="accent1">
+        <a:alpha val="50000"/>
+      </a:schemeClr>
+    </dgm:fillClrLst>
+    <dgm:linClrLst meth="repeat">
+      <a:schemeClr val="lt1"/>
+    </dgm:linClrLst>
+    <dgm:effectClrLst/>
+    <dgm:txLinClrLst/>
+    <dgm:txFillClrLst/>
+    <dgm:txEffectClrLst/>
+  </dgm:styleLbl>
+  <dgm:styleLbl name="node2">
+    <dgm:fillClrLst meth="repeat">
+      <a:schemeClr val="accent1"/>
+    </dgm:fillClrLst>
+    <dgm:linClrLst meth="repeat">
+      <a:schemeClr val="lt1"/>
+    </dgm:linClrLst>
+    <dgm:effectClrLst/>
+    <dgm:txLinClrLst/>
+    <dgm:txFillClrLst/>
+    <dgm:txEffectClrLst/>
+  </dgm:styleLbl>
+  <dgm:styleLbl name="node3">
+    <dgm:fillClrLst meth="repeat">
+      <a:schemeClr val="accent1"/>
+    </dgm:fillClrLst>
+    <dgm:linClrLst meth="repeat">
+      <a:schemeClr val="lt1"/>
+    </dgm:linClrLst>
+    <dgm:effectClrLst/>
+    <dgm:txLinClrLst/>
+    <dgm:txFillClrLst/>
+    <dgm:txEffectClrLst/>
+  </dgm:styleLbl>
+  <dgm:styleLbl name="node4">
+    <dgm:fillClrLst meth="repeat">
+      <a:schemeClr val="accent1"/>
+    </dgm:fillClrLst>
+    <dgm:linClrLst meth="repeat">
+      <a:schemeClr val="lt1"/>
+    </dgm:linClrLst>
+    <dgm:effectClrLst/>
+    <dgm:txLinClrLst/>
+    <dgm:txFillClrLst/>
+    <dgm:txEffectClrLst/>
+  </dgm:styleLbl>
+  <dgm:styleLbl name="fgImgPlace1">
+    <dgm:fillClrLst meth="repeat">
+      <a:schemeClr val="accent1">
+        <a:tint val="50000"/>
+      </a:schemeClr>
+    </dgm:fillClrLst>
+    <dgm:linClrLst meth="repeat">
+      <a:schemeClr val="lt1"/>
+    </dgm:linClrLst>
+    <dgm:effectClrLst/>
+    <dgm:txLinClrLst/>
+    <dgm:txFillClrLst meth="repeat">
+      <a:schemeClr val="lt1"/>
+    </dgm:txFillClrLst>
+    <dgm:txEffectClrLst/>
+  </dgm:styleLbl>
+  <dgm:styleLbl name="alignImgPlace1">
+    <dgm:fillClrLst meth="repeat">
+      <a:schemeClr val="accent1">
+        <a:tint val="50000"/>
+      </a:schemeClr>
+    </dgm:fillClrLst>
+    <dgm:linClrLst meth="repeat">
+      <a:schemeClr val="lt1"/>
+    </dgm:linClrLst>
+    <dgm:effectClrLst/>
+    <dgm:txLinClrLst/>
+    <dgm:txFillClrLst meth="repeat">
+      <a:schemeClr val="lt1"/>
+    </dgm:txFillClrLst>
+    <dgm:txEffectClrLst/>
+  </dgm:styleLbl>
+  <dgm:styleLbl name="bgImgPlace1">
+    <dgm:fillClrLst meth="repeat">
+      <a:schemeClr val="accent1">
+        <a:tint val="50000"/>
+      </a:schemeClr>
+    </dgm:fillClrLst>
+    <dgm:linClrLst meth="repeat">
+      <a:schemeClr val="lt1"/>
+    </dgm:linClrLst>
+    <dgm:effectClrLst/>
+    <dgm:txLinClrLst/>
+    <dgm:txFillClrLst meth="repeat">
+      <a:schemeClr val="lt1"/>
+    </dgm:txFillClrLst>
+    <dgm:txEffectClrLst/>
+  </dgm:styleLbl>
+  <dgm:styleLbl name="sibTrans2D1">
+    <dgm:fillClrLst meth="repeat">
+      <a:schemeClr val="accent1">
+        <a:tint val="60000"/>
+      </a:schemeClr>
+    </dgm:fillClrLst>
+    <dgm:linClrLst meth="repeat">
+      <a:schemeClr val="accent1">
+        <a:tint val="60000"/>
+      </a:schemeClr>
+    </dgm:linClrLst>
+    <dgm:effectClrLst/>
+    <dgm:txLinClrLst/>
+    <dgm:txFillClrLst/>
+    <dgm:txEffectClrLst/>
+  </dgm:styleLbl>
+  <dgm:styleLbl name="fgSibTrans2D1">
+    <dgm:fillClrLst meth="repeat">
+      <a:schemeClr val="accent1">
+        <a:tint val="60000"/>
+      </a:schemeClr>
+    </dgm:fillClrLst>
+    <dgm:linClrLst meth="repeat">
+      <a:schemeClr val="accent1">
+        <a:tint val="60000"/>
+      </a:schemeClr>
+    </dgm:linClrLst>
+    <dgm:effectClrLst/>
+    <dgm:txLinClrLst/>
+    <dgm:txFillClrLst/>
+    <dgm:txEffectClrLst/>
+  </dgm:styleLbl>
+  <dgm:styleLbl name="bgSibTrans2D1">
+    <dgm:fillClrLst meth="repeat">
+      <a:schemeClr val="accent1">
+        <a:tint val="60000"/>
+      </a:schemeClr>
+    </dgm:fillClrLst>
+    <dgm:linClrLst meth="repeat">
+      <a:schemeClr val="accent1">
+        <a:tint val="60000"/>
+      </a:schemeClr>
+    </dgm:linClrLst>
+    <dgm:effectClrLst/>
+    <dgm:txLinClrLst/>
+    <dgm:txFillClrLst/>
+    <dgm:txEffectClrLst/>
+  </dgm:styleLbl>
+  <dgm:styleLbl name="sibTrans1D1">
+    <dgm:fillClrLst meth="repeat">
+      <a:schemeClr val="accent1"/>
+    </dgm:fillClrLst>
+    <dgm:linClrLst meth="repeat">
+      <a:schemeClr val="accent1"/>
+    </dgm:linClrLst>
+    <dgm:effectClrLst/>
+    <dgm:txLinClrLst/>
+    <dgm:txFillClrLst meth="repeat">
+      <a:schemeClr val="tx1"/>
+    </dgm:txFillClrLst>
+    <dgm:txEffectClrLst/>
+  </dgm:styleLbl>
+  <dgm:styleLbl name="callout">
+    <dgm:fillClrLst meth="repeat">
+      <a:schemeClr val="accent1"/>
+    </dgm:fillClrLst>
+    <dgm:linClrLst meth="repeat">
+      <a:schemeClr val="accent1">
+        <a:tint val="50000"/>
+      </a:schemeClr>
+    </dgm:linClrLst>
+    <dgm:effectClrLst/>
+    <dgm:txLinClrLst/>
+    <dgm:txFillClrLst meth="repeat">
+      <a:schemeClr val="tx1"/>
+    </dgm:txFillClrLst>
+    <dgm:txEffectClrLst/>
+  </dgm:styleLbl>
+  <dgm:styleLbl name="asst0">
+    <dgm:fillClrLst meth="repeat">
+      <a:schemeClr val="accent1"/>
+    </dgm:fillClrLst>
+    <dgm:linClrLst meth="repeat">
+      <a:schemeClr val="lt1"/>
+    </dgm:linClrLst>
+    <dgm:effectClrLst/>
+    <dgm:txLinClrLst/>
+    <dgm:txFillClrLst/>
+    <dgm:txEffectClrLst/>
+  </dgm:styleLbl>
+  <dgm:styleLbl name="asst1">
+    <dgm:fillClrLst meth="repeat">
+      <a:schemeClr val="accent1"/>
+    </dgm:fillClrLst>
+    <dgm:linClrLst meth="repeat">
+      <a:schemeClr val="lt1"/>
+    </dgm:linClrLst>
+    <dgm:effectClrLst/>
+    <dgm:txLinClrLst/>
+    <dgm:txFillClrLst/>
+    <dgm:txEffectClrLst/>
+  </dgm:styleLbl>
+  <dgm:styleLbl name="asst2">
+    <dgm:fillClrLst meth="repeat">
+      <a:schemeClr val="accent1"/>
+    </dgm:fillClrLst>
+    <dgm:linClrLst meth="repeat">
+      <a:schemeClr val="lt1"/>
+    </dgm:linClrLst>
+    <dgm:effectClrLst/>
+    <dgm:txLinClrLst/>
+    <dgm:txFillClrLst/>
+    <dgm:txEffectClrLst/>
+  </dgm:styleLbl>
+  <dgm:styleLbl name="asst3">
+    <dgm:fillClrLst meth="repeat">
+      <a:schemeClr val="accent1"/>
+    </dgm:fillClrLst>
+    <dgm:linClrLst meth="repeat">
+      <a:schemeClr val="lt1"/>
+    </dgm:linClrLst>
+    <dgm:effectClrLst/>
+    <dgm:txLinClrLst/>
+    <dgm:txFillClrLst/>
+    <dgm:txEffectClrLst/>
+  </dgm:styleLbl>
+  <dgm:styleLbl name="asst4">
+    <dgm:fillClrLst meth="repeat">
+      <a:schemeClr val="accent1"/>
+    </dgm:fillClrLst>
+    <dgm:linClrLst meth="repeat">
+      <a:schemeClr val="lt1"/>
+    </dgm:linClrLst>
+    <dgm:effectClrLst/>
+    <dgm:txLinClrLst/>
+    <dgm:txFillClrLst/>
+    <dgm:txEffectClrLst/>
+  </dgm:styleLbl>
+  <dgm:styleLbl name="parChTrans2D1">
+    <dgm:fillClrLst meth="repeat">
+      <a:schemeClr val="accent1">
+        <a:tint val="60000"/>
+      </a:schemeClr>
+    </dgm:fillClrLst>
+    <dgm:linClrLst meth="repeat">
+      <a:schemeClr val="accent1">
+        <a:tint val="60000"/>
+      </a:schemeClr>
+    </dgm:linClrLst>
+    <dgm:effectClrLst/>
+    <dgm:txLinClrLst/>
+    <dgm:txFillClrLst meth="repeat">
+      <a:schemeClr val="lt1"/>
+    </dgm:txFillClrLst>
+    <dgm:txEffectClrLst/>
+  </dgm:styleLbl>
+  <dgm:styleLbl name="parChTrans2D2">
+    <dgm:fillClrLst meth="repeat">
+      <a:schemeClr val="accent1"/>
+    </dgm:fillClrLst>
+    <dgm:linClrLst meth="repeat">
+      <a:schemeClr val="accent1"/>
+    </dgm:linClrLst>
+    <dgm:effectClrLst/>
+    <dgm:txLinClrLst/>
+    <dgm:txFillClrLst meth="repeat">
+      <a:schemeClr val="lt1"/>
+    </dgm:txFillClrLst>
+    <dgm:txEffectClrLst/>
+  </dgm:styleLbl>
+  <dgm:styleLbl name="parChTrans2D3">
+    <dgm:fillClrLst meth="repeat">
+      <a:schemeClr val="accent1"/>
+    </dgm:fillClrLst>
+    <dgm:linClrLst meth="repeat">
+      <a:schemeClr val="accent1"/>
+    </dgm:linClrLst>
+    <dgm:effectClrLst/>
+    <dgm:txLinClrLst/>
+    <dgm:txFillClrLst meth="repeat">
+      <a:schemeClr val="lt1"/>
+    </dgm:txFillClrLst>
+    <dgm:txEffectClrLst/>
+  </dgm:styleLbl>
+  <dgm:styleLbl name="parChTrans2D4">
+    <dgm:fillClrLst meth="repeat">
+      <a:schemeClr val="accent1"/>
+    </dgm:fillClrLst>
+    <dgm:linClrLst meth="repeat">
+      <a:schemeClr val="accent1"/>
+    </dgm:linClrLst>
+    <dgm:effectClrLst/>
+    <dgm:txLinClrLst/>
+    <dgm:txFillClrLst meth="repeat">
+      <a:schemeClr val="lt1"/>
+    </dgm:txFillClrLst>
+    <dgm:txEffectClrLst/>
+  </dgm:styleLbl>
+  <dgm:styleLbl name="parChTrans1D1">
+    <dgm:fillClrLst meth="repeat">
+      <a:schemeClr val="accent1"/>
+    </dgm:fillClrLst>
+    <dgm:linClrLst meth="repeat">
+      <a:schemeClr val="accent1">
+        <a:shade val="60000"/>
+      </a:schemeClr>
+    </dgm:linClrLst>
+    <dgm:effectClrLst/>
+    <dgm:txLinClrLst/>
+    <dgm:txFillClrLst meth="repeat">
+      <a:schemeClr val="tx1"/>
+    </dgm:txFillClrLst>
+    <dgm:txEffectClrLst/>
+  </dgm:styleLbl>
+  <dgm:styleLbl name="parChTrans1D2">
+    <dgm:fillClrLst meth="repeat">
+      <a:schemeClr val="accent1"/>
+    </dgm:fillClrLst>
+    <dgm:linClrLst meth="repeat">
+      <a:schemeClr val="accent1">
+        <a:shade val="60000"/>
+      </a:schemeClr>
+    </dgm:linClrLst>
+    <dgm:effectClrLst/>
+    <dgm:txLinClrLst/>
+    <dgm:txFillClrLst meth="repeat">
+      <a:schemeClr val="tx1"/>
+    </dgm:txFillClrLst>
+    <dgm:txEffectClrLst/>
+  </dgm:styleLbl>
+  <dgm:styleLbl name="parChTrans1D3">
+    <dgm:fillClrLst meth="repeat">
+      <a:schemeClr val="accent1"/>
+    </dgm:fillClrLst>
+    <dgm:linClrLst meth="repeat">
+      <a:schemeClr val="accent1">
+        <a:shade val="80000"/>
+      </a:schemeClr>
+    </dgm:linClrLst>
+    <dgm:effectClrLst/>
+    <dgm:txLinClrLst/>
+    <dgm:txFillClrLst meth="repeat">
+      <a:schemeClr val="tx1"/>
+    </dgm:txFillClrLst>
+    <dgm:txEffectClrLst/>
+  </dgm:styleLbl>
+  <dgm:styleLbl name="parChTrans1D4">
+    <dgm:fillClrLst meth="repeat">
+      <a:schemeClr val="accent1"/>
+    </dgm:fillClrLst>
+    <dgm:linClrLst meth="repeat">
+      <a:schemeClr val="accent1">
+        <a:shade val="80000"/>
+      </a:schemeClr>
+    </dgm:linClrLst>
+    <dgm:effectClrLst/>
+    <dgm:txLinClrLst/>
+    <dgm:txFillClrLst meth="repeat">
+      <a:schemeClr val="tx1"/>
+    </dgm:txFillClrLst>
+    <dgm:txEffectClrLst/>
+  </dgm:styleLbl>
+  <dgm:styleLbl name="fgAcc1">
+    <dgm:fillClrLst meth="repeat">
+      <a:schemeClr val="lt1">
+        <a:alpha val="90000"/>
+      </a:schemeClr>
+    </dgm:fillClrLst>
+    <dgm:linClrLst meth="repeat">
+      <a:schemeClr val="accent1"/>
+    </dgm:linClrLst>
+    <dgm:effectClrLst/>
+    <dgm:txLinClrLst/>
+    <dgm:txFillClrLst meth="repeat">
+      <a:schemeClr val="dk1"/>
+    </dgm:txFillClrLst>
+    <dgm:txEffectClrLst/>
+  </dgm:styleLbl>
+  <dgm:styleLbl name="conFgAcc1">
+    <dgm:fillClrLst meth="repeat">
+      <a:schemeClr val="lt1">
+        <a:alpha val="90000"/>
+      </a:schemeClr>
+    </dgm:fillClrLst>
+    <dgm:linClrLst meth="repeat">
+      <a:schemeClr val="accent1"/>
+    </dgm:linClrLst>
+    <dgm:effectClrLst/>
+    <dgm:txLinClrLst/>
+    <dgm:txFillClrLst meth="repeat">
+      <a:schemeClr val="dk1"/>
+    </dgm:txFillClrLst>
+    <dgm:txEffectClrLst/>
+  </dgm:styleLbl>
+  <dgm:styleLbl name="alignAcc1">
+    <dgm:fillClrLst meth="repeat">
+      <a:schemeClr val="lt1">
+        <a:alpha val="90000"/>
+      </a:schemeClr>
+    </dgm:fillClrLst>
+    <dgm:linClrLst meth="repeat">
+      <a:schemeClr val="accent1"/>
+    </dgm:linClrLst>
+    <dgm:effectClrLst/>
+    <dgm:txLinClrLst/>
+    <dgm:txFillClrLst meth="repeat">
+      <a:schemeClr val="dk1"/>
+    </dgm:txFillClrLst>
+    <dgm:txEffectClrLst/>
+  </dgm:styleLbl>
+  <dgm:styleLbl name="trAlignAcc1">
+    <dgm:fillClrLst meth="repeat">
+      <a:schemeClr val="lt1">
+        <a:alpha val="40000"/>
+      </a:schemeClr>
+    </dgm:fillClrLst>
+    <dgm:linClrLst meth="repeat">
+      <a:schemeClr val="accent1"/>
+    </dgm:linClrLst>
+    <dgm:effectClrLst/>
+    <dgm:txLinClrLst/>
+    <dgm:txFillClrLst meth="repeat">
+      <a:schemeClr val="dk1"/>
+    </dgm:txFillClrLst>
+    <dgm:txEffectClrLst/>
+  </dgm:styleLbl>
+  <dgm:styleLbl name="bgAcc1">
+    <dgm:fillClrLst meth="repeat">
+      <a:schemeClr val="lt1">
+        <a:alpha val="90000"/>
+      </a:schemeClr>
+    </dgm:fillClrLst>
+    <dgm:linClrLst meth="repeat">
+      <a:schemeClr val="accent1"/>
+    </dgm:linClrLst>
+    <dgm:effectClrLst/>
+    <dgm:txLinClrLst/>
+    <dgm:txFillClrLst meth="repeat">
+      <a:schemeClr val="dk1"/>
+    </dgm:txFillClrLst>
+    <dgm:txEffectClrLst/>
+  </dgm:styleLbl>
+  <dgm:styleLbl name="solidFgAcc1">
+    <dgm:fillClrLst meth="repeat">
+      <a:schemeClr val="lt1"/>
+    </dgm:fillClrLst>
+    <dgm:linClrLst meth="repeat">
+      <a:schemeClr val="accent1"/>
+    </dgm:linClrLst>
+    <dgm:effectClrLst/>
+    <dgm:txLinClrLst/>
+    <dgm:txFillClrLst meth="repeat">
+      <a:schemeClr val="dk1"/>
+    </dgm:txFillClrLst>
+    <dgm:txEffectClrLst/>
+  </dgm:styleLbl>
+  <dgm:styleLbl name="solidAlignAcc1">
+    <dgm:fillClrLst meth="repeat">
+      <a:schemeClr val="lt1"/>
+    </dgm:fillClrLst>
+    <dgm:linClrLst meth="repeat">
+      <a:schemeClr val="accent1"/>
+    </dgm:linClrLst>
+    <dgm:effectClrLst/>
+    <dgm:txLinClrLst/>
+    <dgm:txFillClrLst meth="repeat">
+      <a:schemeClr val="dk1"/>
+    </dgm:txFillClrLst>
+    <dgm:txEffectClrLst/>
+  </dgm:styleLbl>
+  <dgm:styleLbl name="solidBgAcc1">
+    <dgm:fillClrLst meth="repeat">
+      <a:schemeClr val="lt1"/>
+    </dgm:fillClrLst>
+    <dgm:linClrLst meth="repeat">
+      <a:schemeClr val="accent1"/>
+    </dgm:linClrLst>
+    <dgm:effectClrLst/>
+    <dgm:txLinClrLst/>
+    <dgm:txFillClrLst meth="repeat">
+      <a:schemeClr val="dk1"/>
+    </dgm:txFillClrLst>
+    <dgm:txEffectClrLst/>
+  </dgm:styleLbl>
+  <dgm:styleLbl name="fgAccFollowNode1">
+    <dgm:fillClrLst meth="repeat">
+      <a:schemeClr val="accent1">
+        <a:alpha val="90000"/>
+        <a:tint val="40000"/>
+      </a:schemeClr>
+    </dgm:fillClrLst>
+    <dgm:linClrLst meth="repeat">
+      <a:schemeClr val="accent1">
+        <a:alpha val="90000"/>
+        <a:tint val="40000"/>
+      </a:schemeClr>
+    </dgm:linClrLst>
+    <dgm:effectClrLst/>
+    <dgm:txLinClrLst/>
+    <dgm:txFillClrLst meth="repeat">
+      <a:schemeClr val="dk1"/>
+    </dgm:txFillClrLst>
+    <dgm:txEffectClrLst/>
+  </dgm:styleLbl>
+  <dgm:styleLbl name="alignAccFollowNode1">
+    <dgm:fillClrLst meth="repeat">
+      <a:schemeClr val="accent1">
+        <a:alpha val="90000"/>
+        <a:tint val="40000"/>
+      </a:schemeClr>
+    </dgm:fillClrLst>
+    <dgm:linClrLst meth="repeat">
+      <a:schemeClr val="accent1">
+        <a:alpha val="90000"/>
+        <a:tint val="40000"/>
+      </a:schemeClr>
+    </dgm:linClrLst>
+    <dgm:effectClrLst/>
+    <dgm:txLinClrLst/>
+    <dgm:txFillClrLst meth="repeat">
+      <a:schemeClr val="dk1"/>
+    </dgm:txFillClrLst>
+    <dgm:txEffectClrLst/>
+  </dgm:styleLbl>
+  <dgm:styleLbl name="bgAccFollowNode1">
+    <dgm:fillClrLst meth="repeat">
+      <a:schemeClr val="accent1">
+        <a:alpha val="90000"/>
+        <a:tint val="40000"/>
+      </a:schemeClr>
+    </dgm:fillClrLst>
+    <dgm:linClrLst meth="repeat">
+      <a:schemeClr val="accent1">
+        <a:alpha val="90000"/>
+        <a:tint val="40000"/>
+      </a:schemeClr>
+    </dgm:linClrLst>
+    <dgm:effectClrLst/>
+    <dgm:txLinClrLst/>
+    <dgm:txFillClrLst meth="repeat">
+      <a:schemeClr val="dk1"/>
+    </dgm:txFillClrLst>
+    <dgm:txEffectClrLst/>
+  </dgm:styleLbl>
+  <dgm:styleLbl name="fgAcc0">
+    <dgm:fillClrLst meth="repeat">
+      <a:schemeClr val="lt1">
+        <a:alpha val="90000"/>
+      </a:schemeClr>
+    </dgm:fillClrLst>
+    <dgm:linClrLst meth="repeat">
+      <a:schemeClr val="accent1"/>
+    </dgm:linClrLst>
+    <dgm:effectClrLst/>
+    <dgm:txLinClrLst/>
+    <dgm:txFillClrLst meth="repeat">
+      <a:schemeClr val="dk1"/>
+    </dgm:txFillClrLst>
+    <dgm:txEffectClrLst/>
+  </dgm:styleLbl>
+  <dgm:styleLbl name="fgAcc2">
+    <dgm:fillClrLst meth="repeat">
+      <a:schemeClr val="lt1">
+        <a:alpha val="90000"/>
+      </a:schemeClr>
+    </dgm:fillClrLst>
+    <dgm:linClrLst meth="repeat">
+      <a:schemeClr val="accent1"/>
+    </dgm:linClrLst>
+    <dgm:effectClrLst/>
+    <dgm:txLinClrLst/>
+    <dgm:txFillClrLst meth="repeat">
+      <a:schemeClr val="dk1"/>
+    </dgm:txFillClrLst>
+    <dgm:txEffectClrLst/>
+  </dgm:styleLbl>
+  <dgm:styleLbl name="fgAcc3">
+    <dgm:fillClrLst meth="repeat">
+      <a:schemeClr val="lt1">
+        <a:alpha val="90000"/>
+      </a:schemeClr>
+    </dgm:fillClrLst>
+    <dgm:linClrLst meth="repeat">
+      <a:schemeClr val="accent1"/>
+    </dgm:linClrLst>
+    <dgm:effectClrLst/>
+    <dgm:txLinClrLst/>
+    <dgm:txFillClrLst meth="repeat">
+      <a:schemeClr val="dk1"/>
+    </dgm:txFillClrLst>
+    <dgm:txEffectClrLst/>
+  </dgm:styleLbl>
+  <dgm:styleLbl name="fgAcc4">
+    <dgm:fillClrLst meth="repeat">
+      <a:schemeClr val="lt1">
+        <a:alpha val="90000"/>
+      </a:schemeClr>
+    </dgm:fillClrLst>
+    <dgm:linClrLst meth="repeat">
+      <a:schemeClr val="accent1"/>
+    </dgm:linClrLst>
+    <dgm:effectClrLst/>
+    <dgm:txLinClrLst/>
+    <dgm:txFillClrLst meth="repeat">
+      <a:schemeClr val="dk1"/>
+    </dgm:txFillClrLst>
+    <dgm:txEffectClrLst/>
+  </dgm:styleLbl>
+  <dgm:styleLbl name="bgShp">
+    <dgm:fillClrLst meth="repeat">
+      <a:schemeClr val="accent1">
+        <a:tint val="40000"/>
+      </a:schemeClr>
+    </dgm:fillClrLst>
+    <dgm:linClrLst meth="repeat">
+      <a:schemeClr val="accent1"/>
+    </dgm:linClrLst>
+    <dgm:effectClrLst/>
+    <dgm:txLinClrLst/>
+    <dgm:txFillClrLst meth="repeat">
+      <a:schemeClr val="dk1"/>
+    </dgm:txFillClrLst>
+    <dgm:txEffectClrLst/>
+  </dgm:styleLbl>
+  <dgm:styleLbl name="dkBgShp">
+    <dgm:fillClrLst meth="repeat">
+      <a:schemeClr val="accent1">
+        <a:shade val="80000"/>
+      </a:schemeClr>
+    </dgm:fillClrLst>
+    <dgm:linClrLst meth="repeat">
+      <a:schemeClr val="accent1"/>
+    </dgm:linClrLst>
+    <dgm:effectClrLst/>
+    <dgm:txLinClrLst/>
+    <dgm:txFillClrLst meth="repeat">
+      <a:schemeClr val="lt1"/>
+    </dgm:txFillClrLst>
+    <dgm:txEffectClrLst/>
+  </dgm:styleLbl>
+  <dgm:styleLbl name="trBgShp">
+    <dgm:fillClrLst meth="repeat">
+      <a:schemeClr val="accent1">
+        <a:tint val="50000"/>
+        <a:alpha val="40000"/>
+      </a:schemeClr>
+    </dgm:fillClrLst>
+    <dgm:linClrLst meth="repeat">
+      <a:schemeClr val="accent1"/>
+    </dgm:linClrLst>
+    <dgm:effectClrLst/>
+    <dgm:txLinClrLst/>
+    <dgm:txFillClrLst meth="repeat">
+      <a:schemeClr val="lt1"/>
+    </dgm:txFillClrLst>
+    <dgm:txEffectClrLst/>
+  </dgm:styleLbl>
+  <dgm:styleLbl name="fgShp">
+    <dgm:fillClrLst meth="repeat">
+      <a:schemeClr val="accent1">
+        <a:tint val="60000"/>
+      </a:schemeClr>
+    </dgm:fillClrLst>
+    <dgm:linClrLst meth="repeat">
+      <a:schemeClr val="lt1"/>
+    </dgm:linClrLst>
+    <dgm:effectClrLst/>
+    <dgm:txLinClrLst/>
+    <dgm:txFillClrLst meth="repeat">
+      <a:schemeClr val="dk1"/>
+    </dgm:txFillClrLst>
+    <dgm:txEffectClrLst/>
+  </dgm:styleLbl>
+  <dgm:styleLbl name="revTx">
+    <dgm:fillClrLst meth="repeat">
+      <a:schemeClr val="lt1">
+        <a:alpha val="0"/>
+      </a:schemeClr>
+    </dgm:fillClrLst>
+    <dgm:linClrLst meth="repeat">
+      <a:schemeClr val="dk1">
+        <a:alpha val="0"/>
+      </a:schemeClr>
+    </dgm:linClrLst>
+    <dgm:effectClrLst/>
+    <dgm:txLinClrLst/>
+    <dgm:txFillClrLst meth="repeat">
+      <a:schemeClr val="tx1"/>
+    </dgm:txFillClrLst>
+    <dgm:txEffectClrLst/>
+  </dgm:styleLbl>
+</dgm:colorsDef>
+</file>
+
 <file path=ppt/diagrams/data1.xml><?xml version="1.0" encoding="utf-8"?>
+<dgm:dataModel xmlns:dgm="http://schemas.openxmlformats.org/drawingml/2006/diagram" xmlns:a="http://schemas.openxmlformats.org/drawingml/2006/main">
+  <dgm:ptLst>
+    <dgm:pt modelId="{F38DDB89-6B7F-4BCC-9237-7E0338E856F5}" type="doc">
+      <dgm:prSet loTypeId="urn:microsoft.com/office/officeart/2005/8/layout/hProcess6" loCatId="process" qsTypeId="urn:microsoft.com/office/officeart/2005/8/quickstyle/simple1" qsCatId="simple" csTypeId="urn:microsoft.com/office/officeart/2005/8/colors/accent1_2" csCatId="accent1"/>
+      <dgm:spPr/>
+      <dgm:t>
+        <a:bodyPr/>
+        <a:lstStyle/>
+        <a:p>
+          <a:endParaRPr lang="en-US"/>
+        </a:p>
+      </dgm:t>
+    </dgm:pt>
+    <dgm:pt modelId="{6B68BEBB-70D8-4682-AF4A-FB50C9D8EE49}">
+      <dgm:prSet/>
+      <dgm:spPr/>
+      <dgm:t>
+        <a:bodyPr/>
+        <a:lstStyle/>
+        <a:p>
+          <a:pPr rtl="0"/>
+          <a:r>
+            <a:rPr lang="en-US" smtClean="0"/>
+            <a:t>Product quality</a:t>
+          </a:r>
+          <a:endParaRPr lang="en-US"/>
+        </a:p>
+      </dgm:t>
+    </dgm:pt>
+    <dgm:pt modelId="{B8A1E8AB-7512-41DA-8749-389E3BC7F3BF}" type="parTrans" cxnId="{E1F0103A-2D83-4F6B-A435-72D052D263C9}">
+      <dgm:prSet/>
+      <dgm:spPr/>
+      <dgm:t>
+        <a:bodyPr/>
+        <a:lstStyle/>
+        <a:p>
+          <a:endParaRPr lang="en-US"/>
+        </a:p>
+      </dgm:t>
+    </dgm:pt>
+    <dgm:pt modelId="{6F632C74-86FB-484F-9257-C7ADCB148A4A}" type="sibTrans" cxnId="{E1F0103A-2D83-4F6B-A435-72D052D263C9}">
+      <dgm:prSet/>
+      <dgm:spPr/>
+      <dgm:t>
+        <a:bodyPr/>
+        <a:lstStyle/>
+        <a:p>
+          <a:endParaRPr lang="en-US"/>
+        </a:p>
+      </dgm:t>
+    </dgm:pt>
+    <dgm:pt modelId="{5F34539E-B408-4318-A231-C99FB30CA569}">
+      <dgm:prSet/>
+      <dgm:spPr/>
+      <dgm:t>
+        <a:bodyPr/>
+        <a:lstStyle/>
+        <a:p>
+          <a:pPr rtl="0"/>
+          <a:r>
+            <a:rPr lang="en-US" smtClean="0"/>
+            <a:t>Code quality</a:t>
+          </a:r>
+          <a:endParaRPr lang="en-US"/>
+        </a:p>
+      </dgm:t>
+    </dgm:pt>
+    <dgm:pt modelId="{3B2E2F61-7591-453C-8384-C975AA7635A1}" type="parTrans" cxnId="{91AB70F5-5D0D-4B91-A31C-0B89D22686BF}">
+      <dgm:prSet/>
+      <dgm:spPr/>
+      <dgm:t>
+        <a:bodyPr/>
+        <a:lstStyle/>
+        <a:p>
+          <a:endParaRPr lang="en-US"/>
+        </a:p>
+      </dgm:t>
+    </dgm:pt>
+    <dgm:pt modelId="{C7F81A2F-D37D-4805-A3A3-47F50B0D3651}" type="sibTrans" cxnId="{91AB70F5-5D0D-4B91-A31C-0B89D22686BF}">
+      <dgm:prSet/>
+      <dgm:spPr/>
+      <dgm:t>
+        <a:bodyPr/>
+        <a:lstStyle/>
+        <a:p>
+          <a:endParaRPr lang="en-US"/>
+        </a:p>
+      </dgm:t>
+    </dgm:pt>
+    <dgm:pt modelId="{DF62135D-7A1E-4802-8AC8-111FAB046298}">
+      <dgm:prSet/>
+      <dgm:spPr/>
+      <dgm:t>
+        <a:bodyPr/>
+        <a:lstStyle/>
+        <a:p>
+          <a:pPr rtl="0"/>
+          <a:r>
+            <a:rPr lang="en-US" smtClean="0"/>
+            <a:t>Practices in building cloud-based system</a:t>
+          </a:r>
+          <a:endParaRPr lang="en-US"/>
+        </a:p>
+      </dgm:t>
+    </dgm:pt>
+    <dgm:pt modelId="{32833B4D-ED2F-4F2D-A0C9-FB814B0D3EC3}" type="parTrans" cxnId="{612282B5-90F8-42CE-8750-B8C762851E74}">
+      <dgm:prSet/>
+      <dgm:spPr/>
+      <dgm:t>
+        <a:bodyPr/>
+        <a:lstStyle/>
+        <a:p>
+          <a:endParaRPr lang="en-US"/>
+        </a:p>
+      </dgm:t>
+    </dgm:pt>
+    <dgm:pt modelId="{AD0B79D0-8D75-4D55-A4D7-16B6D11AEFFA}" type="sibTrans" cxnId="{612282B5-90F8-42CE-8750-B8C762851E74}">
+      <dgm:prSet/>
+      <dgm:spPr/>
+      <dgm:t>
+        <a:bodyPr/>
+        <a:lstStyle/>
+        <a:p>
+          <a:endParaRPr lang="en-US"/>
+        </a:p>
+      </dgm:t>
+    </dgm:pt>
+    <dgm:pt modelId="{76E26243-9477-420C-A9B5-6083BE4003E1}">
+      <dgm:prSet/>
+      <dgm:spPr/>
+      <dgm:t>
+        <a:bodyPr/>
+        <a:lstStyle/>
+        <a:p>
+          <a:pPr rtl="0"/>
+          <a:r>
+            <a:rPr lang="en-US" smtClean="0"/>
+            <a:t>Cautions</a:t>
+          </a:r>
+          <a:endParaRPr lang="en-US"/>
+        </a:p>
+      </dgm:t>
+    </dgm:pt>
+    <dgm:pt modelId="{A4902C8C-A843-4541-90A7-A51086CA9081}" type="parTrans" cxnId="{FBC1C631-691C-4375-B2B3-39440815A655}">
+      <dgm:prSet/>
+      <dgm:spPr/>
+      <dgm:t>
+        <a:bodyPr/>
+        <a:lstStyle/>
+        <a:p>
+          <a:endParaRPr lang="en-US"/>
+        </a:p>
+      </dgm:t>
+    </dgm:pt>
+    <dgm:pt modelId="{DB3B246E-E05A-4A79-8DCB-3D13F706073C}" type="sibTrans" cxnId="{FBC1C631-691C-4375-B2B3-39440815A655}">
+      <dgm:prSet/>
+      <dgm:spPr/>
+      <dgm:t>
+        <a:bodyPr/>
+        <a:lstStyle/>
+        <a:p>
+          <a:endParaRPr lang="en-US"/>
+        </a:p>
+      </dgm:t>
+    </dgm:pt>
+    <dgm:pt modelId="{5C58961E-7451-49E8-A29C-C951C9384AE1}" type="pres">
+      <dgm:prSet presAssocID="{F38DDB89-6B7F-4BCC-9237-7E0338E856F5}" presName="theList" presStyleCnt="0">
+        <dgm:presLayoutVars>
+          <dgm:dir/>
+          <dgm:animLvl val="lvl"/>
+          <dgm:resizeHandles val="exact"/>
+        </dgm:presLayoutVars>
+      </dgm:prSet>
+      <dgm:spPr/>
+    </dgm:pt>
+    <dgm:pt modelId="{4FC12D9F-A874-4385-98C6-F209F50FF03E}" type="pres">
+      <dgm:prSet presAssocID="{6B68BEBB-70D8-4682-AF4A-FB50C9D8EE49}" presName="compNode" presStyleCnt="0"/>
+      <dgm:spPr/>
+    </dgm:pt>
+    <dgm:pt modelId="{F8BDDFDB-87A6-42F6-8A0D-3177CA107B31}" type="pres">
+      <dgm:prSet presAssocID="{6B68BEBB-70D8-4682-AF4A-FB50C9D8EE49}" presName="noGeometry" presStyleCnt="0"/>
+      <dgm:spPr/>
+    </dgm:pt>
+    <dgm:pt modelId="{E7B0E0CC-397D-4FD9-B47B-8106FC6BEA2B}" type="pres">
+      <dgm:prSet presAssocID="{6B68BEBB-70D8-4682-AF4A-FB50C9D8EE49}" presName="childTextVisible" presStyleLbl="bgAccFollowNode1" presStyleIdx="0" presStyleCnt="4">
+        <dgm:presLayoutVars>
+          <dgm:bulletEnabled val="1"/>
+        </dgm:presLayoutVars>
+      </dgm:prSet>
+      <dgm:spPr/>
+    </dgm:pt>
+    <dgm:pt modelId="{CC448DFE-D60F-4B7C-B022-082C672D7523}" type="pres">
+      <dgm:prSet presAssocID="{6B68BEBB-70D8-4682-AF4A-FB50C9D8EE49}" presName="childTextHidden" presStyleLbl="bgAccFollowNode1" presStyleIdx="0" presStyleCnt="4"/>
+      <dgm:spPr/>
+    </dgm:pt>
+    <dgm:pt modelId="{57873A27-5C2F-4A74-A9FA-902B7F4F9B1B}" type="pres">
+      <dgm:prSet presAssocID="{6B68BEBB-70D8-4682-AF4A-FB50C9D8EE49}" presName="parentText" presStyleLbl="node1" presStyleIdx="0" presStyleCnt="4">
+        <dgm:presLayoutVars>
+          <dgm:chMax val="1"/>
+          <dgm:bulletEnabled val="1"/>
+        </dgm:presLayoutVars>
+      </dgm:prSet>
+      <dgm:spPr/>
+    </dgm:pt>
+    <dgm:pt modelId="{78676EE5-5293-4EAE-BABB-ABD91E3986B9}" type="pres">
+      <dgm:prSet presAssocID="{6B68BEBB-70D8-4682-AF4A-FB50C9D8EE49}" presName="aSpace" presStyleCnt="0"/>
+      <dgm:spPr/>
+    </dgm:pt>
+    <dgm:pt modelId="{60C8FABB-989F-4D83-801F-1D12C32B1F8D}" type="pres">
+      <dgm:prSet presAssocID="{5F34539E-B408-4318-A231-C99FB30CA569}" presName="compNode" presStyleCnt="0"/>
+      <dgm:spPr/>
+    </dgm:pt>
+    <dgm:pt modelId="{E856786A-7B82-4FC9-AB80-4EDF0926BB0C}" type="pres">
+      <dgm:prSet presAssocID="{5F34539E-B408-4318-A231-C99FB30CA569}" presName="noGeometry" presStyleCnt="0"/>
+      <dgm:spPr/>
+    </dgm:pt>
+    <dgm:pt modelId="{5A6D1438-FE45-4213-8E12-B3A0266527B8}" type="pres">
+      <dgm:prSet presAssocID="{5F34539E-B408-4318-A231-C99FB30CA569}" presName="childTextVisible" presStyleLbl="bgAccFollowNode1" presStyleIdx="1" presStyleCnt="4">
+        <dgm:presLayoutVars>
+          <dgm:bulletEnabled val="1"/>
+        </dgm:presLayoutVars>
+      </dgm:prSet>
+      <dgm:spPr/>
+    </dgm:pt>
+    <dgm:pt modelId="{54C8FAE0-45D8-4D7D-BB56-8FBE474B40CB}" type="pres">
+      <dgm:prSet presAssocID="{5F34539E-B408-4318-A231-C99FB30CA569}" presName="childTextHidden" presStyleLbl="bgAccFollowNode1" presStyleIdx="1" presStyleCnt="4"/>
+      <dgm:spPr/>
+    </dgm:pt>
+    <dgm:pt modelId="{C7D6FAA2-032B-48E3-9612-8EBF56776401}" type="pres">
+      <dgm:prSet presAssocID="{5F34539E-B408-4318-A231-C99FB30CA569}" presName="parentText" presStyleLbl="node1" presStyleIdx="1" presStyleCnt="4">
+        <dgm:presLayoutVars>
+          <dgm:chMax val="1"/>
+          <dgm:bulletEnabled val="1"/>
+        </dgm:presLayoutVars>
+      </dgm:prSet>
+      <dgm:spPr/>
+    </dgm:pt>
+    <dgm:pt modelId="{A2723742-CD47-4450-BF20-5074161FF649}" type="pres">
+      <dgm:prSet presAssocID="{5F34539E-B408-4318-A231-C99FB30CA569}" presName="aSpace" presStyleCnt="0"/>
+      <dgm:spPr/>
+    </dgm:pt>
+    <dgm:pt modelId="{69532854-BD83-485F-A06C-79E35DD849DF}" type="pres">
+      <dgm:prSet presAssocID="{DF62135D-7A1E-4802-8AC8-111FAB046298}" presName="compNode" presStyleCnt="0"/>
+      <dgm:spPr/>
+    </dgm:pt>
+    <dgm:pt modelId="{3F4A6DC7-F23E-4142-AF02-EA2730C3F752}" type="pres">
+      <dgm:prSet presAssocID="{DF62135D-7A1E-4802-8AC8-111FAB046298}" presName="noGeometry" presStyleCnt="0"/>
+      <dgm:spPr/>
+    </dgm:pt>
+    <dgm:pt modelId="{76E9D61A-F903-4666-94AA-F31C63480445}" type="pres">
+      <dgm:prSet presAssocID="{DF62135D-7A1E-4802-8AC8-111FAB046298}" presName="childTextVisible" presStyleLbl="bgAccFollowNode1" presStyleIdx="2" presStyleCnt="4">
+        <dgm:presLayoutVars>
+          <dgm:bulletEnabled val="1"/>
+        </dgm:presLayoutVars>
+      </dgm:prSet>
+      <dgm:spPr/>
+    </dgm:pt>
+    <dgm:pt modelId="{D8285127-2737-4CDD-938B-AD8EEC7FA5AB}" type="pres">
+      <dgm:prSet presAssocID="{DF62135D-7A1E-4802-8AC8-111FAB046298}" presName="childTextHidden" presStyleLbl="bgAccFollowNode1" presStyleIdx="2" presStyleCnt="4"/>
+      <dgm:spPr/>
+    </dgm:pt>
+    <dgm:pt modelId="{B75826AE-A2FE-4852-A322-956BC7E9E9B2}" type="pres">
+      <dgm:prSet presAssocID="{DF62135D-7A1E-4802-8AC8-111FAB046298}" presName="parentText" presStyleLbl="node1" presStyleIdx="2" presStyleCnt="4">
+        <dgm:presLayoutVars>
+          <dgm:chMax val="1"/>
+          <dgm:bulletEnabled val="1"/>
+        </dgm:presLayoutVars>
+      </dgm:prSet>
+      <dgm:spPr/>
+    </dgm:pt>
+    <dgm:pt modelId="{A685FAA4-7967-4857-BF85-722A9E185F83}" type="pres">
+      <dgm:prSet presAssocID="{DF62135D-7A1E-4802-8AC8-111FAB046298}" presName="aSpace" presStyleCnt="0"/>
+      <dgm:spPr/>
+    </dgm:pt>
+    <dgm:pt modelId="{EF190DFB-7562-44C9-8494-07F0B68CE6FE}" type="pres">
+      <dgm:prSet presAssocID="{76E26243-9477-420C-A9B5-6083BE4003E1}" presName="compNode" presStyleCnt="0"/>
+      <dgm:spPr/>
+    </dgm:pt>
+    <dgm:pt modelId="{67615E27-22CC-4F75-AF57-357DCC15952A}" type="pres">
+      <dgm:prSet presAssocID="{76E26243-9477-420C-A9B5-6083BE4003E1}" presName="noGeometry" presStyleCnt="0"/>
+      <dgm:spPr/>
+    </dgm:pt>
+    <dgm:pt modelId="{9028F80E-5046-4392-BF78-9598F0D8BDE7}" type="pres">
+      <dgm:prSet presAssocID="{76E26243-9477-420C-A9B5-6083BE4003E1}" presName="childTextVisible" presStyleLbl="bgAccFollowNode1" presStyleIdx="3" presStyleCnt="4">
+        <dgm:presLayoutVars>
+          <dgm:bulletEnabled val="1"/>
+        </dgm:presLayoutVars>
+      </dgm:prSet>
+      <dgm:spPr/>
+    </dgm:pt>
+    <dgm:pt modelId="{BB7296F2-6518-4A58-A15B-6F515A6B0AE5}" type="pres">
+      <dgm:prSet presAssocID="{76E26243-9477-420C-A9B5-6083BE4003E1}" presName="childTextHidden" presStyleLbl="bgAccFollowNode1" presStyleIdx="3" presStyleCnt="4"/>
+      <dgm:spPr/>
+    </dgm:pt>
+    <dgm:pt modelId="{4CC387DE-C3A1-4BAB-B540-B4B7976407BE}" type="pres">
+      <dgm:prSet presAssocID="{76E26243-9477-420C-A9B5-6083BE4003E1}" presName="parentText" presStyleLbl="node1" presStyleIdx="3" presStyleCnt="4">
+        <dgm:presLayoutVars>
+          <dgm:chMax val="1"/>
+          <dgm:bulletEnabled val="1"/>
+        </dgm:presLayoutVars>
+      </dgm:prSet>
+      <dgm:spPr/>
+    </dgm:pt>
+  </dgm:ptLst>
+  <dgm:cxnLst>
+    <dgm:cxn modelId="{612282B5-90F8-42CE-8750-B8C762851E74}" srcId="{F38DDB89-6B7F-4BCC-9237-7E0338E856F5}" destId="{DF62135D-7A1E-4802-8AC8-111FAB046298}" srcOrd="2" destOrd="0" parTransId="{32833B4D-ED2F-4F2D-A0C9-FB814B0D3EC3}" sibTransId="{AD0B79D0-8D75-4D55-A4D7-16B6D11AEFFA}"/>
+    <dgm:cxn modelId="{01F9F10C-5B8D-4B50-8998-D887F457398B}" type="presOf" srcId="{F38DDB89-6B7F-4BCC-9237-7E0338E856F5}" destId="{5C58961E-7451-49E8-A29C-C951C9384AE1}" srcOrd="0" destOrd="0" presId="urn:microsoft.com/office/officeart/2005/8/layout/hProcess6"/>
+    <dgm:cxn modelId="{56D31F2D-DCEC-4E4A-9F0C-BE91212AECE5}" type="presOf" srcId="{6B68BEBB-70D8-4682-AF4A-FB50C9D8EE49}" destId="{57873A27-5C2F-4A74-A9FA-902B7F4F9B1B}" srcOrd="0" destOrd="0" presId="urn:microsoft.com/office/officeart/2005/8/layout/hProcess6"/>
+    <dgm:cxn modelId="{E1F0103A-2D83-4F6B-A435-72D052D263C9}" srcId="{F38DDB89-6B7F-4BCC-9237-7E0338E856F5}" destId="{6B68BEBB-70D8-4682-AF4A-FB50C9D8EE49}" srcOrd="0" destOrd="0" parTransId="{B8A1E8AB-7512-41DA-8749-389E3BC7F3BF}" sibTransId="{6F632C74-86FB-484F-9257-C7ADCB148A4A}"/>
+    <dgm:cxn modelId="{91AB70F5-5D0D-4B91-A31C-0B89D22686BF}" srcId="{F38DDB89-6B7F-4BCC-9237-7E0338E856F5}" destId="{5F34539E-B408-4318-A231-C99FB30CA569}" srcOrd="1" destOrd="0" parTransId="{3B2E2F61-7591-453C-8384-C975AA7635A1}" sibTransId="{C7F81A2F-D37D-4805-A3A3-47F50B0D3651}"/>
+    <dgm:cxn modelId="{88F4D231-1DB9-4C87-B1D9-46D9C99DE220}" type="presOf" srcId="{76E26243-9477-420C-A9B5-6083BE4003E1}" destId="{4CC387DE-C3A1-4BAB-B540-B4B7976407BE}" srcOrd="0" destOrd="0" presId="urn:microsoft.com/office/officeart/2005/8/layout/hProcess6"/>
+    <dgm:cxn modelId="{758EC9A1-A233-4B6C-A449-47FCCB3A2409}" type="presOf" srcId="{5F34539E-B408-4318-A231-C99FB30CA569}" destId="{C7D6FAA2-032B-48E3-9612-8EBF56776401}" srcOrd="0" destOrd="0" presId="urn:microsoft.com/office/officeart/2005/8/layout/hProcess6"/>
+    <dgm:cxn modelId="{2E802E57-73BF-48EC-BD55-2ABFAE74AC7E}" type="presOf" srcId="{DF62135D-7A1E-4802-8AC8-111FAB046298}" destId="{B75826AE-A2FE-4852-A322-956BC7E9E9B2}" srcOrd="0" destOrd="0" presId="urn:microsoft.com/office/officeart/2005/8/layout/hProcess6"/>
+    <dgm:cxn modelId="{FBC1C631-691C-4375-B2B3-39440815A655}" srcId="{F38DDB89-6B7F-4BCC-9237-7E0338E856F5}" destId="{76E26243-9477-420C-A9B5-6083BE4003E1}" srcOrd="3" destOrd="0" parTransId="{A4902C8C-A843-4541-90A7-A51086CA9081}" sibTransId="{DB3B246E-E05A-4A79-8DCB-3D13F706073C}"/>
+    <dgm:cxn modelId="{E5D088C3-6C73-457A-94C3-0AA0990A4271}" type="presParOf" srcId="{5C58961E-7451-49E8-A29C-C951C9384AE1}" destId="{4FC12D9F-A874-4385-98C6-F209F50FF03E}" srcOrd="0" destOrd="0" presId="urn:microsoft.com/office/officeart/2005/8/layout/hProcess6"/>
+    <dgm:cxn modelId="{E40C2A93-3788-4698-AF16-A2DFF428C64C}" type="presParOf" srcId="{4FC12D9F-A874-4385-98C6-F209F50FF03E}" destId="{F8BDDFDB-87A6-42F6-8A0D-3177CA107B31}" srcOrd="0" destOrd="0" presId="urn:microsoft.com/office/officeart/2005/8/layout/hProcess6"/>
+    <dgm:cxn modelId="{7A5ABAF3-1B08-4499-96CA-29DC5F38FA7A}" type="presParOf" srcId="{4FC12D9F-A874-4385-98C6-F209F50FF03E}" destId="{E7B0E0CC-397D-4FD9-B47B-8106FC6BEA2B}" srcOrd="1" destOrd="0" presId="urn:microsoft.com/office/officeart/2005/8/layout/hProcess6"/>
+    <dgm:cxn modelId="{70F8B2B4-167F-468F-B816-1B0627E67F00}" type="presParOf" srcId="{4FC12D9F-A874-4385-98C6-F209F50FF03E}" destId="{CC448DFE-D60F-4B7C-B022-082C672D7523}" srcOrd="2" destOrd="0" presId="urn:microsoft.com/office/officeart/2005/8/layout/hProcess6"/>
+    <dgm:cxn modelId="{87CD567F-4EB7-4A50-9518-F137007E4E46}" type="presParOf" srcId="{4FC12D9F-A874-4385-98C6-F209F50FF03E}" destId="{57873A27-5C2F-4A74-A9FA-902B7F4F9B1B}" srcOrd="3" destOrd="0" presId="urn:microsoft.com/office/officeart/2005/8/layout/hProcess6"/>
+    <dgm:cxn modelId="{A0E6B096-49D1-4A62-A6F3-11CB6E10D038}" type="presParOf" srcId="{5C58961E-7451-49E8-A29C-C951C9384AE1}" destId="{78676EE5-5293-4EAE-BABB-ABD91E3986B9}" srcOrd="1" destOrd="0" presId="urn:microsoft.com/office/officeart/2005/8/layout/hProcess6"/>
+    <dgm:cxn modelId="{DA9DB990-6AFE-4C81-99E4-0AA49A558ABF}" type="presParOf" srcId="{5C58961E-7451-49E8-A29C-C951C9384AE1}" destId="{60C8FABB-989F-4D83-801F-1D12C32B1F8D}" srcOrd="2" destOrd="0" presId="urn:microsoft.com/office/officeart/2005/8/layout/hProcess6"/>
+    <dgm:cxn modelId="{8AC8F0CD-7592-46A1-A9F6-59A207C2C95A}" type="presParOf" srcId="{60C8FABB-989F-4D83-801F-1D12C32B1F8D}" destId="{E856786A-7B82-4FC9-AB80-4EDF0926BB0C}" srcOrd="0" destOrd="0" presId="urn:microsoft.com/office/officeart/2005/8/layout/hProcess6"/>
+    <dgm:cxn modelId="{CF797CAD-4A89-4D22-A618-D261209CB2D2}" type="presParOf" srcId="{60C8FABB-989F-4D83-801F-1D12C32B1F8D}" destId="{5A6D1438-FE45-4213-8E12-B3A0266527B8}" srcOrd="1" destOrd="0" presId="urn:microsoft.com/office/officeart/2005/8/layout/hProcess6"/>
+    <dgm:cxn modelId="{F520ADB9-91C0-4D30-A128-F762F15EE7DC}" type="presParOf" srcId="{60C8FABB-989F-4D83-801F-1D12C32B1F8D}" destId="{54C8FAE0-45D8-4D7D-BB56-8FBE474B40CB}" srcOrd="2" destOrd="0" presId="urn:microsoft.com/office/officeart/2005/8/layout/hProcess6"/>
+    <dgm:cxn modelId="{4977B6AB-CAA1-49C3-8F36-26C92EDFA982}" type="presParOf" srcId="{60C8FABB-989F-4D83-801F-1D12C32B1F8D}" destId="{C7D6FAA2-032B-48E3-9612-8EBF56776401}" srcOrd="3" destOrd="0" presId="urn:microsoft.com/office/officeart/2005/8/layout/hProcess6"/>
+    <dgm:cxn modelId="{5FB89135-ACA4-4BB5-905E-1C0943241B0F}" type="presParOf" srcId="{5C58961E-7451-49E8-A29C-C951C9384AE1}" destId="{A2723742-CD47-4450-BF20-5074161FF649}" srcOrd="3" destOrd="0" presId="urn:microsoft.com/office/officeart/2005/8/layout/hProcess6"/>
+    <dgm:cxn modelId="{ED114DF5-AC8A-4A66-B414-E56D5936AB93}" type="presParOf" srcId="{5C58961E-7451-49E8-A29C-C951C9384AE1}" destId="{69532854-BD83-485F-A06C-79E35DD849DF}" srcOrd="4" destOrd="0" presId="urn:microsoft.com/office/officeart/2005/8/layout/hProcess6"/>
+    <dgm:cxn modelId="{48C2E91C-C0C0-4CFD-AE82-ACF94780BD78}" type="presParOf" srcId="{69532854-BD83-485F-A06C-79E35DD849DF}" destId="{3F4A6DC7-F23E-4142-AF02-EA2730C3F752}" srcOrd="0" destOrd="0" presId="urn:microsoft.com/office/officeart/2005/8/layout/hProcess6"/>
+    <dgm:cxn modelId="{5EC0FBAE-2B34-4DE3-A9E8-049A13B1FB08}" type="presParOf" srcId="{69532854-BD83-485F-A06C-79E35DD849DF}" destId="{76E9D61A-F903-4666-94AA-F31C63480445}" srcOrd="1" destOrd="0" presId="urn:microsoft.com/office/officeart/2005/8/layout/hProcess6"/>
+    <dgm:cxn modelId="{3A47510C-42A9-4728-95E4-CA3903D29194}" type="presParOf" srcId="{69532854-BD83-485F-A06C-79E35DD849DF}" destId="{D8285127-2737-4CDD-938B-AD8EEC7FA5AB}" srcOrd="2" destOrd="0" presId="urn:microsoft.com/office/officeart/2005/8/layout/hProcess6"/>
+    <dgm:cxn modelId="{B4FA35A9-E7DD-4514-850E-DE1CAD4BA081}" type="presParOf" srcId="{69532854-BD83-485F-A06C-79E35DD849DF}" destId="{B75826AE-A2FE-4852-A322-956BC7E9E9B2}" srcOrd="3" destOrd="0" presId="urn:microsoft.com/office/officeart/2005/8/layout/hProcess6"/>
+    <dgm:cxn modelId="{43A290EF-2CCA-45C4-B589-4FB51EF03FCF}" type="presParOf" srcId="{5C58961E-7451-49E8-A29C-C951C9384AE1}" destId="{A685FAA4-7967-4857-BF85-722A9E185F83}" srcOrd="5" destOrd="0" presId="urn:microsoft.com/office/officeart/2005/8/layout/hProcess6"/>
+    <dgm:cxn modelId="{82BEBB10-1AD4-42E3-8646-B6B76D3E0B66}" type="presParOf" srcId="{5C58961E-7451-49E8-A29C-C951C9384AE1}" destId="{EF190DFB-7562-44C9-8494-07F0B68CE6FE}" srcOrd="6" destOrd="0" presId="urn:microsoft.com/office/officeart/2005/8/layout/hProcess6"/>
+    <dgm:cxn modelId="{16A86B88-BAE5-4D44-A6EB-98A7ED0851AE}" type="presParOf" srcId="{EF190DFB-7562-44C9-8494-07F0B68CE6FE}" destId="{67615E27-22CC-4F75-AF57-357DCC15952A}" srcOrd="0" destOrd="0" presId="urn:microsoft.com/office/officeart/2005/8/layout/hProcess6"/>
+    <dgm:cxn modelId="{4E4C4FA2-11EA-4E66-841D-7F7C6BECA127}" type="presParOf" srcId="{EF190DFB-7562-44C9-8494-07F0B68CE6FE}" destId="{9028F80E-5046-4392-BF78-9598F0D8BDE7}" srcOrd="1" destOrd="0" presId="urn:microsoft.com/office/officeart/2005/8/layout/hProcess6"/>
+    <dgm:cxn modelId="{D2820877-50FF-420A-BA01-097D7BDE35CB}" type="presParOf" srcId="{EF190DFB-7562-44C9-8494-07F0B68CE6FE}" destId="{BB7296F2-6518-4A58-A15B-6F515A6B0AE5}" srcOrd="2" destOrd="0" presId="urn:microsoft.com/office/officeart/2005/8/layout/hProcess6"/>
+    <dgm:cxn modelId="{1033C185-ADBD-4961-804D-E396C7A8DF03}" type="presParOf" srcId="{EF190DFB-7562-44C9-8494-07F0B68CE6FE}" destId="{4CC387DE-C3A1-4BAB-B540-B4B7976407BE}" srcOrd="3" destOrd="0" presId="urn:microsoft.com/office/officeart/2005/8/layout/hProcess6"/>
+  </dgm:cxnLst>
+  <dgm:bg/>
+  <dgm:whole/>
+  <dgm:extLst>
+    <a:ext uri="http://schemas.microsoft.com/office/drawing/2008/diagram">
+      <dsp:dataModelExt xmlns:dsp="http://schemas.microsoft.com/office/drawing/2008/diagram" relId="rId6" minVer="http://schemas.openxmlformats.org/drawingml/2006/diagram"/>
+    </a:ext>
+  </dgm:extLst>
+</dgm:dataModel>
+</file>
+
+<file path=ppt/diagrams/data2.xml><?xml version="1.0" encoding="utf-8"?>
 <dgm:dataModel xmlns:dgm="http://schemas.openxmlformats.org/drawingml/2006/diagram" xmlns:a="http://schemas.openxmlformats.org/drawingml/2006/main">
   <dgm:ptLst>
     <dgm:pt modelId="{BDF696B7-9D8C-41FE-B1BB-468DD46DCA39}" type="doc">
@@ -1781,6 +2882,13 @@
         </dgm:presLayoutVars>
       </dgm:prSet>
       <dgm:spPr/>
+      <dgm:t>
+        <a:bodyPr/>
+        <a:lstStyle/>
+        <a:p>
+          <a:endParaRPr lang="en-US"/>
+        </a:p>
+      </dgm:t>
     </dgm:pt>
     <dgm:pt modelId="{D659E86D-BA01-4FC2-B6EA-19CE9EE0237C}" type="pres">
       <dgm:prSet presAssocID="{A700544E-8722-4357-AD63-6132858518FC}" presName="parTxOnlySpace" presStyleCnt="0"/>
@@ -1816,16 +2924,23 @@
         </dgm:presLayoutVars>
       </dgm:prSet>
       <dgm:spPr/>
+      <dgm:t>
+        <a:bodyPr/>
+        <a:lstStyle/>
+        <a:p>
+          <a:endParaRPr lang="en-US"/>
+        </a:p>
+      </dgm:t>
     </dgm:pt>
   </dgm:ptLst>
   <dgm:cxnLst>
+    <dgm:cxn modelId="{0043D16B-0683-4A22-AA01-FE43250030F8}" type="presOf" srcId="{CEC6BD30-A081-4C11-BE0C-DE059AE30717}" destId="{37BEB583-E78E-4F61-A39C-F5BC71E71163}" srcOrd="0" destOrd="0" presId="urn:microsoft.com/office/officeart/2005/8/layout/chevron1"/>
     <dgm:cxn modelId="{936D2A7F-31CA-4FC0-A2C8-A8C9216F8BCF}" srcId="{BDF696B7-9D8C-41FE-B1BB-468DD46DCA39}" destId="{1434F292-9168-437B-AD09-FCA6AA97B7C9}" srcOrd="0" destOrd="0" parTransId="{2C78D362-95A7-4002-95BC-D53C4EAEA7CD}" sibTransId="{A700544E-8722-4357-AD63-6132858518FC}"/>
+    <dgm:cxn modelId="{4BC2C8EA-EB57-4A2A-BDE1-4F4A515CA6DB}" type="presOf" srcId="{BDF696B7-9D8C-41FE-B1BB-468DD46DCA39}" destId="{019ECF05-E9E1-4B6B-B06F-8B220F65C36E}" srcOrd="0" destOrd="0" presId="urn:microsoft.com/office/officeart/2005/8/layout/chevron1"/>
     <dgm:cxn modelId="{7C91F0BE-B143-449D-9E5D-87828D94667D}" type="presOf" srcId="{F004C963-07C1-46E7-9202-59B707C3D7D0}" destId="{70990B95-9C45-4AC8-B379-2287C93DEF89}" srcOrd="0" destOrd="0" presId="urn:microsoft.com/office/officeart/2005/8/layout/chevron1"/>
+    <dgm:cxn modelId="{643CE276-E620-42CE-ABE1-27ADEFACAA04}" srcId="{BDF696B7-9D8C-41FE-B1BB-468DD46DCA39}" destId="{CEC6BD30-A081-4C11-BE0C-DE059AE30717}" srcOrd="2" destOrd="0" parTransId="{E441FF23-09BD-4798-89C6-AB68653F42A9}" sibTransId="{28976F03-7510-4BFA-B8DD-D8308DADA244}"/>
     <dgm:cxn modelId="{093D6857-CF04-4E45-910C-35D7650B24CC}" type="presOf" srcId="{1434F292-9168-437B-AD09-FCA6AA97B7C9}" destId="{07A97A5B-0916-469B-A310-B5BA16587294}" srcOrd="0" destOrd="0" presId="urn:microsoft.com/office/officeart/2005/8/layout/chevron1"/>
     <dgm:cxn modelId="{32806AD7-80E4-48BA-B903-2221773A89D6}" srcId="{BDF696B7-9D8C-41FE-B1BB-468DD46DCA39}" destId="{F004C963-07C1-46E7-9202-59B707C3D7D0}" srcOrd="1" destOrd="0" parTransId="{474A0086-2983-4BDF-B2AB-8709178EEFB8}" sibTransId="{AEA3FD7C-43A5-437B-A600-6719F9829CF1}"/>
-    <dgm:cxn modelId="{4BC2C8EA-EB57-4A2A-BDE1-4F4A515CA6DB}" type="presOf" srcId="{BDF696B7-9D8C-41FE-B1BB-468DD46DCA39}" destId="{019ECF05-E9E1-4B6B-B06F-8B220F65C36E}" srcOrd="0" destOrd="0" presId="urn:microsoft.com/office/officeart/2005/8/layout/chevron1"/>
-    <dgm:cxn modelId="{0043D16B-0683-4A22-AA01-FE43250030F8}" type="presOf" srcId="{CEC6BD30-A081-4C11-BE0C-DE059AE30717}" destId="{37BEB583-E78E-4F61-A39C-F5BC71E71163}" srcOrd="0" destOrd="0" presId="urn:microsoft.com/office/officeart/2005/8/layout/chevron1"/>
-    <dgm:cxn modelId="{643CE276-E620-42CE-ABE1-27ADEFACAA04}" srcId="{BDF696B7-9D8C-41FE-B1BB-468DD46DCA39}" destId="{CEC6BD30-A081-4C11-BE0C-DE059AE30717}" srcOrd="2" destOrd="0" parTransId="{E441FF23-09BD-4798-89C6-AB68653F42A9}" sibTransId="{28976F03-7510-4BFA-B8DD-D8308DADA244}"/>
     <dgm:cxn modelId="{E33E603D-F2D3-4E8A-A773-521E747E77D9}" type="presParOf" srcId="{019ECF05-E9E1-4B6B-B06F-8B220F65C36E}" destId="{07A97A5B-0916-469B-A310-B5BA16587294}" srcOrd="0" destOrd="0" presId="urn:microsoft.com/office/officeart/2005/8/layout/chevron1"/>
     <dgm:cxn modelId="{194D117C-A3DE-4FEB-B081-F8C2311B2CC8}" type="presParOf" srcId="{019ECF05-E9E1-4B6B-B06F-8B220F65C36E}" destId="{D659E86D-BA01-4FC2-B6EA-19CE9EE0237C}" srcOrd="1" destOrd="0" presId="urn:microsoft.com/office/officeart/2005/8/layout/chevron1"/>
     <dgm:cxn modelId="{E44AF570-5F18-4057-898D-2C99A587107A}" type="presParOf" srcId="{019ECF05-E9E1-4B6B-B06F-8B220F65C36E}" destId="{70990B95-9C45-4AC8-B379-2287C93DEF89}" srcOrd="2" destOrd="0" presId="urn:microsoft.com/office/officeart/2005/8/layout/chevron1"/>
@@ -1842,7 +2957,7 @@
 </dgm:dataModel>
 </file>
 
-<file path=ppt/diagrams/data2.xml><?xml version="1.0" encoding="utf-8"?>
+<file path=ppt/diagrams/data3.xml><?xml version="1.0" encoding="utf-8"?>
 <dgm:dataModel xmlns:dgm="http://schemas.openxmlformats.org/drawingml/2006/diagram" xmlns:a="http://schemas.openxmlformats.org/drawingml/2006/main">
   <dgm:ptLst>
     <dgm:pt modelId="{DC37A134-94E8-4602-89E8-97EDBFD9DF7D}" type="doc">
@@ -2018,7 +3133,11 @@
           <a:pPr algn="l"/>
           <a:r>
             <a:rPr lang="en-US" sz="1600" dirty="0" smtClean="0"/>
-            <a:t>Whenever new code is produced.</a:t>
+            <a:t>Immediately new </a:t>
+          </a:r>
+          <a:r>
+            <a:rPr lang="en-US" sz="1600" dirty="0" smtClean="0"/>
+            <a:t>code is produced.</a:t>
           </a:r>
           <a:endParaRPr lang="en-US" sz="1600" dirty="0"/>
         </a:p>
@@ -2463,6 +3582,13 @@
         </dgm:presLayoutVars>
       </dgm:prSet>
       <dgm:spPr/>
+      <dgm:t>
+        <a:bodyPr/>
+        <a:lstStyle/>
+        <a:p>
+          <a:endParaRPr lang="en-US"/>
+        </a:p>
+      </dgm:t>
     </dgm:pt>
     <dgm:pt modelId="{91622C23-7671-434F-9A15-50190BE8AFE5}" type="pres">
       <dgm:prSet presAssocID="{F544CABA-5302-4CE1-9D25-93728C1A9F74}" presName="node" presStyleLbl="node1" presStyleIdx="0" presStyleCnt="4">
@@ -2471,6 +3597,13 @@
         </dgm:presLayoutVars>
       </dgm:prSet>
       <dgm:spPr/>
+      <dgm:t>
+        <a:bodyPr/>
+        <a:lstStyle/>
+        <a:p>
+          <a:endParaRPr lang="en-US"/>
+        </a:p>
+      </dgm:t>
     </dgm:pt>
     <dgm:pt modelId="{67D07BD8-02BF-416C-97DC-56342E46075B}" type="pres">
       <dgm:prSet presAssocID="{1FB57E5B-3092-4CBD-8C69-6688D2BDF085}" presName="sibTrans" presStyleCnt="0"/>
@@ -2483,6 +3616,13 @@
         </dgm:presLayoutVars>
       </dgm:prSet>
       <dgm:spPr/>
+      <dgm:t>
+        <a:bodyPr/>
+        <a:lstStyle/>
+        <a:p>
+          <a:endParaRPr lang="en-US"/>
+        </a:p>
+      </dgm:t>
     </dgm:pt>
     <dgm:pt modelId="{2D4E7F06-6018-425A-8250-1D3241AEF988}" type="pres">
       <dgm:prSet presAssocID="{9645E86B-E933-4146-A088-0E508F590709}" presName="sibTrans" presStyleCnt="0"/>
@@ -2495,6 +3635,13 @@
         </dgm:presLayoutVars>
       </dgm:prSet>
       <dgm:spPr/>
+      <dgm:t>
+        <a:bodyPr/>
+        <a:lstStyle/>
+        <a:p>
+          <a:endParaRPr lang="en-US"/>
+        </a:p>
+      </dgm:t>
     </dgm:pt>
     <dgm:pt modelId="{C1F102AC-607A-4EB1-A9D1-B392DC965834}" type="pres">
       <dgm:prSet presAssocID="{DB6E9E2E-35D0-42EC-B335-0501BAC518F0}" presName="sibTrans" presStyleCnt="0"/>
@@ -2507,42 +3654,49 @@
         </dgm:presLayoutVars>
       </dgm:prSet>
       <dgm:spPr/>
+      <dgm:t>
+        <a:bodyPr/>
+        <a:lstStyle/>
+        <a:p>
+          <a:endParaRPr lang="en-US"/>
+        </a:p>
+      </dgm:t>
     </dgm:pt>
   </dgm:ptLst>
   <dgm:cxnLst>
-    <dgm:cxn modelId="{34CC95F8-7852-4E83-800E-E40AEFEDDB9F}" type="presOf" srcId="{DC37A134-94E8-4602-89E8-97EDBFD9DF7D}" destId="{C0F3360B-F19D-452C-8E54-961FD3DC048B}" srcOrd="0" destOrd="0" presId="urn:microsoft.com/office/officeart/2005/8/layout/hList6"/>
+    <dgm:cxn modelId="{E2779535-B53C-4D50-84C8-C7DF9752EAC4}" type="presOf" srcId="{5399F966-6CEA-4011-919D-CDBD390F93AF}" destId="{DAC7D038-682D-4F79-9407-543700CD7919}" srcOrd="0" destOrd="2" presId="urn:microsoft.com/office/officeart/2005/8/layout/hList6"/>
+    <dgm:cxn modelId="{3E8955D2-57C7-4E0C-9229-E190052F4994}" srcId="{DC37A134-94E8-4602-89E8-97EDBFD9DF7D}" destId="{F544CABA-5302-4CE1-9D25-93728C1A9F74}" srcOrd="0" destOrd="0" parTransId="{69C1A11E-74D1-4DF6-98F5-9DAE05941EA5}" sibTransId="{1FB57E5B-3092-4CBD-8C69-6688D2BDF085}"/>
+    <dgm:cxn modelId="{99E8A1B3-F5A7-4339-B616-44C213A2ACE2}" type="presOf" srcId="{7546C6DE-836C-4588-A601-6EF01104EB08}" destId="{1C6B8E08-3A74-4615-B65C-24489F5E8BA9}" srcOrd="0" destOrd="1" presId="urn:microsoft.com/office/officeart/2005/8/layout/hList6"/>
+    <dgm:cxn modelId="{B8D9955B-3682-4D4D-B24D-859EA4F6A08E}" srcId="{4EBC0902-C001-42C6-8989-B264DF62F1AF}" destId="{32442FA8-69D5-42A9-8917-D6AB7D394EEB}" srcOrd="0" destOrd="0" parTransId="{C6D16332-C237-427E-8C7B-07AB32A6B7F2}" sibTransId="{A6E259F2-2E18-4A71-9FEC-BB599847EB3D}"/>
+    <dgm:cxn modelId="{6EE093CB-EC70-465A-B8E2-9C3E37206163}" srcId="{FD959508-F6CD-4EC6-AD9F-4C7E80696572}" destId="{C63B9F8D-BBEB-4B26-B200-C86013681723}" srcOrd="2" destOrd="0" parTransId="{E949EE15-2597-4659-A5B7-1E4AD2660EE9}" sibTransId="{3B637012-F8B2-48BF-AD22-E766258C9361}"/>
+    <dgm:cxn modelId="{D260C908-E263-4585-A5FF-A22C21EC8135}" type="presOf" srcId="{F544CABA-5302-4CE1-9D25-93728C1A9F74}" destId="{91622C23-7671-434F-9A15-50190BE8AFE5}" srcOrd="0" destOrd="0" presId="urn:microsoft.com/office/officeart/2005/8/layout/hList6"/>
+    <dgm:cxn modelId="{46A53881-E842-451C-AB9B-649C766809F4}" type="presOf" srcId="{C8A88300-AE06-473C-8898-6721ED26B4B2}" destId="{91622C23-7671-434F-9A15-50190BE8AFE5}" srcOrd="0" destOrd="1" presId="urn:microsoft.com/office/officeart/2005/8/layout/hList6"/>
+    <dgm:cxn modelId="{F5191B89-4A20-42CE-ABAA-DC7A4C1ABD92}" srcId="{FD959508-F6CD-4EC6-AD9F-4C7E80696572}" destId="{35299010-84F5-428B-A263-1C75194F4FA2}" srcOrd="0" destOrd="0" parTransId="{74811717-6AAB-45E1-BE35-9E03704DB797}" sibTransId="{ECFDEF90-D9BA-478B-8561-B10E8E029527}"/>
+    <dgm:cxn modelId="{4848DA58-C588-461B-AA81-9EAE1F6ED862}" srcId="{4EBC0902-C001-42C6-8989-B264DF62F1AF}" destId="{381ACDA6-0888-46EB-973C-64A0DF6887B8}" srcOrd="1" destOrd="0" parTransId="{51BCC088-852E-4EF6-B2F1-E3893AE8CF95}" sibTransId="{9534DCD9-0E1E-41DE-9551-805C0D788D9D}"/>
+    <dgm:cxn modelId="{6C79D960-6144-4C2D-A7D5-C37DBE411A81}" srcId="{4EBC0902-C001-42C6-8989-B264DF62F1AF}" destId="{5CAEDCCD-F4F8-4DDF-A8F0-42292F3910CA}" srcOrd="2" destOrd="0" parTransId="{2781DBB1-4C11-4640-82E6-D8B6EC570828}" sibTransId="{CCF7DEAC-7705-435D-ADA0-9148A045CC6B}"/>
+    <dgm:cxn modelId="{A0FF36BF-531D-45B0-8A1F-FDD682C90989}" type="presOf" srcId="{32442FA8-69D5-42A9-8917-D6AB7D394EEB}" destId="{0FA8F8F8-1739-4F38-B292-E2FDF877F35A}" srcOrd="0" destOrd="1" presId="urn:microsoft.com/office/officeart/2005/8/layout/hList6"/>
+    <dgm:cxn modelId="{D552BD31-4EDC-4B42-9060-03FC3297667B}" type="presOf" srcId="{5CAEDCCD-F4F8-4DDF-A8F0-42292F3910CA}" destId="{0FA8F8F8-1739-4F38-B292-E2FDF877F35A}" srcOrd="0" destOrd="3" presId="urn:microsoft.com/office/officeart/2005/8/layout/hList6"/>
     <dgm:cxn modelId="{BC9DF746-308D-44BD-914F-52B653E851DE}" type="presOf" srcId="{FD959508-F6CD-4EC6-AD9F-4C7E80696572}" destId="{DAC7D038-682D-4F79-9407-543700CD7919}" srcOrd="0" destOrd="0" presId="urn:microsoft.com/office/officeart/2005/8/layout/hList6"/>
-    <dgm:cxn modelId="{B6A481EE-D0A1-4D7A-B57B-51D23641C4B6}" srcId="{FAC7DC65-CF10-49B7-8669-E2E5BD356BA1}" destId="{7546C6DE-836C-4588-A601-6EF01104EB08}" srcOrd="0" destOrd="0" parTransId="{8E621233-0325-492B-9A1D-674AE3FAC7AB}" sibTransId="{CFC688F6-0D18-4B3F-BB03-4347888B4544}"/>
-    <dgm:cxn modelId="{6EE093CB-EC70-465A-B8E2-9C3E37206163}" srcId="{FD959508-F6CD-4EC6-AD9F-4C7E80696572}" destId="{C63B9F8D-BBEB-4B26-B200-C86013681723}" srcOrd="2" destOrd="0" parTransId="{E949EE15-2597-4659-A5B7-1E4AD2660EE9}" sibTransId="{3B637012-F8B2-48BF-AD22-E766258C9361}"/>
-    <dgm:cxn modelId="{DDCC2292-1BF2-4105-B01E-DDFF27AFBF73}" type="presOf" srcId="{C63B9F8D-BBEB-4B26-B200-C86013681723}" destId="{DAC7D038-682D-4F79-9407-543700CD7919}" srcOrd="0" destOrd="3" presId="urn:microsoft.com/office/officeart/2005/8/layout/hList6"/>
-    <dgm:cxn modelId="{D260C908-E263-4585-A5FF-A22C21EC8135}" type="presOf" srcId="{F544CABA-5302-4CE1-9D25-93728C1A9F74}" destId="{91622C23-7671-434F-9A15-50190BE8AFE5}" srcOrd="0" destOrd="0" presId="urn:microsoft.com/office/officeart/2005/8/layout/hList6"/>
-    <dgm:cxn modelId="{A0FF36BF-531D-45B0-8A1F-FDD682C90989}" type="presOf" srcId="{32442FA8-69D5-42A9-8917-D6AB7D394EEB}" destId="{0FA8F8F8-1739-4F38-B292-E2FDF877F35A}" srcOrd="0" destOrd="1" presId="urn:microsoft.com/office/officeart/2005/8/layout/hList6"/>
-    <dgm:cxn modelId="{E2779535-B53C-4D50-84C8-C7DF9752EAC4}" type="presOf" srcId="{5399F966-6CEA-4011-919D-CDBD390F93AF}" destId="{DAC7D038-682D-4F79-9407-543700CD7919}" srcOrd="0" destOrd="2" presId="urn:microsoft.com/office/officeart/2005/8/layout/hList6"/>
+    <dgm:cxn modelId="{1D2F5E52-C0D0-4648-B494-CBB0B2CA9544}" srcId="{F544CABA-5302-4CE1-9D25-93728C1A9F74}" destId="{C8A88300-AE06-473C-8898-6721ED26B4B2}" srcOrd="0" destOrd="0" parTransId="{F83723A2-5FA3-4F15-B39F-25BFA41B15EB}" sibTransId="{855B6436-2EE8-4EFA-89EE-99D45E60159C}"/>
+    <dgm:cxn modelId="{AEB1D624-9DFB-4A7B-9501-77864085BF1F}" type="presOf" srcId="{381ACDA6-0888-46EB-973C-64A0DF6887B8}" destId="{0FA8F8F8-1739-4F38-B292-E2FDF877F35A}" srcOrd="0" destOrd="2" presId="urn:microsoft.com/office/officeart/2005/8/layout/hList6"/>
     <dgm:cxn modelId="{BFF226AF-021A-4258-A22E-6576CFF3D10F}" type="presOf" srcId="{92ECB2CD-1F63-49A8-A797-C0BA30535E9A}" destId="{DAC7D038-682D-4F79-9407-543700CD7919}" srcOrd="0" destOrd="5" presId="urn:microsoft.com/office/officeart/2005/8/layout/hList6"/>
-    <dgm:cxn modelId="{1D2F5E52-C0D0-4648-B494-CBB0B2CA9544}" srcId="{F544CABA-5302-4CE1-9D25-93728C1A9F74}" destId="{C8A88300-AE06-473C-8898-6721ED26B4B2}" srcOrd="0" destOrd="0" parTransId="{F83723A2-5FA3-4F15-B39F-25BFA41B15EB}" sibTransId="{855B6436-2EE8-4EFA-89EE-99D45E60159C}"/>
-    <dgm:cxn modelId="{D6C777F2-F0E3-4E64-8763-66F366547852}" srcId="{4EBC0902-C001-42C6-8989-B264DF62F1AF}" destId="{C63D522A-549C-47CA-B7CA-F5971535B506}" srcOrd="3" destOrd="0" parTransId="{B7E669D5-8D5C-4395-8A8D-CE3BEC0F9AD4}" sibTransId="{DB0D0332-29ED-40DB-8E8C-70E58AB4CD3B}"/>
-    <dgm:cxn modelId="{6C79D960-6144-4C2D-A7D5-C37DBE411A81}" srcId="{4EBC0902-C001-42C6-8989-B264DF62F1AF}" destId="{5CAEDCCD-F4F8-4DDF-A8F0-42292F3910CA}" srcOrd="2" destOrd="0" parTransId="{2781DBB1-4C11-4640-82E6-D8B6EC570828}" sibTransId="{CCF7DEAC-7705-435D-ADA0-9148A045CC6B}"/>
+    <dgm:cxn modelId="{A995587F-B11F-41C2-AED6-9085B6FCDECF}" type="presOf" srcId="{35299010-84F5-428B-A263-1C75194F4FA2}" destId="{DAC7D038-682D-4F79-9407-543700CD7919}" srcOrd="0" destOrd="1" presId="urn:microsoft.com/office/officeart/2005/8/layout/hList6"/>
+    <dgm:cxn modelId="{8228F049-C3A1-4409-B9D6-5E23D20D4597}" type="presOf" srcId="{13DD780F-822D-444A-AE7E-0805240CB886}" destId="{DAC7D038-682D-4F79-9407-543700CD7919}" srcOrd="0" destOrd="4" presId="urn:microsoft.com/office/officeart/2005/8/layout/hList6"/>
+    <dgm:cxn modelId="{F3A931A4-14BD-447C-A35C-8EC1A979322E}" type="presOf" srcId="{4EBC0902-C001-42C6-8989-B264DF62F1AF}" destId="{0FA8F8F8-1739-4F38-B292-E2FDF877F35A}" srcOrd="0" destOrd="0" presId="urn:microsoft.com/office/officeart/2005/8/layout/hList6"/>
+    <dgm:cxn modelId="{289E0680-C862-4093-B644-495B25F09918}" srcId="{FD959508-F6CD-4EC6-AD9F-4C7E80696572}" destId="{13DD780F-822D-444A-AE7E-0805240CB886}" srcOrd="3" destOrd="0" parTransId="{C5AF3E96-2D9C-4659-AC1D-19538DE2961D}" sibTransId="{0E127490-7BCF-4A38-BBD1-47F4F0EBBF0A}"/>
+    <dgm:cxn modelId="{05DF74E8-6114-44E0-922C-7359919445B4}" type="presOf" srcId="{12882512-3C5B-42AE-A815-89CEE2FEAA13}" destId="{1C6B8E08-3A74-4615-B65C-24489F5E8BA9}" srcOrd="0" destOrd="2" presId="urn:microsoft.com/office/officeart/2005/8/layout/hList6"/>
     <dgm:cxn modelId="{F3098F8D-5B8D-4821-96F1-16E4C160A32C}" srcId="{FD959508-F6CD-4EC6-AD9F-4C7E80696572}" destId="{5399F966-6CEA-4011-919D-CDBD390F93AF}" srcOrd="1" destOrd="0" parTransId="{F17426C0-352B-4972-BEE8-337AFF40461A}" sibTransId="{CE71A7AC-0124-443E-B6F2-DE60908B195A}"/>
-    <dgm:cxn modelId="{289E0680-C862-4093-B644-495B25F09918}" srcId="{FD959508-F6CD-4EC6-AD9F-4C7E80696572}" destId="{13DD780F-822D-444A-AE7E-0805240CB886}" srcOrd="3" destOrd="0" parTransId="{C5AF3E96-2D9C-4659-AC1D-19538DE2961D}" sibTransId="{0E127490-7BCF-4A38-BBD1-47F4F0EBBF0A}"/>
-    <dgm:cxn modelId="{D552BD31-4EDC-4B42-9060-03FC3297667B}" type="presOf" srcId="{5CAEDCCD-F4F8-4DDF-A8F0-42292F3910CA}" destId="{0FA8F8F8-1739-4F38-B292-E2FDF877F35A}" srcOrd="0" destOrd="3" presId="urn:microsoft.com/office/officeart/2005/8/layout/hList6"/>
-    <dgm:cxn modelId="{B8D9955B-3682-4D4D-B24D-859EA4F6A08E}" srcId="{4EBC0902-C001-42C6-8989-B264DF62F1AF}" destId="{32442FA8-69D5-42A9-8917-D6AB7D394EEB}" srcOrd="0" destOrd="0" parTransId="{C6D16332-C237-427E-8C7B-07AB32A6B7F2}" sibTransId="{A6E259F2-2E18-4A71-9FEC-BB599847EB3D}"/>
-    <dgm:cxn modelId="{99E8A1B3-F5A7-4339-B616-44C213A2ACE2}" type="presOf" srcId="{7546C6DE-836C-4588-A601-6EF01104EB08}" destId="{1C6B8E08-3A74-4615-B65C-24489F5E8BA9}" srcOrd="0" destOrd="1" presId="urn:microsoft.com/office/officeart/2005/8/layout/hList6"/>
-    <dgm:cxn modelId="{8228F049-C3A1-4409-B9D6-5E23D20D4597}" type="presOf" srcId="{13DD780F-822D-444A-AE7E-0805240CB886}" destId="{DAC7D038-682D-4F79-9407-543700CD7919}" srcOrd="0" destOrd="4" presId="urn:microsoft.com/office/officeart/2005/8/layout/hList6"/>
-    <dgm:cxn modelId="{A995587F-B11F-41C2-AED6-9085B6FCDECF}" type="presOf" srcId="{35299010-84F5-428B-A263-1C75194F4FA2}" destId="{DAC7D038-682D-4F79-9407-543700CD7919}" srcOrd="0" destOrd="1" presId="urn:microsoft.com/office/officeart/2005/8/layout/hList6"/>
-    <dgm:cxn modelId="{AEB1D624-9DFB-4A7B-9501-77864085BF1F}" type="presOf" srcId="{381ACDA6-0888-46EB-973C-64A0DF6887B8}" destId="{0FA8F8F8-1739-4F38-B292-E2FDF877F35A}" srcOrd="0" destOrd="2" presId="urn:microsoft.com/office/officeart/2005/8/layout/hList6"/>
-    <dgm:cxn modelId="{46A53881-E842-451C-AB9B-649C766809F4}" type="presOf" srcId="{C8A88300-AE06-473C-8898-6721ED26B4B2}" destId="{91622C23-7671-434F-9A15-50190BE8AFE5}" srcOrd="0" destOrd="1" presId="urn:microsoft.com/office/officeart/2005/8/layout/hList6"/>
-    <dgm:cxn modelId="{05DF74E8-6114-44E0-922C-7359919445B4}" type="presOf" srcId="{12882512-3C5B-42AE-A815-89CEE2FEAA13}" destId="{1C6B8E08-3A74-4615-B65C-24489F5E8BA9}" srcOrd="0" destOrd="2" presId="urn:microsoft.com/office/officeart/2005/8/layout/hList6"/>
-    <dgm:cxn modelId="{4C7860DC-F539-4FCB-BA87-8854ADBC2D21}" srcId="{FD959508-F6CD-4EC6-AD9F-4C7E80696572}" destId="{92ECB2CD-1F63-49A8-A797-C0BA30535E9A}" srcOrd="4" destOrd="0" parTransId="{6FE76910-6759-415A-ADD0-50BD24EBAC01}" sibTransId="{5EFB8A1E-A6B4-4D66-B569-90807290EA44}"/>
-    <dgm:cxn modelId="{AC6524E9-346A-4C9E-8279-74A92A5D1D39}" srcId="{DC37A134-94E8-4602-89E8-97EDBFD9DF7D}" destId="{FAC7DC65-CF10-49B7-8669-E2E5BD356BA1}" srcOrd="1" destOrd="0" parTransId="{01D7EDE9-9AB2-46E5-A39C-2963709EC82B}" sibTransId="{9645E86B-E933-4146-A088-0E508F590709}"/>
     <dgm:cxn modelId="{C55C61B0-9338-4B4A-8041-0335F82B3BA9}" type="presOf" srcId="{C63D522A-549C-47CA-B7CA-F5971535B506}" destId="{0FA8F8F8-1739-4F38-B292-E2FDF877F35A}" srcOrd="0" destOrd="4" presId="urn:microsoft.com/office/officeart/2005/8/layout/hList6"/>
     <dgm:cxn modelId="{AAA519DC-6A46-4A6A-803A-5D18D2F25C54}" srcId="{DC37A134-94E8-4602-89E8-97EDBFD9DF7D}" destId="{FD959508-F6CD-4EC6-AD9F-4C7E80696572}" srcOrd="3" destOrd="0" parTransId="{469CFA93-D990-494A-A4D7-B8789688C6A5}" sibTransId="{8E7E3D55-443C-46C6-93F3-38C55FD40513}"/>
+    <dgm:cxn modelId="{AC6524E9-346A-4C9E-8279-74A92A5D1D39}" srcId="{DC37A134-94E8-4602-89E8-97EDBFD9DF7D}" destId="{FAC7DC65-CF10-49B7-8669-E2E5BD356BA1}" srcOrd="1" destOrd="0" parTransId="{01D7EDE9-9AB2-46E5-A39C-2963709EC82B}" sibTransId="{9645E86B-E933-4146-A088-0E508F590709}"/>
+    <dgm:cxn modelId="{B6A481EE-D0A1-4D7A-B57B-51D23641C4B6}" srcId="{FAC7DC65-CF10-49B7-8669-E2E5BD356BA1}" destId="{7546C6DE-836C-4588-A601-6EF01104EB08}" srcOrd="0" destOrd="0" parTransId="{8E621233-0325-492B-9A1D-674AE3FAC7AB}" sibTransId="{CFC688F6-0D18-4B3F-BB03-4347888B4544}"/>
+    <dgm:cxn modelId="{4C7860DC-F539-4FCB-BA87-8854ADBC2D21}" srcId="{FD959508-F6CD-4EC6-AD9F-4C7E80696572}" destId="{92ECB2CD-1F63-49A8-A797-C0BA30535E9A}" srcOrd="4" destOrd="0" parTransId="{6FE76910-6759-415A-ADD0-50BD24EBAC01}" sibTransId="{5EFB8A1E-A6B4-4D66-B569-90807290EA44}"/>
+    <dgm:cxn modelId="{34CC95F8-7852-4E83-800E-E40AEFEDDB9F}" type="presOf" srcId="{DC37A134-94E8-4602-89E8-97EDBFD9DF7D}" destId="{C0F3360B-F19D-452C-8E54-961FD3DC048B}" srcOrd="0" destOrd="0" presId="urn:microsoft.com/office/officeart/2005/8/layout/hList6"/>
     <dgm:cxn modelId="{10B8D45E-DC20-4E17-86DF-C8BBCCACF763}" srcId="{FAC7DC65-CF10-49B7-8669-E2E5BD356BA1}" destId="{12882512-3C5B-42AE-A815-89CEE2FEAA13}" srcOrd="1" destOrd="0" parTransId="{47AB5087-0BC1-47F2-9761-EA2FE8682E93}" sibTransId="{B3FA3553-1BD7-4B8F-A08D-EB3E6E043281}"/>
-    <dgm:cxn modelId="{3E8955D2-57C7-4E0C-9229-E190052F4994}" srcId="{DC37A134-94E8-4602-89E8-97EDBFD9DF7D}" destId="{F544CABA-5302-4CE1-9D25-93728C1A9F74}" srcOrd="0" destOrd="0" parTransId="{69C1A11E-74D1-4DF6-98F5-9DAE05941EA5}" sibTransId="{1FB57E5B-3092-4CBD-8C69-6688D2BDF085}"/>
-    <dgm:cxn modelId="{F5191B89-4A20-42CE-ABAA-DC7A4C1ABD92}" srcId="{FD959508-F6CD-4EC6-AD9F-4C7E80696572}" destId="{35299010-84F5-428B-A263-1C75194F4FA2}" srcOrd="0" destOrd="0" parTransId="{74811717-6AAB-45E1-BE35-9E03704DB797}" sibTransId="{ECFDEF90-D9BA-478B-8561-B10E8E029527}"/>
-    <dgm:cxn modelId="{4848DA58-C588-461B-AA81-9EAE1F6ED862}" srcId="{4EBC0902-C001-42C6-8989-B264DF62F1AF}" destId="{381ACDA6-0888-46EB-973C-64A0DF6887B8}" srcOrd="1" destOrd="0" parTransId="{51BCC088-852E-4EF6-B2F1-E3893AE8CF95}" sibTransId="{9534DCD9-0E1E-41DE-9551-805C0D788D9D}"/>
     <dgm:cxn modelId="{649B01F8-36A1-4248-BB06-90EA466958F4}" srcId="{DC37A134-94E8-4602-89E8-97EDBFD9DF7D}" destId="{4EBC0902-C001-42C6-8989-B264DF62F1AF}" srcOrd="2" destOrd="0" parTransId="{E4CDC31A-B7A3-41EA-A7A1-12EC5E56EFB2}" sibTransId="{DB6E9E2E-35D0-42EC-B335-0501BAC518F0}"/>
     <dgm:cxn modelId="{A3623F2F-A64F-4951-BE0D-91665EDEE0F5}" type="presOf" srcId="{FAC7DC65-CF10-49B7-8669-E2E5BD356BA1}" destId="{1C6B8E08-3A74-4615-B65C-24489F5E8BA9}" srcOrd="0" destOrd="0" presId="urn:microsoft.com/office/officeart/2005/8/layout/hList6"/>
-    <dgm:cxn modelId="{F3A931A4-14BD-447C-A35C-8EC1A979322E}" type="presOf" srcId="{4EBC0902-C001-42C6-8989-B264DF62F1AF}" destId="{0FA8F8F8-1739-4F38-B292-E2FDF877F35A}" srcOrd="0" destOrd="0" presId="urn:microsoft.com/office/officeart/2005/8/layout/hList6"/>
+    <dgm:cxn modelId="{DDCC2292-1BF2-4105-B01E-DDFF27AFBF73}" type="presOf" srcId="{C63B9F8D-BBEB-4B26-B200-C86013681723}" destId="{DAC7D038-682D-4F79-9407-543700CD7919}" srcOrd="0" destOrd="3" presId="urn:microsoft.com/office/officeart/2005/8/layout/hList6"/>
+    <dgm:cxn modelId="{D6C777F2-F0E3-4E64-8763-66F366547852}" srcId="{4EBC0902-C001-42C6-8989-B264DF62F1AF}" destId="{C63D522A-549C-47CA-B7CA-F5971535B506}" srcOrd="3" destOrd="0" parTransId="{B7E669D5-8D5C-4395-8A8D-CE3BEC0F9AD4}" sibTransId="{DB0D0332-29ED-40DB-8E8C-70E58AB4CD3B}"/>
     <dgm:cxn modelId="{2D24D6AF-13D0-464C-9493-86DDC1C86E8C}" type="presParOf" srcId="{C0F3360B-F19D-452C-8E54-961FD3DC048B}" destId="{91622C23-7671-434F-9A15-50190BE8AFE5}" srcOrd="0" destOrd="0" presId="urn:microsoft.com/office/officeart/2005/8/layout/hList6"/>
     <dgm:cxn modelId="{8680256D-63D7-4C89-BEAA-AF6FBA07A42B}" type="presParOf" srcId="{C0F3360B-F19D-452C-8E54-961FD3DC048B}" destId="{67D07BD8-02BF-416C-97DC-56342E46075B}" srcOrd="1" destOrd="0" presId="urn:microsoft.com/office/officeart/2005/8/layout/hList6"/>
     <dgm:cxn modelId="{FEE8D754-3B20-407B-8DF3-00F592D3D91F}" type="presParOf" srcId="{C0F3360B-F19D-452C-8E54-961FD3DC048B}" destId="{1C6B8E08-3A74-4615-B65C-24489F5E8BA9}" srcOrd="2" destOrd="0" presId="urn:microsoft.com/office/officeart/2005/8/layout/hList6"/>
@@ -2562,6 +3716,550 @@
 </file>
 
 <file path=ppt/diagrams/drawing1.xml><?xml version="1.0" encoding="utf-8"?>
+<dsp:drawing xmlns:dgm="http://schemas.openxmlformats.org/drawingml/2006/diagram" xmlns:dsp="http://schemas.microsoft.com/office/drawing/2008/diagram" xmlns:a="http://schemas.openxmlformats.org/drawingml/2006/main">
+  <dsp:spTree>
+    <dsp:nvGrpSpPr>
+      <dsp:cNvPr id="0" name=""/>
+      <dsp:cNvGrpSpPr/>
+    </dsp:nvGrpSpPr>
+    <dsp:grpSpPr/>
+    <dsp:sp modelId="{E7B0E0CC-397D-4FD9-B47B-8106FC6BEA2B}">
+      <dsp:nvSpPr>
+        <dsp:cNvPr id="0" name=""/>
+        <dsp:cNvSpPr/>
+      </dsp:nvSpPr>
+      <dsp:spPr>
+        <a:xfrm>
+          <a:off x="511531" y="1290583"/>
+          <a:ext cx="2025074" cy="1770170"/>
+        </a:xfrm>
+        <a:prstGeom prst="rightArrow">
+          <a:avLst>
+            <a:gd name="adj1" fmla="val 70000"/>
+            <a:gd name="adj2" fmla="val 50000"/>
+          </a:avLst>
+        </a:prstGeom>
+        <a:solidFill>
+          <a:schemeClr val="accent1">
+            <a:alpha val="90000"/>
+            <a:tint val="40000"/>
+            <a:hueOff val="0"/>
+            <a:satOff val="0"/>
+            <a:lumOff val="0"/>
+            <a:alphaOff val="0"/>
+          </a:schemeClr>
+        </a:solidFill>
+        <a:ln w="12700" cap="flat" cmpd="sng" algn="ctr">
+          <a:solidFill>
+            <a:schemeClr val="accent1">
+              <a:alpha val="90000"/>
+              <a:tint val="40000"/>
+              <a:hueOff val="0"/>
+              <a:satOff val="0"/>
+              <a:lumOff val="0"/>
+              <a:alphaOff val="0"/>
+            </a:schemeClr>
+          </a:solidFill>
+          <a:prstDash val="solid"/>
+          <a:miter lim="800000"/>
+        </a:ln>
+        <a:effectLst/>
+      </dsp:spPr>
+      <dsp:style>
+        <a:lnRef idx="2">
+          <a:scrgbClr r="0" g="0" b="0"/>
+        </a:lnRef>
+        <a:fillRef idx="1">
+          <a:scrgbClr r="0" g="0" b="0"/>
+        </a:fillRef>
+        <a:effectRef idx="0">
+          <a:scrgbClr r="0" g="0" b="0"/>
+        </a:effectRef>
+        <a:fontRef idx="minor"/>
+      </dsp:style>
+    </dsp:sp>
+    <dsp:sp modelId="{57873A27-5C2F-4A74-A9FA-902B7F4F9B1B}">
+      <dsp:nvSpPr>
+        <dsp:cNvPr id="0" name=""/>
+        <dsp:cNvSpPr/>
+      </dsp:nvSpPr>
+      <dsp:spPr>
+        <a:xfrm>
+          <a:off x="5262" y="1669400"/>
+          <a:ext cx="1012537" cy="1012537"/>
+        </a:xfrm>
+        <a:prstGeom prst="ellipse">
+          <a:avLst/>
+        </a:prstGeom>
+        <a:solidFill>
+          <a:schemeClr val="accent1">
+            <a:hueOff val="0"/>
+            <a:satOff val="0"/>
+            <a:lumOff val="0"/>
+            <a:alphaOff val="0"/>
+          </a:schemeClr>
+        </a:solidFill>
+        <a:ln w="12700" cap="flat" cmpd="sng" algn="ctr">
+          <a:solidFill>
+            <a:schemeClr val="lt1">
+              <a:hueOff val="0"/>
+              <a:satOff val="0"/>
+              <a:lumOff val="0"/>
+              <a:alphaOff val="0"/>
+            </a:schemeClr>
+          </a:solidFill>
+          <a:prstDash val="solid"/>
+          <a:miter lim="800000"/>
+        </a:ln>
+        <a:effectLst/>
+      </dsp:spPr>
+      <dsp:style>
+        <a:lnRef idx="2">
+          <a:scrgbClr r="0" g="0" b="0"/>
+        </a:lnRef>
+        <a:fillRef idx="1">
+          <a:scrgbClr r="0" g="0" b="0"/>
+        </a:fillRef>
+        <a:effectRef idx="0">
+          <a:scrgbClr r="0" g="0" b="0"/>
+        </a:effectRef>
+        <a:fontRef idx="minor">
+          <a:schemeClr val="lt1"/>
+        </a:fontRef>
+      </dsp:style>
+      <dsp:txBody>
+        <a:bodyPr spcFirstLastPara="0" vert="horz" wrap="square" lIns="6350" tIns="6350" rIns="6350" bIns="6350" numCol="1" spcCol="1270" anchor="ctr" anchorCtr="0">
+          <a:noAutofit/>
+        </a:bodyPr>
+        <a:lstStyle/>
+        <a:p>
+          <a:pPr lvl="0" algn="ctr" defTabSz="444500" rtl="0">
+            <a:lnSpc>
+              <a:spcPct val="90000"/>
+            </a:lnSpc>
+            <a:spcBef>
+              <a:spcPct val="0"/>
+            </a:spcBef>
+            <a:spcAft>
+              <a:spcPct val="35000"/>
+            </a:spcAft>
+          </a:pPr>
+          <a:r>
+            <a:rPr lang="en-US" sz="1000" kern="1200" smtClean="0"/>
+            <a:t>Product quality</a:t>
+          </a:r>
+          <a:endParaRPr lang="en-US" sz="1000" kern="1200"/>
+        </a:p>
+      </dsp:txBody>
+      <dsp:txXfrm>
+        <a:off x="153545" y="1817683"/>
+        <a:ext cx="715971" cy="715971"/>
+      </dsp:txXfrm>
+    </dsp:sp>
+    <dsp:sp modelId="{5A6D1438-FE45-4213-8E12-B3A0266527B8}">
+      <dsp:nvSpPr>
+        <dsp:cNvPr id="0" name=""/>
+        <dsp:cNvSpPr/>
+      </dsp:nvSpPr>
+      <dsp:spPr>
+        <a:xfrm>
+          <a:off x="3169441" y="1290583"/>
+          <a:ext cx="2025074" cy="1770170"/>
+        </a:xfrm>
+        <a:prstGeom prst="rightArrow">
+          <a:avLst>
+            <a:gd name="adj1" fmla="val 70000"/>
+            <a:gd name="adj2" fmla="val 50000"/>
+          </a:avLst>
+        </a:prstGeom>
+        <a:solidFill>
+          <a:schemeClr val="accent1">
+            <a:alpha val="90000"/>
+            <a:tint val="40000"/>
+            <a:hueOff val="0"/>
+            <a:satOff val="0"/>
+            <a:lumOff val="0"/>
+            <a:alphaOff val="0"/>
+          </a:schemeClr>
+        </a:solidFill>
+        <a:ln w="12700" cap="flat" cmpd="sng" algn="ctr">
+          <a:solidFill>
+            <a:schemeClr val="accent1">
+              <a:alpha val="90000"/>
+              <a:tint val="40000"/>
+              <a:hueOff val="0"/>
+              <a:satOff val="0"/>
+              <a:lumOff val="0"/>
+              <a:alphaOff val="0"/>
+            </a:schemeClr>
+          </a:solidFill>
+          <a:prstDash val="solid"/>
+          <a:miter lim="800000"/>
+        </a:ln>
+        <a:effectLst/>
+      </dsp:spPr>
+      <dsp:style>
+        <a:lnRef idx="2">
+          <a:scrgbClr r="0" g="0" b="0"/>
+        </a:lnRef>
+        <a:fillRef idx="1">
+          <a:scrgbClr r="0" g="0" b="0"/>
+        </a:fillRef>
+        <a:effectRef idx="0">
+          <a:scrgbClr r="0" g="0" b="0"/>
+        </a:effectRef>
+        <a:fontRef idx="minor"/>
+      </dsp:style>
+    </dsp:sp>
+    <dsp:sp modelId="{C7D6FAA2-032B-48E3-9612-8EBF56776401}">
+      <dsp:nvSpPr>
+        <dsp:cNvPr id="0" name=""/>
+        <dsp:cNvSpPr/>
+      </dsp:nvSpPr>
+      <dsp:spPr>
+        <a:xfrm>
+          <a:off x="2663173" y="1669400"/>
+          <a:ext cx="1012537" cy="1012537"/>
+        </a:xfrm>
+        <a:prstGeom prst="ellipse">
+          <a:avLst/>
+        </a:prstGeom>
+        <a:solidFill>
+          <a:schemeClr val="accent1">
+            <a:hueOff val="0"/>
+            <a:satOff val="0"/>
+            <a:lumOff val="0"/>
+            <a:alphaOff val="0"/>
+          </a:schemeClr>
+        </a:solidFill>
+        <a:ln w="12700" cap="flat" cmpd="sng" algn="ctr">
+          <a:solidFill>
+            <a:schemeClr val="lt1">
+              <a:hueOff val="0"/>
+              <a:satOff val="0"/>
+              <a:lumOff val="0"/>
+              <a:alphaOff val="0"/>
+            </a:schemeClr>
+          </a:solidFill>
+          <a:prstDash val="solid"/>
+          <a:miter lim="800000"/>
+        </a:ln>
+        <a:effectLst/>
+      </dsp:spPr>
+      <dsp:style>
+        <a:lnRef idx="2">
+          <a:scrgbClr r="0" g="0" b="0"/>
+        </a:lnRef>
+        <a:fillRef idx="1">
+          <a:scrgbClr r="0" g="0" b="0"/>
+        </a:fillRef>
+        <a:effectRef idx="0">
+          <a:scrgbClr r="0" g="0" b="0"/>
+        </a:effectRef>
+        <a:fontRef idx="minor">
+          <a:schemeClr val="lt1"/>
+        </a:fontRef>
+      </dsp:style>
+      <dsp:txBody>
+        <a:bodyPr spcFirstLastPara="0" vert="horz" wrap="square" lIns="6350" tIns="6350" rIns="6350" bIns="6350" numCol="1" spcCol="1270" anchor="ctr" anchorCtr="0">
+          <a:noAutofit/>
+        </a:bodyPr>
+        <a:lstStyle/>
+        <a:p>
+          <a:pPr lvl="0" algn="ctr" defTabSz="444500" rtl="0">
+            <a:lnSpc>
+              <a:spcPct val="90000"/>
+            </a:lnSpc>
+            <a:spcBef>
+              <a:spcPct val="0"/>
+            </a:spcBef>
+            <a:spcAft>
+              <a:spcPct val="35000"/>
+            </a:spcAft>
+          </a:pPr>
+          <a:r>
+            <a:rPr lang="en-US" sz="1000" kern="1200" smtClean="0"/>
+            <a:t>Code quality</a:t>
+          </a:r>
+          <a:endParaRPr lang="en-US" sz="1000" kern="1200"/>
+        </a:p>
+      </dsp:txBody>
+      <dsp:txXfrm>
+        <a:off x="2811456" y="1817683"/>
+        <a:ext cx="715971" cy="715971"/>
+      </dsp:txXfrm>
+    </dsp:sp>
+    <dsp:sp modelId="{76E9D61A-F903-4666-94AA-F31C63480445}">
+      <dsp:nvSpPr>
+        <dsp:cNvPr id="0" name=""/>
+        <dsp:cNvSpPr/>
+      </dsp:nvSpPr>
+      <dsp:spPr>
+        <a:xfrm>
+          <a:off x="5827352" y="1290583"/>
+          <a:ext cx="2025074" cy="1770170"/>
+        </a:xfrm>
+        <a:prstGeom prst="rightArrow">
+          <a:avLst>
+            <a:gd name="adj1" fmla="val 70000"/>
+            <a:gd name="adj2" fmla="val 50000"/>
+          </a:avLst>
+        </a:prstGeom>
+        <a:solidFill>
+          <a:schemeClr val="accent1">
+            <a:alpha val="90000"/>
+            <a:tint val="40000"/>
+            <a:hueOff val="0"/>
+            <a:satOff val="0"/>
+            <a:lumOff val="0"/>
+            <a:alphaOff val="0"/>
+          </a:schemeClr>
+        </a:solidFill>
+        <a:ln w="12700" cap="flat" cmpd="sng" algn="ctr">
+          <a:solidFill>
+            <a:schemeClr val="accent1">
+              <a:alpha val="90000"/>
+              <a:tint val="40000"/>
+              <a:hueOff val="0"/>
+              <a:satOff val="0"/>
+              <a:lumOff val="0"/>
+              <a:alphaOff val="0"/>
+            </a:schemeClr>
+          </a:solidFill>
+          <a:prstDash val="solid"/>
+          <a:miter lim="800000"/>
+        </a:ln>
+        <a:effectLst/>
+      </dsp:spPr>
+      <dsp:style>
+        <a:lnRef idx="2">
+          <a:scrgbClr r="0" g="0" b="0"/>
+        </a:lnRef>
+        <a:fillRef idx="1">
+          <a:scrgbClr r="0" g="0" b="0"/>
+        </a:fillRef>
+        <a:effectRef idx="0">
+          <a:scrgbClr r="0" g="0" b="0"/>
+        </a:effectRef>
+        <a:fontRef idx="minor"/>
+      </dsp:style>
+    </dsp:sp>
+    <dsp:sp modelId="{B75826AE-A2FE-4852-A322-956BC7E9E9B2}">
+      <dsp:nvSpPr>
+        <dsp:cNvPr id="0" name=""/>
+        <dsp:cNvSpPr/>
+      </dsp:nvSpPr>
+      <dsp:spPr>
+        <a:xfrm>
+          <a:off x="5321083" y="1669400"/>
+          <a:ext cx="1012537" cy="1012537"/>
+        </a:xfrm>
+        <a:prstGeom prst="ellipse">
+          <a:avLst/>
+        </a:prstGeom>
+        <a:solidFill>
+          <a:schemeClr val="accent1">
+            <a:hueOff val="0"/>
+            <a:satOff val="0"/>
+            <a:lumOff val="0"/>
+            <a:alphaOff val="0"/>
+          </a:schemeClr>
+        </a:solidFill>
+        <a:ln w="12700" cap="flat" cmpd="sng" algn="ctr">
+          <a:solidFill>
+            <a:schemeClr val="lt1">
+              <a:hueOff val="0"/>
+              <a:satOff val="0"/>
+              <a:lumOff val="0"/>
+              <a:alphaOff val="0"/>
+            </a:schemeClr>
+          </a:solidFill>
+          <a:prstDash val="solid"/>
+          <a:miter lim="800000"/>
+        </a:ln>
+        <a:effectLst/>
+      </dsp:spPr>
+      <dsp:style>
+        <a:lnRef idx="2">
+          <a:scrgbClr r="0" g="0" b="0"/>
+        </a:lnRef>
+        <a:fillRef idx="1">
+          <a:scrgbClr r="0" g="0" b="0"/>
+        </a:fillRef>
+        <a:effectRef idx="0">
+          <a:scrgbClr r="0" g="0" b="0"/>
+        </a:effectRef>
+        <a:fontRef idx="minor">
+          <a:schemeClr val="lt1"/>
+        </a:fontRef>
+      </dsp:style>
+      <dsp:txBody>
+        <a:bodyPr spcFirstLastPara="0" vert="horz" wrap="square" lIns="6350" tIns="6350" rIns="6350" bIns="6350" numCol="1" spcCol="1270" anchor="ctr" anchorCtr="0">
+          <a:noAutofit/>
+        </a:bodyPr>
+        <a:lstStyle/>
+        <a:p>
+          <a:pPr lvl="0" algn="ctr" defTabSz="444500" rtl="0">
+            <a:lnSpc>
+              <a:spcPct val="90000"/>
+            </a:lnSpc>
+            <a:spcBef>
+              <a:spcPct val="0"/>
+            </a:spcBef>
+            <a:spcAft>
+              <a:spcPct val="35000"/>
+            </a:spcAft>
+          </a:pPr>
+          <a:r>
+            <a:rPr lang="en-US" sz="1000" kern="1200" smtClean="0"/>
+            <a:t>Practices in building cloud-based system</a:t>
+          </a:r>
+          <a:endParaRPr lang="en-US" sz="1000" kern="1200"/>
+        </a:p>
+      </dsp:txBody>
+      <dsp:txXfrm>
+        <a:off x="5469366" y="1817683"/>
+        <a:ext cx="715971" cy="715971"/>
+      </dsp:txXfrm>
+    </dsp:sp>
+    <dsp:sp modelId="{9028F80E-5046-4392-BF78-9598F0D8BDE7}">
+      <dsp:nvSpPr>
+        <dsp:cNvPr id="0" name=""/>
+        <dsp:cNvSpPr/>
+      </dsp:nvSpPr>
+      <dsp:spPr>
+        <a:xfrm>
+          <a:off x="8485262" y="1290583"/>
+          <a:ext cx="2025074" cy="1770170"/>
+        </a:xfrm>
+        <a:prstGeom prst="rightArrow">
+          <a:avLst>
+            <a:gd name="adj1" fmla="val 70000"/>
+            <a:gd name="adj2" fmla="val 50000"/>
+          </a:avLst>
+        </a:prstGeom>
+        <a:solidFill>
+          <a:schemeClr val="accent1">
+            <a:alpha val="90000"/>
+            <a:tint val="40000"/>
+            <a:hueOff val="0"/>
+            <a:satOff val="0"/>
+            <a:lumOff val="0"/>
+            <a:alphaOff val="0"/>
+          </a:schemeClr>
+        </a:solidFill>
+        <a:ln w="12700" cap="flat" cmpd="sng" algn="ctr">
+          <a:solidFill>
+            <a:schemeClr val="accent1">
+              <a:alpha val="90000"/>
+              <a:tint val="40000"/>
+              <a:hueOff val="0"/>
+              <a:satOff val="0"/>
+              <a:lumOff val="0"/>
+              <a:alphaOff val="0"/>
+            </a:schemeClr>
+          </a:solidFill>
+          <a:prstDash val="solid"/>
+          <a:miter lim="800000"/>
+        </a:ln>
+        <a:effectLst/>
+      </dsp:spPr>
+      <dsp:style>
+        <a:lnRef idx="2">
+          <a:scrgbClr r="0" g="0" b="0"/>
+        </a:lnRef>
+        <a:fillRef idx="1">
+          <a:scrgbClr r="0" g="0" b="0"/>
+        </a:fillRef>
+        <a:effectRef idx="0">
+          <a:scrgbClr r="0" g="0" b="0"/>
+        </a:effectRef>
+        <a:fontRef idx="minor"/>
+      </dsp:style>
+    </dsp:sp>
+    <dsp:sp modelId="{4CC387DE-C3A1-4BAB-B540-B4B7976407BE}">
+      <dsp:nvSpPr>
+        <dsp:cNvPr id="0" name=""/>
+        <dsp:cNvSpPr/>
+      </dsp:nvSpPr>
+      <dsp:spPr>
+        <a:xfrm>
+          <a:off x="7978993" y="1669400"/>
+          <a:ext cx="1012537" cy="1012537"/>
+        </a:xfrm>
+        <a:prstGeom prst="ellipse">
+          <a:avLst/>
+        </a:prstGeom>
+        <a:solidFill>
+          <a:schemeClr val="accent1">
+            <a:hueOff val="0"/>
+            <a:satOff val="0"/>
+            <a:lumOff val="0"/>
+            <a:alphaOff val="0"/>
+          </a:schemeClr>
+        </a:solidFill>
+        <a:ln w="12700" cap="flat" cmpd="sng" algn="ctr">
+          <a:solidFill>
+            <a:schemeClr val="lt1">
+              <a:hueOff val="0"/>
+              <a:satOff val="0"/>
+              <a:lumOff val="0"/>
+              <a:alphaOff val="0"/>
+            </a:schemeClr>
+          </a:solidFill>
+          <a:prstDash val="solid"/>
+          <a:miter lim="800000"/>
+        </a:ln>
+        <a:effectLst/>
+      </dsp:spPr>
+      <dsp:style>
+        <a:lnRef idx="2">
+          <a:scrgbClr r="0" g="0" b="0"/>
+        </a:lnRef>
+        <a:fillRef idx="1">
+          <a:scrgbClr r="0" g="0" b="0"/>
+        </a:fillRef>
+        <a:effectRef idx="0">
+          <a:scrgbClr r="0" g="0" b="0"/>
+        </a:effectRef>
+        <a:fontRef idx="minor">
+          <a:schemeClr val="lt1"/>
+        </a:fontRef>
+      </dsp:style>
+      <dsp:txBody>
+        <a:bodyPr spcFirstLastPara="0" vert="horz" wrap="square" lIns="6350" tIns="6350" rIns="6350" bIns="6350" numCol="1" spcCol="1270" anchor="ctr" anchorCtr="0">
+          <a:noAutofit/>
+        </a:bodyPr>
+        <a:lstStyle/>
+        <a:p>
+          <a:pPr lvl="0" algn="ctr" defTabSz="444500" rtl="0">
+            <a:lnSpc>
+              <a:spcPct val="90000"/>
+            </a:lnSpc>
+            <a:spcBef>
+              <a:spcPct val="0"/>
+            </a:spcBef>
+            <a:spcAft>
+              <a:spcPct val="35000"/>
+            </a:spcAft>
+          </a:pPr>
+          <a:r>
+            <a:rPr lang="en-US" sz="1000" kern="1200" smtClean="0"/>
+            <a:t>Cautions</a:t>
+          </a:r>
+          <a:endParaRPr lang="en-US" sz="1000" kern="1200"/>
+        </a:p>
+      </dsp:txBody>
+      <dsp:txXfrm>
+        <a:off x="8127276" y="1817683"/>
+        <a:ext cx="715971" cy="715971"/>
+      </dsp:txXfrm>
+    </dsp:sp>
+  </dsp:spTree>
+</dsp:drawing>
+</file>
+
+<file path=ppt/diagrams/drawing2.xml><?xml version="1.0" encoding="utf-8"?>
 <dsp:drawing xmlns:dgm="http://schemas.openxmlformats.org/drawingml/2006/diagram" xmlns:dsp="http://schemas.microsoft.com/office/drawing/2008/diagram" xmlns:a="http://schemas.openxmlformats.org/drawingml/2006/main">
   <dsp:spTree>
     <dsp:nvGrpSpPr>
@@ -2807,7 +4505,7 @@
 </dsp:drawing>
 </file>
 
-<file path=ppt/diagrams/drawing2.xml><?xml version="1.0" encoding="utf-8"?>
+<file path=ppt/diagrams/drawing3.xml><?xml version="1.0" encoding="utf-8"?>
 <dsp:drawing xmlns:dgm="http://schemas.openxmlformats.org/drawingml/2006/diagram" xmlns:dsp="http://schemas.microsoft.com/office/drawing/2008/diagram" xmlns:a="http://schemas.openxmlformats.org/drawingml/2006/main">
   <dsp:spTree>
     <dsp:nvGrpSpPr>
@@ -2902,7 +4600,11 @@
           </a:pPr>
           <a:r>
             <a:rPr lang="en-US" sz="1600" kern="1200" dirty="0" smtClean="0"/>
-            <a:t>Whenever new code is produced.</a:t>
+            <a:t>Immediately new </a:t>
+          </a:r>
+          <a:r>
+            <a:rPr lang="en-US" sz="1600" kern="1200" dirty="0" smtClean="0"/>
+            <a:t>code is produced.</a:t>
           </a:r>
           <a:endParaRPr lang="en-US" sz="1600" kern="1200" dirty="0"/>
         </a:p>
@@ -3356,6 +5058,300 @@
 </file>
 
 <file path=ppt/diagrams/layout1.xml><?xml version="1.0" encoding="utf-8"?>
+<dgm:layoutDef xmlns:dgm="http://schemas.openxmlformats.org/drawingml/2006/diagram" xmlns:a="http://schemas.openxmlformats.org/drawingml/2006/main" uniqueId="urn:microsoft.com/office/officeart/2005/8/layout/hProcess6">
+  <dgm:title val=""/>
+  <dgm:desc val=""/>
+  <dgm:catLst>
+    <dgm:cat type="process" pri="7000"/>
+  </dgm:catLst>
+  <dgm:sampData>
+    <dgm:dataModel>
+      <dgm:ptLst>
+        <dgm:pt modelId="0" type="doc"/>
+        <dgm:pt modelId="1">
+          <dgm:prSet phldr="1"/>
+        </dgm:pt>
+        <dgm:pt modelId="11">
+          <dgm:prSet phldr="1"/>
+        </dgm:pt>
+        <dgm:pt modelId="12">
+          <dgm:prSet phldr="1"/>
+        </dgm:pt>
+        <dgm:pt modelId="2">
+          <dgm:prSet phldr="1"/>
+        </dgm:pt>
+        <dgm:pt modelId="21">
+          <dgm:prSet phldr="1"/>
+        </dgm:pt>
+        <dgm:pt modelId="22">
+          <dgm:prSet phldr="1"/>
+        </dgm:pt>
+        <dgm:pt modelId="3">
+          <dgm:prSet phldr="1"/>
+        </dgm:pt>
+        <dgm:pt modelId="31">
+          <dgm:prSet phldr="1"/>
+        </dgm:pt>
+        <dgm:pt modelId="32">
+          <dgm:prSet phldr="1"/>
+        </dgm:pt>
+      </dgm:ptLst>
+      <dgm:cxnLst>
+        <dgm:cxn modelId="4" srcId="0" destId="1" srcOrd="0" destOrd="0"/>
+        <dgm:cxn modelId="5" srcId="0" destId="2" srcOrd="1" destOrd="0"/>
+        <dgm:cxn modelId="13" srcId="1" destId="11" srcOrd="0" destOrd="0"/>
+        <dgm:cxn modelId="14" srcId="1" destId="12" srcOrd="0" destOrd="0"/>
+        <dgm:cxn modelId="23" srcId="2" destId="21" srcOrd="0" destOrd="0"/>
+        <dgm:cxn modelId="24" srcId="2" destId="22" srcOrd="0" destOrd="0"/>
+        <dgm:cxn modelId="33" srcId="3" destId="31" srcOrd="0" destOrd="0"/>
+        <dgm:cxn modelId="34" srcId="3" destId="32" srcOrd="0" destOrd="0"/>
+      </dgm:cxnLst>
+      <dgm:bg/>
+      <dgm:whole/>
+    </dgm:dataModel>
+  </dgm:sampData>
+  <dgm:styleData>
+    <dgm:dataModel>
+      <dgm:ptLst>
+        <dgm:pt modelId="0" type="doc"/>
+        <dgm:pt modelId="1"/>
+        <dgm:pt modelId="11"/>
+        <dgm:pt modelId="2"/>
+        <dgm:pt modelId="21"/>
+      </dgm:ptLst>
+      <dgm:cxnLst>
+        <dgm:cxn modelId="4" srcId="0" destId="1" srcOrd="0" destOrd="0"/>
+        <dgm:cxn modelId="5" srcId="0" destId="2" srcOrd="1" destOrd="0"/>
+        <dgm:cxn modelId="13" srcId="1" destId="11" srcOrd="0" destOrd="0"/>
+        <dgm:cxn modelId="23" srcId="2" destId="21" srcOrd="0" destOrd="0"/>
+      </dgm:cxnLst>
+      <dgm:bg/>
+      <dgm:whole/>
+    </dgm:dataModel>
+  </dgm:styleData>
+  <dgm:clrData>
+    <dgm:dataModel>
+      <dgm:ptLst>
+        <dgm:pt modelId="0" type="doc"/>
+        <dgm:pt modelId="1"/>
+        <dgm:pt modelId="11"/>
+        <dgm:pt modelId="2"/>
+        <dgm:pt modelId="21"/>
+        <dgm:pt modelId="3"/>
+        <dgm:pt modelId="31"/>
+        <dgm:pt modelId="4"/>
+        <dgm:pt modelId="41"/>
+      </dgm:ptLst>
+      <dgm:cxnLst>
+        <dgm:cxn modelId="5" srcId="0" destId="1" srcOrd="0" destOrd="0"/>
+        <dgm:cxn modelId="6" srcId="0" destId="2" srcOrd="1" destOrd="0"/>
+        <dgm:cxn modelId="7" srcId="0" destId="3" srcOrd="2" destOrd="0"/>
+        <dgm:cxn modelId="8" srcId="0" destId="4" srcOrd="3" destOrd="0"/>
+        <dgm:cxn modelId="13" srcId="1" destId="11" srcOrd="0" destOrd="0"/>
+        <dgm:cxn modelId="23" srcId="2" destId="21" srcOrd="0" destOrd="0"/>
+        <dgm:cxn modelId="33" srcId="3" destId="31" srcOrd="0" destOrd="0"/>
+        <dgm:cxn modelId="43" srcId="4" destId="41" srcOrd="0" destOrd="0"/>
+      </dgm:cxnLst>
+      <dgm:bg/>
+      <dgm:whole/>
+    </dgm:dataModel>
+  </dgm:clrData>
+  <dgm:layoutNode name="theList">
+    <dgm:varLst>
+      <dgm:dir/>
+      <dgm:animLvl val="lvl"/>
+      <dgm:resizeHandles val="exact"/>
+    </dgm:varLst>
+    <dgm:choose name="Name0">
+      <dgm:if name="Name1" func="var" arg="dir" op="equ" val="norm">
+        <dgm:alg type="lin">
+          <dgm:param type="linDir" val="fromL"/>
+          <dgm:param type="nodeHorzAlign" val="l"/>
+        </dgm:alg>
+      </dgm:if>
+      <dgm:else name="Name2">
+        <dgm:alg type="lin">
+          <dgm:param type="linDir" val="fromR"/>
+          <dgm:param type="nodeHorzAlign" val="r"/>
+        </dgm:alg>
+      </dgm:else>
+    </dgm:choose>
+    <dgm:shape xmlns:r="http://schemas.openxmlformats.org/officeDocument/2006/relationships" r:blip="">
+      <dgm:adjLst/>
+    </dgm:shape>
+    <dgm:presOf/>
+    <dgm:constrLst>
+      <dgm:constr type="w" for="ch" forName="compNode" refType="w"/>
+      <dgm:constr type="h" for="ch" forName="compNode" refType="w" refFor="ch" refForName="compNode" fact="0.7"/>
+      <dgm:constr type="ctrY" for="ch" forName="compNode" refType="h" fact="0.5"/>
+      <dgm:constr type="w" for="ch" forName="aSpace" refType="w" fact="0.05"/>
+      <dgm:constr type="primFontSz" for="des" forName="childTextHidden" op="equ" val="65"/>
+      <dgm:constr type="primFontSz" for="des" forName="parentText" op="equ"/>
+    </dgm:constrLst>
+    <dgm:ruleLst/>
+    <dgm:forEach name="aNodeForEach" axis="ch" ptType="node">
+      <dgm:layoutNode name="compNode">
+        <dgm:alg type="composite">
+          <dgm:param type="ar" val="1.43"/>
+        </dgm:alg>
+        <dgm:shape xmlns:r="http://schemas.openxmlformats.org/officeDocument/2006/relationships" r:blip="">
+          <dgm:adjLst/>
+        </dgm:shape>
+        <dgm:presOf/>
+        <dgm:choose name="Name3">
+          <dgm:if name="Name4" func="var" arg="dir" op="equ" val="norm">
+            <dgm:constrLst>
+              <dgm:constr type="w" for="ch" forName="childTextVisible" refType="w" fact="0.8"/>
+              <dgm:constr type="h" for="ch" forName="childTextVisible" refType="h"/>
+              <dgm:constr type="r" for="ch" forName="childTextVisible" refType="w"/>
+              <dgm:constr type="w" for="ch" forName="childTextHidden" refType="w" fact="0.6"/>
+              <dgm:constr type="h" for="ch" forName="childTextHidden" refType="h"/>
+              <dgm:constr type="r" for="ch" forName="childTextHidden" refType="w"/>
+              <dgm:constr type="l" for="ch" forName="parentText"/>
+              <dgm:constr type="w" for="ch" forName="parentText" refType="w" fact="0.4"/>
+              <dgm:constr type="h" for="ch" forName="parentText" refType="w" refFor="ch" refForName="parentText" op="equ"/>
+              <dgm:constr type="ctrY" for="ch" forName="parentText" refType="h" fact="0.5"/>
+            </dgm:constrLst>
+          </dgm:if>
+          <dgm:else name="Name5">
+            <dgm:constrLst>
+              <dgm:constr type="w" for="ch" forName="childTextVisible" refType="w" fact="0.8"/>
+              <dgm:constr type="h" for="ch" forName="childTextVisible" refType="h"/>
+              <dgm:constr type="l" for="ch" forName="childTextVisible"/>
+              <dgm:constr type="w" for="ch" forName="childTextHidden" refType="w" fact="0.6"/>
+              <dgm:constr type="h" for="ch" forName="childTextHidden" refType="h"/>
+              <dgm:constr type="l" for="ch" forName="childTextHidden"/>
+              <dgm:constr type="r" for="ch" forName="parentText" refType="w"/>
+              <dgm:constr type="w" for="ch" forName="parentText" refType="w" fact="0.4"/>
+              <dgm:constr type="h" for="ch" forName="parentText" refType="w" refFor="ch" refForName="parentText" op="equ"/>
+              <dgm:constr type="ctrY" for="ch" forName="parentText" refType="h" fact="0.5"/>
+            </dgm:constrLst>
+          </dgm:else>
+        </dgm:choose>
+        <dgm:ruleLst/>
+        <dgm:layoutNode name="noGeometry">
+          <dgm:alg type="sp"/>
+          <dgm:shape xmlns:r="http://schemas.openxmlformats.org/officeDocument/2006/relationships" r:blip="">
+            <dgm:adjLst/>
+          </dgm:shape>
+          <dgm:presOf/>
+          <dgm:constrLst/>
+          <dgm:ruleLst/>
+        </dgm:layoutNode>
+        <dgm:layoutNode name="childTextVisible" styleLbl="bgAccFollowNode1">
+          <dgm:varLst>
+            <dgm:bulletEnabled val="1"/>
+          </dgm:varLst>
+          <dgm:alg type="sp"/>
+          <dgm:choose name="Name6">
+            <dgm:if name="Name7" func="var" arg="dir" op="equ" val="norm">
+              <dgm:shape xmlns:r="http://schemas.openxmlformats.org/officeDocument/2006/relationships" type="rightArrow" r:blip="">
+                <dgm:adjLst>
+                  <dgm:adj idx="1" val="0.7"/>
+                  <dgm:adj idx="2" val="0.5"/>
+                </dgm:adjLst>
+              </dgm:shape>
+            </dgm:if>
+            <dgm:else name="Name8">
+              <dgm:shape xmlns:r="http://schemas.openxmlformats.org/officeDocument/2006/relationships" type="leftArrow" r:blip="">
+                <dgm:adjLst>
+                  <dgm:adj idx="1" val="0.7"/>
+                  <dgm:adj idx="2" val="0.5"/>
+                </dgm:adjLst>
+              </dgm:shape>
+            </dgm:else>
+          </dgm:choose>
+          <dgm:presOf axis="des" ptType="node"/>
+          <dgm:constrLst/>
+          <dgm:ruleLst/>
+        </dgm:layoutNode>
+        <dgm:layoutNode name="childTextHidden" styleLbl="bgAccFollowNode1">
+          <dgm:choose name="Name9">
+            <dgm:if name="Name10" axis="des followSib" ptType="node node" st="1 1" cnt="1 0" func="cnt" op="gte" val="1">
+              <dgm:alg type="tx">
+                <dgm:param type="stBulletLvl" val="1"/>
+                <dgm:param type="txAnchorVertCh" val="mid"/>
+              </dgm:alg>
+            </dgm:if>
+            <dgm:else name="Name11">
+              <dgm:alg type="tx">
+                <dgm:param type="stBulletLvl" val="2"/>
+                <dgm:param type="txAnchorVertCh" val="mid"/>
+              </dgm:alg>
+            </dgm:else>
+          </dgm:choose>
+          <dgm:choose name="Name12">
+            <dgm:if name="Name13" func="var" arg="dir" op="equ" val="norm">
+              <dgm:shape xmlns:r="http://schemas.openxmlformats.org/officeDocument/2006/relationships" type="rightArrow" r:blip="" hideGeom="1">
+                <dgm:adjLst>
+                  <dgm:adj idx="1" val="0.7"/>
+                  <dgm:adj idx="2" val="0.5"/>
+                </dgm:adjLst>
+              </dgm:shape>
+            </dgm:if>
+            <dgm:else name="Name14">
+              <dgm:shape xmlns:r="http://schemas.openxmlformats.org/officeDocument/2006/relationships" type="leftArrow" r:blip="" hideGeom="1">
+                <dgm:adjLst>
+                  <dgm:adj idx="1" val="0.7"/>
+                  <dgm:adj idx="2" val="0.5"/>
+                </dgm:adjLst>
+              </dgm:shape>
+            </dgm:else>
+          </dgm:choose>
+          <dgm:presOf axis="des" ptType="node"/>
+          <dgm:constrLst>
+            <dgm:constr type="secFontSz" refType="primFontSz"/>
+            <dgm:constr type="tMarg" refType="primFontSz" fact="0.05"/>
+            <dgm:constr type="bMarg" refType="primFontSz" fact="0.05"/>
+            <dgm:constr type="rMarg" refType="primFontSz" fact="0.1"/>
+            <dgm:constr type="lMarg" refType="primFontSz" fact="0.2"/>
+          </dgm:constrLst>
+          <dgm:ruleLst>
+            <dgm:rule type="primFontSz" val="5" fact="NaN" max="NaN"/>
+          </dgm:ruleLst>
+        </dgm:layoutNode>
+        <dgm:layoutNode name="parentText" styleLbl="node1">
+          <dgm:varLst>
+            <dgm:chMax val="1"/>
+            <dgm:bulletEnabled val="1"/>
+          </dgm:varLst>
+          <dgm:alg type="tx"/>
+          <dgm:shape xmlns:r="http://schemas.openxmlformats.org/officeDocument/2006/relationships" type="ellipse" r:blip="">
+            <dgm:adjLst/>
+          </dgm:shape>
+          <dgm:presOf axis="self"/>
+          <dgm:constrLst>
+            <dgm:constr type="primFontSz" val="65"/>
+            <dgm:constr type="tMarg" refType="primFontSz" fact="0.05"/>
+            <dgm:constr type="bMarg" refType="primFontSz" fact="0.05"/>
+            <dgm:constr type="lMarg" refType="primFontSz" fact="0.05"/>
+            <dgm:constr type="rMarg" refType="primFontSz" fact="0.05"/>
+          </dgm:constrLst>
+          <dgm:ruleLst>
+            <dgm:rule type="primFontSz" val="5" fact="NaN" max="NaN"/>
+          </dgm:ruleLst>
+        </dgm:layoutNode>
+      </dgm:layoutNode>
+      <dgm:choose name="Name15">
+        <dgm:if name="Name16" axis="self" ptType="node" func="revPos" op="gte" val="2">
+          <dgm:layoutNode name="aSpace">
+            <dgm:alg type="sp"/>
+            <dgm:shape xmlns:r="http://schemas.openxmlformats.org/officeDocument/2006/relationships" r:blip="">
+              <dgm:adjLst/>
+            </dgm:shape>
+            <dgm:presOf/>
+            <dgm:constrLst/>
+            <dgm:ruleLst/>
+          </dgm:layoutNode>
+        </dgm:if>
+        <dgm:else name="Name17"/>
+      </dgm:choose>
+    </dgm:forEach>
+  </dgm:layoutNode>
+</dgm:layoutDef>
+</file>
+
+<file path=ppt/diagrams/layout2.xml><?xml version="1.0" encoding="utf-8"?>
 <dgm:layoutDef xmlns:dgm="http://schemas.openxmlformats.org/drawingml/2006/diagram" xmlns:a="http://schemas.openxmlformats.org/drawingml/2006/main" uniqueId="urn:microsoft.com/office/officeart/2005/8/layout/chevron1">
   <dgm:title val=""/>
   <dgm:desc val=""/>
@@ -3638,7 +5634,7 @@
 </dgm:layoutDef>
 </file>
 
-<file path=ppt/diagrams/layout2.xml><?xml version="1.0" encoding="utf-8"?>
+<file path=ppt/diagrams/layout3.xml><?xml version="1.0" encoding="utf-8"?>
 <dgm:layoutDef xmlns:dgm="http://schemas.openxmlformats.org/drawingml/2006/diagram" xmlns:a="http://schemas.openxmlformats.org/drawingml/2006/main" uniqueId="urn:microsoft.com/office/officeart/2005/8/layout/hList6">
   <dgm:title val=""/>
   <dgm:desc val=""/>
@@ -5878,6 +7874,1040 @@
 </dgm:styleDef>
 </file>
 
+<file path=ppt/diagrams/quickStyle3.xml><?xml version="1.0" encoding="utf-8"?>
+<dgm:styleDef xmlns:dgm="http://schemas.openxmlformats.org/drawingml/2006/diagram" xmlns:a="http://schemas.openxmlformats.org/drawingml/2006/main" uniqueId="urn:microsoft.com/office/officeart/2005/8/quickstyle/simple1">
+  <dgm:title val=""/>
+  <dgm:desc val=""/>
+  <dgm:catLst>
+    <dgm:cat type="simple" pri="10100"/>
+  </dgm:catLst>
+  <dgm:scene3d>
+    <a:camera prst="orthographicFront"/>
+    <a:lightRig rig="threePt" dir="t"/>
+  </dgm:scene3d>
+  <dgm:styleLbl name="node0">
+    <dgm:scene3d>
+      <a:camera prst="orthographicFront"/>
+      <a:lightRig rig="threePt" dir="t"/>
+    </dgm:scene3d>
+    <dgm:sp3d/>
+    <dgm:txPr/>
+    <dgm:style>
+      <a:lnRef idx="2">
+        <a:scrgbClr r="0" g="0" b="0"/>
+      </a:lnRef>
+      <a:fillRef idx="1">
+        <a:scrgbClr r="0" g="0" b="0"/>
+      </a:fillRef>
+      <a:effectRef idx="0">
+        <a:scrgbClr r="0" g="0" b="0"/>
+      </a:effectRef>
+      <a:fontRef idx="minor">
+        <a:schemeClr val="lt1"/>
+      </a:fontRef>
+    </dgm:style>
+  </dgm:styleLbl>
+  <dgm:styleLbl name="lnNode1">
+    <dgm:scene3d>
+      <a:camera prst="orthographicFront"/>
+      <a:lightRig rig="threePt" dir="t"/>
+    </dgm:scene3d>
+    <dgm:sp3d/>
+    <dgm:txPr/>
+    <dgm:style>
+      <a:lnRef idx="2">
+        <a:scrgbClr r="0" g="0" b="0"/>
+      </a:lnRef>
+      <a:fillRef idx="1">
+        <a:scrgbClr r="0" g="0" b="0"/>
+      </a:fillRef>
+      <a:effectRef idx="0">
+        <a:scrgbClr r="0" g="0" b="0"/>
+      </a:effectRef>
+      <a:fontRef idx="minor">
+        <a:schemeClr val="lt1"/>
+      </a:fontRef>
+    </dgm:style>
+  </dgm:styleLbl>
+  <dgm:styleLbl name="vennNode1">
+    <dgm:scene3d>
+      <a:camera prst="orthographicFront"/>
+      <a:lightRig rig="threePt" dir="t"/>
+    </dgm:scene3d>
+    <dgm:sp3d/>
+    <dgm:txPr/>
+    <dgm:style>
+      <a:lnRef idx="2">
+        <a:scrgbClr r="0" g="0" b="0"/>
+      </a:lnRef>
+      <a:fillRef idx="1">
+        <a:scrgbClr r="0" g="0" b="0"/>
+      </a:fillRef>
+      <a:effectRef idx="0">
+        <a:scrgbClr r="0" g="0" b="0"/>
+      </a:effectRef>
+      <a:fontRef idx="minor">
+        <a:schemeClr val="tx1"/>
+      </a:fontRef>
+    </dgm:style>
+  </dgm:styleLbl>
+  <dgm:styleLbl name="alignNode1">
+    <dgm:scene3d>
+      <a:camera prst="orthographicFront"/>
+      <a:lightRig rig="threePt" dir="t"/>
+    </dgm:scene3d>
+    <dgm:sp3d/>
+    <dgm:txPr/>
+    <dgm:style>
+      <a:lnRef idx="2">
+        <a:scrgbClr r="0" g="0" b="0"/>
+      </a:lnRef>
+      <a:fillRef idx="1">
+        <a:scrgbClr r="0" g="0" b="0"/>
+      </a:fillRef>
+      <a:effectRef idx="0">
+        <a:scrgbClr r="0" g="0" b="0"/>
+      </a:effectRef>
+      <a:fontRef idx="minor">
+        <a:schemeClr val="lt1"/>
+      </a:fontRef>
+    </dgm:style>
+  </dgm:styleLbl>
+  <dgm:styleLbl name="node1">
+    <dgm:scene3d>
+      <a:camera prst="orthographicFront"/>
+      <a:lightRig rig="threePt" dir="t"/>
+    </dgm:scene3d>
+    <dgm:sp3d/>
+    <dgm:txPr/>
+    <dgm:style>
+      <a:lnRef idx="2">
+        <a:scrgbClr r="0" g="0" b="0"/>
+      </a:lnRef>
+      <a:fillRef idx="1">
+        <a:scrgbClr r="0" g="0" b="0"/>
+      </a:fillRef>
+      <a:effectRef idx="0">
+        <a:scrgbClr r="0" g="0" b="0"/>
+      </a:effectRef>
+      <a:fontRef idx="minor">
+        <a:schemeClr val="lt1"/>
+      </a:fontRef>
+    </dgm:style>
+  </dgm:styleLbl>
+  <dgm:styleLbl name="node2">
+    <dgm:scene3d>
+      <a:camera prst="orthographicFront"/>
+      <a:lightRig rig="threePt" dir="t"/>
+    </dgm:scene3d>
+    <dgm:sp3d/>
+    <dgm:txPr/>
+    <dgm:style>
+      <a:lnRef idx="2">
+        <a:scrgbClr r="0" g="0" b="0"/>
+      </a:lnRef>
+      <a:fillRef idx="1">
+        <a:scrgbClr r="0" g="0" b="0"/>
+      </a:fillRef>
+      <a:effectRef idx="0">
+        <a:scrgbClr r="0" g="0" b="0"/>
+      </a:effectRef>
+      <a:fontRef idx="minor">
+        <a:schemeClr val="lt1"/>
+      </a:fontRef>
+    </dgm:style>
+  </dgm:styleLbl>
+  <dgm:styleLbl name="node3">
+    <dgm:scene3d>
+      <a:camera prst="orthographicFront"/>
+      <a:lightRig rig="threePt" dir="t"/>
+    </dgm:scene3d>
+    <dgm:sp3d/>
+    <dgm:txPr/>
+    <dgm:style>
+      <a:lnRef idx="2">
+        <a:scrgbClr r="0" g="0" b="0"/>
+      </a:lnRef>
+      <a:fillRef idx="1">
+        <a:scrgbClr r="0" g="0" b="0"/>
+      </a:fillRef>
+      <a:effectRef idx="0">
+        <a:scrgbClr r="0" g="0" b="0"/>
+      </a:effectRef>
+      <a:fontRef idx="minor">
+        <a:schemeClr val="lt1"/>
+      </a:fontRef>
+    </dgm:style>
+  </dgm:styleLbl>
+  <dgm:styleLbl name="node4">
+    <dgm:scene3d>
+      <a:camera prst="orthographicFront"/>
+      <a:lightRig rig="threePt" dir="t"/>
+    </dgm:scene3d>
+    <dgm:sp3d/>
+    <dgm:txPr/>
+    <dgm:style>
+      <a:lnRef idx="2">
+        <a:scrgbClr r="0" g="0" b="0"/>
+      </a:lnRef>
+      <a:fillRef idx="1">
+        <a:scrgbClr r="0" g="0" b="0"/>
+      </a:fillRef>
+      <a:effectRef idx="0">
+        <a:scrgbClr r="0" g="0" b="0"/>
+      </a:effectRef>
+      <a:fontRef idx="minor">
+        <a:schemeClr val="lt1"/>
+      </a:fontRef>
+    </dgm:style>
+  </dgm:styleLbl>
+  <dgm:styleLbl name="fgImgPlace1">
+    <dgm:scene3d>
+      <a:camera prst="orthographicFront"/>
+      <a:lightRig rig="threePt" dir="t"/>
+    </dgm:scene3d>
+    <dgm:sp3d/>
+    <dgm:txPr/>
+    <dgm:style>
+      <a:lnRef idx="2">
+        <a:scrgbClr r="0" g="0" b="0"/>
+      </a:lnRef>
+      <a:fillRef idx="1">
+        <a:scrgbClr r="0" g="0" b="0"/>
+      </a:fillRef>
+      <a:effectRef idx="0">
+        <a:scrgbClr r="0" g="0" b="0"/>
+      </a:effectRef>
+      <a:fontRef idx="minor"/>
+    </dgm:style>
+  </dgm:styleLbl>
+  <dgm:styleLbl name="alignImgPlace1">
+    <dgm:scene3d>
+      <a:camera prst="orthographicFront"/>
+      <a:lightRig rig="threePt" dir="t"/>
+    </dgm:scene3d>
+    <dgm:sp3d/>
+    <dgm:txPr/>
+    <dgm:style>
+      <a:lnRef idx="2">
+        <a:scrgbClr r="0" g="0" b="0"/>
+      </a:lnRef>
+      <a:fillRef idx="1">
+        <a:scrgbClr r="0" g="0" b="0"/>
+      </a:fillRef>
+      <a:effectRef idx="0">
+        <a:scrgbClr r="0" g="0" b="0"/>
+      </a:effectRef>
+      <a:fontRef idx="minor"/>
+    </dgm:style>
+  </dgm:styleLbl>
+  <dgm:styleLbl name="bgImgPlace1">
+    <dgm:scene3d>
+      <a:camera prst="orthographicFront"/>
+      <a:lightRig rig="threePt" dir="t"/>
+    </dgm:scene3d>
+    <dgm:sp3d/>
+    <dgm:txPr/>
+    <dgm:style>
+      <a:lnRef idx="2">
+        <a:scrgbClr r="0" g="0" b="0"/>
+      </a:lnRef>
+      <a:fillRef idx="1">
+        <a:scrgbClr r="0" g="0" b="0"/>
+      </a:fillRef>
+      <a:effectRef idx="0">
+        <a:scrgbClr r="0" g="0" b="0"/>
+      </a:effectRef>
+      <a:fontRef idx="minor"/>
+    </dgm:style>
+  </dgm:styleLbl>
+  <dgm:styleLbl name="sibTrans2D1">
+    <dgm:scene3d>
+      <a:camera prst="orthographicFront"/>
+      <a:lightRig rig="threePt" dir="t"/>
+    </dgm:scene3d>
+    <dgm:sp3d/>
+    <dgm:txPr/>
+    <dgm:style>
+      <a:lnRef idx="0">
+        <a:scrgbClr r="0" g="0" b="0"/>
+      </a:lnRef>
+      <a:fillRef idx="1">
+        <a:scrgbClr r="0" g="0" b="0"/>
+      </a:fillRef>
+      <a:effectRef idx="0">
+        <a:scrgbClr r="0" g="0" b="0"/>
+      </a:effectRef>
+      <a:fontRef idx="minor">
+        <a:schemeClr val="lt1"/>
+      </a:fontRef>
+    </dgm:style>
+  </dgm:styleLbl>
+  <dgm:styleLbl name="fgSibTrans2D1">
+    <dgm:scene3d>
+      <a:camera prst="orthographicFront"/>
+      <a:lightRig rig="threePt" dir="t"/>
+    </dgm:scene3d>
+    <dgm:sp3d/>
+    <dgm:txPr/>
+    <dgm:style>
+      <a:lnRef idx="0">
+        <a:scrgbClr r="0" g="0" b="0"/>
+      </a:lnRef>
+      <a:fillRef idx="1">
+        <a:scrgbClr r="0" g="0" b="0"/>
+      </a:fillRef>
+      <a:effectRef idx="0">
+        <a:scrgbClr r="0" g="0" b="0"/>
+      </a:effectRef>
+      <a:fontRef idx="minor">
+        <a:schemeClr val="lt1"/>
+      </a:fontRef>
+    </dgm:style>
+  </dgm:styleLbl>
+  <dgm:styleLbl name="bgSibTrans2D1">
+    <dgm:scene3d>
+      <a:camera prst="orthographicFront"/>
+      <a:lightRig rig="threePt" dir="t"/>
+    </dgm:scene3d>
+    <dgm:sp3d/>
+    <dgm:txPr/>
+    <dgm:style>
+      <a:lnRef idx="0">
+        <a:scrgbClr r="0" g="0" b="0"/>
+      </a:lnRef>
+      <a:fillRef idx="1">
+        <a:scrgbClr r="0" g="0" b="0"/>
+      </a:fillRef>
+      <a:effectRef idx="0">
+        <a:scrgbClr r="0" g="0" b="0"/>
+      </a:effectRef>
+      <a:fontRef idx="minor">
+        <a:schemeClr val="lt1"/>
+      </a:fontRef>
+    </dgm:style>
+  </dgm:styleLbl>
+  <dgm:styleLbl name="sibTrans1D1">
+    <dgm:scene3d>
+      <a:camera prst="orthographicFront"/>
+      <a:lightRig rig="threePt" dir="t"/>
+    </dgm:scene3d>
+    <dgm:sp3d/>
+    <dgm:txPr/>
+    <dgm:style>
+      <a:lnRef idx="1">
+        <a:scrgbClr r="0" g="0" b="0"/>
+      </a:lnRef>
+      <a:fillRef idx="0">
+        <a:scrgbClr r="0" g="0" b="0"/>
+      </a:fillRef>
+      <a:effectRef idx="0">
+        <a:scrgbClr r="0" g="0" b="0"/>
+      </a:effectRef>
+      <a:fontRef idx="minor"/>
+    </dgm:style>
+  </dgm:styleLbl>
+  <dgm:styleLbl name="callout">
+    <dgm:scene3d>
+      <a:camera prst="orthographicFront"/>
+      <a:lightRig rig="threePt" dir="t"/>
+    </dgm:scene3d>
+    <dgm:sp3d/>
+    <dgm:txPr/>
+    <dgm:style>
+      <a:lnRef idx="2">
+        <a:scrgbClr r="0" g="0" b="0"/>
+      </a:lnRef>
+      <a:fillRef idx="1">
+        <a:scrgbClr r="0" g="0" b="0"/>
+      </a:fillRef>
+      <a:effectRef idx="0">
+        <a:scrgbClr r="0" g="0" b="0"/>
+      </a:effectRef>
+      <a:fontRef idx="minor"/>
+    </dgm:style>
+  </dgm:styleLbl>
+  <dgm:styleLbl name="asst0">
+    <dgm:scene3d>
+      <a:camera prst="orthographicFront"/>
+      <a:lightRig rig="threePt" dir="t"/>
+    </dgm:scene3d>
+    <dgm:sp3d/>
+    <dgm:txPr/>
+    <dgm:style>
+      <a:lnRef idx="2">
+        <a:scrgbClr r="0" g="0" b="0"/>
+      </a:lnRef>
+      <a:fillRef idx="1">
+        <a:scrgbClr r="0" g="0" b="0"/>
+      </a:fillRef>
+      <a:effectRef idx="0">
+        <a:scrgbClr r="0" g="0" b="0"/>
+      </a:effectRef>
+      <a:fontRef idx="minor">
+        <a:schemeClr val="lt1"/>
+      </a:fontRef>
+    </dgm:style>
+  </dgm:styleLbl>
+  <dgm:styleLbl name="asst1">
+    <dgm:scene3d>
+      <a:camera prst="orthographicFront"/>
+      <a:lightRig rig="threePt" dir="t"/>
+    </dgm:scene3d>
+    <dgm:sp3d/>
+    <dgm:txPr/>
+    <dgm:style>
+      <a:lnRef idx="2">
+        <a:scrgbClr r="0" g="0" b="0"/>
+      </a:lnRef>
+      <a:fillRef idx="1">
+        <a:scrgbClr r="0" g="0" b="0"/>
+      </a:fillRef>
+      <a:effectRef idx="0">
+        <a:scrgbClr r="0" g="0" b="0"/>
+      </a:effectRef>
+      <a:fontRef idx="minor">
+        <a:schemeClr val="lt1"/>
+      </a:fontRef>
+    </dgm:style>
+  </dgm:styleLbl>
+  <dgm:styleLbl name="asst2">
+    <dgm:scene3d>
+      <a:camera prst="orthographicFront"/>
+      <a:lightRig rig="threePt" dir="t"/>
+    </dgm:scene3d>
+    <dgm:sp3d/>
+    <dgm:txPr/>
+    <dgm:style>
+      <a:lnRef idx="2">
+        <a:scrgbClr r="0" g="0" b="0"/>
+      </a:lnRef>
+      <a:fillRef idx="1">
+        <a:scrgbClr r="0" g="0" b="0"/>
+      </a:fillRef>
+      <a:effectRef idx="0">
+        <a:scrgbClr r="0" g="0" b="0"/>
+      </a:effectRef>
+      <a:fontRef idx="minor">
+        <a:schemeClr val="lt1"/>
+      </a:fontRef>
+    </dgm:style>
+  </dgm:styleLbl>
+  <dgm:styleLbl name="asst3">
+    <dgm:scene3d>
+      <a:camera prst="orthographicFront"/>
+      <a:lightRig rig="threePt" dir="t"/>
+    </dgm:scene3d>
+    <dgm:sp3d/>
+    <dgm:txPr/>
+    <dgm:style>
+      <a:lnRef idx="2">
+        <a:scrgbClr r="0" g="0" b="0"/>
+      </a:lnRef>
+      <a:fillRef idx="1">
+        <a:scrgbClr r="0" g="0" b="0"/>
+      </a:fillRef>
+      <a:effectRef idx="0">
+        <a:scrgbClr r="0" g="0" b="0"/>
+      </a:effectRef>
+      <a:fontRef idx="minor">
+        <a:schemeClr val="lt1"/>
+      </a:fontRef>
+    </dgm:style>
+  </dgm:styleLbl>
+  <dgm:styleLbl name="asst4">
+    <dgm:scene3d>
+      <a:camera prst="orthographicFront"/>
+      <a:lightRig rig="threePt" dir="t"/>
+    </dgm:scene3d>
+    <dgm:sp3d/>
+    <dgm:txPr/>
+    <dgm:style>
+      <a:lnRef idx="2">
+        <a:scrgbClr r="0" g="0" b="0"/>
+      </a:lnRef>
+      <a:fillRef idx="1">
+        <a:scrgbClr r="0" g="0" b="0"/>
+      </a:fillRef>
+      <a:effectRef idx="0">
+        <a:scrgbClr r="0" g="0" b="0"/>
+      </a:effectRef>
+      <a:fontRef idx="minor">
+        <a:schemeClr val="lt1"/>
+      </a:fontRef>
+    </dgm:style>
+  </dgm:styleLbl>
+  <dgm:styleLbl name="parChTrans2D1">
+    <dgm:scene3d>
+      <a:camera prst="orthographicFront"/>
+      <a:lightRig rig="threePt" dir="t"/>
+    </dgm:scene3d>
+    <dgm:sp3d/>
+    <dgm:txPr/>
+    <dgm:style>
+      <a:lnRef idx="2">
+        <a:scrgbClr r="0" g="0" b="0"/>
+      </a:lnRef>
+      <a:fillRef idx="1">
+        <a:scrgbClr r="0" g="0" b="0"/>
+      </a:fillRef>
+      <a:effectRef idx="0">
+        <a:scrgbClr r="0" g="0" b="0"/>
+      </a:effectRef>
+      <a:fontRef idx="minor">
+        <a:schemeClr val="lt1"/>
+      </a:fontRef>
+    </dgm:style>
+  </dgm:styleLbl>
+  <dgm:styleLbl name="parChTrans2D2">
+    <dgm:scene3d>
+      <a:camera prst="orthographicFront"/>
+      <a:lightRig rig="threePt" dir="t"/>
+    </dgm:scene3d>
+    <dgm:sp3d/>
+    <dgm:txPr/>
+    <dgm:style>
+      <a:lnRef idx="2">
+        <a:scrgbClr r="0" g="0" b="0"/>
+      </a:lnRef>
+      <a:fillRef idx="1">
+        <a:scrgbClr r="0" g="0" b="0"/>
+      </a:fillRef>
+      <a:effectRef idx="0">
+        <a:scrgbClr r="0" g="0" b="0"/>
+      </a:effectRef>
+      <a:fontRef idx="minor">
+        <a:schemeClr val="lt1"/>
+      </a:fontRef>
+    </dgm:style>
+  </dgm:styleLbl>
+  <dgm:styleLbl name="parChTrans2D3">
+    <dgm:scene3d>
+      <a:camera prst="orthographicFront"/>
+      <a:lightRig rig="threePt" dir="t"/>
+    </dgm:scene3d>
+    <dgm:sp3d/>
+    <dgm:txPr/>
+    <dgm:style>
+      <a:lnRef idx="2">
+        <a:scrgbClr r="0" g="0" b="0"/>
+      </a:lnRef>
+      <a:fillRef idx="1">
+        <a:scrgbClr r="0" g="0" b="0"/>
+      </a:fillRef>
+      <a:effectRef idx="0">
+        <a:scrgbClr r="0" g="0" b="0"/>
+      </a:effectRef>
+      <a:fontRef idx="minor">
+        <a:schemeClr val="lt1"/>
+      </a:fontRef>
+    </dgm:style>
+  </dgm:styleLbl>
+  <dgm:styleLbl name="parChTrans2D4">
+    <dgm:scene3d>
+      <a:camera prst="orthographicFront"/>
+      <a:lightRig rig="threePt" dir="t"/>
+    </dgm:scene3d>
+    <dgm:sp3d/>
+    <dgm:txPr/>
+    <dgm:style>
+      <a:lnRef idx="2">
+        <a:scrgbClr r="0" g="0" b="0"/>
+      </a:lnRef>
+      <a:fillRef idx="1">
+        <a:scrgbClr r="0" g="0" b="0"/>
+      </a:fillRef>
+      <a:effectRef idx="0">
+        <a:scrgbClr r="0" g="0" b="0"/>
+      </a:effectRef>
+      <a:fontRef idx="minor">
+        <a:schemeClr val="lt1"/>
+      </a:fontRef>
+    </dgm:style>
+  </dgm:styleLbl>
+  <dgm:styleLbl name="parChTrans1D1">
+    <dgm:scene3d>
+      <a:camera prst="orthographicFront"/>
+      <a:lightRig rig="threePt" dir="t"/>
+    </dgm:scene3d>
+    <dgm:sp3d/>
+    <dgm:txPr/>
+    <dgm:style>
+      <a:lnRef idx="2">
+        <a:scrgbClr r="0" g="0" b="0"/>
+      </a:lnRef>
+      <a:fillRef idx="0">
+        <a:scrgbClr r="0" g="0" b="0"/>
+      </a:fillRef>
+      <a:effectRef idx="0">
+        <a:scrgbClr r="0" g="0" b="0"/>
+      </a:effectRef>
+      <a:fontRef idx="minor"/>
+    </dgm:style>
+  </dgm:styleLbl>
+  <dgm:styleLbl name="parChTrans1D2">
+    <dgm:scene3d>
+      <a:camera prst="orthographicFront"/>
+      <a:lightRig rig="threePt" dir="t"/>
+    </dgm:scene3d>
+    <dgm:sp3d/>
+    <dgm:txPr/>
+    <dgm:style>
+      <a:lnRef idx="2">
+        <a:scrgbClr r="0" g="0" b="0"/>
+      </a:lnRef>
+      <a:fillRef idx="0">
+        <a:scrgbClr r="0" g="0" b="0"/>
+      </a:fillRef>
+      <a:effectRef idx="0">
+        <a:scrgbClr r="0" g="0" b="0"/>
+      </a:effectRef>
+      <a:fontRef idx="minor"/>
+    </dgm:style>
+  </dgm:styleLbl>
+  <dgm:styleLbl name="parChTrans1D3">
+    <dgm:scene3d>
+      <a:camera prst="orthographicFront"/>
+      <a:lightRig rig="threePt" dir="t"/>
+    </dgm:scene3d>
+    <dgm:sp3d/>
+    <dgm:txPr/>
+    <dgm:style>
+      <a:lnRef idx="2">
+        <a:scrgbClr r="0" g="0" b="0"/>
+      </a:lnRef>
+      <a:fillRef idx="0">
+        <a:scrgbClr r="0" g="0" b="0"/>
+      </a:fillRef>
+      <a:effectRef idx="0">
+        <a:scrgbClr r="0" g="0" b="0"/>
+      </a:effectRef>
+      <a:fontRef idx="minor"/>
+    </dgm:style>
+  </dgm:styleLbl>
+  <dgm:styleLbl name="parChTrans1D4">
+    <dgm:scene3d>
+      <a:camera prst="orthographicFront"/>
+      <a:lightRig rig="threePt" dir="t"/>
+    </dgm:scene3d>
+    <dgm:sp3d/>
+    <dgm:txPr/>
+    <dgm:style>
+      <a:lnRef idx="2">
+        <a:scrgbClr r="0" g="0" b="0"/>
+      </a:lnRef>
+      <a:fillRef idx="0">
+        <a:scrgbClr r="0" g="0" b="0"/>
+      </a:fillRef>
+      <a:effectRef idx="0">
+        <a:scrgbClr r="0" g="0" b="0"/>
+      </a:effectRef>
+      <a:fontRef idx="minor"/>
+    </dgm:style>
+  </dgm:styleLbl>
+  <dgm:styleLbl name="fgAcc1">
+    <dgm:scene3d>
+      <a:camera prst="orthographicFront"/>
+      <a:lightRig rig="threePt" dir="t"/>
+    </dgm:scene3d>
+    <dgm:sp3d/>
+    <dgm:txPr/>
+    <dgm:style>
+      <a:lnRef idx="2">
+        <a:scrgbClr r="0" g="0" b="0"/>
+      </a:lnRef>
+      <a:fillRef idx="1">
+        <a:scrgbClr r="0" g="0" b="0"/>
+      </a:fillRef>
+      <a:effectRef idx="0">
+        <a:scrgbClr r="0" g="0" b="0"/>
+      </a:effectRef>
+      <a:fontRef idx="minor"/>
+    </dgm:style>
+  </dgm:styleLbl>
+  <dgm:styleLbl name="conFgAcc1">
+    <dgm:scene3d>
+      <a:camera prst="orthographicFront"/>
+      <a:lightRig rig="threePt" dir="t"/>
+    </dgm:scene3d>
+    <dgm:sp3d/>
+    <dgm:txPr/>
+    <dgm:style>
+      <a:lnRef idx="2">
+        <a:scrgbClr r="0" g="0" b="0"/>
+      </a:lnRef>
+      <a:fillRef idx="1">
+        <a:scrgbClr r="0" g="0" b="0"/>
+      </a:fillRef>
+      <a:effectRef idx="0">
+        <a:scrgbClr r="0" g="0" b="0"/>
+      </a:effectRef>
+      <a:fontRef idx="minor"/>
+    </dgm:style>
+  </dgm:styleLbl>
+  <dgm:styleLbl name="alignAcc1">
+    <dgm:scene3d>
+      <a:camera prst="orthographicFront"/>
+      <a:lightRig rig="threePt" dir="t"/>
+    </dgm:scene3d>
+    <dgm:sp3d/>
+    <dgm:txPr/>
+    <dgm:style>
+      <a:lnRef idx="2">
+        <a:scrgbClr r="0" g="0" b="0"/>
+      </a:lnRef>
+      <a:fillRef idx="1">
+        <a:scrgbClr r="0" g="0" b="0"/>
+      </a:fillRef>
+      <a:effectRef idx="0">
+        <a:scrgbClr r="0" g="0" b="0"/>
+      </a:effectRef>
+      <a:fontRef idx="minor"/>
+    </dgm:style>
+  </dgm:styleLbl>
+  <dgm:styleLbl name="trAlignAcc1">
+    <dgm:scene3d>
+      <a:camera prst="orthographicFront"/>
+      <a:lightRig rig="threePt" dir="t"/>
+    </dgm:scene3d>
+    <dgm:sp3d/>
+    <dgm:txPr/>
+    <dgm:style>
+      <a:lnRef idx="1">
+        <a:scrgbClr r="0" g="0" b="0"/>
+      </a:lnRef>
+      <a:fillRef idx="1">
+        <a:scrgbClr r="0" g="0" b="0"/>
+      </a:fillRef>
+      <a:effectRef idx="0">
+        <a:scrgbClr r="0" g="0" b="0"/>
+      </a:effectRef>
+      <a:fontRef idx="minor"/>
+    </dgm:style>
+  </dgm:styleLbl>
+  <dgm:styleLbl name="bgAcc1">
+    <dgm:scene3d>
+      <a:camera prst="orthographicFront"/>
+      <a:lightRig rig="threePt" dir="t"/>
+    </dgm:scene3d>
+    <dgm:sp3d/>
+    <dgm:txPr/>
+    <dgm:style>
+      <a:lnRef idx="2">
+        <a:scrgbClr r="0" g="0" b="0"/>
+      </a:lnRef>
+      <a:fillRef idx="1">
+        <a:scrgbClr r="0" g="0" b="0"/>
+      </a:fillRef>
+      <a:effectRef idx="0">
+        <a:scrgbClr r="0" g="0" b="0"/>
+      </a:effectRef>
+      <a:fontRef idx="minor"/>
+    </dgm:style>
+  </dgm:styleLbl>
+  <dgm:styleLbl name="solidFgAcc1">
+    <dgm:scene3d>
+      <a:camera prst="orthographicFront"/>
+      <a:lightRig rig="threePt" dir="t"/>
+    </dgm:scene3d>
+    <dgm:sp3d/>
+    <dgm:txPr/>
+    <dgm:style>
+      <a:lnRef idx="2">
+        <a:scrgbClr r="0" g="0" b="0"/>
+      </a:lnRef>
+      <a:fillRef idx="1">
+        <a:scrgbClr r="0" g="0" b="0"/>
+      </a:fillRef>
+      <a:effectRef idx="0">
+        <a:scrgbClr r="0" g="0" b="0"/>
+      </a:effectRef>
+      <a:fontRef idx="minor"/>
+    </dgm:style>
+  </dgm:styleLbl>
+  <dgm:styleLbl name="solidAlignAcc1">
+    <dgm:scene3d>
+      <a:camera prst="orthographicFront"/>
+      <a:lightRig rig="threePt" dir="t"/>
+    </dgm:scene3d>
+    <dgm:sp3d/>
+    <dgm:txPr/>
+    <dgm:style>
+      <a:lnRef idx="2">
+        <a:scrgbClr r="0" g="0" b="0"/>
+      </a:lnRef>
+      <a:fillRef idx="1">
+        <a:scrgbClr r="0" g="0" b="0"/>
+      </a:fillRef>
+      <a:effectRef idx="0">
+        <a:scrgbClr r="0" g="0" b="0"/>
+      </a:effectRef>
+      <a:fontRef idx="minor"/>
+    </dgm:style>
+  </dgm:styleLbl>
+  <dgm:styleLbl name="solidBgAcc1">
+    <dgm:scene3d>
+      <a:camera prst="orthographicFront"/>
+      <a:lightRig rig="threePt" dir="t"/>
+    </dgm:scene3d>
+    <dgm:sp3d/>
+    <dgm:txPr/>
+    <dgm:style>
+      <a:lnRef idx="2">
+        <a:scrgbClr r="0" g="0" b="0"/>
+      </a:lnRef>
+      <a:fillRef idx="1">
+        <a:scrgbClr r="0" g="0" b="0"/>
+      </a:fillRef>
+      <a:effectRef idx="0">
+        <a:scrgbClr r="0" g="0" b="0"/>
+      </a:effectRef>
+      <a:fontRef idx="minor"/>
+    </dgm:style>
+  </dgm:styleLbl>
+  <dgm:styleLbl name="fgAccFollowNode1">
+    <dgm:scene3d>
+      <a:camera prst="orthographicFront"/>
+      <a:lightRig rig="threePt" dir="t"/>
+    </dgm:scene3d>
+    <dgm:sp3d/>
+    <dgm:txPr/>
+    <dgm:style>
+      <a:lnRef idx="2">
+        <a:scrgbClr r="0" g="0" b="0"/>
+      </a:lnRef>
+      <a:fillRef idx="1">
+        <a:scrgbClr r="0" g="0" b="0"/>
+      </a:fillRef>
+      <a:effectRef idx="0">
+        <a:scrgbClr r="0" g="0" b="0"/>
+      </a:effectRef>
+      <a:fontRef idx="minor"/>
+    </dgm:style>
+  </dgm:styleLbl>
+  <dgm:styleLbl name="alignAccFollowNode1">
+    <dgm:scene3d>
+      <a:camera prst="orthographicFront"/>
+      <a:lightRig rig="threePt" dir="t"/>
+    </dgm:scene3d>
+    <dgm:sp3d/>
+    <dgm:txPr/>
+    <dgm:style>
+      <a:lnRef idx="2">
+        <a:scrgbClr r="0" g="0" b="0"/>
+      </a:lnRef>
+      <a:fillRef idx="1">
+        <a:scrgbClr r="0" g="0" b="0"/>
+      </a:fillRef>
+      <a:effectRef idx="0">
+        <a:scrgbClr r="0" g="0" b="0"/>
+      </a:effectRef>
+      <a:fontRef idx="minor"/>
+    </dgm:style>
+  </dgm:styleLbl>
+  <dgm:styleLbl name="bgAccFollowNode1">
+    <dgm:scene3d>
+      <a:camera prst="orthographicFront"/>
+      <a:lightRig rig="threePt" dir="t"/>
+    </dgm:scene3d>
+    <dgm:sp3d/>
+    <dgm:txPr/>
+    <dgm:style>
+      <a:lnRef idx="2">
+        <a:scrgbClr r="0" g="0" b="0"/>
+      </a:lnRef>
+      <a:fillRef idx="1">
+        <a:scrgbClr r="0" g="0" b="0"/>
+      </a:fillRef>
+      <a:effectRef idx="0">
+        <a:scrgbClr r="0" g="0" b="0"/>
+      </a:effectRef>
+      <a:fontRef idx="minor"/>
+    </dgm:style>
+  </dgm:styleLbl>
+  <dgm:styleLbl name="fgAcc0">
+    <dgm:scene3d>
+      <a:camera prst="orthographicFront"/>
+      <a:lightRig rig="threePt" dir="t"/>
+    </dgm:scene3d>
+    <dgm:sp3d/>
+    <dgm:txPr/>
+    <dgm:style>
+      <a:lnRef idx="2">
+        <a:scrgbClr r="0" g="0" b="0"/>
+      </a:lnRef>
+      <a:fillRef idx="1">
+        <a:scrgbClr r="0" g="0" b="0"/>
+      </a:fillRef>
+      <a:effectRef idx="0">
+        <a:scrgbClr r="0" g="0" b="0"/>
+      </a:effectRef>
+      <a:fontRef idx="minor"/>
+    </dgm:style>
+  </dgm:styleLbl>
+  <dgm:styleLbl name="fgAcc2">
+    <dgm:scene3d>
+      <a:camera prst="orthographicFront"/>
+      <a:lightRig rig="threePt" dir="t"/>
+    </dgm:scene3d>
+    <dgm:sp3d/>
+    <dgm:txPr/>
+    <dgm:style>
+      <a:lnRef idx="2">
+        <a:scrgbClr r="0" g="0" b="0"/>
+      </a:lnRef>
+      <a:fillRef idx="1">
+        <a:scrgbClr r="0" g="0" b="0"/>
+      </a:fillRef>
+      <a:effectRef idx="0">
+        <a:scrgbClr r="0" g="0" b="0"/>
+      </a:effectRef>
+      <a:fontRef idx="minor"/>
+    </dgm:style>
+  </dgm:styleLbl>
+  <dgm:styleLbl name="fgAcc3">
+    <dgm:scene3d>
+      <a:camera prst="orthographicFront"/>
+      <a:lightRig rig="threePt" dir="t"/>
+    </dgm:scene3d>
+    <dgm:sp3d/>
+    <dgm:txPr/>
+    <dgm:style>
+      <a:lnRef idx="2">
+        <a:scrgbClr r="0" g="0" b="0"/>
+      </a:lnRef>
+      <a:fillRef idx="1">
+        <a:scrgbClr r="0" g="0" b="0"/>
+      </a:fillRef>
+      <a:effectRef idx="0">
+        <a:scrgbClr r="0" g="0" b="0"/>
+      </a:effectRef>
+      <a:fontRef idx="minor"/>
+    </dgm:style>
+  </dgm:styleLbl>
+  <dgm:styleLbl name="fgAcc4">
+    <dgm:scene3d>
+      <a:camera prst="orthographicFront"/>
+      <a:lightRig rig="threePt" dir="t"/>
+    </dgm:scene3d>
+    <dgm:sp3d/>
+    <dgm:txPr/>
+    <dgm:style>
+      <a:lnRef idx="2">
+        <a:scrgbClr r="0" g="0" b="0"/>
+      </a:lnRef>
+      <a:fillRef idx="1">
+        <a:scrgbClr r="0" g="0" b="0"/>
+      </a:fillRef>
+      <a:effectRef idx="0">
+        <a:scrgbClr r="0" g="0" b="0"/>
+      </a:effectRef>
+      <a:fontRef idx="minor"/>
+    </dgm:style>
+  </dgm:styleLbl>
+  <dgm:styleLbl name="bgShp">
+    <dgm:scene3d>
+      <a:camera prst="orthographicFront"/>
+      <a:lightRig rig="threePt" dir="t"/>
+    </dgm:scene3d>
+    <dgm:sp3d/>
+    <dgm:txPr/>
+    <dgm:style>
+      <a:lnRef idx="0">
+        <a:scrgbClr r="0" g="0" b="0"/>
+      </a:lnRef>
+      <a:fillRef idx="1">
+        <a:scrgbClr r="0" g="0" b="0"/>
+      </a:fillRef>
+      <a:effectRef idx="0">
+        <a:scrgbClr r="0" g="0" b="0"/>
+      </a:effectRef>
+      <a:fontRef idx="minor"/>
+    </dgm:style>
+  </dgm:styleLbl>
+  <dgm:styleLbl name="dkBgShp">
+    <dgm:scene3d>
+      <a:camera prst="orthographicFront"/>
+      <a:lightRig rig="threePt" dir="t"/>
+    </dgm:scene3d>
+    <dgm:sp3d/>
+    <dgm:txPr/>
+    <dgm:style>
+      <a:lnRef idx="0">
+        <a:scrgbClr r="0" g="0" b="0"/>
+      </a:lnRef>
+      <a:fillRef idx="1">
+        <a:scrgbClr r="0" g="0" b="0"/>
+      </a:fillRef>
+      <a:effectRef idx="0">
+        <a:scrgbClr r="0" g="0" b="0"/>
+      </a:effectRef>
+      <a:fontRef idx="minor"/>
+    </dgm:style>
+  </dgm:styleLbl>
+  <dgm:styleLbl name="trBgShp">
+    <dgm:scene3d>
+      <a:camera prst="orthographicFront"/>
+      <a:lightRig rig="threePt" dir="t"/>
+    </dgm:scene3d>
+    <dgm:sp3d/>
+    <dgm:txPr/>
+    <dgm:style>
+      <a:lnRef idx="0">
+        <a:scrgbClr r="0" g="0" b="0"/>
+      </a:lnRef>
+      <a:fillRef idx="1">
+        <a:scrgbClr r="0" g="0" b="0"/>
+      </a:fillRef>
+      <a:effectRef idx="0">
+        <a:scrgbClr r="0" g="0" b="0"/>
+      </a:effectRef>
+      <a:fontRef idx="minor"/>
+    </dgm:style>
+  </dgm:styleLbl>
+  <dgm:styleLbl name="fgShp">
+    <dgm:scene3d>
+      <a:camera prst="orthographicFront"/>
+      <a:lightRig rig="threePt" dir="t"/>
+    </dgm:scene3d>
+    <dgm:sp3d/>
+    <dgm:txPr/>
+    <dgm:style>
+      <a:lnRef idx="2">
+        <a:scrgbClr r="0" g="0" b="0"/>
+      </a:lnRef>
+      <a:fillRef idx="1">
+        <a:scrgbClr r="0" g="0" b="0"/>
+      </a:fillRef>
+      <a:effectRef idx="0">
+        <a:scrgbClr r="0" g="0" b="0"/>
+      </a:effectRef>
+      <a:fontRef idx="minor"/>
+    </dgm:style>
+  </dgm:styleLbl>
+  <dgm:styleLbl name="revTx">
+    <dgm:scene3d>
+      <a:camera prst="orthographicFront"/>
+      <a:lightRig rig="threePt" dir="t"/>
+    </dgm:scene3d>
+    <dgm:sp3d/>
+    <dgm:txPr/>
+    <dgm:style>
+      <a:lnRef idx="0">
+        <a:scrgbClr r="0" g="0" b="0"/>
+      </a:lnRef>
+      <a:fillRef idx="0">
+        <a:scrgbClr r="0" g="0" b="0"/>
+      </a:fillRef>
+      <a:effectRef idx="0">
+        <a:scrgbClr r="0" g="0" b="0"/>
+      </a:effectRef>
+      <a:fontRef idx="minor"/>
+    </dgm:style>
+  </dgm:styleLbl>
+</dgm:styleDef>
+</file>
+
 <file path=ppt/notesMasters/notesMaster1.xml><?xml version="1.0" encoding="utf-8"?>
 <p:notesMaster xmlns:a="http://schemas.openxmlformats.org/drawingml/2006/main" xmlns:r="http://schemas.openxmlformats.org/officeDocument/2006/relationships" xmlns:p="http://schemas.openxmlformats.org/presentationml/2006/main">
   <p:cSld>
@@ -5960,7 +8990,7 @@
           <a:p>
             <a:fld id="{DDC08AD7-58B5-48BE-B808-02C5C825B5D9}" type="datetimeFigureOut">
               <a:rPr lang="en-US" smtClean="0"/>
-              <a:t>6/25/2015</a:t>
+              <a:t>6/26/2015</a:t>
             </a:fld>
             <a:endParaRPr lang="en-US"/>
           </a:p>
@@ -6356,18 +9386,7 @@
           <a:bodyPr/>
           <a:lstStyle/>
           <a:p>
-            <a:pPr marL="171450" indent="-171450">
-              <a:buFontTx/>
-              <a:buChar char="-"/>
-            </a:pPr>
-            <a:r>
-              <a:rPr lang="en-US" dirty="0" smtClean="0"/>
-              <a:t>To talk</a:t>
-            </a:r>
-            <a:r>
-              <a:rPr lang="en-US" baseline="0" dirty="0" smtClean="0"/>
-              <a:t> something about the conceptual structure of an application to show to audiences the structure which is applied in almost applications.</a:t>
-            </a:r>
+            <a:endParaRPr lang="en-US" dirty="0"/>
           </a:p>
         </p:txBody>
       </p:sp>
@@ -6388,7 +9407,7 @@
           <a:p>
             <a:fld id="{77CEC4F4-A931-4EDC-A8DD-700DC7739227}" type="slidenum">
               <a:rPr lang="en-US" smtClean="0"/>
-              <a:t>11</a:t>
+              <a:t>8</a:t>
             </a:fld>
             <a:endParaRPr lang="en-US"/>
           </a:p>
@@ -6397,7 +9416,7 @@
     </p:spTree>
     <p:extLst>
       <p:ext uri="{BB962C8B-B14F-4D97-AF65-F5344CB8AC3E}">
-        <p14:creationId xmlns:p14="http://schemas.microsoft.com/office/powerpoint/2010/main" val="1519266448"/>
+        <p14:creationId xmlns:p14="http://schemas.microsoft.com/office/powerpoint/2010/main" val="3546666042"/>
       </p:ext>
     </p:extLst>
   </p:cSld>
@@ -6456,8 +9475,12 @@
               <a:buChar char="-"/>
             </a:pPr>
             <a:r>
+              <a:rPr lang="en-US" dirty="0" smtClean="0"/>
+              <a:t>To talk</a:t>
+            </a:r>
+            <a:r>
               <a:rPr lang="en-US" baseline="0" dirty="0" smtClean="0"/>
-              <a:t>To indicate what aspects of an application are covered which types of test (Ex: Business Logic is covered by unit tests.)</a:t>
+              <a:t> something about the conceptual structure of an application to show to audiences the structure which is applied in almost applications.</a:t>
             </a:r>
           </a:p>
         </p:txBody>
@@ -6479,7 +9502,7 @@
           <a:p>
             <a:fld id="{77CEC4F4-A931-4EDC-A8DD-700DC7739227}" type="slidenum">
               <a:rPr lang="en-US" smtClean="0"/>
-              <a:t>12</a:t>
+              <a:t>16</a:t>
             </a:fld>
             <a:endParaRPr lang="en-US"/>
           </a:p>
@@ -6488,7 +9511,7 @@
     </p:spTree>
     <p:extLst>
       <p:ext uri="{BB962C8B-B14F-4D97-AF65-F5344CB8AC3E}">
-        <p14:creationId xmlns:p14="http://schemas.microsoft.com/office/powerpoint/2010/main" val="1887218624"/>
+        <p14:creationId xmlns:p14="http://schemas.microsoft.com/office/powerpoint/2010/main" val="1519266448"/>
       </p:ext>
     </p:extLst>
   </p:cSld>
@@ -6542,7 +9565,14 @@
           <a:bodyPr/>
           <a:lstStyle/>
           <a:p>
-            <a:endParaRPr lang="en-US" dirty="0"/>
+            <a:pPr marL="171450" indent="-171450">
+              <a:buFontTx/>
+              <a:buChar char="-"/>
+            </a:pPr>
+            <a:r>
+              <a:rPr lang="en-US" baseline="0" dirty="0" smtClean="0"/>
+              <a:t>To indicate what aspects of an application are covered which types of test (Ex: Business Logic is covered by unit tests.)</a:t>
+            </a:r>
           </a:p>
         </p:txBody>
       </p:sp>
@@ -6563,7 +9593,7 @@
           <a:p>
             <a:fld id="{77CEC4F4-A931-4EDC-A8DD-700DC7739227}" type="slidenum">
               <a:rPr lang="en-US" smtClean="0"/>
-              <a:t>13</a:t>
+              <a:t>17</a:t>
             </a:fld>
             <a:endParaRPr lang="en-US"/>
           </a:p>
@@ -6572,7 +9602,7 @@
     </p:spTree>
     <p:extLst>
       <p:ext uri="{BB962C8B-B14F-4D97-AF65-F5344CB8AC3E}">
-        <p14:creationId xmlns:p14="http://schemas.microsoft.com/office/powerpoint/2010/main" val="2668969108"/>
+        <p14:creationId xmlns:p14="http://schemas.microsoft.com/office/powerpoint/2010/main" val="1887218624"/>
       </p:ext>
     </p:extLst>
   </p:cSld>
@@ -6626,10 +9656,6 @@
           <a:bodyPr/>
           <a:lstStyle/>
           <a:p>
-            <a:r>
-              <a:rPr lang="en-US" dirty="0" smtClean="0"/>
-              <a:t>http://blogs.msdn.com/b/jmeier/archive/2008/11/24/application-architecture-diagrams-added-to-codeplex.aspx</a:t>
-            </a:r>
             <a:endParaRPr lang="en-US" dirty="0"/>
           </a:p>
         </p:txBody>
@@ -6651,7 +9677,7 @@
           <a:p>
             <a:fld id="{77CEC4F4-A931-4EDC-A8DD-700DC7739227}" type="slidenum">
               <a:rPr lang="en-US" smtClean="0"/>
-              <a:t>14</a:t>
+              <a:t>18</a:t>
             </a:fld>
             <a:endParaRPr lang="en-US"/>
           </a:p>
@@ -6660,7 +9686,7 @@
     </p:spTree>
     <p:extLst>
       <p:ext uri="{BB962C8B-B14F-4D97-AF65-F5344CB8AC3E}">
-        <p14:creationId xmlns:p14="http://schemas.microsoft.com/office/powerpoint/2010/main" val="3451000644"/>
+        <p14:creationId xmlns:p14="http://schemas.microsoft.com/office/powerpoint/2010/main" val="2668969108"/>
       </p:ext>
     </p:extLst>
   </p:cSld>
@@ -6739,7 +9765,7 @@
           <a:p>
             <a:fld id="{77CEC4F4-A931-4EDC-A8DD-700DC7739227}" type="slidenum">
               <a:rPr lang="en-US" smtClean="0"/>
-              <a:t>15</a:t>
+              <a:t>19</a:t>
             </a:fld>
             <a:endParaRPr lang="en-US"/>
           </a:p>
@@ -6748,7 +9774,7 @@
     </p:spTree>
     <p:extLst>
       <p:ext uri="{BB962C8B-B14F-4D97-AF65-F5344CB8AC3E}">
-        <p14:creationId xmlns:p14="http://schemas.microsoft.com/office/powerpoint/2010/main" val="875968116"/>
+        <p14:creationId xmlns:p14="http://schemas.microsoft.com/office/powerpoint/2010/main" val="3451000644"/>
       </p:ext>
     </p:extLst>
   </p:cSld>
@@ -6802,6 +9828,10 @@
           <a:bodyPr/>
           <a:lstStyle/>
           <a:p>
+            <a:r>
+              <a:rPr lang="en-US" dirty="0" smtClean="0"/>
+              <a:t>http://blogs.msdn.com/b/jmeier/archive/2008/11/24/application-architecture-diagrams-added-to-codeplex.aspx</a:t>
+            </a:r>
             <a:endParaRPr lang="en-US" dirty="0"/>
           </a:p>
         </p:txBody>
@@ -6823,7 +9853,7 @@
           <a:p>
             <a:fld id="{77CEC4F4-A931-4EDC-A8DD-700DC7739227}" type="slidenum">
               <a:rPr lang="en-US" smtClean="0"/>
-              <a:t>16</a:t>
+              <a:t>20</a:t>
             </a:fld>
             <a:endParaRPr lang="en-US"/>
           </a:p>
@@ -6832,7 +9862,7 @@
     </p:spTree>
     <p:extLst>
       <p:ext uri="{BB962C8B-B14F-4D97-AF65-F5344CB8AC3E}">
-        <p14:creationId xmlns:p14="http://schemas.microsoft.com/office/powerpoint/2010/main" val="3625626098"/>
+        <p14:creationId xmlns:p14="http://schemas.microsoft.com/office/powerpoint/2010/main" val="875968116"/>
       </p:ext>
     </p:extLst>
   </p:cSld>
@@ -6907,7 +9937,91 @@
           <a:p>
             <a:fld id="{77CEC4F4-A931-4EDC-A8DD-700DC7739227}" type="slidenum">
               <a:rPr lang="en-US" smtClean="0"/>
-              <a:t>17</a:t>
+              <a:t>21</a:t>
+            </a:fld>
+            <a:endParaRPr lang="en-US"/>
+          </a:p>
+        </p:txBody>
+      </p:sp>
+    </p:spTree>
+    <p:extLst>
+      <p:ext uri="{BB962C8B-B14F-4D97-AF65-F5344CB8AC3E}">
+        <p14:creationId xmlns:p14="http://schemas.microsoft.com/office/powerpoint/2010/main" val="3625626098"/>
+      </p:ext>
+    </p:extLst>
+  </p:cSld>
+  <p:clrMapOvr>
+    <a:masterClrMapping/>
+  </p:clrMapOvr>
+</p:notes>
+</file>
+
+<file path=ppt/notesSlides/notesSlide9.xml><?xml version="1.0" encoding="utf-8"?>
+<p:notes xmlns:a="http://schemas.openxmlformats.org/drawingml/2006/main" xmlns:r="http://schemas.openxmlformats.org/officeDocument/2006/relationships" xmlns:p="http://schemas.openxmlformats.org/presentationml/2006/main">
+  <p:cSld>
+    <p:spTree>
+      <p:nvGrpSpPr>
+        <p:cNvPr id="1" name=""/>
+        <p:cNvGrpSpPr/>
+        <p:nvPr/>
+      </p:nvGrpSpPr>
+      <p:grpSpPr>
+        <a:xfrm>
+          <a:off x="0" y="0"/>
+          <a:ext cx="0" cy="0"/>
+          <a:chOff x="0" y="0"/>
+          <a:chExt cx="0" cy="0"/>
+        </a:xfrm>
+      </p:grpSpPr>
+      <p:sp>
+        <p:nvSpPr>
+          <p:cNvPr id="2" name="Slide Image Placeholder 1"/>
+          <p:cNvSpPr>
+            <a:spLocks noGrp="1" noRot="1" noChangeAspect="1"/>
+          </p:cNvSpPr>
+          <p:nvPr>
+            <p:ph type="sldImg"/>
+          </p:nvPr>
+        </p:nvSpPr>
+        <p:spPr/>
+      </p:sp>
+      <p:sp>
+        <p:nvSpPr>
+          <p:cNvPr id="3" name="Notes Placeholder 2"/>
+          <p:cNvSpPr>
+            <a:spLocks noGrp="1"/>
+          </p:cNvSpPr>
+          <p:nvPr>
+            <p:ph type="body" idx="1"/>
+          </p:nvPr>
+        </p:nvSpPr>
+        <p:spPr/>
+        <p:txBody>
+          <a:bodyPr/>
+          <a:lstStyle/>
+          <a:p>
+            <a:endParaRPr lang="en-US" dirty="0"/>
+          </a:p>
+        </p:txBody>
+      </p:sp>
+      <p:sp>
+        <p:nvSpPr>
+          <p:cNvPr id="4" name="Slide Number Placeholder 3"/>
+          <p:cNvSpPr>
+            <a:spLocks noGrp="1"/>
+          </p:cNvSpPr>
+          <p:nvPr>
+            <p:ph type="sldNum" sz="quarter" idx="10"/>
+          </p:nvPr>
+        </p:nvSpPr>
+        <p:spPr/>
+        <p:txBody>
+          <a:bodyPr/>
+          <a:lstStyle/>
+          <a:p>
+            <a:fld id="{77CEC4F4-A931-4EDC-A8DD-700DC7739227}" type="slidenum">
+              <a:rPr lang="en-US" smtClean="0"/>
+              <a:t>22</a:t>
             </a:fld>
             <a:endParaRPr lang="en-US"/>
           </a:p>
@@ -7068,7 +10182,7 @@
           <a:p>
             <a:fld id="{1A260A04-0D30-4F6D-881B-6C5304669D2D}" type="datetime1">
               <a:rPr lang="en-US" smtClean="0"/>
-              <a:t>6/25/2015</a:t>
+              <a:t>6/26/2015</a:t>
             </a:fld>
             <a:endParaRPr lang="en-US"/>
           </a:p>
@@ -7238,7 +10352,7 @@
           <a:p>
             <a:fld id="{E6E53668-B7C0-4790-AB12-5D3BFE47BE8B}" type="datetime1">
               <a:rPr lang="en-US" smtClean="0"/>
-              <a:t>6/25/2015</a:t>
+              <a:t>6/26/2015</a:t>
             </a:fld>
             <a:endParaRPr lang="en-US"/>
           </a:p>
@@ -7418,7 +10532,7 @@
           <a:p>
             <a:fld id="{AD012240-970E-40CC-8CD7-B4B37FE77D86}" type="datetime1">
               <a:rPr lang="en-US" smtClean="0"/>
-              <a:t>6/25/2015</a:t>
+              <a:t>6/26/2015</a:t>
             </a:fld>
             <a:endParaRPr lang="en-US"/>
           </a:p>
@@ -7621,7 +10735,7 @@
           <a:p>
             <a:fld id="{50DBB39F-26FB-4A03-A315-BBB0380AC164}" type="datetime1">
               <a:rPr lang="en-US" smtClean="0"/>
-              <a:t>6/25/2015</a:t>
+              <a:t>6/26/2015</a:t>
             </a:fld>
             <a:endParaRPr lang="en-US"/>
           </a:p>
@@ -7791,7 +10905,7 @@
           <a:p>
             <a:fld id="{5FF1C112-DB57-4E9E-8ABD-FC949F9AD8AE}" type="datetime1">
               <a:rPr lang="en-US" smtClean="0"/>
-              <a:t>6/25/2015</a:t>
+              <a:t>6/26/2015</a:t>
             </a:fld>
             <a:endParaRPr lang="en-US"/>
           </a:p>
@@ -8042,7 +11156,7 @@
           <a:p>
             <a:fld id="{96531E8E-3773-4208-9310-6439EC241707}" type="datetime1">
               <a:rPr lang="en-US" smtClean="0"/>
-              <a:t>6/25/2015</a:t>
+              <a:t>6/26/2015</a:t>
             </a:fld>
             <a:endParaRPr lang="en-US"/>
           </a:p>
@@ -8274,7 +11388,7 @@
           <a:p>
             <a:fld id="{BEF86C87-CF81-4F33-AA09-070D5CBC9F24}" type="datetime1">
               <a:rPr lang="en-US" smtClean="0"/>
-              <a:t>6/25/2015</a:t>
+              <a:t>6/26/2015</a:t>
             </a:fld>
             <a:endParaRPr lang="en-US"/>
           </a:p>
@@ -8621,7 +11735,7 @@
           <a:p>
             <a:fld id="{AAA17232-2A7D-4E7D-B22E-039FC0C07C9C}" type="datetime1">
               <a:rPr lang="en-US" smtClean="0"/>
-              <a:t>6/25/2015</a:t>
+              <a:t>6/26/2015</a:t>
             </a:fld>
             <a:endParaRPr lang="en-US"/>
           </a:p>
@@ -8739,7 +11853,7 @@
           <a:p>
             <a:fld id="{3E222FA5-7C7C-4C35-BB65-BA1A0CE6FD68}" type="datetime1">
               <a:rPr lang="en-US" smtClean="0"/>
-              <a:t>6/25/2015</a:t>
+              <a:t>6/26/2015</a:t>
             </a:fld>
             <a:endParaRPr lang="en-US"/>
           </a:p>
@@ -8857,7 +11971,7 @@
           <a:p>
             <a:fld id="{CA147D11-A985-49F3-A082-06E1C829C109}" type="datetime1">
               <a:rPr lang="en-US" smtClean="0"/>
-              <a:t>6/25/2015</a:t>
+              <a:t>6/26/2015</a:t>
             </a:fld>
             <a:endParaRPr lang="en-US"/>
           </a:p>
@@ -9141,7 +12255,7 @@
           <a:p>
             <a:fld id="{98A7513B-AB8C-4CFB-B713-B080B16C734C}" type="datetime1">
               <a:rPr lang="en-US" smtClean="0"/>
-              <a:t>6/25/2015</a:t>
+              <a:t>6/26/2015</a:t>
             </a:fld>
             <a:endParaRPr lang="en-US"/>
           </a:p>
@@ -9311,7 +12425,7 @@
           <a:p>
             <a:fld id="{AB91A3AC-9D5E-4044-879F-B01C3563F8E8}" type="datetime1">
               <a:rPr lang="en-US" smtClean="0"/>
-              <a:t>6/25/2015</a:t>
+              <a:t>6/26/2015</a:t>
             </a:fld>
             <a:endParaRPr lang="en-US"/>
           </a:p>
@@ -9575,7 +12689,7 @@
           <a:p>
             <a:fld id="{A7CCA7B5-B293-45D2-956C-DE2CDFB7B933}" type="datetime1">
               <a:rPr lang="en-US" smtClean="0"/>
-              <a:t>6/25/2015</a:t>
+              <a:t>6/26/2015</a:t>
             </a:fld>
             <a:endParaRPr lang="en-US"/>
           </a:p>
@@ -9745,7 +12859,7 @@
           <a:p>
             <a:fld id="{17D76E9C-E220-47EB-849C-8B82B2A30550}" type="datetime1">
               <a:rPr lang="en-US" smtClean="0"/>
-              <a:t>6/25/2015</a:t>
+              <a:t>6/26/2015</a:t>
             </a:fld>
             <a:endParaRPr lang="en-US"/>
           </a:p>
@@ -9925,7 +13039,7 @@
           <a:p>
             <a:fld id="{E21C0911-D971-404D-81D6-5C6E3EA30CF8}" type="datetime1">
               <a:rPr lang="en-US" smtClean="0"/>
-              <a:t>6/25/2015</a:t>
+              <a:t>6/26/2015</a:t>
             </a:fld>
             <a:endParaRPr lang="en-US"/>
           </a:p>
@@ -10128,7 +13242,7 @@
           <a:p>
             <a:fld id="{00A11C92-07B9-46B4-BA9B-A9F8DEDDD065}" type="datetime1">
               <a:rPr lang="en-US" smtClean="0"/>
-              <a:t>6/25/2015</a:t>
+              <a:t>6/26/2015</a:t>
             </a:fld>
             <a:endParaRPr lang="en-US"/>
           </a:p>
@@ -10298,7 +13412,7 @@
           <a:p>
             <a:fld id="{DBFDFE0C-1862-4D32-B353-473485FC5B8C}" type="datetime1">
               <a:rPr lang="en-US" smtClean="0"/>
-              <a:t>6/25/2015</a:t>
+              <a:t>6/26/2015</a:t>
             </a:fld>
             <a:endParaRPr lang="en-US"/>
           </a:p>
@@ -10549,7 +13663,7 @@
           <a:p>
             <a:fld id="{BE19EF60-149A-4C77-9B4D-6B2738EE1A60}" type="datetime1">
               <a:rPr lang="en-US" smtClean="0"/>
-              <a:t>6/25/2015</a:t>
+              <a:t>6/26/2015</a:t>
             </a:fld>
             <a:endParaRPr lang="en-US"/>
           </a:p>
@@ -10781,7 +13895,7 @@
           <a:p>
             <a:fld id="{99EA8280-61AF-4C1C-9E86-CB6F68529EB7}" type="datetime1">
               <a:rPr lang="en-US" smtClean="0"/>
-              <a:t>6/25/2015</a:t>
+              <a:t>6/26/2015</a:t>
             </a:fld>
             <a:endParaRPr lang="en-US"/>
           </a:p>
@@ -11128,7 +14242,7 @@
           <a:p>
             <a:fld id="{71578FFB-D7B0-4E90-BEDB-1D7E153C4824}" type="datetime1">
               <a:rPr lang="en-US" smtClean="0"/>
-              <a:t>6/25/2015</a:t>
+              <a:t>6/26/2015</a:t>
             </a:fld>
             <a:endParaRPr lang="en-US"/>
           </a:p>
@@ -11246,7 +14360,7 @@
           <a:p>
             <a:fld id="{4C4D8C16-585C-4AE9-8479-FDE6A8B38DEE}" type="datetime1">
               <a:rPr lang="en-US" smtClean="0"/>
-              <a:t>6/25/2015</a:t>
+              <a:t>6/26/2015</a:t>
             </a:fld>
             <a:endParaRPr lang="en-US"/>
           </a:p>
@@ -11364,7 +14478,7 @@
           <a:p>
             <a:fld id="{A3E1E9D2-4942-414F-A3F4-EBED35448B8F}" type="datetime1">
               <a:rPr lang="en-US" smtClean="0"/>
-              <a:t>6/25/2015</a:t>
+              <a:t>6/26/2015</a:t>
             </a:fld>
             <a:endParaRPr lang="en-US"/>
           </a:p>
@@ -11615,7 +14729,7 @@
           <a:p>
             <a:fld id="{1C11B133-5474-465F-A785-F314434DFD23}" type="datetime1">
               <a:rPr lang="en-US" smtClean="0"/>
-              <a:t>6/25/2015</a:t>
+              <a:t>6/26/2015</a:t>
             </a:fld>
             <a:endParaRPr lang="en-US"/>
           </a:p>
@@ -11899,7 +15013,7 @@
           <a:p>
             <a:fld id="{3553D1B6-D0FE-4204-8A01-54B687E5DD26}" type="datetime1">
               <a:rPr lang="en-US" smtClean="0"/>
-              <a:t>6/25/2015</a:t>
+              <a:t>6/26/2015</a:t>
             </a:fld>
             <a:endParaRPr lang="en-US"/>
           </a:p>
@@ -12163,7 +15277,7 @@
           <a:p>
             <a:fld id="{19FCDD6E-AC17-4ACA-A92D-E10490C522DB}" type="datetime1">
               <a:rPr lang="en-US" smtClean="0"/>
-              <a:t>6/25/2015</a:t>
+              <a:t>6/26/2015</a:t>
             </a:fld>
             <a:endParaRPr lang="en-US"/>
           </a:p>
@@ -12333,7 +15447,7 @@
           <a:p>
             <a:fld id="{8BB8CF3A-3DC3-46E1-9DA1-BE258D67F966}" type="datetime1">
               <a:rPr lang="en-US" smtClean="0"/>
-              <a:t>6/25/2015</a:t>
+              <a:t>6/26/2015</a:t>
             </a:fld>
             <a:endParaRPr lang="en-US"/>
           </a:p>
@@ -12513,7 +15627,7 @@
           <a:p>
             <a:fld id="{AD9DD4F7-2579-4CF8-BDFF-9A21010A8A2E}" type="datetime1">
               <a:rPr lang="en-US" smtClean="0"/>
-              <a:t>6/25/2015</a:t>
+              <a:t>6/26/2015</a:t>
             </a:fld>
             <a:endParaRPr lang="en-US"/>
           </a:p>
@@ -12709,7 +15823,7 @@
           <a:p>
             <a:fld id="{1A260A04-0D30-4F6D-881B-6C5304669D2D}" type="datetime1">
               <a:rPr lang="en-US" smtClean="0"/>
-              <a:t>6/25/2015</a:t>
+              <a:t>6/26/2015</a:t>
             </a:fld>
             <a:endParaRPr lang="en-US"/>
           </a:p>
@@ -12887,7 +16001,7 @@
           <a:p>
             <a:fld id="{AB91A3AC-9D5E-4044-879F-B01C3563F8E8}" type="datetime1">
               <a:rPr lang="en-US" smtClean="0"/>
-              <a:t>6/25/2015</a:t>
+              <a:t>6/26/2015</a:t>
             </a:fld>
             <a:endParaRPr lang="en-US"/>
           </a:p>
@@ -13225,7 +16339,7 @@
           <a:p>
             <a:fld id="{1C11B133-5474-465F-A785-F314434DFD23}" type="datetime1">
               <a:rPr lang="en-US" smtClean="0"/>
-              <a:t>6/25/2015</a:t>
+              <a:t>6/26/2015</a:t>
             </a:fld>
             <a:endParaRPr lang="en-US"/>
           </a:p>
@@ -13457,7 +16571,7 @@
           <a:p>
             <a:fld id="{1AF9A467-BFE2-41BE-A0FC-0030BE2626DD}" type="datetime1">
               <a:rPr lang="en-US" smtClean="0"/>
-              <a:t>6/25/2015</a:t>
+              <a:t>6/26/2015</a:t>
             </a:fld>
             <a:endParaRPr lang="en-US"/>
           </a:p>
@@ -13824,7 +16938,7 @@
           <a:p>
             <a:fld id="{43E3EAFD-F696-47C2-9253-8A163E9F976A}" type="datetime1">
               <a:rPr lang="en-US" smtClean="0"/>
-              <a:t>6/25/2015</a:t>
+              <a:t>6/26/2015</a:t>
             </a:fld>
             <a:endParaRPr lang="en-US"/>
           </a:p>
@@ -13942,7 +17056,7 @@
           <a:p>
             <a:fld id="{3359A0CF-9B53-46A5-8307-04A4889D9F93}" type="datetime1">
               <a:rPr lang="en-US" smtClean="0"/>
-              <a:t>6/25/2015</a:t>
+              <a:t>6/26/2015</a:t>
             </a:fld>
             <a:endParaRPr lang="en-US"/>
           </a:p>
@@ -14174,7 +17288,7 @@
           <a:p>
             <a:fld id="{1AF9A467-BFE2-41BE-A0FC-0030BE2626DD}" type="datetime1">
               <a:rPr lang="en-US" smtClean="0"/>
-              <a:t>6/25/2015</a:t>
+              <a:t>6/26/2015</a:t>
             </a:fld>
             <a:endParaRPr lang="en-US"/>
           </a:p>
@@ -14269,7 +17383,7 @@
           <a:p>
             <a:fld id="{A4379B3A-E313-4F12-9C2E-80CDD6D57577}" type="datetime1">
               <a:rPr lang="en-US" smtClean="0"/>
-              <a:t>6/25/2015</a:t>
+              <a:t>6/26/2015</a:t>
             </a:fld>
             <a:endParaRPr lang="en-US"/>
           </a:p>
@@ -14546,7 +17660,7 @@
           <a:p>
             <a:fld id="{C10E1925-197E-4055-87BD-DC23A5578938}" type="datetime1">
               <a:rPr lang="en-US" smtClean="0"/>
-              <a:t>6/25/2015</a:t>
+              <a:t>6/26/2015</a:t>
             </a:fld>
             <a:endParaRPr lang="en-US"/>
           </a:p>
@@ -14803,7 +17917,7 @@
           <a:p>
             <a:fld id="{898E4E15-8956-4935-9C3F-CF1C62A234AF}" type="datetime1">
               <a:rPr lang="en-US" smtClean="0"/>
-              <a:t>6/25/2015</a:t>
+              <a:t>6/26/2015</a:t>
             </a:fld>
             <a:endParaRPr lang="en-US"/>
           </a:p>
@@ -14973,7 +18087,7 @@
           <a:p>
             <a:fld id="{E6E53668-B7C0-4790-AB12-5D3BFE47BE8B}" type="datetime1">
               <a:rPr lang="en-US" smtClean="0"/>
-              <a:t>6/25/2015</a:t>
+              <a:t>6/26/2015</a:t>
             </a:fld>
             <a:endParaRPr lang="en-US"/>
           </a:p>
@@ -15153,7 +18267,7 @@
           <a:p>
             <a:fld id="{AD012240-970E-40CC-8CD7-B4B37FE77D86}" type="datetime1">
               <a:rPr lang="en-US" smtClean="0"/>
-              <a:t>6/25/2015</a:t>
+              <a:t>6/26/2015</a:t>
             </a:fld>
             <a:endParaRPr lang="en-US"/>
           </a:p>
@@ -15500,7 +18614,7 @@
           <a:p>
             <a:fld id="{43E3EAFD-F696-47C2-9253-8A163E9F976A}" type="datetime1">
               <a:rPr lang="en-US" smtClean="0"/>
-              <a:t>6/25/2015</a:t>
+              <a:t>6/26/2015</a:t>
             </a:fld>
             <a:endParaRPr lang="en-US"/>
           </a:p>
@@ -15618,7 +18732,7 @@
           <a:p>
             <a:fld id="{3359A0CF-9B53-46A5-8307-04A4889D9F93}" type="datetime1">
               <a:rPr lang="en-US" smtClean="0"/>
-              <a:t>6/25/2015</a:t>
+              <a:t>6/26/2015</a:t>
             </a:fld>
             <a:endParaRPr lang="en-US"/>
           </a:p>
@@ -15736,7 +18850,7 @@
           <a:p>
             <a:fld id="{A4379B3A-E313-4F12-9C2E-80CDD6D57577}" type="datetime1">
               <a:rPr lang="en-US" smtClean="0"/>
-              <a:t>6/25/2015</a:t>
+              <a:t>6/26/2015</a:t>
             </a:fld>
             <a:endParaRPr lang="en-US"/>
           </a:p>
@@ -16020,7 +19134,7 @@
           <a:p>
             <a:fld id="{C10E1925-197E-4055-87BD-DC23A5578938}" type="datetime1">
               <a:rPr lang="en-US" smtClean="0"/>
-              <a:t>6/25/2015</a:t>
+              <a:t>6/26/2015</a:t>
             </a:fld>
             <a:endParaRPr lang="en-US"/>
           </a:p>
@@ -16284,7 +19398,7 @@
           <a:p>
             <a:fld id="{898E4E15-8956-4935-9C3F-CF1C62A234AF}" type="datetime1">
               <a:rPr lang="en-US" smtClean="0"/>
-              <a:t>6/25/2015</a:t>
+              <a:t>6/26/2015</a:t>
             </a:fld>
             <a:endParaRPr lang="en-US"/>
           </a:p>
@@ -16498,7 +19612,7 @@
           <a:p>
             <a:fld id="{8A8E5BE4-9DA4-4FAD-9FF2-25E33DA7A2DE}" type="datetime1">
               <a:rPr lang="en-US" smtClean="0"/>
-              <a:t>6/25/2015</a:t>
+              <a:t>6/26/2015</a:t>
             </a:fld>
             <a:endParaRPr lang="en-US"/>
           </a:p>
@@ -17029,7 +20143,7 @@
           <a:p>
             <a:fld id="{FC3B0C6D-E3BB-429A-AB5D-08885DC9FDF2}" type="datetime1">
               <a:rPr lang="en-US" smtClean="0"/>
-              <a:t>6/25/2015</a:t>
+              <a:t>6/26/2015</a:t>
             </a:fld>
             <a:endParaRPr lang="en-US"/>
           </a:p>
@@ -17560,7 +20674,7 @@
           <a:p>
             <a:fld id="{B0E3F87A-01F1-4F3F-8BAF-BABC1CBFDFDD}" type="datetime1">
               <a:rPr lang="en-US" smtClean="0"/>
-              <a:t>6/25/2015</a:t>
+              <a:t>6/26/2015</a:t>
             </a:fld>
             <a:endParaRPr lang="en-US"/>
           </a:p>
@@ -18090,7 +21204,7 @@
           <a:p>
             <a:fld id="{8A8E5BE4-9DA4-4FAD-9FF2-25E33DA7A2DE}" type="datetime1">
               <a:rPr lang="en-US" smtClean="0"/>
-              <a:t>6/25/2015</a:t>
+              <a:t>6/26/2015</a:t>
             </a:fld>
             <a:endParaRPr lang="en-US"/>
           </a:p>
@@ -18564,6 +21678,47 @@
           </a:p>
         </p:txBody>
       </p:sp>
+      <p:pic>
+        <p:nvPicPr>
+          <p:cNvPr id="1026" name="Picture 2" descr="http://36mfjx1a0yt01ki78v3bb46n15gp.wpengine.netdna-cdn.com/wp-content/uploads/2011/03/Logo_full_png-resize.png"/>
+          <p:cNvPicPr>
+            <a:picLocks noChangeAspect="1" noChangeArrowheads="1"/>
+          </p:cNvPicPr>
+          <p:nvPr/>
+        </p:nvPicPr>
+        <p:blipFill>
+          <a:blip r:embed="rId3" cstate="print">
+            <a:extLst>
+              <a:ext uri="{28A0092B-C50C-407E-A947-70E740481C1C}">
+                <a14:useLocalDpi xmlns:a14="http://schemas.microsoft.com/office/drawing/2010/main" val="0"/>
+              </a:ext>
+            </a:extLst>
+          </a:blip>
+          <a:srcRect/>
+          <a:stretch>
+            <a:fillRect/>
+          </a:stretch>
+        </p:blipFill>
+        <p:spPr bwMode="auto">
+          <a:xfrm>
+            <a:off x="304867" y="233265"/>
+            <a:ext cx="1691884" cy="815679"/>
+          </a:xfrm>
+          <a:prstGeom prst="rect">
+            <a:avLst/>
+          </a:prstGeom>
+          <a:noFill/>
+          <a:extLst>
+            <a:ext uri="{909E8E84-426E-40DD-AFC4-6F175D3DCCD1}">
+              <a14:hiddenFill xmlns:a14="http://schemas.microsoft.com/office/drawing/2010/main">
+                <a:solidFill>
+                  <a:srgbClr val="FFFFFF"/>
+                </a:solidFill>
+              </a14:hiddenFill>
+            </a:ext>
+          </a:extLst>
+        </p:spPr>
+      </p:pic>
     </p:spTree>
     <p:extLst>
       <p:ext uri="{BB962C8B-B14F-4D97-AF65-F5344CB8AC3E}">
@@ -18613,51 +21768,34 @@
         </p:nvSpPr>
         <p:spPr/>
         <p:txBody>
-          <a:bodyPr/>
+          <a:bodyPr>
+            <a:normAutofit/>
+          </a:bodyPr>
           <a:lstStyle/>
           <a:p>
             <a:r>
-              <a:rPr lang="en-US" dirty="0" smtClean="0"/>
-              <a:t>Code Quality</a:t>
+              <a:rPr lang="en-US" dirty="0"/>
+              <a:t>Product Quality</a:t>
             </a:r>
             <a:br>
-              <a:rPr lang="en-US" dirty="0" smtClean="0"/>
+              <a:rPr lang="en-US" dirty="0"/>
             </a:br>
+            <a:r>
+              <a:rPr lang="en-US" sz="3100" dirty="0">
+                <a:sym typeface="Wingdings 3" panose="05040102010807070707" pitchFamily="18" charset="2"/>
+              </a:rPr>
+              <a:t> </a:t>
+            </a:r>
             <a:r>
               <a:rPr lang="en-US" sz="3100" dirty="0" smtClean="0">
                 <a:sym typeface="Wingdings 3" panose="05040102010807070707" pitchFamily="18" charset="2"/>
               </a:rPr>
-              <a:t> Code review</a:t>
+              <a:t>Demonstrate how we performed those types of testing</a:t>
             </a:r>
             <a:endParaRPr lang="en-US" sz="3100" dirty="0"/>
           </a:p>
         </p:txBody>
       </p:sp>
-      <p:graphicFrame>
-        <p:nvGraphicFramePr>
-          <p:cNvPr id="5" name="Content Placeholder 4"/>
-          <p:cNvGraphicFramePr>
-            <a:graphicFrameLocks noGrp="1"/>
-          </p:cNvGraphicFramePr>
-          <p:nvPr>
-            <p:ph idx="1"/>
-            <p:extLst>
-              <p:ext uri="{D42A27DB-BD31-4B8C-83A1-F6EECF244321}">
-                <p14:modId xmlns:p14="http://schemas.microsoft.com/office/powerpoint/2010/main" val="1062387288"/>
-              </p:ext>
-            </p:extLst>
-          </p:nvPr>
-        </p:nvGraphicFramePr>
-        <p:xfrm>
-          <a:off x="838200" y="1825625"/>
-          <a:ext cx="10515600" cy="4351338"/>
-        </p:xfrm>
-        <a:graphic>
-          <a:graphicData uri="http://schemas.openxmlformats.org/drawingml/2006/diagram">
-            <dgm:relIds xmlns:dgm="http://schemas.openxmlformats.org/drawingml/2006/diagram" xmlns:r="http://schemas.openxmlformats.org/officeDocument/2006/relationships" r:dm="rId2" r:lo="rId3" r:qs="rId4" r:cs="rId5"/>
-          </a:graphicData>
-        </a:graphic>
-      </p:graphicFrame>
       <p:sp>
         <p:nvSpPr>
           <p:cNvPr id="4" name="Slide Number Placeholder 3"/>
@@ -18681,10 +21819,89 @@
           </a:p>
         </p:txBody>
       </p:sp>
+      <p:sp>
+        <p:nvSpPr>
+          <p:cNvPr id="5" name="Chevron 4"/>
+          <p:cNvSpPr/>
+          <p:nvPr/>
+        </p:nvSpPr>
+        <p:spPr>
+          <a:xfrm>
+            <a:off x="838200" y="1758156"/>
+            <a:ext cx="3333750" cy="495300"/>
+          </a:xfrm>
+          <a:prstGeom prst="chevron">
+            <a:avLst/>
+          </a:prstGeom>
+          <a:ln/>
+        </p:spPr>
+        <p:style>
+          <a:lnRef idx="2">
+            <a:schemeClr val="accent1">
+              <a:shade val="50000"/>
+            </a:schemeClr>
+          </a:lnRef>
+          <a:fillRef idx="1">
+            <a:schemeClr val="accent1"/>
+          </a:fillRef>
+          <a:effectRef idx="0">
+            <a:schemeClr val="accent1"/>
+          </a:effectRef>
+          <a:fontRef idx="minor">
+            <a:schemeClr val="lt1"/>
+          </a:fontRef>
+        </p:style>
+        <p:txBody>
+          <a:bodyPr rtlCol="0" anchor="ctr"/>
+          <a:lstStyle/>
+          <a:p>
+            <a:pPr algn="ctr"/>
+            <a:r>
+              <a:rPr lang="en-US" dirty="0" smtClean="0"/>
+              <a:t>Integration Testing</a:t>
+            </a:r>
+            <a:endParaRPr lang="en-US" dirty="0">
+              <a:solidFill>
+                <a:schemeClr val="tx1"/>
+              </a:solidFill>
+            </a:endParaRPr>
+          </a:p>
+        </p:txBody>
+      </p:sp>
+      <p:pic>
+        <p:nvPicPr>
+          <p:cNvPr id="6" name="Picture 5" descr="Screen Clipping"/>
+          <p:cNvPicPr>
+            <a:picLocks noChangeAspect="1"/>
+          </p:cNvPicPr>
+          <p:nvPr/>
+        </p:nvPicPr>
+        <p:blipFill>
+          <a:blip r:embed="rId2">
+            <a:extLst>
+              <a:ext uri="{28A0092B-C50C-407E-A947-70E740481C1C}">
+                <a14:useLocalDpi xmlns:a14="http://schemas.microsoft.com/office/drawing/2010/main" val="0"/>
+              </a:ext>
+            </a:extLst>
+          </a:blip>
+          <a:stretch>
+            <a:fillRect/>
+          </a:stretch>
+        </p:blipFill>
+        <p:spPr>
+          <a:xfrm>
+            <a:off x="2834983" y="2394300"/>
+            <a:ext cx="6057091" cy="3962050"/>
+          </a:xfrm>
+          <a:prstGeom prst="rect">
+            <a:avLst/>
+          </a:prstGeom>
+        </p:spPr>
+      </p:pic>
     </p:spTree>
     <p:extLst>
       <p:ext uri="{BB962C8B-B14F-4D97-AF65-F5344CB8AC3E}">
-        <p14:creationId xmlns:p14="http://schemas.microsoft.com/office/powerpoint/2010/main" val="3344434301"/>
+        <p14:creationId xmlns:p14="http://schemas.microsoft.com/office/powerpoint/2010/main" val="2384773975"/>
       </p:ext>
     </p:extLst>
   </p:cSld>
@@ -18734,6 +21951,642 @@
           <a:lstStyle/>
           <a:p>
             <a:r>
+              <a:rPr lang="en-US" dirty="0" smtClean="0"/>
+              <a:t>Code Quality</a:t>
+            </a:r>
+            <a:br>
+              <a:rPr lang="en-US" dirty="0" smtClean="0"/>
+            </a:br>
+            <a:r>
+              <a:rPr lang="en-US" sz="3100" dirty="0" smtClean="0">
+                <a:sym typeface="Wingdings 3" panose="05040102010807070707" pitchFamily="18" charset="2"/>
+              </a:rPr>
+              <a:t> Code </a:t>
+            </a:r>
+            <a:r>
+              <a:rPr lang="en-US" sz="3100" dirty="0" smtClean="0">
+                <a:sym typeface="Wingdings 3" panose="05040102010807070707" pitchFamily="18" charset="2"/>
+              </a:rPr>
+              <a:t>review process</a:t>
+            </a:r>
+            <a:endParaRPr lang="en-US" sz="3100" dirty="0"/>
+          </a:p>
+        </p:txBody>
+      </p:sp>
+      <p:graphicFrame>
+        <p:nvGraphicFramePr>
+          <p:cNvPr id="5" name="Content Placeholder 4"/>
+          <p:cNvGraphicFramePr>
+            <a:graphicFrameLocks noGrp="1"/>
+          </p:cNvGraphicFramePr>
+          <p:nvPr>
+            <p:ph idx="1"/>
+            <p:extLst>
+              <p:ext uri="{D42A27DB-BD31-4B8C-83A1-F6EECF244321}">
+                <p14:modId xmlns:p14="http://schemas.microsoft.com/office/powerpoint/2010/main" val="1539487948"/>
+              </p:ext>
+            </p:extLst>
+          </p:nvPr>
+        </p:nvGraphicFramePr>
+        <p:xfrm>
+          <a:off x="838200" y="1825625"/>
+          <a:ext cx="10515600" cy="4351338"/>
+        </p:xfrm>
+        <a:graphic>
+          <a:graphicData uri="http://schemas.openxmlformats.org/drawingml/2006/diagram">
+            <dgm:relIds xmlns:dgm="http://schemas.openxmlformats.org/drawingml/2006/diagram" xmlns:r="http://schemas.openxmlformats.org/officeDocument/2006/relationships" r:dm="rId2" r:lo="rId3" r:qs="rId4" r:cs="rId5"/>
+          </a:graphicData>
+        </a:graphic>
+      </p:graphicFrame>
+      <p:sp>
+        <p:nvSpPr>
+          <p:cNvPr id="4" name="Slide Number Placeholder 3"/>
+          <p:cNvSpPr>
+            <a:spLocks noGrp="1"/>
+          </p:cNvSpPr>
+          <p:nvPr>
+            <p:ph type="sldNum" sz="quarter" idx="12"/>
+          </p:nvPr>
+        </p:nvSpPr>
+        <p:spPr/>
+        <p:txBody>
+          <a:bodyPr/>
+          <a:lstStyle/>
+          <a:p>
+            <a:fld id="{BCD7396F-CAFE-47FC-9775-745DE743DF33}" type="slidenum">
+              <a:rPr lang="en-US" smtClean="0"/>
+              <a:t>11</a:t>
+            </a:fld>
+            <a:endParaRPr lang="en-US"/>
+          </a:p>
+        </p:txBody>
+      </p:sp>
+    </p:spTree>
+    <p:extLst>
+      <p:ext uri="{BB962C8B-B14F-4D97-AF65-F5344CB8AC3E}">
+        <p14:creationId xmlns:p14="http://schemas.microsoft.com/office/powerpoint/2010/main" val="3344434301"/>
+      </p:ext>
+    </p:extLst>
+  </p:cSld>
+  <p:clrMapOvr>
+    <a:masterClrMapping/>
+  </p:clrMapOvr>
+  <p:timing>
+    <p:tnLst>
+      <p:par>
+        <p:cTn id="1" dur="indefinite" restart="never" nodeType="tmRoot"/>
+      </p:par>
+    </p:tnLst>
+  </p:timing>
+</p:sld>
+</file>
+
+<file path=ppt/slides/slide12.xml><?xml version="1.0" encoding="utf-8"?>
+<p:sld xmlns:a="http://schemas.openxmlformats.org/drawingml/2006/main" xmlns:r="http://schemas.openxmlformats.org/officeDocument/2006/relationships" xmlns:p="http://schemas.openxmlformats.org/presentationml/2006/main">
+  <p:cSld>
+    <p:spTree>
+      <p:nvGrpSpPr>
+        <p:cNvPr id="1" name=""/>
+        <p:cNvGrpSpPr/>
+        <p:nvPr/>
+      </p:nvGrpSpPr>
+      <p:grpSpPr>
+        <a:xfrm>
+          <a:off x="0" y="0"/>
+          <a:ext cx="0" cy="0"/>
+          <a:chOff x="0" y="0"/>
+          <a:chExt cx="0" cy="0"/>
+        </a:xfrm>
+      </p:grpSpPr>
+      <p:sp>
+        <p:nvSpPr>
+          <p:cNvPr id="2" name="Title 1"/>
+          <p:cNvSpPr>
+            <a:spLocks noGrp="1"/>
+          </p:cNvSpPr>
+          <p:nvPr>
+            <p:ph type="title"/>
+          </p:nvPr>
+        </p:nvSpPr>
+        <p:spPr/>
+        <p:txBody>
+          <a:bodyPr/>
+          <a:lstStyle/>
+          <a:p>
+            <a:r>
+              <a:rPr lang="en-US" dirty="0"/>
+              <a:t>Practices in building cloud-based system</a:t>
+            </a:r>
+            <a:endParaRPr lang="en-US" dirty="0"/>
+          </a:p>
+        </p:txBody>
+      </p:sp>
+      <p:sp>
+        <p:nvSpPr>
+          <p:cNvPr id="3" name="Content Placeholder 2"/>
+          <p:cNvSpPr>
+            <a:spLocks noGrp="1"/>
+          </p:cNvSpPr>
+          <p:nvPr>
+            <p:ph idx="1"/>
+          </p:nvPr>
+        </p:nvSpPr>
+        <p:spPr/>
+        <p:txBody>
+          <a:bodyPr/>
+          <a:lstStyle/>
+          <a:p>
+            <a:r>
+              <a:rPr lang="en-US" dirty="0" smtClean="0"/>
+              <a:t>Firewall (company policy)</a:t>
+            </a:r>
+          </a:p>
+          <a:p>
+            <a:r>
+              <a:rPr lang="en-US" dirty="0" smtClean="0"/>
+              <a:t>Slow </a:t>
+            </a:r>
+            <a:r>
+              <a:rPr lang="en-US" dirty="0" smtClean="0">
+                <a:sym typeface="Wingdings 3" panose="05040102010807070707" pitchFamily="18" charset="2"/>
+              </a:rPr>
+              <a:t> timeout errors</a:t>
+            </a:r>
+          </a:p>
+          <a:p>
+            <a:r>
+              <a:rPr lang="en-US" dirty="0" smtClean="0"/>
+              <a:t>Ineffective </a:t>
+            </a:r>
+            <a:r>
+              <a:rPr lang="en-US" dirty="0"/>
+              <a:t>license </a:t>
+            </a:r>
+            <a:r>
+              <a:rPr lang="en-US" dirty="0" smtClean="0"/>
+              <a:t>purchase</a:t>
+            </a:r>
+          </a:p>
+          <a:p>
+            <a:r>
+              <a:rPr lang="en-US" dirty="0" smtClean="0"/>
+              <a:t>Time-zone</a:t>
+            </a:r>
+          </a:p>
+          <a:p>
+            <a:r>
+              <a:rPr lang="en-US" dirty="0" smtClean="0"/>
+              <a:t>Not isolated resources (Queue, Cloud Account)</a:t>
+            </a:r>
+          </a:p>
+          <a:p>
+            <a:endParaRPr lang="en-US" dirty="0"/>
+          </a:p>
+        </p:txBody>
+      </p:sp>
+      <p:sp>
+        <p:nvSpPr>
+          <p:cNvPr id="4" name="Slide Number Placeholder 3"/>
+          <p:cNvSpPr>
+            <a:spLocks noGrp="1"/>
+          </p:cNvSpPr>
+          <p:nvPr>
+            <p:ph type="sldNum" sz="quarter" idx="12"/>
+          </p:nvPr>
+        </p:nvSpPr>
+        <p:spPr/>
+        <p:txBody>
+          <a:bodyPr/>
+          <a:lstStyle/>
+          <a:p>
+            <a:fld id="{BCD7396F-CAFE-47FC-9775-745DE743DF33}" type="slidenum">
+              <a:rPr lang="en-US" smtClean="0"/>
+              <a:t>12</a:t>
+            </a:fld>
+            <a:endParaRPr lang="en-US"/>
+          </a:p>
+        </p:txBody>
+      </p:sp>
+    </p:spTree>
+    <p:extLst>
+      <p:ext uri="{BB962C8B-B14F-4D97-AF65-F5344CB8AC3E}">
+        <p14:creationId xmlns:p14="http://schemas.microsoft.com/office/powerpoint/2010/main" val="3432642773"/>
+      </p:ext>
+    </p:extLst>
+  </p:cSld>
+  <p:clrMapOvr>
+    <a:masterClrMapping/>
+  </p:clrMapOvr>
+  <p:timing>
+    <p:tnLst>
+      <p:par>
+        <p:cTn id="1" dur="indefinite" restart="never" nodeType="tmRoot"/>
+      </p:par>
+    </p:tnLst>
+  </p:timing>
+</p:sld>
+</file>
+
+<file path=ppt/slides/slide13.xml><?xml version="1.0" encoding="utf-8"?>
+<p:sld xmlns:a="http://schemas.openxmlformats.org/drawingml/2006/main" xmlns:r="http://schemas.openxmlformats.org/officeDocument/2006/relationships" xmlns:p="http://schemas.openxmlformats.org/presentationml/2006/main">
+  <p:cSld>
+    <p:spTree>
+      <p:nvGrpSpPr>
+        <p:cNvPr id="1" name=""/>
+        <p:cNvGrpSpPr/>
+        <p:nvPr/>
+      </p:nvGrpSpPr>
+      <p:grpSpPr>
+        <a:xfrm>
+          <a:off x="0" y="0"/>
+          <a:ext cx="0" cy="0"/>
+          <a:chOff x="0" y="0"/>
+          <a:chExt cx="0" cy="0"/>
+        </a:xfrm>
+      </p:grpSpPr>
+      <p:sp>
+        <p:nvSpPr>
+          <p:cNvPr id="2" name="Title 1"/>
+          <p:cNvSpPr>
+            <a:spLocks noGrp="1"/>
+          </p:cNvSpPr>
+          <p:nvPr>
+            <p:ph type="title"/>
+          </p:nvPr>
+        </p:nvSpPr>
+        <p:spPr/>
+        <p:txBody>
+          <a:bodyPr/>
+          <a:lstStyle/>
+          <a:p>
+            <a:r>
+              <a:rPr lang="en-US" dirty="0"/>
+              <a:t>Cautions</a:t>
+            </a:r>
+            <a:endParaRPr lang="en-US" dirty="0"/>
+          </a:p>
+        </p:txBody>
+      </p:sp>
+      <p:sp>
+        <p:nvSpPr>
+          <p:cNvPr id="3" name="Content Placeholder 2"/>
+          <p:cNvSpPr>
+            <a:spLocks noGrp="1"/>
+          </p:cNvSpPr>
+          <p:nvPr>
+            <p:ph idx="1"/>
+          </p:nvPr>
+        </p:nvSpPr>
+        <p:spPr/>
+        <p:txBody>
+          <a:bodyPr/>
+          <a:lstStyle/>
+          <a:p>
+            <a:r>
+              <a:rPr lang="en-US" dirty="0" smtClean="0"/>
+              <a:t>Code review</a:t>
+            </a:r>
+          </a:p>
+          <a:p>
+            <a:pPr lvl="1"/>
+            <a:r>
+              <a:rPr lang="en-US" dirty="0" smtClean="0"/>
+              <a:t>Take time, blocking</a:t>
+            </a:r>
+          </a:p>
+          <a:p>
+            <a:pPr lvl="1"/>
+            <a:r>
+              <a:rPr lang="en-US" dirty="0" smtClean="0"/>
+              <a:t>Require designing for new feature available before doing (1 - 2 days to breakdown tasks)</a:t>
+            </a:r>
+          </a:p>
+          <a:p>
+            <a:r>
+              <a:rPr lang="en-US" dirty="0" smtClean="0"/>
+              <a:t>Tests</a:t>
+            </a:r>
+          </a:p>
+          <a:p>
+            <a:pPr lvl="1"/>
+            <a:r>
+              <a:rPr lang="en-US" dirty="0" smtClean="0"/>
+              <a:t>Take too much time </a:t>
+            </a:r>
+            <a:r>
+              <a:rPr lang="en-US" dirty="0" smtClean="0">
+                <a:sym typeface="Wingdings 3" panose="05040102010807070707" pitchFamily="18" charset="2"/>
+              </a:rPr>
+              <a:t> 1 code ~ 3 types of testing</a:t>
+            </a:r>
+          </a:p>
+          <a:p>
+            <a:pPr lvl="1"/>
+            <a:r>
+              <a:rPr lang="en-US" dirty="0" smtClean="0">
+                <a:sym typeface="Wingdings 3" panose="05040102010807070707" pitchFamily="18" charset="2"/>
+              </a:rPr>
+              <a:t>Require QA-mindset from Dev</a:t>
+            </a:r>
+          </a:p>
+          <a:p>
+            <a:pPr lvl="1"/>
+            <a:r>
+              <a:rPr lang="en-US" dirty="0" smtClean="0"/>
+              <a:t>Maintenance</a:t>
+            </a:r>
+          </a:p>
+          <a:p>
+            <a:pPr lvl="2"/>
+            <a:r>
+              <a:rPr lang="en-US" dirty="0" smtClean="0"/>
+              <a:t>Add/remove properties, change constructors </a:t>
+            </a:r>
+            <a:r>
+              <a:rPr lang="en-US" dirty="0" smtClean="0">
+                <a:sym typeface="Wingdings 3" panose="05040102010807070707" pitchFamily="18" charset="2"/>
+              </a:rPr>
+              <a:t> update all related tests</a:t>
+            </a:r>
+          </a:p>
+          <a:p>
+            <a:endParaRPr lang="en-US" dirty="0"/>
+          </a:p>
+        </p:txBody>
+      </p:sp>
+      <p:sp>
+        <p:nvSpPr>
+          <p:cNvPr id="4" name="Slide Number Placeholder 3"/>
+          <p:cNvSpPr>
+            <a:spLocks noGrp="1"/>
+          </p:cNvSpPr>
+          <p:nvPr>
+            <p:ph type="sldNum" sz="quarter" idx="12"/>
+          </p:nvPr>
+        </p:nvSpPr>
+        <p:spPr/>
+        <p:txBody>
+          <a:bodyPr/>
+          <a:lstStyle/>
+          <a:p>
+            <a:fld id="{BCD7396F-CAFE-47FC-9775-745DE743DF33}" type="slidenum">
+              <a:rPr lang="en-US" smtClean="0"/>
+              <a:t>13</a:t>
+            </a:fld>
+            <a:endParaRPr lang="en-US"/>
+          </a:p>
+        </p:txBody>
+      </p:sp>
+    </p:spTree>
+    <p:extLst>
+      <p:ext uri="{BB962C8B-B14F-4D97-AF65-F5344CB8AC3E}">
+        <p14:creationId xmlns:p14="http://schemas.microsoft.com/office/powerpoint/2010/main" val="1569634490"/>
+      </p:ext>
+    </p:extLst>
+  </p:cSld>
+  <p:clrMapOvr>
+    <a:masterClrMapping/>
+  </p:clrMapOvr>
+  <p:timing>
+    <p:tnLst>
+      <p:par>
+        <p:cTn id="1" dur="indefinite" restart="never" nodeType="tmRoot"/>
+      </p:par>
+    </p:tnLst>
+  </p:timing>
+</p:sld>
+</file>
+
+<file path=ppt/slides/slide14.xml><?xml version="1.0" encoding="utf-8"?>
+<p:sld xmlns:a="http://schemas.openxmlformats.org/drawingml/2006/main" xmlns:r="http://schemas.openxmlformats.org/officeDocument/2006/relationships" xmlns:p="http://schemas.openxmlformats.org/presentationml/2006/main">
+  <p:cSld>
+    <p:spTree>
+      <p:nvGrpSpPr>
+        <p:cNvPr id="1" name=""/>
+        <p:cNvGrpSpPr/>
+        <p:nvPr/>
+      </p:nvGrpSpPr>
+      <p:grpSpPr>
+        <a:xfrm>
+          <a:off x="0" y="0"/>
+          <a:ext cx="0" cy="0"/>
+          <a:chOff x="0" y="0"/>
+          <a:chExt cx="0" cy="0"/>
+        </a:xfrm>
+      </p:grpSpPr>
+      <p:sp>
+        <p:nvSpPr>
+          <p:cNvPr id="2" name="Title 1"/>
+          <p:cNvSpPr>
+            <a:spLocks noGrp="1"/>
+          </p:cNvSpPr>
+          <p:nvPr>
+            <p:ph type="title"/>
+          </p:nvPr>
+        </p:nvSpPr>
+        <p:spPr/>
+        <p:txBody>
+          <a:bodyPr/>
+          <a:lstStyle/>
+          <a:p>
+            <a:r>
+              <a:rPr lang="en-US" dirty="0" smtClean="0"/>
+              <a:t>References</a:t>
+            </a:r>
+            <a:endParaRPr lang="en-US" dirty="0"/>
+          </a:p>
+        </p:txBody>
+      </p:sp>
+      <p:sp>
+        <p:nvSpPr>
+          <p:cNvPr id="3" name="Content Placeholder 2"/>
+          <p:cNvSpPr>
+            <a:spLocks noGrp="1"/>
+          </p:cNvSpPr>
+          <p:nvPr>
+            <p:ph idx="1"/>
+          </p:nvPr>
+        </p:nvSpPr>
+        <p:spPr/>
+        <p:txBody>
+          <a:bodyPr/>
+          <a:lstStyle/>
+          <a:p>
+            <a:endParaRPr lang="en-US" dirty="0"/>
+          </a:p>
+        </p:txBody>
+      </p:sp>
+      <p:sp>
+        <p:nvSpPr>
+          <p:cNvPr id="4" name="Slide Number Placeholder 3"/>
+          <p:cNvSpPr>
+            <a:spLocks noGrp="1"/>
+          </p:cNvSpPr>
+          <p:nvPr>
+            <p:ph type="sldNum" sz="quarter" idx="12"/>
+          </p:nvPr>
+        </p:nvSpPr>
+        <p:spPr/>
+        <p:txBody>
+          <a:bodyPr/>
+          <a:lstStyle/>
+          <a:p>
+            <a:fld id="{BCD7396F-CAFE-47FC-9775-745DE743DF33}" type="slidenum">
+              <a:rPr lang="en-US" smtClean="0"/>
+              <a:t>14</a:t>
+            </a:fld>
+            <a:endParaRPr lang="en-US"/>
+          </a:p>
+        </p:txBody>
+      </p:sp>
+    </p:spTree>
+    <p:extLst>
+      <p:ext uri="{BB962C8B-B14F-4D97-AF65-F5344CB8AC3E}">
+        <p14:creationId xmlns:p14="http://schemas.microsoft.com/office/powerpoint/2010/main" val="3145098694"/>
+      </p:ext>
+    </p:extLst>
+  </p:cSld>
+  <p:clrMapOvr>
+    <a:masterClrMapping/>
+  </p:clrMapOvr>
+</p:sld>
+</file>
+
+<file path=ppt/slides/slide15.xml><?xml version="1.0" encoding="utf-8"?>
+<p:sld xmlns:a="http://schemas.openxmlformats.org/drawingml/2006/main" xmlns:r="http://schemas.openxmlformats.org/officeDocument/2006/relationships" xmlns:p="http://schemas.openxmlformats.org/presentationml/2006/main">
+  <p:cSld>
+    <p:spTree>
+      <p:nvGrpSpPr>
+        <p:cNvPr id="1" name=""/>
+        <p:cNvGrpSpPr/>
+        <p:nvPr/>
+      </p:nvGrpSpPr>
+      <p:grpSpPr>
+        <a:xfrm>
+          <a:off x="0" y="0"/>
+          <a:ext cx="0" cy="0"/>
+          <a:chOff x="0" y="0"/>
+          <a:chExt cx="0" cy="0"/>
+        </a:xfrm>
+      </p:grpSpPr>
+      <p:sp>
+        <p:nvSpPr>
+          <p:cNvPr id="2" name="Title 1"/>
+          <p:cNvSpPr>
+            <a:spLocks noGrp="1"/>
+          </p:cNvSpPr>
+          <p:nvPr>
+            <p:ph type="title"/>
+          </p:nvPr>
+        </p:nvSpPr>
+        <p:spPr/>
+        <p:txBody>
+          <a:bodyPr/>
+          <a:lstStyle/>
+          <a:p>
+            <a:r>
+              <a:rPr lang="en-US" dirty="0" smtClean="0"/>
+              <a:t>Thank you for listening</a:t>
+            </a:r>
+            <a:endParaRPr lang="en-US" dirty="0"/>
+          </a:p>
+        </p:txBody>
+      </p:sp>
+      <p:sp>
+        <p:nvSpPr>
+          <p:cNvPr id="3" name="Content Placeholder 2"/>
+          <p:cNvSpPr>
+            <a:spLocks noGrp="1"/>
+          </p:cNvSpPr>
+          <p:nvPr>
+            <p:ph idx="1"/>
+          </p:nvPr>
+        </p:nvSpPr>
+        <p:spPr/>
+        <p:txBody>
+          <a:bodyPr/>
+          <a:lstStyle/>
+          <a:p>
+            <a:endParaRPr lang="en-US"/>
+          </a:p>
+        </p:txBody>
+      </p:sp>
+      <p:sp>
+        <p:nvSpPr>
+          <p:cNvPr id="4" name="Slide Number Placeholder 3"/>
+          <p:cNvSpPr>
+            <a:spLocks noGrp="1"/>
+          </p:cNvSpPr>
+          <p:nvPr>
+            <p:ph type="sldNum" sz="quarter" idx="12"/>
+          </p:nvPr>
+        </p:nvSpPr>
+        <p:spPr/>
+        <p:txBody>
+          <a:bodyPr/>
+          <a:lstStyle/>
+          <a:p>
+            <a:fld id="{BCD7396F-CAFE-47FC-9775-745DE743DF33}" type="slidenum">
+              <a:rPr lang="en-US" smtClean="0"/>
+              <a:t>15</a:t>
+            </a:fld>
+            <a:endParaRPr lang="en-US"/>
+          </a:p>
+        </p:txBody>
+      </p:sp>
+    </p:spTree>
+    <p:extLst>
+      <p:ext uri="{BB962C8B-B14F-4D97-AF65-F5344CB8AC3E}">
+        <p14:creationId xmlns:p14="http://schemas.microsoft.com/office/powerpoint/2010/main" val="3072012996"/>
+      </p:ext>
+    </p:extLst>
+  </p:cSld>
+  <p:clrMapOvr>
+    <a:masterClrMapping/>
+  </p:clrMapOvr>
+  <p:timing>
+    <p:tnLst>
+      <p:par>
+        <p:cTn id="1" dur="indefinite" restart="never" nodeType="tmRoot"/>
+      </p:par>
+    </p:tnLst>
+  </p:timing>
+</p:sld>
+</file>
+
+<file path=ppt/slides/slide16.xml><?xml version="1.0" encoding="utf-8"?>
+<p:sld xmlns:a="http://schemas.openxmlformats.org/drawingml/2006/main" xmlns:r="http://schemas.openxmlformats.org/officeDocument/2006/relationships" xmlns:p="http://schemas.openxmlformats.org/presentationml/2006/main">
+  <p:cSld>
+    <p:spTree>
+      <p:nvGrpSpPr>
+        <p:cNvPr id="1" name=""/>
+        <p:cNvGrpSpPr/>
+        <p:nvPr/>
+      </p:nvGrpSpPr>
+      <p:grpSpPr>
+        <a:xfrm>
+          <a:off x="0" y="0"/>
+          <a:ext cx="0" cy="0"/>
+          <a:chOff x="0" y="0"/>
+          <a:chExt cx="0" cy="0"/>
+        </a:xfrm>
+      </p:grpSpPr>
+      <p:sp>
+        <p:nvSpPr>
+          <p:cNvPr id="2" name="Title 1"/>
+          <p:cNvSpPr>
+            <a:spLocks noGrp="1"/>
+          </p:cNvSpPr>
+          <p:nvPr>
+            <p:ph type="title"/>
+          </p:nvPr>
+        </p:nvSpPr>
+        <p:spPr/>
+        <p:txBody>
+          <a:bodyPr/>
+          <a:lstStyle/>
+          <a:p>
+            <a:r>
               <a:rPr lang="en-US" dirty="0" smtClean="0">
                 <a:latin typeface="Segoe UI Light" panose="020B0502040204020203" pitchFamily="34" charset="0"/>
                 <a:cs typeface="Segoe UI Light" panose="020B0502040204020203" pitchFamily="34" charset="0"/>
@@ -18764,7 +22617,7 @@
           <a:p>
             <a:fld id="{BCD7396F-CAFE-47FC-9775-745DE743DF33}" type="slidenum">
               <a:rPr lang="en-US" smtClean="0"/>
-              <a:t>11</a:t>
+              <a:t>16</a:t>
             </a:fld>
             <a:endParaRPr lang="en-US"/>
           </a:p>
@@ -18820,7 +22673,7 @@
 </p:sld>
 </file>
 
-<file path=ppt/slides/slide12.xml><?xml version="1.0" encoding="utf-8"?>
+<file path=ppt/slides/slide17.xml><?xml version="1.0" encoding="utf-8"?>
 <p:sld xmlns:a="http://schemas.openxmlformats.org/drawingml/2006/main" xmlns:r="http://schemas.openxmlformats.org/officeDocument/2006/relationships" xmlns:p="http://schemas.openxmlformats.org/presentationml/2006/main">
   <p:cSld>
     <p:spTree>
@@ -18883,7 +22736,7 @@
           <a:p>
             <a:fld id="{BCD7396F-CAFE-47FC-9775-745DE743DF33}" type="slidenum">
               <a:rPr lang="en-US" smtClean="0"/>
-              <a:t>12</a:t>
+              <a:t>17</a:t>
             </a:fld>
             <a:endParaRPr lang="en-US"/>
           </a:p>
@@ -18939,7 +22792,7 @@
 </p:sld>
 </file>
 
-<file path=ppt/slides/slide13.xml><?xml version="1.0" encoding="utf-8"?>
+<file path=ppt/slides/slide18.xml><?xml version="1.0" encoding="utf-8"?>
 <p:sld xmlns:a="http://schemas.openxmlformats.org/drawingml/2006/main" xmlns:r="http://schemas.openxmlformats.org/officeDocument/2006/relationships" xmlns:p="http://schemas.openxmlformats.org/presentationml/2006/main">
   <p:cSld>
     <p:spTree>
@@ -19323,7 +23176,7 @@
           <a:p>
             <a:fld id="{BCD7396F-CAFE-47FC-9775-745DE743DF33}" type="slidenum">
               <a:rPr lang="en-US" smtClean="0"/>
-              <a:t>13</a:t>
+              <a:t>18</a:t>
             </a:fld>
             <a:endParaRPr lang="en-US"/>
           </a:p>
@@ -20414,7 +24267,7 @@
 </p:sld>
 </file>
 
-<file path=ppt/slides/slide14.xml><?xml version="1.0" encoding="utf-8"?>
+<file path=ppt/slides/slide19.xml><?xml version="1.0" encoding="utf-8"?>
 <p:sld xmlns:a="http://schemas.openxmlformats.org/drawingml/2006/main" xmlns:r="http://schemas.openxmlformats.org/officeDocument/2006/relationships" xmlns:p="http://schemas.openxmlformats.org/presentationml/2006/main">
   <p:cSld>
     <p:spTree>
@@ -20448,7 +24301,7 @@
           <a:p>
             <a:fld id="{BCD7396F-CAFE-47FC-9775-745DE743DF33}" type="slidenum">
               <a:rPr lang="en-US" smtClean="0"/>
-              <a:t>14</a:t>
+              <a:t>19</a:t>
             </a:fld>
             <a:endParaRPr lang="en-US"/>
           </a:p>
@@ -22003,7 +25856,115 @@
 </p:sld>
 </file>
 
-<file path=ppt/slides/slide15.xml><?xml version="1.0" encoding="utf-8"?>
+<file path=ppt/slides/slide2.xml><?xml version="1.0" encoding="utf-8"?>
+<p:sld xmlns:a="http://schemas.openxmlformats.org/drawingml/2006/main" xmlns:r="http://schemas.openxmlformats.org/officeDocument/2006/relationships" xmlns:p="http://schemas.openxmlformats.org/presentationml/2006/main">
+  <p:cSld>
+    <p:spTree>
+      <p:nvGrpSpPr>
+        <p:cNvPr id="1" name=""/>
+        <p:cNvGrpSpPr/>
+        <p:nvPr/>
+      </p:nvGrpSpPr>
+      <p:grpSpPr>
+        <a:xfrm>
+          <a:off x="0" y="0"/>
+          <a:ext cx="0" cy="0"/>
+          <a:chOff x="0" y="0"/>
+          <a:chExt cx="0" cy="0"/>
+        </a:xfrm>
+      </p:grpSpPr>
+      <p:sp>
+        <p:nvSpPr>
+          <p:cNvPr id="2" name="Title 1"/>
+          <p:cNvSpPr>
+            <a:spLocks noGrp="1"/>
+          </p:cNvSpPr>
+          <p:nvPr>
+            <p:ph type="title"/>
+          </p:nvPr>
+        </p:nvSpPr>
+        <p:spPr/>
+        <p:txBody>
+          <a:bodyPr/>
+          <a:lstStyle/>
+          <a:p>
+            <a:r>
+              <a:rPr lang="en-US" dirty="0" smtClean="0"/>
+              <a:t>Agenda</a:t>
+            </a:r>
+            <a:endParaRPr lang="en-US" dirty="0"/>
+          </a:p>
+        </p:txBody>
+      </p:sp>
+      <p:graphicFrame>
+        <p:nvGraphicFramePr>
+          <p:cNvPr id="5" name="Content Placeholder 4"/>
+          <p:cNvGraphicFramePr>
+            <a:graphicFrameLocks noGrp="1"/>
+          </p:cNvGraphicFramePr>
+          <p:nvPr>
+            <p:ph idx="1"/>
+            <p:extLst>
+              <p:ext uri="{D42A27DB-BD31-4B8C-83A1-F6EECF244321}">
+                <p14:modId xmlns:p14="http://schemas.microsoft.com/office/powerpoint/2010/main" val="1812145932"/>
+              </p:ext>
+            </p:extLst>
+          </p:nvPr>
+        </p:nvGraphicFramePr>
+        <p:xfrm>
+          <a:off x="838200" y="1825625"/>
+          <a:ext cx="10515600" cy="4351338"/>
+        </p:xfrm>
+        <a:graphic>
+          <a:graphicData uri="http://schemas.openxmlformats.org/drawingml/2006/diagram">
+            <dgm:relIds xmlns:dgm="http://schemas.openxmlformats.org/drawingml/2006/diagram" xmlns:r="http://schemas.openxmlformats.org/officeDocument/2006/relationships" r:dm="rId2" r:lo="rId3" r:qs="rId4" r:cs="rId5"/>
+          </a:graphicData>
+        </a:graphic>
+      </p:graphicFrame>
+      <p:sp>
+        <p:nvSpPr>
+          <p:cNvPr id="4" name="Slide Number Placeholder 3"/>
+          <p:cNvSpPr>
+            <a:spLocks noGrp="1"/>
+          </p:cNvSpPr>
+          <p:nvPr>
+            <p:ph type="sldNum" sz="quarter" idx="12"/>
+          </p:nvPr>
+        </p:nvSpPr>
+        <p:spPr/>
+        <p:txBody>
+          <a:bodyPr/>
+          <a:lstStyle/>
+          <a:p>
+            <a:fld id="{BCD7396F-CAFE-47FC-9775-745DE743DF33}" type="slidenum">
+              <a:rPr lang="en-US" smtClean="0"/>
+              <a:t>2</a:t>
+            </a:fld>
+            <a:endParaRPr lang="en-US"/>
+          </a:p>
+        </p:txBody>
+      </p:sp>
+    </p:spTree>
+    <p:extLst>
+      <p:ext uri="{BB962C8B-B14F-4D97-AF65-F5344CB8AC3E}">
+        <p14:creationId xmlns:p14="http://schemas.microsoft.com/office/powerpoint/2010/main" val="2257210601"/>
+      </p:ext>
+    </p:extLst>
+  </p:cSld>
+  <p:clrMapOvr>
+    <a:masterClrMapping/>
+  </p:clrMapOvr>
+  <p:timing>
+    <p:tnLst>
+      <p:par>
+        <p:cTn id="1" dur="indefinite" restart="never" nodeType="tmRoot"/>
+      </p:par>
+    </p:tnLst>
+  </p:timing>
+</p:sld>
+</file>
+
+<file path=ppt/slides/slide20.xml><?xml version="1.0" encoding="utf-8"?>
 <p:sld xmlns:a="http://schemas.openxmlformats.org/drawingml/2006/main" xmlns:r="http://schemas.openxmlformats.org/officeDocument/2006/relationships" xmlns:p="http://schemas.openxmlformats.org/presentationml/2006/main">
   <p:cSld>
     <p:spTree>
@@ -23493,7 +27454,7 @@
 </p:sld>
 </file>
 
-<file path=ppt/slides/slide16.xml><?xml version="1.0" encoding="utf-8"?>
+<file path=ppt/slides/slide21.xml><?xml version="1.0" encoding="utf-8"?>
 <p:sld xmlns:a="http://schemas.openxmlformats.org/drawingml/2006/main" xmlns:r="http://schemas.openxmlformats.org/officeDocument/2006/relationships" xmlns:p="http://schemas.openxmlformats.org/presentationml/2006/main">
   <p:cSld>
     <p:spTree>
@@ -25914,7 +29875,7 @@
 </p:sld>
 </file>
 
-<file path=ppt/slides/slide17.xml><?xml version="1.0" encoding="utf-8"?>
+<file path=ppt/slides/slide22.xml><?xml version="1.0" encoding="utf-8"?>
 <p:sld xmlns:a="http://schemas.openxmlformats.org/drawingml/2006/main" xmlns:r="http://schemas.openxmlformats.org/officeDocument/2006/relationships" xmlns:p="http://schemas.openxmlformats.org/presentationml/2006/main">
   <p:cSld>
     <p:spTree>
@@ -28345,7 +32306,7 @@
 </p:sld>
 </file>
 
-<file path=ppt/slides/slide18.xml><?xml version="1.0" encoding="utf-8"?>
+<file path=ppt/slides/slide23.xml><?xml version="1.0" encoding="utf-8"?>
 <p:sld xmlns:a="http://schemas.openxmlformats.org/drawingml/2006/main" xmlns:r="http://schemas.openxmlformats.org/officeDocument/2006/relationships" xmlns:p="http://schemas.openxmlformats.org/presentationml/2006/main">
   <p:cSld>
     <p:spTree>
@@ -28697,7 +32658,7 @@
 </p:sld>
 </file>
 
-<file path=ppt/slides/slide19.xml><?xml version="1.0" encoding="utf-8"?>
+<file path=ppt/slides/slide24.xml><?xml version="1.0" encoding="utf-8"?>
 <p:sld xmlns:a="http://schemas.openxmlformats.org/drawingml/2006/main" xmlns:r="http://schemas.openxmlformats.org/officeDocument/2006/relationships" xmlns:p="http://schemas.openxmlformats.org/presentationml/2006/main">
   <p:cSld>
     <p:spTree>
@@ -30953,140 +34914,7 @@
 </p:sld>
 </file>
 
-<file path=ppt/slides/slide2.xml><?xml version="1.0" encoding="utf-8"?>
-<p:sld xmlns:a="http://schemas.openxmlformats.org/drawingml/2006/main" xmlns:r="http://schemas.openxmlformats.org/officeDocument/2006/relationships" xmlns:p="http://schemas.openxmlformats.org/presentationml/2006/main">
-  <p:cSld>
-    <p:spTree>
-      <p:nvGrpSpPr>
-        <p:cNvPr id="1" name=""/>
-        <p:cNvGrpSpPr/>
-        <p:nvPr/>
-      </p:nvGrpSpPr>
-      <p:grpSpPr>
-        <a:xfrm>
-          <a:off x="0" y="0"/>
-          <a:ext cx="0" cy="0"/>
-          <a:chOff x="0" y="0"/>
-          <a:chExt cx="0" cy="0"/>
-        </a:xfrm>
-      </p:grpSpPr>
-      <p:sp>
-        <p:nvSpPr>
-          <p:cNvPr id="2" name="Title 1"/>
-          <p:cNvSpPr>
-            <a:spLocks noGrp="1"/>
-          </p:cNvSpPr>
-          <p:nvPr>
-            <p:ph type="title"/>
-          </p:nvPr>
-        </p:nvSpPr>
-        <p:spPr/>
-        <p:txBody>
-          <a:bodyPr>
-            <a:normAutofit fontScale="90000"/>
-          </a:bodyPr>
-          <a:lstStyle/>
-          <a:p>
-            <a:r>
-              <a:rPr lang="en-US" sz="4900" dirty="0" smtClean="0"/>
-              <a:t>Product Quality</a:t>
-            </a:r>
-            <a:r>
-              <a:rPr lang="en-US" dirty="0" smtClean="0"/>
-              <a:t/>
-            </a:r>
-            <a:br>
-              <a:rPr lang="en-US" dirty="0" smtClean="0"/>
-            </a:br>
-            <a:r>
-              <a:rPr lang="en-US" sz="3400" dirty="0" smtClean="0">
-                <a:sym typeface="Wingdings 3" panose="05040102010807070707" pitchFamily="18" charset="2"/>
-              </a:rPr>
-              <a:t></a:t>
-            </a:r>
-            <a:r>
-              <a:rPr lang="en-US" sz="3400" dirty="0" smtClean="0"/>
-              <a:t>The conceptual structure of an application to software testing</a:t>
-            </a:r>
-            <a:endParaRPr lang="en-US" sz="3400" dirty="0"/>
-          </a:p>
-        </p:txBody>
-      </p:sp>
-      <p:sp>
-        <p:nvSpPr>
-          <p:cNvPr id="4" name="Slide Number Placeholder 3"/>
-          <p:cNvSpPr>
-            <a:spLocks noGrp="1"/>
-          </p:cNvSpPr>
-          <p:nvPr>
-            <p:ph type="sldNum" sz="quarter" idx="12"/>
-          </p:nvPr>
-        </p:nvSpPr>
-        <p:spPr/>
-        <p:txBody>
-          <a:bodyPr/>
-          <a:lstStyle/>
-          <a:p>
-            <a:fld id="{BCD7396F-CAFE-47FC-9775-745DE743DF33}" type="slidenum">
-              <a:rPr lang="en-US" smtClean="0"/>
-              <a:pPr/>
-              <a:t>2</a:t>
-            </a:fld>
-            <a:endParaRPr lang="en-US"/>
-          </a:p>
-        </p:txBody>
-      </p:sp>
-      <p:pic>
-        <p:nvPicPr>
-          <p:cNvPr id="8" name="Picture 7"/>
-          <p:cNvPicPr>
-            <a:picLocks noChangeAspect="1"/>
-          </p:cNvPicPr>
-          <p:nvPr/>
-        </p:nvPicPr>
-        <p:blipFill>
-          <a:blip r:embed="rId2" cstate="print">
-            <a:extLst>
-              <a:ext uri="{28A0092B-C50C-407E-A947-70E740481C1C}">
-                <a14:useLocalDpi xmlns:a14="http://schemas.microsoft.com/office/drawing/2010/main" val="0"/>
-              </a:ext>
-            </a:extLst>
-          </a:blip>
-          <a:stretch>
-            <a:fillRect/>
-          </a:stretch>
-        </p:blipFill>
-        <p:spPr>
-          <a:xfrm>
-            <a:off x="2948924" y="1972631"/>
-            <a:ext cx="6308005" cy="4102409"/>
-          </a:xfrm>
-          <a:prstGeom prst="rect">
-            <a:avLst/>
-          </a:prstGeom>
-        </p:spPr>
-      </p:pic>
-    </p:spTree>
-    <p:extLst>
-      <p:ext uri="{BB962C8B-B14F-4D97-AF65-F5344CB8AC3E}">
-        <p14:creationId xmlns:p14="http://schemas.microsoft.com/office/powerpoint/2010/main" val="2859926506"/>
-      </p:ext>
-    </p:extLst>
-  </p:cSld>
-  <p:clrMapOvr>
-    <a:masterClrMapping/>
-  </p:clrMapOvr>
-  <p:timing>
-    <p:tnLst>
-      <p:par>
-        <p:cTn id="1" dur="indefinite" restart="never" nodeType="tmRoot"/>
-      </p:par>
-    </p:tnLst>
-  </p:timing>
-</p:sld>
-</file>
-
-<file path=ppt/slides/slide20.xml><?xml version="1.0" encoding="utf-8"?>
+<file path=ppt/slides/slide25.xml><?xml version="1.0" encoding="utf-8"?>
 <p:sld xmlns:a="http://schemas.openxmlformats.org/drawingml/2006/main" xmlns:r="http://schemas.openxmlformats.org/officeDocument/2006/relationships" xmlns:p="http://schemas.openxmlformats.org/presentationml/2006/main">
   <p:cSld>
     <p:spTree>
@@ -33282,7 +37110,7 @@
 </p:sld>
 </file>
 
-<file path=ppt/slides/slide21.xml><?xml version="1.0" encoding="utf-8"?>
+<file path=ppt/slides/slide26.xml><?xml version="1.0" encoding="utf-8"?>
 <p:sld xmlns:a="http://schemas.openxmlformats.org/drawingml/2006/main" xmlns:r="http://schemas.openxmlformats.org/officeDocument/2006/relationships" xmlns:p="http://schemas.openxmlformats.org/presentationml/2006/main">
   <p:cSld>
     <p:spTree>
@@ -33576,7 +37404,7 @@
           <a:p>
             <a:fld id="{BCD7396F-CAFE-47FC-9775-745DE743DF33}" type="slidenum">
               <a:rPr lang="en-US" smtClean="0"/>
-              <a:t>21</a:t>
+              <a:t>26</a:t>
             </a:fld>
             <a:endParaRPr lang="en-US"/>
           </a:p>
@@ -34357,24 +38185,32 @@
         <p:spPr/>
         <p:txBody>
           <a:bodyPr>
-            <a:normAutofit/>
+            <a:normAutofit fontScale="90000"/>
           </a:bodyPr>
           <a:lstStyle/>
           <a:p>
             <a:r>
+              <a:rPr lang="en-US" sz="4900" dirty="0" smtClean="0"/>
+              <a:t>Product Quality</a:t>
+            </a:r>
+            <a:r>
               <a:rPr lang="en-US" dirty="0" smtClean="0"/>
-              <a:t>Product Quality</a:t>
+              <a:t/>
             </a:r>
             <a:br>
               <a:rPr lang="en-US" dirty="0" smtClean="0"/>
             </a:br>
             <a:r>
-              <a:rPr lang="en-US" sz="3100" dirty="0" smtClean="0">
+              <a:rPr lang="en-US" sz="3400" dirty="0" smtClean="0">
                 <a:sym typeface="Wingdings 3" panose="05040102010807070707" pitchFamily="18" charset="2"/>
               </a:rPr>
-              <a:t> Software components and their testing</a:t>
-            </a:r>
-            <a:endParaRPr lang="en-US" sz="3100" dirty="0"/>
+              <a:t></a:t>
+            </a:r>
+            <a:r>
+              <a:rPr lang="en-US" sz="3400" dirty="0" smtClean="0"/>
+              <a:t>The conceptual structure of an application to software testing</a:t>
+            </a:r>
+            <a:endParaRPr lang="en-US" sz="3400" dirty="0"/>
           </a:p>
         </p:txBody>
       </p:sp>
@@ -34397,6 +38233,131 @@
               <a:rPr lang="en-US" smtClean="0"/>
               <a:pPr/>
               <a:t>3</a:t>
+            </a:fld>
+            <a:endParaRPr lang="en-US"/>
+          </a:p>
+        </p:txBody>
+      </p:sp>
+      <p:pic>
+        <p:nvPicPr>
+          <p:cNvPr id="8" name="Picture 7"/>
+          <p:cNvPicPr>
+            <a:picLocks noChangeAspect="1"/>
+          </p:cNvPicPr>
+          <p:nvPr/>
+        </p:nvPicPr>
+        <p:blipFill>
+          <a:blip r:embed="rId2" cstate="print">
+            <a:extLst>
+              <a:ext uri="{28A0092B-C50C-407E-A947-70E740481C1C}">
+                <a14:useLocalDpi xmlns:a14="http://schemas.microsoft.com/office/drawing/2010/main" val="0"/>
+              </a:ext>
+            </a:extLst>
+          </a:blip>
+          <a:stretch>
+            <a:fillRect/>
+          </a:stretch>
+        </p:blipFill>
+        <p:spPr>
+          <a:xfrm>
+            <a:off x="2948924" y="1972631"/>
+            <a:ext cx="6308005" cy="4102409"/>
+          </a:xfrm>
+          <a:prstGeom prst="rect">
+            <a:avLst/>
+          </a:prstGeom>
+        </p:spPr>
+      </p:pic>
+    </p:spTree>
+    <p:extLst>
+      <p:ext uri="{BB962C8B-B14F-4D97-AF65-F5344CB8AC3E}">
+        <p14:creationId xmlns:p14="http://schemas.microsoft.com/office/powerpoint/2010/main" val="2859926506"/>
+      </p:ext>
+    </p:extLst>
+  </p:cSld>
+  <p:clrMapOvr>
+    <a:masterClrMapping/>
+  </p:clrMapOvr>
+  <p:timing>
+    <p:tnLst>
+      <p:par>
+        <p:cTn id="1" dur="indefinite" restart="never" nodeType="tmRoot"/>
+      </p:par>
+    </p:tnLst>
+  </p:timing>
+</p:sld>
+</file>
+
+<file path=ppt/slides/slide4.xml><?xml version="1.0" encoding="utf-8"?>
+<p:sld xmlns:a="http://schemas.openxmlformats.org/drawingml/2006/main" xmlns:r="http://schemas.openxmlformats.org/officeDocument/2006/relationships" xmlns:p="http://schemas.openxmlformats.org/presentationml/2006/main">
+  <p:cSld>
+    <p:spTree>
+      <p:nvGrpSpPr>
+        <p:cNvPr id="1" name=""/>
+        <p:cNvGrpSpPr/>
+        <p:nvPr/>
+      </p:nvGrpSpPr>
+      <p:grpSpPr>
+        <a:xfrm>
+          <a:off x="0" y="0"/>
+          <a:ext cx="0" cy="0"/>
+          <a:chOff x="0" y="0"/>
+          <a:chExt cx="0" cy="0"/>
+        </a:xfrm>
+      </p:grpSpPr>
+      <p:sp>
+        <p:nvSpPr>
+          <p:cNvPr id="2" name="Title 1"/>
+          <p:cNvSpPr>
+            <a:spLocks noGrp="1"/>
+          </p:cNvSpPr>
+          <p:nvPr>
+            <p:ph type="title"/>
+          </p:nvPr>
+        </p:nvSpPr>
+        <p:spPr/>
+        <p:txBody>
+          <a:bodyPr>
+            <a:normAutofit/>
+          </a:bodyPr>
+          <a:lstStyle/>
+          <a:p>
+            <a:r>
+              <a:rPr lang="en-US" dirty="0" smtClean="0"/>
+              <a:t>Product Quality</a:t>
+            </a:r>
+            <a:br>
+              <a:rPr lang="en-US" dirty="0" smtClean="0"/>
+            </a:br>
+            <a:r>
+              <a:rPr lang="en-US" sz="3100" dirty="0" smtClean="0">
+                <a:sym typeface="Wingdings 3" panose="05040102010807070707" pitchFamily="18" charset="2"/>
+              </a:rPr>
+              <a:t> Software components and their testing</a:t>
+            </a:r>
+            <a:endParaRPr lang="en-US" sz="3100" dirty="0"/>
+          </a:p>
+        </p:txBody>
+      </p:sp>
+      <p:sp>
+        <p:nvSpPr>
+          <p:cNvPr id="4" name="Slide Number Placeholder 3"/>
+          <p:cNvSpPr>
+            <a:spLocks noGrp="1"/>
+          </p:cNvSpPr>
+          <p:nvPr>
+            <p:ph type="sldNum" sz="quarter" idx="12"/>
+          </p:nvPr>
+        </p:nvSpPr>
+        <p:spPr/>
+        <p:txBody>
+          <a:bodyPr/>
+          <a:lstStyle/>
+          <a:p>
+            <a:fld id="{BCD7396F-CAFE-47FC-9775-745DE743DF33}" type="slidenum">
+              <a:rPr lang="en-US" smtClean="0"/>
+              <a:pPr/>
+              <a:t>4</a:t>
             </a:fld>
             <a:endParaRPr lang="en-US" dirty="0"/>
           </a:p>
@@ -34819,110 +38780,6 @@
 </p:sld>
 </file>
 
-<file path=ppt/slides/slide4.xml><?xml version="1.0" encoding="utf-8"?>
-<p:sld xmlns:a="http://schemas.openxmlformats.org/drawingml/2006/main" xmlns:r="http://schemas.openxmlformats.org/officeDocument/2006/relationships" xmlns:p="http://schemas.openxmlformats.org/presentationml/2006/main">
-  <p:cSld>
-    <p:spTree>
-      <p:nvGrpSpPr>
-        <p:cNvPr id="1" name=""/>
-        <p:cNvGrpSpPr/>
-        <p:nvPr/>
-      </p:nvGrpSpPr>
-      <p:grpSpPr>
-        <a:xfrm>
-          <a:off x="0" y="0"/>
-          <a:ext cx="0" cy="0"/>
-          <a:chOff x="0" y="0"/>
-          <a:chExt cx="0" cy="0"/>
-        </a:xfrm>
-      </p:grpSpPr>
-      <p:sp>
-        <p:nvSpPr>
-          <p:cNvPr id="2" name="Title 1"/>
-          <p:cNvSpPr>
-            <a:spLocks noGrp="1"/>
-          </p:cNvSpPr>
-          <p:nvPr>
-            <p:ph type="title"/>
-          </p:nvPr>
-        </p:nvSpPr>
-        <p:spPr/>
-        <p:txBody>
-          <a:bodyPr/>
-          <a:lstStyle/>
-          <a:p>
-            <a:r>
-              <a:rPr lang="en-US" dirty="0"/>
-              <a:t>Product Quality</a:t>
-            </a:r>
-            <a:br>
-              <a:rPr lang="en-US" dirty="0"/>
-            </a:br>
-            <a:r>
-              <a:rPr lang="en-US" sz="3100" dirty="0">
-                <a:sym typeface="Wingdings 3" panose="05040102010807070707" pitchFamily="18" charset="2"/>
-              </a:rPr>
-              <a:t> Software components and their testing</a:t>
-            </a:r>
-            <a:endParaRPr lang="en-US" sz="3100" dirty="0"/>
-          </a:p>
-        </p:txBody>
-      </p:sp>
-      <p:sp>
-        <p:nvSpPr>
-          <p:cNvPr id="3" name="Content Placeholder 2"/>
-          <p:cNvSpPr>
-            <a:spLocks noGrp="1"/>
-          </p:cNvSpPr>
-          <p:nvPr>
-            <p:ph idx="1"/>
-          </p:nvPr>
-        </p:nvSpPr>
-        <p:spPr/>
-        <p:txBody>
-          <a:bodyPr/>
-          <a:lstStyle/>
-          <a:p>
-            <a:endParaRPr lang="en-US" dirty="0"/>
-          </a:p>
-        </p:txBody>
-      </p:sp>
-      <p:sp>
-        <p:nvSpPr>
-          <p:cNvPr id="4" name="Slide Number Placeholder 3"/>
-          <p:cNvSpPr>
-            <a:spLocks noGrp="1"/>
-          </p:cNvSpPr>
-          <p:nvPr>
-            <p:ph type="sldNum" sz="quarter" idx="12"/>
-          </p:nvPr>
-        </p:nvSpPr>
-        <p:spPr/>
-        <p:txBody>
-          <a:bodyPr/>
-          <a:lstStyle/>
-          <a:p>
-            <a:fld id="{BCD7396F-CAFE-47FC-9775-745DE743DF33}" type="slidenum">
-              <a:rPr lang="en-US" smtClean="0"/>
-              <a:t>4</a:t>
-            </a:fld>
-            <a:endParaRPr lang="en-US"/>
-          </a:p>
-        </p:txBody>
-      </p:sp>
-    </p:spTree>
-    <p:extLst>
-      <p:ext uri="{BB962C8B-B14F-4D97-AF65-F5344CB8AC3E}">
-        <p14:creationId xmlns:p14="http://schemas.microsoft.com/office/powerpoint/2010/main" val="2506924018"/>
-      </p:ext>
-    </p:extLst>
-  </p:cSld>
-  <p:clrMapOvr>
-    <a:masterClrMapping/>
-  </p:clrMapOvr>
-</p:sld>
-</file>
-
 <file path=ppt/slides/slide5.xml><?xml version="1.0" encoding="utf-8"?>
 <p:sld xmlns:a="http://schemas.openxmlformats.org/drawingml/2006/main" xmlns:r="http://schemas.openxmlformats.org/officeDocument/2006/relationships" xmlns:p="http://schemas.openxmlformats.org/presentationml/2006/main">
   <p:cSld>
@@ -34952,9 +38809,7 @@
         </p:nvSpPr>
         <p:spPr/>
         <p:txBody>
-          <a:bodyPr>
-            <a:normAutofit/>
-          </a:bodyPr>
+          <a:bodyPr/>
           <a:lstStyle/>
           <a:p>
             <a:r>
@@ -34968,15 +38823,28 @@
               <a:rPr lang="en-US" sz="3100" dirty="0">
                 <a:sym typeface="Wingdings 3" panose="05040102010807070707" pitchFamily="18" charset="2"/>
               </a:rPr>
-              <a:t> </a:t>
-            </a:r>
-            <a:r>
-              <a:rPr lang="en-US" sz="3100" dirty="0" smtClean="0">
-                <a:sym typeface="Wingdings 3" panose="05040102010807070707" pitchFamily="18" charset="2"/>
-              </a:rPr>
-              <a:t>Perform “System Testing” to test the entire application</a:t>
+              <a:t> Software components and their testing</a:t>
             </a:r>
             <a:endParaRPr lang="en-US" sz="3100" dirty="0"/>
+          </a:p>
+        </p:txBody>
+      </p:sp>
+      <p:sp>
+        <p:nvSpPr>
+          <p:cNvPr id="3" name="Content Placeholder 2"/>
+          <p:cNvSpPr>
+            <a:spLocks noGrp="1"/>
+          </p:cNvSpPr>
+          <p:nvPr>
+            <p:ph idx="1"/>
+          </p:nvPr>
+        </p:nvSpPr>
+        <p:spPr/>
+        <p:txBody>
+          <a:bodyPr/>
+          <a:lstStyle/>
+          <a:p>
+            <a:endParaRPr lang="en-US" dirty="0"/>
           </a:p>
         </p:txBody>
       </p:sp>
@@ -34997,8 +38865,108 @@
           <a:p>
             <a:fld id="{BCD7396F-CAFE-47FC-9775-745DE743DF33}" type="slidenum">
               <a:rPr lang="en-US" smtClean="0"/>
+              <a:t>5</a:t>
+            </a:fld>
+            <a:endParaRPr lang="en-US"/>
+          </a:p>
+        </p:txBody>
+      </p:sp>
+    </p:spTree>
+    <p:extLst>
+      <p:ext uri="{BB962C8B-B14F-4D97-AF65-F5344CB8AC3E}">
+        <p14:creationId xmlns:p14="http://schemas.microsoft.com/office/powerpoint/2010/main" val="2506924018"/>
+      </p:ext>
+    </p:extLst>
+  </p:cSld>
+  <p:clrMapOvr>
+    <a:masterClrMapping/>
+  </p:clrMapOvr>
+  <p:timing>
+    <p:tnLst>
+      <p:par>
+        <p:cTn id="1" dur="indefinite" restart="never" nodeType="tmRoot"/>
+      </p:par>
+    </p:tnLst>
+  </p:timing>
+</p:sld>
+</file>
+
+<file path=ppt/slides/slide6.xml><?xml version="1.0" encoding="utf-8"?>
+<p:sld xmlns:a="http://schemas.openxmlformats.org/drawingml/2006/main" xmlns:r="http://schemas.openxmlformats.org/officeDocument/2006/relationships" xmlns:p="http://schemas.openxmlformats.org/presentationml/2006/main">
+  <p:cSld>
+    <p:spTree>
+      <p:nvGrpSpPr>
+        <p:cNvPr id="1" name=""/>
+        <p:cNvGrpSpPr/>
+        <p:nvPr/>
+      </p:nvGrpSpPr>
+      <p:grpSpPr>
+        <a:xfrm>
+          <a:off x="0" y="0"/>
+          <a:ext cx="0" cy="0"/>
+          <a:chOff x="0" y="0"/>
+          <a:chExt cx="0" cy="0"/>
+        </a:xfrm>
+      </p:grpSpPr>
+      <p:sp>
+        <p:nvSpPr>
+          <p:cNvPr id="2" name="Title 1"/>
+          <p:cNvSpPr>
+            <a:spLocks noGrp="1"/>
+          </p:cNvSpPr>
+          <p:nvPr>
+            <p:ph type="title"/>
+          </p:nvPr>
+        </p:nvSpPr>
+        <p:spPr/>
+        <p:txBody>
+          <a:bodyPr>
+            <a:normAutofit/>
+          </a:bodyPr>
+          <a:lstStyle/>
+          <a:p>
+            <a:r>
+              <a:rPr lang="en-US" dirty="0"/>
+              <a:t>Product Quality</a:t>
+            </a:r>
+            <a:br>
+              <a:rPr lang="en-US" dirty="0"/>
+            </a:br>
+            <a:r>
+              <a:rPr lang="en-US" sz="3100" dirty="0">
+                <a:sym typeface="Wingdings 3" panose="05040102010807070707" pitchFamily="18" charset="2"/>
+              </a:rPr>
+              <a:t> </a:t>
+            </a:r>
+            <a:r>
+              <a:rPr lang="en-US" sz="3100" dirty="0" smtClean="0">
+                <a:sym typeface="Wingdings 3" panose="05040102010807070707" pitchFamily="18" charset="2"/>
+              </a:rPr>
+              <a:t>Perform “System Testing” to test the entire application</a:t>
+            </a:r>
+            <a:endParaRPr lang="en-US" sz="3100" dirty="0"/>
+          </a:p>
+        </p:txBody>
+      </p:sp>
+      <p:sp>
+        <p:nvSpPr>
+          <p:cNvPr id="4" name="Slide Number Placeholder 3"/>
+          <p:cNvSpPr>
+            <a:spLocks noGrp="1"/>
+          </p:cNvSpPr>
+          <p:nvPr>
+            <p:ph type="sldNum" sz="quarter" idx="12"/>
+          </p:nvPr>
+        </p:nvSpPr>
+        <p:spPr/>
+        <p:txBody>
+          <a:bodyPr/>
+          <a:lstStyle/>
+          <a:p>
+            <a:fld id="{BCD7396F-CAFE-47FC-9775-745DE743DF33}" type="slidenum">
+              <a:rPr lang="en-US" smtClean="0"/>
               <a:pPr/>
-              <a:t>5</a:t>
+              <a:t>6</a:t>
             </a:fld>
             <a:endParaRPr lang="en-US" dirty="0"/>
           </a:p>
@@ -35731,7 +39699,7 @@
 </p:sld>
 </file>
 
-<file path=ppt/slides/slide6.xml><?xml version="1.0" encoding="utf-8"?>
+<file path=ppt/slides/slide7.xml><?xml version="1.0" encoding="utf-8"?>
 <p:sld xmlns:a="http://schemas.openxmlformats.org/drawingml/2006/main" xmlns:r="http://schemas.openxmlformats.org/officeDocument/2006/relationships" xmlns:p="http://schemas.openxmlformats.org/presentationml/2006/main">
   <p:cSld>
     <p:spTree>
@@ -35830,7 +39798,7 @@
           <a:p>
             <a:fld id="{BCD7396F-CAFE-47FC-9775-745DE743DF33}" type="slidenum">
               <a:rPr lang="en-US" smtClean="0"/>
-              <a:t>6</a:t>
+              <a:t>7</a:t>
             </a:fld>
             <a:endParaRPr lang="en-US"/>
           </a:p>
@@ -35840,183 +39808,6 @@
     <p:extLst>
       <p:ext uri="{BB962C8B-B14F-4D97-AF65-F5344CB8AC3E}">
         <p14:creationId xmlns:p14="http://schemas.microsoft.com/office/powerpoint/2010/main" val="198412639"/>
-      </p:ext>
-    </p:extLst>
-  </p:cSld>
-  <p:clrMapOvr>
-    <a:masterClrMapping/>
-  </p:clrMapOvr>
-  <p:timing>
-    <p:tnLst>
-      <p:par>
-        <p:cTn id="1" dur="indefinite" restart="never" nodeType="tmRoot"/>
-      </p:par>
-    </p:tnLst>
-  </p:timing>
-</p:sld>
-</file>
-
-<file path=ppt/slides/slide7.xml><?xml version="1.0" encoding="utf-8"?>
-<p:sld xmlns:a="http://schemas.openxmlformats.org/drawingml/2006/main" xmlns:r="http://schemas.openxmlformats.org/officeDocument/2006/relationships" xmlns:p="http://schemas.openxmlformats.org/presentationml/2006/main">
-  <p:cSld>
-    <p:spTree>
-      <p:nvGrpSpPr>
-        <p:cNvPr id="1" name=""/>
-        <p:cNvGrpSpPr/>
-        <p:nvPr/>
-      </p:nvGrpSpPr>
-      <p:grpSpPr>
-        <a:xfrm>
-          <a:off x="0" y="0"/>
-          <a:ext cx="0" cy="0"/>
-          <a:chOff x="0" y="0"/>
-          <a:chExt cx="0" cy="0"/>
-        </a:xfrm>
-      </p:grpSpPr>
-      <p:sp>
-        <p:nvSpPr>
-          <p:cNvPr id="2" name="Title 1"/>
-          <p:cNvSpPr>
-            <a:spLocks noGrp="1"/>
-          </p:cNvSpPr>
-          <p:nvPr>
-            <p:ph type="title"/>
-          </p:nvPr>
-        </p:nvSpPr>
-        <p:spPr/>
-        <p:txBody>
-          <a:bodyPr>
-            <a:normAutofit/>
-          </a:bodyPr>
-          <a:lstStyle/>
-          <a:p>
-            <a:r>
-              <a:rPr lang="en-US" dirty="0"/>
-              <a:t>Product Quality</a:t>
-            </a:r>
-            <a:br>
-              <a:rPr lang="en-US" dirty="0"/>
-            </a:br>
-            <a:r>
-              <a:rPr lang="en-US" sz="3100" dirty="0">
-                <a:sym typeface="Wingdings 3" panose="05040102010807070707" pitchFamily="18" charset="2"/>
-              </a:rPr>
-              <a:t> </a:t>
-            </a:r>
-            <a:r>
-              <a:rPr lang="en-US" sz="3100" dirty="0" smtClean="0">
-                <a:sym typeface="Wingdings 3" panose="05040102010807070707" pitchFamily="18" charset="2"/>
-              </a:rPr>
-              <a:t>Demonstrate how we performed those types of testing</a:t>
-            </a:r>
-            <a:endParaRPr lang="en-US" sz="3100" dirty="0"/>
-          </a:p>
-        </p:txBody>
-      </p:sp>
-      <p:sp>
-        <p:nvSpPr>
-          <p:cNvPr id="4" name="Slide Number Placeholder 3"/>
-          <p:cNvSpPr>
-            <a:spLocks noGrp="1"/>
-          </p:cNvSpPr>
-          <p:nvPr>
-            <p:ph type="sldNum" sz="quarter" idx="12"/>
-          </p:nvPr>
-        </p:nvSpPr>
-        <p:spPr/>
-        <p:txBody>
-          <a:bodyPr/>
-          <a:lstStyle/>
-          <a:p>
-            <a:fld id="{BCD7396F-CAFE-47FC-9775-745DE743DF33}" type="slidenum">
-              <a:rPr lang="en-US" smtClean="0"/>
-              <a:t>7</a:t>
-            </a:fld>
-            <a:endParaRPr lang="en-US"/>
-          </a:p>
-        </p:txBody>
-      </p:sp>
-      <p:sp>
-        <p:nvSpPr>
-          <p:cNvPr id="3" name="Content Placeholder 2"/>
-          <p:cNvSpPr>
-            <a:spLocks noGrp="1"/>
-          </p:cNvSpPr>
-          <p:nvPr>
-            <p:ph idx="1"/>
-          </p:nvPr>
-        </p:nvSpPr>
-        <p:spPr>
-          <a:xfrm>
-            <a:off x="838200" y="2320924"/>
-            <a:ext cx="10515600" cy="3856039"/>
-          </a:xfrm>
-        </p:spPr>
-        <p:txBody>
-          <a:bodyPr/>
-          <a:lstStyle/>
-          <a:p>
-            <a:r>
-              <a:rPr lang="en-US" dirty="0" smtClean="0"/>
-              <a:t>TODO: Show sample code and screenshots</a:t>
-            </a:r>
-            <a:endParaRPr lang="en-US" dirty="0"/>
-          </a:p>
-        </p:txBody>
-      </p:sp>
-      <p:sp>
-        <p:nvSpPr>
-          <p:cNvPr id="5" name="Chevron 4"/>
-          <p:cNvSpPr/>
-          <p:nvPr/>
-        </p:nvSpPr>
-        <p:spPr>
-          <a:xfrm>
-            <a:off x="838200" y="1758156"/>
-            <a:ext cx="3333750" cy="495300"/>
-          </a:xfrm>
-          <a:prstGeom prst="chevron">
-            <a:avLst/>
-          </a:prstGeom>
-          <a:ln/>
-        </p:spPr>
-        <p:style>
-          <a:lnRef idx="2">
-            <a:schemeClr val="accent1">
-              <a:shade val="50000"/>
-            </a:schemeClr>
-          </a:lnRef>
-          <a:fillRef idx="1">
-            <a:schemeClr val="accent1"/>
-          </a:fillRef>
-          <a:effectRef idx="0">
-            <a:schemeClr val="accent1"/>
-          </a:effectRef>
-          <a:fontRef idx="minor">
-            <a:schemeClr val="lt1"/>
-          </a:fontRef>
-        </p:style>
-        <p:txBody>
-          <a:bodyPr rtlCol="0" anchor="ctr"/>
-          <a:lstStyle/>
-          <a:p>
-            <a:pPr algn="ctr"/>
-            <a:r>
-              <a:rPr lang="en-US" dirty="0"/>
-              <a:t>GUI Unit Testing</a:t>
-            </a:r>
-            <a:endParaRPr lang="en-US" dirty="0">
-              <a:solidFill>
-                <a:schemeClr val="tx1"/>
-              </a:solidFill>
-            </a:endParaRPr>
-          </a:p>
-        </p:txBody>
-      </p:sp>
-    </p:spTree>
-    <p:extLst>
-      <p:ext uri="{BB962C8B-B14F-4D97-AF65-F5344CB8AC3E}">
-        <p14:creationId xmlns:p14="http://schemas.microsoft.com/office/powerpoint/2010/main" val="1554690726"/>
       </p:ext>
     </p:extLst>
   </p:cSld>
@@ -36115,36 +39906,6 @@
       </p:sp>
       <p:sp>
         <p:nvSpPr>
-          <p:cNvPr id="3" name="Content Placeholder 2"/>
-          <p:cNvSpPr>
-            <a:spLocks noGrp="1"/>
-          </p:cNvSpPr>
-          <p:nvPr>
-            <p:ph idx="1"/>
-          </p:nvPr>
-        </p:nvSpPr>
-        <p:spPr>
-          <a:xfrm>
-            <a:off x="838200" y="2320924"/>
-            <a:ext cx="10515600" cy="3856039"/>
-          </a:xfrm>
-        </p:spPr>
-        <p:txBody>
-          <a:bodyPr/>
-          <a:lstStyle/>
-          <a:p>
-            <a:r>
-              <a:rPr lang="en-US" dirty="0"/>
-              <a:t>TODO: Show sample code and screenshots</a:t>
-            </a:r>
-          </a:p>
-          <a:p>
-            <a:endParaRPr lang="en-US" dirty="0"/>
-          </a:p>
-        </p:txBody>
-      </p:sp>
-      <p:sp>
-        <p:nvSpPr>
           <p:cNvPr id="5" name="Chevron 4"/>
           <p:cNvSpPr/>
           <p:nvPr/>
@@ -36181,12 +39942,8 @@
           <a:p>
             <a:pPr algn="ctr"/>
             <a:r>
-              <a:rPr lang="en-US" dirty="0" smtClean="0"/>
-              <a:t>Unit </a:t>
-            </a:r>
-            <a:r>
               <a:rPr lang="en-US" dirty="0"/>
-              <a:t>Testing</a:t>
+              <a:t>GUI Unit Testing</a:t>
             </a:r>
             <a:endParaRPr lang="en-US" dirty="0">
               <a:solidFill>
@@ -36196,10 +39953,297 @@
           </a:p>
         </p:txBody>
       </p:sp>
+      <p:sp>
+        <p:nvSpPr>
+          <p:cNvPr id="12" name="TextBox 11"/>
+          <p:cNvSpPr txBox="1"/>
+          <p:nvPr/>
+        </p:nvSpPr>
+        <p:spPr>
+          <a:xfrm>
+            <a:off x="838200" y="5032910"/>
+            <a:ext cx="10515600" cy="1323439"/>
+          </a:xfrm>
+          <a:prstGeom prst="rect">
+            <a:avLst/>
+          </a:prstGeom>
+          <a:noFill/>
+        </p:spPr>
+        <p:txBody>
+          <a:bodyPr wrap="square" rtlCol="0">
+            <a:spAutoFit/>
+          </a:bodyPr>
+          <a:lstStyle/>
+          <a:p>
+            <a:r>
+              <a:rPr lang="en-US" sz="1600" b="1" dirty="0" smtClean="0"/>
+              <a:t>Given</a:t>
+            </a:r>
+            <a:r>
+              <a:rPr lang="en-US" sz="1600" dirty="0" smtClean="0"/>
+              <a:t>: User have already logged in to Gmail and compose new message with an invalid to email address like this ‘</a:t>
+            </a:r>
+            <a:r>
+              <a:rPr lang="en-US" sz="1600" i="1" dirty="0" err="1" smtClean="0"/>
+              <a:t>invalid_email_address</a:t>
+            </a:r>
+            <a:r>
+              <a:rPr lang="en-US" sz="1600" dirty="0" smtClean="0"/>
+              <a:t>’.</a:t>
+            </a:r>
+          </a:p>
+          <a:p>
+            <a:r>
+              <a:rPr lang="en-US" sz="1600" b="1" dirty="0" smtClean="0"/>
+              <a:t>When</a:t>
+            </a:r>
+            <a:r>
+              <a:rPr lang="en-US" sz="1600" dirty="0" smtClean="0"/>
+              <a:t>: User click </a:t>
+            </a:r>
+            <a:r>
+              <a:rPr lang="en-US" sz="1600" b="1" dirty="0"/>
+              <a:t>S</a:t>
+            </a:r>
+            <a:r>
+              <a:rPr lang="en-US" sz="1600" b="1" dirty="0" smtClean="0"/>
+              <a:t>end</a:t>
+            </a:r>
+            <a:r>
+              <a:rPr lang="en-US" sz="1600" dirty="0" smtClean="0"/>
+              <a:t> button.</a:t>
+            </a:r>
+          </a:p>
+          <a:p>
+            <a:r>
+              <a:rPr lang="en-US" sz="1600" b="1" dirty="0" smtClean="0"/>
+              <a:t>Then</a:t>
+            </a:r>
+            <a:r>
+              <a:rPr lang="en-US" sz="1600" dirty="0" smtClean="0"/>
+              <a:t>: A pop-up appear to notify that &lt;</a:t>
+            </a:r>
+            <a:r>
+              <a:rPr lang="en-US" sz="1600" i="1" dirty="0" smtClean="0"/>
+              <a:t>The email address “</a:t>
+            </a:r>
+            <a:r>
+              <a:rPr lang="en-US" sz="1600" i="1" dirty="0" err="1" smtClean="0"/>
+              <a:t>invalid_email_address</a:t>
+            </a:r>
+            <a:r>
+              <a:rPr lang="en-US" sz="1600" i="1" dirty="0" smtClean="0"/>
+              <a:t>” is not recognized. Please fix it and try again.</a:t>
+            </a:r>
+            <a:r>
+              <a:rPr lang="en-US" sz="1600" dirty="0" smtClean="0"/>
+              <a:t>&gt;</a:t>
+            </a:r>
+          </a:p>
+        </p:txBody>
+      </p:sp>
+      <p:pic>
+        <p:nvPicPr>
+          <p:cNvPr id="16" name="Picture 15" descr="Screen Clipping"/>
+          <p:cNvPicPr>
+            <a:picLocks noChangeAspect="1"/>
+          </p:cNvPicPr>
+          <p:nvPr/>
+        </p:nvPicPr>
+        <p:blipFill>
+          <a:blip r:embed="rId3">
+            <a:extLst>
+              <a:ext uri="{28A0092B-C50C-407E-A947-70E740481C1C}">
+                <a14:useLocalDpi xmlns:a14="http://schemas.microsoft.com/office/drawing/2010/main" val="0"/>
+              </a:ext>
+            </a:extLst>
+          </a:blip>
+          <a:stretch>
+            <a:fillRect/>
+          </a:stretch>
+        </p:blipFill>
+        <p:spPr>
+          <a:xfrm>
+            <a:off x="865311" y="2376589"/>
+            <a:ext cx="3564217" cy="1990912"/>
+          </a:xfrm>
+          <a:prstGeom prst="rect">
+            <a:avLst/>
+          </a:prstGeom>
+          <a:ln>
+            <a:noFill/>
+          </a:ln>
+          <a:effectLst>
+            <a:outerShdw blurRad="190500" algn="tl" rotWithShape="0">
+              <a:srgbClr val="000000">
+                <a:alpha val="70000"/>
+              </a:srgbClr>
+            </a:outerShdw>
+          </a:effectLst>
+        </p:spPr>
+      </p:pic>
+      <p:pic>
+        <p:nvPicPr>
+          <p:cNvPr id="17" name="Picture 16" descr="Screen Clipping"/>
+          <p:cNvPicPr>
+            <a:picLocks noChangeAspect="1"/>
+          </p:cNvPicPr>
+          <p:nvPr/>
+        </p:nvPicPr>
+        <p:blipFill>
+          <a:blip r:embed="rId4">
+            <a:extLst>
+              <a:ext uri="{28A0092B-C50C-407E-A947-70E740481C1C}">
+                <a14:useLocalDpi xmlns:a14="http://schemas.microsoft.com/office/drawing/2010/main" val="0"/>
+              </a:ext>
+            </a:extLst>
+          </a:blip>
+          <a:stretch>
+            <a:fillRect/>
+          </a:stretch>
+        </p:blipFill>
+        <p:spPr>
+          <a:xfrm>
+            <a:off x="2096914" y="2826470"/>
+            <a:ext cx="3582665" cy="1990911"/>
+          </a:xfrm>
+          <a:prstGeom prst="rect">
+            <a:avLst/>
+          </a:prstGeom>
+          <a:ln>
+            <a:noFill/>
+          </a:ln>
+          <a:effectLst>
+            <a:outerShdw blurRad="190500" algn="tl" rotWithShape="0">
+              <a:srgbClr val="000000">
+                <a:alpha val="70000"/>
+              </a:srgbClr>
+            </a:outerShdw>
+          </a:effectLst>
+        </p:spPr>
+      </p:pic>
+      <p:pic>
+        <p:nvPicPr>
+          <p:cNvPr id="6" name="Picture 5" descr="Screen Clipping"/>
+          <p:cNvPicPr>
+            <a:picLocks noChangeAspect="1"/>
+          </p:cNvPicPr>
+          <p:nvPr/>
+        </p:nvPicPr>
+        <p:blipFill>
+          <a:blip r:embed="rId5">
+            <a:extLst>
+              <a:ext uri="{28A0092B-C50C-407E-A947-70E740481C1C}">
+                <a14:useLocalDpi xmlns:a14="http://schemas.microsoft.com/office/drawing/2010/main" val="0"/>
+              </a:ext>
+            </a:extLst>
+          </a:blip>
+          <a:stretch>
+            <a:fillRect/>
+          </a:stretch>
+        </p:blipFill>
+        <p:spPr>
+          <a:xfrm>
+            <a:off x="5836858" y="2340200"/>
+            <a:ext cx="5387869" cy="2477181"/>
+          </a:xfrm>
+          <a:prstGeom prst="rect">
+            <a:avLst/>
+          </a:prstGeom>
+        </p:spPr>
+      </p:pic>
+      <p:sp>
+        <p:nvSpPr>
+          <p:cNvPr id="7" name="Oval 6"/>
+          <p:cNvSpPr/>
+          <p:nvPr/>
+        </p:nvSpPr>
+        <p:spPr>
+          <a:xfrm>
+            <a:off x="684030" y="2337483"/>
+            <a:ext cx="205284" cy="205284"/>
+          </a:xfrm>
+          <a:prstGeom prst="ellipse">
+            <a:avLst/>
+          </a:prstGeom>
+        </p:spPr>
+        <p:style>
+          <a:lnRef idx="2">
+            <a:schemeClr val="accent2">
+              <a:shade val="50000"/>
+            </a:schemeClr>
+          </a:lnRef>
+          <a:fillRef idx="1">
+            <a:schemeClr val="accent2"/>
+          </a:fillRef>
+          <a:effectRef idx="0">
+            <a:schemeClr val="accent2"/>
+          </a:effectRef>
+          <a:fontRef idx="minor">
+            <a:schemeClr val="lt1"/>
+          </a:fontRef>
+        </p:style>
+        <p:txBody>
+          <a:bodyPr rtlCol="0" anchor="ctr"/>
+          <a:lstStyle/>
+          <a:p>
+            <a:pPr algn="ctr"/>
+            <a:r>
+              <a:rPr lang="en-US" sz="1400" dirty="0" smtClean="0"/>
+              <a:t>1</a:t>
+            </a:r>
+            <a:endParaRPr lang="en-US" sz="1400" dirty="0"/>
+          </a:p>
+        </p:txBody>
+      </p:sp>
+      <p:sp>
+        <p:nvSpPr>
+          <p:cNvPr id="13" name="Oval 12"/>
+          <p:cNvSpPr/>
+          <p:nvPr/>
+        </p:nvSpPr>
+        <p:spPr>
+          <a:xfrm>
+            <a:off x="1915633" y="2816223"/>
+            <a:ext cx="205284" cy="205284"/>
+          </a:xfrm>
+          <a:prstGeom prst="ellipse">
+            <a:avLst/>
+          </a:prstGeom>
+        </p:spPr>
+        <p:style>
+          <a:lnRef idx="2">
+            <a:schemeClr val="accent2">
+              <a:shade val="50000"/>
+            </a:schemeClr>
+          </a:lnRef>
+          <a:fillRef idx="1">
+            <a:schemeClr val="accent2"/>
+          </a:fillRef>
+          <a:effectRef idx="0">
+            <a:schemeClr val="accent2"/>
+          </a:effectRef>
+          <a:fontRef idx="minor">
+            <a:schemeClr val="lt1"/>
+          </a:fontRef>
+        </p:style>
+        <p:txBody>
+          <a:bodyPr rtlCol="0" anchor="ctr"/>
+          <a:lstStyle/>
+          <a:p>
+            <a:pPr algn="ctr"/>
+            <a:r>
+              <a:rPr lang="en-US" sz="1400" dirty="0"/>
+              <a:t>2</a:t>
+            </a:r>
+            <a:endParaRPr lang="en-US" sz="1400" dirty="0"/>
+          </a:p>
+        </p:txBody>
+      </p:sp>
     </p:spTree>
     <p:extLst>
       <p:ext uri="{BB962C8B-B14F-4D97-AF65-F5344CB8AC3E}">
-        <p14:creationId xmlns:p14="http://schemas.microsoft.com/office/powerpoint/2010/main" val="3943758777"/>
+        <p14:creationId xmlns:p14="http://schemas.microsoft.com/office/powerpoint/2010/main" val="368249076"/>
       </p:ext>
     </p:extLst>
   </p:cSld>
@@ -36298,36 +40342,6 @@
       </p:sp>
       <p:sp>
         <p:nvSpPr>
-          <p:cNvPr id="3" name="Content Placeholder 2"/>
-          <p:cNvSpPr>
-            <a:spLocks noGrp="1"/>
-          </p:cNvSpPr>
-          <p:nvPr>
-            <p:ph idx="1"/>
-          </p:nvPr>
-        </p:nvSpPr>
-        <p:spPr>
-          <a:xfrm>
-            <a:off x="838200" y="2320924"/>
-            <a:ext cx="10515600" cy="3856039"/>
-          </a:xfrm>
-        </p:spPr>
-        <p:txBody>
-          <a:bodyPr/>
-          <a:lstStyle/>
-          <a:p>
-            <a:r>
-              <a:rPr lang="en-US" dirty="0"/>
-              <a:t>TODO: Show sample code and screenshots</a:t>
-            </a:r>
-          </a:p>
-          <a:p>
-            <a:endParaRPr lang="en-US" dirty="0"/>
-          </a:p>
-        </p:txBody>
-      </p:sp>
-      <p:sp>
-        <p:nvSpPr>
           <p:cNvPr id="5" name="Chevron 4"/>
           <p:cNvSpPr/>
           <p:nvPr/>
@@ -36365,7 +40379,11 @@
             <a:pPr algn="ctr"/>
             <a:r>
               <a:rPr lang="en-US" dirty="0" smtClean="0"/>
-              <a:t>Integration Testing</a:t>
+              <a:t>Unit </a:t>
+            </a:r>
+            <a:r>
+              <a:rPr lang="en-US" dirty="0"/>
+              <a:t>Testing</a:t>
             </a:r>
             <a:endParaRPr lang="en-US" dirty="0">
               <a:solidFill>
@@ -36375,10 +40393,70 @@
           </a:p>
         </p:txBody>
       </p:sp>
+      <p:pic>
+        <p:nvPicPr>
+          <p:cNvPr id="7" name="Picture 6" descr="Screen Clipping"/>
+          <p:cNvPicPr>
+            <a:picLocks noChangeAspect="1"/>
+          </p:cNvPicPr>
+          <p:nvPr/>
+        </p:nvPicPr>
+        <p:blipFill>
+          <a:blip r:embed="rId2">
+            <a:extLst>
+              <a:ext uri="{28A0092B-C50C-407E-A947-70E740481C1C}">
+                <a14:useLocalDpi xmlns:a14="http://schemas.microsoft.com/office/drawing/2010/main" val="0"/>
+              </a:ext>
+            </a:extLst>
+          </a:blip>
+          <a:stretch>
+            <a:fillRect/>
+          </a:stretch>
+        </p:blipFill>
+        <p:spPr>
+          <a:xfrm>
+            <a:off x="838200" y="3349698"/>
+            <a:ext cx="3472543" cy="1659389"/>
+          </a:xfrm>
+          <a:prstGeom prst="rect">
+            <a:avLst/>
+          </a:prstGeom>
+        </p:spPr>
+      </p:pic>
+      <p:pic>
+        <p:nvPicPr>
+          <p:cNvPr id="8" name="Picture 7" descr="Screen Clipping"/>
+          <p:cNvPicPr>
+            <a:picLocks noChangeAspect="1"/>
+          </p:cNvPicPr>
+          <p:nvPr/>
+        </p:nvPicPr>
+        <p:blipFill>
+          <a:blip r:embed="rId3">
+            <a:extLst>
+              <a:ext uri="{28A0092B-C50C-407E-A947-70E740481C1C}">
+                <a14:useLocalDpi xmlns:a14="http://schemas.microsoft.com/office/drawing/2010/main" val="0"/>
+              </a:ext>
+            </a:extLst>
+          </a:blip>
+          <a:stretch>
+            <a:fillRect/>
+          </a:stretch>
+        </p:blipFill>
+        <p:spPr>
+          <a:xfrm>
+            <a:off x="5188429" y="2253457"/>
+            <a:ext cx="6652030" cy="4102894"/>
+          </a:xfrm>
+          <a:prstGeom prst="rect">
+            <a:avLst/>
+          </a:prstGeom>
+        </p:spPr>
+      </p:pic>
     </p:spTree>
     <p:extLst>
       <p:ext uri="{BB962C8B-B14F-4D97-AF65-F5344CB8AC3E}">
-        <p14:creationId xmlns:p14="http://schemas.microsoft.com/office/powerpoint/2010/main" val="2384773975"/>
+        <p14:creationId xmlns:p14="http://schemas.microsoft.com/office/powerpoint/2010/main" val="3943758777"/>
       </p:ext>
     </p:extLst>
   </p:cSld>
